--- a/slides/Module 3 - Data Types.pptx
+++ b/slides/Module 3 - Data Types.pptx
@@ -4,35 +4,61 @@
   <p:sldMasterIdLst>
     <p:sldMasterId id="2147483689" r:id="rId1"/>
   </p:sldMasterIdLst>
+  <p:notesMasterIdLst>
+    <p:notesMasterId r:id="rId53"/>
+  </p:notesMasterIdLst>
   <p:sldIdLst>
     <p:sldId id="256" r:id="rId2"/>
-    <p:sldId id="258" r:id="rId3"/>
-    <p:sldId id="257" r:id="rId4"/>
-    <p:sldId id="259" r:id="rId5"/>
-    <p:sldId id="260" r:id="rId6"/>
-    <p:sldId id="261" r:id="rId7"/>
-    <p:sldId id="264" r:id="rId8"/>
-    <p:sldId id="262" r:id="rId9"/>
-    <p:sldId id="263" r:id="rId10"/>
-    <p:sldId id="265" r:id="rId11"/>
-    <p:sldId id="266" r:id="rId12"/>
-    <p:sldId id="267" r:id="rId13"/>
-    <p:sldId id="268" r:id="rId14"/>
-    <p:sldId id="269" r:id="rId15"/>
-    <p:sldId id="270" r:id="rId16"/>
-    <p:sldId id="271" r:id="rId17"/>
-    <p:sldId id="272" r:id="rId18"/>
-    <p:sldId id="273" r:id="rId19"/>
-    <p:sldId id="274" r:id="rId20"/>
-    <p:sldId id="275" r:id="rId21"/>
-    <p:sldId id="276" r:id="rId22"/>
-    <p:sldId id="277" r:id="rId23"/>
-    <p:sldId id="279" r:id="rId24"/>
-    <p:sldId id="278" r:id="rId25"/>
-    <p:sldId id="280" r:id="rId26"/>
-    <p:sldId id="281" r:id="rId27"/>
-    <p:sldId id="282" r:id="rId28"/>
-    <p:sldId id="283" r:id="rId29"/>
+    <p:sldId id="284" r:id="rId3"/>
+    <p:sldId id="285" r:id="rId4"/>
+    <p:sldId id="286" r:id="rId5"/>
+    <p:sldId id="287" r:id="rId6"/>
+    <p:sldId id="288" r:id="rId7"/>
+    <p:sldId id="289" r:id="rId8"/>
+    <p:sldId id="290" r:id="rId9"/>
+    <p:sldId id="291" r:id="rId10"/>
+    <p:sldId id="292" r:id="rId11"/>
+    <p:sldId id="293" r:id="rId12"/>
+    <p:sldId id="294" r:id="rId13"/>
+    <p:sldId id="295" r:id="rId14"/>
+    <p:sldId id="296" r:id="rId15"/>
+    <p:sldId id="297" r:id="rId16"/>
+    <p:sldId id="298" r:id="rId17"/>
+    <p:sldId id="299" r:id="rId18"/>
+    <p:sldId id="300" r:id="rId19"/>
+    <p:sldId id="301" r:id="rId20"/>
+    <p:sldId id="302" r:id="rId21"/>
+    <p:sldId id="303" r:id="rId22"/>
+    <p:sldId id="304" r:id="rId23"/>
+    <p:sldId id="305" r:id="rId24"/>
+    <p:sldId id="306" r:id="rId25"/>
+    <p:sldId id="307" r:id="rId26"/>
+    <p:sldId id="308" r:id="rId27"/>
+    <p:sldId id="309" r:id="rId28"/>
+    <p:sldId id="310" r:id="rId29"/>
+    <p:sldId id="311" r:id="rId30"/>
+    <p:sldId id="312" r:id="rId31"/>
+    <p:sldId id="313" r:id="rId32"/>
+    <p:sldId id="314" r:id="rId33"/>
+    <p:sldId id="315" r:id="rId34"/>
+    <p:sldId id="316" r:id="rId35"/>
+    <p:sldId id="317" r:id="rId36"/>
+    <p:sldId id="318" r:id="rId37"/>
+    <p:sldId id="319" r:id="rId38"/>
+    <p:sldId id="320" r:id="rId39"/>
+    <p:sldId id="321" r:id="rId40"/>
+    <p:sldId id="322" r:id="rId41"/>
+    <p:sldId id="323" r:id="rId42"/>
+    <p:sldId id="324" r:id="rId43"/>
+    <p:sldId id="325" r:id="rId44"/>
+    <p:sldId id="326" r:id="rId45"/>
+    <p:sldId id="327" r:id="rId46"/>
+    <p:sldId id="328" r:id="rId47"/>
+    <p:sldId id="329" r:id="rId48"/>
+    <p:sldId id="330" r:id="rId49"/>
+    <p:sldId id="331" r:id="rId50"/>
+    <p:sldId id="332" r:id="rId51"/>
+    <p:sldId id="283" r:id="rId52"/>
   </p:sldIdLst>
   <p:sldSz cx="12192000" cy="6858000"/>
   <p:notesSz cx="6858000" cy="9144000"/>
@@ -139,6 +165,447 @@
 </p:presentation>
 </file>
 
+<file path=ppt/notesMasters/notesMaster1.xml><?xml version="1.0" encoding="utf-8"?>
+<p:notesMaster xmlns:a="http://schemas.openxmlformats.org/drawingml/2006/main" xmlns:r="http://schemas.openxmlformats.org/officeDocument/2006/relationships" xmlns:p="http://schemas.openxmlformats.org/presentationml/2006/main">
+  <p:cSld>
+    <p:bg>
+      <p:bgRef idx="1001">
+        <a:schemeClr val="bg1"/>
+      </p:bgRef>
+    </p:bg>
+    <p:spTree>
+      <p:nvGrpSpPr>
+        <p:cNvPr id="1" name=""/>
+        <p:cNvGrpSpPr/>
+        <p:nvPr/>
+      </p:nvGrpSpPr>
+      <p:grpSpPr>
+        <a:xfrm>
+          <a:off x="0" y="0"/>
+          <a:ext cx="0" cy="0"/>
+          <a:chOff x="0" y="0"/>
+          <a:chExt cx="0" cy="0"/>
+        </a:xfrm>
+      </p:grpSpPr>
+      <p:sp>
+        <p:nvSpPr>
+          <p:cNvPr id="2" name="Header Placeholder 1"/>
+          <p:cNvSpPr>
+            <a:spLocks noGrp="1"/>
+          </p:cNvSpPr>
+          <p:nvPr>
+            <p:ph type="hdr" sz="quarter"/>
+          </p:nvPr>
+        </p:nvSpPr>
+        <p:spPr>
+          <a:xfrm>
+            <a:off x="0" y="0"/>
+            <a:ext cx="2971800" cy="458788"/>
+          </a:xfrm>
+          <a:prstGeom prst="rect">
+            <a:avLst/>
+          </a:prstGeom>
+        </p:spPr>
+        <p:txBody>
+          <a:bodyPr vert="horz" lIns="91440" tIns="45720" rIns="91440" bIns="45720" rtlCol="0"/>
+          <a:lstStyle>
+            <a:lvl1pPr algn="l">
+              <a:defRPr sz="1200"/>
+            </a:lvl1pPr>
+          </a:lstStyle>
+          <a:p>
+            <a:endParaRPr lang="en-US"/>
+          </a:p>
+        </p:txBody>
+      </p:sp>
+      <p:sp>
+        <p:nvSpPr>
+          <p:cNvPr id="3" name="Date Placeholder 2"/>
+          <p:cNvSpPr>
+            <a:spLocks noGrp="1"/>
+          </p:cNvSpPr>
+          <p:nvPr>
+            <p:ph type="dt" idx="1"/>
+          </p:nvPr>
+        </p:nvSpPr>
+        <p:spPr>
+          <a:xfrm>
+            <a:off x="3884613" y="0"/>
+            <a:ext cx="2971800" cy="458788"/>
+          </a:xfrm>
+          <a:prstGeom prst="rect">
+            <a:avLst/>
+          </a:prstGeom>
+        </p:spPr>
+        <p:txBody>
+          <a:bodyPr vert="horz" lIns="91440" tIns="45720" rIns="91440" bIns="45720" rtlCol="0"/>
+          <a:lstStyle>
+            <a:lvl1pPr algn="r">
+              <a:defRPr sz="1200"/>
+            </a:lvl1pPr>
+          </a:lstStyle>
+          <a:p>
+            <a:fld id="{1AEF8326-81B7-488D-BDE2-286B430D7654}" type="datetimeFigureOut">
+              <a:rPr lang="en-US" smtClean="0"/>
+              <a:t>8/7/2023</a:t>
+            </a:fld>
+            <a:endParaRPr lang="en-US"/>
+          </a:p>
+        </p:txBody>
+      </p:sp>
+      <p:sp>
+        <p:nvSpPr>
+          <p:cNvPr id="4" name="Slide Image Placeholder 3"/>
+          <p:cNvSpPr>
+            <a:spLocks noGrp="1" noRot="1" noChangeAspect="1"/>
+          </p:cNvSpPr>
+          <p:nvPr>
+            <p:ph type="sldImg" idx="2"/>
+          </p:nvPr>
+        </p:nvSpPr>
+        <p:spPr>
+          <a:xfrm>
+            <a:off x="685800" y="1143000"/>
+            <a:ext cx="5486400" cy="3086100"/>
+          </a:xfrm>
+          <a:prstGeom prst="rect">
+            <a:avLst/>
+          </a:prstGeom>
+          <a:noFill/>
+          <a:ln w="12700">
+            <a:solidFill>
+              <a:prstClr val="black"/>
+            </a:solidFill>
+          </a:ln>
+        </p:spPr>
+        <p:txBody>
+          <a:bodyPr vert="horz" lIns="91440" tIns="45720" rIns="91440" bIns="45720" rtlCol="0" anchor="ctr"/>
+          <a:lstStyle/>
+          <a:p>
+            <a:endParaRPr lang="en-US"/>
+          </a:p>
+        </p:txBody>
+      </p:sp>
+      <p:sp>
+        <p:nvSpPr>
+          <p:cNvPr id="5" name="Notes Placeholder 4"/>
+          <p:cNvSpPr>
+            <a:spLocks noGrp="1"/>
+          </p:cNvSpPr>
+          <p:nvPr>
+            <p:ph type="body" sz="quarter" idx="3"/>
+          </p:nvPr>
+        </p:nvSpPr>
+        <p:spPr>
+          <a:xfrm>
+            <a:off x="685800" y="4400550"/>
+            <a:ext cx="5486400" cy="3600450"/>
+          </a:xfrm>
+          <a:prstGeom prst="rect">
+            <a:avLst/>
+          </a:prstGeom>
+        </p:spPr>
+        <p:txBody>
+          <a:bodyPr vert="horz" lIns="91440" tIns="45720" rIns="91440" bIns="45720" rtlCol="0"/>
+          <a:lstStyle/>
+          <a:p>
+            <a:pPr lvl="0"/>
+            <a:r>
+              <a:rPr lang="en-US"/>
+              <a:t>Click to edit Master text styles</a:t>
+            </a:r>
+          </a:p>
+          <a:p>
+            <a:pPr lvl="1"/>
+            <a:r>
+              <a:rPr lang="en-US"/>
+              <a:t>Second level</a:t>
+            </a:r>
+          </a:p>
+          <a:p>
+            <a:pPr lvl="2"/>
+            <a:r>
+              <a:rPr lang="en-US"/>
+              <a:t>Third level</a:t>
+            </a:r>
+          </a:p>
+          <a:p>
+            <a:pPr lvl="3"/>
+            <a:r>
+              <a:rPr lang="en-US"/>
+              <a:t>Fourth level</a:t>
+            </a:r>
+          </a:p>
+          <a:p>
+            <a:pPr lvl="4"/>
+            <a:r>
+              <a:rPr lang="en-US"/>
+              <a:t>Fifth level</a:t>
+            </a:r>
+          </a:p>
+        </p:txBody>
+      </p:sp>
+      <p:sp>
+        <p:nvSpPr>
+          <p:cNvPr id="6" name="Footer Placeholder 5"/>
+          <p:cNvSpPr>
+            <a:spLocks noGrp="1"/>
+          </p:cNvSpPr>
+          <p:nvPr>
+            <p:ph type="ftr" sz="quarter" idx="4"/>
+          </p:nvPr>
+        </p:nvSpPr>
+        <p:spPr>
+          <a:xfrm>
+            <a:off x="0" y="8685213"/>
+            <a:ext cx="2971800" cy="458787"/>
+          </a:xfrm>
+          <a:prstGeom prst="rect">
+            <a:avLst/>
+          </a:prstGeom>
+        </p:spPr>
+        <p:txBody>
+          <a:bodyPr vert="horz" lIns="91440" tIns="45720" rIns="91440" bIns="45720" rtlCol="0" anchor="b"/>
+          <a:lstStyle>
+            <a:lvl1pPr algn="l">
+              <a:defRPr sz="1200"/>
+            </a:lvl1pPr>
+          </a:lstStyle>
+          <a:p>
+            <a:endParaRPr lang="en-US"/>
+          </a:p>
+        </p:txBody>
+      </p:sp>
+      <p:sp>
+        <p:nvSpPr>
+          <p:cNvPr id="7" name="Slide Number Placeholder 6"/>
+          <p:cNvSpPr>
+            <a:spLocks noGrp="1"/>
+          </p:cNvSpPr>
+          <p:nvPr>
+            <p:ph type="sldNum" sz="quarter" idx="5"/>
+          </p:nvPr>
+        </p:nvSpPr>
+        <p:spPr>
+          <a:xfrm>
+            <a:off x="3884613" y="8685213"/>
+            <a:ext cx="2971800" cy="458787"/>
+          </a:xfrm>
+          <a:prstGeom prst="rect">
+            <a:avLst/>
+          </a:prstGeom>
+        </p:spPr>
+        <p:txBody>
+          <a:bodyPr vert="horz" lIns="91440" tIns="45720" rIns="91440" bIns="45720" rtlCol="0" anchor="b"/>
+          <a:lstStyle>
+            <a:lvl1pPr algn="r">
+              <a:defRPr sz="1200"/>
+            </a:lvl1pPr>
+          </a:lstStyle>
+          <a:p>
+            <a:fld id="{F88FC734-EE4E-47A5-8A08-E093C6F4D491}" type="slidenum">
+              <a:rPr lang="en-US" smtClean="0"/>
+              <a:t>‹#›</a:t>
+            </a:fld>
+            <a:endParaRPr lang="en-US"/>
+          </a:p>
+        </p:txBody>
+      </p:sp>
+    </p:spTree>
+    <p:extLst>
+      <p:ext uri="{BB962C8B-B14F-4D97-AF65-F5344CB8AC3E}">
+        <p14:creationId xmlns:p14="http://schemas.microsoft.com/office/powerpoint/2010/main" val="1754375529"/>
+      </p:ext>
+    </p:extLst>
+  </p:cSld>
+  <p:clrMap bg1="lt1" tx1="dk1" bg2="lt2" tx2="dk2" accent1="accent1" accent2="accent2" accent3="accent3" accent4="accent4" accent5="accent5" accent6="accent6" hlink="hlink" folHlink="folHlink"/>
+  <p:notesStyle>
+    <a:lvl1pPr marL="0" algn="l" defTabSz="914400" rtl="0" eaLnBrk="1" latinLnBrk="0" hangingPunct="1">
+      <a:defRPr sz="1200" kern="1200">
+        <a:solidFill>
+          <a:schemeClr val="tx1"/>
+        </a:solidFill>
+        <a:latin typeface="+mn-lt"/>
+        <a:ea typeface="+mn-ea"/>
+        <a:cs typeface="+mn-cs"/>
+      </a:defRPr>
+    </a:lvl1pPr>
+    <a:lvl2pPr marL="457200" algn="l" defTabSz="914400" rtl="0" eaLnBrk="1" latinLnBrk="0" hangingPunct="1">
+      <a:defRPr sz="1200" kern="1200">
+        <a:solidFill>
+          <a:schemeClr val="tx1"/>
+        </a:solidFill>
+        <a:latin typeface="+mn-lt"/>
+        <a:ea typeface="+mn-ea"/>
+        <a:cs typeface="+mn-cs"/>
+      </a:defRPr>
+    </a:lvl2pPr>
+    <a:lvl3pPr marL="914400" algn="l" defTabSz="914400" rtl="0" eaLnBrk="1" latinLnBrk="0" hangingPunct="1">
+      <a:defRPr sz="1200" kern="1200">
+        <a:solidFill>
+          <a:schemeClr val="tx1"/>
+        </a:solidFill>
+        <a:latin typeface="+mn-lt"/>
+        <a:ea typeface="+mn-ea"/>
+        <a:cs typeface="+mn-cs"/>
+      </a:defRPr>
+    </a:lvl3pPr>
+    <a:lvl4pPr marL="1371600" algn="l" defTabSz="914400" rtl="0" eaLnBrk="1" latinLnBrk="0" hangingPunct="1">
+      <a:defRPr sz="1200" kern="1200">
+        <a:solidFill>
+          <a:schemeClr val="tx1"/>
+        </a:solidFill>
+        <a:latin typeface="+mn-lt"/>
+        <a:ea typeface="+mn-ea"/>
+        <a:cs typeface="+mn-cs"/>
+      </a:defRPr>
+    </a:lvl4pPr>
+    <a:lvl5pPr marL="1828800" algn="l" defTabSz="914400" rtl="0" eaLnBrk="1" latinLnBrk="0" hangingPunct="1">
+      <a:defRPr sz="1200" kern="1200">
+        <a:solidFill>
+          <a:schemeClr val="tx1"/>
+        </a:solidFill>
+        <a:latin typeface="+mn-lt"/>
+        <a:ea typeface="+mn-ea"/>
+        <a:cs typeface="+mn-cs"/>
+      </a:defRPr>
+    </a:lvl5pPr>
+    <a:lvl6pPr marL="2286000" algn="l" defTabSz="914400" rtl="0" eaLnBrk="1" latinLnBrk="0" hangingPunct="1">
+      <a:defRPr sz="1200" kern="1200">
+        <a:solidFill>
+          <a:schemeClr val="tx1"/>
+        </a:solidFill>
+        <a:latin typeface="+mn-lt"/>
+        <a:ea typeface="+mn-ea"/>
+        <a:cs typeface="+mn-cs"/>
+      </a:defRPr>
+    </a:lvl6pPr>
+    <a:lvl7pPr marL="2743200" algn="l" defTabSz="914400" rtl="0" eaLnBrk="1" latinLnBrk="0" hangingPunct="1">
+      <a:defRPr sz="1200" kern="1200">
+        <a:solidFill>
+          <a:schemeClr val="tx1"/>
+        </a:solidFill>
+        <a:latin typeface="+mn-lt"/>
+        <a:ea typeface="+mn-ea"/>
+        <a:cs typeface="+mn-cs"/>
+      </a:defRPr>
+    </a:lvl7pPr>
+    <a:lvl8pPr marL="3200400" algn="l" defTabSz="914400" rtl="0" eaLnBrk="1" latinLnBrk="0" hangingPunct="1">
+      <a:defRPr sz="1200" kern="1200">
+        <a:solidFill>
+          <a:schemeClr val="tx1"/>
+        </a:solidFill>
+        <a:latin typeface="+mn-lt"/>
+        <a:ea typeface="+mn-ea"/>
+        <a:cs typeface="+mn-cs"/>
+      </a:defRPr>
+    </a:lvl8pPr>
+    <a:lvl9pPr marL="3657600" algn="l" defTabSz="914400" rtl="0" eaLnBrk="1" latinLnBrk="0" hangingPunct="1">
+      <a:defRPr sz="1200" kern="1200">
+        <a:solidFill>
+          <a:schemeClr val="tx1"/>
+        </a:solidFill>
+        <a:latin typeface="+mn-lt"/>
+        <a:ea typeface="+mn-ea"/>
+        <a:cs typeface="+mn-cs"/>
+      </a:defRPr>
+    </a:lvl9pPr>
+  </p:notesStyle>
+</p:notesMaster>
+</file>
+
+<file path=ppt/notesSlides/notesSlide1.xml><?xml version="1.0" encoding="utf-8"?>
+<p:notes xmlns:a="http://schemas.openxmlformats.org/drawingml/2006/main" xmlns:r="http://schemas.openxmlformats.org/officeDocument/2006/relationships" xmlns:p="http://schemas.openxmlformats.org/presentationml/2006/main">
+  <p:cSld>
+    <p:spTree>
+      <p:nvGrpSpPr>
+        <p:cNvPr id="1" name=""/>
+        <p:cNvGrpSpPr/>
+        <p:nvPr/>
+      </p:nvGrpSpPr>
+      <p:grpSpPr>
+        <a:xfrm>
+          <a:off x="0" y="0"/>
+          <a:ext cx="0" cy="0"/>
+          <a:chOff x="0" y="0"/>
+          <a:chExt cx="0" cy="0"/>
+        </a:xfrm>
+      </p:grpSpPr>
+      <p:sp>
+        <p:nvSpPr>
+          <p:cNvPr id="2" name="Slide Image Placeholder 1"/>
+          <p:cNvSpPr>
+            <a:spLocks noGrp="1" noRot="1" noChangeAspect="1"/>
+          </p:cNvSpPr>
+          <p:nvPr>
+            <p:ph type="sldImg"/>
+          </p:nvPr>
+        </p:nvSpPr>
+        <p:spPr/>
+      </p:sp>
+      <p:sp>
+        <p:nvSpPr>
+          <p:cNvPr id="3" name="Notes Placeholder 2"/>
+          <p:cNvSpPr>
+            <a:spLocks noGrp="1"/>
+          </p:cNvSpPr>
+          <p:nvPr>
+            <p:ph type="body" idx="1"/>
+          </p:nvPr>
+        </p:nvSpPr>
+        <p:spPr/>
+        <p:txBody>
+          <a:bodyPr/>
+          <a:lstStyle/>
+          <a:p>
+            <a:r>
+              <a:rPr lang="en-US" dirty="0"/>
+              <a:t>In JavaScript, </a:t>
+            </a:r>
+            <a:r>
+              <a:rPr lang="en-US" i="1" dirty="0"/>
+              <a:t>arrays are built out of objects</a:t>
+            </a:r>
+            <a:endParaRPr lang="en-US" dirty="0"/>
+          </a:p>
+        </p:txBody>
+      </p:sp>
+      <p:sp>
+        <p:nvSpPr>
+          <p:cNvPr id="4" name="Slide Number Placeholder 3"/>
+          <p:cNvSpPr>
+            <a:spLocks noGrp="1"/>
+          </p:cNvSpPr>
+          <p:nvPr>
+            <p:ph type="sldNum" sz="quarter" idx="5"/>
+          </p:nvPr>
+        </p:nvSpPr>
+        <p:spPr/>
+        <p:txBody>
+          <a:bodyPr/>
+          <a:lstStyle/>
+          <a:p>
+            <a:fld id="{F88FC734-EE4E-47A5-8A08-E093C6F4D491}" type="slidenum">
+              <a:rPr lang="en-US" smtClean="0"/>
+              <a:t>20</a:t>
+            </a:fld>
+            <a:endParaRPr lang="en-US"/>
+          </a:p>
+        </p:txBody>
+      </p:sp>
+    </p:spTree>
+    <p:extLst>
+      <p:ext uri="{BB962C8B-B14F-4D97-AF65-F5344CB8AC3E}">
+        <p14:creationId xmlns:p14="http://schemas.microsoft.com/office/powerpoint/2010/main" val="4038167386"/>
+      </p:ext>
+    </p:extLst>
+  </p:cSld>
+  <p:clrMapOvr>
+    <a:masterClrMapping/>
+  </p:clrMapOvr>
+</p:notes>
+</file>
+
 <file path=ppt/slideLayouts/slideLayout1.xml><?xml version="1.0" encoding="utf-8"?>
 <p:sldLayout xmlns:a="http://schemas.openxmlformats.org/drawingml/2006/main" xmlns:r="http://schemas.openxmlformats.org/officeDocument/2006/relationships" xmlns:p="http://schemas.openxmlformats.org/presentationml/2006/main" type="title" preserve="1">
   <p:cSld name="Title Slide">
@@ -286,7 +753,7 @@
           <a:p>
             <a:fld id="{AF2413EA-2554-46AF-9B5C-11AB545AD812}" type="datetimeFigureOut">
               <a:rPr lang="en-US" smtClean="0"/>
-              <a:t>8/2/2023</a:t>
+              <a:t>8/7/2023</a:t>
             </a:fld>
             <a:endParaRPr lang="en-US"/>
           </a:p>
@@ -484,7 +951,7 @@
           <a:p>
             <a:fld id="{AF2413EA-2554-46AF-9B5C-11AB545AD812}" type="datetimeFigureOut">
               <a:rPr lang="en-US" smtClean="0"/>
-              <a:t>8/2/2023</a:t>
+              <a:t>8/7/2023</a:t>
             </a:fld>
             <a:endParaRPr lang="en-US"/>
           </a:p>
@@ -692,7 +1159,7 @@
           <a:p>
             <a:fld id="{AF2413EA-2554-46AF-9B5C-11AB545AD812}" type="datetimeFigureOut">
               <a:rPr lang="en-US" smtClean="0"/>
-              <a:t>8/2/2023</a:t>
+              <a:t>8/7/2023</a:t>
             </a:fld>
             <a:endParaRPr lang="en-US"/>
           </a:p>
@@ -890,7 +1357,7 @@
           <a:p>
             <a:fld id="{AF2413EA-2554-46AF-9B5C-11AB545AD812}" type="datetimeFigureOut">
               <a:rPr lang="en-US" smtClean="0"/>
-              <a:t>8/2/2023</a:t>
+              <a:t>8/7/2023</a:t>
             </a:fld>
             <a:endParaRPr lang="en-US"/>
           </a:p>
@@ -1165,7 +1632,7 @@
           <a:p>
             <a:fld id="{AF2413EA-2554-46AF-9B5C-11AB545AD812}" type="datetimeFigureOut">
               <a:rPr lang="en-US" smtClean="0"/>
-              <a:t>8/2/2023</a:t>
+              <a:t>8/7/2023</a:t>
             </a:fld>
             <a:endParaRPr lang="en-US"/>
           </a:p>
@@ -1430,7 +1897,7 @@
           <a:p>
             <a:fld id="{AF2413EA-2554-46AF-9B5C-11AB545AD812}" type="datetimeFigureOut">
               <a:rPr lang="en-US" smtClean="0"/>
-              <a:t>8/2/2023</a:t>
+              <a:t>8/7/2023</a:t>
             </a:fld>
             <a:endParaRPr lang="en-US"/>
           </a:p>
@@ -1842,7 +2309,7 @@
           <a:p>
             <a:fld id="{AF2413EA-2554-46AF-9B5C-11AB545AD812}" type="datetimeFigureOut">
               <a:rPr lang="en-US" smtClean="0"/>
-              <a:t>8/2/2023</a:t>
+              <a:t>8/7/2023</a:t>
             </a:fld>
             <a:endParaRPr lang="en-US"/>
           </a:p>
@@ -1983,7 +2450,7 @@
           <a:p>
             <a:fld id="{AF2413EA-2554-46AF-9B5C-11AB545AD812}" type="datetimeFigureOut">
               <a:rPr lang="en-US" smtClean="0"/>
-              <a:t>8/2/2023</a:t>
+              <a:t>8/7/2023</a:t>
             </a:fld>
             <a:endParaRPr lang="en-US"/>
           </a:p>
@@ -2096,7 +2563,7 @@
           <a:p>
             <a:fld id="{AF2413EA-2554-46AF-9B5C-11AB545AD812}" type="datetimeFigureOut">
               <a:rPr lang="en-US" smtClean="0"/>
-              <a:t>8/2/2023</a:t>
+              <a:t>8/7/2023</a:t>
             </a:fld>
             <a:endParaRPr lang="en-US"/>
           </a:p>
@@ -2407,7 +2874,7 @@
           <a:p>
             <a:fld id="{AF2413EA-2554-46AF-9B5C-11AB545AD812}" type="datetimeFigureOut">
               <a:rPr lang="en-US" smtClean="0"/>
-              <a:t>8/2/2023</a:t>
+              <a:t>8/7/2023</a:t>
             </a:fld>
             <a:endParaRPr lang="en-US"/>
           </a:p>
@@ -2695,7 +3162,7 @@
           <a:p>
             <a:fld id="{AF2413EA-2554-46AF-9B5C-11AB545AD812}" type="datetimeFigureOut">
               <a:rPr lang="en-US" smtClean="0"/>
-              <a:t>8/2/2023</a:t>
+              <a:t>8/7/2023</a:t>
             </a:fld>
             <a:endParaRPr lang="en-US"/>
           </a:p>
@@ -2936,7 +3403,7 @@
           <a:p>
             <a:fld id="{AF2413EA-2554-46AF-9B5C-11AB545AD812}" type="datetimeFigureOut">
               <a:rPr lang="en-US" smtClean="0"/>
-              <a:t>8/2/2023</a:t>
+              <a:t>8/7/2023</a:t>
             </a:fld>
             <a:endParaRPr lang="en-US"/>
           </a:p>
@@ -3444,7 +3911,7 @@
           <p:cNvPr id="2" name="Title 1">
             <a:extLst>
               <a:ext uri="{FF2B5EF4-FFF2-40B4-BE49-F238E27FC236}">
-                <a16:creationId xmlns:a16="http://schemas.microsoft.com/office/drawing/2014/main" id="{5E928331-C8ED-497E-9624-5A12139673BE}"/>
+                <a16:creationId xmlns:a16="http://schemas.microsoft.com/office/drawing/2014/main" id="{C454CDAB-B36B-40B8-A14D-0CE269DAAA1A}"/>
               </a:ext>
             </a:extLst>
           </p:cNvPr>
@@ -3462,7 +3929,7 @@
           <a:p>
             <a:r>
               <a:rPr lang="en-US" dirty="0"/>
-              <a:t>Null</a:t>
+              <a:t>JavaScript Booleans</a:t>
             </a:r>
           </a:p>
         </p:txBody>
@@ -3472,7 +3939,7 @@
           <p:cNvPr id="3" name="Content Placeholder 2">
             <a:extLst>
               <a:ext uri="{FF2B5EF4-FFF2-40B4-BE49-F238E27FC236}">
-                <a16:creationId xmlns:a16="http://schemas.microsoft.com/office/drawing/2014/main" id="{ADE8EFF8-EAC5-444F-8BEC-8142BD6496E0}"/>
+                <a16:creationId xmlns:a16="http://schemas.microsoft.com/office/drawing/2014/main" id="{39E11EEB-B215-4761-9BD1-9B870B7E781D}"/>
               </a:ext>
             </a:extLst>
           </p:cNvPr>
@@ -3490,39 +3957,243 @@
           <a:p>
             <a:r>
               <a:rPr lang="en-US" dirty="0"/>
-              <a:t>Null is a very similar type to Undefined</a:t>
-            </a:r>
-          </a:p>
-          <a:p>
-            <a:r>
-              <a:rPr lang="en-US" dirty="0"/>
-              <a:t>Null values also represent the absence of data, but Nulls are intentional</a:t>
-            </a:r>
-          </a:p>
-          <a:p>
-            <a:r>
-              <a:rPr lang="en-US" dirty="0"/>
-              <a:t>Null must be assigned explicitly by you, where as Undefined type can pop up on accident or because you do not need to initialize a variable yet</a:t>
-            </a:r>
-          </a:p>
-          <a:p>
-            <a:r>
-              <a:rPr lang="en-US" dirty="0"/>
-              <a:t>Null can be used to clear the value of a variable or an object</a:t>
-            </a:r>
-          </a:p>
-          <a:p>
-            <a:r>
-              <a:rPr lang="en-US" dirty="0"/>
-              <a:t>Null is also handy for representing data that you have not yet collected or incomplete data.</a:t>
-            </a:r>
-          </a:p>
-        </p:txBody>
-      </p:sp>
+              <a:t>A </a:t>
+            </a:r>
+            <a:r>
+              <a:rPr lang="en-US" b="1" i="1" dirty="0"/>
+              <a:t>Boolean</a:t>
+            </a:r>
+            <a:r>
+              <a:rPr lang="en-US" dirty="0"/>
+              <a:t> is a data type that can have only 2 possible values: </a:t>
+            </a:r>
+            <a:r>
+              <a:rPr lang="en-US" i="1" dirty="0"/>
+              <a:t>True</a:t>
+            </a:r>
+            <a:r>
+              <a:rPr lang="en-US" dirty="0"/>
+              <a:t> or </a:t>
+            </a:r>
+            <a:r>
+              <a:rPr lang="en-US" i="1" dirty="0"/>
+              <a:t>False</a:t>
+            </a:r>
+            <a:endParaRPr lang="en-US" dirty="0"/>
+          </a:p>
+          <a:p>
+            <a:r>
+              <a:rPr lang="en-US" dirty="0"/>
+              <a:t>We’ll talk about </a:t>
+            </a:r>
+            <a:r>
+              <a:rPr lang="en-US" i="1" dirty="0"/>
+              <a:t>Booleans</a:t>
+            </a:r>
+            <a:r>
+              <a:rPr lang="en-US" dirty="0"/>
+              <a:t> a ton when we work with </a:t>
+            </a:r>
+            <a:r>
+              <a:rPr lang="en-US" i="1" dirty="0"/>
+              <a:t>conditionals</a:t>
+            </a:r>
+          </a:p>
+          <a:p>
+            <a:endParaRPr lang="en-US" i="1" dirty="0"/>
+          </a:p>
+          <a:p>
+            <a:endParaRPr lang="en-US" i="1" dirty="0"/>
+          </a:p>
+          <a:p>
+            <a:endParaRPr lang="en-US" i="1" dirty="0"/>
+          </a:p>
+          <a:p>
+            <a:endParaRPr lang="en-US" i="1" dirty="0"/>
+          </a:p>
+          <a:p>
+            <a:endParaRPr lang="en-US" i="1" dirty="0"/>
+          </a:p>
+          <a:p>
+            <a:endParaRPr lang="en-US" i="1" dirty="0"/>
+          </a:p>
+          <a:p>
+            <a:endParaRPr lang="en-US" i="1" dirty="0"/>
+          </a:p>
+          <a:p>
+            <a:endParaRPr lang="en-US" i="1" dirty="0"/>
+          </a:p>
+          <a:p>
+            <a:endParaRPr lang="en-US" i="1" dirty="0"/>
+          </a:p>
+          <a:p>
+            <a:endParaRPr lang="en-US" i="1" dirty="0"/>
+          </a:p>
+          <a:p>
+            <a:endParaRPr lang="en-US" i="1" dirty="0"/>
+          </a:p>
+          <a:p>
+            <a:endParaRPr lang="en-US" i="1" dirty="0"/>
+          </a:p>
+          <a:p>
+            <a:endParaRPr lang="en-US" i="1" dirty="0"/>
+          </a:p>
+          <a:p>
+            <a:endParaRPr lang="en-US" i="1" dirty="0"/>
+          </a:p>
+          <a:p>
+            <a:endParaRPr lang="en-US" i="1" dirty="0"/>
+          </a:p>
+          <a:p>
+            <a:endParaRPr lang="en-US" i="1" dirty="0"/>
+          </a:p>
+          <a:p>
+            <a:endParaRPr lang="en-US" i="1" dirty="0"/>
+          </a:p>
+          <a:p>
+            <a:endParaRPr lang="en-US" i="1" dirty="0"/>
+          </a:p>
+          <a:p>
+            <a:endParaRPr lang="en-US" i="1" dirty="0"/>
+          </a:p>
+          <a:p>
+            <a:endParaRPr lang="en-US" i="1" dirty="0"/>
+          </a:p>
+          <a:p>
+            <a:endParaRPr lang="en-US" i="1" dirty="0"/>
+          </a:p>
+          <a:p>
+            <a:endParaRPr lang="en-US" i="1" dirty="0"/>
+          </a:p>
+          <a:p>
+            <a:endParaRPr lang="en-US" i="1" dirty="0"/>
+          </a:p>
+          <a:p>
+            <a:endParaRPr lang="en-US" i="1" dirty="0"/>
+          </a:p>
+          <a:p>
+            <a:endParaRPr lang="en-US" i="1" dirty="0"/>
+          </a:p>
+          <a:p>
+            <a:endParaRPr lang="en-US" i="1" dirty="0"/>
+          </a:p>
+          <a:p>
+            <a:endParaRPr lang="en-US" i="1" dirty="0"/>
+          </a:p>
+          <a:p>
+            <a:endParaRPr lang="en-US" i="1" dirty="0"/>
+          </a:p>
+          <a:p>
+            <a:endParaRPr lang="en-US" i="1" dirty="0"/>
+          </a:p>
+          <a:p>
+            <a:endParaRPr lang="en-US" i="1" dirty="0"/>
+          </a:p>
+          <a:p>
+            <a:endParaRPr lang="en-US" i="1" dirty="0"/>
+          </a:p>
+          <a:p>
+            <a:endParaRPr lang="en-US" i="1" dirty="0"/>
+          </a:p>
+          <a:p>
+            <a:endParaRPr lang="en-US" i="1" dirty="0"/>
+          </a:p>
+          <a:p>
+            <a:endParaRPr lang="en-US" i="1" dirty="0"/>
+          </a:p>
+          <a:p>
+            <a:endParaRPr lang="en-US" i="1" dirty="0"/>
+          </a:p>
+          <a:p>
+            <a:endParaRPr lang="en-US" i="1" dirty="0"/>
+          </a:p>
+          <a:p>
+            <a:endParaRPr lang="en-US" i="1" dirty="0"/>
+          </a:p>
+          <a:p>
+            <a:pPr marL="0" indent="0">
+              <a:buNone/>
+            </a:pPr>
+            <a:endParaRPr lang="en-US" dirty="0"/>
+          </a:p>
+        </p:txBody>
+      </p:sp>
+      <p:pic>
+        <p:nvPicPr>
+          <p:cNvPr id="5" name="Picture 4">
+            <a:extLst>
+              <a:ext uri="{FF2B5EF4-FFF2-40B4-BE49-F238E27FC236}">
+                <a16:creationId xmlns:a16="http://schemas.microsoft.com/office/drawing/2014/main" id="{9BC326D0-4156-4EAD-BC9C-A05F5E2F731A}"/>
+              </a:ext>
+            </a:extLst>
+          </p:cNvPr>
+          <p:cNvPicPr>
+            <a:picLocks noChangeAspect="1"/>
+          </p:cNvPicPr>
+          <p:nvPr/>
+        </p:nvPicPr>
+        <p:blipFill>
+          <a:blip r:embed="rId2">
+            <a:extLst>
+              <a:ext uri="{28A0092B-C50C-407E-A947-70E740481C1C}">
+                <a14:useLocalDpi xmlns:a14="http://schemas.microsoft.com/office/drawing/2010/main" val="0"/>
+              </a:ext>
+            </a:extLst>
+          </a:blip>
+          <a:stretch>
+            <a:fillRect/>
+          </a:stretch>
+        </p:blipFill>
+        <p:spPr>
+          <a:xfrm>
+            <a:off x="0" y="5058951"/>
+            <a:ext cx="5755341" cy="1799715"/>
+          </a:xfrm>
+          <a:prstGeom prst="rect">
+            <a:avLst/>
+          </a:prstGeom>
+        </p:spPr>
+      </p:pic>
+      <p:pic>
+        <p:nvPicPr>
+          <p:cNvPr id="7" name="Picture 6">
+            <a:extLst>
+              <a:ext uri="{FF2B5EF4-FFF2-40B4-BE49-F238E27FC236}">
+                <a16:creationId xmlns:a16="http://schemas.microsoft.com/office/drawing/2014/main" id="{78CD640F-BB0E-4372-8CBE-08ADBAA0DB71}"/>
+              </a:ext>
+            </a:extLst>
+          </p:cNvPr>
+          <p:cNvPicPr>
+            <a:picLocks noChangeAspect="1"/>
+          </p:cNvPicPr>
+          <p:nvPr/>
+        </p:nvPicPr>
+        <p:blipFill>
+          <a:blip r:embed="rId3">
+            <a:extLst>
+              <a:ext uri="{28A0092B-C50C-407E-A947-70E740481C1C}">
+                <a14:useLocalDpi xmlns:a14="http://schemas.microsoft.com/office/drawing/2010/main" val="0"/>
+              </a:ext>
+            </a:extLst>
+          </a:blip>
+          <a:stretch>
+            <a:fillRect/>
+          </a:stretch>
+        </p:blipFill>
+        <p:spPr>
+          <a:xfrm>
+            <a:off x="5755341" y="5068959"/>
+            <a:ext cx="6436660" cy="1789042"/>
+          </a:xfrm>
+          <a:prstGeom prst="rect">
+            <a:avLst/>
+          </a:prstGeom>
+        </p:spPr>
+      </p:pic>
     </p:spTree>
     <p:extLst>
       <p:ext uri="{BB962C8B-B14F-4D97-AF65-F5344CB8AC3E}">
-        <p14:creationId xmlns:p14="http://schemas.microsoft.com/office/powerpoint/2010/main" val="1075483488"/>
+        <p14:creationId xmlns:p14="http://schemas.microsoft.com/office/powerpoint/2010/main" val="3506689929"/>
       </p:ext>
     </p:extLst>
   </p:cSld>
@@ -3554,7 +4225,7 @@
           <p:cNvPr id="2" name="Title 1">
             <a:extLst>
               <a:ext uri="{FF2B5EF4-FFF2-40B4-BE49-F238E27FC236}">
-                <a16:creationId xmlns:a16="http://schemas.microsoft.com/office/drawing/2014/main" id="{C2BE957D-F1A0-4F5C-9DDC-91193C45CC4F}"/>
+                <a16:creationId xmlns:a16="http://schemas.microsoft.com/office/drawing/2014/main" id="{3CDBAF06-E3EE-4D5C-B133-6076EE66F373}"/>
               </a:ext>
             </a:extLst>
           </p:cNvPr>
@@ -3572,7 +4243,7 @@
           <a:p>
             <a:r>
               <a:rPr lang="en-US" dirty="0"/>
-              <a:t>Symbol</a:t>
+              <a:t>JavaScript Arrays</a:t>
             </a:r>
           </a:p>
         </p:txBody>
@@ -3582,7 +4253,7 @@
           <p:cNvPr id="3" name="Content Placeholder 2">
             <a:extLst>
               <a:ext uri="{FF2B5EF4-FFF2-40B4-BE49-F238E27FC236}">
-                <a16:creationId xmlns:a16="http://schemas.microsoft.com/office/drawing/2014/main" id="{060B4088-6F5B-4C22-86A2-D292B412C47B}"/>
+                <a16:creationId xmlns:a16="http://schemas.microsoft.com/office/drawing/2014/main" id="{6296CC8A-E496-4E59-8FA1-97E6494278A5}"/>
               </a:ext>
             </a:extLst>
           </p:cNvPr>
@@ -3600,46 +4271,63 @@
           <a:p>
             <a:r>
               <a:rPr lang="en-US" dirty="0"/>
-              <a:t>Symbols represent unique identifiers that are </a:t>
-            </a:r>
-            <a:r>
-              <a:rPr lang="en-US" i="1" dirty="0"/>
-              <a:t>unique</a:t>
-            </a:r>
-            <a:r>
-              <a:rPr lang="en-US" dirty="0"/>
-              <a:t> and </a:t>
-            </a:r>
-            <a:r>
-              <a:rPr lang="en-US" i="1" dirty="0"/>
-              <a:t>immutable</a:t>
-            </a:r>
-            <a:endParaRPr lang="en-US" dirty="0"/>
-          </a:p>
-          <a:p>
-            <a:r>
-              <a:rPr lang="en-US" dirty="0"/>
-              <a:t>Symbols are created using the Symbol() function</a:t>
-            </a:r>
-          </a:p>
-          <a:p>
-            <a:r>
-              <a:rPr lang="en-US" dirty="0"/>
-              <a:t>Symbols are very useful when you need a key that will never clash with another key. </a:t>
-            </a:r>
-          </a:p>
-          <a:p>
-            <a:r>
-              <a:rPr lang="en-US" dirty="0"/>
-              <a:t>They are often used inside of objects as property keys.</a:t>
-            </a:r>
-          </a:p>
-        </p:txBody>
-      </p:sp>
+              <a:t>JavaScript arrays are written with square brackets </a:t>
+            </a:r>
+          </a:p>
+          <a:p>
+            <a:r>
+              <a:rPr lang="en-US" dirty="0"/>
+              <a:t>Array items are separated by commas</a:t>
+            </a:r>
+          </a:p>
+          <a:p>
+            <a:r>
+              <a:rPr lang="en-US" dirty="0"/>
+              <a:t>The following code declares (creates) an array called cars, containing three items (car names)</a:t>
+            </a:r>
+          </a:p>
+        </p:txBody>
+      </p:sp>
+      <p:pic>
+        <p:nvPicPr>
+          <p:cNvPr id="5" name="Picture 4">
+            <a:extLst>
+              <a:ext uri="{FF2B5EF4-FFF2-40B4-BE49-F238E27FC236}">
+                <a16:creationId xmlns:a16="http://schemas.microsoft.com/office/drawing/2014/main" id="{290EAD94-F224-408E-A53B-5B7CA9ED8E03}"/>
+              </a:ext>
+            </a:extLst>
+          </p:cNvPr>
+          <p:cNvPicPr>
+            <a:picLocks noChangeAspect="1"/>
+          </p:cNvPicPr>
+          <p:nvPr/>
+        </p:nvPicPr>
+        <p:blipFill>
+          <a:blip r:embed="rId2">
+            <a:extLst>
+              <a:ext uri="{28A0092B-C50C-407E-A947-70E740481C1C}">
+                <a14:useLocalDpi xmlns:a14="http://schemas.microsoft.com/office/drawing/2010/main" val="0"/>
+              </a:ext>
+            </a:extLst>
+          </a:blip>
+          <a:stretch>
+            <a:fillRect/>
+          </a:stretch>
+        </p:blipFill>
+        <p:spPr>
+          <a:xfrm>
+            <a:off x="6096000" y="5126383"/>
+            <a:ext cx="6096000" cy="1731617"/>
+          </a:xfrm>
+          <a:prstGeom prst="rect">
+            <a:avLst/>
+          </a:prstGeom>
+        </p:spPr>
+      </p:pic>
     </p:spTree>
     <p:extLst>
       <p:ext uri="{BB962C8B-B14F-4D97-AF65-F5344CB8AC3E}">
-        <p14:creationId xmlns:p14="http://schemas.microsoft.com/office/powerpoint/2010/main" val="201139694"/>
+        <p14:creationId xmlns:p14="http://schemas.microsoft.com/office/powerpoint/2010/main" val="2070954114"/>
       </p:ext>
     </p:extLst>
   </p:cSld>
@@ -3671,7 +4359,7 @@
           <p:cNvPr id="2" name="Title 1">
             <a:extLst>
               <a:ext uri="{FF2B5EF4-FFF2-40B4-BE49-F238E27FC236}">
-                <a16:creationId xmlns:a16="http://schemas.microsoft.com/office/drawing/2014/main" id="{5DA21DE1-3EC1-4E47-8733-8E6A273B3E84}"/>
+                <a16:creationId xmlns:a16="http://schemas.microsoft.com/office/drawing/2014/main" id="{EFFDECCC-59E4-4CFD-A803-75616AAB7069}"/>
               </a:ext>
             </a:extLst>
           </p:cNvPr>
@@ -3689,7 +4377,7 @@
           <a:p>
             <a:r>
               <a:rPr lang="en-US" dirty="0"/>
-              <a:t>Objects</a:t>
+              <a:t>JavaScript Arrays</a:t>
             </a:r>
           </a:p>
         </p:txBody>
@@ -3699,7 +4387,7 @@
           <p:cNvPr id="3" name="Content Placeholder 2">
             <a:extLst>
               <a:ext uri="{FF2B5EF4-FFF2-40B4-BE49-F238E27FC236}">
-                <a16:creationId xmlns:a16="http://schemas.microsoft.com/office/drawing/2014/main" id="{5DD5E1B9-4995-4051-89EA-EE3430A6B6A2}"/>
+                <a16:creationId xmlns:a16="http://schemas.microsoft.com/office/drawing/2014/main" id="{62A2ADC6-9D9A-4308-9F25-7BF4FF08366E}"/>
               </a:ext>
             </a:extLst>
           </p:cNvPr>
@@ -3712,92 +4400,20 @@
         </p:nvSpPr>
         <p:spPr/>
         <p:txBody>
-          <a:bodyPr>
-            <a:normAutofit lnSpcReduction="10000"/>
-          </a:bodyPr>
-          <a:lstStyle/>
-          <a:p>
-            <a:r>
-              <a:rPr lang="en-US" dirty="0"/>
-              <a:t>Objects are complex data types that contain key and value pairs inside of them.</a:t>
-            </a:r>
-          </a:p>
-          <a:p>
-            <a:r>
-              <a:rPr lang="en-US" dirty="0"/>
-              <a:t>You create objects inside of curly braces</a:t>
-            </a:r>
-          </a:p>
-          <a:p>
-            <a:pPr lvl="1"/>
-            <a:r>
-              <a:rPr lang="en-US" dirty="0"/>
-              <a:t>Ex: let dog = {</a:t>
-            </a:r>
-          </a:p>
-          <a:p>
-            <a:pPr marL="914400" lvl="2" indent="0">
-              <a:buNone/>
-            </a:pPr>
-            <a:r>
-              <a:rPr lang="en-US" dirty="0"/>
-              <a:t>	breed: “Belgian Malinois”,</a:t>
-            </a:r>
-          </a:p>
-          <a:p>
-            <a:pPr marL="914400" lvl="2" indent="0">
-              <a:buNone/>
-            </a:pPr>
-            <a:r>
-              <a:rPr lang="en-US" dirty="0"/>
-              <a:t>	name: “Simba”,</a:t>
-            </a:r>
-          </a:p>
-          <a:p>
-            <a:pPr marL="914400" lvl="2" indent="0">
-              <a:buNone/>
-            </a:pPr>
-            <a:r>
-              <a:rPr lang="en-US" dirty="0"/>
-              <a:t>	age: 2</a:t>
-            </a:r>
-          </a:p>
-          <a:p>
-            <a:pPr marL="914400" lvl="2" indent="0">
-              <a:buNone/>
-            </a:pPr>
-            <a:r>
-              <a:rPr lang="en-US" dirty="0"/>
-              <a:t>};</a:t>
-            </a:r>
-          </a:p>
-          <a:p>
-            <a:r>
-              <a:rPr lang="en-US" dirty="0"/>
-              <a:t>Objects often contain their own functions called methods</a:t>
-            </a:r>
-          </a:p>
-          <a:p>
-            <a:r>
-              <a:rPr lang="en-US" dirty="0"/>
-              <a:t>Objects often model real world things, or </a:t>
-            </a:r>
-            <a:r>
-              <a:rPr lang="en-US" i="1" dirty="0"/>
-              <a:t>objects</a:t>
-            </a:r>
-            <a:r>
-              <a:rPr lang="en-US" dirty="0"/>
-              <a:t>, hence their name</a:t>
-            </a:r>
-          </a:p>
-          <a:p>
-            <a:pPr marL="914400" lvl="2" indent="0">
-              <a:buNone/>
-            </a:pPr>
-            <a:r>
-              <a:rPr lang="en-US" dirty="0"/>
-              <a:t>	</a:t>
+          <a:bodyPr/>
+          <a:lstStyle/>
+          <a:p>
+            <a:r>
+              <a:rPr lang="en-US" dirty="0"/>
+              <a:t>Array </a:t>
+            </a:r>
+            <a:r>
+              <a:rPr lang="en-US" b="1" i="1" dirty="0"/>
+              <a:t>indexes</a:t>
+            </a:r>
+            <a:r>
+              <a:rPr lang="en-US" dirty="0"/>
+              <a:t> are 0 based, which means the first item is 0, the second item is 1, etc.</a:t>
             </a:r>
           </a:p>
         </p:txBody>
@@ -3805,7 +4421,7 @@
     </p:spTree>
     <p:extLst>
       <p:ext uri="{BB962C8B-B14F-4D97-AF65-F5344CB8AC3E}">
-        <p14:creationId xmlns:p14="http://schemas.microsoft.com/office/powerpoint/2010/main" val="3267633485"/>
+        <p14:creationId xmlns:p14="http://schemas.microsoft.com/office/powerpoint/2010/main" val="2473465172"/>
       </p:ext>
     </p:extLst>
   </p:cSld>
@@ -3837,7 +4453,7 @@
           <p:cNvPr id="2" name="Title 1">
             <a:extLst>
               <a:ext uri="{FF2B5EF4-FFF2-40B4-BE49-F238E27FC236}">
-                <a16:creationId xmlns:a16="http://schemas.microsoft.com/office/drawing/2014/main" id="{A9913D58-7D1A-4B18-BA93-139A3CF88096}"/>
+                <a16:creationId xmlns:a16="http://schemas.microsoft.com/office/drawing/2014/main" id="{066B2AA6-D282-4941-9CF5-92A50AAB5A2B}"/>
               </a:ext>
             </a:extLst>
           </p:cNvPr>
@@ -3855,7 +4471,7 @@
           <a:p>
             <a:r>
               <a:rPr lang="en-US" dirty="0"/>
-              <a:t>Checking for Type</a:t>
+              <a:t>JavaScript Objects</a:t>
             </a:r>
           </a:p>
         </p:txBody>
@@ -3865,7 +4481,7 @@
           <p:cNvPr id="3" name="Content Placeholder 2">
             <a:extLst>
               <a:ext uri="{FF2B5EF4-FFF2-40B4-BE49-F238E27FC236}">
-                <a16:creationId xmlns:a16="http://schemas.microsoft.com/office/drawing/2014/main" id="{0E55DE16-72A6-485E-A2E0-37E38601BBD2}"/>
+                <a16:creationId xmlns:a16="http://schemas.microsoft.com/office/drawing/2014/main" id="{F7FDD2FD-6B46-4EA4-80D8-577D290DE371}"/>
               </a:ext>
             </a:extLst>
           </p:cNvPr>
@@ -3883,59 +4499,73 @@
           <a:p>
             <a:r>
               <a:rPr lang="en-US" dirty="0"/>
-              <a:t>We often need to know what type a piece of data is in order for it to be useful</a:t>
-            </a:r>
-          </a:p>
-          <a:p>
-            <a:r>
-              <a:rPr lang="en-US" dirty="0"/>
-              <a:t>We can use the </a:t>
-            </a:r>
-            <a:r>
-              <a:rPr lang="en-US" i="1" dirty="0" err="1"/>
-              <a:t>typeof</a:t>
-            </a:r>
-            <a:r>
-              <a:rPr lang="en-US" dirty="0"/>
-              <a:t> operator to check what type something is</a:t>
-            </a:r>
-          </a:p>
-          <a:p>
-            <a:pPr lvl="1"/>
-            <a:r>
-              <a:rPr lang="en-US" dirty="0"/>
-              <a:t>Ex: </a:t>
+              <a:t>JavaScript </a:t>
+            </a:r>
+            <a:r>
+              <a:rPr lang="en-US" b="1" i="1" dirty="0"/>
+              <a:t>objects</a:t>
+            </a:r>
+            <a:r>
+              <a:rPr lang="en-US" dirty="0"/>
+              <a:t> are written with curly braces</a:t>
+            </a:r>
+          </a:p>
+          <a:p>
+            <a:r>
+              <a:rPr lang="en-US" dirty="0"/>
+              <a:t>Object properties are written as </a:t>
             </a:r>
             <a:r>
               <a:rPr lang="en-US" dirty="0" err="1"/>
-              <a:t>typeof</a:t>
-            </a:r>
-            <a:r>
-              <a:rPr lang="en-US" dirty="0"/>
-              <a:t> 42; // Return Number</a:t>
-            </a:r>
-          </a:p>
-          <a:p>
-            <a:pPr lvl="1"/>
-            <a:r>
-              <a:rPr lang="en-US" dirty="0"/>
-              <a:t>Ex: </a:t>
-            </a:r>
-            <a:r>
-              <a:rPr lang="en-US" dirty="0" err="1"/>
-              <a:t>typeof</a:t>
-            </a:r>
-            <a:r>
-              <a:rPr lang="en-US" dirty="0"/>
-              <a:t> “42”; // Returns String</a:t>
-            </a:r>
-          </a:p>
-        </p:txBody>
-      </p:sp>
+              <a:t>name:value</a:t>
+            </a:r>
+            <a:r>
+              <a:rPr lang="en-US" dirty="0"/>
+              <a:t> pairs, separated by commas</a:t>
+            </a:r>
+          </a:p>
+        </p:txBody>
+      </p:sp>
+      <p:pic>
+        <p:nvPicPr>
+          <p:cNvPr id="5" name="Picture 4">
+            <a:extLst>
+              <a:ext uri="{FF2B5EF4-FFF2-40B4-BE49-F238E27FC236}">
+                <a16:creationId xmlns:a16="http://schemas.microsoft.com/office/drawing/2014/main" id="{0AC73517-6808-467C-8A97-4487D2C6106F}"/>
+              </a:ext>
+            </a:extLst>
+          </p:cNvPr>
+          <p:cNvPicPr>
+            <a:picLocks noChangeAspect="1"/>
+          </p:cNvPicPr>
+          <p:nvPr/>
+        </p:nvPicPr>
+        <p:blipFill>
+          <a:blip r:embed="rId2">
+            <a:extLst>
+              <a:ext uri="{28A0092B-C50C-407E-A947-70E740481C1C}">
+                <a14:useLocalDpi xmlns:a14="http://schemas.microsoft.com/office/drawing/2010/main" val="0"/>
+              </a:ext>
+            </a:extLst>
+          </a:blip>
+          <a:stretch>
+            <a:fillRect/>
+          </a:stretch>
+        </p:blipFill>
+        <p:spPr>
+          <a:xfrm>
+            <a:off x="6096001" y="3621315"/>
+            <a:ext cx="6096000" cy="3236686"/>
+          </a:xfrm>
+          <a:prstGeom prst="rect">
+            <a:avLst/>
+          </a:prstGeom>
+        </p:spPr>
+      </p:pic>
     </p:spTree>
     <p:extLst>
       <p:ext uri="{BB962C8B-B14F-4D97-AF65-F5344CB8AC3E}">
-        <p14:creationId xmlns:p14="http://schemas.microsoft.com/office/powerpoint/2010/main" val="994919507"/>
+        <p14:creationId xmlns:p14="http://schemas.microsoft.com/office/powerpoint/2010/main" val="3456193092"/>
       </p:ext>
     </p:extLst>
   </p:cSld>
@@ -3967,7 +4597,7 @@
           <p:cNvPr id="2" name="Title 1">
             <a:extLst>
               <a:ext uri="{FF2B5EF4-FFF2-40B4-BE49-F238E27FC236}">
-                <a16:creationId xmlns:a16="http://schemas.microsoft.com/office/drawing/2014/main" id="{0ABD2A28-5739-4C27-AC23-E5C3DB84B2D9}"/>
+                <a16:creationId xmlns:a16="http://schemas.microsoft.com/office/drawing/2014/main" id="{0087B1B8-9EC1-46C9-8D98-1510E8C78F51}"/>
               </a:ext>
             </a:extLst>
           </p:cNvPr>
@@ -3985,7 +4615,15 @@
           <a:p>
             <a:r>
               <a:rPr lang="en-US" dirty="0"/>
-              <a:t>Functions</a:t>
+              <a:t>The </a:t>
+            </a:r>
+            <a:r>
+              <a:rPr lang="en-US" b="1" i="1" dirty="0" err="1"/>
+              <a:t>typeof</a:t>
+            </a:r>
+            <a:r>
+              <a:rPr lang="en-US" dirty="0"/>
+              <a:t> Operator</a:t>
             </a:r>
           </a:p>
         </p:txBody>
@@ -3995,7 +4633,7 @@
           <p:cNvPr id="3" name="Content Placeholder 2">
             <a:extLst>
               <a:ext uri="{FF2B5EF4-FFF2-40B4-BE49-F238E27FC236}">
-                <a16:creationId xmlns:a16="http://schemas.microsoft.com/office/drawing/2014/main" id="{865D008E-AF24-4676-844A-DACB6A33A879}"/>
+                <a16:creationId xmlns:a16="http://schemas.microsoft.com/office/drawing/2014/main" id="{23A01BAC-628D-41DA-ABFC-7208E2224606}"/>
               </a:ext>
             </a:extLst>
           </p:cNvPr>
@@ -4013,33 +4651,109 @@
           <a:p>
             <a:r>
               <a:rPr lang="en-US" dirty="0"/>
-              <a:t>Blocks of code that are designed to execute a task</a:t>
-            </a:r>
-          </a:p>
-          <a:p>
-            <a:r>
-              <a:rPr lang="en-US" dirty="0"/>
-              <a:t>You can “call” these blocks of code to reuse them as many times as you want</a:t>
-            </a:r>
-          </a:p>
-          <a:p>
-            <a:r>
-              <a:rPr lang="en-US" dirty="0"/>
-              <a:t>Functions are also called Procedures or Subroutines in other (older) languages</a:t>
-            </a:r>
-          </a:p>
-          <a:p>
-            <a:r>
-              <a:rPr lang="en-US" dirty="0"/>
-              <a:t>Major concept in programming – these will be used daily</a:t>
-            </a:r>
-          </a:p>
-        </p:txBody>
-      </p:sp>
+              <a:t>You can use the </a:t>
+            </a:r>
+            <a:r>
+              <a:rPr lang="en-US" b="1" i="1" dirty="0" err="1"/>
+              <a:t>typeof</a:t>
+            </a:r>
+            <a:r>
+              <a:rPr lang="en-US" dirty="0"/>
+              <a:t> operator to find the type of a JavaScript variable</a:t>
+            </a:r>
+          </a:p>
+          <a:p>
+            <a:r>
+              <a:rPr lang="en-US" dirty="0"/>
+              <a:t>The </a:t>
+            </a:r>
+            <a:r>
+              <a:rPr lang="en-US" i="1" dirty="0" err="1"/>
+              <a:t>typeof</a:t>
+            </a:r>
+            <a:r>
+              <a:rPr lang="en-US" dirty="0"/>
+              <a:t> operator returns the type of a variable or expression</a:t>
+            </a:r>
+          </a:p>
+        </p:txBody>
+      </p:sp>
+      <p:pic>
+        <p:nvPicPr>
+          <p:cNvPr id="5" name="Picture 4">
+            <a:extLst>
+              <a:ext uri="{FF2B5EF4-FFF2-40B4-BE49-F238E27FC236}">
+                <a16:creationId xmlns:a16="http://schemas.microsoft.com/office/drawing/2014/main" id="{FBB04F77-2BF9-468F-827F-5EA7B718589D}"/>
+              </a:ext>
+            </a:extLst>
+          </p:cNvPr>
+          <p:cNvPicPr>
+            <a:picLocks noChangeAspect="1"/>
+          </p:cNvPicPr>
+          <p:nvPr/>
+        </p:nvPicPr>
+        <p:blipFill>
+          <a:blip r:embed="rId2">
+            <a:extLst>
+              <a:ext uri="{28A0092B-C50C-407E-A947-70E740481C1C}">
+                <a14:useLocalDpi xmlns:a14="http://schemas.microsoft.com/office/drawing/2010/main" val="0"/>
+              </a:ext>
+            </a:extLst>
+          </a:blip>
+          <a:stretch>
+            <a:fillRect/>
+          </a:stretch>
+        </p:blipFill>
+        <p:spPr>
+          <a:xfrm>
+            <a:off x="6095999" y="5531555"/>
+            <a:ext cx="6096001" cy="1326445"/>
+          </a:xfrm>
+          <a:prstGeom prst="rect">
+            <a:avLst/>
+          </a:prstGeom>
+        </p:spPr>
+      </p:pic>
+      <p:pic>
+        <p:nvPicPr>
+          <p:cNvPr id="7" name="Picture 6">
+            <a:extLst>
+              <a:ext uri="{FF2B5EF4-FFF2-40B4-BE49-F238E27FC236}">
+                <a16:creationId xmlns:a16="http://schemas.microsoft.com/office/drawing/2014/main" id="{76025C9B-74F5-4611-9F07-54B87F9D136F}"/>
+              </a:ext>
+            </a:extLst>
+          </p:cNvPr>
+          <p:cNvPicPr>
+            <a:picLocks noChangeAspect="1"/>
+          </p:cNvPicPr>
+          <p:nvPr/>
+        </p:nvPicPr>
+        <p:blipFill>
+          <a:blip r:embed="rId3">
+            <a:extLst>
+              <a:ext uri="{28A0092B-C50C-407E-A947-70E740481C1C}">
+                <a14:useLocalDpi xmlns:a14="http://schemas.microsoft.com/office/drawing/2010/main" val="0"/>
+              </a:ext>
+            </a:extLst>
+          </a:blip>
+          <a:stretch>
+            <a:fillRect/>
+          </a:stretch>
+        </p:blipFill>
+        <p:spPr>
+          <a:xfrm>
+            <a:off x="-1" y="4819136"/>
+            <a:ext cx="6095999" cy="2041451"/>
+          </a:xfrm>
+          <a:prstGeom prst="rect">
+            <a:avLst/>
+          </a:prstGeom>
+        </p:spPr>
+      </p:pic>
     </p:spTree>
     <p:extLst>
       <p:ext uri="{BB962C8B-B14F-4D97-AF65-F5344CB8AC3E}">
-        <p14:creationId xmlns:p14="http://schemas.microsoft.com/office/powerpoint/2010/main" val="2743394194"/>
+        <p14:creationId xmlns:p14="http://schemas.microsoft.com/office/powerpoint/2010/main" val="2113408355"/>
       </p:ext>
     </p:extLst>
   </p:cSld>
@@ -4071,7 +4785,7 @@
           <p:cNvPr id="2" name="Title 1">
             <a:extLst>
               <a:ext uri="{FF2B5EF4-FFF2-40B4-BE49-F238E27FC236}">
-                <a16:creationId xmlns:a16="http://schemas.microsoft.com/office/drawing/2014/main" id="{45E56C8F-1227-4DDF-8B2A-9173E80F02E4}"/>
+                <a16:creationId xmlns:a16="http://schemas.microsoft.com/office/drawing/2014/main" id="{9BC6FC1D-9582-49BD-9A11-B2E7E7637F96}"/>
               </a:ext>
             </a:extLst>
           </p:cNvPr>
@@ -4089,7 +4803,7 @@
           <a:p>
             <a:r>
               <a:rPr lang="en-US" dirty="0"/>
-              <a:t>Function Syntax</a:t>
+              <a:t>Undefined </a:t>
             </a:r>
           </a:p>
         </p:txBody>
@@ -4099,7 +4813,7 @@
           <p:cNvPr id="3" name="Content Placeholder 2">
             <a:extLst>
               <a:ext uri="{FF2B5EF4-FFF2-40B4-BE49-F238E27FC236}">
-                <a16:creationId xmlns:a16="http://schemas.microsoft.com/office/drawing/2014/main" id="{D5D9D511-7AE8-483A-B521-090027D732B9}"/>
+                <a16:creationId xmlns:a16="http://schemas.microsoft.com/office/drawing/2014/main" id="{10EB15C1-2A3D-4E75-BF0C-A979649F818C}"/>
               </a:ext>
             </a:extLst>
           </p:cNvPr>
@@ -4117,70 +4831,108 @@
           <a:p>
             <a:r>
               <a:rPr lang="en-US" dirty="0"/>
-              <a:t>All functions begin with the </a:t>
-            </a:r>
-            <a:r>
-              <a:rPr lang="en-US" b="1" dirty="0"/>
-              <a:t>function</a:t>
-            </a:r>
-            <a:r>
-              <a:rPr lang="en-US" dirty="0"/>
-              <a:t> keyword, followed by a name and parentheses</a:t>
-            </a:r>
-          </a:p>
-          <a:p>
-            <a:r>
-              <a:rPr lang="en-US" dirty="0"/>
-              <a:t>You can have </a:t>
-            </a:r>
-            <a:r>
-              <a:rPr lang="en-US" b="1" dirty="0"/>
-              <a:t>parameters</a:t>
-            </a:r>
-            <a:r>
-              <a:rPr lang="en-US" dirty="0"/>
-              <a:t> inside of your parentheses</a:t>
-            </a:r>
-          </a:p>
-          <a:p>
-            <a:pPr lvl="1"/>
-            <a:r>
-              <a:rPr lang="en-US" dirty="0"/>
-              <a:t>These can be variables, literals, or even other functions </a:t>
-            </a:r>
-          </a:p>
-          <a:p>
-            <a:pPr lvl="1"/>
-            <a:r>
-              <a:rPr lang="en-US" dirty="0"/>
-              <a:t>Parameters will </a:t>
+              <a:t>In JavaScript, a variable without a value gets the value of </a:t>
+            </a:r>
+            <a:r>
+              <a:rPr lang="en-US" b="1" i="1" dirty="0"/>
+              <a:t>undefined</a:t>
+            </a:r>
+            <a:endParaRPr lang="en-US" dirty="0"/>
+          </a:p>
+          <a:p>
+            <a:r>
+              <a:rPr lang="en-US" dirty="0"/>
+              <a:t>Its type is also </a:t>
             </a:r>
             <a:r>
               <a:rPr lang="en-US" i="1" dirty="0"/>
-              <a:t>always</a:t>
-            </a:r>
-            <a:r>
-              <a:rPr lang="en-US" dirty="0"/>
-              <a:t> be available to the code in your function, where as other variables outside of the function </a:t>
-            </a:r>
-            <a:r>
-              <a:rPr lang="en-US" i="1" dirty="0"/>
-              <a:t>will not</a:t>
-            </a:r>
-            <a:r>
-              <a:rPr lang="en-US" dirty="0"/>
-              <a:t>.</a:t>
-            </a:r>
-          </a:p>
-          <a:p>
-            <a:endParaRPr lang="en-US" dirty="0"/>
-          </a:p>
-        </p:txBody>
-      </p:sp>
+              <a:t>undefined</a:t>
+            </a:r>
+          </a:p>
+          <a:p>
+            <a:r>
+              <a:rPr lang="en-US" dirty="0"/>
+              <a:t>We can set a variable to undefined to clear its value</a:t>
+            </a:r>
+          </a:p>
+        </p:txBody>
+      </p:sp>
+      <p:pic>
+        <p:nvPicPr>
+          <p:cNvPr id="5" name="Picture 4">
+            <a:extLst>
+              <a:ext uri="{FF2B5EF4-FFF2-40B4-BE49-F238E27FC236}">
+                <a16:creationId xmlns:a16="http://schemas.microsoft.com/office/drawing/2014/main" id="{DE7C0245-1CC2-44B4-8FF4-71D3703CDFB2}"/>
+              </a:ext>
+            </a:extLst>
+          </p:cNvPr>
+          <p:cNvPicPr>
+            <a:picLocks noChangeAspect="1"/>
+          </p:cNvPicPr>
+          <p:nvPr/>
+        </p:nvPicPr>
+        <p:blipFill>
+          <a:blip r:embed="rId2">
+            <a:extLst>
+              <a:ext uri="{28A0092B-C50C-407E-A947-70E740481C1C}">
+                <a14:useLocalDpi xmlns:a14="http://schemas.microsoft.com/office/drawing/2010/main" val="0"/>
+              </a:ext>
+            </a:extLst>
+          </a:blip>
+          <a:stretch>
+            <a:fillRect/>
+          </a:stretch>
+        </p:blipFill>
+        <p:spPr>
+          <a:xfrm>
+            <a:off x="8077200" y="4236584"/>
+            <a:ext cx="4114800" cy="2625893"/>
+          </a:xfrm>
+          <a:prstGeom prst="rect">
+            <a:avLst/>
+          </a:prstGeom>
+        </p:spPr>
+      </p:pic>
+      <p:pic>
+        <p:nvPicPr>
+          <p:cNvPr id="7" name="Picture 6">
+            <a:extLst>
+              <a:ext uri="{FF2B5EF4-FFF2-40B4-BE49-F238E27FC236}">
+                <a16:creationId xmlns:a16="http://schemas.microsoft.com/office/drawing/2014/main" id="{3CEEB47E-C163-4150-A23C-723B5DF6AA92}"/>
+              </a:ext>
+            </a:extLst>
+          </p:cNvPr>
+          <p:cNvPicPr>
+            <a:picLocks noChangeAspect="1"/>
+          </p:cNvPicPr>
+          <p:nvPr/>
+        </p:nvPicPr>
+        <p:blipFill>
+          <a:blip r:embed="rId3">
+            <a:extLst>
+              <a:ext uri="{28A0092B-C50C-407E-A947-70E740481C1C}">
+                <a14:useLocalDpi xmlns:a14="http://schemas.microsoft.com/office/drawing/2010/main" val="0"/>
+              </a:ext>
+            </a:extLst>
+          </a:blip>
+          <a:stretch>
+            <a:fillRect/>
+          </a:stretch>
+        </p:blipFill>
+        <p:spPr>
+          <a:xfrm>
+            <a:off x="-1" y="4247732"/>
+            <a:ext cx="8077201" cy="2614920"/>
+          </a:xfrm>
+          <a:prstGeom prst="rect">
+            <a:avLst/>
+          </a:prstGeom>
+        </p:spPr>
+      </p:pic>
     </p:spTree>
     <p:extLst>
       <p:ext uri="{BB962C8B-B14F-4D97-AF65-F5344CB8AC3E}">
-        <p14:creationId xmlns:p14="http://schemas.microsoft.com/office/powerpoint/2010/main" val="3709571721"/>
+        <p14:creationId xmlns:p14="http://schemas.microsoft.com/office/powerpoint/2010/main" val="2063225902"/>
       </p:ext>
     </p:extLst>
   </p:cSld>
@@ -4212,7 +4964,7 @@
           <p:cNvPr id="2" name="Title 1">
             <a:extLst>
               <a:ext uri="{FF2B5EF4-FFF2-40B4-BE49-F238E27FC236}">
-                <a16:creationId xmlns:a16="http://schemas.microsoft.com/office/drawing/2014/main" id="{2DCAE7CC-D8F3-49CE-81AD-D9D79229B528}"/>
+                <a16:creationId xmlns:a16="http://schemas.microsoft.com/office/drawing/2014/main" id="{768D8866-655C-43D7-A76C-2AE985C59AC9}"/>
               </a:ext>
             </a:extLst>
           </p:cNvPr>
@@ -4230,7 +4982,7 @@
           <a:p>
             <a:r>
               <a:rPr lang="en-US" dirty="0"/>
-              <a:t>Invoking (Calling) A Function</a:t>
+              <a:t>Empty Values</a:t>
             </a:r>
           </a:p>
         </p:txBody>
@@ -4240,7 +4992,7 @@
           <p:cNvPr id="3" name="Content Placeholder 2">
             <a:extLst>
               <a:ext uri="{FF2B5EF4-FFF2-40B4-BE49-F238E27FC236}">
-                <a16:creationId xmlns:a16="http://schemas.microsoft.com/office/drawing/2014/main" id="{A17738DE-70DA-4796-A0FC-8B40E9138271}"/>
+                <a16:creationId xmlns:a16="http://schemas.microsoft.com/office/drawing/2014/main" id="{2AB7D4ED-B005-4CC8-B302-5FC52EE1E869}"/>
               </a:ext>
             </a:extLst>
           </p:cNvPr>
@@ -4258,53 +5010,62 @@
           <a:p>
             <a:r>
               <a:rPr lang="en-US" dirty="0"/>
-              <a:t>The code in a function executes when it is invoked</a:t>
-            </a:r>
-          </a:p>
-          <a:p>
-            <a:r>
-              <a:rPr lang="en-US" dirty="0"/>
-              <a:t>Functions are invoked:</a:t>
-            </a:r>
-          </a:p>
-          <a:p>
-            <a:pPr lvl="1"/>
-            <a:r>
-              <a:rPr lang="en-US" dirty="0"/>
-              <a:t>When an event occurs, like a button click (called an </a:t>
-            </a:r>
-            <a:r>
-              <a:rPr lang="en-US" b="1" dirty="0"/>
-              <a:t>event handler</a:t>
-            </a:r>
-            <a:r>
-              <a:rPr lang="en-US" dirty="0"/>
-              <a:t>)</a:t>
-            </a:r>
-          </a:p>
-          <a:p>
-            <a:pPr lvl="1"/>
-            <a:r>
-              <a:rPr lang="en-US" dirty="0"/>
-              <a:t>By being used in JavaScript code regularly</a:t>
-            </a:r>
-          </a:p>
-          <a:p>
-            <a:pPr lvl="1"/>
-            <a:r>
-              <a:rPr lang="en-US" dirty="0"/>
-              <a:t>Automatically (self invoked)</a:t>
-            </a:r>
-          </a:p>
-          <a:p>
+              <a:t>An empty value is not </a:t>
+            </a:r>
+            <a:r>
+              <a:rPr lang="en-US" i="1" dirty="0"/>
+              <a:t>undefined</a:t>
+            </a:r>
             <a:endParaRPr lang="en-US" dirty="0"/>
           </a:p>
-        </p:txBody>
-      </p:sp>
+          <a:p>
+            <a:r>
+              <a:rPr lang="en-US" dirty="0"/>
+              <a:t>An empty string has both a value and a type</a:t>
+            </a:r>
+          </a:p>
+        </p:txBody>
+      </p:sp>
+      <p:pic>
+        <p:nvPicPr>
+          <p:cNvPr id="5" name="Picture 4">
+            <a:extLst>
+              <a:ext uri="{FF2B5EF4-FFF2-40B4-BE49-F238E27FC236}">
+                <a16:creationId xmlns:a16="http://schemas.microsoft.com/office/drawing/2014/main" id="{F5EC3A77-43FB-450D-BEE1-BF70E28EDA36}"/>
+              </a:ext>
+            </a:extLst>
+          </p:cNvPr>
+          <p:cNvPicPr>
+            <a:picLocks noChangeAspect="1"/>
+          </p:cNvPicPr>
+          <p:nvPr/>
+        </p:nvPicPr>
+        <p:blipFill>
+          <a:blip r:embed="rId2">
+            <a:extLst>
+              <a:ext uri="{28A0092B-C50C-407E-A947-70E740481C1C}">
+                <a14:useLocalDpi xmlns:a14="http://schemas.microsoft.com/office/drawing/2010/main" val="0"/>
+              </a:ext>
+            </a:extLst>
+          </a:blip>
+          <a:stretch>
+            <a:fillRect/>
+          </a:stretch>
+        </p:blipFill>
+        <p:spPr>
+          <a:xfrm>
+            <a:off x="8157883" y="2207987"/>
+            <a:ext cx="4034118" cy="4650013"/>
+          </a:xfrm>
+          <a:prstGeom prst="rect">
+            <a:avLst/>
+          </a:prstGeom>
+        </p:spPr>
+      </p:pic>
     </p:spTree>
     <p:extLst>
       <p:ext uri="{BB962C8B-B14F-4D97-AF65-F5344CB8AC3E}">
-        <p14:creationId xmlns:p14="http://schemas.microsoft.com/office/powerpoint/2010/main" val="2173350497"/>
+        <p14:creationId xmlns:p14="http://schemas.microsoft.com/office/powerpoint/2010/main" val="2630551287"/>
       </p:ext>
     </p:extLst>
   </p:cSld>
@@ -4336,7 +5097,7 @@
           <p:cNvPr id="2" name="Title 1">
             <a:extLst>
               <a:ext uri="{FF2B5EF4-FFF2-40B4-BE49-F238E27FC236}">
-                <a16:creationId xmlns:a16="http://schemas.microsoft.com/office/drawing/2014/main" id="{E7ED6ED9-F5C6-424B-94D6-657EEEDD8C9C}"/>
+                <a16:creationId xmlns:a16="http://schemas.microsoft.com/office/drawing/2014/main" id="{F43918CC-37AB-4B6F-8685-19FF34288D3E}"/>
               </a:ext>
             </a:extLst>
           </p:cNvPr>
@@ -4354,7 +5115,7 @@
           <a:p>
             <a:r>
               <a:rPr lang="en-US" dirty="0"/>
-              <a:t>Function Returns</a:t>
+              <a:t>Null </a:t>
             </a:r>
           </a:p>
         </p:txBody>
@@ -4364,7 +5125,7 @@
           <p:cNvPr id="3" name="Content Placeholder 2">
             <a:extLst>
               <a:ext uri="{FF2B5EF4-FFF2-40B4-BE49-F238E27FC236}">
-                <a16:creationId xmlns:a16="http://schemas.microsoft.com/office/drawing/2014/main" id="{077595C8-A496-4151-A835-2F16FC7188F9}"/>
+                <a16:creationId xmlns:a16="http://schemas.microsoft.com/office/drawing/2014/main" id="{9903784A-3441-473D-9D39-6FB7361F9255}"/>
               </a:ext>
             </a:extLst>
           </p:cNvPr>
@@ -4382,43 +5143,107 @@
           <a:p>
             <a:r>
               <a:rPr lang="en-US" dirty="0"/>
-              <a:t>Functions stop when they hit a </a:t>
-            </a:r>
-            <a:r>
-              <a:rPr lang="en-US" b="1" dirty="0"/>
-              <a:t>return </a:t>
-            </a:r>
-            <a:r>
-              <a:rPr lang="en-US" dirty="0"/>
-              <a:t>statement</a:t>
-            </a:r>
-          </a:p>
-          <a:p>
-            <a:r>
-              <a:rPr lang="en-US" dirty="0"/>
-              <a:t>A </a:t>
-            </a:r>
-            <a:r>
-              <a:rPr lang="en-US" b="1" dirty="0"/>
-              <a:t>Return</a:t>
-            </a:r>
-            <a:r>
-              <a:rPr lang="en-US" dirty="0"/>
-              <a:t> will bring the value calculated inside the function back to the place where it was called</a:t>
-            </a:r>
-          </a:p>
-          <a:p>
-            <a:r>
-              <a:rPr lang="en-US" dirty="0"/>
-              <a:t>Many times we want to store the return value of a function in a variable</a:t>
-            </a:r>
-          </a:p>
-        </p:txBody>
-      </p:sp>
+              <a:t>In JavaScript, </a:t>
+            </a:r>
+            <a:r>
+              <a:rPr lang="en-US" b="1" i="1" dirty="0"/>
+              <a:t>null</a:t>
+            </a:r>
+            <a:r>
+              <a:rPr lang="en-US" dirty="0"/>
+              <a:t> is “nothing”</a:t>
+            </a:r>
+          </a:p>
+          <a:p>
+            <a:r>
+              <a:rPr lang="en-US" dirty="0"/>
+              <a:t>It is the deliberate absence of value</a:t>
+            </a:r>
+          </a:p>
+          <a:p>
+            <a:r>
+              <a:rPr lang="en-US" dirty="0"/>
+              <a:t>Another way to empty an object is to set it to null</a:t>
+            </a:r>
+          </a:p>
+        </p:txBody>
+      </p:sp>
+      <p:pic>
+        <p:nvPicPr>
+          <p:cNvPr id="5" name="Picture 4">
+            <a:extLst>
+              <a:ext uri="{FF2B5EF4-FFF2-40B4-BE49-F238E27FC236}">
+                <a16:creationId xmlns:a16="http://schemas.microsoft.com/office/drawing/2014/main" id="{7D0C3BB5-0EAD-412A-B8E4-0CD8C8609DDE}"/>
+              </a:ext>
+            </a:extLst>
+          </p:cNvPr>
+          <p:cNvPicPr>
+            <a:picLocks noChangeAspect="1"/>
+          </p:cNvPicPr>
+          <p:nvPr/>
+        </p:nvPicPr>
+        <p:blipFill>
+          <a:blip r:embed="rId2">
+            <a:extLst>
+              <a:ext uri="{28A0092B-C50C-407E-A947-70E740481C1C}">
+                <a14:useLocalDpi xmlns:a14="http://schemas.microsoft.com/office/drawing/2010/main" val="0"/>
+              </a:ext>
+            </a:extLst>
+          </a:blip>
+          <a:stretch>
+            <a:fillRect/>
+          </a:stretch>
+        </p:blipFill>
+        <p:spPr>
+          <a:xfrm>
+            <a:off x="-1" y="3870357"/>
+            <a:ext cx="7137149" cy="2987644"/>
+          </a:xfrm>
+          <a:prstGeom prst="rect">
+            <a:avLst/>
+          </a:prstGeom>
+        </p:spPr>
+      </p:pic>
+      <p:pic>
+        <p:nvPicPr>
+          <p:cNvPr id="9" name="Picture 8">
+            <a:extLst>
+              <a:ext uri="{FF2B5EF4-FFF2-40B4-BE49-F238E27FC236}">
+                <a16:creationId xmlns:a16="http://schemas.microsoft.com/office/drawing/2014/main" id="{05760057-BDA2-423F-B8FC-5CD95D1EDD09}"/>
+              </a:ext>
+            </a:extLst>
+          </p:cNvPr>
+          <p:cNvPicPr>
+            <a:picLocks noChangeAspect="1"/>
+          </p:cNvPicPr>
+          <p:nvPr/>
+        </p:nvPicPr>
+        <p:blipFill>
+          <a:blip r:embed="rId3">
+            <a:extLst>
+              <a:ext uri="{28A0092B-C50C-407E-A947-70E740481C1C}">
+                <a14:useLocalDpi xmlns:a14="http://schemas.microsoft.com/office/drawing/2010/main" val="0"/>
+              </a:ext>
+            </a:extLst>
+          </a:blip>
+          <a:stretch>
+            <a:fillRect/>
+          </a:stretch>
+        </p:blipFill>
+        <p:spPr>
+          <a:xfrm>
+            <a:off x="7019363" y="3870357"/>
+            <a:ext cx="5172637" cy="2987644"/>
+          </a:xfrm>
+          <a:prstGeom prst="rect">
+            <a:avLst/>
+          </a:prstGeom>
+        </p:spPr>
+      </p:pic>
     </p:spTree>
     <p:extLst>
       <p:ext uri="{BB962C8B-B14F-4D97-AF65-F5344CB8AC3E}">
-        <p14:creationId xmlns:p14="http://schemas.microsoft.com/office/powerpoint/2010/main" val="1944059528"/>
+        <p14:creationId xmlns:p14="http://schemas.microsoft.com/office/powerpoint/2010/main" val="3043654737"/>
       </p:ext>
     </p:extLst>
   </p:cSld>
@@ -4450,7 +5275,7 @@
           <p:cNvPr id="2" name="Title 1">
             <a:extLst>
               <a:ext uri="{FF2B5EF4-FFF2-40B4-BE49-F238E27FC236}">
-                <a16:creationId xmlns:a16="http://schemas.microsoft.com/office/drawing/2014/main" id="{F79A5FD1-8360-4AA6-AA78-6DE6D29C1E54}"/>
+                <a16:creationId xmlns:a16="http://schemas.microsoft.com/office/drawing/2014/main" id="{E5F179B4-ADB5-48C3-A44A-35962A5483C5}"/>
               </a:ext>
             </a:extLst>
           </p:cNvPr>
@@ -4468,7 +5293,7 @@
           <a:p>
             <a:r>
               <a:rPr lang="en-US" dirty="0"/>
-              <a:t>Function vs Function()</a:t>
+              <a:t>Undefined vs Null</a:t>
             </a:r>
           </a:p>
         </p:txBody>
@@ -4478,7 +5303,7 @@
           <p:cNvPr id="3" name="Content Placeholder 2">
             <a:extLst>
               <a:ext uri="{FF2B5EF4-FFF2-40B4-BE49-F238E27FC236}">
-                <a16:creationId xmlns:a16="http://schemas.microsoft.com/office/drawing/2014/main" id="{4AA0BD97-E10F-4A32-AD87-02F1AB66E7A2}"/>
+                <a16:creationId xmlns:a16="http://schemas.microsoft.com/office/drawing/2014/main" id="{7D2B13E8-773A-49A8-A086-5170DD88F0ED}"/>
               </a:ext>
             </a:extLst>
           </p:cNvPr>
@@ -4496,83 +5321,27 @@
           <a:p>
             <a:r>
               <a:rPr lang="en-US" dirty="0"/>
-              <a:t>Many times you want to call a function to receive the return value, but other times you want to pass the function to something else, like a button</a:t>
-            </a:r>
-          </a:p>
-          <a:p>
-            <a:r>
-              <a:rPr lang="en-US" dirty="0"/>
-              <a:t>If we call a function with (), it will execute and return a value (if any!)</a:t>
-            </a:r>
-          </a:p>
-          <a:p>
-            <a:r>
-              <a:rPr lang="en-US" dirty="0"/>
-              <a:t>If we call a function without (), it will not execute and will return a </a:t>
-            </a:r>
-            <a:r>
-              <a:rPr lang="en-US" b="1" dirty="0"/>
-              <a:t>function object</a:t>
-            </a:r>
-            <a:endParaRPr lang="en-US" dirty="0"/>
-          </a:p>
-          <a:p>
-            <a:r>
-              <a:rPr lang="en-US" dirty="0"/>
-              <a:t>Let’s define a function </a:t>
-            </a:r>
-            <a:r>
-              <a:rPr lang="en-US" dirty="0" err="1"/>
-              <a:t>myFirstFunction</a:t>
-            </a:r>
-            <a:r>
-              <a:rPr lang="en-US" dirty="0"/>
-              <a:t>() { return “Hello World!”; } </a:t>
-            </a:r>
-          </a:p>
-          <a:p>
-            <a:pPr lvl="1"/>
-            <a:r>
-              <a:rPr lang="en-US" dirty="0"/>
-              <a:t>If we log </a:t>
-            </a:r>
-            <a:r>
-              <a:rPr lang="en-US" dirty="0" err="1"/>
-              <a:t>myFirstFunction</a:t>
-            </a:r>
-            <a:r>
-              <a:rPr lang="en-US" dirty="0"/>
-              <a:t>() into the console, what will we see?</a:t>
-            </a:r>
-          </a:p>
-          <a:p>
-            <a:pPr lvl="1"/>
-            <a:r>
-              <a:rPr lang="en-US" dirty="0"/>
-              <a:t>What if we log </a:t>
-            </a:r>
-            <a:r>
-              <a:rPr lang="en-US" dirty="0" err="1"/>
-              <a:t>myFirstFunction</a:t>
-            </a:r>
-            <a:r>
-              <a:rPr lang="en-US" dirty="0"/>
-              <a:t> into the console?</a:t>
-            </a:r>
-          </a:p>
-          <a:p>
-            <a:endParaRPr lang="en-US" dirty="0"/>
-          </a:p>
-          <a:p>
-            <a:pPr lvl="1"/>
-            <a:endParaRPr lang="en-US" dirty="0"/>
+              <a:t>Undefined is and Null both represent the absence of value</a:t>
+            </a:r>
+          </a:p>
+          <a:p>
+            <a:r>
+              <a:rPr lang="en-US" dirty="0"/>
+              <a:t>Undefined is also the value of any variable that has not been assigned a value yet</a:t>
+            </a:r>
+          </a:p>
+          <a:p>
+            <a:r>
+              <a:rPr lang="en-US" dirty="0"/>
+              <a:t>Null is only set intentionally</a:t>
+            </a:r>
           </a:p>
         </p:txBody>
       </p:sp>
     </p:spTree>
     <p:extLst>
       <p:ext uri="{BB962C8B-B14F-4D97-AF65-F5344CB8AC3E}">
-        <p14:creationId xmlns:p14="http://schemas.microsoft.com/office/powerpoint/2010/main" val="2719875770"/>
+        <p14:creationId xmlns:p14="http://schemas.microsoft.com/office/powerpoint/2010/main" val="3572394911"/>
       </p:ext>
     </p:extLst>
   </p:cSld>
@@ -4604,7 +5373,7 @@
           <p:cNvPr id="2" name="Title 1">
             <a:extLst>
               <a:ext uri="{FF2B5EF4-FFF2-40B4-BE49-F238E27FC236}">
-                <a16:creationId xmlns:a16="http://schemas.microsoft.com/office/drawing/2014/main" id="{715F4512-D0B4-4EB9-81F3-1550DD5D4BA5}"/>
+                <a16:creationId xmlns:a16="http://schemas.microsoft.com/office/drawing/2014/main" id="{2A2F2CEC-9FEA-4762-BA9F-000AEA026960}"/>
               </a:ext>
             </a:extLst>
           </p:cNvPr>
@@ -4622,7 +5391,7 @@
           <a:p>
             <a:r>
               <a:rPr lang="en-US" dirty="0"/>
-              <a:t>Local Variables</a:t>
+              <a:t>Primitive Data</a:t>
             </a:r>
           </a:p>
         </p:txBody>
@@ -4632,7 +5401,7 @@
           <p:cNvPr id="3" name="Content Placeholder 2">
             <a:extLst>
               <a:ext uri="{FF2B5EF4-FFF2-40B4-BE49-F238E27FC236}">
-                <a16:creationId xmlns:a16="http://schemas.microsoft.com/office/drawing/2014/main" id="{D61DDFDB-F8EB-40F0-B230-F0A43ACCDE2F}"/>
+                <a16:creationId xmlns:a16="http://schemas.microsoft.com/office/drawing/2014/main" id="{C5FD1EC7-F1DB-4C65-BF38-661A2F9C7AFB}"/>
               </a:ext>
             </a:extLst>
           </p:cNvPr>
@@ -4650,43 +5419,90 @@
           <a:p>
             <a:r>
               <a:rPr lang="en-US" dirty="0"/>
-              <a:t>When you declare a variable inside of a function, it can only be used inside of the function you declared it in</a:t>
-            </a:r>
-          </a:p>
-          <a:p>
-            <a:r>
-              <a:rPr lang="en-US" dirty="0"/>
-              <a:t>This prevents you from accidentally changing the value of a variable from the wrong place and makes your code more precise</a:t>
-            </a:r>
-          </a:p>
-          <a:p>
-            <a:r>
-              <a:rPr lang="en-US" dirty="0"/>
-              <a:t>This is called </a:t>
-            </a:r>
-            <a:r>
-              <a:rPr lang="en-US" b="1" dirty="0"/>
-              <a:t>local </a:t>
+              <a:t>A </a:t>
+            </a:r>
+            <a:r>
+              <a:rPr lang="en-US" b="1" i="1" dirty="0"/>
+              <a:t>primitive</a:t>
+            </a:r>
+            <a:r>
+              <a:rPr lang="en-US" dirty="0"/>
+              <a:t> data value is a single simple data value with no additional properties or methods</a:t>
+            </a:r>
+          </a:p>
+          <a:p>
+            <a:r>
+              <a:rPr lang="en-US" dirty="0"/>
+              <a:t>The </a:t>
+            </a:r>
+            <a:r>
+              <a:rPr lang="en-US" b="1" i="1" dirty="0" err="1"/>
+              <a:t>typeof</a:t>
+            </a:r>
+            <a:r>
+              <a:rPr lang="en-US" dirty="0"/>
+              <a:t> operator can return one of these primitive types: </a:t>
+            </a:r>
+            <a:r>
+              <a:rPr lang="en-US" i="1" dirty="0"/>
+              <a:t>string, number, Boolean,</a:t>
+            </a:r>
+            <a:r>
+              <a:rPr lang="en-US" b="1" i="1" dirty="0"/>
+              <a:t> </a:t>
             </a:r>
             <a:r>
               <a:rPr lang="en-US" dirty="0"/>
               <a:t>or </a:t>
             </a:r>
             <a:r>
-              <a:rPr lang="en-US" b="1" dirty="0"/>
-              <a:t>function</a:t>
-            </a:r>
-            <a:r>
-              <a:rPr lang="en-US" dirty="0"/>
-              <a:t> scope</a:t>
-            </a:r>
-          </a:p>
-        </p:txBody>
-      </p:sp>
+              <a:rPr lang="en-US" i="1" dirty="0"/>
+              <a:t>undefined</a:t>
+            </a:r>
+            <a:endParaRPr lang="en-US" dirty="0"/>
+          </a:p>
+        </p:txBody>
+      </p:sp>
+      <p:pic>
+        <p:nvPicPr>
+          <p:cNvPr id="5" name="Picture 4">
+            <a:extLst>
+              <a:ext uri="{FF2B5EF4-FFF2-40B4-BE49-F238E27FC236}">
+                <a16:creationId xmlns:a16="http://schemas.microsoft.com/office/drawing/2014/main" id="{6495703E-948A-461B-B799-565182685E18}"/>
+              </a:ext>
+            </a:extLst>
+          </p:cNvPr>
+          <p:cNvPicPr>
+            <a:picLocks noChangeAspect="1"/>
+          </p:cNvPicPr>
+          <p:nvPr/>
+        </p:nvPicPr>
+        <p:blipFill>
+          <a:blip r:embed="rId2">
+            <a:extLst>
+              <a:ext uri="{28A0092B-C50C-407E-A947-70E740481C1C}">
+                <a14:useLocalDpi xmlns:a14="http://schemas.microsoft.com/office/drawing/2010/main" val="0"/>
+              </a:ext>
+            </a:extLst>
+          </a:blip>
+          <a:stretch>
+            <a:fillRect/>
+          </a:stretch>
+        </p:blipFill>
+        <p:spPr>
+          <a:xfrm>
+            <a:off x="0" y="4243002"/>
+            <a:ext cx="12192000" cy="2614998"/>
+          </a:xfrm>
+          <a:prstGeom prst="rect">
+            <a:avLst/>
+          </a:prstGeom>
+        </p:spPr>
+      </p:pic>
     </p:spTree>
     <p:extLst>
       <p:ext uri="{BB962C8B-B14F-4D97-AF65-F5344CB8AC3E}">
-        <p14:creationId xmlns:p14="http://schemas.microsoft.com/office/powerpoint/2010/main" val="3487355527"/>
+        <p14:creationId xmlns:p14="http://schemas.microsoft.com/office/powerpoint/2010/main" val="2416796526"/>
       </p:ext>
     </p:extLst>
   </p:cSld>
@@ -4718,7 +5534,7 @@
           <p:cNvPr id="2" name="Title 1">
             <a:extLst>
               <a:ext uri="{FF2B5EF4-FFF2-40B4-BE49-F238E27FC236}">
-                <a16:creationId xmlns:a16="http://schemas.microsoft.com/office/drawing/2014/main" id="{66C7523F-19F0-47F1-A28C-611219246AA6}"/>
+                <a16:creationId xmlns:a16="http://schemas.microsoft.com/office/drawing/2014/main" id="{4DC46137-25F0-4AC3-8932-8BBD427611D6}"/>
               </a:ext>
             </a:extLst>
           </p:cNvPr>
@@ -4736,64 +5552,40 @@
           <a:p>
             <a:r>
               <a:rPr lang="en-US" dirty="0"/>
-              <a:t>Static vs Dynamic Typing</a:t>
-            </a:r>
-          </a:p>
-        </p:txBody>
-      </p:sp>
-      <p:sp>
-        <p:nvSpPr>
-          <p:cNvPr id="3" name="Content Placeholder 2">
-            <a:extLst>
-              <a:ext uri="{FF2B5EF4-FFF2-40B4-BE49-F238E27FC236}">
-                <a16:creationId xmlns:a16="http://schemas.microsoft.com/office/drawing/2014/main" id="{4516587E-55BF-4200-8792-EE96655E9412}"/>
-              </a:ext>
-            </a:extLst>
-          </p:cNvPr>
-          <p:cNvSpPr>
-            <a:spLocks noGrp="1"/>
-          </p:cNvSpPr>
-          <p:nvPr>
-            <p:ph idx="1"/>
-          </p:nvPr>
-        </p:nvSpPr>
-        <p:spPr/>
-        <p:txBody>
-          <a:bodyPr/>
-          <a:lstStyle/>
-          <a:p>
-            <a:r>
-              <a:rPr lang="en-US" dirty="0"/>
-              <a:t>In all programming languages, all types of data, including variables, have a type.</a:t>
-            </a:r>
-          </a:p>
-          <a:p>
-            <a:r>
-              <a:rPr lang="en-US" dirty="0"/>
-              <a:t>Some programming languages are statically typed, others are dynamically typed.</a:t>
-            </a:r>
-          </a:p>
-          <a:p>
-            <a:r>
-              <a:rPr lang="en-US" dirty="0"/>
-              <a:t>JavaScript is dynamically typed, meaning that you do not need to specify a type when you declare a variable or a return type on a function/method.</a:t>
-            </a:r>
-          </a:p>
-          <a:p>
-            <a:r>
-              <a:rPr lang="en-US" dirty="0"/>
-              <a:t>This gives JavaScript much greater flexibility than other languages, but makes It prone to errors and forces the developer to be disciplined.</a:t>
-            </a:r>
-          </a:p>
-          <a:p>
-            <a:endParaRPr lang="en-US" dirty="0"/>
+              <a:t>Data Types</a:t>
+            </a:r>
+          </a:p>
+        </p:txBody>
+      </p:sp>
+      <p:sp>
+        <p:nvSpPr>
+          <p:cNvPr id="3" name="Text Placeholder 2">
+            <a:extLst>
+              <a:ext uri="{FF2B5EF4-FFF2-40B4-BE49-F238E27FC236}">
+                <a16:creationId xmlns:a16="http://schemas.microsoft.com/office/drawing/2014/main" id="{9B8E4934-8D05-4E40-B557-8F1C582E8FE6}"/>
+              </a:ext>
+            </a:extLst>
+          </p:cNvPr>
+          <p:cNvSpPr>
+            <a:spLocks noGrp="1"/>
+          </p:cNvSpPr>
+          <p:nvPr>
+            <p:ph type="body" idx="1"/>
+          </p:nvPr>
+        </p:nvSpPr>
+        <p:spPr/>
+        <p:txBody>
+          <a:bodyPr/>
+          <a:lstStyle/>
+          <a:p>
+            <a:endParaRPr lang="en-US"/>
           </a:p>
         </p:txBody>
       </p:sp>
     </p:spTree>
     <p:extLst>
       <p:ext uri="{BB962C8B-B14F-4D97-AF65-F5344CB8AC3E}">
-        <p14:creationId xmlns:p14="http://schemas.microsoft.com/office/powerpoint/2010/main" val="1144724636"/>
+        <p14:creationId xmlns:p14="http://schemas.microsoft.com/office/powerpoint/2010/main" val="509349782"/>
       </p:ext>
     </p:extLst>
   </p:cSld>
@@ -4825,7 +5617,7 @@
           <p:cNvPr id="2" name="Title 1">
             <a:extLst>
               <a:ext uri="{FF2B5EF4-FFF2-40B4-BE49-F238E27FC236}">
-                <a16:creationId xmlns:a16="http://schemas.microsoft.com/office/drawing/2014/main" id="{9C7B937D-FFE5-4F4A-A7CB-ED04CAE34B33}"/>
+                <a16:creationId xmlns:a16="http://schemas.microsoft.com/office/drawing/2014/main" id="{B768C60A-9C6C-465D-991C-5C2C1001E7EA}"/>
               </a:ext>
             </a:extLst>
           </p:cNvPr>
@@ -4843,7 +5635,7 @@
           <a:p>
             <a:r>
               <a:rPr lang="en-US" dirty="0"/>
-              <a:t>Objects</a:t>
+              <a:t>Complex Data</a:t>
             </a:r>
           </a:p>
         </p:txBody>
@@ -4853,7 +5645,7 @@
           <p:cNvPr id="3" name="Content Placeholder 2">
             <a:extLst>
               <a:ext uri="{FF2B5EF4-FFF2-40B4-BE49-F238E27FC236}">
-                <a16:creationId xmlns:a16="http://schemas.microsoft.com/office/drawing/2014/main" id="{5142249E-CE68-4597-96AE-FE4B5D9BD755}"/>
+                <a16:creationId xmlns:a16="http://schemas.microsoft.com/office/drawing/2014/main" id="{39534C3E-C48D-4892-A99D-D987BE4D00D4}"/>
               </a:ext>
             </a:extLst>
           </p:cNvPr>
@@ -4866,80 +5658,105 @@
         </p:nvSpPr>
         <p:spPr/>
         <p:txBody>
-          <a:bodyPr>
-            <a:normAutofit lnSpcReduction="10000"/>
-          </a:bodyPr>
-          <a:lstStyle/>
-          <a:p>
-            <a:r>
-              <a:rPr lang="en-US" dirty="0"/>
-              <a:t>Objects are a complex data type that contain their own properties (variables) and functions (methods)</a:t>
-            </a:r>
-          </a:p>
-          <a:p>
-            <a:r>
-              <a:rPr lang="en-US" dirty="0"/>
-              <a:t>Objects are designed to be </a:t>
-            </a:r>
-            <a:r>
-              <a:rPr lang="en-US" i="1" dirty="0"/>
-              <a:t>blueprints</a:t>
+          <a:bodyPr/>
+          <a:lstStyle/>
+          <a:p>
+            <a:r>
+              <a:rPr lang="en-US" dirty="0"/>
+              <a:t>The </a:t>
+            </a:r>
+            <a:r>
+              <a:rPr lang="en-US" b="1" i="1" dirty="0" err="1"/>
+              <a:t>typeof</a:t>
+            </a:r>
+            <a:r>
+              <a:rPr lang="en-US" dirty="0"/>
+              <a:t> operator can return one of two complex types: </a:t>
             </a:r>
             <a:r>
               <a:rPr lang="en-US" b="1" i="1" dirty="0"/>
-              <a:t> </a:t>
-            </a:r>
-            <a:endParaRPr lang="en-US" i="1" dirty="0"/>
-          </a:p>
-          <a:p>
-            <a:pPr lvl="1"/>
-            <a:r>
-              <a:rPr lang="en-US" dirty="0"/>
-              <a:t>All objects of the same type will have the same properties, but not the same value</a:t>
-            </a:r>
-          </a:p>
-          <a:p>
-            <a:r>
-              <a:rPr lang="en-US" dirty="0"/>
-              <a:t>Objects all have </a:t>
-            </a:r>
-            <a:r>
-              <a:rPr lang="en-US" b="1" dirty="0"/>
-              <a:t>name – value pairs</a:t>
-            </a:r>
-          </a:p>
-          <a:p>
-            <a:r>
-              <a:rPr lang="en-US" dirty="0"/>
-              <a:t>Object properties may be (and often are) objects themselves!</a:t>
-            </a:r>
-          </a:p>
-          <a:p>
-            <a:r>
-              <a:rPr lang="en-US" dirty="0"/>
-              <a:t>We usually declare object with </a:t>
-            </a:r>
-            <a:r>
-              <a:rPr lang="en-US" b="1" dirty="0"/>
-              <a:t>const</a:t>
-            </a:r>
-            <a:r>
-              <a:rPr lang="en-US" dirty="0"/>
-              <a:t> so we do not accidentally clear them</a:t>
-            </a:r>
-          </a:p>
-          <a:p>
-            <a:r>
-              <a:rPr lang="en-US" dirty="0"/>
-              <a:t>Ex: const dog = {breed: “Belgian Malinois”, color: “faun”, age: “2”};</a:t>
-            </a:r>
-          </a:p>
-        </p:txBody>
-      </p:sp>
+              <a:t>functions,</a:t>
+            </a:r>
+            <a:r>
+              <a:rPr lang="en-US" dirty="0"/>
+              <a:t> or </a:t>
+            </a:r>
+            <a:r>
+              <a:rPr lang="en-US" b="1" i="1" dirty="0"/>
+              <a:t>objects</a:t>
+            </a:r>
+            <a:endParaRPr lang="en-US" dirty="0"/>
+          </a:p>
+          <a:p>
+            <a:r>
+              <a:rPr lang="en-US" dirty="0"/>
+              <a:t>The </a:t>
+            </a:r>
+            <a:r>
+              <a:rPr lang="en-US" i="1" dirty="0" err="1"/>
+              <a:t>typeof</a:t>
+            </a:r>
+            <a:r>
+              <a:rPr lang="en-US" dirty="0"/>
+              <a:t> operator returns “object” for objects, arrays, and null	</a:t>
+            </a:r>
+          </a:p>
+          <a:p>
+            <a:r>
+              <a:rPr lang="en-US" dirty="0"/>
+              <a:t>The </a:t>
+            </a:r>
+            <a:r>
+              <a:rPr lang="en-US" i="1" dirty="0" err="1"/>
+              <a:t>typeof</a:t>
+            </a:r>
+            <a:r>
+              <a:rPr lang="en-US" dirty="0"/>
+              <a:t> operator does not return “object” for functions</a:t>
+            </a:r>
+          </a:p>
+        </p:txBody>
+      </p:sp>
+      <p:pic>
+        <p:nvPicPr>
+          <p:cNvPr id="5" name="Picture 4">
+            <a:extLst>
+              <a:ext uri="{FF2B5EF4-FFF2-40B4-BE49-F238E27FC236}">
+                <a16:creationId xmlns:a16="http://schemas.microsoft.com/office/drawing/2014/main" id="{7934A0AF-AC8E-4A9D-9A51-255D504F35E0}"/>
+              </a:ext>
+            </a:extLst>
+          </p:cNvPr>
+          <p:cNvPicPr>
+            <a:picLocks noChangeAspect="1"/>
+          </p:cNvPicPr>
+          <p:nvPr/>
+        </p:nvPicPr>
+        <p:blipFill>
+          <a:blip r:embed="rId3">
+            <a:extLst>
+              <a:ext uri="{28A0092B-C50C-407E-A947-70E740481C1C}">
+                <a14:useLocalDpi xmlns:a14="http://schemas.microsoft.com/office/drawing/2010/main" val="0"/>
+              </a:ext>
+            </a:extLst>
+          </a:blip>
+          <a:stretch>
+            <a:fillRect/>
+          </a:stretch>
+        </p:blipFill>
+        <p:spPr>
+          <a:xfrm>
+            <a:off x="1" y="5043446"/>
+            <a:ext cx="12192000" cy="1814554"/>
+          </a:xfrm>
+          <a:prstGeom prst="rect">
+            <a:avLst/>
+          </a:prstGeom>
+        </p:spPr>
+      </p:pic>
     </p:spTree>
     <p:extLst>
       <p:ext uri="{BB962C8B-B14F-4D97-AF65-F5344CB8AC3E}">
-        <p14:creationId xmlns:p14="http://schemas.microsoft.com/office/powerpoint/2010/main" val="1674542854"/>
+        <p14:creationId xmlns:p14="http://schemas.microsoft.com/office/powerpoint/2010/main" val="1432279579"/>
       </p:ext>
     </p:extLst>
   </p:cSld>
@@ -4971,7 +5788,7 @@
           <p:cNvPr id="2" name="Title 1">
             <a:extLst>
               <a:ext uri="{FF2B5EF4-FFF2-40B4-BE49-F238E27FC236}">
-                <a16:creationId xmlns:a16="http://schemas.microsoft.com/office/drawing/2014/main" id="{01113030-7C72-424F-84E6-E5CB903DEF3F}"/>
+                <a16:creationId xmlns:a16="http://schemas.microsoft.com/office/drawing/2014/main" id="{795618EC-F533-4DD7-B466-62C088E3E638}"/>
               </a:ext>
             </a:extLst>
           </p:cNvPr>
@@ -4989,105 +5806,40 @@
           <a:p>
             <a:r>
               <a:rPr lang="en-US" dirty="0"/>
-              <a:t>Object Properties</a:t>
-            </a:r>
-          </a:p>
-        </p:txBody>
-      </p:sp>
-      <p:sp>
-        <p:nvSpPr>
-          <p:cNvPr id="3" name="Content Placeholder 2">
-            <a:extLst>
-              <a:ext uri="{FF2B5EF4-FFF2-40B4-BE49-F238E27FC236}">
-                <a16:creationId xmlns:a16="http://schemas.microsoft.com/office/drawing/2014/main" id="{2C59845F-38C0-40A0-BC7E-B98786D6F9F1}"/>
-              </a:ext>
-            </a:extLst>
-          </p:cNvPr>
-          <p:cNvSpPr>
-            <a:spLocks noGrp="1"/>
-          </p:cNvSpPr>
-          <p:nvPr>
-            <p:ph idx="1"/>
-          </p:nvPr>
-        </p:nvSpPr>
-        <p:spPr/>
-        <p:txBody>
-          <a:bodyPr>
-            <a:normAutofit lnSpcReduction="10000"/>
-          </a:bodyPr>
-          <a:lstStyle/>
-          <a:p>
-            <a:r>
-              <a:rPr lang="en-US" dirty="0"/>
-              <a:t>Now that we have an object, we will want to be able to use the properties inside of them</a:t>
-            </a:r>
-          </a:p>
-          <a:p>
-            <a:r>
-              <a:rPr lang="en-US" dirty="0"/>
-              <a:t>You can access them in one of 2 ways:</a:t>
-            </a:r>
-          </a:p>
-          <a:p>
-            <a:pPr lvl="1"/>
-            <a:r>
-              <a:rPr lang="en-US" dirty="0" err="1"/>
-              <a:t>objectName.property</a:t>
-            </a:r>
-            <a:endParaRPr lang="en-US" dirty="0"/>
-          </a:p>
-          <a:p>
-            <a:pPr lvl="1"/>
-            <a:r>
-              <a:rPr lang="en-US" dirty="0" err="1"/>
-              <a:t>objectName</a:t>
-            </a:r>
-            <a:r>
-              <a:rPr lang="en-US" dirty="0"/>
-              <a:t>[“property”]</a:t>
-            </a:r>
-          </a:p>
-          <a:p>
-            <a:r>
-              <a:rPr lang="en-US" dirty="0"/>
-              <a:t>If your property name has a space in it, you </a:t>
-            </a:r>
-            <a:r>
-              <a:rPr lang="en-US" b="1" dirty="0"/>
-              <a:t>must</a:t>
-            </a:r>
-            <a:r>
-              <a:rPr lang="en-US" dirty="0"/>
-              <a:t> use bracket [] notation</a:t>
-            </a:r>
-          </a:p>
-          <a:p>
-            <a:r>
-              <a:rPr lang="en-US" dirty="0"/>
-              <a:t>Sometimes we want a property to be “private” (not accessible outside of the object). These are often named beginning with an underscore</a:t>
-            </a:r>
-          </a:p>
-          <a:p>
-            <a:pPr lvl="1"/>
-            <a:r>
-              <a:rPr lang="en-US" dirty="0"/>
-              <a:t>This </a:t>
-            </a:r>
-            <a:r>
-              <a:rPr lang="en-US" b="1" dirty="0"/>
-              <a:t>does not</a:t>
-            </a:r>
-            <a:r>
-              <a:rPr lang="en-US" dirty="0"/>
-              <a:t> prevent them from being accessed outside of the object, it is only a convention</a:t>
-            </a:r>
+              <a:t>Functions</a:t>
+            </a:r>
+          </a:p>
+        </p:txBody>
+      </p:sp>
+      <p:sp>
+        <p:nvSpPr>
+          <p:cNvPr id="3" name="Text Placeholder 2">
+            <a:extLst>
+              <a:ext uri="{FF2B5EF4-FFF2-40B4-BE49-F238E27FC236}">
+                <a16:creationId xmlns:a16="http://schemas.microsoft.com/office/drawing/2014/main" id="{CE655987-C08B-4765-9798-FBC3F0730A70}"/>
+              </a:ext>
+            </a:extLst>
+          </p:cNvPr>
+          <p:cNvSpPr>
+            <a:spLocks noGrp="1"/>
+          </p:cNvSpPr>
+          <p:nvPr>
+            <p:ph type="body" idx="1"/>
+          </p:nvPr>
+        </p:nvSpPr>
+        <p:spPr/>
+        <p:txBody>
+          <a:bodyPr/>
+          <a:lstStyle/>
+          <a:p>
+            <a:endParaRPr lang="en-US"/>
           </a:p>
         </p:txBody>
       </p:sp>
     </p:spTree>
     <p:extLst>
       <p:ext uri="{BB962C8B-B14F-4D97-AF65-F5344CB8AC3E}">
-        <p14:creationId xmlns:p14="http://schemas.microsoft.com/office/powerpoint/2010/main" val="2918449102"/>
+        <p14:creationId xmlns:p14="http://schemas.microsoft.com/office/powerpoint/2010/main" val="2103485226"/>
       </p:ext>
     </p:extLst>
   </p:cSld>
@@ -5119,7 +5871,7 @@
           <p:cNvPr id="2" name="Title 1">
             <a:extLst>
               <a:ext uri="{FF2B5EF4-FFF2-40B4-BE49-F238E27FC236}">
-                <a16:creationId xmlns:a16="http://schemas.microsoft.com/office/drawing/2014/main" id="{A5EE5053-5842-4783-860A-40E63E0C3903}"/>
+                <a16:creationId xmlns:a16="http://schemas.microsoft.com/office/drawing/2014/main" id="{5139BECB-7098-49F6-9282-C04F41140E40}"/>
               </a:ext>
             </a:extLst>
           </p:cNvPr>
@@ -5137,7 +5889,7 @@
           <a:p>
             <a:r>
               <a:rPr lang="en-US" dirty="0"/>
-              <a:t>Object Methods</a:t>
+              <a:t>Functions</a:t>
             </a:r>
           </a:p>
         </p:txBody>
@@ -5147,7 +5899,7 @@
           <p:cNvPr id="3" name="Content Placeholder 2">
             <a:extLst>
               <a:ext uri="{FF2B5EF4-FFF2-40B4-BE49-F238E27FC236}">
-                <a16:creationId xmlns:a16="http://schemas.microsoft.com/office/drawing/2014/main" id="{4FD3AA9A-BD2B-4902-B9EC-FC0F3AD2F3A5}"/>
+                <a16:creationId xmlns:a16="http://schemas.microsoft.com/office/drawing/2014/main" id="{FC314547-4A8E-42FA-B33B-3F9C6C676FB7}"/>
               </a:ext>
             </a:extLst>
           </p:cNvPr>
@@ -5165,32 +5917,39 @@
           <a:p>
             <a:r>
               <a:rPr lang="en-US" dirty="0"/>
-              <a:t>Objects often have their own functions that are related to them</a:t>
-            </a:r>
-          </a:p>
-          <a:p>
-            <a:r>
-              <a:rPr lang="en-US" dirty="0"/>
-              <a:t>Methods are stored as properties, but the value is declared as a function</a:t>
-            </a:r>
-          </a:p>
-          <a:p>
-            <a:endParaRPr lang="en-US" dirty="0"/>
-          </a:p>
-          <a:p>
-            <a:endParaRPr lang="en-US" dirty="0"/>
-          </a:p>
-          <a:p>
-            <a:endParaRPr lang="en-US" dirty="0"/>
+              <a:t>A JavaScript function is a block of code designed to perform a particular task</a:t>
+            </a:r>
+          </a:p>
+          <a:p>
+            <a:r>
+              <a:rPr lang="en-US" dirty="0"/>
+              <a:t>A JavaScript function is executed when something </a:t>
+            </a:r>
+            <a:r>
+              <a:rPr lang="en-US" i="1" dirty="0"/>
+              <a:t>invokes </a:t>
+            </a:r>
+            <a:r>
+              <a:rPr lang="en-US" dirty="0"/>
+              <a:t>(</a:t>
+            </a:r>
+            <a:r>
+              <a:rPr lang="en-US" i="1" dirty="0"/>
+              <a:t>calls</a:t>
+            </a:r>
+            <a:r>
+              <a:rPr lang="en-US" dirty="0"/>
+              <a:t>) it</a:t>
+            </a:r>
           </a:p>
         </p:txBody>
       </p:sp>
       <p:pic>
         <p:nvPicPr>
-          <p:cNvPr id="7" name="Picture 6">
-            <a:extLst>
-              <a:ext uri="{FF2B5EF4-FFF2-40B4-BE49-F238E27FC236}">
-                <a16:creationId xmlns:a16="http://schemas.microsoft.com/office/drawing/2014/main" id="{6E03C6BE-AB35-4489-A16A-77515462877A}"/>
+          <p:cNvPr id="5" name="Picture 4">
+            <a:extLst>
+              <a:ext uri="{FF2B5EF4-FFF2-40B4-BE49-F238E27FC236}">
+                <a16:creationId xmlns:a16="http://schemas.microsoft.com/office/drawing/2014/main" id="{58CB0AFA-8FE6-45AC-9D42-FCADB9A3AB74}"/>
               </a:ext>
             </a:extLst>
           </p:cNvPr>
@@ -5213,8 +5972,8 @@
         </p:blipFill>
         <p:spPr>
           <a:xfrm>
-            <a:off x="6472518" y="4387975"/>
-            <a:ext cx="5719482" cy="2470026"/>
+            <a:off x="1" y="5376571"/>
+            <a:ext cx="12192000" cy="1481429"/>
           </a:xfrm>
           <a:prstGeom prst="rect">
             <a:avLst/>
@@ -5224,7 +5983,7 @@
     </p:spTree>
     <p:extLst>
       <p:ext uri="{BB962C8B-B14F-4D97-AF65-F5344CB8AC3E}">
-        <p14:creationId xmlns:p14="http://schemas.microsoft.com/office/powerpoint/2010/main" val="2353671661"/>
+        <p14:creationId xmlns:p14="http://schemas.microsoft.com/office/powerpoint/2010/main" val="3950749086"/>
       </p:ext>
     </p:extLst>
   </p:cSld>
@@ -5256,7 +6015,7 @@
           <p:cNvPr id="2" name="Title 1">
             <a:extLst>
               <a:ext uri="{FF2B5EF4-FFF2-40B4-BE49-F238E27FC236}">
-                <a16:creationId xmlns:a16="http://schemas.microsoft.com/office/drawing/2014/main" id="{DEE8047F-C9DD-4EB8-9545-E6678DB0B64D}"/>
+                <a16:creationId xmlns:a16="http://schemas.microsoft.com/office/drawing/2014/main" id="{13CACE2D-10A1-4487-B2A1-D8B7C7675631}"/>
               </a:ext>
             </a:extLst>
           </p:cNvPr>
@@ -5274,7 +6033,7 @@
           <a:p>
             <a:r>
               <a:rPr lang="en-US" dirty="0"/>
-              <a:t>Object Methods</a:t>
+              <a:t>Function Syntax</a:t>
             </a:r>
           </a:p>
         </p:txBody>
@@ -5284,7 +6043,7 @@
           <p:cNvPr id="3" name="Content Placeholder 2">
             <a:extLst>
               <a:ext uri="{FF2B5EF4-FFF2-40B4-BE49-F238E27FC236}">
-                <a16:creationId xmlns:a16="http://schemas.microsoft.com/office/drawing/2014/main" id="{C2A116D8-5AA6-42DE-9016-68B96172B380}"/>
+                <a16:creationId xmlns:a16="http://schemas.microsoft.com/office/drawing/2014/main" id="{C7539AFC-263C-43D0-858E-34ECE5113211}"/>
               </a:ext>
             </a:extLst>
           </p:cNvPr>
@@ -5302,35 +6061,128 @@
           <a:p>
             <a:r>
               <a:rPr lang="en-US" dirty="0"/>
-              <a:t>We can use an objects methods the same way we use an object’s properties</a:t>
-            </a:r>
-          </a:p>
-          <a:p>
-            <a:pPr lvl="1"/>
-            <a:r>
-              <a:rPr lang="en-US" dirty="0" err="1"/>
-              <a:t>objectName.methodName</a:t>
-            </a:r>
-            <a:r>
-              <a:rPr lang="en-US" dirty="0"/>
-              <a:t>()</a:t>
-            </a:r>
-          </a:p>
-          <a:p>
-            <a:r>
-              <a:rPr lang="en-US" dirty="0"/>
-              <a:t>Just like functions, we often want to pass the method itself, rather than the method’s return value</a:t>
-            </a:r>
-          </a:p>
-          <a:p>
+              <a:t>JavaScript functions are defined with the </a:t>
+            </a:r>
+            <a:r>
+              <a:rPr lang="en-US" b="1" i="1" dirty="0"/>
+              <a:t>function</a:t>
+            </a:r>
+            <a:r>
+              <a:rPr lang="en-US" dirty="0"/>
+              <a:t> keyword, followed by a </a:t>
+            </a:r>
+            <a:r>
+              <a:rPr lang="en-US" b="1" i="1" dirty="0"/>
+              <a:t>name</a:t>
+            </a:r>
+            <a:r>
+              <a:rPr lang="en-US" dirty="0"/>
+              <a:t>, then followed by </a:t>
+            </a:r>
+            <a:r>
+              <a:rPr lang="en-US" b="1" i="1" dirty="0"/>
+              <a:t>parentheses</a:t>
+            </a:r>
             <a:endParaRPr lang="en-US" dirty="0"/>
           </a:p>
-        </p:txBody>
-      </p:sp>
+          <a:p>
+            <a:r>
+              <a:rPr lang="en-US" dirty="0"/>
+              <a:t>Functions follow the same naming rules as variables</a:t>
+            </a:r>
+          </a:p>
+          <a:p>
+            <a:r>
+              <a:rPr lang="en-US" dirty="0"/>
+              <a:t>The parentheses may include </a:t>
+            </a:r>
+            <a:r>
+              <a:rPr lang="en-US" b="1" i="1" dirty="0"/>
+              <a:t>parameter</a:t>
+            </a:r>
+            <a:r>
+              <a:rPr lang="en-US" dirty="0"/>
+              <a:t> names, separated by commas</a:t>
+            </a:r>
+          </a:p>
+        </p:txBody>
+      </p:sp>
+      <p:pic>
+        <p:nvPicPr>
+          <p:cNvPr id="5" name="Picture 4">
+            <a:extLst>
+              <a:ext uri="{FF2B5EF4-FFF2-40B4-BE49-F238E27FC236}">
+                <a16:creationId xmlns:a16="http://schemas.microsoft.com/office/drawing/2014/main" id="{E112DBDC-D4B0-4D55-826D-EC9444203307}"/>
+              </a:ext>
+            </a:extLst>
+          </p:cNvPr>
+          <p:cNvPicPr>
+            <a:picLocks noChangeAspect="1"/>
+          </p:cNvPicPr>
+          <p:nvPr/>
+        </p:nvPicPr>
+        <p:blipFill>
+          <a:blip r:embed="rId2">
+            <a:extLst>
+              <a:ext uri="{28A0092B-C50C-407E-A947-70E740481C1C}">
+                <a14:useLocalDpi xmlns:a14="http://schemas.microsoft.com/office/drawing/2010/main" val="0"/>
+              </a:ext>
+            </a:extLst>
+          </a:blip>
+          <a:stretch>
+            <a:fillRect/>
+          </a:stretch>
+        </p:blipFill>
+        <p:spPr>
+          <a:xfrm>
+            <a:off x="1" y="4807993"/>
+            <a:ext cx="12192000" cy="2054830"/>
+          </a:xfrm>
+          <a:prstGeom prst="rect">
+            <a:avLst/>
+          </a:prstGeom>
+        </p:spPr>
+      </p:pic>
+      <p:pic>
+        <p:nvPicPr>
+          <p:cNvPr id="6" name="Picture 5">
+            <a:extLst>
+              <a:ext uri="{FF2B5EF4-FFF2-40B4-BE49-F238E27FC236}">
+                <a16:creationId xmlns:a16="http://schemas.microsoft.com/office/drawing/2014/main" id="{DF8A5A48-DA86-43EB-86D0-373051B9D4A9}"/>
+              </a:ext>
+            </a:extLst>
+          </p:cNvPr>
+          <p:cNvPicPr>
+            <a:picLocks noChangeAspect="1"/>
+          </p:cNvPicPr>
+          <p:nvPr/>
+        </p:nvPicPr>
+        <p:blipFill>
+          <a:blip r:embed="rId2">
+            <a:extLst>
+              <a:ext uri="{28A0092B-C50C-407E-A947-70E740481C1C}">
+                <a14:useLocalDpi xmlns:a14="http://schemas.microsoft.com/office/drawing/2010/main" val="0"/>
+              </a:ext>
+            </a:extLst>
+          </a:blip>
+          <a:stretch>
+            <a:fillRect/>
+          </a:stretch>
+        </p:blipFill>
+        <p:spPr>
+          <a:xfrm>
+            <a:off x="1" y="4827043"/>
+            <a:ext cx="12192000" cy="2054830"/>
+          </a:xfrm>
+          <a:prstGeom prst="rect">
+            <a:avLst/>
+          </a:prstGeom>
+        </p:spPr>
+      </p:pic>
     </p:spTree>
     <p:extLst>
       <p:ext uri="{BB962C8B-B14F-4D97-AF65-F5344CB8AC3E}">
-        <p14:creationId xmlns:p14="http://schemas.microsoft.com/office/powerpoint/2010/main" val="2981562211"/>
+        <p14:creationId xmlns:p14="http://schemas.microsoft.com/office/powerpoint/2010/main" val="1165845620"/>
       </p:ext>
     </p:extLst>
   </p:cSld>
@@ -5362,7 +6214,7 @@
           <p:cNvPr id="2" name="Title 1">
             <a:extLst>
               <a:ext uri="{FF2B5EF4-FFF2-40B4-BE49-F238E27FC236}">
-                <a16:creationId xmlns:a16="http://schemas.microsoft.com/office/drawing/2014/main" id="{FFCBF941-8D77-407E-8756-B6D247F1C366}"/>
+                <a16:creationId xmlns:a16="http://schemas.microsoft.com/office/drawing/2014/main" id="{3CF81426-169C-4BD7-A632-4F0E4FA26212}"/>
               </a:ext>
             </a:extLst>
           </p:cNvPr>
@@ -5380,114 +6232,120 @@
           <a:p>
             <a:r>
               <a:rPr lang="en-US" dirty="0"/>
-              <a:t>Objects and</a:t>
-            </a:r>
-            <a:r>
-              <a:rPr lang="en-US" b="1" dirty="0"/>
-              <a:t> this</a:t>
+              <a:t>Function Syntax</a:t>
+            </a:r>
+          </a:p>
+        </p:txBody>
+      </p:sp>
+      <p:sp>
+        <p:nvSpPr>
+          <p:cNvPr id="3" name="Content Placeholder 2">
+            <a:extLst>
+              <a:ext uri="{FF2B5EF4-FFF2-40B4-BE49-F238E27FC236}">
+                <a16:creationId xmlns:a16="http://schemas.microsoft.com/office/drawing/2014/main" id="{7BBE49F7-AF10-49F9-9A00-AA3C431C3508}"/>
+              </a:ext>
+            </a:extLst>
+          </p:cNvPr>
+          <p:cNvSpPr>
+            <a:spLocks noGrp="1"/>
+          </p:cNvSpPr>
+          <p:nvPr>
+            <p:ph idx="1"/>
+          </p:nvPr>
+        </p:nvSpPr>
+        <p:spPr/>
+        <p:txBody>
+          <a:bodyPr/>
+          <a:lstStyle/>
+          <a:p>
+            <a:r>
+              <a:rPr lang="en-US" dirty="0"/>
+              <a:t>The code to be executed is placed inside a set of curly brackets </a:t>
+            </a:r>
+            <a:r>
+              <a:rPr lang="en-US" b="1" i="1" dirty="0"/>
+              <a:t>{}</a:t>
             </a:r>
             <a:endParaRPr lang="en-US" dirty="0"/>
           </a:p>
-        </p:txBody>
-      </p:sp>
-      <p:sp>
-        <p:nvSpPr>
-          <p:cNvPr id="3" name="Content Placeholder 2">
-            <a:extLst>
-              <a:ext uri="{FF2B5EF4-FFF2-40B4-BE49-F238E27FC236}">
-                <a16:creationId xmlns:a16="http://schemas.microsoft.com/office/drawing/2014/main" id="{980A1A98-B87E-4825-A677-706484DE190A}"/>
-              </a:ext>
-            </a:extLst>
-          </p:cNvPr>
-          <p:cNvSpPr>
-            <a:spLocks noGrp="1"/>
-          </p:cNvSpPr>
-          <p:nvPr>
-            <p:ph idx="1"/>
-          </p:nvPr>
-        </p:nvSpPr>
-        <p:spPr/>
-        <p:txBody>
-          <a:bodyPr/>
-          <a:lstStyle/>
-          <a:p>
-            <a:r>
-              <a:rPr lang="en-US" dirty="0"/>
-              <a:t>The </a:t>
-            </a:r>
-            <a:r>
-              <a:rPr lang="en-US" b="1" dirty="0"/>
-              <a:t>this </a:t>
-            </a:r>
-            <a:r>
-              <a:rPr lang="en-US" dirty="0"/>
-              <a:t>keyword</a:t>
-            </a:r>
-            <a:r>
-              <a:rPr lang="en-US" b="1" dirty="0"/>
-              <a:t> </a:t>
-            </a:r>
-            <a:r>
-              <a:rPr lang="en-US" dirty="0"/>
-              <a:t>has several situational uses in JavaScript, but whenever you see it in an object’s method or property, it refers </a:t>
-            </a:r>
-            <a:r>
-              <a:rPr lang="en-US" b="1" dirty="0"/>
-              <a:t>to the object it is inside of</a:t>
-            </a:r>
-            <a:endParaRPr lang="en-US" dirty="0"/>
-          </a:p>
-          <a:p>
-            <a:r>
-              <a:rPr lang="en-US" dirty="0"/>
-              <a:t>When we want to specify that we are talking about an object’s property while we are working inside of the object, we will refer to it like this:</a:t>
-            </a:r>
-          </a:p>
-          <a:p>
-            <a:pPr lvl="1"/>
-            <a:r>
-              <a:rPr lang="en-US" b="1" dirty="0" err="1"/>
-              <a:t>this</a:t>
-            </a:r>
-            <a:r>
-              <a:rPr lang="en-US" dirty="0" err="1"/>
-              <a:t>.propertyName</a:t>
-            </a:r>
-            <a:endParaRPr lang="en-US" dirty="0"/>
-          </a:p>
-          <a:p>
-            <a:pPr lvl="1"/>
-            <a:r>
-              <a:rPr lang="en-US" b="1" dirty="0" err="1"/>
-              <a:t>this</a:t>
-            </a:r>
-            <a:r>
-              <a:rPr lang="en-US" dirty="0" err="1"/>
-              <a:t>.methodname</a:t>
-            </a:r>
-            <a:r>
-              <a:rPr lang="en-US" dirty="0"/>
+          <a:p>
+            <a:r>
+              <a:rPr lang="en-US" dirty="0"/>
+              <a:t>Function </a:t>
+            </a:r>
+            <a:r>
+              <a:rPr lang="en-US" b="1" i="1" dirty="0"/>
+              <a:t>parameters</a:t>
+            </a:r>
+            <a:r>
+              <a:rPr lang="en-US" dirty="0"/>
+              <a:t> are listed inside the parentheses </a:t>
+            </a:r>
+            <a:r>
+              <a:rPr lang="en-US" b="1" i="1" dirty="0"/>
               <a:t>()</a:t>
             </a:r>
-          </a:p>
-          <a:p>
-            <a:pPr lvl="1"/>
-            <a:r>
-              <a:rPr lang="en-US" b="1" dirty="0" err="1"/>
-              <a:t>this</a:t>
-            </a:r>
-            <a:r>
-              <a:rPr lang="en-US" dirty="0" err="1"/>
-              <a:t>.methodName</a:t>
-            </a:r>
-            <a:endParaRPr lang="en-US" b="1" dirty="0"/>
-          </a:p>
-        </p:txBody>
-      </p:sp>
+            <a:r>
+              <a:rPr lang="en-US" dirty="0"/>
+              <a:t> in the function definition</a:t>
+            </a:r>
+          </a:p>
+          <a:p>
+            <a:r>
+              <a:rPr lang="en-US" dirty="0"/>
+              <a:t>Function </a:t>
+            </a:r>
+            <a:r>
+              <a:rPr lang="en-US" b="1" i="1" dirty="0"/>
+              <a:t>arguments</a:t>
+            </a:r>
+            <a:r>
+              <a:rPr lang="en-US" dirty="0"/>
+              <a:t> are the values received by the function when it is invoked</a:t>
+            </a:r>
+          </a:p>
+        </p:txBody>
+      </p:sp>
+      <p:pic>
+        <p:nvPicPr>
+          <p:cNvPr id="4" name="Picture 3">
+            <a:extLst>
+              <a:ext uri="{FF2B5EF4-FFF2-40B4-BE49-F238E27FC236}">
+                <a16:creationId xmlns:a16="http://schemas.microsoft.com/office/drawing/2014/main" id="{C627E5E9-EF93-4D65-9068-D8D4374EE6A1}"/>
+              </a:ext>
+            </a:extLst>
+          </p:cNvPr>
+          <p:cNvPicPr>
+            <a:picLocks noChangeAspect="1"/>
+          </p:cNvPicPr>
+          <p:nvPr/>
+        </p:nvPicPr>
+        <p:blipFill>
+          <a:blip r:embed="rId2">
+            <a:extLst>
+              <a:ext uri="{28A0092B-C50C-407E-A947-70E740481C1C}">
+                <a14:useLocalDpi xmlns:a14="http://schemas.microsoft.com/office/drawing/2010/main" val="0"/>
+              </a:ext>
+            </a:extLst>
+          </a:blip>
+          <a:stretch>
+            <a:fillRect/>
+          </a:stretch>
+        </p:blipFill>
+        <p:spPr>
+          <a:xfrm>
+            <a:off x="1" y="4827043"/>
+            <a:ext cx="12192000" cy="2054830"/>
+          </a:xfrm>
+          <a:prstGeom prst="rect">
+            <a:avLst/>
+          </a:prstGeom>
+        </p:spPr>
+      </p:pic>
     </p:spTree>
     <p:extLst>
       <p:ext uri="{BB962C8B-B14F-4D97-AF65-F5344CB8AC3E}">
-        <p14:creationId xmlns:p14="http://schemas.microsoft.com/office/powerpoint/2010/main" val="4237020258"/>
+        <p14:creationId xmlns:p14="http://schemas.microsoft.com/office/powerpoint/2010/main" val="1975147752"/>
       </p:ext>
     </p:extLst>
   </p:cSld>
@@ -5519,7 +6377,7 @@
           <p:cNvPr id="2" name="Title 1">
             <a:extLst>
               <a:ext uri="{FF2B5EF4-FFF2-40B4-BE49-F238E27FC236}">
-                <a16:creationId xmlns:a16="http://schemas.microsoft.com/office/drawing/2014/main" id="{5E36842C-0A38-4305-98B5-3510F260B56D}"/>
+                <a16:creationId xmlns:a16="http://schemas.microsoft.com/office/drawing/2014/main" id="{F233BF82-FA85-4959-9B11-AF8B26DA4513}"/>
               </a:ext>
             </a:extLst>
           </p:cNvPr>
@@ -5537,7 +6395,7 @@
           <a:p>
             <a:r>
               <a:rPr lang="en-US" dirty="0"/>
-              <a:t>Events</a:t>
+              <a:t>Function Syntax</a:t>
             </a:r>
           </a:p>
         </p:txBody>
@@ -5547,7 +6405,7 @@
           <p:cNvPr id="3" name="Content Placeholder 2">
             <a:extLst>
               <a:ext uri="{FF2B5EF4-FFF2-40B4-BE49-F238E27FC236}">
-                <a16:creationId xmlns:a16="http://schemas.microsoft.com/office/drawing/2014/main" id="{9FE441F7-E1F5-4A44-9EF4-A4FFA552FF39}"/>
+                <a16:creationId xmlns:a16="http://schemas.microsoft.com/office/drawing/2014/main" id="{ACBC87D0-3EA1-4232-8892-15EE32FBAD7A}"/>
               </a:ext>
             </a:extLst>
           </p:cNvPr>
@@ -5558,62 +6416,46 @@
             <p:ph idx="1"/>
           </p:nvPr>
         </p:nvSpPr>
-        <p:spPr/>
-        <p:txBody>
-          <a:bodyPr/>
-          <a:lstStyle/>
-          <a:p>
-            <a:r>
-              <a:rPr lang="en-US" dirty="0"/>
-              <a:t>Events are things that can happen to HTML elements</a:t>
-            </a:r>
-          </a:p>
-          <a:p>
-            <a:r>
-              <a:rPr lang="en-US" dirty="0"/>
-              <a:t>Events may be something that a browser does, or an action by a user, but they all deal with some sort of action</a:t>
-            </a:r>
-          </a:p>
-          <a:p>
-            <a:r>
-              <a:rPr lang="en-US" dirty="0"/>
-              <a:t>Common events:</a:t>
-            </a:r>
-          </a:p>
-          <a:p>
-            <a:pPr lvl="1"/>
-            <a:r>
-              <a:rPr lang="en-US" dirty="0"/>
-              <a:t>A button click</a:t>
-            </a:r>
-          </a:p>
-          <a:p>
-            <a:pPr lvl="1"/>
-            <a:r>
-              <a:rPr lang="en-US" dirty="0"/>
-              <a:t>An input field was changed</a:t>
-            </a:r>
-          </a:p>
-          <a:p>
-            <a:pPr lvl="1"/>
-            <a:r>
-              <a:rPr lang="en-US" dirty="0"/>
-              <a:t>The user moused over an element</a:t>
-            </a:r>
-          </a:p>
-          <a:p>
-            <a:pPr lvl="1"/>
-            <a:r>
-              <a:rPr lang="en-US" dirty="0"/>
-              <a:t>A page finished loading</a:t>
-            </a:r>
+        <p:spPr>
+          <a:xfrm>
+            <a:off x="838200" y="1844675"/>
+            <a:ext cx="10515600" cy="4351338"/>
+          </a:xfrm>
+        </p:spPr>
+        <p:txBody>
+          <a:bodyPr/>
+          <a:lstStyle/>
+          <a:p>
+            <a:r>
+              <a:rPr lang="en-US" dirty="0"/>
+              <a:t>Inside the function, the arguments (parameters) behave as local variables</a:t>
+            </a:r>
+          </a:p>
+          <a:p>
+            <a:r>
+              <a:rPr lang="en-US" dirty="0"/>
+              <a:t>If you are familiar with any other languages, a function is the same thing as a </a:t>
+            </a:r>
+            <a:r>
+              <a:rPr lang="en-US" b="1" i="1" dirty="0"/>
+              <a:t>procedure</a:t>
+            </a:r>
+            <a:r>
+              <a:rPr lang="en-US" dirty="0"/>
+              <a:t> or </a:t>
+            </a:r>
+            <a:r>
+              <a:rPr lang="en-US" b="1" i="1" dirty="0"/>
+              <a:t>subroutine</a:t>
+            </a:r>
+            <a:endParaRPr lang="en-US" dirty="0"/>
           </a:p>
         </p:txBody>
       </p:sp>
     </p:spTree>
     <p:extLst>
       <p:ext uri="{BB962C8B-B14F-4D97-AF65-F5344CB8AC3E}">
-        <p14:creationId xmlns:p14="http://schemas.microsoft.com/office/powerpoint/2010/main" val="3514732261"/>
+        <p14:creationId xmlns:p14="http://schemas.microsoft.com/office/powerpoint/2010/main" val="3880176174"/>
       </p:ext>
     </p:extLst>
   </p:cSld>
@@ -5645,7 +6487,7 @@
           <p:cNvPr id="2" name="Title 1">
             <a:extLst>
               <a:ext uri="{FF2B5EF4-FFF2-40B4-BE49-F238E27FC236}">
-                <a16:creationId xmlns:a16="http://schemas.microsoft.com/office/drawing/2014/main" id="{26DAC1A8-40E6-4E6E-A182-7E7CC228B7B5}"/>
+                <a16:creationId xmlns:a16="http://schemas.microsoft.com/office/drawing/2014/main" id="{41DC54BE-3CE2-48AF-82E9-6B2B914BEC27}"/>
               </a:ext>
             </a:extLst>
           </p:cNvPr>
@@ -5663,7 +6505,7 @@
           <a:p>
             <a:r>
               <a:rPr lang="en-US" dirty="0"/>
-              <a:t>Events</a:t>
+              <a:t>Function Invocation</a:t>
             </a:r>
           </a:p>
         </p:txBody>
@@ -5673,7 +6515,7 @@
           <p:cNvPr id="3" name="Content Placeholder 2">
             <a:extLst>
               <a:ext uri="{FF2B5EF4-FFF2-40B4-BE49-F238E27FC236}">
-                <a16:creationId xmlns:a16="http://schemas.microsoft.com/office/drawing/2014/main" id="{69BF6A33-7A2B-4A4D-B9D3-91F64F9FE3FD}"/>
+                <a16:creationId xmlns:a16="http://schemas.microsoft.com/office/drawing/2014/main" id="{1E8961F0-57A7-47CD-B5B0-8E3D7999733E}"/>
               </a:ext>
             </a:extLst>
           </p:cNvPr>
@@ -5691,54 +6533,21 @@
           <a:p>
             <a:r>
               <a:rPr lang="en-US" dirty="0"/>
-              <a:t>Many HTML Elements allow event handler attributes</a:t>
-            </a:r>
-          </a:p>
-          <a:p>
-            <a:r>
-              <a:rPr lang="en-US" dirty="0"/>
-              <a:t>Event handlers are </a:t>
+              <a:t>The code inside of a function will execute whenever something calls the function</a:t>
+            </a:r>
+          </a:p>
+          <a:p>
+            <a:r>
+              <a:rPr lang="en-US" dirty="0"/>
+              <a:t>Functions can be called by: an </a:t>
             </a:r>
             <a:r>
               <a:rPr lang="en-US" b="1" i="1" dirty="0"/>
-              <a:t>always</a:t>
-            </a:r>
-            <a:r>
-              <a:rPr lang="en-US" dirty="0"/>
-              <a:t> lowercase</a:t>
-            </a:r>
-          </a:p>
-          <a:p>
-            <a:r>
-              <a:rPr lang="en-US" dirty="0"/>
-              <a:t>The most common type of event is the onclick event</a:t>
-            </a:r>
-          </a:p>
-          <a:p>
-            <a:pPr lvl="1"/>
-            <a:r>
-              <a:rPr lang="en-US" dirty="0"/>
-              <a:t>Ex: &lt;button onclick=“</a:t>
-            </a:r>
-            <a:r>
-              <a:rPr lang="en-US" dirty="0" err="1"/>
-              <a:t>displayDate</a:t>
-            </a:r>
-            <a:r>
-              <a:rPr lang="en-US" dirty="0"/>
-              <a:t>()”&gt;What time is it?&lt;/button&gt;</a:t>
-            </a:r>
-          </a:p>
-          <a:p>
-            <a:r>
-              <a:rPr lang="en-US" dirty="0"/>
-              <a:t>There are LOTS of events in web development</a:t>
-            </a:r>
-          </a:p>
-          <a:p>
-            <a:r>
-              <a:rPr lang="en-US" dirty="0"/>
-              <a:t>We will cover these in detail during the DOM Module</a:t>
+              <a:t>event</a:t>
+            </a:r>
+            <a:r>
+              <a:rPr lang="en-US" dirty="0"/>
+              <a:t>, manually in JavaScript code, or automatically</a:t>
             </a:r>
           </a:p>
         </p:txBody>
@@ -5746,7 +6555,7 @@
     </p:spTree>
     <p:extLst>
       <p:ext uri="{BB962C8B-B14F-4D97-AF65-F5344CB8AC3E}">
-        <p14:creationId xmlns:p14="http://schemas.microsoft.com/office/powerpoint/2010/main" val="2604936925"/>
+        <p14:creationId xmlns:p14="http://schemas.microsoft.com/office/powerpoint/2010/main" val="953546918"/>
       </p:ext>
     </p:extLst>
   </p:cSld>
@@ -5778,7 +6587,7 @@
           <p:cNvPr id="2" name="Title 1">
             <a:extLst>
               <a:ext uri="{FF2B5EF4-FFF2-40B4-BE49-F238E27FC236}">
-                <a16:creationId xmlns:a16="http://schemas.microsoft.com/office/drawing/2014/main" id="{3192D6D2-AA2F-497B-9513-1C63B2381B92}"/>
+                <a16:creationId xmlns:a16="http://schemas.microsoft.com/office/drawing/2014/main" id="{BF0D39F7-0AA1-4205-85B0-847CA5768CD8}"/>
               </a:ext>
             </a:extLst>
           </p:cNvPr>
@@ -5796,7 +6605,7 @@
           <a:p>
             <a:r>
               <a:rPr lang="en-US" dirty="0"/>
-              <a:t>Common Events</a:t>
+              <a:t>Function Return</a:t>
             </a:r>
           </a:p>
         </p:txBody>
@@ -5806,7 +6615,7 @@
           <p:cNvPr id="3" name="Content Placeholder 2">
             <a:extLst>
               <a:ext uri="{FF2B5EF4-FFF2-40B4-BE49-F238E27FC236}">
-                <a16:creationId xmlns:a16="http://schemas.microsoft.com/office/drawing/2014/main" id="{FE786F59-9CBD-4EA6-AC2B-01ADF2387312}"/>
+                <a16:creationId xmlns:a16="http://schemas.microsoft.com/office/drawing/2014/main" id="{CACA5D5A-5261-4BCE-B1B4-96A4619E1F29}"/>
               </a:ext>
             </a:extLst>
           </p:cNvPr>
@@ -5819,77 +6628,32 @@
         </p:nvSpPr>
         <p:spPr/>
         <p:txBody>
-          <a:bodyPr>
-            <a:normAutofit lnSpcReduction="10000"/>
-          </a:bodyPr>
-          <a:lstStyle/>
-          <a:p>
-            <a:r>
-              <a:rPr lang="en-US" dirty="0" err="1"/>
-              <a:t>onchange</a:t>
-            </a:r>
-            <a:endParaRPr lang="en-US" dirty="0"/>
-          </a:p>
-          <a:p>
-            <a:pPr lvl="1"/>
-            <a:r>
-              <a:rPr lang="en-US" dirty="0"/>
-              <a:t>HTML Element is changed</a:t>
-            </a:r>
-          </a:p>
-          <a:p>
-            <a:r>
-              <a:rPr lang="en-US" dirty="0"/>
-              <a:t>onclick</a:t>
-            </a:r>
-          </a:p>
-          <a:p>
-            <a:pPr lvl="1"/>
-            <a:r>
-              <a:rPr lang="en-US" dirty="0"/>
-              <a:t>User clicks an element</a:t>
-            </a:r>
-          </a:p>
-          <a:p>
-            <a:r>
-              <a:rPr lang="en-US" dirty="0" err="1"/>
-              <a:t>onmouseover</a:t>
-            </a:r>
-            <a:endParaRPr lang="en-US" dirty="0"/>
-          </a:p>
-          <a:p>
-            <a:pPr lvl="1"/>
-            <a:r>
-              <a:rPr lang="en-US" dirty="0"/>
-              <a:t>User moves mouse over an element</a:t>
-            </a:r>
-          </a:p>
-          <a:p>
-            <a:r>
-              <a:rPr lang="en-US" dirty="0" err="1"/>
-              <a:t>onmouseout</a:t>
-            </a:r>
-            <a:endParaRPr lang="en-US" dirty="0"/>
-          </a:p>
-          <a:p>
-            <a:pPr lvl="1"/>
-            <a:r>
-              <a:rPr lang="en-US" dirty="0"/>
-              <a:t>User moves mouse off of an element</a:t>
-            </a:r>
-          </a:p>
-          <a:p>
-            <a:r>
-              <a:rPr lang="en-US" dirty="0" err="1"/>
-              <a:t>onkeydown</a:t>
-            </a:r>
-            <a:endParaRPr lang="en-US" dirty="0"/>
-          </a:p>
-          <a:p>
-            <a:pPr lvl="1"/>
-            <a:r>
-              <a:rPr lang="en-US" dirty="0"/>
-              <a:t>User presses a key</a:t>
+          <a:bodyPr/>
+          <a:lstStyle/>
+          <a:p>
+            <a:r>
+              <a:rPr lang="en-US" dirty="0"/>
+              <a:t>When JavaScript reaches a return statement, the function stops executing</a:t>
+            </a:r>
+          </a:p>
+          <a:p>
+            <a:r>
+              <a:rPr lang="en-US" dirty="0"/>
+              <a:t>If the function was invoked from a statement, JavaScript will “return” to execute code after the invoking statement</a:t>
+            </a:r>
+          </a:p>
+          <a:p>
+            <a:r>
+              <a:rPr lang="en-US" dirty="0"/>
+              <a:t>Functions often compute a </a:t>
+            </a:r>
+            <a:r>
+              <a:rPr lang="en-US" b="1" i="1" dirty="0"/>
+              <a:t>return value</a:t>
+            </a:r>
+            <a:r>
+              <a:rPr lang="en-US" dirty="0"/>
+              <a:t>, which gets “returned” back to the caller</a:t>
             </a:r>
           </a:p>
         </p:txBody>
@@ -5897,7 +6661,7 @@
     </p:spTree>
     <p:extLst>
       <p:ext uri="{BB962C8B-B14F-4D97-AF65-F5344CB8AC3E}">
-        <p14:creationId xmlns:p14="http://schemas.microsoft.com/office/powerpoint/2010/main" val="3830866646"/>
+        <p14:creationId xmlns:p14="http://schemas.microsoft.com/office/powerpoint/2010/main" val="578022952"/>
       </p:ext>
     </p:extLst>
   </p:cSld>
@@ -5929,7 +6693,7 @@
           <p:cNvPr id="2" name="Title 1">
             <a:extLst>
               <a:ext uri="{FF2B5EF4-FFF2-40B4-BE49-F238E27FC236}">
-                <a16:creationId xmlns:a16="http://schemas.microsoft.com/office/drawing/2014/main" id="{23F7FD03-4A5C-D09F-1793-08F007DAFCDA}"/>
+                <a16:creationId xmlns:a16="http://schemas.microsoft.com/office/drawing/2014/main" id="{21D391BB-F86B-4F0E-BBFE-D590FBAE737C}"/>
               </a:ext>
             </a:extLst>
           </p:cNvPr>
@@ -5947,88 +6711,186 @@
           <a:p>
             <a:r>
               <a:rPr lang="en-US" dirty="0"/>
-              <a:t>For Today:</a:t>
-            </a:r>
-          </a:p>
-        </p:txBody>
-      </p:sp>
-      <p:sp>
-        <p:nvSpPr>
-          <p:cNvPr id="3" name="Content Placeholder 2">
-            <a:extLst>
-              <a:ext uri="{FF2B5EF4-FFF2-40B4-BE49-F238E27FC236}">
-                <a16:creationId xmlns:a16="http://schemas.microsoft.com/office/drawing/2014/main" id="{6DE95802-CC64-CDC7-3A16-97C4C3B744F1}"/>
-              </a:ext>
-            </a:extLst>
-          </p:cNvPr>
-          <p:cNvSpPr>
-            <a:spLocks noGrp="1"/>
-          </p:cNvSpPr>
+              <a:t>Function Return</a:t>
+            </a:r>
+          </a:p>
+        </p:txBody>
+      </p:sp>
+      <p:pic>
+        <p:nvPicPr>
+          <p:cNvPr id="9" name="Content Placeholder 8">
+            <a:extLst>
+              <a:ext uri="{FF2B5EF4-FFF2-40B4-BE49-F238E27FC236}">
+                <a16:creationId xmlns:a16="http://schemas.microsoft.com/office/drawing/2014/main" id="{4D4DD82A-5C2B-4597-B10F-783ABEF5A011}"/>
+              </a:ext>
+            </a:extLst>
+          </p:cNvPr>
+          <p:cNvPicPr>
+            <a:picLocks noGrp="1" noChangeAspect="1"/>
+          </p:cNvPicPr>
           <p:nvPr>
             <p:ph idx="1"/>
           </p:nvPr>
-        </p:nvSpPr>
-        <p:spPr/>
-        <p:txBody>
-          <a:bodyPr/>
-          <a:lstStyle/>
-          <a:p>
-            <a:pPr marL="514350" indent="-514350">
-              <a:buFont typeface="+mj-lt"/>
-              <a:buAutoNum type="arabicPeriod"/>
-            </a:pPr>
-            <a:r>
-              <a:rPr lang="en-US" dirty="0"/>
-              <a:t>Module 3 Exercises</a:t>
-            </a:r>
-          </a:p>
-          <a:p>
-            <a:pPr marL="514350" indent="-514350">
-              <a:buFont typeface="+mj-lt"/>
-              <a:buAutoNum type="arabicPeriod"/>
-            </a:pPr>
-            <a:r>
-              <a:rPr lang="en-US" dirty="0" err="1"/>
-              <a:t>Atometric</a:t>
-            </a:r>
-            <a:endParaRPr lang="en-US" dirty="0"/>
-          </a:p>
-          <a:p>
-            <a:pPr marL="514350" indent="-514350">
-              <a:buFont typeface="+mj-lt"/>
-              <a:buAutoNum type="arabicPeriod"/>
-            </a:pPr>
-            <a:r>
-              <a:rPr lang="en-US" dirty="0"/>
-              <a:t>Portfolio</a:t>
-            </a:r>
-          </a:p>
-          <a:p>
-            <a:pPr marL="514350" indent="-514350">
-              <a:buFont typeface="+mj-lt"/>
-              <a:buAutoNum type="arabicPeriod"/>
-            </a:pPr>
-            <a:r>
-              <a:rPr lang="en-US" dirty="0"/>
-              <a:t>Calculator</a:t>
-            </a:r>
-          </a:p>
-          <a:p>
-            <a:pPr marL="514350" indent="-514350">
-              <a:buFont typeface="+mj-lt"/>
-              <a:buAutoNum type="arabicPeriod"/>
-            </a:pPr>
-            <a:r>
-              <a:rPr lang="en-US" dirty="0"/>
-              <a:t>To Do List</a:t>
-            </a:r>
-          </a:p>
-        </p:txBody>
-      </p:sp>
+        </p:nvPicPr>
+        <p:blipFill>
+          <a:blip r:embed="rId2">
+            <a:extLst>
+              <a:ext uri="{28A0092B-C50C-407E-A947-70E740481C1C}">
+                <a14:useLocalDpi xmlns:a14="http://schemas.microsoft.com/office/drawing/2010/main" val="0"/>
+              </a:ext>
+            </a:extLst>
+          </a:blip>
+          <a:stretch>
+            <a:fillRect/>
+          </a:stretch>
+        </p:blipFill>
+        <p:spPr>
+          <a:xfrm>
+            <a:off x="0" y="2880845"/>
+            <a:ext cx="12192000" cy="2240898"/>
+          </a:xfrm>
+        </p:spPr>
+      </p:pic>
     </p:spTree>
     <p:extLst>
       <p:ext uri="{BB962C8B-B14F-4D97-AF65-F5344CB8AC3E}">
-        <p14:creationId xmlns:p14="http://schemas.microsoft.com/office/powerpoint/2010/main" val="2836499598"/>
+        <p14:creationId xmlns:p14="http://schemas.microsoft.com/office/powerpoint/2010/main" val="1122429443"/>
+      </p:ext>
+    </p:extLst>
+  </p:cSld>
+  <p:clrMapOvr>
+    <a:masterClrMapping/>
+  </p:clrMapOvr>
+</p:sld>
+</file>
+
+<file path=ppt/slides/slide29.xml><?xml version="1.0" encoding="utf-8"?>
+<p:sld xmlns:a="http://schemas.openxmlformats.org/drawingml/2006/main" xmlns:r="http://schemas.openxmlformats.org/officeDocument/2006/relationships" xmlns:p="http://schemas.openxmlformats.org/presentationml/2006/main">
+  <p:cSld>
+    <p:spTree>
+      <p:nvGrpSpPr>
+        <p:cNvPr id="1" name=""/>
+        <p:cNvGrpSpPr/>
+        <p:nvPr/>
+      </p:nvGrpSpPr>
+      <p:grpSpPr>
+        <a:xfrm>
+          <a:off x="0" y="0"/>
+          <a:ext cx="0" cy="0"/>
+          <a:chOff x="0" y="0"/>
+          <a:chExt cx="0" cy="0"/>
+        </a:xfrm>
+      </p:grpSpPr>
+      <p:sp>
+        <p:nvSpPr>
+          <p:cNvPr id="2" name="Title 1">
+            <a:extLst>
+              <a:ext uri="{FF2B5EF4-FFF2-40B4-BE49-F238E27FC236}">
+                <a16:creationId xmlns:a16="http://schemas.microsoft.com/office/drawing/2014/main" id="{F75F2E41-F251-4F0D-8428-DF475E000015}"/>
+              </a:ext>
+            </a:extLst>
+          </p:cNvPr>
+          <p:cNvSpPr>
+            <a:spLocks noGrp="1"/>
+          </p:cNvSpPr>
+          <p:nvPr>
+            <p:ph type="title"/>
+          </p:nvPr>
+        </p:nvSpPr>
+        <p:spPr/>
+        <p:txBody>
+          <a:bodyPr/>
+          <a:lstStyle/>
+          <a:p>
+            <a:r>
+              <a:rPr lang="en-US" dirty="0"/>
+              <a:t>Why Functions?</a:t>
+            </a:r>
+          </a:p>
+        </p:txBody>
+      </p:sp>
+      <p:sp>
+        <p:nvSpPr>
+          <p:cNvPr id="3" name="Content Placeholder 2">
+            <a:extLst>
+              <a:ext uri="{FF2B5EF4-FFF2-40B4-BE49-F238E27FC236}">
+                <a16:creationId xmlns:a16="http://schemas.microsoft.com/office/drawing/2014/main" id="{508F05D8-3F0D-43DB-8FDE-C79360F2B679}"/>
+              </a:ext>
+            </a:extLst>
+          </p:cNvPr>
+          <p:cNvSpPr>
+            <a:spLocks noGrp="1"/>
+          </p:cNvSpPr>
+          <p:nvPr>
+            <p:ph idx="1"/>
+          </p:nvPr>
+        </p:nvSpPr>
+        <p:spPr/>
+        <p:txBody>
+          <a:bodyPr/>
+          <a:lstStyle/>
+          <a:p>
+            <a:r>
+              <a:rPr lang="en-US" dirty="0"/>
+              <a:t>Functions let us reuse code – we define them once and can use them as many times as we want</a:t>
+            </a:r>
+          </a:p>
+          <a:p>
+            <a:r>
+              <a:rPr lang="en-US" dirty="0"/>
+              <a:t>We can use the same code with different </a:t>
+            </a:r>
+            <a:r>
+              <a:rPr lang="en-US" b="1" i="1" dirty="0"/>
+              <a:t>arguments</a:t>
+            </a:r>
+            <a:r>
+              <a:rPr lang="en-US" dirty="0"/>
+              <a:t> to produce different results</a:t>
+            </a:r>
+          </a:p>
+        </p:txBody>
+      </p:sp>
+      <p:pic>
+        <p:nvPicPr>
+          <p:cNvPr id="5" name="Picture 4">
+            <a:extLst>
+              <a:ext uri="{FF2B5EF4-FFF2-40B4-BE49-F238E27FC236}">
+                <a16:creationId xmlns:a16="http://schemas.microsoft.com/office/drawing/2014/main" id="{24135129-AFA7-4427-9378-7867867011C1}"/>
+              </a:ext>
+            </a:extLst>
+          </p:cNvPr>
+          <p:cNvPicPr>
+            <a:picLocks noChangeAspect="1"/>
+          </p:cNvPicPr>
+          <p:nvPr/>
+        </p:nvPicPr>
+        <p:blipFill>
+          <a:blip r:embed="rId2">
+            <a:extLst>
+              <a:ext uri="{28A0092B-C50C-407E-A947-70E740481C1C}">
+                <a14:useLocalDpi xmlns:a14="http://schemas.microsoft.com/office/drawing/2010/main" val="0"/>
+              </a:ext>
+            </a:extLst>
+          </a:blip>
+          <a:stretch>
+            <a:fillRect/>
+          </a:stretch>
+        </p:blipFill>
+        <p:spPr>
+          <a:xfrm>
+            <a:off x="1" y="4499547"/>
+            <a:ext cx="12192000" cy="2358453"/>
+          </a:xfrm>
+          <a:prstGeom prst="rect">
+            <a:avLst/>
+          </a:prstGeom>
+        </p:spPr>
+      </p:pic>
+    </p:spTree>
+    <p:extLst>
+      <p:ext uri="{BB962C8B-B14F-4D97-AF65-F5344CB8AC3E}">
+        <p14:creationId xmlns:p14="http://schemas.microsoft.com/office/powerpoint/2010/main" val="3668429575"/>
       </p:ext>
     </p:extLst>
   </p:cSld>
@@ -6060,7 +6922,7 @@
           <p:cNvPr id="2" name="Title 1">
             <a:extLst>
               <a:ext uri="{FF2B5EF4-FFF2-40B4-BE49-F238E27FC236}">
-                <a16:creationId xmlns:a16="http://schemas.microsoft.com/office/drawing/2014/main" id="{E8F26760-785D-44B5-ADDD-0418C4404BEC}"/>
+                <a16:creationId xmlns:a16="http://schemas.microsoft.com/office/drawing/2014/main" id="{D252A2F7-B2EE-4383-9583-C8153F0D8586}"/>
               </a:ext>
             </a:extLst>
           </p:cNvPr>
@@ -6078,7 +6940,7 @@
           <a:p>
             <a:r>
               <a:rPr lang="en-US" dirty="0"/>
-              <a:t>Data Types</a:t>
+              <a:t>The Concept of Data Types</a:t>
             </a:r>
           </a:p>
         </p:txBody>
@@ -6088,7 +6950,7 @@
           <p:cNvPr id="3" name="Content Placeholder 2">
             <a:extLst>
               <a:ext uri="{FF2B5EF4-FFF2-40B4-BE49-F238E27FC236}">
-                <a16:creationId xmlns:a16="http://schemas.microsoft.com/office/drawing/2014/main" id="{035C60BA-4A52-41E1-A247-31AD8F7FD660}"/>
+                <a16:creationId xmlns:a16="http://schemas.microsoft.com/office/drawing/2014/main" id="{0AEF3215-7A93-4272-8BFE-DC09EBF652C9}"/>
               </a:ext>
             </a:extLst>
           </p:cNvPr>
@@ -6106,39 +6968,1427 @@
           <a:p>
             <a:r>
               <a:rPr lang="en-US" dirty="0"/>
-              <a:t>In order to operate on data, your computer must know some basic information about it. Strings must be operated on differently than Numbers, Numbers must be operated on differently than Booleans, and so on.</a:t>
-            </a:r>
-          </a:p>
-          <a:p>
-            <a:r>
-              <a:rPr lang="en-US" dirty="0"/>
-              <a:t>JavaScript and other dynamically typed languages infer the type of a piece of data by </a:t>
-            </a:r>
-            <a:r>
-              <a:rPr lang="en-US" i="1" dirty="0"/>
-              <a:t>Interpreting</a:t>
-            </a:r>
-          </a:p>
-          <a:p>
-            <a:r>
-              <a:rPr lang="en-US" dirty="0"/>
-              <a:t>The </a:t>
-            </a:r>
-            <a:r>
-              <a:rPr lang="en-US" i="1" dirty="0"/>
-              <a:t>interpreter </a:t>
-            </a:r>
-            <a:r>
-              <a:rPr lang="en-US" dirty="0"/>
-              <a:t>reads and executes your code line by line and in real time. </a:t>
-            </a:r>
-          </a:p>
-        </p:txBody>
-      </p:sp>
+              <a:t>In programming, data types are an important concept</a:t>
+            </a:r>
+          </a:p>
+          <a:p>
+            <a:r>
+              <a:rPr lang="en-US" dirty="0"/>
+              <a:t>To operate on variables, we need to know what kind of data the variable is</a:t>
+            </a:r>
+          </a:p>
+          <a:p>
+            <a:r>
+              <a:rPr lang="en-US" dirty="0"/>
+              <a:t>Without knowing the type of the data, we cannot safely operate on it</a:t>
+            </a:r>
+          </a:p>
+        </p:txBody>
+      </p:sp>
+      <p:pic>
+        <p:nvPicPr>
+          <p:cNvPr id="5" name="Picture 4">
+            <a:extLst>
+              <a:ext uri="{FF2B5EF4-FFF2-40B4-BE49-F238E27FC236}">
+                <a16:creationId xmlns:a16="http://schemas.microsoft.com/office/drawing/2014/main" id="{84E44A31-76E7-47F8-BC69-CEB40B289F18}"/>
+              </a:ext>
+            </a:extLst>
+          </p:cNvPr>
+          <p:cNvPicPr>
+            <a:picLocks noChangeAspect="1"/>
+          </p:cNvPicPr>
+          <p:nvPr/>
+        </p:nvPicPr>
+        <p:blipFill>
+          <a:blip r:embed="rId2">
+            <a:extLst>
+              <a:ext uri="{28A0092B-C50C-407E-A947-70E740481C1C}">
+                <a14:useLocalDpi xmlns:a14="http://schemas.microsoft.com/office/drawing/2010/main" val="0"/>
+              </a:ext>
+            </a:extLst>
+          </a:blip>
+          <a:stretch>
+            <a:fillRect/>
+          </a:stretch>
+        </p:blipFill>
+        <p:spPr>
+          <a:xfrm>
+            <a:off x="7144871" y="3842033"/>
+            <a:ext cx="5047130" cy="3015967"/>
+          </a:xfrm>
+          <a:prstGeom prst="rect">
+            <a:avLst/>
+          </a:prstGeom>
+        </p:spPr>
+      </p:pic>
     </p:spTree>
     <p:extLst>
       <p:ext uri="{BB962C8B-B14F-4D97-AF65-F5344CB8AC3E}">
-        <p14:creationId xmlns:p14="http://schemas.microsoft.com/office/powerpoint/2010/main" val="909670074"/>
+        <p14:creationId xmlns:p14="http://schemas.microsoft.com/office/powerpoint/2010/main" val="3711401973"/>
+      </p:ext>
+    </p:extLst>
+  </p:cSld>
+  <p:clrMapOvr>
+    <a:masterClrMapping/>
+  </p:clrMapOvr>
+</p:sld>
+</file>
+
+<file path=ppt/slides/slide30.xml><?xml version="1.0" encoding="utf-8"?>
+<p:sld xmlns:a="http://schemas.openxmlformats.org/drawingml/2006/main" xmlns:r="http://schemas.openxmlformats.org/officeDocument/2006/relationships" xmlns:p="http://schemas.openxmlformats.org/presentationml/2006/main">
+  <p:cSld>
+    <p:spTree>
+      <p:nvGrpSpPr>
+        <p:cNvPr id="1" name=""/>
+        <p:cNvGrpSpPr/>
+        <p:nvPr/>
+      </p:nvGrpSpPr>
+      <p:grpSpPr>
+        <a:xfrm>
+          <a:off x="0" y="0"/>
+          <a:ext cx="0" cy="0"/>
+          <a:chOff x="0" y="0"/>
+          <a:chExt cx="0" cy="0"/>
+        </a:xfrm>
+      </p:grpSpPr>
+      <p:sp>
+        <p:nvSpPr>
+          <p:cNvPr id="2" name="Title 1">
+            <a:extLst>
+              <a:ext uri="{FF2B5EF4-FFF2-40B4-BE49-F238E27FC236}">
+                <a16:creationId xmlns:a16="http://schemas.microsoft.com/office/drawing/2014/main" id="{4DA8858D-424F-4D98-8164-294EB62E600C}"/>
+              </a:ext>
+            </a:extLst>
+          </p:cNvPr>
+          <p:cNvSpPr>
+            <a:spLocks noGrp="1"/>
+          </p:cNvSpPr>
+          <p:nvPr>
+            <p:ph type="title"/>
+          </p:nvPr>
+        </p:nvSpPr>
+        <p:spPr/>
+        <p:txBody>
+          <a:bodyPr/>
+          <a:lstStyle/>
+          <a:p>
+            <a:r>
+              <a:rPr lang="en-US" dirty="0"/>
+              <a:t>The () Operator Invokes the Function</a:t>
+            </a:r>
+          </a:p>
+        </p:txBody>
+      </p:sp>
+      <p:sp>
+        <p:nvSpPr>
+          <p:cNvPr id="3" name="Content Placeholder 2">
+            <a:extLst>
+              <a:ext uri="{FF2B5EF4-FFF2-40B4-BE49-F238E27FC236}">
+                <a16:creationId xmlns:a16="http://schemas.microsoft.com/office/drawing/2014/main" id="{34E6A3CD-D8B4-42B5-8381-5D394C8A1640}"/>
+              </a:ext>
+            </a:extLst>
+          </p:cNvPr>
+          <p:cNvSpPr>
+            <a:spLocks noGrp="1"/>
+          </p:cNvSpPr>
+          <p:nvPr>
+            <p:ph idx="1"/>
+          </p:nvPr>
+        </p:nvSpPr>
+        <p:spPr/>
+        <p:txBody>
+          <a:bodyPr/>
+          <a:lstStyle/>
+          <a:p>
+            <a:r>
+              <a:rPr lang="en-US" dirty="0"/>
+              <a:t>Using the example below, </a:t>
+            </a:r>
+            <a:r>
+              <a:rPr lang="en-US" b="1" i="1" dirty="0" err="1"/>
+              <a:t>toCelsius</a:t>
+            </a:r>
+            <a:r>
+              <a:rPr lang="en-US" dirty="0"/>
+              <a:t> refers to the function object, and </a:t>
+            </a:r>
+            <a:r>
+              <a:rPr lang="en-US" b="1" i="1" dirty="0" err="1"/>
+              <a:t>toCelsius</a:t>
+            </a:r>
+            <a:r>
+              <a:rPr lang="en-US" b="1" i="1" dirty="0"/>
+              <a:t>()</a:t>
+            </a:r>
+            <a:r>
+              <a:rPr lang="en-US" dirty="0"/>
+              <a:t> refers to the function result</a:t>
+            </a:r>
+          </a:p>
+          <a:p>
+            <a:r>
+              <a:rPr lang="en-US" dirty="0"/>
+              <a:t>Accessing a function without the parentheses will return a function object instead of the function result</a:t>
+            </a:r>
+          </a:p>
+        </p:txBody>
+      </p:sp>
+      <p:pic>
+        <p:nvPicPr>
+          <p:cNvPr id="7" name="Picture 6">
+            <a:extLst>
+              <a:ext uri="{FF2B5EF4-FFF2-40B4-BE49-F238E27FC236}">
+                <a16:creationId xmlns:a16="http://schemas.microsoft.com/office/drawing/2014/main" id="{8A16736E-B7E0-43CD-8689-29EDCE864CD2}"/>
+              </a:ext>
+            </a:extLst>
+          </p:cNvPr>
+          <p:cNvPicPr>
+            <a:picLocks noChangeAspect="1"/>
+          </p:cNvPicPr>
+          <p:nvPr/>
+        </p:nvPicPr>
+        <p:blipFill>
+          <a:blip r:embed="rId2">
+            <a:extLst>
+              <a:ext uri="{28A0092B-C50C-407E-A947-70E740481C1C}">
+                <a14:useLocalDpi xmlns:a14="http://schemas.microsoft.com/office/drawing/2010/main" val="0"/>
+              </a:ext>
+            </a:extLst>
+          </a:blip>
+          <a:stretch>
+            <a:fillRect/>
+          </a:stretch>
+        </p:blipFill>
+        <p:spPr>
+          <a:xfrm>
+            <a:off x="0" y="3531077"/>
+            <a:ext cx="3552825" cy="3326923"/>
+          </a:xfrm>
+          <a:prstGeom prst="rect">
+            <a:avLst/>
+          </a:prstGeom>
+        </p:spPr>
+      </p:pic>
+      <p:pic>
+        <p:nvPicPr>
+          <p:cNvPr id="9" name="Picture 8">
+            <a:extLst>
+              <a:ext uri="{FF2B5EF4-FFF2-40B4-BE49-F238E27FC236}">
+                <a16:creationId xmlns:a16="http://schemas.microsoft.com/office/drawing/2014/main" id="{8E752299-7D60-455E-9C9F-3C9288A6FDF8}"/>
+              </a:ext>
+            </a:extLst>
+          </p:cNvPr>
+          <p:cNvPicPr>
+            <a:picLocks noChangeAspect="1"/>
+          </p:cNvPicPr>
+          <p:nvPr/>
+        </p:nvPicPr>
+        <p:blipFill>
+          <a:blip r:embed="rId3">
+            <a:extLst>
+              <a:ext uri="{28A0092B-C50C-407E-A947-70E740481C1C}">
+                <a14:useLocalDpi xmlns:a14="http://schemas.microsoft.com/office/drawing/2010/main" val="0"/>
+              </a:ext>
+            </a:extLst>
+          </a:blip>
+          <a:stretch>
+            <a:fillRect/>
+          </a:stretch>
+        </p:blipFill>
+        <p:spPr>
+          <a:xfrm>
+            <a:off x="6096001" y="4982308"/>
+            <a:ext cx="6096000" cy="1875692"/>
+          </a:xfrm>
+          <a:prstGeom prst="rect">
+            <a:avLst/>
+          </a:prstGeom>
+        </p:spPr>
+      </p:pic>
+    </p:spTree>
+    <p:extLst>
+      <p:ext uri="{BB962C8B-B14F-4D97-AF65-F5344CB8AC3E}">
+        <p14:creationId xmlns:p14="http://schemas.microsoft.com/office/powerpoint/2010/main" val="3621117923"/>
+      </p:ext>
+    </p:extLst>
+  </p:cSld>
+  <p:clrMapOvr>
+    <a:masterClrMapping/>
+  </p:clrMapOvr>
+</p:sld>
+</file>
+
+<file path=ppt/slides/slide31.xml><?xml version="1.0" encoding="utf-8"?>
+<p:sld xmlns:a="http://schemas.openxmlformats.org/drawingml/2006/main" xmlns:r="http://schemas.openxmlformats.org/officeDocument/2006/relationships" xmlns:p="http://schemas.openxmlformats.org/presentationml/2006/main">
+  <p:cSld>
+    <p:spTree>
+      <p:nvGrpSpPr>
+        <p:cNvPr id="1" name=""/>
+        <p:cNvGrpSpPr/>
+        <p:nvPr/>
+      </p:nvGrpSpPr>
+      <p:grpSpPr>
+        <a:xfrm>
+          <a:off x="0" y="0"/>
+          <a:ext cx="0" cy="0"/>
+          <a:chOff x="0" y="0"/>
+          <a:chExt cx="0" cy="0"/>
+        </a:xfrm>
+      </p:grpSpPr>
+      <p:sp>
+        <p:nvSpPr>
+          <p:cNvPr id="2" name="Title 1">
+            <a:extLst>
+              <a:ext uri="{FF2B5EF4-FFF2-40B4-BE49-F238E27FC236}">
+                <a16:creationId xmlns:a16="http://schemas.microsoft.com/office/drawing/2014/main" id="{97D0F0FA-F624-4991-97B0-66477C95E2F4}"/>
+              </a:ext>
+            </a:extLst>
+          </p:cNvPr>
+          <p:cNvSpPr>
+            <a:spLocks noGrp="1"/>
+          </p:cNvSpPr>
+          <p:nvPr>
+            <p:ph type="title"/>
+          </p:nvPr>
+        </p:nvSpPr>
+        <p:spPr/>
+        <p:txBody>
+          <a:bodyPr/>
+          <a:lstStyle/>
+          <a:p>
+            <a:r>
+              <a:rPr lang="en-US" dirty="0"/>
+              <a:t>Functions Used as Variable Values</a:t>
+            </a:r>
+          </a:p>
+        </p:txBody>
+      </p:sp>
+      <p:sp>
+        <p:nvSpPr>
+          <p:cNvPr id="3" name="Content Placeholder 2">
+            <a:extLst>
+              <a:ext uri="{FF2B5EF4-FFF2-40B4-BE49-F238E27FC236}">
+                <a16:creationId xmlns:a16="http://schemas.microsoft.com/office/drawing/2014/main" id="{9204797E-4742-4447-B3F8-5BE5527E97F8}"/>
+              </a:ext>
+            </a:extLst>
+          </p:cNvPr>
+          <p:cNvSpPr>
+            <a:spLocks noGrp="1"/>
+          </p:cNvSpPr>
+          <p:nvPr>
+            <p:ph idx="1"/>
+          </p:nvPr>
+        </p:nvSpPr>
+        <p:spPr/>
+        <p:txBody>
+          <a:bodyPr/>
+          <a:lstStyle/>
+          <a:p>
+            <a:r>
+              <a:rPr lang="en-US" dirty="0"/>
+              <a:t>Functions can be used the same way you use variables, in all types of formulas, assignments, and calculations</a:t>
+            </a:r>
+          </a:p>
+          <a:p>
+            <a:endParaRPr lang="en-US" dirty="0"/>
+          </a:p>
+        </p:txBody>
+      </p:sp>
+      <p:pic>
+        <p:nvPicPr>
+          <p:cNvPr id="5" name="Picture 4">
+            <a:extLst>
+              <a:ext uri="{FF2B5EF4-FFF2-40B4-BE49-F238E27FC236}">
+                <a16:creationId xmlns:a16="http://schemas.microsoft.com/office/drawing/2014/main" id="{287F2706-1628-4858-920E-FD724C12FAC6}"/>
+              </a:ext>
+            </a:extLst>
+          </p:cNvPr>
+          <p:cNvPicPr>
+            <a:picLocks noChangeAspect="1"/>
+          </p:cNvPicPr>
+          <p:nvPr/>
+        </p:nvPicPr>
+        <p:blipFill>
+          <a:blip r:embed="rId2">
+            <a:extLst>
+              <a:ext uri="{28A0092B-C50C-407E-A947-70E740481C1C}">
+                <a14:useLocalDpi xmlns:a14="http://schemas.microsoft.com/office/drawing/2010/main" val="0"/>
+              </a:ext>
+            </a:extLst>
+          </a:blip>
+          <a:stretch>
+            <a:fillRect/>
+          </a:stretch>
+        </p:blipFill>
+        <p:spPr>
+          <a:xfrm>
+            <a:off x="0" y="5376907"/>
+            <a:ext cx="6096000" cy="1481093"/>
+          </a:xfrm>
+          <a:prstGeom prst="rect">
+            <a:avLst/>
+          </a:prstGeom>
+        </p:spPr>
+      </p:pic>
+      <p:pic>
+        <p:nvPicPr>
+          <p:cNvPr id="7" name="Picture 6">
+            <a:extLst>
+              <a:ext uri="{FF2B5EF4-FFF2-40B4-BE49-F238E27FC236}">
+                <a16:creationId xmlns:a16="http://schemas.microsoft.com/office/drawing/2014/main" id="{5BF35D4E-4B7A-4D79-9BEF-6B8FF6B4E116}"/>
+              </a:ext>
+            </a:extLst>
+          </p:cNvPr>
+          <p:cNvPicPr>
+            <a:picLocks noChangeAspect="1"/>
+          </p:cNvPicPr>
+          <p:nvPr/>
+        </p:nvPicPr>
+        <p:blipFill>
+          <a:blip r:embed="rId3">
+            <a:extLst>
+              <a:ext uri="{28A0092B-C50C-407E-A947-70E740481C1C}">
+                <a14:useLocalDpi xmlns:a14="http://schemas.microsoft.com/office/drawing/2010/main" val="0"/>
+              </a:ext>
+            </a:extLst>
+          </a:blip>
+          <a:stretch>
+            <a:fillRect/>
+          </a:stretch>
+        </p:blipFill>
+        <p:spPr>
+          <a:xfrm>
+            <a:off x="6096001" y="4586271"/>
+            <a:ext cx="6096000" cy="2271730"/>
+          </a:xfrm>
+          <a:prstGeom prst="rect">
+            <a:avLst/>
+          </a:prstGeom>
+        </p:spPr>
+      </p:pic>
+    </p:spTree>
+    <p:extLst>
+      <p:ext uri="{BB962C8B-B14F-4D97-AF65-F5344CB8AC3E}">
+        <p14:creationId xmlns:p14="http://schemas.microsoft.com/office/powerpoint/2010/main" val="2768814233"/>
+      </p:ext>
+    </p:extLst>
+  </p:cSld>
+  <p:clrMapOvr>
+    <a:masterClrMapping/>
+  </p:clrMapOvr>
+</p:sld>
+</file>
+
+<file path=ppt/slides/slide32.xml><?xml version="1.0" encoding="utf-8"?>
+<p:sld xmlns:a="http://schemas.openxmlformats.org/drawingml/2006/main" xmlns:r="http://schemas.openxmlformats.org/officeDocument/2006/relationships" xmlns:p="http://schemas.openxmlformats.org/presentationml/2006/main">
+  <p:cSld>
+    <p:spTree>
+      <p:nvGrpSpPr>
+        <p:cNvPr id="1" name=""/>
+        <p:cNvGrpSpPr/>
+        <p:nvPr/>
+      </p:nvGrpSpPr>
+      <p:grpSpPr>
+        <a:xfrm>
+          <a:off x="0" y="0"/>
+          <a:ext cx="0" cy="0"/>
+          <a:chOff x="0" y="0"/>
+          <a:chExt cx="0" cy="0"/>
+        </a:xfrm>
+      </p:grpSpPr>
+      <p:sp>
+        <p:nvSpPr>
+          <p:cNvPr id="2" name="Title 1">
+            <a:extLst>
+              <a:ext uri="{FF2B5EF4-FFF2-40B4-BE49-F238E27FC236}">
+                <a16:creationId xmlns:a16="http://schemas.microsoft.com/office/drawing/2014/main" id="{1078237E-9685-4CFD-9120-8923233A8EE8}"/>
+              </a:ext>
+            </a:extLst>
+          </p:cNvPr>
+          <p:cNvSpPr>
+            <a:spLocks noGrp="1"/>
+          </p:cNvSpPr>
+          <p:nvPr>
+            <p:ph type="title"/>
+          </p:nvPr>
+        </p:nvSpPr>
+        <p:spPr/>
+        <p:txBody>
+          <a:bodyPr/>
+          <a:lstStyle/>
+          <a:p>
+            <a:r>
+              <a:rPr lang="en-US" dirty="0"/>
+              <a:t>Local Variables</a:t>
+            </a:r>
+          </a:p>
+        </p:txBody>
+      </p:sp>
+      <p:sp>
+        <p:nvSpPr>
+          <p:cNvPr id="3" name="Content Placeholder 2">
+            <a:extLst>
+              <a:ext uri="{FF2B5EF4-FFF2-40B4-BE49-F238E27FC236}">
+                <a16:creationId xmlns:a16="http://schemas.microsoft.com/office/drawing/2014/main" id="{A6247D70-C4CF-4A3B-A55B-219895FDCD15}"/>
+              </a:ext>
+            </a:extLst>
+          </p:cNvPr>
+          <p:cNvSpPr>
+            <a:spLocks noGrp="1"/>
+          </p:cNvSpPr>
+          <p:nvPr>
+            <p:ph idx="1"/>
+          </p:nvPr>
+        </p:nvSpPr>
+        <p:spPr/>
+        <p:txBody>
+          <a:bodyPr/>
+          <a:lstStyle/>
+          <a:p>
+            <a:r>
+              <a:rPr lang="en-US" dirty="0"/>
+              <a:t>Variables declared inside of a function become </a:t>
+            </a:r>
+            <a:r>
+              <a:rPr lang="en-US" b="1" i="1" dirty="0"/>
+              <a:t>local</a:t>
+            </a:r>
+            <a:r>
+              <a:rPr lang="en-US" dirty="0"/>
+              <a:t> to the function</a:t>
+            </a:r>
+          </a:p>
+          <a:p>
+            <a:r>
+              <a:rPr lang="en-US" b="1" i="1" dirty="0"/>
+              <a:t>Local variables</a:t>
+            </a:r>
+            <a:r>
+              <a:rPr lang="en-US" dirty="0"/>
+              <a:t> can only be accessed from within the function</a:t>
+            </a:r>
+          </a:p>
+          <a:p>
+            <a:endParaRPr lang="en-US" b="1" i="1" dirty="0"/>
+          </a:p>
+        </p:txBody>
+      </p:sp>
+    </p:spTree>
+    <p:extLst>
+      <p:ext uri="{BB962C8B-B14F-4D97-AF65-F5344CB8AC3E}">
+        <p14:creationId xmlns:p14="http://schemas.microsoft.com/office/powerpoint/2010/main" val="1466164045"/>
+      </p:ext>
+    </p:extLst>
+  </p:cSld>
+  <p:clrMapOvr>
+    <a:masterClrMapping/>
+  </p:clrMapOvr>
+</p:sld>
+</file>
+
+<file path=ppt/slides/slide33.xml><?xml version="1.0" encoding="utf-8"?>
+<p:sld xmlns:a="http://schemas.openxmlformats.org/drawingml/2006/main" xmlns:r="http://schemas.openxmlformats.org/officeDocument/2006/relationships" xmlns:p="http://schemas.openxmlformats.org/presentationml/2006/main">
+  <p:cSld>
+    <p:spTree>
+      <p:nvGrpSpPr>
+        <p:cNvPr id="1" name=""/>
+        <p:cNvGrpSpPr/>
+        <p:nvPr/>
+      </p:nvGrpSpPr>
+      <p:grpSpPr>
+        <a:xfrm>
+          <a:off x="0" y="0"/>
+          <a:ext cx="0" cy="0"/>
+          <a:chOff x="0" y="0"/>
+          <a:chExt cx="0" cy="0"/>
+        </a:xfrm>
+      </p:grpSpPr>
+      <p:sp>
+        <p:nvSpPr>
+          <p:cNvPr id="2" name="Title 1">
+            <a:extLst>
+              <a:ext uri="{FF2B5EF4-FFF2-40B4-BE49-F238E27FC236}">
+                <a16:creationId xmlns:a16="http://schemas.microsoft.com/office/drawing/2014/main" id="{DA0226E6-57E5-4EC0-A481-3886AA9A71EE}"/>
+              </a:ext>
+            </a:extLst>
+          </p:cNvPr>
+          <p:cNvSpPr>
+            <a:spLocks noGrp="1"/>
+          </p:cNvSpPr>
+          <p:nvPr>
+            <p:ph type="title"/>
+          </p:nvPr>
+        </p:nvSpPr>
+        <p:spPr/>
+        <p:txBody>
+          <a:bodyPr/>
+          <a:lstStyle/>
+          <a:p>
+            <a:r>
+              <a:rPr lang="en-US" dirty="0"/>
+              <a:t>Local Variables</a:t>
+            </a:r>
+          </a:p>
+        </p:txBody>
+      </p:sp>
+      <p:sp>
+        <p:nvSpPr>
+          <p:cNvPr id="3" name="Content Placeholder 2">
+            <a:extLst>
+              <a:ext uri="{FF2B5EF4-FFF2-40B4-BE49-F238E27FC236}">
+                <a16:creationId xmlns:a16="http://schemas.microsoft.com/office/drawing/2014/main" id="{6788F9B6-1E72-46F8-9109-C1C364A84472}"/>
+              </a:ext>
+            </a:extLst>
+          </p:cNvPr>
+          <p:cNvSpPr>
+            <a:spLocks noGrp="1"/>
+          </p:cNvSpPr>
+          <p:nvPr>
+            <p:ph idx="1"/>
+          </p:nvPr>
+        </p:nvSpPr>
+        <p:spPr/>
+        <p:txBody>
+          <a:bodyPr/>
+          <a:lstStyle/>
+          <a:p>
+            <a:r>
+              <a:rPr lang="en-US" dirty="0"/>
+              <a:t>Since local variables are only recognized within their functions, variables with the same name can be used in different functions</a:t>
+            </a:r>
+          </a:p>
+        </p:txBody>
+      </p:sp>
+      <p:pic>
+        <p:nvPicPr>
+          <p:cNvPr id="4" name="Picture 3">
+            <a:extLst>
+              <a:ext uri="{FF2B5EF4-FFF2-40B4-BE49-F238E27FC236}">
+                <a16:creationId xmlns:a16="http://schemas.microsoft.com/office/drawing/2014/main" id="{5B1D5F35-8015-4FA3-82CA-41006439D8A9}"/>
+              </a:ext>
+            </a:extLst>
+          </p:cNvPr>
+          <p:cNvPicPr>
+            <a:picLocks noChangeAspect="1"/>
+          </p:cNvPicPr>
+          <p:nvPr/>
+        </p:nvPicPr>
+        <p:blipFill>
+          <a:blip r:embed="rId2">
+            <a:extLst>
+              <a:ext uri="{28A0092B-C50C-407E-A947-70E740481C1C}">
+                <a14:useLocalDpi xmlns:a14="http://schemas.microsoft.com/office/drawing/2010/main" val="0"/>
+              </a:ext>
+            </a:extLst>
+          </a:blip>
+          <a:stretch>
+            <a:fillRect/>
+          </a:stretch>
+        </p:blipFill>
+        <p:spPr>
+          <a:xfrm>
+            <a:off x="6096001" y="4102385"/>
+            <a:ext cx="6096000" cy="2755616"/>
+          </a:xfrm>
+          <a:prstGeom prst="rect">
+            <a:avLst/>
+          </a:prstGeom>
+        </p:spPr>
+      </p:pic>
+    </p:spTree>
+    <p:extLst>
+      <p:ext uri="{BB962C8B-B14F-4D97-AF65-F5344CB8AC3E}">
+        <p14:creationId xmlns:p14="http://schemas.microsoft.com/office/powerpoint/2010/main" val="3048157046"/>
+      </p:ext>
+    </p:extLst>
+  </p:cSld>
+  <p:clrMapOvr>
+    <a:masterClrMapping/>
+  </p:clrMapOvr>
+</p:sld>
+</file>
+
+<file path=ppt/slides/slide34.xml><?xml version="1.0" encoding="utf-8"?>
+<p:sld xmlns:a="http://schemas.openxmlformats.org/drawingml/2006/main" xmlns:r="http://schemas.openxmlformats.org/officeDocument/2006/relationships" xmlns:p="http://schemas.openxmlformats.org/presentationml/2006/main">
+  <p:cSld>
+    <p:spTree>
+      <p:nvGrpSpPr>
+        <p:cNvPr id="1" name=""/>
+        <p:cNvGrpSpPr/>
+        <p:nvPr/>
+      </p:nvGrpSpPr>
+      <p:grpSpPr>
+        <a:xfrm>
+          <a:off x="0" y="0"/>
+          <a:ext cx="0" cy="0"/>
+          <a:chOff x="0" y="0"/>
+          <a:chExt cx="0" cy="0"/>
+        </a:xfrm>
+      </p:grpSpPr>
+      <p:sp>
+        <p:nvSpPr>
+          <p:cNvPr id="2" name="Title 1">
+            <a:extLst>
+              <a:ext uri="{FF2B5EF4-FFF2-40B4-BE49-F238E27FC236}">
+                <a16:creationId xmlns:a16="http://schemas.microsoft.com/office/drawing/2014/main" id="{F5BDD087-C405-4CDE-87B8-6083A2BBFC51}"/>
+              </a:ext>
+            </a:extLst>
+          </p:cNvPr>
+          <p:cNvSpPr>
+            <a:spLocks noGrp="1"/>
+          </p:cNvSpPr>
+          <p:nvPr>
+            <p:ph type="title"/>
+          </p:nvPr>
+        </p:nvSpPr>
+        <p:spPr/>
+        <p:txBody>
+          <a:bodyPr/>
+          <a:lstStyle/>
+          <a:p>
+            <a:r>
+              <a:rPr lang="en-US" dirty="0"/>
+              <a:t>Objects</a:t>
+            </a:r>
+          </a:p>
+        </p:txBody>
+      </p:sp>
+      <p:sp>
+        <p:nvSpPr>
+          <p:cNvPr id="3" name="Text Placeholder 2">
+            <a:extLst>
+              <a:ext uri="{FF2B5EF4-FFF2-40B4-BE49-F238E27FC236}">
+                <a16:creationId xmlns:a16="http://schemas.microsoft.com/office/drawing/2014/main" id="{0BA633CA-C877-4A57-86D8-642F8229CC88}"/>
+              </a:ext>
+            </a:extLst>
+          </p:cNvPr>
+          <p:cNvSpPr>
+            <a:spLocks noGrp="1"/>
+          </p:cNvSpPr>
+          <p:nvPr>
+            <p:ph type="body" idx="1"/>
+          </p:nvPr>
+        </p:nvSpPr>
+        <p:spPr/>
+        <p:txBody>
+          <a:bodyPr/>
+          <a:lstStyle/>
+          <a:p>
+            <a:endParaRPr lang="en-US"/>
+          </a:p>
+        </p:txBody>
+      </p:sp>
+    </p:spTree>
+    <p:extLst>
+      <p:ext uri="{BB962C8B-B14F-4D97-AF65-F5344CB8AC3E}">
+        <p14:creationId xmlns:p14="http://schemas.microsoft.com/office/powerpoint/2010/main" val="2496790363"/>
+      </p:ext>
+    </p:extLst>
+  </p:cSld>
+  <p:clrMapOvr>
+    <a:masterClrMapping/>
+  </p:clrMapOvr>
+</p:sld>
+</file>
+
+<file path=ppt/slides/slide35.xml><?xml version="1.0" encoding="utf-8"?>
+<p:sld xmlns:a="http://schemas.openxmlformats.org/drawingml/2006/main" xmlns:r="http://schemas.openxmlformats.org/officeDocument/2006/relationships" xmlns:p="http://schemas.openxmlformats.org/presentationml/2006/main">
+  <p:cSld>
+    <p:spTree>
+      <p:nvGrpSpPr>
+        <p:cNvPr id="1" name=""/>
+        <p:cNvGrpSpPr/>
+        <p:nvPr/>
+      </p:nvGrpSpPr>
+      <p:grpSpPr>
+        <a:xfrm>
+          <a:off x="0" y="0"/>
+          <a:ext cx="0" cy="0"/>
+          <a:chOff x="0" y="0"/>
+          <a:chExt cx="0" cy="0"/>
+        </a:xfrm>
+      </p:grpSpPr>
+      <p:sp>
+        <p:nvSpPr>
+          <p:cNvPr id="2" name="Title 1">
+            <a:extLst>
+              <a:ext uri="{FF2B5EF4-FFF2-40B4-BE49-F238E27FC236}">
+                <a16:creationId xmlns:a16="http://schemas.microsoft.com/office/drawing/2014/main" id="{6BD9E51B-9144-4C62-BF64-7893F2C9D2A8}"/>
+              </a:ext>
+            </a:extLst>
+          </p:cNvPr>
+          <p:cNvSpPr>
+            <a:spLocks noGrp="1"/>
+          </p:cNvSpPr>
+          <p:nvPr>
+            <p:ph type="title"/>
+          </p:nvPr>
+        </p:nvSpPr>
+        <p:spPr/>
+        <p:txBody>
+          <a:bodyPr/>
+          <a:lstStyle/>
+          <a:p>
+            <a:r>
+              <a:rPr lang="en-US" dirty="0"/>
+              <a:t>Real Life Objects, Properties, and Methods</a:t>
+            </a:r>
+          </a:p>
+        </p:txBody>
+      </p:sp>
+      <p:sp>
+        <p:nvSpPr>
+          <p:cNvPr id="3" name="Content Placeholder 2">
+            <a:extLst>
+              <a:ext uri="{FF2B5EF4-FFF2-40B4-BE49-F238E27FC236}">
+                <a16:creationId xmlns:a16="http://schemas.microsoft.com/office/drawing/2014/main" id="{1287086C-91EF-4274-BA4B-BF374B1C4FBB}"/>
+              </a:ext>
+            </a:extLst>
+          </p:cNvPr>
+          <p:cNvSpPr>
+            <a:spLocks noGrp="1"/>
+          </p:cNvSpPr>
+          <p:nvPr>
+            <p:ph idx="1"/>
+          </p:nvPr>
+        </p:nvSpPr>
+        <p:spPr/>
+        <p:txBody>
+          <a:bodyPr/>
+          <a:lstStyle/>
+          <a:p>
+            <a:r>
+              <a:rPr lang="en-US" dirty="0"/>
+              <a:t>In real life, a car is an </a:t>
+            </a:r>
+            <a:r>
+              <a:rPr lang="en-US" b="1" i="1" dirty="0"/>
+              <a:t>object</a:t>
+            </a:r>
+            <a:endParaRPr lang="en-US" dirty="0"/>
+          </a:p>
+          <a:p>
+            <a:r>
+              <a:rPr lang="en-US" dirty="0"/>
+              <a:t>Cars have </a:t>
+            </a:r>
+            <a:r>
+              <a:rPr lang="en-US" b="1" i="1" dirty="0"/>
+              <a:t>properties</a:t>
+            </a:r>
+            <a:r>
+              <a:rPr lang="en-US" dirty="0"/>
+              <a:t> like weight and color, and </a:t>
+            </a:r>
+            <a:r>
+              <a:rPr lang="en-US" b="1" i="1" dirty="0"/>
+              <a:t>methods</a:t>
+            </a:r>
+            <a:r>
+              <a:rPr lang="en-US" dirty="0"/>
+              <a:t> like start and stop</a:t>
+            </a:r>
+          </a:p>
+        </p:txBody>
+      </p:sp>
+      <p:pic>
+        <p:nvPicPr>
+          <p:cNvPr id="5" name="Picture 4">
+            <a:extLst>
+              <a:ext uri="{FF2B5EF4-FFF2-40B4-BE49-F238E27FC236}">
+                <a16:creationId xmlns:a16="http://schemas.microsoft.com/office/drawing/2014/main" id="{1E6770B1-BBCC-46EA-8019-CF7F7B2DD77C}"/>
+              </a:ext>
+            </a:extLst>
+          </p:cNvPr>
+          <p:cNvPicPr>
+            <a:picLocks noChangeAspect="1"/>
+          </p:cNvPicPr>
+          <p:nvPr/>
+        </p:nvPicPr>
+        <p:blipFill>
+          <a:blip r:embed="rId2">
+            <a:extLst>
+              <a:ext uri="{28A0092B-C50C-407E-A947-70E740481C1C}">
+                <a14:useLocalDpi xmlns:a14="http://schemas.microsoft.com/office/drawing/2010/main" val="0"/>
+              </a:ext>
+            </a:extLst>
+          </a:blip>
+          <a:stretch>
+            <a:fillRect/>
+          </a:stretch>
+        </p:blipFill>
+        <p:spPr>
+          <a:xfrm>
+            <a:off x="1" y="3996875"/>
+            <a:ext cx="12192000" cy="2861125"/>
+          </a:xfrm>
+          <a:prstGeom prst="rect">
+            <a:avLst/>
+          </a:prstGeom>
+        </p:spPr>
+      </p:pic>
+    </p:spTree>
+    <p:extLst>
+      <p:ext uri="{BB962C8B-B14F-4D97-AF65-F5344CB8AC3E}">
+        <p14:creationId xmlns:p14="http://schemas.microsoft.com/office/powerpoint/2010/main" val="2357654239"/>
+      </p:ext>
+    </p:extLst>
+  </p:cSld>
+  <p:clrMapOvr>
+    <a:masterClrMapping/>
+  </p:clrMapOvr>
+</p:sld>
+</file>
+
+<file path=ppt/slides/slide36.xml><?xml version="1.0" encoding="utf-8"?>
+<p:sld xmlns:a="http://schemas.openxmlformats.org/drawingml/2006/main" xmlns:r="http://schemas.openxmlformats.org/officeDocument/2006/relationships" xmlns:p="http://schemas.openxmlformats.org/presentationml/2006/main">
+  <p:cSld>
+    <p:spTree>
+      <p:nvGrpSpPr>
+        <p:cNvPr id="1" name=""/>
+        <p:cNvGrpSpPr/>
+        <p:nvPr/>
+      </p:nvGrpSpPr>
+      <p:grpSpPr>
+        <a:xfrm>
+          <a:off x="0" y="0"/>
+          <a:ext cx="0" cy="0"/>
+          <a:chOff x="0" y="0"/>
+          <a:chExt cx="0" cy="0"/>
+        </a:xfrm>
+      </p:grpSpPr>
+      <p:sp>
+        <p:nvSpPr>
+          <p:cNvPr id="2" name="Title 1">
+            <a:extLst>
+              <a:ext uri="{FF2B5EF4-FFF2-40B4-BE49-F238E27FC236}">
+                <a16:creationId xmlns:a16="http://schemas.microsoft.com/office/drawing/2014/main" id="{52206A90-08A5-47E0-BEDD-F0BBFEDCCDCC}"/>
+              </a:ext>
+            </a:extLst>
+          </p:cNvPr>
+          <p:cNvSpPr>
+            <a:spLocks noGrp="1"/>
+          </p:cNvSpPr>
+          <p:nvPr>
+            <p:ph type="title"/>
+          </p:nvPr>
+        </p:nvSpPr>
+        <p:spPr/>
+        <p:txBody>
+          <a:bodyPr/>
+          <a:lstStyle/>
+          <a:p>
+            <a:r>
+              <a:rPr lang="en-US" dirty="0"/>
+              <a:t>Real Life Objects, Properties, and Methods</a:t>
+            </a:r>
+          </a:p>
+        </p:txBody>
+      </p:sp>
+      <p:sp>
+        <p:nvSpPr>
+          <p:cNvPr id="3" name="Content Placeholder 2">
+            <a:extLst>
+              <a:ext uri="{FF2B5EF4-FFF2-40B4-BE49-F238E27FC236}">
+                <a16:creationId xmlns:a16="http://schemas.microsoft.com/office/drawing/2014/main" id="{41962D6B-EDA1-4525-8C14-79A646A91A80}"/>
+              </a:ext>
+            </a:extLst>
+          </p:cNvPr>
+          <p:cNvSpPr>
+            <a:spLocks noGrp="1"/>
+          </p:cNvSpPr>
+          <p:nvPr>
+            <p:ph idx="1"/>
+          </p:nvPr>
+        </p:nvSpPr>
+        <p:spPr/>
+        <p:txBody>
+          <a:bodyPr/>
+          <a:lstStyle/>
+          <a:p>
+            <a:r>
+              <a:rPr lang="en-US" dirty="0"/>
+              <a:t>All cars have the same set of </a:t>
+            </a:r>
+            <a:r>
+              <a:rPr lang="en-US" b="1" i="1" dirty="0"/>
+              <a:t>properties</a:t>
+            </a:r>
+            <a:r>
+              <a:rPr lang="en-US" dirty="0"/>
+              <a:t>, but the property </a:t>
+            </a:r>
+            <a:r>
+              <a:rPr lang="en-US" b="1" i="1" dirty="0"/>
+              <a:t>values</a:t>
+            </a:r>
+            <a:r>
+              <a:rPr lang="en-US" dirty="0"/>
+              <a:t> differ from car to car</a:t>
+            </a:r>
+          </a:p>
+          <a:p>
+            <a:r>
+              <a:rPr lang="en-US" dirty="0"/>
+              <a:t>All cars have the same set of </a:t>
+            </a:r>
+            <a:r>
+              <a:rPr lang="en-US" b="1" i="1" dirty="0"/>
+              <a:t>methods</a:t>
+            </a:r>
+            <a:r>
+              <a:rPr lang="en-US" dirty="0"/>
+              <a:t>, but the methods are performed </a:t>
+            </a:r>
+            <a:r>
+              <a:rPr lang="en-US" b="1" i="1" dirty="0"/>
+              <a:t>at different times</a:t>
+            </a:r>
+            <a:endParaRPr lang="en-US" dirty="0"/>
+          </a:p>
+        </p:txBody>
+      </p:sp>
+    </p:spTree>
+    <p:extLst>
+      <p:ext uri="{BB962C8B-B14F-4D97-AF65-F5344CB8AC3E}">
+        <p14:creationId xmlns:p14="http://schemas.microsoft.com/office/powerpoint/2010/main" val="187762126"/>
+      </p:ext>
+    </p:extLst>
+  </p:cSld>
+  <p:clrMapOvr>
+    <a:masterClrMapping/>
+  </p:clrMapOvr>
+</p:sld>
+</file>
+
+<file path=ppt/slides/slide37.xml><?xml version="1.0" encoding="utf-8"?>
+<p:sld xmlns:a="http://schemas.openxmlformats.org/drawingml/2006/main" xmlns:r="http://schemas.openxmlformats.org/officeDocument/2006/relationships" xmlns:p="http://schemas.openxmlformats.org/presentationml/2006/main">
+  <p:cSld>
+    <p:spTree>
+      <p:nvGrpSpPr>
+        <p:cNvPr id="1" name=""/>
+        <p:cNvGrpSpPr/>
+        <p:nvPr/>
+      </p:nvGrpSpPr>
+      <p:grpSpPr>
+        <a:xfrm>
+          <a:off x="0" y="0"/>
+          <a:ext cx="0" cy="0"/>
+          <a:chOff x="0" y="0"/>
+          <a:chExt cx="0" cy="0"/>
+        </a:xfrm>
+      </p:grpSpPr>
+      <p:sp>
+        <p:nvSpPr>
+          <p:cNvPr id="2" name="Title 1">
+            <a:extLst>
+              <a:ext uri="{FF2B5EF4-FFF2-40B4-BE49-F238E27FC236}">
+                <a16:creationId xmlns:a16="http://schemas.microsoft.com/office/drawing/2014/main" id="{5F14043C-B83E-400E-9EF6-8C1AABBEC98A}"/>
+              </a:ext>
+            </a:extLst>
+          </p:cNvPr>
+          <p:cNvSpPr>
+            <a:spLocks noGrp="1"/>
+          </p:cNvSpPr>
+          <p:nvPr>
+            <p:ph type="title"/>
+          </p:nvPr>
+        </p:nvSpPr>
+        <p:spPr/>
+        <p:txBody>
+          <a:bodyPr/>
+          <a:lstStyle/>
+          <a:p>
+            <a:r>
+              <a:rPr lang="en-US" dirty="0"/>
+              <a:t>JavaScript Objects</a:t>
+            </a:r>
+          </a:p>
+        </p:txBody>
+      </p:sp>
+      <p:sp>
+        <p:nvSpPr>
+          <p:cNvPr id="3" name="Content Placeholder 2">
+            <a:extLst>
+              <a:ext uri="{FF2B5EF4-FFF2-40B4-BE49-F238E27FC236}">
+                <a16:creationId xmlns:a16="http://schemas.microsoft.com/office/drawing/2014/main" id="{6D972A2A-6197-4F5A-91BB-4CB0E7F22735}"/>
+              </a:ext>
+            </a:extLst>
+          </p:cNvPr>
+          <p:cNvSpPr>
+            <a:spLocks noGrp="1"/>
+          </p:cNvSpPr>
+          <p:nvPr>
+            <p:ph idx="1"/>
+          </p:nvPr>
+        </p:nvSpPr>
+        <p:spPr/>
+        <p:txBody>
+          <a:bodyPr/>
+          <a:lstStyle/>
+          <a:p>
+            <a:r>
+              <a:rPr lang="en-US" dirty="0"/>
+              <a:t>You have already learned that JavaScript variables are containers for data values</a:t>
+            </a:r>
+          </a:p>
+          <a:p>
+            <a:r>
+              <a:rPr lang="en-US" dirty="0"/>
+              <a:t>Objects are variables too, but objects can contain </a:t>
+            </a:r>
+            <a:r>
+              <a:rPr lang="en-US" i="1" dirty="0"/>
+              <a:t>many</a:t>
+            </a:r>
+            <a:r>
+              <a:rPr lang="en-US" dirty="0"/>
+              <a:t> values</a:t>
+            </a:r>
+          </a:p>
+          <a:p>
+            <a:r>
+              <a:rPr lang="en-US" dirty="0"/>
+              <a:t>This code assigns </a:t>
+            </a:r>
+            <a:r>
+              <a:rPr lang="en-US" i="1" dirty="0"/>
+              <a:t>many values</a:t>
+            </a:r>
+            <a:r>
+              <a:rPr lang="en-US" dirty="0"/>
+              <a:t> (Fiat, 500, white) to a </a:t>
+            </a:r>
+            <a:r>
+              <a:rPr lang="en-US" b="1" i="1" dirty="0"/>
+              <a:t>variable</a:t>
+            </a:r>
+            <a:r>
+              <a:rPr lang="en-US" dirty="0"/>
+              <a:t> named car</a:t>
+            </a:r>
+          </a:p>
+        </p:txBody>
+      </p:sp>
+      <p:pic>
+        <p:nvPicPr>
+          <p:cNvPr id="5" name="Picture 4">
+            <a:extLst>
+              <a:ext uri="{FF2B5EF4-FFF2-40B4-BE49-F238E27FC236}">
+                <a16:creationId xmlns:a16="http://schemas.microsoft.com/office/drawing/2014/main" id="{C6555AAD-1514-48B8-A139-81CEC474CEC5}"/>
+              </a:ext>
+            </a:extLst>
+          </p:cNvPr>
+          <p:cNvPicPr>
+            <a:picLocks noChangeAspect="1"/>
+          </p:cNvPicPr>
+          <p:nvPr/>
+        </p:nvPicPr>
+        <p:blipFill>
+          <a:blip r:embed="rId2">
+            <a:extLst>
+              <a:ext uri="{28A0092B-C50C-407E-A947-70E740481C1C}">
+                <a14:useLocalDpi xmlns:a14="http://schemas.microsoft.com/office/drawing/2010/main" val="0"/>
+              </a:ext>
+            </a:extLst>
+          </a:blip>
+          <a:stretch>
+            <a:fillRect/>
+          </a:stretch>
+        </p:blipFill>
+        <p:spPr>
+          <a:xfrm>
+            <a:off x="1" y="5908535"/>
+            <a:ext cx="12192000" cy="949465"/>
+          </a:xfrm>
+          <a:prstGeom prst="rect">
+            <a:avLst/>
+          </a:prstGeom>
+        </p:spPr>
+      </p:pic>
+    </p:spTree>
+    <p:extLst>
+      <p:ext uri="{BB962C8B-B14F-4D97-AF65-F5344CB8AC3E}">
+        <p14:creationId xmlns:p14="http://schemas.microsoft.com/office/powerpoint/2010/main" val="2604216701"/>
+      </p:ext>
+    </p:extLst>
+  </p:cSld>
+  <p:clrMapOvr>
+    <a:masterClrMapping/>
+  </p:clrMapOvr>
+</p:sld>
+</file>
+
+<file path=ppt/slides/slide38.xml><?xml version="1.0" encoding="utf-8"?>
+<p:sld xmlns:a="http://schemas.openxmlformats.org/drawingml/2006/main" xmlns:r="http://schemas.openxmlformats.org/officeDocument/2006/relationships" xmlns:p="http://schemas.openxmlformats.org/presentationml/2006/main">
+  <p:cSld>
+    <p:spTree>
+      <p:nvGrpSpPr>
+        <p:cNvPr id="1" name=""/>
+        <p:cNvGrpSpPr/>
+        <p:nvPr/>
+      </p:nvGrpSpPr>
+      <p:grpSpPr>
+        <a:xfrm>
+          <a:off x="0" y="0"/>
+          <a:ext cx="0" cy="0"/>
+          <a:chOff x="0" y="0"/>
+          <a:chExt cx="0" cy="0"/>
+        </a:xfrm>
+      </p:grpSpPr>
+      <p:sp>
+        <p:nvSpPr>
+          <p:cNvPr id="2" name="Title 1">
+            <a:extLst>
+              <a:ext uri="{FF2B5EF4-FFF2-40B4-BE49-F238E27FC236}">
+                <a16:creationId xmlns:a16="http://schemas.microsoft.com/office/drawing/2014/main" id="{E06EC259-FBB7-4C63-8CC3-085FA94E9906}"/>
+              </a:ext>
+            </a:extLst>
+          </p:cNvPr>
+          <p:cNvSpPr>
+            <a:spLocks noGrp="1"/>
+          </p:cNvSpPr>
+          <p:nvPr>
+            <p:ph type="title"/>
+          </p:nvPr>
+        </p:nvSpPr>
+        <p:spPr/>
+        <p:txBody>
+          <a:bodyPr/>
+          <a:lstStyle/>
+          <a:p>
+            <a:r>
+              <a:rPr lang="en-US" dirty="0"/>
+              <a:t>JavaScript Objects</a:t>
+            </a:r>
+          </a:p>
+        </p:txBody>
+      </p:sp>
+      <p:sp>
+        <p:nvSpPr>
+          <p:cNvPr id="3" name="Content Placeholder 2">
+            <a:extLst>
+              <a:ext uri="{FF2B5EF4-FFF2-40B4-BE49-F238E27FC236}">
+                <a16:creationId xmlns:a16="http://schemas.microsoft.com/office/drawing/2014/main" id="{5D667215-1A34-46A5-ADB7-DAE92D5622C9}"/>
+              </a:ext>
+            </a:extLst>
+          </p:cNvPr>
+          <p:cNvSpPr>
+            <a:spLocks noGrp="1"/>
+          </p:cNvSpPr>
+          <p:nvPr>
+            <p:ph idx="1"/>
+          </p:nvPr>
+        </p:nvSpPr>
+        <p:spPr/>
+        <p:txBody>
+          <a:bodyPr/>
+          <a:lstStyle/>
+          <a:p>
+            <a:r>
+              <a:rPr lang="en-US" dirty="0"/>
+              <a:t>The values are written as </a:t>
+            </a:r>
+            <a:r>
+              <a:rPr lang="en-US" b="1" i="1" dirty="0" err="1"/>
+              <a:t>name:value</a:t>
+            </a:r>
+            <a:r>
+              <a:rPr lang="en-US" dirty="0"/>
+              <a:t> pairs (a name and a value separated by a colon)</a:t>
+            </a:r>
+          </a:p>
+          <a:p>
+            <a:r>
+              <a:rPr lang="en-US" dirty="0"/>
+              <a:t>It is generally a good practice to declare objects with the </a:t>
+            </a:r>
+            <a:r>
+              <a:rPr lang="en-US" b="1" i="1" dirty="0"/>
+              <a:t>const </a:t>
+            </a:r>
+            <a:r>
+              <a:rPr lang="en-US" dirty="0"/>
+              <a:t>keyword</a:t>
+            </a:r>
+          </a:p>
+        </p:txBody>
+      </p:sp>
+    </p:spTree>
+    <p:extLst>
+      <p:ext uri="{BB962C8B-B14F-4D97-AF65-F5344CB8AC3E}">
+        <p14:creationId xmlns:p14="http://schemas.microsoft.com/office/powerpoint/2010/main" val="1621292281"/>
+      </p:ext>
+    </p:extLst>
+  </p:cSld>
+  <p:clrMapOvr>
+    <a:masterClrMapping/>
+  </p:clrMapOvr>
+</p:sld>
+</file>
+
+<file path=ppt/slides/slide39.xml><?xml version="1.0" encoding="utf-8"?>
+<p:sld xmlns:a="http://schemas.openxmlformats.org/drawingml/2006/main" xmlns:r="http://schemas.openxmlformats.org/officeDocument/2006/relationships" xmlns:p="http://schemas.openxmlformats.org/presentationml/2006/main">
+  <p:cSld>
+    <p:spTree>
+      <p:nvGrpSpPr>
+        <p:cNvPr id="1" name=""/>
+        <p:cNvGrpSpPr/>
+        <p:nvPr/>
+      </p:nvGrpSpPr>
+      <p:grpSpPr>
+        <a:xfrm>
+          <a:off x="0" y="0"/>
+          <a:ext cx="0" cy="0"/>
+          <a:chOff x="0" y="0"/>
+          <a:chExt cx="0" cy="0"/>
+        </a:xfrm>
+      </p:grpSpPr>
+      <p:sp>
+        <p:nvSpPr>
+          <p:cNvPr id="2" name="Title 1">
+            <a:extLst>
+              <a:ext uri="{FF2B5EF4-FFF2-40B4-BE49-F238E27FC236}">
+                <a16:creationId xmlns:a16="http://schemas.microsoft.com/office/drawing/2014/main" id="{4558D966-8E1B-4F4E-8363-9F339340ABAD}"/>
+              </a:ext>
+            </a:extLst>
+          </p:cNvPr>
+          <p:cNvSpPr>
+            <a:spLocks noGrp="1"/>
+          </p:cNvSpPr>
+          <p:nvPr>
+            <p:ph type="title"/>
+          </p:nvPr>
+        </p:nvSpPr>
+        <p:spPr/>
+        <p:txBody>
+          <a:bodyPr/>
+          <a:lstStyle/>
+          <a:p>
+            <a:r>
+              <a:rPr lang="en-US" dirty="0"/>
+              <a:t>Object Definition</a:t>
+            </a:r>
+          </a:p>
+        </p:txBody>
+      </p:sp>
+      <p:sp>
+        <p:nvSpPr>
+          <p:cNvPr id="3" name="Content Placeholder 2">
+            <a:extLst>
+              <a:ext uri="{FF2B5EF4-FFF2-40B4-BE49-F238E27FC236}">
+                <a16:creationId xmlns:a16="http://schemas.microsoft.com/office/drawing/2014/main" id="{97D3E87F-5B91-4A5E-9009-B463394F4985}"/>
+              </a:ext>
+            </a:extLst>
+          </p:cNvPr>
+          <p:cNvSpPr>
+            <a:spLocks noGrp="1"/>
+          </p:cNvSpPr>
+          <p:nvPr>
+            <p:ph idx="1"/>
+          </p:nvPr>
+        </p:nvSpPr>
+        <p:spPr/>
+        <p:txBody>
+          <a:bodyPr/>
+          <a:lstStyle/>
+          <a:p>
+            <a:r>
+              <a:rPr lang="en-US" dirty="0"/>
+              <a:t>You define (and create) a JavaScript with an </a:t>
+            </a:r>
+            <a:r>
+              <a:rPr lang="en-US" b="1" i="1" dirty="0"/>
+              <a:t>object literal</a:t>
+            </a:r>
+          </a:p>
+          <a:p>
+            <a:r>
+              <a:rPr lang="en-US" dirty="0"/>
+              <a:t>Spaces and line breaks are not important to an object’s syntax, so they can be written multiple ways</a:t>
+            </a:r>
+          </a:p>
+          <a:p>
+            <a:endParaRPr lang="en-US" dirty="0"/>
+          </a:p>
+        </p:txBody>
+      </p:sp>
+      <p:pic>
+        <p:nvPicPr>
+          <p:cNvPr id="5" name="Picture 4">
+            <a:extLst>
+              <a:ext uri="{FF2B5EF4-FFF2-40B4-BE49-F238E27FC236}">
+                <a16:creationId xmlns:a16="http://schemas.microsoft.com/office/drawing/2014/main" id="{969F1C5E-E9E1-4ED9-983C-E8F26FE0E5FA}"/>
+              </a:ext>
+            </a:extLst>
+          </p:cNvPr>
+          <p:cNvPicPr>
+            <a:picLocks noChangeAspect="1"/>
+          </p:cNvPicPr>
+          <p:nvPr/>
+        </p:nvPicPr>
+        <p:blipFill>
+          <a:blip r:embed="rId2">
+            <a:extLst>
+              <a:ext uri="{28A0092B-C50C-407E-A947-70E740481C1C}">
+                <a14:useLocalDpi xmlns:a14="http://schemas.microsoft.com/office/drawing/2010/main" val="0"/>
+              </a:ext>
+            </a:extLst>
+          </a:blip>
+          <a:stretch>
+            <a:fillRect/>
+          </a:stretch>
+        </p:blipFill>
+        <p:spPr>
+          <a:xfrm>
+            <a:off x="8391525" y="4143375"/>
+            <a:ext cx="3800475" cy="2714625"/>
+          </a:xfrm>
+          <a:prstGeom prst="rect">
+            <a:avLst/>
+          </a:prstGeom>
+        </p:spPr>
+      </p:pic>
+      <p:pic>
+        <p:nvPicPr>
+          <p:cNvPr id="7" name="Picture 6">
+            <a:extLst>
+              <a:ext uri="{FF2B5EF4-FFF2-40B4-BE49-F238E27FC236}">
+                <a16:creationId xmlns:a16="http://schemas.microsoft.com/office/drawing/2014/main" id="{9BA763FB-4F4C-4B2D-B209-8E1111E793E0}"/>
+              </a:ext>
+            </a:extLst>
+          </p:cNvPr>
+          <p:cNvPicPr>
+            <a:picLocks noChangeAspect="1"/>
+          </p:cNvPicPr>
+          <p:nvPr/>
+        </p:nvPicPr>
+        <p:blipFill>
+          <a:blip r:embed="rId3">
+            <a:extLst>
+              <a:ext uri="{28A0092B-C50C-407E-A947-70E740481C1C}">
+                <a14:useLocalDpi xmlns:a14="http://schemas.microsoft.com/office/drawing/2010/main" val="0"/>
+              </a:ext>
+            </a:extLst>
+          </a:blip>
+          <a:stretch>
+            <a:fillRect/>
+          </a:stretch>
+        </p:blipFill>
+        <p:spPr>
+          <a:xfrm>
+            <a:off x="0" y="6434776"/>
+            <a:ext cx="8391525" cy="423224"/>
+          </a:xfrm>
+          <a:prstGeom prst="rect">
+            <a:avLst/>
+          </a:prstGeom>
+        </p:spPr>
+      </p:pic>
+    </p:spTree>
+    <p:extLst>
+      <p:ext uri="{BB962C8B-B14F-4D97-AF65-F5344CB8AC3E}">
+        <p14:creationId xmlns:p14="http://schemas.microsoft.com/office/powerpoint/2010/main" val="4122793340"/>
       </p:ext>
     </p:extLst>
   </p:cSld>
@@ -6170,7 +8420,7 @@
           <p:cNvPr id="2" name="Title 1">
             <a:extLst>
               <a:ext uri="{FF2B5EF4-FFF2-40B4-BE49-F238E27FC236}">
-                <a16:creationId xmlns:a16="http://schemas.microsoft.com/office/drawing/2014/main" id="{58A95388-F5DB-46E0-B6EA-1257E86E07E0}"/>
+                <a16:creationId xmlns:a16="http://schemas.microsoft.com/office/drawing/2014/main" id="{4A8D56AC-7F26-4BA9-A604-6429652CF2B9}"/>
               </a:ext>
             </a:extLst>
           </p:cNvPr>
@@ -6188,7 +8438,7 @@
           <a:p>
             <a:r>
               <a:rPr lang="en-US" dirty="0"/>
-              <a:t>Data Types</a:t>
+              <a:t>The Concept of Data Types</a:t>
             </a:r>
           </a:p>
         </p:txBody>
@@ -6198,7 +8448,7 @@
           <p:cNvPr id="3" name="Content Placeholder 2">
             <a:extLst>
               <a:ext uri="{FF2B5EF4-FFF2-40B4-BE49-F238E27FC236}">
-                <a16:creationId xmlns:a16="http://schemas.microsoft.com/office/drawing/2014/main" id="{E0D50012-1BFA-4440-8DF8-58DDD4E6C775}"/>
+                <a16:creationId xmlns:a16="http://schemas.microsoft.com/office/drawing/2014/main" id="{E243A37E-787A-4DDE-81F7-D9B0A71B7362}"/>
               </a:ext>
             </a:extLst>
           </p:cNvPr>
@@ -6211,85 +8461,1506 @@
         </p:nvSpPr>
         <p:spPr/>
         <p:txBody>
-          <a:bodyPr>
-            <a:normAutofit lnSpcReduction="10000"/>
-          </a:bodyPr>
-          <a:lstStyle/>
-          <a:p>
-            <a:r>
-              <a:rPr lang="en-US" dirty="0"/>
-              <a:t>Although you do not have to declare the type of your variables manually, all data in JavaScript still has a type.</a:t>
-            </a:r>
-          </a:p>
-          <a:p>
-            <a:r>
-              <a:rPr lang="en-US" dirty="0"/>
-              <a:t>There are 8 data types in JavaScript:</a:t>
-            </a:r>
-          </a:p>
-          <a:p>
-            <a:pPr lvl="1"/>
-            <a:r>
-              <a:rPr lang="en-US" dirty="0"/>
-              <a:t>String</a:t>
-            </a:r>
-          </a:p>
-          <a:p>
-            <a:pPr lvl="1"/>
-            <a:r>
-              <a:rPr lang="en-US" dirty="0"/>
-              <a:t>Number</a:t>
-            </a:r>
-          </a:p>
-          <a:p>
-            <a:pPr lvl="1"/>
-            <a:r>
-              <a:rPr lang="en-US" dirty="0" err="1"/>
-              <a:t>Bigint</a:t>
-            </a:r>
+          <a:bodyPr/>
+          <a:lstStyle/>
+          <a:p>
+            <a:r>
+              <a:rPr lang="en-US" dirty="0"/>
+              <a:t>In the previous example, we got “16Volvo” because JavaScript treated it as “16” + “Volvo”, not 16 + “Volvo”</a:t>
+            </a:r>
+          </a:p>
+          <a:p>
+            <a:r>
+              <a:rPr lang="en-US" dirty="0"/>
+              <a:t>JavaScript always evaluates expressions from left to right and different sequences can lead to different results</a:t>
+            </a:r>
+          </a:p>
+          <a:p>
             <a:endParaRPr lang="en-US" dirty="0"/>
           </a:p>
-          <a:p>
-            <a:pPr lvl="1"/>
-            <a:r>
-              <a:rPr lang="en-US" dirty="0"/>
-              <a:t>Boolean</a:t>
-            </a:r>
-          </a:p>
-          <a:p>
-            <a:pPr lvl="1"/>
-            <a:r>
-              <a:rPr lang="en-US" dirty="0"/>
-              <a:t>Undefined</a:t>
-            </a:r>
-          </a:p>
-          <a:p>
-            <a:pPr lvl="1"/>
-            <a:r>
-              <a:rPr lang="en-US" dirty="0"/>
-              <a:t>Null</a:t>
-            </a:r>
-          </a:p>
-          <a:p>
-            <a:pPr lvl="1"/>
-            <a:r>
-              <a:rPr lang="en-US" dirty="0"/>
-              <a:t>Symbol</a:t>
-            </a:r>
-          </a:p>
-          <a:p>
-            <a:pPr lvl="1"/>
-            <a:r>
-              <a:rPr lang="en-US" dirty="0"/>
-              <a:t>Object</a:t>
-            </a:r>
-          </a:p>
-        </p:txBody>
-      </p:sp>
+        </p:txBody>
+      </p:sp>
+      <p:pic>
+        <p:nvPicPr>
+          <p:cNvPr id="5" name="Picture 4">
+            <a:extLst>
+              <a:ext uri="{FF2B5EF4-FFF2-40B4-BE49-F238E27FC236}">
+                <a16:creationId xmlns:a16="http://schemas.microsoft.com/office/drawing/2014/main" id="{EF990808-F565-4B98-87E7-BCE52488F9DD}"/>
+              </a:ext>
+            </a:extLst>
+          </p:cNvPr>
+          <p:cNvPicPr>
+            <a:picLocks noChangeAspect="1"/>
+          </p:cNvPicPr>
+          <p:nvPr/>
+        </p:nvPicPr>
+        <p:blipFill>
+          <a:blip r:embed="rId2">
+            <a:extLst>
+              <a:ext uri="{28A0092B-C50C-407E-A947-70E740481C1C}">
+                <a14:useLocalDpi xmlns:a14="http://schemas.microsoft.com/office/drawing/2010/main" val="0"/>
+              </a:ext>
+            </a:extLst>
+          </a:blip>
+          <a:stretch>
+            <a:fillRect/>
+          </a:stretch>
+        </p:blipFill>
+        <p:spPr>
+          <a:xfrm>
+            <a:off x="0" y="3676111"/>
+            <a:ext cx="6201440" cy="3181890"/>
+          </a:xfrm>
+          <a:prstGeom prst="rect">
+            <a:avLst/>
+          </a:prstGeom>
+        </p:spPr>
+      </p:pic>
+      <p:pic>
+        <p:nvPicPr>
+          <p:cNvPr id="7" name="Picture 6">
+            <a:extLst>
+              <a:ext uri="{FF2B5EF4-FFF2-40B4-BE49-F238E27FC236}">
+                <a16:creationId xmlns:a16="http://schemas.microsoft.com/office/drawing/2014/main" id="{CFE6BD1C-DE56-4713-A427-918C910160C3}"/>
+              </a:ext>
+            </a:extLst>
+          </p:cNvPr>
+          <p:cNvPicPr>
+            <a:picLocks noChangeAspect="1"/>
+          </p:cNvPicPr>
+          <p:nvPr/>
+        </p:nvPicPr>
+        <p:blipFill>
+          <a:blip r:embed="rId3">
+            <a:extLst>
+              <a:ext uri="{28A0092B-C50C-407E-A947-70E740481C1C}">
+                <a14:useLocalDpi xmlns:a14="http://schemas.microsoft.com/office/drawing/2010/main" val="0"/>
+              </a:ext>
+            </a:extLst>
+          </a:blip>
+          <a:stretch>
+            <a:fillRect/>
+          </a:stretch>
+        </p:blipFill>
+        <p:spPr>
+          <a:xfrm>
+            <a:off x="6096000" y="3676111"/>
+            <a:ext cx="6096000" cy="3181890"/>
+          </a:xfrm>
+          <a:prstGeom prst="rect">
+            <a:avLst/>
+          </a:prstGeom>
+        </p:spPr>
+      </p:pic>
     </p:spTree>
     <p:extLst>
       <p:ext uri="{BB962C8B-B14F-4D97-AF65-F5344CB8AC3E}">
-        <p14:creationId xmlns:p14="http://schemas.microsoft.com/office/powerpoint/2010/main" val="1078417774"/>
+        <p14:creationId xmlns:p14="http://schemas.microsoft.com/office/powerpoint/2010/main" val="1968158606"/>
+      </p:ext>
+    </p:extLst>
+  </p:cSld>
+  <p:clrMapOvr>
+    <a:masterClrMapping/>
+  </p:clrMapOvr>
+</p:sld>
+</file>
+
+<file path=ppt/slides/slide40.xml><?xml version="1.0" encoding="utf-8"?>
+<p:sld xmlns:a="http://schemas.openxmlformats.org/drawingml/2006/main" xmlns:r="http://schemas.openxmlformats.org/officeDocument/2006/relationships" xmlns:p="http://schemas.openxmlformats.org/presentationml/2006/main">
+  <p:cSld>
+    <p:spTree>
+      <p:nvGrpSpPr>
+        <p:cNvPr id="1" name=""/>
+        <p:cNvGrpSpPr/>
+        <p:nvPr/>
+      </p:nvGrpSpPr>
+      <p:grpSpPr>
+        <a:xfrm>
+          <a:off x="0" y="0"/>
+          <a:ext cx="0" cy="0"/>
+          <a:chOff x="0" y="0"/>
+          <a:chExt cx="0" cy="0"/>
+        </a:xfrm>
+      </p:grpSpPr>
+      <p:sp>
+        <p:nvSpPr>
+          <p:cNvPr id="2" name="Title 1">
+            <a:extLst>
+              <a:ext uri="{FF2B5EF4-FFF2-40B4-BE49-F238E27FC236}">
+                <a16:creationId xmlns:a16="http://schemas.microsoft.com/office/drawing/2014/main" id="{E092D361-33EE-4BF4-A409-152A149573BB}"/>
+              </a:ext>
+            </a:extLst>
+          </p:cNvPr>
+          <p:cNvSpPr>
+            <a:spLocks noGrp="1"/>
+          </p:cNvSpPr>
+          <p:nvPr>
+            <p:ph type="title"/>
+          </p:nvPr>
+        </p:nvSpPr>
+        <p:spPr/>
+        <p:txBody>
+          <a:bodyPr/>
+          <a:lstStyle/>
+          <a:p>
+            <a:r>
+              <a:rPr lang="en-US" dirty="0"/>
+              <a:t>Object Properties</a:t>
+            </a:r>
+          </a:p>
+        </p:txBody>
+      </p:sp>
+      <p:sp>
+        <p:nvSpPr>
+          <p:cNvPr id="3" name="Content Placeholder 2">
+            <a:extLst>
+              <a:ext uri="{FF2B5EF4-FFF2-40B4-BE49-F238E27FC236}">
+                <a16:creationId xmlns:a16="http://schemas.microsoft.com/office/drawing/2014/main" id="{A4BAD874-BFF3-4BA1-9964-CF09FE35C0A0}"/>
+              </a:ext>
+            </a:extLst>
+          </p:cNvPr>
+          <p:cNvSpPr>
+            <a:spLocks noGrp="1"/>
+          </p:cNvSpPr>
+          <p:nvPr>
+            <p:ph idx="1"/>
+          </p:nvPr>
+        </p:nvSpPr>
+        <p:spPr/>
+        <p:txBody>
+          <a:bodyPr/>
+          <a:lstStyle/>
+          <a:p>
+            <a:r>
+              <a:rPr lang="en-US" dirty="0"/>
+              <a:t>The </a:t>
+            </a:r>
+            <a:r>
+              <a:rPr lang="en-US" b="1" i="1" dirty="0" err="1"/>
+              <a:t>name:value</a:t>
+            </a:r>
+            <a:r>
+              <a:rPr lang="en-US" dirty="0"/>
+              <a:t> pairs in JavaScript objects are often called </a:t>
+            </a:r>
+            <a:r>
+              <a:rPr lang="en-US" b="1" i="1" dirty="0"/>
+              <a:t>properties</a:t>
+            </a:r>
+          </a:p>
+          <a:p>
+            <a:endParaRPr lang="en-US" dirty="0"/>
+          </a:p>
+        </p:txBody>
+      </p:sp>
+      <p:pic>
+        <p:nvPicPr>
+          <p:cNvPr id="5" name="Picture 4">
+            <a:extLst>
+              <a:ext uri="{FF2B5EF4-FFF2-40B4-BE49-F238E27FC236}">
+                <a16:creationId xmlns:a16="http://schemas.microsoft.com/office/drawing/2014/main" id="{5301F0A6-8A30-4AF8-9771-4FE8B35B6EF7}"/>
+              </a:ext>
+            </a:extLst>
+          </p:cNvPr>
+          <p:cNvPicPr>
+            <a:picLocks noChangeAspect="1"/>
+          </p:cNvPicPr>
+          <p:nvPr/>
+        </p:nvPicPr>
+        <p:blipFill>
+          <a:blip r:embed="rId2">
+            <a:extLst>
+              <a:ext uri="{28A0092B-C50C-407E-A947-70E740481C1C}">
+                <a14:useLocalDpi xmlns:a14="http://schemas.microsoft.com/office/drawing/2010/main" val="0"/>
+              </a:ext>
+            </a:extLst>
+          </a:blip>
+          <a:stretch>
+            <a:fillRect/>
+          </a:stretch>
+        </p:blipFill>
+        <p:spPr>
+          <a:xfrm>
+            <a:off x="6096001" y="4277314"/>
+            <a:ext cx="6096000" cy="2580686"/>
+          </a:xfrm>
+          <a:prstGeom prst="rect">
+            <a:avLst/>
+          </a:prstGeom>
+        </p:spPr>
+      </p:pic>
+    </p:spTree>
+    <p:extLst>
+      <p:ext uri="{BB962C8B-B14F-4D97-AF65-F5344CB8AC3E}">
+        <p14:creationId xmlns:p14="http://schemas.microsoft.com/office/powerpoint/2010/main" val="4108416672"/>
+      </p:ext>
+    </p:extLst>
+  </p:cSld>
+  <p:clrMapOvr>
+    <a:masterClrMapping/>
+  </p:clrMapOvr>
+</p:sld>
+</file>
+
+<file path=ppt/slides/slide41.xml><?xml version="1.0" encoding="utf-8"?>
+<p:sld xmlns:a="http://schemas.openxmlformats.org/drawingml/2006/main" xmlns:r="http://schemas.openxmlformats.org/officeDocument/2006/relationships" xmlns:p="http://schemas.openxmlformats.org/presentationml/2006/main">
+  <p:cSld>
+    <p:spTree>
+      <p:nvGrpSpPr>
+        <p:cNvPr id="1" name=""/>
+        <p:cNvGrpSpPr/>
+        <p:nvPr/>
+      </p:nvGrpSpPr>
+      <p:grpSpPr>
+        <a:xfrm>
+          <a:off x="0" y="0"/>
+          <a:ext cx="0" cy="0"/>
+          <a:chOff x="0" y="0"/>
+          <a:chExt cx="0" cy="0"/>
+        </a:xfrm>
+      </p:grpSpPr>
+      <p:sp>
+        <p:nvSpPr>
+          <p:cNvPr id="2" name="Title 1">
+            <a:extLst>
+              <a:ext uri="{FF2B5EF4-FFF2-40B4-BE49-F238E27FC236}">
+                <a16:creationId xmlns:a16="http://schemas.microsoft.com/office/drawing/2014/main" id="{11815A8D-56ED-4C3D-A751-489EDA410309}"/>
+              </a:ext>
+            </a:extLst>
+          </p:cNvPr>
+          <p:cNvSpPr>
+            <a:spLocks noGrp="1"/>
+          </p:cNvSpPr>
+          <p:nvPr>
+            <p:ph type="title"/>
+          </p:nvPr>
+        </p:nvSpPr>
+        <p:spPr/>
+        <p:txBody>
+          <a:bodyPr/>
+          <a:lstStyle/>
+          <a:p>
+            <a:r>
+              <a:rPr lang="en-US" dirty="0"/>
+              <a:t>Accessing Object Properties</a:t>
+            </a:r>
+          </a:p>
+        </p:txBody>
+      </p:sp>
+      <p:sp>
+        <p:nvSpPr>
+          <p:cNvPr id="3" name="Content Placeholder 2">
+            <a:extLst>
+              <a:ext uri="{FF2B5EF4-FFF2-40B4-BE49-F238E27FC236}">
+                <a16:creationId xmlns:a16="http://schemas.microsoft.com/office/drawing/2014/main" id="{5A69FD68-D6D0-4731-92A7-3476EEF4E6DE}"/>
+              </a:ext>
+            </a:extLst>
+          </p:cNvPr>
+          <p:cNvSpPr>
+            <a:spLocks noGrp="1"/>
+          </p:cNvSpPr>
+          <p:nvPr>
+            <p:ph idx="1"/>
+          </p:nvPr>
+        </p:nvSpPr>
+        <p:spPr/>
+        <p:txBody>
+          <a:bodyPr/>
+          <a:lstStyle/>
+          <a:p>
+            <a:r>
+              <a:rPr lang="en-US" dirty="0"/>
+              <a:t>You can access an object’s properties in one of two ways</a:t>
+            </a:r>
+          </a:p>
+        </p:txBody>
+      </p:sp>
+      <p:pic>
+        <p:nvPicPr>
+          <p:cNvPr id="5" name="Picture 4">
+            <a:extLst>
+              <a:ext uri="{FF2B5EF4-FFF2-40B4-BE49-F238E27FC236}">
+                <a16:creationId xmlns:a16="http://schemas.microsoft.com/office/drawing/2014/main" id="{262F50A2-147C-45AB-9CBB-9EB3C68D7CD2}"/>
+              </a:ext>
+            </a:extLst>
+          </p:cNvPr>
+          <p:cNvPicPr>
+            <a:picLocks noChangeAspect="1"/>
+          </p:cNvPicPr>
+          <p:nvPr/>
+        </p:nvPicPr>
+        <p:blipFill>
+          <a:blip r:embed="rId2">
+            <a:extLst>
+              <a:ext uri="{28A0092B-C50C-407E-A947-70E740481C1C}">
+                <a14:useLocalDpi xmlns:a14="http://schemas.microsoft.com/office/drawing/2010/main" val="0"/>
+              </a:ext>
+            </a:extLst>
+          </a:blip>
+          <a:stretch>
+            <a:fillRect/>
+          </a:stretch>
+        </p:blipFill>
+        <p:spPr>
+          <a:xfrm>
+            <a:off x="0" y="5770333"/>
+            <a:ext cx="6096000" cy="1087667"/>
+          </a:xfrm>
+          <a:prstGeom prst="rect">
+            <a:avLst/>
+          </a:prstGeom>
+        </p:spPr>
+      </p:pic>
+      <p:pic>
+        <p:nvPicPr>
+          <p:cNvPr id="7" name="Picture 6">
+            <a:extLst>
+              <a:ext uri="{FF2B5EF4-FFF2-40B4-BE49-F238E27FC236}">
+                <a16:creationId xmlns:a16="http://schemas.microsoft.com/office/drawing/2014/main" id="{7F2FD531-3A58-47C0-8B04-AC4DB7E19069}"/>
+              </a:ext>
+            </a:extLst>
+          </p:cNvPr>
+          <p:cNvPicPr>
+            <a:picLocks noChangeAspect="1"/>
+          </p:cNvPicPr>
+          <p:nvPr/>
+        </p:nvPicPr>
+        <p:blipFill>
+          <a:blip r:embed="rId3">
+            <a:extLst>
+              <a:ext uri="{28A0092B-C50C-407E-A947-70E740481C1C}">
+                <a14:useLocalDpi xmlns:a14="http://schemas.microsoft.com/office/drawing/2010/main" val="0"/>
+              </a:ext>
+            </a:extLst>
+          </a:blip>
+          <a:stretch>
+            <a:fillRect/>
+          </a:stretch>
+        </p:blipFill>
+        <p:spPr>
+          <a:xfrm>
+            <a:off x="6096001" y="5844161"/>
+            <a:ext cx="6096000" cy="1001169"/>
+          </a:xfrm>
+          <a:prstGeom prst="rect">
+            <a:avLst/>
+          </a:prstGeom>
+        </p:spPr>
+      </p:pic>
+    </p:spTree>
+    <p:extLst>
+      <p:ext uri="{BB962C8B-B14F-4D97-AF65-F5344CB8AC3E}">
+        <p14:creationId xmlns:p14="http://schemas.microsoft.com/office/powerpoint/2010/main" val="1602399022"/>
+      </p:ext>
+    </p:extLst>
+  </p:cSld>
+  <p:clrMapOvr>
+    <a:masterClrMapping/>
+  </p:clrMapOvr>
+</p:sld>
+</file>
+
+<file path=ppt/slides/slide42.xml><?xml version="1.0" encoding="utf-8"?>
+<p:sld xmlns:a="http://schemas.openxmlformats.org/drawingml/2006/main" xmlns:r="http://schemas.openxmlformats.org/officeDocument/2006/relationships" xmlns:p="http://schemas.openxmlformats.org/presentationml/2006/main">
+  <p:cSld>
+    <p:spTree>
+      <p:nvGrpSpPr>
+        <p:cNvPr id="1" name=""/>
+        <p:cNvGrpSpPr/>
+        <p:nvPr/>
+      </p:nvGrpSpPr>
+      <p:grpSpPr>
+        <a:xfrm>
+          <a:off x="0" y="0"/>
+          <a:ext cx="0" cy="0"/>
+          <a:chOff x="0" y="0"/>
+          <a:chExt cx="0" cy="0"/>
+        </a:xfrm>
+      </p:grpSpPr>
+      <p:sp>
+        <p:nvSpPr>
+          <p:cNvPr id="2" name="Title 1">
+            <a:extLst>
+              <a:ext uri="{FF2B5EF4-FFF2-40B4-BE49-F238E27FC236}">
+                <a16:creationId xmlns:a16="http://schemas.microsoft.com/office/drawing/2014/main" id="{51A5EC65-2EC3-42BC-81C7-44E92FB111D9}"/>
+              </a:ext>
+            </a:extLst>
+          </p:cNvPr>
+          <p:cNvSpPr>
+            <a:spLocks noGrp="1"/>
+          </p:cNvSpPr>
+          <p:nvPr>
+            <p:ph type="title"/>
+          </p:nvPr>
+        </p:nvSpPr>
+        <p:spPr/>
+        <p:txBody>
+          <a:bodyPr/>
+          <a:lstStyle/>
+          <a:p>
+            <a:r>
+              <a:rPr lang="en-US" dirty="0"/>
+              <a:t>Object Methods</a:t>
+            </a:r>
+          </a:p>
+        </p:txBody>
+      </p:sp>
+      <p:sp>
+        <p:nvSpPr>
+          <p:cNvPr id="3" name="Content Placeholder 2">
+            <a:extLst>
+              <a:ext uri="{FF2B5EF4-FFF2-40B4-BE49-F238E27FC236}">
+                <a16:creationId xmlns:a16="http://schemas.microsoft.com/office/drawing/2014/main" id="{2D29587B-06F9-4673-AF1A-FCC0E6C12696}"/>
+              </a:ext>
+            </a:extLst>
+          </p:cNvPr>
+          <p:cNvSpPr>
+            <a:spLocks noGrp="1"/>
+          </p:cNvSpPr>
+          <p:nvPr>
+            <p:ph idx="1"/>
+          </p:nvPr>
+        </p:nvSpPr>
+        <p:spPr/>
+        <p:txBody>
+          <a:bodyPr/>
+          <a:lstStyle/>
+          <a:p>
+            <a:r>
+              <a:rPr lang="en-US" dirty="0"/>
+              <a:t>Objects can also have </a:t>
+            </a:r>
+            <a:r>
+              <a:rPr lang="en-US" b="1" i="1" dirty="0"/>
+              <a:t>methods</a:t>
+            </a:r>
+          </a:p>
+          <a:p>
+            <a:r>
+              <a:rPr lang="en-US" dirty="0"/>
+              <a:t>Methods are </a:t>
+            </a:r>
+            <a:r>
+              <a:rPr lang="en-US" b="1" i="1" dirty="0"/>
+              <a:t>actions</a:t>
+            </a:r>
+            <a:r>
+              <a:rPr lang="en-US" dirty="0"/>
+              <a:t> that can be performed on objects</a:t>
+            </a:r>
+          </a:p>
+          <a:p>
+            <a:r>
+              <a:rPr lang="en-US" dirty="0"/>
+              <a:t>Methods are stored in properties as </a:t>
+            </a:r>
+            <a:r>
+              <a:rPr lang="en-US" b="1" i="1" dirty="0"/>
+              <a:t>function definitions</a:t>
+            </a:r>
+            <a:endParaRPr lang="en-US" dirty="0"/>
+          </a:p>
+        </p:txBody>
+      </p:sp>
+      <p:pic>
+        <p:nvPicPr>
+          <p:cNvPr id="5" name="Picture 4">
+            <a:extLst>
+              <a:ext uri="{FF2B5EF4-FFF2-40B4-BE49-F238E27FC236}">
+                <a16:creationId xmlns:a16="http://schemas.microsoft.com/office/drawing/2014/main" id="{8ACB1865-9719-438A-B5E1-B70DF9534FBF}"/>
+              </a:ext>
+            </a:extLst>
+          </p:cNvPr>
+          <p:cNvPicPr>
+            <a:picLocks noChangeAspect="1"/>
+          </p:cNvPicPr>
+          <p:nvPr/>
+        </p:nvPicPr>
+        <p:blipFill>
+          <a:blip r:embed="rId2">
+            <a:extLst>
+              <a:ext uri="{28A0092B-C50C-407E-A947-70E740481C1C}">
+                <a14:useLocalDpi xmlns:a14="http://schemas.microsoft.com/office/drawing/2010/main" val="0"/>
+              </a:ext>
+            </a:extLst>
+          </a:blip>
+          <a:stretch>
+            <a:fillRect/>
+          </a:stretch>
+        </p:blipFill>
+        <p:spPr>
+          <a:xfrm>
+            <a:off x="0" y="3428999"/>
+            <a:ext cx="12192000" cy="3429001"/>
+          </a:xfrm>
+          <a:prstGeom prst="rect">
+            <a:avLst/>
+          </a:prstGeom>
+        </p:spPr>
+      </p:pic>
+    </p:spTree>
+    <p:extLst>
+      <p:ext uri="{BB962C8B-B14F-4D97-AF65-F5344CB8AC3E}">
+        <p14:creationId xmlns:p14="http://schemas.microsoft.com/office/powerpoint/2010/main" val="317173310"/>
+      </p:ext>
+    </p:extLst>
+  </p:cSld>
+  <p:clrMapOvr>
+    <a:masterClrMapping/>
+  </p:clrMapOvr>
+</p:sld>
+</file>
+
+<file path=ppt/slides/slide43.xml><?xml version="1.0" encoding="utf-8"?>
+<p:sld xmlns:a="http://schemas.openxmlformats.org/drawingml/2006/main" xmlns:r="http://schemas.openxmlformats.org/officeDocument/2006/relationships" xmlns:p="http://schemas.openxmlformats.org/presentationml/2006/main">
+  <p:cSld>
+    <p:spTree>
+      <p:nvGrpSpPr>
+        <p:cNvPr id="1" name=""/>
+        <p:cNvGrpSpPr/>
+        <p:nvPr/>
+      </p:nvGrpSpPr>
+      <p:grpSpPr>
+        <a:xfrm>
+          <a:off x="0" y="0"/>
+          <a:ext cx="0" cy="0"/>
+          <a:chOff x="0" y="0"/>
+          <a:chExt cx="0" cy="0"/>
+        </a:xfrm>
+      </p:grpSpPr>
+      <p:sp>
+        <p:nvSpPr>
+          <p:cNvPr id="2" name="Title 1">
+            <a:extLst>
+              <a:ext uri="{FF2B5EF4-FFF2-40B4-BE49-F238E27FC236}">
+                <a16:creationId xmlns:a16="http://schemas.microsoft.com/office/drawing/2014/main" id="{F0F81D67-A247-412A-9E38-B7CC5857E803}"/>
+              </a:ext>
+            </a:extLst>
+          </p:cNvPr>
+          <p:cNvSpPr>
+            <a:spLocks noGrp="1"/>
+          </p:cNvSpPr>
+          <p:nvPr>
+            <p:ph type="title"/>
+          </p:nvPr>
+        </p:nvSpPr>
+        <p:spPr/>
+        <p:txBody>
+          <a:bodyPr/>
+          <a:lstStyle/>
+          <a:p>
+            <a:r>
+              <a:rPr lang="en-US" dirty="0"/>
+              <a:t>Object Methods</a:t>
+            </a:r>
+          </a:p>
+        </p:txBody>
+      </p:sp>
+      <p:sp>
+        <p:nvSpPr>
+          <p:cNvPr id="3" name="Content Placeholder 2">
+            <a:extLst>
+              <a:ext uri="{FF2B5EF4-FFF2-40B4-BE49-F238E27FC236}">
+                <a16:creationId xmlns:a16="http://schemas.microsoft.com/office/drawing/2014/main" id="{51E33E73-E75D-4112-8AC6-426D969D9917}"/>
+              </a:ext>
+            </a:extLst>
+          </p:cNvPr>
+          <p:cNvSpPr>
+            <a:spLocks noGrp="1"/>
+          </p:cNvSpPr>
+          <p:nvPr>
+            <p:ph idx="1"/>
+          </p:nvPr>
+        </p:nvSpPr>
+        <p:spPr/>
+        <p:txBody>
+          <a:bodyPr/>
+          <a:lstStyle/>
+          <a:p>
+            <a:r>
+              <a:rPr lang="en-US" dirty="0"/>
+              <a:t>In this example, </a:t>
+            </a:r>
+            <a:r>
+              <a:rPr lang="en-US" b="1" i="1" dirty="0"/>
+              <a:t>this</a:t>
+            </a:r>
+            <a:r>
+              <a:rPr lang="en-US" dirty="0"/>
+              <a:t> refers to the </a:t>
+            </a:r>
+            <a:r>
+              <a:rPr lang="en-US" b="1" i="1" dirty="0"/>
+              <a:t>person object</a:t>
+            </a:r>
+            <a:endParaRPr lang="en-US" dirty="0"/>
+          </a:p>
+          <a:p>
+            <a:r>
+              <a:rPr lang="en-US" dirty="0"/>
+              <a:t>I.E. </a:t>
+            </a:r>
+            <a:r>
+              <a:rPr lang="en-US" b="1" i="1" dirty="0" err="1"/>
+              <a:t>this.firstName</a:t>
+            </a:r>
+            <a:r>
+              <a:rPr lang="en-US" dirty="0"/>
+              <a:t> means the </a:t>
+            </a:r>
+            <a:r>
+              <a:rPr lang="en-US" b="1" i="1" dirty="0" err="1"/>
+              <a:t>firstName</a:t>
+            </a:r>
+            <a:r>
+              <a:rPr lang="en-US" dirty="0"/>
+              <a:t> property of </a:t>
+            </a:r>
+            <a:r>
+              <a:rPr lang="en-US" b="1" i="1" dirty="0"/>
+              <a:t>this</a:t>
+            </a:r>
+          </a:p>
+          <a:p>
+            <a:r>
+              <a:rPr lang="en-US" dirty="0"/>
+              <a:t>I.E. </a:t>
+            </a:r>
+            <a:r>
+              <a:rPr lang="en-US" b="1" i="1" dirty="0" err="1"/>
+              <a:t>this.firstName</a:t>
+            </a:r>
+            <a:r>
+              <a:rPr lang="en-US" dirty="0"/>
+              <a:t> means the </a:t>
+            </a:r>
+            <a:r>
+              <a:rPr lang="en-US" b="1" i="1" dirty="0" err="1"/>
+              <a:t>firstName</a:t>
+            </a:r>
+            <a:r>
+              <a:rPr lang="en-US" dirty="0"/>
+              <a:t> property of </a:t>
+            </a:r>
+            <a:r>
+              <a:rPr lang="en-US" b="1" i="1" dirty="0"/>
+              <a:t>person</a:t>
+            </a:r>
+            <a:endParaRPr lang="en-US" dirty="0"/>
+          </a:p>
+        </p:txBody>
+      </p:sp>
+      <p:pic>
+        <p:nvPicPr>
+          <p:cNvPr id="5" name="Picture 4">
+            <a:extLst>
+              <a:ext uri="{FF2B5EF4-FFF2-40B4-BE49-F238E27FC236}">
+                <a16:creationId xmlns:a16="http://schemas.microsoft.com/office/drawing/2014/main" id="{69B55D8D-9360-4ADA-8669-ADA46B939E01}"/>
+              </a:ext>
+            </a:extLst>
+          </p:cNvPr>
+          <p:cNvPicPr>
+            <a:picLocks noChangeAspect="1"/>
+          </p:cNvPicPr>
+          <p:nvPr/>
+        </p:nvPicPr>
+        <p:blipFill>
+          <a:blip r:embed="rId2">
+            <a:extLst>
+              <a:ext uri="{28A0092B-C50C-407E-A947-70E740481C1C}">
+                <a14:useLocalDpi xmlns:a14="http://schemas.microsoft.com/office/drawing/2010/main" val="0"/>
+              </a:ext>
+            </a:extLst>
+          </a:blip>
+          <a:stretch>
+            <a:fillRect/>
+          </a:stretch>
+        </p:blipFill>
+        <p:spPr>
+          <a:xfrm>
+            <a:off x="0" y="4114203"/>
+            <a:ext cx="6096000" cy="2743797"/>
+          </a:xfrm>
+          <a:prstGeom prst="rect">
+            <a:avLst/>
+          </a:prstGeom>
+        </p:spPr>
+      </p:pic>
+    </p:spTree>
+    <p:extLst>
+      <p:ext uri="{BB962C8B-B14F-4D97-AF65-F5344CB8AC3E}">
+        <p14:creationId xmlns:p14="http://schemas.microsoft.com/office/powerpoint/2010/main" val="3865073052"/>
+      </p:ext>
+    </p:extLst>
+  </p:cSld>
+  <p:clrMapOvr>
+    <a:masterClrMapping/>
+  </p:clrMapOvr>
+</p:sld>
+</file>
+
+<file path=ppt/slides/slide44.xml><?xml version="1.0" encoding="utf-8"?>
+<p:sld xmlns:a="http://schemas.openxmlformats.org/drawingml/2006/main" xmlns:r="http://schemas.openxmlformats.org/officeDocument/2006/relationships" xmlns:p="http://schemas.openxmlformats.org/presentationml/2006/main">
+  <p:cSld>
+    <p:spTree>
+      <p:nvGrpSpPr>
+        <p:cNvPr id="1" name=""/>
+        <p:cNvGrpSpPr/>
+        <p:nvPr/>
+      </p:nvGrpSpPr>
+      <p:grpSpPr>
+        <a:xfrm>
+          <a:off x="0" y="0"/>
+          <a:ext cx="0" cy="0"/>
+          <a:chOff x="0" y="0"/>
+          <a:chExt cx="0" cy="0"/>
+        </a:xfrm>
+      </p:grpSpPr>
+      <p:sp>
+        <p:nvSpPr>
+          <p:cNvPr id="2" name="Title 1">
+            <a:extLst>
+              <a:ext uri="{FF2B5EF4-FFF2-40B4-BE49-F238E27FC236}">
+                <a16:creationId xmlns:a16="http://schemas.microsoft.com/office/drawing/2014/main" id="{3C83E5DD-E53B-4BE1-A351-57E99D8152D2}"/>
+              </a:ext>
+            </a:extLst>
+          </p:cNvPr>
+          <p:cNvSpPr>
+            <a:spLocks noGrp="1"/>
+          </p:cNvSpPr>
+          <p:nvPr>
+            <p:ph type="title"/>
+          </p:nvPr>
+        </p:nvSpPr>
+        <p:spPr/>
+        <p:txBody>
+          <a:bodyPr/>
+          <a:lstStyle/>
+          <a:p>
+            <a:r>
+              <a:rPr lang="en-US" dirty="0"/>
+              <a:t>What is </a:t>
+            </a:r>
+            <a:r>
+              <a:rPr lang="en-US" b="1" i="1" dirty="0"/>
+              <a:t>this</a:t>
+            </a:r>
+            <a:r>
+              <a:rPr lang="en-US" dirty="0"/>
+              <a:t>?</a:t>
+            </a:r>
+          </a:p>
+        </p:txBody>
+      </p:sp>
+      <p:sp>
+        <p:nvSpPr>
+          <p:cNvPr id="3" name="Content Placeholder 2">
+            <a:extLst>
+              <a:ext uri="{FF2B5EF4-FFF2-40B4-BE49-F238E27FC236}">
+                <a16:creationId xmlns:a16="http://schemas.microsoft.com/office/drawing/2014/main" id="{C9AAB77A-FF71-4895-AB6C-710D240FA2FF}"/>
+              </a:ext>
+            </a:extLst>
+          </p:cNvPr>
+          <p:cNvSpPr>
+            <a:spLocks noGrp="1"/>
+          </p:cNvSpPr>
+          <p:nvPr>
+            <p:ph idx="1"/>
+          </p:nvPr>
+        </p:nvSpPr>
+        <p:spPr/>
+        <p:txBody>
+          <a:bodyPr/>
+          <a:lstStyle/>
+          <a:p>
+            <a:r>
+              <a:rPr lang="en-US" dirty="0"/>
+              <a:t>In JS, the </a:t>
+            </a:r>
+            <a:r>
+              <a:rPr lang="en-US" b="1" i="1" dirty="0"/>
+              <a:t>this</a:t>
+            </a:r>
+            <a:r>
+              <a:rPr lang="en-US" dirty="0"/>
+              <a:t> keyword refers to an object</a:t>
+            </a:r>
+          </a:p>
+          <a:p>
+            <a:r>
+              <a:rPr lang="en-US" b="1" i="1" dirty="0"/>
+              <a:t>Which</a:t>
+            </a:r>
+            <a:r>
+              <a:rPr lang="en-US" dirty="0"/>
+              <a:t> object depends on how </a:t>
+            </a:r>
+            <a:r>
+              <a:rPr lang="en-US" b="1" i="1" dirty="0"/>
+              <a:t>this </a:t>
+            </a:r>
+            <a:r>
+              <a:rPr lang="en-US" dirty="0"/>
+              <a:t>is being invoked (used or called)</a:t>
+            </a:r>
+          </a:p>
+          <a:p>
+            <a:r>
+              <a:rPr lang="en-US" dirty="0"/>
+              <a:t>The </a:t>
+            </a:r>
+            <a:r>
+              <a:rPr lang="en-US" b="1" i="1" dirty="0"/>
+              <a:t>this </a:t>
+            </a:r>
+            <a:r>
+              <a:rPr lang="en-US" dirty="0"/>
+              <a:t>keyword refers to different objects depending on how it is used</a:t>
+            </a:r>
+          </a:p>
+        </p:txBody>
+      </p:sp>
+      <p:pic>
+        <p:nvPicPr>
+          <p:cNvPr id="5" name="Picture 4">
+            <a:extLst>
+              <a:ext uri="{FF2B5EF4-FFF2-40B4-BE49-F238E27FC236}">
+                <a16:creationId xmlns:a16="http://schemas.microsoft.com/office/drawing/2014/main" id="{43F59802-045D-4A85-962E-6265DADAC41D}"/>
+              </a:ext>
+            </a:extLst>
+          </p:cNvPr>
+          <p:cNvPicPr>
+            <a:picLocks noChangeAspect="1"/>
+          </p:cNvPicPr>
+          <p:nvPr/>
+        </p:nvPicPr>
+        <p:blipFill>
+          <a:blip r:embed="rId2">
+            <a:extLst>
+              <a:ext uri="{28A0092B-C50C-407E-A947-70E740481C1C}">
+                <a14:useLocalDpi xmlns:a14="http://schemas.microsoft.com/office/drawing/2010/main" val="0"/>
+              </a:ext>
+            </a:extLst>
+          </a:blip>
+          <a:stretch>
+            <a:fillRect/>
+          </a:stretch>
+        </p:blipFill>
+        <p:spPr>
+          <a:xfrm>
+            <a:off x="-1" y="4864520"/>
+            <a:ext cx="6096001" cy="1993480"/>
+          </a:xfrm>
+          <a:prstGeom prst="rect">
+            <a:avLst/>
+          </a:prstGeom>
+        </p:spPr>
+      </p:pic>
+    </p:spTree>
+    <p:extLst>
+      <p:ext uri="{BB962C8B-B14F-4D97-AF65-F5344CB8AC3E}">
+        <p14:creationId xmlns:p14="http://schemas.microsoft.com/office/powerpoint/2010/main" val="530823053"/>
+      </p:ext>
+    </p:extLst>
+  </p:cSld>
+  <p:clrMapOvr>
+    <a:masterClrMapping/>
+  </p:clrMapOvr>
+</p:sld>
+</file>
+
+<file path=ppt/slides/slide45.xml><?xml version="1.0" encoding="utf-8"?>
+<p:sld xmlns:a="http://schemas.openxmlformats.org/drawingml/2006/main" xmlns:r="http://schemas.openxmlformats.org/officeDocument/2006/relationships" xmlns:p="http://schemas.openxmlformats.org/presentationml/2006/main">
+  <p:cSld>
+    <p:spTree>
+      <p:nvGrpSpPr>
+        <p:cNvPr id="1" name=""/>
+        <p:cNvGrpSpPr/>
+        <p:nvPr/>
+      </p:nvGrpSpPr>
+      <p:grpSpPr>
+        <a:xfrm>
+          <a:off x="0" y="0"/>
+          <a:ext cx="0" cy="0"/>
+          <a:chOff x="0" y="0"/>
+          <a:chExt cx="0" cy="0"/>
+        </a:xfrm>
+      </p:grpSpPr>
+      <p:sp>
+        <p:nvSpPr>
+          <p:cNvPr id="2" name="Title 1">
+            <a:extLst>
+              <a:ext uri="{FF2B5EF4-FFF2-40B4-BE49-F238E27FC236}">
+                <a16:creationId xmlns:a16="http://schemas.microsoft.com/office/drawing/2014/main" id="{5CC514A4-9DBB-4BEF-A565-5C12BFAD4C00}"/>
+              </a:ext>
+            </a:extLst>
+          </p:cNvPr>
+          <p:cNvSpPr>
+            <a:spLocks noGrp="1"/>
+          </p:cNvSpPr>
+          <p:nvPr>
+            <p:ph type="title"/>
+          </p:nvPr>
+        </p:nvSpPr>
+        <p:spPr/>
+        <p:txBody>
+          <a:bodyPr/>
+          <a:lstStyle/>
+          <a:p>
+            <a:r>
+              <a:rPr lang="en-US" dirty="0"/>
+              <a:t>The </a:t>
+            </a:r>
+            <a:r>
+              <a:rPr lang="en-US" b="1" i="1" dirty="0"/>
+              <a:t>this</a:t>
+            </a:r>
+            <a:r>
+              <a:rPr lang="en-US" dirty="0"/>
+              <a:t> Keyword</a:t>
+            </a:r>
+          </a:p>
+        </p:txBody>
+      </p:sp>
+      <p:sp>
+        <p:nvSpPr>
+          <p:cNvPr id="3" name="Content Placeholder 2">
+            <a:extLst>
+              <a:ext uri="{FF2B5EF4-FFF2-40B4-BE49-F238E27FC236}">
+                <a16:creationId xmlns:a16="http://schemas.microsoft.com/office/drawing/2014/main" id="{0CD35502-F357-4528-9C06-FAF303E25F00}"/>
+              </a:ext>
+            </a:extLst>
+          </p:cNvPr>
+          <p:cNvSpPr>
+            <a:spLocks noGrp="1"/>
+          </p:cNvSpPr>
+          <p:nvPr>
+            <p:ph idx="1"/>
+          </p:nvPr>
+        </p:nvSpPr>
+        <p:spPr/>
+        <p:txBody>
+          <a:bodyPr/>
+          <a:lstStyle/>
+          <a:p>
+            <a:r>
+              <a:rPr lang="en-US" dirty="0"/>
+              <a:t>In a function definition, </a:t>
+            </a:r>
+            <a:r>
+              <a:rPr lang="en-US" b="1" i="1" dirty="0"/>
+              <a:t>this</a:t>
+            </a:r>
+            <a:r>
+              <a:rPr lang="en-US" dirty="0"/>
+              <a:t> refers to the “owner” of the function</a:t>
+            </a:r>
+          </a:p>
+          <a:p>
+            <a:r>
+              <a:rPr lang="en-US" dirty="0"/>
+              <a:t>In the example earlier, </a:t>
+            </a:r>
+            <a:r>
+              <a:rPr lang="en-US" b="1" i="1" dirty="0"/>
+              <a:t>this</a:t>
+            </a:r>
+            <a:r>
+              <a:rPr lang="en-US" dirty="0"/>
+              <a:t> is the </a:t>
+            </a:r>
+            <a:r>
+              <a:rPr lang="en-US" b="1" i="1" dirty="0"/>
+              <a:t>person object</a:t>
+            </a:r>
+            <a:r>
+              <a:rPr lang="en-US" dirty="0"/>
+              <a:t> that “owns” the </a:t>
+            </a:r>
+            <a:r>
+              <a:rPr lang="en-US" b="1" i="1" dirty="0" err="1"/>
+              <a:t>fullName</a:t>
+            </a:r>
+            <a:r>
+              <a:rPr lang="en-US" dirty="0"/>
+              <a:t> function</a:t>
+            </a:r>
+          </a:p>
+          <a:p>
+            <a:r>
+              <a:rPr lang="en-US" dirty="0"/>
+              <a:t>In other words, </a:t>
+            </a:r>
+            <a:r>
+              <a:rPr lang="en-US" b="1" i="1" dirty="0" err="1"/>
+              <a:t>this.firstName</a:t>
+            </a:r>
+            <a:r>
+              <a:rPr lang="en-US" dirty="0"/>
+              <a:t> means the </a:t>
+            </a:r>
+            <a:r>
+              <a:rPr lang="en-US" b="1" i="1" dirty="0" err="1"/>
+              <a:t>firstName</a:t>
+            </a:r>
+            <a:r>
+              <a:rPr lang="en-US" dirty="0"/>
+              <a:t> property of </a:t>
+            </a:r>
+            <a:r>
+              <a:rPr lang="en-US" b="1" i="1" dirty="0"/>
+              <a:t>this object</a:t>
+            </a:r>
+            <a:endParaRPr lang="en-US" dirty="0"/>
+          </a:p>
+        </p:txBody>
+      </p:sp>
+    </p:spTree>
+    <p:extLst>
+      <p:ext uri="{BB962C8B-B14F-4D97-AF65-F5344CB8AC3E}">
+        <p14:creationId xmlns:p14="http://schemas.microsoft.com/office/powerpoint/2010/main" val="1001808533"/>
+      </p:ext>
+    </p:extLst>
+  </p:cSld>
+  <p:clrMapOvr>
+    <a:masterClrMapping/>
+  </p:clrMapOvr>
+</p:sld>
+</file>
+
+<file path=ppt/slides/slide46.xml><?xml version="1.0" encoding="utf-8"?>
+<p:sld xmlns:a="http://schemas.openxmlformats.org/drawingml/2006/main" xmlns:r="http://schemas.openxmlformats.org/officeDocument/2006/relationships" xmlns:p="http://schemas.openxmlformats.org/presentationml/2006/main">
+  <p:cSld>
+    <p:spTree>
+      <p:nvGrpSpPr>
+        <p:cNvPr id="1" name=""/>
+        <p:cNvGrpSpPr/>
+        <p:nvPr/>
+      </p:nvGrpSpPr>
+      <p:grpSpPr>
+        <a:xfrm>
+          <a:off x="0" y="0"/>
+          <a:ext cx="0" cy="0"/>
+          <a:chOff x="0" y="0"/>
+          <a:chExt cx="0" cy="0"/>
+        </a:xfrm>
+      </p:grpSpPr>
+      <p:sp>
+        <p:nvSpPr>
+          <p:cNvPr id="2" name="Title 1">
+            <a:extLst>
+              <a:ext uri="{FF2B5EF4-FFF2-40B4-BE49-F238E27FC236}">
+                <a16:creationId xmlns:a16="http://schemas.microsoft.com/office/drawing/2014/main" id="{AF1FB109-CBB0-44ED-AC6A-D70A3A862C23}"/>
+              </a:ext>
+            </a:extLst>
+          </p:cNvPr>
+          <p:cNvSpPr>
+            <a:spLocks noGrp="1"/>
+          </p:cNvSpPr>
+          <p:nvPr>
+            <p:ph type="title"/>
+          </p:nvPr>
+        </p:nvSpPr>
+        <p:spPr/>
+        <p:txBody>
+          <a:bodyPr/>
+          <a:lstStyle/>
+          <a:p>
+            <a:r>
+              <a:rPr lang="en-US" dirty="0"/>
+              <a:t>Accessing Object Methods</a:t>
+            </a:r>
+          </a:p>
+        </p:txBody>
+      </p:sp>
+      <p:sp>
+        <p:nvSpPr>
+          <p:cNvPr id="3" name="Content Placeholder 2">
+            <a:extLst>
+              <a:ext uri="{FF2B5EF4-FFF2-40B4-BE49-F238E27FC236}">
+                <a16:creationId xmlns:a16="http://schemas.microsoft.com/office/drawing/2014/main" id="{A0402F82-C889-48E5-A6B6-7AD9DD7A44BE}"/>
+              </a:ext>
+            </a:extLst>
+          </p:cNvPr>
+          <p:cNvSpPr>
+            <a:spLocks noGrp="1"/>
+          </p:cNvSpPr>
+          <p:nvPr>
+            <p:ph idx="1"/>
+          </p:nvPr>
+        </p:nvSpPr>
+        <p:spPr/>
+        <p:txBody>
+          <a:bodyPr/>
+          <a:lstStyle/>
+          <a:p>
+            <a:r>
+              <a:rPr lang="en-US" dirty="0"/>
+              <a:t>You can access an object method with the following syntax</a:t>
+            </a:r>
+          </a:p>
+          <a:p>
+            <a:r>
+              <a:rPr lang="en-US" dirty="0"/>
+              <a:t>If you access a method without the parentheses, it will return the </a:t>
+            </a:r>
+            <a:r>
+              <a:rPr lang="en-US" b="1" i="1" dirty="0"/>
+              <a:t>function definition</a:t>
+            </a:r>
+            <a:endParaRPr lang="en-US" dirty="0"/>
+          </a:p>
+        </p:txBody>
+      </p:sp>
+      <p:pic>
+        <p:nvPicPr>
+          <p:cNvPr id="5" name="Picture 4">
+            <a:extLst>
+              <a:ext uri="{FF2B5EF4-FFF2-40B4-BE49-F238E27FC236}">
+                <a16:creationId xmlns:a16="http://schemas.microsoft.com/office/drawing/2014/main" id="{C44202EC-2FF9-4216-8F47-8DABD3752981}"/>
+              </a:ext>
+            </a:extLst>
+          </p:cNvPr>
+          <p:cNvPicPr>
+            <a:picLocks noChangeAspect="1"/>
+          </p:cNvPicPr>
+          <p:nvPr/>
+        </p:nvPicPr>
+        <p:blipFill>
+          <a:blip r:embed="rId2">
+            <a:extLst>
+              <a:ext uri="{28A0092B-C50C-407E-A947-70E740481C1C}">
+                <a14:useLocalDpi xmlns:a14="http://schemas.microsoft.com/office/drawing/2010/main" val="0"/>
+              </a:ext>
+            </a:extLst>
+          </a:blip>
+          <a:stretch>
+            <a:fillRect/>
+          </a:stretch>
+        </p:blipFill>
+        <p:spPr>
+          <a:xfrm>
+            <a:off x="0" y="5808688"/>
+            <a:ext cx="6096000" cy="1049312"/>
+          </a:xfrm>
+          <a:prstGeom prst="rect">
+            <a:avLst/>
+          </a:prstGeom>
+        </p:spPr>
+      </p:pic>
+      <p:pic>
+        <p:nvPicPr>
+          <p:cNvPr id="7" name="Picture 6">
+            <a:extLst>
+              <a:ext uri="{FF2B5EF4-FFF2-40B4-BE49-F238E27FC236}">
+                <a16:creationId xmlns:a16="http://schemas.microsoft.com/office/drawing/2014/main" id="{01DB302B-E4B4-4FAC-911D-83E26DFB7C70}"/>
+              </a:ext>
+            </a:extLst>
+          </p:cNvPr>
+          <p:cNvPicPr>
+            <a:picLocks noChangeAspect="1"/>
+          </p:cNvPicPr>
+          <p:nvPr/>
+        </p:nvPicPr>
+        <p:blipFill>
+          <a:blip r:embed="rId3">
+            <a:extLst>
+              <a:ext uri="{28A0092B-C50C-407E-A947-70E740481C1C}">
+                <a14:useLocalDpi xmlns:a14="http://schemas.microsoft.com/office/drawing/2010/main" val="0"/>
+              </a:ext>
+            </a:extLst>
+          </a:blip>
+          <a:stretch>
+            <a:fillRect/>
+          </a:stretch>
+        </p:blipFill>
+        <p:spPr>
+          <a:xfrm>
+            <a:off x="6096001" y="5868839"/>
+            <a:ext cx="6096000" cy="989161"/>
+          </a:xfrm>
+          <a:prstGeom prst="rect">
+            <a:avLst/>
+          </a:prstGeom>
+        </p:spPr>
+      </p:pic>
+    </p:spTree>
+    <p:extLst>
+      <p:ext uri="{BB962C8B-B14F-4D97-AF65-F5344CB8AC3E}">
+        <p14:creationId xmlns:p14="http://schemas.microsoft.com/office/powerpoint/2010/main" val="551805323"/>
+      </p:ext>
+    </p:extLst>
+  </p:cSld>
+  <p:clrMapOvr>
+    <a:masterClrMapping/>
+  </p:clrMapOvr>
+</p:sld>
+</file>
+
+<file path=ppt/slides/slide47.xml><?xml version="1.0" encoding="utf-8"?>
+<p:sld xmlns:a="http://schemas.openxmlformats.org/drawingml/2006/main" xmlns:r="http://schemas.openxmlformats.org/officeDocument/2006/relationships" xmlns:p="http://schemas.openxmlformats.org/presentationml/2006/main">
+  <p:cSld>
+    <p:spTree>
+      <p:nvGrpSpPr>
+        <p:cNvPr id="1" name=""/>
+        <p:cNvGrpSpPr/>
+        <p:nvPr/>
+      </p:nvGrpSpPr>
+      <p:grpSpPr>
+        <a:xfrm>
+          <a:off x="0" y="0"/>
+          <a:ext cx="0" cy="0"/>
+          <a:chOff x="0" y="0"/>
+          <a:chExt cx="0" cy="0"/>
+        </a:xfrm>
+      </p:grpSpPr>
+      <p:sp>
+        <p:nvSpPr>
+          <p:cNvPr id="2" name="Title 1">
+            <a:extLst>
+              <a:ext uri="{FF2B5EF4-FFF2-40B4-BE49-F238E27FC236}">
+                <a16:creationId xmlns:a16="http://schemas.microsoft.com/office/drawing/2014/main" id="{52C57CB4-E751-45A3-8711-C19CAFC27930}"/>
+              </a:ext>
+            </a:extLst>
+          </p:cNvPr>
+          <p:cNvSpPr>
+            <a:spLocks noGrp="1"/>
+          </p:cNvSpPr>
+          <p:nvPr>
+            <p:ph type="title"/>
+          </p:nvPr>
+        </p:nvSpPr>
+        <p:spPr/>
+        <p:txBody>
+          <a:bodyPr/>
+          <a:lstStyle/>
+          <a:p>
+            <a:r>
+              <a:rPr lang="en-US" dirty="0"/>
+              <a:t>Events</a:t>
+            </a:r>
+          </a:p>
+        </p:txBody>
+      </p:sp>
+      <p:sp>
+        <p:nvSpPr>
+          <p:cNvPr id="3" name="Text Placeholder 2">
+            <a:extLst>
+              <a:ext uri="{FF2B5EF4-FFF2-40B4-BE49-F238E27FC236}">
+                <a16:creationId xmlns:a16="http://schemas.microsoft.com/office/drawing/2014/main" id="{D4B1EADB-475E-4794-8B20-488CCB668209}"/>
+              </a:ext>
+            </a:extLst>
+          </p:cNvPr>
+          <p:cNvSpPr>
+            <a:spLocks noGrp="1"/>
+          </p:cNvSpPr>
+          <p:nvPr>
+            <p:ph type="body" idx="1"/>
+          </p:nvPr>
+        </p:nvSpPr>
+        <p:spPr/>
+        <p:txBody>
+          <a:bodyPr/>
+          <a:lstStyle/>
+          <a:p>
+            <a:endParaRPr lang="en-US"/>
+          </a:p>
+        </p:txBody>
+      </p:sp>
+    </p:spTree>
+    <p:extLst>
+      <p:ext uri="{BB962C8B-B14F-4D97-AF65-F5344CB8AC3E}">
+        <p14:creationId xmlns:p14="http://schemas.microsoft.com/office/powerpoint/2010/main" val="3481970053"/>
+      </p:ext>
+    </p:extLst>
+  </p:cSld>
+  <p:clrMapOvr>
+    <a:masterClrMapping/>
+  </p:clrMapOvr>
+</p:sld>
+</file>
+
+<file path=ppt/slides/slide48.xml><?xml version="1.0" encoding="utf-8"?>
+<p:sld xmlns:a="http://schemas.openxmlformats.org/drawingml/2006/main" xmlns:r="http://schemas.openxmlformats.org/officeDocument/2006/relationships" xmlns:p="http://schemas.openxmlformats.org/presentationml/2006/main">
+  <p:cSld>
+    <p:spTree>
+      <p:nvGrpSpPr>
+        <p:cNvPr id="1" name=""/>
+        <p:cNvGrpSpPr/>
+        <p:nvPr/>
+      </p:nvGrpSpPr>
+      <p:grpSpPr>
+        <a:xfrm>
+          <a:off x="0" y="0"/>
+          <a:ext cx="0" cy="0"/>
+          <a:chOff x="0" y="0"/>
+          <a:chExt cx="0" cy="0"/>
+        </a:xfrm>
+      </p:grpSpPr>
+      <p:sp>
+        <p:nvSpPr>
+          <p:cNvPr id="2" name="Title 1">
+            <a:extLst>
+              <a:ext uri="{FF2B5EF4-FFF2-40B4-BE49-F238E27FC236}">
+                <a16:creationId xmlns:a16="http://schemas.microsoft.com/office/drawing/2014/main" id="{87A653BB-574D-4FF0-A29B-55E9B8DB259B}"/>
+              </a:ext>
+            </a:extLst>
+          </p:cNvPr>
+          <p:cNvSpPr>
+            <a:spLocks noGrp="1"/>
+          </p:cNvSpPr>
+          <p:nvPr>
+            <p:ph type="title"/>
+          </p:nvPr>
+        </p:nvSpPr>
+        <p:spPr/>
+        <p:txBody>
+          <a:bodyPr/>
+          <a:lstStyle/>
+          <a:p>
+            <a:r>
+              <a:rPr lang="en-US" dirty="0"/>
+              <a:t>JavaScript Events</a:t>
+            </a:r>
+          </a:p>
+        </p:txBody>
+      </p:sp>
+      <p:sp>
+        <p:nvSpPr>
+          <p:cNvPr id="3" name="Content Placeholder 2">
+            <a:extLst>
+              <a:ext uri="{FF2B5EF4-FFF2-40B4-BE49-F238E27FC236}">
+                <a16:creationId xmlns:a16="http://schemas.microsoft.com/office/drawing/2014/main" id="{C50E5BBA-750F-4F41-83BA-A31CFEFE6E69}"/>
+              </a:ext>
+            </a:extLst>
+          </p:cNvPr>
+          <p:cNvSpPr>
+            <a:spLocks noGrp="1"/>
+          </p:cNvSpPr>
+          <p:nvPr>
+            <p:ph idx="1"/>
+          </p:nvPr>
+        </p:nvSpPr>
+        <p:spPr/>
+        <p:txBody>
+          <a:bodyPr/>
+          <a:lstStyle/>
+          <a:p>
+            <a:r>
+              <a:rPr lang="en-US" dirty="0"/>
+              <a:t>HTML events are “things” that happen to HTML elements</a:t>
+            </a:r>
+          </a:p>
+          <a:p>
+            <a:r>
+              <a:rPr lang="en-US" dirty="0"/>
+              <a:t>When JavaScript is used with HTML pages, JavaScript can “react” to these events</a:t>
+            </a:r>
+          </a:p>
+        </p:txBody>
+      </p:sp>
+    </p:spTree>
+    <p:extLst>
+      <p:ext uri="{BB962C8B-B14F-4D97-AF65-F5344CB8AC3E}">
+        <p14:creationId xmlns:p14="http://schemas.microsoft.com/office/powerpoint/2010/main" val="2313333279"/>
+      </p:ext>
+    </p:extLst>
+  </p:cSld>
+  <p:clrMapOvr>
+    <a:masterClrMapping/>
+  </p:clrMapOvr>
+</p:sld>
+</file>
+
+<file path=ppt/slides/slide49.xml><?xml version="1.0" encoding="utf-8"?>
+<p:sld xmlns:a="http://schemas.openxmlformats.org/drawingml/2006/main" xmlns:r="http://schemas.openxmlformats.org/officeDocument/2006/relationships" xmlns:p="http://schemas.openxmlformats.org/presentationml/2006/main">
+  <p:cSld>
+    <p:spTree>
+      <p:nvGrpSpPr>
+        <p:cNvPr id="1" name=""/>
+        <p:cNvGrpSpPr/>
+        <p:nvPr/>
+      </p:nvGrpSpPr>
+      <p:grpSpPr>
+        <a:xfrm>
+          <a:off x="0" y="0"/>
+          <a:ext cx="0" cy="0"/>
+          <a:chOff x="0" y="0"/>
+          <a:chExt cx="0" cy="0"/>
+        </a:xfrm>
+      </p:grpSpPr>
+      <p:sp>
+        <p:nvSpPr>
+          <p:cNvPr id="2" name="Title 1">
+            <a:extLst>
+              <a:ext uri="{FF2B5EF4-FFF2-40B4-BE49-F238E27FC236}">
+                <a16:creationId xmlns:a16="http://schemas.microsoft.com/office/drawing/2014/main" id="{56B7E4AF-EC67-433C-892A-AB97812CF12C}"/>
+              </a:ext>
+            </a:extLst>
+          </p:cNvPr>
+          <p:cNvSpPr>
+            <a:spLocks noGrp="1"/>
+          </p:cNvSpPr>
+          <p:nvPr>
+            <p:ph type="title"/>
+          </p:nvPr>
+        </p:nvSpPr>
+        <p:spPr/>
+        <p:txBody>
+          <a:bodyPr/>
+          <a:lstStyle/>
+          <a:p>
+            <a:r>
+              <a:rPr lang="en-US" dirty="0"/>
+              <a:t>HTML Events</a:t>
+            </a:r>
+          </a:p>
+        </p:txBody>
+      </p:sp>
+      <p:sp>
+        <p:nvSpPr>
+          <p:cNvPr id="3" name="Content Placeholder 2">
+            <a:extLst>
+              <a:ext uri="{FF2B5EF4-FFF2-40B4-BE49-F238E27FC236}">
+                <a16:creationId xmlns:a16="http://schemas.microsoft.com/office/drawing/2014/main" id="{1B19ACE7-43FB-4C6B-95E8-8D55643756E3}"/>
+              </a:ext>
+            </a:extLst>
+          </p:cNvPr>
+          <p:cNvSpPr>
+            <a:spLocks noGrp="1"/>
+          </p:cNvSpPr>
+          <p:nvPr>
+            <p:ph idx="1"/>
+          </p:nvPr>
+        </p:nvSpPr>
+        <p:spPr/>
+        <p:txBody>
+          <a:bodyPr/>
+          <a:lstStyle/>
+          <a:p>
+            <a:r>
+              <a:rPr lang="en-US" dirty="0"/>
+              <a:t>An HTML event can be something the browser does, or something a user does</a:t>
+            </a:r>
+          </a:p>
+          <a:p>
+            <a:r>
+              <a:rPr lang="en-US" dirty="0"/>
+              <a:t>Here are some examples of HTML events: a webpage finished loading, an input field was changed, an HTML button was clicked</a:t>
+            </a:r>
+          </a:p>
+          <a:p>
+            <a:r>
+              <a:rPr lang="en-US" dirty="0"/>
+              <a:t>Often, when events happen you want to do something</a:t>
+            </a:r>
+          </a:p>
+        </p:txBody>
+      </p:sp>
+    </p:spTree>
+    <p:extLst>
+      <p:ext uri="{BB962C8B-B14F-4D97-AF65-F5344CB8AC3E}">
+        <p14:creationId xmlns:p14="http://schemas.microsoft.com/office/powerpoint/2010/main" val="344417517"/>
       </p:ext>
     </p:extLst>
   </p:cSld>
@@ -6321,7 +9992,7 @@
           <p:cNvPr id="2" name="Title 1">
             <a:extLst>
               <a:ext uri="{FF2B5EF4-FFF2-40B4-BE49-F238E27FC236}">
-                <a16:creationId xmlns:a16="http://schemas.microsoft.com/office/drawing/2014/main" id="{D4E834E2-3A56-44CF-A778-52DB4D0D7148}"/>
+                <a16:creationId xmlns:a16="http://schemas.microsoft.com/office/drawing/2014/main" id="{9B3FDE7B-3B9E-4DE4-9EDF-5A44E32B26AE}"/>
               </a:ext>
             </a:extLst>
           </p:cNvPr>
@@ -6339,7 +10010,7 @@
           <a:p>
             <a:r>
               <a:rPr lang="en-US" dirty="0"/>
-              <a:t>Strings</a:t>
+              <a:t>Dynamic Typing</a:t>
             </a:r>
           </a:p>
         </p:txBody>
@@ -6349,7 +10020,7 @@
           <p:cNvPr id="3" name="Content Placeholder 2">
             <a:extLst>
               <a:ext uri="{FF2B5EF4-FFF2-40B4-BE49-F238E27FC236}">
-                <a16:creationId xmlns:a16="http://schemas.microsoft.com/office/drawing/2014/main" id="{D335F45E-CE41-4B6F-8EDF-7BB6E19E09C7}"/>
+                <a16:creationId xmlns:a16="http://schemas.microsoft.com/office/drawing/2014/main" id="{5A943932-2BE8-4BFC-964B-F88BCA25CE14}"/>
               </a:ext>
             </a:extLst>
           </p:cNvPr>
@@ -6367,38 +10038,332 @@
           <a:p>
             <a:r>
               <a:rPr lang="en-US" dirty="0"/>
-              <a:t>Strings are a series of characters between a set of quotation marks (“” or ‘’)</a:t>
-            </a:r>
-          </a:p>
-          <a:p>
-            <a:r>
-              <a:rPr lang="en-US" dirty="0"/>
-              <a:t>You will see strings frequently as they contain text that can be anything from file paths to HTML elements.</a:t>
-            </a:r>
-          </a:p>
-          <a:p>
-            <a:r>
-              <a:rPr lang="en-US" dirty="0"/>
-              <a:t>Strings are a primitive data type, which means that they are not an object (we will explain objects soon), but have associated methods that an object might have</a:t>
-            </a:r>
-          </a:p>
-          <a:p>
-            <a:r>
-              <a:rPr lang="en-US" dirty="0"/>
-              <a:t>You can add strings together, but they will be </a:t>
-            </a:r>
-            <a:r>
-              <a:rPr lang="en-US" i="1" dirty="0"/>
-              <a:t>concatenated.</a:t>
-            </a:r>
-            <a:endParaRPr lang="en-US" dirty="0"/>
-          </a:p>
-        </p:txBody>
-      </p:sp>
+              <a:t>JavaScript has dynamic types</a:t>
+            </a:r>
+          </a:p>
+          <a:p>
+            <a:r>
+              <a:rPr lang="en-US" dirty="0"/>
+              <a:t>This means that the same variable can hold different types of data</a:t>
+            </a:r>
+          </a:p>
+        </p:txBody>
+      </p:sp>
+      <p:pic>
+        <p:nvPicPr>
+          <p:cNvPr id="5" name="Picture 4">
+            <a:extLst>
+              <a:ext uri="{FF2B5EF4-FFF2-40B4-BE49-F238E27FC236}">
+                <a16:creationId xmlns:a16="http://schemas.microsoft.com/office/drawing/2014/main" id="{B34D5676-573D-42CD-AD7D-D7C6C59D1891}"/>
+              </a:ext>
+            </a:extLst>
+          </p:cNvPr>
+          <p:cNvPicPr>
+            <a:picLocks noChangeAspect="1"/>
+          </p:cNvPicPr>
+          <p:nvPr/>
+        </p:nvPicPr>
+        <p:blipFill>
+          <a:blip r:embed="rId2">
+            <a:extLst>
+              <a:ext uri="{28A0092B-C50C-407E-A947-70E740481C1C}">
+                <a14:useLocalDpi xmlns:a14="http://schemas.microsoft.com/office/drawing/2010/main" val="0"/>
+              </a:ext>
+            </a:extLst>
+          </a:blip>
+          <a:stretch>
+            <a:fillRect/>
+          </a:stretch>
+        </p:blipFill>
+        <p:spPr>
+          <a:xfrm>
+            <a:off x="7978589" y="2936481"/>
+            <a:ext cx="4213412" cy="3921519"/>
+          </a:xfrm>
+          <a:prstGeom prst="rect">
+            <a:avLst/>
+          </a:prstGeom>
+        </p:spPr>
+      </p:pic>
     </p:spTree>
     <p:extLst>
       <p:ext uri="{BB962C8B-B14F-4D97-AF65-F5344CB8AC3E}">
-        <p14:creationId xmlns:p14="http://schemas.microsoft.com/office/powerpoint/2010/main" val="1714382799"/>
+        <p14:creationId xmlns:p14="http://schemas.microsoft.com/office/powerpoint/2010/main" val="1939637233"/>
+      </p:ext>
+    </p:extLst>
+  </p:cSld>
+  <p:clrMapOvr>
+    <a:masterClrMapping/>
+  </p:clrMapOvr>
+</p:sld>
+</file>
+
+<file path=ppt/slides/slide50.xml><?xml version="1.0" encoding="utf-8"?>
+<p:sld xmlns:a="http://schemas.openxmlformats.org/drawingml/2006/main" xmlns:r="http://schemas.openxmlformats.org/officeDocument/2006/relationships" xmlns:p="http://schemas.openxmlformats.org/presentationml/2006/main">
+  <p:cSld>
+    <p:spTree>
+      <p:nvGrpSpPr>
+        <p:cNvPr id="1" name=""/>
+        <p:cNvGrpSpPr/>
+        <p:nvPr/>
+      </p:nvGrpSpPr>
+      <p:grpSpPr>
+        <a:xfrm>
+          <a:off x="0" y="0"/>
+          <a:ext cx="0" cy="0"/>
+          <a:chOff x="0" y="0"/>
+          <a:chExt cx="0" cy="0"/>
+        </a:xfrm>
+      </p:grpSpPr>
+      <p:sp>
+        <p:nvSpPr>
+          <p:cNvPr id="2" name="Title 1">
+            <a:extLst>
+              <a:ext uri="{FF2B5EF4-FFF2-40B4-BE49-F238E27FC236}">
+                <a16:creationId xmlns:a16="http://schemas.microsoft.com/office/drawing/2014/main" id="{3E421944-911D-4EF9-8442-664898E1F90F}"/>
+              </a:ext>
+            </a:extLst>
+          </p:cNvPr>
+          <p:cNvSpPr>
+            <a:spLocks noGrp="1"/>
+          </p:cNvSpPr>
+          <p:nvPr>
+            <p:ph type="title"/>
+          </p:nvPr>
+        </p:nvSpPr>
+        <p:spPr/>
+        <p:txBody>
+          <a:bodyPr/>
+          <a:lstStyle/>
+          <a:p>
+            <a:r>
+              <a:rPr lang="en-US" dirty="0"/>
+              <a:t>HTML Events</a:t>
+            </a:r>
+          </a:p>
+        </p:txBody>
+      </p:sp>
+      <p:sp>
+        <p:nvSpPr>
+          <p:cNvPr id="3" name="Content Placeholder 2">
+            <a:extLst>
+              <a:ext uri="{FF2B5EF4-FFF2-40B4-BE49-F238E27FC236}">
+                <a16:creationId xmlns:a16="http://schemas.microsoft.com/office/drawing/2014/main" id="{A4C3341D-3412-4F92-9596-98A1B4E2FF00}"/>
+              </a:ext>
+            </a:extLst>
+          </p:cNvPr>
+          <p:cNvSpPr>
+            <a:spLocks noGrp="1"/>
+          </p:cNvSpPr>
+          <p:nvPr>
+            <p:ph idx="1"/>
+          </p:nvPr>
+        </p:nvSpPr>
+        <p:spPr/>
+        <p:txBody>
+          <a:bodyPr/>
+          <a:lstStyle/>
+          <a:p>
+            <a:r>
+              <a:rPr lang="en-US" dirty="0"/>
+              <a:t>JavaScript lets you execute code when events are detected</a:t>
+            </a:r>
+          </a:p>
+          <a:p>
+            <a:r>
+              <a:rPr lang="en-US" dirty="0"/>
+              <a:t>HTML allows event handler attributes, </a:t>
+            </a:r>
+            <a:r>
+              <a:rPr lang="en-US" b="1" i="1" dirty="0"/>
+              <a:t>with JavaScript</a:t>
+            </a:r>
+            <a:r>
+              <a:rPr lang="en-US" dirty="0"/>
+              <a:t> </a:t>
+            </a:r>
+            <a:r>
+              <a:rPr lang="en-US" b="1" i="1" dirty="0"/>
+              <a:t>code</a:t>
+            </a:r>
+            <a:r>
+              <a:rPr lang="en-US" dirty="0"/>
+              <a:t>, to be added to HTML elements</a:t>
+            </a:r>
+          </a:p>
+        </p:txBody>
+      </p:sp>
+      <p:pic>
+        <p:nvPicPr>
+          <p:cNvPr id="5" name="Picture 4">
+            <a:extLst>
+              <a:ext uri="{FF2B5EF4-FFF2-40B4-BE49-F238E27FC236}">
+                <a16:creationId xmlns:a16="http://schemas.microsoft.com/office/drawing/2014/main" id="{2AD71BAD-A9E4-4067-8846-AA69BC5F89F3}"/>
+              </a:ext>
+            </a:extLst>
+          </p:cNvPr>
+          <p:cNvPicPr>
+            <a:picLocks noChangeAspect="1"/>
+          </p:cNvPicPr>
+          <p:nvPr/>
+        </p:nvPicPr>
+        <p:blipFill>
+          <a:blip r:embed="rId2">
+            <a:extLst>
+              <a:ext uri="{28A0092B-C50C-407E-A947-70E740481C1C}">
+                <a14:useLocalDpi xmlns:a14="http://schemas.microsoft.com/office/drawing/2010/main" val="0"/>
+              </a:ext>
+            </a:extLst>
+          </a:blip>
+          <a:stretch>
+            <a:fillRect/>
+          </a:stretch>
+        </p:blipFill>
+        <p:spPr>
+          <a:xfrm>
+            <a:off x="0" y="6303232"/>
+            <a:ext cx="12192000" cy="554768"/>
+          </a:xfrm>
+          <a:prstGeom prst="rect">
+            <a:avLst/>
+          </a:prstGeom>
+        </p:spPr>
+      </p:pic>
+    </p:spTree>
+    <p:extLst>
+      <p:ext uri="{BB962C8B-B14F-4D97-AF65-F5344CB8AC3E}">
+        <p14:creationId xmlns:p14="http://schemas.microsoft.com/office/powerpoint/2010/main" val="3830088643"/>
+      </p:ext>
+    </p:extLst>
+  </p:cSld>
+  <p:clrMapOvr>
+    <a:masterClrMapping/>
+  </p:clrMapOvr>
+</p:sld>
+</file>
+
+<file path=ppt/slides/slide51.xml><?xml version="1.0" encoding="utf-8"?>
+<p:sld xmlns:a="http://schemas.openxmlformats.org/drawingml/2006/main" xmlns:r="http://schemas.openxmlformats.org/officeDocument/2006/relationships" xmlns:p="http://schemas.openxmlformats.org/presentationml/2006/main">
+  <p:cSld>
+    <p:spTree>
+      <p:nvGrpSpPr>
+        <p:cNvPr id="1" name=""/>
+        <p:cNvGrpSpPr/>
+        <p:nvPr/>
+      </p:nvGrpSpPr>
+      <p:grpSpPr>
+        <a:xfrm>
+          <a:off x="0" y="0"/>
+          <a:ext cx="0" cy="0"/>
+          <a:chOff x="0" y="0"/>
+          <a:chExt cx="0" cy="0"/>
+        </a:xfrm>
+      </p:grpSpPr>
+      <p:sp>
+        <p:nvSpPr>
+          <p:cNvPr id="2" name="Title 1">
+            <a:extLst>
+              <a:ext uri="{FF2B5EF4-FFF2-40B4-BE49-F238E27FC236}">
+                <a16:creationId xmlns:a16="http://schemas.microsoft.com/office/drawing/2014/main" id="{23F7FD03-4A5C-D09F-1793-08F007DAFCDA}"/>
+              </a:ext>
+            </a:extLst>
+          </p:cNvPr>
+          <p:cNvSpPr>
+            <a:spLocks noGrp="1"/>
+          </p:cNvSpPr>
+          <p:nvPr>
+            <p:ph type="title"/>
+          </p:nvPr>
+        </p:nvSpPr>
+        <p:spPr/>
+        <p:txBody>
+          <a:bodyPr/>
+          <a:lstStyle/>
+          <a:p>
+            <a:r>
+              <a:rPr lang="en-US" dirty="0"/>
+              <a:t>For Today:</a:t>
+            </a:r>
+          </a:p>
+        </p:txBody>
+      </p:sp>
+      <p:sp>
+        <p:nvSpPr>
+          <p:cNvPr id="3" name="Content Placeholder 2">
+            <a:extLst>
+              <a:ext uri="{FF2B5EF4-FFF2-40B4-BE49-F238E27FC236}">
+                <a16:creationId xmlns:a16="http://schemas.microsoft.com/office/drawing/2014/main" id="{6DE95802-CC64-CDC7-3A16-97C4C3B744F1}"/>
+              </a:ext>
+            </a:extLst>
+          </p:cNvPr>
+          <p:cNvSpPr>
+            <a:spLocks noGrp="1"/>
+          </p:cNvSpPr>
+          <p:nvPr>
+            <p:ph idx="1"/>
+          </p:nvPr>
+        </p:nvSpPr>
+        <p:spPr/>
+        <p:txBody>
+          <a:bodyPr/>
+          <a:lstStyle/>
+          <a:p>
+            <a:pPr marL="514350" indent="-514350">
+              <a:buFont typeface="+mj-lt"/>
+              <a:buAutoNum type="arabicPeriod"/>
+            </a:pPr>
+            <a:r>
+              <a:rPr lang="en-US" dirty="0"/>
+              <a:t>Module 3 Exercises</a:t>
+            </a:r>
+          </a:p>
+          <a:p>
+            <a:pPr marL="514350" indent="-514350">
+              <a:buFont typeface="+mj-lt"/>
+              <a:buAutoNum type="arabicPeriod"/>
+            </a:pPr>
+            <a:r>
+              <a:rPr lang="en-US" dirty="0" err="1"/>
+              <a:t>Atometric</a:t>
+            </a:r>
+            <a:endParaRPr lang="en-US" dirty="0"/>
+          </a:p>
+          <a:p>
+            <a:pPr marL="514350" indent="-514350">
+              <a:buFont typeface="+mj-lt"/>
+              <a:buAutoNum type="arabicPeriod"/>
+            </a:pPr>
+            <a:r>
+              <a:rPr lang="en-US" dirty="0"/>
+              <a:t>Portfolio</a:t>
+            </a:r>
+          </a:p>
+          <a:p>
+            <a:pPr marL="514350" indent="-514350">
+              <a:buFont typeface="+mj-lt"/>
+              <a:buAutoNum type="arabicPeriod"/>
+            </a:pPr>
+            <a:r>
+              <a:rPr lang="en-US" dirty="0"/>
+              <a:t>Calculator</a:t>
+            </a:r>
+          </a:p>
+          <a:p>
+            <a:pPr marL="514350" indent="-514350">
+              <a:buFont typeface="+mj-lt"/>
+              <a:buAutoNum type="arabicPeriod"/>
+            </a:pPr>
+            <a:r>
+              <a:rPr lang="en-US" dirty="0"/>
+              <a:t>To Do List</a:t>
+            </a:r>
+          </a:p>
+        </p:txBody>
+      </p:sp>
+    </p:spTree>
+    <p:extLst>
+      <p:ext uri="{BB962C8B-B14F-4D97-AF65-F5344CB8AC3E}">
+        <p14:creationId xmlns:p14="http://schemas.microsoft.com/office/powerpoint/2010/main" val="2836499598"/>
       </p:ext>
     </p:extLst>
   </p:cSld>
@@ -6430,7 +10395,7 @@
           <p:cNvPr id="2" name="Title 1">
             <a:extLst>
               <a:ext uri="{FF2B5EF4-FFF2-40B4-BE49-F238E27FC236}">
-                <a16:creationId xmlns:a16="http://schemas.microsoft.com/office/drawing/2014/main" id="{29152D43-5A0A-47B5-9D89-A35A5ECDF08F}"/>
+                <a16:creationId xmlns:a16="http://schemas.microsoft.com/office/drawing/2014/main" id="{49C40373-FD0B-4F85-B322-82DB847300DD}"/>
               </a:ext>
             </a:extLst>
           </p:cNvPr>
@@ -6448,7 +10413,7 @@
           <a:p>
             <a:r>
               <a:rPr lang="en-US" dirty="0"/>
-              <a:t>Numbers</a:t>
+              <a:t>JavaScript Strings</a:t>
             </a:r>
           </a:p>
         </p:txBody>
@@ -6458,7 +10423,7 @@
           <p:cNvPr id="3" name="Content Placeholder 2">
             <a:extLst>
               <a:ext uri="{FF2B5EF4-FFF2-40B4-BE49-F238E27FC236}">
-                <a16:creationId xmlns:a16="http://schemas.microsoft.com/office/drawing/2014/main" id="{73F324AD-812A-474A-BDAE-8975D1F0DB35}"/>
+                <a16:creationId xmlns:a16="http://schemas.microsoft.com/office/drawing/2014/main" id="{58A15D82-05B9-4972-89FB-87D7D938EC85}"/>
               </a:ext>
             </a:extLst>
           </p:cNvPr>
@@ -6476,54 +10441,70 @@
           <a:p>
             <a:r>
               <a:rPr lang="en-US" dirty="0"/>
-              <a:t>Numbers represent numeric values and can be integers (whole numbers) or floats (decimals).</a:t>
-            </a:r>
-          </a:p>
-          <a:p>
-            <a:r>
-              <a:rPr lang="en-US" dirty="0"/>
-              <a:t>Numbers can be represented in scientific notation</a:t>
-            </a:r>
-          </a:p>
-          <a:p>
-            <a:pPr lvl="1"/>
-            <a:r>
-              <a:rPr lang="en-US" dirty="0"/>
-              <a:t>Ex: let </a:t>
-            </a:r>
-            <a:r>
-              <a:rPr lang="en-US" dirty="0" err="1"/>
-              <a:t>wowThatABigNumber</a:t>
-            </a:r>
-            <a:r>
-              <a:rPr lang="en-US" dirty="0"/>
-              <a:t> = 21e5; // 2100000</a:t>
-            </a:r>
-          </a:p>
-          <a:p>
-            <a:r>
-              <a:rPr lang="en-US" dirty="0"/>
-              <a:t>Numbers use 64 bits (bigger # of bits, bigger size)</a:t>
-            </a:r>
-          </a:p>
-          <a:p>
-            <a:r>
-              <a:rPr lang="en-US" dirty="0"/>
-              <a:t>The maximum number in JS is 9007199254740991</a:t>
-            </a:r>
-          </a:p>
-          <a:p>
-            <a:r>
-              <a:rPr lang="en-US" dirty="0"/>
-              <a:t>Numbers lose precision beyond this number</a:t>
-            </a:r>
-          </a:p>
-        </p:txBody>
-      </p:sp>
+              <a:t>A </a:t>
+            </a:r>
+            <a:r>
+              <a:rPr lang="en-US" b="1" i="1" dirty="0"/>
+              <a:t>string</a:t>
+            </a:r>
+            <a:r>
+              <a:rPr lang="en-US" dirty="0"/>
+              <a:t> (of text) is a series of characters like “John Doe” or “YWCA”</a:t>
+            </a:r>
+          </a:p>
+          <a:p>
+            <a:r>
+              <a:rPr lang="en-US" i="1" dirty="0"/>
+              <a:t>Strings</a:t>
+            </a:r>
+            <a:r>
+              <a:rPr lang="en-US" dirty="0"/>
+              <a:t> are written using ‘single quotes’, “double quotes”, or `backticks`</a:t>
+            </a:r>
+            <a:endParaRPr lang="en-US" i="1" dirty="0"/>
+          </a:p>
+        </p:txBody>
+      </p:sp>
+      <p:pic>
+        <p:nvPicPr>
+          <p:cNvPr id="5" name="Picture 4">
+            <a:extLst>
+              <a:ext uri="{FF2B5EF4-FFF2-40B4-BE49-F238E27FC236}">
+                <a16:creationId xmlns:a16="http://schemas.microsoft.com/office/drawing/2014/main" id="{12546215-3404-4A94-81C2-2ADE076C0234}"/>
+              </a:ext>
+            </a:extLst>
+          </p:cNvPr>
+          <p:cNvPicPr>
+            <a:picLocks noChangeAspect="1"/>
+          </p:cNvPicPr>
+          <p:nvPr/>
+        </p:nvPicPr>
+        <p:blipFill>
+          <a:blip r:embed="rId2">
+            <a:extLst>
+              <a:ext uri="{28A0092B-C50C-407E-A947-70E740481C1C}">
+                <a14:useLocalDpi xmlns:a14="http://schemas.microsoft.com/office/drawing/2010/main" val="0"/>
+              </a:ext>
+            </a:extLst>
+          </a:blip>
+          <a:stretch>
+            <a:fillRect/>
+          </a:stretch>
+        </p:blipFill>
+        <p:spPr>
+          <a:xfrm>
+            <a:off x="6096000" y="3561183"/>
+            <a:ext cx="6096000" cy="3296817"/>
+          </a:xfrm>
+          <a:prstGeom prst="rect">
+            <a:avLst/>
+          </a:prstGeom>
+        </p:spPr>
+      </p:pic>
     </p:spTree>
     <p:extLst>
       <p:ext uri="{BB962C8B-B14F-4D97-AF65-F5344CB8AC3E}">
-        <p14:creationId xmlns:p14="http://schemas.microsoft.com/office/powerpoint/2010/main" val="4015270135"/>
+        <p14:creationId xmlns:p14="http://schemas.microsoft.com/office/powerpoint/2010/main" val="3561671386"/>
       </p:ext>
     </p:extLst>
   </p:cSld>
@@ -6555,7 +10536,7 @@
           <p:cNvPr id="2" name="Title 1">
             <a:extLst>
               <a:ext uri="{FF2B5EF4-FFF2-40B4-BE49-F238E27FC236}">
-                <a16:creationId xmlns:a16="http://schemas.microsoft.com/office/drawing/2014/main" id="{8B1F04BC-99CD-4487-A326-8CE809940153}"/>
+                <a16:creationId xmlns:a16="http://schemas.microsoft.com/office/drawing/2014/main" id="{76525E46-CADC-4ADB-9116-9F6035F0C352}"/>
               </a:ext>
             </a:extLst>
           </p:cNvPr>
@@ -6573,7 +10554,7 @@
           <a:p>
             <a:r>
               <a:rPr lang="en-US" dirty="0"/>
-              <a:t>Booleans</a:t>
+              <a:t>JavaScript Strings</a:t>
             </a:r>
           </a:p>
         </p:txBody>
@@ -6583,7 +10564,7 @@
           <p:cNvPr id="3" name="Content Placeholder 2">
             <a:extLst>
               <a:ext uri="{FF2B5EF4-FFF2-40B4-BE49-F238E27FC236}">
-                <a16:creationId xmlns:a16="http://schemas.microsoft.com/office/drawing/2014/main" id="{6728D6E7-C664-4AB1-BBC6-8C3F3C17C7EF}"/>
+                <a16:creationId xmlns:a16="http://schemas.microsoft.com/office/drawing/2014/main" id="{B9FCE16F-EBE5-49BF-955D-84CCE84CC954}"/>
               </a:ext>
             </a:extLst>
           </p:cNvPr>
@@ -6601,70 +10582,87 @@
           <a:p>
             <a:r>
               <a:rPr lang="en-US" dirty="0"/>
-              <a:t>Booleans can only have 2 values: True or False</a:t>
-            </a:r>
-          </a:p>
-          <a:p>
-            <a:r>
-              <a:rPr lang="en-US" dirty="0"/>
-              <a:t>Booleans are often compared using ===, ==, &gt;, and &lt; </a:t>
-            </a:r>
-          </a:p>
-          <a:p>
-            <a:r>
-              <a:rPr lang="en-US" dirty="0"/>
-              <a:t>Ex: (100 &gt; 99) evaluates as true</a:t>
-            </a:r>
-          </a:p>
-          <a:p>
-            <a:r>
-              <a:rPr lang="en-US" dirty="0"/>
-              <a:t>JavaScript also has “Truthy” Values that are </a:t>
-            </a:r>
-            <a:r>
-              <a:rPr lang="en-US" i="1" dirty="0"/>
-              <a:t>almost </a:t>
-            </a:r>
-            <a:r>
-              <a:rPr lang="en-US" dirty="0"/>
-              <a:t>true</a:t>
-            </a:r>
-          </a:p>
-          <a:p>
-            <a:pPr lvl="1"/>
-            <a:r>
-              <a:rPr lang="en-US" dirty="0"/>
-              <a:t>Ex: “  ” == True and “” == False </a:t>
-            </a:r>
-          </a:p>
-          <a:p>
-            <a:pPr lvl="1"/>
-            <a:r>
-              <a:rPr lang="en-US" dirty="0"/>
-              <a:t>This is the source of many errors when using ==, so using === will save you a lot of time debugging your code.</a:t>
-            </a:r>
-          </a:p>
-          <a:p>
-            <a:pPr lvl="1"/>
-            <a:r>
-              <a:rPr lang="en-US" dirty="0"/>
-              <a:t>Truthy values use </a:t>
-            </a:r>
-            <a:r>
-              <a:rPr lang="en-US" i="1" dirty="0"/>
-              <a:t>Type Coercion </a:t>
-            </a:r>
-            <a:endParaRPr lang="en-US" dirty="0"/>
-          </a:p>
-          <a:p>
-            <a:endParaRPr lang="en-US" dirty="0"/>
-          </a:p>
-        </p:txBody>
-      </p:sp>
+              <a:t>You can use quotes inside of a string as long as you use a set of quotes you haven’t used before</a:t>
+            </a:r>
+          </a:p>
+        </p:txBody>
+      </p:sp>
+      <p:pic>
+        <p:nvPicPr>
+          <p:cNvPr id="7" name="Picture 6">
+            <a:extLst>
+              <a:ext uri="{FF2B5EF4-FFF2-40B4-BE49-F238E27FC236}">
+                <a16:creationId xmlns:a16="http://schemas.microsoft.com/office/drawing/2014/main" id="{247A53BD-490F-4298-8419-D28376724F5F}"/>
+              </a:ext>
+            </a:extLst>
+          </p:cNvPr>
+          <p:cNvPicPr>
+            <a:picLocks noChangeAspect="1"/>
+          </p:cNvPicPr>
+          <p:nvPr/>
+        </p:nvPicPr>
+        <p:blipFill>
+          <a:blip r:embed="rId2">
+            <a:extLst>
+              <a:ext uri="{28A0092B-C50C-407E-A947-70E740481C1C}">
+                <a14:useLocalDpi xmlns:a14="http://schemas.microsoft.com/office/drawing/2010/main" val="0"/>
+              </a:ext>
+            </a:extLst>
+          </a:blip>
+          <a:stretch>
+            <a:fillRect/>
+          </a:stretch>
+        </p:blipFill>
+        <p:spPr>
+          <a:xfrm>
+            <a:off x="-1" y="6008185"/>
+            <a:ext cx="6221506" cy="854297"/>
+          </a:xfrm>
+          <a:prstGeom prst="rect">
+            <a:avLst/>
+          </a:prstGeom>
+        </p:spPr>
+      </p:pic>
+      <p:pic>
+        <p:nvPicPr>
+          <p:cNvPr id="5" name="Picture 4">
+            <a:extLst>
+              <a:ext uri="{FF2B5EF4-FFF2-40B4-BE49-F238E27FC236}">
+                <a16:creationId xmlns:a16="http://schemas.microsoft.com/office/drawing/2014/main" id="{FE4F920E-3464-42C3-A1B6-39BEE7423E77}"/>
+              </a:ext>
+            </a:extLst>
+          </p:cNvPr>
+          <p:cNvPicPr>
+            <a:picLocks noChangeAspect="1"/>
+          </p:cNvPicPr>
+          <p:nvPr/>
+        </p:nvPicPr>
+        <p:blipFill>
+          <a:blip r:embed="rId3">
+            <a:extLst>
+              <a:ext uri="{28A0092B-C50C-407E-A947-70E740481C1C}">
+                <a14:useLocalDpi xmlns:a14="http://schemas.microsoft.com/office/drawing/2010/main" val="0"/>
+              </a:ext>
+            </a:extLst>
+          </a:blip>
+          <a:stretch>
+            <a:fillRect/>
+          </a:stretch>
+        </p:blipFill>
+        <p:spPr>
+          <a:xfrm>
+            <a:off x="6221505" y="6015537"/>
+            <a:ext cx="5970495" cy="842463"/>
+          </a:xfrm>
+          <a:prstGeom prst="rect">
+            <a:avLst/>
+          </a:prstGeom>
+        </p:spPr>
+      </p:pic>
     </p:spTree>
     <p:extLst>
       <p:ext uri="{BB962C8B-B14F-4D97-AF65-F5344CB8AC3E}">
-        <p14:creationId xmlns:p14="http://schemas.microsoft.com/office/powerpoint/2010/main" val="1630142201"/>
+        <p14:creationId xmlns:p14="http://schemas.microsoft.com/office/powerpoint/2010/main" val="867668275"/>
       </p:ext>
     </p:extLst>
   </p:cSld>
@@ -6696,7 +10694,7 @@
           <p:cNvPr id="2" name="Title 1">
             <a:extLst>
               <a:ext uri="{FF2B5EF4-FFF2-40B4-BE49-F238E27FC236}">
-                <a16:creationId xmlns:a16="http://schemas.microsoft.com/office/drawing/2014/main" id="{7464E6E4-E410-48D5-B760-E2C4FBCA1916}"/>
+                <a16:creationId xmlns:a16="http://schemas.microsoft.com/office/drawing/2014/main" id="{AAADBF19-2DD2-4767-A0ED-1C2B9BB73212}"/>
               </a:ext>
             </a:extLst>
           </p:cNvPr>
@@ -6713,10 +10711,9 @@
           <a:lstStyle/>
           <a:p>
             <a:r>
-              <a:rPr lang="en-US" dirty="0" err="1"/>
-              <a:t>Bigints</a:t>
-            </a:r>
-            <a:endParaRPr lang="en-US" dirty="0"/>
+              <a:rPr lang="en-US" dirty="0"/>
+              <a:t>JavaScript Numbers</a:t>
+            </a:r>
           </a:p>
         </p:txBody>
       </p:sp>
@@ -6725,7 +10722,7 @@
           <p:cNvPr id="3" name="Content Placeholder 2">
             <a:extLst>
               <a:ext uri="{FF2B5EF4-FFF2-40B4-BE49-F238E27FC236}">
-                <a16:creationId xmlns:a16="http://schemas.microsoft.com/office/drawing/2014/main" id="{3AB48C6A-E99C-4BB4-9287-C9512705F143}"/>
+                <a16:creationId xmlns:a16="http://schemas.microsoft.com/office/drawing/2014/main" id="{05352592-7CE0-4D91-9D4E-A9A0ADF93974}"/>
               </a:ext>
             </a:extLst>
           </p:cNvPr>
@@ -6742,54 +10739,66 @@
           <a:lstStyle/>
           <a:p>
             <a:r>
-              <a:rPr lang="en-US" dirty="0" err="1"/>
-              <a:t>Bigint</a:t>
-            </a:r>
-            <a:r>
-              <a:rPr lang="en-US" dirty="0"/>
-              <a:t> is one of the newer types, introduced in 2020.</a:t>
-            </a:r>
-          </a:p>
-          <a:p>
-            <a:r>
-              <a:rPr lang="en-US" dirty="0"/>
-              <a:t>Sometimes you need to represent numbers larger than Number can safely handle.</a:t>
-            </a:r>
-          </a:p>
-          <a:p>
-            <a:r>
-              <a:rPr lang="en-US" dirty="0" err="1"/>
-              <a:t>Bigint</a:t>
-            </a:r>
-            <a:r>
-              <a:rPr lang="en-US" dirty="0"/>
-              <a:t> can handle extremely large numbers with exact precision, but takes up more space (there is no size cap like with Numbers)</a:t>
-            </a:r>
-          </a:p>
-          <a:p>
-            <a:r>
-              <a:rPr lang="en-US" dirty="0" err="1"/>
-              <a:t>Bigints</a:t>
-            </a:r>
-            <a:r>
-              <a:rPr lang="en-US" dirty="0"/>
-              <a:t> cannot be operated on with Numbers (</a:t>
-            </a:r>
-            <a:r>
-              <a:rPr lang="en-US" dirty="0" err="1"/>
-              <a:t>bigint</a:t>
-            </a:r>
-            <a:r>
-              <a:rPr lang="en-US" dirty="0"/>
-              <a:t> + number)</a:t>
-            </a:r>
-          </a:p>
-        </p:txBody>
-      </p:sp>
+              <a:rPr lang="en-US" dirty="0"/>
+              <a:t>JavaScript only has one type of number, as opposed to other languages like Java or C++ that have both Integers (whole numbers) and Floats (decimals)</a:t>
+            </a:r>
+          </a:p>
+          <a:p>
+            <a:r>
+              <a:rPr lang="en-US" dirty="0"/>
+              <a:t>Any </a:t>
+            </a:r>
+            <a:r>
+              <a:rPr lang="en-US" b="1" i="1" dirty="0"/>
+              <a:t>number</a:t>
+            </a:r>
+            <a:r>
+              <a:rPr lang="en-US" dirty="0"/>
+              <a:t> can be written with or without decimals</a:t>
+            </a:r>
+          </a:p>
+        </p:txBody>
+      </p:sp>
+      <p:pic>
+        <p:nvPicPr>
+          <p:cNvPr id="5" name="Picture 4">
+            <a:extLst>
+              <a:ext uri="{FF2B5EF4-FFF2-40B4-BE49-F238E27FC236}">
+                <a16:creationId xmlns:a16="http://schemas.microsoft.com/office/drawing/2014/main" id="{0F67258B-E37F-4F62-A485-31E6946B1E12}"/>
+              </a:ext>
+            </a:extLst>
+          </p:cNvPr>
+          <p:cNvPicPr>
+            <a:picLocks noChangeAspect="1"/>
+          </p:cNvPicPr>
+          <p:nvPr/>
+        </p:nvPicPr>
+        <p:blipFill>
+          <a:blip r:embed="rId2">
+            <a:extLst>
+              <a:ext uri="{28A0092B-C50C-407E-A947-70E740481C1C}">
+                <a14:useLocalDpi xmlns:a14="http://schemas.microsoft.com/office/drawing/2010/main" val="0"/>
+              </a:ext>
+            </a:extLst>
+          </a:blip>
+          <a:stretch>
+            <a:fillRect/>
+          </a:stretch>
+        </p:blipFill>
+        <p:spPr>
+          <a:xfrm>
+            <a:off x="6992471" y="3565510"/>
+            <a:ext cx="5199529" cy="3292490"/>
+          </a:xfrm>
+          <a:prstGeom prst="rect">
+            <a:avLst/>
+          </a:prstGeom>
+        </p:spPr>
+      </p:pic>
     </p:spTree>
     <p:extLst>
       <p:ext uri="{BB962C8B-B14F-4D97-AF65-F5344CB8AC3E}">
-        <p14:creationId xmlns:p14="http://schemas.microsoft.com/office/powerpoint/2010/main" val="3343215423"/>
+        <p14:creationId xmlns:p14="http://schemas.microsoft.com/office/powerpoint/2010/main" val="1807136680"/>
       </p:ext>
     </p:extLst>
   </p:cSld>
@@ -6821,7 +10830,7 @@
           <p:cNvPr id="2" name="Title 1">
             <a:extLst>
               <a:ext uri="{FF2B5EF4-FFF2-40B4-BE49-F238E27FC236}">
-                <a16:creationId xmlns:a16="http://schemas.microsoft.com/office/drawing/2014/main" id="{E98CF17C-8191-4D4B-8C5A-2A8917F997DD}"/>
+                <a16:creationId xmlns:a16="http://schemas.microsoft.com/office/drawing/2014/main" id="{ABDCA732-A6EE-44C2-9C5F-D197F58E1442}"/>
               </a:ext>
             </a:extLst>
           </p:cNvPr>
@@ -6839,7 +10848,7 @@
           <a:p>
             <a:r>
               <a:rPr lang="en-US" dirty="0"/>
-              <a:t>Undefined</a:t>
+              <a:t>JavaScript Numbers</a:t>
             </a:r>
           </a:p>
         </p:txBody>
@@ -6849,7 +10858,7 @@
           <p:cNvPr id="3" name="Content Placeholder 2">
             <a:extLst>
               <a:ext uri="{FF2B5EF4-FFF2-40B4-BE49-F238E27FC236}">
-                <a16:creationId xmlns:a16="http://schemas.microsoft.com/office/drawing/2014/main" id="{3E017DA2-8C95-4EB6-B5A5-EA9A41B569E1}"/>
+                <a16:creationId xmlns:a16="http://schemas.microsoft.com/office/drawing/2014/main" id="{6117B8D8-3548-4B76-B727-85D10A41732F}"/>
               </a:ext>
             </a:extLst>
           </p:cNvPr>
@@ -6867,35 +10876,87 @@
           <a:p>
             <a:r>
               <a:rPr lang="en-US" dirty="0"/>
-              <a:t>Undefined values have not been assigned a value yet.</a:t>
-            </a:r>
-          </a:p>
-          <a:p>
-            <a:r>
-              <a:rPr lang="en-US" dirty="0"/>
-              <a:t>Any time you define a variable without assigning it a value, its type is undefined</a:t>
-            </a:r>
-          </a:p>
-          <a:p>
-            <a:r>
-              <a:rPr lang="en-US" dirty="0"/>
-              <a:t>Ex: let </a:t>
-            </a:r>
-            <a:r>
-              <a:rPr lang="en-US" dirty="0" err="1"/>
-              <a:t>undefinedVariable</a:t>
-            </a:r>
-            <a:r>
-              <a:rPr lang="en-US" dirty="0"/>
-              <a:t>; // undefined</a:t>
-            </a:r>
-          </a:p>
-        </p:txBody>
-      </p:sp>
+              <a:t>Abnormally large or small numbers can be written with scientific (exponential) notation</a:t>
+            </a:r>
+          </a:p>
+        </p:txBody>
+      </p:sp>
+      <p:pic>
+        <p:nvPicPr>
+          <p:cNvPr id="5" name="Picture 4">
+            <a:extLst>
+              <a:ext uri="{FF2B5EF4-FFF2-40B4-BE49-F238E27FC236}">
+                <a16:creationId xmlns:a16="http://schemas.microsoft.com/office/drawing/2014/main" id="{ED19C1F3-63E0-4C78-AD07-74EE8F42C04D}"/>
+              </a:ext>
+            </a:extLst>
+          </p:cNvPr>
+          <p:cNvPicPr>
+            <a:picLocks noChangeAspect="1"/>
+          </p:cNvPicPr>
+          <p:nvPr/>
+        </p:nvPicPr>
+        <p:blipFill>
+          <a:blip r:embed="rId2">
+            <a:extLst>
+              <a:ext uri="{28A0092B-C50C-407E-A947-70E740481C1C}">
+                <a14:useLocalDpi xmlns:a14="http://schemas.microsoft.com/office/drawing/2010/main" val="0"/>
+              </a:ext>
+            </a:extLst>
+          </a:blip>
+          <a:stretch>
+            <a:fillRect/>
+          </a:stretch>
+        </p:blipFill>
+        <p:spPr>
+          <a:xfrm>
+            <a:off x="6400800" y="3379749"/>
+            <a:ext cx="5791201" cy="3478251"/>
+          </a:xfrm>
+          <a:prstGeom prst="rect">
+            <a:avLst/>
+          </a:prstGeom>
+        </p:spPr>
+      </p:pic>
+      <p:pic>
+        <p:nvPicPr>
+          <p:cNvPr id="7" name="Picture 6">
+            <a:extLst>
+              <a:ext uri="{FF2B5EF4-FFF2-40B4-BE49-F238E27FC236}">
+                <a16:creationId xmlns:a16="http://schemas.microsoft.com/office/drawing/2014/main" id="{34DAEAD3-490E-43B3-8D00-97629B5DF822}"/>
+              </a:ext>
+            </a:extLst>
+          </p:cNvPr>
+          <p:cNvPicPr>
+            <a:picLocks noChangeAspect="1"/>
+          </p:cNvPicPr>
+          <p:nvPr/>
+        </p:nvPicPr>
+        <p:blipFill>
+          <a:blip r:embed="rId3">
+            <a:extLst>
+              <a:ext uri="{28A0092B-C50C-407E-A947-70E740481C1C}">
+                <a14:useLocalDpi xmlns:a14="http://schemas.microsoft.com/office/drawing/2010/main" val="0"/>
+              </a:ext>
+            </a:extLst>
+          </a:blip>
+          <a:stretch>
+            <a:fillRect/>
+          </a:stretch>
+        </p:blipFill>
+        <p:spPr>
+          <a:xfrm>
+            <a:off x="0" y="3379749"/>
+            <a:ext cx="6487932" cy="3478252"/>
+          </a:xfrm>
+          <a:prstGeom prst="rect">
+            <a:avLst/>
+          </a:prstGeom>
+        </p:spPr>
+      </p:pic>
     </p:spTree>
     <p:extLst>
       <p:ext uri="{BB962C8B-B14F-4D97-AF65-F5344CB8AC3E}">
-        <p14:creationId xmlns:p14="http://schemas.microsoft.com/office/powerpoint/2010/main" val="4030906611"/>
+        <p14:creationId xmlns:p14="http://schemas.microsoft.com/office/powerpoint/2010/main" val="304802283"/>
       </p:ext>
     </p:extLst>
   </p:cSld>
@@ -7198,4 +11259,299 @@
     </a:ext>
   </a:extLst>
 </a:theme>
+</file>
+
+<file path=ppt/theme/theme2.xml><?xml version="1.0" encoding="utf-8"?>
+<a:theme xmlns:a="http://schemas.openxmlformats.org/drawingml/2006/main" name="Office Theme">
+  <a:themeElements>
+    <a:clrScheme name="Office">
+      <a:dk1>
+        <a:sysClr val="windowText" lastClr="000000"/>
+      </a:dk1>
+      <a:lt1>
+        <a:sysClr val="window" lastClr="FFFFFF"/>
+      </a:lt1>
+      <a:dk2>
+        <a:srgbClr val="44546A"/>
+      </a:dk2>
+      <a:lt2>
+        <a:srgbClr val="E7E6E6"/>
+      </a:lt2>
+      <a:accent1>
+        <a:srgbClr val="4472C4"/>
+      </a:accent1>
+      <a:accent2>
+        <a:srgbClr val="ED7D31"/>
+      </a:accent2>
+      <a:accent3>
+        <a:srgbClr val="A5A5A5"/>
+      </a:accent3>
+      <a:accent4>
+        <a:srgbClr val="FFC000"/>
+      </a:accent4>
+      <a:accent5>
+        <a:srgbClr val="5B9BD5"/>
+      </a:accent5>
+      <a:accent6>
+        <a:srgbClr val="70AD47"/>
+      </a:accent6>
+      <a:hlink>
+        <a:srgbClr val="0563C1"/>
+      </a:hlink>
+      <a:folHlink>
+        <a:srgbClr val="954F72"/>
+      </a:folHlink>
+    </a:clrScheme>
+    <a:fontScheme name="Office">
+      <a:majorFont>
+        <a:latin typeface="Calibri Light" panose="020F0302020204030204"/>
+        <a:ea typeface=""/>
+        <a:cs typeface=""/>
+        <a:font script="Jpan" typeface="游ゴシック Light"/>
+        <a:font script="Hang" typeface="맑은 고딕"/>
+        <a:font script="Hans" typeface="等线 Light"/>
+        <a:font script="Hant" typeface="新細明體"/>
+        <a:font script="Arab" typeface="Times New Roman"/>
+        <a:font script="Hebr" typeface="Times New Roman"/>
+        <a:font script="Thai" typeface="Angsana New"/>
+        <a:font script="Ethi" typeface="Nyala"/>
+        <a:font script="Beng" typeface="Vrinda"/>
+        <a:font script="Gujr" typeface="Shruti"/>
+        <a:font script="Khmr" typeface="MoolBoran"/>
+        <a:font script="Knda" typeface="Tunga"/>
+        <a:font script="Guru" typeface="Raavi"/>
+        <a:font script="Cans" typeface="Euphemia"/>
+        <a:font script="Cher" typeface="Plantagenet Cherokee"/>
+        <a:font script="Yiii" typeface="Microsoft Yi Baiti"/>
+        <a:font script="Tibt" typeface="Microsoft Himalaya"/>
+        <a:font script="Thaa" typeface="MV Boli"/>
+        <a:font script="Deva" typeface="Mangal"/>
+        <a:font script="Telu" typeface="Gautami"/>
+        <a:font script="Taml" typeface="Latha"/>
+        <a:font script="Syrc" typeface="Estrangelo Edessa"/>
+        <a:font script="Orya" typeface="Kalinga"/>
+        <a:font script="Mlym" typeface="Kartika"/>
+        <a:font script="Laoo" typeface="DokChampa"/>
+        <a:font script="Sinh" typeface="Iskoola Pota"/>
+        <a:font script="Mong" typeface="Mongolian Baiti"/>
+        <a:font script="Viet" typeface="Times New Roman"/>
+        <a:font script="Uigh" typeface="Microsoft Uighur"/>
+        <a:font script="Geor" typeface="Sylfaen"/>
+        <a:font script="Armn" typeface="Arial"/>
+        <a:font script="Bugi" typeface="Leelawadee UI"/>
+        <a:font script="Bopo" typeface="Microsoft JhengHei"/>
+        <a:font script="Java" typeface="Javanese Text"/>
+        <a:font script="Lisu" typeface="Segoe UI"/>
+        <a:font script="Mymr" typeface="Myanmar Text"/>
+        <a:font script="Nkoo" typeface="Ebrima"/>
+        <a:font script="Olck" typeface="Nirmala UI"/>
+        <a:font script="Osma" typeface="Ebrima"/>
+        <a:font script="Phag" typeface="Phagspa"/>
+        <a:font script="Syrn" typeface="Estrangelo Edessa"/>
+        <a:font script="Syrj" typeface="Estrangelo Edessa"/>
+        <a:font script="Syre" typeface="Estrangelo Edessa"/>
+        <a:font script="Sora" typeface="Nirmala UI"/>
+        <a:font script="Tale" typeface="Microsoft Tai Le"/>
+        <a:font script="Talu" typeface="Microsoft New Tai Lue"/>
+        <a:font script="Tfng" typeface="Ebrima"/>
+      </a:majorFont>
+      <a:minorFont>
+        <a:latin typeface="Calibri" panose="020F0502020204030204"/>
+        <a:ea typeface=""/>
+        <a:cs typeface=""/>
+        <a:font script="Jpan" typeface="游ゴシック"/>
+        <a:font script="Hang" typeface="맑은 고딕"/>
+        <a:font script="Hans" typeface="等线"/>
+        <a:font script="Hant" typeface="新細明體"/>
+        <a:font script="Arab" typeface="Arial"/>
+        <a:font script="Hebr" typeface="Arial"/>
+        <a:font script="Thai" typeface="Cordia New"/>
+        <a:font script="Ethi" typeface="Nyala"/>
+        <a:font script="Beng" typeface="Vrinda"/>
+        <a:font script="Gujr" typeface="Shruti"/>
+        <a:font script="Khmr" typeface="DaunPenh"/>
+        <a:font script="Knda" typeface="Tunga"/>
+        <a:font script="Guru" typeface="Raavi"/>
+        <a:font script="Cans" typeface="Euphemia"/>
+        <a:font script="Cher" typeface="Plantagenet Cherokee"/>
+        <a:font script="Yiii" typeface="Microsoft Yi Baiti"/>
+        <a:font script="Tibt" typeface="Microsoft Himalaya"/>
+        <a:font script="Thaa" typeface="MV Boli"/>
+        <a:font script="Deva" typeface="Mangal"/>
+        <a:font script="Telu" typeface="Gautami"/>
+        <a:font script="Taml" typeface="Latha"/>
+        <a:font script="Syrc" typeface="Estrangelo Edessa"/>
+        <a:font script="Orya" typeface="Kalinga"/>
+        <a:font script="Mlym" typeface="Kartika"/>
+        <a:font script="Laoo" typeface="DokChampa"/>
+        <a:font script="Sinh" typeface="Iskoola Pota"/>
+        <a:font script="Mong" typeface="Mongolian Baiti"/>
+        <a:font script="Viet" typeface="Arial"/>
+        <a:font script="Uigh" typeface="Microsoft Uighur"/>
+        <a:font script="Geor" typeface="Sylfaen"/>
+        <a:font script="Armn" typeface="Arial"/>
+        <a:font script="Bugi" typeface="Leelawadee UI"/>
+        <a:font script="Bopo" typeface="Microsoft JhengHei"/>
+        <a:font script="Java" typeface="Javanese Text"/>
+        <a:font script="Lisu" typeface="Segoe UI"/>
+        <a:font script="Mymr" typeface="Myanmar Text"/>
+        <a:font script="Nkoo" typeface="Ebrima"/>
+        <a:font script="Olck" typeface="Nirmala UI"/>
+        <a:font script="Osma" typeface="Ebrima"/>
+        <a:font script="Phag" typeface="Phagspa"/>
+        <a:font script="Syrn" typeface="Estrangelo Edessa"/>
+        <a:font script="Syrj" typeface="Estrangelo Edessa"/>
+        <a:font script="Syre" typeface="Estrangelo Edessa"/>
+        <a:font script="Sora" typeface="Nirmala UI"/>
+        <a:font script="Tale" typeface="Microsoft Tai Le"/>
+        <a:font script="Talu" typeface="Microsoft New Tai Lue"/>
+        <a:font script="Tfng" typeface="Ebrima"/>
+      </a:minorFont>
+    </a:fontScheme>
+    <a:fmtScheme name="Office">
+      <a:fillStyleLst>
+        <a:solidFill>
+          <a:schemeClr val="phClr"/>
+        </a:solidFill>
+        <a:gradFill rotWithShape="1">
+          <a:gsLst>
+            <a:gs pos="0">
+              <a:schemeClr val="phClr">
+                <a:lumMod val="110000"/>
+                <a:satMod val="105000"/>
+                <a:tint val="67000"/>
+              </a:schemeClr>
+            </a:gs>
+            <a:gs pos="50000">
+              <a:schemeClr val="phClr">
+                <a:lumMod val="105000"/>
+                <a:satMod val="103000"/>
+                <a:tint val="73000"/>
+              </a:schemeClr>
+            </a:gs>
+            <a:gs pos="100000">
+              <a:schemeClr val="phClr">
+                <a:lumMod val="105000"/>
+                <a:satMod val="109000"/>
+                <a:tint val="81000"/>
+              </a:schemeClr>
+            </a:gs>
+          </a:gsLst>
+          <a:lin ang="5400000" scaled="0"/>
+        </a:gradFill>
+        <a:gradFill rotWithShape="1">
+          <a:gsLst>
+            <a:gs pos="0">
+              <a:schemeClr val="phClr">
+                <a:satMod val="103000"/>
+                <a:lumMod val="102000"/>
+                <a:tint val="94000"/>
+              </a:schemeClr>
+            </a:gs>
+            <a:gs pos="50000">
+              <a:schemeClr val="phClr">
+                <a:satMod val="110000"/>
+                <a:lumMod val="100000"/>
+                <a:shade val="100000"/>
+              </a:schemeClr>
+            </a:gs>
+            <a:gs pos="100000">
+              <a:schemeClr val="phClr">
+                <a:lumMod val="99000"/>
+                <a:satMod val="120000"/>
+                <a:shade val="78000"/>
+              </a:schemeClr>
+            </a:gs>
+          </a:gsLst>
+          <a:lin ang="5400000" scaled="0"/>
+        </a:gradFill>
+      </a:fillStyleLst>
+      <a:lnStyleLst>
+        <a:ln w="6350" cap="flat" cmpd="sng" algn="ctr">
+          <a:solidFill>
+            <a:schemeClr val="phClr"/>
+          </a:solidFill>
+          <a:prstDash val="solid"/>
+          <a:miter lim="800000"/>
+        </a:ln>
+        <a:ln w="12700" cap="flat" cmpd="sng" algn="ctr">
+          <a:solidFill>
+            <a:schemeClr val="phClr"/>
+          </a:solidFill>
+          <a:prstDash val="solid"/>
+          <a:miter lim="800000"/>
+        </a:ln>
+        <a:ln w="19050" cap="flat" cmpd="sng" algn="ctr">
+          <a:solidFill>
+            <a:schemeClr val="phClr"/>
+          </a:solidFill>
+          <a:prstDash val="solid"/>
+          <a:miter lim="800000"/>
+        </a:ln>
+      </a:lnStyleLst>
+      <a:effectStyleLst>
+        <a:effectStyle>
+          <a:effectLst/>
+        </a:effectStyle>
+        <a:effectStyle>
+          <a:effectLst/>
+        </a:effectStyle>
+        <a:effectStyle>
+          <a:effectLst>
+            <a:outerShdw blurRad="57150" dist="19050" dir="5400000" algn="ctr" rotWithShape="0">
+              <a:srgbClr val="000000">
+                <a:alpha val="63000"/>
+              </a:srgbClr>
+            </a:outerShdw>
+          </a:effectLst>
+        </a:effectStyle>
+      </a:effectStyleLst>
+      <a:bgFillStyleLst>
+        <a:solidFill>
+          <a:schemeClr val="phClr"/>
+        </a:solidFill>
+        <a:solidFill>
+          <a:schemeClr val="phClr">
+            <a:tint val="95000"/>
+            <a:satMod val="170000"/>
+          </a:schemeClr>
+        </a:solidFill>
+        <a:gradFill rotWithShape="1">
+          <a:gsLst>
+            <a:gs pos="0">
+              <a:schemeClr val="phClr">
+                <a:tint val="93000"/>
+                <a:satMod val="150000"/>
+                <a:shade val="98000"/>
+                <a:lumMod val="102000"/>
+              </a:schemeClr>
+            </a:gs>
+            <a:gs pos="50000">
+              <a:schemeClr val="phClr">
+                <a:tint val="98000"/>
+                <a:satMod val="130000"/>
+                <a:shade val="90000"/>
+                <a:lumMod val="103000"/>
+              </a:schemeClr>
+            </a:gs>
+            <a:gs pos="100000">
+              <a:schemeClr val="phClr">
+                <a:shade val="63000"/>
+                <a:satMod val="120000"/>
+              </a:schemeClr>
+            </a:gs>
+          </a:gsLst>
+          <a:lin ang="5400000" scaled="0"/>
+        </a:gradFill>
+      </a:bgFillStyleLst>
+    </a:fmtScheme>
+  </a:themeElements>
+  <a:objectDefaults/>
+  <a:extraClrSchemeLst/>
+  <a:extLst>
+    <a:ext uri="{05A4C25C-085E-4340-85A3-A5531E510DB2}">
+      <thm15:themeFamily xmlns:thm15="http://schemas.microsoft.com/office/thememl/2012/main" name="Office Theme" id="{62F939B6-93AF-4DB8-9C6B-D6C7DFDC589F}" vid="{4A3C46E8-61CC-4603-A589-7422A47A8E4A}"/>
+    </a:ext>
+  </a:extLst>
+</a:theme>
 </file>
--- a/slides/Module 3 - Data Types.pptx
+++ b/slides/Module 3 - Data Types.pptx
@@ -5,7 +5,7 @@
     <p:sldMasterId id="2147483689" r:id="rId1"/>
   </p:sldMasterIdLst>
   <p:notesMasterIdLst>
-    <p:notesMasterId r:id="rId53"/>
+    <p:notesMasterId r:id="rId54"/>
   </p:notesMasterIdLst>
   <p:sldIdLst>
     <p:sldId id="256" r:id="rId2"/>
@@ -58,7 +58,8 @@
     <p:sldId id="330" r:id="rId49"/>
     <p:sldId id="331" r:id="rId50"/>
     <p:sldId id="332" r:id="rId51"/>
-    <p:sldId id="283" r:id="rId52"/>
+    <p:sldId id="333" r:id="rId52"/>
+    <p:sldId id="283" r:id="rId53"/>
   </p:sldIdLst>
   <p:sldSz cx="12192000" cy="6858000"/>
   <p:notesSz cx="6858000" cy="9144000"/>
@@ -10243,6 +10244,99 @@
 </file>
 
 <file path=ppt/slides/slide51.xml><?xml version="1.0" encoding="utf-8"?>
+<p:sld xmlns:a="http://schemas.openxmlformats.org/drawingml/2006/main" xmlns:r="http://schemas.openxmlformats.org/officeDocument/2006/relationships" xmlns:p="http://schemas.openxmlformats.org/presentationml/2006/main">
+  <p:cSld>
+    <p:spTree>
+      <p:nvGrpSpPr>
+        <p:cNvPr id="1" name=""/>
+        <p:cNvGrpSpPr/>
+        <p:nvPr/>
+      </p:nvGrpSpPr>
+      <p:grpSpPr>
+        <a:xfrm>
+          <a:off x="0" y="0"/>
+          <a:ext cx="0" cy="0"/>
+          <a:chOff x="0" y="0"/>
+          <a:chExt cx="0" cy="0"/>
+        </a:xfrm>
+      </p:grpSpPr>
+      <p:sp>
+        <p:nvSpPr>
+          <p:cNvPr id="2" name="Title 1">
+            <a:extLst>
+              <a:ext uri="{FF2B5EF4-FFF2-40B4-BE49-F238E27FC236}">
+                <a16:creationId xmlns:a16="http://schemas.microsoft.com/office/drawing/2014/main" id="{D5AEFC79-C96D-1837-93A8-297D73E7E2D2}"/>
+              </a:ext>
+            </a:extLst>
+          </p:cNvPr>
+          <p:cNvSpPr>
+            <a:spLocks noGrp="1"/>
+          </p:cNvSpPr>
+          <p:nvPr>
+            <p:ph type="title"/>
+          </p:nvPr>
+        </p:nvSpPr>
+        <p:spPr/>
+        <p:txBody>
+          <a:bodyPr/>
+          <a:lstStyle/>
+          <a:p>
+            <a:r>
+              <a:rPr lang="en-US" dirty="0"/>
+              <a:t>Common HTML Events</a:t>
+            </a:r>
+          </a:p>
+        </p:txBody>
+      </p:sp>
+      <p:pic>
+        <p:nvPicPr>
+          <p:cNvPr id="5" name="Content Placeholder 4" descr="A screenshot of a computer&#10;&#10;Description automatically generated">
+            <a:extLst>
+              <a:ext uri="{FF2B5EF4-FFF2-40B4-BE49-F238E27FC236}">
+                <a16:creationId xmlns:a16="http://schemas.microsoft.com/office/drawing/2014/main" id="{AD4F0FB3-9C5F-042A-CA74-6BDE238FF812}"/>
+              </a:ext>
+            </a:extLst>
+          </p:cNvPr>
+          <p:cNvPicPr>
+            <a:picLocks noGrp="1" noChangeAspect="1"/>
+          </p:cNvPicPr>
+          <p:nvPr>
+            <p:ph idx="1"/>
+          </p:nvPr>
+        </p:nvPicPr>
+        <p:blipFill>
+          <a:blip r:embed="rId2">
+            <a:extLst>
+              <a:ext uri="{28A0092B-C50C-407E-A947-70E740481C1C}">
+                <a14:useLocalDpi xmlns:a14="http://schemas.microsoft.com/office/drawing/2010/main" val="0"/>
+              </a:ext>
+            </a:extLst>
+          </a:blip>
+          <a:stretch>
+            <a:fillRect/>
+          </a:stretch>
+        </p:blipFill>
+        <p:spPr>
+          <a:xfrm>
+            <a:off x="0" y="2045399"/>
+            <a:ext cx="12191999" cy="3911790"/>
+          </a:xfrm>
+        </p:spPr>
+      </p:pic>
+    </p:spTree>
+    <p:extLst>
+      <p:ext uri="{BB962C8B-B14F-4D97-AF65-F5344CB8AC3E}">
+        <p14:creationId xmlns:p14="http://schemas.microsoft.com/office/powerpoint/2010/main" val="1498019074"/>
+      </p:ext>
+    </p:extLst>
+  </p:cSld>
+  <p:clrMapOvr>
+    <a:masterClrMapping/>
+  </p:clrMapOvr>
+</p:sld>
+</file>
+
+<file path=ppt/slides/slide52.xml><?xml version="1.0" encoding="utf-8"?>
 <p:sld xmlns:a="http://schemas.openxmlformats.org/drawingml/2006/main" xmlns:r="http://schemas.openxmlformats.org/officeDocument/2006/relationships" xmlns:p="http://schemas.openxmlformats.org/presentationml/2006/main">
   <p:cSld>
     <p:spTree>

--- a/slides/Module 3 - Data Types.pptx
+++ b/slides/Module 3 - Data Types.pptx
@@ -5,7 +5,7 @@
     <p:sldMasterId id="2147483689" r:id="rId1"/>
   </p:sldMasterIdLst>
   <p:notesMasterIdLst>
-    <p:notesMasterId r:id="rId54"/>
+    <p:notesMasterId r:id="rId55"/>
   </p:notesMasterIdLst>
   <p:sldIdLst>
     <p:sldId id="256" r:id="rId2"/>
@@ -15,51 +15,52 @@
     <p:sldId id="287" r:id="rId6"/>
     <p:sldId id="288" r:id="rId7"/>
     <p:sldId id="289" r:id="rId8"/>
-    <p:sldId id="290" r:id="rId9"/>
-    <p:sldId id="291" r:id="rId10"/>
-    <p:sldId id="292" r:id="rId11"/>
-    <p:sldId id="293" r:id="rId12"/>
-    <p:sldId id="294" r:id="rId13"/>
-    <p:sldId id="295" r:id="rId14"/>
-    <p:sldId id="296" r:id="rId15"/>
-    <p:sldId id="297" r:id="rId16"/>
-    <p:sldId id="298" r:id="rId17"/>
-    <p:sldId id="299" r:id="rId18"/>
-    <p:sldId id="300" r:id="rId19"/>
-    <p:sldId id="301" r:id="rId20"/>
-    <p:sldId id="302" r:id="rId21"/>
-    <p:sldId id="303" r:id="rId22"/>
-    <p:sldId id="304" r:id="rId23"/>
-    <p:sldId id="305" r:id="rId24"/>
-    <p:sldId id="306" r:id="rId25"/>
-    <p:sldId id="307" r:id="rId26"/>
-    <p:sldId id="308" r:id="rId27"/>
-    <p:sldId id="309" r:id="rId28"/>
-    <p:sldId id="310" r:id="rId29"/>
-    <p:sldId id="311" r:id="rId30"/>
-    <p:sldId id="312" r:id="rId31"/>
-    <p:sldId id="313" r:id="rId32"/>
-    <p:sldId id="314" r:id="rId33"/>
-    <p:sldId id="315" r:id="rId34"/>
-    <p:sldId id="316" r:id="rId35"/>
-    <p:sldId id="317" r:id="rId36"/>
-    <p:sldId id="318" r:id="rId37"/>
-    <p:sldId id="319" r:id="rId38"/>
-    <p:sldId id="320" r:id="rId39"/>
-    <p:sldId id="321" r:id="rId40"/>
-    <p:sldId id="322" r:id="rId41"/>
-    <p:sldId id="323" r:id="rId42"/>
-    <p:sldId id="324" r:id="rId43"/>
-    <p:sldId id="325" r:id="rId44"/>
-    <p:sldId id="326" r:id="rId45"/>
-    <p:sldId id="327" r:id="rId46"/>
-    <p:sldId id="328" r:id="rId47"/>
-    <p:sldId id="329" r:id="rId48"/>
-    <p:sldId id="330" r:id="rId49"/>
-    <p:sldId id="331" r:id="rId50"/>
-    <p:sldId id="332" r:id="rId51"/>
-    <p:sldId id="333" r:id="rId52"/>
-    <p:sldId id="283" r:id="rId53"/>
+    <p:sldId id="334" r:id="rId9"/>
+    <p:sldId id="290" r:id="rId10"/>
+    <p:sldId id="291" r:id="rId11"/>
+    <p:sldId id="292" r:id="rId12"/>
+    <p:sldId id="293" r:id="rId13"/>
+    <p:sldId id="294" r:id="rId14"/>
+    <p:sldId id="295" r:id="rId15"/>
+    <p:sldId id="296" r:id="rId16"/>
+    <p:sldId id="297" r:id="rId17"/>
+    <p:sldId id="298" r:id="rId18"/>
+    <p:sldId id="299" r:id="rId19"/>
+    <p:sldId id="300" r:id="rId20"/>
+    <p:sldId id="301" r:id="rId21"/>
+    <p:sldId id="302" r:id="rId22"/>
+    <p:sldId id="303" r:id="rId23"/>
+    <p:sldId id="304" r:id="rId24"/>
+    <p:sldId id="305" r:id="rId25"/>
+    <p:sldId id="306" r:id="rId26"/>
+    <p:sldId id="307" r:id="rId27"/>
+    <p:sldId id="308" r:id="rId28"/>
+    <p:sldId id="309" r:id="rId29"/>
+    <p:sldId id="310" r:id="rId30"/>
+    <p:sldId id="311" r:id="rId31"/>
+    <p:sldId id="312" r:id="rId32"/>
+    <p:sldId id="313" r:id="rId33"/>
+    <p:sldId id="314" r:id="rId34"/>
+    <p:sldId id="315" r:id="rId35"/>
+    <p:sldId id="316" r:id="rId36"/>
+    <p:sldId id="317" r:id="rId37"/>
+    <p:sldId id="318" r:id="rId38"/>
+    <p:sldId id="319" r:id="rId39"/>
+    <p:sldId id="320" r:id="rId40"/>
+    <p:sldId id="321" r:id="rId41"/>
+    <p:sldId id="322" r:id="rId42"/>
+    <p:sldId id="323" r:id="rId43"/>
+    <p:sldId id="324" r:id="rId44"/>
+    <p:sldId id="325" r:id="rId45"/>
+    <p:sldId id="326" r:id="rId46"/>
+    <p:sldId id="327" r:id="rId47"/>
+    <p:sldId id="328" r:id="rId48"/>
+    <p:sldId id="329" r:id="rId49"/>
+    <p:sldId id="330" r:id="rId50"/>
+    <p:sldId id="331" r:id="rId51"/>
+    <p:sldId id="332" r:id="rId52"/>
+    <p:sldId id="333" r:id="rId53"/>
+    <p:sldId id="283" r:id="rId54"/>
   </p:sldIdLst>
   <p:sldSz cx="12192000" cy="6858000"/>
   <p:notesSz cx="6858000" cy="9144000"/>
@@ -166,6 +167,1324 @@
 </p:presentation>
 </file>
 
+<file path=ppt/ink/ink1.xml><?xml version="1.0" encoding="utf-8"?>
+<inkml:ink xmlns:inkml="http://www.w3.org/2003/InkML">
+  <inkml:definitions>
+    <inkml:context xml:id="ctx0">
+      <inkml:inkSource xml:id="inkSrc0">
+        <inkml:traceFormat>
+          <inkml:channel name="X" type="integer" max="32767" units="cm"/>
+          <inkml:channel name="Y" type="integer" max="32767" units="cm"/>
+          <inkml:channel name="F" type="integer" max="1024" units="dev"/>
+          <inkml:channel name="T" type="integer" max="2.14748E9" units="dev"/>
+        </inkml:traceFormat>
+        <inkml:channelProperties>
+          <inkml:channelProperty channel="X" name="resolution" value="325.74808" units="1/cm"/>
+          <inkml:channelProperty channel="Y" name="resolution" value="571.84991" units="1/cm"/>
+          <inkml:channelProperty channel="F" name="resolution" value="4.0315E-5" units="1/dev"/>
+          <inkml:channelProperty channel="T" name="resolution" value="1" units="1/dev"/>
+        </inkml:channelProperties>
+      </inkml:inkSource>
+      <inkml:timestamp xml:id="ts0" timeString="2023-08-10T13:11:11.553"/>
+    </inkml:context>
+    <inkml:brush xml:id="br0">
+      <inkml:brushProperty name="width" value="0.05292" units="cm"/>
+      <inkml:brushProperty name="height" value="0.05292" units="cm"/>
+      <inkml:brushProperty name="color" value="#FF0000"/>
+    </inkml:brush>
+  </inkml:definitions>
+  <inkml:trace contextRef="#ctx0" brushRef="#br0">4516 11576 200 0,'0'0'0'0,"0"0"0"16,0 0 0-16,0 0 0 16,-6 16 0-16,-2 12 0 15,3 11 0-15,0 7 0 16,-1 11 0-1,-2 11 0 1,1 3 0-16,1 6 0 16,2 2 0-1,0 2 0-15,1-2 0 16,2-1 0 0,0-4 0-16,1-3 0 15,2-10 0 1,1-5 0-16,-2-8 0 15,-2-10 0 1,1-9 0-16,0-7 0 16,0-6 0-16,0-4 0 15,0-12 0 1,0 0 0-16,0 0 0 16,0 0 0-1,0 0 0 1,-9-4 0-16,-1-9 0 15</inkml:trace>
+  <inkml:trace contextRef="#ctx0" brushRef="#br0" timeOffset="528.6">4457 10954 200 0,'0'0'0'0,"0"0"0"16,0 0 0-16,0 0 0 31,0 0 0-31,0 0 0 0,0 0 0 16,0 0 0-1,0 0 0 1,0 0 0-16,0 0 0 0,0 0 0 31,0 0 0-15</inkml:trace>
+  <inkml:trace contextRef="#ctx0" brushRef="#br0" timeOffset="1528.99">4903 11626 200 0,'3'47'0'16,"-2"30"0"-16,3 10 0 16,-1 9 0-1,-2 1 0-15,2 2 0 16,0-3 0-16,2-3 0 15,-1-11 0 1,0-13 0-16,3-9 0 16,-3-11 0-1,0-16 0-15,1-12 0 16,-5-21 0 0,-2 0 0-16,-2-23 0 15,-2-28 0 1,6-23 0-1,10-14 0 1,8-5 0 0,11-3 0-16,9 1 0 0,10 6 0 15,14 6 0 1,6 10 0-16,4 17 0 31,-3 17 0-31,-3 17 0 0,-3 19 0 16,-6 20 0-16,-3 17 0 15,-6 16 0 17,-5 13 0-32,-8 11 0 0,-2 11 0 31,-10 3 0-31,-3 3 0 16,-8-3 0-1,-5-7 0-15,-1-10 0 16,-3-10 0-1,0-8 0 1,2-15 0-16,2-16 0 16</inkml:trace>
+  <inkml:trace contextRef="#ctx0" brushRef="#br0" timeOffset="2007.14">6476 11107 200 0,'3'22'0'0,"3"26"0"16,4 26 0-1,-7 18 0 1,-3 22 0-16,-2 11 0 16,1 4 0-1,1-1 0-15,5 1 0 16,5-6 0-16,2-10 0 16,-5-11 0-1,-3-10 0 1,-6-11 0-16,-7-12 0 15,-8-16 0 1</inkml:trace>
+  <inkml:trace contextRef="#ctx0" brushRef="#br0" timeOffset="2355.07">6030 12112 200 0,'27'-1'0'15,"27"-2"0"-15,27-3 0 0,23 0 0 16,20-4 0 0,17 2 0-1,15 0 0-15,6 4 0 16,4 6 0 0,1 6 0-16,-8 1 0 15,-17-3 0-15</inkml:trace>
+  <inkml:trace contextRef="#ctx0" brushRef="#br0" timeOffset="3349.17">8234 12044 200 0,'3'43'0'0,"1"27"0"15,3 8 0 1,2-1 0 0,-2-6 0-16,-3-11 0 15,0-10 0 1,-1-11 0-16,0-13 0 16,-1-11 0-16,-2-15 0 31,0 0 0-31,1-15 0 15,7-35 0-15,9-25 0 16,13-17 0 0,17-7 0-1,14 3 0-15,13 11 0 16,6 17 0 0,7 25 0-16,-7 23 0 15,-6 27 0-15,-8 27 0 16,-14 19 0-16,-13 12 0 31,-12 7 0-15,-9 3 0-16,-10-7 0 15,-4-8 0-15,-2-10 0 16,1-11 0-16,0-16 0 16</inkml:trace>
+  <inkml:trace contextRef="#ctx0" brushRef="#br0" timeOffset="3871.02">9362 11907 200 0,'-11'40'0'16,"-11"31"0"-16,-1 22 0 15,-2 15 0 1,4-6 0-16,9-15 0 16,12-19 0-1,6-14 0 1,5-17 0-16,8-16 0 15,6-16 0-15,8-18 0 16,7-17 0 0,1-17 0-16,1-15 0 15,0-10 0 1,-6-5 0 0,-7 1 0-16,-7 12 0 15,-6 15 0 1,-3 14 0-16,-2 16 0 15,-4 16 0-15,-2 18 0 16,2 25 0 0,-2 21 0-1,3 11 0-15,3-4 0 16,6-9 0-16,3-12 0 16,7-11 0-1,6-12 0 1,9-12 0-16</inkml:trace>
+  <inkml:trace contextRef="#ctx0" brushRef="#br0" timeOffset="4543.64">10027 12070 200 0,'6'55'0'16,"2"28"0"-16,-2 4 0 15,-1-15 0-15,0-17 0 16,-1-19 0-16,-1-14 0 31,-2-9 0-31,-1-13 0 16,0 0 0-16,0 0 0 0,-1-13 0 31,1-17 0-31,6-20 0 16,4-12 0-1,10-3 0-15,8 4 0 16,3 11 0-16,3 12 0 15,1 14 0 1,-1 16 0 0,-2 17 0-16,-3 18 0 15,-7 14 0-15,-8 6 0 16,-3-7 0 0,-4-9 0-1,-1-10 0-15,0-8 0 0,4-8 0 16,7-12 0-1,12-20 0-15,9-21 0 16,6-12 0 0,4-3 0-1,0 10 0-15,-4 16 0 16,-1 20 0 0,-5 23 0-16,-2 27 0 15,-12 34 0 1,-8 18 0-1,-2 0 0-15,1-10 0 16,6-11 0 0,8-17 0-1</inkml:trace>
+  <inkml:trace contextRef="#ctx0" brushRef="#br0" timeOffset="5051.76">11524 12146 200 0,'0'0'0'0,"0"0"0"16,0 0 0-16,30-1 0 15,28-2 0 1,23-2 0-16,20-4 0 15,11-2 0-15,5-3 0 16,-5 0 0 0,-14 4 0-1,-20-1 0-15</inkml:trace>
+  <inkml:trace contextRef="#ctx0" brushRef="#br0" timeOffset="5289.94">11449 12462 200 0,'0'0'0'0,"20"-5"0"15,33-5 0-15,27-5 0 16,25-2 0-1,16-1 0-15,7 1 0 16,-1 1 0 0,0-3 0-16</inkml:trace>
+  <inkml:trace contextRef="#ctx0" brushRef="#br0" timeOffset="6035.86">13274 11379 200 0,'0'0'0'0,"0"0"0"16,0 0 0-16,-11 14 0 16,-1 10 0-1,6 8 0-15,1 9 0 16,0 11 0 0,-4 8 0-16,-4 3 0 15,-1-5 0 1,3-6 0-16,4-9 0 15,1-7 0 1,2-8 0-16,1-9 0 16,0-8 0-1,3-11 0-15,4-1 0 16,8-14 0 0,14-17 0-16,17-10 0 15,16-2 0 1,20 5 0-16,22 8 0 15,15 10 0 1,8 19 0-16,-4 20 0 16,-15 22 0-1,-25 20 0-15,-33 13 0 16,-34 5 0 0,-32-2 0-16,-25-10 0 15,-22-13 0 1,-14-8 0-16,-15-9 0 15,-8-6 0 1,-3-11 0-16</inkml:trace>
+  <inkml:trace contextRef="#ctx0" brushRef="#br0" timeOffset="6436.9">13140 11473 200 0,'72'-12'0'0,"48"-10"0"0,17-6 0 16,8-4 0-1,6 3 0-15,-1 1 0 32,-8 4 0-32,-9 5 0 15,-24-1 0 1</inkml:trace>
+  <inkml:trace contextRef="#ctx0" brushRef="#br0" timeOffset="6709.31">14637 11431 200 0,'0'0'0'0,"-6"16"0"16,-3 4 0-16</inkml:trace>
+  <inkml:trace contextRef="#ctx0" brushRef="#br0" timeOffset="7145.44">14755 11992 200 0,'23'16'0'0,"9"13"0"15,-8 10 0 1,-13 5 0-16,-13 6 0 16,-17 4 0-1,-8 0 0-15,-5 1 0 16,-4 2 0-1,-8 3 0-15,-6-2 0 16</inkml:trace>
+  <inkml:trace contextRef="#ctx0" brushRef="#br0" timeOffset="12016.2">4424 13510 200 0,'0'0'0'16,"0"0"0"-16,3 28 0 15,2 25 0 1,1 22 0-16,-1 16 0 15,3 13 0 1,-3 6 0 0,5 1 0 15,-1-3 0-15,4-3 0-16,-2-11 0 0,0-5 0 0,-3-9 0 0,-3-12 0 15,0-8 0 1,-1-14 0-16,-1-13 0 15,-2-8 0-15,4-7 0 16,-2-7 0 0,-3-11 0-1,0 0 0-15,0 0 0 16,0 0 0-16,0 0 0 31,0 0 0-31,0 0 0 0,0 0 0 16,0 0 0-16,0 0 0 15,0 0 0 1,0 0 0-16,0 0 0 16,0 0 0-1,0 0 0-15,0 0 0 16,0 0 0-16,0 0 0 16,0 0 0-1,0 0 0-15,0 0 0 16,0 0 0-16,0 0 0 15,0 0 0 1,0 0 0 0,0 0 0-16,0 0 0 15,0 0 0 1,0 0 0 0,0 0 0-16,0 0 0 15,3 9 0 1,2 3 0-16,5 2 0 0,9 0 0 15,9 2 0 1,8 0 0 0,11-7 0-1,10-10 0-15,5-9 0 16,3-4 0 0,1-8 0-16,2-6 0 15,-3-4 0 1,1-4 0-16,-4-5 0 15,-7-7 0 1,-9-5 0-16,-8-6 0 16,-11-2 0-1,-14-2 0 1,-13 0 0-16,-17 2 0 16,-13 1 0-1,-14 7 0-15,-12 9 0 16,-12 13 0-16,-10 13 0 15,-10 18 0 1,-2 14 0 0,2 17 0-16,8 12 0 15,12 14 0 1,14 13 0-16,14 5 0 16,16-3 0-1,22-11 0-15,16-10 0 16,12-16 0-16,12-13 0 15,9-19 0 1</inkml:trace>
+  <inkml:trace contextRef="#ctx0" brushRef="#br0" timeOffset="12729.51">5963 14566 200 0,'0'-23'0'0,"-5"-15"0"0,-6-4 0 31,-11-4 0-31,-10-1 0 0,-11 4 0 16,-8 9 0-1,-8 9 0 1,-6 15 0-16,0 15 0 16,1 21 0-16,5 25 0 15,7 25 0 1,13 17 0 0,12 1 0-16,16-10 0 15,23-16 0 1,19-15 0-1,22-19 0 1,18-19 0-16,13-17 0 16,10-13 0-16,2-10 0 0,-5-7 0 15,-4-6 0 17,-14-3 0-32,-18-4 0 15,-15-6 0-15,-16-1 0 16,-16-5 0-16,-16 0 0 15,-12 3 0 1,-11 9 0-16,-7 8 0 16,-1 8 0-16,3 9 0 15,2 9 0 1,6 8 0-16,8 1 0 16,20 2 0-1</inkml:trace>
+  <inkml:trace contextRef="#ctx0" brushRef="#br0" timeOffset="13278.26">6753 14694 200 0,'8'-13'0'0,"-4"-16"0"16,-8-12 0-16,-11-10 0 15,-12-4 0 1,-14 0 0-16,-12 4 0 15,-10 9 0 1,-4 14 0-16,-5 16 0 16,3 18 0-1,6 21 0-15,6 26 0 16,10 21 0 0,15 11 0-16,16 3 0 15,23-11 0 1,25-9 0-16,20-16 0 15,23-20 0 1,13-18 0-16,7-14 0 16,1-14 0-1,-11-7 0-15,-11-5 0 16,-14-3 0 0,-16-9 0-16,-15-7 0 15,-18-7 0 1,-13-2 0-16,-10 5 0 15,-3 8 0 1,-3 10 0 0</inkml:trace>
+  <inkml:trace contextRef="#ctx0" brushRef="#br0" timeOffset="13772.78">7023 13817 200 0,'0'0'0'0,"0"0"0"0,0 0 0 15,0 0 0 1,0 0 0-16,0 0 0 16,0 0 0-1,-6 16 0-15,-1 15 0 16,5 13 0-1,7 19 0 1,3 24 0-16,4 19 0 16,-1 12 0-16,-2-1 0 15,-1-10 0 1,1-18 0-16,-2-16 0 16,-1-15 0-1,1-16 0 1,-2-15 0-16,2-10 0 15,-7-17 0-15,4 0 0 16</inkml:trace>
+  <inkml:trace contextRef="#ctx0" brushRef="#br0" timeOffset="15276.41">7200 14533 200 0,'5'30'0'0,"10"4"0"15,15-11 0-15,6-14 0 16,7-18 0-1,7-16 0 1,3-14 0-16,1-8 0 16,-4-3 0-1,-9 3 0-15,-6 1 0 16,-13 6 0 0,-12 8 0-16,-10 4 0 15,-13 10 0 1,-18 15 0-16,-15 18 0 15,-6 15 0 1,-2 22 0-16,1 24 0 16,8 20 0-1,14 1 0 1,16-18 0-16,21-21 0 16,18-21 0-16,21-22 0 15,16-22 0 1,11-18 0-16,11-18 0 15,-1-12 0 1,-5 1 0-16</inkml:trace>
+  <inkml:trace contextRef="#ctx0" brushRef="#br0" timeOffset="15804.34">8184 14533 200 0,'-4'-21'0'16,"-5"-15"0"-16,-5-7 0 16,-6-2 0-16,-6 4 0 15,-7 7 0 1,-10 7 0-1,-7 15 0-15,-1 17 0 16,0 19 0-16,5 21 0 16,9 22 0-1,8 13 0 1,11-7 0-16,9-15 0 16,15-16 0-16,13-16 0 15,13-20 0 1,10-16 0-16,8-16 0 15,3-9 0 1,-3-9 0-16,-9-1 0 16,-9 4 0-1,-5 7 0-15,-9 12 0 16,-1 16 0 0,1 17 0-16,-4 20 0 15,3 13 0 1,4 2 0-1,6-6 0-15,6-11 0 16,2-15 0-16,5-12 0 16,-5-16 0-1,-7-12 0-15</inkml:trace>
+  <inkml:trace contextRef="#ctx0" brushRef="#br0" timeOffset="16219">8462 14260 200 0,'4'63'0'0,"5"26"0"16,3 1 0-1,-2-15 0-15,-3-23 0 16,-1-18 0-1,-2-15 0-15,-1-7 0 16,-3-12 0 0,1-1 0-1,1-19 0-15,7-30 0 16,9-23 0-16,14-17 0 16,11 0 0-1,11 12 0-15,6 16 0 16,5 27 0-1,4 23 0-15,0 25 0 16,-5 27 0 0,-12 27 0-1,-12 19 0-15,-12 3 0 32,-8-12 0-32,0-13 0 15,-2-18 0 1</inkml:trace>
+  <inkml:trace contextRef="#ctx0" brushRef="#br0" timeOffset="18030.75">10128 13927 200 0,'0'0'0'16,"0"0"0"-16,0 0 0 16,0 0 0-1,0 21 0-15,-2 25 0 16,3 20 0-16,1 16 0 15,-1 10 0 1,-1-1 0-16,-2-3 0 16,0-11 0-16,-1-15 0 15,3-9 0 1,-1-13 0-16,-1-13 0 16,2-9 0-1,0-8 0-15,0-10 0 16,0 0 0-1,0 0 0-15,0 0 0 16,0 0 0 0,0 0 0-1,0 0 0-15,1-2 0 0,2-2 0 16,4-1 0 0,6 5 0-16,10 1 0 15,12 3 0 1,11 0 0-1,7-5 0-15,5-3 0 16,3-9 0 0,-3-5 0-1,-10 1 0-15,-7-6 0 16,-9-2 0-16,-10-3 0 16,-8-8 0-1,-12-6 0-15,-12-7 0 16,-15 2 0-1,-15 8 0 1,-14 10 0-16,-6 16 0 16,-4 14 0-1,2 20 0-15,3 22 0 16,7 20 0 0,14 12 0-1,16-2 0-15,18-11 0 16,21-12 0-1,21-19 0-15,18-23 0 16,8-17 0 0</inkml:trace>
+  <inkml:trace contextRef="#ctx0" brushRef="#br0" timeOffset="18552.95">10943 14643 200 0,'0'-21'0'0,"-2"-14"0"15,-7-6 0-15,-10-4 0 16,-8 1 0-1,0 5 0-15,-3 8 0 16,-2 12 0 0,0 13 0-16,-1 18 0 15,-1 22 0 1,1 28 0-16,5 16 0 16,13-4 0-1,14-13 0-15,17-19 0 16,16-17 0-1,12-21 0-15,9-17 0 16,8-17 0 0,-3-13 0-1,-5-7 0-15,-11-5 0 16,-18 1 0 0,-12 6 0-16,-14 9 0 15,-11 10 0 1,-10 9 0-16,-9 12 0 15,-5 11 0-15,-1 9 0 16,5 6 0 0,8-2 0-16,25-16 0 15</inkml:trace>
+  <inkml:trace contextRef="#ctx0" brushRef="#br0" timeOffset="18966.9">11524 14626 200 0,'1'-28'0'0,"-6"-18"0"16,-11-7 0-1,-17 1 0-15,-9 9 0 16,-12 11 0 0,-5 16 0-16,0 20 0 15,-4 20 0 1,6 24 0-16,7 14 0 16,14 3 0-1,20-5 0-15,25-11 0 16,21-15 0-1,17-10 0-15,21-18 0 16,9-19 0 0,-2-11 0-1,-5-8 0-15,-12-12 0 16,-9-6 0 0,-14-2 0-1</inkml:trace>
+  <inkml:trace contextRef="#ctx0" brushRef="#br0" timeOffset="19285.25">11776 14021 200 0,'0'0'0'15,"7"16"0"-15,2 19 0 16,-5 18 0 0,-7 24 0-16,-8 20 0 15,-4 7 0 1,3-5 0-16,2-15 0 15,5-15 0 1,2-16 0-16,1-16 0 16</inkml:trace>
+  <inkml:trace contextRef="#ctx0" brushRef="#br0" timeOffset="20012.14">12424 14464 200 0,'49'-10'0'31,"34"-4"0"-31,20 4 0 16,9 0 0-1,-6 6 0 1,-15 4 0-16,-18 2 0 15,-18-3 0 1</inkml:trace>
+  <inkml:trace contextRef="#ctx0" brushRef="#br0" timeOffset="20253">12408 14601 200 0,'86'-10'0'0,"43"-4"0"15,5-2 0-15,-13-1 0 16,-23-2 0-1</inkml:trace>
+  <inkml:trace contextRef="#ctx0" brushRef="#br0" timeOffset="20743.58">14015 14157 200 0,'19'-43'0'0,"2"-17"0"0,-9 4 0 16,-18 10 0-1,-16 13 0-15,-18 11 0 16,-15 15 0 0,-11 13 0-16,-7 19 0 15,-1 13 0 1,1 19 0-1,8 21 0 1,9 22 0-16,9 7 0 16,13-5 0-16,14-15 0 15,10-21 0-15,5-19 0 16,3-16 0 0,-1-11 0-16,-3-11 0 15,-2-10 0 1</inkml:trace>
+  <inkml:trace contextRef="#ctx0" brushRef="#br0" timeOffset="20949.45">13199 14524 200 0,'0'0'0'0,"0"0"0"0,20 9 0 0,21 0 0 31,16-1 0-31,19-2 0 16,11 0 0-1,7 5 0-15,2 0 0 0</inkml:trace>
+  <inkml:trace contextRef="#ctx0" brushRef="#br0" timeOffset="21409.91">14208 14669 200 0,'1'-37'0'0,"-8"-15"0"15,-11 4 0-15,-12 11 0 79,-9 15 0-79,-3 15 0 0,-6 17 0 0,2 14 0 0,4 16 0 0,7 4 0 0,13 1 0 15,17-5 0 48,16-7 0-63,14-6 0 0,13-11 0 0,3-10 0 0,4-6 0 0,-3-4 0 0,-4-6 0 15,0-2 0 1,-2 2 0-16,-7 6 0 16,-4 9 0-1,-3 12 0-15,-2 11 0 16,4 5 0-1,1-1 0 1,11-11 0-16,4-17 0 16</inkml:trace>
+  <inkml:trace contextRef="#ctx0" brushRef="#br0" timeOffset="21702.53">14654 14004 200 0,'0'0'0'0,"0"0"0"15,-4 19 0-15,-3 26 0 16,-2 28 0-1,-3 16 0 1,-3 8 0 0,6-8 0-16,14-14 0 0,8-18 0 31,6-20 0-31,3-22 0 16</inkml:trace>
+  <inkml:trace contextRef="#ctx0" brushRef="#br0" timeOffset="22217.9">15176 14422 200 0,'6'-10'0'0,"0"-4"0"16,-5-2 0-16,-11 0 0 16,-14 3 0-1,-12 5 0-15,-10 5 0 16,-7 3 0 0,-2 3 0-1,2 4 0-15,4 2 0 16,8-2 0-1,9 2 0-15,11 2 0 16,14 1 0 0,19 1 0-16,20 1 0 0,18 3 0 31,20 5 0-31,15 5 0 16,14 4 0-1,0 7 0-15,-7 3 0 16,-20-1 0-1,-25-3 0-15,-24-8 0 16,-19-8 0 0,-19-6 0-16,-12-9 0 15,-12-7 0 1,-11-3 0-16,1-5 0 16,5-8 0-1</inkml:trace>
+  <inkml:trace contextRef="#ctx0" brushRef="#br0" timeOffset="22695.84">15605 14659 200 0,'21'-2'0'0,"10"-4"0"15,8-3 0-15,1-3 0 16,1-2 0 0,-6-3 0-16,-10-5 0 15,-11-4 0 1,-14-4 0-16,-17-1 0 15,-14 1 0 1,-13 8 0-16,-10 11 0 16,-8 19 0-1,-3 16 0 1,3 12 0-16,9 9 0 16,16 1 0-16,24 1 0 15,26-4 0 1,23-3 0-16,19-6 0 15,17-4 0 1,7-6 0-16,-3-6 0 31,-5-8 0-31,-5-10 0 0,-5-16 0 32</inkml:trace>
+  <inkml:trace contextRef="#ctx0" brushRef="#br0" timeOffset="23054.72">16202 14379 200 0,'0'0'0'16,"0"0"0"-16,0 0 0 16,6 14 0-1,5 6 0-15</inkml:trace>
+  <inkml:trace contextRef="#ctx0" brushRef="#br0" timeOffset="23440.35">16295 14822 200 0,'40'40'0'0,"21"23"0"0,-1 11 0 16,-10 1 0-1,-17-3 0 1,-17-6 0-16,-23-6 0 16,-25-7 0-16,-20-9 0 15,-16-18 0 1</inkml:trace>
+  <inkml:trace contextRef="#ctx0" brushRef="#br0" timeOffset="24891.7">4726 16032 200 0,'6'-36'0'0,"-1"-22"0"0,-4-13 0 16,-5-3 0 0,-8 0 0-16,-6 5 0 15,-10 5 0-15,-7 5 0 31,-6 12 0-31,-3 12 0 16,1 15 0 0,1 17 0-16,8 17 0 15,1 26 0 1,7 28 0-16,2 32 0 16,13 30 0-1,11 18 0 1,11 0 0-16,12-3 0 15,4-9 0 1,8-6 0-16,-5-6 0 16,-2-7 0-16,-6-8 0 15,-6-11 0 1,-1-23 0-16,-8-20 0 16,-5-19 0-1,-7-20 0-15,-8-19 0 16,-8-20 0-1,-3-16 0-15,-7-13 0 16,-2-4 0 0</inkml:trace>
+  <inkml:trace contextRef="#ctx0" brushRef="#br0" timeOffset="25151.38">4146 16637 200 0,'0'0'0'0,"0"0"0"0,0 0 0 16,13 9 0-1,20 3 0-15,13-6 0 16,15-8 0 0,9-6 0-16,8-4 0 15,4-1 0 1,-1-3 0-16,-2-1 0 15,-4-3 0 1,-9-7 0-16</inkml:trace>
+  <inkml:trace contextRef="#ctx0" brushRef="#br0" timeOffset="25357.34">5089 16808 200 0</inkml:trace>
+  <inkml:trace contextRef="#ctx0" brushRef="#br0" timeOffset="25843.2">4987 15717 200 0,'-1'58'0'0,"-8"50"0"16,1 39 0-1,-3 19 0-15,4 1 0 16,5-15 0-1,2-23 0-15,2-19 0 16,3-19 0 0,-1-18 0-16,2-17 0 15,-2-18 0 1,-4-38 0-16,3-1 0 16,-1-41 0-1</inkml:trace>
+  <inkml:trace contextRef="#ctx0" brushRef="#br0" timeOffset="26335.05">5509 16705 200 0,'21'14'0'0,"6"2"0"0,-4-3 0 16,-9-5 0-16,-9-12 0 15,-9-17 0 1,-7-17 0-16,-7-12 0 16,-11-6 0-1,-10 3 0-15,-9 5 0 16,-8 18 0-1,-4 19 0-15,0 27 0 16,0 37 0 0,8 42 0-1,7 14 0-15,17-14 0 16,23-18 0-16,23-18 0 16,13-15 0-1,14-18 0-15,8-19 0 16,4-17 0-1,2-18 0 1,-6-17 0-16,-5-21 0 16,-13-12 0-1,-8-3 0-15,-13 12 0 16,-13 19 0 0</inkml:trace>
+  <inkml:trace contextRef="#ctx0" brushRef="#br0" timeOffset="26925.67">6013 16722 200 0,'-8'-17'0'0,"-12"-13"0"15,-9-6 0 1,-10-1 0-16,-7 7 0 16,-8 12 0-1,-3 21 0-15,-2 29 0 16,5 27 0-1,10 19 0-15,17-1 0 16,17-10 0 0,20-11 0-1,13-14 0-15,13-13 0 16,2-14 0-16,8-12 0 16,4-20 0-1,5-15 0-15,-2-16 0 16,-4-10 0-1,-7 0 0 1,-4 14 0-16,-13 22 0 16,-6 26 0-16,-4 24 0 15,-3 21 0 1,5 11 0-16,3-3 0 16,6-11 0-1,10-13 0-15,8-13 0 31,9-19 0-31,0-20 0 0,-3-19 0 16,-10-15 0 0,-11-13 0-16</inkml:trace>
+  <inkml:trace contextRef="#ctx0" brushRef="#br0" timeOffset="27202.78">6409 16134 200 0,'4'14'0'0,"6"21"0"16,2 30 0 0,-6 40 0-1,-4 33 0-15,-4 1 0 16,1-20 0-1,4-30 0-15,4-25 0 16,0-23 0 0,-3-15 0-16,-4-26 0 15,-3-7 0-15,-8-31 0 16,0-18 0 0</inkml:trace>
+  <inkml:trace contextRef="#ctx0" brushRef="#br0" timeOffset="27422.64">6183 16629 200 0,'24'15'0'16,"27"3"0"-16,25-6 0 15,19-10 0 1,12-8 0-16,5-5 0 15,-2-3 0 1,-5-3 0-16,-10-4 0 16,-17-5 0-1</inkml:trace>
+  <inkml:trace contextRef="#ctx0" brushRef="#br0" timeOffset="29725.54">7503 16066 200 0,'0'0'0'0,"0"0"0"15,-7 22 0 1,2 19 0-16,3 17 0 15,0 20 0 1,5 12 0-16,2 2 0 16,2-6 0-16,0-14 0 15,0-12 0 1,-4-12 0-16,0-12 0 16,-2-11 0-16,0-8 0 15,-1-17 0 1,0 0 0-1,-2 0 0-15,2-19 0 16,4-18 0-16,10-10 0 31,5-4 0-31,10 4 0 0,9 4 0 16,5 8 0 0,4 9 0-16,0 13 0 15,2 12 0-15,-5 16 0 31,-9 23 0-31,-8 18 0 0,-8 7 0 16,-3-4 0 0,-5-8 0-1,-1-12 0-15,2-15 0 16,2-15 0-16,5-13 0 16</inkml:trace>
+  <inkml:trace contextRef="#ctx0" brushRef="#br0" timeOffset="30237.54">8336 16697 200 0,'0'0'0'16,"0"0"0"-16,-2-21 0 15,-5-16 0-15,-5-7 0 16,-8 2 0 0,-5 3 0-16,-10 6 0 15,-4 16 0 1,-5 16 0 0,-3 20 0-16,6 15 0 15,7 9 0 1,12 1 0-16,16-6 0 15,12-6 0 1,12-9 0-16,7-10 0 16,12-9 0-1,1-8 0-15,4-6 0 16,-1-5 0 0,-6-1 0-16,-5-4 0 15,-8 4 0 1,-5 5 0-16,-8 6 0 15,-2 10 0-15,1 16 0 16,-1 14 0 0,2 11 0-16,7 1 0 15,6-4 0 1,6-7 0-16,6-11 0 16,6-12 0-1,1-17 0 1,-4-14 0-16</inkml:trace>
+  <inkml:trace contextRef="#ctx0" brushRef="#br0" timeOffset="30532.66">8655 16194 200 0,'0'0'0'0,"0"0"0"0,3 28 0 16,4 23 0-1,2 21 0 1,-4 17 0-16,-1 4 0 15,2-8 0-15,-1-14 0 16,-1-15 0 0,1-22 0-16</inkml:trace>
+  <inkml:trace contextRef="#ctx0" brushRef="#br0" timeOffset="30994.24">9202 16510 200 0,'27'-42'0'0,"5"-23"0"15,-10-8 0 1,-14 4 0 0,-13 6 0-16,-12 9 0 15,-4 12 0 1,-6 12 0-16,-5 17 0 16,-2 22 0-1,-3 19 0-15,-4 24 0 16,2 26 0-1,1 17 0-15,5 11 0 16,11-6 0 0,10-11 0-16,10-13 0 15,7-16 0 1,5-12 0-16,2-15 0 16,-3-14 0-1,-9-17 0 1,-6-19 0-16</inkml:trace>
+  <inkml:trace contextRef="#ctx0" brushRef="#br0" timeOffset="31235.25">8781 16688 200 0,'44'9'0'0,"28"2"0"15,16 0 0 1,3-1 0-16,-2-4 0 16,-6-3 0-1,-4-7 0-15,-4-40 0 16</inkml:trace>
+  <inkml:trace contextRef="#ctx0" brushRef="#br0" timeOffset="31707.1">10002 16407 200 0,'15'5'0'0,"14"5"0"16,20 1 0-16,14-2 0 16,10 3 0-1,7-2 0 1,2 0 0-16,-2-1 0 16,-13-3 0-16</inkml:trace>
+  <inkml:trace contextRef="#ctx0" brushRef="#br0" timeOffset="31977.98">9951 16620 200 0,'107'6'0'0,"42"2"0"16,3-5 0-1,-20-7 0-15</inkml:trace>
+  <inkml:trace contextRef="#ctx0" brushRef="#br0" timeOffset="32836.31">11264 16057 200 0,'-19'-9'0'16,"-1"-4"0"-16,5 3 0 15,10-3 0 1,20 1 0-16,27-5 0 15,18 1 0 1,10 3 0-16,12 4 0 16,6 5 0-1,8 6 0-15,-3 6 0 16,-11 7 0 0,-16 0 0-16,-21 5 0 15,-26-3 0 1,-27 0 0-16,-23 0 0 15,-17 0 0 1,-11 0 0-16,-2-2 0 16,3-3 0-1,7-2 0-15,13-2 0 16,11-2 0-16,15 0 0 16,18 2 0-1,20 3 0-15,23 6 0 16,24 6 0-1,18 9 0-15,7 7 0 16,-3 9 0 0,-11 3 0-16,-23 4 0 15,-27 4 0 1,-25-3 0-16,-24-4 0 16,-26-6 0-1,-19-6 0-15,-15-8 0 16,-8-9 0-1,-6-7 0 1,3-4 0-16,4-3 0 16,7-4 0-16,16-2 0 15,19-1 0 1,14-2 0-16,24-3 0 16</inkml:trace>
+  <inkml:trace contextRef="#ctx0" brushRef="#br0" timeOffset="33092.87">12264 16868 200 0,'0'0'0'16,"0"0"0"-1,0 0 0 1,0 0 0 0,0 0 0-16,0 0 0 15</inkml:trace>
+  <inkml:trace contextRef="#ctx0" brushRef="#br0" timeOffset="33933.4">12989 16126 200 0,'0'0'0'15,"0"0"0"-15,0 0 0 16,-13 11 0-16,-5 13 0 16,-7 6 0-1,-6 9 0-15,-3 3 0 16,0-2 0 0,0-1 0-1,3-2 0-15,1-3 0 16,4-7 0-16,5-5 0 15,7-9 0 1,5-4 0-16,9-9 0 16,0 0 0-16,0 0 0 15,13-5 0 1,19-7 0-16,17-4 0 16,14 3 0-1,13 6 0-15,12 15 0 16,7 17 0-1,4 13 0-15,-7 15 0 16,-14 9 0 0,-25 4 0-16,-25-1 0 15,-22-5 0 1,-21-8 0-16,-20-9 0 16,-14-6 0-1,-13-6 0-15,-9-10 0 16,-7-6 0-1,1-8 0 1,0-7 0-16,7-7 0 16,10-11 0-16,16-8 0 15</inkml:trace>
+  <inkml:trace contextRef="#ctx0" brushRef="#br0" timeOffset="34388.61">12871 16084 200 0,'0'0'0'16,"0"0"0"-16,0 0 0 15,0 0 0 1,21 0 0-16,19 0 0 16,15 2 0-1,12-1 0-15,12 0 0 16,18 3 0 0,7 1 0-16,7 3 0 15,-8 5 0-15,-12-1 0 16,-15-1 0-1,-13-4 0-15</inkml:trace>
+  <inkml:trace contextRef="#ctx0" brushRef="#br0" timeOffset="34721.92">14066 16424 200 0,'0'0'0'0,"0"0"0"15,0 0 0-15</inkml:trace>
+  <inkml:trace contextRef="#ctx0" brushRef="#br0" timeOffset="35123.46">14074 16884 200 0,'0'0'0'0,"11"14"0"16,11 14 0-16,5 5 0 16,-1 13 0-1,1 4 0-15,-9 6 0 16,-12 1 0-16,-20 0 0 31,-29 0 0-31,-25 0 0 0,-12 2 0 16</inkml:trace>
+  <inkml:trace contextRef="#ctx0" brushRef="#br0" timeOffset="139571.66">502 10109 200 0,'0'0'0'0,"0"0"0"15,0 0 0-15,0 0 0 47,0 0 0-47,11 9 0 0,7 9 0 0,10 8 0 16,7 5 0-16,14 7 0 47,15 1 0-47,10 1 0 0,10 3 0 0,9 1 0 15,1 2 0-15,6 1 0 16,-2-1 0 0,-5 1 0-16,-9-4 0 15,-11-5 0 1,-15-7 0 0</inkml:trace>
+  <inkml:trace contextRef="#ctx0" brushRef="#br0" timeOffset="140161.44">1024 10501 200 0,'3'29'0'0,"1"20"0"16,1 14 0-16,-5 5 0 16,-3 7 0-1,-8 2 0-15,-3 2 0 16,-2-8 0 0,3-4 0-16,1-8 0 15,-2-10 0 1,-3-11 0-16,-2-7 0 15,-14-8 0 1,-9-12 0-16,-9-15 0 16,-6-14 0-1,-3-10 0-15,-5-15 0 16,2-11 0 0,0-3 0-1,7 1 0-15,8 6 0 16,7 10 0-1,12 9 0-15,10 7 0 16,7 5 0-16,5 5 0 16</inkml:trace>
+  <inkml:trace contextRef="#ctx0" brushRef="#br0" timeOffset="141304.84">664 12002 200 0,'0'0'0'0,"0"0"0"16,0 0 0-16,16-14 0 0,26-14 0 15,20-7 0 1,13-3 0 0,13-3 0-16,3-1 0 15,6 2 0 1,-5-1 0-16,-2 5 0 15,-12 6 0 1,-8 3 0-16,-14 9 0 16,-11 5 0-16,-16 4 0 31,-11 4 0-31,-6 1 0 16,-12 4 0-16,2 6 0 15,-7 7 0 1,-14 9 0-1,-9 14 0-15,-9 16 0 16,-6 11 0-16,-6 14 0 16,-2 11 0-16,6-1 0 15,10-2 0 1,4-2 0 0,6-5 0-16,-1-4 0 15,2-4 0 1,2-5 0-16,-1-6 0 15,0-11 0-15,2-10 0 32,0-18 0-32,4-22 0 15</inkml:trace>
+  <inkml:trace contextRef="#ctx0" brushRef="#br0" timeOffset="141672.15">872 11907 200 0,'0'0'0'0,"17"18"0"16,10 10 0-1,9 6 0-15,10 6 0 16,6 3 0-1,7-2 0-15,0 0 0 16,5-4 0 0,1-3 0-16,-2-9 0 15</inkml:trace>
+  <inkml:trace contextRef="#ctx0" brushRef="#br0" timeOffset="142587.62">1008 13144 200 0,'0'0'0'0,"0"0"0"16,0 0 0-16,-2 21 0 16,-11 19 0-16,-9 17 0 15,-11 8 0 1,-1 8 0-16,-3 1 0 15,-1 2 0 1,-1-3 0 0,3-4 0-16,7-7 0 15,2-8 0 1,6-10 0 0,4-6 0-16,7-10 0 0,2-9 0 15,5-8 0 1,3-11 0-16,0 0 0 31,0 0 0-31,0 0 0 0,9-4 0 16,9-10 0-1,11-7 0 1,14-2 0-16,12-2 0 16,10 1 0-16,12 3 0 15,9 3 0 1,0 6 0-1,-3 4 0-15,-3 3 0 16,-5 4 0 0,-7 4 0-16,-4 0 0 15,-14-3 0 1,-11-2 0-16,-16-6 0 16</inkml:trace>
+  <inkml:trace contextRef="#ctx0" brushRef="#br0" timeOffset="143554.26">664 14958 200 0,'0'0'0'0,"0"0"0"0,0 0 0 16,0 0 0-1,0 0 0 1,19-5 0-16,21-8 0 16,13-9 0-16,13-6 0 15,10-5 0 1,3-5 0-16,7-1 0 15,1 3 0 1,0 1 0-16,-6 6 0 16,-8 3 0-1,-13 4 0 1,-13 6 0-16,-13 7 0 16,-13 2 0-16,-7 4 0 15,-14 3 0-15,0 8 0 16,-14 13 0-1,-11 16 0-15,-15 16 0 16,-11 13 0 0,-3 15 0-16,-6 13 0 15,0 11 0 1,4 4 0-16,7 1 0 16,9-1 0-1,-2 1 0 1,5-5 0-1,3-6 0-15,5-13 0 16,9-15 0 0,1-18 0-16,-1-24 0 15</inkml:trace>
+  <inkml:trace contextRef="#ctx0" brushRef="#br0" timeOffset="143980.68">916 15026 200 0,'0'0'0'16,"0"0"0"-16,0 0 0 15,3 18 0 1,10 7 0-16,14 6 0 16,9 1 0-1,16 0 0-15,7-3 0 16,5 2 0 0,6-3 0-1,5 1 0-15,0-9 0 16</inkml:trace>
+  <inkml:trace contextRef="#ctx0" brushRef="#br0" timeOffset="145896.59">1816 13637 200 0,'7'12'0'0,"9"4"0"16,5-1 0-16,4-2 0 0,9-4 0 15,5-2 0 1,6-4 0 0,8-3 0-1,6-3 0 1,7-6 0-16,7-3 0 16,8-5 0-16,-1-5 0 15,7-5 0 1,0-6 0-16,-4-12 0 15,0-5 0 1,2-10 0-16,-9-6 0 16,-3-2 0-1,-10-4 0-15,-3-2 0 16,-8 0 0 0,-9 1 0-16,-6 4 0 15,-5 3 0 1,0 5 0-1,-3 5 0-15,-2 8 0 16,-3 4 0 0,-2 8 0-16,-6 5 0 15,-1 4 0-15,-2 8 0 16,2 1 0 0,-5 5 0-16,0 5 0 15,-5 2 0 1,2 2 0-1,-1 7 0-15,-1 3 0 16,-5-6 0-16</inkml:trace>
+  <inkml:trace contextRef="#ctx0" brushRef="#br0" timeOffset="146927.37">1807 13706 200 0,'0'0'0'16,"0"0"0"-16,0 0 0 16,0 0 0-16,0 0 0 15,3 17 0 1,5 9 0-16,4 2 0 16,5 0 0-1,1 0 0-15,7 0 0 16,6 1 0-1,3 3 0-15,8 1 0 16,2 1 0 0,9-2 0-1,8 1 0-15,3 2 0 16,3-2 0-16,4-1 0 16,3-1 0-1,8-1 0-15,1-4 0 16,7-4 0-1,3-3 0-15,1-6 0 16,4-2 0 0,1-1 0-1,1-4 0-15,-1-3 0 16,-5 1 0-16,-4 0 0 16,-5-1 0-1,-11 0 0-15,-12 2 0 16,-8-1 0-16,-11 0 0 15,-12-2 0 1,-4-3 0-16,-10-5 0 16,-4-9 0-1</inkml:trace>
+  <inkml:trace contextRef="#ctx0" brushRef="#br0" timeOffset="147941.75">1875 13902 200 0,'0'0'0'0,"0"0"0"0,0 0 0 16,0 0 0-1,0 0 0-15,3 19 0 16,5 6 0 0,13 2 0-16,7 4 0 15,9-1 0 1,7 4 0-16,11-1 0 16,8 1 0-1,10 1 0-15,3 3 0 16,5 4 0-1,2 5 0-15,0 4 0 16,12 18 0 0,-2 7 0-1,-7 4 0-15,-7 5 0 16,-6 3 0 0,-4 2 0-1,-4 3 0-15,-6 1 0 16,-6 3 0-1,-4 2 0-15,-5 0 0 16,-5 2 0 0,0-1 0-1,-3 1 0-15,-5-2 0 16,-1-3 0-16,-6-5 0 16,-1-9 0-1,-4-2 0-15,-4-8 0 16,1-7 0-1,0-9 0-15,0-9 0 16,-3-8 0 0,0-11 0-1,-4-9 0 17</inkml:trace>
+  <inkml:trace contextRef="#ctx0" brushRef="#br0" timeOffset="148722.09">3926 16032 200 0,'0'0'0'0,"-17"18"0"16,-10 13 0-16,-9 11 0 16,-10 12 0-1,-6 3 0-15,-3 5 0 16,0-3 0 0,6-2 0-16,4-5 0 15,7-8 0 1,7-7 0-16,7-11 0 15,10-11 0 1,6-5 0-16,8-10 0 16,-5 8 0-16,9-1 0 15,13-4 0 1,14-1 0-16,13 2 0 16,13 1 0-1,8 7 0-15,7 0 0 16,-2 1 0-1,-3 0 0-15,-6-1 0 16,-6-4 0 0,-11-3 0-16,-12-2 0 15,-6-3 0 1,-9-6 0-16,-6-11 0 16,-8-12 0-1,-5-10 0-15,-11-6 0 16,-1-6 0-1,-1-7 0 1,1-2 0-16,0 3 0 16,-1 6 0-16,0 5 0 15,-5 7 0 1,-8 2 0 0,-2 0 0-16,2-1 0 15</inkml:trace>
+  <inkml:trace contextRef="#ctx0" brushRef="#br0" timeOffset="149743.81">3885 14157 200 0,'0'-14'0'0,"1"-3"0"15,1 3 0-15,-1 5 0 16,-1 9 0-1,0 0 0-15,1 2 0 16,1 11 0 0,1 14 0-16,-5 13 0 15,0 7 0 1,2 7 0-16,0 2 0 16,0 0 0-1,0-3 0-15,-1-6 0 16,1-4 0-1,0-7 0-15,0-11 0 16,0-7 0 0,0-8 0-16,0-10 0 15,0 0 0 1,0 0 0-16,4-1 0 16,8-12 0-1,10-8 0-15,8-5 0 16,7-4 0-1,9-2 0-15,6 1 0 16,3 2 0 0,-1 7 0-16,-5 6 0 15,-12 6 0 1,-11 4 0-16,-8 1 0 16,-9 2 0-16,-9 3 0 15,0 0 0 1,0 0 0-16,-1-9 0 15,-14-7 0 1,-13-4 0-16,-15-2 0 16,-10-7 0-1,-11-1 0-15,-5-1 0 16,-1 2 0 0,7 0 0-16,6 1 0 15,9-3 0 1,7-2 0-16</inkml:trace>
+  <inkml:trace contextRef="#ctx0" brushRef="#br0" timeOffset="150972.66">3347 12333 200 0,'0'0'0'16,"0"0"0"-16,0 0 0 15,0 0 0 1,9 14 0-16,4 8 0 16,2 7 0-16,0 5 0 15,3 6 0 1,3 2 0 0,2 1 0-16,5-3 0 15,-3-1 0 1,-1-2 0-16,-4-3 0 15,-3-4 0 1,-2-2 0-16,-3-5 0 16,-2-4 0-16,-2-6 0 15,-3-5 0 1,-5-8 0-16,0 0 0 16,0 0 0-1,3-4 0-15,3-12 0 16,1-9 0-1,4-7 0-15,1-3 0 16,6-2 0 0,2-3 0-16,6-6 0 15,2-4 0 1,2 0 0-16,2 0 0 16,8 4 0-1,1 4 0-15,1 3 0 16,-4 2 0-16,-3 5 0 15,-7 6 0 1,-3 5 0-16,-9 4 0 16,-4 7 0-1,-6 2 0-15,-6 8 0 16,4-6 0 0,-4 6 0-16,-7-4 0 15,-9 3 0 1,-18 6 0-16,-5 3 0 15,-12 5 0 1,-16 2 0 0,-9 2 0-16,-9 3 0 15,-1 2 0-15,0 2 0 16,2 3 0 0,0 4 0-16,8 2 0 15</inkml:trace>
+</inkml:ink>
+</file>
+
+<file path=ppt/ink/ink10.xml><?xml version="1.0" encoding="utf-8"?>
+<inkml:ink xmlns:inkml="http://www.w3.org/2003/InkML">
+  <inkml:definitions>
+    <inkml:context xml:id="ctx0">
+      <inkml:inkSource xml:id="inkSrc0">
+        <inkml:traceFormat>
+          <inkml:channel name="X" type="integer" max="32767" units="cm"/>
+          <inkml:channel name="Y" type="integer" max="32767" units="cm"/>
+          <inkml:channel name="F" type="integer" max="1024" units="dev"/>
+          <inkml:channel name="T" type="integer" max="2.14748E9" units="dev"/>
+        </inkml:traceFormat>
+        <inkml:channelProperties>
+          <inkml:channelProperty channel="X" name="resolution" value="325.74808" units="1/cm"/>
+          <inkml:channelProperty channel="Y" name="resolution" value="571.84991" units="1/cm"/>
+          <inkml:channelProperty channel="F" name="resolution" value="4.0315E-5" units="1/dev"/>
+          <inkml:channelProperty channel="T" name="resolution" value="1" units="1/dev"/>
+        </inkml:channelProperties>
+      </inkml:inkSource>
+      <inkml:timestamp xml:id="ts0" timeString="2023-08-10T14:15:41.246"/>
+    </inkml:context>
+    <inkml:brush xml:id="br0">
+      <inkml:brushProperty name="width" value="0.05292" units="cm"/>
+      <inkml:brushProperty name="height" value="0.05292" units="cm"/>
+      <inkml:brushProperty name="color" value="#FF0000"/>
+    </inkml:brush>
+  </inkml:definitions>
+  <inkml:trace contextRef="#ctx0" brushRef="#br0">3018 15308 200 0,'0'0'0'0,"0"0"0"16,0 0 0 0,0 0 0 31,0 0 0-47,0 0 0 0,0 0 0 0,14-6 0 0,8 1 0 15,4-1 0-15,4 5 0 47,2 3 0-47,6 4 0 0,5-2 0 0,3 0 0 0,7-4 0 16,7-1 0-1,6-2 0-15,7-1 0 16,2 0 0 0,3-3 0-16,5 3 0 15,5 1 0 1,9 2 0-1,2-1 0-15,5 2 0 16,-2 0 0-16,1 2 0 16,6 1 0-1,4-1 0-15,5 0 0 16,2 2 0 0,2 0 0-16,4 0 0 15,-1-1 0 1,4 0 0-1,3 2 0-15,-2 1 0 16,3-1 0-16,0-2 0 16,-1-1 0-1,5 0 0 1,0 1 0-16,-1 0 0 16,4-3 0-1,-5 0 0 1,-2 3 0-16,3-1 0 15,2 1 0-15,3-3 0 16,2 0 0 0,0 3 0-1,-1 0 0-15,-1-3 0 0,4 0 0 16,0-3 0 0,-1 2 0-1,-2 1 0-15,2-2 0 16,-2 2 0-16,0 0 0 15,-1 0 0 1,-2-1 0 0,-1-1 0-1,2 4 0-15,2-2 0 16,2 0 0-16,2 1 0 16,-1-1 0-1,1 3 0 1,-1 0 0-16,5-1 0 15,-2 1 0 1,2 0 0-16,1 0 0 16,2-2 0-1,-5 2 0 1,0 0 0-16,-1 1 0 16,-3 2 0-1,-4-1 0-15,-7-2 0 16,-10 0 0-1,-8 2 0-15,-9-2 0 16,-15-4 0 0,-14 1 0-16</inkml:trace>
+</inkml:ink>
+</file>
+
+<file path=ppt/ink/ink11.xml><?xml version="1.0" encoding="utf-8"?>
+<inkml:ink xmlns:inkml="http://www.w3.org/2003/InkML">
+  <inkml:definitions>
+    <inkml:context xml:id="ctx0">
+      <inkml:inkSource xml:id="inkSrc0">
+        <inkml:traceFormat>
+          <inkml:channel name="X" type="integer" max="32767" units="cm"/>
+          <inkml:channel name="Y" type="integer" max="32767" units="cm"/>
+          <inkml:channel name="F" type="integer" max="1024" units="dev"/>
+          <inkml:channel name="T" type="integer" max="2.14748E9" units="dev"/>
+        </inkml:traceFormat>
+        <inkml:channelProperties>
+          <inkml:channelProperty channel="X" name="resolution" value="325.74808" units="1/cm"/>
+          <inkml:channelProperty channel="Y" name="resolution" value="571.84991" units="1/cm"/>
+          <inkml:channelProperty channel="F" name="resolution" value="4.0315E-5" units="1/dev"/>
+          <inkml:channelProperty channel="T" name="resolution" value="1" units="1/dev"/>
+        </inkml:channelProperties>
+      </inkml:inkSource>
+      <inkml:timestamp xml:id="ts0" timeString="2023-08-10T14:18:23.494"/>
+    </inkml:context>
+    <inkml:brush xml:id="br0">
+      <inkml:brushProperty name="width" value="0.05292" units="cm"/>
+      <inkml:brushProperty name="height" value="0.05292" units="cm"/>
+      <inkml:brushProperty name="color" value="#FF0000"/>
+    </inkml:brush>
+  </inkml:definitions>
+  <inkml:trace contextRef="#ctx0" brushRef="#br0">519 15026 200 0,'-9'-12'0'0,"-7"-2"0"16,4 0 0-1,2 3 0-15,1 1 0 16,9 10 0-16,0 0 0 15,0 0 0 1,7 5 0-16,12 11 0 16,15 3 0-16,17 2 0 15,14 2 0 1,18-1 0 0,14 0 0-16,20 0 0 15,18 1 0-15,13-4 0 16,20-2 0-1,12 2 0-15,15-2 0 16,22-1 0 0,15 5 0-16,14 0 0 15,7 3 0 1,12 7 0 0,8 4 0-16,-2 4 0 15,-12 0 0 1,-14-2 0-16,-22-2 0 15,-24-7 0-15,-21-7 0 16,-20-6 0 0</inkml:trace>
+  <inkml:trace contextRef="#ctx0" brushRef="#br0" timeOffset="7781.77">6468 15078 200 0,'-18'-5'0'0,"-2"-1"0"16,4-1 0-16,7 1 0 15,9 6 0-15,-2-7 0 16,8 0 0-1,9 2 0-15,6 4 0 16,14 0 0 0,13 0 0-1,18 0 0-15,16-2 0 16,21-1 0-16,18-2 0 16,15-2 0-1,21 1 0 1,11 0 0-16,10 1 0 15,8 3 0-15,0 3 0 16,-5 2 0 0,-15 2 0-16,-23 2 0 15,-33-1 0 1</inkml:trace>
+</inkml:ink>
+</file>
+
+<file path=ppt/ink/ink12.xml><?xml version="1.0" encoding="utf-8"?>
+<inkml:ink xmlns:inkml="http://www.w3.org/2003/InkML">
+  <inkml:definitions>
+    <inkml:context xml:id="ctx0">
+      <inkml:inkSource xml:id="inkSrc0">
+        <inkml:traceFormat>
+          <inkml:channel name="X" type="integer" max="32767" units="cm"/>
+          <inkml:channel name="Y" type="integer" max="32767" units="cm"/>
+          <inkml:channel name="F" type="integer" max="1024" units="dev"/>
+          <inkml:channel name="T" type="integer" max="2.14748E9" units="dev"/>
+        </inkml:traceFormat>
+        <inkml:channelProperties>
+          <inkml:channelProperty channel="X" name="resolution" value="325.74808" units="1/cm"/>
+          <inkml:channelProperty channel="Y" name="resolution" value="571.84991" units="1/cm"/>
+          <inkml:channelProperty channel="F" name="resolution" value="4.0315E-5" units="1/dev"/>
+          <inkml:channelProperty channel="T" name="resolution" value="1" units="1/dev"/>
+        </inkml:channelProperties>
+      </inkml:inkSource>
+      <inkml:timestamp xml:id="ts0" timeString="2023-08-10T14:22:37.961"/>
+    </inkml:context>
+    <inkml:brush xml:id="br0">
+      <inkml:brushProperty name="width" value="0.05292" units="cm"/>
+      <inkml:brushProperty name="height" value="0.05292" units="cm"/>
+      <inkml:brushProperty name="color" value="#FF0000"/>
+    </inkml:brush>
+  </inkml:definitions>
+  <inkml:trace contextRef="#ctx0" brushRef="#br0">10010 14925 200 0,'11'-7'0'0,"9"-5"0"16,10-1 0-1,7-1 0-15,5 3 0 16,3 4 0-1,10 4 0-15,10 3 0 16,11 7 0 0,17 3 0-16,16 1 0 15,13 0 0 1,14-2 0-16,13 1 0 16,20 2 0-1,15 3 0-15,16 2 0 16,14-4 0-1,20 0 0 1,19-4 0-16,22 2 0 16,12 2 0-16,14 0 0 15,12 2 0 1,3 2 0 0,7 2 0-16,-7 3 0 15,-6 3 0-15,-12 6 0 16,-20 1 0-16,-20 2 0 15</inkml:trace>
+  <inkml:trace contextRef="#ctx0" brushRef="#br0" timeOffset="17277.82">10927 10791 200 0,'-31'-134'0'0,"-25"-33"0"16,-15 30 0-1,-12 51 0-15,0 51 0 16,1 45 0-1,4 40 0-15,12 37 0 16,12 29 0 0,13 11 0-16,14-2 0 15,13-7 0 1,9-8 0-16,12-7 0 16,6-8 0-1,3-6 0 1,-1-5 0-16,-1-6 0 15,-1-12 0 1,-6-16 0-16,-4-14 0 16,-3-36 0-1</inkml:trace>
+  <inkml:trace contextRef="#ctx0" brushRef="#br0" timeOffset="17555.06">9884 11345 200 0,'54'-1'0'0,"36"-4"0"0,24-4 0 15,13-4 0 1,4-2 0-16,-4 2 0 16,-13 3 0-1,-15 1 0-15</inkml:trace>
+  <inkml:trace contextRef="#ctx0" brushRef="#br0" timeOffset="18047.84">10767 11200 200 0,'-5'14'0'0,"-3"18"0"0,0 27 0 16,5 17 0-1,7 3 0-15,5-8 0 32,5-16 0-32,2-15 0 15,6-15 0-15,8-16 0 16,4-16 0-1,3-16 0 1,0-13 0-16,-1-10 0 16,-7-1 0-1,-6 5 0-15,-4 8 0 16,-6 11 0-16,0 14 0 31,-1 13 0-31,1 17 0 16,1 14 0-1,0 9 0-15,5-1 0 16,0-5 0 0,2-4 0-16,2-9 0 15,1-9 0-15,0-16 0 16</inkml:trace>
+  <inkml:trace contextRef="#ctx0" brushRef="#br0" timeOffset="18471.25">11339 11320 200 0,'4'51'0'0,"6"18"0"16,1-5 0-16,-1-13 0 15,-3-14 0 1,-2-12 0-16,-1-12 0 16,-4-13 0-16,0 0 0 15,0 0 0 1,4-16 0-16,3-31 0 16,8-19 0-1,5-5 0-15,5 8 0 16,9 13 0-1,10 14 0 1,6 20 0-16,-1 25 0 16,-6 24 0-1,-11 24 0-15,-8 11 0 16,-8-3 0-16,-5-8 0 16,3-14 0-1,10-19 0-15</inkml:trace>
+  <inkml:trace contextRef="#ctx0" brushRef="#br0" timeOffset="18825.2">12256 11252 200 0,'-22'-13'0'15,"-18"0"0"-15,-13 9 0 16,-6 16 0 0,2 17 0-1,9 21 0-15,10 22 0 16,13 14 0 0,20-5 0-16,17-14 0 15,21-17 0 1,23-19 0-16,21-21 0 15,19-17 0-15,7-19 0 16,-5-13 0 0,-9-14 0-1,-16-17 0-15,-11-15 0 16,-15-10 0 0</inkml:trace>
+  <inkml:trace contextRef="#ctx0" brushRef="#br0" timeOffset="19064.05">12694 10835 200 0,'0'0'0'0,"9"27"0"15,-4 33 0 1,-1 32 0-16,2 23 0 15,0 11 0 1,3-7 0-16,2-19 0 16,2-21 0-1,3-22 0-15,-1-16 0 16,-1-14 0-16,-14-27 0 16</inkml:trace>
+  <inkml:trace contextRef="#ctx0" brushRef="#br0" timeOffset="19308.29">12450 11516 200 0,'41'-3'0'16,"38"-7"0"-16,22-3 0 15,14-4 0 1,2-3 0-16,-9-1 0 16,-16-2 0-1,-16-3 0 1</inkml:trace>
+  <inkml:trace contextRef="#ctx0" brushRef="#br0" timeOffset="19473">13257 11337 200 0,'-8'32'0'0,"1"22"0"16,-3 12 0-1,0 0 0 1,4-6 0-16,2-10 0 16,5-14 0-16,1-14 0 15,4-19 0 1</inkml:trace>
+  <inkml:trace contextRef="#ctx0" brushRef="#br0" timeOffset="19649.57">13341 11157 200 0,'0'0'0'0,"0"0"0"16,0 0 0-16,1 23 0 16</inkml:trace>
+  <inkml:trace contextRef="#ctx0" brushRef="#br0" timeOffset="20079.36">13889 11567 200 0,'6'-31'0'0,"-7"-17"0"16,-14-9 0-16,-18 2 0 15,-15 10 0 1,-11 14 0-16,-7 19 0 15,-2 23 0 1,-3 26 0-16,6 22 0 31,10 14 0-31,13 2 0 16,20-5 0-16,25-14 0 16,19-13 0-1,26-18 0-15,22-16 0 31,14-16 0-31,3-11 0 0,-7-9 0 16,-8-6 0 0,-18-7 0-1,-18-4 0 1,-24-4 0-16,-20 2 0 16,-13 11 0-1,-8 9 0-15</inkml:trace>
+  <inkml:trace contextRef="#ctx0" brushRef="#br0" timeOffset="20570.32">14032 11379 200 0,'6'16'0'0,"4"17"0"16,-2 13 0-16,0 6 0 16,-2-3 0-1,-4-9 0-15,1-12 0 16,-2-9 0-1,0-8 0-15,-1-11 0 16,7 0 0 0,8-19 0-16,6-22 0 15,6-17 0 1,4-10 0-16,6 1 0 16,1 14 0-1,1 16 0 1,4 20 0-16,5 23 0 15,-1 25 0-15,-7 21 0 16,-13 17 0 0,-13 1 0-16,-5-6 0 15,-2-7 0 1,-1-7 0-16,7-11 0 16</inkml:trace>
+  <inkml:trace contextRef="#ctx0" brushRef="#br0" timeOffset="21609.92">16093 10622 200 0,'-10'66'0'16,"4"47"0"-16,7 30 0 15,2 12 0 1,-3-1 0-16,0-19 0 16,2-22 0-1,1-25 0-15,0-23 0 16,3-23 0-1</inkml:trace>
+  <inkml:trace contextRef="#ctx0" brushRef="#br0" timeOffset="21877.31">15689 11669 200 0,'39'-2'0'16,"28"-15"0"-16,18-13 0 15,7-11 0 1,6-6 0-16,-2-2 0 15,-8 1 0 1</inkml:trace>
+  <inkml:trace contextRef="#ctx0" brushRef="#br0" timeOffset="22313.98">16362 11601 200 0,'23'-4'0'0,"17"-13"0"0,11-15 0 16,4-9 0-1,-1-10 0-15,-10 1 0 16,-9 2 0-1,-11 7 0-15,-15 10 0 16,-10 13 0 0,-10 21 0-1,-11 21 0-15,-9 25 0 16,-2 22 0-16,2 15 0 16,10 0 0-1,16-11 0-15,15-15 0 16,13-20 0-1,16-19 0-15,9-17 0 32,4-18 0-32,6-13 0 15,3-12 0-15,-7-13 0 16,-15 7 0 0</inkml:trace>
+  <inkml:trace contextRef="#ctx0" brushRef="#br0" timeOffset="23054.18">16993 11406 200 0,'10'62'0'0,"4"14"0"15,0-10 0 1,-4-20 0-16,-2-16 0 16,-2-15 0-1,1-15 0-15,0-15 0 16,-2-15 0 0,3-11 0-16,4-14 0 15,1-4 0 1,2 1 0-16,0 12 0 15,-1 5 0 1,-1 13 0 0,3 12 0-16,0 13 0 15,4 14 0-15,-1 14 0 16,-3 12 0 0,-2 2 0-16,-3-2 0 15,-4-7 0 1,0-8 0-16,-2-6 0 15,2-7 0 1,6-12 0-16,6-13 0 16,7-12 0-1,5-10 0-15,0-3 0 16,-1 2 0-16,0 7 0 16,-1 14 0-1,1 18 0-15,-5 21 0 16,-2 18 0-1,-2 15 0 1,-5 6 0-16,-2-3 0 16,-1-7 0-1,2-8 0-15,3-10 0 16</inkml:trace>
+  <inkml:trace contextRef="#ctx0" brushRef="#br0" timeOffset="23721.52">17834 11414 200 0,'5'31'0'16,"7"28"0"-16,3 22 0 16,0 11 0-16,2 2 0 15,0-14 0 1,-1-16 0 0,0-16 0-16,-2-17 0 15,-7-15 0-15</inkml:trace>
+  <inkml:trace contextRef="#ctx0" brushRef="#br0" timeOffset="24106.69">17750 11456 200 0,'-6'-23'0'0,"8"-16"0"16,23-12 0-16,26-6 0 16,21 0 0-1,15 13 0-15,5 12 0 16,0 15 0 0,-8 16 0-16,-12 10 0 15,-18 8 0 1,-18 6 0-16,-20 4 0 15,-23 8 0 1,-24 8 0 0,-22 5 0-1,-15 5 0-15,-8 2 0 16,0-4 0-16,7-5 0 16,7-5 0-1,11-4 0 1,15-10 0-16</inkml:trace>
+  <inkml:trace contextRef="#ctx0" brushRef="#br0" timeOffset="24722.1">18255 10885 200 0,'67'-14'0'16,"45"-13"0"-16,21-1 0 16,6 2 0-1,1 5 0-15,-8 2 0 16,-14 5 0 0,-17 8 0-16,-13 5 0 15,-18 2 0 1</inkml:trace>
+  <inkml:trace contextRef="#ctx0" brushRef="#br0" timeOffset="25024.57">18819 10826 200 0,'0'61'0'0,"-2"35"0"15,1 13 0-15,1-2 0 16,2-7 0-1,-3-13 0-15,-3-14 0 16,-1-17 0 0,2-20 0-16</inkml:trace>
+  <inkml:trace contextRef="#ctx0" brushRef="#br0" timeOffset="25341.12">18524 11660 200 0,'0'0'0'16,"0"0"0"-16,25 5 0 15,27-1 0-15,16-6 0 16,13-1 0-16,8-3 0 16,7-1 0-1,3 3 0 1,-3 1 0-16,-6 3 0 16,-10 0 0-16,-10 0 0 31</inkml:trace>
+  <inkml:trace contextRef="#ctx0" brushRef="#br0" timeOffset="25918.94">19366 11320 200 0,'9'21'0'0,"5"17"0"15,2 10 0 1,1 2 0-16,-4-4 0 16,-3-2 0-1,-2-11 0-15,2-5 0 16,-3-9 0 0,-3-7 0-16,-4-12 0 15,6 1 0 1,1-15 0-16,9-18 0 15,11-15 0 1,8-11 0-16,8-2 0 16,8 9 0-1,8 12 0-15,2 13 0 16,-4 15 0 0,-1 18 0-16,-5 15 0 15,-7 16 0 1,-3 12 0-16,-6 8 0 15,-10-1 0 1,-4-7 0-16,-3-8 0 16,-3-8 0-1,1-10 0-15</inkml:trace>
+  <inkml:trace contextRef="#ctx0" brushRef="#br0" timeOffset="26425.64">20518 10706 200 0,'1'34'0'0,"4"25"0"15,6 13 0 1,1 12 0 0,1 8 0-1,-3 8 0 1,0 1 0-16,4-4 0 15,-4-8 0 1,2-11 0-16,2-10 0 0,-5-5 0 31,-2-9 0-31,-6-11 0 16</inkml:trace>
+  <inkml:trace contextRef="#ctx0" brushRef="#br0" timeOffset="26903.07">20510 10647 200 0,'0'0'0'0,"0"0"0"16,21 4 0-16,21-1 0 15,22-3 0-15,16-6 0 16,16-7 0 0,19-3 0-16,12-4 0 15,9 1 0 1,6-1 0-16,-6-3 0 15,-10 7 0 1,-15 3 0-16,-19 4 0 16</inkml:trace>
+  <inkml:trace contextRef="#ctx0" brushRef="#br0" timeOffset="27609.54">20712 11345 200 0,'0'0'0'15,"0"0"0"1,0 0 0-16,0 0 0 16,0 0 0-16,0 0 0 31,0 0 0-31,14 3 0 0,8 0 0 15,5-3 0 1,0 0 0 0,6-3 0-1,5-4 0-15,12-5 0 16,14-5 0-16,19-5 0 16,22-6 0-1,11 3 0 1,8 4 0-16,-9-2 0 15</inkml:trace>
+  <inkml:trace contextRef="#ctx0" brushRef="#br0" timeOffset="29195.68">22226 11865 200 0,'-18'-23'0'0,"-6"-12"0"16,3-4 0-16,-1-1 0 15,-2-2 0 1,-1-1 0-16,-4-5 0 16,2-4 0-1,-2-3 0-15,-1-4 0 16,-2-5 0 0,3-4 0-16,7-10 0 15,12-8 0 1,13-12 0-16,18-11 0 15,13-11 0 1,20-13 0 0,29-10 0-1,37-4 0-15,32 6 0 0,22 14 0 16,8 21 0 0</inkml:trace>
+  <inkml:trace contextRef="#ctx0" brushRef="#br0" timeOffset="37992.98">23119 10733 200 0,'0'0'0'16,"-7"29"0"-16,-3 33 0 15,5 23 0 17,2 14 0-32,-2 6 0 0,3-1 0 0,-1-4 0 15,0-9 0 48,1-13 0-63,0-16 0 0,2-14 0 0,1-14 0 0,-1-10 0 0,0-24 0 15</inkml:trace>
+  <inkml:trace contextRef="#ctx0" brushRef="#br0" timeOffset="38308.3">22731 11499 200 0,'36'-6'0'0,"24"-8"0"0,14-5 0 15,9-3 0 1,6-2 0 0,-1-1 0-16,-6 1 0 15,-9 3 0 1</inkml:trace>
+  <inkml:trace contextRef="#ctx0" brushRef="#br0" timeOffset="38799.58">23303 11525 200 0,'25'-16'0'16,"16"-14"0"-16,3-10 0 16,-2-5 0-1,-6-3 0-15,-7 3 0 16,-7 0 0-1,-5 7 0-15,-9 5 0 16,-10 11 0 0,-9 12 0-16,-7 15 0 15,-5 21 0 1,4 18 0-16,3 14 0 16,8 7 0-1,4-4 0-15,8-9 0 16,6-8 0-1,9-13 0-15,7-11 0 16,4-10 0 0,5-10 0-16,1-12 0 15,0-12 0 1</inkml:trace>
+  <inkml:trace contextRef="#ctx0" brushRef="#br0" timeOffset="39398.25">23775 11226 200 0,'-2'27'0'16,"1"16"0"-16,1 6 0 16,0 1 0-1,0-4 0-15,2-8 0 16,1-12 0-1,0-6 0-15,2-9 0 16,-1-3 0 0,-4-8 0-16,7-3 0 15,6-15 0-15,3-14 0 16,0-16 0 0,3-6 0-16,2-1 0 15,3 10 0 1,-1 12 0-16,0 13 0 15,-4 9 0 1,-2 14 0 0,-4 11 0-16,2 12 0 15,-7 7 0-15,-4 1 0 16,-1-4 0 0,0-2 0-16,0-7 0 15,2-6 0 1,2-8 0-16,6-13 0 15,9-14 0 1,4-15 0-16,4-8 0 16,-3 1 0-1,0 8 0-15,-6 11 0 16,-2 15 0 0,-3 17 0-16,-2 17 0 15,-5 18 0 1,-2 13 0-16,0 5 0 15,-1-5 0 1,1-8 0-16,3-13 0 16,0-18 0-1</inkml:trace>
+  <inkml:trace contextRef="#ctx0" brushRef="#br0" timeOffset="39658.51">24380 11345 200 0,'5'48'0'16,"-1"28"0"-16,0 12 0 16,3 3 0-1,3-6 0-15,-3-13 0 16,-1-17 0-1,2-17 0 1,0-17 0 0,-1-19 0-16,0-19 0 15</inkml:trace>
+  <inkml:trace contextRef="#ctx0" brushRef="#br0" timeOffset="40027.91">24389 11406 200 0,'-8'-11'0'0,"-4"-5"0"16,0-4 0 0,4-5 0-1,6-5 0-15,10-2 0 16,11-4 0-16,11-1 0 31,15 5 0-31,9 4 0 16,3 10 0-16,0 14 0 15,-8 10 0 1,-11 14 0 0,-16 12 0-1,-17 7 0-15,-18 10 0 16,-11 2 0 0,-11 2 0-16,-11 2 0 15,-8-1 0-15,-2-7 0 16,3-5 0-1,8-11 0-15,8-7 0 16,8-11 0 0,16-12 0-16</inkml:trace>
+  <inkml:trace contextRef="#ctx0" brushRef="#br0" timeOffset="40477.81">24523 10971 200 0,'39'-9'0'16,"25"-3"0"-16,17-1 0 16,12 2 0-16,11 0 0 15,4 4 0 1,3 2 0-16,-3 1 0 16,-4-4 0-1,-8-1 0 1</inkml:trace>
+  <inkml:trace contextRef="#ctx0" brushRef="#br0" timeOffset="40841.58">25077 10962 200 0,'0'0'0'0,"3"23"0"15,4 14 0-15,0 15 0 31,-3 8 0-31,2 2 0 0,-3 2 0 32,0-1 0-32,1 0 0 15,1-7 0-15,-2-6 0 16,1-6 0 0,-3-3 0-16,-1-7 0 15</inkml:trace>
+  <inkml:trace contextRef="#ctx0" brushRef="#br0" timeOffset="41143.21">24843 11610 200 0,'43'-11'0'16,"26"-5"0"-16,12 0 0 16,-3 3 0-1,0 2 0-15,-6 4 0 16,-4 3 0-1,-10 0 0-15,-6-1 0 16,-7 1 0 0</inkml:trace>
+  <inkml:trace contextRef="#ctx0" brushRef="#br0" timeOffset="41664.08">25575 11329 200 0,'9'45'0'16,"1"12"0"-16,-2-10 0 15,-3-15 0 1,-1-14 0-16,-4-18 0 0,0 0 0 16,0-2 0-16,2-17 0 15,6-16 0 1,7-7 0-1,8-4 0 1,7-2 0-16,6 5 0 0,9 5 0 31,2 11 0-31,-1 12 0 16,-2 18 0-16,-6 16 0 16,-10 17 0-1,-8 10 0 1,-8 5 0-16,-3-4 0 15,-4-8 0 1,0-9 0-16,2-6 0 0,9-13 0 16</inkml:trace>
+  <inkml:trace contextRef="#ctx0" brushRef="#br0" timeOffset="42219.63">26803 10817 200 0,'-13'-37'0'0,"-12"-10"0"16,-12 9 0-1,-10 19 0-15,-7 22 0 16,-11 25 0-1,-4 20 0-15,-3 22 0 16,3 12 0 0,9 7 0-16,11 5 0 15,13-4 0 1,16-9 0-16,20-9 0 16,17-11 0-16,21-11 0 15,20-8 0 1,15-11 0-1,15-11 0-15,10-10 0 16,7-9 0-16,3-3 0 16,-2-6 0-1,-9-2 0 1,-12-4 0-16,-17 1 0 16,-19 3 0-1,-10 1 0-15,-13 2 0 16</inkml:trace>
+  <inkml:trace contextRef="#ctx0" brushRef="#br0" timeOffset="42871.68">27443 11643 200 0,'59'-38'0'16,"23"-19"0"-16,1-3 0 15,-10 1 0-15,-9 2 0 16,-8-1 0 0,-2-5 0-1,-6-4 0-15,-10-5 0 16,-11-4 0-1,-15-6 0 1,-14-1 0-16,-18-2 0 16,-16 0 0-16,-17 1 0 15,-13 6 0-15,-13 9 0 16,-10 6 0 0,-7 7 0-16,2 9 0 15,4 8 0 1,6 11 0-16,7 12 0 31</inkml:trace>
+  <inkml:trace contextRef="#ctx0" brushRef="#br0" timeOffset="43587.6">28468 11012 200 0,'12'-11'0'0,"10"-11"0"15,7-7 0-15,8-10 0 16,-2-6 0-1,0-6 0-15,-6-2 0 16,-3-4 0 0,-11-1 0-16,-6 1 0 15,-9 3 0 1,-9 5 0-16,-5 8 0 16,-5 8 0-1,-2 10 0 1,0 9 0-16,1 6 0 15,8 4 0 1,12 4 0-16,1-9 0 16,16-2 0-16,19-7 0 15,19-7 0 1,19-5 0-16,18-2 0 16,10 0 0-1,1 7 0-15</inkml:trace>
+  <inkml:trace contextRef="#ctx0" brushRef="#br0" timeOffset="44250.09">28394 11030 200 0,'0'0'0'0,"0"0"0"15,0 0 0 1,23-4 0-16,17-3 0 16,14-2 0-1,9-1 0 1,2 6 0-16,-7 4 0 16,-10 8 0-1,-14 9 0-15,-19 8 0 16,-20 9 0-16,-17 11 0 15,-10 5 0 1,-2 3 0-16,1 2 0 16,9-1 0-1,12-3 0-15,12-2 0 16,21 1 0 0,23-4 0-16,25-7 0 15,29-4 0 1,21-4 0-16,13-7 0 15</inkml:trace>
+  <inkml:trace contextRef="#ctx0" brushRef="#br0" timeOffset="47618.75">10212 12939 200 0,'19'-7'0'0,"18"-5"0"0,9-1 0 15,5 3 0 1,-1 2 0-1,-3 2 0-15,-2 3 0 16,-6 3 0-16,-8 2 0 16,-6 1 0-1,-11 4 0-15,-10 7 0 16,-10 6 0 0,-13 7 0-16,-12 8 0 15,-8 8 0 1,1 4 0-16,3-2 0 15,12 0 0 1,8-4 0-16,9-2 0 16,12-8 0-1,11-6 0-15,9-6 0 16,10-9 0 0,4-4 0-16,1-9 0 15,4 0 0 1,-3-3 0-16,-6 1 0 15,-7-3 0 1,-9 3 0-16,-8 3 0 16,-12 2 0-16,0 0 0 15,0 0 0 1,0 0 0-16,0 0 0 16,0 0 0-1,-2-2 0-15,-10 2 0 16,-3 0 0-1,0 0 0-15,-4 0 0 16,1 3 0-16,-1 0 0 16,0 1 0-1,1 2 0-15,-1-1 0 16,-2 5 0 0,1 0 0-16,2 1 0 15,3 3 0 1,6 1 0-16,8 3 0 15,7 3 0 1,11 3 0-16,9 4 0 16,9 4 0-1,7 5 0 1,5-1 0-16,1 1 0 16,-4-5 0-16,-10-5 0 15,-9-4 0 1,-14-1 0-1,-14-1 0-15,-13 1 0 16,-17 4 0-16,-10-2 0 16,-6 0 0-1,-7-2 0-15,0-5 0 16,2-7 0 0,3-10 0-16,4-10 0 15,12-8 0 1,12-8 0-1</inkml:trace>
+  <inkml:trace contextRef="#ctx0" brushRef="#br0" timeOffset="48234.95">12012 12504 200 0,'0'0'0'16,"0"0"0"-16,0 0 0 15,0 0 0-15,0 0 0 16,0 0 0-1</inkml:trace>
+  <inkml:trace contextRef="#ctx0" brushRef="#br0" timeOffset="48455.18">12753 12522 200 0,'0'0'0'0,"0"0"0"16,0 0 0-16,0 0 0 16,0 0 0-1</inkml:trace>
+  <inkml:trace contextRef="#ctx0" brushRef="#br0" timeOffset="48692.43">13493 12530 200 0,'0'0'0'16,"0"0"0"-16,0 0 0 16</inkml:trace>
+  <inkml:trace contextRef="#ctx0" brushRef="#br0" timeOffset="112084.7">1286 11959 200 0,'0'0'0'15,"-2"30"0"-15,-6 31 0 16,5 28 0 0,4 21 0-1,2 13 0-15,6-4 0 16,-3-6 0-16,3-12 0 15,4-10 0 1,-6-10 0 0,1-11 0-16,-6-12 0 15,-1-16 0-15,0-13 0 16,-3-15 0 0,-7-22 0-16</inkml:trace>
+  <inkml:trace contextRef="#ctx0" brushRef="#br0" timeOffset="112382.93">899 12700 200 0,'0'18'0'15,"8"3"0"-15,21-7 0 0,16-9 0 16,15-9 0 0,10-6 0-16,10-6 0 31,1-3 0-31,0 0 0 0,-3-2 0 31,-7-1 0-31</inkml:trace>
+  <inkml:trace contextRef="#ctx0" brushRef="#br0" timeOffset="112858.32">1453 12836 200 0,'0'0'0'16,"0"0"0"-16,16 7 0 16,13-4 0-16,11-11 0 15,9-14 0 1,5-13 0-1,1-9 0 1,-5-3 0 0,-6 0 0-16,-10 2 0 15,-9 7 0 1,-17 7 0-16,-13 13 0 16,-20 17 0-1,-11 21 0-15,-9 22 0 16,-5 22 0-1,-1 15 0-15,14 4 0 16,9-4 0 0,17-12 0-16,15-16 0 15,19-12 0 1,14-16 0-16,16-15 0 16,6-16 0-1,5-12 0-15,4-14 0 16,-2-13 0-1,-9-9 0-15</inkml:trace>
+  <inkml:trace contextRef="#ctx0" brushRef="#br0" timeOffset="113477.11">2059 12683 200 0,'-7'33'0'15,"-4"29"0"1,7 10 0 0,1-1 0-16,4-14 0 15,3-14 0-15,0-15 0 16,0-11 0 0,2-7 0-16,-4-13 0 15,0-13 0-15,5-19 0 16,3-16 0-1,5-12 0-15,3-2 0 16,4 4 0 0,1 8 0-16,0 14 0 15,-5 14 0 1,0 13 0-16,-5 10 0 16,1 14 0-1,-1 16 0 1,-1 13 0-16,-5 5 0 15,-6-1 0-15,-1-8 0 16,-1-9 0 0,2-7 0-16,6-11 0 15,6-16 0-15,6-15 0 16,9-14 0 0,3-13 0-16,2-10 0 15,-2 4 0 1,-4 15 0-16,-6 15 0 15,-6 20 0 1,0 22 0 0,-7 22 0-16,-4 19 0 15,-2 14 0-15,-6-1 0 16,5-10 0 0,3-15 0-1,4-21 0-15,8-20 0 16,0-17 0-16</inkml:trace>
+  <inkml:trace contextRef="#ctx0" brushRef="#br0" timeOffset="114063.54">2665 12759 200 0,'0'19'0'15,"0"21"0"-15,-3 18 0 16,1 13 0-16,0 5 0 31,2-2 0-31,1-10 0 0,2-11 0 31,0-10 0-31,0-13 0 16,0-13 0-16,4-13 0 16,3-21 0-16,-4-17 0 31,1-15 0-31,-3-8 0 0,-3-6 0 31,-4 0 0-15,-7-1 0-16,-4-1 0 15,-2 6 0 1,0 6 0-16,-1 2 0 16,2 5 0-1,4 4 0-15,7 3 0 16,11 2 0-1,13 1 0-15,15 7 0 16,17 5 0 0,12 10 0-16,2 13 0 15,-3 12 0 1,-11 14 0-16,-14 13 0 16,-16 5 0-1,-20 6 0-15,-17 0 0 16,-21 1 0-1,-13-2 0-15,-6-4 0 16,3-11 0 0,7-11 0-16,11-8 0 15,10-11 0 1,10-9 0-16,9-6 0 16,7 14 0-1</inkml:trace>
+  <inkml:trace contextRef="#ctx0" brushRef="#br0" timeOffset="114617.93">3069 12240 200 0,'-22'-6'0'0,"-4"-3"0"15,11 5 0-15,15 3 0 16,15 2 0 0,20 1 0-16,19-2 0 15,20-1 0 1,17 0 0-16,14-4 0 16,6-3 0-1,-4 0 0-15,-12 1 0 16,-11 2 0-1,-15-1 0-15</inkml:trace>
+  <inkml:trace contextRef="#ctx0" brushRef="#br0" timeOffset="115004.23">3356 12240 200 0,'0'0'0'0,"0"0"0"0,0 0 0 16,0 0 0-1,-3 25 0 1,0 19 0-1,-1 18 0-15,-7 10 0 16,-1 4 0 0,-4 2 0-16,1-3 0 15,-1-4 0 1,4-8 0 0,1-6 0-16,-2-7 0 15,1-5 0 1,-3-10 0-16,-1-7 0 15,-3-15 0-15,-3-14 0 16</inkml:trace>
+  <inkml:trace contextRef="#ctx0" brushRef="#br0" timeOffset="115303.56">2917 12939 200 0,'0'0'0'16,"0"0"0"-16,17 8 0 15,18 4 0-15,14-1 0 16,11-2 0-1,10-2 0-15,6-1 0 16,-2 0 0 0,1-4 0-16,-7-4 0 15,-8-8 0 1</inkml:trace>
+  <inkml:trace contextRef="#ctx0" brushRef="#br0" timeOffset="115804.28">3582 12726 200 0,'4'24'0'16,"5"18"0"-16,-3 7 0 16,-3-5 0-16,-1-7 0 15,-1-12 0 1,-1-9 0-16,0-16 0 16,1 9 0-1,-1-9 0-15,5-5 0 16,9-16 0-1,10-15 0-15,7-9 0 16,9-6 0 0,10 6 0-16,7 7 0 15,-2 13 0 1,-2 12 0-16,-6 17 0 16,-7 18 0-1,-10 16 0 1,-11 15 0-16,-10 4 0 15,-8-4 0-15,-2-12 0 16,-4-8 0 0,-2-5 0-16,-1-5 0 15,-3-9 0 1</inkml:trace>
+  <inkml:trace contextRef="#ctx0" brushRef="#br0" timeOffset="116219.7">4491 12180 200 0,'1'19'0'16,"0"19"0"-1,-1 20 0 1,-2 16 0-16,0 18 0 15,-7 18 0 1,-9 5 0-16,1-5 0 16,3-9 0-1,6-15 0 1,0-19 0-16,8-16 0 16,1-13 0-16,1-12 0 15,-5-12 0 1,-2-23 0-16</inkml:trace>
+  <inkml:trace contextRef="#ctx0" brushRef="#br0" timeOffset="116591.55">4314 12129 200 0,'0'0'0'15,"0"0"0"-15,23 0 0 16,24-1 0-1,24-4 0-15,21-4 0 16,13-4 0 0,11-2 0-16,3-1 0 15,1-3 0 1,-7 3 0-16,-5 0 0 16,-11-1 0-1,-16 4 0-15</inkml:trace>
+  <inkml:trace contextRef="#ctx0" brushRef="#br0" timeOffset="117516.27">4407 12794 200 0,'0'0'0'15,"0"0"0"-15,15 0 0 16,9-1 0-16,12-2 0 16,0-4 0-1,6-3 0-15,4 1 0 16,0-3 0-1,2 3 0-15,1 1 0 16,-2-1 0 0</inkml:trace>
+  <inkml:trace contextRef="#ctx0" brushRef="#br0" timeOffset="118104.5">5754 13374 200 0,'0'0'0'0,"-11"-13"0"16,-6-7 0-16,-6-6 0 16,-5-6 0-1,-3-3 0 1,-6-6 0-16,-7-4 0 16,-7-5 0-1,-2-7 0-15,2-5 0 16,7-6 0-1,13-9 0-15,16-12 0 32,21-13 0-32,27-22 0 0,31-12 0 15,34-9 0-15,23-3 0 16,19 6 0 0,16 15 0-1,3 17 0 1,-7 17 0-1</inkml:trace>
+  <inkml:trace contextRef="#ctx0" brushRef="#br0" timeOffset="123959.37">5980 12504 200 0,'42'-49'0'16,"24"-21"0"-16,16 3 0 15,7 9 0 1,6 12 0-16,1 14 0 16,-5 13 0-1,-8 10 0 1,-14 9 0-16,-18 9 0 31,-21 8 0-31,-28 15 0 16,-30 17 0-16,-31 27 0 15,-22 5 0 1,-10 12 0-16,-3 7 0 16,10 3 0-16,15 4 0 15,18-5 0 1,19-9 0-1,25-12 0 1,22-16 0-16,23-15 0 16,22-18 0-16,18-19 0 15,18-22 0-15,10-17 0 32,5-18 0-17,-9 2 0-15</inkml:trace>
+  <inkml:trace contextRef="#ctx0" brushRef="#br0" timeOffset="124648.02">7655 12998 200 0,'20'-9'0'0,"14"-13"0"16,8-14 0-16,-3-14 0 15,-8-14 0 1,-7-9 0-1,-11-10 0-15,-13-2 0 16,-12 3 0 0,-14 6 0-16,-8 6 0 15,-13 10 0-15,-4 12 0 16,-11 11 0 0,-16 13 0-16,-11 13 0 15,-8 17 0 1,-4 19 0-1,1 20 0-15,6 20 0 16,19 24 0 0,21 17 0-16,20 14 0 15,28-1 0 1,23-13 0-16,24-22 0 16,20-24 0-1,20-24 0-15,21-21 0 16,11-18 0-1,16-14 0 1,0-16 0-16,0-12 0 16,-8-10 0-1,-19-8 0-15,-21-3 0 16,-26 0 0 0,-25-1 0-16,-23 0 0 15,-18 5 0-15,-15 5 0 16,-12 8 0-1,-11 14 0-15,-5 3 0 16</inkml:trace>
+  <inkml:trace contextRef="#ctx0" brushRef="#br0" timeOffset="125259.22">8470 13458 200 0,'13'-3'0'31,"16"-8"0"-31,10-12 0 16,14-18 0-16,8-13 0 0,7-13 0 31,-2-8 0-15,0-5 0-16,1-12 0 15,-9-10 0 1,-7-3 0-16,-11-4 0 15,-9-8 0 1,-15-5 0-16,-18-6 0 16,-19 0 0-1,-24-1 0-15,-22 5 0 16,-21 5 0 0,-19 6 0-16,-18 12 0 15,-18 16 0 1,-10 18 0-16,-9 16 0 15,-3 16 0 1,4 18 0-16</inkml:trace>
+  <inkml:trace contextRef="#ctx0" brushRef="#br0" timeOffset="190117.58">12181 14123 200 0,'0'0'0'16,"0"0"0"-16,0 0 0 16,0 0 0 31,0 0 0-47,0 0 0 0,-18 2 0 0,-13 2 0 0,-10-3 0 15,-14 1 0 1,-8-2 0 15,-5-2 0-31,-1 1 0 0,-3 1 0 16,-2 3 0-16,-1-2 0 15,-4 3 0-15,0-2 0 16,0 1 0 0,-3 0 0-16,-3 2 0 15,-4 0 0 1,-3 0 0-1,-5-3 0-15,1-4 0 16,3-2 0-16,2-2 0 16,3-2 0-16,3-5 0 15,2-2 0 1,1-8 0-16,0-4 0 16,0-8 0-1,3 0 0-15,3-7 0 31,0-5 0-31,4-4 0 16,0-9 0 0,1-7 0-16,3-7 0 15,6-2 0 1,9 2 0-16,7-7 0 0,6-6 0 16,6-4 0 15,6-2 0-31,10-6 0 0,5-4 0 15,7-5 0 1,4-6 0-16,6-4 0 16,9 2 0-1,3-1 0-15,3 2 0 32,0 2 0-32,1-2 0 15,0 1 0 1,2-2 0-16,-2 3 0 15,3 2 0 1,-4 2 0-16,-1 0 0 16,-1 1 0-1,-4 3 0 1,-4 4 0-16,2 2 0 16,1 1 0-1,6 2 0-15,3 0 0 16,1 4 0-1,1 4 0-15,1 3 0 16,1 2 0 0,5 6 0-16,5 5 0 15,8 2 0 1,0 6 0-16,3 9 0 16,5 8 0-1,3 8 0-15,4 7 0 16,9 9 0-1,7 7 0-15,10 8 0 16,10 7 0 0,8 7 0-16,8 8 0 15,7 2 0 1,9 1 0-16,11-2 0 16,9 2 0-1,9-1 0-15,8-2 0 16,10-5 0-1,10-2 0-15,3-1 0 16,10-3 0 0,4 0 0-16,7-1 0 15,7-1 0 1,7-1 0-16,-1-1 0 16,5 1 0-1,2-2 0 1,-1-3 0-16,5 3 0 15,-4 2 0-15,5 0 0 16,3-3 0 0,1 2 0-1,-2-5 0-15,1-1 0 16,3 0 0 0,2-2 0-16,0-1 0 15,3-1 0 1,0 1 0-1,4-4 0-15,3-2 0 16,-1 1 0-16,1 6 0 16,-5-8 0-1,-1-3 0-15,-1-2 0 16,-4-2 0 0,-7-2 0-16,-3-5 0 31,-5 0 0-31,-6-2 0 15,-3-2 0 1,0 3 0-16,4-3 0 16,3 0 0-16,3 1 0 15,3 2 0 1,-1 3 0-16,-5-2 0 16,-1 5 0-1,0 1 0-15,-2 1 0 16,-2 3 0-1,-2 4 0-15,-2 3 0 16,2 0 0 0,1 4 0-1,-1 2 0-15,4 4 0 16,4 4 0 0,2 2 0-16,-1 1 0 15,-3 0 0 1,-4 2 0-16,2 3 0 15,-2-2 0-15,3 4 0 16,-2-1 0 0,-2 3 0-1,2 0 0-15,0 3 0 16,-3-1 0-16,1-4 0 31,-3 3 0-31,-2 2 0 16,-1-2 0-1,-3 2 0-15,0-2 0 0,-1-2 0 32,-2 2 0-32,0 1 0 15,-9 1 0 1,-4-4 0-16,-6 0 0 0,-5 3 0 16,-4-1 0 15,-6-1 0-31,-4 0 0 15,-1 1 0 1,-3 2 0-16,-7 3 0 16,-7 2 0-1,-6 2 0-15,-8 3 0 16,-6 0 0 0,-4 0 0-16,-7 3 0 15,0 6 0 1,-3 6 0-16,-1 3 0 15,-4 7 0 1,-3 2 0-16,-2 5 0 16,-5 3 0-1,-7 0 0-15,-9 0 0 16,-12 3 0 0,-4 6 0-16,-5 3 0 15,-4 3 0 1,-4 4 0-16,-7 3 0 15,-7 3 0 1,-5 1 0-16,-10 0 0 16,-9-6 0-1,-9-2 0-15,-5 4 0 16,-8 0 0 0,-7 1 0-16,-6 2 0 15,-2-1 0 1,-8-1 0-1,-8-2 0-15,-7 0 0 16,-8 1 0 0,-3-2 0-16,-8-1 0 15,-8-2 0-15,-6-5 0 32,-8-1 0-32,-8-4 0 15,-8-4 0-15,-8-3 0 16,-6-3 0-1,-1 0 0 1,-6-4 0-16,-8-6 0 16,-7-1 0-16,-9 0 0 15,-3-3 0 1,-6-4 0-16,-4-2 0 16,-8-2 0-1,-7 0 0-15,-5-5 0 16,0-1 0-1,-8-3 0-15,-2-1 0 16,-3-6 0 0,-5 0 0-1,-3 1 0-15,0 3 0 16,-6-2 0-16,-4 1 0 16,-2-4 0-1,-1-7 0 1,-2 3 0-16,0 2 0 15,-1-1 0-15,1-3 0 16,5-3 0 0,-2 0 0-16,2 3 0 15,-1-3 0 1,3-2 0-16,-3 2 0 16,2-1 0 15,-3-1 0-31,2-3 0 15,0-1 0-15,4 2 0 16,4 7 0-16,0-1 0 16,2 1 0-1,0 1 0-15,6-6 0 16,-2-1 0 0,-6-1 0-16,-1-1 0 15,4 3 0 1,0-4 0-1,4-5 0-15,0 1 0 16,-5 2 0-16,5 2 0 16,1-3 0-1,-3 0 0-15,0-1 0 32,3-4 0-32,-2 0 0 15,-2 1 0 1,-1 1 0-16,3 0 0 15,-5 2 0-15,5-5 0 32,4-1 0-32,-2 0 0 0,0-1 0 15,-3 1 0-15,-1-1 0 16,-4 1 0 15,0 3 0-31,5-2 0 16,2 3 0-16,2-1 0 15,3 1 0 1,2-1 0 0,3-2 0-16,0 1 0 15,3 4 0-15,3-2 0 0,6-1 0 16,0 4 0 15,1-4 0-31,2 1 0 16,0 1 0-1,-3 1 0-15,3-2 0 16,-1 2 0 0,0 2 0-16,2 5 0 15,6 1 0 1,3 0 0-16,5 1 0 16,3 0 0-1,2 1 0-15,3-1 0 16,3 2 0-1,5 2 0-15,3-1 0 16,3 2 0 0,3-1 0-16,1 2 0 15,10 1 0 1,4 1 0 0,4-1 0-16,7 0 0 15,2 2 0-15,3 1 0 16,4 0 0-1,7 2 0-15,-1 0 0 16,5 1 0-16,4 0 0 16,8-2 0-1,2-1 0 1,2 0 0-16,4-3 0 16,4 0 0-16,0-1 0 15,1 4 0 1,4-1 0-16,1-1 0 15,3 2 0 1,5 1 0-16,3 0 0 16,2 1 0-1,1-2 0-15,0 2 0 16,0 1 0 0,1-3 0-1,2-2 0-15,3 1 0 16,3-2 0-1,2-2 0-15,1-2 0 16,-1-1 0 0,-1-1 0-16,1 3 0 15,-1-1 0-15,-1 1 0 16,0-1 0 0,-3 0 0-1,0-1 0-15,1-2 0 16,-2-2 0-1,2 1 0-15,-1 0 0 16,3-4 0-16,0-2 0 16,0-2 0-1,-2-2 0-15,0 0 0 16,-1-1 0 0,0-2 0-16,3 2 0 15,0 0 0-15,2 5 0 16,-3 3 0-1,-3-8 0-15</inkml:trace>
+  <inkml:trace contextRef="#ctx0" brushRef="#br0" timeOffset="191962.42">26476 13714 200 0,'0'0'0'0,"6"-13"0"16,0-9 0-1,-2-6 0 17,-3-5 0-32,-5-3 0 15,-7-3 0-15,-10-2 0 0,-5 3 0 16,-8 3 0 31,-6 3 0-47,-11 9 0 0,-7 14 0 0,-8 15 0 0,-4 20 0 0,-6 18 0 15,6 16 0 1,11 9 0 0,15 0 0-16,16-2 0 0,15-8 0 31,18-9 0-31,14-13 0 15,16-10 0 1,16-15 0 0,9-13 0-16,5-9 0 0,1-4 0 15,0-8 0 1,-7-6 0-16,-6-10 0 31,-9-7 0-31</inkml:trace>
+  <inkml:trace contextRef="#ctx0" brushRef="#br0" timeOffset="192266.05">26476 13084 200 0,'-4'13'0'0,"-3"20"0"16,-2 20 0-1,-1 19 0-15,-3 17 0 16,5 4 0 0,3-8 0-16,4-13 0 15,4-13 0 1,1-13 0-16,4-11 0 15,0-10 0 1,-1-11 0-16</inkml:trace>
+  <inkml:trace contextRef="#ctx0" brushRef="#br0" timeOffset="193026.59">26618 13603 200 0,'7'19'0'16,"6"8"0"-16,9-3 0 16,0-8 0-1,9-10 0 1,5-13 0-16,6-12 0 15,0-10 0-15,0-8 0 16,-3-5 0 0,-9-2 0-16,-14 0 0 15,-6 5 0 1,-13 7 0-16,-13 12 0 16,-9 16 0-1,-7 22 0-15,-7 23 0 16,1 22 0-1,5 13 0-15,6-1 0 16,13-9 0 0,17-12 0-1,20-16 0 1,19-17 0-16,21-19 0 0,20-26 0 16,21-18 0-1,8-9 0-15,4-9 0 16,-5-1 0-1,-13-4 0-15,-12-3 0 16,-13 4 0 0,-15 0 0-16,-14 3 0 15,-15 4 0 1,-16 7 0-16,-16 6 0 16,-18 7 0-1,-10 8 0-15,-9 11 0 16,-7 14 0-1,-4 14 0-15,-3 16 0 32,0 20 0-32,-1 22 0 15,9 24 0 1,2 15 0-16,7 3 0 16,8-10 0-16,13-15 0 15,8-14 0 1,9-14 0-1,8-12 0-15,2-11 0 16,1-13 0 0,-1-14 0-1,-9-17 0-15</inkml:trace>
+  <inkml:trace contextRef="#ctx0" brushRef="#br0" timeOffset="193248.34">27139 13723 200 0,'0'0'0'0,"11"18"0"16,11 5 0-16,17-3 0 16,14-8 0-1,11-7 0-15,12-6 0 16,3-3 0-1,-2-2 0-15,-5-3 0 16</inkml:trace>
+  <inkml:trace contextRef="#ctx0" brushRef="#br0" timeOffset="193457.2">27864 13723 200 0,'0'56'0'0,"1"13"0"16,2-17 0-1,4-29 0-15</inkml:trace>
+  <inkml:trace contextRef="#ctx0" brushRef="#br0" timeOffset="193629.07">27922 13484 200 0,'0'0'0'0,"0"0"0"16,0 0 0-16,0 0 0 15,0 0 0 1</inkml:trace>
+  <inkml:trace contextRef="#ctx0" brushRef="#br0" timeOffset="194075.84">28039 13603 200 0,'10'50'0'0,"4"16"0"0,-1-1 0 31,-5-12 0-31,-4-14 0 0,-2-13 0 16,-2-10 0-1,0-16 0-15,1 9 0 16,-1-9 0-1,2-9 0-15,5-20 0 16,8-13 0 0,5-7 0-16,8-2 0 15,11 1 0 1,2 9 0 0,0 12 0-16,1 12 0 15,-3 17 0 1,-5 17 0-16,-10 18 0 31,-9 15 0-31,-8 4 0 16,-5-3 0-16,-1-7 0 15,0-10 0-15,1-10 0 16,4-14 0 0,6-17 0-16</inkml:trace>
+  <inkml:trace contextRef="#ctx0" brushRef="#br0" timeOffset="194273.72">28646 13629 200 0,'0'31'0'15,"0"21"0"-15,-3 4 0 16,2-7 0-1,1-9 0-15,2-14 0 16,4-15 0 0,5-21 0-16</inkml:trace>
+  <inkml:trace contextRef="#ctx0" brushRef="#br0" timeOffset="194462.84">28873 13254 200 0,'10'-32'0'0,"2"-7"0"16,1 10 0-16,-3 12 0 16,3 9 0-1,-2 4 0-15</inkml:trace>
+  <inkml:trace contextRef="#ctx0" brushRef="#br0" timeOffset="194693.34">29058 13118 200 0,'0'83'0'0,"-5"41"0"15,-3 13 0-15,-7-2 0 16,2-21 0 0,8-29 0-16,8-22 0 15,5-20 0 1,5-18 0-16,0-16 0 16</inkml:trace>
+  <inkml:trace contextRef="#ctx0" brushRef="#br0" timeOffset="194929.86">28831 13723 200 0,'0'0'0'0,"0"0"0"16,16 12 0-16,17 2 0 15,18 1 0 1,13-6 0 0,11-7 0-16,4-5 0 15,5-9 0-15,-4-10 0 16</inkml:trace>
+  <inkml:trace contextRef="#ctx0" brushRef="#br0" timeOffset="195124.95">29478 13740 200 0,'-4'60'0'0,"1"12"0"15,5-25 0 1,5-32 0-16</inkml:trace>
+  <inkml:trace contextRef="#ctx0" brushRef="#br0" timeOffset="195322.47">29529 13400 200 0,'0'0'0'0,"0"0"0"15,0 0 0-15,1 15 0 16,6 13 0 0,9 9 0-16</inkml:trace>
+  <inkml:trace contextRef="#ctx0" brushRef="#br0" timeOffset="195806.08">30100 13791 200 0,'14'-10'0'0,"3"-12"0"16,-6-10 0-1,-10-5 0-15,-13-5 0 16,-14 3 0 0,-13 6 0-16,-8 10 0 15,-7 12 0 1,-8 15 0-16,2 16 0 16,0 21 0-1,3 19 0-15,11 6 0 16,17-6 0-1,23-9 0-15,22-11 0 16,25-10 0 0,19-14 0-1,17-9 0 1,9-8 0-16,3-8 0 16,-9-4 0-16,-13-7 0 15,-14-8 0 1,-15-5 0-16,-17-6 0 15,-16-3 0 1,-13-1 0-16,-13 4 0 16,-11 4 0-1,-2 6 0-15,-1 3 0 16</inkml:trace>
+  <inkml:trace contextRef="#ctx0" brushRef="#br0" timeOffset="196278.18">30387 13663 200 0,'1'44'0'0,"0"13"0"31,0-10 0-31,2-12 0 16,0-13 0-1,-3-22 0-15,6 4 0 16,8-18 0 0,5-11 0-16,4-11 0 15,8-8 0 1,6-3 0-16,9 0 0 16,8 8 0-1,13 17 0-15,0 22 0 16,3 28 0-1,-6 24 0-15,-9 23 0 16,-15 12 0 0,-14 7 0-16</inkml:trace>
+  <inkml:trace contextRef="#ctx0" brushRef="#br0" timeOffset="202256.58">840 13834 200 0,'0'0'0'0,"0"0"0"15,0 0 0-15,0 0 0 16,9-8 0 0,11-3 0-16,9 5 0 0,7 5 0 15,8 2 0 1,11 1 0 31,9-2 0-47,10-2 0 0,12 0 0 0,10-1 0 15,12-3 0-15,10 0 0 16,10-3 0-16,9-2 0 16,1-2 0-16,8 3 0 15,5 4 0 1,3 1 0 0,3 1 0-16,4 1 0 15,0 1 0 1,1 0 0-16,3 2 0 15,3 3 0 1,5 1 0 0,3 1 0-16,3 3 0 15,0-1 0-15,-2 5 0 16,1 1 0 0,0 4 0-1,-1 1 0 1,-2 3 0-16,-2 0 0 0,1-2 0 15,-2 0 0-15,-1 1 0 16,-2 0 0 15,-5 4 0-31,-1-2 0 16,-2 2 0 0,-6 1 0-16,-2 1 0 15,-4 1 0-15,-3-2 0 16,-8-3 0-1,-5-3 0 1,-5-2 0 0,-4-3 0-16,-11-7 0 15,-4-3 0-15,-6-1 0 16,-4-5 0 0,0-2 0-16,-4-3 0 15,-7-5 0 1,-6-4 0-16,-6 0 0 15,-7-6 0 1,-6-6 0 0,-3-3 0-16,-3-3 0 15,-2-1 0 1,-2-4 0-16,-3 1 0 16,-3-5 0-1,1-1 0-15,-4-3 0 16,-3-1 0-1,-3-2 0-15,-1-4 0 16,-2-1 0 0,-4-3 0-16,-2-1 0 15,-1-2 0 1,-1 1 0 0,0 0 0-16,-5-1 0 15,-2-2 0-15,0 1 0 16,-1 3 0-1,-2-2 0-15,-3 0 0 16,-2-2 0 0,0-1 0-16,-2 0 0 15,-3 1 0 1,0 1 0 0,-5 1 0-16,-2 0 0 15,-4 1 0-15,-2 2 0 16,-1-2 0-1,-4 2 0-15,2 0 0 16,-3 2 0 0,-3-1 0-1,2 3 0-15,-3 0 0 16,-2 1 0 0,-4 0 0-16,-3 2 0 15,-6 0 0 1,0-1 0-1,-5 5 0-15,-3 0 0 16,-8 1 0 0,-2 3 0-16,-2 0 0 15,-5 1 0 1,-6 4 0-16,-3 3 0 16,-2 2 0-16,0 0 0 15,-3 3 0 1,-2 2 0-1,-6 3 0-15,-3 2 0 16,-7 2 0-16,-3 3 0 16,-5 2 0-1,-2 2 0-15,-3 1 0 32,0 1 0-32,-2 3 0 0,-4 3 0 15,1-1 0 1,0 5 0-1,-1 0 0-15,-2 2 0 16,-1 0 0 0,-4 3 0-1,4-2 0-15,-5 4 0 16,-3 0 0 0,-3 0 0-16,-2 1 0 0,0 5 0 15,-1 4 0 1,-5-1 0-16,-2-1 0 15,-3 3 0 1,0 1 0 0,-2 1 0-1,-3 3 0 1,-4 0 0-16,1 2 0 16,1 0 0-1,-3 1 0-15,9 1 0 16,1-2 0-16,-2 1 0 15,-1 0 0 1,2-2 0-16,3 2 0 16,-2 2 0-1,-1-2 0-15,-1 0 0 16,3 1 0 0,-2 3 0-16,4-2 0 15,1 0 0 1,3-2 0-16,4 1 0 15,3 0 0 1,3 2 0-16,2-1 0 16,2-1 0-1,2 2 0-15,4 4 0 16,4 0 0 0,6 0 0-16,1 1 0 15,4 0 0 1,0 3 0-1,5 1 0-15,4 1 0 16,4 2 0-16,4 3 0 16,2 0 0-1,2 4 0-15,9 0 0 16,3 3 0 0,2 0 0-16,7 4 0 15,0 1 0 1,2 3 0-16,5 1 0 15,3 2 0 1,1 4 0-16,4 1 0 16,-3 0 0-1,5 2 0-15,5-4 0 16,6-4 0 0,4-6 0-16,6 0 0 15,5-3 0 1,5 0 0-1,5-4 0-15,4 0 0 16,7-5 0-16,5 0 0 16,5-3 0-1,5 0 0-15,5-3 0 16,2-4 0 0,8-1 0-16,3-4 0 15,5-4 0 1,-1-3 0-16,1-4 0 15,0-3 0-15,4 0 0 16,-4-2 0 0,5-2 0-16,2-2 0 15,2-2 0 1,-1-1 0 0,5-3 0-16,1-3 0 15,3 2 0-15,-4 4 0 16,-4 5 0-1,-10 2 0-15</inkml:trace>
+  <inkml:trace contextRef="#ctx0" brushRef="#br0" timeOffset="203225.83">975 10868 200 0,'-16'-17'0'16,"-7"-10"0"-16,5 0 0 15,1 5 0 1,2 5 0-16,-6 7 0 15,-1 9 0 1,-6 14 0-16,-5 15 0 16,-11 19 0-1,-10 15 0-15,-1 20 0 16,3 15 0 0,8 9 0-1,15 2 0-15,13-10 0 16,16-14 0-16,15-18 0 15,12-17 0 1,7-17 0 0,14-14 0-16,9-16 0 0,11-15 0 15,5-14 0 1,4-11 0 0,1-5 0-16,-3-7 0 15,-8-5 0-15</inkml:trace>
+  <inkml:trace contextRef="#ctx0" brushRef="#br0" timeOffset="203751.62">1437 11157 200 0,'-10'-21'0'0,"-6"-7"0"15,-3 0 0-15,-2 5 0 16,-5 6 0-1,-3 16 0-15,-5 17 0 16,-7 19 0 0,1 15 0-16,5 10 0 15,7 3 0 1,6-4 0-16,15-11 0 16,7-14 0-1,10-16 0-15,7-11 0 16,8-13 0-1,9-11 0-15,-1-8 0 16,4-4 0 0,-3-1 0-16,-5 5 0 15,-7 9 0 1,-1 7 0-16,-6 8 0 16,2 9 0-1,0 4 0-15,5 1 0 16,1 2 0-16,2-5 0 15,4-11 0 1,1-13 0-16</inkml:trace>
+  <inkml:trace contextRef="#ctx0" brushRef="#br0" timeOffset="204055.81">1646 10595 200 0,'4'60'0'0,"5"37"0"31,6 16 0-31,1 0 0 0,-1-9 0 16,1-11 0-1,-1-18 0-15,-4-21 0 16</inkml:trace>
+  <inkml:trace contextRef="#ctx0" brushRef="#br0" timeOffset="204327.06">1891 10561 200 0,'17'64'0'0,"9"42"0"15,0 24 0 1,-1 16 0-16,-2 8 0 16,-1-3 0-1</inkml:trace>
+</inkml:ink>
+</file>
+
+<file path=ppt/ink/ink13.xml><?xml version="1.0" encoding="utf-8"?>
+<inkml:ink xmlns:inkml="http://www.w3.org/2003/InkML">
+  <inkml:definitions>
+    <inkml:context xml:id="ctx0">
+      <inkml:inkSource xml:id="inkSrc0">
+        <inkml:traceFormat>
+          <inkml:channel name="X" type="integer" max="32767" units="cm"/>
+          <inkml:channel name="Y" type="integer" max="32767" units="cm"/>
+          <inkml:channel name="F" type="integer" max="1024" units="dev"/>
+          <inkml:channel name="T" type="integer" max="2.14748E9" units="dev"/>
+        </inkml:traceFormat>
+        <inkml:channelProperties>
+          <inkml:channelProperty channel="X" name="resolution" value="325.74808" units="1/cm"/>
+          <inkml:channelProperty channel="Y" name="resolution" value="571.84991" units="1/cm"/>
+          <inkml:channelProperty channel="F" name="resolution" value="4.0315E-5" units="1/dev"/>
+          <inkml:channelProperty channel="T" name="resolution" value="1" units="1/dev"/>
+        </inkml:channelProperties>
+      </inkml:inkSource>
+      <inkml:timestamp xml:id="ts0" timeString="2023-08-10T14:57:12.282"/>
+    </inkml:context>
+    <inkml:brush xml:id="br0">
+      <inkml:brushProperty name="width" value="0.05292" units="cm"/>
+      <inkml:brushProperty name="height" value="0.05292" units="cm"/>
+      <inkml:brushProperty name="color" value="#FF0000"/>
+    </inkml:brush>
+  </inkml:definitions>
+  <inkml:trace contextRef="#ctx0" brushRef="#br0">8210 10681 200 0,'0'0'0'0,"0"0"0"15,0 0 0-15,0 0 0 47,0 0 0-47,0 0 0 0,0 0 0 0</inkml:trace>
+  <inkml:trace contextRef="#ctx0" brushRef="#br0" timeOffset="853.13">9514 10689 200 0,'0'0'0'31,"0"0"0"-31,0 0 0 16,0 0 0-1,0 0 0-15,0 0 0 16,0 0 0-1</inkml:trace>
+  <inkml:trace contextRef="#ctx0" brushRef="#br0" timeOffset="4641.76">4532 11899 200 0,'0'0'0'15,"0"0"0"-15,0 0 0 16,0 0 0-16,0 0 0 15,0 0 0 1,0 0 0-16,0 0 0 16</inkml:trace>
+  <inkml:trace contextRef="#ctx0" brushRef="#br0" timeOffset="5108.45">6148 12086 200 0,'14'3'0'0,"3"4"0"16,-7-1 0-1</inkml:trace>
+  <inkml:trace contextRef="#ctx0" brushRef="#br0" timeOffset="20176.93">8419 10067 200 0,'0'0'0'15,"0"0"0"-15,0 0 0 16,0 0 0 0,0 0 0-1,-11-7 0-15,-4-5 0 16,-2 4 0 0,-3 0 0-16,0 4 0 31,-7 3 0-16,-2 0 0-15,-7 3 0 0,0 0 0 0,-2 0 0 16,7 0 0 0,1 0 0-16,6 1 0 15,3-3 0-15,3 0 0 16,6-2 0 0,-1 4 0-16,3 0 0 15,10-2 0 1,-6-2 0-16,6-6 0 15,8-2 0 1,8-6 0-16,5-6 0 16,7-2 0-16,4-2 0 15,7 1 0 1,2-1 0 0,5 1 0-16,2 1 0 15,-5 3 0 1,-3 1 0-16,-6 2 0 15,-5 5 0-15,-4 2 0 32,-6 6 0-32,-3 1 0 0,-4 4 0 15,-12 0 0 1,5 8 0-16,-7 8 0 16,-3 11 0-1,-7 10 0-15,0 6 0 16,1 6 0-1,3-1 0-15,0 2 0 32,0-1 0-32,4-2 0 15,2-5 0-15,2-6 0 16</inkml:trace>
+  <inkml:trace contextRef="#ctx0" brushRef="#br0" timeOffset="21956.55">9404 9583 200 0,'0'0'0'16,"0"0"0"0,0 0 0-16,0 0 0 0,0 0 0 15,0 0 0 1,0 0 0 0,0 0 0-16,0 0 0 15,0 0 0 1,0 0 0-16,0 0 0 15,0 0 0-15,17 0 0 16,14 2 0 0,7 3 0-16,3 2 0 15,-1 4 0-15,-6 2 0 16,-4 2 0 0,-11 2 0-16,-10 1 0 31,-12 1 0-31,-13 2 0 15,-10-1 0-15,-5-1 0 16,-6 2 0 0,3 0 0-16,1 2 0 15,5-1 0 1,6-1 0-16,12-2 0 16,10 0 0-1,8-1 0-15,9 0 0 16,8-1 0-1,4-3 0-15,3 0 0 0,-1-3 0 16,-5 0 0 0,-5-2 0-16,-8 4 0 15,-12 3 0 1,-14 2 0-16,-14 3 0 16,-12 3 0-1,-15 2 0-15</inkml:trace>
+  <inkml:trace contextRef="#ctx0" brushRef="#br0" timeOffset="29973.77">4836 10979 200 0,'0'0'0'15,"0"0"0"-15,0 0 0 16,-12-6 0 31,-9-2 0-47,-4 0 0 0,-4 5 0 0,-1 6 0 0,-2-2 0 15,0 6 0-15,5 0 0 63,-1 1 0-47,6 1 0-16,2-2 0 0,4-3 0 0,4 1 0 0,12-5 0 0,0 0 0 0,0 0 0 15,0-1 0 1,12-10 0-1,8-8 0-15,8-4 0 16,7-3 0-16,0-2 0 16,0 1 0-1,-1 3 0-15,-6 4 0 16,-2 6 0 0,-7 6 0-16,-4 5 0 15,-2 5 0 1,-2 0 0-16,0 6 0 15,-6 7 0 1,-1 4 0-16,-3 12 0 16,-2 5 0-1,-1 3 0-15,-3-3 0 16,1-3 0 0,-3-1 0-1,1-4 0-15,-1-3 0 0</inkml:trace>
+  <inkml:trace contextRef="#ctx0" brushRef="#br0" timeOffset="31038.14">6131 10801 200 0,'0'0'0'16,"0"0"0"-16,0 0 0 16,0 0 0-16,9-9 0 15,14-1 0 1,6 2 0-16,9 1 0 16,6 2 0-1,3 4 0 1,-4 2 0-16,-7 2 0 15,-8 1 0 1,-9 1 0-16,-5 3 0 0,-13 0 0 16,-7 5 0-1,-11-1 0 1,-5 1 0-16,-4-1 0 16,-3-2 0-16,-1 0 0 15,8-2 0 1,6-3 0-16,16-5 0 15,-1 6 0-15,16-3 0 16,13-2 0 0,8 1 0-16,7 0 0 15,0 4 0 1,-5-2 0-16,-7 2 0 16,-12-1 0-1,-16 4 0-15,-13 2 0 16,-17 4 0-1,-10 2 0-15,-7-2 0 16,-6 1 0 0,1-2 0-1,-2-1 0 1</inkml:trace>
+  <inkml:trace contextRef="#ctx0" brushRef="#br0" timeOffset="38064.89">2875 15069 200 0,'0'0'0'0,"16"18"0"16,8 16 0-16,6 13 0 31,-1 16 0-15,6 16 0-16,4 16 0 0,4 9 0 15,9 9 0 1,5 2 0-1,4 4 0 1,0-3 0-16,1-7 0 0,-2-6 0 16,-3-5 0-16,-4-5 0 0,-6-4 0 31,-9-7 0-15,-13-18 0-16</inkml:trace>
+  <inkml:trace contextRef="#ctx0" brushRef="#br0" timeOffset="38520.64">2497 16390 200 0,'35'-26'0'0,"30"-18"0"16,20-14 0-16,14-14 0 16,16-13 0-1,9-16 0-15,21-8 0 16,8-8 0 0,9 0 0-16,12 3 0 15,0 7 0 1,-10 11 0-16,-16 11 0 15,-17 11 0 1,-18 10 0-16</inkml:trace>
+  <inkml:trace contextRef="#ctx0" brushRef="#br0" timeOffset="39232.68">4609 16023 200 0,'24'3'0'0,"31"-2"0"16,25-5 0-1,26-2 0-15,22 0 0 16,18-3 0 0,13 2 0-16,11 3 0 15,-2 1 0 1,-5 1 0-16,-20 3 0 16,-24 0 0-1,-31 3 0-15,-35-3 0 16,-53-1 0-1</inkml:trace>
+  <inkml:trace contextRef="#ctx0" brushRef="#br0" timeOffset="39536.6">4541 16339 200 0,'-7'18'0'0,"21"0"0"15,27-6 0 1,34-11 0-16,35-10 0 16,27-7 0-1,22-2 0-15,18 2 0 16,9 2 0-1,3 3 0-15,-7 5 0 16,-14-1 0 0,-15 0 0-1,-27-5 0-15</inkml:trace>
+  <inkml:trace contextRef="#ctx0" brushRef="#br0" timeOffset="39983.18">7065 15275 200 0,'1'70'0'0,"0"43"0"16,-6 22 0-16,-4 7 0 16,0 1 0-1,-2-5 0-15,0-6 0 16,0-8 0 0,-1-8 0-16,2-8 0 15,1-13 0 1,2-27 0-1</inkml:trace>
+  <inkml:trace contextRef="#ctx0" brushRef="#br0" timeOffset="40548.92">7334 15487 200 0,'36'-19'0'0,"30"-11"0"16,22 1 0 0,20 0 0-1,19 8 0-15,18 7 0 16,9 12 0-16,2 9 0 16,-12 18 0-1,-25 12 0-15,-39 17 0 16,-51 14 0-1,-53 11 0-15,-50 12 0 16,-46 18 0 0,-29 10 0-16,-19 7 0 15,-4 7 0 1,14-8 0-16,23-8 0 16,38-11 0-1,38-14 0-15,41-17 0 16,48-18 0-1,47-19 0 1,51-22 0-16,46-12 0 16,36-6 0-1,20-2 0-15,5 6 0 16</inkml:trace>
+  <inkml:trace contextRef="#ctx0" brushRef="#br0" timeOffset="123887.31">1705 12836 200 0,'-31'24'0'16,"-29"8"0"-1,-19 4 0-15,-8-1 0 16,-1-8 0 0,1-5 0-16,-1-4 0 0,-2-5 0 31,-8-7 0-31,0-7 0 15,-5-8 0-15,-1-9 0 16,-2-9 0 0,-6-11 0-1,0-7 0-15,1-11 0 16,7-10 0-16,19-12 0 16,23 0 0-1,62 11 0-15,0 20 0 16,0 17 0-1,0 12 0-15,0 8 0 16,0 10 0 0,0-194 0-16,0-59 0 15,0 4 0 1,0 27 0-16,0 29 0 16,31 18 0-1,67 15 0-15,12 15 0 16,8 12 0-1,10 9 0-15,8 6 0 16,17 2 0 0,11-1 0-1,14 1 0-15,10-1 0 16,12 4 0 0,8 3 0-16,9 3 0 15,7 4 0 1,5 4 0-16,6 5 0 15,4 7 0 1,9 8 0-16,4 5 0 16,8 7 0-1,10 4 0-15,6 7 0 16,13 7 0 0,1 9 0-16,6 5 0 15,4 7 0 1,4 10 0-1,5 10 0-15,6 12 0 16,6 3 0 0,6 7 0-16,9 1 0 0,0 6 0 15,8 4 0 1,9 2 0 0,2 3 0-1,2 6 0-15,0 7 0 16,-1 8 0-16,-3 12 0 15,-1 11 0 1,-4 11 0-16,-5 14 0 16,-8 10 0-1,-8 9 0 1,-15 7 0-16,-17 5 0 16,-23 9 0-1,-22 8 0-15,-25 7 0 16,-28 3 0-1,-24 0 0 1,-30-1 0-16,-26-1 0 16,-22-5 0-1,-24 0 0-15,-26-5 0 16,-27 3 0-16,-22-2 0 16,-21 1 0-1,-25-5 0 1,-17-15 0-16,-13-13 0 15,-15-9 0-15,-8-12 0 32,-11-6 0-32,-11-10 0 0,-15-11 0 15,-20-11 0 1,-14-7 0-16,-14-7 0 31,-16-8 0-31,-15-1 0 16,-10-5 0-1,-7-6 0-15,-7-4 0 16,-8-2 0 0,-7-9 0-16,-9 6 0 15,-6-5 0 1,-13 0 0-16,-14-2 0 16,-8-6 0-1,-7 1 0 1,-3 2 0-16,3-3 0 15,4 1 0 1,0-2 0-16,-2-1 0 16,-3-5 0-1,-4-6 0-15,1-9 0 16,2 0 0 0,-2 0 0-16,-1 2 0 15,-4-2 0 1,-5 3 0-16,-8 4 0 15,-4 2 0 1,0 2 0-16,5 12 0 16,5 10 0-1,-3 14 0-15,5 10 0 16,5 3 0 0,10-2 0-16,8-7 0 15,13-9 0 1,16-1 0-16,18-9 0 15,17-10 0 1,11-10 0-16,25 1 0 16</inkml:trace>
+  <inkml:trace contextRef="#ctx0" brushRef="#br0" timeOffset="151098.67">15731 12275 200 0,'-76'-33'0'16,"-37"-3"0"-16,-9 14 0 15,0 24 0 1,0 26 0-16,0 24 0 16,7 26 0-1,9 26 0 1,20 10 0-16,26-3 0 15,25-5 0-15,26-10 0 16,26-13 0 0,25-18 0-1,22-21 0-15,21-22 0 16,13-22 0 0,8-22 0-1,-1-16 0-15,-2-22 0 16,-12-14 0-1</inkml:trace>
+  <inkml:trace contextRef="#ctx0" brushRef="#br0" timeOffset="151462.25">15781 11516 200 0,'-31'62'0'0,"-10"42"0"16,-4 33 0-1,-7 21 0 1,1 9 0-16,8 1 0 16,5-8 0-1,8-16 0-15,7-21 0 16,8-24 0 0,10-20 0-16,8-18 0 15,4-26 0 1</inkml:trace>
+  <inkml:trace contextRef="#ctx0" brushRef="#br0" timeOffset="152337.15">15891 12836 200 0,'34'18'0'0,"25"-2"0"15,11-15 0 1,8-18 0-16,1-17 0 15,2-14 0-15,1-11 0 16,-8-7 0 0,-14-1 0-1,-21 5 0 1,-23 8 0-16,-25 12 0 16,-25 17 0-1,-21 21 0-15,-19 26 0 16,-9 28 0-1,-7 35 0-15,7 26 0 16,18 19 0-16,27-10 0 16,33-33 0-1,32-40 0-15,29-37 0 16,27-30 0 0,18-22 0-16,14-15 0 31,11-9 0-31,6-3 0 15,5 2 0-15,3 6 0 16,-2 0 0-16,-4 0 0 16,-10-1 0-1,-14 1 0-15,-13-3 0 32,-16-3 0-32,-10-6 0 15,-17-4 0 1,-16-2 0-16,-18 0 0 15,-17 4 0 1,-15 3 0-16,-16 9 0 0,-11 13 0 16,-12 14 0-1,-6 22 0-15,-2 24 0 32,4 23 0-32,-1 31 0 0,3 35 0 31,-3 33 0-16,2 28 0-15,6 18 0 16,11 7 0 0,14-14 0-16,10-26 0 15,7-23 0 1,3-22 0-16,3-21 0 16,2-18 0-1,3-25 0-15,-1-29 0 16</inkml:trace>
+  <inkml:trace contextRef="#ctx0" brushRef="#br0" timeOffset="152619.2">16884 13127 200 0,'57'-12'0'0,"56"-7"0"16,37-1 0 0,19 3 0-16,6 4 0 15,-1 6 0 1,-6 3 0-16,-10 0 0 15</inkml:trace>
+  <inkml:trace contextRef="#ctx0" brushRef="#br0" timeOffset="153451.76">17767 13493 200 0</inkml:trace>
+  <inkml:trace contextRef="#ctx0" brushRef="#br0" timeOffset="154883.71">11508 7170 200 0,'-16'-14'0'0,"-13"4"0"16,-9 10 0-16,-9 16 0 15,-9 21 0 1,-11 21 0-16,-3 23 0 15,7 13 0-15,11 16 0 32,24-3 0-32,22-5 0 15,24-17 0-15,22-24 0 16,22-22 0 0,26-25 0-16,27-20 0 15,22-20 0 1,9-13 0-16,1-7 0 15,-12-6 0 1,-21-1 0-16</inkml:trace>
+  <inkml:trace contextRef="#ctx0" brushRef="#br0" timeOffset="155454.64">12686 7367 200 0,'13'-21'0'15,"6"-11"0"1,-9-5 0-16,-15 3 0 16,-19 9 0-1,-16 12 0-15,-17 19 0 16,-17 20 0 0,-12 23 0-16,-1 25 0 15,0 16 0 1,13 2 0-16,25-10 0 15,29-13 0 1,22-17 0-16,21-18 0 16,15-21 0-1,20-20 0-15,14-17 0 16,8-9 0 0,-4-12 0-16,-8-4 0 15,-10 6 0 1,-14 8 0-16,-17 14 0 15,-5 15 0 1,-6 16 0-16,-3 15 0 16,2 12 0-1,4 6 0-15,12-5 0 16,17-12 0 0,16-18 0-16,19-17 0 15</inkml:trace>
+  <inkml:trace contextRef="#ctx0" brushRef="#br0" timeOffset="155791.04">13392 6675 200 0,'0'20'0'0,"4"21"0"16,3 28 0-16,0 30 0 15,-8 13 0 1,-6 12 0-16,7-3 0 31,0-13 0-31,3-18 0 16,-2-13 0-1,3-8 0-15,3-13 0 16</inkml:trace>
+  <inkml:trace contextRef="#ctx0" brushRef="#br0" timeOffset="156138.46">13973 6522 200 0,'20'98'0'0,"4"54"0"16,-5 30 0-1,-10 7 0-15,-3-12 0 16,-3-20 0-1,12-26 0-15,7-14 0 16,6-18 0-16</inkml:trace>
+</inkml:ink>
+</file>
+
+<file path=ppt/ink/ink14.xml><?xml version="1.0" encoding="utf-8"?>
+<inkml:ink xmlns:inkml="http://www.w3.org/2003/InkML">
+  <inkml:definitions>
+    <inkml:context xml:id="ctx0">
+      <inkml:inkSource xml:id="inkSrc0">
+        <inkml:traceFormat>
+          <inkml:channel name="X" type="integer" max="32767" units="cm"/>
+          <inkml:channel name="Y" type="integer" max="32767" units="cm"/>
+          <inkml:channel name="F" type="integer" max="1024" units="dev"/>
+          <inkml:channel name="T" type="integer" max="2.14748E9" units="dev"/>
+        </inkml:traceFormat>
+        <inkml:channelProperties>
+          <inkml:channelProperty channel="X" name="resolution" value="325.74808" units="1/cm"/>
+          <inkml:channelProperty channel="Y" name="resolution" value="571.84991" units="1/cm"/>
+          <inkml:channelProperty channel="F" name="resolution" value="4.0315E-5" units="1/dev"/>
+          <inkml:channelProperty channel="T" name="resolution" value="1" units="1/dev"/>
+        </inkml:channelProperties>
+      </inkml:inkSource>
+      <inkml:timestamp xml:id="ts0" timeString="2023-08-10T15:03:17.973"/>
+    </inkml:context>
+    <inkml:brush xml:id="br0">
+      <inkml:brushProperty name="width" value="0.05292" units="cm"/>
+      <inkml:brushProperty name="height" value="0.05292" units="cm"/>
+      <inkml:brushProperty name="color" value="#FF0000"/>
+    </inkml:brush>
+  </inkml:definitions>
+  <inkml:trace contextRef="#ctx0" brushRef="#br0">16791 17285 200 0,'29'-16'0'15,"11"-5"0"-15,5 1 0 16,-2 4 0-16,-2 3 0 15,1 2 0-15,0 1 0 16,5 0 0 0,-1 3 0-1,4 0 0-15,7 1 0 16,2 1 0-16,5-1 0 16,3 1 0-1,6 0 0 1,4-1 0-16,0 0 0 15,3 0 0 1,3-1 0-16,0-1 0 16,7-1 0-1,-1 0 0-15,7-2 0 16,-1 1 0 0,7-1 0-16,0 0 0 15,4-2 0 1,2-1 0-16,7 1 0 15,0-1 0 1,5 0 0-16,3 1 0 16,4 2 0-1,1 0 0-15,2 0 0 16,3 0 0-16,-1 1 0 16,4-2 0-1,5 0 0-15,3 3 0 16,-1-2 0-1,-1 4 0-15,0-2 0 16,1 7 0 0,2-1 0-16,5 0 0 15,0 3 0 1,2-1 0 0,2-1 0-16,4 2 0 15,-1 0 0-15,7 0 0 16,-7 0 0-1,1 3 0-15,2-6 0 16,2-1 0 0,4 0 0-16,1-2 0 15,4 2 0 1,0-2 0-16,2-2 0 16,-2 1 0-1,3 0 0-15,0 0 0 16,-2-1 0-1,3-1 0-15,-1-1 0 16,1-3 0 0,-2-1 0-1,-2 3 0-15,6-2 0 16,-2 1 0 0,-2 2 0-16,0 1 0 15,0 0 0-15,-2 2 0 16,1 1 0-1,-2 1 0-15,1 0 0 16,0 1 0 0,0 0 0-1,0 3 0-15,3 0 0 16,1 1 0-16,-4 2 0 16,-5-2 0-1,-4 1 0-15,-2 2 0 16,-1-1 0-1,0 1 0-15,-3 1 0 16,0-1 0-16,1 0 0 31,-1 1 0-31,3 3 0 16,4 3 0-16,2 0 0 16,0-2 0-1,4 4 0 1,-1-2 0-1,-4 2 0-15,4-2 0 0,-1 0 0 32,-1 0 0-32,-8-2 0 15,-5-2 0-15,-7 3 0 16,-1-1 0-16,-2 1 0 31,-5-1 0-31,-1 2 0 16,-4 0 0-1,-4-1 0 1,-2 3 0-16,-3 4 0 16,-1 2 0-1,-3 3 0-15,-4 4 0 16,-5 4 0 0,-4 3 0-16,-10 3 0 15,-4 2 0 1,-10 4 0-16,-8 3 0 15,-8 2 0 1,-10 2 0-16,-5 3 0 16,-8-2 0-1,-6 2 0-15,-9 3 0 16,-3-1 0 0,-7 2 0-16,-3-1 0 15,-3 0 0 1,-5 2 0-16,-2 0 0 15,-3-1 0 1,-3 1 0-16,-5-2 0 16,-5-5 0-1,-5-1 0-15,-3-1 0 16,-3-1 0 0,-4-2 0-16,-3-1 0 15,-1 1 0 1,0-2 0-16,-4-1 0 15,0 0 0 1,-6 1 0-16,1-2 0 16,-3 0 0-1,-3 1 0-15,0-2 0 16,-4 1 0 0,-4-2 0-16,-1 0 0 15,-2-3 0 1,2 0 0-16,-4-3 0 15,-2-2 0 1,0-1 0 0,-4-3 0-16,0 0 0 15,-1 2 0-15,-6-5 0 16,-2 2 0 0,-1-1 0-16,0-3 0 15,-2-4 0 1,0-8 0-16,-1-9 0 15,-2 0 0 1,3 0 0-16,-2 0 0 16,-3 0 0-1,0 0 0-15,0 0 0 16,-3 0 0 0,0 0 0-1,1 0 0-15,3 0 0 0,-1 0 0 16,-2 0 0-1,0 0 0-15,-3 0 0 32,-2 0 0-32,-4 0 0 15,-4-10 0 1,-4-10 0-16,3-3 0 16,2-1 0-1,4 1 0-15,-16-4 0 31,-42-4 0-15,-11 1 0 0,10 9 0-1,19 2 0-15,14 2 0 16,14 4 0 0,2 0 0-1,5-1 0-15,3 4 0 16,0 0 0-1,-2 2 0-15,-1 2 0 16,-1-1 0 0,2 2 0-16,-1-1 0 15,-2-1 0 1,-1 4 0-16,-2 0 0 16,1 1 0-1,1 1 0-15,-2-2 0 16,0 0 0-1,-1 0 0-15,3 3 0 16,4 0 0-16,1-1 0 16,4 0 0-1,-4 1 0-15,0 0 0 16,-2-2 0 0,2-1 0-16,1 0 0 15,1 0 0 1,-3 0 0-16,-1 2 0 15,-2-3 0 1,-1 0 0-16,1 0 0 16,1-1 0-1,0 0 0-15,-1 4 0 16,-3 1 0 0,-2-2 0-16,0 1 0 15,1 1 0-15,0 3 0 16,0-3 0-1,1 4 0-15,2 1 0 16,5-1 0 0,-1-1 0-16,0 0 0 15,-3 7 0-15,-2 0 0 16,0 0 0 0,-5 1 0-1,-2 2 0-15,0-1 0 16,2 1 0-16,-3 3 0 31,4 1 0-31,1 1 0 16,2-3 0-16,2 0 0 15,0-2 0 1,-1 1 0 0,-3 0 0-16,-1-1 0 0,0 0 0 15,-2 0 0 1,-1-2 0-16,-3 2 0 15,0-3 0 1,-3 2 0-16,-2-4 0 16,-3 4 0-1,-2-3 0-15,-2 2 0 16,1 2 0 0,-4-4 0-16,-5 0 0 31,-7 3 0-31,6 0 0 15,1-10 0-15,-2-2 0 16,-1 0 0 0,4 0 0-16,3 0 0 15,0 0 0 1,0 0 0 0,0 0 0-16,-1 0 0 15,2 0 0 1,2 0 0-16,2 0 0 15,2 0 0-15,3 0 0 16,3 0 0 0,2 0 0-16,3 0 0 15,3 0 0 1,0 0 0-16,-1 0 0 16,3 0 0-1,2 0 0-15,0 0 0 16,5 0 0-1,3 0 0-15,1-5 0 16,0 1 0 0,2-1 0-16,2-2 0 15,2 0 0 1,0 2 0-16,1 2 0 16,-1-4 0-16,4 2 0 15,1-2 0 1,-1-3 0-16,3 1 0 15,2 0 0 1,1 2 0-16,-1-3 0 16,2 0 0-1,-1-1 0-15,4 3 0 16,3-3 0 0,-1-3 0-16,3 0 0 15,3 0 0 1,1 1 0-16,2-3 0 15,3-1 0 1,0-2 0-16,1-2 0 16,5 0 0-16,4-1 0 15,-2-4 0 1,2-3 0-16,1 1 0 16,3-4 0-1,2 1 0-15,6-1 0 16,3-2 0-1,1 0 0-15,5-2 0 16,1-1 0 0,3 2 0-16,1 0 0 15,3-1 0-15,2 0 0 16,5 1 0 0,1 3 0-16,5-1 0 15,3 3 0 1,1-2 0-1,4 3 0-15,1 0 0 16,4 2 0 0,2-1 0-16,3-4 0 15,5 0 0-15,1 2 0 16,0-2 0 0,3 1 0-16,0 1 0 15,-1 1 0 1,3 1 0-16,3 3 0 15,2-2 0-15,-3 1 0 16,1 2 0 0,-4 1 0-16,4 1 0 15,2 1 0 1,-2-1 0-16,0 2 0 16,-2 0 0-1,-1 2 0 1,-5 2 0-16,1-5 0 15,0 4 0-15,2-2 0 16,2 2 0 0,2-1 0-1,0 1 0-15,6 3 0 0,-1 1 0 16,1 0 0 0,-4 4 0-1,1 0 0-15,-2 3 0 16,4 0 0-16,2-2 0 15,1-1 0 1,-3-2 0 0,1 1 0-16,-1 1 0 15,2 3 0-15,-1 0 0 16,4-1 0-16,9-38 0 16</inkml:trace>
+  <inkml:trace contextRef="#ctx0" brushRef="#br0" timeOffset="7384.58">158 14012 200 0,'0'0'0'16,"0"0"0"-16,0 0 0 16,0 0 0-1,0 0 0-15,0 0 0 0,0 0 0 16,0 0 0 0,0 0 0-16,0 0 0 15,13 7 0-15,5 3 0 16,0 0 0-1,0-2 0 1,4 2 0-16,1-3 0 0,3-2 0 16,3 1 0-1,2-3 0-15,4-1 0 16,7-2 0 0,7-1 0-16,2 1 0 15,7 0 0 1,4-1 0-16,6-2 0 31,2 0 0-31,6 3 0 0,4-4 0 16,-2 2 0-1,5 0 0 1,3-1 0-16,3 2 0 16,6-2 0-1,3-3 0-15,4-1 0 16,4-3 0-1,-1-1 0-15,-1-3 0 16,4-2 0-16,3-2 0 16,-2-2 0-1,1-1 0 1,-4-4 0-16,-1 0 0 16,-2-3 0-1,-7 1 0-15,-7-4 0 0,-3 1 0 16,-3-2 0-16,-8 3 0 15,-10-2 0 1,-7 3 0-16,-9-1 0 31,-5 2 0-15,-8 1 0-16,-6-3 0 16,-8 1 0-1,-6-1 0-15,-5 4 0 16,-8 0 0-1,-7-1 0-15,-10-1 0 16,-7 1 0 0,-14 1 0-16,-4 3 0 15,-12 2 0 1,-9 2 0-16,-10 0 0 16,-12 6 0-1,-10-1 0-15,-8 6 0 16,-3 2 0-1,-9 2 0-15,-5 3 0 16,-1 1 0 0,-3 4 0-16,0-1 0 15,-2 3 0 1,-6 2 0-16,-2 1 0 16,1 1 0-1,4 0 0-15,2 2 0 16,6 2 0-1,7-2 0-15,7 2 0 16,4-1 0 0,1 3 0-16,-2 5 0 15,0 4 0-15,2 4 0 16,7 3 0 0,10 1 0-1,8 1 0-15,6 2 0 16,5 4 0-1,4 4 0-15,4 1 0 16,17-4 0 0,17 1 0-16,21-7 0 15,0-5 0 1,0 5 0-16,0 0 0 16,0 2 0-16,0-5 0 15,0-5 0 1,0-3 0-16,0-5 0 15,0-4 0 1,47-8 0-16,30-1 0 16,11-1 0-16,5-1 0 15,1 2 0 1,6-1 0-16,-3-2 0 16,-13-3 0-1</inkml:trace>
+  <inkml:trace contextRef="#ctx0" brushRef="#br0" timeOffset="9232.49">3288 13647 200 0,'-4'-14'0'31,"-3"-3"0"-31,5-1 0 0,5 1 0 16,9 0 0-16,6 1 0 31,16-3 0-31,5-1 0 16,13-1 0-1,19-3 0 1,10-3 0-16,16-2 0 16,12-4 0-16,20-5 0 15,14-2 0 1,12-3 0-16,13-3 0 16,18-4 0-1,15 1 0-15,13 2 0 16,14 3 0-1,18-4 0-15,18 10 0 16,13 6 0 0,16 5 0-16,17 5 0 15,12 12 0 1,7 12 0-16,9 16 0 16,3 15 0-1,2 20 0-15,-6 13 0 16,-8 18 0-1,-9 16 0-15,-13 15 0 16,-20 10 0 0,-22 6 0-1,-28 7 0-15,-30 3 0 16,-31 6 0 0,-34 0 0-16,-29-3 0 15,-30-3 0-15,-32-9 0 16,-31-6 0-1,-29-3 0 1,-27-5 0-16,-23-2 0 16,-25 1 0-16,-20-5 0 15,-22-5 0 1,-16-1 0-16,-12 0 0 31,-9 0 0-31,-10-1 0 16,-3 0 0-16,-4-5 0 15,3-4 0 1,6-6 0 0,7-8 0-16,10-4 0 15,13-7 0-15,23-18 0 16</inkml:trace>
+  <inkml:trace contextRef="#ctx0" brushRef="#br0" timeOffset="9868.24">8504 16023 200 0,'0'0'0'0,"0"0"0"16,8 14 0 0,11 17 0-16,12 23 0 15,9 24 0 1,8 19 0-16,7 10 0 15,3 3 0 1,4-7 0-16,-1-9 0 16,-3-11 0-1,-6-11 0-15,-7-7 0 16,-14-12 0-16,-14-15 0 16,-17-38 0-1</inkml:trace>
+  <inkml:trace contextRef="#ctx0" brushRef="#br0" timeOffset="10428.07">8496 16049 200 0,'0'0'0'0,"0"0"0"15,0 0 0 1,0 0 0-16,0 0 0 15,-9 23 0-15,-6 23 0 16,-6 19 0 0,-4 15 0-1,-6 11 0-15,-4 0 0 16,5-1 0-16,-1-7 0 16,4-7 0-16,2-7 0 15,4-6 0 1,7-12 0-16,8-6 0 31,9-8 0-31,12-3 0 16,17-8 0-1,17-5 0-15,21-11 0 16,16-8 0 0,11-4 0-16,4-7 0 15,4-1 0 1,-1 3 0-16,-9 3 0 15,-15 3 0-15,-21 2 0 16</inkml:trace>
+</inkml:ink>
+</file>
+
+<file path=ppt/ink/ink15.xml><?xml version="1.0" encoding="utf-8"?>
+<inkml:ink xmlns:inkml="http://www.w3.org/2003/InkML">
+  <inkml:definitions>
+    <inkml:context xml:id="ctx0">
+      <inkml:inkSource xml:id="inkSrc0">
+        <inkml:traceFormat>
+          <inkml:channel name="X" type="integer" max="32767" units="cm"/>
+          <inkml:channel name="Y" type="integer" max="32767" units="cm"/>
+          <inkml:channel name="F" type="integer" max="1024" units="dev"/>
+          <inkml:channel name="T" type="integer" max="2.14748E9" units="dev"/>
+        </inkml:traceFormat>
+        <inkml:channelProperties>
+          <inkml:channelProperty channel="X" name="resolution" value="325.74808" units="1/cm"/>
+          <inkml:channelProperty channel="Y" name="resolution" value="571.84991" units="1/cm"/>
+          <inkml:channelProperty channel="F" name="resolution" value="4.0315E-5" units="1/dev"/>
+          <inkml:channelProperty channel="T" name="resolution" value="1" units="1/dev"/>
+        </inkml:channelProperties>
+      </inkml:inkSource>
+      <inkml:timestamp xml:id="ts0" timeString="2023-08-10T15:04:40.169"/>
+    </inkml:context>
+    <inkml:brush xml:id="br0">
+      <inkml:brushProperty name="width" value="0.05292" units="cm"/>
+      <inkml:brushProperty name="height" value="0.05292" units="cm"/>
+      <inkml:brushProperty name="color" value="#FF0000"/>
+    </inkml:brush>
+  </inkml:definitions>
+  <inkml:trace contextRef="#ctx0" brushRef="#br0">1623 15580 200 0,'-16'-3'0'0,"-3"-2"0"15,3-1 0-15,5 1 0 16,3-2 0 0,4 0 0-16,4 7 0 15,4-7 0-15,11 0 0 16,6 3 0 0,9 1 0-1,10 2 0-15,13-1 0 16,10 1 0-1,13-1 0-15,12 2 0 16,14 3 0 0,8 0 0-16,14-2 0 15,4 4 0-15,9-1 0 16,8 4 0 0,3 5 0-1,1-2 0-15,-4 1 0 16,-5 4 0-16,-11 0 0 15,-7-6 0 1</inkml:trace>
+  <inkml:trace contextRef="#ctx0" brushRef="#br0" timeOffset="12767.6">8740 16722 200 0,'47'-9'0'16,"33"-8"0"-16,10 0 0 16,6 1 0 31,8-3 0-47,10-3 0 0,15-7 0 0,19-4 0 0,14-2 0 15,25 4 0 32,29 3 0-47,24 8 0 0,16 11 0 0,16 18 0 0,7 20 0 16,8 14 0-1,-4 16 0-15</inkml:trace>
+  <inkml:trace contextRef="#ctx0" brushRef="#br0" timeOffset="34764.37">9505 18137 200 0,'26'14'0'0,"10"2"0"15,0-3 0 1,-4-4 0-16,-5-4 0 15,-1-3 0-15,1 0 0 16,2-2 0 0,2 0 0-16,0 0 0 15,5-2 0 1,3 0 0-16,3-1 0 16,9 0 0-16,4 0 0 15,5 3 0 1,7 2 0-16,9-1 0 15,8-1 0 1,8 0 0-16,9 2 0 16,9 1 0-1,8 6 0-15,12 0 0 16,6 0 0 0,10-7 0-16,4 6 0 15,8 9 0 1,6 3 0-16,8-2 0 15,3 3 0 1,-2-1 0-16,1-1 0 16,-7 1 0-1,-5-1 0-15,-14-1 0 16,-7-1 0 0,-11-3 0-16,-9 1 0 15,-7 3 0 1,-7-1 0-16,-10-3 0 15,-9 1 0 1,-14-5 0-16,-11-2 0 16,-13-4 0-16,-11-3 0 15</inkml:trace>
+</inkml:ink>
+</file>
+
+<file path=ppt/ink/ink16.xml><?xml version="1.0" encoding="utf-8"?>
+<inkml:ink xmlns:inkml="http://www.w3.org/2003/InkML">
+  <inkml:definitions>
+    <inkml:context xml:id="ctx0">
+      <inkml:inkSource xml:id="inkSrc0">
+        <inkml:traceFormat>
+          <inkml:channel name="X" type="integer" max="32767" units="cm"/>
+          <inkml:channel name="Y" type="integer" max="32767" units="cm"/>
+          <inkml:channel name="F" type="integer" max="1024" units="dev"/>
+          <inkml:channel name="T" type="integer" max="2.14748E9" units="dev"/>
+        </inkml:traceFormat>
+        <inkml:channelProperties>
+          <inkml:channelProperty channel="X" name="resolution" value="325.74808" units="1/cm"/>
+          <inkml:channelProperty channel="Y" name="resolution" value="571.84991" units="1/cm"/>
+          <inkml:channelProperty channel="F" name="resolution" value="4.0315E-5" units="1/dev"/>
+          <inkml:channelProperty channel="T" name="resolution" value="1" units="1/dev"/>
+        </inkml:channelProperties>
+      </inkml:inkSource>
+      <inkml:timestamp xml:id="ts0" timeString="2023-08-10T15:10:11.316"/>
+    </inkml:context>
+    <inkml:brush xml:id="br0">
+      <inkml:brushProperty name="width" value="0.05292" units="cm"/>
+      <inkml:brushProperty name="height" value="0.05292" units="cm"/>
+      <inkml:brushProperty name="color" value="#FF0000"/>
+    </inkml:brush>
+  </inkml:definitions>
+  <inkml:trace contextRef="#ctx0" brushRef="#br0">5677 8533 200 0,'14'-50'0'16,"2"-31"0"-16,-9-10 0 15,-16 0 0 1,-19 6 0 0,-18 11 0-16,-14 14 0 15,-11 20 0 1,-9 18 0-16,0 19 0 15,5 18 0 1,1 35 0-16,6 38 0 16,8 36 0-1,11 34 0-15,8 22 0 16,16 8 0 0,12-10 0-16,14-7 0 15,10-11 0 1,9-10 0-16,2-12 0 15,-3-12 0 1,-11-13 0 0,-6-21 0-16,-5-23 0 15,-10-25 0 1,-4-27 0-16</inkml:trace>
+  <inkml:trace contextRef="#ctx0" brushRef="#br0" timeOffset="287.66">4448 9701 200 0,'0'0'0'15,"0"0"0"-15,17 5 0 16,17-3 0-16,26 0 0 16,27-6 0-1,24-8 0 1,17-1 0-16,6 0 0 16,-4-2 0-1,-7-1 0 1</inkml:trace>
+  <inkml:trace contextRef="#ctx0" brushRef="#br0" timeOffset="802.42">5727 9454 200 0,'0'0'0'0,"-17"14"0"0,-12 14 0 16,-6 20 0 0,4 19 0-1,9 18 0-15,7 5 0 16,13-5 0-1,7-13 0-15,11-19 0 16,10-18 0 0,8-19 0-16,16-17 0 15,11-19 0 1,4-18 0-16,-2-12 0 16,-5-10 0-1,-6-6 0-15,-11 4 0 16,-7 13 0-1,-6 13 0-15,-10 20 0 16,-3 18 0 0,2 21 0-16,-6 15 0 15,2 16 0 1,-7 9 0-16,3 2 0 16,1-8 0-1,3-7 0-15,0-10 0 16,4-5 0-1,1-12 0-15</inkml:trace>
+  <inkml:trace contextRef="#ctx0" brushRef="#br0" timeOffset="1266.38">6468 9625 200 0,'8'28'0'0,"6"27"0"0,0 15 0 15,3-1 0 1,-4-7 0 0,-1-15 0-16,-4-16 0 15,-3-13 0 1,-2-7 0-16,-3-11 0 15,0-1 0-15,-6-20 0 16,-3-17 0 0,2-17 0-16,8-9 0 15,10-1 0 1,8 10 0-16,12 13 0 16,12 13 0-1,3 15 0-15,9 21 0 16,-2 21 0-1,-6 20 0-15,-13 16 0 16,-12 0 0 0,-8-7 0-16,-4-10 0 15,2-10 0 1,4-15 0 0,4-20 0-16</inkml:trace>
+  <inkml:trace contextRef="#ctx0" brushRef="#br0" timeOffset="1611.47">7545 9657 200 0,'0'0'0'16,"6"-11"0"-16,0-7 0 15,-7-3 0 1,-13 4 0-16,-12 7 0 31,-16 20 0-31,-12 18 0 0,-6 25 0 31,-2 26 0-31,3 13 0 0,16-1 0 32,19-10 0-32,27-19 0 0,24-14 0 31,27-18 0-31,21-17 0 15,21-16 0-15,18-16 0 16,13-14 0-16,-3-14 0 16,-12-12 0-1</inkml:trace>
+  <inkml:trace contextRef="#ctx0" brushRef="#br0" timeOffset="1911.45">8125 9113 200 0,'0'0'0'16,"0"0"0"-16,0 0 0 15,9 26 0 1,-2 33 0-16,-3 28 0 16,-4 20 0-1,2 10 0-15,4 2 0 16,2-8 0 0,5-15 0-16,3-13 0 15,0-19 0 1</inkml:trace>
+  <inkml:trace contextRef="#ctx0" brushRef="#br0" timeOffset="2182.73">7864 9828 200 0,'42'-8'0'0,"27"-6"0"16,11-3 0 0,4 0 0-16,-1 1 0 15,-1-1 0 1,-3 0 0-16</inkml:trace>
+  <inkml:trace contextRef="#ctx0" brushRef="#br0" timeOffset="2388.58">8840 9684 200 0,'8'41'0'0,"6"18"0"15,-2-5 0-15,1-14 0 16,2-25 0 0</inkml:trace>
+  <inkml:trace contextRef="#ctx0" brushRef="#br0" timeOffset="2571.42">9009 9334 200 0,'0'0'0'16,"0"0"0"-16,0 0 0 15,-9 17 0-15</inkml:trace>
+  <inkml:trace contextRef="#ctx0" brushRef="#br0" timeOffset="3039.08">9539 9710 200 0,'22'-22'0'0,"7"-9"0"15,-10-4 0-15,-16-1 0 32,-18 0 0-32,-21 5 0 15,-9 9 0-15,-9 11 0 16,-2 17 0-16,-5 18 0 31,3 23 0-31,6 22 0 16,12 9 0-1,21 1 0-15,28-12 0 16,25-21 0 0,20-20 0-1,12-22 0-15,10-15 0 16,4-14 0-16,1-8 0 15,-6-10 0 1,-10-8 0 0,-16-3 0-16,-17-4 0 15,-22 5 0 1,-19 3 0-16,-13 12 0 16,-9 12 0-1,1 14 0-15,0 9 0 16</inkml:trace>
+  <inkml:trace contextRef="#ctx0" brushRef="#br0" timeOffset="3499.5">10010 9625 200 0,'8'28'0'0,"8"15"0"16,1 0 0-16,-2-7 0 16,-3-5 0-1,-5-10 0-15,-1-7 0 16,-6-14 0-16,-3 2 0 15,-6-12 0 1,3-17 0-16,10-20 0 16,19-15 0-1,15-4 0-15,14 2 0 16,11 9 0 0,7 18 0-16,4 20 0 15,-1 23 0 1,-9 22 0-1,-8 21 0-15,-15 14 0 16,-8 4 0-16,-8-9 0 31,-3-9 0-31,-3-14 0 16,8-19 0 0</inkml:trace>
+  <inkml:trace contextRef="#ctx0" brushRef="#br0" timeOffset="4221.96">13241 9010 200 0,'4'-38'0'16,"-3"-15"0"-16,-10-2 0 15,-12 6 0 1,-9 5 0-16,-11 5 0 16,-10 7 0-1,-7 8 0-15,-6 9 0 16,-5 14 0-1,-1 12 0-15,1 14 0 16,3 15 0 0,-6 20 0-16,7 22 0 15,15 21 0 1,9 16 0-16,9 7 0 16,20-3 0-1,16-12 0-15,13-14 0 16,5-18 0-1,0-14 0 1,-4-15 0-16,-7-7 0 16,-10-9 0-16</inkml:trace>
+  <inkml:trace contextRef="#ctx0" brushRef="#br0" timeOffset="4504.26">12079 9743 200 0,'30'-3'0'0,"28"-6"0"15,22-7 0 1,16-3 0-16,9-5 0 16,5 1 0-16,0 2 0 15,-7 4 0 1,-12 3 0-16</inkml:trace>
+  <inkml:trace contextRef="#ctx0" brushRef="#br0" timeOffset="5022.96">13207 9446 200 0,'0'0'0'16,"-8"26"0"-1,-3 23 0-15,0 23 0 16,-3 6 0 0,8-6 0-1,9-13 0-15,9-14 0 16,4-18 0-16,9-16 0 15,11-22 0-15,14-16 0 16,5-16 0 15,-6-8 0-31,-4-8 0 0,-10 8 0 32,-9 12 0-32,-8 13 0 0,-3 15 0 15,-3 18 0-15,1 15 0 16,1 14 0-1,3 12 0 1,1 5 0-16,7-3 0 31,7-7 0-31,4-12 0 16,2-9 0-16,1-11 0 16,-3-11 0-1</inkml:trace>
+  <inkml:trace contextRef="#ctx0" brushRef="#br0" timeOffset="5554.18">13981 9512 200 0,'9'28'0'16,"6"17"0"-16,0 2 0 15,1-4 0 1,-4-7 0-1,-3-11 0-15,-1-7 0 16,-5-7 0 0,-3-11 0-16,0 0 0 15,0-3 0-15,1-14 0 16,3-20 0 0,9-14 0-16,13-7 0 15,8 3 0 1,7 10 0-16,2 10 0 15,5 17 0 1,-3 16 0-16,-2 18 0 16,-8 18 0-1,-5 11 0-15,-8 6 0 16,-4-5 0 0,-2-8 0-16,4-8 0 15,9-11 0 1,12-17 0-16</inkml:trace>
+  <inkml:trace contextRef="#ctx0" brushRef="#br0" timeOffset="5866.86">15218 9334 200 0,'-11'-14'0'0,"-13"-1"0"15,-8 9 0 1,-8 13 0-16,-8 21 0 16,-4 21 0-1,-1 24 0-15,-4 18 0 16,2 6 0 0,14-10 0-1,22-16 0-15,21-19 0 16,23-18 0-16,27-15 0 15,25-14 0 1,30-12 0-16,19-9 0 16,12-6 0-1,-1-10 0-15</inkml:trace>
+  <inkml:trace contextRef="#ctx0" brushRef="#br0" timeOffset="7097.4">16336 9880 200 0,'8'-29'0'16,"2"-12"0"-16,-4-2 0 15,0 3 0-15,-4 5 0 31,-5-1 0-31,-10 0 0 16,-12-3 0-16,-2-3 0 16,-3-4 0-1,1-5 0 1,0-2 0-16,5-7 0 16,6-10 0-16,16-8 0 15,17-8 0 1,29-7 0-1,28-2 0-15,30 3 0 16,21 6 0 0,10 0 0-16</inkml:trace>
+  <inkml:trace contextRef="#ctx0" brushRef="#br0" timeOffset="7729.36">17793 9726 200 0,'40'-47'0'16,"17"-25"0"-16,-3-10 0 15,-12-2 0 1,-14-1 0-16,-14-3 0 16,-18-4 0-1,-22-4 0 1,-22 1 0-16,-16 4 0 15,-13 5 0 1,-5 7 0-16,0 7 0 16,0 15 0-1,3 6 0-15</inkml:trace>
+  <inkml:trace contextRef="#ctx0" brushRef="#br0" timeOffset="8738.98">19122 9351 200 0,'55'-16'0'0,"21"-11"0"0,-3-3 0 31,-9-5 0-31,-12-4 0 16,-9-5 0-16,-12-8 0 15,-12-3 0 1,-11-8 0-16,-14-1 0 15,-8 1 0 1,-9 4 0-16,-2 9 0 16,3 6 0-1,4 7 0 1,4 6 0-16,5 4 0 16,6 5 0-16,8 0 0 31,12-1 0-31,16 1 0 15,20-1 0 1,22-3 0-16,16 2 0 16,14 2 0-16,6 4 0 15,-3-1 0 1</inkml:trace>
+  <inkml:trace contextRef="#ctx0" brushRef="#br0" timeOffset="9463.12">19181 9437 200 0,'0'0'0'0,"0"0"0"16,0 0 0-1,0 0 0-15,11-4 0 16,15-4 0 0,14-6 0-16,18-3 0 15,18-3 0 1,9 0 0-16,0 6 0 16,-7 5 0-1,-18 9 0-15,-21 9 0 16,-18 9 0-1,-20 12 0-15,-22 11 0 16,-12 12 0 0,-6 11 0-16,0 5 0 15,9 3 0 1,15-6 0-16,15-13 0 16,23-7 0-1,22-9 0-15,28-8 0 16,28-5 0-1,25-3 0-15,12 2 0 16,4-6 0 0</inkml:trace>
+  <inkml:trace contextRef="#ctx0" brushRef="#br0" timeOffset="11773.09">4591 16297 200 0,'18'-6'0'0,"14"-1"0"15,7-4 0 1,3 0 0 15,4-1 0-31,1 1 0 16,4 1 0-16,-3 0 0 15,0 4 0 17,-4 4 0-32,-5 4 0 0,-10 8 0 0,-10 8 0 0,-9 13 0 15,-17 13 0 1,-10 13 0-16,-11 12 0 31,-3 8 0-31,1 4 0 0,6 2 0 16,9 4 0-1,12-2 0-15,15-4 0 16,14-10 0 0,16-12 0-1,9-12 0-15,12-10 0 16,7-9 0 0,4-8 0-1,1-8 0-15,-5-3 0 0,-7-5 0 16,-10-2 0-16,-15-2 0 31,-9 0 0-15,-7 0 0-16,-10 0 0 15,-4 0 0 1,-8 0 0-16,0 0 0 16,0 0 0-16,-2 0 0 15,-5 2 0 1,0 1 0-16,-1-1 0 15,8-2 0 1,0 0 0-16,-8 1 0 16,-3-1 0-1,1 0 0-15,-6 0 0 16,-2 3 0 0,-7 2 0-16,-6 1 0 15,-9 7 0-15,-11 5 0 16,-5 4 0-1,0 1 0-15,4 1 0 16,5 3 0 0,8 1 0-16,8-1 0 15,8 0 0 1,9-3 0-16,9 0 0 16,12 2 0-1,12 5 0-15,18 3 0 16,7 8 0-1,6 4 0-15,6 4 0 16,2-2 0 0,-5 3 0-16,-8 0 0 15,-9 2 0 1,-15 3 0-16,-10 1 0 16,-12 3 0-1,-16-1 0-15,-13-3 0 16,-11-3 0-16,-13-4 0 15,-6-9 0 1,-6-7 0-16,-2-10 0 16,2-9 0-1,2-8 0-15,5-4 0 16,7-8 0 0,3-1 0-16,2 5 0 15</inkml:trace>
+  <inkml:trace contextRef="#ctx0" brushRef="#br0" timeOffset="17023.53">7578 10741 200 0,'0'0'0'0,"0"19"0"16,0 24 0-16,1 28 0 15,7 26 0 1,2 18 0-16,-1 12 0 16,-2-1 0-1,-1-3 0-15,1-7 0 16,1-9 0 0,1-16 0-16,-3-13 0 15,4-8 0 1</inkml:trace>
+  <inkml:trace contextRef="#ctx0" brushRef="#br0" timeOffset="17596.71">7856 11814 200 0,'0'0'0'16,"0"0"0"-1,19 0 0 1,16-3 0-16,9-10 0 15,9-13 0 1,6-14 0 0,1-12 0-16,1-6 0 0,-6 1 0 15,-10 5 0 1,-12 8 0 0,-12 6 0-16,-11 5 0 15,-11 8 0 1,-8 9 0-16,-13 11 0 15,-12 16 0-15,-6 18 0 32,-4 20 0-32,3 18 0 15,6 17 0 1,19 7 0-16,20-3 0 16,18-13 0-1,16-17 0 1,16-21 0-16,12-19 0 15,15-23 0 1,6-17 0-16,6-21 0 16,-6-13 0-1</inkml:trace>
+  <inkml:trace contextRef="#ctx0" brushRef="#br0" timeOffset="17916.23">8966 10954 200 0,'7'32'0'0,"6"29"0"15,0 28 0 1,5 17 0-16,1 8 0 16,0-1 0-1,-2-9 0 1,-4-10 0-16,1-14 0 16,0-7 0-1,-4-4 0-15,-4-11 0 16</inkml:trace>
+  <inkml:trace contextRef="#ctx0" brushRef="#br0" timeOffset="18216.54">8799 11737 200 0,'0'0'0'0,"16"3"0"16,25-1 0-16,17-5 0 16,19 0 0-1,14 0 0-15,14 3 0 16,9-3 0-16,1-2 0 15,-1-1 0 1,-10-5 0 0</inkml:trace>
+  <inkml:trace contextRef="#ctx0" brushRef="#br0" timeOffset="18709.27">10641 10860 200 0,'4'43'0'16,"8"36"0"-1,1 28 0 1,2 21 0-16,-4 11 0 16,2-4 0-16,-4-12 0 0,0-17 0 31,1-18 0-31,1-15 0 15,-2-14 0 1,-5-19 0 0</inkml:trace>
+  <inkml:trace contextRef="#ctx0" brushRef="#br0" timeOffset="18976.68">10455 11694 200 0,'18'10'0'15,"16"-2"0"1,15-2 0-16,12-6 0 15,11-6 0-15,5-9 0 16,2-5 0 0,-9-2 0-1,-11 0 0-15</inkml:trace>
+  <inkml:trace contextRef="#ctx0" brushRef="#br0" timeOffset="19467">11036 11857 200 0,'0'0'0'0,"23"-3"0"16,16-5 0-1,10-9 0-15,8-9 0 16,2-9 0 0,-2-8 0-16,-3-2 0 15,-9-2 0 1,-9 0 0-16,-13 4 0 16,-11 4 0-1,-14 7 0 1,-13 7 0-16,-9 10 0 15,-8 14 0 1,-2 15 0-16,-4 17 0 16,7 13 0-1,9 13 0-15,10 6 0 16,12 1 0 0,13-11 0-16,16-12 0 15,9-13 0 1,17-18 0-16,12-16 0 15,7-14 0 1,0-15 0-16</inkml:trace>
+  <inkml:trace contextRef="#ctx0" brushRef="#br0" timeOffset="19912.1">12089 11406 200 0,'0'0'0'31,"0"0"0"-31,0 0 0 0,-19 2 0 16,-11 7 0-16,-12 12 0 31,-8 10 0-15,-2 5 0-16,0 2 0 15,6-3 0-15,9-2 0 16,10-7 0-16,9-6 0 31,13-4 0-31,15-3 0 16,16-7 0-16,22-12 0 0,21-5 0 31,17 1 0-31,10 3 0 16,-1 10 0-1,-4 9 0 1,-14 9 0-16,-14 6 0 15,-16 3 0 1,-18 2 0-16,-16 1 0 16,-16 1 0-1,-13-3 0-15,-7-6 0 16,-6-3 0 0,-6-7 0-16,0-10 0 15,9-17 0 1</inkml:trace>
+  <inkml:trace contextRef="#ctx0" brushRef="#br0" timeOffset="20248.93">12829 11022 200 0,'-3'53'0'15,"0"37"0"-15,-1 17 0 16,-1 1 0-16,-1-8 0 15,-1-17 0 1,7-14 0-16,5-16 0 31,-1-13 0-31,-4-10 0 16,-9-4 0-16</inkml:trace>
+  <inkml:trace contextRef="#ctx0" brushRef="#br0" timeOffset="20515.04">12492 11653 200 0,'34'-13'0'0,"30"-9"0"0,22-3 0 32,17 1 0-32,6 6 0 15,2 1 0-15,-1 3 0 16,-8 8 0-16,-7 0 0 16</inkml:trace>
+  <inkml:trace contextRef="#ctx0" brushRef="#br0" timeOffset="21049.76">13889 11481 200 0,'0'0'0'16,"15"0"0"-16,18-1 0 16,16 0 0-1,17-2 0-15,11 0 0 16,4-1 0 0,2-1 0-16,-3 4 0 15,-8 2 0 1,-11-2 0-16</inkml:trace>
+  <inkml:trace contextRef="#ctx0" brushRef="#br0" timeOffset="21324.12">13998 11643 200 0,'32'-6'0'0,"26"-5"0"16,19 2 0-1,7-3 0-15,1 5 0 16,-1 2 0-1,-5 4 0 1,-10 0 0-16</inkml:trace>
+  <inkml:trace contextRef="#ctx0" brushRef="#br0" timeOffset="22020.72">15007 11140 200 0,'-9'24'0'0,"-4"13"0"16,-4 10 0-1,0 5 0 1,2-1 0-16,1-5 0 15,1-5 0 1,2-6 0-16,1-7 0 16,4-9 0-16,1-5 0 15,5-14 0 1,0 0 0-16,3 3 0 16,11-10 0-1,15-12 0-15,14-10 0 16,18-1 0-1,19-2 0-15,16 7 0 16,10 8 0 0,5 13 0-16,-5 10 0 15,-15 12 0 1,-16 11 0-16,-28 8 0 16,-20 6 0-1,-18 0 0-15,-18-2 0 16,-15-2 0-1,-17-1 0 1,-11-5 0-16,-11-4 0 16,-3-4 0-1,-2-7 0-15,3-5 0 16,5-7 0 0,10-13 0-16</inkml:trace>
+  <inkml:trace contextRef="#ctx0" brushRef="#br0" timeOffset="22437.56">14915 11157 200 0,'0'0'0'0,"10"-10"0"0,12-3 0 16,19-3 0-16,12-1 0 16,13-2 0-1,9-2 0-15,12-1 0 16,4 0 0 0,4 2 0-16,-3 1 0 15,-7 3 0 1,-12 7 0-1,-10 5 0-15</inkml:trace>
+  <inkml:trace contextRef="#ctx0" brushRef="#br0" timeOffset="22805.18">16127 11184 200 0,'0'0'0'16,"0"0"0"-1,0 0 0-15,0 0 0 16,0 0 0-16,-18 9 0 15</inkml:trace>
+  <inkml:trace contextRef="#ctx0" brushRef="#br0" timeOffset="23260.76">16127 11737 200 0,'0'0'0'0,"0"0"0"16,0 0 0-16,0 0 0 15,0 0 0 1,9 11 0-1,11 12 0-15,9 4 0 16,-2 4 0 0,2 7 0-16,-7 6 0 15,-13 4 0 1,-18 1 0-16,-21 1 0 16,-18-2 0-16</inkml:trace>
+</inkml:ink>
+</file>
+
+<file path=ppt/ink/ink17.xml><?xml version="1.0" encoding="utf-8"?>
+<inkml:ink xmlns:inkml="http://www.w3.org/2003/InkML">
+  <inkml:definitions>
+    <inkml:context xml:id="ctx0">
+      <inkml:inkSource xml:id="inkSrc0">
+        <inkml:traceFormat>
+          <inkml:channel name="X" type="integer" max="32767" units="cm"/>
+          <inkml:channel name="Y" type="integer" max="32767" units="cm"/>
+          <inkml:channel name="F" type="integer" max="1024" units="dev"/>
+          <inkml:channel name="T" type="integer" max="2.14748E9" units="dev"/>
+        </inkml:traceFormat>
+        <inkml:channelProperties>
+          <inkml:channelProperty channel="X" name="resolution" value="325.74808" units="1/cm"/>
+          <inkml:channelProperty channel="Y" name="resolution" value="571.84991" units="1/cm"/>
+          <inkml:channelProperty channel="F" name="resolution" value="4.0315E-5" units="1/dev"/>
+          <inkml:channelProperty channel="T" name="resolution" value="1" units="1/dev"/>
+        </inkml:channelProperties>
+      </inkml:inkSource>
+      <inkml:timestamp xml:id="ts0" timeString="2023-08-10T15:12:07.537"/>
+    </inkml:context>
+    <inkml:brush xml:id="br0">
+      <inkml:brushProperty name="width" value="0.05292" units="cm"/>
+      <inkml:brushProperty name="height" value="0.05292" units="cm"/>
+      <inkml:brushProperty name="color" value="#FF0000"/>
+    </inkml:brush>
+  </inkml:definitions>
+  <inkml:trace contextRef="#ctx0" brushRef="#br0">19693 13144 200 0,'42'-8'0'15,"17"-5"0"1,2 0 0-16,0 1 0 15,0 2 0 1,2 1 0-16,7-1 0 16,13 4 0-1,12 0 0-15,16 0 0 16,17 1 0 0,15-1 0-16,15 3 0 15,14 3 0 1,10 3 0-16,17 2 0 15,9 8 0 1,2 5 0-16,-9 10 0 16,-17-4 0-1</inkml:trace>
+  <inkml:trace contextRef="#ctx0" brushRef="#br0" timeOffset="9220.21">17136 16118 200 0,'26'0'0'0,"18"0"0"16,7 0 0-16,5 0 0 16,7 0 0-1,5 1 0-15,11 5 0 16,7 0 0-1,8 3 0-15,11 1 0 16,15 2 0 0,12-1 0-16,17 3 0 15,15 4 0 1,12 0 0 0,8 6 0-16,0 1 0 15,-9 0 0-15,-13-1 0 16,-18-4 0-1,-22-4 0-15,-22-7 0 16</inkml:trace>
+  <inkml:trace contextRef="#ctx0" brushRef="#br0" timeOffset="81450.89">17683 7868 200 0,'-29'-15'0'15,"-17"1"0"-15,-11 14 0 16,-6 22 0 0,-5 23 0-16,-5 23 0 15,11 18 0 1,13 14 0-16,17 11 0 15,17-4 0 1,21-16 0 0,20-20 0-16,20-23 0 15,13-24 0 1,13-19 0-16,11-18 0 16,2-17 0-1,-1-12 0-15,-3-12 0 16,-14-9 0-1</inkml:trace>
+  <inkml:trace contextRef="#ctx0" brushRef="#br0" timeOffset="81925.92">18382 8217 200 0,'-2'-14'0'0,"-5"-11"0"15,-8-14 0-15,-11-4 0 16,-15-3 0-1,-16 4 0-15,-10 13 0 16,-8 16 0 0,-1 21 0-16,3 21 0 15,11 21 0 1,15 18 0 0,17 10 0-16,22 6 0 15,21-10 0-15,22-16 0 16,19-21 0-1,16-16 0-15,14-18 0 16,3-12 0 0,-6-8 0-1,-9-6 0-15,-14-5 0 16,-16-10 0 0,-17-15 0-16</inkml:trace>
+  <inkml:trace contextRef="#ctx0" brushRef="#br0" timeOffset="82391.05">18490 8099 200 0,'27'40'0'15,"8"12"0"1,-4-2 0 0,-11-13 0-1,-7-11 0-15,-5-10 0 16,-8-16 0-16,0 0 0 15,0 0 0 1,0 0 0-16,6-3 0 16,0-29 0-1,4-21 0-15,6-7 0 16,6-1 0 0,7 4 0-16,6 11 0 15,3 12 0 1,1 17 0-16,-2 17 0 15,-4 19 0 1,-5 19 0-16,-8 18 0 16,-3 7 0-1,2-1 0-15</inkml:trace>
+  <inkml:trace contextRef="#ctx0" brushRef="#br0" timeOffset="82843.83">19408 7962 200 0,'-46'21'0'0,"-19"16"0"16,-5 7 0 0,11 3 0-1,12 0 0-15,11-5 0 0,17-7 0 16,16-10 0 0,16-9 0-1,22-9 0-15,16-7 0 16,17-7 0-1,15-2 0-15,6 2 0 32,-6 7 0-32,-15 10 0 15,-21 13 0-15,-23 11 0 16,-21 10 0 0,-14 0 0-16,-14-4 0 15,-9-4 0 1,1-7 0-16,1-7 0 15,8-19 0 1</inkml:trace>
+  <inkml:trace contextRef="#ctx0" brushRef="#br0" timeOffset="83123.88">19929 7664 200 0,'0'0'0'0,"15"11"0"16,3 26 0 0,-7 30 0-16,-5 32 0 15,-6 23 0 1,-1 3 0-16,2-11 0 15,6-23 0 1,6-26 0-16,0-19 0 16,-5-17 0-1</inkml:trace>
+  <inkml:trace contextRef="#ctx0" brushRef="#br0" timeOffset="83347.16">19719 8337 200 0,'77'-13'0'0,"44"-7"0"0,18-6 0 16,3-3 0-1,-7-3 0-15,-14-6 0 16</inkml:trace>
+  <inkml:trace contextRef="#ctx0" brushRef="#br0" timeOffset="84408.12">22142 8243 200 0,'9'-18'0'0,"2"-17"0"16,-5-8 0-16,-8 6 0 15,-9 4 0 1,-14 6 0-16,-17 12 0 16,-6 15 0-1,-10 12 0-15,-3 19 0 16,1 16 0 0,10 10 0-16,15 3 0 15,18-5 0 1,20-10 0-16,15-14 0 15,15-17 0 1,13-15 0 0,8-14 0-16,2-13 0 15,0-5 0 1,-6 0 0-16,-9 2 0 16,-12 6 0-16,-8 10 0 15,-10 5 0 1,-11 10 0-16,8 4 0 15,-3 16 0 1,-5 17 0-16,-7 14 0 16,5 12 0-1,5 5 0-15,6-2 0 16,2-7 0 0,2-8 0-16,0-8 0 15,-4-9 0 1,-11-5 0-16,-13-2 0 15,-13-3 0 1,-10-4 0-16,-15-9 0 16,-12-11 0-1,-5-18 0-15,7-21 0 16,-1-16 0 0</inkml:trace>
+  <inkml:trace contextRef="#ctx0" brushRef="#br0" timeOffset="84745.73">22302 7716 200 0,'9'-33'0'0,"4"-3"0"32,3 18 0-32,0 30 0 15,-5 36 0-15,-3 34 0 16,-10 35 0 0,-4 17 0-16,2-7 0 0,2-21 0 31,3-26 0-16,0-21 0-15,0-21 0 16,0-16 0 0,-1-22 0-16</inkml:trace>
+  <inkml:trace contextRef="#ctx0" brushRef="#br0" timeOffset="85204.03">22950 8304 200 0,'0'0'0'0,"0"0"0"16,-3-19 0-1,-3-11 0-15,-9-5 0 16,-8-4 0 0,-14-2 0-16,-8 5 0 15,-11 10 0 1,-1 13 0-16,2 17 0 16,5 22 0-1,11 22 0-15,9 17 0 16,9 10 0-1,17-3 0-15,17-12 0 16,15-21 0 0,19-16 0-16,6-16 0 15,5-11 0 1,-2-8 0-16,-5-6 0 16,-9-5 0-1,-7-10 0 1,-14-13 0-1,-13-5 0-15</inkml:trace>
+  <inkml:trace contextRef="#ctx0" brushRef="#br0" timeOffset="85952.56">23110 7868 200 0,'7'14'0'0,"4"21"0"15,1 19 0-15,2 18 0 16,-7 9 0-16,-4 2 0 16,0-11 0-1,0-15 0 1,0-17 0-16,2-13 0 31,-2-10 0-31,-3-17 0 16,0 0 0-16,0 0 0 15,0 0 0 1,0 0 0-16,0 0 0 16,0 0 0-1,0 0 0-15,0 0 0 16,10 9 0-16,10-4 0 16,13 0 0-1,14-2 0 1,12-1 0-16,8-7 0 15,9-7 0 1,3-8 0-16,-2-4 0 16,-13-2 0-16,-18-4 0 15,-15-6 0 1,-14-7 0-16,-16-6 0 16,-16-3 0-1,-16 6 0-15,-15 12 0 16,-11 15 0-1,-7 21 0 1,1 19 0-16,2 16 0 16,10 7 0-16,13 1 0 15,17-3 0 1,15-7 0-16,19-9 0 16,15-2 0-1,17-8 0-15,18-10 0 16,13-10 0-1</inkml:trace>
+  <inkml:trace contextRef="#ctx0" brushRef="#br0" timeOffset="86429.45">24322 8210 200 0,'0'0'0'0,"1"-15"0"0,-3-15 0 16,-9-7 0-1,-10-1 0 1,-12 9 0-16,-14 16 0 16,-9 22 0-16,1 24 0 31,2 21 0-31,6 9 0 15,16-3 0 1,14-7 0-16,13-16 0 16,17-9 0-1,12-12 0-15,11-10 0 16,8-10 0-16,6-7 0 16,-2-8 0-1,-5-2 0-15,-8-1 0 16,-5 3 0-16,-10 7 0 31,-8 5 0-31,-2 8 0 0,3 9 0 16,0 7 0-1,4 5 0 1,3 0 0 0,4-1 0-16,8-4 0 0,2-6 0 31</inkml:trace>
+  <inkml:trace contextRef="#ctx0" brushRef="#br0" timeOffset="86716.58">24649 7655 200 0,'17'9'0'15,"10"16"0"-15,-6 23 0 16,-5 19 0 0,-10 11 0-1,-8 5 0-15,-8 0 0 16,-2 0 0-16,0-4 0 15,1-8 0 1</inkml:trace>
+  <inkml:trace contextRef="#ctx0" brushRef="#br0" timeOffset="87552.34">25634 8167 200 0,'226'-11'0'0,"64"1"0"16,-38 1 0-1</inkml:trace>
+  <inkml:trace contextRef="#ctx0" brushRef="#br0" timeOffset="87814.06">26072 8304 200 0,'0'0'0'0,"0"0"0"15,0 0 0-15,34 0 0 16,37-1 0 0,30-2 0-16,21 2 0 15,8 1 0 1,-6-2 0-16</inkml:trace>
+  <inkml:trace contextRef="#ctx0" brushRef="#br0" timeOffset="88210.38">27434 7510 200 0,'-2'23'0'16,"-3"21"0"-16,-2 6 0 16,4 0 0-1,3-11 0 1,2-8 0-16,-1-12 0 15</inkml:trace>
+  <inkml:trace contextRef="#ctx0" brushRef="#br0" timeOffset="88416.21">27611 7408 200 0,'8'21'0'0,"4"20"0"15,-3 11 0 1,-4 9 0-16,-2 7 0 16,0-1 0-1</inkml:trace>
+  <inkml:trace contextRef="#ctx0" brushRef="#br0" timeOffset="88814.5">27981 7460 200 0,'-3'28'0'0,"-3"33"0"15,-6 29 0-15,-6 24 0 16,-3 18 0-16,-4-3 0 16,5-19 0-1,9-26 0 1,7-27 0-16,3-19 0 16,1-17 0-16,0-21 0 15,1-4 0 1</inkml:trace>
+  <inkml:trace contextRef="#ctx0" brushRef="#br0" timeOffset="89029.9">27543 8193 200 0,'25'0'0'16,"26"-5"0"-16,18-7 0 16,17-4 0-1,12-5 0 1,-1-2 0-16</inkml:trace>
+  <inkml:trace contextRef="#ctx0" brushRef="#br0" timeOffset="89245.47">28107 8311 200 0,'20'-12'0'0,"30"-13"0"0,22-15 0 16,14-8 0 0,-5-1 0-1,-17-2 0-15</inkml:trace>
+  <inkml:trace contextRef="#ctx0" brushRef="#br0" timeOffset="89430.63">28477 7920 200 0,'-34'20'0'15,"-22"26"0"-15,-9 18 0 16,-2 11 0 0,15-1 0-16,15-13 0 15,21-13 0 1,21-17 0-16,23-16 0 16,24-18 0-1,15-17 0-15</inkml:trace>
+  <inkml:trace contextRef="#ctx0" brushRef="#br0" timeOffset="89836.38">28982 7920 200 0,'0'0'0'0,"-19"11"0"15,-20 12 0 1,-19 12 0-16,-21 9 0 16,-8 1 0-1,2 1 0 1,19-10 0-16,19-8 0 16,19-10 0-1,28-18 0-15,7 5 0 16,31-9 0-16,26-7 0 15,24 0 0 1,16 0 0-16,6 4 0 16,-9 5 0-1,-21 9 0-15,-26 10 0 16,-27 8 0 0,-23 10 0-16,-23 4 0 15,-18-5 0 1,-7-5 0-16,3-16 0 31</inkml:trace>
+  <inkml:trace contextRef="#ctx0" brushRef="#br0" timeOffset="90133.72">29436 7647 200 0,'10'-16'0'0,"3"2"0"15,1 17 0-15,-5 20 0 16,-5 23 0-16,-9 26 0 16,-7 23 0-1,-11 11 0-15,1-3 0 31,7-12 0-31,7-15 0 16,9-18 0 0,5-24 0-16,1-21 0 15</inkml:trace>
+  <inkml:trace contextRef="#ctx0" brushRef="#br0" timeOffset="90333.84">29276 8158 200 0,'21'7'0'16,"20"0"0"-16,14-1 0 16,16-5 0-1,7-2 0-15,4-3 0 16,-3-3 0-1,-13-6 0-15</inkml:trace>
+  <inkml:trace contextRef="#ctx0" brushRef="#br0" timeOffset="90986.43">30050 7357 200 0,'-12'13'0'15,"-5"14"0"-15,-8 16 0 16,-1 17 0-1,-2 3 0-15,2-6 0 16,10-14 0 0</inkml:trace>
+  <inkml:trace contextRef="#ctx0" brushRef="#br0" timeOffset="91237.87">30185 7349 200 0,'-17'55'0'0,"-10"28"0"15,-4 7 0 1,4-4 0-16,5-11 0 16</inkml:trace>
+  <inkml:trace contextRef="#ctx0" brushRef="#br0" timeOffset="91668.58">30403 7936 200 0,'0'0'0'0,"0"0"0"15,-6 20 0-15</inkml:trace>
+  <inkml:trace contextRef="#ctx0" brushRef="#br0" timeOffset="92087.38">30378 8277 200 0,'26'6'0'16,"18"8"0"-16,2 7 0 16,-4 9 0-1,-14 7 0-15,-15 5 0 16,-25 6 0-1,-20 2 0 1</inkml:trace>
+</inkml:ink>
+</file>
+
+<file path=ppt/ink/ink18.xml><?xml version="1.0" encoding="utf-8"?>
+<inkml:ink xmlns:inkml="http://www.w3.org/2003/InkML">
+  <inkml:definitions>
+    <inkml:context xml:id="ctx0">
+      <inkml:inkSource xml:id="inkSrc0">
+        <inkml:traceFormat>
+          <inkml:channel name="X" type="integer" max="32767" units="cm"/>
+          <inkml:channel name="Y" type="integer" max="32767" units="cm"/>
+          <inkml:channel name="F" type="integer" max="1024" units="dev"/>
+          <inkml:channel name="T" type="integer" max="2.14748E9" units="dev"/>
+        </inkml:traceFormat>
+        <inkml:channelProperties>
+          <inkml:channelProperty channel="X" name="resolution" value="325.74808" units="1/cm"/>
+          <inkml:channelProperty channel="Y" name="resolution" value="571.84991" units="1/cm"/>
+          <inkml:channelProperty channel="F" name="resolution" value="4.0315E-5" units="1/dev"/>
+          <inkml:channelProperty channel="T" name="resolution" value="1" units="1/dev"/>
+        </inkml:channelProperties>
+      </inkml:inkSource>
+      <inkml:timestamp xml:id="ts0" timeString="2023-08-10T15:16:49.232"/>
+    </inkml:context>
+    <inkml:brush xml:id="br0">
+      <inkml:brushProperty name="width" value="0.05292" units="cm"/>
+      <inkml:brushProperty name="height" value="0.05292" units="cm"/>
+      <inkml:brushProperty name="color" value="#FF0000"/>
+    </inkml:brush>
+  </inkml:definitions>
+  <inkml:trace contextRef="#ctx0" brushRef="#br0">26028 13791 200 0,'3'-13'0'16,"4"-4"0"-16,4 0 0 16,-2 0 0-1,2 1 0-15,0 2 0 16,3 1 0-1,7 0 0-15,7 2 0 16,14 3 0 0,21 5 0-16,28 3 0 15,34 6 0 1,25 4 0-16,15 9 0 16,2 3 0-1,-4 1 0-15,-7-5 0 16,-18-16 0-1</inkml:trace>
+  <inkml:trace contextRef="#ctx0" brushRef="#br0" timeOffset="915.88">25936 15121 200 0,'17'-7'0'0,"21"-5"0"15,25-1 0 1,25-3 0-16,26 3 0 16,26 3 0-1,22 3 0-15,15 9 0 16,4 12 0-1,-7 3 0-15,-19 2 0 16,-29-1 0 0,-27-4 0-1</inkml:trace>
+  <inkml:trace contextRef="#ctx0" brushRef="#br0" timeOffset="2300.71">25919 16433 200 0,'0'0'0'16,"0"0"0"-16,0 0 0 16,23-1 0-1,29-5 0-15,23-3 0 16,33-1 0-1,34 4 0-15,32 5 0 16,28 10 0-16,9 11 0 16,-14 0 0-1</inkml:trace>
+  <inkml:trace contextRef="#ctx0" brushRef="#br0" timeOffset="3330.52">25516 17813 200 0,'0'0'0'16,"0"0"0"-16,16 2 0 15,10 2 0-15,8-3 0 16,3 1 0-1,8-4 0-15,10-3 0 16,22-2 0 0,23-4 0-16,36 2 0 15,41 0 0-15,46 0 0 16,31 12 0-16</inkml:trace>
+</inkml:ink>
+</file>
+
+<file path=ppt/ink/ink19.xml><?xml version="1.0" encoding="utf-8"?>
+<inkml:ink xmlns:inkml="http://www.w3.org/2003/InkML">
+  <inkml:definitions>
+    <inkml:context xml:id="ctx0">
+      <inkml:inkSource xml:id="inkSrc0">
+        <inkml:traceFormat>
+          <inkml:channel name="X" type="integer" max="32767" units="cm"/>
+          <inkml:channel name="Y" type="integer" max="32767" units="cm"/>
+          <inkml:channel name="F" type="integer" max="1024" units="dev"/>
+          <inkml:channel name="T" type="integer" max="2.14748E9" units="dev"/>
+        </inkml:traceFormat>
+        <inkml:channelProperties>
+          <inkml:channelProperty channel="X" name="resolution" value="325.74808" units="1/cm"/>
+          <inkml:channelProperty channel="Y" name="resolution" value="571.84991" units="1/cm"/>
+          <inkml:channelProperty channel="F" name="resolution" value="4.0315E-5" units="1/dev"/>
+          <inkml:channelProperty channel="T" name="resolution" value="1" units="1/dev"/>
+        </inkml:channelProperties>
+      </inkml:inkSource>
+      <inkml:timestamp xml:id="ts0" timeString="2023-08-10T15:19:40.620"/>
+    </inkml:context>
+    <inkml:brush xml:id="br0">
+      <inkml:brushProperty name="width" value="0.05292" units="cm"/>
+      <inkml:brushProperty name="height" value="0.05292" units="cm"/>
+      <inkml:brushProperty name="color" value="#FF0000"/>
+    </inkml:brush>
+  </inkml:definitions>
+  <inkml:trace contextRef="#ctx0" brushRef="#br0">8537 18452 200 0,'32'0'0'0,"18"0"0"16,7-1 0-16,4-6 0 15,5-6 0 1,4-2 0-16,10 1 0 16,5 3 0-1,10 3 0-15,6 2 0 0,9 1 0 32,6 0 0-32,7 0 0 15,1 3 0-15,6 1 0 16,6 4 0-16,4 2 0 31,-3 7 0-31,-2-3 0 16,-7 4 0-16,-9 1 0 15,-14-2 0 1,-19-3 0-16,-17-1 0 16,-22-8 0-1,-16 0 0-15,-15-10 0 16,-12-4 0-1,-6-1 0-15</inkml:trace>
+  <inkml:trace contextRef="#ctx0" brushRef="#br0" timeOffset="6108.77">16732 18324 200 0,'0'0'0'16,"0"0"0"-16,0 0 0 16,0 0 0-16,-2-15 0 15,1-4 0 1,4 1 0-1,8 5 0-15,4 4 0 16,8 1 0-16,6-1 0 16,10 0 0-1,10 0 0-15,14 3 0 16,15-2 0 0,19-3 0-16,18-4 0 0,20 0 0 15,21-4 0 1,18 2 0-1,18 3 0 1,10 3 0-16,4 5 0 0,2 5 0 31,-6 3 0-31,-15 0 0 16,-22-3 0 0,-16-5 0-16,-23-5 0 15,-20-3 0 1,-17-3 0-16</inkml:trace>
+  <inkml:trace contextRef="#ctx0" brushRef="#br0" timeOffset="13798.77">24548 18419 200 0,'0'0'0'0,"0"0"0"0,0 0 0 15,0 0 0 1,0 0 0-1,0 0 0-15,0 0 0 16,0 0 0-16,0 0 0 16,0 0 0-1,0 0 0-15,0 0 0 16,14-7 0-16,8-1 0 31,8 1 0-31,5 1 0 0,11 0 0 16,12 2 0-1,11-1 0-15,13-4 0 16,16-2 0 0,16-7 0-1,23-6 0-15,24-1 0 16,26 1 0 0,23 5 0-16,23 11 0 15,18 7 0 1,12 12 0-16,6 14 0 15,-6 12 0 1,-11 13 0-16,-18 0 0 16,-25-6 0-1,-29-19 0-15</inkml:trace>
+</inkml:ink>
+</file>
+
+<file path=ppt/ink/ink2.xml><?xml version="1.0" encoding="utf-8"?>
+<inkml:ink xmlns:inkml="http://www.w3.org/2003/InkML">
+  <inkml:definitions>
+    <inkml:context xml:id="ctx0">
+      <inkml:inkSource xml:id="inkSrc0">
+        <inkml:traceFormat>
+          <inkml:channel name="X" type="integer" max="32767" units="cm"/>
+          <inkml:channel name="Y" type="integer" max="32767" units="cm"/>
+          <inkml:channel name="F" type="integer" max="1024" units="dev"/>
+          <inkml:channel name="T" type="integer" max="2.14748E9" units="dev"/>
+        </inkml:traceFormat>
+        <inkml:channelProperties>
+          <inkml:channelProperty channel="X" name="resolution" value="325.74808" units="1/cm"/>
+          <inkml:channelProperty channel="Y" name="resolution" value="571.84991" units="1/cm"/>
+          <inkml:channelProperty channel="F" name="resolution" value="4.0315E-5" units="1/dev"/>
+          <inkml:channelProperty channel="T" name="resolution" value="1" units="1/dev"/>
+        </inkml:channelProperties>
+      </inkml:inkSource>
+      <inkml:timestamp xml:id="ts0" timeString="2023-08-10T13:15:53.989"/>
+    </inkml:context>
+    <inkml:brush xml:id="br0">
+      <inkml:brushProperty name="width" value="0.05292" units="cm"/>
+      <inkml:brushProperty name="height" value="0.05292" units="cm"/>
+      <inkml:brushProperty name="color" value="#FF0000"/>
+    </inkml:brush>
+  </inkml:definitions>
+  <inkml:trace contextRef="#ctx0" brushRef="#br0">5845 7289 200 0,'0'0'0'15,"0"0"0"-15,0 0 0 16,0 0 0 47</inkml:trace>
+  <inkml:trace contextRef="#ctx0" brushRef="#br0" timeOffset="-106065.95">20552 1111 200 0,'1'68'0'0,"-1"45"0"16,-1 16 0 0,-5-1 0-1,-3-6 0-15,1-4 0 16,2-9 0-1,3-13 0-15,1-16 0 16,2-19 0 0,3-18 0-16,5-25 0 15</inkml:trace>
+  <inkml:trace contextRef="#ctx0" brushRef="#br0" timeOffset="-105016.25">21268 1230 200 0,'-17'6'0'15,"-10"15"0"-15,-7 16 0 16,-2 21 0-16,-8 20 0 16,0 11 0-1,5 8 0 1,2-3 0-16,13-10 0 15,16-10 0-15,16-16 0 16,20-14 0-16,20-18 0 16,18-20 0-1,29-24 0 1,8-14 0 0,-10-10 0-16,-14-9 0 31,-18-7 0-31,-17-2 0 0,-21 7 0 15,-41 27 0 17,-32 42 0-17,-14 36 0 1,-2 19 0 0,9 10 0-16,20-6 0 15,17-13 0-15,21-15 0 16,20-21 0-16,16-23 0 15,17-20 0 1,9-37 0 0</inkml:trace>
+  <inkml:trace contextRef="#ctx0" brushRef="#br0" timeOffset="-104662.54">22193 1384 200 0,'0'31'0'15,"6"28"0"-15,-3 13 0 16,-3 4 0 0,3-9 0-16,1-9 0 15,1-10 0 1,2-8 0-16,-1-9 0 15,-1-11 0 1,-5-20 0-16</inkml:trace>
+  <inkml:trace contextRef="#ctx0" brushRef="#br0" timeOffset="-104430.08">21865 1845 200 0,'0'0'0'0,"13"4"0"15,23-1 0 1,19-8 0-16,25-6 0 16,14-4 0-16,12-5 0 15,7-8 0 1,-2-4 0-16</inkml:trace>
+  <inkml:trace contextRef="#ctx0" brushRef="#br0" timeOffset="-103668.24">23665 1631 200 0,'0'0'0'0,"-22"3"0"0,-19 2 0 15,-11 2 0 1,-8 7 0-16,-3 4 0 16,-3 7 0-16,-3 10 0 31,6-2 0-15,4 1 0-16,12-4 0 0,12-6 0 31,11-8 0-31,8-7 0 15,16-9 0-15,0 0 0 16,-1 0 0 0,12-15 0-16,5-15 0 15,10-15 0 1,8-13 0-16,9-12 0 16,7-6 0-1,8 0 0-15,6 8 0 16,-6 11 0-1,-7 16 0-15,-15 15 0 16,-12 18 0-16,-8 21 0 16,-7 19 0-1,-3 17 0-15,-12 20 0 16,-1 21 0 0,-3 17 0-16,0-4 0 15,0-14 0 1,4-18 0-16,6-20 0 15,4-25 0 1,3-23 0-16</inkml:trace>
+  <inkml:trace contextRef="#ctx0" brushRef="#br0" timeOffset="-102845.16">24633 1324 200 0,'0'0'0'16,"-4"25"0"-16,-1 22 0 15,-3 23 0-15,-5 16 0 0,-1-1 0 32,4-14 0-32,7-10 0 0,3-15 0 15,0-11 0 1,0-14 0-16,0-21 0 16</inkml:trace>
+  <inkml:trace contextRef="#ctx0" brushRef="#br0" timeOffset="-102582.18">24288 1759 200 0,'0'0'0'0,"21"-4"0"16,21-4 0 0,18-5 0-16,13-4 0 15,11 1 0 1,7-4 0-16,-1-3 0 16,-11 1 0-1,-16 4 0-15</inkml:trace>
+  <inkml:trace contextRef="#ctx0" brushRef="#br0" timeOffset="-102162.11">25255 1435 200 0,'34'24'0'16,"25"21"0"-16,18 11 0 15,8 6 0 1,-1-8 0-1,-5-10 0-15,-12-19 0 16</inkml:trace>
+  <inkml:trace contextRef="#ctx0" brushRef="#br0" timeOffset="-101860.68">26095 1273 200 0,'7'12'0'0,"0"23"0"0,-6 30 0 16,-11 24 0 0,-7 28 0-1,-7 24 0-15,-9 7 0 16,-2-19 0 0</inkml:trace>
+  <inkml:trace contextRef="#ctx0" brushRef="#br0" timeOffset="-98321.49">20451 3625 200 0,'-4'-19'0'16,"11"-13"0"-16,23-2 0 16,26-5 0 15,24-2 0-31,15 2 0 0,8 2 0 15,3 4 0-15,-3 10 0 47,-16 11 0-47,-18 10 0 0,-22 18 0 0,-28 19 0 16,-32 21 0-16,-28 18 0 16,-26 23 0-1,-14 3 0 1,-3 1 0-16,7-9 0 15,18-11 0 1,25-15 0-16,26-14 0 16,23-15 0-16,26-15 0 15,19-12 0 1,15-10 0-16,8-10 0 16,6-3 0-1,0-3 0-15,-4 0 0 16</inkml:trace>
+  <inkml:trace contextRef="#ctx0" brushRef="#br0" timeOffset="-97720.77">22427 3599 200 0,'-6'-38'0'16,"-13"-18"0"-16,-16 2 0 0,-13 12 0 16,-9 14 0-1,-8 15 0 1,-13 21 0-16,-13 21 0 16,-6 21 0-16,-2 22 0 31,8 25 0-31,8 16 0 15,17 0 0 1,32-8 0-16,34-21 0 16,29-18 0-16,27-21 0 15,25-20 0-15,22-19 0 16,10-15 0 0,5-16 0-16,0-14 0 15,-6-12 0 1,-17-7 0-1,-18-5 0-15,-20-6 0 16,-19 2 0 0,-14 6 0-16,-18 7 0 15,-8 9 0 1,-12 8 0 0,-15 11 0-16</inkml:trace>
+  <inkml:trace contextRef="#ctx0" brushRef="#br0" timeOffset="-87648.4">22731 3242 200 0,'0'0'0'0,"0"0"0"15,0 0 0 1,0 0 0-16,0 0 0 16,0 0 0-1,6 26 0-15,5 22 0 16,3 13 0 0,-2 10 0-1,3 0 0-15,3-1 0 16,2 0 0-16,1-6 0 15,-4-7 0 1,3-12 0-16,-2-8 0 16,-3-7 0-1,2-6 0 1,-5-6 0-16,-1-4 0 16,-1 0 0-16,-3-3 0 15,-1-2 0 1,0 0 0-1,-6-9 0-15,6 6 0 0,-6-6 0 16,4 6 0 0,-4-6 0-16,0 0 0 15,0 0 0-15,0 0 0 16,0 0 0 0,0 0 0-16,0 0 0 15,0 0 0 1,0 0 0-16,0 0 0 15,0 0 0-15,0 0 0 16,0 0 0 0,0 0 0-16,0 0 0 15,0 0 0 1,6 0 0-16,0-7 0 16,3-14 0-1,3-13 0-15,5-15 0 16,7-16 0-1,6-10 0-15,8-14 0 16,5 0 0 0,0 3 0-16,5 7 0 31,-6 7 0-31,-1 10 0 0,-9 12 0 16,-6 14 0-1,-7 11 0-15,-7 11 0 16,-7 5 0-1,-5 9 0-15,0 0 0 16,-7 4 0 0</inkml:trace>
+  <inkml:trace contextRef="#ctx0" brushRef="#br0" timeOffset="-87013.41">23716 3778 200 0,'0'0'0'0,"0"0"0"15,0 0 0-15,1-15 0 16,-3-11 0-1,-4-1 0-15,-8 1 0 16,-4 1 0 0,-9 4 0-16,-6 6 0 15,-4 11 0 1,-1 10 0-16,1 11 0 16,4 18 0-1,6 11 0-15,12 7 0 16,5 5 0-1,15-8 0-15,11-11 0 16,14-12 0 0,11-16 0-16,9-13 0 15,3-9 0 1,2-5 0-16,-7-3 0 16,-5-7 0-1,-5-3 0-15,-12-2 0 16,-5-1 0-1,-6 0 0-15,-9 6 0 16,-12 7 0 0,-8 10 0-16</inkml:trace>
+  <inkml:trace contextRef="#ctx0" brushRef="#br0" timeOffset="-86420.04">24034 3208 200 0,'9'41'0'16,"3"29"0"-16,2 18 0 16,-7 10 0-1,-3 0 0-15,2-7 0 16,-1-11 0 0,-1-15 0-16,1-11 0 15,-2-11 0 1,1-13 0-1,-3-5 0-15,-1-25 0 16</inkml:trace>
+  <inkml:trace contextRef="#ctx0" brushRef="#br0" timeOffset="-85777.23">24329 3651 200 0,'6'24'0'0,"5"22"0"16,-1 10 0-1,6 3 0 1,-1-5 0-16,-2-8 0 16,2-6 0-16,-1-10 0 15,-2-8 0 1,-2-5 0-16,-1-3 0 16,-2-5 0-1,-7-9 0-15,10-2 0 16,1-15 0-1,2-15 0-15,1-10 0 16,3-10 0 0,2-5 0-16,1-3 0 15,-2 7 0 1,2 2 0-16,-1 9 0 16,-4 8 0-16,-1 10 0 15,-3 9 0 1,-7 5 0-16,-4 10 0 15,-2 3 0 1,-5 5 0-16</inkml:trace>
+  <inkml:trace contextRef="#ctx0" brushRef="#br0" timeOffset="-85234.43">25111 3787 200 0,'-11'-16'0'0,"-13"-7"0"0,-4 3 0 16,-6 4 0-16,-4 7 0 15,-3 6 0 1,-4 12 0 0,3 10 0-16,2 13 0 15,5 12 0 1,12 9 0-16,11 4 0 15,11-5 0-15,8-8 0 16,10-12 0 0,10-9 0-1,10-17 0 1,13-14 0-16,7-10 0 16,-3-10 0-1,-4-4 0-15,-12-3 0 0,-9-1 0 16,-13 0 0-1,-13 1 0 1,-12 6 0 0,-7 8 0-16,-7 11 0 15,-1 8 0-15,-8 5 0 16,-3 1 0 0</inkml:trace>
+  <inkml:trace contextRef="#ctx0" brushRef="#br0" timeOffset="-84730.38">25330 3344 200 0,'0'0'0'0,"0"27"0"16,4 20 0-16,-1 16 0 16,2 13 0-1,-1 2 0-15,2-4 0 16,-2-7 0-1,0-11 0-15,3-6 0 16,1-7 0 0,1-6 0-16,2-5 0 15,-2-7 0 1,0-9 0-16,-3-13 0 16</inkml:trace>
+  <inkml:trace contextRef="#ctx0" brushRef="#br0" timeOffset="-84091.57">25675 3498 200 0,'0'0'0'15,"0"0"0"-15,0 0 0 0,0 0 0 16,-16 19 0 0,-2 20 0-16,-1 14 0 15,2 10 0 1,8 7 0-1,5 0 0-15,9-2 0 16,14-11 0-16,11-9 0 31,4-11 0-31,13-12 0 16,12-16 0-16,8-15 0 16,6-11 0-1,-4-6 0-15,-5-7 0 16,-9-2 0-16,-9-2 0 15,-9 0 0 1,-13 0 0-16,-10 2 0 16,-13 6 0-1,-14 7 0 1,-7 8 0 0,-10 11 0-16,-10 13 0 0,-5 14 0 31,-5 7 0-31,4 4 0 15,6 2 0 1,9-2 0-16,10-4 0 16,11-5 0-1,6-5 0-15,8-5 0 16,12-10 0-16,13-11 0 16,4-11 0-1</inkml:trace>
+  <inkml:trace contextRef="#ctx0" brushRef="#br0" timeOffset="-83391.96">26937 3778 200 0,'-13'-7'0'0,"-9"-2"0"15,-11 0 0-15,-7 5 0 16,-13 6 0-16,-5 6 0 15,-8 4 0 1,-2 5 0 0,1 6 0-16,7 0 0 15,8 1 0-15,9-1 0 16,11-3 0 0,12-7 0-1,8-4 0-15,12-9 0 16,1 0 0-16,15-13 0 15,14-13 0 1,11-12 0-16,7-9 0 16,6-6 0-1,-2 0 0 1,-3 0 0-16,-5 0 0 16,-5 4 0-1,-4 7 0-15,-9 11 0 16,-7 9 0-16,-9 11 0 15,0 10 0 1,-2 9 0-16,-3 17 0 16,0 18 0-1,-1 18 0-15,-1 11 0 16,-1 2 0-16,2 0 0 16,3-9 0-1,-1-12 0 1,2-9 0-16,-1-11 0 15,-1-13 0-15,0-18 0 16,-4-13 0 0</inkml:trace>
+  <inkml:trace contextRef="#ctx0" brushRef="#br0" timeOffset="-82973.68">27114 2884 200 0,'7'27'0'0,"2"15"0"15,-3 11 0 1,-2 5 0-16,-3-2 0 16,-4-8 0-1,0-9 0-15,1-14 0 16,4-12 0 0,5-13 0-16</inkml:trace>
+  <inkml:trace contextRef="#ctx0" brushRef="#br0" timeOffset="-82720.05">27384 2832 200 0,'4'27'0'16,"3"19"0"-16,-2 15 0 15,-4 7 0-15,-2 0 0 16,1-11 0 0,0-18 0-16</inkml:trace>
+  <inkml:trace contextRef="#ctx0" brushRef="#br0" timeOffset="-81787.16">20123 2969 200 0,'7'27'0'0,"3"16"0"0,0 5 0 16,1-6 0-1,-4-1 0-15,-1-3 0 16,-2-2 0-1,2-6 0-15,-3-7 0 16</inkml:trace>
+  <inkml:trace contextRef="#ctx0" brushRef="#br0" timeOffset="-81500.11">20325 2943 200 0,'0'0'0'0,"-2"21"0"16,-1 24 0-16,6 21 0 16,2 5 0-1,3-5 0-15,-1-10 0 16</inkml:trace>
+</inkml:ink>
+</file>
+
+<file path=ppt/ink/ink20.xml><?xml version="1.0" encoding="utf-8"?>
+<inkml:ink xmlns:inkml="http://www.w3.org/2003/InkML">
+  <inkml:definitions>
+    <inkml:context xml:id="ctx0">
+      <inkml:inkSource xml:id="inkSrc0">
+        <inkml:traceFormat>
+          <inkml:channel name="X" type="integer" max="32767" units="cm"/>
+          <inkml:channel name="Y" type="integer" max="32767" units="cm"/>
+          <inkml:channel name="F" type="integer" max="1024" units="dev"/>
+          <inkml:channel name="T" type="integer" max="2.14748E9" units="dev"/>
+        </inkml:traceFormat>
+        <inkml:channelProperties>
+          <inkml:channelProperty channel="X" name="resolution" value="325.74808" units="1/cm"/>
+          <inkml:channelProperty channel="Y" name="resolution" value="571.84991" units="1/cm"/>
+          <inkml:channelProperty channel="F" name="resolution" value="4.0315E-5" units="1/dev"/>
+          <inkml:channelProperty channel="T" name="resolution" value="1" units="1/dev"/>
+        </inkml:channelProperties>
+      </inkml:inkSource>
+      <inkml:timestamp xml:id="ts0" timeString="2023-08-10T15:23:57.802"/>
+    </inkml:context>
+    <inkml:brush xml:id="br0">
+      <inkml:brushProperty name="width" value="0.05292" units="cm"/>
+      <inkml:brushProperty name="height" value="0.05292" units="cm"/>
+      <inkml:brushProperty name="color" value="#FF0000"/>
+    </inkml:brush>
+  </inkml:definitions>
+  <inkml:trace contextRef="#ctx0" brushRef="#br0">470 18000 200 0,'0'0'0'0,"0"0"0"15,0 0 0 1,0 0 0-16,0 0 0 15,0 0 0-15,0 0 0 16,0 0 0 0,0 0 0-16,14-3 0 15,4 0 0 1,9-2 0-16,2-1 0 16,2-3 0-1,1-5 0-15,8-3 0 16,1-2 0-1,6-3 0-15,3-1 0 16,5-2 0 0,4-6 0-16,5-5 0 15,6-6 0 1,8-4 0 0,4-1 0-16,5 2 0 15,5 2 0-15,2 3 0 16,4 4 0-1,0 3 0-15,1 3 0 16,5 4 0-16,6-1 0 16,9 0 0-1,4-2 0 1,3-3 0-16,4 1 0 16,0 2 0-16,3 3 0 31,2 1 0-31,-1 0 0 0,5 2 0 31,0 2 0-31,1 3 0 16,2 4 0-16,4 2 0 15,0 1 0-15,-1 4 0 32,1-2 0-32,2 0 0 15,0-2 0 1,1-1 0-16,-2-1 0 15,-1-2 0-15,0-6 0 16,1-1 0 0,0-2 0-1,1-1 0 1,-1 0 0-16,-2 2 0 16,7-2 0-16,-4-1 0 15,2 0 0 1,2-3 0-16,6-4 0 15,1 1 0 1,0 3 0-16,-1-1 0 16,-6 0 0-1,-5 6 0-15,-2 1 0 16,-1 1 0 0,-4 2 0-16,-1 0 0 15,0-3 0 1,-3-1 0-16,2-3 0 15,3-1 0 1,-2-1 0-16,0 2 0 16,-4 3 0-1,0 3 0-15,-2-1 0 16,-2 2 0 0,3 1 0-16,2-2 0 15,-1-3 0 1,0 0 0-16,-3 5 0 15,4-1 0 1,-1 0 0-16,-2 1 0 16,4 2 0-1,2 0 0-15,2-2 0 16,2-1 0 0,3 1 0-16,0-4 0 15,6-2 0-15,-1 2 0 16,3-3 0-1,0 2 0-15,-3 3 0 16,7-1 0 0,2 0 0-16,-4-2 0 15,5-2 0 1,-3 2 0-16,-2-1 0 16,0 6 0-1,-5 2 0-15,1 0 0 16,1 1 0-1,3 1 0-15,2 2 0 16,4-5 0 0,5 1 0-16,1 5 0 15,-2-9 0 1,4 5 0-16,5 3 0 16,3-3 0-1,2 1 0-15,6 4 0 16,5 4 0-1,8 1 0 1,2 2 0-16,4 3 0 16,-4-1 0-16,0 5 0 15,-3-1 0 1,-11 0 0-16,-7 4 0 16,-5 2 0-1,1 1 0 1,8-1 0-1,5 0 0-15,4 1 0 0,1-1 0 32,-3 0 0-32,-1 3 0 0,-1 1 0 15,-3 4 0 1,-7 1 0-16,-7 4 0 16,-2 3 0-1,-8 2 0-15,-7 4 0 16,-7 3 0-1,0 4 0 1,0 2 0-16,4 3 0 16,0 2 0-16,2 3 0 31,0 1 0-15,-6 2 0-16,-9 3 0 15,-8-3 0 1,-8 2 0-16,-3 1 0 15,-2 3 0 1,-2 0 0-16,-4 4 0 16,-2 1 0-1,-5 1 0-15,-6-1 0 0,-4 1 0 32,-3 2 0-32,-5-2 0 15,-8-1 0 1,-5 1 0-16,-5 1 0 15,-4-3 0 1,-3 2 0-16,-3 1 0 16,-3 0 0-1,-5 1 0-15,-6 0 0 16,0-2 0 0,-8-2 0-16,-4 3 0 15,-1-1 0 1,-3 0 0-16,-1-1 0 15,-4 0 0 1,-2-2 0-16,-2-3 0 16,-2-3 0-1,-1 3 0-15,0-2 0 16,-2-2 0 0,-1-2 0-16,-3 0 0 15,-2-1 0-15,-3-2 0 16,-3 0 0-1,-3 1 0-15,-3-7 0 16,-2-3 0 0,0-1 0-16,-3-2 0 15,0 0 0-15,-2-6 0 16,0 2 0 0,-2-4 0-16,-3 1 0 15,-1-3 0 1,0-3 0-1,0-1 0-15,-1-2 0 16,-2-3 0-16,-1 0 0 16,-5 0 0-1,-1-3 0-15,0 0 0 16,-2 2 0 0,0-3 0-16,-3 0 0 15,-2 0 0-15,0-2 0 16,-1 0 0-1,1-3 0 1,-2-2 0-16,-2 2 0 16,-1 1 0-16,-2-2 0 15,1 0 0 1,-1-4 0-16,-2 2 0 16,0 2 0-1,0 1 0-15,-2-4 0 16,0-2 0-1,-3 2 0 1,-2-3 0-16,-1-3 0 0,-1-1 0 16,-1 3 0-1,-1-3 0-15,-1 1 0 16,1 1 0-16,-2 1 0 16,-3 0 0-1,-3 1 0 1,-1 0 0-16,-1 0 0 15,-1 0 0-15,0 2 0 16,-2 0 0 0,0-1 0-16,-2-1 0 15,-1 0 0 1,-3 2 0 0,-2 2 0-16,-1 0 0 15,-2 1 0 1,0 0 0-1,-1-2 0-15,1-1 0 16,-4-2 0 0,-2 0 0-16,0 0 0 0,-4 0 0 31,-3 0 0-31,2 0 0 16,-4 0 0-1,1 0 0-15,-2-1 0 16,-2-2 0-1,0-3 0-15,-2 1 0 16,-2-3 0-16,-2 2 0 16,0-2 0-1,3-3 0-15,-2 1 0 16,1 1 0 0,-1 3 0-16,-1 1 0 15,-3-1 0 1,0-3 0-16,0-1 0 15,-1 2 0 1,-2 0 0-16,-1 1 0 16,4 0 0-1,0-3 0-15,-1 0 0 16,-1 1 0-16,-3 0 0 16,2 0 0-1,0-1 0-15,3 1 0 16,0 4 0-1,3 1 0-15,1 0 0 16,0 1 0 0,3 1 0-16,2 1 0 15,3 4 0-15,4-3 0 16,3-2 0 0,-1 6 0-16,0-2 0 15,-1 1 0 1,1 1 0-1,-3-1 0-15,0 6 0 16,1-1 0-16,3 1 0 16,5-1 0-16,-2-2 0 15,4 3 0 1,4-3 0-16,0-1 0 16,-3-1 0-1,2-2 0-15,-1 2 0 16,1 1 0-1,-4 0 0 1,1 2 0-16,-2 2 0 16,1 0 0-16,-2-4 0 15,0-3 0 1,0-2 0-16,0-1 0 16,-2 3 0-16,0 0 0 15,2-1 0 1,-3 1 0-16,0 3 0 15,-3 0 0 1,1-2 0-16,1-1 0 16,-1-2 0-1,5 0 0-15,-1 0 0 16,0 2 0-16,4 1 0 31,0-1 0-31,1-1 0 16,1-4 0-16,4 0 0 15,-2 0 0-15,0-1 0 16,2 3 0 0,-3 0 0-16,1 1 0 15,-1-1 0 1,1-1 0 0,2-2 0-1,0-1 0-15,-1 1 0 16,1-1 0-16,1 1 0 15,-1-1 0 1,1-2 0-16,0-3 0 0,-2 1 0 16,2-1 0 15,0-1 0-31,-2 0 0 0,-1 1 0 16,0-3 0-1,0 0 0-15,-1 1 0 0,-1-2 0 16,-2 1 0-1,-3 0 0 1,-1-1 0 0,1 0 0-1,-2 5 0-15,0 3 0 16,2 1 0 0,-3 1 0-16,-1-2 0 15,2-1 0 1,-1 0 0-16,-1 5 0 15,0 2 0-15,-3 3 0 16,-1 3 0 0,1 0 0-16,0 2 0 15,-1 1 0 1,4-1 0-16,-2 0 0 16,0 2 0-1,-1 3 0-15,0 0 0 16,2 0 0-1,0 2 0-15,2-1 0 16,0-1 0 0,0 0 0-16,0-2 0 15,2 5 0 1,0-2 0-16,1-1 0 16,3 2 0-1,-1-2 0-15,-5 2 0 16,3-1 0-1,0-1 0-15,0 0 0 16,3-5 0 0,3-1 0-16,0 2 0 15,2-1 0 1,-2-1 0-16,1-2 0 16,0 1 0-16,-5 1 0 15,1-4 0 1,3-2 0-16,3-1 0 15,-1-1 0 1,1-1 0-16,0 1 0 16,-1 2 0-1,-3 2 0-15,1 3 0 16,1-1 0 0,2-3 0-16,-2-4 0 15,3 1 0-15,2 0 0 16,-2 0 0-1,1 1 0-15,-1 1 0 16,-2-4 0 0,3-3 0-1,-2 2 0-15,-1-1 0 16,0 1 0-16,0 1 0 16,2-2 0-1,3-1 0-15,-1 0 0 16,1 3 0-1,-2 0 0-15,0 3 0 16,1-2 0-16,0 0 0 16,-2 1 0-1,2-5 0-15,3-1 0 16,-3-2 0 0,3 1 0-16,-1 2 0 15,2 1 0 1,-2 2 0-1,0 0 0-15,-3 0 0 16,3 1 0-16,0 1 0 16,0-2 0-1,3 0 0-15,-4 1 0 16,0-1 0 0,2 2 0-16,-2 1 0 15,-1 0 0-15,3 0 0 16,-2 0 0-1,3 0 0 1,-2-1 0-16,2-1 0 16,1 1 0-16,0 0 0 15,0 2 0 1,1 1 0 0,-3-1 0-1,3-1 0-15,2 2 0 0,1 3 0 16,-3 2 0-16,3-2 0 15,0 0 0 1,0 3 0-16,0 2 0 16,-2 0 0-1,2-3 0-15,1 0 0 32,0-2 0-32,3-2 0 15,-1 3 0-15,1 2 0 16,-2-2 0-16,1 0 0 15,0 0 0 1,2 1 0-16,3-2 0 16,-3-3 0-1,1 1 0 1,-1 1 0 0,2-1 0-1,-1 2 0-15,1 3 0 16,-4-1 0-16,6 0 0 15,-3 0 0 1,0-1 0-16,3-5 0 16,1-1 0-1,0 0 0-15,2 0 0 16,-3 0 0 0,4 0 0-16,-2 0 0 15,-1 0 0 1,0 0 0-16,1 0 0 15,4 0 0 1,-1 0 0-16,9 0 0 16,-6 0 0-16,-2 0 0 15,3 0 0 1,5 0 0 0,-6 0 0-16,0 0 0 15,-4 0 0-15,4 0 0 16,3 0 0-1,2 0 0-15,-3 0 0 16,5 0 0 0,1 0 0-16,0 0 0 15,1 0 0-15,-1 0 0 16,2 0 0 0,-1 0 0-16,1 0 0 15,1 0 0 1,4-1 0-16,-2-9 0 15,0-1 0 1,1 0 0-16,2 0 0 16,-1-2 0-1,2 0 0 1,-1-3 0 0,2 1 0-16,1-5 0 15,1 2 0-15,4-1 0 16,-1 0 0-1,2 1 0-15,2 1 0 16,0-2 0-16,-2-2 0 16,3 1 0-1,4-2 0-15,8-1 0 16,3 1 0 0,0-1 0-16,0 0 0 15,0-3 0 1,0-1 0-16,0 0 0 15,0 1 0 1,0-8 0-16,0 3 0 16,0 4 0-16,0 5 0 15,0 1 0 1,0-3 0-16,0 1 0 16,0-1 0-1,0 2 0 1,0 0 0-16,0-1 0 15,0 4 0-15,9-3 0 16,2-2 0 0,0 2 0-16,1 0 0 15,4 0 0 1,-2 2 0-16,1 1 0 16,-2 2 0-1,4 1 0-15,1-2 0 16,-1 1 0-1,1 1 0-15,-2 0 0 16,2 3 0 0,-2 1 0-16,1-1 0 15,-1 2 0 1,1 1 0-16,1 3 0 16,-1 1 0-1,-1-1 0-15,1 3 0 16,0 0 0-1,1 0 0-15,3-1 0 16,-3 1 0 0,2 0 0-16,1-2 0 15,-2 1 0-15,0 1 0 16,2-2 0-16,-1-1 0 31,0 0 0-31,3 1 0 0,-4 2 0 16,2 0 0-1,-1 1 0 1,-3 0 0 0,0 2 0-16,-1 0 0 0,5-6 0 15,-9-4 0-15</inkml:trace>
+  <inkml:trace contextRef="#ctx0" brushRef="#br0" timeOffset="147598.28">4214 10127 200 0,'0'0'0'0,"1"23"0"16,4 20 0-16,6 17 0 15,6 9 0 1,5 13 0-16,3 20 0 16,-3 14 0-1,-10 10 0-15,1 2 0 16,-3 3 0-1,2-4 0-15,-5-10 0 16,0-10 0 0,-4-13 0-16,-4-21 0 15</inkml:trace>
+  <inkml:trace contextRef="#ctx0" brushRef="#br0" timeOffset="148209.68">4037 10178 200 0,'-10'-14'0'16,"0"-7"0"-16,8-4 0 0,14-3 0 15,17-2 0 1,23-3 0-16,25-5 0 15,18 1 0 1,20 2 0-16,15 3 0 16,5 10 0-1,1 9 0 1,-6 11 0-16,-15 8 0 16,-14 10 0-1,-19 6 0-15,-21 3 0 16,-20 3 0-1,-21 6 0-15,-20 9 0 16,-21 13 0 0,-24 9 0-16,-22 11 0 15,-21 5 0 1,-11 7 0-16,-6-1 0 16,-1 4 0-1,8-3 0-15,7-8 0 16,11-8 0-1,10-7 0 1,19-8 0 0,10-13 0-16</inkml:trace>
+  <inkml:trace contextRef="#ctx0" brushRef="#br0" timeOffset="148958.73">5046 10885 200 0,'0'0'0'15,"0"0"0"1,0 0 0-16,0 0 0 16,23-2 0-16,17-3 0 15,13-11 0 1,7-11 0-1,-1-7 0-15,2-5 0 16,-4-4 0 0,-5-2 0-16,-9 2 0 15,-5 2 0 1,-13 5 0 0,-5 3 0-16,-16 5 0 15,-13 9 0-15,-16 13 0 16,-14 14 0-1,-9 11 0-15,-2 15 0 16,-1 11 0-16,7 14 0 16,16 10 0-1,15 6 0 1,20 3 0-16,16-12 0 16,20-19 0-16,17-16 0 15,10-20 0 1,13-18 0-1,1-16 0 1,-3-6 0 0,-12-9 0-16</inkml:trace>
+  <inkml:trace contextRef="#ctx0" brushRef="#br0" timeOffset="149387.5">5879 10612 200 0,'9'40'0'0,"6"11"0"16,-1-6 0-1,-4-13 0 1,0-9 0-16,-4-9 0 16,-2-3 0-16,-4-11 0 15,0 0 0 1,0-4 0-16,-7-12 0 16,-1-16 0-1,1-15 0-15,7-10 0 16,9-7 0-1,10-4 0-15,13 3 0 16,12 2 0 0,14 6 0-16,12 9 0 15,3 11 0 1,1 10 0-16,-7 12 0 16,-7 9 0-1</inkml:trace>
+  <inkml:trace contextRef="#ctx0" brushRef="#br0" timeOffset="149913.51">6779 10331 200 0,'-44'0'0'0,"-28"9"0"15,-7 15 0 1,-4 9 0 0,9 10 0-1,9 2 0-15,9-4 0 16,11 0 0-16,15-7 0 15,15-10 0 1,21-10 0-16,24-8 0 16,27-13 0-1,21-4 0-15,15-1 0 16,8 0 0 0,-2 4 0-16,-6 8 0 15,-8 9 0 1,-12 5 0-16,-12 7 0 15,-18 7 0 1,-17 3 0-16,-20 1 0 16,-18-1 0-16,-16-1 0 15,-20-2 0 1,-12-3 0 0,-6-2 0-1,-3-5 0-15,6-10 0 16,7-12 0-1</inkml:trace>
+  <inkml:trace contextRef="#ctx0" brushRef="#br0" timeOffset="150572.72">7655 10630 200 0,'0'-35'0'0,"-13"-13"0"16,-13 1 0 0,-17 8 0-16,-13 11 0 15,-7 9 0 1,-6 9 0-1,-1 13 0-15,1 12 0 16,8 15 0-16,11 13 0 16,9 11 0-1,17 6 0-15,19 1 0 0,21-5 0 32,20-11 0-17,17-12 0-15,18-13 0 0,9-13 0 16,3-8 0-16,3-7 0 31,-4-9 0-15,-10-5 0-16,-11-5 0 15,-15-2 0 1,-14-4 0-16,-16-3 0 16,-18-3 0-1,-14-2 0-15,-15 5 0 16,-10 5 0-1,-4 3 0-15,0 5 0 16,5 5 0 0</inkml:trace>
+  <inkml:trace contextRef="#ctx0" brushRef="#br0" timeOffset="151199.44">7771 10468 200 0,'0'0'0'0,"6"19"0"16,1 12 0-16,2 2 0 16,-2 1 0-1,-3-4 0 1,2-8 0-16,-2-6 0 15,-1-6 0-15,-3-10 0 0,0 0 0 16,0 0 0 0,0-5 0-16,0-10 0 15,3-11 0 1,3-6 0-16,8-7 0 16,4-3 0-1,10 3 0-15,10 3 0 16,10 4 0-16,8 9 0 15,3 9 0 1,2 11 0 0,0 11 0-16,-8 16 0 15,-9 13 0-15,-12 12 0 16,-8 8 0 0,-6 0 0-1,-8-6 0 1,0-7 0-16,-1-7 0 15,1-7 0-15,1-5 0 16,5-11 0 0</inkml:trace>
+  <inkml:trace contextRef="#ctx0" brushRef="#br0" timeOffset="151701.22">8832 10868 200 0,'0'0'0'15,"0"0"0"-15,-8-13 0 16,-3-2 0-16,0 3 0 16,-3 6 0-1,-1 8 0-15,-2 3 0 16,4 2 0-16,4 0 0 16,9-7 0-1,0 0 0 1,0 0 0-16,0 6 0 15,4-1 0-15,5-4 0 16,1-3 0-16</inkml:trace>
+  <inkml:trace contextRef="#ctx0" brushRef="#br0" timeOffset="153952.15">9740 10169 200 0,'-17'-3'0'0,"-1"-1"0"16</inkml:trace>
+  <inkml:trace contextRef="#ctx0" brushRef="#br0" timeOffset="154420.88">9749 10178 200 0,'5'-17'0'0,"4"-14"0"16,0-8 0 15,0-9 0-31,-1-7 0 0,-4-2 0 16,-3-2 0-1,-7 1 0 1,-13 4 0-16,-9 2 0 16,-4 5 0-16,-5 10 0 15,0 6 0 1,-3 9 0-16,-1 11 0 15,8 11 0-15,4 11 0 16,4 15 0 0,4 18 0-16,2 19 0 31,6 19 0-15,2 15 0-16,6 7 0 15,8 5 0 1,7-4 0-1,4-5 0-15,3-11 0 16,4-8 0 0,2-7 0-16,3-6 0 15,-1-7 0 1,-4-8 0-16,-3-10 0 16,-5-8 0-1,-3-10 0-15,-4-6 0 16,-6-19 0-16,0 0 0 15</inkml:trace>
+  <inkml:trace contextRef="#ctx0" brushRef="#br0" timeOffset="154738.17">9252 10672 200 0,'0'0'0'16,"0"0"0"-16,22-3 0 15,16-4 0 1,14-4 0-16,8-2 0 15,6 4 0 1,0-3 0-16,-2 3 0 16,-4 0 0-1,-5 5 0-15,-7 0 0 16</inkml:trace>
+  <inkml:trace contextRef="#ctx0" brushRef="#br0" timeOffset="155001">9917 10604 200 0,'4'25'0'16,"6"9"0"-16,4 4 0 15,-2-5 0-15,0-6 0 16,-3-19 0 0</inkml:trace>
+  <inkml:trace contextRef="#ctx0" brushRef="#br0" timeOffset="155193.19">10027 10229 200 0,'0'0'0'16,"0"0"0"-16</inkml:trace>
+  <inkml:trace contextRef="#ctx0" brushRef="#br0" timeOffset="155620.91">10187 10681 200 0,'4'17'0'0,"2"4"0"16,-3-6 0-1,-3-15 0-15,0 0 0 16,-4 0 0-16,-2-15 0 16,-1-15 0-1,2-10 0-15,10-8 0 16,4-2 0-1,6-1 0-15,5 3 0 16,10 5 0 0,9 1 0-1,5 7 0-15,7 8 0 16,1 9 0 0</inkml:trace>
+  <inkml:trace contextRef="#ctx0" brushRef="#br0" timeOffset="156147.26">10843 10392 200 0,'0'0'0'15,"-13"-6"0"-15,-13 2 0 0,-8 5 0 32,-8 9 0-32,-6 7 0 15,-1 4 0-15,5 2 0 16,8-1 0-16,7-1 0 31,12-5 0-31,12-5 0 16,14-5 0-16,17-8 0 15,12-5 0-15,19-5 0 16,10 0 0 0,8 3 0-16,0 9 0 15,-2 9 0 1,-10 9 0-16,-15 11 0 16,-13 4 0-1,-15 2 0 1,-18 0 0-16,-15 0 0 15,-12-3 0 1,-5-3 0-16,-5-7 0 16,-4-7 0-16,2-8 0 15,3-10 0 1,8-13 0-16,11-10 0 16,12-13 0-1</inkml:trace>
+  <inkml:trace contextRef="#ctx0" brushRef="#br0" timeOffset="156438.91">11272 9999 200 0,'4'24'0'16,"5"25"0"-16,-1 20 0 15,-5 15 0 1,-4 6 0-16,-1 2 0 16,-2-8 0-1,-2-9 0 1,1-12 0-16,0-9 0 15,-1-8 0 1,-1-13 0-16</inkml:trace>
+  <inkml:trace contextRef="#ctx0" brushRef="#br0" timeOffset="156714.6">11053 10570 200 0,'30'6'0'16,"22"4"0"-16,9-3 0 15,5-1 0 1,-1 3 0-16,0-5 0 16,-3-6 0-1</inkml:trace>
+  <inkml:trace contextRef="#ctx0" brushRef="#br0" timeOffset="157156.13">11634 9871 200 0,'0'0'0'16,"0"0"0"-16,0 0 0 15,4 16 0-15,2 18 0 16,3 13 0-1,-2 17 0-15,-4 12 0 16,-2 5 0 0,-2 4 0-16,-1-2 0 15,0-5 0 1,3-9 0-16,2-10 0 16,3-7 0-1,-3-13 0-15,-5-18 0 16</inkml:trace>
+  <inkml:trace contextRef="#ctx0" brushRef="#br0" timeOffset="157776.22">11659 9888 200 0,'1'16'0'16,"4"15"0"-16,7 13 0 16,7 16 0-1,5 15 0-15,6 5 0 16,6 0 0 0,6-10 0-1,4-11 0-15,2-14 0 16,7-13 0-16,2-11 0 15,1-9 0 1,0-12 0-16,-4-12 0 16,-2-10 0-1,-3-13 0-15,-7-9 0 16,-13-6 0 0,-16-7 0-1,-22-4 0-15,-16-3 0 16,-15 0 0-1,-9 2 0-15,-4 6 0 16,-4 7 0 0,3 5 0-16,1 9 0 15,6 5 0 1,8 10 0-16,12 6 0 16,8 7 0-1,19 7 0 1</inkml:trace>
+  <inkml:trace contextRef="#ctx0" brushRef="#br0" timeOffset="158386.62">12837 10458 200 0,'-2'-45'0'16,"-3"-18"0"-1,-7 4 0 1,-9 8 0-16,-7 12 0 16,-11 20 0-16,-3 16 0 15,1 21 0 1,-1 20 0-16,7 19 0 16,5 9 0-1,12 1 0 1,10-9 0-1,12-13 0-15,10-13 0 0,8-16 0 16,8-12 0 0,2-10 0-16,3-11 0 31,1-6 0-15,-3-7 0-16,-1-3 0 15,-6-2 0 1,-3 8 0-16,-4 4 0 15,-2 11 0-15,-1 14 0 16,5 17 0 0,3 10 0-16,2 4 0 15,3 0 0 1,5-9 0 0,3-8 0-16,4-15 0 15</inkml:trace>
+  <inkml:trace contextRef="#ctx0" brushRef="#br0" timeOffset="159068.34">13089 10322 200 0,'9'39'0'0,"5"7"0"15,-2-6 0 1,-3-13 0-1,-3-10 0-15,-3-8 0 0,-3-9 0 16,4-1 0 0,-3-16 0-16,1-15 0 15,-1-14 0 1,4-5 0-16,5 1 0 31,0 5 0-31,3 11 0 16,1 11 0-16,2 14 0 15,4 10 0 1,-3 17 0-16,-1 11 0 16,-2 10 0-16,-4 4 0 15,-3-4 0 1,-2-7 0 0,0-8 0-16,2-8 0 0,3-6 0 15,4-10 0 1,10-16 0-1,4-12 0-15,5-11 0 16,5-11 0 0,4-2 0-1,2 8 0-15,0 12 0 16,0 16 0-16,-3 22 0 16,1 22 0-1,-4 26 0 1,-6 18 0-16,-7 11 0 15,-2-2 0-15,-3-6 0 16</inkml:trace>
+  <inkml:trace contextRef="#ctx0" brushRef="#br0" timeOffset="160054.07">13981 10417 200 0,'4'13'0'16,"10"7"0"-16,7 1 0 16,7-1 0-16,6-4 0 15,8-8 0 1,4-12 0-16,8-13 0 15,6-11 0 1,-1-8 0-16,-5-5 0 16,-3-4 0-1,-12 1 0-15,-10-3 0 16,-12-1 0 0,-15 4 0-16,-13 9 0 15,-12 13 0-15,-9 12 0 16,-9 22 0-1,-8 26 0-15,-6 28 0 16,-3 25 0 0,9 12 0-1,16-3 0-15,20-16 0 16,28-18 0 0,26-15 0-1,32-18 0-15,32-11 0 16,14-16 0-16,8-7 0 15</inkml:trace>
+  <inkml:trace contextRef="#ctx0" brushRef="#br0" timeOffset="167980.03">18803 9880 200 0,'0'0'0'15,"0"0"0"-15,0 0 0 16,3 30 0 15,0 30 0-31,4 21 0 16,1 22 0-16,-1 14 0 15,0 5 0-15,1-4 0 47,5-9 0-47,1-8 0 0,1-16 0 0,1-12 0 16</inkml:trace>
+  <inkml:trace contextRef="#ctx0" brushRef="#br0" timeOffset="168506.1">18685 9897 200 0,'45'-41'0'15,"38"-25"0"-15,23-1 0 16,18 6 0-1,18 7 0 1,0 14 0-16,-5 18 0 16,-8 16 0-1,-20 15 0-15,-23 9 0 32,-28 12 0-32,-28 9 0 15,-37 11 0 1,-36 10 0-16,-34 7 0 0,-25 9 0 15,-21 7 0 1,-7 2 0 0,1-3 0-1,10-10 0-15,18-12 0 0,20-13 0 16,21-11 0 0,20-11 0-1</inkml:trace>
+  <inkml:trace contextRef="#ctx0" brushRef="#br0" timeOffset="169142.84">19644 10254 200 0,'0'0'0'0,"0"0"0"16,0 0 0-1,15 9 0-15,14-7 0 16,11-11 0 0,1-11 0-16,2-6 0 31,0-6 0-31,-4-6 0 0,-6 0 0 15,-6 3 0 1,-8 4 0-16,-8 2 0 16,-13 6 0-1,-11 7 0-15,-11 13 0 16,-18 18 0 0,-4 14 0-16,-4 18 0 15,9 12 0 1,10 13 0-1,15 4 0-15,20-8 0 16,19-14 0 0,16-21 0-16,16-16 0 15,12-19 0 1,10-14 0 0,6-13 0-16,-3-10 0 15,-7-10 0-15</inkml:trace>
+  <inkml:trace contextRef="#ctx0" brushRef="#br0" timeOffset="169519.94">20350 10340 200 0,'10'15'0'15,"3"4"0"-15,-3-7 0 16,-10-12 0 0,1-1 0-16,-7-19 0 15,-5-15 0 1,0-15 0-16,1-6 0 15,4-6 0 1,9 3 0-16,9-1 0 16,11 0 0-1,16 2 0-15,13 7 0 16,9 5 0 0,6 8 0-16,-3 9 0 15</inkml:trace>
+  <inkml:trace contextRef="#ctx0" brushRef="#br0" timeOffset="170075.87">21083 9863 200 0,'-13'-9'0'16,"-8"-1"0"-16,-6 3 0 15,-11 5 0-15,-5 9 0 16,-7 12 0 0,-2 9 0-1,-4 7 0 1,5 2 0-16,11-2 0 15,15-7 0-15,14-6 0 16,14-8 0 0,15-10 0-16,17-7 0 15,15-8 0 1,17-8 0-16,17-2 0 16,9 7 0-1,6 6 0-15,-7 8 0 16,-10 12 0-1,-12 6 0-15,-15 3 0 16,-16 1 0 0,-16-1 0-16,-17 0 0 15,-17 3 0 1,-20 2 0-16,-15 0 0 16,-10-1 0-1,-4-3 0-15,-3-4 0 16,6-8 0-1,11-7 0-15,13-9 0 16,15-9 0 0,10-9 0-1</inkml:trace>
+  <inkml:trace contextRef="#ctx0" brushRef="#br0" timeOffset="170645.34">21990 9999 200 0,'0'-17'0'0,"-8"-9"0"16,-12-5 0-16,-12 6 0 15,-11 5 0 1,-10 7 0-16,-2 9 0 31,2 10 0-31,5 13 0 16,1 14 0-1,8 11 0-15,15 7 0 0,19 2 0 16,20-7 0 0,21-13 0-1,13-15 0-15,16-16 0 16,6-12 0 0,0-6 0-16,-2-7 0 15,-9-2 0 1,-10-2 0-16,-13-3 0 15,-12-2 0 1,-17 0 0-16,-19-4 0 16,-19 0 0-1,-10 4 0 1,-8 10 0 0,2 8 0-16,2 10 0 15,7 3 0-15</inkml:trace>
+  <inkml:trace contextRef="#ctx0" brushRef="#br0" timeOffset="171166.36">22235 9897 200 0,'21'31'0'16,"7"11"0"-16,-6-3 0 15,-6-8 0 1,-6-11 0-16,-7-6 0 15,-3-3 0 1,0-11 0-16,0 0 0 16,-7 0 0-1,2-13 0-15,3-15 0 16,12-10 0 0,15-8 0-16,16-5 0 15,14 4 0 1,10 5 0-16,9 9 0 15,0 13 0 1,-4 17 0-16,-5 13 0 16,-8 17 0-1,-12 13 0-15,-13 7 0 16,-10 1 0 0,-2-4 0-16,-2-7 0 15,-2-10 0 1,0-9 0-16</inkml:trace>
+  <inkml:trace contextRef="#ctx0" brushRef="#br0" timeOffset="171734.13">23438 9240 200 0,'0'28'0'0,"-2"21"0"16,-9 23 0-16,-3 18 0 15,-2 14 0 1,-3 3 0-1,0-4 0-15,0-9 0 16,7-11 0-16,7-12 0 16,8-13 0-1,12-12 0 1,20-12 0-16,17-12 0 16,11-8 0-16,10-10 0 15,7-6 0 1,4-6 0-1,-2-2 0-15,-5-3 0 16,-7 3 0-16,-13-1 0 16,-14 0 0-1,-13-6 0-15</inkml:trace>
+  <inkml:trace contextRef="#ctx0" brushRef="#br0" timeOffset="172202.51">23497 9232 200 0,'0'0'0'16,"0"0"0"-16,11-3 0 15,19-3 0 1,14-3 0-16,10-1 0 16,13-3 0-1,8-6 0-15,7-4 0 16,10-1 0-16,7-1 0 15,2 1 0 1,-4 2 0 0</inkml:trace>
+  <inkml:trace contextRef="#ctx0" brushRef="#br0" timeOffset="172718.33">24161 9275 200 0,'0'0'0'15,"0"0"0"-15,-3 18 0 0,2 14 0 16,6 15 0-1,1 6 0-15,0-2 0 32,0-6 0-32,0-15 0 0</inkml:trace>
+  <inkml:trace contextRef="#ctx0" brushRef="#br0" timeOffset="172969.65">24322 9223 200 0,'-4'53'0'0,"1"21"0"16,4-2 0-16,4-13 0 15</inkml:trace>
+  <inkml:trace contextRef="#ctx0" brushRef="#br0" timeOffset="173481.74">24859 9506 200 0,'6'-35'0'0,"1"-17"0"16,-4-6 0-16,-10 3 0 16,-8 4 0-1,-13 7 0-15,-5 8 0 16,-9 14 0-1,-5 15 0-15,2 18 0 16,5 16 0 0,7 23 0-1,5 21 0-15,7 22 0 16,3 12 0-16,6-2 0 16,10-12 0-1,9-12 0 1,5-14 0-16,2-13 0 15,0-8 0 1,-1-11 0-16,-4-5 0 16,-1-9 0-16,-8-19 0 15,0 0 0 1</inkml:trace>
+  <inkml:trace contextRef="#ctx0" brushRef="#br0" timeOffset="173736.06">24322 9982 200 0,'29'-1'0'16,"22"-4"0"-16,12-9 0 15,5-3 0 1,1-3 0-16,-3 2 0 16,-10 4 0-1,-12 2 0-15</inkml:trace>
+  <inkml:trace contextRef="#ctx0" brushRef="#br0" timeOffset="173926.24">24902 9871 200 0,'0'0'0'0,"5"14"0"16,2 8 0 0,3 3 0-1,1 3 0-15,-3-4 0 16,-2-6 0-16,-6-18 0 15</inkml:trace>
+  <inkml:trace contextRef="#ctx0" brushRef="#br0" timeOffset="174120.87">24919 9657 200 0,'0'0'0'15,"0"0"0"1,6 12 0 0</inkml:trace>
+  <inkml:trace contextRef="#ctx0" brushRef="#br0" timeOffset="174463.83">25121 9880 200 0,'8'16'0'0,"2"1"0"15,0-2 0 1,-5-5 0-16,-5-10 0 16,0 0 0-16,-2-2 0 15,-6-9 0 1,-4-11 0-16,0-10 0 16,4-6 0-1,7-5 0-15,11-4 0 16,8 0 0-1,13 4 0-15,11 5 0 16,2 10 0 0,5 8 0-16,-1 7 0 15</inkml:trace>
+  <inkml:trace contextRef="#ctx0" brushRef="#br0" timeOffset="174938.89">25684 9607 200 0,'-28'4'0'16,"-16"7"0"-16,-9 4 0 15,1 8 0-15,8 3 0 16,5 2 0 0,9-2 0-16,8-5 0 15,9-7 0 1,12-2 0-16,14-9 0 16,16-9 0-1,15-10 0-15,15 1 0 16,8-2 0-1,0 6 0-15,2 4 0 16,-5 11 0 0,-7 3 0-16,-13 7 0 15,-14 0 0 1,-11 3 0-16,-16 3 0 16,-12 1 0-1,-11 1 0-15,-8-3 0 16,-6-5 0-16,-2-7 0 15,5-10 0 1</inkml:trace>
+  <inkml:trace contextRef="#ctx0" brushRef="#br0" timeOffset="175224.69">26062 9292 200 0,'0'0'0'0,"9"13"0"16,-1 16 0-16,-4 20 0 16,-4 18 0-1,-2 14 0-15,-3 3 0 16,0-7 0-1,2-13 0-15,7-12 0 16,0-11 0 15,-2-7 0-31,-3-14 0 16</inkml:trace>
+  <inkml:trace contextRef="#ctx0" brushRef="#br0" timeOffset="175461.16">25895 9812 200 0,'50'-5'0'15,"23"-2"0"-15,5-1 0 16,-4 3 0-16,-5 2 0 16,-9 3 0-1,-7-1 0-15</inkml:trace>
+  <inkml:trace contextRef="#ctx0" brushRef="#br0" timeOffset="175859.43">26399 9292 200 0,'-3'24'0'16,"-3"28"0"-16,0 16 0 15,-1 14 0 1,2 0 0-16,0-7 0 16,0-11 0-16,4-14 0 15,3-11 0 1,1-15 0-16</inkml:trace>
+  <inkml:trace contextRef="#ctx0" brushRef="#br0" timeOffset="176383.33">26466 9300 200 0,'0'0'0'16,"0"0"0"-16,0 0 0 16,6 14 0-1,3 14 0-15,1 20 0 16,7 15 0-16,0 15 0 31,5 5 0-31,1-3 0 16,6-8 0-16,5-12 0 0,5-17 0 15,8-14 0 1,3-18 0-16,5-14 0 31,-1-12 0-15,-1-8 0-16,-2-8 0 16,-7-12 0-1,-11-8 0-15,-8-12 0 16,-11-6 0-1,-14-2 0-15,-16 2 0 16,-18 2 0 0,-9 12 0-16,-9 9 0 15,-3 12 0 1,0 9 0-16,-1 13 0 16,8 11 0-1</inkml:trace>
+  <inkml:trace contextRef="#ctx0" brushRef="#br0" timeOffset="176991.43">27509 9735 200 0,'-2'-17'0'16,"-2"-13"0"-16,-3-5 0 15,-9-3 0 1,-11 4 0-16,-13 7 0 15,-8 12 0 1,-3 16 0 0,-3 23 0-16,2 22 0 15,10 15 0 1,13 6 0 0,17-4 0-16,11-10 0 15,11-17 0 1,10-15 0-16,6-13 0 0,7-13 0 15,5-11 0 1,3-11 0 0,1-6 0-16,-4-7 0 15,-7 1 0 1,-6 6 0-16,-8 10 0 16,-1 9 0-16,-1 15 0 15,2 15 0 1,0 9 0-16,0 10 0 15,3 2 0-15,2-3 0 16,3-8 0 15,6-8 0-31,3-12 0 16,2-13 0 0</inkml:trace>
+  <inkml:trace contextRef="#ctx0" brushRef="#br0" timeOffset="177688.28">27712 9599 200 0,'0'58'0'0,"4"21"0"16,4-5 0 0,2-15 0-16,-1-16 0 15,0-13 0 1,-3-11 0-16,-2-9 0 16,-4-10 0-1,4-9 0-15,-1-16 0 16,1-18 0-1,0-11 0-15,4-11 0 16,1-2 0 0,4 8 0-16,2 9 0 15,3 13 0 1,2 15 0-16,-4 13 0 16,0 11 0-1,0 15 0-15,-2 12 0 16,-7 9 0-1,-3 2 0-15,0-1 0 16,-1-8 0-16,0-9 0 16,1-6 0-1,0-7 0 1,2-7 0-16,7-8 0 0,7-13 0 16,6-14 0-1,4-9 0-15,6-2 0 16,-2 2 0-1,-2 6 0 1,-5 13 0-16,-6 11 0 16,-2 15 0-1,-7 16 0-15,-4 15 0 16,-3 8 0 0,-2 3 0-16,-1-1 0 15,-1-7 0-15,1-4 0 16,4-5 0-1,4-13 0-15</inkml:trace>
+  <inkml:trace contextRef="#ctx0" brushRef="#br0" timeOffset="178122.36">28326 9760 200 0,'15'6'0'0,"13"-4"0"0,10-10 0 16,-1-9 0-1,-6-11 0-15,-1-6 0 16,-8-7 0-1,-3-5 0-15,-9 1 0 16,-5 3 0-16,-9 9 0 31,-8 14 0-31,-8 18 0 0,-6 19 0 32,-5 24 0-17,-3 20 0-15,4 9 0 16,10-3 0-1,12-8 0-15,16-11 0 16,11-16 0-16,16-11 0 16,16-15 0-1,12-15 0 1,7-18 0-16,-2-14 0 16</inkml:trace>
+  <inkml:trace contextRef="#ctx0" brushRef="#br0" timeOffset="178485.83">28873 9037 200 0,'-3'19'0'0,"-2"13"0"0,1 7 0 16,2 1 0 0,0-5 0-1,3-1 0-15,0-8 0 16</inkml:trace>
+  <inkml:trace contextRef="#ctx0" brushRef="#br0" timeOffset="178716.45">29015 8976 200 0,'-2'27'0'0,"-4"23"0"16,-7 13 0 0,-2 9 0-16,3 1 0 15</inkml:trace>
+  <inkml:trace contextRef="#ctx0" brushRef="#br0" timeOffset="179634.54">28831 8849 200 0,'12'10'0'15,"13"3"0"-15,13-2 0 16,13-2 0-16,15-8 0 15,15-6 0 1,7-4 0-16,7-3 0 16,-1 1 0-1,-3-2 0 1,-9 2 0-16,-15 3 0 16,-16 1 0-16,-13 7 0 15,-16 5 0 1,-10 9 0-16,-11 11 0 15,-7 13 0 1,-7 10 0-16,-5 18 0 16,-5 16 0-1,-4 17 0-15,-1 8 0 16,9-2 0 0,10-8 0-1,9-10 0 1,12-15 0-16,7-9 0 31,8-12 0-31,1-8 0 0,-1-10 0 0,-3-8 0 16,-6-9 0-1,-4-6 0 1,-7-4 0 0,-7-6 0-16,0 0 0 15,-4 5 0-15,-15-2 0 16,-13-3 0-1,-17 2 0-15,-15 1 0 16,-13 5 0 0,-16 4 0-16,-15-2 0 15,-15 6 0 1,-14 8 0 0,-8 13 0-16,-5 6 0 15</inkml:trace>
+  <inkml:trace contextRef="#ctx0" brushRef="#br0" timeOffset="184954.75">32457 13834 200 0,'-19'4'0'0,"-1"2"0"16,-5-3 0-16,1 0 0 15,-1-2 0 1,-1-1 0-16,-2 0 0 16,-4 0 0-1,-4 0 0-15,-5 0 0 16,-6 0 0-16,-7 0 0 16,-11 1 0-1,-9 5 0-15,-8-2 0 16,-9 3 0-1,-10-1 0-15,-3 1 0 16,-5-2 0 0,0-1 0-16,-1 2 0 15,1-1 0 1,-3 0 0-16,-1 0 0 16,0 0 0-1,0 0 0-15,2 0 0 16,2-2 0-1,9 1 0-15,8-2 0 16,6 0 0 0,7 1 0-16,5-1 0 15,8-1 0 1,8-1 0-16,8-1 0 16,10 1 0-1,12 1 0-15,7-2 0 16,6 1 0-16,15 0 0 15,0 0 0 1,0 0 0-16,-1 1 0 16,8 2 0-1,13 2 0 1,8-1 0-16,11-1 0 16,9-1 0-16,12-2 0 15,11 0 0 1,11-2 0-16,11-1 0 15,8-2 0 1,5-2 0-16,3 2 0 16,1 0 0-1,4 1 0-15,6 0 0 16,8 0 0 0,10 4 0-16,13 3 0 15,5-2 0 1,8-5 0-1,6 4 0-15,2-1 0 16,-6 2 0 0,-11 6 0-16</inkml:trace>
+</inkml:ink>
+</file>
+
+<file path=ppt/ink/ink21.xml><?xml version="1.0" encoding="utf-8"?>
+<inkml:ink xmlns:inkml="http://www.w3.org/2003/InkML">
+  <inkml:definitions>
+    <inkml:context xml:id="ctx0">
+      <inkml:inkSource xml:id="inkSrc0">
+        <inkml:traceFormat>
+          <inkml:channel name="X" type="integer" max="32767" units="cm"/>
+          <inkml:channel name="Y" type="integer" max="32767" units="cm"/>
+          <inkml:channel name="F" type="integer" max="1024" units="dev"/>
+          <inkml:channel name="T" type="integer" max="2.14748E9" units="dev"/>
+        </inkml:traceFormat>
+        <inkml:channelProperties>
+          <inkml:channelProperty channel="X" name="resolution" value="325.74808" units="1/cm"/>
+          <inkml:channelProperty channel="Y" name="resolution" value="571.84991" units="1/cm"/>
+          <inkml:channelProperty channel="F" name="resolution" value="4.0315E-5" units="1/dev"/>
+          <inkml:channelProperty channel="T" name="resolution" value="1" units="1/dev"/>
+        </inkml:channelProperties>
+      </inkml:inkSource>
+      <inkml:timestamp xml:id="ts0" timeString="2023-08-10T15:26:03.568"/>
+    </inkml:context>
+    <inkml:brush xml:id="br0">
+      <inkml:brushProperty name="width" value="0.05292" units="cm"/>
+      <inkml:brushProperty name="height" value="0.05292" units="cm"/>
+      <inkml:brushProperty name="color" value="#FF0000"/>
+    </inkml:brush>
+  </inkml:definitions>
+  <inkml:trace contextRef="#ctx0" brushRef="#br0">7090 14958 200 0,'-6'19'0'0,"-1"19"0"15,0 16 0-15,2 11 0 16,3 16 0-1,0 16 0-15,0 18 0 16,2 24 0 0,1 15 0-16,3 18 0 15,7 1 0 1,0 5 0-16,1 0 0 16,-3-26 0-1</inkml:trace>
+  <inkml:trace contextRef="#ctx0" brushRef="#br0" timeOffset="1809.74">22403 15275 200 0,'102'-37'0'0,"67"-12"0"15,37 4 0 1,21 11 0-16,13 18 0 31,-1 16 0-15,-20 13 0-16,-33 8 0 0,-33 7 0 31,-39 0 0-31,-37 3 0 16,-31 0 0-1,-35 2 0-15,-45 1 0 16,-56 2 0-1,-55 8 0-15,-38 3 0 16,-21 7 0 0,-7 9 0-16,6 6 0 15,23 6 0 1,32 6 0-16,39 4 0 16,40 9 0-1,45 11 0-15,49 8 0 16,61 5 0-1,67-4 0-15,69-12 0 16,64-18 0 0</inkml:trace>
+</inkml:ink>
+</file>
+
+<file path=ppt/ink/ink22.xml><?xml version="1.0" encoding="utf-8"?>
+<inkml:ink xmlns:inkml="http://www.w3.org/2003/InkML">
+  <inkml:definitions>
+    <inkml:context xml:id="ctx0">
+      <inkml:inkSource xml:id="inkSrc0">
+        <inkml:traceFormat>
+          <inkml:channel name="X" type="integer" max="32767" units="cm"/>
+          <inkml:channel name="Y" type="integer" max="32767" units="cm"/>
+          <inkml:channel name="F" type="integer" max="1024" units="dev"/>
+          <inkml:channel name="T" type="integer" max="2.14748E9" units="dev"/>
+        </inkml:traceFormat>
+        <inkml:channelProperties>
+          <inkml:channelProperty channel="X" name="resolution" value="325.74808" units="1/cm"/>
+          <inkml:channelProperty channel="Y" name="resolution" value="571.84991" units="1/cm"/>
+          <inkml:channelProperty channel="F" name="resolution" value="4.0315E-5" units="1/dev"/>
+          <inkml:channelProperty channel="T" name="resolution" value="1" units="1/dev"/>
+        </inkml:channelProperties>
+      </inkml:inkSource>
+      <inkml:timestamp xml:id="ts0" timeString="2023-08-10T15:28:53.271"/>
+    </inkml:context>
+    <inkml:brush xml:id="br0">
+      <inkml:brushProperty name="width" value="0.05292" units="cm"/>
+      <inkml:brushProperty name="height" value="0.05292" units="cm"/>
+      <inkml:brushProperty name="color" value="#FF0000"/>
+    </inkml:brush>
+  </inkml:definitions>
+  <inkml:trace contextRef="#ctx0" brushRef="#br0">12702 18376 200 0,'0'0'0'0,"0"0"0"16,0 0 0-1,0 0 0-15,0 0 0 16,0 0 0 0,0 0 0-16,0 0 0 15,5-13 0 1,-1-5 0-16,-3-4 0 15,-2 0 0 1,2 1 0-16,2-1 0 16,1-2 0-1,2-2 0-15,1-2 0 16,3-2 0 0,1-3 0-16,2-1 0 15,-1-3 0 1,2 1 0-16,3 0 0 15,2 2 0 1,1 2 0-16,4-2 0 16,0 1 0-1,1 2 0-15,0 1 0 16,1 1 0 0,3 1 0-16,0 3 0 15,3-1 0-15,2 1 0 16,6 2 0-1,2 4 0-15,1 1 0 16,6 3 0 0,2 1 0-16,2 2 0 15,2 2 0-15,5 0 0 16,4 0 0 0,1 2 0-16,1 2 0 15,2 2 0 1,1 1 0-16,2-1 0 15,0 1 0 1,3 1 0-16,1 1 0 16,4 0 0-1,0 1 0-15,1 0 0 16,2 2 0 0,-1 1 0-16,3 0 0 15,2 3 0 1,1 0 0-1,-2 2 0-15,1 2 0 16,-1-1 0-16,0 1 0 16,-3-3 0-1,4 0 0-15,-1 0 0 16,3 1 0-16,0-1 0 16,-2-3 0-1,3 1 0-15,4-1 0 16,-3-3 0-1,2-1 0-15,0 0 0 16,1 0 0-16,-3-1 0 16,3 1 0-1,1-2 0 1,4-1 0-16,0-1 0 31,-3 0 0-31,1 1 0 16,-1 1 0-16,1-2 0 0,0 1 0 31,-1-1 0-31,2 1 0 16,-2-1 0-16,4-1 0 15,-1 1 0 1,2 0 0-16,4 3 0 16,2 2 0-16,-2-1 0 15,0 1 0-15,1 3 0 16,3-2 0 15,-1-1 0-31,-1-2 0 16,5-2 0-16,3-1 0 15,-3 0 0-15,2 0 0 16,-1-3 0 0,4 1 0-1,2-2 0-15,1-2 0 16,-1-1 0-1,3-3 0-15,2-3 0 16,1-1 0 0,2-1 0-16,1-1 0 15,-1 3 0 1,1-3 0-16,3 0 0 16,4 1 0-1,-1 0 0-15,3 2 0 16,-3-1 0-1,-3-1 0-15,-4 4 0 16,0 1 0 0,2 2 0-16,2 0 0 15,-1 2 0 1,0 2 0-16,-1 0 0 16,4 2 0-1,-2 2 0-15,0 1 0 16,-1 3 0-1,1 2 0-15,-1 1 0 16,1-2 0 0,2 1 0-16,-1 3 0 15,2 4 0-15,0-3 0 16,1-1 0 0,2 1 0-16,-2-1 0 15,0 0 0 1,0 2 0-16,-3-1 0 15,1-1 0 1,-1 0 0-16,1-1 0 16,0-1 0-1,0 0 0-15,2 0 0 16,-4-1 0 0,0-1 0-1,1 1 0-15,-1-1 0 16,-1-1 0-1,-1 0 0-15,1 0 0 16,3 0 0-16,-2-2 0 16,-1-2 0-1,3 0 0-15,-8 1 0 16,0-1 0 0,0 2 0-16,5 0 0 15,-1 2 0 1,1-1 0-16,-1 1 0 15,-2 2 0-15,3 1 0 16,1 0 0 0,-3 1 0-1,1 3 0-15,-2-1 0 16,3-1 0-16,-2 2 0 31,2 0 0-31,-1-1 0 16,-2 0 0-16,-3-3 0 15,-2-1 0 1,-2-1 0-16,0-1 0 16,1 0 0-1,1 3 0-15,1-2 0 16,-1-1 0-16,-2 2 0 16,0 0 0-1,-2-1 0-15,0 1 0 16,1 1 0-1,0 3 0 1,2 2 0-16,0 0 0 16,-1 1 0-1,-4-1 0 1,-3-2 0-16,2 3 0 16,-4-2 0-16,-1-1 0 0,-6 3 0 31,2 0 0-31,-4 0 0 0,-2 0 0 15,2 1 0 1,-1-1 0 0,-5 1 0-1,-3-3 0-15,-9-1 0 16,-2-2 0-16,-6 0 0 16,-1 1 0-16,-2 0 0 15,-2 2 0 1,1 2 0-16,-5 3 0 15,0 2 0 17,-4-1 0-32,-4 0 0 0,0-3 0 31,-4 0 0-31,-5-1 0 16,1 1 0-16,-3 3 0 0,-2 2 0 31,-4 0 0-16,-5 1 0-15,-1-4 0 16,-3 1 0-16,1 0 0 16,-6 0 0-1,-1 2 0-15,-1-1 0 16,-1 1 0 0,-1 3 0-16,-3 1 0 15,-3 0 0 1,-3 1 0-16,-2 0 0 15,-3-1 0 1,-2 2 0-16,-1 0 0 16,1 0 0-1,-2 3 0-15,0 1 0 16,-1 0 0 0,0-1 0-16,0 2 0 15,0 3 0-15,1 1 0 16,-2 3 0-1,-2 1 0-15,2-1 0 16,0 1 0 0,-3-2 0-16,-2-1 0 15,0-3 0 1,-3 0 0-16,0 1 0 16,2-1 0-1,0 3 0-15,-4-1 0 16,1-1 0-16,0-1 0 15,-5 0 0 1,2 3 0-16,0 0 0 16,-3-5 0-1,-3-3 0-15,-1-1 0 16,0 0 0 0,-2-2 0-16,-3-3 0 15,-3-1 0 1,0-2 0-1,-2 0 0-15,-1-2 0 16,-2-3 0-16,-2 0 0 16,0-1 0-16,1 1 0 15,-2-3 0 1,0-2 0-16,-3-2 0 16,0 2 0-1,1-3 0-15,-3-1 0 16,3 0 0-1,-3 0 0 1,3-2 0-16,-3-2 0 16,-2 3 0-16,2 0 0 31,-4 0 0-31,1 1 0 16,3 0 0-16,-4 0 0 15,3 0 0 1,1 0 0-16,-3 0 0 15,-1 0 0 1,-1 0 0-16,-1 0 0 16,-2 0 0-16,2-2 0 15,0-1 0 1,-1 2 0-16,-3 0 0 16,1 0 0-1,0-2 0-15,-1 3 0 16,-3 0 0-16,1 0 0 31,1 2 0-31,-2 1 0 16,0-1 0-1,-1-1 0-15,1 1 0 16,-1 1 0 0,-2-3 0-16,0 0 0 15,-1 1 0 1,1-1 0-16,0-1 0 15,1 2 0 1,0 1 0-16,1-2 0 16,-4-1 0-16,2 0 0 15,0 0 0 1,-1 1 0-16,0 2 0 16,-2-1 0-1,-1-1 0-15,-1-1 0 16,-1 1 0-1,-1 1 0-15,-1 2 0 16,-1 0 0 0,0 1 0-16,-1-1 0 15,-2 0 0 1,2-2 0-16,1 1 0 16,-1 2 0-16,1-2 0 15,-2 1 0 1,1 2 0-16,0-1 0 15,2 0 0 1,1 1 0-16,1 0 0 16,0 1 0-1,0 2 0-15,-1-2 0 16,1-1 0 0,0 2 0-1,-1-2 0-15,1-2 0 16,-1 1 0-16,-2-1 0 15,0 4 0 1,0-1 0-16,0-2 0 16,-1-1 0-1,-2 1 0-15,-1-1 0 16,0-1 0 0,-2-2 0-16,-2-4 0 15,-1 0 0-15,0 1 0 16,2 2 0-1,-4 0 0-15,-1 3 0 16,-4 0 0-16,3 2 0 16,-3-1 0-1,1 3 0-15,-3 0 0 16,4 3 0 0,0-1 0-16,0 2 0 15,2-2 0 1,2 4 0-16,0-2 0 31,1-3 0-31,-1-3 0 16,3-4 0-16,0 0 0 15,-3 0 0 1,1 0 0-16,1 0 0 16,4 0 0-1,1 0 0-15,2 0 0 16,-2 0 0-16,0 0 0 15,3 0 0 1,-2 0 0-16,-1 0 0 16,-2 0 0-1,0 0 0-15,0 0 0 16,1 0 0-16,1 0 0 31,-1 0 0-31,2 0 0 16,-1 0 0-16,2 0 0 15,-2 0 0-15,0 0 0 16,-1-4 0 15,-1-4 0-31,-1-2 0 0,-1 3 0 16,1 3 0-16,-1 1 0 16,1 0 0-16,2 3 0 31,-1 0 0-31,-2 2 0 0,-5 0 0 31,1-1 0-15,-3-2 0-16,0 1 0 15,2 3 0 1,4 0 0-16,1 0 0 16,2 0 0-16,4-1 0 15,3 3 0 1,6 0 0-16,2 1 0 15,2-3 0 1,1-2 0-16,4-1 0 16,-2 1 0-1,2-1 0-15,0 0 0 16,0-2 0-16,-1-4 0 16,0 0 0-1,0 2 0-15,-1 1 0 16,-3 2 0-1,-1 2 0-15,1 2 0 16,-1 0 0 0,1-3 0-16,-3 0 0 15,0 0 0-15,-1 0 0 16,1 0 0 0,-1 0 0-16,1-1 0 15,3-2 0 1,-1 1 0-16,-2 1 0 15,-1 1 0 1,-2 0 0-16,0 0 0 16,0-3 0-1,-1 0 0-15,1 0 0 16,0 0 0 0,0 2 0-16,0 2 0 15,0-2 0 1,-1 0 0-16,-2-2 0 15,-1 2 0 1,-2 0 0-16,-2-2 0 16,-1-3 0-1,1-1 0-15,1 2 0 16,0 1 0-16,1-3 0 16,-1 3 0-16,0-2 0 15,0-2 0 1,0 1 0-16,-3-2 0 15,0 2 0 1,1 0 0-16,0 3 0 16,-3-1 0-1,-2 3 0-15,-2 1 0 16,0 1 0 0,0 0 0-1,-1 2 0-15,5 1 0 16,-1 0 0-16,0 1 0 15,3-2 0 1,-2 0 0-16,6 1 0 16,2-3 0-1,5 0 0-15,3-1 0 16,0 0 0 0,2-1 0-16,-3-1 0 15,-1 2 0 1,0 0 0-16,1 2 0 15,-1 0 0 1,1 3 0 0,-3-1 0-16,4-1 0 0,-2-1 0 15,1-1 0 1,-1 0 0 0,1 0 0-16,-1 0 0 0,2 0 0 31,3 0 0-31,-2 0 0 15,-2 0 0 1,0 0 0 0,-2 2 0-16,1 2 0 15,0-3 0 1,3 1 0-16,-2-2 0 16,-2 0 0-1,0 0 0-15,0 0 0 16,1 0 0-16,-2 0 0 15,0 0 0 1,-2 0 0-16,-1 4 0 16,0 1 0-1,3-2 0-15,0 4 0 16,-1-1 0 0,1-2 0-16,0-1 0 15,-1 1 0 1,0-2 0-16,0 5 0 15,2-1 0 1,-2-2 0-16,1-1 0 16,-2-2 0-16,2-1 0 15,-1-1 0 1,1-2 0-16,0-1 0 16,1 0 0-1,-1 0 0-15,0 1 0 16,1 0 0-1,1 3 0-15,-1 0 0 16,0 0 0 0,-3 0 0-16,0 0 0 15,0 0 0 1,1 0 0-16,1-3 0 16,-1 0 0-16,0 3 0 15,0 2 0 1,1-2 0-16,-1 0 0 15,1 0 0-15,0-1 0 16,0 0 0 0,-2 0 0-1,1-2 0-15,3 2 0 16,-1 1 0-16,3 0 0 16,-2-1 0-1,0-1 0-15,0 1 0 31,2-1 0-31,-2 2 0 16,0 0 0-16,1 0 0 0,2 0 0 31,1 0 0-31,0 2 0 16,-1 0 0-16,-2-1 0 16,2 1 0-1,0 1 0 1,0-1 0-16,4 2 0 15,-3-2 0-15,-1 1 0 16,2 1 0-16,-1-1 0 16,2-1 0-16,-2 1 0 31,2 2 0-31,2 0 0 0,-1-2 0 31,3-1 0-31,0 2 0 0,-3 0 0 16,3-3 0-16,0 2 0 31,-2 0 0-31,1-2 0 16,1 2 0-1,0-2 0-15,-1 1 0 16,0-4 0-16,1 1 0 16,1-2 0-1,-2 3 0 1,1 0 0-16,-1 0 0 15,2 0 0 1,-1 3 0-16,0-2 0 16,-1 1 0-1,-2 1 0-15,4 1 0 16,-1-1 0-16,2-2 0 16,-2-1 0-1,1 0 0 1,0 0 0-16,-1 1 0 15,2-1 0-15,-2 0 0 16,3 0 0 0,0 0 0-16,0 0 0 15,4-2 0-15,-1-3 0 16,-1 1 0 0,1 0 0-16,1 1 0 15,1 0 0 1,2 2 0-16,0-3 0 15,3-3 0-15,-1-3 0 16,2 0 0 0,-1-1 0-16,4 4 0 15,-2-5 0 1,4-1 0-16,-1 0 0 16,3 1 0-1,0 0 0-15,0-2 0 16,1-1 0-1,3-1 0-15,-1-3 0 16,5-1 0 0,-1-1 0-16,2 1 0 0,-1 1 0 31,1 3 0-31,1 0 0 16,0-2 0-16,-3-1 0 15,4 1 0-15,2 2 0 16,0-1 0-1,1 0 0-15,-1-2 0 16,0 1 0-16,1-1 0 31,1 2 0-31,0 0 0 0,-1 2 0 16,3-2 0 0,0 5 0-16,0-4 0 15,3 3 0 1,-2 0 0-1,0 1 0-15,0 1 0 16,5 11 0-16,-3-13 0 16,3 3 0-1,-1 1 0-15,0-1 0 16,1 3 0 0,0-3 0-16,0 2 0 15,1 1 0-15,0 1 0 31,-1 6 0-31,1-7 0 16,-1 7 0 0,1-7 0-16,2 2 0 15,0-2 0-15,0 3 0 16,3-2 0 0,-6 6 0-16,0 0 0 15,4-6 0 1,-4 6 0-16,7-6 0 15,-1 0 0-15,0 2 0 16,2-2 0 0,-1-6 0-16,-1-1 0 15,-3 1 0 1</inkml:trace>
+</inkml:ink>
+</file>
+
+<file path=ppt/ink/ink23.xml><?xml version="1.0" encoding="utf-8"?>
+<inkml:ink xmlns:inkml="http://www.w3.org/2003/InkML">
+  <inkml:definitions>
+    <inkml:context xml:id="ctx0">
+      <inkml:inkSource xml:id="inkSrc0">
+        <inkml:traceFormat>
+          <inkml:channel name="X" type="integer" max="32767" units="cm"/>
+          <inkml:channel name="Y" type="integer" max="32767" units="cm"/>
+          <inkml:channel name="F" type="integer" max="1024" units="dev"/>
+          <inkml:channel name="T" type="integer" max="2.14748E9" units="dev"/>
+        </inkml:traceFormat>
+        <inkml:channelProperties>
+          <inkml:channelProperty channel="X" name="resolution" value="325.74808" units="1/cm"/>
+          <inkml:channelProperty channel="Y" name="resolution" value="571.84991" units="1/cm"/>
+          <inkml:channelProperty channel="F" name="resolution" value="4.0315E-5" units="1/dev"/>
+          <inkml:channelProperty channel="T" name="resolution" value="1" units="1/dev"/>
+        </inkml:channelProperties>
+      </inkml:inkSource>
+      <inkml:timestamp xml:id="ts0" timeString="2023-08-10T15:30:30.297"/>
+    </inkml:context>
+    <inkml:brush xml:id="br0">
+      <inkml:brushProperty name="width" value="0.05292" units="cm"/>
+      <inkml:brushProperty name="height" value="0.05292" units="cm"/>
+      <inkml:brushProperty name="color" value="#FF0000"/>
+    </inkml:brush>
+  </inkml:definitions>
+  <inkml:trace contextRef="#ctx0" brushRef="#br0">17035 11362 200 0,'-8'-23'0'0,"-2"-6"0"15,0 4 0-15,2 7 0 16,8 18 0-16,-7 7 0 16,1 21 0-1,1 22 0 1,4 17 0-16,5 18 0 16,1 15 0-16,2 12 0 15,1 5 0 1,-1-2 0-1,3-10 0-15,-3-12 0 16,2-12 0 0,-2-13 0-1,0-15 0-15,-2-11 0 16,-2-21 0-16,-5-28 0 16</inkml:trace>
+  <inkml:trace contextRef="#ctx0" brushRef="#br0" timeOffset="496.55">16834 11226 200 0,'9'-23'0'15,"22"-12"0"-15,25-4 0 16,24 2 0-16,20 5 0 16,17 2 0-1,16 11 0 1,1 8 0-16,-4 11 0 15,-12 8 0-15,-14 8 0 16,-19 7 0 0,-23 8 0-16,-24 8 0 15,-33 8 0 1,-44 7 0 0,-30 11 0-1,-35 11 0 1,-25 8 0-16,-10-2 0 15,10-3 0-15,15-8 0 0,16-7 0 32,20-7 0-32,21-12 0 15,21-15 0 1,36-30 0 0,-2 1 0-16</inkml:trace>
+  <inkml:trace contextRef="#ctx0" brushRef="#br0" timeOffset="962.76">17531 11890 200 0,'0'0'0'16,"22"-3"0"-16,16-6 0 16,13-6 0-1,9-11 0-15,4-6 0 16,3-6 0 0,0-4 0-16,-9-1 0 15,-9 1 0 1,-11 3 0-16,-14 1 0 15,-14 10 0 1,-18 9 0-16,-19 18 0 16,-21 17 0-1,-13 18 0-15,-3 20 0 16,-8 20 0 0,18 11 0-16,22 0 0 15,23-10 0 1,23-15 0-1,20-18 0-15,20-20 0 16,22-16 0-16,16-16 0 16,6-15 0-1,0-7 0-15</inkml:trace>
+  <inkml:trace contextRef="#ctx0" brushRef="#br0" timeOffset="1373.67">18423 11567 200 0,'-6'19'0'0,"4"18"0"16,9 16 0-16,5 7 0 15,4 2 0 1,2-7 0-16,-2-11 0 15,1-13 0 1,-5-9 0-16,-5-10 0 16,-7-12 0-1,1 0 0-15,-7-12 0 16,-9-16 0 0,-5-18 0-16,2-14 0 15,7-9 0 1,9-5 0-16,14 1 0 15,11 6 0-15,13 7 0 16,13 7 0 0,12 12 0-16,8 13 0 15,7 14 0 1,-2 11 0-16</inkml:trace>
+  <inkml:trace contextRef="#ctx0" brushRef="#br0" timeOffset="1943.48">19358 11567 200 0,'0'0'0'0,"-25"-5"0"15,-20 2 0 1,-16 6 0-16,-10 10 0 16,-4 7 0-1,2 6 0 1,5 6 0 0,6 2 0-1,12 1 0-15,19-4 0 0,19-5 0 16,19-7 0-16,25-6 0 15,23-9 0 1,21 0 0-16,14 0 0 31,3 8 0-31,-1 4 0 0,-10 5 0 32,-12 1 0-17,-13 3 0-15,-15-2 0 0,-17-4 0 16,-15 2 0-1,-24 2 0 1,-16 3 0 0,-16 2 0-16,-14-4 0 15,-6-6 0 1,-3-5 0-16,1-8 0 16,9-9 0-1,12-7 0-15,13-6 0 16,21-5 0-1,21-7 0-15,18-4 0 16</inkml:trace>
+  <inkml:trace contextRef="#ctx0" brushRef="#br0" timeOffset="2516.84">19980 12002 200 0,'6'-35'0'16,"-5"-18"0"-16,-8-7 0 15,-13 3 0 1,-13 3 0-16,-9 5 0 15,-9 12 0 1,-2 10 0 0,5 14 0-16,1 11 0 15,6 15 0-15,4 12 0 16,10 18 0 0,10 14 0-16,16 6 0 15,19 1 0 1,13-7 0-16,16-14 0 15,13-13 0 1,11-12 0 0,2-7 0-16,2-8 0 15,-5-7 0-15,-9-6 0 16,-11-4 0 0,-11-9 0-16,-12-8 0 15,-16-12 0 1,-20-8 0-1,-15-4 0-15,-12 2 0 16,-11 7 0-16,0 7 0 16,6 9 0-1,7 7 0-15,0 11 0 16,0 8 0 0,2 11 0-16,5 2 0 15</inkml:trace>
+  <inkml:trace contextRef="#ctx0" brushRef="#br0" timeOffset="3150.79">20350 11737 200 0,'7'25'0'16,"3"20"0"-16,1 6 0 0,-3-1 0 31,-1-10 0-31,-2-9 0 16,-1-10 0-1,-1-7 0-15,-3-14 0 16,0 0 0-16,-3-6 0 15,-5-13 0 1,1-16 0 0,8-15 0-16,13-11 0 15,15-2 0 1,12 12 0-16,5 15 0 16,3 18 0-1,-1 20 0-15,-1 19 0 16,-10 17 0-1,-7 13 0-15,-8 4 0 16,-10-1 0 0,-5-6 0-16,-2-6 0 15,-4-5 0 1,-2-7 0-16,-3-4 0 16,3-5 0-1,1-6 0-15,0-15 0 16</inkml:trace>
+  <inkml:trace contextRef="#ctx0" brushRef="#br0" timeOffset="3669.71">21083 12232 200 0,'0'0'0'0,"0"0"0"15,0 0 0 1,0 0 0-16,-7-12 0 15,-3-5 0-15,3 3 0 16,0 4 0-16,0 4 0 31,7 6 0-31,0 0 0 0,0 0 0 16,-3 6 0 0,4 5 0-16,2-1 0 15,3-3 0 1,1-5 0-16,0-7 0 15</inkml:trace>
+  <inkml:trace contextRef="#ctx0" brushRef="#br0" timeOffset="7850.61">21965 11260 200 0,'-2'-25'0'16,"-1"-11"0"-16,-1-2 0 0,-1-1 0 46,-4 2 0-46,-3-5 0 0,-3-1 0 0,-8-2 0 32,-6 2 0-1,-4 2 0-31,-3 5 0 0,-5 8 0 0,-2 8 0 0,-2 9 0 31,2 15 0-31,0 11 0 16,4 14 0-1,12 17 0-15,1 24 0 16,10 20 0 0,12 17 0-16,14 10 0 15,8 4 0 1,1-5 0 0,2-9 0-16,2-11 0 15,-4-10 0 1,-1-12 0-16,2-13 0 15,-4-13 0 1,-2-14 0-16,-4-11 0 16,-4-8 0-16,-6-15 0 15,0 0 0 1</inkml:trace>
+  <inkml:trace contextRef="#ctx0" brushRef="#br0" timeOffset="8171.85">21385 12053 200 0,'52'-22'0'16,"24"-11"0"-16,3-1 0 15,-3 5 0 1,-5 4 0-16,-9 5 0 15,-7 6 0-15</inkml:trace>
+  <inkml:trace contextRef="#ctx0" brushRef="#br0" timeOffset="8866.77">22083 11780 200 0,'0'0'0'0,"0"0"0"16,0 0 0 0,-11 16 0-16,-5 17 0 15,4 14 0 1,5 16 0-16,9 1 0 15,5-6 0 1,5-11 0-16,7-10 0 16,4-13 0-1,0-11 0-15,2-11 0 16,4-11 0 0,0-11 0-16,-1-12 0 15,-3-11 0 1,-1-6 0-16,-4-4 0 15,-4 3 0 1,-3 8 0-16,-6 10 0 16,-1 13 0-1,-3 6 0-15,-3 13 0 16,0 0 0-16,3 4 0 16,0 13 0-1,1 13 0-15,1 14 0 16,3 5 0-1,3-1 0 1,2-7 0-16,1-9 0 16,3-7 0-16,4-7 0 15,2-6 0 1,-2-9 0-16,0-9 0 16</inkml:trace>
+  <inkml:trace contextRef="#ctx0" brushRef="#br0" timeOffset="9318.89">22537 11039 200 0,'0'0'0'15,"0"0"0"-15,5 25 0 16,8 26 0 0,5 28 0-16,2 24 0 15,1 18 0 1,5 8 0-16,-3-7 0 16,-1-15 0-1,-1-16 0-15,-1-12 0 16,-4-13 0-1,-1-7 0-15,-6-8 0 16,-6-21 0 0</inkml:trace>
+  <inkml:trace contextRef="#ctx0" brushRef="#br0" timeOffset="9727.51">22950 10987 200 0,'8'52'0'0,"6"37"0"16,2 23 0 0,1 15 0-16,1 2 0 15,-1-8 0 1,0-16 0-16,-5-16 0 15,-2-11 0 1,3-8 0-16,-4-15 0 16,-2-1 0-1,-1-6 0-15,-6-12 0 16</inkml:trace>
+  <inkml:trace contextRef="#ctx0" brushRef="#br0" timeOffset="10332.17">23186 11022 200 0,'0'0'0'0,"0"0"0"0,0 0 0 15,0 0 0-15,4 18 0 16,5 28 0-1,5 26 0-15,-4 25 0 16,3 18 0 0,4 8 0-1,2-11 0 1,-2-18 0-16,-1-20 0 16,-3-11 0-16,-3-10 0 15,-5-9 0 1,-3-6 0-1,-3-9 0-15,-6-11 0 16,-4-17 0 0,-4-18 0-16</inkml:trace>
+  <inkml:trace contextRef="#ctx0" brushRef="#br0" timeOffset="10902.2">23177 10979 200 0,'0'0'0'15,"6"14"0"-15,9 17 0 16,8 23 0 0,7 24 0-1,8 20 0-15,6 11 0 16,6 1 0-16,5-12 0 16,2-15 0-1,3-17 0-15,1-11 0 16,0-15 0-1,1-12 0 1,-2-12 0-16,-5-11 0 16,-5-11 0-16,-4-6 0 31,-11-5 0-31,-9-2 0 16,-11-15 0-16,-14-21 0 15,-15-23 0-15,-15-14 0 16,-8-4 0-1,-7 4 0 1,0 10 0-16,0 9 0 16,7 17 0-1,6 12 0-15,8 14 0 16,6 9 0 0,3 7 0-16,5 7 0 15,9 7 0 1</inkml:trace>
+  <inkml:trace contextRef="#ctx0" brushRef="#br0" timeOffset="11567.32">24498 11772 200 0,'4'-17'0'15,"-3"-10"0"-15,-6-14 0 16,-8-3 0-1,-12-7 0-15,-10 2 0 16,-5 8 0 0,-3 11 0-16,2 13 0 15,2 14 0 1,4 23 0-16,5 26 0 16,6 23 0-1,12 16 0-15,12 1 0 16,10-14 0-1,9-17 0 1,6-17 0-16,3-16 0 16,4-17 0-1,2-17 0-15,-2-16 0 32,-2-13 0-32,-2-6 0 15,-2-6 0 1,-2 2 0-16,-7 6 0 0,-1 13 0 31,-2 12 0-31,2 16 0 16,1 16 0-1,7 19 0-15,2 13 0 16,4 3 0 0,1-8 0-16,1-8 0 15,0-10 0 1,3-9 0-16,-3-6 0 15,-3-11 0 1,-7-7 0-16</inkml:trace>
+  <inkml:trace contextRef="#ctx0" brushRef="#br0" timeOffset="12202.41">24750 11558 200 0,'15'40'0'0,"11"18"0"16,-3-2 0-1,-4-9 0-15,-2-10 0 16,-7-13 0-1,-4-9 0-15,-6-15 0 16,0 0 0-16,0 0 0 16,4-3 0-1,-2-19 0-15,1-17 0 16,1-12 0 0,3 0 0-16,4 2 0 15,3 10 0 1,-2 11 0-16,1 8 0 15,-1 7 0 1,2 11 0-16,2 10 0 16,2 14 0-1,-2 5 0 1,-3 2 0-16,-3-1 0 16,-2-4 0-16,0-7 0 15,3-7 0 1,-1-7 0-1,7-14 0-15,3-14 0 16,6-17 0-16,6-5 0 16,1 4 0-1,2 11 0-15,1 13 0 16,-5 16 0 0,-3 19 0-16,-3 18 0 15,0 10 0 1,-3 9 0-16,-4-3 0 15,-1-4 0 1,1-10 0 0,-3-10 0-16</inkml:trace>
+  <inkml:trace contextRef="#ctx0" brushRef="#br0" timeOffset="12680.15">25617 11720 200 0,'25'9'0'16,"11"-2"0"-16,4-6 0 0,5-13 0 15,3-16 0 1,-1-14 0 0,-5-9 0-16,-5-5 0 15,-9-1 0 1,-11 3 0-16,-12 7 0 16,-14 9 0-1,-12 12 0-15,-7 20 0 31,-7 25 0-31,-8 28 0 16,5 31 0-16,1 33 0 16,8 18 0-1,14-11 0-15,24-26 0 16,21-28 0 0,25-21 0-16,19-18 0 15,19-23 0 1,14-20 0-1,4-13 0-15,-8-8 0 16</inkml:trace>
+  <inkml:trace contextRef="#ctx0" brushRef="#br0" timeOffset="70289.5">26592 12027 200 0,'0'0'0'15,"0"0"0"-15,0 0 0 16,0 0 0 47,0 0 0-63,0 0 0 0,-2-13 0 0,-3-7 0 0,-3 1 0 0,0-2 0 15,-4 0 0 32,0-1 0-47,-3 0 0 0,-3-4 0 0,-2-2 0 0,-1-4 0 16,-4-7 0-16,3-6 0 15,3-7 0 1,5-13 0-16,9-15 0 16,13-21 0-1,19-14 0-15,8-9 0 16,6-6 0-1</inkml:trace>
+  <inkml:trace contextRef="#ctx0" brushRef="#br0" timeOffset="70891.09">27122 11975 200 0,'0'0'0'0,"0"0"0"15,2-16 0 1,1-14 0-16,6-6 0 16,2-3 0-1,6-7 0-15,3-12 0 16,-1-14 0-1,3-9 0-15,-2-7 0 16,-11-5 0 0,-9 1 0-1,-12 6 0-15,-11 4 0 16,-12 6 0 0,-13 13 0-1,-12 11 0-15</inkml:trace>
+  <inkml:trace contextRef="#ctx0" brushRef="#br0" timeOffset="133408.59">13847 17200 200 0,'-47'0'0'0,"-18"2"0"0,-1 3 0 16,4-1 0-16,1-1 0 15,2 0 0 1,0-3 0 0,0-2 0-16,-2 1 0 15,-3-4 0 1,1-2 0 0,-2-2 0-1,0-1 0-15,0-1 0 16,-5 3 0-16,1 0 0 15,0 2 0 1,1 2 0-16,-1 2 0 16,2 1 0-1,-3 3 0 1,3 0 0-16,2 1 0 16,2 1 0-16,4-3 0 15,6 3 0 1,7 1 0-16,-3 1 0 15</inkml:trace>
+  <inkml:trace contextRef="#ctx0" brushRef="#br0" timeOffset="134759.54">5971 17046 200 0,'-18'0'0'32,"-6"0"0"-32,-2 0 0 0,0 2 0 31,-2 1 0-31,1 1 0 15,-2 2 0 1,-1 1 0-16,-4 1 0 16,-2 1 0-16,-2 1 0 15,-7 0 0 1,-1 0 0-16,-5-3 0 16,-2-1 0-1,-3-1 0-15,-1-2 0 16,-3-3 0-1,-2-2 0-15,0 0 0 16,-5-1 0 0,1 0 0-16,-3 0 0 15,-3-4 0 1,-2 2 0-16,0 0 0 16,1-1 0-1,4-1 0-15,-1 1 0 16,4-1 0-1,3-1 0-15,3 1 0 16,4-2 0 0,3 3 0-16,6 2 0 15,3 1 0 1,3 3 0-16,8 3 0 16,0 2 0-16,3 7 0 15</inkml:trace>
+</inkml:ink>
+</file>
+
+<file path=ppt/ink/ink24.xml><?xml version="1.0" encoding="utf-8"?>
+<inkml:ink xmlns:inkml="http://www.w3.org/2003/InkML">
+  <inkml:definitions>
+    <inkml:context xml:id="ctx0">
+      <inkml:inkSource xml:id="inkSrc0">
+        <inkml:traceFormat>
+          <inkml:channel name="X" type="integer" max="32767" units="cm"/>
+          <inkml:channel name="Y" type="integer" max="32767" units="cm"/>
+          <inkml:channel name="F" type="integer" max="1024" units="dev"/>
+          <inkml:channel name="T" type="integer" max="2.14748E9" units="dev"/>
+        </inkml:traceFormat>
+        <inkml:channelProperties>
+          <inkml:channelProperty channel="X" name="resolution" value="325.74808" units="1/cm"/>
+          <inkml:channelProperty channel="Y" name="resolution" value="571.84991" units="1/cm"/>
+          <inkml:channelProperty channel="F" name="resolution" value="4.0315E-5" units="1/dev"/>
+          <inkml:channelProperty channel="T" name="resolution" value="1" units="1/dev"/>
+        </inkml:channelProperties>
+      </inkml:inkSource>
+      <inkml:timestamp xml:id="ts0" timeString="2023-08-10T15:34:22.205"/>
+    </inkml:context>
+    <inkml:brush xml:id="br0">
+      <inkml:brushProperty name="width" value="0.05292" units="cm"/>
+      <inkml:brushProperty name="height" value="0.05292" units="cm"/>
+      <inkml:brushProperty name="color" value="#FF0000"/>
+    </inkml:brush>
+  </inkml:definitions>
+  <inkml:trace contextRef="#ctx0" brushRef="#br0">14739 18647 200 0,'0'0'0'0,"0"0"0"0,0 0 0 16,0 0 0 0,0 0 0-16,0 0 0 15,0 0 0 1,6 12 0-16,12 4 0 15,19-2 0 1,16-5 0-16,18-7 0 16,15-3 0-1,18-3 0-15,14 0 0 16,17-1 0 0,23 1 0-16,23 3 0 15,34 2 0-15,37 8 0 16,26 11 0-1</inkml:trace>
+  <inkml:trace contextRef="#ctx0" brushRef="#br0" timeOffset="2500.73">31371 18640 200 0,'0'0'0'15,"0"0"0"-15,0 0 0 16,0 0 0-1,0 0 0 1,0 0 0-16,0 0 0 16,0 0 0-16,19 0 0 15,13 0 0-15,10-1 0 32,5-5 0-32,7-4 0 15,12 0 0 1,16 1 0-16,20 3 0 15,19 3 0 1,26 3 0-16,29 6 0 16,26-6 0-1,17-7 0-15,2-10 0 16,-10 2 0 0,-19 1 0-16,-31 6 0 15,-31 0 0-15,-29-10 0 16</inkml:trace>
+</inkml:ink>
+</file>
+
+<file path=ppt/ink/ink25.xml><?xml version="1.0" encoding="utf-8"?>
+<inkml:ink xmlns:inkml="http://www.w3.org/2003/InkML">
+  <inkml:definitions>
+    <inkml:context xml:id="ctx0">
+      <inkml:inkSource xml:id="inkSrc0">
+        <inkml:traceFormat>
+          <inkml:channel name="X" type="integer" max="32767" units="cm"/>
+          <inkml:channel name="Y" type="integer" max="32767" units="cm"/>
+          <inkml:channel name="F" type="integer" max="1024" units="dev"/>
+          <inkml:channel name="T" type="integer" max="2.14748E9" units="dev"/>
+        </inkml:traceFormat>
+        <inkml:channelProperties>
+          <inkml:channelProperty channel="X" name="resolution" value="325.74808" units="1/cm"/>
+          <inkml:channelProperty channel="Y" name="resolution" value="571.84991" units="1/cm"/>
+          <inkml:channelProperty channel="F" name="resolution" value="4.0315E-5" units="1/dev"/>
+          <inkml:channelProperty channel="T" name="resolution" value="1" units="1/dev"/>
+        </inkml:channelProperties>
+      </inkml:inkSource>
+      <inkml:timestamp xml:id="ts0" timeString="2023-08-10T15:36:47.572"/>
+    </inkml:context>
+    <inkml:brush xml:id="br0">
+      <inkml:brushProperty name="width" value="0.05292" units="cm"/>
+      <inkml:brushProperty name="height" value="0.05292" units="cm"/>
+      <inkml:brushProperty name="color" value="#FF0000"/>
+    </inkml:brush>
+  </inkml:definitions>
+  <inkml:trace contextRef="#ctx0" brushRef="#br0">4466 14021 200 0,'-10'-78'0'16,"-10"-30"0"0,-9 4 0-16,-9 16 0 15,-11 19 0-15,-10 17 0 16,-10 19 0-1,-13 13 0 1,-12 16 0-16,-9 23 0 16,0 24 0-16,3 20 0 15,13 24 0 1,17 32 0-16,22 15 0 16,18 5 0-1,23-11 0-15,22-19 0 16,23-16 0-1,23-19 0-15,25-22 0 16,21-25 0 0,13-23 0-16,3-18 0 15,-2-12 0 1,-8-13 0-16,-9-10 0 16,-8-5 0-1,-16-11 0-15,-16-7 0 16,-17-5 0-1,-25-6 0-15,-20-5 0 16,-22-1 0 0,-13 5 0-16,-10 9 0 15,-1 11 0 1,0 17 0-16,2 17 0 16,3 17 0-1,10 9 0-15,9 4 0 31</inkml:trace>
+  <inkml:trace contextRef="#ctx0" brushRef="#br0" timeOffset="675.95">4785 13578 200 0,'5'54'0'15,"8"41"0"-15,7 30 0 0,-1 9 0 31,0-11 0-31,-5-23 0 0,-1-27 0 16,-4-22 0 0,-2-17 0-1,-1-13 0 1,-6-21 0 0,1 0 0-16,1-20 0 15,1-22 0 1,2-21 0-16,3-20 0 15,8-8 0 1,9-1 0-16,12 10 0 16,8 17 0-1,7 14 0-15,4 17 0 16,2 18 0 0,3 24 0-16,-6 30 0 15,-4 28 0 1,-11 20 0-16,-4 10 0 15,-7-12 0 1,-4-14 0-16,-2-12 0 16,6-18 0-1,6-26 0-15</inkml:trace>
+  <inkml:trace contextRef="#ctx0" brushRef="#br0" timeOffset="1101.83">6392 13774 200 0,'-14'-13'0'0,"-17"-5"0"15,-20 4 0-15,-17 12 0 16,-21 18 0 0,-6 18 0-16,0 18 0 15,8 20 0 1,16 20 0-16,22 16 0 16,26 9 0-1,29-9 0-15,27-19 0 16,26-24 0-1,27-27 0-15,24-24 0 16,20-27 0 0,20-19 0-16,11-13 0 15,-5-9 0 1,-19-4 0 0,-21-5 0-16,-20-6 0 15,-24-7 0-15</inkml:trace>
+  <inkml:trace contextRef="#ctx0" brushRef="#br0" timeOffset="1386.28">6964 13314 200 0,'0'0'0'0,"1"26"0"16,4 31 0-16,-1 30 0 16,1 37 0-1,-4 27 0-15,3 6 0 16,0-18 0 0,0-26 0-1,4-25 0-15,2-21 0 16,1-20 0-1,-1-25 0-15</inkml:trace>
+  <inkml:trace contextRef="#ctx0" brushRef="#br0" timeOffset="1590.61">7283 13936 200 0,'7'53'0'0,"4"37"0"16,-4 10 0-1,0-18 0 1,2-22 0 0,1-29 0-16,3-35 0 15</inkml:trace>
+  <inkml:trace contextRef="#ctx0" brushRef="#br0" timeOffset="1767.46">7570 13663 200 0,'0'0'0'0,"0"0"0"16,0 0 0-16,3 16 0 15,4 12 0-15</inkml:trace>
+  <inkml:trace contextRef="#ctx0" brushRef="#br0" timeOffset="2176.4">8260 13986 200 0,'0'-25'0'0,"-14"-18"0"32,-17 1 0-32,-22 5 0 0,-13 15 0 15,-10 18 0 1,-2 18 0-1,8 21 0 1,11 21 0 0,16 21 0-16,19 12 0 15,21 2 0 1,25-9 0-16,25-16 0 16,16-19 0-1,22-18 0-15,16-14 0 16,9-16 0-1,-2-12 0-15,-10-9 0 16,-12-10 0 0,-14-14 0-16,-12-16 0 15</inkml:trace>
+  <inkml:trace contextRef="#ctx0" brushRef="#br0" timeOffset="2879.11">8638 13347 200 0,'0'0'0'0,"16"19"0"15,9 29 0 1,2 28 0-16,3 34 0 15,-9 23 0 1,-4 6 0-16,-1-11 0 16,3-23 0-1,1-26 0-15,-1-23 0 16,-2-20 0 0,-7-15 0-16,-4-10 0 15,-6-11 0 1,-3-12 0-16,-9-21 0 15,-7-15 0 1,-2-12 0-16,2-5 0 16,7 0 0-1,5 1 0-15,18 7 0 16,14 3 0 0,16 5 0-16,13 7 0 15,10 8 0-15,0 7 0 16,-1 13 0-1,-6 11 0-15,-15 15 0 16,-15 12 0 0,-18 17 0-16,-16 8 0 15,-16 8 0 1,-13 4 0-16,-9 7 0 16,-5 1 0-1,3-1 0-15,9-9 0 31,14-11 0-31,16-10 0 16,25-8 0 0,23-9 0-16,27-5 0 15,23-8 0 1,21-2 0-16,13 0 0 16,1 5 0-16,-13 0 0 15,-21 5 0 1,-18 1 0-16</inkml:trace>
+  <inkml:trace contextRef="#ctx0" brushRef="#br0" timeOffset="4084.17">4483 15580 200 0,'-1'-32'0'0,"-8"-16"0"16,-3-7 0 0,-9-2 0-16,-12 6 0 15,-18 6 0 1,-6 7 0-16,-11 11 0 16,-11 12 0-1,-7 18 0 1,-6 15 0-1,2 19 0-15,3 23 0 16,9 25 0 0,11 27 0-16,16 27 0 15,20 7 0-15,23-13 0 16,18-23 0-16,21-25 0 16,20-20 0-1,15-19 0 1,15-19 0-16,9-17 0 15,1-14 0-15,-1-11 0 16,-6-11 0 0,-11-6 0-16,-9-9 0 15,-9-9 0 1,-15-12 0 0,-10-12 0-1,-8-12 0-15,-10-7 0 16,-7 0 0-16,-4 9 0 31,-5 11 0-31,-5 12 0 16,-6 14 0-16,-7 12 0 15,-7 11 0 1,-3 8 0-16</inkml:trace>
+  <inkml:trace contextRef="#ctx0" brushRef="#br0" timeOffset="4748.05">4525 15479 200 0,'0'0'0'16,"0"0"0"-16,1 21 0 15,1 22 0 1,9 18 0-16,-1 13 0 16,0 1 0-1,0-12 0 1,-5-13 0-16,-4-12 0 16,-4-10 0-1,2-9 0-15,1-19 0 16,-9 3 0-16,-4-20 0 15,-1-23 0 1,9-21 0 0,9-15 0-16,11 0 0 15,10 6 0-15,8 9 0 16,6 12 0 0,5 14 0-16,5 15 0 15,2 16 0 1,1 20 0-16,2 21 0 15,-2 28 0 1,-4 21 0-16,-4 11 0 16,-9 0 0-1,-12-12 0-15,-10-17 0 16,-4-19 0 0,-3-14 0-16,0-15 0 15,-8-19 0-15</inkml:trace>
+  <inkml:trace contextRef="#ctx0" brushRef="#br0" timeOffset="5553.79">5357 15529 200 0,'4'25'0'0,"4"25"0"15,3 18 0-15,-3 3 0 32,-2-5 0-32,-1-16 0 15,-5-12 0-15,0-12 0 16,0-11 0 0,0-15 0-16,0 0 0 15,0 0 0-15,-6-2 0 16,-1-21 0-1,5-22 0 1,2-18 0-16,8-8 0 16,8 4 0-16,4 9 0 31,1 11 0-31,3 15 0 0,1 12 0 31,1 17 0-31,2 19 0 16,-1 20 0-1,-2 18 0-15,-6 6 0 16,-7-8 0 0,-4-16 0-16,-1-12 0 15,-3-12 0 1,-4-12 0-16,0 0 0 16,0-5 0-1,3-23 0-15,7-16 0 16,11-7 0-1,7 0 0-15,8 2 0 16,7 12 0 0,6 10 0-16,0 16 0 15,2 17 0 1,-2 17 0-16,-5 20 0 16,-7 16 0-1,-7 9 0-15,-9-3 0 16,-7-7 0-1,-6-10 0-15,-4-13 0 16,-1-8 0 0,-3-27 0-16,3 1 0 15</inkml:trace>
+  <inkml:trace contextRef="#ctx0" brushRef="#br0" timeOffset="6074.73">6619 15768 200 0,'0'0'0'15,"0"0"0"-15,0 0 0 16,0 0 0-16,-4-19 0 15,-4-16 0 1,-10-8 0-16,-7-5 0 16,-5 0 0-1,-7 5 0-15,-7 11 0 16,-4 11 0 0,-7 14 0-16,1 23 0 15,6 21 0 1,10 25 0-16,13 16 0 15,16 2 0 1,17-9 0-16,19-16 0 16,20-18 0-1,13-18 0-15,8-18 0 16,6-12 0 0,-5-9 0-1,-8-7 0-15,-6-9 0 16,-11-9 0-1,-11-11 0-15,-13-6 0 16,-12 1 0-16,-9 8 0 16,-7 12 0-1,-3 15 0-15,-3 11 0 16</inkml:trace>
+  <inkml:trace contextRef="#ctx0" brushRef="#br0" timeOffset="6599.83">6897 15427 200 0,'0'0'0'0,"1"18"0"16,-1 23 0-16,-3 17 0 15,0 12 0 1,3-2 0 0,4-12 0-16,3-13 0 15,2-14 0 1,3-12 0-16,2-11 0 15,3-12 0 1,6-15 0-16,3-15 0 16,2-13 0-1,-2-9 0-15,-5 4 0 16,-7 11 0 0,-4 13 0-16,-5 12 0 15,-5 18 0-15,4 7 0 16,3 23 0-1,-4 24 0-15,1 6 0 16,7-3 0 0,9-13 0-16,10-13 0 15,9-15 0 1,11-16 0-16,8-17 0 16,0-22 0-1,-1-24 0-15</inkml:trace>
+  <inkml:trace contextRef="#ctx0" brushRef="#br0" timeOffset="7133.51">7781 15436 200 0,'-27'0'0'16,"-19"2"0"-16,-6 7 0 16,-6 6 0-1,0 2 0-15,2 1 0 16,8 1 0-16,13-3 0 16,13-5 0-1,8-3 0 1,14-2 0-16,16-6 0 0,16-6 0 15,19-2 0 1,16 1 0 0,13 4 0-1,6 10 0-15,5 6 0 16,-3 9 0-16,-13 3 0 16,-16 3 0-1,-18 2 0 1,-19 2 0-16,-21-2 0 15,-21 2 0-15,-18 4 0 16,-18-1 0-16,-10-4 0 16,-3-5 0-1,6-10 0-15,9-10 0 16,12-13 0 0,19-18 0-1,23-14 0 1,24-8 0-16,20-4 0 0</inkml:trace>
+  <inkml:trace contextRef="#ctx0" brushRef="#br0" timeOffset="7570.58">8226 15605 200 0,'3'17'0'16,"-2"5"0"-16,-1 1 0 15,-2-4 0 1,0-4 0-16,3-3 0 16,5-4 0-1,10-3 0-15,7-8 0 16,7-6 0-16,6-10 0 16,3-9 0-1,-1-4 0-15,-2-3 0 16,-8-4 0-1,-9 1 0-15,-13 4 0 16,-10 3 0 0,-12 7 0-16,-7 8 0 15,-9 13 0 1,-1 15 0-16,0 18 0 16,3 18 0-1,6 19 0-15,14 4 0 16,18-3 0-1,19-9 0-15,18-16 0 16,20-15 0 0,19-13 0-16,16-15 0 15,8-13 0 1</inkml:trace>
+  <inkml:trace contextRef="#ctx0" brushRef="#br0" timeOffset="8113.04">9463 15623 200 0,'-41'-41'0'0,"-22"-14"0"15,-15 8 0-15,-8 15 0 0,-1 17 0 16,2 18 0 0,10 19 0-16,9 18 0 15,15 20 0 1,20 9 0-1,19-1 0-15,22-6 0 16,19-6 0 0,21-11 0-1,23-15 0-15,15-16 0 0,12-11 0 32,-1-14 0-32,-11-9 0 15,-14-10 0-15,-17-12 0 16,-18-5 0-1,-16-6 0-15,-18-2 0 16,-15-1 0 0,-18 5 0-1,-9 4 0-15,-7 8 0 0,-5 8 0 16,1 6 0 15,7 6 0-31,10 1 0 16</inkml:trace>
+  <inkml:trace contextRef="#ctx0" brushRef="#br0" timeOffset="8611.84">9657 15479 200 0,'0'0'0'16,"0"0"0"-16,0 0 0 15,4 14 0 1,9 20 0-16,4 15 0 15,-2 10 0 1,4-2 0-16,0-6 0 16,4-14 0-1,2-10 0-15,2-11 0 16,1-8 0-16,1-11 0 16,2-16 0-1,4-16 0-15,2-16 0 16,1-13 0-1,-2-7 0-15,0-2 0 16,-6 9 0 0,-8 14 0-16,-7 14 0 15,-6 12 0 1,-6 11 0-16,-3 13 0 16,-5 3 0-1,-5 13 0-15</inkml:trace>
+  <inkml:trace contextRef="#ctx0" brushRef="#br0" timeOffset="9047.15">10153 15751 200 0,'38'-13'0'0,"22"-10"0"15,4-10 0-15,-4-2 0 16,-9-1 0 0,-12 0 0-1,-7-2 0-15,-13 3 0 16,-8 4 0-16,-13 5 0 16,-11 7 0-1,-10 9 0 1,-9 13 0-16,-2 16 0 15,1 20 0 1,5 17 0-16,1 11 0 16,11-1 0-1,8-7 0-15,11-11 0 16,12-10 0 0,15-10 0-16,14-10 0 0,13-12 0 31,6-13 0-31,1-9 0 15,1-9 0-15,-3-9 0 16,-4-10 0-16,-6-7 0 16</inkml:trace>
+  <inkml:trace contextRef="#ctx0" brushRef="#br0" timeOffset="9410.36">10986 15580 200 0,'6'36'0'0,"4"16"0"16,4 0 0-1,-2-6 0 1,-2-10 0 0,-1-8 0-16,-4-9 0 15,-2-8 0 1,-3-11 0-16,0 0 0 15,0-5 0 1,1-16 0-16,0-16 0 16,0-17 0-1,3-11 0-15,4-8 0 16,8 1 0 0,13 0 0-16,19 4 0 15,26 11 0 1,23 11 0-16,24 17 0 15,15 16 0 1,7 19 0 0,-7 12 0-16,-11 4 0 15</inkml:trace>
+  <inkml:trace contextRef="#ctx0" brushRef="#br0" timeOffset="11533.7">14519 14072 200 0,'0'0'0'15,"0"0"0"-15,0 0 0 16,0 0 0 31,0 0 0-47,10-10 0 0,2-5 0 0,2-5 0 0,-5-2 0 16,-4-4 0-16,-2-2 0 46,-1 3 0-30,-4-1 0-16,-6-3 0 0,-7-2 0 0,-10 2 0 0,-13 2 0 16,-13 4 0-1,-13 10 0-15,-11 12 0 16,-5 12 0 0,-5 19 0-16,1 19 0 15,12 25 0 1,10 26 0-16,16 18 0 15,21 6 0 1,23-13 0-16,24-23 0 16,23-24 0-1,16-22 0-15,16-23 0 16,14-20 0 0,12-18 0-16,9-14 0 15,-5-6 0 1,-8-9 0-1,-19-4 0-15,-15-8 0 16,-17-7 0 0,-17-9 0-16,-20-2 0 15,-20 1 0 1,-21 7 0-16,-16 13 0 16,-12 12 0-16,-11 16 0 15,-3 12 0 1,3 13 0-1,6 7 0-15,9 3 0 16,14-3 0 0</inkml:trace>
+  <inkml:trace contextRef="#ctx0" brushRef="#br0" timeOffset="12277.13">14957 13944 200 0,'1'24'0'0,"0"16"0"16,5 9 0-1,1 6 0-15,1-1 0 16,1-5 0 0,-3-9 0-16,0-11 0 15,-1-10 0-15,-2-7 0 16,-3-12 0-1,0 0 0-15,0 0 0 16,0-2 0-16,-1-14 0 16,0-12 0-16,4-11 0 15,5-13 0 1,7-10 0-16,11-7 0 16,16 0 0-1,13 3 0-15,9 9 0 16,6 16 0-1,5 16 0-15,-2 17 0 16,2 23 0 0,-8 22 0-16,-7 21 0 15,-13 17 0-15,-11 6 0 16,-10-9 0 0,-11-9 0-16,-9-7 0 15,-3-8 0 1,1-10 0-16,1-15 0 15,2-23 0 1</inkml:trace>
+  <inkml:trace contextRef="#ctx0" brushRef="#br0" timeOffset="12793.25">16472 14004 200 0,'15'-28'0'0,"4"-14"0"0,-8-2 0 16,-16 2 0 0,-16 3 0-1,-16 10 0 1,-12 15 0 0,-14 17 0-16,-8 15 0 15,0 22 0 1,4 24 0-16,4 25 0 15,9 17 0 1,21 2 0-16,22-14 0 16,24-15 0-1,21-20 0-15,20-18 0 16,17-15 0 0,21-17 0-16,14-12 0 15,5-16 0 1,1-11 0-16,-10-12 0 15,-9-10 0 1,-14-11 0-16,-19-10 0 16</inkml:trace>
+  <inkml:trace contextRef="#ctx0" brushRef="#br0" timeOffset="13339.74">16783 13425 200 0,'4'21'0'0,"2"24"0"16,4 24 0-1,-3 25 0 1,-2 12 0-16,1 5 0 16,-2-10 0-16,0-18 0 15,4-20 0 1,-1-17 0 0,0-12 0-16,-2-13 0 15,2-8 0-15,-7-13 0 16,6 3 0-16,2-20 0 15,10-25 0 1,4-18 0-16,5-10 0 16,2 1 0-1,6 7 0-15,2 11 0 16,3 10 0 0,5 16 0-16,1 18 0 15,-2 20 0 1,-8 21 0-16,-8 25 0 15,-8 19 0 1,-6 5 0-16,-1-8 0 16,-1-11 0-1,6-18 0-15,7-15 0 16,8-21 0 0,4-17 0-16</inkml:trace>
+  <inkml:trace contextRef="#ctx0" brushRef="#br0" timeOffset="13878.13">17876 14029 200 0,'19'4'0'0,"7"-3"0"15,-6-6 0-15,-10-10 0 31,-11-10 0-31,-15-7 0 0,-12-3 0 16,-13 4 0 0,-7 10 0-16,-3 10 0 31,0 17 0-31,2 18 0 0,-1 20 0 16,9 14 0-1,10 3 0 1,13-6 0-16,14-12 0 0,12-9 0 15,15-11 0 1,9-12 0 0,10-14 0-1,6-12 0-15,-1-5 0 16,-2-6 0-16,-4-7 0 16,-6-2 0-1,-8 6 0-15,-8 8 0 16,-6 10 0-1,-2 11 0 1,0 14 0 0,2 9 0-16,8 8 0 15,8-1 0 1,10-6 0-16,11-6 0 16,13-11 0-1,0-14 0-15,-2-14 0 16</inkml:trace>
+  <inkml:trace contextRef="#ctx0" brushRef="#br0" timeOffset="14370.14">18196 13927 200 0,'0'0'0'0,"7"19"0"16,3 8 0 0,-1 1 0-16,0-4 0 15,-1-5 0-15,-2-6 0 16,-6-13 0-1,0 0 0-15,0 0 0 16,0 0 0 0,0 0 0-16,6-9 0 15,1-20 0-15,3-15 0 16,7-9 0 0,8 2 0-16,8 0 0 15,11 6 0 1,9 7 0-16,4 12 0 15,0 13 0 1,1 16 0-16,-6 19 0 16,-12 14 0-1,-12 10 0 1,-8 7 0-16,-10-2 0 16,-2-5 0-1,2-4 0-15,7-10 0 16,8-18 0-16</inkml:trace>
+  <inkml:trace contextRef="#ctx0" brushRef="#br0" timeOffset="15021.95">19408 13927 200 0,'6'-18'0'0,"1"-14"0"0,-12-5 0 16,-13-1 0-1,-16 2 0 1,-16 8 0 0,-12 13 0-16,-9 15 0 15,-3 22 0 1,6 17 0-16,7 11 0 15,18 2 0 1,17-6 0-16,21-6 0 16,18-10 0-16,15-11 0 31,18-8 0-31,9-9 0 16,5-7 0-16,3-8 0 0,-1-6 0 15,-6-2 0 16,-7-3 0-31,-9-1 0 16,-10 5 0-16,-11 4 0 0,-9 8 0 16,-2 8 0-1,-5 15 0-15,-3 17 0 32,1 21 0-17,-2 19 0-15,1 8 0 16,3 2 0-1,5-6 0-15,4-9 0 16,1-10 0 0,-2-4 0-16,-2-5 0 15,-9-7 0 1,-8-6 0-16,-11-9 0 16,-17-8 0-1,-13-9 0-15,-10-9 0 16,-6-13 0-1,-5-16 0-15,3-17 0 16,10-18 0 0</inkml:trace>
+  <inkml:trace contextRef="#ctx0" brushRef="#br0" timeOffset="15580.8">19888 14115 200 0,'0'0'0'0,"0"0"0"16,16 2 0 0,15-1 0-16,11-8 0 15,10-7 0 1,11-7 0-16,4-5 0 16,1-9 0-1,-3-5 0-15,-7-5 0 16,-11 1 0-16,-18-1 0 15,-20 6 0-15,-19 8 0 16,-22 8 0 0,-20 14 0-1,-15 16 0-15,-11 19 0 16,-10 25 0 0,2 22 0-16,4 21 0 15,15 10 0 1,28-2 0-1,31-11 0-15,34-9 0 16,37-11 0 0,35-8 0-1,31-7 0-15,23-8 0 16,8-8 0 0</inkml:trace>
+</inkml:ink>
+</file>
+
+<file path=ppt/ink/ink26.xml><?xml version="1.0" encoding="utf-8"?>
+<inkml:ink xmlns:inkml="http://www.w3.org/2003/InkML">
+  <inkml:definitions>
+    <inkml:context xml:id="ctx0">
+      <inkml:inkSource xml:id="inkSrc0">
+        <inkml:traceFormat>
+          <inkml:channel name="X" type="integer" max="32767" units="cm"/>
+          <inkml:channel name="Y" type="integer" max="32767" units="cm"/>
+          <inkml:channel name="F" type="integer" max="1024" units="dev"/>
+          <inkml:channel name="T" type="integer" max="2.14748E9" units="dev"/>
+        </inkml:traceFormat>
+        <inkml:channelProperties>
+          <inkml:channelProperty channel="X" name="resolution" value="325.74808" units="1/cm"/>
+          <inkml:channelProperty channel="Y" name="resolution" value="571.84991" units="1/cm"/>
+          <inkml:channelProperty channel="F" name="resolution" value="4.0315E-5" units="1/dev"/>
+          <inkml:channelProperty channel="T" name="resolution" value="1" units="1/dev"/>
+        </inkml:channelProperties>
+      </inkml:inkSource>
+      <inkml:timestamp xml:id="ts0" timeString="2023-08-10T15:38:22.643"/>
+    </inkml:context>
+    <inkml:brush xml:id="br0">
+      <inkml:brushProperty name="width" value="0.05292" units="cm"/>
+      <inkml:brushProperty name="height" value="0.05292" units="cm"/>
+      <inkml:brushProperty name="color" value="#FF0000"/>
+    </inkml:brush>
+  </inkml:definitions>
+  <inkml:trace contextRef="#ctx0" brushRef="#br0">3262 17805 200 0,'24'-13'0'0,"10"-6"0"15,2 0 0 1,-5-1 0-16,-1 1 0 16,-3 2 0-1,-1 2 0-15,1 1 0 16,1-1 0-16,0-2 0 15,5 0 0 1,4-1 0-16,2 0 0 16,3-1 0-1,4 2 0-15,3 0 0 16,4 3 0 0,7 1 0-16,5-3 0 15,0 2 0 1,6 3 0-16,0 0 0 15,1 1 0-15,7 3 0 16,0 1 0 0,4 3 0-16,-1 2 0 15,4 2 0 1,0 2 0-16,5 4 0 16,0 1 0-16,-1 4 0 15,-4 1 0 1,-1 6 0-16,1 3 0 15,-5 2 0 1,2 1 0 0,-7 4 0-16,-1 3 0 15,-3-1 0 1,0 2 0 0,-3 2 0-16,-4 0 0 15,-4 0 0-15,-3 2 0 16,-3 1 0-1,-5 4 0-15,-8 3 0 16,-8 2 0 0,-7 3 0-16,-7-1 0 15,-10 5 0 1,-7 5 0-16,-8 4 0 16,-10 2 0-1,-6 1 0-15,-5-1 0 16,-7 0 0-16,-6 0 0 15,-5-4 0 1,-6-5 0-16,-6-5 0 31,-6-1 0-31,-4-6 0 16,-4-4 0 0,-6-7 0-16,-1-6 0 0,-6-4 0 31,-6-8 0-31,-5-6 0 15,-3-4 0-15,-3-5 0 16,-2-3 0 0,-4-2 0-1,-2-3 0-15,-3-4 0 16,-8-1 0 0,-6-3 0-16,1-1 0 15,1 0 0 1,8-3 0-16,2-3 0 15,5-2 0 1,7-1 0-16,2-4 0 16,8-4 0-1,4-2 0-15,7-6 0 16,9-3 0 0,12-3 0-16,11-5 0 15,10-3 0-15,11-4 0 16,8 1 0-1,13-5 0-15,9-4 0 16,12-3 0 0,11-4 0-16,9-1 0 15,7-1 0 1,8 5 0-16,8-1 0 16,7 3 0-1,3 5 0-15,9 1 0 16,3 4 0-1,4 3 0 1,9 6 0-16,3 6 0 16,1 10 0-1,0 8 0-15,-2 2 0 16,-5 3 0-16</inkml:trace>
+</inkml:ink>
+</file>
+
+<file path=ppt/ink/ink3.xml><?xml version="1.0" encoding="utf-8"?>
+<inkml:ink xmlns:inkml="http://www.w3.org/2003/InkML">
+  <inkml:definitions>
+    <inkml:context xml:id="ctx0">
+      <inkml:inkSource xml:id="inkSrc0">
+        <inkml:traceFormat>
+          <inkml:channel name="X" type="integer" max="32767" units="cm"/>
+          <inkml:channel name="Y" type="integer" max="32767" units="cm"/>
+          <inkml:channel name="F" type="integer" max="1024" units="dev"/>
+          <inkml:channel name="T" type="integer" max="2.14748E9" units="dev"/>
+        </inkml:traceFormat>
+        <inkml:channelProperties>
+          <inkml:channelProperty channel="X" name="resolution" value="325.74808" units="1/cm"/>
+          <inkml:channelProperty channel="Y" name="resolution" value="571.84991" units="1/cm"/>
+          <inkml:channelProperty channel="F" name="resolution" value="4.0315E-5" units="1/dev"/>
+          <inkml:channelProperty channel="T" name="resolution" value="1" units="1/dev"/>
+        </inkml:channelProperties>
+      </inkml:inkSource>
+      <inkml:timestamp xml:id="ts0" timeString="2023-08-10T13:25:35.636"/>
+    </inkml:context>
+    <inkml:brush xml:id="br0">
+      <inkml:brushProperty name="width" value="0.05292" units="cm"/>
+      <inkml:brushProperty name="height" value="0.05292" units="cm"/>
+      <inkml:brushProperty name="color" value="#FF0000"/>
+    </inkml:brush>
+  </inkml:definitions>
+  <inkml:trace contextRef="#ctx0" brushRef="#br0">1983 8942 200 0,'0'0'0'0,"0"0"0"15,0 0 0-15,0 0 0 16,1 19 0-1,3 12 0-15,2 15 0 16,1 15 0 0,3 14 0-16,1 8 0 15,-4 9 0 1,1 5 0-16,1 1 0 16,5 0 0-1</inkml:trace>
+  <inkml:trace contextRef="#ctx0" brushRef="#br0" timeOffset="4007.92">2564 10204 200 0,'0'0'0'0,"0"0"0"15,12-8 0 1,13-6 0-16,11-2 0 16,12 0 0-1,12-1 0-15,17-2 0 16,6-6 0-16,14-2 0 15,6-1 0 1,-2-3 0-16,3-1 0 16,-2 3 0-1,-5 4 0-15,-5 2 0 16,-9 6 0 0,-14 3 0-1,-8 1 0-15</inkml:trace>
+  <inkml:trace contextRef="#ctx0" brushRef="#br0" timeOffset="4843.45">3222 10050 200 0,'0'0'0'0,"0"0"0"16,3 17 0-16,4 13 0 16,2 16 0-1,-2 14 0-15,-2 12 0 16,-4 10 0 0,-4 4 0-16,-2 0 0 15,2 0 0 1,0-7 0-16,0-6 0 15,0-7 0 1,3-9 0-16,0-6 0 16,-2-7 0-1,-3-11 0-15</inkml:trace>
+  <inkml:trace contextRef="#ctx0" brushRef="#br0" timeOffset="5223.39">2792 11234 200 0,'35'9'0'0,"28"3"0"16,17-4 0 0,12-4 0-16,9-4 0 15,2 0 0 1,4 1 0-1,2 2 0-15,1 3 0 16,-6 3 0-16,-4 2 0 16,-7 1 0-1,-15-2 0-15,-14-1 0 16</inkml:trace>
+  <inkml:trace contextRef="#ctx0" brushRef="#br0" timeOffset="5840.91">4230 10153 200 0,'-9'-14'0'0,"0"-3"0"16,2 4 0-16,7 13 0 15,-9 12 0-15,2 21 0 16,2 28 0 0,-5 28 0-16,1 18 0 15,2 13 0 1,6-3 0-1,0-10 0-15,0-10 0 16,1-12 0 0,-3-7 0-16,-3-6 0 15,-7-5 0 1</inkml:trace>
+  <inkml:trace contextRef="#ctx0" brushRef="#br0" timeOffset="6159.78">3817 10911 200 0,'14'0'0'0,"17"0"0"0,21-1 0 16,14-4 0 0,15-3 0-16,12-2 0 15,6 1 0 1,3-4 0-16</inkml:trace>
+  <inkml:trace contextRef="#ctx0" brushRef="#br0" timeOffset="6743.04">5223 10766 200 0,'0'0'0'0,"0"0"0"0,-19-4 0 15,-15 4 0 1,-12 8 0 0,-7 6 0-16,-6 6 0 15,3 4 0-15,10-1 0 16,7-1 0 0,14-2 0-16,12-1 0 15,16-1 0 1,17-2 0-16,19-4 0 15,18 1 0 1,19 2 0-16,10 2 0 31,9 1 0-31,0 4 0 0,0 3 0 16,-10 6 0 0,-12 3 0-16,-19-2 0 15,-13-3 0 1,-18-4 0-16,-12-6 0 15,-18-3 0 17,-20-8 0-32,-21 1 0 0,-16-1 0 15,-13 1 0-15,-4-1 0 16,0 0 0 0,10-2 0-16</inkml:trace>
+  <inkml:trace contextRef="#ctx0" brushRef="#br0" timeOffset="9189.79">7368 10733 200 0,'-11'-11'0'0,"-4"0"0"0,4 8 0 15,8 14 0-15,7 17 0 31,8 22 0-31,9 17 0 16,1 13 0-16,6 8 0 16,-1-1 0-1,-9-5 0 1,0-10 0-16,-4-13 0 16,-3-16 0-16,-5-14 0 15,-2-12 0 1,-4-17 0-16,0-1 0 15,-3-22 0-15,-3-22 0 16,3-26 0 0,4-18 0-1,10-11 0 1,17-6 0 0,18 0 0-16,17 9 0 0,11 9 0 15,1 15 0 1,2 15 0-16,-2 22 0 15,-8 23 0 1,-10 19 0 0</inkml:trace>
+  <inkml:trace contextRef="#ctx0" brushRef="#br0" timeOffset="9742.65">8478 10936 200 0,'-18'-35'0'0,"-14"-13"0"15,-9 10 0-15,-9 27 0 16,-8 29 0 0,-7 28 0-16,4 28 0 15,10 23 0 1,13 8 0-16,14-5 0 16,18-16 0-1,14-24 0-15,15-24 0 16,12-23 0-1,8-21 0-15,7-17 0 16,3-17 0 0,-3-9 0-16,-5-8 0 15,-6-2 0 1,-7 3 0 0,-5 12 0-16,-8 14 0 15,-4 14 0 1,-1 14 0-16,-2 14 0 15,0 16 0-15,3 17 0 16,4 13 0 0,5-1 0-16,5-6 0 15,9-11 0 1,7-12 0-16,4-10 0 16</inkml:trace>
+  <inkml:trace contextRef="#ctx0" brushRef="#br0" timeOffset="9944.92">8950 11057 200 0,'4'37'0'0,"5"20"0"16,8 2 0-16,-2-11 0 16,-4-16 0-1</inkml:trace>
+  <inkml:trace contextRef="#ctx0" brushRef="#br0" timeOffset="10136.19">8958 10638 200 0,'0'0'0'0,"0"0"0"15,4 19 0 1</inkml:trace>
+  <inkml:trace contextRef="#ctx0" brushRef="#br0" timeOffset="10613.02">9219 10954 200 0,'0'31'0'0,"4"23"0"15,3 11 0 1,2-1 0-16,0-7 0 16,1-14 0-1,-1-12 0-15,-2-13 0 16,-3-7 0-16,0-13 0 15,3-17 0 1,-1-25 0-16,1-22 0 16,5-10 0-1,8-2 0-15,5 6 0 16,7 11 0 0,5 15 0-16,6 17 0 15,-1 22 0 1,1 19 0-16,-2 27 0 15,-10 24 0 1,-6 12 0-16,-2-3 0 16,-2-10 0-1,-5-14 0-15,1-12 0 16,-1-13 0 0,5-21 0-16</inkml:trace>
+  <inkml:trace contextRef="#ctx0" brushRef="#br0" timeOffset="10837.4">10002 10868 200 0,'9'76'0'0,"4"30"0"15,3-9 0 1,2-26 0-16,-2-25 0 16,0-24 0-1</inkml:trace>
+  <inkml:trace contextRef="#ctx0" brushRef="#br0" timeOffset="11027.64">10077 10535 200 0,'0'0'0'0,"0"0"0"16,3 19 0-1</inkml:trace>
+  <inkml:trace contextRef="#ctx0" brushRef="#br0" timeOffset="11504.05">10321 10878 200 0,'3'61'0'16,"0"26"0"0,3-1 0-16,0-14 0 15,-2-20 0 1,0-14 0-16,-1-14 0 15,0-9 0-15,2-14 0 16,7-20 0 0,6-32 0-16,13-29 0 15,8-18 0 1,8-1 0 0,4 15 0-16,-3 25 0 15,-1 21 0 1,-4 24 0-16,-2 25 0 15,-9 30 0 1,-12 27 0-16,-9 18 0 16,-5-2 0-16,0-10 0 15,6-16 0 1,11-17 0 0,8-20 0-16</inkml:trace>
+  <inkml:trace contextRef="#ctx0" brushRef="#br0" timeOffset="12120">11532 10936 200 0,'9'-15'0'15,"0"-12"0"-15,-10-6 0 16,-11-2 0 0,-14 6 0-16,-19 14 0 15,-16 18 0 1,-10 21 0-16,-4 25 0 16,4 17 0-1,19 6 0-15,20-9 0 16,18-14 0-1,16-15 0 1,15-19 0-16,16-15 0 16,14-17 0-16,12-15 0 31,2-11 0-31,-4-8 0 16,-1 1 0-1,-8 3 0-15,-10 10 0 16,-15 15 0-16,-5 13 0 15,-6 12 0 1,-1 18 0 0,-4 18 0-16,-1 18 0 15,2 9 0 1,5 3 0-16,3 2 0 16,3-4 0-1,8-3 0-15,2-2 0 16,0-6 0-1,-4-2 0-15,-14-4 0 16,-16-6 0 0,-22-2 0-1,-24-5 0-15,-18-2 0 16,-10-9 0 0,3-18 0-16,2-21 0 15</inkml:trace>
+  <inkml:trace contextRef="#ctx0" brushRef="#br0" timeOffset="12580.57">12097 9625 200 0,'-10'32'0'16,"3"35"0"-16,7 26 0 16,0 18 0-1,1 3 0-15</inkml:trace>
+  <inkml:trace contextRef="#ctx0" brushRef="#br0" timeOffset="20906.14">4877 10007 200 0,'0'0'0'0,"0"0"0"15,0 0 0-15,0 0 0 16,1 21 0 31,-1 18 0-47,-5 9 0 0,-5 5 0 0,-3 4 0 16,-6 2 0-16</inkml:trace>
+  <inkml:trace contextRef="#ctx0" brushRef="#br0" timeOffset="29281.03">5155 11686 200 0,'0'0'0'0,"0"0"0"15,0 0 0 1,-6 18 0 31,-1 14 0-47,1 8 0 0,4 9 0 0,1 8 0 0,3 4 0 15,3 6 0 17,3 1 0-32,7 0 0 0,2 2 0 0,7-4 0 15,1-1 0 1,1-4 0-16,6-4 0 16,5-4 0-1,0-6 0 1,5-9 0-1,5-8 0-15,7-8 0 16,4-8 0 0,2-9 0-16,4-6 0 15,5-6 0 1,0-5 0 0,6-3 0-16,3-8 0 15,4-3 0-15,6-6 0 16,8-7 0-1,8-2 0-15,6-4 0 16,4-1 0 0,8 2 0-16,5 2 0 15,4 1 0 1,1 3 0-16,-2 5 0 16,-2 8 0-1,-3 7 0-15,-3 11 0 16,-4 9 0-1,-6 8 0-15,-9 8 0 16,-5 11 0 0,-8 5 0-1,-4 6 0-15,-8 6 0 16,-8 7 0 0,-9 4 0-16,-6 4 0 15,-5 0 0 1,-5 0 0-16,-7-1 0 15,-4-3 0-15,-6-6 0 16,-5-5 0 0,-5-6 0-16,-2-6 0 15,-4-6 0 1,-1-6 0-16,-6-6 0 16,0-4 0-1,-5-12 0-15,0 0 0 16,0 0 0-1,0 0 0-15,0 0 0 16,0 0 0-16,-1-5 0 16,-4-12 0-1,-5-7 0 1,2-6 0 0,0-8 0-16,3-9 0 15,2-5 0 1,3-2 0-16,4-2 0 0,5-1 0 15,9 0 0 1,8 0 0 0,11-1 0-16,6 1 0 15,5 7 0 1,6 1 0 0,9 4 0-16,5 4 0 15,5 5 0-15,3 6 0 16,2 8 0-1,2 6 0-15,2 5 0 16,1 8 0 0,-1 8 0-16,0 7 0 15,-3 7 0 1,-3 5 0-16,1 9 0 16,-4 7 0-1,1 6 0-15,-1 5 0 16,0 4 0-1,-2 0 0-15,0 1 0 32,-1 1 0-17,4 0 0-15,2-7 0 0,1-3 0 16,4-4 0-16,4-6 0 16,0-10 0 15,2-9 0-31,-2-6 0 15,-1-10 0 1,2-6 0-16,-5-9 0 16,0-9 0-1,-9-7 0 1,-7-7 0-16,-9-8 0 16,-7-5 0-1,-5-5 0-15,1-3 0 16,-1-1 0-1,-5 3 0-15,-9 4 0 16,-6 2 0 0,-3 2 0-16,-6 7 0 15,-4 5 0 1,-2 4 0-16,-3 4 0 16,-2 4 0-1,-1 4 0-15,1 2 0 16,2 4 0-16,4-3 0 15</inkml:trace>
+  <inkml:trace contextRef="#ctx0" brushRef="#br0" timeOffset="47797.3">1664 8900 200 0,'0'0'0'0,"0"0"0"16,0 0 0-16,0 0 0 16,-5 19 0-1,5 17 0-15,8 17 0 16,0 15 0-16,3 9 0 78,-5 3 0-78,3 5 0 0,-6 9 0 0,-2 5 0 0,-3-2 0 0</inkml:trace>
+  <inkml:trace contextRef="#ctx0" brushRef="#br0" timeOffset="49004.68">12366 9572 200 0,'0'0'0'15,"0"0"0"-15,0 0 0 31,13 13 0-31,5 8 0 0,-3 12 0 16,-6 8 0 0,-4 6 0-16,-10 10 0 31,-4 6 0-31,-3 7 0 16,-8 4 0-1,-5 11 0-15</inkml:trace>
+  <inkml:trace contextRef="#ctx0" brushRef="#br0" timeOffset="55908.63">4954 11789 200 0,'0'0'0'15,"0"0"0"-15,-9 31 0 0,-6 29 0 16,-4 19 0-1,-3 11 0 1,0 3 0-16,5-3 0 16,-1-7 0-1,9-11 0 32,8-14 0-47,6-16 0 0,12-17 0 0,15-19 0 16,19-26 0-16,21-27 0 0,19-25 0 15,17-14 0 1,9-4 0-16,6 4 0 16,-8 18 0-1,-16 25 0 1,-25 25 0-16,-20 30 0 16,-24 29 0-16,-22 32 0 15,-19 28 0 1,-11 20 0-16,-2 4 0 15,6-8 0 1,9-16 0 0,18-26 0-16,17-25 0 15,15-29 0-15,18-35 0 16,19-36 0 0,20-33 0-1,17-24 0-15,14-18 0 16,14 1 0-16,2 19 0 31,-13 27 0-31,-23 33 0 0,-23 33 0 16,-20 36 0-1,-23 36 0 1,-10 25 0-16,-9 11 0 16,-6 5 0-1,3-5 0 1,5-13 0-1,8-22 0-15,16-23 0 0,17-32 0 32,13-32 0-32,17-40 0 15,20-33 0-15,16-18 0 16,10-7 0 0,4 10 0-1,-7 26 0-15,-16 33 0 16,-17 36 0-1,-18 38 0-15,-16 35 0 16,-12 28 0 0,-8 8 0-16,-11 2 0 15,-6-7 0 1,0-10 0-16,1-17 0 16,5-19 0-1,13-27 0-15,10-32 0 16,23-43 0-1,18-34 0-15,18-24 0 16,15-4 0 0,6 10 0-1,-3 22 0-15,-13 32 0 16,-18 36 0-16,-22 37 0 16,-23 34 0-1,-15 33 0-15,-18 25 0 16,-17 13 0-1,-6 2 0 1,-5-5 0-16,1-17 0 16,4-19 0-1,11-25 0-15,11-29 0 16,16-30 0 0,15-32 0-16,17-22 0 15,15-24 0 1,11-17 0-16,11-9 0 15,9 2 0 1,3 16 0-16,0 22 0 16,-2 28 0-1,-4 28 0 1,-8 26 0-16,-9 13 0 16,-1 5 0-1,8-2 0-15,14-7 0 16,13-8 0-16,0-14 0 15</inkml:trace>
+</inkml:ink>
+</file>
+
+<file path=ppt/ink/ink4.xml><?xml version="1.0" encoding="utf-8"?>
+<inkml:ink xmlns:inkml="http://www.w3.org/2003/InkML">
+  <inkml:definitions>
+    <inkml:context xml:id="ctx0">
+      <inkml:inkSource xml:id="inkSrc0">
+        <inkml:traceFormat>
+          <inkml:channel name="X" type="integer" max="32767" units="cm"/>
+          <inkml:channel name="Y" type="integer" max="32767" units="cm"/>
+          <inkml:channel name="F" type="integer" max="1024" units="dev"/>
+          <inkml:channel name="T" type="integer" max="2.14748E9" units="dev"/>
+        </inkml:traceFormat>
+        <inkml:channelProperties>
+          <inkml:channelProperty channel="X" name="resolution" value="325.74808" units="1/cm"/>
+          <inkml:channelProperty channel="Y" name="resolution" value="571.84991" units="1/cm"/>
+          <inkml:channelProperty channel="F" name="resolution" value="4.0315E-5" units="1/dev"/>
+          <inkml:channelProperty channel="T" name="resolution" value="1" units="1/dev"/>
+        </inkml:channelProperties>
+      </inkml:inkSource>
+      <inkml:timestamp xml:id="ts0" timeString="2023-08-10T13:28:38.981"/>
+    </inkml:context>
+    <inkml:brush xml:id="br0">
+      <inkml:brushProperty name="width" value="0.05292" units="cm"/>
+      <inkml:brushProperty name="height" value="0.05292" units="cm"/>
+      <inkml:brushProperty name="color" value="#FF0000"/>
+    </inkml:brush>
+  </inkml:definitions>
+  <inkml:trace contextRef="#ctx0" brushRef="#br0">7503 16876 200 0,'8'14'0'47,"4"0"0"-47,3-6 0 15,0-8 0-15,-1-8 0 63,-2-5 0-63,-2-5 0 0,0 1 0 0,-5-1 0 0,-2 3 0 0,-3 0 0 15,-5-2 0 1,-2-1 0-16,-6-1 0 16,-3 0 0-1,-6 2 0 1,-4 0 0-16,2 4 0 15,2 5 0-15,-3 8 0 16,0 10 0-16,0 11 0 16,0 8 0-1,3 5 0 1,1 10 0-16,5 4 0 16,8 6 0-1,6 0 0-15,5-4 0 16,8-9 0-1,3-11 0-15,6-10 0 16,3-8 0-16,3-9 0 31,4-7 0-31,1-7 0 0,-1-9 0 16,1-3 0 0,-1-6 0-16,-4-3 0 15,-3-10 0 1,-9 0 0-16,-4 2 0 15,-9 1 0 1,-7-3 0 0,-5 2 0-16,-8-3 0 15,2-1 0-15,-5 3 0 16,-3 13 0 0</inkml:trace>
+  <inkml:trace contextRef="#ctx0" brushRef="#br0" timeOffset="2079.5">16993 16919 200 0,'0'-15'0'0,"-2"-12"0"16,-5 4 0 0,-3 0 0-16,-2 5 0 15,-5 0 0-15,-1 1 0 16,-2 1 0-16,-3 1 0 16,-5 2 0-1,-1 1 0-15,-5 5 0 16,4 3 0-1,-3 6 0-15,1 5 0 16,3 8 0 0,1 9 0-16,3 8 0 15,5 8 0 1,9 6 0-16,3 6 0 16,8-2 0-16,9-3 0 15,5-7 0 1,9-8 0-16,9-10 0 15,6-10 0 1,6-8 0-16,2-8 0 16,-2-5 0-1,-3-3 0-15,-6-5 0 16,-6-5 0-16,-8-6 0 16,-8-4 0-1,-7-3 0 1,-9-2 0-16,-6-2 0 15,-7 0 0 1,-2 1 0-16,-1 9 0 0</inkml:trace>
+  <inkml:trace contextRef="#ctx0" brushRef="#br0" timeOffset="24687.82">10835 16936 200 0,'0'0'0'0,"0"0"0"16,0 0 0 0,0 0 0-16,0 0 0 15,-2-17 0 1,-4-11 0-16,-1-3 0 16,0 0 0-1,-1 1 0-15,-1 4 0 16,-3 1 0-1,-3 1 0-15,-5 4 0 16,-2 1 0-16,-4 0 0 16,-1 4 0-1,-2 1 0-15,-2 5 0 16,-5 4 0 0,0 7 0-16,-1 6 0 15,-2 8 0 1,2 3 0-16,3 3 0 15,6 3 0 1,4 7 0-16,5 5 0 16,5 6 0-1,2 4 0-15,6-2 0 16,2-1 0-16,7-3 0 16,6-4 0-1,6-6 0-15,6-6 0 16,3-9 0-1,6-7 0-15,4-6 0 16,3-7 0 0,2-6 0-16,1-7 0 15,1-1 0 1,-1-9 0-16,-2-2 0 16,-6-5 0-1,-3-1 0-15,-2 0 0 16,-7-4 0-1,-7-2 0-15,-11-5 0 16</inkml:trace>
+  <inkml:trace contextRef="#ctx0" brushRef="#br0" timeOffset="26376.99">16001 17089 200 0,'0'0'0'0,"0"0"0"0,0 0 0 16,0 0 0 0,0 0 0-16,0 0 0 15,4 14 0 1,5 2 0-16,2-4 0 15,5-5 0 1,-1-5 0-16,2-5 0 16,1-7 0-16,4-5 0 15,1-6 0 1,2-5 0-16,-3-6 0 16,-2 2 0-1,2 0 0-15,-4-2 0 31,-4 0 0-31,-4 0 0 0,-5 0 0 16,0-2 0-16,-5 3 0 16,-7 3 0-1,-5 2 0-15,-6 1 0 16,-4 5 0 0,-4 4 0-1,-5 4 0 1,-1 4 0-16,-2 8 0 15,-3 7 0-15,0 7 0 16,0 14 0 0,-3 11 0-16,1 8 0 15,6 3 0 1,7-3 0 0,8-4 0-16,8-5 0 0,8-5 0 15,3-3 0 1,6-5 0-16,4-6 0 15,7-5 0 1,6-5 0-16,3-4 0 16,2-3 0-1,-1-6 0-15,1-7 0 32,-1-8 0-32,0-8 0 15</inkml:trace>
+  <inkml:trace contextRef="#ctx0" brushRef="#br0" timeOffset="33691.97">24296 17131 200 0,'0'0'0'0,"0"0"0"16,0 0 0-16,0 0 0 31,0 0 0-15,12 5 0-16,8-4 0 0,-2-8 0 16,0-8 0-16,-2-10 0 46,-3-7 0-46,-4-4 0 0,-2-3 0 0,-3-1 0 16,-1-1 0-16,-5-1 0 16,-4 2 0-16,-6 1 0 15,0 5 0 1,-6 2 0 0,-1 5 0-16,-5 4 0 0,-3 9 0 15,-2 4 0-15,-3 9 0 16,-3 10 0-1,-6 10 0 1,0 9 0-16,-1 15 0 31,-1 11 0-31,4 5 0 0,11 9 0 16,9 6 0-16,11 0 0 16,8-4 0-1,11-10 0-15,8-13 0 31,10-15 0-15,9-17 0-16,7-17 0 16,2-13 0-1,0-12 0-15,-3-6 0 16,-4-3 0 0,-11-5 0-16,-9-7 0 15,-9-5 0 1,-8-4 0-16,-6 0 0 15,-4 7 0 1,-2 10 0-16,-2 10 0 16,-2 11 0-1</inkml:trace>
+  <inkml:trace contextRef="#ctx0" brushRef="#br0" timeOffset="35423.25">33676 16995 200 0,'0'0'0'0,"0"0"0"15,-4-18 0-15,-1-11 0 16,-2-3 0-1,1-7 0-15,-4-4 0 16,1-3 0 0,2 1 0-16,-1 3 0 15,-5 3 0 1,-5 7 0-16,-3 4 0 16,-5 5 0-16,-6 4 0 15,-4 8 0 1,-2 4 0-1,-5 7 0-15,-2 9 0 0,-2 10 0 16,-9 17 0 0,4 15 0-1,10 10 0 1,12 5 0-16,14 2 0 16,26 10 0 30,22-10 0-46,19-19 0 16,9-22 0 0,1-17 0-16,1-11 0 15,-4-10 0 1,-6-7 0-16,-4-9 0 0,-9-5 0 16,-7-2 0-1,-10-1 0 1,-12 3 0-16,-11-4 0 15</inkml:trace>
+  <inkml:trace contextRef="#ctx0" brushRef="#br0" timeOffset="41499.18">27427 16876 200 0,'0'0'0'16,"0"0"0"-16,0 0 0 16,0 0 0-1,0 0 0-15,-8 14 0 16,1 1 0 0,1-2 0-16,6-13 0 15,-5 1 0-15,1-11 0 16,-3-4 0-1,1-4 0 1,-3-3 0-16,-2-1 0 16,-3 0 0-16,-1 1 0 15,-3 2 0 1,-3 1 0-16,-1 5 0 16,-3 8 0-16,0 7 0 15,-2 9 0 1,-1 12 0-16,3 14 0 15,3 15 0 1,7 14 0-16,6 4 0 16,7-7 0-1,7-11 0-15,7-13 0 16,8-14 0 0,4-13 0-16,5-12 0 15,3-8 0 1,3-9 0-16,-5-7 0 15,-1-2 0 1,-6-2 0-16,-8-3 0 16,-5-2 0-1,-4-2 0-15,-7 0 0 16,-7 4 0 0,-7-1 0-16</inkml:trace>
+  <inkml:trace contextRef="#ctx0" brushRef="#br0" timeOffset="42886.83">32785 16952 200 0,'0'0'0'16,"-9"-9"0"-16,0-10 0 15,0-3 0 1,-1-1 0-16,2 2 0 15,0-1 0 1,-5 3 0-16,-1 4 0 16,-5 3 0-1,0 2 0-15,-5 4 0 16,-1 6 0-16,0 2 0 16,-3 6 0-1,4 10 0 1,-1 13 0-16,2 12 0 15,5 8 0-15,8 3 0 16,5-6 0 0,5-7 0-16,7-7 0 15,7-9 0 1,1-8 0-16,6-11 0 16,4-10 0-1,3-8 0-15,5-9 0 16,0-7 0-1,-7-5 0-15,-5-5 0 16,-1 3 0 0,-8-2 0-16,-4-1 0 15,-7-2 0 1,-7 3 0-16,-2 3 0 16,-6 3 0-1</inkml:trace>
+  <inkml:trace contextRef="#ctx0" brushRef="#br0" timeOffset="69315.57">1420 7843 200 0,'0'0'0'0,"0"0"0"16,3 14 0 0,8 11 0 46,1 8 0-62,3 9 0 0,-1 1 0 0,-1 2 0 0,-2 2 0 0,-4 0 0 0,-4 0 0 16,-1-3 0 31,1-12 0-47</inkml:trace>
+  <inkml:trace contextRef="#ctx0" brushRef="#br0" timeOffset="69558.2">1554 7802 200 0,'24'71'0'0,"9"35"0"16,-4 8 0-1,-1-4 0 1,-8-13 0-16</inkml:trace>
+  <inkml:trace contextRef="#ctx0" brushRef="#br0" timeOffset="73500.7">2379 8542 200 0,'1'15'0'16,"2"18"0"0,2 21 0-16,-4 23 0 15,0 27 0-15,-1 18 0 31,-7 17 0-31,-7 12 0 16,-3 9 0-16,-6 0 0 16,-1-2 0-1,-1-8 0-15,5-13 0 16,8-16 0 0,9-20 0-16,12-20 0 15,15-17 0-15,8-21 0 16,16-19 0-1,16-18 0 1,14-18 0 0,18-11 0-16,13-10 0 15,3-5 0 1,0 1 0-16,-10 2 0 16</inkml:trace>
+  <inkml:trace contextRef="#ctx0" brushRef="#br0" timeOffset="74008.78">3750 9973 200 0,'-11'-31'0'0,"-8"-21"0"16,-10-3 0-1,-5 6 0 1,-10 13 0-16,-9 15 0 15,-8 17 0-15,-6 24 0 16,1 19 0 0,-2 24 0-16,10 26 0 15,17 21 0 1,17 1 0-16,17-8 0 16,17-16 0-1,15-24 0-15,16-25 0 16,14-24 0-1,8-21 0 1,7-16 0-16,1-9 0 16,-9-7 0-1,-10-4 0-15,-12-4 0 16,-13-5 0 0,-14-5 0-16,-7 1 0 15</inkml:trace>
+  <inkml:trace contextRef="#ctx0" brushRef="#br0" timeOffset="74488.02">3926 9854 200 0,'10'36'0'0,"6"23"0"0,4 8 0 47,2-4 0-47,-5-13 0 0,-4-12 0 0,-5-13 0 16,-2-11 0-16,-6-14 0 62,3-6 0-62,3-26 0 0,2-26 0 0,5-23 0 0,3-11 0 0,16-3 0 16,15 6 0 0,15 11 0-16,8 22 0 15,2 22 0 1,-11 23 0-16</inkml:trace>
+  <inkml:trace contextRef="#ctx0" brushRef="#br0" timeOffset="74894.32">4373 10161 200 0,'8'-11'0'15,"15"-16"0"1,12-13 0-16,6-13 0 15,-4-11 0 1,0-8 0-16,-9 2 0 16,-7 12 0-1,-9 15 0-15,-10 16 0 16,-7 23 0 0,-7 27 0-16,-9 36 0 15,-1 32 0 1,-3 20 0-16,10-4 0 15,11-15 0 1,17-23 0-16,17-22 0 16,14-30 0-1,17-26 0-15,16-24 0 16,7-18 0 0,-6-19 0-16,-11-11 0 15,-10-4 0 1</inkml:trace>
+  <inkml:trace contextRef="#ctx0" brushRef="#br0" timeOffset="75512.64">5121 9657 200 0,'-15'10'0'0,"-3"7"0"15,5 17 0 1,9 16 0-16,4 13 0 15,7 4 0 1,-1 0 0-16,0-11 0 16,-2-13 0-1,1-14 0-15,-2-13 0 16,-3-16 0 0,2 0 0-16,4-20 0 15,7-28 0 1,10-28 0-1,8-15 0-15,7 2 0 16,8 14 0-16,-2 15 0 16,2 21 0-1,-4 25 0-15,-5 32 0 16,-10 30 0 0,-9 20 0-16,-9 7 0 15,-3-2 0 1,-2-8 0-1,2-15 0-15,-2-13 0 16,-1-12 0-16,4-14 0 16,5-21 0-1,10-27 0-15,10-26 0 16,8-17 0 0,10-5 0-16,12 5 0 15,7 17 0 1,4 22 0-16,-4 30 0 15,-3 31 0 1,-5 30 0-16,-6 21 0 16,-17 10 0-1,-7 4 0-15,-1 3 0 32,1-1 0-32,4-2 0 15,2-60 0 1</inkml:trace>
+  <inkml:trace contextRef="#ctx0" brushRef="#br0" timeOffset="76214.7">8302 9607 200 0,'3'42'0'0,"-2"26"0"16,3 15 0-1,5 0 0-15,2-10 0 16,0-14 0 0,-4-11 0-16,-2-8 0 15</inkml:trace>
+  <inkml:trace contextRef="#ctx0" brushRef="#br0" timeOffset="76420.1">8201 9232 200 0,'0'0'0'16,"0"0"0"-16,0 0 0 15,9 13 0-15</inkml:trace>
+  <inkml:trace contextRef="#ctx0" brushRef="#br0" timeOffset="76773.8">8622 9667 200 0,'1'25'0'16,"7"33"0"0,11 30 0-16,7 30 0 15,1 8 0 1,0-7 0-16,0-20 0 16,-8-27 0-1,-7-19 0-15,-3-25 0 0</inkml:trace>
+  <inkml:trace contextRef="#ctx0" brushRef="#br0" timeOffset="77124.73">8369 9803 200 0,'9'-36'0'0,"26"-35"0"16,36-19 0-1,34-2 0-15,18 7 0 16,3 18 0 0,-5 17 0-16,-9 18 0 15,-18 20 0 1,-21 16 0-16,-23 16 0 15,-31 16 0 1,-36 19 0-16,-33 13 0 16,-27 21 0-1,-27 10 0-15,-9 0 0 16,11-9 0 0,18-12 0-16</inkml:trace>
+  <inkml:trace contextRef="#ctx0" brushRef="#br0" timeOffset="77642.28">9758 9471 200 0,'-31'-2'0'0,"-21"12"0"16,-16 17 0-1,-6 17 0-15,-4 12 0 16,5 5 0-1,16-5 0-15,16-8 0 16,20-13 0-16,25-14 0 16,30-19 0-1,32-18 0-15,29-10 0 16,29-4 0 0,22 4 0-16,7 13 0 15,-14 15 0 1,-21 14 0-16,-26 9 0 15,-32 3 0 1,-29 1 0 0,-30-2 0-1,-33-2 0-15,-32-1 0 16,-27 1 0 0,-9-6 0-16,7-13 0 15</inkml:trace>
+  <inkml:trace contextRef="#ctx0" brushRef="#br0" timeOffset="78226.64">10431 9496 200 0,'4'50'0'16,"2"32"0"-16,-3 2 0 15,2-11 0 1,4-20 0-16,6-17 0 15,7-16 0 1,4-14 0-16,6-15 0 16,3-13 0-1,3-12 0 1,0-5 0-16,-5 3 0 16,-8 9 0-1,-9 12 0-15,-6 12 0 16,0 17 0-1,5 18 0-15,1 14 0 16,4 1 0-16,8-7 0 16,6-11 0-1,7-13 0-15,4-16 0 16,1-17 0 0,0-14 0-1,-6-12 0-15,-9-11 0 16,-10-4 0-1,-9-7 0-15,-8 4 0 16,-8 12 0 0,-1 16 0-16,-3 16 0 15,-6 20 0-15</inkml:trace>
+  <inkml:trace contextRef="#ctx0" brushRef="#br0" timeOffset="79543.32">10523 9471 200 0,'0'0'0'0,"0"0"0"15,-16 8 0-15,1 20 0 16,2 19 0 0,7 23 0-16,6 12 0 15,1-3 0 1,6-10 0-16,10-13 0 16,7-17 0-1,9-19 0-15,8-17 0 16,7-16 0-1,6-16 0-15,6-10 0 16,0-11 0 0,1-9 0-1,-3-5 0-15,-5 0 0 16,-12 11 0-16,-13 10 0 16,-8 17 0-1,-10 10 0 1,-6 7 0-16,-4 9 0 15,0 10 0-15,-2 17 0 16,0 14 0 0,2 13 0-16,4 8 0 15,10 2 0 1,10-1 0-16,10-9 0 16,7-12 0-1,2-9 0-15,2-11 0 16,2-10 0-1</inkml:trace>
+  <inkml:trace contextRef="#ctx0" brushRef="#br0" timeOffset="80212.3">11390 9547 200 0,'6'32'0'0,"6"21"0"15,1 7 0 1,1 1 0-1,-3-6 0-15,-2-9 0 16,-2-11 0-16,-3-11 0 0,-1-7 0 31,-3-17 0-31,0 0 0 0,1-4 0 16,2-29 0 0,4-23 0-1,11-15 0 1,7 1 0-16,11 3 0 0,8 13 0 31,5 15 0-31,1 22 0 16,-5 22 0-1,-4 20 0 1,-7 13 0-16,-8 11 0 16,-9-1 0-1,-7-7 0-15,-4-9 0 16,2-8 0-1,2-12 0-15,10-15 0 16,10-23 0 0,14-23 0-16,11-22 0 15,12-9 0 1,13 6 0-16,6 15 0 16,0 27 0-1,0 34 0-15,-6 33 0 16,-11 33 0-1,-14 25 0-15,-15 11 0 16,-11 2 0 0,0 0 0-16,1-3 0 15</inkml:trace>
+  <inkml:trace contextRef="#ctx0" brushRef="#br0" timeOffset="81263.32">14907 9599 200 0,'-16'-23'0'0,"-3"-9"0"16,-2 0 0 0,3 8 0-16,-1 7 0 15,-2 4 0 1,3 4 0-16,2 1 0 16,-1 2 0-1,0 0 0-15,2 6 0 16,3 0 0-16,2 2 0 15,-1 4 0 1,-2 7 0 0,0 8 0-16,3 10 0 15,2 17 0 1,8 16 0-16,4 11 0 16,10 7 0-16,13-1 0 15,6-5 0 16,10-13 0-31,11-8 0 0,6-13 0 16,6-9 0 0,5-9 0-1,2-7 0 1,0-5 0-16,-5-6 0 16,-7-4 0-1,-6-8 0-15</inkml:trace>
+  <inkml:trace contextRef="#ctx0" brushRef="#br0" timeOffset="81584.7">15605 9394 200 0,'-4'16'0'0,"-5"24"0"16,-11 28 0-16,-16 25 0 16,-6 19 0-1,0 10 0 1,-1-2 0-16,5-7 0 15,2-6 0 1,7-10 0-16,7-5 0 16,6-11 0-1,7-18 0-15</inkml:trace>
+  <inkml:trace contextRef="#ctx0" brushRef="#br0" timeOffset="82120.48">16295 9769 200 0,'-11'-47'0'0,"-11"-13"0"16,-15 9 0-16,-16 23 0 15,-14 31 0 1,-11 25 0-16,0 27 0 16,7 19 0-1,17 0 0-15,19-5 0 16,23-9 0-1,22-12 0-15,19-18 0 16,11-18 0 0,15-19 0-16,11-15 0 15,4-10 0 1,-7-4 0-16,-11 3 0 16,-16 9 0-1,-10 12 0-15,-8 16 0 16,-1 13 0-1,-1 18 0-15,4 11 0 16,6 2 0 0,12-8 0-16,19-13 0 15,21-17 0 1,20-21 0-16,41-26 0 16</inkml:trace>
+  <inkml:trace contextRef="#ctx0" brushRef="#br0" timeOffset="82466.9">17582 9854 200 0,'-48'-52'0'0,"-30"-19"0"16,-17 7 0-16,-8 21 0 0,2 23 0 16,8 27 0-1,10 24 0 1,17 26 0-16,13 20 0 16,19 8 0-1,24-9 0-15,28-19 0 16,27-17 0-1,22-24 0-15,18-20 0 32,10-18 0-32,5-21 0 0,-8-22 0 15</inkml:trace>
+  <inkml:trace contextRef="#ctx0" brushRef="#br0" timeOffset="82695.12">17439 9121 200 0,'6'28'0'0,"8"30"0"0,2 24 0 16,1 19 0-16,-2 12 0 31,3 1 0-31,2-5 0 0,-4-4 0 15,1-8 0 17</inkml:trace>
+  <inkml:trace contextRef="#ctx0" brushRef="#br0" timeOffset="83341.78">18600 9845 200 0,'-6'-17'0'0,"-5"-10"0"15,-2-5 0-15,-5 1 0 16,-3-1 0 0,-6 2 0-16,-8-1 0 15,-9 5 0 1,-7 11 0-16,-7 11 0 16,-13 15 0-1,0 17 0-15,2 15 0 16,13 18 0-1,14 18 0-15,16 10 0 16,20 2 0 0,18-13 0-16,20-21 0 15,16-21 0 1,16-22 0 0,12-23 0-16,8-17 0 15,-2-14 0 1,-8-4 0-16,-13-4 0 15,-16-2 0 1,-14 6 0-16,-13 9 0 16,-9 12 0-16,-9 23 0 15,5 6 0 1,-9 28 0-16,-1 28 0 16,3 16 0-1,5-1 0 1,12-5 0-16,14-15 0 15,22-18 0 1,23-20 0-16,22-21 0 16,12-21 0-1,7-17 0-15</inkml:trace>
+  <inkml:trace contextRef="#ctx0" brushRef="#br0" timeOffset="83763.98">20014 9657 200 0,'57'44'0'16,"32"34"0"-16,11 12 0 16,-1 1 0-1,-5-12 0-15,-2-16 0 16,-4-19 0 0,-2-21 0-16</inkml:trace>
+  <inkml:trace contextRef="#ctx0" brushRef="#br0" timeOffset="83989.93">21133 9547 200 0,'-12'31'0'0,"-7"30"0"0,-12 29 0 15,1 29 0 1,-2 20 0 0,-1 9 0-1,-4-9 0-15,6-20 0 16,6-22 0 0,14-21 0-1</inkml:trace>
+  <inkml:trace contextRef="#ctx0" brushRef="#br0" timeOffset="84563.46">21990 10007 200 0,'-11'-38'0'0,"-11"-19"0"16,-6-1 0 0,-9 14 0-1,-11 14 0-15,-9 22 0 16,-11 30 0-1,-7 28 0-15,0 23 0 16,7 16 0 0,19 2 0-1,23-15 0-15,49-23 0 47,37-31 0-47,13-23 0 16,-3-19 0-1,-7-10 0-15,-9 1 0 16,-12 6 0 0,-11 14 0-16,-2 18 0 15,-5 18 0 1,-2 16 0-16,-1 10 0 16,8-3 0-1,14-10 0-15,15-12 0 16,17-21 0-1,11-21 0-15,3-12 0 16</inkml:trace>
+  <inkml:trace contextRef="#ctx0" brushRef="#br0" timeOffset="84938.52">23159 9905 200 0,'-12'-31'0'0,"-15"-15"0"16,-12-1 0 0,-14 9 0-16,-15 13 0 15,-12 21 0 1,-8 21 0-16,0 27 0 15,3 28 0 1,10 27 0 0,16 15 0-16,21-10 0 15,25-18 0-15,27-21 0 16,26-20 0 0,17-20 0-16,16-22 0 15,15-15 0 1,8-17 0-16,6-15 0 15,-13-15 0 17</inkml:trace>
+  <inkml:trace contextRef="#ctx0" brushRef="#br0" timeOffset="85188.28">23202 9334 200 0,'-4'-19'0'0,"-1"6"0"0,-2 28 0 16,-1 37 0-16,0 35 0 31,-3 31 0-15,2 16 0-16,4-2 0 15,5-13 0 1,6-11 0-16</inkml:trace>
+  <inkml:trace contextRef="#ctx0" brushRef="#br0" timeOffset="86048.02">24060 9931 200 0,'-36'-25'0'0,"-21"-3"0"0,-13 11 0 16,-7 20 0 0,-5 21 0-1,-6 24 0-15,-1 19 0 16,12 24 0-1,11 7 0-15,23-8 0 16,22-19 0 0,24-21 0-16,16-22 0 0,15-24 0 31,15-24 0-31,11-21 0 16,4-11 0-16,-2-5 0 15,-5 2 0 1,-12 5 0-16,-11 15 0 31,-9 17 0-31,-4 21 0 16,-1 22 0-16,2 16 0 15,4 15 0 1,6 4 0-16,16-5 0 16,19-13 0-1,23-20 0-15,20-22 0 16,19-14 0-16,6-15 0 31</inkml:trace>
+  <inkml:trace contextRef="#ctx0" brushRef="#br0" timeOffset="86495.7">25549 9897 200 0,'106'85'0'0,"42"31"0"16,-1-13 0-16,-17-20 0 15,-19-18 0 1,-11-15 0-16,-12-14 0 16</inkml:trace>
+  <inkml:trace contextRef="#ctx0" brushRef="#br0" timeOffset="86795.98">26913 9769 200 0,'0'0'0'0,"-18"21"0"16,-10 27 0-16,-3 30 0 0,-6 34 0 31,-7 35 0-31,-2 20 0 16,3 4 0-16,9-18 0 16,12-27 0-1,15-29 0-15,13-31 0 16,12-29 0-1</inkml:trace>
+  <inkml:trace contextRef="#ctx0" brushRef="#br0" timeOffset="87337.24">27745 10221 200 0,'-4'-39'0'0,"-9"-17"0"15,-15 2 0 1,-15 19 0-16,-13 18 0 15,-11 20 0 1,-10 20 0-16,-4 21 0 16,2 28 0-1,10 23 0 1,11 17 0-16,21-6 0 16,22-18 0-1,19-27 0-15,20-31 0 16,19-33 0-1,17-29 0-15,7-18 0 16,2-11 0 0,-2-3 0-16,-6 8 0 15,-6 7 0 1,-7 18 0-16,-7 21 0 16,-1 22 0-16,-1 22 0 15,-1 21 0 1,2 6 0-1,3-6 0-15,5-13 0 16,13-20 0 0,18-26 0-16,10-25 0 15</inkml:trace>
+  <inkml:trace contextRef="#ctx0" brushRef="#br0" timeOffset="87752.05">29091 10093 200 0,'-16'-17'0'16,"-5"-9"0"-16,-6-5 0 15,-7-1 0-15,-8 4 0 16,-9 9 0 0,-11 11 0-16,-9 18 0 15,0 16 0 1,-1 23 0 0,13 21 0-16,14 21 0 15,17 13 0-15,22-7 0 16,21-16 0-1,21-23 0 1,15-26 0-16,14-25 0 16,11-19 0-1,10-20 0 1,3-17 0-16,-2-12 0 16,-15-12 0-1</inkml:trace>
+  <inkml:trace contextRef="#ctx0" brushRef="#br0" timeOffset="88017.19">29200 9454 200 0,'3'82'0'16,"-2"50"0"0,-1 24 0-1,-3-2 0-15,4-13 0 16,6-23 0-16,13-20 0 16,8-21 0-1</inkml:trace>
+  <inkml:trace contextRef="#ctx0" brushRef="#br0" timeOffset="88587.18">30193 10169 200 0,'-4'-16'0'0,"-9"-14"0"15,-8-4 0-15,-10 0 0 16,-13 6 0 0,-10 16 0-16,-8 12 0 15,-5 22 0 1,-5 22 0-16,0 22 0 15,10 18 0 1,19 4 0-16,20-7 0 16,23-19 0-1,21-24 0-15,13-18 0 16,15-25 0 0,11-20 0-16,3-16 0 15,2-8 0 1,-3-7 0-1,-7-1 0-15,-7 6 0 16,-10 14 0-16,-8 19 0 16,-5 20 0-1,-6 22 0-15,-3 18 0 16,-1 19 0 0,4 4 0-16,3-5 0 15,11-10 0 1,9-17 0-1,15-18 0-15,13-17 0 16,9-18 0 0,-3-17 0-16</inkml:trace>
+  <inkml:trace contextRef="#ctx0" brushRef="#br0" timeOffset="89238.09">30757 9174 200 0,'9'-37'0'16,"23"-37"0"-16,20-18 0 15,20-18 0 1,16-9 0-16,16-1 0 16,7 9 0-1,-6 15 0 1,-18 17 0-16</inkml:trace>
+  <inkml:trace contextRef="#ctx0" brushRef="#br0" timeOffset="91018.74">31110 9139 200 0,'0'0'0'0,"14"-10"0"31,15-13 0-31,11-20 0 16,15-22 0-16,11-18 0 15,8-15 0-15,3-4 0 16,0 1 0 0,-2 1 0-1,-8 7 0 1</inkml:trace>
+  <inkml:trace contextRef="#ctx0" brushRef="#br0" timeOffset="106779.29">2270 7707 200 0,'0'0'0'0,"0"0"0"16,0 0 0 0,-4 19 0 46,-3 13 0-62,-2 9 0 0,4 6 0 0,-2 6 0 0,1 5 0 0,1 3 0 0,3-4 0 16</inkml:trace>
+  <inkml:trace contextRef="#ctx0" brushRef="#br0" timeOffset="108295.16">13056 8065 200 0,'0'0'0'0,"0"0"0"16,0 0 0-1,4 16 0-15,3 7 0 16,1 8 0 0,-1 8 0-16,-4 7 0 15,-2 8 0 1,0 8 0-16,-1 8 0 15</inkml:trace>
+  <inkml:trace contextRef="#ctx0" brushRef="#br0" timeOffset="116021.22">19669 8346 200 0,'4'25'0'0,"2"15"0"15,3 7 0 1,3 5 0-16,-1 3 0 16,1 4 0-16,-1 6 0 15,-4 7 0 1</inkml:trace>
+  <inkml:trace contextRef="#ctx0" brushRef="#br0" timeOffset="116847.46">24515 8695 200 0,'0'0'0'0,"0"0"0"16,0 0 0-16,0 0 0 15,3 18 0 1,-2 17 0-1,2 11 0-15,-2 7 0 16,0 3 0-16,-1 4 0 16,-2 5 0-1,-4 0 0 1</inkml:trace>
+</inkml:ink>
+</file>
+
+<file path=ppt/ink/ink5.xml><?xml version="1.0" encoding="utf-8"?>
+<inkml:ink xmlns:inkml="http://www.w3.org/2003/InkML">
+  <inkml:definitions>
+    <inkml:context xml:id="ctx0">
+      <inkml:inkSource xml:id="inkSrc0">
+        <inkml:traceFormat>
+          <inkml:channel name="X" type="integer" max="32767" units="cm"/>
+          <inkml:channel name="Y" type="integer" max="32767" units="cm"/>
+          <inkml:channel name="F" type="integer" max="1024" units="dev"/>
+          <inkml:channel name="T" type="integer" max="2.14748E9" units="dev"/>
+        </inkml:traceFormat>
+        <inkml:channelProperties>
+          <inkml:channelProperty channel="X" name="resolution" value="325.74808" units="1/cm"/>
+          <inkml:channelProperty channel="Y" name="resolution" value="571.84991" units="1/cm"/>
+          <inkml:channelProperty channel="F" name="resolution" value="4.0315E-5" units="1/dev"/>
+          <inkml:channelProperty channel="T" name="resolution" value="1" units="1/dev"/>
+        </inkml:channelProperties>
+      </inkml:inkSource>
+      <inkml:timestamp xml:id="ts0" timeString="2023-08-10T13:41:33.739"/>
+    </inkml:context>
+    <inkml:brush xml:id="br0">
+      <inkml:brushProperty name="width" value="0.05292" units="cm"/>
+      <inkml:brushProperty name="height" value="0.05292" units="cm"/>
+      <inkml:brushProperty name="color" value="#FF0000"/>
+    </inkml:brush>
+  </inkml:definitions>
+  <inkml:trace contextRef="#ctx0" brushRef="#br0">4390 18034 200 0,'0'0'0'16,"0"0"0"-16,0 0 0 15,0 0 0-15,0 0 0 16,0 16 0-16,0 6 0 31,0 2 0-31,0 1 0 16,0-2 0-16,-3 2 0 0,0 0 0 31,-1 1 0-31,3 2 0 16,-2 0 0-16,-2 2 0 15,0 2 0-15,-1 2 0 32,-3 0 0-32,1 2 0 15,0-2 0 1,-3 0 0-16,0 0 0 16,-5-1 0-1,-1-2 0-15,-1-2 0 16,2-3 0-1,-5-4 0-15,1-3 0 16,0-2 0-16,-3-4 0 16,0-2 0-1,-3-1 0-15,0-2 0 16,-1 1 0 0,0-3 0-16,3-3 0 15,-5-1 0-15,2-1 0 16,-2-1 0-1,-1 0 0-15,0 0 0 16,1 0 0 0,0 0 0-16,1-3 0 15,-1 0 0 1,1-2 0-16,-1-3 0 16,5-1 0-1,-1-3 0-15,4-1 0 16,0-2 0-1,2-1 0-15,2-1 0 16,1-2 0-16,4-1 0 16,4-1 0-1,2 3 0-15,3 1 0 16,2 3 0 0,1 1 0-16,3 0 0 15,0 0 0-15,-1 0 0 16,-1 0 0-1,0 0 0-15,-1 4 0 16,0 9 0 0,0 0 0-16,0 0 0 15,0 0 0-15,0 0 0 16,0 0 0 0,-2-8 0-1,2 8 0-15,0 0 0 31,0 0 0-15,0 0 0 0,0 0 0-16,0 0 0 15,0 0 0 1,0 0 0-16,-4 2 0 16,1 7 0-1,0 3 0-15,3 6 0 16,1 4 0-16,0 3 0 15,0 5 0 1,1 1 0-16,1-2 0 16,-5 1 0-16,-1 3 0 15,-2-3 0 1,-2-1 0 0,-2 2 0-1,-4-2 0-15,1-1 0 0,-8-3 0 16,1-1 0-1,1-23 0-15,-2 16 0 16,0 8 0-16,-2 0 0 16,-3-1 0-1,-2-5 0-15,0-7 0 32,4-3 0-32,-5-8 0 0,0-1 0 15,1 0 0 1,-1 0 0-16,-2 0 0 15,0 0 0-15,0 0 0 32,-1-1 0-32,-1-37 0 15,-1 16 0 1,4-10 0-16,-2 13 0 16,1 3 0-16,1-7 0 0,0-6 0 31,1-5 0-16,5-3 0-15,2-1 0 16,3 3 0 0,3-4 0-16,1-2 0 15,-1 4 0 1,3 4 0-16,5 0 0 16,1 3 0-1,3 1 0-15,-1 8 0 16,1 3 0-16,0 5 0 15,1 5 0 1,2 8 0-16,0 0 0 16,0 0 0-16,-7-6 0 15,7 6 0 1,0 0 0-16,0 0 0 16,0 0 0-16,0 0 0 15,0 0 0-15,0 0 0 16,0 0 0-1,-3 6 0-15,3 2 0 16,1 5 0 0,0-1 0-16,3 5 0 15,1 4 0-15,1 1 0 16,2 4 0-16,4 9 0 16,2 1 0-1,2-1 0-15,-2 2 0 16,-3 2 0-16,0-2 0 15,-2-2 0 1,-7-4 0 0,-2-4 0-16,-3-2 0 15,-7-3 0-15,-1 1 0 16,0-2 0 0,-7 1 0-16,-2-2 0 15,-1-2 0 1,-5 0 0-16,-2-3 0 15,3-26 0-15,4-7 0 16,-8 29 0 0,-5 11 0-1,-7-15 0-15,2-7 0 16,3 0 0-16,-3 0 0 16,-3 0 0-1,0 0 0-15,-3-2 0 16,0-6 0 15,-2-5 0-31,3-8 0 0,-1-7 0 16,6-5 0-16,-2-12 0 31,1-5 0-31,1-5 0 16,1-3 0-16,5-3 0 15,0-3 0-15,0 1 0 16,2 9 0-1,1 8 0-15,2 7 0 16,4 7 0-16,0 9 0 16,6 7 0-1,1 9 0 1,5 6 0-16,-1 8 0 16,0 15 0-16</inkml:trace>
+</inkml:ink>
+</file>
+
+<file path=ppt/ink/ink6.xml><?xml version="1.0" encoding="utf-8"?>
+<inkml:ink xmlns:inkml="http://www.w3.org/2003/InkML">
+  <inkml:definitions>
+    <inkml:context xml:id="ctx0">
+      <inkml:inkSource xml:id="inkSrc0">
+        <inkml:traceFormat>
+          <inkml:channel name="X" type="integer" max="32767" units="cm"/>
+          <inkml:channel name="Y" type="integer" max="32767" units="cm"/>
+          <inkml:channel name="F" type="integer" max="1024" units="dev"/>
+          <inkml:channel name="T" type="integer" max="2.14748E9" units="dev"/>
+        </inkml:traceFormat>
+        <inkml:channelProperties>
+          <inkml:channelProperty channel="X" name="resolution" value="325.74808" units="1/cm"/>
+          <inkml:channelProperty channel="Y" name="resolution" value="571.84991" units="1/cm"/>
+          <inkml:channelProperty channel="F" name="resolution" value="4.0315E-5" units="1/dev"/>
+          <inkml:channelProperty channel="T" name="resolution" value="1" units="1/dev"/>
+        </inkml:channelProperties>
+      </inkml:inkSource>
+      <inkml:timestamp xml:id="ts0" timeString="2023-08-10T13:52:07.139"/>
+    </inkml:context>
+    <inkml:brush xml:id="br0">
+      <inkml:brushProperty name="width" value="0.05292" units="cm"/>
+      <inkml:brushProperty name="height" value="0.05292" units="cm"/>
+      <inkml:brushProperty name="color" value="#FF0000"/>
+    </inkml:brush>
+  </inkml:definitions>
+  <inkml:trace contextRef="#ctx0" brushRef="#br0">4979 8295 200 0,'0'15'0'16,"-2"18"0"-16,1 18 0 16,-9 24 0-1,2 26 0-15,-2 25 0 16,-4 23 0-1,-3 22 0-15,-8 17 0 16,-11 14 0 0,-5 6 0-16,0 7 0 15,2 0 0 1,2-5 0-16,4-8 0 16,4-13 0-1,11-22 0-15,7-19 0 16,14-22 0-1,19-25 0-15,26-25 0 16,25-26 0 0,27-32 0-16,25-28 0 15,19-18 0 1,20-14 0-16,10-5 0 16,8 1 0-1,-3 1 0-15,-15 7 0 16,-22 7 0-1,-29 2 0-15</inkml:trace>
+  <inkml:trace contextRef="#ctx0" brushRef="#br0" timeOffset="584.66">4895 8320 200 0,'40'-12'0'0,"36"-11"0"0,26-7 0 31,26-14 0-31,21-4 0 16,18-9 0-16,17-3 0 15,16-3 0-15,11 4 0 32,4 1 0-32,-11 7 0 0</inkml:trace>
+  <inkml:trace contextRef="#ctx0" brushRef="#br0">6047 8431 200 0</inkml:trace>
+  <inkml:trace contextRef="#ctx0" brushRef="#br0" timeOffset="1469.32">6283 8483 200 0,'1'52'0'16,"5"30"0"-16,0 11 0 15,0-4 0 1</inkml:trace>
+  <inkml:trace contextRef="#ctx0" brushRef="#br0" timeOffset="7269.52">5862 8517 200 0,'0'0'0'0,"3"17"0"16,1 21 0-1,-3 22 0 1,-2 16 0-1,-6 8 0-15,3-1 0 16,-2-9 0-16,8-6 0 16</inkml:trace>
+  <inkml:trace contextRef="#ctx0" brushRef="#br0" timeOffset="7904.15">6661 9258 200 0,'0'0'0'0,"3"14"0"16,7 22 0-16,-1 32 0 15,5 31 0 1,0 27 0 0,-1 13 0-16,-2 12 0 15,-6 1 0 1,-3-5 0-16,-1-11 0 15,-3-18 0 1,2-17 0-16,3-23 0 16,0-25 0-1</inkml:trace>
+  <inkml:trace contextRef="#ctx0" brushRef="#br0" timeOffset="8267.51">6367 9174 200 0,'51'-21'0'15,"49"-16"0"-15,30-4 0 16,15 1 0-16,10 0 0 16,0 2 0-1,1 0 0 1,-4 4 0-16,-3 6 0 15,-13 6 0 1,-20 8 0 0,-22 4 0-16</inkml:trace>
+  <inkml:trace contextRef="#ctx0" brushRef="#br0" timeOffset="8553.65">6611 10050 200 0,'29'-3'0'15,"34"-19"0"-15,39-23 0 16,31-14 0 0,16-6 0-1,6 5 0-15,-5 9 0 16,-11 9 0-16</inkml:trace>
+  <inkml:trace contextRef="#ctx0" brushRef="#br0" timeOffset="8952.93">8058 10144 200 0,'-2'-21'0'0,"-5"-16"0"16,-1-6 0 0,-7-2 0-16,-14 4 0 15,-15 12 0 1,-8 12 0-16,-12 20 0 16,-3 21 0-1,7 25 0-15,14 25 0 31,6 17 0-15,13 1 0-16,19-10 0 16,26-25 0-1,18-25 0-15,21-29 0 16,11-24 0 0,9-22 0-16,-5-14 0 15</inkml:trace>
+  <inkml:trace contextRef="#ctx0" brushRef="#br0" timeOffset="9359.42">8175 10280 200 0,'30'53'0'16,"16"14"0"-16,-1-7 0 15,-3-14 0 1,-11-17 0-16,-11-11 0 16,-9-11 0-16,-10-13 0 15,-7-21 0 1,-12-22 0-1,-5-16 0-15,4-8 0 16,4-2 0 0,13 3 0-16,17 3 0 15,20 5 0 1,18 0 0-16,19 8 0 16,9 5 0-1,5 12 0-15,3 13 0 16,-8 14 0-1</inkml:trace>
+  <inkml:trace contextRef="#ctx0" brushRef="#br0" timeOffset="9769.06">9598 10025 200 0,'-24'-23'0'16,"-14"-11"0"-16,-15 2 0 15,-9 8 0-15,-10 23 0 16,-13 26 0-1,-2 24 0-15,3 24 0 16,3 19 0 0,11 14 0-16,23 0 0 15,23-12 0 1,22-18 0-16,22-23 0 16,21-28 0-1,21-29 0 1,17-31 0-1,14-29 0-15,10-22 0 16,-6-20 0-16,-9 6 0 16</inkml:trace>
+  <inkml:trace contextRef="#ctx0" brushRef="#br0" timeOffset="10059.77">9598 9146 200 0,'3'53'0'0,"0"41"0"15,4 38 0 1,1 33 0-16,0 19 0 15,1 3 0 1,-2-15 0 0,1-21 0-16,3-26 0 0,0-27 0 15,4-28 0 1,-1-29 0 0</inkml:trace>
+  <inkml:trace contextRef="#ctx0" brushRef="#br0" timeOffset="10480.7">10346 8217 200 0,'0'0'0'0,"1"25"0"16,3 23 0-16,-8 21 0 16,5 16 0-1,1 2 0 1,3-4 0-16</inkml:trace>
+  <inkml:trace contextRef="#ctx0" brushRef="#br0" timeOffset="10718.52">10658 8090 200 0,'0'16'0'15,"0"17"0"-15,-2 23 0 16,-4 23 0 0,7 22 0-16,-15 17 0 15,-1 4 0 1</inkml:trace>
+  <inkml:trace contextRef="#ctx0" brushRef="#br0" timeOffset="11096.91">10935 10365 200 0,'8'65'0'0,"6"50"0"15,-2 23 0-15,-7 3 0 16,-1-17 0 0,-1-20 0-16,2-19 0 15,2-19 0-15</inkml:trace>
+  <inkml:trace contextRef="#ctx0" brushRef="#br0" timeOffset="11714.75">11642 8031 200 0,'3'46'0'16,"-2"28"0"-16,-3 9 0 16,0-7 0-1,1-14 0-15</inkml:trace>
+  <inkml:trace contextRef="#ctx0" brushRef="#br0" timeOffset="11953.84">11768 7903 200 0,'3'18'0'16,"-3"17"0"-16,0 17 0 15,-1 21 0 1,1 16 0 0,4 10 0-16,3 5 0 15,-7-2 0 1</inkml:trace>
+  <inkml:trace contextRef="#ctx0" brushRef="#br0" timeOffset="12766.79">12181 8635 200 0,'4'26'0'15,"7"23"0"1,-1 30 0-16,6 28 0 15,1 32 0 1,2 31 0-16,2 19 0 16,2 17 0-16,5 4 0 15,-4 0 0 1,1-12 0 0,3-21 0-16,-6-30 0 31,-1-33 0-31,-5-35 0 15,-4-29 0 1,2-26 0-16,0-25 0 16,0-38 0-1,-1-47 0-15,2-47 0 16,13-41 0 0,16-37 0-16,19-21 0 15,17 0 0 1,6 11 0-16,4 19 0 15,-3 25 0 1,-4 27 0-16,-9 27 0 16</inkml:trace>
+  <inkml:trace contextRef="#ctx0" brushRef="#br0" timeOffset="13272.59">13611 10067 200 0,'-21'-91'0'16,"-14"-26"0"0,-9 15 0-16,-9 31 0 15,-6 36 0 1,-4 35 0-16,0 34 0 15,6 30 0 1,9 29 0-16,7 26 0 16,17 13 0-1,19-14 0-15,17-24 0 16,15-31 0 0,13-32 0-16,12-31 0 15,11-25 0 1,4-20 0-16,0-14 0 15,-4-11 0 1,-4-7 0-16,-11-3 0 16</inkml:trace>
+  <inkml:trace contextRef="#ctx0" brushRef="#br0" timeOffset="13667.17">14007 8908 200 0,'3'63'0'0,"4"50"0"15,-2 33 0-15,-2 21 0 16,2 10 0-16,0-6 0 31,-4-19 0-31,-3-24 0 16,6-21 0-16,5-22 0 15</inkml:trace>
+  <inkml:trace contextRef="#ctx0" brushRef="#br0" timeOffset="14518.73">14436 9069 200 0,'4'68'0'0,"7"49"0"16,5 23 0-1,2 1 0-15,-4-13 0 16,-2-20 0 0,-3-19 0-16,-4-21 0 15,-5-17 0 1,-7-14 0-16,-2-13 0 16,-5-15 0-1,-4-15 0-15,3-20 0 16,6-26 0-1,18-29 0-15,20-23 0 16,21-9 0 0,21 0 0-16,13 9 0 15,5 14 0 1,-10 22 0-16,-16 22 0 16,-19 24 0-1,-24 25 0-15,-22 23 0 16,-26 26 0-1,-19 25 0-15,-16 21 0 16,-12 21 0 0,-4 9 0-16,4-5 0 15,10-15 0 1,15-24 0-16,19-24 0 16,22-23 0-1,21-24 0 1,26-32 0-16,24-27 0 15,20-20 0-15,7-12 0 16,-1-2 0 0</inkml:trace>
+  <inkml:trace contextRef="#ctx0" brushRef="#br0" timeOffset="14957.46">15251 9599 200 0,'-9'-13'0'16,"-8"-4"0"0,-3 5 0-16,-8 11 0 15,-10 14 0-15,-6 20 0 16,-2 14 0-1,1 8 0-15,8 2 0 16,9-8 0 0,16-11 0-16,16-16 0 15,19-17 0-15,19-15 0 16,20-15 0 0,20-7 0-1,13 2 0-15,4 3 0 31,-7 12 0-31,-11 10 0 16,-21 15 0-16,-23 12 0 16,-25 14 0-1,-26 10 0-15,-25 7 0 16,-22 5 0-16,-9-4 0 16,-2-10 0-1</inkml:trace>
+  <inkml:trace contextRef="#ctx0" brushRef="#br0" timeOffset="15614.06">15798 9556 200 0,'-18'-3'0'16,"-1"3"0"-16,5 7 0 15,8 11 0 1,2 12 0-16,4 15 0 15,6 13 0 1,-2 5 0-16,4-2 0 16,1-9 0-1,3-11 0-15,1-12 0 16,2-8 0 0,0-10 0-16,0-6 0 15,-1-10 0 1,2-11 0-16,0-10 0 15,5-7 0 1,9 1 0-16,2 8 0 16,2 10 0-1,5 14 0-15,3 13 0 16,4 9 0 0,3 3 0-16,0-4 0 15,-2-8 0 1,2-9 0-16,-5-10 0 15,-5-8 0 1,-11-8 0-16,-8-7 0 16,-9-7 0-1,-14-7 0-15,-11-4 0 16,-14-2 0 0,-7 4 0-16,-3 8 0 31,4 8 0-31,10 11 0 0,10 9 0 15,14 9 0 1</inkml:trace>
+  <inkml:trace contextRef="#ctx0" brushRef="#br0" timeOffset="16169.16">17043 9718 200 0,'-8'-26'0'16,"-9"-12"0"-1,-11 3 0-15,-7 9 0 31,-9 13 0-31,-3 18 0 16,-5 17 0-16,3 15 0 16,9 15 0-1,9 9 0-15,11 2 0 16,12-9 0 0,12-15 0-1,12-10 0-15,12-20 0 16,6-11 0-16,8-17 0 0,3-8 0 15,-3-6 0 1,-4 0 0-16,-8 4 0 16,-8 13 0 15,-4 9 0-31,-2 14 0 0,-1 13 0 31,4 11 0-31,7 4 0 0,-1-4 0 31,4-7 0-31,6-8 0 16,11-14 0 0,12-11 0-1,9-14 0-15</inkml:trace>
+  <inkml:trace contextRef="#ctx0" brushRef="#br0" timeOffset="16711.54">17767 9726 200 0,'0'0'0'15,"3"-16"0"-15,-5-10 0 16,-10-5 0 0,-13-1 0-16,-14 4 0 15,-8 4 0 1,-7 9 0 0,-6 11 0-16,-2 14 0 15,4 16 0 1,7 16 0-16,10 9 0 15,19 5 0 1,19-5 0-16,16-11 0 16,18-12 0-1,17-16 0-15,7-14 0 16,8-12 0 0,1-9 0-16,-4-5 0 15,-6-5 0 1,-8 0 0-16,-12 6 0 15,-8 6 0 1,-11 7 0-16,-6 7 0 16,-2 10 0-1,-3 12 0-15,0 13 0 16,3 15 0 0,5 14 0-16,4 7 0 15,6-1 0 1,0-4 0-16,-1-9 0 15,-1-3 0 1,-5-8 0-16,-5-7 0 16,-6-4 0-1,-13-3 0-15,-13 0 0 16,-15-4 0 0,-13-5 0-16,-9-16 0 15,2-21 0 1</inkml:trace>
+  <inkml:trace contextRef="#ctx0" brushRef="#br0" timeOffset="17058.62">18482 9743 200 0,'-11'-35'0'0,"-12"-20"0"15,-10 4 0 1,-15 7 0-1,-6 12 0-15,-4 17 0 16,3 16 0 0,5 22 0-16,6 18 0 15,10 18 0 1,13 16 0-16,20-1 0 16</inkml:trace>
+  <inkml:trace contextRef="#ctx0" brushRef="#br0" timeOffset="17217.4">18474 9888 200 0,'30'-25'0'0,"11"-16"0"15,-5-7 0 1,-14-3 0-16,-19 6 0 16,-13 9 0-1,-11 13 0-15,-6 14 0 16</inkml:trace>
+  <inkml:trace contextRef="#ctx0" brushRef="#br0">18793 9531 200 0</inkml:trace>
+  <inkml:trace contextRef="#ctx0" brushRef="#br0" timeOffset="18552.93">19854 8397 200 0,'0'0'0'16,"0"24"0"-16,0 21 0 15,0 11 0-15,-2-3 0 32,-2-2 0-32,4-8 0 0,-1-8 0 31,1-8 0-31</inkml:trace>
+  <inkml:trace contextRef="#ctx0" brushRef="#br0" timeOffset="18761.97">20165 8304 200 0,'4'31'0'0,"-5"28"0"15,-12 17 0 1,-10 16 0-16,-7 6 0 16</inkml:trace>
+  <inkml:trace contextRef="#ctx0" brushRef="#br0" timeOffset="20140.04">18734 9506 200 0,'13'20'0'0,"3"16"0"0,-2 10 0 31,-7 8 0-31,-3-1 0 0,-2 0 0 16,-1-8 0-16,-3-8 0 16,2-8 0-1,1-7 0 1,-1-2 0-1,2-9 0 1,-2-11 0-16,7 6 0 16,4-16 0-1,2-13 0-15,6-15 0 16,5-12 0 0,3-8 0-16,7 1 0 15,0 4 0 1,5 4 0-16,11 7 0 15,3 9 0 1,2 15 0-16,-2 11 0 16,-2 17 0-1,-7 13 0-15,-11 15 0 16,-13 8 0 0,-15 2 0-16,-6-1 0 15,-1-2 0 1,-2 0 0-16,1-5 0 15,6-3 0 1,4-9 0-16</inkml:trace>
+  <inkml:trace contextRef="#ctx0" brushRef="#br0" timeOffset="20903.02">20770 10178 200 0,'0'0'0'16,"0"0"0"-16,10 23 0 15,-5 16 0 1,-12 15 0-16,-15 12 0 15,-19 9 0 1,-16 7 0-16,-16 7 0 16,-5-2 0-1,-1-18 0-15</inkml:trace>
+  <inkml:trace contextRef="#ctx0" brushRef="#br0" timeOffset="21610.31">21511 8363 200 0,'-4'40'0'0,"11"29"0"16,3 14 0-16,-2-2 0 16,1-9 0-16,3-16 0 15,0-12 0 1,1-19 0-16</inkml:trace>
+  <inkml:trace contextRef="#ctx0" brushRef="#br0" timeOffset="21853.78">21739 8304 200 0,'6'72'0'0,"4"44"0"16,4 14 0-1,0-2 0-15,3-15 0 16,-1-19 0-16</inkml:trace>
+  <inkml:trace contextRef="#ctx0" brushRef="#br0" timeOffset="22423.79">22252 8764 200 0,'3'39'0'16,"-2"36"0"-16,3 32 0 16,-1 29 0-1,-3 21 0-15,-1 12 0 16,-4-3 0-1,2-14 0-15,1-13 0 16,0-19 0 0,4-17 0-16,0-16 0 15,-2-22 0 1</inkml:trace>
+  <inkml:trace contextRef="#ctx0" brushRef="#br0" timeOffset="22772.52">22664 8695 200 0,'15'60'0'15,"8"49"0"1,-7 31 0-16,-7 21 0 16,-6 7 0-1,1-7 0-15,0-12 0 16,0-17 0-1,3-13 0 1,-3-16 0-16,-1-18 0 16,0-19 0-16</inkml:trace>
+  <inkml:trace contextRef="#ctx0" brushRef="#br0" timeOffset="23101.17">22176 9828 200 0,'33'7'0'0,"29"-4"0"0,17-6 0 16,11-6 0 0,4-5 0-1,-1-4 0 1,-5 2 0-16</inkml:trace>
+  <inkml:trace contextRef="#ctx0" brushRef="#br0" timeOffset="23563.3">23430 9922 200 0,'0'0'0'0,"0"0"0"16,0 0 0-1,-6-21 0-15,-7-11 0 16,-10 0 0-16,-7 2 0 15,-14 10 0 1,-8 13 0-16,-1 12 0 16,-1 15 0-1,4 15 0-15,9 17 0 16,12 18 0 0,17 5 0-16,13-5 0 15,16-13 0 1,21-20 0-1,14-15 0-15,13-19 0 16,8-17 0-16,1-11 0 16,-7-8 0-1,-16-3 0 1,-13-2 0-16,-16-2 0 16</inkml:trace>
+  <inkml:trace contextRef="#ctx0" brushRef="#br0" timeOffset="24208.89">23665 9957 200 0,'0'0'0'0,"12"21"0"16,2 19 0 0,2 11 0-16,-3 3 0 15,-3-10 0-15,-1-10 0 16,-3-10 0-1,-2-12 0-15,2-9 0 16,4-12 0 0,4-17 0-16,5-15 0 15,7-14 0 1,8-6 0-16,7 0 0 16,3 10 0-1,5 12 0 1,3 16 0-16,-4 19 0 15,-1 19 0-15,-11 19 0 16,-5 13 0 0,-3 4 0-16,-3-1 0 15,-4-6 0 1,0-8 0 0,6-12 0-16,4-17 0 15</inkml:trace>
+  <inkml:trace contextRef="#ctx0" brushRef="#br0" timeOffset="24592.32">25002 9880 200 0,'-21'-21'0'15,"-14"-7"0"-15,-12 4 0 0,-4 13 0 32,-8 17 0-32,-6 19 0 15,5 19 0-15,7 18 0 0,12 12 0 31,14-1 0-15,19-9 0-16,21-15 0 16,18-18 0-16,18-19 0 15,15-24 0 1,9-12 0-16,9-10 0 16,-4-5 0-1,-7-6 0 1</inkml:trace>
+  <inkml:trace contextRef="#ctx0" brushRef="#br0" timeOffset="24924.83">25062 9206 200 0,'4'169'0'0,"3"49"0"15,2-24 0-15,2-46 0 16,1-42 0 0,5-37 0-16,2-25 0 15,4-26 0 1</inkml:trace>
+  <inkml:trace contextRef="#ctx0" brushRef="#br0" timeOffset="25462.52">25794 9965 200 0,'0'0'0'15,"0"0"0"-15,0-16 0 16,-5-10 0-16,-5-6 0 15,-9-1 0 1,-13 4 0-16,-9 10 0 16,-10 8 0-1,-4 11 0 1,-3 13 0-16,1 18 0 16,7 22 0-16,12 16 0 15,15 3 0 1,12-6 0-16,12-19 0 15,14-15 0 1,18-17 0-16,6-19 0 16,6-16 0-1,2-11 0 1,-2-7 0-16,-5-4 0 16,-8 1 0-16,-10 9 0 15,-7 9 0 1,0 13 0-16,-2 11 0 15,-2 15 0 1,1 14 0-16,6 4 0 31,3 3 0-31,3-4 0 16,10-7 0-16,8-11 0 16,11-13 0-1,8-15 0-15</inkml:trace>
+  <inkml:trace contextRef="#ctx0" brushRef="#br0" timeOffset="25884.38">26214 8840 200 0,'-3'-16'0'0,"0"-7"0"15,1 7 0 1,2 16 0-16,4 0 0 16,0 21 0-16,0 19 0 15,-4 17 0 1,-2 10 0-1,0 0 0-15,2-7 0 16,-3-11 0 0</inkml:trace>
+  <inkml:trace contextRef="#ctx0" brushRef="#br0" timeOffset="26163.45">26390 8704 200 0,'-4'31'0'16,"-7"28"0"-16,0 23 0 15,-8 13 0 1,-4 2 0-16,0-3 0 16,2-17 0-16</inkml:trace>
+  <inkml:trace contextRef="#ctx0" brushRef="#br0" timeOffset="29652.2">26390 8499 200 0,'0'0'0'0,"0"0"0"16,0 0 0-16,20-3 0 16,17 0 0-1,16 2 0-15,11 5 0 16,9 0 0 0,8 4 0-16,6-2 0 15,8-1 0-15,1 1 0 16,3-2 0-1,3-1 0-15,-3-2 0 16,-4-2 0 0,-10 1 0-16,-14 1 0 15,-18-1 0 1,-17 0 0-16,-14 0 0 16,-8 0 0-1,-14 0 0-15,0 0 0 16,0 0 0-1,-6 5 0-15,-9 1 0 16,-6 3 0 0,0 4 0-16,1 3 0 15,-1 8 0-15,0 7 0 16,5 10 0 0,4 16 0-1,3 15 0-15,4 15 0 16,-1 13 0-16,4 7 0 15,5 12 0 1,6 4 0-16,-4 8 0 16,3 1 0-1,0 0 0-15,2-1 0 16,-3-2 0 0,-2-8 0-16,-7-7 0 15,-4-7 0 1,-2-14 0-1,-1-11 0-15,0-11 0 32,-1-18 0-32,4-14 0 15,1-12 0 1,3-10 0-16,2-17 0 0,0 0 0 16,-3 9 0-16,-5-7 0 15,-1-5 0 1,-3-3 0-16,-4-7 0 15,-3-1 0 1,-8-4 0 0,-6-2 0-1,-17-1 0-15,-18 1 0 0,-18 5 0 16,-20 5 0 0,-17 8 0-16,-13 7 0 15,-5 8 0-15,0 5 0 31,13 4 0-15,12 0 0-16,15 2 0 16,12 2 0-1</inkml:trace>
+  <inkml:trace contextRef="#ctx0" brushRef="#br0" timeOffset="30111.12">28249 8849 200 0,'0'0'0'0,"0"0"0"0,0 0 0 16,11 10 0-1</inkml:trace>
+  <inkml:trace contextRef="#ctx0" brushRef="#br0" timeOffset="30510.01">28460 10093 200 0,'76'17'0'0,"30"26"0"16,-6 25 0-1,-26 26 0 1,-34 20 0-16,-37 27 0 15,-43 22 0-15,-32-1 0 16</inkml:trace>
+  <inkml:trace contextRef="#ctx0" brushRef="#br0" timeOffset="50623.36">8789 12624 200 0,'22'-41'0'16,"7"-19"0"-16,-3-5 0 15,-13 3 0-15,-13-1 0 16,-14 3 0 0,-20 0 0-16,-22 5 0 15,-20 9 0 1,-19 15 0-1,-42 25 0 1,-24 22 0-16,-15 31 0 16,-3 28 0-1,1 35 0-15,12 35 0 16,23 24 0 0,38 16 0-1,41 0 0-15,40-6 0 16,43-12 0-1,38-7 0-15,36-13 0 16,30-15 0-16,22-19 0 16,17-18 0-1,14-25 0-15,7-22 0 16,-1-28 0 0,-4-26 0-16,-14-27 0 15,-17-32 0 1,-19-25 0-16,-19-29 0 15,-24-27 0 1,-32-18 0-16,-29-8 0 16,-27-1 0-1,-32 3 0-15,-22 5 0 16,-20 13 0 15,-17 9 0-31,-13 11 0 0,-14 14 0 16,-4 9 0-16,4 13 0 15</inkml:trace>
+  <inkml:trace contextRef="#ctx0" brushRef="#br0" timeOffset="53082.95">16716 12223 200 0,'0'0'0'0,"0"0"0"16,0 0 0-16,-4 18 0 15,-2 12 0-15,1 6 0 16,-1 4 0 0,3 4 0-1,0 10 0-15,1 11 0 16,0 8 0-16,-1 13 0 16,1 9 0-1,-3 8 0 1,1 9 0-16,1 7 0 15,2 14 0 1,-3 6 0 0,-3 5 0-16,1 2 0 15,-3 3 0-15,-1 1 0 16,-1-2 0-16,-5-5 0 16,-5-5 0-1,0-15 0-15</inkml:trace>
+  <inkml:trace contextRef="#ctx0" brushRef="#br0" timeOffset="56380.59">23084 12061 200 0,'82'-60'0'0,"52"-23"0"16,21 6 0-16,16 17 0 15,12 27 0 1,-3 18 0 0,-10 18 0-16,-24 11 0 15,-34 8 0-15,-38 9 0 16,-37 8 0-1,-39 15 0 1,-41 11 0-16,-36 17 0 16,-34 17 0-1,-29 14 0-15,-18 15 0 16,-9 14 0 0,4 12 0-16,6 5 0 15,20-5 0 1,27-12 0-16,30-19 0 15,34-27 0 1,32-20 0 0,41-17 0-16,44-16 0 15,45-17 0 1,38-12 0-16,32-12 0 16,21-8 0-1,13 2 0-15,5 3 0 16,-18 7 0-16,-33 0 0 15,-39-4 0 1</inkml:trace>
+  <inkml:trace contextRef="#ctx0" brushRef="#br0" timeOffset="100867.3">5113 15368 200 0,'-43'-67'0'0,"-20"-18"0"16,-10 13 0-16,-3 30 0 31,-4 30 0-16,-6 31 0-15,-1 35 0 0,-18 42 0 16,-12 29 0-16,-3 29 0 31,-9 54 0-31,20 15 0 16,34-13 0-16,35-25 0 16,36-27 0-1,31-27 0-15,26-27 0 16,29-27 0-1,19-24 0 1,13-28 0-16,13-24 0 16,11-19 0-16,1-12 0 15,-4-9 0 1,-10-6 0-16,-14 0 0 16,-20 1 0-1,-22 3 0 1,-19 2 0-16,-26 1 0 15</inkml:trace>
+  <inkml:trace contextRef="#ctx0" brushRef="#br0" timeOffset="101674.93">6072 16126 200 0,'0'-43'0'0,"-6"-21"0"15,-4-2 0-15,-6 3 0 16,-6 2 0 0,-2 1 0-16,-7 4 0 15,-3 4 0 1,-7 7 0-1,-3 5 0-15,-7 11 0 16,-2 14 0 0,-7 15 0-16,-6 18 0 15,0 26 0 1,-1 29 0-16,4 28 0 16,7 25 0-1,16 9 0-15,18-9 0 16,22-18 0-1,18-20 0-15,15-24 0 16,15-24 0 0,10-21 0-16,7-19 0 15,6-15 0-15,2-17 0 16,-2-12 0 0,-2-13 0-1,-10-8 0-15,-11-5 0 16,-11 2 0-1,-10 7 0-15,-12 13 0 16,-6 14 0 0,-4 12 0-16,-5 22 0 15,-3 7 0-15,-3 23 0 16,1 18 0 0,8 13 0-16,9 3 0 15,8-2 0 1,10-6 0-16,8-9 0 15,8-10 0 1,7-6 0-16,5-8 0 16,0-6 0-1,-4-5 0-15,-6-9 0 16</inkml:trace>
+  <inkml:trace contextRef="#ctx0" brushRef="#br0" timeOffset="102180.27">6409 15768 200 0,'11'52'0'0,"11"30"0"15,7 6 0-15,-3-6 0 16,-2-13 0 0,-7-13 0-1,-4-15 0-15,-3-13 0 16,-3-10 0-1,-5-7 0 1,-2-11 0-16,-7-4 0 16,-8-18 0-16,-3-24 0 15,0-19 0-15,8-13 0 32,6-9 0-32,12-4 0 15,15-4 0-15,11 0 0 16,13 2 0-16,12 7 0 31,9 8 0-31,7 11 0 16,0 20 0-16,-6 17 0 15,-5 19 0 1,-12 8 0 0</inkml:trace>
+  <inkml:trace contextRef="#ctx0" brushRef="#br0" timeOffset="102800.66">7755 15495 200 0,'-44'-4'0'0,"-30"7"0"16,-16 16 0 0,-6 12 0-16,0 14 0 15,10 5 0 1,9 0 0-16,16-4 0 15,16-8 0 1,20-7 0 0,22-6 0-16,28-7 0 15,29-7 0 1,29-2 0-16,26 2 0 16,18 10 0-16,12 13 0 15,0 11 0 1,-3 12 0-16,-12 5 0 15,-21 7 0 1,-22 3 0-16,-25 4 0 16,-23 2 0-1,-24-4 0-15,-25-4 0 16,-22-4 0 0,-21-5 0-16,-12-6 0 15,-11-11 0 1,1-15 0-16,8-15 0 15,10-10 0 1,13-13 0 0,12-13 0-16,14-11 0 15,14-11 0-15,16-8 0 16</inkml:trace>
+  <inkml:trace contextRef="#ctx0" brushRef="#br0" timeOffset="103542.85">8604 15146 200 0,'0'38'0'16,"-2"30"0"-16,-6 28 0 0,1 19 0 31,-2 16 0-31,-6 16 0 0,-3 1 0 16,3-2 0 0,4-7 0-1,1-5 0-15,4-7 0 16,4-15 0-1,5-15 0-15,11-14 0 16,10-17 0 0,18-15 0-16,16-16 0 15,18-13 0 1,15-12 0-16,7-9 0 31,7-5 0-31,2-3 0 0,-3 1 0 31,-5 5 0-31,-9 2 0 16,-12 5 0 0,-12 5 0-16,-11 0 0 15,-14-5 0 1</inkml:trace>
+  <inkml:trace contextRef="#ctx0" brushRef="#br0" timeOffset="104111.32">8588 15078 200 0,'52'-11'0'0,"28"-3"0"16,16-1 0-1,8-1 0-15,-1 3 0 16,3 4 0 0,0 4 0-16,-7 7 0 15,-9 8 0 1,-9 3 0-16</inkml:trace>
+  <inkml:trace contextRef="#ctx0" brushRef="#br0" timeOffset="104839.98">10329 16041 200 0,'0'0'0'15,"14"-12"0"-15,7-12 0 16,-2-12 0-16,-5-11 0 16,-10-10 0-1,-10-11 0-15,-12-4 0 31,-11-1 0-31,-9 3 0 0,-13 6 0 16,-12 11 0 0,-13 11 0-16,-11 17 0 15,-9 20 0 1,-9 25 0-16,-1 25 0 16,-1 41 0-1,9 32 0-15,18 10 0 16,26-8 0-1,31-15 0 1,32-14 0-16,31-16 0 16,29-15 0-1,26-15 0-15,16-14 0 16,9-10 0-16,3-9 0 16,-3-12 0-1,-10-12 0 1,-10-12 0-16,-17-13 0 15,-20-9 0 1,-19-11 0 0,-20-12 0-1,-20-9 0-15,-17-4 0 16,-11 1 0 0,-14 6 0-16,-11 6 0 15,-3 8 0 1</inkml:trace>
+  <inkml:trace contextRef="#ctx0" brushRef="#br0" timeOffset="106208.93">10599 15316 200 0,'0'0'0'16,"0"0"0"-1,17-3 0-15,19 0 0 0,15 0 0 32,12-2 0-32,11 1 0 0,7-3 0 15,9 0 0 1,3-1 0-16,2-1 0 15,-4 3 0 1,-11 2 0-16,-16 1 0 31,-16 3 0-31,-14 5 0 16,-12 6 0 0,-11 11 0-1,-8 9 0-15,-10 9 0 16,-6 10 0-1,-3 12 0-15,-2 14 0 16,0 16 0 0,3 14 0-16,1 13 0 15,5 9 0 1,4 5 0-16,10 4 0 16,5-1 0-1,6-3 0-15,5-9 0 16,-1-10 0-1,-2-11 0-15,0-14 0 16,-2-14 0 0,-2-20 0-16,-5-11 0 15,-3-13 0 1,-3-9 0-16,0-7 0 16,-3-15 0-1,0 0 0-15,0 0 0 16,-3 10 0-16,-3-5 0 15,6-5 0 1,-7 2 0-16,-4-2 0 16,-4-3 0-16,-7-1 0 15,-9-1 0 1,-16-1 0 0,-12 0 0-16,-15 0 0 15,-12 0 0-15,-11 0 0 16,-8 3 0-1,-6 0 0-15,-5 2 0 16,4 4 0 0,10 5 0-16,8 1 0 15,12 4 0 1,13 3 0 0,10 0 0-16,16-7 0 15</inkml:trace>
+  <inkml:trace contextRef="#ctx0" brushRef="#br0" timeOffset="107254.99">12256 15759 200 0,'0'0'0'0,"0"0"0"15,0 0 0-15,0 0 0 16,0 0 0 0</inkml:trace>
+  <inkml:trace contextRef="#ctx0" brushRef="#br0" timeOffset="107702.3">12374 16500 200 0,'30'21'0'0,"21"16"0"16,9 10 0-16,1 12 0 15,-7 10 0 1,-16 11 0-16,-17 11 0 31,-27 7 0-31,-20 4 0 16,-19 5 0-16,-15-1 0 15,-12-7 0-15,-6-5 0 32,-8-3 0-32,7-18 0 15</inkml:trace>
+  <inkml:trace contextRef="#ctx0" brushRef="#br0" timeOffset="109019.75">14814 15563 200 0,'-26'16'0'16,"-23"17"0"-16,-17 16 0 15,-16 22 0 1,-21 24 0-16,-15 21 0 16,-12 18 0-1,-10 24 0-15,-12 15 0 16,-2 6 0-16,2 7 0 15,8-4 0 1,6-1 0-16,7-37 0 16</inkml:trace>
+  <inkml:trace contextRef="#ctx0" brushRef="#br0" timeOffset="109412.83">15572 15520 200 0,'1'16'0'15,"-13"17"0"-15,-24 20 0 16,-30 25 0 0,-34 26 0-16,-32 25 0 15,-28 32 0 1,-19 27 0-16,-7 16 0 15,0 14 0-15,11 5 0 16,13-2 0 0,22-7 0-16,20-34 0 15</inkml:trace>
+  <inkml:trace contextRef="#ctx0" brushRef="#br0" timeOffset="110209.19">16354 15998 200 0,'-6'76'0'16,"-1"50"0"-16,-6 18 0 15,2 10 0 1,-1-7 0-16,3-10 0 16,0-11 0-1,-1-9 0-15,3-13 0 16,1-9 0-16,1-12 0 16,0-11 0-1,1-13 0-15,1-29 0 16</inkml:trace>
+  <inkml:trace contextRef="#ctx0" brushRef="#br0" timeOffset="110650.78">16328 15930 200 0,'36'15'0'0,"24"3"0"0,17-3 0 16,18-9 0 0,13-4 0-16,17-4 0 31,13 1 0-31,6-2 0 15,-4 3 0-15,-10 3 0 0,-16 2 0 16,-19-1 0 15</inkml:trace>
+  <inkml:trace contextRef="#ctx0" brushRef="#br0" timeOffset="111067.87">15866 15445 200 0,'3'21'0'0,"0"17"0"16,0 15 0 0,0 9 0-16,-2-3 0 15,2-9 0 1,1-16 0-16,0-12 0 16</inkml:trace>
+  <inkml:trace contextRef="#ctx0" brushRef="#br0" timeOffset="111290.11">16009 15427 200 0,'0'18'0'0,"-2"19"0"0,-4 15 0 16,-5 14 0 0,-2 6 0-1,1 4 0-15,7-17 0 16</inkml:trace>
+  <inkml:trace contextRef="#ctx0" brushRef="#br0" timeOffset="111950.92">16303 16646 200 0,'0'0'0'0,"0"0"0"15,16 12 0-15,19 2 0 16,20-7 0-1,17-6 0-15,10-4 0 16,10-1 0 0,0-1 0-16,3 2 0 15,-4 4 0 1,-4 6 0-16,-13-1 0 16,-14 8 0-1</inkml:trace>
+  <inkml:trace contextRef="#ctx0" brushRef="#br0" timeOffset="112514.54">17708 17029 200 0,'0'0'0'16,"4"-21"0"-16,3-15 0 15,-6-9 0 1,-10-1 0-16,-12-1 0 31,-17 4 0-31,-15 11 0 0,-14 13 0 16,-6 18 0-1,-4 22 0-15,2 24 0 16,8 20 0 0,12 19 0-16,18 0 0 15,26-6 0 1,25-12 0-16,25-16 0 15,22-14 0 1,19-15 0 0,9-14 0-16,1-15 0 15,-4-12 0-15,-9-11 0 16,-13-11 0 0,-12-8 0-16,-18-8 0 15,-16-3 0 1,-15-2 0-16,-13 4 0 15,-6 9 0-15,-2 12 0 32</inkml:trace>
+  <inkml:trace contextRef="#ctx0" brushRef="#br0" timeOffset="112967.18">18129 16901 200 0,'16'46'0'0,"8"19"0"16,-1-7 0-1,-5-13 0 1,-4-14 0-16,-5-13 0 16,-4-9 0-16,-5-9 0 15,0 0 0 1,0 0 0-16,3-12 0 16,0-26 0-1,3-20 0-15,8-13 0 31,7-3 0-31,10 6 0 16,14 9 0 0,9 10 0-16,10 17 0 15,10 15 0 1,9 15 0-16,0 12 0 16,-4 14 0-1,-10 8 0-15,-12 2 0 16</inkml:trace>
+  <inkml:trace contextRef="#ctx0" brushRef="#br0" timeOffset="113393.93">19441 17140 200 0,'26'-7'0'0,"5"-5"0"16,-8-10 0-16,-16-8 0 16,-15-8 0-16,-19-3 0 15,-20-2 0 1,-15 4 0 0,-14 8 0-16,-9 10 0 15,-4 17 0-15,0 18 0 16,5 22 0-1,7 23 0-15,16 13 0 16,19 2 0 0,20-9 0-1,24-7 0-15,23-8 0 16,27-12 0-16,24-13 0 16,18-12 0-1,9-11 0-15,-6-10 0 16,-7-7 0-1,-11-8 0 1,-13-5 0-16,-11-11 0 16</inkml:trace>
+  <inkml:trace contextRef="#ctx0" brushRef="#br0" timeOffset="113707.48">19677 16304 200 0,'0'0'0'0,"-2"31"0"0,-1 30 0 78,-7 24 0-78,-6 21 0 0,-9 18 0 16,-1 6 0-16,0-6 0 0,6-15 0 0,6-18 0 0,6-17 0 16,1-15 0-16,4-19 0 15</inkml:trace>
+  <inkml:trace contextRef="#ctx0" brushRef="#br0" timeOffset="114169.47">20485 15776 200 0,'0'0'0'0,"-14"28"0"15,-11 18 0-15,-13 15 0 16,-12 11 0-1,-6-1 0-15,5-7 0 16,6-17 0 0,11-16 0-16,14-15 0 15,20-16 0 1</inkml:trace>
+  <inkml:trace contextRef="#ctx0" brushRef="#br0" timeOffset="114410.48">20703 15726 200 0,'-18'33'0'0,"-20"26"0"15,-9 14 0-15,-10 10 0 16,-6 2 0 0,1-3 0-16,2-5 0 15,7-15 0 1</inkml:trace>
+</inkml:ink>
+</file>
+
+<file path=ppt/ink/ink7.xml><?xml version="1.0" encoding="utf-8"?>
+<inkml:ink xmlns:inkml="http://www.w3.org/2003/InkML">
+  <inkml:definitions>
+    <inkml:context xml:id="ctx0">
+      <inkml:inkSource xml:id="inkSrc0">
+        <inkml:traceFormat>
+          <inkml:channel name="X" type="integer" max="32767" units="cm"/>
+          <inkml:channel name="Y" type="integer" max="32767" units="cm"/>
+          <inkml:channel name="F" type="integer" max="1024" units="dev"/>
+          <inkml:channel name="T" type="integer" max="2.14748E9" units="dev"/>
+        </inkml:traceFormat>
+        <inkml:channelProperties>
+          <inkml:channelProperty channel="X" name="resolution" value="325.74808" units="1/cm"/>
+          <inkml:channelProperty channel="Y" name="resolution" value="571.84991" units="1/cm"/>
+          <inkml:channelProperty channel="F" name="resolution" value="4.0315E-5" units="1/dev"/>
+          <inkml:channelProperty channel="T" name="resolution" value="1" units="1/dev"/>
+        </inkml:channelProperties>
+      </inkml:inkSource>
+      <inkml:timestamp xml:id="ts0" timeString="2023-08-10T13:57:36.787"/>
+    </inkml:context>
+    <inkml:brush xml:id="br0">
+      <inkml:brushProperty name="width" value="0.05292" units="cm"/>
+      <inkml:brushProperty name="height" value="0.05292" units="cm"/>
+      <inkml:brushProperty name="color" value="#FF0000"/>
+    </inkml:brush>
+  </inkml:definitions>
+  <inkml:trace contextRef="#ctx0" brushRef="#br0">17321 11583 200 0,'14'-1'0'0,"13"-2"0"16,6-2 0-1,8-1 0-15,8-2 0 16,6 2 0-16,5 3 0 16,8 0 0-1,11 3 0-15,14-4 0 16,17-1 0-1,15-3 0-15,11-2 0 16,9 3 0 0,5 2 0-16,4-1 0 15,16 2 0 1,5 1 0-16,13 3 0 16,17 1 0-1,7-3 0-15,14-3 0 16,8-5 0-1,10 1 0 1,8-2 0-16,9 4 0 16,11-1 0-16,7 5 0 15,10 2 0 1,8 7 0 0,8 8 0-16,2 2 0 15,-1 4 0-15,-4 5 0 31,-11 4 0-31,-16 1 0 16,-25 1 0 0,-34-6 0-16,-38-11 0 0</inkml:trace>
+</inkml:ink>
+</file>
+
+<file path=ppt/ink/ink8.xml><?xml version="1.0" encoding="utf-8"?>
+<inkml:ink xmlns:inkml="http://www.w3.org/2003/InkML">
+  <inkml:definitions>
+    <inkml:context xml:id="ctx0">
+      <inkml:inkSource xml:id="inkSrc0">
+        <inkml:traceFormat>
+          <inkml:channel name="X" type="integer" max="32767" units="cm"/>
+          <inkml:channel name="Y" type="integer" max="32767" units="cm"/>
+          <inkml:channel name="F" type="integer" max="1024" units="dev"/>
+          <inkml:channel name="T" type="integer" max="2.14748E9" units="dev"/>
+        </inkml:traceFormat>
+        <inkml:channelProperties>
+          <inkml:channelProperty channel="X" name="resolution" value="325.74808" units="1/cm"/>
+          <inkml:channelProperty channel="Y" name="resolution" value="571.84991" units="1/cm"/>
+          <inkml:channelProperty channel="F" name="resolution" value="4.0315E-5" units="1/dev"/>
+          <inkml:channelProperty channel="T" name="resolution" value="1" units="1/dev"/>
+        </inkml:channelProperties>
+      </inkml:inkSource>
+      <inkml:timestamp xml:id="ts0" timeString="2023-08-10T14:04:51.941"/>
+    </inkml:context>
+    <inkml:brush xml:id="br0">
+      <inkml:brushProperty name="width" value="0.05292" units="cm"/>
+      <inkml:brushProperty name="height" value="0.05292" units="cm"/>
+      <inkml:brushProperty name="color" value="#FF0000"/>
+    </inkml:brush>
+  </inkml:definitions>
+  <inkml:trace contextRef="#ctx0" brushRef="#br0">25584 6608 200 0,'0'0'0'15,"0"0"0"1,0 0 0-16,9 24 0 0,7 22 0 16,-2 23 0-1,-5 21 0-15,-9 21 0 31,-2 17 0-31,-2 7 0 16,-6 0 0-16,3-6 0 16,5-8 0-16,6-15 0 31,6-12 0-31,6-17 0 16</inkml:trace>
+  <inkml:trace contextRef="#ctx0" brushRef="#br0" timeOffset="554.03">25860 7699 200 0,'17'-13'0'0,"20"-19"0"15,17-14 0-15,12-14 0 16,11-8 0 0,2-7 0-1,-1-1 0-15,-9 5 0 16,-15 8 0 0,-22 10 0-16,-21 14 0 15,-19 19 0-15,-23 24 0 16,-14 26 0-1,-13 30 0 1,3 35 0-16,10 25 0 16,14 5 0-1,20-11 0-15,19-26 0 16,21-26 0-16,17-24 0 16,18-29 0-1,12-26 0-15,9-24 0 16,2-25 0-1,-7-23 0-15</inkml:trace>
+  <inkml:trace contextRef="#ctx0" brushRef="#br0" timeOffset="794.26">26996 6753 200 0,'9'56'0'0,"4"39"0"16,6 21 0-16,-4 6 0 16,4-1 0-1,0-12 0-15,-3-11 0 16,2-16 0-1,-8-8 0 1,-8-10 0-16</inkml:trace>
+  <inkml:trace contextRef="#ctx0" brushRef="#br0" timeOffset="1111.83">26719 7485 200 0,'130'-28'0'16,"64"-16"0"-16,10 0 0 16,-15 4 0-1,-24 4 0-15,-16-1 0 16,-20-3 0 0</inkml:trace>
+  <inkml:trace contextRef="#ctx0" brushRef="#br0" timeOffset="1488.51">28199 7025 200 0,'36'62'0'0,"20"29"0"16,3 6 0-1,-5-8 0-15,-2-9 0 16,-7-14 0 0</inkml:trace>
+  <inkml:trace contextRef="#ctx0" brushRef="#br0" timeOffset="1761.47">28175 7784 200 0,'46'-63'0'15,"37"-39"0"1,20-9 0-16,8 5 0 16,-2 8 0-16,-10 12 0 15,-13 11 0 1</inkml:trace>
+  <inkml:trace contextRef="#ctx0" brushRef="#br0" timeOffset="2144.48">29252 7307 200 0,'23'-10'0'15,"26"-5"0"-15,22-4 0 16,14-4 0 0,2 6 0-16,-4 7 0 15,-9 1 0 1</inkml:trace>
+  <inkml:trace contextRef="#ctx0" brushRef="#br0" timeOffset="2376.71">29286 7518 200 0,'76'-9'0'16,"44"-10"0"0,9 0 0-16,-7-2 0 15</inkml:trace>
+  <inkml:trace contextRef="#ctx0" brushRef="#br0" timeOffset="2742.57">30084 6905 200 0,'8'14'0'16,"2"23"0"-16,3 22 0 15,-5 21 0 1,-4 10 0 0,0 0 0-16,3-7 0 15,-1-10 0-15,0-12 0 16,0-18 0 0</inkml:trace>
+  <inkml:trace contextRef="#ctx0" brushRef="#br0" timeOffset="3287.43">30403 7016 200 0,'6'-23'0'0,"4"-6"0"0,-5 7 0 16,-5 22 0-16,-2 2 0 31,-4 21 0-31,0 23 0 16,-1 19 0 0,-1 7 0-16,-1-1 0 15,2-7 0 1,2-9 0-16,4-11 0 15,1-13 0 1,1-10 0-16,0-9 0 16,-1-12 0-1,0 0 0-15,2-10 0 16,9-15 0 0,14-13 0-16,20-9 0 15,20-1 0 1,16 7 0-16,8 8 0 15,3 15 0-15,-11 14 0 16,-14 18 0 0,-16 15 0-1,-25 11 0-15,-18 3 0 16,-18-1 0 0,-15-8 0-16,-9-7 0 15,-8-9 0-15,-12-9 0 16,-5-6 0-1</inkml:trace>
+  <inkml:trace contextRef="#ctx0" brushRef="#br0" timeOffset="3622.35">30429 7016 200 0,'0'0'0'16,"0"0"0"-16,0 0 0 16,0 0 0-1,0 0 0 1,19-12 0-16,23-10 0 15,22-7 0-15,27-9 0 16,29-7 0 0,16 0 0-1,5 4 0 1,-8 2 0-16,-19 9 0 0</inkml:trace>
+  <inkml:trace contextRef="#ctx0" brushRef="#br0" timeOffset="3954.54">31447 7008 200 0,'0'0'0'16,"0"0"0"-16,0 0 0 15,-4 16 0 1</inkml:trace>
+  <inkml:trace contextRef="#ctx0" brushRef="#br0" timeOffset="4308.1">31380 7383 200 0,'25'12'0'0,"19"8"0"16,7 11 0-1,-9 12 0-15,-15 15 0 16,-26 19 0-1,-26 4 0-15</inkml:trace>
+  <inkml:trace contextRef="#ctx0" brushRef="#br0" timeOffset="15663.06">24666 8568 200 0,'0'0'0'0,"16"11"0"16,13 18 0-1,10 16 0 32,17 43 0-47,15 22 0 0,3 7 0 0,7-3 0 16,0-8 0-16,2-7 0 47,-1-12 0-47,-5-11 0 0,-4-11 0 0,-13-8 0 15</inkml:trace>
+  <inkml:trace contextRef="#ctx0" brushRef="#br0" timeOffset="16088.9">24826 9710 200 0,'6'-31'0'16,"12"-23"0"-16,14-20 0 15,17-15 0-15,15-24 0 16,20-18 0-16,21-11 0 15,13 1 0 1,9 5 0-16,-2 15 0 16,-12 19 0-1</inkml:trace>
+  <inkml:trace contextRef="#ctx0" brushRef="#br0" timeOffset="16583.71">26122 9223 200 0,'26'-8'0'16,"35"-8"0"-16,26-2 0 15,10 0 0-15,1 4 0 16,-3 1 0 0,-9 0 0-16</inkml:trace>
+  <inkml:trace contextRef="#ctx0" brushRef="#br0" timeOffset="16812.21">26222 9454 200 0,'66'-13'0'16,"37"-6"0"-16,10 1 0 15,-2 2 0-15,-3 2 0 32</inkml:trace>
+  <inkml:trace contextRef="#ctx0" brushRef="#br0" timeOffset="17515.12">27258 8976 200 0,'0'0'0'0,"0"0"0"16,4 18 0-1,0 25 0-15,-1 22 0 16,-2 17 0-16,1 6 0 16,4-9 0-1,5-10 0-15,7-13 0 16,4-18 0-1,4-16 0-15,6-14 0 16,4-15 0 0,2-13 0-1,6-16 0-15,1-12 0 16,-5-6 0-16,0-4 0 16,-7 6 0-1,-8 9 0 1,-12 15 0-16,-5 11 0 15,-8 17 0-15,4 2 0 16,-2 21 0 0,-1 22 0-16,3 4 0 15,3-2 0 1,3-4 0-16,0-12 0 16,3-6 0-1,3-12 0-15</inkml:trace>
+  <inkml:trace contextRef="#ctx0" brushRef="#br0" timeOffset="17955.3">27864 9096 200 0,'13'71'0'0,"7"19"0"0,-3-12 0 16,-4-23 0 0,-6-22 0-1,-4-12 0-15,-3-21 0 16,1-7 0-16,6-30 0 31,7-23 0-31,5-11 0 16,4 0 0-16,4 14 0 15,5 15 0 1,2 19 0 0,0 21 0-16,-5 22 0 15,-5 23 0 1,-7 16 0-16,-7 6 0 15,-8-3 0-15,1-9 0 16,2-13 0 0,8-15 0-16</inkml:trace>
+  <inkml:trace contextRef="#ctx0" brushRef="#br0" timeOffset="18320.45">28663 9223 200 0,'0'0'0'0,"0"0"0"16,-7-16 0-1,-5-10 0-15,-9-6 0 16,-13 2 0-1,-5 8 0-15,-3 14 0 16,-3 20 0-16,-1 19 0 16,1 18 0-1,9 13 0-15,11 7 0 16,15-6 0 0,12-12 0-16,10-12 0 15,14-15 0 1,6-17 0-16,10-14 0 15,6-15 0 1,5-13 0-16,-1-15 0 16</inkml:trace>
+  <inkml:trace contextRef="#ctx0" brushRef="#br0" timeOffset="18584.29">28637 8755 200 0,'8'19'0'16,"8"21"0"-16,0 22 0 15,0 23 0 1,-4 10 0-16,-1-2 0 15,-1-13 0-15,0-17 0 16,4-16 0 0,0-19 0-16</inkml:trace>
+  <inkml:trace contextRef="#ctx0" brushRef="#br0" timeOffset="19304.08">28805 9146 200 0,'9'32'0'0,"6"10"0"31,5-5 0-31,4-13 0 0,1-11 0 16,4-11 0-1,0-9 0-15,-2-14 0 16,-1-11 0 0,-4-6 0-1,-8-4 0-15,-5 0 0 0,-5 5 0 32,-7 9 0-17,-1 12 0-15,-2 18 0 16,-2 21 0-16,-4 27 0 15,4 20 0 1,6-2 0-16,9-11 0 16,14-16 0-1,17-14 0-15,17-19 0 16,13-17 0 0,13-20 0-16,1-16 0 15,-7-15 0 1,-3-9 0-16,-9-3 0 15,-8 2 0 1,-10 3 0-16,-11 2 0 16,-13 1 0-1,-9 7 0-15,-12 5 0 16,-12 8 0 0,-11 8 0-1,-9 11 0-15,-10 13 0 16,1 12 0-16,0 15 0 15,0 17 0 1,8 22 0 0,3 20 0-16,4 16 0 15,8 12 0 1,5-5 0-16,11-15 0 16,9-13 0-1,6-15 0-15,2-11 0 16,1-9 0-16,-3-7 0 15,-8-12 0 1</inkml:trace>
+  <inkml:trace contextRef="#ctx0" brushRef="#br0" timeOffset="19505.06">29302 9351 200 0,'26'7'0'15,"21"-2"0"-15,13-5 0 16,10-6 0 0,7-4 0-16,-1-6 0 15</inkml:trace>
+  <inkml:trace contextRef="#ctx0" brushRef="#br0" timeOffset="19727.68">29856 9266 200 0,'5'14'0'0,"3"10"0"16,2 7 0 0,-3 1 0-16,0-2 0 15,-2-2 0-15,-1-14 0 16</inkml:trace>
+  <inkml:trace contextRef="#ctx0" brushRef="#br0" timeOffset="19908.37">29908 9037 200 0,'0'0'0'16,"0"0"0"-16,0 0 0 15</inkml:trace>
+  <inkml:trace contextRef="#ctx0" brushRef="#br0" timeOffset="20353.09">30067 9174 200 0,'10'20'0'0,"4"12"0"15,-2 2 0-15,-1-1 0 16,-3-5 0 0,-5-6 0-16,-2-5 0 15,-1-5 0 1,0-12 0-16,0 0 0 15,0 0 0-15,-2 0 0 16,1-11 0 0,3-11 0-16,10-13 0 15,9-10 0 1,9 1 0-16,8 7 0 16,8 12 0-1,-2 9 0-15,-5 16 0 16,-4 12 0-1,-8 13 0-15,-5 3 0 16,-8 5 0 0,-5-2 0-16,-5 0 0 15,0-5 0-15,1-7 0 16</inkml:trace>
+  <inkml:trace contextRef="#ctx0" brushRef="#br0" timeOffset="20823.8">30580 9163 200 0,'3'20'0'0,"2"7"0"0,2-3 0 16,4-6 0-1,4-6 0-15,9-11 0 32,8-7 0-32,4-10 0 0,6-5 0 31,-2-6 0-31,-5-6 0 16,-6 3 0-1,-9-4 0-15,-11 1 0 16,-9 7 0-1,-11 8 0-15,-9 12 0 16,-11 14 0-16,-2 15 0 16,-1 19 0-1,4 9 0-15,7 4 0 16,9-3 0 0,9-8 0-1,14-11 0-15,13-9 0 16,15-12 0-1,11-11 0-15,14-10 0 16,12-11 0 0,2-12 0-16</inkml:trace>
+  <inkml:trace contextRef="#ctx0" brushRef="#br0" timeOffset="21198.17">31499 9198 200 0,'-15'-35'0'0,"-13"-6"0"16,-13 7 0-1,-9 18 0-15,-2 17 0 16,-3 17 0 0,2 16 0-16,9 15 0 15,12 10 0 1,13 2 0-16,13-4 0 16,13-14 0-1,13-11 0-15,16-16 0 16,16-14 0-1,11-13 0-15,6-10 0 16,-1-11 0 0,-13-12 0-16</inkml:trace>
+  <inkml:trace contextRef="#ctx0" brushRef="#br0" timeOffset="21511.32">31488 8688 200 0,'-2'30'0'0,"-3"30"0"15,1 16 0-15,-1 10 0 16,3-3 0 0,5-9 0-16,6-8 0 15,8-9 0 1,0-6 0-16,0-4 0 16,-4-2 0-1</inkml:trace>
+  <inkml:trace contextRef="#ctx0" brushRef="#br0" timeOffset="21838.35">31868 8874 200 0,'0'0'0'0,"0"0"0"16,0 0 0 0,-4 15 0-16,-2 11 0 15</inkml:trace>
+  <inkml:trace contextRef="#ctx0" brushRef="#br0" timeOffset="22175.8">32027 9283 200 0,'0'0'0'0,"22"9"0"16,12 11 0-16,1 13 0 16,-8 15 0-1,-11 13 0-15,-16 14 0 16,-18 10 0-1,-11-11 0-15</inkml:trace>
+</inkml:ink>
+</file>
+
+<file path=ppt/ink/ink9.xml><?xml version="1.0" encoding="utf-8"?>
+<inkml:ink xmlns:inkml="http://www.w3.org/2003/InkML">
+  <inkml:definitions>
+    <inkml:context xml:id="ctx0">
+      <inkml:inkSource xml:id="inkSrc0">
+        <inkml:traceFormat>
+          <inkml:channel name="X" type="integer" max="32767" units="cm"/>
+          <inkml:channel name="Y" type="integer" max="32767" units="cm"/>
+          <inkml:channel name="F" type="integer" max="1024" units="dev"/>
+          <inkml:channel name="T" type="integer" max="2.14748E9" units="dev"/>
+        </inkml:traceFormat>
+        <inkml:channelProperties>
+          <inkml:channelProperty channel="X" name="resolution" value="325.74808" units="1/cm"/>
+          <inkml:channelProperty channel="Y" name="resolution" value="571.84991" units="1/cm"/>
+          <inkml:channelProperty channel="F" name="resolution" value="4.0315E-5" units="1/dev"/>
+          <inkml:channelProperty channel="T" name="resolution" value="1" units="1/dev"/>
+        </inkml:channelProperties>
+      </inkml:inkSource>
+      <inkml:timestamp xml:id="ts0" timeString="2023-08-10T14:08:14.345"/>
+    </inkml:context>
+    <inkml:brush xml:id="br0">
+      <inkml:brushProperty name="width" value="0.05292" units="cm"/>
+      <inkml:brushProperty name="height" value="0.05292" units="cm"/>
+      <inkml:brushProperty name="color" value="#FF0000"/>
+    </inkml:brush>
+  </inkml:definitions>
+  <inkml:trace contextRef="#ctx0" brushRef="#br0">30269 8116 200 0,'108'-37'0'16,"58"-9"0"-1,14-4 0-15,3 6 0 16,0 6 0 0,5 12 0-1,-2 7 0-15,-1 9 0 0,-6 8 0 32,-16 11 0-32,-27 3 0 15,-27 7 0 1,-30 3 0-16</inkml:trace>
+</inkml:ink>
+</file>
+
 <file path=ppt/notesMasters/notesMaster1.xml><?xml version="1.0" encoding="utf-8"?>
 <p:notesMaster xmlns:a="http://schemas.openxmlformats.org/drawingml/2006/main" xmlns:r="http://schemas.openxmlformats.org/officeDocument/2006/relationships" xmlns:p="http://schemas.openxmlformats.org/presentationml/2006/main">
   <p:cSld>
@@ -248,7 +1567,7 @@
           <a:p>
             <a:fld id="{1AEF8326-81B7-488D-BDE2-286B430D7654}" type="datetimeFigureOut">
               <a:rPr lang="en-US" smtClean="0"/>
-              <a:t>8/7/2023</a:t>
+              <a:t>10/9/2023</a:t>
             </a:fld>
             <a:endParaRPr lang="en-US"/>
           </a:p>
@@ -588,7 +1907,7 @@
           <a:p>
             <a:fld id="{F88FC734-EE4E-47A5-8A08-E093C6F4D491}" type="slidenum">
               <a:rPr lang="en-US" smtClean="0"/>
-              <a:t>20</a:t>
+              <a:t>21</a:t>
             </a:fld>
             <a:endParaRPr lang="en-US"/>
           </a:p>
@@ -754,7 +2073,7 @@
           <a:p>
             <a:fld id="{AF2413EA-2554-46AF-9B5C-11AB545AD812}" type="datetimeFigureOut">
               <a:rPr lang="en-US" smtClean="0"/>
-              <a:t>8/7/2023</a:t>
+              <a:t>10/9/2023</a:t>
             </a:fld>
             <a:endParaRPr lang="en-US"/>
           </a:p>
@@ -952,7 +2271,7 @@
           <a:p>
             <a:fld id="{AF2413EA-2554-46AF-9B5C-11AB545AD812}" type="datetimeFigureOut">
               <a:rPr lang="en-US" smtClean="0"/>
-              <a:t>8/7/2023</a:t>
+              <a:t>10/9/2023</a:t>
             </a:fld>
             <a:endParaRPr lang="en-US"/>
           </a:p>
@@ -1160,7 +2479,7 @@
           <a:p>
             <a:fld id="{AF2413EA-2554-46AF-9B5C-11AB545AD812}" type="datetimeFigureOut">
               <a:rPr lang="en-US" smtClean="0"/>
-              <a:t>8/7/2023</a:t>
+              <a:t>10/9/2023</a:t>
             </a:fld>
             <a:endParaRPr lang="en-US"/>
           </a:p>
@@ -1358,7 +2677,7 @@
           <a:p>
             <a:fld id="{AF2413EA-2554-46AF-9B5C-11AB545AD812}" type="datetimeFigureOut">
               <a:rPr lang="en-US" smtClean="0"/>
-              <a:t>8/7/2023</a:t>
+              <a:t>10/9/2023</a:t>
             </a:fld>
             <a:endParaRPr lang="en-US"/>
           </a:p>
@@ -1633,7 +2952,7 @@
           <a:p>
             <a:fld id="{AF2413EA-2554-46AF-9B5C-11AB545AD812}" type="datetimeFigureOut">
               <a:rPr lang="en-US" smtClean="0"/>
-              <a:t>8/7/2023</a:t>
+              <a:t>10/9/2023</a:t>
             </a:fld>
             <a:endParaRPr lang="en-US"/>
           </a:p>
@@ -1898,7 +3217,7 @@
           <a:p>
             <a:fld id="{AF2413EA-2554-46AF-9B5C-11AB545AD812}" type="datetimeFigureOut">
               <a:rPr lang="en-US" smtClean="0"/>
-              <a:t>8/7/2023</a:t>
+              <a:t>10/9/2023</a:t>
             </a:fld>
             <a:endParaRPr lang="en-US"/>
           </a:p>
@@ -2310,7 +3629,7 @@
           <a:p>
             <a:fld id="{AF2413EA-2554-46AF-9B5C-11AB545AD812}" type="datetimeFigureOut">
               <a:rPr lang="en-US" smtClean="0"/>
-              <a:t>8/7/2023</a:t>
+              <a:t>10/9/2023</a:t>
             </a:fld>
             <a:endParaRPr lang="en-US"/>
           </a:p>
@@ -2451,7 +3770,7 @@
           <a:p>
             <a:fld id="{AF2413EA-2554-46AF-9B5C-11AB545AD812}" type="datetimeFigureOut">
               <a:rPr lang="en-US" smtClean="0"/>
-              <a:t>8/7/2023</a:t>
+              <a:t>10/9/2023</a:t>
             </a:fld>
             <a:endParaRPr lang="en-US"/>
           </a:p>
@@ -2564,7 +3883,7 @@
           <a:p>
             <a:fld id="{AF2413EA-2554-46AF-9B5C-11AB545AD812}" type="datetimeFigureOut">
               <a:rPr lang="en-US" smtClean="0"/>
-              <a:t>8/7/2023</a:t>
+              <a:t>10/9/2023</a:t>
             </a:fld>
             <a:endParaRPr lang="en-US"/>
           </a:p>
@@ -2875,7 +4194,7 @@
           <a:p>
             <a:fld id="{AF2413EA-2554-46AF-9B5C-11AB545AD812}" type="datetimeFigureOut">
               <a:rPr lang="en-US" smtClean="0"/>
-              <a:t>8/7/2023</a:t>
+              <a:t>10/9/2023</a:t>
             </a:fld>
             <a:endParaRPr lang="en-US"/>
           </a:p>
@@ -3163,7 +4482,7 @@
           <a:p>
             <a:fld id="{AF2413EA-2554-46AF-9B5C-11AB545AD812}" type="datetimeFigureOut">
               <a:rPr lang="en-US" smtClean="0"/>
-              <a:t>8/7/2023</a:t>
+              <a:t>10/9/2023</a:t>
             </a:fld>
             <a:endParaRPr lang="en-US"/>
           </a:p>
@@ -3404,7 +4723,7 @@
           <a:p>
             <a:fld id="{AF2413EA-2554-46AF-9B5C-11AB545AD812}" type="datetimeFigureOut">
               <a:rPr lang="en-US" smtClean="0"/>
-              <a:t>8/7/2023</a:t>
+              <a:t>10/9/2023</a:t>
             </a:fld>
             <a:endParaRPr lang="en-US"/>
           </a:p>
@@ -3912,6 +5231,215 @@
           <p:cNvPr id="2" name="Title 1">
             <a:extLst>
               <a:ext uri="{FF2B5EF4-FFF2-40B4-BE49-F238E27FC236}">
+                <a16:creationId xmlns:a16="http://schemas.microsoft.com/office/drawing/2014/main" id="{ABDCA732-A6EE-44C2-9C5F-D197F58E1442}"/>
+              </a:ext>
+            </a:extLst>
+          </p:cNvPr>
+          <p:cNvSpPr>
+            <a:spLocks noGrp="1"/>
+          </p:cNvSpPr>
+          <p:nvPr>
+            <p:ph type="title"/>
+          </p:nvPr>
+        </p:nvSpPr>
+        <p:spPr/>
+        <p:txBody>
+          <a:bodyPr/>
+          <a:lstStyle/>
+          <a:p>
+            <a:r>
+              <a:rPr lang="en-US" dirty="0"/>
+              <a:t>JavaScript Numbers</a:t>
+            </a:r>
+          </a:p>
+        </p:txBody>
+      </p:sp>
+      <p:sp>
+        <p:nvSpPr>
+          <p:cNvPr id="3" name="Content Placeholder 2">
+            <a:extLst>
+              <a:ext uri="{FF2B5EF4-FFF2-40B4-BE49-F238E27FC236}">
+                <a16:creationId xmlns:a16="http://schemas.microsoft.com/office/drawing/2014/main" id="{6117B8D8-3548-4B76-B727-85D10A41732F}"/>
+              </a:ext>
+            </a:extLst>
+          </p:cNvPr>
+          <p:cNvSpPr>
+            <a:spLocks noGrp="1"/>
+          </p:cNvSpPr>
+          <p:nvPr>
+            <p:ph idx="1"/>
+          </p:nvPr>
+        </p:nvSpPr>
+        <p:spPr/>
+        <p:txBody>
+          <a:bodyPr/>
+          <a:lstStyle/>
+          <a:p>
+            <a:r>
+              <a:rPr lang="en-US" dirty="0"/>
+              <a:t>Abnormally large or small numbers can be written with scientific (exponential) notation</a:t>
+            </a:r>
+          </a:p>
+        </p:txBody>
+      </p:sp>
+      <p:pic>
+        <p:nvPicPr>
+          <p:cNvPr id="5" name="Picture 4">
+            <a:extLst>
+              <a:ext uri="{FF2B5EF4-FFF2-40B4-BE49-F238E27FC236}">
+                <a16:creationId xmlns:a16="http://schemas.microsoft.com/office/drawing/2014/main" id="{ED19C1F3-63E0-4C78-AD07-74EE8F42C04D}"/>
+              </a:ext>
+            </a:extLst>
+          </p:cNvPr>
+          <p:cNvPicPr>
+            <a:picLocks noChangeAspect="1"/>
+          </p:cNvPicPr>
+          <p:nvPr/>
+        </p:nvPicPr>
+        <p:blipFill>
+          <a:blip r:embed="rId2">
+            <a:extLst>
+              <a:ext uri="{28A0092B-C50C-407E-A947-70E740481C1C}">
+                <a14:useLocalDpi xmlns:a14="http://schemas.microsoft.com/office/drawing/2010/main" val="0"/>
+              </a:ext>
+            </a:extLst>
+          </a:blip>
+          <a:stretch>
+            <a:fillRect/>
+          </a:stretch>
+        </p:blipFill>
+        <p:spPr>
+          <a:xfrm>
+            <a:off x="6400800" y="3379749"/>
+            <a:ext cx="5791201" cy="3478251"/>
+          </a:xfrm>
+          <a:prstGeom prst="rect">
+            <a:avLst/>
+          </a:prstGeom>
+        </p:spPr>
+      </p:pic>
+      <p:pic>
+        <p:nvPicPr>
+          <p:cNvPr id="7" name="Picture 6">
+            <a:extLst>
+              <a:ext uri="{FF2B5EF4-FFF2-40B4-BE49-F238E27FC236}">
+                <a16:creationId xmlns:a16="http://schemas.microsoft.com/office/drawing/2014/main" id="{34DAEAD3-490E-43B3-8D00-97629B5DF822}"/>
+              </a:ext>
+            </a:extLst>
+          </p:cNvPr>
+          <p:cNvPicPr>
+            <a:picLocks noChangeAspect="1"/>
+          </p:cNvPicPr>
+          <p:nvPr/>
+        </p:nvPicPr>
+        <p:blipFill>
+          <a:blip r:embed="rId3">
+            <a:extLst>
+              <a:ext uri="{28A0092B-C50C-407E-A947-70E740481C1C}">
+                <a14:useLocalDpi xmlns:a14="http://schemas.microsoft.com/office/drawing/2010/main" val="0"/>
+              </a:ext>
+            </a:extLst>
+          </a:blip>
+          <a:stretch>
+            <a:fillRect/>
+          </a:stretch>
+        </p:blipFill>
+        <p:spPr>
+          <a:xfrm>
+            <a:off x="0" y="3379749"/>
+            <a:ext cx="6487932" cy="3478252"/>
+          </a:xfrm>
+          <a:prstGeom prst="rect">
+            <a:avLst/>
+          </a:prstGeom>
+        </p:spPr>
+      </p:pic>
+      <mc:AlternateContent xmlns:mc="http://schemas.openxmlformats.org/markup-compatibility/2006" xmlns:p14="http://schemas.microsoft.com/office/powerpoint/2010/main">
+        <mc:Choice Requires="p14">
+          <p:contentPart p14:bwMode="auto" r:id="rId4">
+            <p14:nvContentPartPr>
+              <p14:cNvPr id="4" name="Ink 3">
+                <a:extLst>
+                  <a:ext uri="{FF2B5EF4-FFF2-40B4-BE49-F238E27FC236}">
+                    <a16:creationId xmlns:a16="http://schemas.microsoft.com/office/drawing/2014/main" id="{0A6D64D5-C66C-42C3-ADD7-8DDD842F38D7}"/>
+                  </a:ext>
+                </a:extLst>
+              </p14:cNvPr>
+              <p14:cNvContentPartPr/>
+              <p14:nvPr/>
+            </p14:nvContentPartPr>
+            <p14:xfrm>
+              <a:off x="543600" y="6492240"/>
+              <a:ext cx="1037160" cy="365760"/>
+            </p14:xfrm>
+          </p:contentPart>
+        </mc:Choice>
+        <mc:Fallback xmlns="">
+          <p:pic>
+            <p:nvPicPr>
+              <p:cNvPr id="4" name="Ink 3">
+                <a:extLst>
+                  <a:ext uri="{FF2B5EF4-FFF2-40B4-BE49-F238E27FC236}">
+                    <a16:creationId xmlns:a16="http://schemas.microsoft.com/office/drawing/2014/main" id="{0A6D64D5-C66C-42C3-ADD7-8DDD842F38D7}"/>
+                  </a:ext>
+                </a:extLst>
+              </p:cNvPr>
+              <p:cNvPicPr/>
+              <p:nvPr/>
+            </p:nvPicPr>
+            <p:blipFill>
+              <a:blip r:embed="rId5"/>
+              <a:stretch>
+                <a:fillRect/>
+              </a:stretch>
+            </p:blipFill>
+            <p:spPr>
+              <a:xfrm>
+                <a:off x="534240" y="6482880"/>
+                <a:ext cx="1055880" cy="384480"/>
+              </a:xfrm>
+              <a:prstGeom prst="rect">
+                <a:avLst/>
+              </a:prstGeom>
+            </p:spPr>
+          </p:pic>
+        </mc:Fallback>
+      </mc:AlternateContent>
+    </p:spTree>
+    <p:extLst>
+      <p:ext uri="{BB962C8B-B14F-4D97-AF65-F5344CB8AC3E}">
+        <p14:creationId xmlns:p14="http://schemas.microsoft.com/office/powerpoint/2010/main" val="304802283"/>
+      </p:ext>
+    </p:extLst>
+  </p:cSld>
+  <p:clrMapOvr>
+    <a:masterClrMapping/>
+  </p:clrMapOvr>
+</p:sld>
+</file>
+
+<file path=ppt/slides/slide11.xml><?xml version="1.0" encoding="utf-8"?>
+<p:sld xmlns:a="http://schemas.openxmlformats.org/drawingml/2006/main" xmlns:r="http://schemas.openxmlformats.org/officeDocument/2006/relationships" xmlns:p="http://schemas.openxmlformats.org/presentationml/2006/main">
+  <p:cSld>
+    <p:spTree>
+      <p:nvGrpSpPr>
+        <p:cNvPr id="1" name=""/>
+        <p:cNvGrpSpPr/>
+        <p:nvPr/>
+      </p:nvGrpSpPr>
+      <p:grpSpPr>
+        <a:xfrm>
+          <a:off x="0" y="0"/>
+          <a:ext cx="0" cy="0"/>
+          <a:chOff x="0" y="0"/>
+          <a:chExt cx="0" cy="0"/>
+        </a:xfrm>
+      </p:grpSpPr>
+      <p:sp>
+        <p:nvSpPr>
+          <p:cNvPr id="2" name="Title 1">
+            <a:extLst>
+              <a:ext uri="{FF2B5EF4-FFF2-40B4-BE49-F238E27FC236}">
                 <a16:creationId xmlns:a16="http://schemas.microsoft.com/office/drawing/2014/main" id="{C454CDAB-B36B-40B8-A14D-0CE269DAAA1A}"/>
               </a:ext>
             </a:extLst>
@@ -4204,7 +5732,7 @@
 </p:sld>
 </file>
 
-<file path=ppt/slides/slide11.xml><?xml version="1.0" encoding="utf-8"?>
+<file path=ppt/slides/slide12.xml><?xml version="1.0" encoding="utf-8"?>
 <p:sld xmlns:a="http://schemas.openxmlformats.org/drawingml/2006/main" xmlns:r="http://schemas.openxmlformats.org/officeDocument/2006/relationships" xmlns:p="http://schemas.openxmlformats.org/presentationml/2006/main">
   <p:cSld>
     <p:spTree>
@@ -4338,100 +5866,6 @@
 </p:sld>
 </file>
 
-<file path=ppt/slides/slide12.xml><?xml version="1.0" encoding="utf-8"?>
-<p:sld xmlns:a="http://schemas.openxmlformats.org/drawingml/2006/main" xmlns:r="http://schemas.openxmlformats.org/officeDocument/2006/relationships" xmlns:p="http://schemas.openxmlformats.org/presentationml/2006/main">
-  <p:cSld>
-    <p:spTree>
-      <p:nvGrpSpPr>
-        <p:cNvPr id="1" name=""/>
-        <p:cNvGrpSpPr/>
-        <p:nvPr/>
-      </p:nvGrpSpPr>
-      <p:grpSpPr>
-        <a:xfrm>
-          <a:off x="0" y="0"/>
-          <a:ext cx="0" cy="0"/>
-          <a:chOff x="0" y="0"/>
-          <a:chExt cx="0" cy="0"/>
-        </a:xfrm>
-      </p:grpSpPr>
-      <p:sp>
-        <p:nvSpPr>
-          <p:cNvPr id="2" name="Title 1">
-            <a:extLst>
-              <a:ext uri="{FF2B5EF4-FFF2-40B4-BE49-F238E27FC236}">
-                <a16:creationId xmlns:a16="http://schemas.microsoft.com/office/drawing/2014/main" id="{EFFDECCC-59E4-4CFD-A803-75616AAB7069}"/>
-              </a:ext>
-            </a:extLst>
-          </p:cNvPr>
-          <p:cNvSpPr>
-            <a:spLocks noGrp="1"/>
-          </p:cNvSpPr>
-          <p:nvPr>
-            <p:ph type="title"/>
-          </p:nvPr>
-        </p:nvSpPr>
-        <p:spPr/>
-        <p:txBody>
-          <a:bodyPr/>
-          <a:lstStyle/>
-          <a:p>
-            <a:r>
-              <a:rPr lang="en-US" dirty="0"/>
-              <a:t>JavaScript Arrays</a:t>
-            </a:r>
-          </a:p>
-        </p:txBody>
-      </p:sp>
-      <p:sp>
-        <p:nvSpPr>
-          <p:cNvPr id="3" name="Content Placeholder 2">
-            <a:extLst>
-              <a:ext uri="{FF2B5EF4-FFF2-40B4-BE49-F238E27FC236}">
-                <a16:creationId xmlns:a16="http://schemas.microsoft.com/office/drawing/2014/main" id="{62A2ADC6-9D9A-4308-9F25-7BF4FF08366E}"/>
-              </a:ext>
-            </a:extLst>
-          </p:cNvPr>
-          <p:cNvSpPr>
-            <a:spLocks noGrp="1"/>
-          </p:cNvSpPr>
-          <p:nvPr>
-            <p:ph idx="1"/>
-          </p:nvPr>
-        </p:nvSpPr>
-        <p:spPr/>
-        <p:txBody>
-          <a:bodyPr/>
-          <a:lstStyle/>
-          <a:p>
-            <a:r>
-              <a:rPr lang="en-US" dirty="0"/>
-              <a:t>Array </a:t>
-            </a:r>
-            <a:r>
-              <a:rPr lang="en-US" b="1" i="1" dirty="0"/>
-              <a:t>indexes</a:t>
-            </a:r>
-            <a:r>
-              <a:rPr lang="en-US" dirty="0"/>
-              <a:t> are 0 based, which means the first item is 0, the second item is 1, etc.</a:t>
-            </a:r>
-          </a:p>
-        </p:txBody>
-      </p:sp>
-    </p:spTree>
-    <p:extLst>
-      <p:ext uri="{BB962C8B-B14F-4D97-AF65-F5344CB8AC3E}">
-        <p14:creationId xmlns:p14="http://schemas.microsoft.com/office/powerpoint/2010/main" val="2473465172"/>
-      </p:ext>
-    </p:extLst>
-  </p:cSld>
-  <p:clrMapOvr>
-    <a:masterClrMapping/>
-  </p:clrMapOvr>
-</p:sld>
-</file>
-
 <file path=ppt/slides/slide13.xml><?xml version="1.0" encoding="utf-8"?>
 <p:sld xmlns:a="http://schemas.openxmlformats.org/drawingml/2006/main" xmlns:r="http://schemas.openxmlformats.org/officeDocument/2006/relationships" xmlns:p="http://schemas.openxmlformats.org/presentationml/2006/main">
   <p:cSld>
@@ -4454,6 +5888,151 @@
           <p:cNvPr id="2" name="Title 1">
             <a:extLst>
               <a:ext uri="{FF2B5EF4-FFF2-40B4-BE49-F238E27FC236}">
+                <a16:creationId xmlns:a16="http://schemas.microsoft.com/office/drawing/2014/main" id="{EFFDECCC-59E4-4CFD-A803-75616AAB7069}"/>
+              </a:ext>
+            </a:extLst>
+          </p:cNvPr>
+          <p:cNvSpPr>
+            <a:spLocks noGrp="1"/>
+          </p:cNvSpPr>
+          <p:nvPr>
+            <p:ph type="title"/>
+          </p:nvPr>
+        </p:nvSpPr>
+        <p:spPr/>
+        <p:txBody>
+          <a:bodyPr/>
+          <a:lstStyle/>
+          <a:p>
+            <a:r>
+              <a:rPr lang="en-US" dirty="0"/>
+              <a:t>JavaScript Arrays</a:t>
+            </a:r>
+          </a:p>
+        </p:txBody>
+      </p:sp>
+      <p:sp>
+        <p:nvSpPr>
+          <p:cNvPr id="3" name="Content Placeholder 2">
+            <a:extLst>
+              <a:ext uri="{FF2B5EF4-FFF2-40B4-BE49-F238E27FC236}">
+                <a16:creationId xmlns:a16="http://schemas.microsoft.com/office/drawing/2014/main" id="{62A2ADC6-9D9A-4308-9F25-7BF4FF08366E}"/>
+              </a:ext>
+            </a:extLst>
+          </p:cNvPr>
+          <p:cNvSpPr>
+            <a:spLocks noGrp="1"/>
+          </p:cNvSpPr>
+          <p:nvPr>
+            <p:ph idx="1"/>
+          </p:nvPr>
+        </p:nvSpPr>
+        <p:spPr/>
+        <p:txBody>
+          <a:bodyPr/>
+          <a:lstStyle/>
+          <a:p>
+            <a:r>
+              <a:rPr lang="en-US" dirty="0"/>
+              <a:t>Array </a:t>
+            </a:r>
+            <a:r>
+              <a:rPr lang="en-US" b="1" i="1" dirty="0"/>
+              <a:t>indexes</a:t>
+            </a:r>
+            <a:r>
+              <a:rPr lang="en-US" dirty="0"/>
+              <a:t> are 0 based, which means the first item is 0, the second item is 1, etc.</a:t>
+            </a:r>
+          </a:p>
+        </p:txBody>
+      </p:sp>
+      <mc:AlternateContent xmlns:mc="http://schemas.openxmlformats.org/markup-compatibility/2006" xmlns:p14="http://schemas.microsoft.com/office/powerpoint/2010/main">
+        <mc:Choice Requires="p14">
+          <p:contentPart p14:bwMode="auto" r:id="rId2">
+            <p14:nvContentPartPr>
+              <p14:cNvPr id="4" name="Ink 3">
+                <a:extLst>
+                  <a:ext uri="{FF2B5EF4-FFF2-40B4-BE49-F238E27FC236}">
+                    <a16:creationId xmlns:a16="http://schemas.microsoft.com/office/drawing/2014/main" id="{EBAE21EA-11FD-4064-8192-747A99848429}"/>
+                  </a:ext>
+                </a:extLst>
+              </p14:cNvPr>
+              <p14:cNvContentPartPr/>
+              <p14:nvPr/>
+            </p14:nvContentPartPr>
+            <p14:xfrm>
+              <a:off x="1406160" y="2813400"/>
+              <a:ext cx="8983440" cy="3549600"/>
+            </p14:xfrm>
+          </p:contentPart>
+        </mc:Choice>
+        <mc:Fallback xmlns="">
+          <p:pic>
+            <p:nvPicPr>
+              <p:cNvPr id="4" name="Ink 3">
+                <a:extLst>
+                  <a:ext uri="{FF2B5EF4-FFF2-40B4-BE49-F238E27FC236}">
+                    <a16:creationId xmlns:a16="http://schemas.microsoft.com/office/drawing/2014/main" id="{EBAE21EA-11FD-4064-8192-747A99848429}"/>
+                  </a:ext>
+                </a:extLst>
+              </p:cNvPr>
+              <p:cNvPicPr/>
+              <p:nvPr/>
+            </p:nvPicPr>
+            <p:blipFill>
+              <a:blip r:embed="rId3"/>
+              <a:stretch>
+                <a:fillRect/>
+              </a:stretch>
+            </p:blipFill>
+            <p:spPr>
+              <a:xfrm>
+                <a:off x="1396800" y="2804040"/>
+                <a:ext cx="9002160" cy="3568320"/>
+              </a:xfrm>
+              <a:prstGeom prst="rect">
+                <a:avLst/>
+              </a:prstGeom>
+            </p:spPr>
+          </p:pic>
+        </mc:Fallback>
+      </mc:AlternateContent>
+    </p:spTree>
+    <p:extLst>
+      <p:ext uri="{BB962C8B-B14F-4D97-AF65-F5344CB8AC3E}">
+        <p14:creationId xmlns:p14="http://schemas.microsoft.com/office/powerpoint/2010/main" val="2473465172"/>
+      </p:ext>
+    </p:extLst>
+  </p:cSld>
+  <p:clrMapOvr>
+    <a:masterClrMapping/>
+  </p:clrMapOvr>
+</p:sld>
+</file>
+
+<file path=ppt/slides/slide14.xml><?xml version="1.0" encoding="utf-8"?>
+<p:sld xmlns:a="http://schemas.openxmlformats.org/drawingml/2006/main" xmlns:r="http://schemas.openxmlformats.org/officeDocument/2006/relationships" xmlns:p="http://schemas.openxmlformats.org/presentationml/2006/main">
+  <p:cSld>
+    <p:spTree>
+      <p:nvGrpSpPr>
+        <p:cNvPr id="1" name=""/>
+        <p:cNvGrpSpPr/>
+        <p:nvPr/>
+      </p:nvGrpSpPr>
+      <p:grpSpPr>
+        <a:xfrm>
+          <a:off x="0" y="0"/>
+          <a:ext cx="0" cy="0"/>
+          <a:chOff x="0" y="0"/>
+          <a:chExt cx="0" cy="0"/>
+        </a:xfrm>
+      </p:grpSpPr>
+      <p:sp>
+        <p:nvSpPr>
+          <p:cNvPr id="2" name="Title 1">
+            <a:extLst>
+              <a:ext uri="{FF2B5EF4-FFF2-40B4-BE49-F238E27FC236}">
                 <a16:creationId xmlns:a16="http://schemas.microsoft.com/office/drawing/2014/main" id="{066B2AA6-D282-4941-9CF5-92A50AAB5A2B}"/>
               </a:ext>
             </a:extLst>
@@ -4563,6 +6142,57 @@
           </a:prstGeom>
         </p:spPr>
       </p:pic>
+      <mc:AlternateContent xmlns:mc="http://schemas.openxmlformats.org/markup-compatibility/2006" xmlns:p14="http://schemas.microsoft.com/office/powerpoint/2010/main">
+        <mc:Choice Requires="p14">
+          <p:contentPart p14:bwMode="auto" r:id="rId3">
+            <p14:nvContentPartPr>
+              <p14:cNvPr id="4" name="Ink 3">
+                <a:extLst>
+                  <a:ext uri="{FF2B5EF4-FFF2-40B4-BE49-F238E27FC236}">
+                    <a16:creationId xmlns:a16="http://schemas.microsoft.com/office/drawing/2014/main" id="{22FCFA2A-C767-45E1-B4E4-A4E78ADF0A2B}"/>
+                  </a:ext>
+                </a:extLst>
+              </p14:cNvPr>
+              <p14:cNvContentPartPr/>
+              <p14:nvPr/>
+            </p14:nvContentPartPr>
+            <p14:xfrm>
+              <a:off x="6235560" y="4118760"/>
+              <a:ext cx="2546640" cy="75960"/>
+            </p14:xfrm>
+          </p:contentPart>
+        </mc:Choice>
+        <mc:Fallback xmlns="">
+          <p:pic>
+            <p:nvPicPr>
+              <p:cNvPr id="4" name="Ink 3">
+                <a:extLst>
+                  <a:ext uri="{FF2B5EF4-FFF2-40B4-BE49-F238E27FC236}">
+                    <a16:creationId xmlns:a16="http://schemas.microsoft.com/office/drawing/2014/main" id="{22FCFA2A-C767-45E1-B4E4-A4E78ADF0A2B}"/>
+                  </a:ext>
+                </a:extLst>
+              </p:cNvPr>
+              <p:cNvPicPr/>
+              <p:nvPr/>
+            </p:nvPicPr>
+            <p:blipFill>
+              <a:blip r:embed="rId4"/>
+              <a:stretch>
+                <a:fillRect/>
+              </a:stretch>
+            </p:blipFill>
+            <p:spPr>
+              <a:xfrm>
+                <a:off x="6226200" y="4109400"/>
+                <a:ext cx="2565360" cy="94680"/>
+              </a:xfrm>
+              <a:prstGeom prst="rect">
+                <a:avLst/>
+              </a:prstGeom>
+            </p:spPr>
+          </p:pic>
+        </mc:Fallback>
+      </mc:AlternateContent>
     </p:spTree>
     <p:extLst>
       <p:ext uri="{BB962C8B-B14F-4D97-AF65-F5344CB8AC3E}">
@@ -4576,7 +6206,7 @@
 </p:sld>
 </file>
 
-<file path=ppt/slides/slide14.xml><?xml version="1.0" encoding="utf-8"?>
+<file path=ppt/slides/slide15.xml><?xml version="1.0" encoding="utf-8"?>
 <p:sld xmlns:a="http://schemas.openxmlformats.org/drawingml/2006/main" xmlns:r="http://schemas.openxmlformats.org/officeDocument/2006/relationships" xmlns:p="http://schemas.openxmlformats.org/presentationml/2006/main">
   <p:cSld>
     <p:spTree>
@@ -4764,7 +6394,7 @@
 </p:sld>
 </file>
 
-<file path=ppt/slides/slide15.xml><?xml version="1.0" encoding="utf-8"?>
+<file path=ppt/slides/slide16.xml><?xml version="1.0" encoding="utf-8"?>
 <p:sld xmlns:a="http://schemas.openxmlformats.org/drawingml/2006/main" xmlns:r="http://schemas.openxmlformats.org/officeDocument/2006/relationships" xmlns:p="http://schemas.openxmlformats.org/presentationml/2006/main">
   <p:cSld>
     <p:spTree>
@@ -4930,6 +6560,57 @@
           </a:prstGeom>
         </p:spPr>
       </p:pic>
+      <mc:AlternateContent xmlns:mc="http://schemas.openxmlformats.org/markup-compatibility/2006" xmlns:p14="http://schemas.microsoft.com/office/powerpoint/2010/main">
+        <mc:Choice Requires="p14">
+          <p:contentPart p14:bwMode="auto" r:id="rId4">
+            <p14:nvContentPartPr>
+              <p14:cNvPr id="4" name="Ink 3">
+                <a:extLst>
+                  <a:ext uri="{FF2B5EF4-FFF2-40B4-BE49-F238E27FC236}">
+                    <a16:creationId xmlns:a16="http://schemas.microsoft.com/office/drawing/2014/main" id="{24C37983-D8B3-40D3-A23A-BFC948739D05}"/>
+                  </a:ext>
+                </a:extLst>
+              </p14:cNvPr>
+              <p14:cNvContentPartPr/>
+              <p14:nvPr/>
+            </p14:nvContentPartPr>
+            <p14:xfrm>
+              <a:off x="8879760" y="2378880"/>
+              <a:ext cx="2698560" cy="1117080"/>
+            </p14:xfrm>
+          </p:contentPart>
+        </mc:Choice>
+        <mc:Fallback xmlns="">
+          <p:pic>
+            <p:nvPicPr>
+              <p:cNvPr id="4" name="Ink 3">
+                <a:extLst>
+                  <a:ext uri="{FF2B5EF4-FFF2-40B4-BE49-F238E27FC236}">
+                    <a16:creationId xmlns:a16="http://schemas.microsoft.com/office/drawing/2014/main" id="{24C37983-D8B3-40D3-A23A-BFC948739D05}"/>
+                  </a:ext>
+                </a:extLst>
+              </p:cNvPr>
+              <p:cNvPicPr/>
+              <p:nvPr/>
+            </p:nvPicPr>
+            <p:blipFill>
+              <a:blip r:embed="rId5"/>
+              <a:stretch>
+                <a:fillRect/>
+              </a:stretch>
+            </p:blipFill>
+            <p:spPr>
+              <a:xfrm>
+                <a:off x="8870400" y="2369520"/>
+                <a:ext cx="2717280" cy="1135800"/>
+              </a:xfrm>
+              <a:prstGeom prst="rect">
+                <a:avLst/>
+              </a:prstGeom>
+            </p:spPr>
+          </p:pic>
+        </mc:Fallback>
+      </mc:AlternateContent>
     </p:spTree>
     <p:extLst>
       <p:ext uri="{BB962C8B-B14F-4D97-AF65-F5344CB8AC3E}">
@@ -4943,7 +6624,7 @@
 </p:sld>
 </file>
 
-<file path=ppt/slides/slide16.xml><?xml version="1.0" encoding="utf-8"?>
+<file path=ppt/slides/slide17.xml><?xml version="1.0" encoding="utf-8"?>
 <p:sld xmlns:a="http://schemas.openxmlformats.org/drawingml/2006/main" xmlns:r="http://schemas.openxmlformats.org/officeDocument/2006/relationships" xmlns:p="http://schemas.openxmlformats.org/presentationml/2006/main">
   <p:cSld>
     <p:spTree>
@@ -5063,6 +6744,57 @@
           </a:prstGeom>
         </p:spPr>
       </p:pic>
+      <mc:AlternateContent xmlns:mc="http://schemas.openxmlformats.org/markup-compatibility/2006" xmlns:p14="http://schemas.microsoft.com/office/powerpoint/2010/main">
+        <mc:Choice Requires="p14">
+          <p:contentPart p14:bwMode="auto" r:id="rId3">
+            <p14:nvContentPartPr>
+              <p14:cNvPr id="4" name="Ink 3">
+                <a:extLst>
+                  <a:ext uri="{FF2B5EF4-FFF2-40B4-BE49-F238E27FC236}">
+                    <a16:creationId xmlns:a16="http://schemas.microsoft.com/office/drawing/2014/main" id="{63BF5847-6368-4D0E-BA63-0B77573DE82F}"/>
+                  </a:ext>
+                </a:extLst>
+              </p14:cNvPr>
+              <p14:cNvContentPartPr/>
+              <p14:nvPr/>
+            </p14:nvContentPartPr>
+            <p14:xfrm>
+              <a:off x="10896840" y="2823840"/>
+              <a:ext cx="736560" cy="98280"/>
+            </p14:xfrm>
+          </p:contentPart>
+        </mc:Choice>
+        <mc:Fallback xmlns="">
+          <p:pic>
+            <p:nvPicPr>
+              <p:cNvPr id="4" name="Ink 3">
+                <a:extLst>
+                  <a:ext uri="{FF2B5EF4-FFF2-40B4-BE49-F238E27FC236}">
+                    <a16:creationId xmlns:a16="http://schemas.microsoft.com/office/drawing/2014/main" id="{63BF5847-6368-4D0E-BA63-0B77573DE82F}"/>
+                  </a:ext>
+                </a:extLst>
+              </p:cNvPr>
+              <p:cNvPicPr/>
+              <p:nvPr/>
+            </p:nvPicPr>
+            <p:blipFill>
+              <a:blip r:embed="rId4"/>
+              <a:stretch>
+                <a:fillRect/>
+              </a:stretch>
+            </p:blipFill>
+            <p:spPr>
+              <a:xfrm>
+                <a:off x="10887480" y="2814480"/>
+                <a:ext cx="755280" cy="117000"/>
+              </a:xfrm>
+              <a:prstGeom prst="rect">
+                <a:avLst/>
+              </a:prstGeom>
+            </p:spPr>
+          </p:pic>
+        </mc:Fallback>
+      </mc:AlternateContent>
     </p:spTree>
     <p:extLst>
       <p:ext uri="{BB962C8B-B14F-4D97-AF65-F5344CB8AC3E}">
@@ -5076,7 +6808,7 @@
 </p:sld>
 </file>
 
-<file path=ppt/slides/slide17.xml><?xml version="1.0" encoding="utf-8"?>
+<file path=ppt/slides/slide18.xml><?xml version="1.0" encoding="utf-8"?>
 <p:sld xmlns:a="http://schemas.openxmlformats.org/drawingml/2006/main" xmlns:r="http://schemas.openxmlformats.org/officeDocument/2006/relationships" xmlns:p="http://schemas.openxmlformats.org/presentationml/2006/main">
   <p:cSld>
     <p:spTree>
@@ -5254,104 +6986,6 @@
 </p:sld>
 </file>
 
-<file path=ppt/slides/slide18.xml><?xml version="1.0" encoding="utf-8"?>
-<p:sld xmlns:a="http://schemas.openxmlformats.org/drawingml/2006/main" xmlns:r="http://schemas.openxmlformats.org/officeDocument/2006/relationships" xmlns:p="http://schemas.openxmlformats.org/presentationml/2006/main">
-  <p:cSld>
-    <p:spTree>
-      <p:nvGrpSpPr>
-        <p:cNvPr id="1" name=""/>
-        <p:cNvGrpSpPr/>
-        <p:nvPr/>
-      </p:nvGrpSpPr>
-      <p:grpSpPr>
-        <a:xfrm>
-          <a:off x="0" y="0"/>
-          <a:ext cx="0" cy="0"/>
-          <a:chOff x="0" y="0"/>
-          <a:chExt cx="0" cy="0"/>
-        </a:xfrm>
-      </p:grpSpPr>
-      <p:sp>
-        <p:nvSpPr>
-          <p:cNvPr id="2" name="Title 1">
-            <a:extLst>
-              <a:ext uri="{FF2B5EF4-FFF2-40B4-BE49-F238E27FC236}">
-                <a16:creationId xmlns:a16="http://schemas.microsoft.com/office/drawing/2014/main" id="{E5F179B4-ADB5-48C3-A44A-35962A5483C5}"/>
-              </a:ext>
-            </a:extLst>
-          </p:cNvPr>
-          <p:cNvSpPr>
-            <a:spLocks noGrp="1"/>
-          </p:cNvSpPr>
-          <p:nvPr>
-            <p:ph type="title"/>
-          </p:nvPr>
-        </p:nvSpPr>
-        <p:spPr/>
-        <p:txBody>
-          <a:bodyPr/>
-          <a:lstStyle/>
-          <a:p>
-            <a:r>
-              <a:rPr lang="en-US" dirty="0"/>
-              <a:t>Undefined vs Null</a:t>
-            </a:r>
-          </a:p>
-        </p:txBody>
-      </p:sp>
-      <p:sp>
-        <p:nvSpPr>
-          <p:cNvPr id="3" name="Content Placeholder 2">
-            <a:extLst>
-              <a:ext uri="{FF2B5EF4-FFF2-40B4-BE49-F238E27FC236}">
-                <a16:creationId xmlns:a16="http://schemas.microsoft.com/office/drawing/2014/main" id="{7D2B13E8-773A-49A8-A086-5170DD88F0ED}"/>
-              </a:ext>
-            </a:extLst>
-          </p:cNvPr>
-          <p:cNvSpPr>
-            <a:spLocks noGrp="1"/>
-          </p:cNvSpPr>
-          <p:nvPr>
-            <p:ph idx="1"/>
-          </p:nvPr>
-        </p:nvSpPr>
-        <p:spPr/>
-        <p:txBody>
-          <a:bodyPr/>
-          <a:lstStyle/>
-          <a:p>
-            <a:r>
-              <a:rPr lang="en-US" dirty="0"/>
-              <a:t>Undefined is and Null both represent the absence of value</a:t>
-            </a:r>
-          </a:p>
-          <a:p>
-            <a:r>
-              <a:rPr lang="en-US" dirty="0"/>
-              <a:t>Undefined is also the value of any variable that has not been assigned a value yet</a:t>
-            </a:r>
-          </a:p>
-          <a:p>
-            <a:r>
-              <a:rPr lang="en-US" dirty="0"/>
-              <a:t>Null is only set intentionally</a:t>
-            </a:r>
-          </a:p>
-        </p:txBody>
-      </p:sp>
-    </p:spTree>
-    <p:extLst>
-      <p:ext uri="{BB962C8B-B14F-4D97-AF65-F5344CB8AC3E}">
-        <p14:creationId xmlns:p14="http://schemas.microsoft.com/office/powerpoint/2010/main" val="3572394911"/>
-      </p:ext>
-    </p:extLst>
-  </p:cSld>
-  <p:clrMapOvr>
-    <a:masterClrMapping/>
-  </p:clrMapOvr>
-</p:sld>
-</file>
-
 <file path=ppt/slides/slide19.xml><?xml version="1.0" encoding="utf-8"?>
 <p:sld xmlns:a="http://schemas.openxmlformats.org/drawingml/2006/main" xmlns:r="http://schemas.openxmlformats.org/officeDocument/2006/relationships" xmlns:p="http://schemas.openxmlformats.org/presentationml/2006/main">
   <p:cSld>
@@ -5374,7 +7008,7 @@
           <p:cNvPr id="2" name="Title 1">
             <a:extLst>
               <a:ext uri="{FF2B5EF4-FFF2-40B4-BE49-F238E27FC236}">
-                <a16:creationId xmlns:a16="http://schemas.microsoft.com/office/drawing/2014/main" id="{2A2F2CEC-9FEA-4762-BA9F-000AEA026960}"/>
+                <a16:creationId xmlns:a16="http://schemas.microsoft.com/office/drawing/2014/main" id="{E5F179B4-ADB5-48C3-A44A-35962A5483C5}"/>
               </a:ext>
             </a:extLst>
           </p:cNvPr>
@@ -5392,7 +7026,7 @@
           <a:p>
             <a:r>
               <a:rPr lang="en-US" dirty="0"/>
-              <a:t>Primitive Data</a:t>
+              <a:t>Undefined vs Null</a:t>
             </a:r>
           </a:p>
         </p:txBody>
@@ -5402,7 +7036,7 @@
           <p:cNvPr id="3" name="Content Placeholder 2">
             <a:extLst>
               <a:ext uri="{FF2B5EF4-FFF2-40B4-BE49-F238E27FC236}">
-                <a16:creationId xmlns:a16="http://schemas.microsoft.com/office/drawing/2014/main" id="{C5FD1EC7-F1DB-4C65-BF38-661A2F9C7AFB}"/>
+                <a16:creationId xmlns:a16="http://schemas.microsoft.com/office/drawing/2014/main" id="{7D2B13E8-773A-49A8-A086-5170DD88F0ED}"/>
               </a:ext>
             </a:extLst>
           </p:cNvPr>
@@ -5420,90 +7054,27 @@
           <a:p>
             <a:r>
               <a:rPr lang="en-US" dirty="0"/>
-              <a:t>A </a:t>
-            </a:r>
-            <a:r>
-              <a:rPr lang="en-US" b="1" i="1" dirty="0"/>
-              <a:t>primitive</a:t>
-            </a:r>
-            <a:r>
-              <a:rPr lang="en-US" dirty="0"/>
-              <a:t> data value is a single simple data value with no additional properties or methods</a:t>
-            </a:r>
-          </a:p>
-          <a:p>
-            <a:r>
-              <a:rPr lang="en-US" dirty="0"/>
-              <a:t>The </a:t>
-            </a:r>
-            <a:r>
-              <a:rPr lang="en-US" b="1" i="1" dirty="0" err="1"/>
-              <a:t>typeof</a:t>
-            </a:r>
-            <a:r>
-              <a:rPr lang="en-US" dirty="0"/>
-              <a:t> operator can return one of these primitive types: </a:t>
-            </a:r>
-            <a:r>
-              <a:rPr lang="en-US" i="1" dirty="0"/>
-              <a:t>string, number, Boolean,</a:t>
-            </a:r>
-            <a:r>
-              <a:rPr lang="en-US" b="1" i="1" dirty="0"/>
-              <a:t> </a:t>
-            </a:r>
-            <a:r>
-              <a:rPr lang="en-US" dirty="0"/>
-              <a:t>or </a:t>
-            </a:r>
-            <a:r>
-              <a:rPr lang="en-US" i="1" dirty="0"/>
-              <a:t>undefined</a:t>
-            </a:r>
-            <a:endParaRPr lang="en-US" dirty="0"/>
-          </a:p>
-        </p:txBody>
-      </p:sp>
-      <p:pic>
-        <p:nvPicPr>
-          <p:cNvPr id="5" name="Picture 4">
-            <a:extLst>
-              <a:ext uri="{FF2B5EF4-FFF2-40B4-BE49-F238E27FC236}">
-                <a16:creationId xmlns:a16="http://schemas.microsoft.com/office/drawing/2014/main" id="{6495703E-948A-461B-B799-565182685E18}"/>
-              </a:ext>
-            </a:extLst>
-          </p:cNvPr>
-          <p:cNvPicPr>
-            <a:picLocks noChangeAspect="1"/>
-          </p:cNvPicPr>
-          <p:nvPr/>
-        </p:nvPicPr>
-        <p:blipFill>
-          <a:blip r:embed="rId2">
-            <a:extLst>
-              <a:ext uri="{28A0092B-C50C-407E-A947-70E740481C1C}">
-                <a14:useLocalDpi xmlns:a14="http://schemas.microsoft.com/office/drawing/2010/main" val="0"/>
-              </a:ext>
-            </a:extLst>
-          </a:blip>
-          <a:stretch>
-            <a:fillRect/>
-          </a:stretch>
-        </p:blipFill>
-        <p:spPr>
-          <a:xfrm>
-            <a:off x="0" y="4243002"/>
-            <a:ext cx="12192000" cy="2614998"/>
-          </a:xfrm>
-          <a:prstGeom prst="rect">
-            <a:avLst/>
-          </a:prstGeom>
-        </p:spPr>
-      </p:pic>
+              <a:t>Undefined is and Null both represent the absence of value</a:t>
+            </a:r>
+          </a:p>
+          <a:p>
+            <a:r>
+              <a:rPr lang="en-US" dirty="0"/>
+              <a:t>Undefined is also the value of any variable that has not been assigned a value yet</a:t>
+            </a:r>
+          </a:p>
+          <a:p>
+            <a:r>
+              <a:rPr lang="en-US" dirty="0"/>
+              <a:t>Null is only set intentionally</a:t>
+            </a:r>
+          </a:p>
+        </p:txBody>
+      </p:sp>
     </p:spTree>
     <p:extLst>
       <p:ext uri="{BB962C8B-B14F-4D97-AF65-F5344CB8AC3E}">
-        <p14:creationId xmlns:p14="http://schemas.microsoft.com/office/powerpoint/2010/main" val="2416796526"/>
+        <p14:creationId xmlns:p14="http://schemas.microsoft.com/office/powerpoint/2010/main" val="3572394911"/>
       </p:ext>
     </p:extLst>
   </p:cSld>
@@ -5618,7 +7189,7 @@
           <p:cNvPr id="2" name="Title 1">
             <a:extLst>
               <a:ext uri="{FF2B5EF4-FFF2-40B4-BE49-F238E27FC236}">
-                <a16:creationId xmlns:a16="http://schemas.microsoft.com/office/drawing/2014/main" id="{B768C60A-9C6C-465D-991C-5C2C1001E7EA}"/>
+                <a16:creationId xmlns:a16="http://schemas.microsoft.com/office/drawing/2014/main" id="{2A2F2CEC-9FEA-4762-BA9F-000AEA026960}"/>
               </a:ext>
             </a:extLst>
           </p:cNvPr>
@@ -5636,7 +7207,7 @@
           <a:p>
             <a:r>
               <a:rPr lang="en-US" dirty="0"/>
-              <a:t>Complex Data</a:t>
+              <a:t>Primitive Data</a:t>
             </a:r>
           </a:p>
         </p:txBody>
@@ -5646,7 +7217,7 @@
           <p:cNvPr id="3" name="Content Placeholder 2">
             <a:extLst>
               <a:ext uri="{FF2B5EF4-FFF2-40B4-BE49-F238E27FC236}">
-                <a16:creationId xmlns:a16="http://schemas.microsoft.com/office/drawing/2014/main" id="{39534C3E-C48D-4892-A99D-D987BE4D00D4}"/>
+                <a16:creationId xmlns:a16="http://schemas.microsoft.com/office/drawing/2014/main" id="{C5FD1EC7-F1DB-4C65-BF38-661A2F9C7AFB}"/>
               </a:ext>
             </a:extLst>
           </p:cNvPr>
@@ -5661,6 +7232,20 @@
         <p:txBody>
           <a:bodyPr/>
           <a:lstStyle/>
+          <a:p>
+            <a:r>
+              <a:rPr lang="en-US" dirty="0"/>
+              <a:t>A </a:t>
+            </a:r>
+            <a:r>
+              <a:rPr lang="en-US" b="1" i="1" dirty="0"/>
+              <a:t>primitive</a:t>
+            </a:r>
+            <a:r>
+              <a:rPr lang="en-US" dirty="0"/>
+              <a:t> data value is a single simple data value with no additional properties or methods</a:t>
+            </a:r>
+          </a:p>
           <a:p>
             <a:r>
               <a:rPr lang="en-US" dirty="0"/>
@@ -5672,49 +7257,25 @@
             </a:r>
             <a:r>
               <a:rPr lang="en-US" dirty="0"/>
-              <a:t> operator can return one of two complex types: </a:t>
+              <a:t> operator can return one of these primitive types: </a:t>
+            </a:r>
+            <a:r>
+              <a:rPr lang="en-US" i="1" dirty="0"/>
+              <a:t>string, number, Boolean,</a:t>
             </a:r>
             <a:r>
               <a:rPr lang="en-US" b="1" i="1" dirty="0"/>
-              <a:t>functions,</a:t>
-            </a:r>
-            <a:r>
-              <a:rPr lang="en-US" dirty="0"/>
-              <a:t> or </a:t>
-            </a:r>
-            <a:r>
-              <a:rPr lang="en-US" b="1" i="1" dirty="0"/>
-              <a:t>objects</a:t>
+              <a:t> </a:t>
+            </a:r>
+            <a:r>
+              <a:rPr lang="en-US" dirty="0"/>
+              <a:t>or </a:t>
+            </a:r>
+            <a:r>
+              <a:rPr lang="en-US" i="1" dirty="0"/>
+              <a:t>undefined</a:t>
             </a:r>
             <a:endParaRPr lang="en-US" dirty="0"/>
-          </a:p>
-          <a:p>
-            <a:r>
-              <a:rPr lang="en-US" dirty="0"/>
-              <a:t>The </a:t>
-            </a:r>
-            <a:r>
-              <a:rPr lang="en-US" i="1" dirty="0" err="1"/>
-              <a:t>typeof</a:t>
-            </a:r>
-            <a:r>
-              <a:rPr lang="en-US" dirty="0"/>
-              <a:t> operator returns “object” for objects, arrays, and null	</a:t>
-            </a:r>
-          </a:p>
-          <a:p>
-            <a:r>
-              <a:rPr lang="en-US" dirty="0"/>
-              <a:t>The </a:t>
-            </a:r>
-            <a:r>
-              <a:rPr lang="en-US" i="1" dirty="0" err="1"/>
-              <a:t>typeof</a:t>
-            </a:r>
-            <a:r>
-              <a:rPr lang="en-US" dirty="0"/>
-              <a:t> operator does not return “object” for functions</a:t>
-            </a:r>
           </a:p>
         </p:txBody>
       </p:sp>
@@ -5723,7 +7284,7 @@
           <p:cNvPr id="5" name="Picture 4">
             <a:extLst>
               <a:ext uri="{FF2B5EF4-FFF2-40B4-BE49-F238E27FC236}">
-                <a16:creationId xmlns:a16="http://schemas.microsoft.com/office/drawing/2014/main" id="{7934A0AF-AC8E-4A9D-9A51-255D504F35E0}"/>
+                <a16:creationId xmlns:a16="http://schemas.microsoft.com/office/drawing/2014/main" id="{6495703E-948A-461B-B799-565182685E18}"/>
               </a:ext>
             </a:extLst>
           </p:cNvPr>
@@ -5733,7 +7294,7 @@
           <p:nvPr/>
         </p:nvPicPr>
         <p:blipFill>
-          <a:blip r:embed="rId3">
+          <a:blip r:embed="rId2">
             <a:extLst>
               <a:ext uri="{28A0092B-C50C-407E-A947-70E740481C1C}">
                 <a14:useLocalDpi xmlns:a14="http://schemas.microsoft.com/office/drawing/2010/main" val="0"/>
@@ -5746,8 +7307,8 @@
         </p:blipFill>
         <p:spPr>
           <a:xfrm>
-            <a:off x="1" y="5043446"/>
-            <a:ext cx="12192000" cy="1814554"/>
+            <a:off x="0" y="4243002"/>
+            <a:ext cx="12192000" cy="2614998"/>
           </a:xfrm>
           <a:prstGeom prst="rect">
             <a:avLst/>
@@ -5757,7 +7318,7 @@
     </p:spTree>
     <p:extLst>
       <p:ext uri="{BB962C8B-B14F-4D97-AF65-F5344CB8AC3E}">
-        <p14:creationId xmlns:p14="http://schemas.microsoft.com/office/powerpoint/2010/main" val="1432279579"/>
+        <p14:creationId xmlns:p14="http://schemas.microsoft.com/office/powerpoint/2010/main" val="2416796526"/>
       </p:ext>
     </p:extLst>
   </p:cSld>
@@ -5789,6 +7350,228 @@
           <p:cNvPr id="2" name="Title 1">
             <a:extLst>
               <a:ext uri="{FF2B5EF4-FFF2-40B4-BE49-F238E27FC236}">
+                <a16:creationId xmlns:a16="http://schemas.microsoft.com/office/drawing/2014/main" id="{B768C60A-9C6C-465D-991C-5C2C1001E7EA}"/>
+              </a:ext>
+            </a:extLst>
+          </p:cNvPr>
+          <p:cNvSpPr>
+            <a:spLocks noGrp="1"/>
+          </p:cNvSpPr>
+          <p:nvPr>
+            <p:ph type="title"/>
+          </p:nvPr>
+        </p:nvSpPr>
+        <p:spPr/>
+        <p:txBody>
+          <a:bodyPr/>
+          <a:lstStyle/>
+          <a:p>
+            <a:r>
+              <a:rPr lang="en-US" dirty="0"/>
+              <a:t>Complex Data</a:t>
+            </a:r>
+          </a:p>
+        </p:txBody>
+      </p:sp>
+      <p:sp>
+        <p:nvSpPr>
+          <p:cNvPr id="3" name="Content Placeholder 2">
+            <a:extLst>
+              <a:ext uri="{FF2B5EF4-FFF2-40B4-BE49-F238E27FC236}">
+                <a16:creationId xmlns:a16="http://schemas.microsoft.com/office/drawing/2014/main" id="{39534C3E-C48D-4892-A99D-D987BE4D00D4}"/>
+              </a:ext>
+            </a:extLst>
+          </p:cNvPr>
+          <p:cNvSpPr>
+            <a:spLocks noGrp="1"/>
+          </p:cNvSpPr>
+          <p:nvPr>
+            <p:ph idx="1"/>
+          </p:nvPr>
+        </p:nvSpPr>
+        <p:spPr/>
+        <p:txBody>
+          <a:bodyPr/>
+          <a:lstStyle/>
+          <a:p>
+            <a:r>
+              <a:rPr lang="en-US" dirty="0"/>
+              <a:t>The </a:t>
+            </a:r>
+            <a:r>
+              <a:rPr lang="en-US" b="1" i="1" dirty="0" err="1"/>
+              <a:t>typeof</a:t>
+            </a:r>
+            <a:r>
+              <a:rPr lang="en-US" dirty="0"/>
+              <a:t> operator can return one of two complex types: </a:t>
+            </a:r>
+            <a:r>
+              <a:rPr lang="en-US" b="1" i="1" dirty="0"/>
+              <a:t>functions,</a:t>
+            </a:r>
+            <a:r>
+              <a:rPr lang="en-US" dirty="0"/>
+              <a:t> or </a:t>
+            </a:r>
+            <a:r>
+              <a:rPr lang="en-US" b="1" i="1" dirty="0"/>
+              <a:t>objects</a:t>
+            </a:r>
+            <a:endParaRPr lang="en-US" dirty="0"/>
+          </a:p>
+          <a:p>
+            <a:r>
+              <a:rPr lang="en-US" dirty="0"/>
+              <a:t>The </a:t>
+            </a:r>
+            <a:r>
+              <a:rPr lang="en-US" i="1" dirty="0" err="1"/>
+              <a:t>typeof</a:t>
+            </a:r>
+            <a:r>
+              <a:rPr lang="en-US" dirty="0"/>
+              <a:t> operator returns “object” for objects, arrays, and null	</a:t>
+            </a:r>
+          </a:p>
+          <a:p>
+            <a:r>
+              <a:rPr lang="en-US" dirty="0"/>
+              <a:t>The </a:t>
+            </a:r>
+            <a:r>
+              <a:rPr lang="en-US" i="1" dirty="0" err="1"/>
+              <a:t>typeof</a:t>
+            </a:r>
+            <a:r>
+              <a:rPr lang="en-US" dirty="0"/>
+              <a:t> operator does not return “object” for functions</a:t>
+            </a:r>
+          </a:p>
+        </p:txBody>
+      </p:sp>
+      <p:pic>
+        <p:nvPicPr>
+          <p:cNvPr id="5" name="Picture 4">
+            <a:extLst>
+              <a:ext uri="{FF2B5EF4-FFF2-40B4-BE49-F238E27FC236}">
+                <a16:creationId xmlns:a16="http://schemas.microsoft.com/office/drawing/2014/main" id="{7934A0AF-AC8E-4A9D-9A51-255D504F35E0}"/>
+              </a:ext>
+            </a:extLst>
+          </p:cNvPr>
+          <p:cNvPicPr>
+            <a:picLocks noChangeAspect="1"/>
+          </p:cNvPicPr>
+          <p:nvPr/>
+        </p:nvPicPr>
+        <p:blipFill>
+          <a:blip r:embed="rId3">
+            <a:extLst>
+              <a:ext uri="{28A0092B-C50C-407E-A947-70E740481C1C}">
+                <a14:useLocalDpi xmlns:a14="http://schemas.microsoft.com/office/drawing/2010/main" val="0"/>
+              </a:ext>
+            </a:extLst>
+          </a:blip>
+          <a:stretch>
+            <a:fillRect/>
+          </a:stretch>
+        </p:blipFill>
+        <p:spPr>
+          <a:xfrm>
+            <a:off x="1" y="5043446"/>
+            <a:ext cx="12192000" cy="1814554"/>
+          </a:xfrm>
+          <a:prstGeom prst="rect">
+            <a:avLst/>
+          </a:prstGeom>
+        </p:spPr>
+      </p:pic>
+      <mc:AlternateContent xmlns:mc="http://schemas.openxmlformats.org/markup-compatibility/2006" xmlns:p14="http://schemas.microsoft.com/office/powerpoint/2010/main">
+        <mc:Choice Requires="p14">
+          <p:contentPart p14:bwMode="auto" r:id="rId4">
+            <p14:nvContentPartPr>
+              <p14:cNvPr id="4" name="Ink 3">
+                <a:extLst>
+                  <a:ext uri="{FF2B5EF4-FFF2-40B4-BE49-F238E27FC236}">
+                    <a16:creationId xmlns:a16="http://schemas.microsoft.com/office/drawing/2014/main" id="{281049E5-B155-4F62-9FFF-E72AE082660F}"/>
+                  </a:ext>
+                </a:extLst>
+              </p14:cNvPr>
+              <p14:cNvContentPartPr/>
+              <p14:nvPr/>
+            </p14:nvContentPartPr>
+            <p14:xfrm>
+              <a:off x="1086480" y="5499720"/>
+              <a:ext cx="3351960" cy="42480"/>
+            </p14:xfrm>
+          </p:contentPart>
+        </mc:Choice>
+        <mc:Fallback xmlns="">
+          <p:pic>
+            <p:nvPicPr>
+              <p:cNvPr id="4" name="Ink 3">
+                <a:extLst>
+                  <a:ext uri="{FF2B5EF4-FFF2-40B4-BE49-F238E27FC236}">
+                    <a16:creationId xmlns:a16="http://schemas.microsoft.com/office/drawing/2014/main" id="{281049E5-B155-4F62-9FFF-E72AE082660F}"/>
+                  </a:ext>
+                </a:extLst>
+              </p:cNvPr>
+              <p:cNvPicPr/>
+              <p:nvPr/>
+            </p:nvPicPr>
+            <p:blipFill>
+              <a:blip r:embed="rId5"/>
+              <a:stretch>
+                <a:fillRect/>
+              </a:stretch>
+            </p:blipFill>
+            <p:spPr>
+              <a:xfrm>
+                <a:off x="1077120" y="5490360"/>
+                <a:ext cx="3370680" cy="61200"/>
+              </a:xfrm>
+              <a:prstGeom prst="rect">
+                <a:avLst/>
+              </a:prstGeom>
+            </p:spPr>
+          </p:pic>
+        </mc:Fallback>
+      </mc:AlternateContent>
+    </p:spTree>
+    <p:extLst>
+      <p:ext uri="{BB962C8B-B14F-4D97-AF65-F5344CB8AC3E}">
+        <p14:creationId xmlns:p14="http://schemas.microsoft.com/office/powerpoint/2010/main" val="1432279579"/>
+      </p:ext>
+    </p:extLst>
+  </p:cSld>
+  <p:clrMapOvr>
+    <a:masterClrMapping/>
+  </p:clrMapOvr>
+</p:sld>
+</file>
+
+<file path=ppt/slides/slide22.xml><?xml version="1.0" encoding="utf-8"?>
+<p:sld xmlns:a="http://schemas.openxmlformats.org/drawingml/2006/main" xmlns:r="http://schemas.openxmlformats.org/officeDocument/2006/relationships" xmlns:p="http://schemas.openxmlformats.org/presentationml/2006/main">
+  <p:cSld>
+    <p:spTree>
+      <p:nvGrpSpPr>
+        <p:cNvPr id="1" name=""/>
+        <p:cNvGrpSpPr/>
+        <p:nvPr/>
+      </p:nvGrpSpPr>
+      <p:grpSpPr>
+        <a:xfrm>
+          <a:off x="0" y="0"/>
+          <a:ext cx="0" cy="0"/>
+          <a:chOff x="0" y="0"/>
+          <a:chExt cx="0" cy="0"/>
+        </a:xfrm>
+      </p:grpSpPr>
+      <p:sp>
+        <p:nvSpPr>
+          <p:cNvPr id="2" name="Title 1">
+            <a:extLst>
+              <a:ext uri="{FF2B5EF4-FFF2-40B4-BE49-F238E27FC236}">
                 <a16:creationId xmlns:a16="http://schemas.microsoft.com/office/drawing/2014/main" id="{795618EC-F533-4DD7-B466-62C088E3E638}"/>
               </a:ext>
             </a:extLst>
@@ -5850,7 +7633,7 @@
 </p:sld>
 </file>
 
-<file path=ppt/slides/slide22.xml><?xml version="1.0" encoding="utf-8"?>
+<file path=ppt/slides/slide23.xml><?xml version="1.0" encoding="utf-8"?>
 <p:sld xmlns:a="http://schemas.openxmlformats.org/drawingml/2006/main" xmlns:r="http://schemas.openxmlformats.org/officeDocument/2006/relationships" xmlns:p="http://schemas.openxmlformats.org/presentationml/2006/main">
   <p:cSld>
     <p:spTree>
@@ -5994,7 +7777,7 @@
 </p:sld>
 </file>
 
-<file path=ppt/slides/slide23.xml><?xml version="1.0" encoding="utf-8"?>
+<file path=ppt/slides/slide24.xml><?xml version="1.0" encoding="utf-8"?>
 <p:sld xmlns:a="http://schemas.openxmlformats.org/drawingml/2006/main" xmlns:r="http://schemas.openxmlformats.org/officeDocument/2006/relationships" xmlns:p="http://schemas.openxmlformats.org/presentationml/2006/main">
   <p:cSld>
     <p:spTree>
@@ -6180,173 +7963,61 @@
           </a:prstGeom>
         </p:spPr>
       </p:pic>
+      <mc:AlternateContent xmlns:mc="http://schemas.openxmlformats.org/markup-compatibility/2006" xmlns:p14="http://schemas.microsoft.com/office/powerpoint/2010/main">
+        <mc:Choice Requires="p14">
+          <p:contentPart p14:bwMode="auto" r:id="rId3">
+            <p14:nvContentPartPr>
+              <p14:cNvPr id="4" name="Ink 3">
+                <a:extLst>
+                  <a:ext uri="{FF2B5EF4-FFF2-40B4-BE49-F238E27FC236}">
+                    <a16:creationId xmlns:a16="http://schemas.microsoft.com/office/drawing/2014/main" id="{849AE5ED-2D45-484F-A7CF-0EA35607CF8B}"/>
+                  </a:ext>
+                </a:extLst>
+              </p14:cNvPr>
+              <p14:cNvContentPartPr/>
+              <p14:nvPr/>
+            </p14:nvContentPartPr>
+            <p14:xfrm>
+              <a:off x="166680" y="5387400"/>
+              <a:ext cx="2897640" cy="218880"/>
+            </p14:xfrm>
+          </p:contentPart>
+        </mc:Choice>
+        <mc:Fallback xmlns="">
+          <p:pic>
+            <p:nvPicPr>
+              <p:cNvPr id="4" name="Ink 3">
+                <a:extLst>
+                  <a:ext uri="{FF2B5EF4-FFF2-40B4-BE49-F238E27FC236}">
+                    <a16:creationId xmlns:a16="http://schemas.microsoft.com/office/drawing/2014/main" id="{849AE5ED-2D45-484F-A7CF-0EA35607CF8B}"/>
+                  </a:ext>
+                </a:extLst>
+              </p:cNvPr>
+              <p:cNvPicPr/>
+              <p:nvPr/>
+            </p:nvPicPr>
+            <p:blipFill>
+              <a:blip r:embed="rId4"/>
+              <a:stretch>
+                <a:fillRect/>
+              </a:stretch>
+            </p:blipFill>
+            <p:spPr>
+              <a:xfrm>
+                <a:off x="157320" y="5378040"/>
+                <a:ext cx="2916360" cy="237600"/>
+              </a:xfrm>
+              <a:prstGeom prst="rect">
+                <a:avLst/>
+              </a:prstGeom>
+            </p:spPr>
+          </p:pic>
+        </mc:Fallback>
+      </mc:AlternateContent>
     </p:spTree>
     <p:extLst>
       <p:ext uri="{BB962C8B-B14F-4D97-AF65-F5344CB8AC3E}">
         <p14:creationId xmlns:p14="http://schemas.microsoft.com/office/powerpoint/2010/main" val="1165845620"/>
-      </p:ext>
-    </p:extLst>
-  </p:cSld>
-  <p:clrMapOvr>
-    <a:masterClrMapping/>
-  </p:clrMapOvr>
-</p:sld>
-</file>
-
-<file path=ppt/slides/slide24.xml><?xml version="1.0" encoding="utf-8"?>
-<p:sld xmlns:a="http://schemas.openxmlformats.org/drawingml/2006/main" xmlns:r="http://schemas.openxmlformats.org/officeDocument/2006/relationships" xmlns:p="http://schemas.openxmlformats.org/presentationml/2006/main">
-  <p:cSld>
-    <p:spTree>
-      <p:nvGrpSpPr>
-        <p:cNvPr id="1" name=""/>
-        <p:cNvGrpSpPr/>
-        <p:nvPr/>
-      </p:nvGrpSpPr>
-      <p:grpSpPr>
-        <a:xfrm>
-          <a:off x="0" y="0"/>
-          <a:ext cx="0" cy="0"/>
-          <a:chOff x="0" y="0"/>
-          <a:chExt cx="0" cy="0"/>
-        </a:xfrm>
-      </p:grpSpPr>
-      <p:sp>
-        <p:nvSpPr>
-          <p:cNvPr id="2" name="Title 1">
-            <a:extLst>
-              <a:ext uri="{FF2B5EF4-FFF2-40B4-BE49-F238E27FC236}">
-                <a16:creationId xmlns:a16="http://schemas.microsoft.com/office/drawing/2014/main" id="{3CF81426-169C-4BD7-A632-4F0E4FA26212}"/>
-              </a:ext>
-            </a:extLst>
-          </p:cNvPr>
-          <p:cNvSpPr>
-            <a:spLocks noGrp="1"/>
-          </p:cNvSpPr>
-          <p:nvPr>
-            <p:ph type="title"/>
-          </p:nvPr>
-        </p:nvSpPr>
-        <p:spPr/>
-        <p:txBody>
-          <a:bodyPr/>
-          <a:lstStyle/>
-          <a:p>
-            <a:r>
-              <a:rPr lang="en-US" dirty="0"/>
-              <a:t>Function Syntax</a:t>
-            </a:r>
-          </a:p>
-        </p:txBody>
-      </p:sp>
-      <p:sp>
-        <p:nvSpPr>
-          <p:cNvPr id="3" name="Content Placeholder 2">
-            <a:extLst>
-              <a:ext uri="{FF2B5EF4-FFF2-40B4-BE49-F238E27FC236}">
-                <a16:creationId xmlns:a16="http://schemas.microsoft.com/office/drawing/2014/main" id="{7BBE49F7-AF10-49F9-9A00-AA3C431C3508}"/>
-              </a:ext>
-            </a:extLst>
-          </p:cNvPr>
-          <p:cNvSpPr>
-            <a:spLocks noGrp="1"/>
-          </p:cNvSpPr>
-          <p:nvPr>
-            <p:ph idx="1"/>
-          </p:nvPr>
-        </p:nvSpPr>
-        <p:spPr/>
-        <p:txBody>
-          <a:bodyPr/>
-          <a:lstStyle/>
-          <a:p>
-            <a:r>
-              <a:rPr lang="en-US" dirty="0"/>
-              <a:t>The code to be executed is placed inside a set of curly brackets </a:t>
-            </a:r>
-            <a:r>
-              <a:rPr lang="en-US" b="1" i="1" dirty="0"/>
-              <a:t>{}</a:t>
-            </a:r>
-            <a:endParaRPr lang="en-US" dirty="0"/>
-          </a:p>
-          <a:p>
-            <a:r>
-              <a:rPr lang="en-US" dirty="0"/>
-              <a:t>Function </a:t>
-            </a:r>
-            <a:r>
-              <a:rPr lang="en-US" b="1" i="1" dirty="0"/>
-              <a:t>parameters</a:t>
-            </a:r>
-            <a:r>
-              <a:rPr lang="en-US" dirty="0"/>
-              <a:t> are listed inside the parentheses </a:t>
-            </a:r>
-            <a:r>
-              <a:rPr lang="en-US" b="1" i="1" dirty="0"/>
-              <a:t>()</a:t>
-            </a:r>
-            <a:r>
-              <a:rPr lang="en-US" dirty="0"/>
-              <a:t> in the function definition</a:t>
-            </a:r>
-          </a:p>
-          <a:p>
-            <a:r>
-              <a:rPr lang="en-US" dirty="0"/>
-              <a:t>Function </a:t>
-            </a:r>
-            <a:r>
-              <a:rPr lang="en-US" b="1" i="1" dirty="0"/>
-              <a:t>arguments</a:t>
-            </a:r>
-            <a:r>
-              <a:rPr lang="en-US" dirty="0"/>
-              <a:t> are the values received by the function when it is invoked</a:t>
-            </a:r>
-          </a:p>
-        </p:txBody>
-      </p:sp>
-      <p:pic>
-        <p:nvPicPr>
-          <p:cNvPr id="4" name="Picture 3">
-            <a:extLst>
-              <a:ext uri="{FF2B5EF4-FFF2-40B4-BE49-F238E27FC236}">
-                <a16:creationId xmlns:a16="http://schemas.microsoft.com/office/drawing/2014/main" id="{C627E5E9-EF93-4D65-9068-D8D4374EE6A1}"/>
-              </a:ext>
-            </a:extLst>
-          </p:cNvPr>
-          <p:cNvPicPr>
-            <a:picLocks noChangeAspect="1"/>
-          </p:cNvPicPr>
-          <p:nvPr/>
-        </p:nvPicPr>
-        <p:blipFill>
-          <a:blip r:embed="rId2">
-            <a:extLst>
-              <a:ext uri="{28A0092B-C50C-407E-A947-70E740481C1C}">
-                <a14:useLocalDpi xmlns:a14="http://schemas.microsoft.com/office/drawing/2010/main" val="0"/>
-              </a:ext>
-            </a:extLst>
-          </a:blip>
-          <a:stretch>
-            <a:fillRect/>
-          </a:stretch>
-        </p:blipFill>
-        <p:spPr>
-          <a:xfrm>
-            <a:off x="1" y="4827043"/>
-            <a:ext cx="12192000" cy="2054830"/>
-          </a:xfrm>
-          <a:prstGeom prst="rect">
-            <a:avLst/>
-          </a:prstGeom>
-        </p:spPr>
-      </p:pic>
-    </p:spTree>
-    <p:extLst>
-      <p:ext uri="{BB962C8B-B14F-4D97-AF65-F5344CB8AC3E}">
-        <p14:creationId xmlns:p14="http://schemas.microsoft.com/office/powerpoint/2010/main" val="1975147752"/>
       </p:ext>
     </p:extLst>
   </p:cSld>
@@ -6378,7 +8049,7 @@
           <p:cNvPr id="2" name="Title 1">
             <a:extLst>
               <a:ext uri="{FF2B5EF4-FFF2-40B4-BE49-F238E27FC236}">
-                <a16:creationId xmlns:a16="http://schemas.microsoft.com/office/drawing/2014/main" id="{F233BF82-FA85-4959-9B11-AF8B26DA4513}"/>
+                <a16:creationId xmlns:a16="http://schemas.microsoft.com/office/drawing/2014/main" id="{3CF81426-169C-4BD7-A632-4F0E4FA26212}"/>
               </a:ext>
             </a:extLst>
           </p:cNvPr>
@@ -6406,7 +8077,7 @@
           <p:cNvPr id="3" name="Content Placeholder 2">
             <a:extLst>
               <a:ext uri="{FF2B5EF4-FFF2-40B4-BE49-F238E27FC236}">
-                <a16:creationId xmlns:a16="http://schemas.microsoft.com/office/drawing/2014/main" id="{ACBC87D0-3EA1-4232-8892-15EE32FBAD7A}"/>
+                <a16:creationId xmlns:a16="http://schemas.microsoft.com/office/drawing/2014/main" id="{7BBE49F7-AF10-49F9-9A00-AA3C431C3508}"/>
               </a:ext>
             </a:extLst>
           </p:cNvPr>
@@ -6417,46 +8088,150 @@
             <p:ph idx="1"/>
           </p:nvPr>
         </p:nvSpPr>
+        <p:spPr/>
+        <p:txBody>
+          <a:bodyPr/>
+          <a:lstStyle/>
+          <a:p>
+            <a:r>
+              <a:rPr lang="en-US" dirty="0"/>
+              <a:t>The code to be executed is placed inside a set of curly brackets </a:t>
+            </a:r>
+            <a:r>
+              <a:rPr lang="en-US" b="1" i="1" dirty="0"/>
+              <a:t>{}</a:t>
+            </a:r>
+            <a:endParaRPr lang="en-US" dirty="0"/>
+          </a:p>
+          <a:p>
+            <a:r>
+              <a:rPr lang="en-US" dirty="0"/>
+              <a:t>Function </a:t>
+            </a:r>
+            <a:r>
+              <a:rPr lang="en-US" b="1" i="1" dirty="0"/>
+              <a:t>parameters</a:t>
+            </a:r>
+            <a:r>
+              <a:rPr lang="en-US" dirty="0"/>
+              <a:t> are listed inside the parentheses </a:t>
+            </a:r>
+            <a:r>
+              <a:rPr lang="en-US" b="1" i="1" dirty="0"/>
+              <a:t>()</a:t>
+            </a:r>
+            <a:r>
+              <a:rPr lang="en-US" dirty="0"/>
+              <a:t> in the function definition</a:t>
+            </a:r>
+          </a:p>
+          <a:p>
+            <a:r>
+              <a:rPr lang="en-US" dirty="0"/>
+              <a:t>Function </a:t>
+            </a:r>
+            <a:r>
+              <a:rPr lang="en-US" b="1" i="1" dirty="0"/>
+              <a:t>arguments</a:t>
+            </a:r>
+            <a:r>
+              <a:rPr lang="en-US" dirty="0"/>
+              <a:t> are the values received by the function when it is invoked</a:t>
+            </a:r>
+          </a:p>
+        </p:txBody>
+      </p:sp>
+      <p:pic>
+        <p:nvPicPr>
+          <p:cNvPr id="4" name="Picture 3">
+            <a:extLst>
+              <a:ext uri="{FF2B5EF4-FFF2-40B4-BE49-F238E27FC236}">
+                <a16:creationId xmlns:a16="http://schemas.microsoft.com/office/drawing/2014/main" id="{C627E5E9-EF93-4D65-9068-D8D4374EE6A1}"/>
+              </a:ext>
+            </a:extLst>
+          </p:cNvPr>
+          <p:cNvPicPr>
+            <a:picLocks noChangeAspect="1"/>
+          </p:cNvPicPr>
+          <p:nvPr/>
+        </p:nvPicPr>
+        <p:blipFill>
+          <a:blip r:embed="rId2">
+            <a:extLst>
+              <a:ext uri="{28A0092B-C50C-407E-A947-70E740481C1C}">
+                <a14:useLocalDpi xmlns:a14="http://schemas.microsoft.com/office/drawing/2010/main" val="0"/>
+              </a:ext>
+            </a:extLst>
+          </a:blip>
+          <a:stretch>
+            <a:fillRect/>
+          </a:stretch>
+        </p:blipFill>
         <p:spPr>
           <a:xfrm>
-            <a:off x="838200" y="1844675"/>
-            <a:ext cx="10515600" cy="4351338"/>
+            <a:off x="1" y="4827043"/>
+            <a:ext cx="12192000" cy="2054830"/>
           </a:xfrm>
+          <a:prstGeom prst="rect">
+            <a:avLst/>
+          </a:prstGeom>
         </p:spPr>
-        <p:txBody>
-          <a:bodyPr/>
-          <a:lstStyle/>
-          <a:p>
-            <a:r>
-              <a:rPr lang="en-US" dirty="0"/>
-              <a:t>Inside the function, the arguments (parameters) behave as local variables</a:t>
-            </a:r>
-          </a:p>
-          <a:p>
-            <a:r>
-              <a:rPr lang="en-US" dirty="0"/>
-              <a:t>If you are familiar with any other languages, a function is the same thing as a </a:t>
-            </a:r>
-            <a:r>
-              <a:rPr lang="en-US" b="1" i="1" dirty="0"/>
-              <a:t>procedure</a:t>
-            </a:r>
-            <a:r>
-              <a:rPr lang="en-US" dirty="0"/>
-              <a:t> or </a:t>
-            </a:r>
-            <a:r>
-              <a:rPr lang="en-US" b="1" i="1" dirty="0"/>
-              <a:t>subroutine</a:t>
-            </a:r>
-            <a:endParaRPr lang="en-US" dirty="0"/>
-          </a:p>
-        </p:txBody>
-      </p:sp>
+      </p:pic>
+      <mc:AlternateContent xmlns:mc="http://schemas.openxmlformats.org/markup-compatibility/2006" xmlns:p14="http://schemas.microsoft.com/office/powerpoint/2010/main">
+        <mc:Choice Requires="p14">
+          <p:contentPart p14:bwMode="auto" r:id="rId3">
+            <p14:nvContentPartPr>
+              <p14:cNvPr id="5" name="Ink 4">
+                <a:extLst>
+                  <a:ext uri="{FF2B5EF4-FFF2-40B4-BE49-F238E27FC236}">
+                    <a16:creationId xmlns:a16="http://schemas.microsoft.com/office/drawing/2014/main" id="{A86F5900-6137-4B27-88EE-555897E3C8B6}"/>
+                  </a:ext>
+                </a:extLst>
+              </p14:cNvPr>
+              <p14:cNvContentPartPr/>
+              <p14:nvPr/>
+            </p14:nvContentPartPr>
+            <p14:xfrm>
+              <a:off x="131760" y="3309840"/>
+              <a:ext cx="11493720" cy="2172240"/>
+            </p14:xfrm>
+          </p:contentPart>
+        </mc:Choice>
+        <mc:Fallback xmlns="">
+          <p:pic>
+            <p:nvPicPr>
+              <p:cNvPr id="5" name="Ink 4">
+                <a:extLst>
+                  <a:ext uri="{FF2B5EF4-FFF2-40B4-BE49-F238E27FC236}">
+                    <a16:creationId xmlns:a16="http://schemas.microsoft.com/office/drawing/2014/main" id="{A86F5900-6137-4B27-88EE-555897E3C8B6}"/>
+                  </a:ext>
+                </a:extLst>
+              </p:cNvPr>
+              <p:cNvPicPr/>
+              <p:nvPr/>
+            </p:nvPicPr>
+            <p:blipFill>
+              <a:blip r:embed="rId4"/>
+              <a:stretch>
+                <a:fillRect/>
+              </a:stretch>
+            </p:blipFill>
+            <p:spPr>
+              <a:xfrm>
+                <a:off x="122400" y="3300480"/>
+                <a:ext cx="11512440" cy="2190960"/>
+              </a:xfrm>
+              <a:prstGeom prst="rect">
+                <a:avLst/>
+              </a:prstGeom>
+            </p:spPr>
+          </p:pic>
+        </mc:Fallback>
+      </mc:AlternateContent>
     </p:spTree>
     <p:extLst>
       <p:ext uri="{BB962C8B-B14F-4D97-AF65-F5344CB8AC3E}">
-        <p14:creationId xmlns:p14="http://schemas.microsoft.com/office/powerpoint/2010/main" val="3880176174"/>
+        <p14:creationId xmlns:p14="http://schemas.microsoft.com/office/powerpoint/2010/main" val="1975147752"/>
       </p:ext>
     </p:extLst>
   </p:cSld>
@@ -6488,7 +8263,7 @@
           <p:cNvPr id="2" name="Title 1">
             <a:extLst>
               <a:ext uri="{FF2B5EF4-FFF2-40B4-BE49-F238E27FC236}">
-                <a16:creationId xmlns:a16="http://schemas.microsoft.com/office/drawing/2014/main" id="{41DC54BE-3CE2-48AF-82E9-6B2B914BEC27}"/>
+                <a16:creationId xmlns:a16="http://schemas.microsoft.com/office/drawing/2014/main" id="{F233BF82-FA85-4959-9B11-AF8B26DA4513}"/>
               </a:ext>
             </a:extLst>
           </p:cNvPr>
@@ -6506,7 +8281,7 @@
           <a:p>
             <a:r>
               <a:rPr lang="en-US" dirty="0"/>
-              <a:t>Function Invocation</a:t>
+              <a:t>Function Syntax</a:t>
             </a:r>
           </a:p>
         </p:txBody>
@@ -6516,7 +8291,7 @@
           <p:cNvPr id="3" name="Content Placeholder 2">
             <a:extLst>
               <a:ext uri="{FF2B5EF4-FFF2-40B4-BE49-F238E27FC236}">
-                <a16:creationId xmlns:a16="http://schemas.microsoft.com/office/drawing/2014/main" id="{1E8961F0-57A7-47CD-B5B0-8E3D7999733E}"/>
+                <a16:creationId xmlns:a16="http://schemas.microsoft.com/office/drawing/2014/main" id="{ACBC87D0-3EA1-4232-8892-15EE32FBAD7A}"/>
               </a:ext>
             </a:extLst>
           </p:cNvPr>
@@ -6527,36 +8302,46 @@
             <p:ph idx="1"/>
           </p:nvPr>
         </p:nvSpPr>
-        <p:spPr/>
-        <p:txBody>
-          <a:bodyPr/>
-          <a:lstStyle/>
-          <a:p>
-            <a:r>
-              <a:rPr lang="en-US" dirty="0"/>
-              <a:t>The code inside of a function will execute whenever something calls the function</a:t>
-            </a:r>
-          </a:p>
-          <a:p>
-            <a:r>
-              <a:rPr lang="en-US" dirty="0"/>
-              <a:t>Functions can be called by: an </a:t>
+        <p:spPr>
+          <a:xfrm>
+            <a:off x="838200" y="1844675"/>
+            <a:ext cx="10515600" cy="4351338"/>
+          </a:xfrm>
+        </p:spPr>
+        <p:txBody>
+          <a:bodyPr/>
+          <a:lstStyle/>
+          <a:p>
+            <a:r>
+              <a:rPr lang="en-US" dirty="0"/>
+              <a:t>Inside the function, the arguments (parameters) behave as local variables</a:t>
+            </a:r>
+          </a:p>
+          <a:p>
+            <a:r>
+              <a:rPr lang="en-US" dirty="0"/>
+              <a:t>If you are familiar with any other languages, a function is the same thing as a </a:t>
             </a:r>
             <a:r>
               <a:rPr lang="en-US" b="1" i="1" dirty="0"/>
-              <a:t>event</a:t>
-            </a:r>
-            <a:r>
-              <a:rPr lang="en-US" dirty="0"/>
-              <a:t>, manually in JavaScript code, or automatically</a:t>
-            </a:r>
+              <a:t>procedure</a:t>
+            </a:r>
+            <a:r>
+              <a:rPr lang="en-US" dirty="0"/>
+              <a:t> or </a:t>
+            </a:r>
+            <a:r>
+              <a:rPr lang="en-US" b="1" i="1" dirty="0"/>
+              <a:t>subroutine</a:t>
+            </a:r>
+            <a:endParaRPr lang="en-US" dirty="0"/>
           </a:p>
         </p:txBody>
       </p:sp>
     </p:spTree>
     <p:extLst>
       <p:ext uri="{BB962C8B-B14F-4D97-AF65-F5344CB8AC3E}">
-        <p14:creationId xmlns:p14="http://schemas.microsoft.com/office/powerpoint/2010/main" val="953546918"/>
+        <p14:creationId xmlns:p14="http://schemas.microsoft.com/office/powerpoint/2010/main" val="3880176174"/>
       </p:ext>
     </p:extLst>
   </p:cSld>
@@ -6588,7 +8373,7 @@
           <p:cNvPr id="2" name="Title 1">
             <a:extLst>
               <a:ext uri="{FF2B5EF4-FFF2-40B4-BE49-F238E27FC236}">
-                <a16:creationId xmlns:a16="http://schemas.microsoft.com/office/drawing/2014/main" id="{BF0D39F7-0AA1-4205-85B0-847CA5768CD8}"/>
+                <a16:creationId xmlns:a16="http://schemas.microsoft.com/office/drawing/2014/main" id="{41DC54BE-3CE2-48AF-82E9-6B2B914BEC27}"/>
               </a:ext>
             </a:extLst>
           </p:cNvPr>
@@ -6606,7 +8391,7 @@
           <a:p>
             <a:r>
               <a:rPr lang="en-US" dirty="0"/>
-              <a:t>Function Return</a:t>
+              <a:t>Function Invocation</a:t>
             </a:r>
           </a:p>
         </p:txBody>
@@ -6616,7 +8401,7 @@
           <p:cNvPr id="3" name="Content Placeholder 2">
             <a:extLst>
               <a:ext uri="{FF2B5EF4-FFF2-40B4-BE49-F238E27FC236}">
-                <a16:creationId xmlns:a16="http://schemas.microsoft.com/office/drawing/2014/main" id="{CACA5D5A-5261-4BCE-B1B4-96A4619E1F29}"/>
+                <a16:creationId xmlns:a16="http://schemas.microsoft.com/office/drawing/2014/main" id="{1E8961F0-57A7-47CD-B5B0-8E3D7999733E}"/>
               </a:ext>
             </a:extLst>
           </p:cNvPr>
@@ -6634,27 +8419,21 @@
           <a:p>
             <a:r>
               <a:rPr lang="en-US" dirty="0"/>
-              <a:t>When JavaScript reaches a return statement, the function stops executing</a:t>
-            </a:r>
-          </a:p>
-          <a:p>
-            <a:r>
-              <a:rPr lang="en-US" dirty="0"/>
-              <a:t>If the function was invoked from a statement, JavaScript will “return” to execute code after the invoking statement</a:t>
-            </a:r>
-          </a:p>
-          <a:p>
-            <a:r>
-              <a:rPr lang="en-US" dirty="0"/>
-              <a:t>Functions often compute a </a:t>
+              <a:t>The code inside of a function will execute whenever something calls the function</a:t>
+            </a:r>
+          </a:p>
+          <a:p>
+            <a:r>
+              <a:rPr lang="en-US" dirty="0"/>
+              <a:t>Functions can be called by: an </a:t>
             </a:r>
             <a:r>
               <a:rPr lang="en-US" b="1" i="1" dirty="0"/>
-              <a:t>return value</a:t>
-            </a:r>
-            <a:r>
-              <a:rPr lang="en-US" dirty="0"/>
-              <a:t>, which gets “returned” back to the caller</a:t>
+              <a:t>event</a:t>
+            </a:r>
+            <a:r>
+              <a:rPr lang="en-US" dirty="0"/>
+              <a:t>, manually in JavaScript code, or automatically</a:t>
             </a:r>
           </a:p>
         </p:txBody>
@@ -6662,7 +8441,7 @@
     </p:spTree>
     <p:extLst>
       <p:ext uri="{BB962C8B-B14F-4D97-AF65-F5344CB8AC3E}">
-        <p14:creationId xmlns:p14="http://schemas.microsoft.com/office/powerpoint/2010/main" val="578022952"/>
+        <p14:creationId xmlns:p14="http://schemas.microsoft.com/office/powerpoint/2010/main" val="953546918"/>
       </p:ext>
     </p:extLst>
   </p:cSld>
@@ -6694,7 +8473,7 @@
           <p:cNvPr id="2" name="Title 1">
             <a:extLst>
               <a:ext uri="{FF2B5EF4-FFF2-40B4-BE49-F238E27FC236}">
-                <a16:creationId xmlns:a16="http://schemas.microsoft.com/office/drawing/2014/main" id="{21D391BB-F86B-4F0E-BBFE-D590FBAE737C}"/>
+                <a16:creationId xmlns:a16="http://schemas.microsoft.com/office/drawing/2014/main" id="{BF0D39F7-0AA1-4205-85B0-847CA5768CD8}"/>
               </a:ext>
             </a:extLst>
           </p:cNvPr>
@@ -6717,45 +8496,58 @@
           </a:p>
         </p:txBody>
       </p:sp>
-      <p:pic>
-        <p:nvPicPr>
-          <p:cNvPr id="9" name="Content Placeholder 8">
-            <a:extLst>
-              <a:ext uri="{FF2B5EF4-FFF2-40B4-BE49-F238E27FC236}">
-                <a16:creationId xmlns:a16="http://schemas.microsoft.com/office/drawing/2014/main" id="{4D4DD82A-5C2B-4597-B10F-783ABEF5A011}"/>
-              </a:ext>
-            </a:extLst>
-          </p:cNvPr>
-          <p:cNvPicPr>
-            <a:picLocks noGrp="1" noChangeAspect="1"/>
-          </p:cNvPicPr>
+      <p:sp>
+        <p:nvSpPr>
+          <p:cNvPr id="3" name="Content Placeholder 2">
+            <a:extLst>
+              <a:ext uri="{FF2B5EF4-FFF2-40B4-BE49-F238E27FC236}">
+                <a16:creationId xmlns:a16="http://schemas.microsoft.com/office/drawing/2014/main" id="{CACA5D5A-5261-4BCE-B1B4-96A4619E1F29}"/>
+              </a:ext>
+            </a:extLst>
+          </p:cNvPr>
+          <p:cNvSpPr>
+            <a:spLocks noGrp="1"/>
+          </p:cNvSpPr>
           <p:nvPr>
             <p:ph idx="1"/>
           </p:nvPr>
-        </p:nvPicPr>
-        <p:blipFill>
-          <a:blip r:embed="rId2">
-            <a:extLst>
-              <a:ext uri="{28A0092B-C50C-407E-A947-70E740481C1C}">
-                <a14:useLocalDpi xmlns:a14="http://schemas.microsoft.com/office/drawing/2010/main" val="0"/>
-              </a:ext>
-            </a:extLst>
-          </a:blip>
-          <a:stretch>
-            <a:fillRect/>
-          </a:stretch>
-        </p:blipFill>
-        <p:spPr>
-          <a:xfrm>
-            <a:off x="0" y="2880845"/>
-            <a:ext cx="12192000" cy="2240898"/>
-          </a:xfrm>
-        </p:spPr>
-      </p:pic>
+        </p:nvSpPr>
+        <p:spPr/>
+        <p:txBody>
+          <a:bodyPr/>
+          <a:lstStyle/>
+          <a:p>
+            <a:r>
+              <a:rPr lang="en-US" dirty="0"/>
+              <a:t>When JavaScript reaches a return statement, the function stops executing</a:t>
+            </a:r>
+          </a:p>
+          <a:p>
+            <a:r>
+              <a:rPr lang="en-US" dirty="0"/>
+              <a:t>If the function was invoked from a statement, JavaScript will “return” to execute code after the invoking statement</a:t>
+            </a:r>
+          </a:p>
+          <a:p>
+            <a:r>
+              <a:rPr lang="en-US" dirty="0"/>
+              <a:t>Functions often compute a </a:t>
+            </a:r>
+            <a:r>
+              <a:rPr lang="en-US" b="1" i="1" dirty="0"/>
+              <a:t>return value</a:t>
+            </a:r>
+            <a:r>
+              <a:rPr lang="en-US" dirty="0"/>
+              <a:t>, which gets “returned” back to the caller</a:t>
+            </a:r>
+          </a:p>
+        </p:txBody>
+      </p:sp>
     </p:spTree>
     <p:extLst>
       <p:ext uri="{BB962C8B-B14F-4D97-AF65-F5344CB8AC3E}">
-        <p14:creationId xmlns:p14="http://schemas.microsoft.com/office/powerpoint/2010/main" val="1122429443"/>
+        <p14:creationId xmlns:p14="http://schemas.microsoft.com/office/powerpoint/2010/main" val="578022952"/>
       </p:ext>
     </p:extLst>
   </p:cSld>
@@ -6787,7 +8579,7 @@
           <p:cNvPr id="2" name="Title 1">
             <a:extLst>
               <a:ext uri="{FF2B5EF4-FFF2-40B4-BE49-F238E27FC236}">
-                <a16:creationId xmlns:a16="http://schemas.microsoft.com/office/drawing/2014/main" id="{F75F2E41-F251-4F0D-8428-DF475E000015}"/>
+                <a16:creationId xmlns:a16="http://schemas.microsoft.com/office/drawing/2014/main" id="{21D391BB-F86B-4F0E-BBFE-D590FBAE737C}"/>
               </a:ext>
             </a:extLst>
           </p:cNvPr>
@@ -6805,66 +8597,26 @@
           <a:p>
             <a:r>
               <a:rPr lang="en-US" dirty="0"/>
-              <a:t>Why Functions?</a:t>
-            </a:r>
-          </a:p>
-        </p:txBody>
-      </p:sp>
-      <p:sp>
-        <p:nvSpPr>
-          <p:cNvPr id="3" name="Content Placeholder 2">
-            <a:extLst>
-              <a:ext uri="{FF2B5EF4-FFF2-40B4-BE49-F238E27FC236}">
-                <a16:creationId xmlns:a16="http://schemas.microsoft.com/office/drawing/2014/main" id="{508F05D8-3F0D-43DB-8FDE-C79360F2B679}"/>
-              </a:ext>
-            </a:extLst>
-          </p:cNvPr>
-          <p:cNvSpPr>
-            <a:spLocks noGrp="1"/>
-          </p:cNvSpPr>
-          <p:nvPr>
-            <p:ph idx="1"/>
-          </p:nvPr>
-        </p:nvSpPr>
-        <p:spPr/>
-        <p:txBody>
-          <a:bodyPr/>
-          <a:lstStyle/>
-          <a:p>
-            <a:r>
-              <a:rPr lang="en-US" dirty="0"/>
-              <a:t>Functions let us reuse code – we define them once and can use them as many times as we want</a:t>
-            </a:r>
-          </a:p>
-          <a:p>
-            <a:r>
-              <a:rPr lang="en-US" dirty="0"/>
-              <a:t>We can use the same code with different </a:t>
-            </a:r>
-            <a:r>
-              <a:rPr lang="en-US" b="1" i="1" dirty="0"/>
-              <a:t>arguments</a:t>
-            </a:r>
-            <a:r>
-              <a:rPr lang="en-US" dirty="0"/>
-              <a:t> to produce different results</a:t>
+              <a:t>Function Return</a:t>
             </a:r>
           </a:p>
         </p:txBody>
       </p:sp>
       <p:pic>
         <p:nvPicPr>
-          <p:cNvPr id="5" name="Picture 4">
-            <a:extLst>
-              <a:ext uri="{FF2B5EF4-FFF2-40B4-BE49-F238E27FC236}">
-                <a16:creationId xmlns:a16="http://schemas.microsoft.com/office/drawing/2014/main" id="{24135129-AFA7-4427-9378-7867867011C1}"/>
+          <p:cNvPr id="9" name="Content Placeholder 8">
+            <a:extLst>
+              <a:ext uri="{FF2B5EF4-FFF2-40B4-BE49-F238E27FC236}">
+                <a16:creationId xmlns:a16="http://schemas.microsoft.com/office/drawing/2014/main" id="{4D4DD82A-5C2B-4597-B10F-783ABEF5A011}"/>
               </a:ext>
             </a:extLst>
           </p:cNvPr>
           <p:cNvPicPr>
-            <a:picLocks noChangeAspect="1"/>
+            <a:picLocks noGrp="1" noChangeAspect="1"/>
           </p:cNvPicPr>
-          <p:nvPr/>
+          <p:nvPr>
+            <p:ph idx="1"/>
+          </p:nvPr>
         </p:nvPicPr>
         <p:blipFill>
           <a:blip r:embed="rId2">
@@ -6880,18 +8632,66 @@
         </p:blipFill>
         <p:spPr>
           <a:xfrm>
-            <a:off x="1" y="4499547"/>
-            <a:ext cx="12192000" cy="2358453"/>
+            <a:off x="0" y="2880845"/>
+            <a:ext cx="12192000" cy="2240898"/>
           </a:xfrm>
-          <a:prstGeom prst="rect">
-            <a:avLst/>
-          </a:prstGeom>
         </p:spPr>
       </p:pic>
+      <mc:AlternateContent xmlns:mc="http://schemas.openxmlformats.org/markup-compatibility/2006" xmlns:p14="http://schemas.microsoft.com/office/powerpoint/2010/main">
+        <mc:Choice Requires="p14">
+          <p:contentPart p14:bwMode="auto" r:id="rId3">
+            <p14:nvContentPartPr>
+              <p14:cNvPr id="3" name="Ink 2">
+                <a:extLst>
+                  <a:ext uri="{FF2B5EF4-FFF2-40B4-BE49-F238E27FC236}">
+                    <a16:creationId xmlns:a16="http://schemas.microsoft.com/office/drawing/2014/main" id="{FD6788E2-E961-40E7-BF62-D9D1E49ED84A}"/>
+                  </a:ext>
+                </a:extLst>
+              </p14:cNvPr>
+              <p14:cNvContentPartPr/>
+              <p14:nvPr/>
+            </p14:nvContentPartPr>
+            <p14:xfrm>
+              <a:off x="0" y="2347920"/>
+              <a:ext cx="6497640" cy="3708000"/>
+            </p14:xfrm>
+          </p:contentPart>
+        </mc:Choice>
+        <mc:Fallback xmlns="">
+          <p:pic>
+            <p:nvPicPr>
+              <p:cNvPr id="3" name="Ink 2">
+                <a:extLst>
+                  <a:ext uri="{FF2B5EF4-FFF2-40B4-BE49-F238E27FC236}">
+                    <a16:creationId xmlns:a16="http://schemas.microsoft.com/office/drawing/2014/main" id="{FD6788E2-E961-40E7-BF62-D9D1E49ED84A}"/>
+                  </a:ext>
+                </a:extLst>
+              </p:cNvPr>
+              <p:cNvPicPr/>
+              <p:nvPr/>
+            </p:nvPicPr>
+            <p:blipFill>
+              <a:blip r:embed="rId4"/>
+              <a:stretch>
+                <a:fillRect/>
+              </a:stretch>
+            </p:blipFill>
+            <p:spPr>
+              <a:xfrm>
+                <a:off x="-9360" y="2338560"/>
+                <a:ext cx="6516360" cy="3726720"/>
+              </a:xfrm>
+              <a:prstGeom prst="rect">
+                <a:avLst/>
+              </a:prstGeom>
+            </p:spPr>
+          </p:pic>
+        </mc:Fallback>
+      </mc:AlternateContent>
     </p:spTree>
     <p:extLst>
       <p:ext uri="{BB962C8B-B14F-4D97-AF65-F5344CB8AC3E}">
-        <p14:creationId xmlns:p14="http://schemas.microsoft.com/office/powerpoint/2010/main" val="3668429575"/>
+        <p14:creationId xmlns:p14="http://schemas.microsoft.com/office/powerpoint/2010/main" val="1122429443"/>
       </p:ext>
     </p:extLst>
   </p:cSld>
@@ -7022,6 +8822,57 @@
           </a:prstGeom>
         </p:spPr>
       </p:pic>
+      <mc:AlternateContent xmlns:mc="http://schemas.openxmlformats.org/markup-compatibility/2006" xmlns:p14="http://schemas.microsoft.com/office/powerpoint/2010/main">
+        <mc:Choice Requires="p14">
+          <p:contentPart p14:bwMode="auto" r:id="rId3">
+            <p14:nvContentPartPr>
+              <p14:cNvPr id="4" name="Ink 3">
+                <a:extLst>
+                  <a:ext uri="{FF2B5EF4-FFF2-40B4-BE49-F238E27FC236}">
+                    <a16:creationId xmlns:a16="http://schemas.microsoft.com/office/drawing/2014/main" id="{773EF373-21ED-453A-82D0-0D2E13B381D4}"/>
+                  </a:ext>
+                </a:extLst>
+              </p14:cNvPr>
+              <p14:cNvContentPartPr/>
+              <p14:nvPr/>
+            </p14:nvContentPartPr>
+            <p14:xfrm>
+              <a:off x="97560" y="3639240"/>
+              <a:ext cx="5862600" cy="2624400"/>
+            </p14:xfrm>
+          </p:contentPart>
+        </mc:Choice>
+        <mc:Fallback xmlns="">
+          <p:pic>
+            <p:nvPicPr>
+              <p:cNvPr id="4" name="Ink 3">
+                <a:extLst>
+                  <a:ext uri="{FF2B5EF4-FFF2-40B4-BE49-F238E27FC236}">
+                    <a16:creationId xmlns:a16="http://schemas.microsoft.com/office/drawing/2014/main" id="{773EF373-21ED-453A-82D0-0D2E13B381D4}"/>
+                  </a:ext>
+                </a:extLst>
+              </p:cNvPr>
+              <p:cNvPicPr/>
+              <p:nvPr/>
+            </p:nvPicPr>
+            <p:blipFill>
+              <a:blip r:embed="rId4"/>
+              <a:stretch>
+                <a:fillRect/>
+              </a:stretch>
+            </p:blipFill>
+            <p:spPr>
+              <a:xfrm>
+                <a:off x="88200" y="3629880"/>
+                <a:ext cx="5881320" cy="2643120"/>
+              </a:xfrm>
+              <a:prstGeom prst="rect">
+                <a:avLst/>
+              </a:prstGeom>
+            </p:spPr>
+          </p:pic>
+        </mc:Fallback>
+      </mc:AlternateContent>
     </p:spTree>
     <p:extLst>
       <p:ext uri="{BB962C8B-B14F-4D97-AF65-F5344CB8AC3E}">
@@ -7057,7 +8908,7 @@
           <p:cNvPr id="2" name="Title 1">
             <a:extLst>
               <a:ext uri="{FF2B5EF4-FFF2-40B4-BE49-F238E27FC236}">
-                <a16:creationId xmlns:a16="http://schemas.microsoft.com/office/drawing/2014/main" id="{4DA8858D-424F-4D98-8164-294EB62E600C}"/>
+                <a16:creationId xmlns:a16="http://schemas.microsoft.com/office/drawing/2014/main" id="{F75F2E41-F251-4F0D-8428-DF475E000015}"/>
               </a:ext>
             </a:extLst>
           </p:cNvPr>
@@ -7075,7 +8926,7 @@
           <a:p>
             <a:r>
               <a:rPr lang="en-US" dirty="0"/>
-              <a:t>The () Operator Invokes the Function</a:t>
+              <a:t>Why Functions?</a:t>
             </a:r>
           </a:p>
         </p:txBody>
@@ -7085,7 +8936,7 @@
           <p:cNvPr id="3" name="Content Placeholder 2">
             <a:extLst>
               <a:ext uri="{FF2B5EF4-FFF2-40B4-BE49-F238E27FC236}">
-                <a16:creationId xmlns:a16="http://schemas.microsoft.com/office/drawing/2014/main" id="{34E6A3CD-D8B4-42B5-8381-5D394C8A1640}"/>
+                <a16:creationId xmlns:a16="http://schemas.microsoft.com/office/drawing/2014/main" id="{508F05D8-3F0D-43DB-8FDE-C79360F2B679}"/>
               </a:ext>
             </a:extLst>
           </p:cNvPr>
@@ -7103,43 +8954,31 @@
           <a:p>
             <a:r>
               <a:rPr lang="en-US" dirty="0"/>
-              <a:t>Using the example below, </a:t>
-            </a:r>
-            <a:r>
-              <a:rPr lang="en-US" b="1" i="1" dirty="0" err="1"/>
-              <a:t>toCelsius</a:t>
-            </a:r>
-            <a:r>
-              <a:rPr lang="en-US" dirty="0"/>
-              <a:t> refers to the function object, and </a:t>
-            </a:r>
-            <a:r>
-              <a:rPr lang="en-US" b="1" i="1" dirty="0" err="1"/>
-              <a:t>toCelsius</a:t>
+              <a:t>Functions let us reuse code – we define them once and can use them as many times as we want</a:t>
+            </a:r>
+          </a:p>
+          <a:p>
+            <a:r>
+              <a:rPr lang="en-US" dirty="0"/>
+              <a:t>We can use the same code with different </a:t>
             </a:r>
             <a:r>
               <a:rPr lang="en-US" b="1" i="1" dirty="0"/>
-              <a:t>()</a:t>
-            </a:r>
-            <a:r>
-              <a:rPr lang="en-US" dirty="0"/>
-              <a:t> refers to the function result</a:t>
-            </a:r>
-          </a:p>
-          <a:p>
-            <a:r>
-              <a:rPr lang="en-US" dirty="0"/>
-              <a:t>Accessing a function without the parentheses will return a function object instead of the function result</a:t>
+              <a:t>arguments</a:t>
+            </a:r>
+            <a:r>
+              <a:rPr lang="en-US" dirty="0"/>
+              <a:t> to produce different results</a:t>
             </a:r>
           </a:p>
         </p:txBody>
       </p:sp>
       <p:pic>
         <p:nvPicPr>
-          <p:cNvPr id="7" name="Picture 6">
-            <a:extLst>
-              <a:ext uri="{FF2B5EF4-FFF2-40B4-BE49-F238E27FC236}">
-                <a16:creationId xmlns:a16="http://schemas.microsoft.com/office/drawing/2014/main" id="{8A16736E-B7E0-43CD-8689-29EDCE864CD2}"/>
+          <p:cNvPr id="5" name="Picture 4">
+            <a:extLst>
+              <a:ext uri="{FF2B5EF4-FFF2-40B4-BE49-F238E27FC236}">
+                <a16:creationId xmlns:a16="http://schemas.microsoft.com/office/drawing/2014/main" id="{24135129-AFA7-4427-9378-7867867011C1}"/>
               </a:ext>
             </a:extLst>
           </p:cNvPr>
@@ -7162,44 +9001,8 @@
         </p:blipFill>
         <p:spPr>
           <a:xfrm>
-            <a:off x="0" y="3531077"/>
-            <a:ext cx="3552825" cy="3326923"/>
-          </a:xfrm>
-          <a:prstGeom prst="rect">
-            <a:avLst/>
-          </a:prstGeom>
-        </p:spPr>
-      </p:pic>
-      <p:pic>
-        <p:nvPicPr>
-          <p:cNvPr id="9" name="Picture 8">
-            <a:extLst>
-              <a:ext uri="{FF2B5EF4-FFF2-40B4-BE49-F238E27FC236}">
-                <a16:creationId xmlns:a16="http://schemas.microsoft.com/office/drawing/2014/main" id="{8E752299-7D60-455E-9C9F-3C9288A6FDF8}"/>
-              </a:ext>
-            </a:extLst>
-          </p:cNvPr>
-          <p:cNvPicPr>
-            <a:picLocks noChangeAspect="1"/>
-          </p:cNvPicPr>
-          <p:nvPr/>
-        </p:nvPicPr>
-        <p:blipFill>
-          <a:blip r:embed="rId3">
-            <a:extLst>
-              <a:ext uri="{28A0092B-C50C-407E-A947-70E740481C1C}">
-                <a14:useLocalDpi xmlns:a14="http://schemas.microsoft.com/office/drawing/2010/main" val="0"/>
-              </a:ext>
-            </a:extLst>
-          </a:blip>
-          <a:stretch>
-            <a:fillRect/>
-          </a:stretch>
-        </p:blipFill>
-        <p:spPr>
-          <a:xfrm>
-            <a:off x="6096001" y="4982308"/>
-            <a:ext cx="6096000" cy="1875692"/>
+            <a:off x="1" y="4499547"/>
+            <a:ext cx="12192000" cy="2358453"/>
           </a:xfrm>
           <a:prstGeom prst="rect">
             <a:avLst/>
@@ -7209,7 +9012,7 @@
     </p:spTree>
     <p:extLst>
       <p:ext uri="{BB962C8B-B14F-4D97-AF65-F5344CB8AC3E}">
-        <p14:creationId xmlns:p14="http://schemas.microsoft.com/office/powerpoint/2010/main" val="3621117923"/>
+        <p14:creationId xmlns:p14="http://schemas.microsoft.com/office/powerpoint/2010/main" val="3668429575"/>
       </p:ext>
     </p:extLst>
   </p:cSld>
@@ -7241,7 +9044,7 @@
           <p:cNvPr id="2" name="Title 1">
             <a:extLst>
               <a:ext uri="{FF2B5EF4-FFF2-40B4-BE49-F238E27FC236}">
-                <a16:creationId xmlns:a16="http://schemas.microsoft.com/office/drawing/2014/main" id="{97D0F0FA-F624-4991-97B0-66477C95E2F4}"/>
+                <a16:creationId xmlns:a16="http://schemas.microsoft.com/office/drawing/2014/main" id="{4DA8858D-424F-4D98-8164-294EB62E600C}"/>
               </a:ext>
             </a:extLst>
           </p:cNvPr>
@@ -7259,7 +9062,7 @@
           <a:p>
             <a:r>
               <a:rPr lang="en-US" dirty="0"/>
-              <a:t>Functions Used as Variable Values</a:t>
+              <a:t>The () Operator Invokes the Function</a:t>
             </a:r>
           </a:p>
         </p:txBody>
@@ -7269,7 +9072,7 @@
           <p:cNvPr id="3" name="Content Placeholder 2">
             <a:extLst>
               <a:ext uri="{FF2B5EF4-FFF2-40B4-BE49-F238E27FC236}">
-                <a16:creationId xmlns:a16="http://schemas.microsoft.com/office/drawing/2014/main" id="{9204797E-4742-4447-B3F8-5BE5527E97F8}"/>
+                <a16:creationId xmlns:a16="http://schemas.microsoft.com/office/drawing/2014/main" id="{34E6A3CD-D8B4-42B5-8381-5D394C8A1640}"/>
               </a:ext>
             </a:extLst>
           </p:cNvPr>
@@ -7287,20 +9090,43 @@
           <a:p>
             <a:r>
               <a:rPr lang="en-US" dirty="0"/>
-              <a:t>Functions can be used the same way you use variables, in all types of formulas, assignments, and calculations</a:t>
-            </a:r>
-          </a:p>
-          <a:p>
-            <a:endParaRPr lang="en-US" dirty="0"/>
+              <a:t>Using the example below, </a:t>
+            </a:r>
+            <a:r>
+              <a:rPr lang="en-US" b="1" i="1" dirty="0" err="1"/>
+              <a:t>toCelsius</a:t>
+            </a:r>
+            <a:r>
+              <a:rPr lang="en-US" dirty="0"/>
+              <a:t> refers to the function object, and </a:t>
+            </a:r>
+            <a:r>
+              <a:rPr lang="en-US" b="1" i="1" dirty="0" err="1"/>
+              <a:t>toCelsius</a:t>
+            </a:r>
+            <a:r>
+              <a:rPr lang="en-US" b="1" i="1" dirty="0"/>
+              <a:t>()</a:t>
+            </a:r>
+            <a:r>
+              <a:rPr lang="en-US" dirty="0"/>
+              <a:t> refers to the function result</a:t>
+            </a:r>
+          </a:p>
+          <a:p>
+            <a:r>
+              <a:rPr lang="en-US" dirty="0"/>
+              <a:t>Accessing a function without the parentheses will return a function object instead of the function result</a:t>
+            </a:r>
           </a:p>
         </p:txBody>
       </p:sp>
       <p:pic>
         <p:nvPicPr>
-          <p:cNvPr id="5" name="Picture 4">
-            <a:extLst>
-              <a:ext uri="{FF2B5EF4-FFF2-40B4-BE49-F238E27FC236}">
-                <a16:creationId xmlns:a16="http://schemas.microsoft.com/office/drawing/2014/main" id="{287F2706-1628-4858-920E-FD724C12FAC6}"/>
+          <p:cNvPr id="7" name="Picture 6">
+            <a:extLst>
+              <a:ext uri="{FF2B5EF4-FFF2-40B4-BE49-F238E27FC236}">
+                <a16:creationId xmlns:a16="http://schemas.microsoft.com/office/drawing/2014/main" id="{8A16736E-B7E0-43CD-8689-29EDCE864CD2}"/>
               </a:ext>
             </a:extLst>
           </p:cNvPr>
@@ -7323,8 +9149,8 @@
         </p:blipFill>
         <p:spPr>
           <a:xfrm>
-            <a:off x="0" y="5376907"/>
-            <a:ext cx="6096000" cy="1481093"/>
+            <a:off x="0" y="3531077"/>
+            <a:ext cx="3552825" cy="3326923"/>
           </a:xfrm>
           <a:prstGeom prst="rect">
             <a:avLst/>
@@ -7333,10 +9159,10 @@
       </p:pic>
       <p:pic>
         <p:nvPicPr>
-          <p:cNvPr id="7" name="Picture 6">
-            <a:extLst>
-              <a:ext uri="{FF2B5EF4-FFF2-40B4-BE49-F238E27FC236}">
-                <a16:creationId xmlns:a16="http://schemas.microsoft.com/office/drawing/2014/main" id="{5BF35D4E-4B7A-4D79-9BEF-6B8FF6B4E116}"/>
+          <p:cNvPr id="9" name="Picture 8">
+            <a:extLst>
+              <a:ext uri="{FF2B5EF4-FFF2-40B4-BE49-F238E27FC236}">
+                <a16:creationId xmlns:a16="http://schemas.microsoft.com/office/drawing/2014/main" id="{8E752299-7D60-455E-9C9F-3C9288A6FDF8}"/>
               </a:ext>
             </a:extLst>
           </p:cNvPr>
@@ -7359,18 +9185,69 @@
         </p:blipFill>
         <p:spPr>
           <a:xfrm>
-            <a:off x="6096001" y="4586271"/>
-            <a:ext cx="6096000" cy="2271730"/>
+            <a:off x="6096001" y="4982308"/>
+            <a:ext cx="6096000" cy="1875692"/>
           </a:xfrm>
           <a:prstGeom prst="rect">
             <a:avLst/>
           </a:prstGeom>
         </p:spPr>
       </p:pic>
+      <mc:AlternateContent xmlns:mc="http://schemas.openxmlformats.org/markup-compatibility/2006" xmlns:p14="http://schemas.microsoft.com/office/powerpoint/2010/main">
+        <mc:Choice Requires="p14">
+          <p:contentPart p14:bwMode="auto" r:id="rId4">
+            <p14:nvContentPartPr>
+              <p14:cNvPr id="4" name="Ink 3">
+                <a:extLst>
+                  <a:ext uri="{FF2B5EF4-FFF2-40B4-BE49-F238E27FC236}">
+                    <a16:creationId xmlns:a16="http://schemas.microsoft.com/office/drawing/2014/main" id="{A436981A-7D1A-4614-8581-001CE21103E2}"/>
+                  </a:ext>
+                </a:extLst>
+              </p14:cNvPr>
+              <p14:cNvContentPartPr/>
+              <p14:nvPr/>
+            </p14:nvContentPartPr>
+            <p14:xfrm>
+              <a:off x="0" y="4622760"/>
+              <a:ext cx="12103920" cy="2235240"/>
+            </p14:xfrm>
+          </p:contentPart>
+        </mc:Choice>
+        <mc:Fallback xmlns="">
+          <p:pic>
+            <p:nvPicPr>
+              <p:cNvPr id="4" name="Ink 3">
+                <a:extLst>
+                  <a:ext uri="{FF2B5EF4-FFF2-40B4-BE49-F238E27FC236}">
+                    <a16:creationId xmlns:a16="http://schemas.microsoft.com/office/drawing/2014/main" id="{A436981A-7D1A-4614-8581-001CE21103E2}"/>
+                  </a:ext>
+                </a:extLst>
+              </p:cNvPr>
+              <p:cNvPicPr/>
+              <p:nvPr/>
+            </p:nvPicPr>
+            <p:blipFill>
+              <a:blip r:embed="rId5"/>
+              <a:stretch>
+                <a:fillRect/>
+              </a:stretch>
+            </p:blipFill>
+            <p:spPr>
+              <a:xfrm>
+                <a:off x="-9360" y="4613400"/>
+                <a:ext cx="12122640" cy="2253960"/>
+              </a:xfrm>
+              <a:prstGeom prst="rect">
+                <a:avLst/>
+              </a:prstGeom>
+            </p:spPr>
+          </p:pic>
+        </mc:Fallback>
+      </mc:AlternateContent>
     </p:spTree>
     <p:extLst>
       <p:ext uri="{BB962C8B-B14F-4D97-AF65-F5344CB8AC3E}">
-        <p14:creationId xmlns:p14="http://schemas.microsoft.com/office/powerpoint/2010/main" val="2768814233"/>
+        <p14:creationId xmlns:p14="http://schemas.microsoft.com/office/powerpoint/2010/main" val="3621117923"/>
       </p:ext>
     </p:extLst>
   </p:cSld>
@@ -7402,7 +9279,7 @@
           <p:cNvPr id="2" name="Title 1">
             <a:extLst>
               <a:ext uri="{FF2B5EF4-FFF2-40B4-BE49-F238E27FC236}">
-                <a16:creationId xmlns:a16="http://schemas.microsoft.com/office/drawing/2014/main" id="{1078237E-9685-4CFD-9120-8923233A8EE8}"/>
+                <a16:creationId xmlns:a16="http://schemas.microsoft.com/office/drawing/2014/main" id="{97D0F0FA-F624-4991-97B0-66477C95E2F4}"/>
               </a:ext>
             </a:extLst>
           </p:cNvPr>
@@ -7420,7 +9297,7 @@
           <a:p>
             <a:r>
               <a:rPr lang="en-US" dirty="0"/>
-              <a:t>Local Variables</a:t>
+              <a:t>Functions Used as Variable Values</a:t>
             </a:r>
           </a:p>
         </p:txBody>
@@ -7430,7 +9307,7 @@
           <p:cNvPr id="3" name="Content Placeholder 2">
             <a:extLst>
               <a:ext uri="{FF2B5EF4-FFF2-40B4-BE49-F238E27FC236}">
-                <a16:creationId xmlns:a16="http://schemas.microsoft.com/office/drawing/2014/main" id="{A6247D70-C4CF-4A3B-A55B-219895FDCD15}"/>
+                <a16:creationId xmlns:a16="http://schemas.microsoft.com/office/drawing/2014/main" id="{9204797E-4742-4447-B3F8-5BE5527E97F8}"/>
               </a:ext>
             </a:extLst>
           </p:cNvPr>
@@ -7448,36 +9325,141 @@
           <a:p>
             <a:r>
               <a:rPr lang="en-US" dirty="0"/>
-              <a:t>Variables declared inside of a function become </a:t>
-            </a:r>
-            <a:r>
-              <a:rPr lang="en-US" b="1" i="1" dirty="0"/>
-              <a:t>local</a:t>
-            </a:r>
-            <a:r>
-              <a:rPr lang="en-US" dirty="0"/>
-              <a:t> to the function</a:t>
-            </a:r>
-          </a:p>
-          <a:p>
-            <a:r>
-              <a:rPr lang="en-US" b="1" i="1" dirty="0"/>
-              <a:t>Local variables</a:t>
-            </a:r>
-            <a:r>
-              <a:rPr lang="en-US" dirty="0"/>
-              <a:t> can only be accessed from within the function</a:t>
-            </a:r>
-          </a:p>
-          <a:p>
-            <a:endParaRPr lang="en-US" b="1" i="1" dirty="0"/>
-          </a:p>
-        </p:txBody>
-      </p:sp>
+              <a:t>Functions can be used the same way you use variables, in all types of formulas, assignments, and calculations</a:t>
+            </a:r>
+          </a:p>
+          <a:p>
+            <a:endParaRPr lang="en-US" dirty="0"/>
+          </a:p>
+        </p:txBody>
+      </p:sp>
+      <p:pic>
+        <p:nvPicPr>
+          <p:cNvPr id="5" name="Picture 4">
+            <a:extLst>
+              <a:ext uri="{FF2B5EF4-FFF2-40B4-BE49-F238E27FC236}">
+                <a16:creationId xmlns:a16="http://schemas.microsoft.com/office/drawing/2014/main" id="{287F2706-1628-4858-920E-FD724C12FAC6}"/>
+              </a:ext>
+            </a:extLst>
+          </p:cNvPr>
+          <p:cNvPicPr>
+            <a:picLocks noChangeAspect="1"/>
+          </p:cNvPicPr>
+          <p:nvPr/>
+        </p:nvPicPr>
+        <p:blipFill>
+          <a:blip r:embed="rId2">
+            <a:extLst>
+              <a:ext uri="{28A0092B-C50C-407E-A947-70E740481C1C}">
+                <a14:useLocalDpi xmlns:a14="http://schemas.microsoft.com/office/drawing/2010/main" val="0"/>
+              </a:ext>
+            </a:extLst>
+          </a:blip>
+          <a:stretch>
+            <a:fillRect/>
+          </a:stretch>
+        </p:blipFill>
+        <p:spPr>
+          <a:xfrm>
+            <a:off x="0" y="5376907"/>
+            <a:ext cx="6096000" cy="1481093"/>
+          </a:xfrm>
+          <a:prstGeom prst="rect">
+            <a:avLst/>
+          </a:prstGeom>
+        </p:spPr>
+      </p:pic>
+      <p:pic>
+        <p:nvPicPr>
+          <p:cNvPr id="7" name="Picture 6">
+            <a:extLst>
+              <a:ext uri="{FF2B5EF4-FFF2-40B4-BE49-F238E27FC236}">
+                <a16:creationId xmlns:a16="http://schemas.microsoft.com/office/drawing/2014/main" id="{5BF35D4E-4B7A-4D79-9BEF-6B8FF6B4E116}"/>
+              </a:ext>
+            </a:extLst>
+          </p:cNvPr>
+          <p:cNvPicPr>
+            <a:picLocks noChangeAspect="1"/>
+          </p:cNvPicPr>
+          <p:nvPr/>
+        </p:nvPicPr>
+        <p:blipFill>
+          <a:blip r:embed="rId3">
+            <a:extLst>
+              <a:ext uri="{28A0092B-C50C-407E-A947-70E740481C1C}">
+                <a14:useLocalDpi xmlns:a14="http://schemas.microsoft.com/office/drawing/2010/main" val="0"/>
+              </a:ext>
+            </a:extLst>
+          </a:blip>
+          <a:stretch>
+            <a:fillRect/>
+          </a:stretch>
+        </p:blipFill>
+        <p:spPr>
+          <a:xfrm>
+            <a:off x="6096001" y="4586271"/>
+            <a:ext cx="6096000" cy="2271730"/>
+          </a:xfrm>
+          <a:prstGeom prst="rect">
+            <a:avLst/>
+          </a:prstGeom>
+        </p:spPr>
+      </p:pic>
+      <mc:AlternateContent xmlns:mc="http://schemas.openxmlformats.org/markup-compatibility/2006" xmlns:p14="http://schemas.microsoft.com/office/powerpoint/2010/main">
+        <mc:Choice Requires="p14">
+          <p:contentPart p14:bwMode="auto" r:id="rId4">
+            <p14:nvContentPartPr>
+              <p14:cNvPr id="4" name="Ink 3">
+                <a:extLst>
+                  <a:ext uri="{FF2B5EF4-FFF2-40B4-BE49-F238E27FC236}">
+                    <a16:creationId xmlns:a16="http://schemas.microsoft.com/office/drawing/2014/main" id="{92B11778-1F1B-4BF5-9B4E-444594641DEF}"/>
+                  </a:ext>
+                </a:extLst>
+              </p14:cNvPr>
+              <p14:cNvContentPartPr/>
+              <p14:nvPr/>
+            </p14:nvContentPartPr>
+            <p14:xfrm>
+              <a:off x="557640" y="5587200"/>
+              <a:ext cx="4416480" cy="1085760"/>
+            </p14:xfrm>
+          </p:contentPart>
+        </mc:Choice>
+        <mc:Fallback xmlns="">
+          <p:pic>
+            <p:nvPicPr>
+              <p:cNvPr id="4" name="Ink 3">
+                <a:extLst>
+                  <a:ext uri="{FF2B5EF4-FFF2-40B4-BE49-F238E27FC236}">
+                    <a16:creationId xmlns:a16="http://schemas.microsoft.com/office/drawing/2014/main" id="{92B11778-1F1B-4BF5-9B4E-444594641DEF}"/>
+                  </a:ext>
+                </a:extLst>
+              </p:cNvPr>
+              <p:cNvPicPr/>
+              <p:nvPr/>
+            </p:nvPicPr>
+            <p:blipFill>
+              <a:blip r:embed="rId5"/>
+              <a:stretch>
+                <a:fillRect/>
+              </a:stretch>
+            </p:blipFill>
+            <p:spPr>
+              <a:xfrm>
+                <a:off x="548280" y="5577840"/>
+                <a:ext cx="4435200" cy="1104480"/>
+              </a:xfrm>
+              <a:prstGeom prst="rect">
+                <a:avLst/>
+              </a:prstGeom>
+            </p:spPr>
+          </p:pic>
+        </mc:Fallback>
+      </mc:AlternateContent>
     </p:spTree>
     <p:extLst>
       <p:ext uri="{BB962C8B-B14F-4D97-AF65-F5344CB8AC3E}">
-        <p14:creationId xmlns:p14="http://schemas.microsoft.com/office/powerpoint/2010/main" val="1466164045"/>
+        <p14:creationId xmlns:p14="http://schemas.microsoft.com/office/powerpoint/2010/main" val="2768814233"/>
       </p:ext>
     </p:extLst>
   </p:cSld>
@@ -7509,7 +9491,7 @@
           <p:cNvPr id="2" name="Title 1">
             <a:extLst>
               <a:ext uri="{FF2B5EF4-FFF2-40B4-BE49-F238E27FC236}">
-                <a16:creationId xmlns:a16="http://schemas.microsoft.com/office/drawing/2014/main" id="{DA0226E6-57E5-4EC0-A481-3886AA9A71EE}"/>
+                <a16:creationId xmlns:a16="http://schemas.microsoft.com/office/drawing/2014/main" id="{1078237E-9685-4CFD-9120-8923233A8EE8}"/>
               </a:ext>
             </a:extLst>
           </p:cNvPr>
@@ -7537,7 +9519,7 @@
           <p:cNvPr id="3" name="Content Placeholder 2">
             <a:extLst>
               <a:ext uri="{FF2B5EF4-FFF2-40B4-BE49-F238E27FC236}">
-                <a16:creationId xmlns:a16="http://schemas.microsoft.com/office/drawing/2014/main" id="{6788F9B6-1E72-46F8-9109-C1C364A84472}"/>
+                <a16:creationId xmlns:a16="http://schemas.microsoft.com/office/drawing/2014/main" id="{A6247D70-C4CF-4A3B-A55B-219895FDCD15}"/>
               </a:ext>
             </a:extLst>
           </p:cNvPr>
@@ -7555,51 +9537,87 @@
           <a:p>
             <a:r>
               <a:rPr lang="en-US" dirty="0"/>
-              <a:t>Since local variables are only recognized within their functions, variables with the same name can be used in different functions</a:t>
-            </a:r>
-          </a:p>
-        </p:txBody>
-      </p:sp>
-      <p:pic>
-        <p:nvPicPr>
-          <p:cNvPr id="4" name="Picture 3">
-            <a:extLst>
-              <a:ext uri="{FF2B5EF4-FFF2-40B4-BE49-F238E27FC236}">
-                <a16:creationId xmlns:a16="http://schemas.microsoft.com/office/drawing/2014/main" id="{5B1D5F35-8015-4FA3-82CA-41006439D8A9}"/>
-              </a:ext>
-            </a:extLst>
-          </p:cNvPr>
-          <p:cNvPicPr>
-            <a:picLocks noChangeAspect="1"/>
-          </p:cNvPicPr>
-          <p:nvPr/>
-        </p:nvPicPr>
-        <p:blipFill>
-          <a:blip r:embed="rId2">
-            <a:extLst>
-              <a:ext uri="{28A0092B-C50C-407E-A947-70E740481C1C}">
-                <a14:useLocalDpi xmlns:a14="http://schemas.microsoft.com/office/drawing/2010/main" val="0"/>
-              </a:ext>
-            </a:extLst>
-          </a:blip>
-          <a:stretch>
-            <a:fillRect/>
-          </a:stretch>
-        </p:blipFill>
-        <p:spPr>
-          <a:xfrm>
-            <a:off x="6096001" y="4102385"/>
-            <a:ext cx="6096000" cy="2755616"/>
-          </a:xfrm>
-          <a:prstGeom prst="rect">
-            <a:avLst/>
-          </a:prstGeom>
-        </p:spPr>
-      </p:pic>
+              <a:t>Variables declared inside of a function become </a:t>
+            </a:r>
+            <a:r>
+              <a:rPr lang="en-US" b="1" i="1" dirty="0"/>
+              <a:t>local</a:t>
+            </a:r>
+            <a:r>
+              <a:rPr lang="en-US" dirty="0"/>
+              <a:t> to the function</a:t>
+            </a:r>
+          </a:p>
+          <a:p>
+            <a:r>
+              <a:rPr lang="en-US" b="1" i="1" dirty="0"/>
+              <a:t>Local variables</a:t>
+            </a:r>
+            <a:r>
+              <a:rPr lang="en-US" dirty="0"/>
+              <a:t> can only be accessed from within the function</a:t>
+            </a:r>
+          </a:p>
+          <a:p>
+            <a:endParaRPr lang="en-US" b="1" i="1" dirty="0"/>
+          </a:p>
+        </p:txBody>
+      </p:sp>
+      <mc:AlternateContent xmlns:mc="http://schemas.openxmlformats.org/markup-compatibility/2006" xmlns:p14="http://schemas.microsoft.com/office/powerpoint/2010/main">
+        <mc:Choice Requires="p14">
+          <p:contentPart p14:bwMode="auto" r:id="rId2">
+            <p14:nvContentPartPr>
+              <p14:cNvPr id="4" name="Ink 3">
+                <a:extLst>
+                  <a:ext uri="{FF2B5EF4-FFF2-40B4-BE49-F238E27FC236}">
+                    <a16:creationId xmlns:a16="http://schemas.microsoft.com/office/drawing/2014/main" id="{E3D949DB-5AFD-4832-8CA5-547366A1A5DF}"/>
+                  </a:ext>
+                </a:extLst>
+              </p14:cNvPr>
+              <p14:cNvContentPartPr/>
+              <p14:nvPr/>
+            </p14:nvContentPartPr>
+            <p14:xfrm>
+              <a:off x="1601280" y="2856960"/>
+              <a:ext cx="5682600" cy="3783240"/>
+            </p14:xfrm>
+          </p:contentPart>
+        </mc:Choice>
+        <mc:Fallback xmlns="">
+          <p:pic>
+            <p:nvPicPr>
+              <p:cNvPr id="4" name="Ink 3">
+                <a:extLst>
+                  <a:ext uri="{FF2B5EF4-FFF2-40B4-BE49-F238E27FC236}">
+                    <a16:creationId xmlns:a16="http://schemas.microsoft.com/office/drawing/2014/main" id="{E3D949DB-5AFD-4832-8CA5-547366A1A5DF}"/>
+                  </a:ext>
+                </a:extLst>
+              </p:cNvPr>
+              <p:cNvPicPr/>
+              <p:nvPr/>
+            </p:nvPicPr>
+            <p:blipFill>
+              <a:blip r:embed="rId3"/>
+              <a:stretch>
+                <a:fillRect/>
+              </a:stretch>
+            </p:blipFill>
+            <p:spPr>
+              <a:xfrm>
+                <a:off x="1591920" y="2847600"/>
+                <a:ext cx="5701320" cy="3801960"/>
+              </a:xfrm>
+              <a:prstGeom prst="rect">
+                <a:avLst/>
+              </a:prstGeom>
+            </p:spPr>
+          </p:pic>
+        </mc:Fallback>
+      </mc:AlternateContent>
     </p:spTree>
     <p:extLst>
       <p:ext uri="{BB962C8B-B14F-4D97-AF65-F5344CB8AC3E}">
-        <p14:creationId xmlns:p14="http://schemas.microsoft.com/office/powerpoint/2010/main" val="3048157046"/>
+        <p14:creationId xmlns:p14="http://schemas.microsoft.com/office/powerpoint/2010/main" val="1466164045"/>
       </p:ext>
     </p:extLst>
   </p:cSld>
@@ -7631,7 +9649,7 @@
           <p:cNvPr id="2" name="Title 1">
             <a:extLst>
               <a:ext uri="{FF2B5EF4-FFF2-40B4-BE49-F238E27FC236}">
-                <a16:creationId xmlns:a16="http://schemas.microsoft.com/office/drawing/2014/main" id="{F5BDD087-C405-4CDE-87B8-6083A2BBFC51}"/>
+                <a16:creationId xmlns:a16="http://schemas.microsoft.com/office/drawing/2014/main" id="{DA0226E6-57E5-4EC0-A481-3886AA9A71EE}"/>
               </a:ext>
             </a:extLst>
           </p:cNvPr>
@@ -7649,25 +9667,25 @@
           <a:p>
             <a:r>
               <a:rPr lang="en-US" dirty="0"/>
-              <a:t>Objects</a:t>
-            </a:r>
-          </a:p>
-        </p:txBody>
-      </p:sp>
-      <p:sp>
-        <p:nvSpPr>
-          <p:cNvPr id="3" name="Text Placeholder 2">
-            <a:extLst>
-              <a:ext uri="{FF2B5EF4-FFF2-40B4-BE49-F238E27FC236}">
-                <a16:creationId xmlns:a16="http://schemas.microsoft.com/office/drawing/2014/main" id="{0BA633CA-C877-4A57-86D8-642F8229CC88}"/>
-              </a:ext>
-            </a:extLst>
-          </p:cNvPr>
-          <p:cNvSpPr>
-            <a:spLocks noGrp="1"/>
-          </p:cNvSpPr>
-          <p:nvPr>
-            <p:ph type="body" idx="1"/>
+              <a:t>Local Variables</a:t>
+            </a:r>
+          </a:p>
+        </p:txBody>
+      </p:sp>
+      <p:sp>
+        <p:nvSpPr>
+          <p:cNvPr id="3" name="Content Placeholder 2">
+            <a:extLst>
+              <a:ext uri="{FF2B5EF4-FFF2-40B4-BE49-F238E27FC236}">
+                <a16:creationId xmlns:a16="http://schemas.microsoft.com/office/drawing/2014/main" id="{6788F9B6-1E72-46F8-9109-C1C364A84472}"/>
+              </a:ext>
+            </a:extLst>
+          </p:cNvPr>
+          <p:cNvSpPr>
+            <a:spLocks noGrp="1"/>
+          </p:cNvSpPr>
+          <p:nvPr>
+            <p:ph idx="1"/>
           </p:nvPr>
         </p:nvSpPr>
         <p:spPr/>
@@ -7675,14 +9693,104 @@
           <a:bodyPr/>
           <a:lstStyle/>
           <a:p>
-            <a:endParaRPr lang="en-US"/>
-          </a:p>
-        </p:txBody>
-      </p:sp>
+            <a:r>
+              <a:rPr lang="en-US" dirty="0"/>
+              <a:t>Since local variables are only recognized within their functions, variables with the same name can be used in different functions</a:t>
+            </a:r>
+          </a:p>
+        </p:txBody>
+      </p:sp>
+      <p:pic>
+        <p:nvPicPr>
+          <p:cNvPr id="4" name="Picture 3">
+            <a:extLst>
+              <a:ext uri="{FF2B5EF4-FFF2-40B4-BE49-F238E27FC236}">
+                <a16:creationId xmlns:a16="http://schemas.microsoft.com/office/drawing/2014/main" id="{5B1D5F35-8015-4FA3-82CA-41006439D8A9}"/>
+              </a:ext>
+            </a:extLst>
+          </p:cNvPr>
+          <p:cNvPicPr>
+            <a:picLocks noChangeAspect="1"/>
+          </p:cNvPicPr>
+          <p:nvPr/>
+        </p:nvPicPr>
+        <p:blipFill>
+          <a:blip r:embed="rId2">
+            <a:extLst>
+              <a:ext uri="{28A0092B-C50C-407E-A947-70E740481C1C}">
+                <a14:useLocalDpi xmlns:a14="http://schemas.microsoft.com/office/drawing/2010/main" val="0"/>
+              </a:ext>
+            </a:extLst>
+          </a:blip>
+          <a:stretch>
+            <a:fillRect/>
+          </a:stretch>
+        </p:blipFill>
+        <p:spPr>
+          <a:xfrm>
+            <a:off x="6096001" y="4102385"/>
+            <a:ext cx="6096000" cy="2755616"/>
+          </a:xfrm>
+          <a:prstGeom prst="rect">
+            <a:avLst/>
+          </a:prstGeom>
+        </p:spPr>
+      </p:pic>
+      <mc:AlternateContent xmlns:mc="http://schemas.openxmlformats.org/markup-compatibility/2006" xmlns:p14="http://schemas.microsoft.com/office/powerpoint/2010/main">
+        <mc:Choice Requires="p14">
+          <p:contentPart p14:bwMode="auto" r:id="rId3">
+            <p14:nvContentPartPr>
+              <p14:cNvPr id="5" name="Ink 4">
+                <a:extLst>
+                  <a:ext uri="{FF2B5EF4-FFF2-40B4-BE49-F238E27FC236}">
+                    <a16:creationId xmlns:a16="http://schemas.microsoft.com/office/drawing/2014/main" id="{BD325A71-95AE-4150-B127-74B0C363D7AE}"/>
+                  </a:ext>
+                </a:extLst>
+              </p14:cNvPr>
+              <p14:cNvContentPartPr/>
+              <p14:nvPr/>
+            </p14:nvContentPartPr>
+            <p14:xfrm>
+              <a:off x="6168960" y="2645640"/>
+              <a:ext cx="4839120" cy="3246480"/>
+            </p14:xfrm>
+          </p:contentPart>
+        </mc:Choice>
+        <mc:Fallback xmlns="">
+          <p:pic>
+            <p:nvPicPr>
+              <p:cNvPr id="5" name="Ink 4">
+                <a:extLst>
+                  <a:ext uri="{FF2B5EF4-FFF2-40B4-BE49-F238E27FC236}">
+                    <a16:creationId xmlns:a16="http://schemas.microsoft.com/office/drawing/2014/main" id="{BD325A71-95AE-4150-B127-74B0C363D7AE}"/>
+                  </a:ext>
+                </a:extLst>
+              </p:cNvPr>
+              <p:cNvPicPr/>
+              <p:nvPr/>
+            </p:nvPicPr>
+            <p:blipFill>
+              <a:blip r:embed="rId4"/>
+              <a:stretch>
+                <a:fillRect/>
+              </a:stretch>
+            </p:blipFill>
+            <p:spPr>
+              <a:xfrm>
+                <a:off x="6159600" y="2636280"/>
+                <a:ext cx="4857840" cy="3265200"/>
+              </a:xfrm>
+              <a:prstGeom prst="rect">
+                <a:avLst/>
+              </a:prstGeom>
+            </p:spPr>
+          </p:pic>
+        </mc:Fallback>
+      </mc:AlternateContent>
     </p:spTree>
     <p:extLst>
       <p:ext uri="{BB962C8B-B14F-4D97-AF65-F5344CB8AC3E}">
-        <p14:creationId xmlns:p14="http://schemas.microsoft.com/office/powerpoint/2010/main" val="2496790363"/>
+        <p14:creationId xmlns:p14="http://schemas.microsoft.com/office/powerpoint/2010/main" val="3048157046"/>
       </p:ext>
     </p:extLst>
   </p:cSld>
@@ -7714,7 +9822,7 @@
           <p:cNvPr id="2" name="Title 1">
             <a:extLst>
               <a:ext uri="{FF2B5EF4-FFF2-40B4-BE49-F238E27FC236}">
-                <a16:creationId xmlns:a16="http://schemas.microsoft.com/office/drawing/2014/main" id="{6BD9E51B-9144-4C62-BF64-7893F2C9D2A8}"/>
+                <a16:creationId xmlns:a16="http://schemas.microsoft.com/office/drawing/2014/main" id="{F5BDD087-C405-4CDE-87B8-6083A2BBFC51}"/>
               </a:ext>
             </a:extLst>
           </p:cNvPr>
@@ -7732,25 +9840,25 @@
           <a:p>
             <a:r>
               <a:rPr lang="en-US" dirty="0"/>
-              <a:t>Real Life Objects, Properties, and Methods</a:t>
-            </a:r>
-          </a:p>
-        </p:txBody>
-      </p:sp>
-      <p:sp>
-        <p:nvSpPr>
-          <p:cNvPr id="3" name="Content Placeholder 2">
-            <a:extLst>
-              <a:ext uri="{FF2B5EF4-FFF2-40B4-BE49-F238E27FC236}">
-                <a16:creationId xmlns:a16="http://schemas.microsoft.com/office/drawing/2014/main" id="{1287086C-91EF-4274-BA4B-BF374B1C4FBB}"/>
-              </a:ext>
-            </a:extLst>
-          </p:cNvPr>
-          <p:cNvSpPr>
-            <a:spLocks noGrp="1"/>
-          </p:cNvSpPr>
-          <p:nvPr>
-            <p:ph idx="1"/>
+              <a:t>Objects</a:t>
+            </a:r>
+          </a:p>
+        </p:txBody>
+      </p:sp>
+      <p:sp>
+        <p:nvSpPr>
+          <p:cNvPr id="3" name="Text Placeholder 2">
+            <a:extLst>
+              <a:ext uri="{FF2B5EF4-FFF2-40B4-BE49-F238E27FC236}">
+                <a16:creationId xmlns:a16="http://schemas.microsoft.com/office/drawing/2014/main" id="{0BA633CA-C877-4A57-86D8-642F8229CC88}"/>
+              </a:ext>
+            </a:extLst>
+          </p:cNvPr>
+          <p:cNvSpPr>
+            <a:spLocks noGrp="1"/>
+          </p:cNvSpPr>
+          <p:nvPr>
+            <p:ph type="body" idx="1"/>
           </p:nvPr>
         </p:nvSpPr>
         <p:spPr/>
@@ -7758,80 +9866,14 @@
           <a:bodyPr/>
           <a:lstStyle/>
           <a:p>
-            <a:r>
-              <a:rPr lang="en-US" dirty="0"/>
-              <a:t>In real life, a car is an </a:t>
-            </a:r>
-            <a:r>
-              <a:rPr lang="en-US" b="1" i="1" dirty="0"/>
-              <a:t>object</a:t>
-            </a:r>
-            <a:endParaRPr lang="en-US" dirty="0"/>
-          </a:p>
-          <a:p>
-            <a:r>
-              <a:rPr lang="en-US" dirty="0"/>
-              <a:t>Cars have </a:t>
-            </a:r>
-            <a:r>
-              <a:rPr lang="en-US" b="1" i="1" dirty="0"/>
-              <a:t>properties</a:t>
-            </a:r>
-            <a:r>
-              <a:rPr lang="en-US" dirty="0"/>
-              <a:t> like weight and color, and </a:t>
-            </a:r>
-            <a:r>
-              <a:rPr lang="en-US" b="1" i="1" dirty="0"/>
-              <a:t>methods</a:t>
-            </a:r>
-            <a:r>
-              <a:rPr lang="en-US" dirty="0"/>
-              <a:t> like start and stop</a:t>
-            </a:r>
-          </a:p>
-        </p:txBody>
-      </p:sp>
-      <p:pic>
-        <p:nvPicPr>
-          <p:cNvPr id="5" name="Picture 4">
-            <a:extLst>
-              <a:ext uri="{FF2B5EF4-FFF2-40B4-BE49-F238E27FC236}">
-                <a16:creationId xmlns:a16="http://schemas.microsoft.com/office/drawing/2014/main" id="{1E6770B1-BBCC-46EA-8019-CF7F7B2DD77C}"/>
-              </a:ext>
-            </a:extLst>
-          </p:cNvPr>
-          <p:cNvPicPr>
-            <a:picLocks noChangeAspect="1"/>
-          </p:cNvPicPr>
-          <p:nvPr/>
-        </p:nvPicPr>
-        <p:blipFill>
-          <a:blip r:embed="rId2">
-            <a:extLst>
-              <a:ext uri="{28A0092B-C50C-407E-A947-70E740481C1C}">
-                <a14:useLocalDpi xmlns:a14="http://schemas.microsoft.com/office/drawing/2010/main" val="0"/>
-              </a:ext>
-            </a:extLst>
-          </a:blip>
-          <a:stretch>
-            <a:fillRect/>
-          </a:stretch>
-        </p:blipFill>
-        <p:spPr>
-          <a:xfrm>
-            <a:off x="1" y="3996875"/>
-            <a:ext cx="12192000" cy="2861125"/>
-          </a:xfrm>
-          <a:prstGeom prst="rect">
-            <a:avLst/>
-          </a:prstGeom>
-        </p:spPr>
-      </p:pic>
+            <a:endParaRPr lang="en-US"/>
+          </a:p>
+        </p:txBody>
+      </p:sp>
     </p:spTree>
     <p:extLst>
       <p:ext uri="{BB962C8B-B14F-4D97-AF65-F5344CB8AC3E}">
-        <p14:creationId xmlns:p14="http://schemas.microsoft.com/office/powerpoint/2010/main" val="2357654239"/>
+        <p14:creationId xmlns:p14="http://schemas.microsoft.com/office/powerpoint/2010/main" val="2496790363"/>
       </p:ext>
     </p:extLst>
   </p:cSld>
@@ -7863,7 +9905,7 @@
           <p:cNvPr id="2" name="Title 1">
             <a:extLst>
               <a:ext uri="{FF2B5EF4-FFF2-40B4-BE49-F238E27FC236}">
-                <a16:creationId xmlns:a16="http://schemas.microsoft.com/office/drawing/2014/main" id="{52206A90-08A5-47E0-BEDD-F0BBFEDCCDCC}"/>
+                <a16:creationId xmlns:a16="http://schemas.microsoft.com/office/drawing/2014/main" id="{6BD9E51B-9144-4C62-BF64-7893F2C9D2A8}"/>
               </a:ext>
             </a:extLst>
           </p:cNvPr>
@@ -7891,7 +9933,7 @@
           <p:cNvPr id="3" name="Content Placeholder 2">
             <a:extLst>
               <a:ext uri="{FF2B5EF4-FFF2-40B4-BE49-F238E27FC236}">
-                <a16:creationId xmlns:a16="http://schemas.microsoft.com/office/drawing/2014/main" id="{41962D6B-EDA1-4525-8C14-79A646A91A80}"/>
+                <a16:creationId xmlns:a16="http://schemas.microsoft.com/office/drawing/2014/main" id="{1287086C-91EF-4274-BA4B-BF374B1C4FBB}"/>
               </a:ext>
             </a:extLst>
           </p:cNvPr>
@@ -7909,7 +9951,18 @@
           <a:p>
             <a:r>
               <a:rPr lang="en-US" dirty="0"/>
-              <a:t>All cars have the same set of </a:t>
+              <a:t>In real life, a car is an </a:t>
+            </a:r>
+            <a:r>
+              <a:rPr lang="en-US" b="1" i="1" dirty="0"/>
+              <a:t>object</a:t>
+            </a:r>
+            <a:endParaRPr lang="en-US" dirty="0"/>
+          </a:p>
+          <a:p>
+            <a:r>
+              <a:rPr lang="en-US" dirty="0"/>
+              <a:t>Cars have </a:t>
             </a:r>
             <a:r>
               <a:rPr lang="en-US" b="1" i="1" dirty="0"/>
@@ -7917,21 +9970,7 @@
             </a:r>
             <a:r>
               <a:rPr lang="en-US" dirty="0"/>
-              <a:t>, but the property </a:t>
-            </a:r>
-            <a:r>
-              <a:rPr lang="en-US" b="1" i="1" dirty="0"/>
-              <a:t>values</a:t>
-            </a:r>
-            <a:r>
-              <a:rPr lang="en-US" dirty="0"/>
-              <a:t> differ from car to car</a:t>
-            </a:r>
-          </a:p>
-          <a:p>
-            <a:r>
-              <a:rPr lang="en-US" dirty="0"/>
-              <a:t>All cars have the same set of </a:t>
+              <a:t> like weight and color, and </a:t>
             </a:r>
             <a:r>
               <a:rPr lang="en-US" b="1" i="1" dirty="0"/>
@@ -7939,20 +9978,102 @@
             </a:r>
             <a:r>
               <a:rPr lang="en-US" dirty="0"/>
-              <a:t>, but the methods are performed </a:t>
-            </a:r>
-            <a:r>
-              <a:rPr lang="en-US" b="1" i="1" dirty="0"/>
-              <a:t>at different times</a:t>
-            </a:r>
-            <a:endParaRPr lang="en-US" dirty="0"/>
-          </a:p>
-        </p:txBody>
-      </p:sp>
+              <a:t> like start and stop</a:t>
+            </a:r>
+          </a:p>
+        </p:txBody>
+      </p:sp>
+      <p:pic>
+        <p:nvPicPr>
+          <p:cNvPr id="5" name="Picture 4">
+            <a:extLst>
+              <a:ext uri="{FF2B5EF4-FFF2-40B4-BE49-F238E27FC236}">
+                <a16:creationId xmlns:a16="http://schemas.microsoft.com/office/drawing/2014/main" id="{1E6770B1-BBCC-46EA-8019-CF7F7B2DD77C}"/>
+              </a:ext>
+            </a:extLst>
+          </p:cNvPr>
+          <p:cNvPicPr>
+            <a:picLocks noChangeAspect="1"/>
+          </p:cNvPicPr>
+          <p:nvPr/>
+        </p:nvPicPr>
+        <p:blipFill>
+          <a:blip r:embed="rId2">
+            <a:extLst>
+              <a:ext uri="{28A0092B-C50C-407E-A947-70E740481C1C}">
+                <a14:useLocalDpi xmlns:a14="http://schemas.microsoft.com/office/drawing/2010/main" val="0"/>
+              </a:ext>
+            </a:extLst>
+          </a:blip>
+          <a:stretch>
+            <a:fillRect/>
+          </a:stretch>
+        </p:blipFill>
+        <p:spPr>
+          <a:xfrm>
+            <a:off x="1" y="3996875"/>
+            <a:ext cx="12192000" cy="2861125"/>
+          </a:xfrm>
+          <a:prstGeom prst="rect">
+            <a:avLst/>
+          </a:prstGeom>
+        </p:spPr>
+      </p:pic>
+      <mc:AlternateContent xmlns:mc="http://schemas.openxmlformats.org/markup-compatibility/2006" xmlns:p14="http://schemas.microsoft.com/office/powerpoint/2010/main">
+        <mc:Choice Requires="p14">
+          <p:contentPart p14:bwMode="auto" r:id="rId3">
+            <p14:nvContentPartPr>
+              <p14:cNvPr id="4" name="Ink 3">
+                <a:extLst>
+                  <a:ext uri="{FF2B5EF4-FFF2-40B4-BE49-F238E27FC236}">
+                    <a16:creationId xmlns:a16="http://schemas.microsoft.com/office/drawing/2014/main" id="{1157522C-0F2B-49F0-A2F2-025BD25A3E0F}"/>
+                  </a:ext>
+                </a:extLst>
+              </p14:cNvPr>
+              <p14:cNvContentPartPr/>
+              <p14:nvPr/>
+            </p14:nvContentPartPr>
+            <p14:xfrm>
+              <a:off x="9185760" y="4913640"/>
+              <a:ext cx="703800" cy="1502640"/>
+            </p14:xfrm>
+          </p:contentPart>
+        </mc:Choice>
+        <mc:Fallback xmlns="">
+          <p:pic>
+            <p:nvPicPr>
+              <p:cNvPr id="4" name="Ink 3">
+                <a:extLst>
+                  <a:ext uri="{FF2B5EF4-FFF2-40B4-BE49-F238E27FC236}">
+                    <a16:creationId xmlns:a16="http://schemas.microsoft.com/office/drawing/2014/main" id="{1157522C-0F2B-49F0-A2F2-025BD25A3E0F}"/>
+                  </a:ext>
+                </a:extLst>
+              </p:cNvPr>
+              <p:cNvPicPr/>
+              <p:nvPr/>
+            </p:nvPicPr>
+            <p:blipFill>
+              <a:blip r:embed="rId4"/>
+              <a:stretch>
+                <a:fillRect/>
+              </a:stretch>
+            </p:blipFill>
+            <p:spPr>
+              <a:xfrm>
+                <a:off x="9176400" y="4904280"/>
+                <a:ext cx="722520" cy="1521360"/>
+              </a:xfrm>
+              <a:prstGeom prst="rect">
+                <a:avLst/>
+              </a:prstGeom>
+            </p:spPr>
+          </p:pic>
+        </mc:Fallback>
+      </mc:AlternateContent>
     </p:spTree>
     <p:extLst>
       <p:ext uri="{BB962C8B-B14F-4D97-AF65-F5344CB8AC3E}">
-        <p14:creationId xmlns:p14="http://schemas.microsoft.com/office/powerpoint/2010/main" val="187762126"/>
+        <p14:creationId xmlns:p14="http://schemas.microsoft.com/office/powerpoint/2010/main" val="2357654239"/>
       </p:ext>
     </p:extLst>
   </p:cSld>
@@ -7984,7 +10105,7 @@
           <p:cNvPr id="2" name="Title 1">
             <a:extLst>
               <a:ext uri="{FF2B5EF4-FFF2-40B4-BE49-F238E27FC236}">
-                <a16:creationId xmlns:a16="http://schemas.microsoft.com/office/drawing/2014/main" id="{5F14043C-B83E-400E-9EF6-8C1AABBEC98A}"/>
+                <a16:creationId xmlns:a16="http://schemas.microsoft.com/office/drawing/2014/main" id="{52206A90-08A5-47E0-BEDD-F0BBFEDCCDCC}"/>
               </a:ext>
             </a:extLst>
           </p:cNvPr>
@@ -8002,7 +10123,7 @@
           <a:p>
             <a:r>
               <a:rPr lang="en-US" dirty="0"/>
-              <a:t>JavaScript Objects</a:t>
+              <a:t>Real Life Objects, Properties, and Methods</a:t>
             </a:r>
           </a:p>
         </p:txBody>
@@ -8012,7 +10133,7 @@
           <p:cNvPr id="3" name="Content Placeholder 2">
             <a:extLst>
               <a:ext uri="{FF2B5EF4-FFF2-40B4-BE49-F238E27FC236}">
-                <a16:creationId xmlns:a16="http://schemas.microsoft.com/office/drawing/2014/main" id="{6D972A2A-6197-4F5A-91BB-4CB0E7F22735}"/>
+                <a16:creationId xmlns:a16="http://schemas.microsoft.com/office/drawing/2014/main" id="{41962D6B-EDA1-4525-8C14-79A646A91A80}"/>
               </a:ext>
             </a:extLst>
           </p:cNvPr>
@@ -8030,87 +10151,50 @@
           <a:p>
             <a:r>
               <a:rPr lang="en-US" dirty="0"/>
-              <a:t>You have already learned that JavaScript variables are containers for data values</a:t>
-            </a:r>
-          </a:p>
-          <a:p>
-            <a:r>
-              <a:rPr lang="en-US" dirty="0"/>
-              <a:t>Objects are variables too, but objects can contain </a:t>
-            </a:r>
-            <a:r>
-              <a:rPr lang="en-US" i="1" dirty="0"/>
-              <a:t>many</a:t>
-            </a:r>
-            <a:r>
-              <a:rPr lang="en-US" dirty="0"/>
-              <a:t> values</a:t>
-            </a:r>
-          </a:p>
-          <a:p>
-            <a:r>
-              <a:rPr lang="en-US" dirty="0"/>
-              <a:t>This code assigns </a:t>
-            </a:r>
-            <a:r>
-              <a:rPr lang="en-US" i="1" dirty="0"/>
-              <a:t>many values</a:t>
-            </a:r>
-            <a:r>
-              <a:rPr lang="en-US" dirty="0"/>
-              <a:t> (Fiat, 500, white) to a </a:t>
+              <a:t>All cars have the same set of </a:t>
             </a:r>
             <a:r>
               <a:rPr lang="en-US" b="1" i="1" dirty="0"/>
-              <a:t>variable</a:t>
-            </a:r>
-            <a:r>
-              <a:rPr lang="en-US" dirty="0"/>
-              <a:t> named car</a:t>
-            </a:r>
-          </a:p>
-        </p:txBody>
-      </p:sp>
-      <p:pic>
-        <p:nvPicPr>
-          <p:cNvPr id="5" name="Picture 4">
-            <a:extLst>
-              <a:ext uri="{FF2B5EF4-FFF2-40B4-BE49-F238E27FC236}">
-                <a16:creationId xmlns:a16="http://schemas.microsoft.com/office/drawing/2014/main" id="{C6555AAD-1514-48B8-A139-81CEC474CEC5}"/>
-              </a:ext>
-            </a:extLst>
-          </p:cNvPr>
-          <p:cNvPicPr>
-            <a:picLocks noChangeAspect="1"/>
-          </p:cNvPicPr>
-          <p:nvPr/>
-        </p:nvPicPr>
-        <p:blipFill>
-          <a:blip r:embed="rId2">
-            <a:extLst>
-              <a:ext uri="{28A0092B-C50C-407E-A947-70E740481C1C}">
-                <a14:useLocalDpi xmlns:a14="http://schemas.microsoft.com/office/drawing/2010/main" val="0"/>
-              </a:ext>
-            </a:extLst>
-          </a:blip>
-          <a:stretch>
-            <a:fillRect/>
-          </a:stretch>
-        </p:blipFill>
-        <p:spPr>
-          <a:xfrm>
-            <a:off x="1" y="5908535"/>
-            <a:ext cx="12192000" cy="949465"/>
-          </a:xfrm>
-          <a:prstGeom prst="rect">
-            <a:avLst/>
-          </a:prstGeom>
-        </p:spPr>
-      </p:pic>
+              <a:t>properties</a:t>
+            </a:r>
+            <a:r>
+              <a:rPr lang="en-US" dirty="0"/>
+              <a:t>, but the property </a:t>
+            </a:r>
+            <a:r>
+              <a:rPr lang="en-US" b="1" i="1" dirty="0"/>
+              <a:t>values</a:t>
+            </a:r>
+            <a:r>
+              <a:rPr lang="en-US" dirty="0"/>
+              <a:t> differ from car to car</a:t>
+            </a:r>
+          </a:p>
+          <a:p>
+            <a:r>
+              <a:rPr lang="en-US" dirty="0"/>
+              <a:t>All cars have the same set of </a:t>
+            </a:r>
+            <a:r>
+              <a:rPr lang="en-US" b="1" i="1" dirty="0"/>
+              <a:t>methods</a:t>
+            </a:r>
+            <a:r>
+              <a:rPr lang="en-US" dirty="0"/>
+              <a:t>, but the methods are performed </a:t>
+            </a:r>
+            <a:r>
+              <a:rPr lang="en-US" b="1" i="1" dirty="0"/>
+              <a:t>at different times</a:t>
+            </a:r>
+            <a:endParaRPr lang="en-US" dirty="0"/>
+          </a:p>
+        </p:txBody>
+      </p:sp>
     </p:spTree>
     <p:extLst>
       <p:ext uri="{BB962C8B-B14F-4D97-AF65-F5344CB8AC3E}">
-        <p14:creationId xmlns:p14="http://schemas.microsoft.com/office/powerpoint/2010/main" val="2604216701"/>
+        <p14:creationId xmlns:p14="http://schemas.microsoft.com/office/powerpoint/2010/main" val="187762126"/>
       </p:ext>
     </p:extLst>
   </p:cSld>
@@ -8142,7 +10226,7 @@
           <p:cNvPr id="2" name="Title 1">
             <a:extLst>
               <a:ext uri="{FF2B5EF4-FFF2-40B4-BE49-F238E27FC236}">
-                <a16:creationId xmlns:a16="http://schemas.microsoft.com/office/drawing/2014/main" id="{E06EC259-FBB7-4C63-8CC3-085FA94E9906}"/>
+                <a16:creationId xmlns:a16="http://schemas.microsoft.com/office/drawing/2014/main" id="{5F14043C-B83E-400E-9EF6-8C1AABBEC98A}"/>
               </a:ext>
             </a:extLst>
           </p:cNvPr>
@@ -8170,7 +10254,7 @@
           <p:cNvPr id="3" name="Content Placeholder 2">
             <a:extLst>
               <a:ext uri="{FF2B5EF4-FFF2-40B4-BE49-F238E27FC236}">
-                <a16:creationId xmlns:a16="http://schemas.microsoft.com/office/drawing/2014/main" id="{5D667215-1A34-46A5-ADB7-DAE92D5622C9}"/>
+                <a16:creationId xmlns:a16="http://schemas.microsoft.com/office/drawing/2014/main" id="{6D972A2A-6197-4F5A-91BB-4CB0E7F22735}"/>
               </a:ext>
             </a:extLst>
           </p:cNvPr>
@@ -8188,37 +10272,138 @@
           <a:p>
             <a:r>
               <a:rPr lang="en-US" dirty="0"/>
-              <a:t>The values are written as </a:t>
-            </a:r>
-            <a:r>
-              <a:rPr lang="en-US" b="1" i="1" dirty="0" err="1"/>
-              <a:t>name:value</a:t>
-            </a:r>
-            <a:r>
-              <a:rPr lang="en-US" dirty="0"/>
-              <a:t> pairs (a name and a value separated by a colon)</a:t>
-            </a:r>
-          </a:p>
-          <a:p>
-            <a:r>
-              <a:rPr lang="en-US" dirty="0"/>
-              <a:t>It is generally a good practice to declare objects with the </a:t>
+              <a:t>You have already learned that JavaScript variables are containers for data values</a:t>
+            </a:r>
+          </a:p>
+          <a:p>
+            <a:r>
+              <a:rPr lang="en-US" dirty="0"/>
+              <a:t>Objects are variables too, but objects can contain </a:t>
+            </a:r>
+            <a:r>
+              <a:rPr lang="en-US" i="1" dirty="0"/>
+              <a:t>many</a:t>
+            </a:r>
+            <a:r>
+              <a:rPr lang="en-US" dirty="0"/>
+              <a:t> values</a:t>
+            </a:r>
+          </a:p>
+          <a:p>
+            <a:r>
+              <a:rPr lang="en-US" dirty="0"/>
+              <a:t>This code assigns </a:t>
+            </a:r>
+            <a:r>
+              <a:rPr lang="en-US" i="1" dirty="0"/>
+              <a:t>many values</a:t>
+            </a:r>
+            <a:r>
+              <a:rPr lang="en-US" dirty="0"/>
+              <a:t> (Fiat, 500, white) to a </a:t>
             </a:r>
             <a:r>
               <a:rPr lang="en-US" b="1" i="1" dirty="0"/>
-              <a:t>const </a:t>
-            </a:r>
-            <a:r>
-              <a:rPr lang="en-US" dirty="0"/>
-              <a:t>keyword</a:t>
-            </a:r>
-          </a:p>
-        </p:txBody>
-      </p:sp>
+              <a:t>variable</a:t>
+            </a:r>
+            <a:r>
+              <a:rPr lang="en-US" dirty="0"/>
+              <a:t> named car</a:t>
+            </a:r>
+          </a:p>
+        </p:txBody>
+      </p:sp>
+      <p:pic>
+        <p:nvPicPr>
+          <p:cNvPr id="5" name="Picture 4">
+            <a:extLst>
+              <a:ext uri="{FF2B5EF4-FFF2-40B4-BE49-F238E27FC236}">
+                <a16:creationId xmlns:a16="http://schemas.microsoft.com/office/drawing/2014/main" id="{C6555AAD-1514-48B8-A139-81CEC474CEC5}"/>
+              </a:ext>
+            </a:extLst>
+          </p:cNvPr>
+          <p:cNvPicPr>
+            <a:picLocks noChangeAspect="1"/>
+          </p:cNvPicPr>
+          <p:nvPr/>
+        </p:nvPicPr>
+        <p:blipFill>
+          <a:blip r:embed="rId2">
+            <a:extLst>
+              <a:ext uri="{28A0092B-C50C-407E-A947-70E740481C1C}">
+                <a14:useLocalDpi xmlns:a14="http://schemas.microsoft.com/office/drawing/2010/main" val="0"/>
+              </a:ext>
+            </a:extLst>
+          </a:blip>
+          <a:stretch>
+            <a:fillRect/>
+          </a:stretch>
+        </p:blipFill>
+        <p:spPr>
+          <a:xfrm>
+            <a:off x="1" y="5908535"/>
+            <a:ext cx="12192000" cy="949465"/>
+          </a:xfrm>
+          <a:prstGeom prst="rect">
+            <a:avLst/>
+          </a:prstGeom>
+        </p:spPr>
+      </p:pic>
+      <mc:AlternateContent xmlns:mc="http://schemas.openxmlformats.org/markup-compatibility/2006" xmlns:p14="http://schemas.microsoft.com/office/powerpoint/2010/main">
+        <mc:Choice Requires="p14">
+          <p:contentPart p14:bwMode="auto" r:id="rId3">
+            <p14:nvContentPartPr>
+              <p14:cNvPr id="4" name="Ink 3">
+                <a:extLst>
+                  <a:ext uri="{FF2B5EF4-FFF2-40B4-BE49-F238E27FC236}">
+                    <a16:creationId xmlns:a16="http://schemas.microsoft.com/office/drawing/2014/main" id="{9F80AA1B-374A-434A-9264-01322F240A9D}"/>
+                  </a:ext>
+                </a:extLst>
+              </p14:cNvPr>
+              <p14:cNvContentPartPr/>
+              <p14:nvPr/>
+            </p14:nvContentPartPr>
+            <p14:xfrm>
+              <a:off x="3073320" y="6496920"/>
+              <a:ext cx="6994440" cy="155880"/>
+            </p14:xfrm>
+          </p:contentPart>
+        </mc:Choice>
+        <mc:Fallback xmlns="">
+          <p:pic>
+            <p:nvPicPr>
+              <p:cNvPr id="4" name="Ink 3">
+                <a:extLst>
+                  <a:ext uri="{FF2B5EF4-FFF2-40B4-BE49-F238E27FC236}">
+                    <a16:creationId xmlns:a16="http://schemas.microsoft.com/office/drawing/2014/main" id="{9F80AA1B-374A-434A-9264-01322F240A9D}"/>
+                  </a:ext>
+                </a:extLst>
+              </p:cNvPr>
+              <p:cNvPicPr/>
+              <p:nvPr/>
+            </p:nvPicPr>
+            <p:blipFill>
+              <a:blip r:embed="rId4"/>
+              <a:stretch>
+                <a:fillRect/>
+              </a:stretch>
+            </p:blipFill>
+            <p:spPr>
+              <a:xfrm>
+                <a:off x="3063960" y="6487560"/>
+                <a:ext cx="7013160" cy="174600"/>
+              </a:xfrm>
+              <a:prstGeom prst="rect">
+                <a:avLst/>
+              </a:prstGeom>
+            </p:spPr>
+          </p:pic>
+        </mc:Fallback>
+      </mc:AlternateContent>
     </p:spTree>
     <p:extLst>
       <p:ext uri="{BB962C8B-B14F-4D97-AF65-F5344CB8AC3E}">
-        <p14:creationId xmlns:p14="http://schemas.microsoft.com/office/powerpoint/2010/main" val="1621292281"/>
+        <p14:creationId xmlns:p14="http://schemas.microsoft.com/office/powerpoint/2010/main" val="2604216701"/>
       </p:ext>
     </p:extLst>
   </p:cSld>
@@ -8250,7 +10435,7 @@
           <p:cNvPr id="2" name="Title 1">
             <a:extLst>
               <a:ext uri="{FF2B5EF4-FFF2-40B4-BE49-F238E27FC236}">
-                <a16:creationId xmlns:a16="http://schemas.microsoft.com/office/drawing/2014/main" id="{4558D966-8E1B-4F4E-8363-9F339340ABAD}"/>
+                <a16:creationId xmlns:a16="http://schemas.microsoft.com/office/drawing/2014/main" id="{E06EC259-FBB7-4C63-8CC3-085FA94E9906}"/>
               </a:ext>
             </a:extLst>
           </p:cNvPr>
@@ -8268,7 +10453,7 @@
           <a:p>
             <a:r>
               <a:rPr lang="en-US" dirty="0"/>
-              <a:t>Object Definition</a:t>
+              <a:t>JavaScript Objects</a:t>
             </a:r>
           </a:p>
         </p:txBody>
@@ -8278,7 +10463,7 @@
           <p:cNvPr id="3" name="Content Placeholder 2">
             <a:extLst>
               <a:ext uri="{FF2B5EF4-FFF2-40B4-BE49-F238E27FC236}">
-                <a16:creationId xmlns:a16="http://schemas.microsoft.com/office/drawing/2014/main" id="{97D3E87F-5B91-4A5E-9009-B463394F4985}"/>
+                <a16:creationId xmlns:a16="http://schemas.microsoft.com/office/drawing/2014/main" id="{5D667215-1A34-46A5-ADB7-DAE92D5622C9}"/>
               </a:ext>
             </a:extLst>
           </p:cNvPr>
@@ -8296,100 +10481,37 @@
           <a:p>
             <a:r>
               <a:rPr lang="en-US" dirty="0"/>
-              <a:t>You define (and create) a JavaScript with an </a:t>
+              <a:t>The values are written as </a:t>
+            </a:r>
+            <a:r>
+              <a:rPr lang="en-US" b="1" i="1" dirty="0" err="1"/>
+              <a:t>name:value</a:t>
+            </a:r>
+            <a:r>
+              <a:rPr lang="en-US" dirty="0"/>
+              <a:t> pairs (a name and a value separated by a colon)</a:t>
+            </a:r>
+          </a:p>
+          <a:p>
+            <a:r>
+              <a:rPr lang="en-US" dirty="0"/>
+              <a:t>It is generally a good practice to declare objects with the </a:t>
             </a:r>
             <a:r>
               <a:rPr lang="en-US" b="1" i="1" dirty="0"/>
-              <a:t>object literal</a:t>
-            </a:r>
-          </a:p>
-          <a:p>
-            <a:r>
-              <a:rPr lang="en-US" dirty="0"/>
-              <a:t>Spaces and line breaks are not important to an object’s syntax, so they can be written multiple ways</a:t>
-            </a:r>
-          </a:p>
-          <a:p>
-            <a:endParaRPr lang="en-US" dirty="0"/>
-          </a:p>
-        </p:txBody>
-      </p:sp>
-      <p:pic>
-        <p:nvPicPr>
-          <p:cNvPr id="5" name="Picture 4">
-            <a:extLst>
-              <a:ext uri="{FF2B5EF4-FFF2-40B4-BE49-F238E27FC236}">
-                <a16:creationId xmlns:a16="http://schemas.microsoft.com/office/drawing/2014/main" id="{969F1C5E-E9E1-4ED9-983C-E8F26FE0E5FA}"/>
-              </a:ext>
-            </a:extLst>
-          </p:cNvPr>
-          <p:cNvPicPr>
-            <a:picLocks noChangeAspect="1"/>
-          </p:cNvPicPr>
-          <p:nvPr/>
-        </p:nvPicPr>
-        <p:blipFill>
-          <a:blip r:embed="rId2">
-            <a:extLst>
-              <a:ext uri="{28A0092B-C50C-407E-A947-70E740481C1C}">
-                <a14:useLocalDpi xmlns:a14="http://schemas.microsoft.com/office/drawing/2010/main" val="0"/>
-              </a:ext>
-            </a:extLst>
-          </a:blip>
-          <a:stretch>
-            <a:fillRect/>
-          </a:stretch>
-        </p:blipFill>
-        <p:spPr>
-          <a:xfrm>
-            <a:off x="8391525" y="4143375"/>
-            <a:ext cx="3800475" cy="2714625"/>
-          </a:xfrm>
-          <a:prstGeom prst="rect">
-            <a:avLst/>
-          </a:prstGeom>
-        </p:spPr>
-      </p:pic>
-      <p:pic>
-        <p:nvPicPr>
-          <p:cNvPr id="7" name="Picture 6">
-            <a:extLst>
-              <a:ext uri="{FF2B5EF4-FFF2-40B4-BE49-F238E27FC236}">
-                <a16:creationId xmlns:a16="http://schemas.microsoft.com/office/drawing/2014/main" id="{9BA763FB-4F4C-4B2D-B209-8E1111E793E0}"/>
-              </a:ext>
-            </a:extLst>
-          </p:cNvPr>
-          <p:cNvPicPr>
-            <a:picLocks noChangeAspect="1"/>
-          </p:cNvPicPr>
-          <p:nvPr/>
-        </p:nvPicPr>
-        <p:blipFill>
-          <a:blip r:embed="rId3">
-            <a:extLst>
-              <a:ext uri="{28A0092B-C50C-407E-A947-70E740481C1C}">
-                <a14:useLocalDpi xmlns:a14="http://schemas.microsoft.com/office/drawing/2010/main" val="0"/>
-              </a:ext>
-            </a:extLst>
-          </a:blip>
-          <a:stretch>
-            <a:fillRect/>
-          </a:stretch>
-        </p:blipFill>
-        <p:spPr>
-          <a:xfrm>
-            <a:off x="0" y="6434776"/>
-            <a:ext cx="8391525" cy="423224"/>
-          </a:xfrm>
-          <a:prstGeom prst="rect">
-            <a:avLst/>
-          </a:prstGeom>
-        </p:spPr>
-      </p:pic>
+              <a:t>const </a:t>
+            </a:r>
+            <a:r>
+              <a:rPr lang="en-US" dirty="0"/>
+              <a:t>keyword</a:t>
+            </a:r>
+          </a:p>
+        </p:txBody>
+      </p:sp>
     </p:spTree>
     <p:extLst>
       <p:ext uri="{BB962C8B-B14F-4D97-AF65-F5344CB8AC3E}">
-        <p14:creationId xmlns:p14="http://schemas.microsoft.com/office/powerpoint/2010/main" val="4122793340"/>
+        <p14:creationId xmlns:p14="http://schemas.microsoft.com/office/powerpoint/2010/main" val="1621292281"/>
       </p:ext>
     </p:extLst>
   </p:cSld>
@@ -8553,6 +10675,57 @@
           </a:prstGeom>
         </p:spPr>
       </p:pic>
+      <mc:AlternateContent xmlns:mc="http://schemas.openxmlformats.org/markup-compatibility/2006" xmlns:p14="http://schemas.microsoft.com/office/powerpoint/2010/main">
+        <mc:Choice Requires="p14">
+          <p:contentPart p14:bwMode="auto" r:id="rId4">
+            <p14:nvContentPartPr>
+              <p14:cNvPr id="4" name="Ink 3">
+                <a:extLst>
+                  <a:ext uri="{FF2B5EF4-FFF2-40B4-BE49-F238E27FC236}">
+                    <a16:creationId xmlns:a16="http://schemas.microsoft.com/office/drawing/2014/main" id="{79BAF07B-9E85-47AC-8F0F-0B202D9BA4AC}"/>
+                  </a:ext>
+                </a:extLst>
+              </p14:cNvPr>
+              <p14:cNvContentPartPr/>
+              <p14:nvPr/>
+            </p14:nvContentPartPr>
+            <p14:xfrm>
+              <a:off x="2104200" y="399960"/>
+              <a:ext cx="7760520" cy="2224440"/>
+            </p14:xfrm>
+          </p:contentPart>
+        </mc:Choice>
+        <mc:Fallback xmlns="">
+          <p:pic>
+            <p:nvPicPr>
+              <p:cNvPr id="4" name="Ink 3">
+                <a:extLst>
+                  <a:ext uri="{FF2B5EF4-FFF2-40B4-BE49-F238E27FC236}">
+                    <a16:creationId xmlns:a16="http://schemas.microsoft.com/office/drawing/2014/main" id="{79BAF07B-9E85-47AC-8F0F-0B202D9BA4AC}"/>
+                  </a:ext>
+                </a:extLst>
+              </p:cNvPr>
+              <p:cNvPicPr/>
+              <p:nvPr/>
+            </p:nvPicPr>
+            <p:blipFill>
+              <a:blip r:embed="rId5"/>
+              <a:stretch>
+                <a:fillRect/>
+              </a:stretch>
+            </p:blipFill>
+            <p:spPr>
+              <a:xfrm>
+                <a:off x="2094840" y="390600"/>
+                <a:ext cx="7779240" cy="2243160"/>
+              </a:xfrm>
+              <a:prstGeom prst="rect">
+                <a:avLst/>
+              </a:prstGeom>
+            </p:spPr>
+          </p:pic>
+        </mc:Fallback>
+      </mc:AlternateContent>
     </p:spTree>
     <p:extLst>
       <p:ext uri="{BB962C8B-B14F-4D97-AF65-F5344CB8AC3E}">
@@ -8588,6 +10761,228 @@
           <p:cNvPr id="2" name="Title 1">
             <a:extLst>
               <a:ext uri="{FF2B5EF4-FFF2-40B4-BE49-F238E27FC236}">
+                <a16:creationId xmlns:a16="http://schemas.microsoft.com/office/drawing/2014/main" id="{4558D966-8E1B-4F4E-8363-9F339340ABAD}"/>
+              </a:ext>
+            </a:extLst>
+          </p:cNvPr>
+          <p:cNvSpPr>
+            <a:spLocks noGrp="1"/>
+          </p:cNvSpPr>
+          <p:nvPr>
+            <p:ph type="title"/>
+          </p:nvPr>
+        </p:nvSpPr>
+        <p:spPr/>
+        <p:txBody>
+          <a:bodyPr/>
+          <a:lstStyle/>
+          <a:p>
+            <a:r>
+              <a:rPr lang="en-US" dirty="0"/>
+              <a:t>Object Definition</a:t>
+            </a:r>
+          </a:p>
+        </p:txBody>
+      </p:sp>
+      <p:sp>
+        <p:nvSpPr>
+          <p:cNvPr id="3" name="Content Placeholder 2">
+            <a:extLst>
+              <a:ext uri="{FF2B5EF4-FFF2-40B4-BE49-F238E27FC236}">
+                <a16:creationId xmlns:a16="http://schemas.microsoft.com/office/drawing/2014/main" id="{97D3E87F-5B91-4A5E-9009-B463394F4985}"/>
+              </a:ext>
+            </a:extLst>
+          </p:cNvPr>
+          <p:cNvSpPr>
+            <a:spLocks noGrp="1"/>
+          </p:cNvSpPr>
+          <p:nvPr>
+            <p:ph idx="1"/>
+          </p:nvPr>
+        </p:nvSpPr>
+        <p:spPr/>
+        <p:txBody>
+          <a:bodyPr/>
+          <a:lstStyle/>
+          <a:p>
+            <a:r>
+              <a:rPr lang="en-US" dirty="0"/>
+              <a:t>You define (and create) a JavaScript with an </a:t>
+            </a:r>
+            <a:r>
+              <a:rPr lang="en-US" b="1" i="1" dirty="0"/>
+              <a:t>object literal</a:t>
+            </a:r>
+          </a:p>
+          <a:p>
+            <a:r>
+              <a:rPr lang="en-US" dirty="0"/>
+              <a:t>Spaces and line breaks are not important to an object’s syntax, so they can be written multiple ways</a:t>
+            </a:r>
+          </a:p>
+          <a:p>
+            <a:endParaRPr lang="en-US" dirty="0"/>
+          </a:p>
+        </p:txBody>
+      </p:sp>
+      <p:pic>
+        <p:nvPicPr>
+          <p:cNvPr id="5" name="Picture 4">
+            <a:extLst>
+              <a:ext uri="{FF2B5EF4-FFF2-40B4-BE49-F238E27FC236}">
+                <a16:creationId xmlns:a16="http://schemas.microsoft.com/office/drawing/2014/main" id="{969F1C5E-E9E1-4ED9-983C-E8F26FE0E5FA}"/>
+              </a:ext>
+            </a:extLst>
+          </p:cNvPr>
+          <p:cNvPicPr>
+            <a:picLocks noChangeAspect="1"/>
+          </p:cNvPicPr>
+          <p:nvPr/>
+        </p:nvPicPr>
+        <p:blipFill>
+          <a:blip r:embed="rId2">
+            <a:extLst>
+              <a:ext uri="{28A0092B-C50C-407E-A947-70E740481C1C}">
+                <a14:useLocalDpi xmlns:a14="http://schemas.microsoft.com/office/drawing/2010/main" val="0"/>
+              </a:ext>
+            </a:extLst>
+          </a:blip>
+          <a:stretch>
+            <a:fillRect/>
+          </a:stretch>
+        </p:blipFill>
+        <p:spPr>
+          <a:xfrm>
+            <a:off x="8391525" y="4143375"/>
+            <a:ext cx="3800475" cy="2714625"/>
+          </a:xfrm>
+          <a:prstGeom prst="rect">
+            <a:avLst/>
+          </a:prstGeom>
+        </p:spPr>
+      </p:pic>
+      <p:pic>
+        <p:nvPicPr>
+          <p:cNvPr id="7" name="Picture 6">
+            <a:extLst>
+              <a:ext uri="{FF2B5EF4-FFF2-40B4-BE49-F238E27FC236}">
+                <a16:creationId xmlns:a16="http://schemas.microsoft.com/office/drawing/2014/main" id="{9BA763FB-4F4C-4B2D-B209-8E1111E793E0}"/>
+              </a:ext>
+            </a:extLst>
+          </p:cNvPr>
+          <p:cNvPicPr>
+            <a:picLocks noChangeAspect="1"/>
+          </p:cNvPicPr>
+          <p:nvPr/>
+        </p:nvPicPr>
+        <p:blipFill>
+          <a:blip r:embed="rId3">
+            <a:extLst>
+              <a:ext uri="{28A0092B-C50C-407E-A947-70E740481C1C}">
+                <a14:useLocalDpi xmlns:a14="http://schemas.microsoft.com/office/drawing/2010/main" val="0"/>
+              </a:ext>
+            </a:extLst>
+          </a:blip>
+          <a:stretch>
+            <a:fillRect/>
+          </a:stretch>
+        </p:blipFill>
+        <p:spPr>
+          <a:xfrm>
+            <a:off x="0" y="6434776"/>
+            <a:ext cx="8391525" cy="423224"/>
+          </a:xfrm>
+          <a:prstGeom prst="rect">
+            <a:avLst/>
+          </a:prstGeom>
+        </p:spPr>
+      </p:pic>
+      <mc:AlternateContent xmlns:mc="http://schemas.openxmlformats.org/markup-compatibility/2006" xmlns:p14="http://schemas.microsoft.com/office/powerpoint/2010/main">
+        <mc:Choice Requires="p14">
+          <p:contentPart p14:bwMode="auto" r:id="rId4">
+            <p14:nvContentPartPr>
+              <p14:cNvPr id="4" name="Ink 3">
+                <a:extLst>
+                  <a:ext uri="{FF2B5EF4-FFF2-40B4-BE49-F238E27FC236}">
+                    <a16:creationId xmlns:a16="http://schemas.microsoft.com/office/drawing/2014/main" id="{369487D3-D94F-42E3-8FAA-E972CA65D7CC}"/>
+                  </a:ext>
+                </a:extLst>
+              </p14:cNvPr>
+              <p14:cNvContentPartPr/>
+              <p14:nvPr/>
+            </p14:nvContentPartPr>
+            <p14:xfrm>
+              <a:off x="0" y="3174120"/>
+              <a:ext cx="11684880" cy="3683880"/>
+            </p14:xfrm>
+          </p:contentPart>
+        </mc:Choice>
+        <mc:Fallback xmlns="">
+          <p:pic>
+            <p:nvPicPr>
+              <p:cNvPr id="4" name="Ink 3">
+                <a:extLst>
+                  <a:ext uri="{FF2B5EF4-FFF2-40B4-BE49-F238E27FC236}">
+                    <a16:creationId xmlns:a16="http://schemas.microsoft.com/office/drawing/2014/main" id="{369487D3-D94F-42E3-8FAA-E972CA65D7CC}"/>
+                  </a:ext>
+                </a:extLst>
+              </p:cNvPr>
+              <p:cNvPicPr/>
+              <p:nvPr/>
+            </p:nvPicPr>
+            <p:blipFill>
+              <a:blip r:embed="rId5"/>
+              <a:stretch>
+                <a:fillRect/>
+              </a:stretch>
+            </p:blipFill>
+            <p:spPr>
+              <a:xfrm>
+                <a:off x="-9360" y="3164760"/>
+                <a:ext cx="11703600" cy="3702600"/>
+              </a:xfrm>
+              <a:prstGeom prst="rect">
+                <a:avLst/>
+              </a:prstGeom>
+            </p:spPr>
+          </p:pic>
+        </mc:Fallback>
+      </mc:AlternateContent>
+    </p:spTree>
+    <p:extLst>
+      <p:ext uri="{BB962C8B-B14F-4D97-AF65-F5344CB8AC3E}">
+        <p14:creationId xmlns:p14="http://schemas.microsoft.com/office/powerpoint/2010/main" val="4122793340"/>
+      </p:ext>
+    </p:extLst>
+  </p:cSld>
+  <p:clrMapOvr>
+    <a:masterClrMapping/>
+  </p:clrMapOvr>
+</p:sld>
+</file>
+
+<file path=ppt/slides/slide41.xml><?xml version="1.0" encoding="utf-8"?>
+<p:sld xmlns:a="http://schemas.openxmlformats.org/drawingml/2006/main" xmlns:r="http://schemas.openxmlformats.org/officeDocument/2006/relationships" xmlns:p="http://schemas.openxmlformats.org/presentationml/2006/main">
+  <p:cSld>
+    <p:spTree>
+      <p:nvGrpSpPr>
+        <p:cNvPr id="1" name=""/>
+        <p:cNvGrpSpPr/>
+        <p:nvPr/>
+      </p:nvGrpSpPr>
+      <p:grpSpPr>
+        <a:xfrm>
+          <a:off x="0" y="0"/>
+          <a:ext cx="0" cy="0"/>
+          <a:chOff x="0" y="0"/>
+          <a:chExt cx="0" cy="0"/>
+        </a:xfrm>
+      </p:grpSpPr>
+      <p:sp>
+        <p:nvSpPr>
+          <p:cNvPr id="2" name="Title 1">
+            <a:extLst>
+              <a:ext uri="{FF2B5EF4-FFF2-40B4-BE49-F238E27FC236}">
                 <a16:creationId xmlns:a16="http://schemas.microsoft.com/office/drawing/2014/main" id="{E092D361-33EE-4BF4-A409-152A149573BB}"/>
               </a:ext>
             </a:extLst>
@@ -8703,7 +11098,7 @@
 </p:sld>
 </file>
 
-<file path=ppt/slides/slide41.xml><?xml version="1.0" encoding="utf-8"?>
+<file path=ppt/slides/slide42.xml><?xml version="1.0" encoding="utf-8"?>
 <p:sld xmlns:a="http://schemas.openxmlformats.org/drawingml/2006/main" xmlns:r="http://schemas.openxmlformats.org/officeDocument/2006/relationships" xmlns:p="http://schemas.openxmlformats.org/presentationml/2006/main">
   <p:cSld>
     <p:spTree>
@@ -8848,161 +11243,61 @@
           </a:prstGeom>
         </p:spPr>
       </p:pic>
+      <mc:AlternateContent xmlns:mc="http://schemas.openxmlformats.org/markup-compatibility/2006" xmlns:p14="http://schemas.microsoft.com/office/powerpoint/2010/main">
+        <mc:Choice Requires="p14">
+          <p:contentPart p14:bwMode="auto" r:id="rId4">
+            <p14:nvContentPartPr>
+              <p14:cNvPr id="4" name="Ink 3">
+                <a:extLst>
+                  <a:ext uri="{FF2B5EF4-FFF2-40B4-BE49-F238E27FC236}">
+                    <a16:creationId xmlns:a16="http://schemas.microsoft.com/office/drawing/2014/main" id="{61FFD1C5-C547-4B59-985B-778DFA5AB664}"/>
+                  </a:ext>
+                </a:extLst>
+              </p14:cNvPr>
+              <p14:cNvContentPartPr/>
+              <p14:nvPr/>
+            </p14:nvContentPartPr>
+            <p14:xfrm>
+              <a:off x="2541240" y="5384880"/>
+              <a:ext cx="6240240" cy="590400"/>
+            </p14:xfrm>
+          </p:contentPart>
+        </mc:Choice>
+        <mc:Fallback xmlns="">
+          <p:pic>
+            <p:nvPicPr>
+              <p:cNvPr id="4" name="Ink 3">
+                <a:extLst>
+                  <a:ext uri="{FF2B5EF4-FFF2-40B4-BE49-F238E27FC236}">
+                    <a16:creationId xmlns:a16="http://schemas.microsoft.com/office/drawing/2014/main" id="{61FFD1C5-C547-4B59-985B-778DFA5AB664}"/>
+                  </a:ext>
+                </a:extLst>
+              </p:cNvPr>
+              <p:cNvPicPr/>
+              <p:nvPr/>
+            </p:nvPicPr>
+            <p:blipFill>
+              <a:blip r:embed="rId5"/>
+              <a:stretch>
+                <a:fillRect/>
+              </a:stretch>
+            </p:blipFill>
+            <p:spPr>
+              <a:xfrm>
+                <a:off x="2531880" y="5375520"/>
+                <a:ext cx="6258960" cy="609120"/>
+              </a:xfrm>
+              <a:prstGeom prst="rect">
+                <a:avLst/>
+              </a:prstGeom>
+            </p:spPr>
+          </p:pic>
+        </mc:Fallback>
+      </mc:AlternateContent>
     </p:spTree>
     <p:extLst>
       <p:ext uri="{BB962C8B-B14F-4D97-AF65-F5344CB8AC3E}">
         <p14:creationId xmlns:p14="http://schemas.microsoft.com/office/powerpoint/2010/main" val="1602399022"/>
-      </p:ext>
-    </p:extLst>
-  </p:cSld>
-  <p:clrMapOvr>
-    <a:masterClrMapping/>
-  </p:clrMapOvr>
-</p:sld>
-</file>
-
-<file path=ppt/slides/slide42.xml><?xml version="1.0" encoding="utf-8"?>
-<p:sld xmlns:a="http://schemas.openxmlformats.org/drawingml/2006/main" xmlns:r="http://schemas.openxmlformats.org/officeDocument/2006/relationships" xmlns:p="http://schemas.openxmlformats.org/presentationml/2006/main">
-  <p:cSld>
-    <p:spTree>
-      <p:nvGrpSpPr>
-        <p:cNvPr id="1" name=""/>
-        <p:cNvGrpSpPr/>
-        <p:nvPr/>
-      </p:nvGrpSpPr>
-      <p:grpSpPr>
-        <a:xfrm>
-          <a:off x="0" y="0"/>
-          <a:ext cx="0" cy="0"/>
-          <a:chOff x="0" y="0"/>
-          <a:chExt cx="0" cy="0"/>
-        </a:xfrm>
-      </p:grpSpPr>
-      <p:sp>
-        <p:nvSpPr>
-          <p:cNvPr id="2" name="Title 1">
-            <a:extLst>
-              <a:ext uri="{FF2B5EF4-FFF2-40B4-BE49-F238E27FC236}">
-                <a16:creationId xmlns:a16="http://schemas.microsoft.com/office/drawing/2014/main" id="{51A5EC65-2EC3-42BC-81C7-44E92FB111D9}"/>
-              </a:ext>
-            </a:extLst>
-          </p:cNvPr>
-          <p:cNvSpPr>
-            <a:spLocks noGrp="1"/>
-          </p:cNvSpPr>
-          <p:nvPr>
-            <p:ph type="title"/>
-          </p:nvPr>
-        </p:nvSpPr>
-        <p:spPr/>
-        <p:txBody>
-          <a:bodyPr/>
-          <a:lstStyle/>
-          <a:p>
-            <a:r>
-              <a:rPr lang="en-US" dirty="0"/>
-              <a:t>Object Methods</a:t>
-            </a:r>
-          </a:p>
-        </p:txBody>
-      </p:sp>
-      <p:sp>
-        <p:nvSpPr>
-          <p:cNvPr id="3" name="Content Placeholder 2">
-            <a:extLst>
-              <a:ext uri="{FF2B5EF4-FFF2-40B4-BE49-F238E27FC236}">
-                <a16:creationId xmlns:a16="http://schemas.microsoft.com/office/drawing/2014/main" id="{2D29587B-06F9-4673-AF1A-FCC0E6C12696}"/>
-              </a:ext>
-            </a:extLst>
-          </p:cNvPr>
-          <p:cNvSpPr>
-            <a:spLocks noGrp="1"/>
-          </p:cNvSpPr>
-          <p:nvPr>
-            <p:ph idx="1"/>
-          </p:nvPr>
-        </p:nvSpPr>
-        <p:spPr/>
-        <p:txBody>
-          <a:bodyPr/>
-          <a:lstStyle/>
-          <a:p>
-            <a:r>
-              <a:rPr lang="en-US" dirty="0"/>
-              <a:t>Objects can also have </a:t>
-            </a:r>
-            <a:r>
-              <a:rPr lang="en-US" b="1" i="1" dirty="0"/>
-              <a:t>methods</a:t>
-            </a:r>
-          </a:p>
-          <a:p>
-            <a:r>
-              <a:rPr lang="en-US" dirty="0"/>
-              <a:t>Methods are </a:t>
-            </a:r>
-            <a:r>
-              <a:rPr lang="en-US" b="1" i="1" dirty="0"/>
-              <a:t>actions</a:t>
-            </a:r>
-            <a:r>
-              <a:rPr lang="en-US" dirty="0"/>
-              <a:t> that can be performed on objects</a:t>
-            </a:r>
-          </a:p>
-          <a:p>
-            <a:r>
-              <a:rPr lang="en-US" dirty="0"/>
-              <a:t>Methods are stored in properties as </a:t>
-            </a:r>
-            <a:r>
-              <a:rPr lang="en-US" b="1" i="1" dirty="0"/>
-              <a:t>function definitions</a:t>
-            </a:r>
-            <a:endParaRPr lang="en-US" dirty="0"/>
-          </a:p>
-        </p:txBody>
-      </p:sp>
-      <p:pic>
-        <p:nvPicPr>
-          <p:cNvPr id="5" name="Picture 4">
-            <a:extLst>
-              <a:ext uri="{FF2B5EF4-FFF2-40B4-BE49-F238E27FC236}">
-                <a16:creationId xmlns:a16="http://schemas.microsoft.com/office/drawing/2014/main" id="{8ACB1865-9719-438A-B5E1-B70DF9534FBF}"/>
-              </a:ext>
-            </a:extLst>
-          </p:cNvPr>
-          <p:cNvPicPr>
-            <a:picLocks noChangeAspect="1"/>
-          </p:cNvPicPr>
-          <p:nvPr/>
-        </p:nvPicPr>
-        <p:blipFill>
-          <a:blip r:embed="rId2">
-            <a:extLst>
-              <a:ext uri="{28A0092B-C50C-407E-A947-70E740481C1C}">
-                <a14:useLocalDpi xmlns:a14="http://schemas.microsoft.com/office/drawing/2010/main" val="0"/>
-              </a:ext>
-            </a:extLst>
-          </a:blip>
-          <a:stretch>
-            <a:fillRect/>
-          </a:stretch>
-        </p:blipFill>
-        <p:spPr>
-          <a:xfrm>
-            <a:off x="0" y="3428999"/>
-            <a:ext cx="12192000" cy="3429001"/>
-          </a:xfrm>
-          <a:prstGeom prst="rect">
-            <a:avLst/>
-          </a:prstGeom>
-        </p:spPr>
-      </p:pic>
-    </p:spTree>
-    <p:extLst>
-      <p:ext uri="{BB962C8B-B14F-4D97-AF65-F5344CB8AC3E}">
-        <p14:creationId xmlns:p14="http://schemas.microsoft.com/office/powerpoint/2010/main" val="317173310"/>
       </p:ext>
     </p:extLst>
   </p:cSld>
@@ -9034,6 +11329,208 @@
           <p:cNvPr id="2" name="Title 1">
             <a:extLst>
               <a:ext uri="{FF2B5EF4-FFF2-40B4-BE49-F238E27FC236}">
+                <a16:creationId xmlns:a16="http://schemas.microsoft.com/office/drawing/2014/main" id="{51A5EC65-2EC3-42BC-81C7-44E92FB111D9}"/>
+              </a:ext>
+            </a:extLst>
+          </p:cNvPr>
+          <p:cNvSpPr>
+            <a:spLocks noGrp="1"/>
+          </p:cNvSpPr>
+          <p:nvPr>
+            <p:ph type="title"/>
+          </p:nvPr>
+        </p:nvSpPr>
+        <p:spPr/>
+        <p:txBody>
+          <a:bodyPr/>
+          <a:lstStyle/>
+          <a:p>
+            <a:r>
+              <a:rPr lang="en-US" dirty="0"/>
+              <a:t>Object Methods</a:t>
+            </a:r>
+          </a:p>
+        </p:txBody>
+      </p:sp>
+      <p:sp>
+        <p:nvSpPr>
+          <p:cNvPr id="3" name="Content Placeholder 2">
+            <a:extLst>
+              <a:ext uri="{FF2B5EF4-FFF2-40B4-BE49-F238E27FC236}">
+                <a16:creationId xmlns:a16="http://schemas.microsoft.com/office/drawing/2014/main" id="{2D29587B-06F9-4673-AF1A-FCC0E6C12696}"/>
+              </a:ext>
+            </a:extLst>
+          </p:cNvPr>
+          <p:cNvSpPr>
+            <a:spLocks noGrp="1"/>
+          </p:cNvSpPr>
+          <p:nvPr>
+            <p:ph idx="1"/>
+          </p:nvPr>
+        </p:nvSpPr>
+        <p:spPr/>
+        <p:txBody>
+          <a:bodyPr/>
+          <a:lstStyle/>
+          <a:p>
+            <a:r>
+              <a:rPr lang="en-US" dirty="0"/>
+              <a:t>Objects can also have </a:t>
+            </a:r>
+            <a:r>
+              <a:rPr lang="en-US" b="1" i="1" dirty="0"/>
+              <a:t>methods</a:t>
+            </a:r>
+          </a:p>
+          <a:p>
+            <a:r>
+              <a:rPr lang="en-US" dirty="0"/>
+              <a:t>Methods are </a:t>
+            </a:r>
+            <a:r>
+              <a:rPr lang="en-US" b="1" i="1" dirty="0"/>
+              <a:t>actions</a:t>
+            </a:r>
+            <a:r>
+              <a:rPr lang="en-US" dirty="0"/>
+              <a:t> that can be performed on objects</a:t>
+            </a:r>
+          </a:p>
+          <a:p>
+            <a:r>
+              <a:rPr lang="en-US" dirty="0"/>
+              <a:t>Methods are stored in properties as </a:t>
+            </a:r>
+            <a:r>
+              <a:rPr lang="en-US" b="1" i="1" dirty="0"/>
+              <a:t>function definitions</a:t>
+            </a:r>
+            <a:endParaRPr lang="en-US" dirty="0"/>
+          </a:p>
+        </p:txBody>
+      </p:sp>
+      <p:pic>
+        <p:nvPicPr>
+          <p:cNvPr id="5" name="Picture 4">
+            <a:extLst>
+              <a:ext uri="{FF2B5EF4-FFF2-40B4-BE49-F238E27FC236}">
+                <a16:creationId xmlns:a16="http://schemas.microsoft.com/office/drawing/2014/main" id="{8ACB1865-9719-438A-B5E1-B70DF9534FBF}"/>
+              </a:ext>
+            </a:extLst>
+          </p:cNvPr>
+          <p:cNvPicPr>
+            <a:picLocks noChangeAspect="1"/>
+          </p:cNvPicPr>
+          <p:nvPr/>
+        </p:nvPicPr>
+        <p:blipFill>
+          <a:blip r:embed="rId2">
+            <a:extLst>
+              <a:ext uri="{28A0092B-C50C-407E-A947-70E740481C1C}">
+                <a14:useLocalDpi xmlns:a14="http://schemas.microsoft.com/office/drawing/2010/main" val="0"/>
+              </a:ext>
+            </a:extLst>
+          </a:blip>
+          <a:stretch>
+            <a:fillRect/>
+          </a:stretch>
+        </p:blipFill>
+        <p:spPr>
+          <a:xfrm>
+            <a:off x="0" y="3428999"/>
+            <a:ext cx="12192000" cy="3429001"/>
+          </a:xfrm>
+          <a:prstGeom prst="rect">
+            <a:avLst/>
+          </a:prstGeom>
+        </p:spPr>
+      </p:pic>
+      <mc:AlternateContent xmlns:mc="http://schemas.openxmlformats.org/markup-compatibility/2006" xmlns:p14="http://schemas.microsoft.com/office/powerpoint/2010/main">
+        <mc:Choice Requires="p14">
+          <p:contentPart p14:bwMode="auto" r:id="rId3">
+            <p14:nvContentPartPr>
+              <p14:cNvPr id="4" name="Ink 3">
+                <a:extLst>
+                  <a:ext uri="{FF2B5EF4-FFF2-40B4-BE49-F238E27FC236}">
+                    <a16:creationId xmlns:a16="http://schemas.microsoft.com/office/drawing/2014/main" id="{5EDF64D8-2742-4D99-B7A6-CADB6BC0A352}"/>
+                  </a:ext>
+                </a:extLst>
+              </p14:cNvPr>
+              <p14:cNvContentPartPr/>
+              <p14:nvPr/>
+            </p14:nvContentPartPr>
+            <p14:xfrm>
+              <a:off x="4572720" y="6178320"/>
+              <a:ext cx="7600320" cy="679680"/>
+            </p14:xfrm>
+          </p:contentPart>
+        </mc:Choice>
+        <mc:Fallback xmlns="">
+          <p:pic>
+            <p:nvPicPr>
+              <p:cNvPr id="4" name="Ink 3">
+                <a:extLst>
+                  <a:ext uri="{FF2B5EF4-FFF2-40B4-BE49-F238E27FC236}">
+                    <a16:creationId xmlns:a16="http://schemas.microsoft.com/office/drawing/2014/main" id="{5EDF64D8-2742-4D99-B7A6-CADB6BC0A352}"/>
+                  </a:ext>
+                </a:extLst>
+              </p:cNvPr>
+              <p:cNvPicPr/>
+              <p:nvPr/>
+            </p:nvPicPr>
+            <p:blipFill>
+              <a:blip r:embed="rId4"/>
+              <a:stretch>
+                <a:fillRect/>
+              </a:stretch>
+            </p:blipFill>
+            <p:spPr>
+              <a:xfrm>
+                <a:off x="4563360" y="6168960"/>
+                <a:ext cx="7619040" cy="698400"/>
+              </a:xfrm>
+              <a:prstGeom prst="rect">
+                <a:avLst/>
+              </a:prstGeom>
+            </p:spPr>
+          </p:pic>
+        </mc:Fallback>
+      </mc:AlternateContent>
+    </p:spTree>
+    <p:extLst>
+      <p:ext uri="{BB962C8B-B14F-4D97-AF65-F5344CB8AC3E}">
+        <p14:creationId xmlns:p14="http://schemas.microsoft.com/office/powerpoint/2010/main" val="317173310"/>
+      </p:ext>
+    </p:extLst>
+  </p:cSld>
+  <p:clrMapOvr>
+    <a:masterClrMapping/>
+  </p:clrMapOvr>
+</p:sld>
+</file>
+
+<file path=ppt/slides/slide44.xml><?xml version="1.0" encoding="utf-8"?>
+<p:sld xmlns:a="http://schemas.openxmlformats.org/drawingml/2006/main" xmlns:r="http://schemas.openxmlformats.org/officeDocument/2006/relationships" xmlns:p="http://schemas.openxmlformats.org/presentationml/2006/main">
+  <p:cSld>
+    <p:spTree>
+      <p:nvGrpSpPr>
+        <p:cNvPr id="1" name=""/>
+        <p:cNvGrpSpPr/>
+        <p:nvPr/>
+      </p:nvGrpSpPr>
+      <p:grpSpPr>
+        <a:xfrm>
+          <a:off x="0" y="0"/>
+          <a:ext cx="0" cy="0"/>
+          <a:chOff x="0" y="0"/>
+          <a:chExt cx="0" cy="0"/>
+        </a:xfrm>
+      </p:grpSpPr>
+      <p:sp>
+        <p:nvSpPr>
+          <p:cNvPr id="2" name="Title 1">
+            <a:extLst>
+              <a:ext uri="{FF2B5EF4-FFF2-40B4-BE49-F238E27FC236}">
                 <a16:creationId xmlns:a16="http://schemas.microsoft.com/office/drawing/2014/main" id="{F0F81D67-A247-412A-9E38-B7CC5857E803}"/>
               </a:ext>
             </a:extLst>
@@ -9187,6 +11684,57 @@
           </a:prstGeom>
         </p:spPr>
       </p:pic>
+      <mc:AlternateContent xmlns:mc="http://schemas.openxmlformats.org/markup-compatibility/2006" xmlns:p14="http://schemas.microsoft.com/office/powerpoint/2010/main">
+        <mc:Choice Requires="p14">
+          <p:contentPart p14:bwMode="auto" r:id="rId3">
+            <p14:nvContentPartPr>
+              <p14:cNvPr id="4" name="Ink 3">
+                <a:extLst>
+                  <a:ext uri="{FF2B5EF4-FFF2-40B4-BE49-F238E27FC236}">
+                    <a16:creationId xmlns:a16="http://schemas.microsoft.com/office/drawing/2014/main" id="{0CB65EC3-86C0-4FF2-AACB-6A8E305C05D5}"/>
+                  </a:ext>
+                </a:extLst>
+              </p14:cNvPr>
+              <p14:cNvContentPartPr/>
+              <p14:nvPr/>
+            </p14:nvContentPartPr>
+            <p14:xfrm>
+              <a:off x="1441080" y="3879360"/>
+              <a:ext cx="8370720" cy="2319120"/>
+            </p14:xfrm>
+          </p:contentPart>
+        </mc:Choice>
+        <mc:Fallback xmlns="">
+          <p:pic>
+            <p:nvPicPr>
+              <p:cNvPr id="4" name="Ink 3">
+                <a:extLst>
+                  <a:ext uri="{FF2B5EF4-FFF2-40B4-BE49-F238E27FC236}">
+                    <a16:creationId xmlns:a16="http://schemas.microsoft.com/office/drawing/2014/main" id="{0CB65EC3-86C0-4FF2-AACB-6A8E305C05D5}"/>
+                  </a:ext>
+                </a:extLst>
+              </p:cNvPr>
+              <p:cNvPicPr/>
+              <p:nvPr/>
+            </p:nvPicPr>
+            <p:blipFill>
+              <a:blip r:embed="rId4"/>
+              <a:stretch>
+                <a:fillRect/>
+              </a:stretch>
+            </p:blipFill>
+            <p:spPr>
+              <a:xfrm>
+                <a:off x="1431720" y="3870000"/>
+                <a:ext cx="8389440" cy="2337840"/>
+              </a:xfrm>
+              <a:prstGeom prst="rect">
+                <a:avLst/>
+              </a:prstGeom>
+            </p:spPr>
+          </p:pic>
+        </mc:Fallback>
+      </mc:AlternateContent>
     </p:spTree>
     <p:extLst>
       <p:ext uri="{BB962C8B-B14F-4D97-AF65-F5344CB8AC3E}">
@@ -9200,7 +11748,7 @@
 </p:sld>
 </file>
 
-<file path=ppt/slides/slide44.xml><?xml version="1.0" encoding="utf-8"?>
+<file path=ppt/slides/slide45.xml><?xml version="1.0" encoding="utf-8"?>
 <p:sld xmlns:a="http://schemas.openxmlformats.org/drawingml/2006/main" xmlns:r="http://schemas.openxmlformats.org/officeDocument/2006/relationships" xmlns:p="http://schemas.openxmlformats.org/presentationml/2006/main">
   <p:cSld>
     <p:spTree>
@@ -9370,165 +11918,6 @@
 </p:sld>
 </file>
 
-<file path=ppt/slides/slide45.xml><?xml version="1.0" encoding="utf-8"?>
-<p:sld xmlns:a="http://schemas.openxmlformats.org/drawingml/2006/main" xmlns:r="http://schemas.openxmlformats.org/officeDocument/2006/relationships" xmlns:p="http://schemas.openxmlformats.org/presentationml/2006/main">
-  <p:cSld>
-    <p:spTree>
-      <p:nvGrpSpPr>
-        <p:cNvPr id="1" name=""/>
-        <p:cNvGrpSpPr/>
-        <p:nvPr/>
-      </p:nvGrpSpPr>
-      <p:grpSpPr>
-        <a:xfrm>
-          <a:off x="0" y="0"/>
-          <a:ext cx="0" cy="0"/>
-          <a:chOff x="0" y="0"/>
-          <a:chExt cx="0" cy="0"/>
-        </a:xfrm>
-      </p:grpSpPr>
-      <p:sp>
-        <p:nvSpPr>
-          <p:cNvPr id="2" name="Title 1">
-            <a:extLst>
-              <a:ext uri="{FF2B5EF4-FFF2-40B4-BE49-F238E27FC236}">
-                <a16:creationId xmlns:a16="http://schemas.microsoft.com/office/drawing/2014/main" id="{5CC514A4-9DBB-4BEF-A565-5C12BFAD4C00}"/>
-              </a:ext>
-            </a:extLst>
-          </p:cNvPr>
-          <p:cNvSpPr>
-            <a:spLocks noGrp="1"/>
-          </p:cNvSpPr>
-          <p:nvPr>
-            <p:ph type="title"/>
-          </p:nvPr>
-        </p:nvSpPr>
-        <p:spPr/>
-        <p:txBody>
-          <a:bodyPr/>
-          <a:lstStyle/>
-          <a:p>
-            <a:r>
-              <a:rPr lang="en-US" dirty="0"/>
-              <a:t>The </a:t>
-            </a:r>
-            <a:r>
-              <a:rPr lang="en-US" b="1" i="1" dirty="0"/>
-              <a:t>this</a:t>
-            </a:r>
-            <a:r>
-              <a:rPr lang="en-US" dirty="0"/>
-              <a:t> Keyword</a:t>
-            </a:r>
-          </a:p>
-        </p:txBody>
-      </p:sp>
-      <p:sp>
-        <p:nvSpPr>
-          <p:cNvPr id="3" name="Content Placeholder 2">
-            <a:extLst>
-              <a:ext uri="{FF2B5EF4-FFF2-40B4-BE49-F238E27FC236}">
-                <a16:creationId xmlns:a16="http://schemas.microsoft.com/office/drawing/2014/main" id="{0CD35502-F357-4528-9C06-FAF303E25F00}"/>
-              </a:ext>
-            </a:extLst>
-          </p:cNvPr>
-          <p:cNvSpPr>
-            <a:spLocks noGrp="1"/>
-          </p:cNvSpPr>
-          <p:nvPr>
-            <p:ph idx="1"/>
-          </p:nvPr>
-        </p:nvSpPr>
-        <p:spPr/>
-        <p:txBody>
-          <a:bodyPr/>
-          <a:lstStyle/>
-          <a:p>
-            <a:r>
-              <a:rPr lang="en-US" dirty="0"/>
-              <a:t>In a function definition, </a:t>
-            </a:r>
-            <a:r>
-              <a:rPr lang="en-US" b="1" i="1" dirty="0"/>
-              <a:t>this</a:t>
-            </a:r>
-            <a:r>
-              <a:rPr lang="en-US" dirty="0"/>
-              <a:t> refers to the “owner” of the function</a:t>
-            </a:r>
-          </a:p>
-          <a:p>
-            <a:r>
-              <a:rPr lang="en-US" dirty="0"/>
-              <a:t>In the example earlier, </a:t>
-            </a:r>
-            <a:r>
-              <a:rPr lang="en-US" b="1" i="1" dirty="0"/>
-              <a:t>this</a:t>
-            </a:r>
-            <a:r>
-              <a:rPr lang="en-US" dirty="0"/>
-              <a:t> is the </a:t>
-            </a:r>
-            <a:r>
-              <a:rPr lang="en-US" b="1" i="1" dirty="0"/>
-              <a:t>person object</a:t>
-            </a:r>
-            <a:r>
-              <a:rPr lang="en-US" dirty="0"/>
-              <a:t> that “owns” the </a:t>
-            </a:r>
-            <a:r>
-              <a:rPr lang="en-US" b="1" i="1" dirty="0" err="1"/>
-              <a:t>fullName</a:t>
-            </a:r>
-            <a:r>
-              <a:rPr lang="en-US" dirty="0"/>
-              <a:t> function</a:t>
-            </a:r>
-          </a:p>
-          <a:p>
-            <a:r>
-              <a:rPr lang="en-US" dirty="0"/>
-              <a:t>In other words, </a:t>
-            </a:r>
-            <a:r>
-              <a:rPr lang="en-US" b="1" i="1" dirty="0" err="1"/>
-              <a:t>this.firstName</a:t>
-            </a:r>
-            <a:r>
-              <a:rPr lang="en-US" dirty="0"/>
-              <a:t> means the </a:t>
-            </a:r>
-            <a:r>
-              <a:rPr lang="en-US" b="1" i="1" dirty="0" err="1"/>
-              <a:t>firstName</a:t>
-            </a:r>
-            <a:r>
-              <a:rPr lang="en-US" dirty="0"/>
-              <a:t> property of </a:t>
-            </a:r>
-            <a:r>
-              <a:rPr lang="en-US" b="1" i="1" dirty="0"/>
-              <a:t>this object</a:t>
-            </a:r>
-            <a:endParaRPr lang="en-US" dirty="0"/>
-          </a:p>
-        </p:txBody>
-      </p:sp>
-    </p:spTree>
-    <p:extLst>
-      <p:ext uri="{BB962C8B-B14F-4D97-AF65-F5344CB8AC3E}">
-        <p14:creationId xmlns:p14="http://schemas.microsoft.com/office/powerpoint/2010/main" val="1001808533"/>
-      </p:ext>
-    </p:extLst>
-  </p:cSld>
-  <p:clrMapOvr>
-    <a:masterClrMapping/>
-  </p:clrMapOvr>
-</p:sld>
-</file>
-
 <file path=ppt/slides/slide46.xml><?xml version="1.0" encoding="utf-8"?>
 <p:sld xmlns:a="http://schemas.openxmlformats.org/drawingml/2006/main" xmlns:r="http://schemas.openxmlformats.org/officeDocument/2006/relationships" xmlns:p="http://schemas.openxmlformats.org/presentationml/2006/main">
   <p:cSld>
@@ -9551,7 +11940,7 @@
           <p:cNvPr id="2" name="Title 1">
             <a:extLst>
               <a:ext uri="{FF2B5EF4-FFF2-40B4-BE49-F238E27FC236}">
-                <a16:creationId xmlns:a16="http://schemas.microsoft.com/office/drawing/2014/main" id="{AF1FB109-CBB0-44ED-AC6A-D70A3A862C23}"/>
+                <a16:creationId xmlns:a16="http://schemas.microsoft.com/office/drawing/2014/main" id="{5CC514A4-9DBB-4BEF-A565-5C12BFAD4C00}"/>
               </a:ext>
             </a:extLst>
           </p:cNvPr>
@@ -9569,7 +11958,15 @@
           <a:p>
             <a:r>
               <a:rPr lang="en-US" dirty="0"/>
-              <a:t>Accessing Object Methods</a:t>
+              <a:t>The </a:t>
+            </a:r>
+            <a:r>
+              <a:rPr lang="en-US" b="1" i="1" dirty="0"/>
+              <a:t>this</a:t>
+            </a:r>
+            <a:r>
+              <a:rPr lang="en-US" dirty="0"/>
+              <a:t> Keyword</a:t>
             </a:r>
           </a:p>
         </p:txBody>
@@ -9579,7 +11976,7 @@
           <p:cNvPr id="3" name="Content Placeholder 2">
             <a:extLst>
               <a:ext uri="{FF2B5EF4-FFF2-40B4-BE49-F238E27FC236}">
-                <a16:creationId xmlns:a16="http://schemas.microsoft.com/office/drawing/2014/main" id="{A0402F82-C889-48E5-A6B6-7AD9DD7A44BE}"/>
+                <a16:creationId xmlns:a16="http://schemas.microsoft.com/office/drawing/2014/main" id="{0CD35502-F357-4528-9C06-FAF303E25F00}"/>
               </a:ext>
             </a:extLst>
           </p:cNvPr>
@@ -9597,98 +11994,80 @@
           <a:p>
             <a:r>
               <a:rPr lang="en-US" dirty="0"/>
-              <a:t>You can access an object method with the following syntax</a:t>
-            </a:r>
-          </a:p>
-          <a:p>
-            <a:r>
-              <a:rPr lang="en-US" dirty="0"/>
-              <a:t>If you access a method without the parentheses, it will return the </a:t>
+              <a:t>In a function definition, </a:t>
             </a:r>
             <a:r>
               <a:rPr lang="en-US" b="1" i="1" dirty="0"/>
-              <a:t>function definition</a:t>
+              <a:t>this</a:t>
+            </a:r>
+            <a:r>
+              <a:rPr lang="en-US" dirty="0"/>
+              <a:t> refers to the “owner” of the function</a:t>
+            </a:r>
+          </a:p>
+          <a:p>
+            <a:r>
+              <a:rPr lang="en-US" dirty="0"/>
+              <a:t>In the example earlier, </a:t>
+            </a:r>
+            <a:r>
+              <a:rPr lang="en-US" b="1" i="1" dirty="0"/>
+              <a:t>this</a:t>
+            </a:r>
+            <a:r>
+              <a:rPr lang="en-US" dirty="0"/>
+              <a:t> is the </a:t>
+            </a:r>
+            <a:r>
+              <a:rPr lang="en-US" b="1" i="1" dirty="0"/>
+              <a:t>person object</a:t>
+            </a:r>
+            <a:r>
+              <a:rPr lang="en-US" dirty="0"/>
+              <a:t> that “owns” the </a:t>
+            </a:r>
+            <a:r>
+              <a:rPr lang="en-US" b="1" i="1" dirty="0" err="1"/>
+              <a:t>fullName</a:t>
+            </a:r>
+            <a:r>
+              <a:rPr lang="en-US" dirty="0"/>
+              <a:t> function</a:t>
+            </a:r>
+          </a:p>
+          <a:p>
+            <a:r>
+              <a:rPr lang="en-US" dirty="0"/>
+              <a:t>In other words, </a:t>
+            </a:r>
+            <a:r>
+              <a:rPr lang="en-US" b="1" i="1" dirty="0" err="1"/>
+              <a:t>this.firstName</a:t>
+            </a:r>
+            <a:r>
+              <a:rPr lang="en-US" dirty="0"/>
+              <a:t> means the </a:t>
+            </a:r>
+            <a:r>
+              <a:rPr lang="en-US" b="1" i="1" dirty="0" err="1"/>
+              <a:t>firstName</a:t>
+            </a:r>
+            <a:r>
+              <a:rPr lang="en-US" dirty="0"/>
+              <a:t> property of </a:t>
+            </a:r>
+            <a:r>
+              <a:rPr lang="en-US" b="1" i="1" dirty="0"/>
+              <a:t>this object</a:t>
             </a:r>
             <a:endParaRPr lang="en-US" dirty="0"/>
           </a:p>
         </p:txBody>
       </p:sp>
-      <p:pic>
-        <p:nvPicPr>
-          <p:cNvPr id="5" name="Picture 4">
-            <a:extLst>
-              <a:ext uri="{FF2B5EF4-FFF2-40B4-BE49-F238E27FC236}">
-                <a16:creationId xmlns:a16="http://schemas.microsoft.com/office/drawing/2014/main" id="{C44202EC-2FF9-4216-8F47-8DABD3752981}"/>
-              </a:ext>
-            </a:extLst>
-          </p:cNvPr>
-          <p:cNvPicPr>
-            <a:picLocks noChangeAspect="1"/>
-          </p:cNvPicPr>
-          <p:nvPr/>
-        </p:nvPicPr>
-        <p:blipFill>
-          <a:blip r:embed="rId2">
-            <a:extLst>
-              <a:ext uri="{28A0092B-C50C-407E-A947-70E740481C1C}">
-                <a14:useLocalDpi xmlns:a14="http://schemas.microsoft.com/office/drawing/2010/main" val="0"/>
-              </a:ext>
-            </a:extLst>
-          </a:blip>
-          <a:stretch>
-            <a:fillRect/>
-          </a:stretch>
-        </p:blipFill>
-        <p:spPr>
-          <a:xfrm>
-            <a:off x="0" y="5808688"/>
-            <a:ext cx="6096000" cy="1049312"/>
-          </a:xfrm>
-          <a:prstGeom prst="rect">
-            <a:avLst/>
-          </a:prstGeom>
-        </p:spPr>
-      </p:pic>
-      <p:pic>
-        <p:nvPicPr>
-          <p:cNvPr id="7" name="Picture 6">
-            <a:extLst>
-              <a:ext uri="{FF2B5EF4-FFF2-40B4-BE49-F238E27FC236}">
-                <a16:creationId xmlns:a16="http://schemas.microsoft.com/office/drawing/2014/main" id="{01DB302B-E4B4-4FAC-911D-83E26DFB7C70}"/>
-              </a:ext>
-            </a:extLst>
-          </p:cNvPr>
-          <p:cNvPicPr>
-            <a:picLocks noChangeAspect="1"/>
-          </p:cNvPicPr>
-          <p:nvPr/>
-        </p:nvPicPr>
-        <p:blipFill>
-          <a:blip r:embed="rId3">
-            <a:extLst>
-              <a:ext uri="{28A0092B-C50C-407E-A947-70E740481C1C}">
-                <a14:useLocalDpi xmlns:a14="http://schemas.microsoft.com/office/drawing/2010/main" val="0"/>
-              </a:ext>
-            </a:extLst>
-          </a:blip>
-          <a:stretch>
-            <a:fillRect/>
-          </a:stretch>
-        </p:blipFill>
-        <p:spPr>
-          <a:xfrm>
-            <a:off x="6096001" y="5868839"/>
-            <a:ext cx="6096000" cy="989161"/>
-          </a:xfrm>
-          <a:prstGeom prst="rect">
-            <a:avLst/>
-          </a:prstGeom>
-        </p:spPr>
-      </p:pic>
     </p:spTree>
     <p:extLst>
       <p:ext uri="{BB962C8B-B14F-4D97-AF65-F5344CB8AC3E}">
-        <p14:creationId xmlns:p14="http://schemas.microsoft.com/office/powerpoint/2010/main" val="551805323"/>
+        <p14:creationId xmlns:p14="http://schemas.microsoft.com/office/powerpoint/2010/main" val="1001808533"/>
       </p:ext>
     </p:extLst>
   </p:cSld>
@@ -9720,7 +12099,7 @@
           <p:cNvPr id="2" name="Title 1">
             <a:extLst>
               <a:ext uri="{FF2B5EF4-FFF2-40B4-BE49-F238E27FC236}">
-                <a16:creationId xmlns:a16="http://schemas.microsoft.com/office/drawing/2014/main" id="{52C57CB4-E751-45A3-8711-C19CAFC27930}"/>
+                <a16:creationId xmlns:a16="http://schemas.microsoft.com/office/drawing/2014/main" id="{AF1FB109-CBB0-44ED-AC6A-D70A3A862C23}"/>
               </a:ext>
             </a:extLst>
           </p:cNvPr>
@@ -9738,25 +12117,25 @@
           <a:p>
             <a:r>
               <a:rPr lang="en-US" dirty="0"/>
-              <a:t>Events</a:t>
-            </a:r>
-          </a:p>
-        </p:txBody>
-      </p:sp>
-      <p:sp>
-        <p:nvSpPr>
-          <p:cNvPr id="3" name="Text Placeholder 2">
-            <a:extLst>
-              <a:ext uri="{FF2B5EF4-FFF2-40B4-BE49-F238E27FC236}">
-                <a16:creationId xmlns:a16="http://schemas.microsoft.com/office/drawing/2014/main" id="{D4B1EADB-475E-4794-8B20-488CCB668209}"/>
-              </a:ext>
-            </a:extLst>
-          </p:cNvPr>
-          <p:cNvSpPr>
-            <a:spLocks noGrp="1"/>
-          </p:cNvSpPr>
-          <p:nvPr>
-            <p:ph type="body" idx="1"/>
+              <a:t>Accessing Object Methods</a:t>
+            </a:r>
+          </a:p>
+        </p:txBody>
+      </p:sp>
+      <p:sp>
+        <p:nvSpPr>
+          <p:cNvPr id="3" name="Content Placeholder 2">
+            <a:extLst>
+              <a:ext uri="{FF2B5EF4-FFF2-40B4-BE49-F238E27FC236}">
+                <a16:creationId xmlns:a16="http://schemas.microsoft.com/office/drawing/2014/main" id="{A0402F82-C889-48E5-A6B6-7AD9DD7A44BE}"/>
+              </a:ext>
+            </a:extLst>
+          </p:cNvPr>
+          <p:cNvSpPr>
+            <a:spLocks noGrp="1"/>
+          </p:cNvSpPr>
+          <p:nvPr>
+            <p:ph idx="1"/>
           </p:nvPr>
         </p:nvSpPr>
         <p:spPr/>
@@ -9764,14 +12143,151 @@
           <a:bodyPr/>
           <a:lstStyle/>
           <a:p>
-            <a:endParaRPr lang="en-US"/>
-          </a:p>
-        </p:txBody>
-      </p:sp>
+            <a:r>
+              <a:rPr lang="en-US" dirty="0"/>
+              <a:t>You can access an object method with the following syntax</a:t>
+            </a:r>
+          </a:p>
+          <a:p>
+            <a:r>
+              <a:rPr lang="en-US" dirty="0"/>
+              <a:t>If you access a method without the parentheses, it will return the </a:t>
+            </a:r>
+            <a:r>
+              <a:rPr lang="en-US" b="1" i="1" dirty="0"/>
+              <a:t>function definition</a:t>
+            </a:r>
+            <a:endParaRPr lang="en-US" dirty="0"/>
+          </a:p>
+        </p:txBody>
+      </p:sp>
+      <p:pic>
+        <p:nvPicPr>
+          <p:cNvPr id="5" name="Picture 4">
+            <a:extLst>
+              <a:ext uri="{FF2B5EF4-FFF2-40B4-BE49-F238E27FC236}">
+                <a16:creationId xmlns:a16="http://schemas.microsoft.com/office/drawing/2014/main" id="{C44202EC-2FF9-4216-8F47-8DABD3752981}"/>
+              </a:ext>
+            </a:extLst>
+          </p:cNvPr>
+          <p:cNvPicPr>
+            <a:picLocks noChangeAspect="1"/>
+          </p:cNvPicPr>
+          <p:nvPr/>
+        </p:nvPicPr>
+        <p:blipFill>
+          <a:blip r:embed="rId2">
+            <a:extLst>
+              <a:ext uri="{28A0092B-C50C-407E-A947-70E740481C1C}">
+                <a14:useLocalDpi xmlns:a14="http://schemas.microsoft.com/office/drawing/2010/main" val="0"/>
+              </a:ext>
+            </a:extLst>
+          </a:blip>
+          <a:stretch>
+            <a:fillRect/>
+          </a:stretch>
+        </p:blipFill>
+        <p:spPr>
+          <a:xfrm>
+            <a:off x="0" y="5808688"/>
+            <a:ext cx="6096000" cy="1049312"/>
+          </a:xfrm>
+          <a:prstGeom prst="rect">
+            <a:avLst/>
+          </a:prstGeom>
+        </p:spPr>
+      </p:pic>
+      <p:pic>
+        <p:nvPicPr>
+          <p:cNvPr id="7" name="Picture 6">
+            <a:extLst>
+              <a:ext uri="{FF2B5EF4-FFF2-40B4-BE49-F238E27FC236}">
+                <a16:creationId xmlns:a16="http://schemas.microsoft.com/office/drawing/2014/main" id="{01DB302B-E4B4-4FAC-911D-83E26DFB7C70}"/>
+              </a:ext>
+            </a:extLst>
+          </p:cNvPr>
+          <p:cNvPicPr>
+            <a:picLocks noChangeAspect="1"/>
+          </p:cNvPicPr>
+          <p:nvPr/>
+        </p:nvPicPr>
+        <p:blipFill>
+          <a:blip r:embed="rId3">
+            <a:extLst>
+              <a:ext uri="{28A0092B-C50C-407E-A947-70E740481C1C}">
+                <a14:useLocalDpi xmlns:a14="http://schemas.microsoft.com/office/drawing/2010/main" val="0"/>
+              </a:ext>
+            </a:extLst>
+          </a:blip>
+          <a:stretch>
+            <a:fillRect/>
+          </a:stretch>
+        </p:blipFill>
+        <p:spPr>
+          <a:xfrm>
+            <a:off x="6096001" y="5868839"/>
+            <a:ext cx="6096000" cy="989161"/>
+          </a:xfrm>
+          <a:prstGeom prst="rect">
+            <a:avLst/>
+          </a:prstGeom>
+        </p:spPr>
+      </p:pic>
+      <mc:AlternateContent xmlns:mc="http://schemas.openxmlformats.org/markup-compatibility/2006" xmlns:p14="http://schemas.microsoft.com/office/powerpoint/2010/main">
+        <mc:Choice Requires="p14">
+          <p:contentPart p14:bwMode="auto" r:id="rId4">
+            <p14:nvContentPartPr>
+              <p14:cNvPr id="4" name="Ink 3">
+                <a:extLst>
+                  <a:ext uri="{FF2B5EF4-FFF2-40B4-BE49-F238E27FC236}">
+                    <a16:creationId xmlns:a16="http://schemas.microsoft.com/office/drawing/2014/main" id="{3ADD1D1B-B2A5-475C-A172-CD28587113E1}"/>
+                  </a:ext>
+                </a:extLst>
+              </p14:cNvPr>
+              <p14:cNvContentPartPr/>
+              <p14:nvPr/>
+            </p14:nvContentPartPr>
+            <p14:xfrm>
+              <a:off x="5306040" y="6665040"/>
+              <a:ext cx="6824880" cy="71280"/>
+            </p14:xfrm>
+          </p:contentPart>
+        </mc:Choice>
+        <mc:Fallback xmlns="">
+          <p:pic>
+            <p:nvPicPr>
+              <p:cNvPr id="4" name="Ink 3">
+                <a:extLst>
+                  <a:ext uri="{FF2B5EF4-FFF2-40B4-BE49-F238E27FC236}">
+                    <a16:creationId xmlns:a16="http://schemas.microsoft.com/office/drawing/2014/main" id="{3ADD1D1B-B2A5-475C-A172-CD28587113E1}"/>
+                  </a:ext>
+                </a:extLst>
+              </p:cNvPr>
+              <p:cNvPicPr/>
+              <p:nvPr/>
+            </p:nvPicPr>
+            <p:blipFill>
+              <a:blip r:embed="rId5"/>
+              <a:stretch>
+                <a:fillRect/>
+              </a:stretch>
+            </p:blipFill>
+            <p:spPr>
+              <a:xfrm>
+                <a:off x="5296680" y="6655680"/>
+                <a:ext cx="6843600" cy="90000"/>
+              </a:xfrm>
+              <a:prstGeom prst="rect">
+                <a:avLst/>
+              </a:prstGeom>
+            </p:spPr>
+          </p:pic>
+        </mc:Fallback>
+      </mc:AlternateContent>
     </p:spTree>
     <p:extLst>
       <p:ext uri="{BB962C8B-B14F-4D97-AF65-F5344CB8AC3E}">
-        <p14:creationId xmlns:p14="http://schemas.microsoft.com/office/powerpoint/2010/main" val="3481970053"/>
+        <p14:creationId xmlns:p14="http://schemas.microsoft.com/office/powerpoint/2010/main" val="551805323"/>
       </p:ext>
     </p:extLst>
   </p:cSld>
@@ -9803,7 +12319,7 @@
           <p:cNvPr id="2" name="Title 1">
             <a:extLst>
               <a:ext uri="{FF2B5EF4-FFF2-40B4-BE49-F238E27FC236}">
-                <a16:creationId xmlns:a16="http://schemas.microsoft.com/office/drawing/2014/main" id="{87A653BB-574D-4FF0-A29B-55E9B8DB259B}"/>
+                <a16:creationId xmlns:a16="http://schemas.microsoft.com/office/drawing/2014/main" id="{52C57CB4-E751-45A3-8711-C19CAFC27930}"/>
               </a:ext>
             </a:extLst>
           </p:cNvPr>
@@ -9821,25 +12337,25 @@
           <a:p>
             <a:r>
               <a:rPr lang="en-US" dirty="0"/>
-              <a:t>JavaScript Events</a:t>
-            </a:r>
-          </a:p>
-        </p:txBody>
-      </p:sp>
-      <p:sp>
-        <p:nvSpPr>
-          <p:cNvPr id="3" name="Content Placeholder 2">
-            <a:extLst>
-              <a:ext uri="{FF2B5EF4-FFF2-40B4-BE49-F238E27FC236}">
-                <a16:creationId xmlns:a16="http://schemas.microsoft.com/office/drawing/2014/main" id="{C50E5BBA-750F-4F41-83BA-A31CFEFE6E69}"/>
-              </a:ext>
-            </a:extLst>
-          </p:cNvPr>
-          <p:cNvSpPr>
-            <a:spLocks noGrp="1"/>
-          </p:cNvSpPr>
-          <p:nvPr>
-            <p:ph idx="1"/>
+              <a:t>Events</a:t>
+            </a:r>
+          </a:p>
+        </p:txBody>
+      </p:sp>
+      <p:sp>
+        <p:nvSpPr>
+          <p:cNvPr id="3" name="Text Placeholder 2">
+            <a:extLst>
+              <a:ext uri="{FF2B5EF4-FFF2-40B4-BE49-F238E27FC236}">
+                <a16:creationId xmlns:a16="http://schemas.microsoft.com/office/drawing/2014/main" id="{D4B1EADB-475E-4794-8B20-488CCB668209}"/>
+              </a:ext>
+            </a:extLst>
+          </p:cNvPr>
+          <p:cNvSpPr>
+            <a:spLocks noGrp="1"/>
+          </p:cNvSpPr>
+          <p:nvPr>
+            <p:ph type="body" idx="1"/>
           </p:nvPr>
         </p:nvSpPr>
         <p:spPr/>
@@ -9847,23 +12363,14 @@
           <a:bodyPr/>
           <a:lstStyle/>
           <a:p>
-            <a:r>
-              <a:rPr lang="en-US" dirty="0"/>
-              <a:t>HTML events are “things” that happen to HTML elements</a:t>
-            </a:r>
-          </a:p>
-          <a:p>
-            <a:r>
-              <a:rPr lang="en-US" dirty="0"/>
-              <a:t>When JavaScript is used with HTML pages, JavaScript can “react” to these events</a:t>
-            </a:r>
+            <a:endParaRPr lang="en-US"/>
           </a:p>
         </p:txBody>
       </p:sp>
     </p:spTree>
     <p:extLst>
       <p:ext uri="{BB962C8B-B14F-4D97-AF65-F5344CB8AC3E}">
-        <p14:creationId xmlns:p14="http://schemas.microsoft.com/office/powerpoint/2010/main" val="2313333279"/>
+        <p14:creationId xmlns:p14="http://schemas.microsoft.com/office/powerpoint/2010/main" val="3481970053"/>
       </p:ext>
     </p:extLst>
   </p:cSld>
@@ -9895,7 +12402,7 @@
           <p:cNvPr id="2" name="Title 1">
             <a:extLst>
               <a:ext uri="{FF2B5EF4-FFF2-40B4-BE49-F238E27FC236}">
-                <a16:creationId xmlns:a16="http://schemas.microsoft.com/office/drawing/2014/main" id="{56B7E4AF-EC67-433C-892A-AB97812CF12C}"/>
+                <a16:creationId xmlns:a16="http://schemas.microsoft.com/office/drawing/2014/main" id="{87A653BB-574D-4FF0-A29B-55E9B8DB259B}"/>
               </a:ext>
             </a:extLst>
           </p:cNvPr>
@@ -9913,7 +12420,7 @@
           <a:p>
             <a:r>
               <a:rPr lang="en-US" dirty="0"/>
-              <a:t>HTML Events</a:t>
+              <a:t>JavaScript Events</a:t>
             </a:r>
           </a:p>
         </p:txBody>
@@ -9923,7 +12430,7 @@
           <p:cNvPr id="3" name="Content Placeholder 2">
             <a:extLst>
               <a:ext uri="{FF2B5EF4-FFF2-40B4-BE49-F238E27FC236}">
-                <a16:creationId xmlns:a16="http://schemas.microsoft.com/office/drawing/2014/main" id="{1B19ACE7-43FB-4C6B-95E8-8D55643756E3}"/>
+                <a16:creationId xmlns:a16="http://schemas.microsoft.com/office/drawing/2014/main" id="{C50E5BBA-750F-4F41-83BA-A31CFEFE6E69}"/>
               </a:ext>
             </a:extLst>
           </p:cNvPr>
@@ -9941,19 +12448,13 @@
           <a:p>
             <a:r>
               <a:rPr lang="en-US" dirty="0"/>
-              <a:t>An HTML event can be something the browser does, or something a user does</a:t>
-            </a:r>
-          </a:p>
-          <a:p>
-            <a:r>
-              <a:rPr lang="en-US" dirty="0"/>
-              <a:t>Here are some examples of HTML events: a webpage finished loading, an input field was changed, an HTML button was clicked</a:t>
-            </a:r>
-          </a:p>
-          <a:p>
-            <a:r>
-              <a:rPr lang="en-US" dirty="0"/>
-              <a:t>Often, when events happen you want to do something</a:t>
+              <a:t>HTML events are “things” that happen to HTML elements</a:t>
+            </a:r>
+          </a:p>
+          <a:p>
+            <a:r>
+              <a:rPr lang="en-US" dirty="0"/>
+              <a:t>When JavaScript is used with HTML pages, JavaScript can “react” to these events</a:t>
             </a:r>
           </a:p>
         </p:txBody>
@@ -9961,7 +12462,7 @@
     </p:spTree>
     <p:extLst>
       <p:ext uri="{BB962C8B-B14F-4D97-AF65-F5344CB8AC3E}">
-        <p14:creationId xmlns:p14="http://schemas.microsoft.com/office/powerpoint/2010/main" val="344417517"/>
+        <p14:creationId xmlns:p14="http://schemas.microsoft.com/office/powerpoint/2010/main" val="2313333279"/>
       </p:ext>
     </p:extLst>
   </p:cSld>
@@ -10121,7 +12622,7 @@
           <p:cNvPr id="2" name="Title 1">
             <a:extLst>
               <a:ext uri="{FF2B5EF4-FFF2-40B4-BE49-F238E27FC236}">
-                <a16:creationId xmlns:a16="http://schemas.microsoft.com/office/drawing/2014/main" id="{3E421944-911D-4EF9-8442-664898E1F90F}"/>
+                <a16:creationId xmlns:a16="http://schemas.microsoft.com/office/drawing/2014/main" id="{56B7E4AF-EC67-433C-892A-AB97812CF12C}"/>
               </a:ext>
             </a:extLst>
           </p:cNvPr>
@@ -10149,7 +12650,7 @@
           <p:cNvPr id="3" name="Content Placeholder 2">
             <a:extLst>
               <a:ext uri="{FF2B5EF4-FFF2-40B4-BE49-F238E27FC236}">
-                <a16:creationId xmlns:a16="http://schemas.microsoft.com/office/drawing/2014/main" id="{A4C3341D-3412-4F92-9596-98A1B4E2FF00}"/>
+                <a16:creationId xmlns:a16="http://schemas.microsoft.com/office/drawing/2014/main" id="{1B19ACE7-43FB-4C6B-95E8-8D55643756E3}"/>
               </a:ext>
             </a:extLst>
           </p:cNvPr>
@@ -10167,73 +12668,78 @@
           <a:p>
             <a:r>
               <a:rPr lang="en-US" dirty="0"/>
-              <a:t>JavaScript lets you execute code when events are detected</a:t>
-            </a:r>
-          </a:p>
-          <a:p>
-            <a:r>
-              <a:rPr lang="en-US" dirty="0"/>
-              <a:t>HTML allows event handler attributes, </a:t>
-            </a:r>
-            <a:r>
-              <a:rPr lang="en-US" b="1" i="1" dirty="0"/>
-              <a:t>with JavaScript</a:t>
-            </a:r>
-            <a:r>
-              <a:rPr lang="en-US" dirty="0"/>
-              <a:t> </a:t>
-            </a:r>
-            <a:r>
-              <a:rPr lang="en-US" b="1" i="1" dirty="0"/>
-              <a:t>code</a:t>
-            </a:r>
-            <a:r>
-              <a:rPr lang="en-US" dirty="0"/>
-              <a:t>, to be added to HTML elements</a:t>
-            </a:r>
-          </a:p>
-        </p:txBody>
-      </p:sp>
-      <p:pic>
-        <p:nvPicPr>
-          <p:cNvPr id="5" name="Picture 4">
-            <a:extLst>
-              <a:ext uri="{FF2B5EF4-FFF2-40B4-BE49-F238E27FC236}">
-                <a16:creationId xmlns:a16="http://schemas.microsoft.com/office/drawing/2014/main" id="{2AD71BAD-A9E4-4067-8846-AA69BC5F89F3}"/>
-              </a:ext>
-            </a:extLst>
-          </p:cNvPr>
-          <p:cNvPicPr>
-            <a:picLocks noChangeAspect="1"/>
-          </p:cNvPicPr>
-          <p:nvPr/>
-        </p:nvPicPr>
-        <p:blipFill>
-          <a:blip r:embed="rId2">
-            <a:extLst>
-              <a:ext uri="{28A0092B-C50C-407E-A947-70E740481C1C}">
-                <a14:useLocalDpi xmlns:a14="http://schemas.microsoft.com/office/drawing/2010/main" val="0"/>
-              </a:ext>
-            </a:extLst>
-          </a:blip>
-          <a:stretch>
-            <a:fillRect/>
-          </a:stretch>
-        </p:blipFill>
-        <p:spPr>
-          <a:xfrm>
-            <a:off x="0" y="6303232"/>
-            <a:ext cx="12192000" cy="554768"/>
-          </a:xfrm>
-          <a:prstGeom prst="rect">
-            <a:avLst/>
-          </a:prstGeom>
-        </p:spPr>
-      </p:pic>
+              <a:t>An HTML event can be something the browser does, or something a user does</a:t>
+            </a:r>
+          </a:p>
+          <a:p>
+            <a:r>
+              <a:rPr lang="en-US" dirty="0"/>
+              <a:t>Here are some examples of HTML events: a webpage finished loading, an input field was changed, an HTML button was clicked</a:t>
+            </a:r>
+          </a:p>
+          <a:p>
+            <a:r>
+              <a:rPr lang="en-US" dirty="0"/>
+              <a:t>Often, when events happen you want to do something</a:t>
+            </a:r>
+          </a:p>
+        </p:txBody>
+      </p:sp>
+      <mc:AlternateContent xmlns:mc="http://schemas.openxmlformats.org/markup-compatibility/2006" xmlns:p14="http://schemas.microsoft.com/office/powerpoint/2010/main">
+        <mc:Choice Requires="p14">
+          <p:contentPart p14:bwMode="auto" r:id="rId2">
+            <p14:nvContentPartPr>
+              <p14:cNvPr id="4" name="Ink 3">
+                <a:extLst>
+                  <a:ext uri="{FF2B5EF4-FFF2-40B4-BE49-F238E27FC236}">
+                    <a16:creationId xmlns:a16="http://schemas.microsoft.com/office/drawing/2014/main" id="{0A48D308-B8D3-4C5D-A161-67A9590FF2DF}"/>
+                  </a:ext>
+                </a:extLst>
+              </p14:cNvPr>
+              <p14:cNvContentPartPr/>
+              <p14:nvPr/>
+            </p14:nvContentPartPr>
+            <p14:xfrm>
+              <a:off x="1248480" y="4793040"/>
+              <a:ext cx="6115320" cy="1071000"/>
+            </p14:xfrm>
+          </p:contentPart>
+        </mc:Choice>
+        <mc:Fallback xmlns="">
+          <p:pic>
+            <p:nvPicPr>
+              <p:cNvPr id="4" name="Ink 3">
+                <a:extLst>
+                  <a:ext uri="{FF2B5EF4-FFF2-40B4-BE49-F238E27FC236}">
+                    <a16:creationId xmlns:a16="http://schemas.microsoft.com/office/drawing/2014/main" id="{0A48D308-B8D3-4C5D-A161-67A9590FF2DF}"/>
+                  </a:ext>
+                </a:extLst>
+              </p:cNvPr>
+              <p:cNvPicPr/>
+              <p:nvPr/>
+            </p:nvPicPr>
+            <p:blipFill>
+              <a:blip r:embed="rId3"/>
+              <a:stretch>
+                <a:fillRect/>
+              </a:stretch>
+            </p:blipFill>
+            <p:spPr>
+              <a:xfrm>
+                <a:off x="1239120" y="4783680"/>
+                <a:ext cx="6134040" cy="1089720"/>
+              </a:xfrm>
+              <a:prstGeom prst="rect">
+                <a:avLst/>
+              </a:prstGeom>
+            </p:spPr>
+          </p:pic>
+        </mc:Fallback>
+      </mc:AlternateContent>
     </p:spTree>
     <p:extLst>
       <p:ext uri="{BB962C8B-B14F-4D97-AF65-F5344CB8AC3E}">
-        <p14:creationId xmlns:p14="http://schemas.microsoft.com/office/powerpoint/2010/main" val="3830088643"/>
+        <p14:creationId xmlns:p14="http://schemas.microsoft.com/office/powerpoint/2010/main" val="344417517"/>
       </p:ext>
     </p:extLst>
   </p:cSld>
@@ -10265,6 +12771,201 @@
           <p:cNvPr id="2" name="Title 1">
             <a:extLst>
               <a:ext uri="{FF2B5EF4-FFF2-40B4-BE49-F238E27FC236}">
+                <a16:creationId xmlns:a16="http://schemas.microsoft.com/office/drawing/2014/main" id="{3E421944-911D-4EF9-8442-664898E1F90F}"/>
+              </a:ext>
+            </a:extLst>
+          </p:cNvPr>
+          <p:cNvSpPr>
+            <a:spLocks noGrp="1"/>
+          </p:cNvSpPr>
+          <p:nvPr>
+            <p:ph type="title"/>
+          </p:nvPr>
+        </p:nvSpPr>
+        <p:spPr/>
+        <p:txBody>
+          <a:bodyPr/>
+          <a:lstStyle/>
+          <a:p>
+            <a:r>
+              <a:rPr lang="en-US" dirty="0"/>
+              <a:t>HTML Events</a:t>
+            </a:r>
+          </a:p>
+        </p:txBody>
+      </p:sp>
+      <p:sp>
+        <p:nvSpPr>
+          <p:cNvPr id="3" name="Content Placeholder 2">
+            <a:extLst>
+              <a:ext uri="{FF2B5EF4-FFF2-40B4-BE49-F238E27FC236}">
+                <a16:creationId xmlns:a16="http://schemas.microsoft.com/office/drawing/2014/main" id="{A4C3341D-3412-4F92-9596-98A1B4E2FF00}"/>
+              </a:ext>
+            </a:extLst>
+          </p:cNvPr>
+          <p:cNvSpPr>
+            <a:spLocks noGrp="1"/>
+          </p:cNvSpPr>
+          <p:nvPr>
+            <p:ph idx="1"/>
+          </p:nvPr>
+        </p:nvSpPr>
+        <p:spPr/>
+        <p:txBody>
+          <a:bodyPr/>
+          <a:lstStyle/>
+          <a:p>
+            <a:r>
+              <a:rPr lang="en-US" dirty="0"/>
+              <a:t>JavaScript lets you execute code when events are detected</a:t>
+            </a:r>
+          </a:p>
+          <a:p>
+            <a:r>
+              <a:rPr lang="en-US" dirty="0"/>
+              <a:t>HTML allows event handler attributes, </a:t>
+            </a:r>
+            <a:r>
+              <a:rPr lang="en-US" b="1" i="1" dirty="0"/>
+              <a:t>with JavaScript</a:t>
+            </a:r>
+            <a:r>
+              <a:rPr lang="en-US" dirty="0"/>
+              <a:t> </a:t>
+            </a:r>
+            <a:r>
+              <a:rPr lang="en-US" b="1" i="1" dirty="0"/>
+              <a:t>code</a:t>
+            </a:r>
+            <a:r>
+              <a:rPr lang="en-US" dirty="0"/>
+              <a:t>, to be added to HTML elements</a:t>
+            </a:r>
+          </a:p>
+        </p:txBody>
+      </p:sp>
+      <p:pic>
+        <p:nvPicPr>
+          <p:cNvPr id="5" name="Picture 4">
+            <a:extLst>
+              <a:ext uri="{FF2B5EF4-FFF2-40B4-BE49-F238E27FC236}">
+                <a16:creationId xmlns:a16="http://schemas.microsoft.com/office/drawing/2014/main" id="{2AD71BAD-A9E4-4067-8846-AA69BC5F89F3}"/>
+              </a:ext>
+            </a:extLst>
+          </p:cNvPr>
+          <p:cNvPicPr>
+            <a:picLocks noChangeAspect="1"/>
+          </p:cNvPicPr>
+          <p:nvPr/>
+        </p:nvPicPr>
+        <p:blipFill>
+          <a:blip r:embed="rId2">
+            <a:extLst>
+              <a:ext uri="{28A0092B-C50C-407E-A947-70E740481C1C}">
+                <a14:useLocalDpi xmlns:a14="http://schemas.microsoft.com/office/drawing/2010/main" val="0"/>
+              </a:ext>
+            </a:extLst>
+          </a:blip>
+          <a:stretch>
+            <a:fillRect/>
+          </a:stretch>
+        </p:blipFill>
+        <p:spPr>
+          <a:xfrm>
+            <a:off x="0" y="6303232"/>
+            <a:ext cx="12192000" cy="554768"/>
+          </a:xfrm>
+          <a:prstGeom prst="rect">
+            <a:avLst/>
+          </a:prstGeom>
+        </p:spPr>
+      </p:pic>
+      <mc:AlternateContent xmlns:mc="http://schemas.openxmlformats.org/markup-compatibility/2006" xmlns:p14="http://schemas.microsoft.com/office/powerpoint/2010/main">
+        <mc:Choice Requires="p14">
+          <p:contentPart p14:bwMode="auto" r:id="rId3">
+            <p14:nvContentPartPr>
+              <p14:cNvPr id="4" name="Ink 3">
+                <a:extLst>
+                  <a:ext uri="{FF2B5EF4-FFF2-40B4-BE49-F238E27FC236}">
+                    <a16:creationId xmlns:a16="http://schemas.microsoft.com/office/drawing/2014/main" id="{B6A73943-A7CA-4C4F-9EB3-AC1A357B98C1}"/>
+                  </a:ext>
+                </a:extLst>
+              </p14:cNvPr>
+              <p14:cNvContentPartPr/>
+              <p14:nvPr/>
+            </p14:nvContentPartPr>
+            <p14:xfrm>
+              <a:off x="1134000" y="6216480"/>
+              <a:ext cx="1110240" cy="628560"/>
+            </p14:xfrm>
+          </p:contentPart>
+        </mc:Choice>
+        <mc:Fallback xmlns="">
+          <p:pic>
+            <p:nvPicPr>
+              <p:cNvPr id="4" name="Ink 3">
+                <a:extLst>
+                  <a:ext uri="{FF2B5EF4-FFF2-40B4-BE49-F238E27FC236}">
+                    <a16:creationId xmlns:a16="http://schemas.microsoft.com/office/drawing/2014/main" id="{B6A73943-A7CA-4C4F-9EB3-AC1A357B98C1}"/>
+                  </a:ext>
+                </a:extLst>
+              </p:cNvPr>
+              <p:cNvPicPr/>
+              <p:nvPr/>
+            </p:nvPicPr>
+            <p:blipFill>
+              <a:blip r:embed="rId4"/>
+              <a:stretch>
+                <a:fillRect/>
+              </a:stretch>
+            </p:blipFill>
+            <p:spPr>
+              <a:xfrm>
+                <a:off x="1124640" y="6207120"/>
+                <a:ext cx="1128960" cy="647280"/>
+              </a:xfrm>
+              <a:prstGeom prst="rect">
+                <a:avLst/>
+              </a:prstGeom>
+            </p:spPr>
+          </p:pic>
+        </mc:Fallback>
+      </mc:AlternateContent>
+    </p:spTree>
+    <p:extLst>
+      <p:ext uri="{BB962C8B-B14F-4D97-AF65-F5344CB8AC3E}">
+        <p14:creationId xmlns:p14="http://schemas.microsoft.com/office/powerpoint/2010/main" val="3830088643"/>
+      </p:ext>
+    </p:extLst>
+  </p:cSld>
+  <p:clrMapOvr>
+    <a:masterClrMapping/>
+  </p:clrMapOvr>
+</p:sld>
+</file>
+
+<file path=ppt/slides/slide52.xml><?xml version="1.0" encoding="utf-8"?>
+<p:sld xmlns:a="http://schemas.openxmlformats.org/drawingml/2006/main" xmlns:r="http://schemas.openxmlformats.org/officeDocument/2006/relationships" xmlns:p="http://schemas.openxmlformats.org/presentationml/2006/main">
+  <p:cSld>
+    <p:spTree>
+      <p:nvGrpSpPr>
+        <p:cNvPr id="1" name=""/>
+        <p:cNvGrpSpPr/>
+        <p:nvPr/>
+      </p:nvGrpSpPr>
+      <p:grpSpPr>
+        <a:xfrm>
+          <a:off x="0" y="0"/>
+          <a:ext cx="0" cy="0"/>
+          <a:chOff x="0" y="0"/>
+          <a:chExt cx="0" cy="0"/>
+        </a:xfrm>
+      </p:grpSpPr>
+      <p:sp>
+        <p:nvSpPr>
+          <p:cNvPr id="2" name="Title 1">
+            <a:extLst>
+              <a:ext uri="{FF2B5EF4-FFF2-40B4-BE49-F238E27FC236}">
                 <a16:creationId xmlns:a16="http://schemas.microsoft.com/office/drawing/2014/main" id="{D5AEFC79-C96D-1837-93A8-297D73E7E2D2}"/>
               </a:ext>
             </a:extLst>
@@ -10336,7 +13037,7 @@
 </p:sld>
 </file>
 
-<file path=ppt/slides/slide52.xml><?xml version="1.0" encoding="utf-8"?>
+<file path=ppt/slides/slide53.xml><?xml version="1.0" encoding="utf-8"?>
 <p:sld xmlns:a="http://schemas.openxmlformats.org/drawingml/2006/main" xmlns:r="http://schemas.openxmlformats.org/officeDocument/2006/relationships" xmlns:p="http://schemas.openxmlformats.org/presentationml/2006/main">
   <p:cSld>
     <p:spTree>
@@ -10595,6 +13296,57 @@
           </a:prstGeom>
         </p:spPr>
       </p:pic>
+      <mc:AlternateContent xmlns:mc="http://schemas.openxmlformats.org/markup-compatibility/2006" xmlns:p14="http://schemas.microsoft.com/office/powerpoint/2010/main">
+        <mc:Choice Requires="p14">
+          <p:contentPart p14:bwMode="auto" r:id="rId3">
+            <p14:nvContentPartPr>
+              <p14:cNvPr id="4" name="Ink 3">
+                <a:extLst>
+                  <a:ext uri="{FF2B5EF4-FFF2-40B4-BE49-F238E27FC236}">
+                    <a16:creationId xmlns:a16="http://schemas.microsoft.com/office/drawing/2014/main" id="{522E28AB-601D-49C2-9289-F1A6705758B5}"/>
+                  </a:ext>
+                </a:extLst>
+              </p14:cNvPr>
+              <p14:cNvContentPartPr/>
+              <p14:nvPr/>
+            </p14:nvContentPartPr>
+            <p14:xfrm>
+              <a:off x="597240" y="3204000"/>
+              <a:ext cx="3876480" cy="1468080"/>
+            </p14:xfrm>
+          </p:contentPart>
+        </mc:Choice>
+        <mc:Fallback xmlns="">
+          <p:pic>
+            <p:nvPicPr>
+              <p:cNvPr id="4" name="Ink 3">
+                <a:extLst>
+                  <a:ext uri="{FF2B5EF4-FFF2-40B4-BE49-F238E27FC236}">
+                    <a16:creationId xmlns:a16="http://schemas.microsoft.com/office/drawing/2014/main" id="{522E28AB-601D-49C2-9289-F1A6705758B5}"/>
+                  </a:ext>
+                </a:extLst>
+              </p:cNvPr>
+              <p:cNvPicPr/>
+              <p:nvPr/>
+            </p:nvPicPr>
+            <p:blipFill>
+              <a:blip r:embed="rId4"/>
+              <a:stretch>
+                <a:fillRect/>
+              </a:stretch>
+            </p:blipFill>
+            <p:spPr>
+              <a:xfrm>
+                <a:off x="587880" y="3194640"/>
+                <a:ext cx="3895200" cy="1486800"/>
+              </a:xfrm>
+              <a:prstGeom prst="rect">
+                <a:avLst/>
+              </a:prstGeom>
+            </p:spPr>
+          </p:pic>
+        </mc:Fallback>
+      </mc:AlternateContent>
     </p:spTree>
     <p:extLst>
       <p:ext uri="{BB962C8B-B14F-4D97-AF65-F5344CB8AC3E}">
@@ -10753,6 +13505,57 @@
           </a:prstGeom>
         </p:spPr>
       </p:pic>
+      <mc:AlternateContent xmlns:mc="http://schemas.openxmlformats.org/markup-compatibility/2006" xmlns:p14="http://schemas.microsoft.com/office/powerpoint/2010/main">
+        <mc:Choice Requires="p14">
+          <p:contentPart p14:bwMode="auto" r:id="rId4">
+            <p14:nvContentPartPr>
+              <p14:cNvPr id="4" name="Ink 3">
+                <a:extLst>
+                  <a:ext uri="{FF2B5EF4-FFF2-40B4-BE49-F238E27FC236}">
+                    <a16:creationId xmlns:a16="http://schemas.microsoft.com/office/drawing/2014/main" id="{DFC78D17-CDB4-4D29-AD63-3176CE9E233D}"/>
+                  </a:ext>
+                </a:extLst>
+              </p14:cNvPr>
+              <p14:cNvContentPartPr/>
+              <p14:nvPr/>
+            </p14:nvContentPartPr>
+            <p14:xfrm>
+              <a:off x="511200" y="2774520"/>
+              <a:ext cx="11612520" cy="3450960"/>
+            </p14:xfrm>
+          </p:contentPart>
+        </mc:Choice>
+        <mc:Fallback xmlns="">
+          <p:pic>
+            <p:nvPicPr>
+              <p:cNvPr id="4" name="Ink 3">
+                <a:extLst>
+                  <a:ext uri="{FF2B5EF4-FFF2-40B4-BE49-F238E27FC236}">
+                    <a16:creationId xmlns:a16="http://schemas.microsoft.com/office/drawing/2014/main" id="{DFC78D17-CDB4-4D29-AD63-3176CE9E233D}"/>
+                  </a:ext>
+                </a:extLst>
+              </p:cNvPr>
+              <p:cNvPicPr/>
+              <p:nvPr/>
+            </p:nvPicPr>
+            <p:blipFill>
+              <a:blip r:embed="rId5"/>
+              <a:stretch>
+                <a:fillRect/>
+              </a:stretch>
+            </p:blipFill>
+            <p:spPr>
+              <a:xfrm>
+                <a:off x="501840" y="2765160"/>
+                <a:ext cx="11631240" cy="3469680"/>
+              </a:xfrm>
+              <a:prstGeom prst="rect">
+                <a:avLst/>
+              </a:prstGeom>
+            </p:spPr>
+          </p:pic>
+        </mc:Fallback>
+      </mc:AlternateContent>
     </p:spTree>
     <p:extLst>
       <p:ext uri="{BB962C8B-B14F-4D97-AF65-F5344CB8AC3E}">
@@ -10788,7 +13591,7 @@
           <p:cNvPr id="2" name="Title 1">
             <a:extLst>
               <a:ext uri="{FF2B5EF4-FFF2-40B4-BE49-F238E27FC236}">
-                <a16:creationId xmlns:a16="http://schemas.microsoft.com/office/drawing/2014/main" id="{AAADBF19-2DD2-4767-A0ED-1C2B9BB73212}"/>
+                <a16:creationId xmlns:a16="http://schemas.microsoft.com/office/drawing/2014/main" id="{75632C75-5AE9-48AA-BEEF-0334CB03C79C}"/>
               </a:ext>
             </a:extLst>
           </p:cNvPr>
@@ -10806,7 +13609,7 @@
           <a:p>
             <a:r>
               <a:rPr lang="en-US" dirty="0"/>
-              <a:t>JavaScript Numbers</a:t>
+              <a:t>Template (Backtick) Strings</a:t>
             </a:r>
           </a:p>
         </p:txBody>
@@ -10816,7 +13619,7 @@
           <p:cNvPr id="3" name="Content Placeholder 2">
             <a:extLst>
               <a:ext uri="{FF2B5EF4-FFF2-40B4-BE49-F238E27FC236}">
-                <a16:creationId xmlns:a16="http://schemas.microsoft.com/office/drawing/2014/main" id="{05352592-7CE0-4D91-9D4E-A9A0ADF93974}"/>
+                <a16:creationId xmlns:a16="http://schemas.microsoft.com/office/drawing/2014/main" id="{D33843E2-7E61-4D75-B0C9-61EEDFA8CF23}"/>
               </a:ext>
             </a:extLst>
           </p:cNvPr>
@@ -10834,21 +13637,31 @@
           <a:p>
             <a:r>
               <a:rPr lang="en-US" dirty="0"/>
-              <a:t>JavaScript only has one type of number, as opposed to other languages like Java or C++ that have both Integers (whole numbers) and Floats (decimals)</a:t>
-            </a:r>
-          </a:p>
-          <a:p>
-            <a:r>
-              <a:rPr lang="en-US" dirty="0"/>
-              <a:t>Any </a:t>
+              <a:t>A </a:t>
             </a:r>
             <a:r>
               <a:rPr lang="en-US" b="1" i="1" dirty="0"/>
-              <a:t>number</a:t>
-            </a:r>
-            <a:r>
-              <a:rPr lang="en-US" dirty="0"/>
-              <a:t> can be written with or without decimals</a:t>
+              <a:t>template string</a:t>
+            </a:r>
+            <a:r>
+              <a:rPr lang="en-US" dirty="0"/>
+              <a:t> allows you to insert the value of a variable directly into a string</a:t>
+            </a:r>
+          </a:p>
+          <a:p>
+            <a:r>
+              <a:rPr lang="en-US" i="1" dirty="0"/>
+              <a:t>Template strings</a:t>
+            </a:r>
+            <a:r>
+              <a:rPr lang="en-US" dirty="0"/>
+              <a:t> are created using `backticks` instead of normal quotes</a:t>
+            </a:r>
+          </a:p>
+          <a:p>
+            <a:r>
+              <a:rPr lang="en-US" dirty="0"/>
+              <a:t>To insert a variable you must use the following syntax</a:t>
             </a:r>
           </a:p>
         </p:txBody>
@@ -10858,7 +13671,7 @@
           <p:cNvPr id="5" name="Picture 4">
             <a:extLst>
               <a:ext uri="{FF2B5EF4-FFF2-40B4-BE49-F238E27FC236}">
-                <a16:creationId xmlns:a16="http://schemas.microsoft.com/office/drawing/2014/main" id="{0F67258B-E37F-4F62-A485-31E6946B1E12}"/>
+                <a16:creationId xmlns:a16="http://schemas.microsoft.com/office/drawing/2014/main" id="{CE52FF36-2699-41B0-9AC8-7A1077C69A90}"/>
               </a:ext>
             </a:extLst>
           </p:cNvPr>
@@ -10881,8 +13694,8 @@
         </p:blipFill>
         <p:spPr>
           <a:xfrm>
-            <a:off x="6992471" y="3565510"/>
-            <a:ext cx="5199529" cy="3292490"/>
+            <a:off x="6096001" y="4693479"/>
+            <a:ext cx="6096000" cy="2164521"/>
           </a:xfrm>
           <a:prstGeom prst="rect">
             <a:avLst/>
@@ -10892,7 +13705,7 @@
     </p:spTree>
     <p:extLst>
       <p:ext uri="{BB962C8B-B14F-4D97-AF65-F5344CB8AC3E}">
-        <p14:creationId xmlns:p14="http://schemas.microsoft.com/office/powerpoint/2010/main" val="1807136680"/>
+        <p14:creationId xmlns:p14="http://schemas.microsoft.com/office/powerpoint/2010/main" val="886468497"/>
       </p:ext>
     </p:extLst>
   </p:cSld>
@@ -10924,7 +13737,7 @@
           <p:cNvPr id="2" name="Title 1">
             <a:extLst>
               <a:ext uri="{FF2B5EF4-FFF2-40B4-BE49-F238E27FC236}">
-                <a16:creationId xmlns:a16="http://schemas.microsoft.com/office/drawing/2014/main" id="{ABDCA732-A6EE-44C2-9C5F-D197F58E1442}"/>
+                <a16:creationId xmlns:a16="http://schemas.microsoft.com/office/drawing/2014/main" id="{AAADBF19-2DD2-4767-A0ED-1C2B9BB73212}"/>
               </a:ext>
             </a:extLst>
           </p:cNvPr>
@@ -10952,7 +13765,7 @@
           <p:cNvPr id="3" name="Content Placeholder 2">
             <a:extLst>
               <a:ext uri="{FF2B5EF4-FFF2-40B4-BE49-F238E27FC236}">
-                <a16:creationId xmlns:a16="http://schemas.microsoft.com/office/drawing/2014/main" id="{6117B8D8-3548-4B76-B727-85D10A41732F}"/>
+                <a16:creationId xmlns:a16="http://schemas.microsoft.com/office/drawing/2014/main" id="{05352592-7CE0-4D91-9D4E-A9A0ADF93974}"/>
               </a:ext>
             </a:extLst>
           </p:cNvPr>
@@ -10970,7 +13783,21 @@
           <a:p>
             <a:r>
               <a:rPr lang="en-US" dirty="0"/>
-              <a:t>Abnormally large or small numbers can be written with scientific (exponential) notation</a:t>
+              <a:t>JavaScript only has one type of number, as opposed to other languages like Java or C++ that have both Integers (whole numbers) and Floats (decimals)</a:t>
+            </a:r>
+          </a:p>
+          <a:p>
+            <a:r>
+              <a:rPr lang="en-US" dirty="0"/>
+              <a:t>Any </a:t>
+            </a:r>
+            <a:r>
+              <a:rPr lang="en-US" b="1" i="1" dirty="0"/>
+              <a:t>number</a:t>
+            </a:r>
+            <a:r>
+              <a:rPr lang="en-US" dirty="0"/>
+              <a:t> can be written with or without decimals</a:t>
             </a:r>
           </a:p>
         </p:txBody>
@@ -10980,7 +13807,7 @@
           <p:cNvPr id="5" name="Picture 4">
             <a:extLst>
               <a:ext uri="{FF2B5EF4-FFF2-40B4-BE49-F238E27FC236}">
-                <a16:creationId xmlns:a16="http://schemas.microsoft.com/office/drawing/2014/main" id="{ED19C1F3-63E0-4C78-AD07-74EE8F42C04D}"/>
+                <a16:creationId xmlns:a16="http://schemas.microsoft.com/office/drawing/2014/main" id="{0F67258B-E37F-4F62-A485-31E6946B1E12}"/>
               </a:ext>
             </a:extLst>
           </p:cNvPr>
@@ -11003,44 +13830,8 @@
         </p:blipFill>
         <p:spPr>
           <a:xfrm>
-            <a:off x="6400800" y="3379749"/>
-            <a:ext cx="5791201" cy="3478251"/>
-          </a:xfrm>
-          <a:prstGeom prst="rect">
-            <a:avLst/>
-          </a:prstGeom>
-        </p:spPr>
-      </p:pic>
-      <p:pic>
-        <p:nvPicPr>
-          <p:cNvPr id="7" name="Picture 6">
-            <a:extLst>
-              <a:ext uri="{FF2B5EF4-FFF2-40B4-BE49-F238E27FC236}">
-                <a16:creationId xmlns:a16="http://schemas.microsoft.com/office/drawing/2014/main" id="{34DAEAD3-490E-43B3-8D00-97629B5DF822}"/>
-              </a:ext>
-            </a:extLst>
-          </p:cNvPr>
-          <p:cNvPicPr>
-            <a:picLocks noChangeAspect="1"/>
-          </p:cNvPicPr>
-          <p:nvPr/>
-        </p:nvPicPr>
-        <p:blipFill>
-          <a:blip r:embed="rId3">
-            <a:extLst>
-              <a:ext uri="{28A0092B-C50C-407E-A947-70E740481C1C}">
-                <a14:useLocalDpi xmlns:a14="http://schemas.microsoft.com/office/drawing/2010/main" val="0"/>
-              </a:ext>
-            </a:extLst>
-          </a:blip>
-          <a:stretch>
-            <a:fillRect/>
-          </a:stretch>
-        </p:blipFill>
-        <p:spPr>
-          <a:xfrm>
-            <a:off x="0" y="3379749"/>
-            <a:ext cx="6487932" cy="3478252"/>
+            <a:off x="6992471" y="3565510"/>
+            <a:ext cx="5199529" cy="3292490"/>
           </a:xfrm>
           <a:prstGeom prst="rect">
             <a:avLst/>
@@ -11050,7 +13841,7 @@
     </p:spTree>
     <p:extLst>
       <p:ext uri="{BB962C8B-B14F-4D97-AF65-F5344CB8AC3E}">
-        <p14:creationId xmlns:p14="http://schemas.microsoft.com/office/powerpoint/2010/main" val="304802283"/>
+        <p14:creationId xmlns:p14="http://schemas.microsoft.com/office/powerpoint/2010/main" val="1807136680"/>
       </p:ext>
     </p:extLst>
   </p:cSld>

--- a/slides/Module 3 - Data Types.pptx
+++ b/slides/Module 3 - Data Types.pptx
@@ -5,7 +5,7 @@
     <p:sldMasterId id="2147483689" r:id="rId1"/>
   </p:sldMasterIdLst>
   <p:notesMasterIdLst>
-    <p:notesMasterId r:id="rId55"/>
+    <p:notesMasterId r:id="rId56"/>
   </p:notesMasterIdLst>
   <p:sldIdLst>
     <p:sldId id="256" r:id="rId2"/>
@@ -16,51 +16,52 @@
     <p:sldId id="288" r:id="rId7"/>
     <p:sldId id="289" r:id="rId8"/>
     <p:sldId id="334" r:id="rId9"/>
-    <p:sldId id="290" r:id="rId10"/>
-    <p:sldId id="291" r:id="rId11"/>
-    <p:sldId id="292" r:id="rId12"/>
-    <p:sldId id="293" r:id="rId13"/>
-    <p:sldId id="294" r:id="rId14"/>
-    <p:sldId id="295" r:id="rId15"/>
-    <p:sldId id="296" r:id="rId16"/>
-    <p:sldId id="297" r:id="rId17"/>
-    <p:sldId id="298" r:id="rId18"/>
-    <p:sldId id="299" r:id="rId19"/>
-    <p:sldId id="300" r:id="rId20"/>
-    <p:sldId id="301" r:id="rId21"/>
-    <p:sldId id="302" r:id="rId22"/>
-    <p:sldId id="303" r:id="rId23"/>
-    <p:sldId id="304" r:id="rId24"/>
-    <p:sldId id="305" r:id="rId25"/>
-    <p:sldId id="306" r:id="rId26"/>
-    <p:sldId id="307" r:id="rId27"/>
-    <p:sldId id="308" r:id="rId28"/>
-    <p:sldId id="309" r:id="rId29"/>
-    <p:sldId id="310" r:id="rId30"/>
-    <p:sldId id="311" r:id="rId31"/>
-    <p:sldId id="312" r:id="rId32"/>
-    <p:sldId id="313" r:id="rId33"/>
-    <p:sldId id="314" r:id="rId34"/>
-    <p:sldId id="315" r:id="rId35"/>
-    <p:sldId id="316" r:id="rId36"/>
-    <p:sldId id="317" r:id="rId37"/>
-    <p:sldId id="318" r:id="rId38"/>
-    <p:sldId id="319" r:id="rId39"/>
-    <p:sldId id="320" r:id="rId40"/>
-    <p:sldId id="321" r:id="rId41"/>
-    <p:sldId id="322" r:id="rId42"/>
-    <p:sldId id="323" r:id="rId43"/>
-    <p:sldId id="324" r:id="rId44"/>
-    <p:sldId id="325" r:id="rId45"/>
-    <p:sldId id="326" r:id="rId46"/>
-    <p:sldId id="327" r:id="rId47"/>
-    <p:sldId id="328" r:id="rId48"/>
-    <p:sldId id="329" r:id="rId49"/>
-    <p:sldId id="330" r:id="rId50"/>
-    <p:sldId id="331" r:id="rId51"/>
-    <p:sldId id="332" r:id="rId52"/>
-    <p:sldId id="333" r:id="rId53"/>
-    <p:sldId id="283" r:id="rId54"/>
+    <p:sldId id="292" r:id="rId10"/>
+    <p:sldId id="290" r:id="rId11"/>
+    <p:sldId id="291" r:id="rId12"/>
+    <p:sldId id="335" r:id="rId13"/>
+    <p:sldId id="336" r:id="rId14"/>
+    <p:sldId id="293" r:id="rId15"/>
+    <p:sldId id="294" r:id="rId16"/>
+    <p:sldId id="295" r:id="rId17"/>
+    <p:sldId id="296" r:id="rId18"/>
+    <p:sldId id="297" r:id="rId19"/>
+    <p:sldId id="298" r:id="rId20"/>
+    <p:sldId id="299" r:id="rId21"/>
+    <p:sldId id="300" r:id="rId22"/>
+    <p:sldId id="301" r:id="rId23"/>
+    <p:sldId id="302" r:id="rId24"/>
+    <p:sldId id="303" r:id="rId25"/>
+    <p:sldId id="304" r:id="rId26"/>
+    <p:sldId id="305" r:id="rId27"/>
+    <p:sldId id="306" r:id="rId28"/>
+    <p:sldId id="307" r:id="rId29"/>
+    <p:sldId id="308" r:id="rId30"/>
+    <p:sldId id="309" r:id="rId31"/>
+    <p:sldId id="310" r:id="rId32"/>
+    <p:sldId id="311" r:id="rId33"/>
+    <p:sldId id="312" r:id="rId34"/>
+    <p:sldId id="313" r:id="rId35"/>
+    <p:sldId id="314" r:id="rId36"/>
+    <p:sldId id="315" r:id="rId37"/>
+    <p:sldId id="316" r:id="rId38"/>
+    <p:sldId id="317" r:id="rId39"/>
+    <p:sldId id="318" r:id="rId40"/>
+    <p:sldId id="319" r:id="rId41"/>
+    <p:sldId id="320" r:id="rId42"/>
+    <p:sldId id="321" r:id="rId43"/>
+    <p:sldId id="322" r:id="rId44"/>
+    <p:sldId id="323" r:id="rId45"/>
+    <p:sldId id="324" r:id="rId46"/>
+    <p:sldId id="325" r:id="rId47"/>
+    <p:sldId id="326" r:id="rId48"/>
+    <p:sldId id="327" r:id="rId49"/>
+    <p:sldId id="328" r:id="rId50"/>
+    <p:sldId id="329" r:id="rId51"/>
+    <p:sldId id="330" r:id="rId52"/>
+    <p:sldId id="331" r:id="rId53"/>
+    <p:sldId id="332" r:id="rId54"/>
+    <p:sldId id="333" r:id="rId55"/>
   </p:sldIdLst>
   <p:sldSz cx="12192000" cy="6858000"/>
   <p:notesSz cx="6858000" cy="9144000"/>
@@ -167,1324 +168,6 @@
 </p:presentation>
 </file>
 
-<file path=ppt/ink/ink1.xml><?xml version="1.0" encoding="utf-8"?>
-<inkml:ink xmlns:inkml="http://www.w3.org/2003/InkML">
-  <inkml:definitions>
-    <inkml:context xml:id="ctx0">
-      <inkml:inkSource xml:id="inkSrc0">
-        <inkml:traceFormat>
-          <inkml:channel name="X" type="integer" max="32767" units="cm"/>
-          <inkml:channel name="Y" type="integer" max="32767" units="cm"/>
-          <inkml:channel name="F" type="integer" max="1024" units="dev"/>
-          <inkml:channel name="T" type="integer" max="2.14748E9" units="dev"/>
-        </inkml:traceFormat>
-        <inkml:channelProperties>
-          <inkml:channelProperty channel="X" name="resolution" value="325.74808" units="1/cm"/>
-          <inkml:channelProperty channel="Y" name="resolution" value="571.84991" units="1/cm"/>
-          <inkml:channelProperty channel="F" name="resolution" value="4.0315E-5" units="1/dev"/>
-          <inkml:channelProperty channel="T" name="resolution" value="1" units="1/dev"/>
-        </inkml:channelProperties>
-      </inkml:inkSource>
-      <inkml:timestamp xml:id="ts0" timeString="2023-08-10T13:11:11.553"/>
-    </inkml:context>
-    <inkml:brush xml:id="br0">
-      <inkml:brushProperty name="width" value="0.05292" units="cm"/>
-      <inkml:brushProperty name="height" value="0.05292" units="cm"/>
-      <inkml:brushProperty name="color" value="#FF0000"/>
-    </inkml:brush>
-  </inkml:definitions>
-  <inkml:trace contextRef="#ctx0" brushRef="#br0">4516 11576 200 0,'0'0'0'0,"0"0"0"16,0 0 0-16,0 0 0 16,-6 16 0-16,-2 12 0 15,3 11 0-15,0 7 0 16,-1 11 0-1,-2 11 0 1,1 3 0-16,1 6 0 16,2 2 0-1,0 2 0-15,1-2 0 16,2-1 0 0,0-4 0-16,1-3 0 15,2-10 0 1,1-5 0-16,-2-8 0 15,-2-10 0 1,1-9 0-16,0-7 0 16,0-6 0-16,0-4 0 15,0-12 0 1,0 0 0-16,0 0 0 16,0 0 0-1,0 0 0 1,-9-4 0-16,-1-9 0 15</inkml:trace>
-  <inkml:trace contextRef="#ctx0" brushRef="#br0" timeOffset="528.6">4457 10954 200 0,'0'0'0'0,"0"0"0"16,0 0 0-16,0 0 0 31,0 0 0-31,0 0 0 0,0 0 0 16,0 0 0-1,0 0 0 1,0 0 0-16,0 0 0 0,0 0 0 31,0 0 0-15</inkml:trace>
-  <inkml:trace contextRef="#ctx0" brushRef="#br0" timeOffset="1528.99">4903 11626 200 0,'3'47'0'16,"-2"30"0"-16,3 10 0 16,-1 9 0-1,-2 1 0-15,2 2 0 16,0-3 0-16,2-3 0 15,-1-11 0 1,0-13 0-16,3-9 0 16,-3-11 0-1,0-16 0-15,1-12 0 16,-5-21 0 0,-2 0 0-16,-2-23 0 15,-2-28 0 1,6-23 0-1,10-14 0 1,8-5 0 0,11-3 0-16,9 1 0 0,10 6 0 15,14 6 0 1,6 10 0-16,4 17 0 31,-3 17 0-31,-3 17 0 0,-3 19 0 16,-6 20 0-16,-3 17 0 15,-6 16 0 17,-5 13 0-32,-8 11 0 0,-2 11 0 31,-10 3 0-31,-3 3 0 16,-8-3 0-1,-5-7 0-15,-1-10 0 16,-3-10 0-1,0-8 0 1,2-15 0-16,2-16 0 16</inkml:trace>
-  <inkml:trace contextRef="#ctx0" brushRef="#br0" timeOffset="2007.14">6476 11107 200 0,'3'22'0'0,"3"26"0"16,4 26 0-1,-7 18 0 1,-3 22 0-16,-2 11 0 16,1 4 0-1,1-1 0-15,5 1 0 16,5-6 0-16,2-10 0 16,-5-11 0-1,-3-10 0 1,-6-11 0-16,-7-12 0 15,-8-16 0 1</inkml:trace>
-  <inkml:trace contextRef="#ctx0" brushRef="#br0" timeOffset="2355.07">6030 12112 200 0,'27'-1'0'15,"27"-2"0"-15,27-3 0 0,23 0 0 16,20-4 0 0,17 2 0-1,15 0 0-15,6 4 0 16,4 6 0 0,1 6 0-16,-8 1 0 15,-17-3 0-15</inkml:trace>
-  <inkml:trace contextRef="#ctx0" brushRef="#br0" timeOffset="3349.17">8234 12044 200 0,'3'43'0'0,"1"27"0"15,3 8 0 1,2-1 0 0,-2-6 0-16,-3-11 0 15,0-10 0 1,-1-11 0-16,0-13 0 16,-1-11 0-16,-2-15 0 31,0 0 0-31,1-15 0 15,7-35 0-15,9-25 0 16,13-17 0 0,17-7 0-1,14 3 0-15,13 11 0 16,6 17 0 0,7 25 0-16,-7 23 0 15,-6 27 0-15,-8 27 0 16,-14 19 0-16,-13 12 0 31,-12 7 0-15,-9 3 0-16,-10-7 0 15,-4-8 0-15,-2-10 0 16,1-11 0-16,0-16 0 16</inkml:trace>
-  <inkml:trace contextRef="#ctx0" brushRef="#br0" timeOffset="3871.02">9362 11907 200 0,'-11'40'0'16,"-11"31"0"-16,-1 22 0 15,-2 15 0 1,4-6 0-16,9-15 0 16,12-19 0-1,6-14 0 1,5-17 0-16,8-16 0 15,6-16 0-15,8-18 0 16,7-17 0 0,1-17 0-16,1-15 0 15,0-10 0 1,-6-5 0 0,-7 1 0-16,-7 12 0 15,-6 15 0 1,-3 14 0-16,-2 16 0 15,-4 16 0-15,-2 18 0 16,2 25 0 0,-2 21 0-1,3 11 0-15,3-4 0 16,6-9 0-16,3-12 0 16,7-11 0-1,6-12 0 1,9-12 0-16</inkml:trace>
-  <inkml:trace contextRef="#ctx0" brushRef="#br0" timeOffset="4543.64">10027 12070 200 0,'6'55'0'16,"2"28"0"-16,-2 4 0 15,-1-15 0-15,0-17 0 16,-1-19 0-16,-1-14 0 31,-2-9 0-31,-1-13 0 16,0 0 0-16,0 0 0 0,-1-13 0 31,1-17 0-31,6-20 0 16,4-12 0-1,10-3 0-15,8 4 0 16,3 11 0-16,3 12 0 15,1 14 0 1,-1 16 0 0,-2 17 0-16,-3 18 0 15,-7 14 0-15,-8 6 0 16,-3-7 0 0,-4-9 0-1,-1-10 0-15,0-8 0 0,4-8 0 16,7-12 0-1,12-20 0-15,9-21 0 16,6-12 0 0,4-3 0-1,0 10 0-15,-4 16 0 16,-1 20 0 0,-5 23 0-16,-2 27 0 15,-12 34 0 1,-8 18 0-1,-2 0 0-15,1-10 0 16,6-11 0 0,8-17 0-1</inkml:trace>
-  <inkml:trace contextRef="#ctx0" brushRef="#br0" timeOffset="5051.76">11524 12146 200 0,'0'0'0'0,"0"0"0"16,0 0 0-16,30-1 0 15,28-2 0 1,23-2 0-16,20-4 0 15,11-2 0-15,5-3 0 16,-5 0 0 0,-14 4 0-1,-20-1 0-15</inkml:trace>
-  <inkml:trace contextRef="#ctx0" brushRef="#br0" timeOffset="5289.94">11449 12462 200 0,'0'0'0'0,"20"-5"0"15,33-5 0-15,27-5 0 16,25-2 0-1,16-1 0-15,7 1 0 16,-1 1 0 0,0-3 0-16</inkml:trace>
-  <inkml:trace contextRef="#ctx0" brushRef="#br0" timeOffset="6035.86">13274 11379 200 0,'0'0'0'0,"0"0"0"16,0 0 0-16,-11 14 0 16,-1 10 0-1,6 8 0-15,1 9 0 16,0 11 0 0,-4 8 0-16,-4 3 0 15,-1-5 0 1,3-6 0-16,4-9 0 15,1-7 0 1,2-8 0-16,1-9 0 16,0-8 0-1,3-11 0-15,4-1 0 16,8-14 0 0,14-17 0-16,17-10 0 15,16-2 0 1,20 5 0-16,22 8 0 15,15 10 0 1,8 19 0-16,-4 20 0 16,-15 22 0-1,-25 20 0-15,-33 13 0 16,-34 5 0 0,-32-2 0-16,-25-10 0 15,-22-13 0 1,-14-8 0-16,-15-9 0 15,-8-6 0 1,-3-11 0-16</inkml:trace>
-  <inkml:trace contextRef="#ctx0" brushRef="#br0" timeOffset="6436.9">13140 11473 200 0,'72'-12'0'0,"48"-10"0"0,17-6 0 16,8-4 0-1,6 3 0-15,-1 1 0 32,-8 4 0-32,-9 5 0 15,-24-1 0 1</inkml:trace>
-  <inkml:trace contextRef="#ctx0" brushRef="#br0" timeOffset="6709.31">14637 11431 200 0,'0'0'0'0,"-6"16"0"16,-3 4 0-16</inkml:trace>
-  <inkml:trace contextRef="#ctx0" brushRef="#br0" timeOffset="7145.44">14755 11992 200 0,'23'16'0'0,"9"13"0"15,-8 10 0 1,-13 5 0-16,-13 6 0 16,-17 4 0-1,-8 0 0-15,-5 1 0 16,-4 2 0-1,-8 3 0-15,-6-2 0 16</inkml:trace>
-  <inkml:trace contextRef="#ctx0" brushRef="#br0" timeOffset="12016.2">4424 13510 200 0,'0'0'0'16,"0"0"0"-16,3 28 0 15,2 25 0 1,1 22 0-16,-1 16 0 15,3 13 0 1,-3 6 0 0,5 1 0 15,-1-3 0-15,4-3 0-16,-2-11 0 0,0-5 0 0,-3-9 0 0,-3-12 0 15,0-8 0 1,-1-14 0-16,-1-13 0 15,-2-8 0-15,4-7 0 16,-2-7 0 0,-3-11 0-1,0 0 0-15,0 0 0 16,0 0 0-16,0 0 0 31,0 0 0-31,0 0 0 0,0 0 0 16,0 0 0-16,0 0 0 15,0 0 0 1,0 0 0-16,0 0 0 16,0 0 0-1,0 0 0-15,0 0 0 16,0 0 0-16,0 0 0 16,0 0 0-1,0 0 0-15,0 0 0 16,0 0 0-16,0 0 0 15,0 0 0 1,0 0 0 0,0 0 0-16,0 0 0 15,0 0 0 1,0 0 0 0,0 0 0-16,0 0 0 15,3 9 0 1,2 3 0-16,5 2 0 0,9 0 0 15,9 2 0 1,8 0 0 0,11-7 0-1,10-10 0-15,5-9 0 16,3-4 0 0,1-8 0-16,2-6 0 15,-3-4 0 1,1-4 0-16,-4-5 0 15,-7-7 0 1,-9-5 0-16,-8-6 0 16,-11-2 0-1,-14-2 0 1,-13 0 0-16,-17 2 0 16,-13 1 0-1,-14 7 0-15,-12 9 0 16,-12 13 0-16,-10 13 0 15,-10 18 0 1,-2 14 0 0,2 17 0-16,8 12 0 15,12 14 0 1,14 13 0-16,14 5 0 16,16-3 0-1,22-11 0-15,16-10 0 16,12-16 0-16,12-13 0 15,9-19 0 1</inkml:trace>
-  <inkml:trace contextRef="#ctx0" brushRef="#br0" timeOffset="12729.51">5963 14566 200 0,'0'-23'0'0,"-5"-15"0"0,-6-4 0 31,-11-4 0-31,-10-1 0 0,-11 4 0 16,-8 9 0-1,-8 9 0 1,-6 15 0-16,0 15 0 16,1 21 0-16,5 25 0 15,7 25 0 1,13 17 0 0,12 1 0-16,16-10 0 15,23-16 0 1,19-15 0-1,22-19 0 1,18-19 0-16,13-17 0 16,10-13 0-16,2-10 0 0,-5-7 0 15,-4-6 0 17,-14-3 0-32,-18-4 0 15,-15-6 0-15,-16-1 0 16,-16-5 0-16,-16 0 0 15,-12 3 0 1,-11 9 0-16,-7 8 0 16,-1 8 0-16,3 9 0 15,2 9 0 1,6 8 0-16,8 1 0 16,20 2 0-1</inkml:trace>
-  <inkml:trace contextRef="#ctx0" brushRef="#br0" timeOffset="13278.26">6753 14694 200 0,'8'-13'0'0,"-4"-16"0"16,-8-12 0-16,-11-10 0 15,-12-4 0 1,-14 0 0-16,-12 4 0 15,-10 9 0 1,-4 14 0-16,-5 16 0 16,3 18 0-1,6 21 0-15,6 26 0 16,10 21 0 0,15 11 0-16,16 3 0 15,23-11 0 1,25-9 0-16,20-16 0 15,23-20 0 1,13-18 0-16,7-14 0 16,1-14 0-1,-11-7 0-15,-11-5 0 16,-14-3 0 0,-16-9 0-16,-15-7 0 15,-18-7 0 1,-13-2 0-16,-10 5 0 15,-3 8 0 1,-3 10 0 0</inkml:trace>
-  <inkml:trace contextRef="#ctx0" brushRef="#br0" timeOffset="13772.78">7023 13817 200 0,'0'0'0'0,"0"0"0"0,0 0 0 15,0 0 0 1,0 0 0-16,0 0 0 16,0 0 0-1,-6 16 0-15,-1 15 0 16,5 13 0-1,7 19 0 1,3 24 0-16,4 19 0 16,-1 12 0-16,-2-1 0 15,-1-10 0 1,1-18 0-16,-2-16 0 16,-1-15 0-1,1-16 0 1,-2-15 0-16,2-10 0 15,-7-17 0-15,4 0 0 16</inkml:trace>
-  <inkml:trace contextRef="#ctx0" brushRef="#br0" timeOffset="15276.41">7200 14533 200 0,'5'30'0'0,"10"4"0"15,15-11 0-15,6-14 0 16,7-18 0-1,7-16 0 1,3-14 0-16,1-8 0 16,-4-3 0-1,-9 3 0-15,-6 1 0 16,-13 6 0 0,-12 8 0-16,-10 4 0 15,-13 10 0 1,-18 15 0-16,-15 18 0 15,-6 15 0 1,-2 22 0-16,1 24 0 16,8 20 0-1,14 1 0 1,16-18 0-16,21-21 0 16,18-21 0-16,21-22 0 15,16-22 0 1,11-18 0-16,11-18 0 15,-1-12 0 1,-5 1 0-16</inkml:trace>
-  <inkml:trace contextRef="#ctx0" brushRef="#br0" timeOffset="15804.34">8184 14533 200 0,'-4'-21'0'16,"-5"-15"0"-16,-5-7 0 16,-6-2 0-16,-6 4 0 15,-7 7 0 1,-10 7 0-1,-7 15 0-15,-1 17 0 16,0 19 0-16,5 21 0 16,9 22 0-1,8 13 0 1,11-7 0-16,9-15 0 16,15-16 0-16,13-16 0 15,13-20 0 1,10-16 0-16,8-16 0 15,3-9 0 1,-3-9 0-16,-9-1 0 16,-9 4 0-1,-5 7 0-15,-9 12 0 16,-1 16 0 0,1 17 0-16,-4 20 0 15,3 13 0 1,4 2 0-1,6-6 0-15,6-11 0 16,2-15 0-16,5-12 0 16,-5-16 0-1,-7-12 0-15</inkml:trace>
-  <inkml:trace contextRef="#ctx0" brushRef="#br0" timeOffset="16219">8462 14260 200 0,'4'63'0'0,"5"26"0"16,3 1 0-1,-2-15 0-15,-3-23 0 16,-1-18 0-1,-2-15 0-15,-1-7 0 16,-3-12 0 0,1-1 0-1,1-19 0-15,7-30 0 16,9-23 0-16,14-17 0 16,11 0 0-1,11 12 0-15,6 16 0 16,5 27 0-1,4 23 0-15,0 25 0 16,-5 27 0 0,-12 27 0-1,-12 19 0-15,-12 3 0 32,-8-12 0-32,0-13 0 15,-2-18 0 1</inkml:trace>
-  <inkml:trace contextRef="#ctx0" brushRef="#br0" timeOffset="18030.75">10128 13927 200 0,'0'0'0'16,"0"0"0"-16,0 0 0 16,0 0 0-1,0 21 0-15,-2 25 0 16,3 20 0-16,1 16 0 15,-1 10 0 1,-1-1 0-16,-2-3 0 16,0-11 0-16,-1-15 0 15,3-9 0 1,-1-13 0-16,-1-13 0 16,2-9 0-1,0-8 0-15,0-10 0 16,0 0 0-1,0 0 0-15,0 0 0 16,0 0 0 0,0 0 0-1,0 0 0-15,1-2 0 0,2-2 0 16,4-1 0 0,6 5 0-16,10 1 0 15,12 3 0 1,11 0 0-1,7-5 0-15,5-3 0 16,3-9 0 0,-3-5 0-1,-10 1 0-15,-7-6 0 16,-9-2 0-16,-10-3 0 16,-8-8 0-1,-12-6 0-15,-12-7 0 16,-15 2 0-1,-15 8 0 1,-14 10 0-16,-6 16 0 16,-4 14 0-1,2 20 0-15,3 22 0 16,7 20 0 0,14 12 0-1,16-2 0-15,18-11 0 16,21-12 0-1,21-19 0-15,18-23 0 16,8-17 0 0</inkml:trace>
-  <inkml:trace contextRef="#ctx0" brushRef="#br0" timeOffset="18552.95">10943 14643 200 0,'0'-21'0'0,"-2"-14"0"15,-7-6 0-15,-10-4 0 16,-8 1 0-1,0 5 0-15,-3 8 0 16,-2 12 0 0,0 13 0-16,-1 18 0 15,-1 22 0 1,1 28 0-16,5 16 0 16,13-4 0-1,14-13 0-15,17-19 0 16,16-17 0-1,12-21 0-15,9-17 0 16,8-17 0 0,-3-13 0-1,-5-7 0-15,-11-5 0 16,-18 1 0 0,-12 6 0-16,-14 9 0 15,-11 10 0 1,-10 9 0-16,-9 12 0 15,-5 11 0-15,-1 9 0 16,5 6 0 0,8-2 0-16,25-16 0 15</inkml:trace>
-  <inkml:trace contextRef="#ctx0" brushRef="#br0" timeOffset="18966.9">11524 14626 200 0,'1'-28'0'0,"-6"-18"0"16,-11-7 0-1,-17 1 0-15,-9 9 0 16,-12 11 0 0,-5 16 0-16,0 20 0 15,-4 20 0 1,6 24 0-16,7 14 0 16,14 3 0-1,20-5 0-15,25-11 0 16,21-15 0-1,17-10 0-15,21-18 0 16,9-19 0 0,-2-11 0-1,-5-8 0-15,-12-12 0 16,-9-6 0 0,-14-2 0-1</inkml:trace>
-  <inkml:trace contextRef="#ctx0" brushRef="#br0" timeOffset="19285.25">11776 14021 200 0,'0'0'0'15,"7"16"0"-15,2 19 0 16,-5 18 0 0,-7 24 0-16,-8 20 0 15,-4 7 0 1,3-5 0-16,2-15 0 15,5-15 0 1,2-16 0-16,1-16 0 16</inkml:trace>
-  <inkml:trace contextRef="#ctx0" brushRef="#br0" timeOffset="20012.14">12424 14464 200 0,'49'-10'0'31,"34"-4"0"-31,20 4 0 16,9 0 0-1,-6 6 0 1,-15 4 0-16,-18 2 0 15,-18-3 0 1</inkml:trace>
-  <inkml:trace contextRef="#ctx0" brushRef="#br0" timeOffset="20253">12408 14601 200 0,'86'-10'0'0,"43"-4"0"15,5-2 0-15,-13-1 0 16,-23-2 0-1</inkml:trace>
-  <inkml:trace contextRef="#ctx0" brushRef="#br0" timeOffset="20743.58">14015 14157 200 0,'19'-43'0'0,"2"-17"0"0,-9 4 0 16,-18 10 0-1,-16 13 0-15,-18 11 0 16,-15 15 0 0,-11 13 0-16,-7 19 0 15,-1 13 0 1,1 19 0-1,8 21 0 1,9 22 0-16,9 7 0 16,13-5 0-16,14-15 0 15,10-21 0-15,5-19 0 16,3-16 0 0,-1-11 0-16,-3-11 0 15,-2-10 0 1</inkml:trace>
-  <inkml:trace contextRef="#ctx0" brushRef="#br0" timeOffset="20949.45">13199 14524 200 0,'0'0'0'0,"0"0"0"0,20 9 0 0,21 0 0 31,16-1 0-31,19-2 0 16,11 0 0-1,7 5 0-15,2 0 0 0</inkml:trace>
-  <inkml:trace contextRef="#ctx0" brushRef="#br0" timeOffset="21409.91">14208 14669 200 0,'1'-37'0'0,"-8"-15"0"15,-11 4 0-15,-12 11 0 79,-9 15 0-79,-3 15 0 0,-6 17 0 0,2 14 0 0,4 16 0 0,7 4 0 0,13 1 0 15,17-5 0 48,16-7 0-63,14-6 0 0,13-11 0 0,3-10 0 0,4-6 0 0,-3-4 0 0,-4-6 0 15,0-2 0 1,-2 2 0-16,-7 6 0 16,-4 9 0-1,-3 12 0-15,-2 11 0 16,4 5 0-1,1-1 0 1,11-11 0-16,4-17 0 16</inkml:trace>
-  <inkml:trace contextRef="#ctx0" brushRef="#br0" timeOffset="21702.53">14654 14004 200 0,'0'0'0'0,"0"0"0"15,-4 19 0-15,-3 26 0 16,-2 28 0-1,-3 16 0 1,-3 8 0 0,6-8 0-16,14-14 0 0,8-18 0 31,6-20 0-31,3-22 0 16</inkml:trace>
-  <inkml:trace contextRef="#ctx0" brushRef="#br0" timeOffset="22217.9">15176 14422 200 0,'6'-10'0'0,"0"-4"0"16,-5-2 0-16,-11 0 0 16,-14 3 0-1,-12 5 0-15,-10 5 0 16,-7 3 0 0,-2 3 0-1,2 4 0-15,4 2 0 16,8-2 0-1,9 2 0-15,11 2 0 16,14 1 0 0,19 1 0-16,20 1 0 0,18 3 0 31,20 5 0-31,15 5 0 16,14 4 0-1,0 7 0-15,-7 3 0 16,-20-1 0-1,-25-3 0-15,-24-8 0 16,-19-8 0 0,-19-6 0-16,-12-9 0 15,-12-7 0 1,-11-3 0-16,1-5 0 16,5-8 0-1</inkml:trace>
-  <inkml:trace contextRef="#ctx0" brushRef="#br0" timeOffset="22695.84">15605 14659 200 0,'21'-2'0'0,"10"-4"0"15,8-3 0-15,1-3 0 16,1-2 0 0,-6-3 0-16,-10-5 0 15,-11-4 0 1,-14-4 0-16,-17-1 0 15,-14 1 0 1,-13 8 0-16,-10 11 0 16,-8 19 0-1,-3 16 0 1,3 12 0-16,9 9 0 16,16 1 0-16,24 1 0 15,26-4 0 1,23-3 0-16,19-6 0 15,17-4 0 1,7-6 0-16,-3-6 0 31,-5-8 0-31,-5-10 0 0,-5-16 0 32</inkml:trace>
-  <inkml:trace contextRef="#ctx0" brushRef="#br0" timeOffset="23054.72">16202 14379 200 0,'0'0'0'16,"0"0"0"-16,0 0 0 16,6 14 0-1,5 6 0-15</inkml:trace>
-  <inkml:trace contextRef="#ctx0" brushRef="#br0" timeOffset="23440.35">16295 14822 200 0,'40'40'0'0,"21"23"0"0,-1 11 0 16,-10 1 0-1,-17-3 0 1,-17-6 0-16,-23-6 0 16,-25-7 0-16,-20-9 0 15,-16-18 0 1</inkml:trace>
-  <inkml:trace contextRef="#ctx0" brushRef="#br0" timeOffset="24891.7">4726 16032 200 0,'6'-36'0'0,"-1"-22"0"0,-4-13 0 16,-5-3 0 0,-8 0 0-16,-6 5 0 15,-10 5 0-15,-7 5 0 31,-6 12 0-31,-3 12 0 16,1 15 0 0,1 17 0-16,8 17 0 15,1 26 0 1,7 28 0-16,2 32 0 16,13 30 0-1,11 18 0 1,11 0 0-16,12-3 0 15,4-9 0 1,8-6 0-16,-5-6 0 16,-2-7 0-16,-6-8 0 15,-6-11 0 1,-1-23 0-16,-8-20 0 16,-5-19 0-1,-7-20 0-15,-8-19 0 16,-8-20 0-1,-3-16 0-15,-7-13 0 16,-2-4 0 0</inkml:trace>
-  <inkml:trace contextRef="#ctx0" brushRef="#br0" timeOffset="25151.38">4146 16637 200 0,'0'0'0'0,"0"0"0"0,0 0 0 16,13 9 0-1,20 3 0-15,13-6 0 16,15-8 0 0,9-6 0-16,8-4 0 15,4-1 0 1,-1-3 0-16,-2-1 0 15,-4-3 0 1,-9-7 0-16</inkml:trace>
-  <inkml:trace contextRef="#ctx0" brushRef="#br0" timeOffset="25357.34">5089 16808 200 0</inkml:trace>
-  <inkml:trace contextRef="#ctx0" brushRef="#br0" timeOffset="25843.2">4987 15717 200 0,'-1'58'0'0,"-8"50"0"16,1 39 0-1,-3 19 0-15,4 1 0 16,5-15 0-1,2-23 0-15,2-19 0 16,3-19 0 0,-1-18 0-16,2-17 0 15,-2-18 0 1,-4-38 0-16,3-1 0 16,-1-41 0-1</inkml:trace>
-  <inkml:trace contextRef="#ctx0" brushRef="#br0" timeOffset="26335.05">5509 16705 200 0,'21'14'0'0,"6"2"0"0,-4-3 0 16,-9-5 0-16,-9-12 0 15,-9-17 0 1,-7-17 0-16,-7-12 0 16,-11-6 0-1,-10 3 0-15,-9 5 0 16,-8 18 0-1,-4 19 0-15,0 27 0 16,0 37 0 0,8 42 0-1,7 14 0-15,17-14 0 16,23-18 0-16,23-18 0 16,13-15 0-1,14-18 0-15,8-19 0 16,4-17 0-1,2-18 0 1,-6-17 0-16,-5-21 0 16,-13-12 0-1,-8-3 0-15,-13 12 0 16,-13 19 0 0</inkml:trace>
-  <inkml:trace contextRef="#ctx0" brushRef="#br0" timeOffset="26925.67">6013 16722 200 0,'-8'-17'0'0,"-12"-13"0"15,-9-6 0 1,-10-1 0-16,-7 7 0 16,-8 12 0-1,-3 21 0-15,-2 29 0 16,5 27 0-1,10 19 0-15,17-1 0 16,17-10 0 0,20-11 0-1,13-14 0-15,13-13 0 16,2-14 0-16,8-12 0 16,4-20 0-1,5-15 0-15,-2-16 0 16,-4-10 0-1,-7 0 0 1,-4 14 0-16,-13 22 0 16,-6 26 0-16,-4 24 0 15,-3 21 0 1,5 11 0-16,3-3 0 16,6-11 0-1,10-13 0-15,8-13 0 31,9-19 0-31,0-20 0 0,-3-19 0 16,-10-15 0 0,-11-13 0-16</inkml:trace>
-  <inkml:trace contextRef="#ctx0" brushRef="#br0" timeOffset="27202.78">6409 16134 200 0,'4'14'0'0,"6"21"0"16,2 30 0 0,-6 40 0-1,-4 33 0-15,-4 1 0 16,1-20 0-1,4-30 0-15,4-25 0 16,0-23 0 0,-3-15 0-16,-4-26 0 15,-3-7 0-15,-8-31 0 16,0-18 0 0</inkml:trace>
-  <inkml:trace contextRef="#ctx0" brushRef="#br0" timeOffset="27422.64">6183 16629 200 0,'24'15'0'16,"27"3"0"-16,25-6 0 15,19-10 0 1,12-8 0-16,5-5 0 15,-2-3 0 1,-5-3 0-16,-10-4 0 16,-17-5 0-1</inkml:trace>
-  <inkml:trace contextRef="#ctx0" brushRef="#br0" timeOffset="29725.54">7503 16066 200 0,'0'0'0'0,"0"0"0"15,-7 22 0 1,2 19 0-16,3 17 0 15,0 20 0 1,5 12 0-16,2 2 0 16,2-6 0-16,0-14 0 15,0-12 0 1,-4-12 0-16,0-12 0 16,-2-11 0-16,0-8 0 15,-1-17 0 1,0 0 0-1,-2 0 0-15,2-19 0 16,4-18 0-16,10-10 0 31,5-4 0-31,10 4 0 0,9 4 0 16,5 8 0 0,4 9 0-16,0 13 0 15,2 12 0-15,-5 16 0 31,-9 23 0-31,-8 18 0 0,-8 7 0 16,-3-4 0 0,-5-8 0-1,-1-12 0-15,2-15 0 16,2-15 0-16,5-13 0 16</inkml:trace>
-  <inkml:trace contextRef="#ctx0" brushRef="#br0" timeOffset="30237.54">8336 16697 200 0,'0'0'0'16,"0"0"0"-16,-2-21 0 15,-5-16 0-15,-5-7 0 16,-8 2 0 0,-5 3 0-16,-10 6 0 15,-4 16 0 1,-5 16 0 0,-3 20 0-16,6 15 0 15,7 9 0 1,12 1 0-16,16-6 0 15,12-6 0 1,12-9 0-16,7-10 0 16,12-9 0-1,1-8 0-15,4-6 0 16,-1-5 0 0,-6-1 0-16,-5-4 0 15,-8 4 0 1,-5 5 0-16,-8 6 0 15,-2 10 0-15,1 16 0 16,-1 14 0 0,2 11 0-16,7 1 0 15,6-4 0 1,6-7 0-16,6-11 0 16,6-12 0-1,1-17 0 1,-4-14 0-16</inkml:trace>
-  <inkml:trace contextRef="#ctx0" brushRef="#br0" timeOffset="30532.66">8655 16194 200 0,'0'0'0'0,"0"0"0"0,3 28 0 16,4 23 0-1,2 21 0 1,-4 17 0-16,-1 4 0 15,2-8 0-15,-1-14 0 16,-1-15 0 0,1-22 0-16</inkml:trace>
-  <inkml:trace contextRef="#ctx0" brushRef="#br0" timeOffset="30994.24">9202 16510 200 0,'27'-42'0'0,"5"-23"0"15,-10-8 0 1,-14 4 0 0,-13 6 0-16,-12 9 0 15,-4 12 0 1,-6 12 0-16,-5 17 0 16,-2 22 0-1,-3 19 0-15,-4 24 0 16,2 26 0-1,1 17 0-15,5 11 0 16,11-6 0 0,10-11 0-16,10-13 0 15,7-16 0 1,5-12 0-16,2-15 0 16,-3-14 0-1,-9-17 0 1,-6-19 0-16</inkml:trace>
-  <inkml:trace contextRef="#ctx0" brushRef="#br0" timeOffset="31235.25">8781 16688 200 0,'44'9'0'0,"28"2"0"15,16 0 0 1,3-1 0-16,-2-4 0 16,-6-3 0-1,-4-7 0-15,-4-40 0 16</inkml:trace>
-  <inkml:trace contextRef="#ctx0" brushRef="#br0" timeOffset="31707.1">10002 16407 200 0,'15'5'0'0,"14"5"0"16,20 1 0-16,14-2 0 16,10 3 0-1,7-2 0 1,2 0 0-16,-2-1 0 16,-13-3 0-16</inkml:trace>
-  <inkml:trace contextRef="#ctx0" brushRef="#br0" timeOffset="31977.98">9951 16620 200 0,'107'6'0'0,"42"2"0"16,3-5 0-1,-20-7 0-15</inkml:trace>
-  <inkml:trace contextRef="#ctx0" brushRef="#br0" timeOffset="32836.31">11264 16057 200 0,'-19'-9'0'16,"-1"-4"0"-16,5 3 0 15,10-3 0 1,20 1 0-16,27-5 0 15,18 1 0 1,10 3 0-16,12 4 0 16,6 5 0-1,8 6 0-15,-3 6 0 16,-11 7 0 0,-16 0 0-16,-21 5 0 15,-26-3 0 1,-27 0 0-16,-23 0 0 15,-17 0 0 1,-11 0 0-16,-2-2 0 16,3-3 0-1,7-2 0-15,13-2 0 16,11-2 0-16,15 0 0 16,18 2 0-1,20 3 0-15,23 6 0 16,24 6 0-1,18 9 0-15,7 7 0 16,-3 9 0 0,-11 3 0-16,-23 4 0 15,-27 4 0 1,-25-3 0-16,-24-4 0 16,-26-6 0-1,-19-6 0-15,-15-8 0 16,-8-9 0-1,-6-7 0 1,3-4 0-16,4-3 0 16,7-4 0-16,16-2 0 15,19-1 0 1,14-2 0-16,24-3 0 16</inkml:trace>
-  <inkml:trace contextRef="#ctx0" brushRef="#br0" timeOffset="33092.87">12264 16868 200 0,'0'0'0'16,"0"0"0"-1,0 0 0 1,0 0 0 0,0 0 0-16,0 0 0 15</inkml:trace>
-  <inkml:trace contextRef="#ctx0" brushRef="#br0" timeOffset="33933.4">12989 16126 200 0,'0'0'0'15,"0"0"0"-15,0 0 0 16,-13 11 0-16,-5 13 0 16,-7 6 0-1,-6 9 0-15,-3 3 0 16,0-2 0 0,0-1 0-1,3-2 0-15,1-3 0 16,4-7 0-16,5-5 0 15,7-9 0 1,5-4 0-16,9-9 0 16,0 0 0-16,0 0 0 15,13-5 0 1,19-7 0-16,17-4 0 16,14 3 0-1,13 6 0-15,12 15 0 16,7 17 0-1,4 13 0-15,-7 15 0 16,-14 9 0 0,-25 4 0-16,-25-1 0 15,-22-5 0 1,-21-8 0-16,-20-9 0 16,-14-6 0-1,-13-6 0-15,-9-10 0 16,-7-6 0-1,1-8 0 1,0-7 0-16,7-7 0 16,10-11 0-16,16-8 0 15</inkml:trace>
-  <inkml:trace contextRef="#ctx0" brushRef="#br0" timeOffset="34388.61">12871 16084 200 0,'0'0'0'16,"0"0"0"-16,0 0 0 15,0 0 0 1,21 0 0-16,19 0 0 16,15 2 0-1,12-1 0-15,12 0 0 16,18 3 0 0,7 1 0-16,7 3 0 15,-8 5 0-15,-12-1 0 16,-15-1 0-1,-13-4 0-15</inkml:trace>
-  <inkml:trace contextRef="#ctx0" brushRef="#br0" timeOffset="34721.92">14066 16424 200 0,'0'0'0'0,"0"0"0"15,0 0 0-15</inkml:trace>
-  <inkml:trace contextRef="#ctx0" brushRef="#br0" timeOffset="35123.46">14074 16884 200 0,'0'0'0'0,"11"14"0"16,11 14 0-16,5 5 0 16,-1 13 0-1,1 4 0-15,-9 6 0 16,-12 1 0-16,-20 0 0 31,-29 0 0-31,-25 0 0 0,-12 2 0 16</inkml:trace>
-  <inkml:trace contextRef="#ctx0" brushRef="#br0" timeOffset="139571.66">502 10109 200 0,'0'0'0'0,"0"0"0"15,0 0 0-15,0 0 0 47,0 0 0-47,11 9 0 0,7 9 0 0,10 8 0 16,7 5 0-16,14 7 0 47,15 1 0-47,10 1 0 0,10 3 0 0,9 1 0 15,1 2 0-15,6 1 0 16,-2-1 0 0,-5 1 0-16,-9-4 0 15,-11-5 0 1,-15-7 0 0</inkml:trace>
-  <inkml:trace contextRef="#ctx0" brushRef="#br0" timeOffset="140161.44">1024 10501 200 0,'3'29'0'0,"1"20"0"16,1 14 0-16,-5 5 0 16,-3 7 0-1,-8 2 0-15,-3 2 0 16,-2-8 0 0,3-4 0-16,1-8 0 15,-2-10 0 1,-3-11 0-16,-2-7 0 15,-14-8 0 1,-9-12 0-16,-9-15 0 16,-6-14 0-1,-3-10 0-15,-5-15 0 16,2-11 0 0,0-3 0-1,7 1 0-15,8 6 0 16,7 10 0-1,12 9 0-15,10 7 0 16,7 5 0-16,5 5 0 16</inkml:trace>
-  <inkml:trace contextRef="#ctx0" brushRef="#br0" timeOffset="141304.84">664 12002 200 0,'0'0'0'0,"0"0"0"16,0 0 0-16,16-14 0 0,26-14 0 15,20-7 0 1,13-3 0 0,13-3 0-16,3-1 0 15,6 2 0 1,-5-1 0-16,-2 5 0 15,-12 6 0 1,-8 3 0-16,-14 9 0 16,-11 5 0-16,-16 4 0 31,-11 4 0-31,-6 1 0 16,-12 4 0-16,2 6 0 15,-7 7 0 1,-14 9 0-1,-9 14 0-15,-9 16 0 16,-6 11 0-16,-6 14 0 16,-2 11 0-16,6-1 0 15,10-2 0 1,4-2 0 0,6-5 0-16,-1-4 0 15,2-4 0 1,2-5 0-16,-1-6 0 15,0-11 0-15,2-10 0 32,0-18 0-32,4-22 0 15</inkml:trace>
-  <inkml:trace contextRef="#ctx0" brushRef="#br0" timeOffset="141672.15">872 11907 200 0,'0'0'0'0,"17"18"0"16,10 10 0-1,9 6 0-15,10 6 0 16,6 3 0-1,7-2 0-15,0 0 0 16,5-4 0 0,1-3 0-16,-2-9 0 15</inkml:trace>
-  <inkml:trace contextRef="#ctx0" brushRef="#br0" timeOffset="142587.62">1008 13144 200 0,'0'0'0'0,"0"0"0"16,0 0 0-16,-2 21 0 16,-11 19 0-16,-9 17 0 15,-11 8 0 1,-1 8 0-16,-3 1 0 15,-1 2 0 1,-1-3 0 0,3-4 0-16,7-7 0 15,2-8 0 1,6-10 0 0,4-6 0-16,7-10 0 0,2-9 0 15,5-8 0 1,3-11 0-16,0 0 0 31,0 0 0-31,0 0 0 0,9-4 0 16,9-10 0-1,11-7 0 1,14-2 0-16,12-2 0 16,10 1 0-16,12 3 0 15,9 3 0 1,0 6 0-1,-3 4 0-15,-3 3 0 16,-5 4 0 0,-7 4 0-16,-4 0 0 15,-14-3 0 1,-11-2 0-16,-16-6 0 16</inkml:trace>
-  <inkml:trace contextRef="#ctx0" brushRef="#br0" timeOffset="143554.26">664 14958 200 0,'0'0'0'0,"0"0"0"0,0 0 0 16,0 0 0-1,0 0 0 1,19-5 0-16,21-8 0 16,13-9 0-16,13-6 0 15,10-5 0 1,3-5 0-16,7-1 0 15,1 3 0 1,0 1 0-16,-6 6 0 16,-8 3 0-1,-13 4 0 1,-13 6 0-16,-13 7 0 16,-13 2 0-16,-7 4 0 15,-14 3 0-15,0 8 0 16,-14 13 0-1,-11 16 0-15,-15 16 0 16,-11 13 0 0,-3 15 0-16,-6 13 0 15,0 11 0 1,4 4 0-16,7 1 0 16,9-1 0-1,-2 1 0 1,5-5 0-1,3-6 0-15,5-13 0 16,9-15 0 0,1-18 0-16,-1-24 0 15</inkml:trace>
-  <inkml:trace contextRef="#ctx0" brushRef="#br0" timeOffset="143980.68">916 15026 200 0,'0'0'0'16,"0"0"0"-16,0 0 0 15,3 18 0 1,10 7 0-16,14 6 0 16,9 1 0-1,16 0 0-15,7-3 0 16,5 2 0 0,6-3 0-1,5 1 0-15,0-9 0 16</inkml:trace>
-  <inkml:trace contextRef="#ctx0" brushRef="#br0" timeOffset="145896.59">1816 13637 200 0,'7'12'0'0,"9"4"0"16,5-1 0-16,4-2 0 0,9-4 0 15,5-2 0 1,6-4 0 0,8-3 0-1,6-3 0 1,7-6 0-16,7-3 0 16,8-5 0-16,-1-5 0 15,7-5 0 1,0-6 0-16,-4-12 0 15,0-5 0 1,2-10 0-16,-9-6 0 16,-3-2 0-1,-10-4 0-15,-3-2 0 16,-8 0 0 0,-9 1 0-16,-6 4 0 15,-5 3 0 1,0 5 0-1,-3 5 0-15,-2 8 0 16,-3 4 0 0,-2 8 0-16,-6 5 0 15,-1 4 0-15,-2 8 0 16,2 1 0 0,-5 5 0-16,0 5 0 15,-5 2 0 1,2 2 0-1,-1 7 0-15,-1 3 0 16,-5-6 0-16</inkml:trace>
-  <inkml:trace contextRef="#ctx0" brushRef="#br0" timeOffset="146927.37">1807 13706 200 0,'0'0'0'16,"0"0"0"-16,0 0 0 16,0 0 0-16,0 0 0 15,3 17 0 1,5 9 0-16,4 2 0 16,5 0 0-1,1 0 0-15,7 0 0 16,6 1 0-1,3 3 0-15,8 1 0 16,2 1 0 0,9-2 0-1,8 1 0-15,3 2 0 16,3-2 0-16,4-1 0 16,3-1 0-1,8-1 0-15,1-4 0 16,7-4 0-1,3-3 0-15,1-6 0 16,4-2 0 0,1-1 0-1,1-4 0-15,-1-3 0 16,-5 1 0-16,-4 0 0 16,-5-1 0-1,-11 0 0-15,-12 2 0 16,-8-1 0-16,-11 0 0 15,-12-2 0 1,-4-3 0-16,-10-5 0 16,-4-9 0-1</inkml:trace>
-  <inkml:trace contextRef="#ctx0" brushRef="#br0" timeOffset="147941.75">1875 13902 200 0,'0'0'0'0,"0"0"0"0,0 0 0 16,0 0 0-1,0 0 0-15,3 19 0 16,5 6 0 0,13 2 0-16,7 4 0 15,9-1 0 1,7 4 0-16,11-1 0 16,8 1 0-1,10 1 0-15,3 3 0 16,5 4 0-1,2 5 0-15,0 4 0 16,12 18 0 0,-2 7 0-1,-7 4 0-15,-7 5 0 16,-6 3 0 0,-4 2 0-1,-4 3 0-15,-6 1 0 16,-6 3 0-1,-4 2 0-15,-5 0 0 16,-5 2 0 0,0-1 0-1,-3 1 0-15,-5-2 0 16,-1-3 0-16,-6-5 0 16,-1-9 0-1,-4-2 0-15,-4-8 0 16,1-7 0-1,0-9 0-15,0-9 0 16,-3-8 0 0,0-11 0-1,-4-9 0 17</inkml:trace>
-  <inkml:trace contextRef="#ctx0" brushRef="#br0" timeOffset="148722.09">3926 16032 200 0,'0'0'0'0,"-17"18"0"16,-10 13 0-16,-9 11 0 16,-10 12 0-1,-6 3 0-15,-3 5 0 16,0-3 0 0,6-2 0-16,4-5 0 15,7-8 0 1,7-7 0-16,7-11 0 15,10-11 0 1,6-5 0-16,8-10 0 16,-5 8 0-16,9-1 0 15,13-4 0 1,14-1 0-16,13 2 0 16,13 1 0-1,8 7 0-15,7 0 0 16,-2 1 0-1,-3 0 0-15,-6-1 0 16,-6-4 0 0,-11-3 0-16,-12-2 0 15,-6-3 0 1,-9-6 0-16,-6-11 0 16,-8-12 0-1,-5-10 0-15,-11-6 0 16,-1-6 0-1,-1-7 0 1,1-2 0-16,0 3 0 16,-1 6 0-16,0 5 0 15,-5 7 0 1,-8 2 0 0,-2 0 0-16,2-1 0 15</inkml:trace>
-  <inkml:trace contextRef="#ctx0" brushRef="#br0" timeOffset="149743.81">3885 14157 200 0,'0'-14'0'0,"1"-3"0"15,1 3 0-15,-1 5 0 16,-1 9 0-1,0 0 0-15,1 2 0 16,1 11 0 0,1 14 0-16,-5 13 0 15,0 7 0 1,2 7 0-16,0 2 0 16,0 0 0-1,0-3 0-15,-1-6 0 16,1-4 0-1,0-7 0-15,0-11 0 16,0-7 0 0,0-8 0-16,0-10 0 15,0 0 0 1,0 0 0-16,4-1 0 16,8-12 0-1,10-8 0-15,8-5 0 16,7-4 0-1,9-2 0-15,6 1 0 16,3 2 0 0,-1 7 0-16,-5 6 0 15,-12 6 0 1,-11 4 0-16,-8 1 0 16,-9 2 0-16,-9 3 0 15,0 0 0 1,0 0 0-16,-1-9 0 15,-14-7 0 1,-13-4 0-16,-15-2 0 16,-10-7 0-1,-11-1 0-15,-5-1 0 16,-1 2 0 0,7 0 0-16,6 1 0 15,9-3 0 1,7-2 0-16</inkml:trace>
-  <inkml:trace contextRef="#ctx0" brushRef="#br0" timeOffset="150972.66">3347 12333 200 0,'0'0'0'16,"0"0"0"-16,0 0 0 15,0 0 0 1,9 14 0-16,4 8 0 16,2 7 0-16,0 5 0 15,3 6 0 1,3 2 0 0,2 1 0-16,5-3 0 15,-3-1 0 1,-1-2 0-16,-4-3 0 15,-3-4 0 1,-2-2 0-16,-3-5 0 16,-2-4 0-16,-2-6 0 15,-3-5 0 1,-5-8 0-16,0 0 0 16,0 0 0-1,3-4 0-15,3-12 0 16,1-9 0-1,4-7 0-15,1-3 0 16,6-2 0 0,2-3 0-16,6-6 0 15,2-4 0 1,2 0 0-16,2 0 0 16,8 4 0-1,1 4 0-15,1 3 0 16,-4 2 0-16,-3 5 0 15,-7 6 0 1,-3 5 0-16,-9 4 0 16,-4 7 0-1,-6 2 0-15,-6 8 0 16,4-6 0 0,-4 6 0-16,-7-4 0 15,-9 3 0 1,-18 6 0-16,-5 3 0 15,-12 5 0 1,-16 2 0 0,-9 2 0-16,-9 3 0 15,-1 2 0-15,0 2 0 16,2 3 0 0,0 4 0-16,8 2 0 15</inkml:trace>
-</inkml:ink>
-</file>
-
-<file path=ppt/ink/ink10.xml><?xml version="1.0" encoding="utf-8"?>
-<inkml:ink xmlns:inkml="http://www.w3.org/2003/InkML">
-  <inkml:definitions>
-    <inkml:context xml:id="ctx0">
-      <inkml:inkSource xml:id="inkSrc0">
-        <inkml:traceFormat>
-          <inkml:channel name="X" type="integer" max="32767" units="cm"/>
-          <inkml:channel name="Y" type="integer" max="32767" units="cm"/>
-          <inkml:channel name="F" type="integer" max="1024" units="dev"/>
-          <inkml:channel name="T" type="integer" max="2.14748E9" units="dev"/>
-        </inkml:traceFormat>
-        <inkml:channelProperties>
-          <inkml:channelProperty channel="X" name="resolution" value="325.74808" units="1/cm"/>
-          <inkml:channelProperty channel="Y" name="resolution" value="571.84991" units="1/cm"/>
-          <inkml:channelProperty channel="F" name="resolution" value="4.0315E-5" units="1/dev"/>
-          <inkml:channelProperty channel="T" name="resolution" value="1" units="1/dev"/>
-        </inkml:channelProperties>
-      </inkml:inkSource>
-      <inkml:timestamp xml:id="ts0" timeString="2023-08-10T14:15:41.246"/>
-    </inkml:context>
-    <inkml:brush xml:id="br0">
-      <inkml:brushProperty name="width" value="0.05292" units="cm"/>
-      <inkml:brushProperty name="height" value="0.05292" units="cm"/>
-      <inkml:brushProperty name="color" value="#FF0000"/>
-    </inkml:brush>
-  </inkml:definitions>
-  <inkml:trace contextRef="#ctx0" brushRef="#br0">3018 15308 200 0,'0'0'0'0,"0"0"0"16,0 0 0 0,0 0 0 31,0 0 0-47,0 0 0 0,0 0 0 0,14-6 0 0,8 1 0 15,4-1 0-15,4 5 0 47,2 3 0-47,6 4 0 0,5-2 0 0,3 0 0 0,7-4 0 16,7-1 0-1,6-2 0-15,7-1 0 16,2 0 0 0,3-3 0-16,5 3 0 15,5 1 0 1,9 2 0-1,2-1 0-15,5 2 0 16,-2 0 0-16,1 2 0 16,6 1 0-1,4-1 0-15,5 0 0 16,2 2 0 0,2 0 0-16,4 0 0 15,-1-1 0 1,4 0 0-1,3 2 0-15,-2 1 0 16,3-1 0-16,0-2 0 16,-1-1 0-1,5 0 0 1,0 1 0-16,-1 0 0 16,4-3 0-1,-5 0 0 1,-2 3 0-16,3-1 0 15,2 1 0-15,3-3 0 16,2 0 0 0,0 3 0-1,-1 0 0-15,-1-3 0 0,4 0 0 16,0-3 0 0,-1 2 0-1,-2 1 0-15,2-2 0 16,-2 2 0-16,0 0 0 15,-1 0 0 1,-2-1 0 0,-1-1 0-1,2 4 0-15,2-2 0 16,2 0 0-16,2 1 0 16,-1-1 0-1,1 3 0 1,-1 0 0-16,5-1 0 15,-2 1 0 1,2 0 0-16,1 0 0 16,2-2 0-1,-5 2 0 1,0 0 0-16,-1 1 0 16,-3 2 0-1,-4-1 0-15,-7-2 0 16,-10 0 0-1,-8 2 0-15,-9-2 0 16,-15-4 0 0,-14 1 0-16</inkml:trace>
-</inkml:ink>
-</file>
-
-<file path=ppt/ink/ink11.xml><?xml version="1.0" encoding="utf-8"?>
-<inkml:ink xmlns:inkml="http://www.w3.org/2003/InkML">
-  <inkml:definitions>
-    <inkml:context xml:id="ctx0">
-      <inkml:inkSource xml:id="inkSrc0">
-        <inkml:traceFormat>
-          <inkml:channel name="X" type="integer" max="32767" units="cm"/>
-          <inkml:channel name="Y" type="integer" max="32767" units="cm"/>
-          <inkml:channel name="F" type="integer" max="1024" units="dev"/>
-          <inkml:channel name="T" type="integer" max="2.14748E9" units="dev"/>
-        </inkml:traceFormat>
-        <inkml:channelProperties>
-          <inkml:channelProperty channel="X" name="resolution" value="325.74808" units="1/cm"/>
-          <inkml:channelProperty channel="Y" name="resolution" value="571.84991" units="1/cm"/>
-          <inkml:channelProperty channel="F" name="resolution" value="4.0315E-5" units="1/dev"/>
-          <inkml:channelProperty channel="T" name="resolution" value="1" units="1/dev"/>
-        </inkml:channelProperties>
-      </inkml:inkSource>
-      <inkml:timestamp xml:id="ts0" timeString="2023-08-10T14:18:23.494"/>
-    </inkml:context>
-    <inkml:brush xml:id="br0">
-      <inkml:brushProperty name="width" value="0.05292" units="cm"/>
-      <inkml:brushProperty name="height" value="0.05292" units="cm"/>
-      <inkml:brushProperty name="color" value="#FF0000"/>
-    </inkml:brush>
-  </inkml:definitions>
-  <inkml:trace contextRef="#ctx0" brushRef="#br0">519 15026 200 0,'-9'-12'0'0,"-7"-2"0"16,4 0 0-1,2 3 0-15,1 1 0 16,9 10 0-16,0 0 0 15,0 0 0 1,7 5 0-16,12 11 0 16,15 3 0-16,17 2 0 15,14 2 0 1,18-1 0 0,14 0 0-16,20 0 0 15,18 1 0-15,13-4 0 16,20-2 0-1,12 2 0-15,15-2 0 16,22-1 0 0,15 5 0-16,14 0 0 15,7 3 0 1,12 7 0 0,8 4 0-16,-2 4 0 15,-12 0 0 1,-14-2 0-16,-22-2 0 15,-24-7 0-15,-21-7 0 16,-20-6 0 0</inkml:trace>
-  <inkml:trace contextRef="#ctx0" brushRef="#br0" timeOffset="7781.77">6468 15078 200 0,'-18'-5'0'0,"-2"-1"0"16,4-1 0-16,7 1 0 15,9 6 0-15,-2-7 0 16,8 0 0-1,9 2 0-15,6 4 0 16,14 0 0 0,13 0 0-1,18 0 0-15,16-2 0 16,21-1 0-16,18-2 0 16,15-2 0-1,21 1 0 1,11 0 0-16,10 1 0 15,8 3 0-15,0 3 0 16,-5 2 0 0,-15 2 0-16,-23 2 0 15,-33-1 0 1</inkml:trace>
-</inkml:ink>
-</file>
-
-<file path=ppt/ink/ink12.xml><?xml version="1.0" encoding="utf-8"?>
-<inkml:ink xmlns:inkml="http://www.w3.org/2003/InkML">
-  <inkml:definitions>
-    <inkml:context xml:id="ctx0">
-      <inkml:inkSource xml:id="inkSrc0">
-        <inkml:traceFormat>
-          <inkml:channel name="X" type="integer" max="32767" units="cm"/>
-          <inkml:channel name="Y" type="integer" max="32767" units="cm"/>
-          <inkml:channel name="F" type="integer" max="1024" units="dev"/>
-          <inkml:channel name="T" type="integer" max="2.14748E9" units="dev"/>
-        </inkml:traceFormat>
-        <inkml:channelProperties>
-          <inkml:channelProperty channel="X" name="resolution" value="325.74808" units="1/cm"/>
-          <inkml:channelProperty channel="Y" name="resolution" value="571.84991" units="1/cm"/>
-          <inkml:channelProperty channel="F" name="resolution" value="4.0315E-5" units="1/dev"/>
-          <inkml:channelProperty channel="T" name="resolution" value="1" units="1/dev"/>
-        </inkml:channelProperties>
-      </inkml:inkSource>
-      <inkml:timestamp xml:id="ts0" timeString="2023-08-10T14:22:37.961"/>
-    </inkml:context>
-    <inkml:brush xml:id="br0">
-      <inkml:brushProperty name="width" value="0.05292" units="cm"/>
-      <inkml:brushProperty name="height" value="0.05292" units="cm"/>
-      <inkml:brushProperty name="color" value="#FF0000"/>
-    </inkml:brush>
-  </inkml:definitions>
-  <inkml:trace contextRef="#ctx0" brushRef="#br0">10010 14925 200 0,'11'-7'0'0,"9"-5"0"16,10-1 0-1,7-1 0-15,5 3 0 16,3 4 0-1,10 4 0-15,10 3 0 16,11 7 0 0,17 3 0-16,16 1 0 15,13 0 0 1,14-2 0-16,13 1 0 16,20 2 0-1,15 3 0-15,16 2 0 16,14-4 0-1,20 0 0 1,19-4 0-16,22 2 0 16,12 2 0-16,14 0 0 15,12 2 0 1,3 2 0 0,7 2 0-16,-7 3 0 15,-6 3 0-15,-12 6 0 16,-20 1 0-16,-20 2 0 15</inkml:trace>
-  <inkml:trace contextRef="#ctx0" brushRef="#br0" timeOffset="17277.82">10927 10791 200 0,'-31'-134'0'0,"-25"-33"0"16,-15 30 0-1,-12 51 0-15,0 51 0 16,1 45 0-1,4 40 0-15,12 37 0 16,12 29 0 0,13 11 0-16,14-2 0 15,13-7 0 1,9-8 0-16,12-7 0 16,6-8 0-1,3-6 0 1,-1-5 0-16,-1-6 0 15,-1-12 0 1,-6-16 0-16,-4-14 0 16,-3-36 0-1</inkml:trace>
-  <inkml:trace contextRef="#ctx0" brushRef="#br0" timeOffset="17555.06">9884 11345 200 0,'54'-1'0'0,"36"-4"0"0,24-4 0 15,13-4 0 1,4-2 0-16,-4 2 0 16,-13 3 0-1,-15 1 0-15</inkml:trace>
-  <inkml:trace contextRef="#ctx0" brushRef="#br0" timeOffset="18047.84">10767 11200 200 0,'-5'14'0'0,"-3"18"0"0,0 27 0 16,5 17 0-1,7 3 0-15,5-8 0 32,5-16 0-32,2-15 0 15,6-15 0-15,8-16 0 16,4-16 0-1,3-16 0 1,0-13 0-16,-1-10 0 16,-7-1 0-1,-6 5 0-15,-4 8 0 16,-6 11 0-16,0 14 0 31,-1 13 0-31,1 17 0 16,1 14 0-1,0 9 0-15,5-1 0 16,0-5 0 0,2-4 0-16,2-9 0 15,1-9 0-15,0-16 0 16</inkml:trace>
-  <inkml:trace contextRef="#ctx0" brushRef="#br0" timeOffset="18471.25">11339 11320 200 0,'4'51'0'0,"6"18"0"16,1-5 0-16,-1-13 0 15,-3-14 0 1,-2-12 0-16,-1-12 0 16,-4-13 0-16,0 0 0 15,0 0 0 1,4-16 0-16,3-31 0 16,8-19 0-1,5-5 0-15,5 8 0 16,9 13 0-1,10 14 0 1,6 20 0-16,-1 25 0 16,-6 24 0-1,-11 24 0-15,-8 11 0 16,-8-3 0-16,-5-8 0 16,3-14 0-1,10-19 0-15</inkml:trace>
-  <inkml:trace contextRef="#ctx0" brushRef="#br0" timeOffset="18825.2">12256 11252 200 0,'-22'-13'0'15,"-18"0"0"-15,-13 9 0 16,-6 16 0 0,2 17 0-1,9 21 0-15,10 22 0 16,13 14 0 0,20-5 0-16,17-14 0 15,21-17 0 1,23-19 0-16,21-21 0 15,19-17 0-15,7-19 0 16,-5-13 0 0,-9-14 0-1,-16-17 0-15,-11-15 0 16,-15-10 0 0</inkml:trace>
-  <inkml:trace contextRef="#ctx0" brushRef="#br0" timeOffset="19064.05">12694 10835 200 0,'0'0'0'0,"9"27"0"15,-4 33 0 1,-1 32 0-16,2 23 0 15,0 11 0 1,3-7 0-16,2-19 0 16,2-21 0-1,3-22 0-15,-1-16 0 16,-1-14 0-16,-14-27 0 16</inkml:trace>
-  <inkml:trace contextRef="#ctx0" brushRef="#br0" timeOffset="19308.29">12450 11516 200 0,'41'-3'0'16,"38"-7"0"-16,22-3 0 15,14-4 0 1,2-3 0-16,-9-1 0 16,-16-2 0-1,-16-3 0 1</inkml:trace>
-  <inkml:trace contextRef="#ctx0" brushRef="#br0" timeOffset="19473">13257 11337 200 0,'-8'32'0'0,"1"22"0"16,-3 12 0-1,0 0 0 1,4-6 0-16,2-10 0 16,5-14 0-16,1-14 0 15,4-19 0 1</inkml:trace>
-  <inkml:trace contextRef="#ctx0" brushRef="#br0" timeOffset="19649.57">13341 11157 200 0,'0'0'0'0,"0"0"0"16,0 0 0-16,1 23 0 16</inkml:trace>
-  <inkml:trace contextRef="#ctx0" brushRef="#br0" timeOffset="20079.36">13889 11567 200 0,'6'-31'0'0,"-7"-17"0"16,-14-9 0-16,-18 2 0 15,-15 10 0 1,-11 14 0-16,-7 19 0 15,-2 23 0 1,-3 26 0-16,6 22 0 31,10 14 0-31,13 2 0 16,20-5 0-16,25-14 0 16,19-13 0-1,26-18 0-15,22-16 0 31,14-16 0-31,3-11 0 0,-7-9 0 16,-8-6 0 0,-18-7 0-1,-18-4 0 1,-24-4 0-16,-20 2 0 16,-13 11 0-1,-8 9 0-15</inkml:trace>
-  <inkml:trace contextRef="#ctx0" brushRef="#br0" timeOffset="20570.32">14032 11379 200 0,'6'16'0'0,"4"17"0"16,-2 13 0-16,0 6 0 16,-2-3 0-1,-4-9 0-15,1-12 0 16,-2-9 0-1,0-8 0-15,-1-11 0 16,7 0 0 0,8-19 0-16,6-22 0 15,6-17 0 1,4-10 0-16,6 1 0 16,1 14 0-1,1 16 0 1,4 20 0-16,5 23 0 15,-1 25 0-15,-7 21 0 16,-13 17 0 0,-13 1 0-16,-5-6 0 15,-2-7 0 1,-1-7 0-16,7-11 0 16</inkml:trace>
-  <inkml:trace contextRef="#ctx0" brushRef="#br0" timeOffset="21609.92">16093 10622 200 0,'-10'66'0'16,"4"47"0"-16,7 30 0 15,2 12 0 1,-3-1 0-16,0-19 0 16,2-22 0-1,1-25 0-15,0-23 0 16,3-23 0-1</inkml:trace>
-  <inkml:trace contextRef="#ctx0" brushRef="#br0" timeOffset="21877.31">15689 11669 200 0,'39'-2'0'16,"28"-15"0"-16,18-13 0 15,7-11 0 1,6-6 0-16,-2-2 0 15,-8 1 0 1</inkml:trace>
-  <inkml:trace contextRef="#ctx0" brushRef="#br0" timeOffset="22313.98">16362 11601 200 0,'23'-4'0'0,"17"-13"0"0,11-15 0 16,4-9 0-1,-1-10 0-15,-10 1 0 16,-9 2 0-1,-11 7 0-15,-15 10 0 16,-10 13 0 0,-10 21 0-1,-11 21 0-15,-9 25 0 16,-2 22 0-16,2 15 0 16,10 0 0-1,16-11 0-15,15-15 0 16,13-20 0-1,16-19 0-15,9-17 0 32,4-18 0-32,6-13 0 15,3-12 0-15,-7-13 0 16,-15 7 0 0</inkml:trace>
-  <inkml:trace contextRef="#ctx0" brushRef="#br0" timeOffset="23054.18">16993 11406 200 0,'10'62'0'0,"4"14"0"15,0-10 0 1,-4-20 0-16,-2-16 0 16,-2-15 0-1,1-15 0-15,0-15 0 16,-2-15 0 0,3-11 0-16,4-14 0 15,1-4 0 1,2 1 0-16,0 12 0 15,-1 5 0 1,-1 13 0 0,3 12 0-16,0 13 0 15,4 14 0-15,-1 14 0 16,-3 12 0 0,-2 2 0-16,-3-2 0 15,-4-7 0 1,0-8 0-16,-2-6 0 15,2-7 0 1,6-12 0-16,6-13 0 16,7-12 0-1,5-10 0-15,0-3 0 16,-1 2 0-16,0 7 0 16,-1 14 0-1,1 18 0-15,-5 21 0 16,-2 18 0-1,-2 15 0 1,-5 6 0-16,-2-3 0 16,-1-7 0-1,2-8 0-15,3-10 0 16</inkml:trace>
-  <inkml:trace contextRef="#ctx0" brushRef="#br0" timeOffset="23721.52">17834 11414 200 0,'5'31'0'16,"7"28"0"-16,3 22 0 16,0 11 0-16,2 2 0 15,0-14 0 1,-1-16 0 0,0-16 0-16,-2-17 0 15,-7-15 0-15</inkml:trace>
-  <inkml:trace contextRef="#ctx0" brushRef="#br0" timeOffset="24106.69">17750 11456 200 0,'-6'-23'0'0,"8"-16"0"16,23-12 0-16,26-6 0 16,21 0 0-1,15 13 0-15,5 12 0 16,0 15 0 0,-8 16 0-16,-12 10 0 15,-18 8 0 1,-18 6 0-16,-20 4 0 15,-23 8 0 1,-24 8 0 0,-22 5 0-1,-15 5 0-15,-8 2 0 16,0-4 0-16,7-5 0 16,7-5 0-1,11-4 0 1,15-10 0-16</inkml:trace>
-  <inkml:trace contextRef="#ctx0" brushRef="#br0" timeOffset="24722.1">18255 10885 200 0,'67'-14'0'16,"45"-13"0"-16,21-1 0 16,6 2 0-1,1 5 0-15,-8 2 0 16,-14 5 0 0,-17 8 0-16,-13 5 0 15,-18 2 0 1</inkml:trace>
-  <inkml:trace contextRef="#ctx0" brushRef="#br0" timeOffset="25024.57">18819 10826 200 0,'0'61'0'0,"-2"35"0"15,1 13 0-15,1-2 0 16,2-7 0-1,-3-13 0-15,-3-14 0 16,-1-17 0 0,2-20 0-16</inkml:trace>
-  <inkml:trace contextRef="#ctx0" brushRef="#br0" timeOffset="25341.12">18524 11660 200 0,'0'0'0'16,"0"0"0"-16,25 5 0 15,27-1 0-15,16-6 0 16,13-1 0-16,8-3 0 16,7-1 0-1,3 3 0 1,-3 1 0-16,-6 3 0 16,-10 0 0-16,-10 0 0 31</inkml:trace>
-  <inkml:trace contextRef="#ctx0" brushRef="#br0" timeOffset="25918.94">19366 11320 200 0,'9'21'0'0,"5"17"0"15,2 10 0 1,1 2 0-16,-4-4 0 16,-3-2 0-1,-2-11 0-15,2-5 0 16,-3-9 0 0,-3-7 0-16,-4-12 0 15,6 1 0 1,1-15 0-16,9-18 0 15,11-15 0 1,8-11 0-16,8-2 0 16,8 9 0-1,8 12 0-15,2 13 0 16,-4 15 0 0,-1 18 0-16,-5 15 0 15,-7 16 0 1,-3 12 0-16,-6 8 0 15,-10-1 0 1,-4-7 0-16,-3-8 0 16,-3-8 0-1,1-10 0-15</inkml:trace>
-  <inkml:trace contextRef="#ctx0" brushRef="#br0" timeOffset="26425.64">20518 10706 200 0,'1'34'0'0,"4"25"0"15,6 13 0 1,1 12 0 0,1 8 0-1,-3 8 0 1,0 1 0-16,4-4 0 15,-4-8 0 1,2-11 0-16,2-10 0 0,-5-5 0 31,-2-9 0-31,-6-11 0 16</inkml:trace>
-  <inkml:trace contextRef="#ctx0" brushRef="#br0" timeOffset="26903.07">20510 10647 200 0,'0'0'0'0,"0"0"0"16,21 4 0-16,21-1 0 15,22-3 0-15,16-6 0 16,16-7 0 0,19-3 0-16,12-4 0 15,9 1 0 1,6-1 0-16,-6-3 0 15,-10 7 0 1,-15 3 0-16,-19 4 0 16</inkml:trace>
-  <inkml:trace contextRef="#ctx0" brushRef="#br0" timeOffset="27609.54">20712 11345 200 0,'0'0'0'15,"0"0"0"1,0 0 0-16,0 0 0 16,0 0 0-16,0 0 0 31,0 0 0-31,14 3 0 0,8 0 0 15,5-3 0 1,0 0 0 0,6-3 0-1,5-4 0-15,12-5 0 16,14-5 0-16,19-5 0 16,22-6 0-1,11 3 0 1,8 4 0-16,-9-2 0 15</inkml:trace>
-  <inkml:trace contextRef="#ctx0" brushRef="#br0" timeOffset="29195.68">22226 11865 200 0,'-18'-23'0'0,"-6"-12"0"16,3-4 0-16,-1-1 0 15,-2-2 0 1,-1-1 0-16,-4-5 0 16,2-4 0-1,-2-3 0-15,-1-4 0 16,-2-5 0 0,3-4 0-16,7-10 0 15,12-8 0 1,13-12 0-16,18-11 0 15,13-11 0 1,20-13 0 0,29-10 0-1,37-4 0-15,32 6 0 0,22 14 0 16,8 21 0 0</inkml:trace>
-  <inkml:trace contextRef="#ctx0" brushRef="#br0" timeOffset="37992.98">23119 10733 200 0,'0'0'0'16,"-7"29"0"-16,-3 33 0 15,5 23 0 17,2 14 0-32,-2 6 0 0,3-1 0 0,-1-4 0 15,0-9 0 48,1-13 0-63,0-16 0 0,2-14 0 0,1-14 0 0,-1-10 0 0,0-24 0 15</inkml:trace>
-  <inkml:trace contextRef="#ctx0" brushRef="#br0" timeOffset="38308.3">22731 11499 200 0,'36'-6'0'0,"24"-8"0"0,14-5 0 15,9-3 0 1,6-2 0 0,-1-1 0-16,-6 1 0 15,-9 3 0 1</inkml:trace>
-  <inkml:trace contextRef="#ctx0" brushRef="#br0" timeOffset="38799.58">23303 11525 200 0,'25'-16'0'16,"16"-14"0"-16,3-10 0 16,-2-5 0-1,-6-3 0-15,-7 3 0 16,-7 0 0-1,-5 7 0-15,-9 5 0 16,-10 11 0 0,-9 12 0-16,-7 15 0 15,-5 21 0 1,4 18 0-16,3 14 0 16,8 7 0-1,4-4 0-15,8-9 0 16,6-8 0-1,9-13 0-15,7-11 0 16,4-10 0 0,5-10 0-16,1-12 0 15,0-12 0 1</inkml:trace>
-  <inkml:trace contextRef="#ctx0" brushRef="#br0" timeOffset="39398.25">23775 11226 200 0,'-2'27'0'16,"1"16"0"-16,1 6 0 16,0 1 0-1,0-4 0-15,2-8 0 16,1-12 0-1,0-6 0-15,2-9 0 16,-1-3 0 0,-4-8 0-16,7-3 0 15,6-15 0-15,3-14 0 16,0-16 0 0,3-6 0-16,2-1 0 15,3 10 0 1,-1 12 0-16,0 13 0 15,-4 9 0 1,-2 14 0 0,-4 11 0-16,2 12 0 15,-7 7 0-15,-4 1 0 16,-1-4 0 0,0-2 0-16,0-7 0 15,2-6 0 1,2-8 0-16,6-13 0 15,9-14 0 1,4-15 0-16,4-8 0 16,-3 1 0-1,0 8 0-15,-6 11 0 16,-2 15 0 0,-3 17 0-16,-2 17 0 15,-5 18 0 1,-2 13 0-16,0 5 0 15,-1-5 0 1,1-8 0-16,3-13 0 16,0-18 0-1</inkml:trace>
-  <inkml:trace contextRef="#ctx0" brushRef="#br0" timeOffset="39658.51">24380 11345 200 0,'5'48'0'16,"-1"28"0"-16,0 12 0 16,3 3 0-1,3-6 0-15,-3-13 0 16,-1-17 0-1,2-17 0 1,0-17 0 0,-1-19 0-16,0-19 0 15</inkml:trace>
-  <inkml:trace contextRef="#ctx0" brushRef="#br0" timeOffset="40027.91">24389 11406 200 0,'-8'-11'0'0,"-4"-5"0"16,0-4 0 0,4-5 0-1,6-5 0-15,10-2 0 16,11-4 0-16,11-1 0 31,15 5 0-31,9 4 0 16,3 10 0-16,0 14 0 15,-8 10 0 1,-11 14 0 0,-16 12 0-1,-17 7 0-15,-18 10 0 16,-11 2 0 0,-11 2 0-16,-11 2 0 15,-8-1 0-15,-2-7 0 16,3-5 0-1,8-11 0-15,8-7 0 16,8-11 0 0,16-12 0-16</inkml:trace>
-  <inkml:trace contextRef="#ctx0" brushRef="#br0" timeOffset="40477.81">24523 10971 200 0,'39'-9'0'16,"25"-3"0"-16,17-1 0 16,12 2 0-16,11 0 0 15,4 4 0 1,3 2 0-16,-3 1 0 16,-4-4 0-1,-8-1 0 1</inkml:trace>
-  <inkml:trace contextRef="#ctx0" brushRef="#br0" timeOffset="40841.58">25077 10962 200 0,'0'0'0'0,"3"23"0"15,4 14 0-15,0 15 0 31,-3 8 0-31,2 2 0 0,-3 2 0 32,0-1 0-32,1 0 0 15,1-7 0-15,-2-6 0 16,1-6 0 0,-3-3 0-16,-1-7 0 15</inkml:trace>
-  <inkml:trace contextRef="#ctx0" brushRef="#br0" timeOffset="41143.21">24843 11610 200 0,'43'-11'0'16,"26"-5"0"-16,12 0 0 16,-3 3 0-1,0 2 0-15,-6 4 0 16,-4 3 0-1,-10 0 0-15,-6-1 0 16,-7 1 0 0</inkml:trace>
-  <inkml:trace contextRef="#ctx0" brushRef="#br0" timeOffset="41664.08">25575 11329 200 0,'9'45'0'16,"1"12"0"-16,-2-10 0 15,-3-15 0 1,-1-14 0-16,-4-18 0 0,0 0 0 16,0-2 0-16,2-17 0 15,6-16 0 1,7-7 0-1,8-4 0 1,7-2 0-16,6 5 0 0,9 5 0 31,2 11 0-31,-1 12 0 16,-2 18 0-16,-6 16 0 16,-10 17 0-1,-8 10 0 1,-8 5 0-16,-3-4 0 15,-4-8 0 1,0-9 0-16,2-6 0 0,9-13 0 16</inkml:trace>
-  <inkml:trace contextRef="#ctx0" brushRef="#br0" timeOffset="42219.63">26803 10817 200 0,'-13'-37'0'0,"-12"-10"0"16,-12 9 0-1,-10 19 0-15,-7 22 0 16,-11 25 0-1,-4 20 0-15,-3 22 0 16,3 12 0 0,9 7 0-16,11 5 0 15,13-4 0 1,16-9 0-16,20-9 0 16,17-11 0-16,21-11 0 15,20-8 0 1,15-11 0-1,15-11 0-15,10-10 0 16,7-9 0-16,3-3 0 16,-2-6 0-1,-9-2 0 1,-12-4 0-16,-17 1 0 16,-19 3 0-1,-10 1 0-15,-13 2 0 16</inkml:trace>
-  <inkml:trace contextRef="#ctx0" brushRef="#br0" timeOffset="42871.68">27443 11643 200 0,'59'-38'0'16,"23"-19"0"-16,1-3 0 15,-10 1 0-15,-9 2 0 16,-8-1 0 0,-2-5 0-1,-6-4 0-15,-10-5 0 16,-11-4 0-1,-15-6 0 1,-14-1 0-16,-18-2 0 16,-16 0 0-16,-17 1 0 15,-13 6 0-15,-13 9 0 16,-10 6 0 0,-7 7 0-16,2 9 0 15,4 8 0 1,6 11 0-16,7 12 0 31</inkml:trace>
-  <inkml:trace contextRef="#ctx0" brushRef="#br0" timeOffset="43587.6">28468 11012 200 0,'12'-11'0'0,"10"-11"0"15,7-7 0-15,8-10 0 16,-2-6 0-1,0-6 0-15,-6-2 0 16,-3-4 0 0,-11-1 0-16,-6 1 0 15,-9 3 0 1,-9 5 0-16,-5 8 0 16,-5 8 0-1,-2 10 0 1,0 9 0-16,1 6 0 15,8 4 0 1,12 4 0-16,1-9 0 16,16-2 0-16,19-7 0 15,19-7 0 1,19-5 0-16,18-2 0 16,10 0 0-1,1 7 0-15</inkml:trace>
-  <inkml:trace contextRef="#ctx0" brushRef="#br0" timeOffset="44250.09">28394 11030 200 0,'0'0'0'0,"0"0"0"15,0 0 0 1,23-4 0-16,17-3 0 16,14-2 0-1,9-1 0 1,2 6 0-16,-7 4 0 16,-10 8 0-1,-14 9 0-15,-19 8 0 16,-20 9 0-16,-17 11 0 15,-10 5 0 1,-2 3 0-16,1 2 0 16,9-1 0-1,12-3 0-15,12-2 0 16,21 1 0 0,23-4 0-16,25-7 0 15,29-4 0 1,21-4 0-16,13-7 0 15</inkml:trace>
-  <inkml:trace contextRef="#ctx0" brushRef="#br0" timeOffset="47618.75">10212 12939 200 0,'19'-7'0'0,"18"-5"0"0,9-1 0 15,5 3 0 1,-1 2 0-1,-3 2 0-15,-2 3 0 16,-6 3 0-16,-8 2 0 16,-6 1 0-1,-11 4 0-15,-10 7 0 16,-10 6 0 0,-13 7 0-16,-12 8 0 15,-8 8 0 1,1 4 0-16,3-2 0 15,12 0 0 1,8-4 0-16,9-2 0 16,12-8 0-1,11-6 0-15,9-6 0 16,10-9 0 0,4-4 0-16,1-9 0 15,4 0 0 1,-3-3 0-16,-6 1 0 15,-7-3 0 1,-9 3 0-16,-8 3 0 16,-12 2 0-16,0 0 0 15,0 0 0 1,0 0 0-16,0 0 0 16,0 0 0-1,-2-2 0-15,-10 2 0 16,-3 0 0-1,0 0 0-15,-4 0 0 16,1 3 0-16,-1 0 0 16,0 1 0-1,1 2 0-15,-1-1 0 16,-2 5 0 0,1 0 0-16,2 1 0 15,3 3 0 1,6 1 0-16,8 3 0 15,7 3 0 1,11 3 0-16,9 4 0 16,9 4 0-1,7 5 0 1,5-1 0-16,1 1 0 16,-4-5 0-16,-10-5 0 15,-9-4 0 1,-14-1 0-1,-14-1 0-15,-13 1 0 16,-17 4 0-16,-10-2 0 16,-6 0 0-1,-7-2 0-15,0-5 0 16,2-7 0 0,3-10 0-16,4-10 0 15,12-8 0 1,12-8 0-1</inkml:trace>
-  <inkml:trace contextRef="#ctx0" brushRef="#br0" timeOffset="48234.95">12012 12504 200 0,'0'0'0'16,"0"0"0"-16,0 0 0 15,0 0 0-15,0 0 0 16,0 0 0-1</inkml:trace>
-  <inkml:trace contextRef="#ctx0" brushRef="#br0" timeOffset="48455.18">12753 12522 200 0,'0'0'0'0,"0"0"0"16,0 0 0-16,0 0 0 16,0 0 0-1</inkml:trace>
-  <inkml:trace contextRef="#ctx0" brushRef="#br0" timeOffset="48692.43">13493 12530 200 0,'0'0'0'16,"0"0"0"-16,0 0 0 16</inkml:trace>
-  <inkml:trace contextRef="#ctx0" brushRef="#br0" timeOffset="112084.7">1286 11959 200 0,'0'0'0'15,"-2"30"0"-15,-6 31 0 16,5 28 0 0,4 21 0-1,2 13 0-15,6-4 0 16,-3-6 0-16,3-12 0 15,4-10 0 1,-6-10 0 0,1-11 0-16,-6-12 0 15,-1-16 0-15,0-13 0 16,-3-15 0 0,-7-22 0-16</inkml:trace>
-  <inkml:trace contextRef="#ctx0" brushRef="#br0" timeOffset="112382.93">899 12700 200 0,'0'18'0'15,"8"3"0"-15,21-7 0 0,16-9 0 16,15-9 0 0,10-6 0-16,10-6 0 31,1-3 0-31,0 0 0 0,-3-2 0 31,-7-1 0-31</inkml:trace>
-  <inkml:trace contextRef="#ctx0" brushRef="#br0" timeOffset="112858.32">1453 12836 200 0,'0'0'0'16,"0"0"0"-16,16 7 0 16,13-4 0-16,11-11 0 15,9-14 0 1,5-13 0-1,1-9 0 1,-5-3 0 0,-6 0 0-16,-10 2 0 15,-9 7 0 1,-17 7 0-16,-13 13 0 16,-20 17 0-1,-11 21 0-15,-9 22 0 16,-5 22 0-1,-1 15 0-15,14 4 0 16,9-4 0 0,17-12 0-16,15-16 0 15,19-12 0 1,14-16 0-16,16-15 0 16,6-16 0-1,5-12 0-15,4-14 0 16,-2-13 0-1,-9-9 0-15</inkml:trace>
-  <inkml:trace contextRef="#ctx0" brushRef="#br0" timeOffset="113477.11">2059 12683 200 0,'-7'33'0'15,"-4"29"0"1,7 10 0 0,1-1 0-16,4-14 0 15,3-14 0-15,0-15 0 16,0-11 0 0,2-7 0-16,-4-13 0 15,0-13 0-15,5-19 0 16,3-16 0-1,5-12 0-15,3-2 0 16,4 4 0 0,1 8 0-16,0 14 0 15,-5 14 0 1,0 13 0-16,-5 10 0 16,1 14 0-1,-1 16 0 1,-1 13 0-16,-5 5 0 15,-6-1 0-15,-1-8 0 16,-1-9 0 0,2-7 0-16,6-11 0 15,6-16 0-15,6-15 0 16,9-14 0 0,3-13 0-16,2-10 0 15,-2 4 0 1,-4 15 0-16,-6 15 0 15,-6 20 0 1,0 22 0 0,-7 22 0-16,-4 19 0 15,-2 14 0-15,-6-1 0 16,5-10 0 0,3-15 0-1,4-21 0-15,8-20 0 16,0-17 0-16</inkml:trace>
-  <inkml:trace contextRef="#ctx0" brushRef="#br0" timeOffset="114063.54">2665 12759 200 0,'0'19'0'15,"0"21"0"-15,-3 18 0 16,1 13 0-16,0 5 0 31,2-2 0-31,1-10 0 0,2-11 0 31,0-10 0-31,0-13 0 16,0-13 0-16,4-13 0 16,3-21 0-16,-4-17 0 31,1-15 0-31,-3-8 0 0,-3-6 0 31,-4 0 0-15,-7-1 0-16,-4-1 0 15,-2 6 0 1,0 6 0-16,-1 2 0 16,2 5 0-1,4 4 0-15,7 3 0 16,11 2 0-1,13 1 0-15,15 7 0 16,17 5 0 0,12 10 0-16,2 13 0 15,-3 12 0 1,-11 14 0-16,-14 13 0 16,-16 5 0-1,-20 6 0-15,-17 0 0 16,-21 1 0-1,-13-2 0-15,-6-4 0 16,3-11 0 0,7-11 0-16,11-8 0 15,10-11 0 1,10-9 0-16,9-6 0 16,7 14 0-1</inkml:trace>
-  <inkml:trace contextRef="#ctx0" brushRef="#br0" timeOffset="114617.93">3069 12240 200 0,'-22'-6'0'0,"-4"-3"0"15,11 5 0-15,15 3 0 16,15 2 0 0,20 1 0-16,19-2 0 15,20-1 0 1,17 0 0-16,14-4 0 16,6-3 0-1,-4 0 0-15,-12 1 0 16,-11 2 0-1,-15-1 0-15</inkml:trace>
-  <inkml:trace contextRef="#ctx0" brushRef="#br0" timeOffset="115004.23">3356 12240 200 0,'0'0'0'0,"0"0"0"0,0 0 0 16,0 0 0-1,-3 25 0 1,0 19 0-1,-1 18 0-15,-7 10 0 16,-1 4 0 0,-4 2 0-16,1-3 0 15,-1-4 0 1,4-8 0 0,1-6 0-16,-2-7 0 15,1-5 0 1,-3-10 0-16,-1-7 0 15,-3-15 0-15,-3-14 0 16</inkml:trace>
-  <inkml:trace contextRef="#ctx0" brushRef="#br0" timeOffset="115303.56">2917 12939 200 0,'0'0'0'16,"0"0"0"-16,17 8 0 15,18 4 0-15,14-1 0 16,11-2 0-1,10-2 0-15,6-1 0 16,-2 0 0 0,1-4 0-16,-7-4 0 15,-8-8 0 1</inkml:trace>
-  <inkml:trace contextRef="#ctx0" brushRef="#br0" timeOffset="115804.28">3582 12726 200 0,'4'24'0'16,"5"18"0"-16,-3 7 0 16,-3-5 0-16,-1-7 0 15,-1-12 0 1,-1-9 0-16,0-16 0 16,1 9 0-1,-1-9 0-15,5-5 0 16,9-16 0-1,10-15 0-15,7-9 0 16,9-6 0 0,10 6 0-16,7 7 0 15,-2 13 0 1,-2 12 0-16,-6 17 0 16,-7 18 0-1,-10 16 0 1,-11 15 0-16,-10 4 0 15,-8-4 0-15,-2-12 0 16,-4-8 0 0,-2-5 0-16,-1-5 0 15,-3-9 0 1</inkml:trace>
-  <inkml:trace contextRef="#ctx0" brushRef="#br0" timeOffset="116219.7">4491 12180 200 0,'1'19'0'16,"0"19"0"-1,-1 20 0 1,-2 16 0-16,0 18 0 15,-7 18 0 1,-9 5 0-16,1-5 0 16,3-9 0-1,6-15 0 1,0-19 0-16,8-16 0 16,1-13 0-16,1-12 0 15,-5-12 0 1,-2-23 0-16</inkml:trace>
-  <inkml:trace contextRef="#ctx0" brushRef="#br0" timeOffset="116591.55">4314 12129 200 0,'0'0'0'15,"0"0"0"-15,23 0 0 16,24-1 0-1,24-4 0-15,21-4 0 16,13-4 0 0,11-2 0-16,3-1 0 15,1-3 0 1,-7 3 0-16,-5 0 0 16,-11-1 0-1,-16 4 0-15</inkml:trace>
-  <inkml:trace contextRef="#ctx0" brushRef="#br0" timeOffset="117516.27">4407 12794 200 0,'0'0'0'15,"0"0"0"-15,15 0 0 16,9-1 0-16,12-2 0 16,0-4 0-1,6-3 0-15,4 1 0 16,0-3 0-1,2 3 0-15,1 1 0 16,-2-1 0 0</inkml:trace>
-  <inkml:trace contextRef="#ctx0" brushRef="#br0" timeOffset="118104.5">5754 13374 200 0,'0'0'0'0,"-11"-13"0"16,-6-7 0-16,-6-6 0 16,-5-6 0-1,-3-3 0 1,-6-6 0-16,-7-4 0 16,-7-5 0-1,-2-7 0-15,2-5 0 16,7-6 0-1,13-9 0-15,16-12 0 32,21-13 0-32,27-22 0 0,31-12 0 15,34-9 0-15,23-3 0 16,19 6 0 0,16 15 0-1,3 17 0 1,-7 17 0-1</inkml:trace>
-  <inkml:trace contextRef="#ctx0" brushRef="#br0" timeOffset="123959.37">5980 12504 200 0,'42'-49'0'16,"24"-21"0"-16,16 3 0 15,7 9 0 1,6 12 0-16,1 14 0 16,-5 13 0-1,-8 10 0 1,-14 9 0-16,-18 9 0 31,-21 8 0-31,-28 15 0 16,-30 17 0-16,-31 27 0 15,-22 5 0 1,-10 12 0-16,-3 7 0 16,10 3 0-16,15 4 0 15,18-5 0 1,19-9 0-1,25-12 0 1,22-16 0-16,23-15 0 16,22-18 0-16,18-19 0 15,18-22 0-15,10-17 0 32,5-18 0-17,-9 2 0-15</inkml:trace>
-  <inkml:trace contextRef="#ctx0" brushRef="#br0" timeOffset="124648.02">7655 12998 200 0,'20'-9'0'0,"14"-13"0"16,8-14 0-16,-3-14 0 15,-8-14 0 1,-7-9 0-1,-11-10 0-15,-13-2 0 16,-12 3 0 0,-14 6 0-16,-8 6 0 15,-13 10 0-15,-4 12 0 16,-11 11 0 0,-16 13 0-16,-11 13 0 15,-8 17 0 1,-4 19 0-1,1 20 0-15,6 20 0 16,19 24 0 0,21 17 0-16,20 14 0 15,28-1 0 1,23-13 0-16,24-22 0 16,20-24 0-1,20-24 0-15,21-21 0 16,11-18 0-1,16-14 0 1,0-16 0-16,0-12 0 16,-8-10 0-1,-19-8 0-15,-21-3 0 16,-26 0 0 0,-25-1 0-16,-23 0 0 15,-18 5 0-15,-15 5 0 16,-12 8 0-1,-11 14 0-15,-5 3 0 16</inkml:trace>
-  <inkml:trace contextRef="#ctx0" brushRef="#br0" timeOffset="125259.22">8470 13458 200 0,'13'-3'0'31,"16"-8"0"-31,10-12 0 16,14-18 0-16,8-13 0 0,7-13 0 31,-2-8 0-15,0-5 0-16,1-12 0 15,-9-10 0 1,-7-3 0-16,-11-4 0 15,-9-8 0 1,-15-5 0-16,-18-6 0 16,-19 0 0-1,-24-1 0-15,-22 5 0 16,-21 5 0 0,-19 6 0-16,-18 12 0 15,-18 16 0 1,-10 18 0-16,-9 16 0 15,-3 16 0 1,4 18 0-16</inkml:trace>
-  <inkml:trace contextRef="#ctx0" brushRef="#br0" timeOffset="190117.58">12181 14123 200 0,'0'0'0'16,"0"0"0"-16,0 0 0 16,0 0 0 31,0 0 0-47,0 0 0 0,-18 2 0 0,-13 2 0 0,-10-3 0 15,-14 1 0 1,-8-2 0 15,-5-2 0-31,-1 1 0 0,-3 1 0 16,-2 3 0-16,-1-2 0 15,-4 3 0-15,0-2 0 16,0 1 0 0,-3 0 0-16,-3 2 0 15,-4 0 0 1,-3 0 0-1,-5-3 0-15,1-4 0 16,3-2 0-16,2-2 0 16,3-2 0-16,3-5 0 15,2-2 0 1,1-8 0-16,0-4 0 16,0-8 0-1,3 0 0-15,3-7 0 31,0-5 0-31,4-4 0 16,0-9 0 0,1-7 0-16,3-7 0 15,6-2 0 1,9 2 0-16,7-7 0 0,6-6 0 16,6-4 0 15,6-2 0-31,10-6 0 0,5-4 0 15,7-5 0 1,4-6 0-16,6-4 0 16,9 2 0-1,3-1 0-15,3 2 0 32,0 2 0-32,1-2 0 15,0 1 0 1,2-2 0-16,-2 3 0 15,3 2 0 1,-4 2 0-16,-1 0 0 16,-1 1 0-1,-4 3 0 1,-4 4 0-16,2 2 0 16,1 1 0-1,6 2 0-15,3 0 0 16,1 4 0-1,1 4 0-15,1 3 0 16,1 2 0 0,5 6 0-16,5 5 0 15,8 2 0 1,0 6 0-16,3 9 0 16,5 8 0-1,3 8 0-15,4 7 0 16,9 9 0-1,7 7 0-15,10 8 0 16,10 7 0 0,8 7 0-16,8 8 0 15,7 2 0 1,9 1 0-16,11-2 0 16,9 2 0-1,9-1 0-15,8-2 0 16,10-5 0-1,10-2 0-15,3-1 0 16,10-3 0 0,4 0 0-16,7-1 0 15,7-1 0 1,7-1 0-16,-1-1 0 16,5 1 0-1,2-2 0 1,-1-3 0-16,5 3 0 15,-4 2 0-15,5 0 0 16,3-3 0 0,1 2 0-1,-2-5 0-15,1-1 0 16,3 0 0 0,2-2 0-16,0-1 0 15,3-1 0 1,0 1 0-1,4-4 0-15,3-2 0 16,-1 1 0-16,1 6 0 16,-5-8 0-1,-1-3 0-15,-1-2 0 16,-4-2 0 0,-7-2 0-16,-3-5 0 31,-5 0 0-31,-6-2 0 15,-3-2 0 1,0 3 0-16,4-3 0 16,3 0 0-16,3 1 0 15,3 2 0 1,-1 3 0-16,-5-2 0 16,-1 5 0-1,0 1 0-15,-2 1 0 16,-2 3 0-1,-2 4 0-15,-2 3 0 16,2 0 0 0,1 4 0-1,-1 2 0-15,4 4 0 16,4 4 0 0,2 2 0-16,-1 1 0 15,-3 0 0 1,-4 2 0-16,2 3 0 15,-2-2 0-15,3 4 0 16,-2-1 0 0,-2 3 0-1,2 0 0-15,0 3 0 16,-3-1 0-16,1-4 0 31,-3 3 0-31,-2 2 0 16,-1-2 0-1,-3 2 0-15,0-2 0 0,-1-2 0 32,-2 2 0-32,0 1 0 15,-9 1 0 1,-4-4 0-16,-6 0 0 0,-5 3 0 16,-4-1 0 15,-6-1 0-31,-4 0 0 15,-1 1 0 1,-3 2 0-16,-7 3 0 16,-7 2 0-1,-6 2 0-15,-8 3 0 16,-6 0 0 0,-4 0 0-16,-7 3 0 15,0 6 0 1,-3 6 0-16,-1 3 0 15,-4 7 0 1,-3 2 0-16,-2 5 0 16,-5 3 0-1,-7 0 0-15,-9 0 0 16,-12 3 0 0,-4 6 0-16,-5 3 0 15,-4 3 0 1,-4 4 0-16,-7 3 0 15,-7 3 0 1,-5 1 0-16,-10 0 0 16,-9-6 0-1,-9-2 0-15,-5 4 0 16,-8 0 0 0,-7 1 0-16,-6 2 0 15,-2-1 0 1,-8-1 0-1,-8-2 0-15,-7 0 0 16,-8 1 0 0,-3-2 0-16,-8-1 0 15,-8-2 0-15,-6-5 0 32,-8-1 0-32,-8-4 0 15,-8-4 0-15,-8-3 0 16,-6-3 0-1,-1 0 0 1,-6-4 0-16,-8-6 0 16,-7-1 0-16,-9 0 0 15,-3-3 0 1,-6-4 0-16,-4-2 0 16,-8-2 0-1,-7 0 0-15,-5-5 0 16,0-1 0-1,-8-3 0-15,-2-1 0 16,-3-6 0 0,-5 0 0-1,-3 1 0-15,0 3 0 16,-6-2 0-16,-4 1 0 16,-2-4 0-1,-1-7 0 1,-2 3 0-16,0 2 0 15,-1-1 0-15,1-3 0 16,5-3 0 0,-2 0 0-16,2 3 0 15,-1-3 0 1,3-2 0-16,-3 2 0 16,2-1 0 15,-3-1 0-31,2-3 0 15,0-1 0-15,4 2 0 16,4 7 0-16,0-1 0 16,2 1 0-1,0 1 0-15,6-6 0 16,-2-1 0 0,-6-1 0-16,-1-1 0 15,4 3 0 1,0-4 0-1,4-5 0-15,0 1 0 16,-5 2 0-16,5 2 0 16,1-3 0-1,-3 0 0-15,0-1 0 32,3-4 0-32,-2 0 0 15,-2 1 0 1,-1 1 0-16,3 0 0 15,-5 2 0-15,5-5 0 32,4-1 0-32,-2 0 0 0,0-1 0 15,-3 1 0-15,-1-1 0 16,-4 1 0 15,0 3 0-31,5-2 0 16,2 3 0-16,2-1 0 15,3 1 0 1,2-1 0 0,3-2 0-16,0 1 0 15,3 4 0-15,3-2 0 0,6-1 0 16,0 4 0 15,1-4 0-31,2 1 0 16,0 1 0-1,-3 1 0-15,3-2 0 16,-1 2 0 0,0 2 0-16,2 5 0 15,6 1 0 1,3 0 0-16,5 1 0 16,3 0 0-1,2 1 0-15,3-1 0 16,3 2 0-1,5 2 0-15,3-1 0 16,3 2 0 0,3-1 0-16,1 2 0 15,10 1 0 1,4 1 0 0,4-1 0-16,7 0 0 15,2 2 0-15,3 1 0 16,4 0 0-1,7 2 0-15,-1 0 0 16,5 1 0-16,4 0 0 16,8-2 0-1,2-1 0 1,2 0 0-16,4-3 0 16,4 0 0-16,0-1 0 15,1 4 0 1,4-1 0-16,1-1 0 15,3 2 0 1,5 1 0-16,3 0 0 16,2 1 0-1,1-2 0-15,0 2 0 16,0 1 0 0,1-3 0-1,2-2 0-15,3 1 0 16,3-2 0-1,2-2 0-15,1-2 0 16,-1-1 0 0,-1-1 0-16,1 3 0 15,-1-1 0-15,-1 1 0 16,0-1 0 0,-3 0 0-1,0-1 0-15,1-2 0 16,-2-2 0-1,2 1 0-15,-1 0 0 16,3-4 0-16,0-2 0 16,0-2 0-1,-2-2 0-15,0 0 0 16,-1-1 0 0,0-2 0-16,3 2 0 15,0 0 0-15,2 5 0 16,-3 3 0-1,-3-8 0-15</inkml:trace>
-  <inkml:trace contextRef="#ctx0" brushRef="#br0" timeOffset="191962.42">26476 13714 200 0,'0'0'0'0,"6"-13"0"16,0-9 0-1,-2-6 0 17,-3-5 0-32,-5-3 0 15,-7-3 0-15,-10-2 0 0,-5 3 0 16,-8 3 0 31,-6 3 0-47,-11 9 0 0,-7 14 0 0,-8 15 0 0,-4 20 0 0,-6 18 0 15,6 16 0 1,11 9 0 0,15 0 0-16,16-2 0 0,15-8 0 31,18-9 0-31,14-13 0 15,16-10 0 1,16-15 0 0,9-13 0-16,5-9 0 0,1-4 0 15,0-8 0 1,-7-6 0-16,-6-10 0 31,-9-7 0-31</inkml:trace>
-  <inkml:trace contextRef="#ctx0" brushRef="#br0" timeOffset="192266.05">26476 13084 200 0,'-4'13'0'0,"-3"20"0"16,-2 20 0-1,-1 19 0-15,-3 17 0 16,5 4 0 0,3-8 0-16,4-13 0 15,4-13 0 1,1-13 0-16,4-11 0 15,0-10 0 1,-1-11 0-16</inkml:trace>
-  <inkml:trace contextRef="#ctx0" brushRef="#br0" timeOffset="193026.59">26618 13603 200 0,'7'19'0'16,"6"8"0"-16,9-3 0 16,0-8 0-1,9-10 0 1,5-13 0-16,6-12 0 15,0-10 0-15,0-8 0 16,-3-5 0 0,-9-2 0-16,-14 0 0 15,-6 5 0 1,-13 7 0-16,-13 12 0 16,-9 16 0-1,-7 22 0-15,-7 23 0 16,1 22 0-1,5 13 0-15,6-1 0 16,13-9 0 0,17-12 0-1,20-16 0 1,19-17 0-16,21-19 0 0,20-26 0 16,21-18 0-1,8-9 0-15,4-9 0 16,-5-1 0-1,-13-4 0-15,-12-3 0 16,-13 4 0 0,-15 0 0-16,-14 3 0 15,-15 4 0 1,-16 7 0-16,-16 6 0 16,-18 7 0-1,-10 8 0-15,-9 11 0 16,-7 14 0-1,-4 14 0-15,-3 16 0 32,0 20 0-32,-1 22 0 15,9 24 0 1,2 15 0-16,7 3 0 16,8-10 0-16,13-15 0 15,8-14 0 1,9-14 0-1,8-12 0-15,2-11 0 16,1-13 0 0,-1-14 0-1,-9-17 0-15</inkml:trace>
-  <inkml:trace contextRef="#ctx0" brushRef="#br0" timeOffset="193248.34">27139 13723 200 0,'0'0'0'0,"11"18"0"16,11 5 0-16,17-3 0 16,14-8 0-1,11-7 0-15,12-6 0 16,3-3 0-1,-2-2 0-15,-5-3 0 16</inkml:trace>
-  <inkml:trace contextRef="#ctx0" brushRef="#br0" timeOffset="193457.2">27864 13723 200 0,'0'56'0'0,"1"13"0"16,2-17 0-1,4-29 0-15</inkml:trace>
-  <inkml:trace contextRef="#ctx0" brushRef="#br0" timeOffset="193629.07">27922 13484 200 0,'0'0'0'0,"0"0"0"16,0 0 0-16,0 0 0 15,0 0 0 1</inkml:trace>
-  <inkml:trace contextRef="#ctx0" brushRef="#br0" timeOffset="194075.84">28039 13603 200 0,'10'50'0'0,"4"16"0"0,-1-1 0 31,-5-12 0-31,-4-14 0 0,-2-13 0 16,-2-10 0-1,0-16 0-15,1 9 0 16,-1-9 0-1,2-9 0-15,5-20 0 16,8-13 0 0,5-7 0-16,8-2 0 15,11 1 0 1,2 9 0 0,0 12 0-16,1 12 0 15,-3 17 0 1,-5 17 0-16,-10 18 0 31,-9 15 0-31,-8 4 0 16,-5-3 0-16,-1-7 0 15,0-10 0-15,1-10 0 16,4-14 0 0,6-17 0-16</inkml:trace>
-  <inkml:trace contextRef="#ctx0" brushRef="#br0" timeOffset="194273.72">28646 13629 200 0,'0'31'0'15,"0"21"0"-15,-3 4 0 16,2-7 0-1,1-9 0-15,2-14 0 16,4-15 0 0,5-21 0-16</inkml:trace>
-  <inkml:trace contextRef="#ctx0" brushRef="#br0" timeOffset="194462.84">28873 13254 200 0,'10'-32'0'0,"2"-7"0"16,1 10 0-16,-3 12 0 16,3 9 0-1,-2 4 0-15</inkml:trace>
-  <inkml:trace contextRef="#ctx0" brushRef="#br0" timeOffset="194693.34">29058 13118 200 0,'0'83'0'0,"-5"41"0"15,-3 13 0-15,-7-2 0 16,2-21 0 0,8-29 0-16,8-22 0 15,5-20 0 1,5-18 0-16,0-16 0 16</inkml:trace>
-  <inkml:trace contextRef="#ctx0" brushRef="#br0" timeOffset="194929.86">28831 13723 200 0,'0'0'0'0,"0"0"0"16,16 12 0-16,17 2 0 15,18 1 0 1,13-6 0 0,11-7 0-16,4-5 0 15,5-9 0-15,-4-10 0 16</inkml:trace>
-  <inkml:trace contextRef="#ctx0" brushRef="#br0" timeOffset="195124.95">29478 13740 200 0,'-4'60'0'0,"1"12"0"15,5-25 0 1,5-32 0-16</inkml:trace>
-  <inkml:trace contextRef="#ctx0" brushRef="#br0" timeOffset="195322.47">29529 13400 200 0,'0'0'0'0,"0"0"0"15,0 0 0-15,1 15 0 16,6 13 0 0,9 9 0-16</inkml:trace>
-  <inkml:trace contextRef="#ctx0" brushRef="#br0" timeOffset="195806.08">30100 13791 200 0,'14'-10'0'0,"3"-12"0"16,-6-10 0-1,-10-5 0-15,-13-5 0 16,-14 3 0 0,-13 6 0-16,-8 10 0 15,-7 12 0 1,-8 15 0-16,2 16 0 16,0 21 0-1,3 19 0-15,11 6 0 16,17-6 0-1,23-9 0-15,22-11 0 16,25-10 0 0,19-14 0-1,17-9 0 1,9-8 0-16,3-8 0 16,-9-4 0-16,-13-7 0 15,-14-8 0 1,-15-5 0-16,-17-6 0 15,-16-3 0 1,-13-1 0-16,-13 4 0 16,-11 4 0-1,-2 6 0-15,-1 3 0 16</inkml:trace>
-  <inkml:trace contextRef="#ctx0" brushRef="#br0" timeOffset="196278.18">30387 13663 200 0,'1'44'0'0,"0"13"0"31,0-10 0-31,2-12 0 16,0-13 0-1,-3-22 0-15,6 4 0 16,8-18 0 0,5-11 0-16,4-11 0 15,8-8 0 1,6-3 0-16,9 0 0 16,8 8 0-1,13 17 0-15,0 22 0 16,3 28 0-1,-6 24 0-15,-9 23 0 16,-15 12 0 0,-14 7 0-16</inkml:trace>
-  <inkml:trace contextRef="#ctx0" brushRef="#br0" timeOffset="202256.58">840 13834 200 0,'0'0'0'0,"0"0"0"15,0 0 0-15,0 0 0 16,9-8 0 0,11-3 0-16,9 5 0 0,7 5 0 15,8 2 0 1,11 1 0 31,9-2 0-47,10-2 0 0,12 0 0 0,10-1 0 15,12-3 0-15,10 0 0 16,10-3 0-16,9-2 0 16,1-2 0-16,8 3 0 15,5 4 0 1,3 1 0 0,3 1 0-16,4 1 0 15,0 1 0 1,1 0 0-16,3 2 0 15,3 3 0 1,5 1 0 0,3 1 0-16,3 3 0 15,0-1 0-15,-2 5 0 16,1 1 0 0,0 4 0-1,-1 1 0 1,-2 3 0-16,-2 0 0 0,1-2 0 15,-2 0 0-15,-1 1 0 16,-2 0 0 15,-5 4 0-31,-1-2 0 16,-2 2 0 0,-6 1 0-16,-2 1 0 15,-4 1 0-15,-3-2 0 16,-8-3 0-1,-5-3 0 1,-5-2 0 0,-4-3 0-16,-11-7 0 15,-4-3 0-15,-6-1 0 16,-4-5 0 0,0-2 0-16,-4-3 0 15,-7-5 0 1,-6-4 0-16,-6 0 0 15,-7-6 0 1,-6-6 0 0,-3-3 0-16,-3-3 0 15,-2-1 0 1,-2-4 0-16,-3 1 0 16,-3-5 0-1,1-1 0-15,-4-3 0 16,-3-1 0-1,-3-2 0-15,-1-4 0 16,-2-1 0 0,-4-3 0-16,-2-1 0 15,-1-2 0 1,-1 1 0 0,0 0 0-16,-5-1 0 15,-2-2 0-15,0 1 0 16,-1 3 0-1,-2-2 0-15,-3 0 0 16,-2-2 0 0,0-1 0-16,-2 0 0 15,-3 1 0 1,0 1 0 0,-5 1 0-16,-2 0 0 15,-4 1 0-15,-2 2 0 16,-1-2 0-1,-4 2 0-15,2 0 0 16,-3 2 0 0,-3-1 0-1,2 3 0-15,-3 0 0 16,-2 1 0 0,-4 0 0-16,-3 2 0 15,-6 0 0 1,0-1 0-1,-5 5 0-15,-3 0 0 16,-8 1 0 0,-2 3 0-16,-2 0 0 15,-5 1 0 1,-6 4 0-16,-3 3 0 16,-2 2 0-16,0 0 0 15,-3 3 0 1,-2 2 0-1,-6 3 0-15,-3 2 0 16,-7 2 0-16,-3 3 0 16,-5 2 0-1,-2 2 0-15,-3 1 0 32,0 1 0-32,-2 3 0 0,-4 3 0 15,1-1 0 1,0 5 0-1,-1 0 0-15,-2 2 0 16,-1 0 0 0,-4 3 0-1,4-2 0-15,-5 4 0 16,-3 0 0 0,-3 0 0-16,-2 1 0 0,0 5 0 15,-1 4 0 1,-5-1 0-16,-2-1 0 15,-3 3 0 1,0 1 0 0,-2 1 0-1,-3 3 0 1,-4 0 0-16,1 2 0 16,1 0 0-1,-3 1 0-15,9 1 0 16,1-2 0-16,-2 1 0 15,-1 0 0 1,2-2 0-16,3 2 0 16,-2 2 0-1,-1-2 0-15,-1 0 0 16,3 1 0 0,-2 3 0-16,4-2 0 15,1 0 0 1,3-2 0-16,4 1 0 15,3 0 0 1,3 2 0-16,2-1 0 16,2-1 0-1,2 2 0-15,4 4 0 16,4 0 0 0,6 0 0-16,1 1 0 15,4 0 0 1,0 3 0-1,5 1 0-15,4 1 0 16,4 2 0-16,4 3 0 16,2 0 0-1,2 4 0-15,9 0 0 16,3 3 0 0,2 0 0-16,7 4 0 15,0 1 0 1,2 3 0-16,5 1 0 15,3 2 0 1,1 4 0-16,4 1 0 16,-3 0 0-1,5 2 0-15,5-4 0 16,6-4 0 0,4-6 0-16,6 0 0 15,5-3 0 1,5 0 0-1,5-4 0-15,4 0 0 16,7-5 0-16,5 0 0 16,5-3 0-1,5 0 0-15,5-3 0 16,2-4 0 0,8-1 0-16,3-4 0 15,5-4 0 1,-1-3 0-16,1-4 0 15,0-3 0-15,4 0 0 16,-4-2 0 0,5-2 0-16,2-2 0 15,2-2 0 1,-1-1 0 0,5-3 0-16,1-3 0 15,3 2 0-15,-4 4 0 16,-4 5 0-1,-10 2 0-15</inkml:trace>
-  <inkml:trace contextRef="#ctx0" brushRef="#br0" timeOffset="203225.83">975 10868 200 0,'-16'-17'0'16,"-7"-10"0"-16,5 0 0 15,1 5 0 1,2 5 0-16,-6 7 0 15,-1 9 0 1,-6 14 0-16,-5 15 0 16,-11 19 0-1,-10 15 0-15,-1 20 0 16,3 15 0 0,8 9 0-1,15 2 0-15,13-10 0 16,16-14 0-16,15-18 0 15,12-17 0 1,7-17 0 0,14-14 0-16,9-16 0 0,11-15 0 15,5-14 0 1,4-11 0 0,1-5 0-16,-3-7 0 15,-8-5 0-15</inkml:trace>
-  <inkml:trace contextRef="#ctx0" brushRef="#br0" timeOffset="203751.62">1437 11157 200 0,'-10'-21'0'0,"-6"-7"0"15,-3 0 0-15,-2 5 0 16,-5 6 0-1,-3 16 0-15,-5 17 0 16,-7 19 0 0,1 15 0-16,5 10 0 15,7 3 0 1,6-4 0-16,15-11 0 16,7-14 0-1,10-16 0-15,7-11 0 16,8-13 0-1,9-11 0-15,-1-8 0 16,4-4 0 0,-3-1 0-16,-5 5 0 15,-7 9 0 1,-1 7 0-16,-6 8 0 16,2 9 0-1,0 4 0-15,5 1 0 16,1 2 0-16,2-5 0 15,4-11 0 1,1-13 0-16</inkml:trace>
-  <inkml:trace contextRef="#ctx0" brushRef="#br0" timeOffset="204055.81">1646 10595 200 0,'4'60'0'0,"5"37"0"31,6 16 0-31,1 0 0 0,-1-9 0 16,1-11 0-1,-1-18 0-15,-4-21 0 16</inkml:trace>
-  <inkml:trace contextRef="#ctx0" brushRef="#br0" timeOffset="204327.06">1891 10561 200 0,'17'64'0'0,"9"42"0"15,0 24 0 1,-1 16 0-16,-2 8 0 16,-1-3 0-1</inkml:trace>
-</inkml:ink>
-</file>
-
-<file path=ppt/ink/ink13.xml><?xml version="1.0" encoding="utf-8"?>
-<inkml:ink xmlns:inkml="http://www.w3.org/2003/InkML">
-  <inkml:definitions>
-    <inkml:context xml:id="ctx0">
-      <inkml:inkSource xml:id="inkSrc0">
-        <inkml:traceFormat>
-          <inkml:channel name="X" type="integer" max="32767" units="cm"/>
-          <inkml:channel name="Y" type="integer" max="32767" units="cm"/>
-          <inkml:channel name="F" type="integer" max="1024" units="dev"/>
-          <inkml:channel name="T" type="integer" max="2.14748E9" units="dev"/>
-        </inkml:traceFormat>
-        <inkml:channelProperties>
-          <inkml:channelProperty channel="X" name="resolution" value="325.74808" units="1/cm"/>
-          <inkml:channelProperty channel="Y" name="resolution" value="571.84991" units="1/cm"/>
-          <inkml:channelProperty channel="F" name="resolution" value="4.0315E-5" units="1/dev"/>
-          <inkml:channelProperty channel="T" name="resolution" value="1" units="1/dev"/>
-        </inkml:channelProperties>
-      </inkml:inkSource>
-      <inkml:timestamp xml:id="ts0" timeString="2023-08-10T14:57:12.282"/>
-    </inkml:context>
-    <inkml:brush xml:id="br0">
-      <inkml:brushProperty name="width" value="0.05292" units="cm"/>
-      <inkml:brushProperty name="height" value="0.05292" units="cm"/>
-      <inkml:brushProperty name="color" value="#FF0000"/>
-    </inkml:brush>
-  </inkml:definitions>
-  <inkml:trace contextRef="#ctx0" brushRef="#br0">8210 10681 200 0,'0'0'0'0,"0"0"0"15,0 0 0-15,0 0 0 47,0 0 0-47,0 0 0 0,0 0 0 0</inkml:trace>
-  <inkml:trace contextRef="#ctx0" brushRef="#br0" timeOffset="853.13">9514 10689 200 0,'0'0'0'31,"0"0"0"-31,0 0 0 16,0 0 0-1,0 0 0-15,0 0 0 16,0 0 0-1</inkml:trace>
-  <inkml:trace contextRef="#ctx0" brushRef="#br0" timeOffset="4641.76">4532 11899 200 0,'0'0'0'15,"0"0"0"-15,0 0 0 16,0 0 0-16,0 0 0 15,0 0 0 1,0 0 0-16,0 0 0 16</inkml:trace>
-  <inkml:trace contextRef="#ctx0" brushRef="#br0" timeOffset="5108.45">6148 12086 200 0,'14'3'0'0,"3"4"0"16,-7-1 0-1</inkml:trace>
-  <inkml:trace contextRef="#ctx0" brushRef="#br0" timeOffset="20176.93">8419 10067 200 0,'0'0'0'15,"0"0"0"-15,0 0 0 16,0 0 0 0,0 0 0-1,-11-7 0-15,-4-5 0 16,-2 4 0 0,-3 0 0-16,0 4 0 31,-7 3 0-16,-2 0 0-15,-7 3 0 0,0 0 0 0,-2 0 0 16,7 0 0 0,1 0 0-16,6 1 0 15,3-3 0-15,3 0 0 16,6-2 0 0,-1 4 0-16,3 0 0 15,10-2 0 1,-6-2 0-16,6-6 0 15,8-2 0 1,8-6 0-16,5-6 0 16,7-2 0-16,4-2 0 15,7 1 0 1,2-1 0 0,5 1 0-16,2 1 0 15,-5 3 0 1,-3 1 0-16,-6 2 0 15,-5 5 0-15,-4 2 0 32,-6 6 0-32,-3 1 0 0,-4 4 0 15,-12 0 0 1,5 8 0-16,-7 8 0 16,-3 11 0-1,-7 10 0-15,0 6 0 16,1 6 0-1,3-1 0-15,0 2 0 32,0-1 0-32,4-2 0 15,2-5 0-15,2-6 0 16</inkml:trace>
-  <inkml:trace contextRef="#ctx0" brushRef="#br0" timeOffset="21956.55">9404 9583 200 0,'0'0'0'16,"0"0"0"0,0 0 0-16,0 0 0 0,0 0 0 15,0 0 0 1,0 0 0 0,0 0 0-16,0 0 0 15,0 0 0 1,0 0 0-16,0 0 0 15,0 0 0-15,17 0 0 16,14 2 0 0,7 3 0-16,3 2 0 15,-1 4 0-15,-6 2 0 16,-4 2 0 0,-11 2 0-16,-10 1 0 31,-12 1 0-31,-13 2 0 15,-10-1 0-15,-5-1 0 16,-6 2 0 0,3 0 0-16,1 2 0 15,5-1 0 1,6-1 0-16,12-2 0 16,10 0 0-1,8-1 0-15,9 0 0 16,8-1 0-1,4-3 0-15,3 0 0 0,-1-3 0 16,-5 0 0 0,-5-2 0-16,-8 4 0 15,-12 3 0 1,-14 2 0-16,-14 3 0 16,-12 3 0-1,-15 2 0-15</inkml:trace>
-  <inkml:trace contextRef="#ctx0" brushRef="#br0" timeOffset="29973.77">4836 10979 200 0,'0'0'0'15,"0"0"0"-15,0 0 0 16,-12-6 0 31,-9-2 0-47,-4 0 0 0,-4 5 0 0,-1 6 0 0,-2-2 0 15,0 6 0-15,5 0 0 63,-1 1 0-47,6 1 0-16,2-2 0 0,4-3 0 0,4 1 0 0,12-5 0 0,0 0 0 0,0 0 0 15,0-1 0 1,12-10 0-1,8-8 0-15,8-4 0 16,7-3 0-16,0-2 0 16,0 1 0-1,-1 3 0-15,-6 4 0 16,-2 6 0 0,-7 6 0-16,-4 5 0 15,-2 5 0 1,-2 0 0-16,0 6 0 15,-6 7 0 1,-1 4 0-16,-3 12 0 16,-2 5 0-1,-1 3 0-15,-3-3 0 16,1-3 0 0,-3-1 0-1,1-4 0-15,-1-3 0 0</inkml:trace>
-  <inkml:trace contextRef="#ctx0" brushRef="#br0" timeOffset="31038.14">6131 10801 200 0,'0'0'0'16,"0"0"0"-16,0 0 0 16,0 0 0-16,9-9 0 15,14-1 0 1,6 2 0-16,9 1 0 16,6 2 0-1,3 4 0 1,-4 2 0-16,-7 2 0 15,-8 1 0 1,-9 1 0-16,-5 3 0 0,-13 0 0 16,-7 5 0-1,-11-1 0 1,-5 1 0-16,-4-1 0 16,-3-2 0-16,-1 0 0 15,8-2 0 1,6-3 0-16,16-5 0 15,-1 6 0-15,16-3 0 16,13-2 0 0,8 1 0-16,7 0 0 15,0 4 0 1,-5-2 0-16,-7 2 0 16,-12-1 0-1,-16 4 0-15,-13 2 0 16,-17 4 0-1,-10 2 0-15,-7-2 0 16,-6 1 0 0,1-2 0-1,-2-1 0 1</inkml:trace>
-  <inkml:trace contextRef="#ctx0" brushRef="#br0" timeOffset="38064.89">2875 15069 200 0,'0'0'0'0,"16"18"0"16,8 16 0-16,6 13 0 31,-1 16 0-15,6 16 0-16,4 16 0 0,4 9 0 15,9 9 0 1,5 2 0-1,4 4 0 1,0-3 0-16,1-7 0 0,-2-6 0 16,-3-5 0-16,-4-5 0 0,-6-4 0 31,-9-7 0-15,-13-18 0-16</inkml:trace>
-  <inkml:trace contextRef="#ctx0" brushRef="#br0" timeOffset="38520.64">2497 16390 200 0,'35'-26'0'0,"30"-18"0"16,20-14 0-16,14-14 0 16,16-13 0-1,9-16 0-15,21-8 0 16,8-8 0 0,9 0 0-16,12 3 0 15,0 7 0 1,-10 11 0-16,-16 11 0 15,-17 11 0 1,-18 10 0-16</inkml:trace>
-  <inkml:trace contextRef="#ctx0" brushRef="#br0" timeOffset="39232.68">4609 16023 200 0,'24'3'0'0,"31"-2"0"16,25-5 0-1,26-2 0-15,22 0 0 16,18-3 0 0,13 2 0-16,11 3 0 15,-2 1 0 1,-5 1 0-16,-20 3 0 16,-24 0 0-1,-31 3 0-15,-35-3 0 16,-53-1 0-1</inkml:trace>
-  <inkml:trace contextRef="#ctx0" brushRef="#br0" timeOffset="39536.6">4541 16339 200 0,'-7'18'0'0,"21"0"0"15,27-6 0 1,34-11 0-16,35-10 0 16,27-7 0-1,22-2 0-15,18 2 0 16,9 2 0-1,3 3 0-15,-7 5 0 16,-14-1 0 0,-15 0 0-1,-27-5 0-15</inkml:trace>
-  <inkml:trace contextRef="#ctx0" brushRef="#br0" timeOffset="39983.18">7065 15275 200 0,'1'70'0'0,"0"43"0"16,-6 22 0-16,-4 7 0 16,0 1 0-1,-2-5 0-15,0-6 0 16,0-8 0 0,-1-8 0-16,2-8 0 15,1-13 0 1,2-27 0-1</inkml:trace>
-  <inkml:trace contextRef="#ctx0" brushRef="#br0" timeOffset="40548.92">7334 15487 200 0,'36'-19'0'0,"30"-11"0"16,22 1 0 0,20 0 0-1,19 8 0-15,18 7 0 16,9 12 0-16,2 9 0 16,-12 18 0-1,-25 12 0-15,-39 17 0 16,-51 14 0-1,-53 11 0-15,-50 12 0 16,-46 18 0 0,-29 10 0-16,-19 7 0 15,-4 7 0 1,14-8 0-16,23-8 0 16,38-11 0-1,38-14 0-15,41-17 0 16,48-18 0-1,47-19 0 1,51-22 0-16,46-12 0 16,36-6 0-1,20-2 0-15,5 6 0 16</inkml:trace>
-  <inkml:trace contextRef="#ctx0" brushRef="#br0" timeOffset="123887.31">1705 12836 200 0,'-31'24'0'16,"-29"8"0"-1,-19 4 0-15,-8-1 0 16,-1-8 0 0,1-5 0-16,-1-4 0 0,-2-5 0 31,-8-7 0-31,0-7 0 15,-5-8 0-15,-1-9 0 16,-2-9 0 0,-6-11 0-1,0-7 0-15,1-11 0 16,7-10 0-16,19-12 0 16,23 0 0-1,62 11 0-15,0 20 0 16,0 17 0-1,0 12 0-15,0 8 0 16,0 10 0 0,0-194 0-16,0-59 0 15,0 4 0 1,0 27 0-16,0 29 0 16,31 18 0-1,67 15 0-15,12 15 0 16,8 12 0-1,10 9 0-15,8 6 0 16,17 2 0 0,11-1 0-1,14 1 0-15,10-1 0 16,12 4 0 0,8 3 0-16,9 3 0 15,7 4 0 1,5 4 0-16,6 5 0 15,4 7 0 1,9 8 0-16,4 5 0 16,8 7 0-1,10 4 0-15,6 7 0 16,13 7 0 0,1 9 0-16,6 5 0 15,4 7 0 1,4 10 0-1,5 10 0-15,6 12 0 16,6 3 0 0,6 7 0-16,9 1 0 0,0 6 0 15,8 4 0 1,9 2 0 0,2 3 0-1,2 6 0-15,0 7 0 16,-1 8 0-16,-3 12 0 15,-1 11 0 1,-4 11 0-16,-5 14 0 16,-8 10 0-1,-8 9 0 1,-15 7 0-16,-17 5 0 16,-23 9 0-1,-22 8 0-15,-25 7 0 16,-28 3 0-1,-24 0 0 1,-30-1 0-16,-26-1 0 16,-22-5 0-1,-24 0 0-15,-26-5 0 16,-27 3 0-16,-22-2 0 16,-21 1 0-1,-25-5 0 1,-17-15 0-16,-13-13 0 15,-15-9 0-15,-8-12 0 32,-11-6 0-32,-11-10 0 0,-15-11 0 15,-20-11 0 1,-14-7 0-16,-14-7 0 31,-16-8 0-31,-15-1 0 16,-10-5 0-1,-7-6 0-15,-7-4 0 16,-8-2 0 0,-7-9 0-16,-9 6 0 15,-6-5 0 1,-13 0 0-16,-14-2 0 16,-8-6 0-1,-7 1 0 1,-3 2 0-16,3-3 0 15,4 1 0 1,0-2 0-16,-2-1 0 16,-3-5 0-1,-4-6 0-15,1-9 0 16,2 0 0 0,-2 0 0-16,-1 2 0 15,-4-2 0 1,-5 3 0-16,-8 4 0 15,-4 2 0 1,0 2 0-16,5 12 0 16,5 10 0-1,-3 14 0-15,5 10 0 16,5 3 0 0,10-2 0-16,8-7 0 15,13-9 0 1,16-1 0-16,18-9 0 15,17-10 0 1,11-10 0-16,25 1 0 16</inkml:trace>
-  <inkml:trace contextRef="#ctx0" brushRef="#br0" timeOffset="151098.67">15731 12275 200 0,'-76'-33'0'16,"-37"-3"0"-16,-9 14 0 15,0 24 0 1,0 26 0-16,0 24 0 16,7 26 0-1,9 26 0 1,20 10 0-16,26-3 0 15,25-5 0-15,26-10 0 16,26-13 0 0,25-18 0-1,22-21 0-15,21-22 0 16,13-22 0 0,8-22 0-1,-1-16 0-15,-2-22 0 16,-12-14 0-1</inkml:trace>
-  <inkml:trace contextRef="#ctx0" brushRef="#br0" timeOffset="151462.25">15781 11516 200 0,'-31'62'0'0,"-10"42"0"16,-4 33 0-1,-7 21 0 1,1 9 0-16,8 1 0 16,5-8 0-1,8-16 0-15,7-21 0 16,8-24 0 0,10-20 0-16,8-18 0 15,4-26 0 1</inkml:trace>
-  <inkml:trace contextRef="#ctx0" brushRef="#br0" timeOffset="152337.15">15891 12836 200 0,'34'18'0'0,"25"-2"0"15,11-15 0 1,8-18 0-16,1-17 0 15,2-14 0-15,1-11 0 16,-8-7 0 0,-14-1 0-1,-21 5 0 1,-23 8 0-16,-25 12 0 16,-25 17 0-1,-21 21 0-15,-19 26 0 16,-9 28 0-1,-7 35 0-15,7 26 0 16,18 19 0-16,27-10 0 16,33-33 0-1,32-40 0-15,29-37 0 16,27-30 0 0,18-22 0-16,14-15 0 31,11-9 0-31,6-3 0 15,5 2 0-15,3 6 0 16,-2 0 0-16,-4 0 0 16,-10-1 0-1,-14 1 0-15,-13-3 0 32,-16-3 0-32,-10-6 0 15,-17-4 0 1,-16-2 0-16,-18 0 0 15,-17 4 0 1,-15 3 0-16,-16 9 0 0,-11 13 0 16,-12 14 0-1,-6 22 0-15,-2 24 0 32,4 23 0-32,-1 31 0 0,3 35 0 31,-3 33 0-16,2 28 0-15,6 18 0 16,11 7 0 0,14-14 0-16,10-26 0 15,7-23 0 1,3-22 0-16,3-21 0 16,2-18 0-1,3-25 0-15,-1-29 0 16</inkml:trace>
-  <inkml:trace contextRef="#ctx0" brushRef="#br0" timeOffset="152619.2">16884 13127 200 0,'57'-12'0'0,"56"-7"0"16,37-1 0 0,19 3 0-16,6 4 0 15,-1 6 0 1,-6 3 0-16,-10 0 0 15</inkml:trace>
-  <inkml:trace contextRef="#ctx0" brushRef="#br0" timeOffset="153451.76">17767 13493 200 0</inkml:trace>
-  <inkml:trace contextRef="#ctx0" brushRef="#br0" timeOffset="154883.71">11508 7170 200 0,'-16'-14'0'0,"-13"4"0"16,-9 10 0-16,-9 16 0 15,-9 21 0 1,-11 21 0-16,-3 23 0 15,7 13 0-15,11 16 0 32,24-3 0-32,22-5 0 15,24-17 0-15,22-24 0 16,22-22 0 0,26-25 0-16,27-20 0 15,22-20 0 1,9-13 0-16,1-7 0 15,-12-6 0 1,-21-1 0-16</inkml:trace>
-  <inkml:trace contextRef="#ctx0" brushRef="#br0" timeOffset="155454.64">12686 7367 200 0,'13'-21'0'15,"6"-11"0"1,-9-5 0-16,-15 3 0 16,-19 9 0-1,-16 12 0-15,-17 19 0 16,-17 20 0 0,-12 23 0-16,-1 25 0 15,0 16 0 1,13 2 0-16,25-10 0 15,29-13 0 1,22-17 0-16,21-18 0 16,15-21 0-1,20-20 0-15,14-17 0 16,8-9 0 0,-4-12 0-16,-8-4 0 15,-10 6 0 1,-14 8 0-16,-17 14 0 15,-5 15 0 1,-6 16 0-16,-3 15 0 16,2 12 0-1,4 6 0-15,12-5 0 16,17-12 0 0,16-18 0-16,19-17 0 15</inkml:trace>
-  <inkml:trace contextRef="#ctx0" brushRef="#br0" timeOffset="155791.04">13392 6675 200 0,'0'20'0'0,"4"21"0"16,3 28 0-16,0 30 0 15,-8 13 0 1,-6 12 0-16,7-3 0 31,0-13 0-31,3-18 0 16,-2-13 0-1,3-8 0-15,3-13 0 16</inkml:trace>
-  <inkml:trace contextRef="#ctx0" brushRef="#br0" timeOffset="156138.46">13973 6522 200 0,'20'98'0'0,"4"54"0"16,-5 30 0-1,-10 7 0-15,-3-12 0 16,-3-20 0-1,12-26 0-15,7-14 0 16,6-18 0-16</inkml:trace>
-</inkml:ink>
-</file>
-
-<file path=ppt/ink/ink14.xml><?xml version="1.0" encoding="utf-8"?>
-<inkml:ink xmlns:inkml="http://www.w3.org/2003/InkML">
-  <inkml:definitions>
-    <inkml:context xml:id="ctx0">
-      <inkml:inkSource xml:id="inkSrc0">
-        <inkml:traceFormat>
-          <inkml:channel name="X" type="integer" max="32767" units="cm"/>
-          <inkml:channel name="Y" type="integer" max="32767" units="cm"/>
-          <inkml:channel name="F" type="integer" max="1024" units="dev"/>
-          <inkml:channel name="T" type="integer" max="2.14748E9" units="dev"/>
-        </inkml:traceFormat>
-        <inkml:channelProperties>
-          <inkml:channelProperty channel="X" name="resolution" value="325.74808" units="1/cm"/>
-          <inkml:channelProperty channel="Y" name="resolution" value="571.84991" units="1/cm"/>
-          <inkml:channelProperty channel="F" name="resolution" value="4.0315E-5" units="1/dev"/>
-          <inkml:channelProperty channel="T" name="resolution" value="1" units="1/dev"/>
-        </inkml:channelProperties>
-      </inkml:inkSource>
-      <inkml:timestamp xml:id="ts0" timeString="2023-08-10T15:03:17.973"/>
-    </inkml:context>
-    <inkml:brush xml:id="br0">
-      <inkml:brushProperty name="width" value="0.05292" units="cm"/>
-      <inkml:brushProperty name="height" value="0.05292" units="cm"/>
-      <inkml:brushProperty name="color" value="#FF0000"/>
-    </inkml:brush>
-  </inkml:definitions>
-  <inkml:trace contextRef="#ctx0" brushRef="#br0">16791 17285 200 0,'29'-16'0'15,"11"-5"0"-15,5 1 0 16,-2 4 0-16,-2 3 0 15,1 2 0-15,0 1 0 16,5 0 0 0,-1 3 0-1,4 0 0-15,7 1 0 16,2 1 0-16,5-1 0 16,3 1 0-1,6 0 0 1,4-1 0-16,0 0 0 15,3 0 0 1,3-1 0-16,0-1 0 16,7-1 0-1,-1 0 0-15,7-2 0 16,-1 1 0 0,7-1 0-16,0 0 0 15,4-2 0 1,2-1 0-16,7 1 0 15,0-1 0 1,5 0 0-16,3 1 0 16,4 2 0-1,1 0 0-15,2 0 0 16,3 0 0-16,-1 1 0 16,4-2 0-1,5 0 0-15,3 3 0 16,-1-2 0-1,-1 4 0-15,0-2 0 16,1 7 0 0,2-1 0-16,5 0 0 15,0 3 0 1,2-1 0 0,2-1 0-16,4 2 0 15,-1 0 0-15,7 0 0 16,-7 0 0-1,1 3 0-15,2-6 0 16,2-1 0 0,4 0 0-16,1-2 0 15,4 2 0 1,0-2 0-16,2-2 0 16,-2 1 0-1,3 0 0-15,0 0 0 16,-2-1 0-1,3-1 0-15,-1-1 0 16,1-3 0 0,-2-1 0-1,-2 3 0-15,6-2 0 16,-2 1 0 0,-2 2 0-16,0 1 0 15,0 0 0-15,-2 2 0 16,1 1 0-1,-2 1 0-15,1 0 0 16,0 1 0 0,0 0 0-1,0 3 0-15,3 0 0 16,1 1 0-16,-4 2 0 16,-5-2 0-1,-4 1 0-15,-2 2 0 16,-1-1 0-1,0 1 0-15,-3 1 0 16,0-1 0-16,1 0 0 31,-1 1 0-31,3 3 0 16,4 3 0-16,2 0 0 16,0-2 0-1,4 4 0 1,-1-2 0-1,-4 2 0-15,4-2 0 0,-1 0 0 32,-1 0 0-32,-8-2 0 15,-5-2 0-15,-7 3 0 16,-1-1 0-16,-2 1 0 31,-5-1 0-31,-1 2 0 16,-4 0 0-1,-4-1 0 1,-2 3 0-16,-3 4 0 16,-1 2 0-1,-3 3 0-15,-4 4 0 16,-5 4 0 0,-4 3 0-16,-10 3 0 15,-4 2 0 1,-10 4 0-16,-8 3 0 15,-8 2 0 1,-10 2 0-16,-5 3 0 16,-8-2 0-1,-6 2 0-15,-9 3 0 16,-3-1 0 0,-7 2 0-16,-3-1 0 15,-3 0 0 1,-5 2 0-16,-2 0 0 15,-3-1 0 1,-3 1 0-16,-5-2 0 16,-5-5 0-1,-5-1 0-15,-3-1 0 16,-3-1 0 0,-4-2 0-16,-3-1 0 15,-1 1 0 1,0-2 0-16,-4-1 0 15,0 0 0 1,-6 1 0-16,1-2 0 16,-3 0 0-1,-3 1 0-15,0-2 0 16,-4 1 0 0,-4-2 0-16,-1 0 0 15,-2-3 0 1,2 0 0-16,-4-3 0 15,-2-2 0 1,0-1 0 0,-4-3 0-16,0 0 0 15,-1 2 0-15,-6-5 0 16,-2 2 0 0,-1-1 0-16,0-3 0 15,-2-4 0 1,0-8 0-16,-1-9 0 15,-2 0 0 1,3 0 0-16,-2 0 0 16,-3 0 0-1,0 0 0-15,0 0 0 16,-3 0 0 0,0 0 0-1,1 0 0-15,3 0 0 0,-1 0 0 16,-2 0 0-1,0 0 0-15,-3 0 0 32,-2 0 0-32,-4 0 0 15,-4-10 0 1,-4-10 0-16,3-3 0 16,2-1 0-1,4 1 0-15,-16-4 0 31,-42-4 0-15,-11 1 0 0,10 9 0-1,19 2 0-15,14 2 0 16,14 4 0 0,2 0 0-1,5-1 0-15,3 4 0 16,0 0 0-1,-2 2 0-15,-1 2 0 16,-1-1 0 0,2 2 0-16,-1-1 0 15,-2-1 0 1,-1 4 0-16,-2 0 0 16,1 1 0-1,1 1 0-15,-2-2 0 16,0 0 0-1,-1 0 0-15,3 3 0 16,4 0 0-16,1-1 0 16,4 0 0-1,-4 1 0-15,0 0 0 16,-2-2 0 0,2-1 0-16,1 0 0 15,1 0 0 1,-3 0 0-16,-1 2 0 15,-2-3 0 1,-1 0 0-16,1 0 0 16,1-1 0-1,0 0 0-15,-1 4 0 16,-3 1 0 0,-2-2 0-16,0 1 0 15,1 1 0-15,0 3 0 16,0-3 0-1,1 4 0-15,2 1 0 16,5-1 0 0,-1-1 0-16,0 0 0 15,-3 7 0-15,-2 0 0 16,0 0 0 0,-5 1 0-1,-2 2 0-15,0-1 0 16,2 1 0-16,-3 3 0 31,4 1 0-31,1 1 0 16,2-3 0-16,2 0 0 15,0-2 0 1,-1 1 0 0,-3 0 0-16,-1-1 0 0,0 0 0 15,-2 0 0 1,-1-2 0-16,-3 2 0 15,0-3 0 1,-3 2 0-16,-2-4 0 16,-3 4 0-1,-2-3 0-15,-2 2 0 16,1 2 0 0,-4-4 0-16,-5 0 0 31,-7 3 0-31,6 0 0 15,1-10 0-15,-2-2 0 16,-1 0 0 0,4 0 0-16,3 0 0 15,0 0 0 1,0 0 0 0,0 0 0-16,-1 0 0 15,2 0 0 1,2 0 0-16,2 0 0 15,2 0 0-15,3 0 0 16,3 0 0 0,2 0 0-16,3 0 0 15,3 0 0 1,0 0 0-16,-1 0 0 16,3 0 0-1,2 0 0-15,0 0 0 16,5 0 0-1,3 0 0-15,1-5 0 16,0 1 0 0,2-1 0-16,2-2 0 15,2 0 0 1,0 2 0-16,1 2 0 16,-1-4 0-16,4 2 0 15,1-2 0 1,-1-3 0-16,3 1 0 15,2 0 0 1,1 2 0-16,-1-3 0 16,2 0 0-1,-1-1 0-15,4 3 0 16,3-3 0 0,-1-3 0-16,3 0 0 15,3 0 0 1,1 1 0-16,2-3 0 15,3-1 0 1,0-2 0-16,1-2 0 16,5 0 0-16,4-1 0 15,-2-4 0 1,2-3 0-16,1 1 0 16,3-4 0-1,2 1 0-15,6-1 0 16,3-2 0-1,1 0 0-15,5-2 0 16,1-1 0 0,3 2 0-16,1 0 0 15,3-1 0-15,2 0 0 16,5 1 0 0,1 3 0-16,5-1 0 15,3 3 0 1,1-2 0-1,4 3 0-15,1 0 0 16,4 2 0 0,2-1 0-16,3-4 0 15,5 0 0-15,1 2 0 16,0-2 0 0,3 1 0-16,0 1 0 15,-1 1 0 1,3 1 0-16,3 3 0 15,2-2 0-15,-3 1 0 16,1 2 0 0,-4 1 0-16,4 1 0 15,2 1 0 1,-2-1 0-16,0 2 0 16,-2 0 0-1,-1 2 0 1,-5 2 0-16,1-5 0 15,0 4 0-15,2-2 0 16,2 2 0 0,2-1 0-1,0 1 0-15,6 3 0 0,-1 1 0 16,1 0 0 0,-4 4 0-1,1 0 0-15,-2 3 0 16,4 0 0-16,2-2 0 15,1-1 0 1,-3-2 0 0,1 1 0-16,-1 1 0 15,2 3 0-15,-1 0 0 16,4-1 0-16,9-38 0 16</inkml:trace>
-  <inkml:trace contextRef="#ctx0" brushRef="#br0" timeOffset="7384.58">158 14012 200 0,'0'0'0'16,"0"0"0"-16,0 0 0 16,0 0 0-1,0 0 0-15,0 0 0 0,0 0 0 16,0 0 0 0,0 0 0-16,0 0 0 15,13 7 0-15,5 3 0 16,0 0 0-1,0-2 0 1,4 2 0-16,1-3 0 0,3-2 0 16,3 1 0-1,2-3 0-15,4-1 0 16,7-2 0 0,7-1 0-16,2 1 0 15,7 0 0 1,4-1 0-16,6-2 0 31,2 0 0-31,6 3 0 0,4-4 0 16,-2 2 0-1,5 0 0 1,3-1 0-16,3 2 0 16,6-2 0-1,3-3 0-15,4-1 0 16,4-3 0-1,-1-1 0-15,-1-3 0 16,4-2 0-16,3-2 0 16,-2-2 0-1,1-1 0 1,-4-4 0-16,-1 0 0 16,-2-3 0-1,-7 1 0-15,-7-4 0 0,-3 1 0 16,-3-2 0-16,-8 3 0 15,-10-2 0 1,-7 3 0-16,-9-1 0 31,-5 2 0-15,-8 1 0-16,-6-3 0 16,-8 1 0-1,-6-1 0-15,-5 4 0 16,-8 0 0-1,-7-1 0-15,-10-1 0 16,-7 1 0 0,-14 1 0-16,-4 3 0 15,-12 2 0 1,-9 2 0-16,-10 0 0 16,-12 6 0-1,-10-1 0-15,-8 6 0 16,-3 2 0-1,-9 2 0-15,-5 3 0 16,-1 1 0 0,-3 4 0-16,0-1 0 15,-2 3 0 1,-6 2 0-16,-2 1 0 16,1 1 0-1,4 0 0-15,2 2 0 16,6 2 0-1,7-2 0-15,7 2 0 16,4-1 0 0,1 3 0-16,-2 5 0 15,0 4 0-15,2 4 0 16,7 3 0 0,10 1 0-1,8 1 0-15,6 2 0 16,5 4 0-1,4 4 0-15,4 1 0 16,17-4 0 0,17 1 0-16,21-7 0 15,0-5 0 1,0 5 0-16,0 0 0 16,0 2 0-16,0-5 0 15,0-5 0 1,0-3 0-16,0-5 0 15,0-4 0 1,47-8 0-16,30-1 0 16,11-1 0-16,5-1 0 15,1 2 0 1,6-1 0-16,-3-2 0 16,-13-3 0-1</inkml:trace>
-  <inkml:trace contextRef="#ctx0" brushRef="#br0" timeOffset="9232.49">3288 13647 200 0,'-4'-14'0'31,"-3"-3"0"-31,5-1 0 0,5 1 0 16,9 0 0-16,6 1 0 31,16-3 0-31,5-1 0 16,13-1 0-1,19-3 0 1,10-3 0-16,16-2 0 16,12-4 0-16,20-5 0 15,14-2 0 1,12-3 0-16,13-3 0 16,18-4 0-1,15 1 0-15,13 2 0 16,14 3 0-1,18-4 0-15,18 10 0 16,13 6 0 0,16 5 0-16,17 5 0 15,12 12 0 1,7 12 0-16,9 16 0 16,3 15 0-1,2 20 0-15,-6 13 0 16,-8 18 0-1,-9 16 0-15,-13 15 0 16,-20 10 0 0,-22 6 0-1,-28 7 0-15,-30 3 0 16,-31 6 0 0,-34 0 0-16,-29-3 0 15,-30-3 0-15,-32-9 0 16,-31-6 0-1,-29-3 0 1,-27-5 0-16,-23-2 0 16,-25 1 0-16,-20-5 0 15,-22-5 0 1,-16-1 0-16,-12 0 0 31,-9 0 0-31,-10-1 0 16,-3 0 0-16,-4-5 0 15,3-4 0 1,6-6 0 0,7-8 0-16,10-4 0 15,13-7 0-15,23-18 0 16</inkml:trace>
-  <inkml:trace contextRef="#ctx0" brushRef="#br0" timeOffset="9868.24">8504 16023 200 0,'0'0'0'0,"0"0"0"16,8 14 0 0,11 17 0-16,12 23 0 15,9 24 0 1,8 19 0-16,7 10 0 15,3 3 0 1,4-7 0-16,-1-9 0 16,-3-11 0-1,-6-11 0-15,-7-7 0 16,-14-12 0-16,-14-15 0 16,-17-38 0-1</inkml:trace>
-  <inkml:trace contextRef="#ctx0" brushRef="#br0" timeOffset="10428.07">8496 16049 200 0,'0'0'0'0,"0"0"0"15,0 0 0 1,0 0 0-16,0 0 0 15,-9 23 0-15,-6 23 0 16,-6 19 0 0,-4 15 0-1,-6 11 0-15,-4 0 0 16,5-1 0-16,-1-7 0 16,4-7 0-16,2-7 0 15,4-6 0 1,7-12 0-16,8-6 0 31,9-8 0-31,12-3 0 16,17-8 0-1,17-5 0-15,21-11 0 16,16-8 0 0,11-4 0-16,4-7 0 15,4-1 0 1,-1 3 0-16,-9 3 0 15,-15 3 0-15,-21 2 0 16</inkml:trace>
-</inkml:ink>
-</file>
-
-<file path=ppt/ink/ink15.xml><?xml version="1.0" encoding="utf-8"?>
-<inkml:ink xmlns:inkml="http://www.w3.org/2003/InkML">
-  <inkml:definitions>
-    <inkml:context xml:id="ctx0">
-      <inkml:inkSource xml:id="inkSrc0">
-        <inkml:traceFormat>
-          <inkml:channel name="X" type="integer" max="32767" units="cm"/>
-          <inkml:channel name="Y" type="integer" max="32767" units="cm"/>
-          <inkml:channel name="F" type="integer" max="1024" units="dev"/>
-          <inkml:channel name="T" type="integer" max="2.14748E9" units="dev"/>
-        </inkml:traceFormat>
-        <inkml:channelProperties>
-          <inkml:channelProperty channel="X" name="resolution" value="325.74808" units="1/cm"/>
-          <inkml:channelProperty channel="Y" name="resolution" value="571.84991" units="1/cm"/>
-          <inkml:channelProperty channel="F" name="resolution" value="4.0315E-5" units="1/dev"/>
-          <inkml:channelProperty channel="T" name="resolution" value="1" units="1/dev"/>
-        </inkml:channelProperties>
-      </inkml:inkSource>
-      <inkml:timestamp xml:id="ts0" timeString="2023-08-10T15:04:40.169"/>
-    </inkml:context>
-    <inkml:brush xml:id="br0">
-      <inkml:brushProperty name="width" value="0.05292" units="cm"/>
-      <inkml:brushProperty name="height" value="0.05292" units="cm"/>
-      <inkml:brushProperty name="color" value="#FF0000"/>
-    </inkml:brush>
-  </inkml:definitions>
-  <inkml:trace contextRef="#ctx0" brushRef="#br0">1623 15580 200 0,'-16'-3'0'0,"-3"-2"0"15,3-1 0-15,5 1 0 16,3-2 0 0,4 0 0-16,4 7 0 15,4-7 0-15,11 0 0 16,6 3 0 0,9 1 0-1,10 2 0-15,13-1 0 16,10 1 0-1,13-1 0-15,12 2 0 16,14 3 0 0,8 0 0-16,14-2 0 15,4 4 0-15,9-1 0 16,8 4 0 0,3 5 0-1,1-2 0-15,-4 1 0 16,-5 4 0-16,-11 0 0 15,-7-6 0 1</inkml:trace>
-  <inkml:trace contextRef="#ctx0" brushRef="#br0" timeOffset="12767.6">8740 16722 200 0,'47'-9'0'16,"33"-8"0"-16,10 0 0 16,6 1 0 31,8-3 0-47,10-3 0 0,15-7 0 0,19-4 0 0,14-2 0 15,25 4 0 32,29 3 0-47,24 8 0 0,16 11 0 0,16 18 0 0,7 20 0 16,8 14 0-1,-4 16 0-15</inkml:trace>
-  <inkml:trace contextRef="#ctx0" brushRef="#br0" timeOffset="34764.37">9505 18137 200 0,'26'14'0'0,"10"2"0"15,0-3 0 1,-4-4 0-16,-5-4 0 15,-1-3 0-15,1 0 0 16,2-2 0 0,2 0 0-16,0 0 0 15,5-2 0 1,3 0 0-16,3-1 0 16,9 0 0-16,4 0 0 15,5 3 0 1,7 2 0-16,9-1 0 15,8-1 0 1,8 0 0-16,9 2 0 16,9 1 0-1,8 6 0-15,12 0 0 16,6 0 0 0,10-7 0-16,4 6 0 15,8 9 0 1,6 3 0-16,8-2 0 15,3 3 0 1,-2-1 0-16,1-1 0 16,-7 1 0-1,-5-1 0-15,-14-1 0 16,-7-1 0 0,-11-3 0-16,-9 1 0 15,-7 3 0 1,-7-1 0-16,-10-3 0 15,-9 1 0 1,-14-5 0-16,-11-2 0 16,-13-4 0-16,-11-3 0 15</inkml:trace>
-</inkml:ink>
-</file>
-
-<file path=ppt/ink/ink16.xml><?xml version="1.0" encoding="utf-8"?>
-<inkml:ink xmlns:inkml="http://www.w3.org/2003/InkML">
-  <inkml:definitions>
-    <inkml:context xml:id="ctx0">
-      <inkml:inkSource xml:id="inkSrc0">
-        <inkml:traceFormat>
-          <inkml:channel name="X" type="integer" max="32767" units="cm"/>
-          <inkml:channel name="Y" type="integer" max="32767" units="cm"/>
-          <inkml:channel name="F" type="integer" max="1024" units="dev"/>
-          <inkml:channel name="T" type="integer" max="2.14748E9" units="dev"/>
-        </inkml:traceFormat>
-        <inkml:channelProperties>
-          <inkml:channelProperty channel="X" name="resolution" value="325.74808" units="1/cm"/>
-          <inkml:channelProperty channel="Y" name="resolution" value="571.84991" units="1/cm"/>
-          <inkml:channelProperty channel="F" name="resolution" value="4.0315E-5" units="1/dev"/>
-          <inkml:channelProperty channel="T" name="resolution" value="1" units="1/dev"/>
-        </inkml:channelProperties>
-      </inkml:inkSource>
-      <inkml:timestamp xml:id="ts0" timeString="2023-08-10T15:10:11.316"/>
-    </inkml:context>
-    <inkml:brush xml:id="br0">
-      <inkml:brushProperty name="width" value="0.05292" units="cm"/>
-      <inkml:brushProperty name="height" value="0.05292" units="cm"/>
-      <inkml:brushProperty name="color" value="#FF0000"/>
-    </inkml:brush>
-  </inkml:definitions>
-  <inkml:trace contextRef="#ctx0" brushRef="#br0">5677 8533 200 0,'14'-50'0'16,"2"-31"0"-16,-9-10 0 15,-16 0 0 1,-19 6 0 0,-18 11 0-16,-14 14 0 15,-11 20 0 1,-9 18 0-16,0 19 0 15,5 18 0 1,1 35 0-16,6 38 0 16,8 36 0-1,11 34 0-15,8 22 0 16,16 8 0 0,12-10 0-16,14-7 0 15,10-11 0 1,9-10 0-16,2-12 0 15,-3-12 0 1,-11-13 0 0,-6-21 0-16,-5-23 0 15,-10-25 0 1,-4-27 0-16</inkml:trace>
-  <inkml:trace contextRef="#ctx0" brushRef="#br0" timeOffset="287.66">4448 9701 200 0,'0'0'0'15,"0"0"0"-15,17 5 0 16,17-3 0-16,26 0 0 16,27-6 0-1,24-8 0 1,17-1 0-16,6 0 0 16,-4-2 0-1,-7-1 0 1</inkml:trace>
-  <inkml:trace contextRef="#ctx0" brushRef="#br0" timeOffset="802.42">5727 9454 200 0,'0'0'0'0,"-17"14"0"0,-12 14 0 16,-6 20 0 0,4 19 0-1,9 18 0-15,7 5 0 16,13-5 0-1,7-13 0-15,11-19 0 16,10-18 0 0,8-19 0-16,16-17 0 15,11-19 0 1,4-18 0-16,-2-12 0 16,-5-10 0-1,-6-6 0-15,-11 4 0 16,-7 13 0-1,-6 13 0-15,-10 20 0 16,-3 18 0 0,2 21 0-16,-6 15 0 15,2 16 0 1,-7 9 0-16,3 2 0 16,1-8 0-1,3-7 0-15,0-10 0 16,4-5 0-1,1-12 0-15</inkml:trace>
-  <inkml:trace contextRef="#ctx0" brushRef="#br0" timeOffset="1266.38">6468 9625 200 0,'8'28'0'0,"6"27"0"0,0 15 0 15,3-1 0 1,-4-7 0 0,-1-15 0-16,-4-16 0 15,-3-13 0 1,-2-7 0-16,-3-11 0 15,0-1 0-15,-6-20 0 16,-3-17 0 0,2-17 0-16,8-9 0 15,10-1 0 1,8 10 0-16,12 13 0 16,12 13 0-1,3 15 0-15,9 21 0 16,-2 21 0-1,-6 20 0-15,-13 16 0 16,-12 0 0 0,-8-7 0-16,-4-10 0 15,2-10 0 1,4-15 0 0,4-20 0-16</inkml:trace>
-  <inkml:trace contextRef="#ctx0" brushRef="#br0" timeOffset="1611.47">7545 9657 200 0,'0'0'0'16,"6"-11"0"-16,0-7 0 15,-7-3 0 1,-13 4 0-16,-12 7 0 31,-16 20 0-31,-12 18 0 0,-6 25 0 31,-2 26 0-31,3 13 0 0,16-1 0 32,19-10 0-32,27-19 0 0,24-14 0 31,27-18 0-31,21-17 0 15,21-16 0-15,18-16 0 16,13-14 0-16,-3-14 0 16,-12-12 0-1</inkml:trace>
-  <inkml:trace contextRef="#ctx0" brushRef="#br0" timeOffset="1911.45">8125 9113 200 0,'0'0'0'16,"0"0"0"-16,0 0 0 15,9 26 0 1,-2 33 0-16,-3 28 0 16,-4 20 0-1,2 10 0-15,4 2 0 16,2-8 0 0,5-15 0-16,3-13 0 15,0-19 0 1</inkml:trace>
-  <inkml:trace contextRef="#ctx0" brushRef="#br0" timeOffset="2182.73">7864 9828 200 0,'42'-8'0'0,"27"-6"0"16,11-3 0 0,4 0 0-16,-1 1 0 15,-1-1 0 1,-3 0 0-16</inkml:trace>
-  <inkml:trace contextRef="#ctx0" brushRef="#br0" timeOffset="2388.58">8840 9684 200 0,'8'41'0'0,"6"18"0"15,-2-5 0-15,1-14 0 16,2-25 0 0</inkml:trace>
-  <inkml:trace contextRef="#ctx0" brushRef="#br0" timeOffset="2571.42">9009 9334 200 0,'0'0'0'16,"0"0"0"-16,0 0 0 15,-9 17 0-15</inkml:trace>
-  <inkml:trace contextRef="#ctx0" brushRef="#br0" timeOffset="3039.08">9539 9710 200 0,'22'-22'0'0,"7"-9"0"15,-10-4 0-15,-16-1 0 32,-18 0 0-32,-21 5 0 15,-9 9 0-15,-9 11 0 16,-2 17 0-16,-5 18 0 31,3 23 0-31,6 22 0 16,12 9 0-1,21 1 0-15,28-12 0 16,25-21 0 0,20-20 0-1,12-22 0-15,10-15 0 16,4-14 0-16,1-8 0 15,-6-10 0 1,-10-8 0 0,-16-3 0-16,-17-4 0 15,-22 5 0 1,-19 3 0-16,-13 12 0 16,-9 12 0-1,1 14 0-15,0 9 0 16</inkml:trace>
-  <inkml:trace contextRef="#ctx0" brushRef="#br0" timeOffset="3499.5">10010 9625 200 0,'8'28'0'0,"8"15"0"16,1 0 0-16,-2-7 0 16,-3-5 0-1,-5-10 0-15,-1-7 0 16,-6-14 0-16,-3 2 0 15,-6-12 0 1,3-17 0-16,10-20 0 16,19-15 0-1,15-4 0-15,14 2 0 16,11 9 0 0,7 18 0-16,4 20 0 15,-1 23 0 1,-9 22 0-1,-8 21 0-15,-15 14 0 16,-8 4 0-16,-8-9 0 31,-3-9 0-31,-3-14 0 16,8-19 0 0</inkml:trace>
-  <inkml:trace contextRef="#ctx0" brushRef="#br0" timeOffset="4221.96">13241 9010 200 0,'4'-38'0'16,"-3"-15"0"-16,-10-2 0 15,-12 6 0 1,-9 5 0-16,-11 5 0 16,-10 7 0-1,-7 8 0-15,-6 9 0 16,-5 14 0-1,-1 12 0-15,1 14 0 16,3 15 0 0,-6 20 0-16,7 22 0 15,15 21 0 1,9 16 0-16,9 7 0 16,20-3 0-1,16-12 0-15,13-14 0 16,5-18 0-1,0-14 0 1,-4-15 0-16,-7-7 0 16,-10-9 0-16</inkml:trace>
-  <inkml:trace contextRef="#ctx0" brushRef="#br0" timeOffset="4504.26">12079 9743 200 0,'30'-3'0'0,"28"-6"0"15,22-7 0 1,16-3 0-16,9-5 0 16,5 1 0-16,0 2 0 15,-7 4 0 1,-12 3 0-16</inkml:trace>
-  <inkml:trace contextRef="#ctx0" brushRef="#br0" timeOffset="5022.96">13207 9446 200 0,'0'0'0'16,"-8"26"0"-1,-3 23 0-15,0 23 0 16,-3 6 0 0,8-6 0-1,9-13 0-15,9-14 0 16,4-18 0-16,9-16 0 15,11-22 0-15,14-16 0 16,5-16 0 15,-6-8 0-31,-4-8 0 0,-10 8 0 32,-9 12 0-32,-8 13 0 0,-3 15 0 15,-3 18 0-15,1 15 0 16,1 14 0-1,3 12 0 1,1 5 0-16,7-3 0 31,7-7 0-31,4-12 0 16,2-9 0-16,1-11 0 16,-3-11 0-1</inkml:trace>
-  <inkml:trace contextRef="#ctx0" brushRef="#br0" timeOffset="5554.18">13981 9512 200 0,'9'28'0'16,"6"17"0"-16,0 2 0 15,1-4 0 1,-4-7 0-1,-3-11 0-15,-1-7 0 16,-5-7 0 0,-3-11 0-16,0 0 0 15,0-3 0-15,1-14 0 16,3-20 0 0,9-14 0-16,13-7 0 15,8 3 0 1,7 10 0-16,2 10 0 15,5 17 0 1,-3 16 0-16,-2 18 0 16,-8 18 0-1,-5 11 0-15,-8 6 0 16,-4-5 0 0,-2-8 0-16,4-8 0 15,9-11 0 1,12-17 0-16</inkml:trace>
-  <inkml:trace contextRef="#ctx0" brushRef="#br0" timeOffset="5866.86">15218 9334 200 0,'-11'-14'0'0,"-13"-1"0"15,-8 9 0 1,-8 13 0-16,-8 21 0 16,-4 21 0-1,-1 24 0-15,-4 18 0 16,2 6 0 0,14-10 0-1,22-16 0-15,21-19 0 16,23-18 0-16,27-15 0 15,25-14 0 1,30-12 0-16,19-9 0 16,12-6 0-1,-1-10 0-15</inkml:trace>
-  <inkml:trace contextRef="#ctx0" brushRef="#br0" timeOffset="7097.4">16336 9880 200 0,'8'-29'0'16,"2"-12"0"-16,-4-2 0 15,0 3 0-15,-4 5 0 31,-5-1 0-31,-10 0 0 16,-12-3 0-16,-2-3 0 16,-3-4 0-1,1-5 0 1,0-2 0-16,5-7 0 16,6-10 0-16,16-8 0 15,17-8 0 1,29-7 0-1,28-2 0-15,30 3 0 16,21 6 0 0,10 0 0-16</inkml:trace>
-  <inkml:trace contextRef="#ctx0" brushRef="#br0" timeOffset="7729.36">17793 9726 200 0,'40'-47'0'16,"17"-25"0"-16,-3-10 0 15,-12-2 0 1,-14-1 0-16,-14-3 0 16,-18-4 0-1,-22-4 0 1,-22 1 0-16,-16 4 0 15,-13 5 0 1,-5 7 0-16,0 7 0 16,0 15 0-1,3 6 0-15</inkml:trace>
-  <inkml:trace contextRef="#ctx0" brushRef="#br0" timeOffset="8738.98">19122 9351 200 0,'55'-16'0'0,"21"-11"0"0,-3-3 0 31,-9-5 0-31,-12-4 0 16,-9-5 0-16,-12-8 0 15,-12-3 0 1,-11-8 0-16,-14-1 0 15,-8 1 0 1,-9 4 0-16,-2 9 0 16,3 6 0-1,4 7 0 1,4 6 0-16,5 4 0 16,6 5 0-16,8 0 0 31,12-1 0-31,16 1 0 15,20-1 0 1,22-3 0-16,16 2 0 16,14 2 0-16,6 4 0 15,-3-1 0 1</inkml:trace>
-  <inkml:trace contextRef="#ctx0" brushRef="#br0" timeOffset="9463.12">19181 9437 200 0,'0'0'0'0,"0"0"0"16,0 0 0-1,0 0 0-15,11-4 0 16,15-4 0 0,14-6 0-16,18-3 0 15,18-3 0 1,9 0 0-16,0 6 0 16,-7 5 0-1,-18 9 0-15,-21 9 0 16,-18 9 0-1,-20 12 0-15,-22 11 0 16,-12 12 0 0,-6 11 0-16,0 5 0 15,9 3 0 1,15-6 0-16,15-13 0 16,23-7 0-1,22-9 0-15,28-8 0 16,28-5 0-1,25-3 0-15,12 2 0 16,4-6 0 0</inkml:trace>
-  <inkml:trace contextRef="#ctx0" brushRef="#br0" timeOffset="11773.09">4591 16297 200 0,'18'-6'0'0,"14"-1"0"15,7-4 0 1,3 0 0 15,4-1 0-31,1 1 0 16,4 1 0-16,-3 0 0 15,0 4 0 17,-4 4 0-32,-5 4 0 0,-10 8 0 0,-10 8 0 0,-9 13 0 15,-17 13 0 1,-10 13 0-16,-11 12 0 31,-3 8 0-31,1 4 0 0,6 2 0 16,9 4 0-1,12-2 0-15,15-4 0 16,14-10 0 0,16-12 0-1,9-12 0-15,12-10 0 16,7-9 0 0,4-8 0-1,1-8 0-15,-5-3 0 0,-7-5 0 16,-10-2 0-16,-15-2 0 31,-9 0 0-15,-7 0 0-16,-10 0 0 15,-4 0 0 1,-8 0 0-16,0 0 0 16,0 0 0-16,-2 0 0 15,-5 2 0 1,0 1 0-16,-1-1 0 15,8-2 0 1,0 0 0-16,-8 1 0 16,-3-1 0-1,1 0 0-15,-6 0 0 16,-2 3 0 0,-7 2 0-16,-6 1 0 15,-9 7 0-15,-11 5 0 16,-5 4 0-1,0 1 0-15,4 1 0 16,5 3 0 0,8 1 0-16,8-1 0 15,8 0 0 1,9-3 0-16,9 0 0 16,12 2 0-1,12 5 0-15,18 3 0 16,7 8 0-1,6 4 0-15,6 4 0 16,2-2 0 0,-5 3 0-16,-8 0 0 15,-9 2 0 1,-15 3 0-16,-10 1 0 16,-12 3 0-1,-16-1 0-15,-13-3 0 16,-11-3 0-16,-13-4 0 15,-6-9 0 1,-6-7 0-16,-2-10 0 16,2-9 0-1,2-8 0-15,5-4 0 16,7-8 0 0,3-1 0-16,2 5 0 15</inkml:trace>
-  <inkml:trace contextRef="#ctx0" brushRef="#br0" timeOffset="17023.53">7578 10741 200 0,'0'0'0'0,"0"19"0"16,0 24 0-16,1 28 0 15,7 26 0 1,2 18 0-16,-1 12 0 16,-2-1 0-1,-1-3 0-15,1-7 0 16,1-9 0 0,1-16 0-16,-3-13 0 15,4-8 0 1</inkml:trace>
-  <inkml:trace contextRef="#ctx0" brushRef="#br0" timeOffset="17596.71">7856 11814 200 0,'0'0'0'16,"0"0"0"-1,19 0 0 1,16-3 0-16,9-10 0 15,9-13 0 1,6-14 0 0,1-12 0-16,1-6 0 0,-6 1 0 15,-10 5 0 1,-12 8 0 0,-12 6 0-16,-11 5 0 15,-11 8 0 1,-8 9 0-16,-13 11 0 15,-12 16 0-15,-6 18 0 32,-4 20 0-32,3 18 0 15,6 17 0 1,19 7 0-16,20-3 0 16,18-13 0-1,16-17 0 1,16-21 0-16,12-19 0 15,15-23 0 1,6-17 0-16,6-21 0 16,-6-13 0-1</inkml:trace>
-  <inkml:trace contextRef="#ctx0" brushRef="#br0" timeOffset="17916.23">8966 10954 200 0,'7'32'0'0,"6"29"0"15,0 28 0 1,5 17 0-16,1 8 0 16,0-1 0-1,-2-9 0 1,-4-10 0-16,1-14 0 16,0-7 0-1,-4-4 0-15,-4-11 0 16</inkml:trace>
-  <inkml:trace contextRef="#ctx0" brushRef="#br0" timeOffset="18216.54">8799 11737 200 0,'0'0'0'0,"16"3"0"16,25-1 0-16,17-5 0 16,19 0 0-1,14 0 0-15,14 3 0 16,9-3 0-16,1-2 0 15,-1-1 0 1,-10-5 0 0</inkml:trace>
-  <inkml:trace contextRef="#ctx0" brushRef="#br0" timeOffset="18709.27">10641 10860 200 0,'4'43'0'16,"8"36"0"-1,1 28 0 1,2 21 0-16,-4 11 0 16,2-4 0-16,-4-12 0 0,0-17 0 31,1-18 0-31,1-15 0 15,-2-14 0 1,-5-19 0 0</inkml:trace>
-  <inkml:trace contextRef="#ctx0" brushRef="#br0" timeOffset="18976.68">10455 11694 200 0,'18'10'0'15,"16"-2"0"1,15-2 0-16,12-6 0 15,11-6 0-15,5-9 0 16,2-5 0 0,-9-2 0-1,-11 0 0-15</inkml:trace>
-  <inkml:trace contextRef="#ctx0" brushRef="#br0" timeOffset="19467">11036 11857 200 0,'0'0'0'0,"23"-3"0"16,16-5 0-1,10-9 0-15,8-9 0 16,2-9 0 0,-2-8 0-16,-3-2 0 15,-9-2 0 1,-9 0 0-16,-13 4 0 16,-11 4 0-1,-14 7 0 1,-13 7 0-16,-9 10 0 15,-8 14 0 1,-2 15 0-16,-4 17 0 16,7 13 0-1,9 13 0-15,10 6 0 16,12 1 0 0,13-11 0-16,16-12 0 15,9-13 0 1,17-18 0-16,12-16 0 15,7-14 0 1,0-15 0-16</inkml:trace>
-  <inkml:trace contextRef="#ctx0" brushRef="#br0" timeOffset="19912.1">12089 11406 200 0,'0'0'0'31,"0"0"0"-31,0 0 0 0,-19 2 0 16,-11 7 0-16,-12 12 0 31,-8 10 0-15,-2 5 0-16,0 2 0 15,6-3 0-15,9-2 0 16,10-7 0-16,9-6 0 31,13-4 0-31,15-3 0 16,16-7 0-16,22-12 0 0,21-5 0 31,17 1 0-31,10 3 0 16,-1 10 0-1,-4 9 0 1,-14 9 0-16,-14 6 0 15,-16 3 0 1,-18 2 0-16,-16 1 0 16,-16 1 0-1,-13-3 0-15,-7-6 0 16,-6-3 0 0,-6-7 0-16,0-10 0 15,9-17 0 1</inkml:trace>
-  <inkml:trace contextRef="#ctx0" brushRef="#br0" timeOffset="20248.93">12829 11022 200 0,'-3'53'0'15,"0"37"0"-15,-1 17 0 16,-1 1 0-16,-1-8 0 15,-1-17 0 1,7-14 0-16,5-16 0 31,-1-13 0-31,-4-10 0 16,-9-4 0-16</inkml:trace>
-  <inkml:trace contextRef="#ctx0" brushRef="#br0" timeOffset="20515.04">12492 11653 200 0,'34'-13'0'0,"30"-9"0"0,22-3 0 32,17 1 0-32,6 6 0 15,2 1 0-15,-1 3 0 16,-8 8 0-16,-7 0 0 16</inkml:trace>
-  <inkml:trace contextRef="#ctx0" brushRef="#br0" timeOffset="21049.76">13889 11481 200 0,'0'0'0'16,"15"0"0"-16,18-1 0 16,16 0 0-1,17-2 0-15,11 0 0 16,4-1 0 0,2-1 0-16,-3 4 0 15,-8 2 0 1,-11-2 0-16</inkml:trace>
-  <inkml:trace contextRef="#ctx0" brushRef="#br0" timeOffset="21324.12">13998 11643 200 0,'32'-6'0'0,"26"-5"0"16,19 2 0-1,7-3 0-15,1 5 0 16,-1 2 0-1,-5 4 0 1,-10 0 0-16</inkml:trace>
-  <inkml:trace contextRef="#ctx0" brushRef="#br0" timeOffset="22020.72">15007 11140 200 0,'-9'24'0'0,"-4"13"0"16,-4 10 0-1,0 5 0 1,2-1 0-16,1-5 0 15,1-5 0 1,2-6 0-16,1-7 0 16,4-9 0-16,1-5 0 15,5-14 0 1,0 0 0-16,3 3 0 16,11-10 0-1,15-12 0-15,14-10 0 16,18-1 0-1,19-2 0-15,16 7 0 16,10 8 0 0,5 13 0-16,-5 10 0 15,-15 12 0 1,-16 11 0-16,-28 8 0 16,-20 6 0-1,-18 0 0-15,-18-2 0 16,-15-2 0-1,-17-1 0 1,-11-5 0-16,-11-4 0 16,-3-4 0-1,-2-7 0-15,3-5 0 16,5-7 0 0,10-13 0-16</inkml:trace>
-  <inkml:trace contextRef="#ctx0" brushRef="#br0" timeOffset="22437.56">14915 11157 200 0,'0'0'0'0,"10"-10"0"0,12-3 0 16,19-3 0-16,12-1 0 16,13-2 0-1,9-2 0-15,12-1 0 16,4 0 0 0,4 2 0-16,-3 1 0 15,-7 3 0 1,-12 7 0-1,-10 5 0-15</inkml:trace>
-  <inkml:trace contextRef="#ctx0" brushRef="#br0" timeOffset="22805.18">16127 11184 200 0,'0'0'0'16,"0"0"0"-1,0 0 0-15,0 0 0 16,0 0 0-16,-18 9 0 15</inkml:trace>
-  <inkml:trace contextRef="#ctx0" brushRef="#br0" timeOffset="23260.76">16127 11737 200 0,'0'0'0'0,"0"0"0"16,0 0 0-16,0 0 0 15,0 0 0 1,9 11 0-1,11 12 0-15,9 4 0 16,-2 4 0 0,2 7 0-16,-7 6 0 15,-13 4 0 1,-18 1 0-16,-21 1 0 16,-18-2 0-16</inkml:trace>
-</inkml:ink>
-</file>
-
-<file path=ppt/ink/ink17.xml><?xml version="1.0" encoding="utf-8"?>
-<inkml:ink xmlns:inkml="http://www.w3.org/2003/InkML">
-  <inkml:definitions>
-    <inkml:context xml:id="ctx0">
-      <inkml:inkSource xml:id="inkSrc0">
-        <inkml:traceFormat>
-          <inkml:channel name="X" type="integer" max="32767" units="cm"/>
-          <inkml:channel name="Y" type="integer" max="32767" units="cm"/>
-          <inkml:channel name="F" type="integer" max="1024" units="dev"/>
-          <inkml:channel name="T" type="integer" max="2.14748E9" units="dev"/>
-        </inkml:traceFormat>
-        <inkml:channelProperties>
-          <inkml:channelProperty channel="X" name="resolution" value="325.74808" units="1/cm"/>
-          <inkml:channelProperty channel="Y" name="resolution" value="571.84991" units="1/cm"/>
-          <inkml:channelProperty channel="F" name="resolution" value="4.0315E-5" units="1/dev"/>
-          <inkml:channelProperty channel="T" name="resolution" value="1" units="1/dev"/>
-        </inkml:channelProperties>
-      </inkml:inkSource>
-      <inkml:timestamp xml:id="ts0" timeString="2023-08-10T15:12:07.537"/>
-    </inkml:context>
-    <inkml:brush xml:id="br0">
-      <inkml:brushProperty name="width" value="0.05292" units="cm"/>
-      <inkml:brushProperty name="height" value="0.05292" units="cm"/>
-      <inkml:brushProperty name="color" value="#FF0000"/>
-    </inkml:brush>
-  </inkml:definitions>
-  <inkml:trace contextRef="#ctx0" brushRef="#br0">19693 13144 200 0,'42'-8'0'15,"17"-5"0"1,2 0 0-16,0 1 0 15,0 2 0 1,2 1 0-16,7-1 0 16,13 4 0-1,12 0 0-15,16 0 0 16,17 1 0 0,15-1 0-16,15 3 0 15,14 3 0 1,10 3 0-16,17 2 0 15,9 8 0 1,2 5 0-16,-9 10 0 16,-17-4 0-1</inkml:trace>
-  <inkml:trace contextRef="#ctx0" brushRef="#br0" timeOffset="9220.21">17136 16118 200 0,'26'0'0'0,"18"0"0"16,7 0 0-16,5 0 0 16,7 0 0-1,5 1 0-15,11 5 0 16,7 0 0-1,8 3 0-15,11 1 0 16,15 2 0 0,12-1 0-16,17 3 0 15,15 4 0 1,12 0 0 0,8 6 0-16,0 1 0 15,-9 0 0-15,-13-1 0 16,-18-4 0-1,-22-4 0-15,-22-7 0 16</inkml:trace>
-  <inkml:trace contextRef="#ctx0" brushRef="#br0" timeOffset="81450.89">17683 7868 200 0,'-29'-15'0'15,"-17"1"0"-15,-11 14 0 16,-6 22 0 0,-5 23 0-16,-5 23 0 15,11 18 0 1,13 14 0-16,17 11 0 15,17-4 0 1,21-16 0 0,20-20 0-16,20-23 0 15,13-24 0 1,13-19 0-16,11-18 0 16,2-17 0-1,-1-12 0-15,-3-12 0 16,-14-9 0-1</inkml:trace>
-  <inkml:trace contextRef="#ctx0" brushRef="#br0" timeOffset="81925.92">18382 8217 200 0,'-2'-14'0'0,"-5"-11"0"15,-8-14 0-15,-11-4 0 16,-15-3 0-1,-16 4 0-15,-10 13 0 16,-8 16 0 0,-1 21 0-16,3 21 0 15,11 21 0 1,15 18 0 0,17 10 0-16,22 6 0 15,21-10 0-15,22-16 0 16,19-21 0-1,16-16 0-15,14-18 0 16,3-12 0 0,-6-8 0-1,-9-6 0-15,-14-5 0 16,-16-10 0 0,-17-15 0-16</inkml:trace>
-  <inkml:trace contextRef="#ctx0" brushRef="#br0" timeOffset="82391.05">18490 8099 200 0,'27'40'0'15,"8"12"0"1,-4-2 0 0,-11-13 0-1,-7-11 0-15,-5-10 0 16,-8-16 0-16,0 0 0 15,0 0 0 1,0 0 0-16,6-3 0 16,0-29 0-1,4-21 0-15,6-7 0 16,6-1 0 0,7 4 0-16,6 11 0 15,3 12 0 1,1 17 0-16,-2 17 0 15,-4 19 0 1,-5 19 0-16,-8 18 0 16,-3 7 0-1,2-1 0-15</inkml:trace>
-  <inkml:trace contextRef="#ctx0" brushRef="#br0" timeOffset="82843.83">19408 7962 200 0,'-46'21'0'0,"-19"16"0"16,-5 7 0 0,11 3 0-1,12 0 0-15,11-5 0 0,17-7 0 16,16-10 0 0,16-9 0-1,22-9 0-15,16-7 0 16,17-7 0-1,15-2 0-15,6 2 0 32,-6 7 0-32,-15 10 0 15,-21 13 0-15,-23 11 0 16,-21 10 0 0,-14 0 0-16,-14-4 0 15,-9-4 0 1,1-7 0-16,1-7 0 15,8-19 0 1</inkml:trace>
-  <inkml:trace contextRef="#ctx0" brushRef="#br0" timeOffset="83123.88">19929 7664 200 0,'0'0'0'0,"15"11"0"16,3 26 0 0,-7 30 0-16,-5 32 0 15,-6 23 0 1,-1 3 0-16,2-11 0 15,6-23 0 1,6-26 0-16,0-19 0 16,-5-17 0-1</inkml:trace>
-  <inkml:trace contextRef="#ctx0" brushRef="#br0" timeOffset="83347.16">19719 8337 200 0,'77'-13'0'0,"44"-7"0"0,18-6 0 16,3-3 0-1,-7-3 0-15,-14-6 0 16</inkml:trace>
-  <inkml:trace contextRef="#ctx0" brushRef="#br0" timeOffset="84408.12">22142 8243 200 0,'9'-18'0'0,"2"-17"0"16,-5-8 0-16,-8 6 0 15,-9 4 0 1,-14 6 0-16,-17 12 0 16,-6 15 0-1,-10 12 0-15,-3 19 0 16,1 16 0 0,10 10 0-16,15 3 0 15,18-5 0 1,20-10 0-16,15-14 0 15,15-17 0 1,13-15 0 0,8-14 0-16,2-13 0 15,0-5 0 1,-6 0 0-16,-9 2 0 16,-12 6 0-16,-8 10 0 15,-10 5 0 1,-11 10 0-16,8 4 0 15,-3 16 0 1,-5 17 0-16,-7 14 0 16,5 12 0-1,5 5 0-15,6-2 0 16,2-7 0 0,2-8 0-16,0-8 0 15,-4-9 0 1,-11-5 0-16,-13-2 0 15,-13-3 0 1,-10-4 0-16,-15-9 0 16,-12-11 0-1,-5-18 0-15,7-21 0 16,-1-16 0 0</inkml:trace>
-  <inkml:trace contextRef="#ctx0" brushRef="#br0" timeOffset="84745.73">22302 7716 200 0,'9'-33'0'0,"4"-3"0"32,3 18 0-32,0 30 0 15,-5 36 0-15,-3 34 0 16,-10 35 0 0,-4 17 0-16,2-7 0 0,2-21 0 31,3-26 0-16,0-21 0-15,0-21 0 16,0-16 0 0,-1-22 0-16</inkml:trace>
-  <inkml:trace contextRef="#ctx0" brushRef="#br0" timeOffset="85204.03">22950 8304 200 0,'0'0'0'0,"0"0"0"16,-3-19 0-1,-3-11 0-15,-9-5 0 16,-8-4 0 0,-14-2 0-16,-8 5 0 15,-11 10 0 1,-1 13 0-16,2 17 0 16,5 22 0-1,11 22 0-15,9 17 0 16,9 10 0-1,17-3 0-15,17-12 0 16,15-21 0 0,19-16 0-16,6-16 0 15,5-11 0 1,-2-8 0-16,-5-6 0 16,-9-5 0-1,-7-10 0 1,-14-13 0-1,-13-5 0-15</inkml:trace>
-  <inkml:trace contextRef="#ctx0" brushRef="#br0" timeOffset="85952.56">23110 7868 200 0,'7'14'0'0,"4"21"0"15,1 19 0-15,2 18 0 16,-7 9 0-16,-4 2 0 16,0-11 0-1,0-15 0 1,0-17 0-16,2-13 0 31,-2-10 0-31,-3-17 0 16,0 0 0-16,0 0 0 15,0 0 0 1,0 0 0-16,0 0 0 16,0 0 0-1,0 0 0-15,0 0 0 16,10 9 0-16,10-4 0 16,13 0 0-1,14-2 0 1,12-1 0-16,8-7 0 15,9-7 0 1,3-8 0-16,-2-4 0 16,-13-2 0-16,-18-4 0 15,-15-6 0 1,-14-7 0-16,-16-6 0 16,-16-3 0-1,-16 6 0-15,-15 12 0 16,-11 15 0-1,-7 21 0 1,1 19 0-16,2 16 0 16,10 7 0-16,13 1 0 15,17-3 0 1,15-7 0-16,19-9 0 16,15-2 0-1,17-8 0-15,18-10 0 16,13-10 0-1</inkml:trace>
-  <inkml:trace contextRef="#ctx0" brushRef="#br0" timeOffset="86429.45">24322 8210 200 0,'0'0'0'0,"1"-15"0"0,-3-15 0 16,-9-7 0-1,-10-1 0 1,-12 9 0-16,-14 16 0 16,-9 22 0-16,1 24 0 31,2 21 0-31,6 9 0 15,16-3 0 1,14-7 0-16,13-16 0 16,17-9 0-1,12-12 0-15,11-10 0 16,8-10 0-16,6-7 0 16,-2-8 0-1,-5-2 0-15,-8-1 0 16,-5 3 0-16,-10 7 0 31,-8 5 0-31,-2 8 0 0,3 9 0 16,0 7 0-1,4 5 0 1,3 0 0 0,4-1 0-16,8-4 0 0,2-6 0 31</inkml:trace>
-  <inkml:trace contextRef="#ctx0" brushRef="#br0" timeOffset="86716.58">24649 7655 200 0,'17'9'0'15,"10"16"0"-15,-6 23 0 16,-5 19 0 0,-10 11 0-1,-8 5 0-15,-8 0 0 16,-2 0 0-16,0-4 0 15,1-8 0 1</inkml:trace>
-  <inkml:trace contextRef="#ctx0" brushRef="#br0" timeOffset="87552.34">25634 8167 200 0,'226'-11'0'0,"64"1"0"16,-38 1 0-1</inkml:trace>
-  <inkml:trace contextRef="#ctx0" brushRef="#br0" timeOffset="87814.06">26072 8304 200 0,'0'0'0'0,"0"0"0"15,0 0 0-15,34 0 0 16,37-1 0 0,30-2 0-16,21 2 0 15,8 1 0 1,-6-2 0-16</inkml:trace>
-  <inkml:trace contextRef="#ctx0" brushRef="#br0" timeOffset="88210.38">27434 7510 200 0,'-2'23'0'16,"-3"21"0"-16,-2 6 0 16,4 0 0-1,3-11 0 1,2-8 0-16,-1-12 0 15</inkml:trace>
-  <inkml:trace contextRef="#ctx0" brushRef="#br0" timeOffset="88416.21">27611 7408 200 0,'8'21'0'0,"4"20"0"15,-3 11 0 1,-4 9 0-16,-2 7 0 16,0-1 0-1</inkml:trace>
-  <inkml:trace contextRef="#ctx0" brushRef="#br0" timeOffset="88814.5">27981 7460 200 0,'-3'28'0'0,"-3"33"0"15,-6 29 0-15,-6 24 0 16,-3 18 0-16,-4-3 0 16,5-19 0-1,9-26 0 1,7-27 0-16,3-19 0 16,1-17 0-16,0-21 0 15,1-4 0 1</inkml:trace>
-  <inkml:trace contextRef="#ctx0" brushRef="#br0" timeOffset="89029.9">27543 8193 200 0,'25'0'0'16,"26"-5"0"-16,18-7 0 16,17-4 0-1,12-5 0 1,-1-2 0-16</inkml:trace>
-  <inkml:trace contextRef="#ctx0" brushRef="#br0" timeOffset="89245.47">28107 8311 200 0,'20'-12'0'0,"30"-13"0"0,22-15 0 16,14-8 0 0,-5-1 0-1,-17-2 0-15</inkml:trace>
-  <inkml:trace contextRef="#ctx0" brushRef="#br0" timeOffset="89430.63">28477 7920 200 0,'-34'20'0'15,"-22"26"0"-15,-9 18 0 16,-2 11 0 0,15-1 0-16,15-13 0 15,21-13 0 1,21-17 0-16,23-16 0 16,24-18 0-1,15-17 0-15</inkml:trace>
-  <inkml:trace contextRef="#ctx0" brushRef="#br0" timeOffset="89836.38">28982 7920 200 0,'0'0'0'0,"-19"11"0"15,-20 12 0 1,-19 12 0-16,-21 9 0 16,-8 1 0-1,2 1 0 1,19-10 0-16,19-8 0 16,19-10 0-1,28-18 0-15,7 5 0 16,31-9 0-16,26-7 0 15,24 0 0 1,16 0 0-16,6 4 0 16,-9 5 0-1,-21 9 0-15,-26 10 0 16,-27 8 0 0,-23 10 0-16,-23 4 0 15,-18-5 0 1,-7-5 0-16,3-16 0 31</inkml:trace>
-  <inkml:trace contextRef="#ctx0" brushRef="#br0" timeOffset="90133.72">29436 7647 200 0,'10'-16'0'0,"3"2"0"15,1 17 0-15,-5 20 0 16,-5 23 0-16,-9 26 0 16,-7 23 0-1,-11 11 0-15,1-3 0 31,7-12 0-31,7-15 0 16,9-18 0 0,5-24 0-16,1-21 0 15</inkml:trace>
-  <inkml:trace contextRef="#ctx0" brushRef="#br0" timeOffset="90333.84">29276 8158 200 0,'21'7'0'16,"20"0"0"-16,14-1 0 16,16-5 0-1,7-2 0-15,4-3 0 16,-3-3 0-1,-13-6 0-15</inkml:trace>
-  <inkml:trace contextRef="#ctx0" brushRef="#br0" timeOffset="90986.43">30050 7357 200 0,'-12'13'0'15,"-5"14"0"-15,-8 16 0 16,-1 17 0-1,-2 3 0-15,2-6 0 16,10-14 0 0</inkml:trace>
-  <inkml:trace contextRef="#ctx0" brushRef="#br0" timeOffset="91237.87">30185 7349 200 0,'-17'55'0'0,"-10"28"0"15,-4 7 0 1,4-4 0-16,5-11 0 16</inkml:trace>
-  <inkml:trace contextRef="#ctx0" brushRef="#br0" timeOffset="91668.58">30403 7936 200 0,'0'0'0'0,"0"0"0"15,-6 20 0-15</inkml:trace>
-  <inkml:trace contextRef="#ctx0" brushRef="#br0" timeOffset="92087.38">30378 8277 200 0,'26'6'0'16,"18"8"0"-16,2 7 0 16,-4 9 0-1,-14 7 0-15,-15 5 0 16,-25 6 0-1,-20 2 0 1</inkml:trace>
-</inkml:ink>
-</file>
-
-<file path=ppt/ink/ink18.xml><?xml version="1.0" encoding="utf-8"?>
-<inkml:ink xmlns:inkml="http://www.w3.org/2003/InkML">
-  <inkml:definitions>
-    <inkml:context xml:id="ctx0">
-      <inkml:inkSource xml:id="inkSrc0">
-        <inkml:traceFormat>
-          <inkml:channel name="X" type="integer" max="32767" units="cm"/>
-          <inkml:channel name="Y" type="integer" max="32767" units="cm"/>
-          <inkml:channel name="F" type="integer" max="1024" units="dev"/>
-          <inkml:channel name="T" type="integer" max="2.14748E9" units="dev"/>
-        </inkml:traceFormat>
-        <inkml:channelProperties>
-          <inkml:channelProperty channel="X" name="resolution" value="325.74808" units="1/cm"/>
-          <inkml:channelProperty channel="Y" name="resolution" value="571.84991" units="1/cm"/>
-          <inkml:channelProperty channel="F" name="resolution" value="4.0315E-5" units="1/dev"/>
-          <inkml:channelProperty channel="T" name="resolution" value="1" units="1/dev"/>
-        </inkml:channelProperties>
-      </inkml:inkSource>
-      <inkml:timestamp xml:id="ts0" timeString="2023-08-10T15:16:49.232"/>
-    </inkml:context>
-    <inkml:brush xml:id="br0">
-      <inkml:brushProperty name="width" value="0.05292" units="cm"/>
-      <inkml:brushProperty name="height" value="0.05292" units="cm"/>
-      <inkml:brushProperty name="color" value="#FF0000"/>
-    </inkml:brush>
-  </inkml:definitions>
-  <inkml:trace contextRef="#ctx0" brushRef="#br0">26028 13791 200 0,'3'-13'0'16,"4"-4"0"-16,4 0 0 16,-2 0 0-1,2 1 0-15,0 2 0 16,3 1 0-1,7 0 0-15,7 2 0 16,14 3 0 0,21 5 0-16,28 3 0 15,34 6 0 1,25 4 0-16,15 9 0 16,2 3 0-1,-4 1 0-15,-7-5 0 16,-18-16 0-1</inkml:trace>
-  <inkml:trace contextRef="#ctx0" brushRef="#br0" timeOffset="915.88">25936 15121 200 0,'17'-7'0'0,"21"-5"0"15,25-1 0 1,25-3 0-16,26 3 0 16,26 3 0-1,22 3 0-15,15 9 0 16,4 12 0-1,-7 3 0-15,-19 2 0 16,-29-1 0 0,-27-4 0-1</inkml:trace>
-  <inkml:trace contextRef="#ctx0" brushRef="#br0" timeOffset="2300.71">25919 16433 200 0,'0'0'0'16,"0"0"0"-16,0 0 0 16,23-1 0-1,29-5 0-15,23-3 0 16,33-1 0-1,34 4 0-15,32 5 0 16,28 10 0-16,9 11 0 16,-14 0 0-1</inkml:trace>
-  <inkml:trace contextRef="#ctx0" brushRef="#br0" timeOffset="3330.52">25516 17813 200 0,'0'0'0'16,"0"0"0"-16,16 2 0 15,10 2 0-15,8-3 0 16,3 1 0-1,8-4 0-15,10-3 0 16,22-2 0 0,23-4 0-16,36 2 0 15,41 0 0-15,46 0 0 16,31 12 0-16</inkml:trace>
-</inkml:ink>
-</file>
-
-<file path=ppt/ink/ink19.xml><?xml version="1.0" encoding="utf-8"?>
-<inkml:ink xmlns:inkml="http://www.w3.org/2003/InkML">
-  <inkml:definitions>
-    <inkml:context xml:id="ctx0">
-      <inkml:inkSource xml:id="inkSrc0">
-        <inkml:traceFormat>
-          <inkml:channel name="X" type="integer" max="32767" units="cm"/>
-          <inkml:channel name="Y" type="integer" max="32767" units="cm"/>
-          <inkml:channel name="F" type="integer" max="1024" units="dev"/>
-          <inkml:channel name="T" type="integer" max="2.14748E9" units="dev"/>
-        </inkml:traceFormat>
-        <inkml:channelProperties>
-          <inkml:channelProperty channel="X" name="resolution" value="325.74808" units="1/cm"/>
-          <inkml:channelProperty channel="Y" name="resolution" value="571.84991" units="1/cm"/>
-          <inkml:channelProperty channel="F" name="resolution" value="4.0315E-5" units="1/dev"/>
-          <inkml:channelProperty channel="T" name="resolution" value="1" units="1/dev"/>
-        </inkml:channelProperties>
-      </inkml:inkSource>
-      <inkml:timestamp xml:id="ts0" timeString="2023-08-10T15:19:40.620"/>
-    </inkml:context>
-    <inkml:brush xml:id="br0">
-      <inkml:brushProperty name="width" value="0.05292" units="cm"/>
-      <inkml:brushProperty name="height" value="0.05292" units="cm"/>
-      <inkml:brushProperty name="color" value="#FF0000"/>
-    </inkml:brush>
-  </inkml:definitions>
-  <inkml:trace contextRef="#ctx0" brushRef="#br0">8537 18452 200 0,'32'0'0'0,"18"0"0"16,7-1 0-16,4-6 0 15,5-6 0 1,4-2 0-16,10 1 0 16,5 3 0-1,10 3 0-15,6 2 0 0,9 1 0 32,6 0 0-32,7 0 0 15,1 3 0-15,6 1 0 16,6 4 0-16,4 2 0 31,-3 7 0-31,-2-3 0 16,-7 4 0-16,-9 1 0 15,-14-2 0 1,-19-3 0-16,-17-1 0 16,-22-8 0-1,-16 0 0-15,-15-10 0 16,-12-4 0-1,-6-1 0-15</inkml:trace>
-  <inkml:trace contextRef="#ctx0" brushRef="#br0" timeOffset="6108.77">16732 18324 200 0,'0'0'0'16,"0"0"0"-16,0 0 0 16,0 0 0-16,-2-15 0 15,1-4 0 1,4 1 0-1,8 5 0-15,4 4 0 16,8 1 0-16,6-1 0 16,10 0 0-1,10 0 0-15,14 3 0 16,15-2 0 0,19-3 0-16,18-4 0 0,20 0 0 15,21-4 0 1,18 2 0-1,18 3 0 1,10 3 0-16,4 5 0 0,2 5 0 31,-6 3 0-31,-15 0 0 16,-22-3 0 0,-16-5 0-16,-23-5 0 15,-20-3 0 1,-17-3 0-16</inkml:trace>
-  <inkml:trace contextRef="#ctx0" brushRef="#br0" timeOffset="13798.77">24548 18419 200 0,'0'0'0'0,"0"0"0"0,0 0 0 15,0 0 0 1,0 0 0-1,0 0 0-15,0 0 0 16,0 0 0-16,0 0 0 16,0 0 0-1,0 0 0-15,0 0 0 16,14-7 0-16,8-1 0 31,8 1 0-31,5 1 0 0,11 0 0 16,12 2 0-1,11-1 0-15,13-4 0 16,16-2 0 0,16-7 0-1,23-6 0-15,24-1 0 16,26 1 0 0,23 5 0-16,23 11 0 15,18 7 0 1,12 12 0-16,6 14 0 15,-6 12 0 1,-11 13 0-16,-18 0 0 16,-25-6 0-1,-29-19 0-15</inkml:trace>
-</inkml:ink>
-</file>
-
-<file path=ppt/ink/ink2.xml><?xml version="1.0" encoding="utf-8"?>
-<inkml:ink xmlns:inkml="http://www.w3.org/2003/InkML">
-  <inkml:definitions>
-    <inkml:context xml:id="ctx0">
-      <inkml:inkSource xml:id="inkSrc0">
-        <inkml:traceFormat>
-          <inkml:channel name="X" type="integer" max="32767" units="cm"/>
-          <inkml:channel name="Y" type="integer" max="32767" units="cm"/>
-          <inkml:channel name="F" type="integer" max="1024" units="dev"/>
-          <inkml:channel name="T" type="integer" max="2.14748E9" units="dev"/>
-        </inkml:traceFormat>
-        <inkml:channelProperties>
-          <inkml:channelProperty channel="X" name="resolution" value="325.74808" units="1/cm"/>
-          <inkml:channelProperty channel="Y" name="resolution" value="571.84991" units="1/cm"/>
-          <inkml:channelProperty channel="F" name="resolution" value="4.0315E-5" units="1/dev"/>
-          <inkml:channelProperty channel="T" name="resolution" value="1" units="1/dev"/>
-        </inkml:channelProperties>
-      </inkml:inkSource>
-      <inkml:timestamp xml:id="ts0" timeString="2023-08-10T13:15:53.989"/>
-    </inkml:context>
-    <inkml:brush xml:id="br0">
-      <inkml:brushProperty name="width" value="0.05292" units="cm"/>
-      <inkml:brushProperty name="height" value="0.05292" units="cm"/>
-      <inkml:brushProperty name="color" value="#FF0000"/>
-    </inkml:brush>
-  </inkml:definitions>
-  <inkml:trace contextRef="#ctx0" brushRef="#br0">5845 7289 200 0,'0'0'0'15,"0"0"0"-15,0 0 0 16,0 0 0 47</inkml:trace>
-  <inkml:trace contextRef="#ctx0" brushRef="#br0" timeOffset="-106065.95">20552 1111 200 0,'1'68'0'0,"-1"45"0"16,-1 16 0 0,-5-1 0-1,-3-6 0-15,1-4 0 16,2-9 0-1,3-13 0-15,1-16 0 16,2-19 0 0,3-18 0-16,5-25 0 15</inkml:trace>
-  <inkml:trace contextRef="#ctx0" brushRef="#br0" timeOffset="-105016.25">21268 1230 200 0,'-17'6'0'15,"-10"15"0"-15,-7 16 0 16,-2 21 0-16,-8 20 0 16,0 11 0-1,5 8 0 1,2-3 0-16,13-10 0 15,16-10 0-15,16-16 0 16,20-14 0-16,20-18 0 16,18-20 0-1,29-24 0 1,8-14 0 0,-10-10 0-16,-14-9 0 31,-18-7 0-31,-17-2 0 0,-21 7 0 15,-41 27 0 17,-32 42 0-17,-14 36 0 1,-2 19 0 0,9 10 0-16,20-6 0 15,17-13 0-15,21-15 0 16,20-21 0-16,16-23 0 15,17-20 0 1,9-37 0 0</inkml:trace>
-  <inkml:trace contextRef="#ctx0" brushRef="#br0" timeOffset="-104662.54">22193 1384 200 0,'0'31'0'15,"6"28"0"-15,-3 13 0 16,-3 4 0 0,3-9 0-16,1-9 0 15,1-10 0 1,2-8 0-16,-1-9 0 15,-1-11 0 1,-5-20 0-16</inkml:trace>
-  <inkml:trace contextRef="#ctx0" brushRef="#br0" timeOffset="-104430.08">21865 1845 200 0,'0'0'0'0,"13"4"0"15,23-1 0 1,19-8 0-16,25-6 0 16,14-4 0-16,12-5 0 15,7-8 0 1,-2-4 0-16</inkml:trace>
-  <inkml:trace contextRef="#ctx0" brushRef="#br0" timeOffset="-103668.24">23665 1631 200 0,'0'0'0'0,"-22"3"0"0,-19 2 0 15,-11 2 0 1,-8 7 0-16,-3 4 0 16,-3 7 0-16,-3 10 0 31,6-2 0-15,4 1 0-16,12-4 0 0,12-6 0 31,11-8 0-31,8-7 0 15,16-9 0-15,0 0 0 16,-1 0 0 0,12-15 0-16,5-15 0 15,10-15 0 1,8-13 0-16,9-12 0 16,7-6 0-1,8 0 0-15,6 8 0 16,-6 11 0-1,-7 16 0-15,-15 15 0 16,-12 18 0-16,-8 21 0 16,-7 19 0-1,-3 17 0-15,-12 20 0 16,-1 21 0 0,-3 17 0-16,0-4 0 15,0-14 0 1,4-18 0-16,6-20 0 15,4-25 0 1,3-23 0-16</inkml:trace>
-  <inkml:trace contextRef="#ctx0" brushRef="#br0" timeOffset="-102845.16">24633 1324 200 0,'0'0'0'16,"-4"25"0"-16,-1 22 0 15,-3 23 0-15,-5 16 0 0,-1-1 0 32,4-14 0-32,7-10 0 0,3-15 0 15,0-11 0 1,0-14 0-16,0-21 0 16</inkml:trace>
-  <inkml:trace contextRef="#ctx0" brushRef="#br0" timeOffset="-102582.18">24288 1759 200 0,'0'0'0'0,"21"-4"0"16,21-4 0 0,18-5 0-16,13-4 0 15,11 1 0 1,7-4 0-16,-1-3 0 16,-11 1 0-1,-16 4 0-15</inkml:trace>
-  <inkml:trace contextRef="#ctx0" brushRef="#br0" timeOffset="-102162.11">25255 1435 200 0,'34'24'0'16,"25"21"0"-16,18 11 0 15,8 6 0 1,-1-8 0-1,-5-10 0-15,-12-19 0 16</inkml:trace>
-  <inkml:trace contextRef="#ctx0" brushRef="#br0" timeOffset="-101860.68">26095 1273 200 0,'7'12'0'0,"0"23"0"0,-6 30 0 16,-11 24 0 0,-7 28 0-1,-7 24 0-15,-9 7 0 16,-2-19 0 0</inkml:trace>
-  <inkml:trace contextRef="#ctx0" brushRef="#br0" timeOffset="-98321.49">20451 3625 200 0,'-4'-19'0'16,"11"-13"0"-16,23-2 0 16,26-5 0 15,24-2 0-31,15 2 0 0,8 2 0 15,3 4 0-15,-3 10 0 47,-16 11 0-47,-18 10 0 0,-22 18 0 0,-28 19 0 16,-32 21 0-16,-28 18 0 16,-26 23 0-1,-14 3 0 1,-3 1 0-16,7-9 0 15,18-11 0 1,25-15 0-16,26-14 0 16,23-15 0-16,26-15 0 15,19-12 0 1,15-10 0-16,8-10 0 16,6-3 0-1,0-3 0-15,-4 0 0 16</inkml:trace>
-  <inkml:trace contextRef="#ctx0" brushRef="#br0" timeOffset="-97720.77">22427 3599 200 0,'-6'-38'0'16,"-13"-18"0"-16,-16 2 0 0,-13 12 0 16,-9 14 0-1,-8 15 0 1,-13 21 0-16,-13 21 0 16,-6 21 0-16,-2 22 0 31,8 25 0-31,8 16 0 15,17 0 0 1,32-8 0-16,34-21 0 16,29-18 0-16,27-21 0 15,25-20 0-15,22-19 0 16,10-15 0 0,5-16 0-16,0-14 0 15,-6-12 0 1,-17-7 0-1,-18-5 0-15,-20-6 0 16,-19 2 0 0,-14 6 0-16,-18 7 0 15,-8 9 0 1,-12 8 0 0,-15 11 0-16</inkml:trace>
-  <inkml:trace contextRef="#ctx0" brushRef="#br0" timeOffset="-87648.4">22731 3242 200 0,'0'0'0'0,"0"0"0"15,0 0 0 1,0 0 0-16,0 0 0 16,0 0 0-1,6 26 0-15,5 22 0 16,3 13 0 0,-2 10 0-1,3 0 0-15,3-1 0 16,2 0 0-16,1-6 0 15,-4-7 0 1,3-12 0-16,-2-8 0 16,-3-7 0-1,2-6 0 1,-5-6 0-16,-1-4 0 16,-1 0 0-16,-3-3 0 15,-1-2 0 1,0 0 0-1,-6-9 0-15,6 6 0 0,-6-6 0 16,4 6 0 0,-4-6 0-16,0 0 0 15,0 0 0-15,0 0 0 16,0 0 0 0,0 0 0-16,0 0 0 15,0 0 0 1,0 0 0-16,0 0 0 15,0 0 0-15,0 0 0 16,0 0 0 0,0 0 0-16,0 0 0 15,0 0 0 1,6 0 0-16,0-7 0 16,3-14 0-1,3-13 0-15,5-15 0 16,7-16 0-1,6-10 0-15,8-14 0 16,5 0 0 0,0 3 0-16,5 7 0 31,-6 7 0-31,-1 10 0 0,-9 12 0 16,-6 14 0-1,-7 11 0-15,-7 11 0 16,-7 5 0-1,-5 9 0-15,0 0 0 16,-7 4 0 0</inkml:trace>
-  <inkml:trace contextRef="#ctx0" brushRef="#br0" timeOffset="-87013.41">23716 3778 200 0,'0'0'0'0,"0"0"0"15,0 0 0-15,1-15 0 16,-3-11 0-1,-4-1 0-15,-8 1 0 16,-4 1 0 0,-9 4 0-16,-6 6 0 15,-4 11 0 1,-1 10 0-16,1 11 0 16,4 18 0-1,6 11 0-15,12 7 0 16,5 5 0-1,15-8 0-15,11-11 0 16,14-12 0 0,11-16 0-16,9-13 0 15,3-9 0 1,2-5 0-16,-7-3 0 16,-5-7 0-1,-5-3 0-15,-12-2 0 16,-5-1 0-1,-6 0 0-15,-9 6 0 16,-12 7 0 0,-8 10 0-16</inkml:trace>
-  <inkml:trace contextRef="#ctx0" brushRef="#br0" timeOffset="-86420.04">24034 3208 200 0,'9'41'0'16,"3"29"0"-16,2 18 0 16,-7 10 0-1,-3 0 0-15,2-7 0 16,-1-11 0 0,-1-15 0-16,1-11 0 15,-2-11 0 1,1-13 0-1,-3-5 0-15,-1-25 0 16</inkml:trace>
-  <inkml:trace contextRef="#ctx0" brushRef="#br0" timeOffset="-85777.23">24329 3651 200 0,'6'24'0'0,"5"22"0"16,-1 10 0-1,6 3 0 1,-1-5 0-16,-2-8 0 16,2-6 0-16,-1-10 0 15,-2-8 0 1,-2-5 0-16,-1-3 0 16,-2-5 0-1,-7-9 0-15,10-2 0 16,1-15 0-1,2-15 0-15,1-10 0 16,3-10 0 0,2-5 0-16,1-3 0 15,-2 7 0 1,2 2 0-16,-1 9 0 16,-4 8 0-16,-1 10 0 15,-3 9 0 1,-7 5 0-16,-4 10 0 15,-2 3 0 1,-5 5 0-16</inkml:trace>
-  <inkml:trace contextRef="#ctx0" brushRef="#br0" timeOffset="-85234.43">25111 3787 200 0,'-11'-16'0'0,"-13"-7"0"0,-4 3 0 16,-6 4 0-16,-4 7 0 15,-3 6 0 1,-4 12 0 0,3 10 0-16,2 13 0 15,5 12 0 1,12 9 0-16,11 4 0 15,11-5 0-15,8-8 0 16,10-12 0 0,10-9 0-1,10-17 0 1,13-14 0-16,7-10 0 16,-3-10 0-1,-4-4 0-15,-12-3 0 0,-9-1 0 16,-13 0 0-1,-13 1 0 1,-12 6 0 0,-7 8 0-16,-7 11 0 15,-1 8 0-15,-8 5 0 16,-3 1 0 0</inkml:trace>
-  <inkml:trace contextRef="#ctx0" brushRef="#br0" timeOffset="-84730.38">25330 3344 200 0,'0'0'0'0,"0"27"0"16,4 20 0-16,-1 16 0 16,2 13 0-1,-1 2 0-15,2-4 0 16,-2-7 0-1,0-11 0-15,3-6 0 16,1-7 0 0,1-6 0-16,2-5 0 15,-2-7 0 1,0-9 0-16,-3-13 0 16</inkml:trace>
-  <inkml:trace contextRef="#ctx0" brushRef="#br0" timeOffset="-84091.57">25675 3498 200 0,'0'0'0'15,"0"0"0"-15,0 0 0 0,0 0 0 16,-16 19 0 0,-2 20 0-16,-1 14 0 15,2 10 0 1,8 7 0-1,5 0 0-15,9-2 0 16,14-11 0-16,11-9 0 31,4-11 0-31,13-12 0 16,12-16 0-16,8-15 0 16,6-11 0-1,-4-6 0-15,-5-7 0 16,-9-2 0-16,-9-2 0 15,-9 0 0 1,-13 0 0-16,-10 2 0 16,-13 6 0-1,-14 7 0 1,-7 8 0 0,-10 11 0-16,-10 13 0 0,-5 14 0 31,-5 7 0-31,4 4 0 15,6 2 0 1,9-2 0-16,10-4 0 16,11-5 0-1,6-5 0-15,8-5 0 16,12-10 0-16,13-11 0 16,4-11 0-1</inkml:trace>
-  <inkml:trace contextRef="#ctx0" brushRef="#br0" timeOffset="-83391.96">26937 3778 200 0,'-13'-7'0'0,"-9"-2"0"15,-11 0 0-15,-7 5 0 16,-13 6 0-16,-5 6 0 15,-8 4 0 1,-2 5 0 0,1 6 0-16,7 0 0 15,8 1 0-15,9-1 0 16,11-3 0 0,12-7 0-1,8-4 0-15,12-9 0 16,1 0 0-16,15-13 0 15,14-13 0 1,11-12 0-16,7-9 0 16,6-6 0-1,-2 0 0 1,-3 0 0-16,-5 0 0 16,-5 4 0-1,-4 7 0-15,-9 11 0 16,-7 9 0-16,-9 11 0 15,0 10 0 1,-2 9 0-16,-3 17 0 16,0 18 0-1,-1 18 0-15,-1 11 0 16,-1 2 0-16,2 0 0 16,3-9 0-1,-1-12 0 1,2-9 0-16,-1-11 0 15,-1-13 0-15,0-18 0 16,-4-13 0 0</inkml:trace>
-  <inkml:trace contextRef="#ctx0" brushRef="#br0" timeOffset="-82973.68">27114 2884 200 0,'7'27'0'0,"2"15"0"15,-3 11 0 1,-2 5 0-16,-3-2 0 16,-4-8 0-1,0-9 0-15,1-14 0 16,4-12 0 0,5-13 0-16</inkml:trace>
-  <inkml:trace contextRef="#ctx0" brushRef="#br0" timeOffset="-82720.05">27384 2832 200 0,'4'27'0'16,"3"19"0"-16,-2 15 0 15,-4 7 0-15,-2 0 0 16,1-11 0 0,0-18 0-16</inkml:trace>
-  <inkml:trace contextRef="#ctx0" brushRef="#br0" timeOffset="-81787.16">20123 2969 200 0,'7'27'0'0,"3"16"0"0,0 5 0 16,1-6 0-1,-4-1 0-15,-1-3 0 16,-2-2 0-1,2-6 0-15,-3-7 0 16</inkml:trace>
-  <inkml:trace contextRef="#ctx0" brushRef="#br0" timeOffset="-81500.11">20325 2943 200 0,'0'0'0'0,"-2"21"0"16,-1 24 0-16,6 21 0 16,2 5 0-1,3-5 0-15,-1-10 0 16</inkml:trace>
-</inkml:ink>
-</file>
-
-<file path=ppt/ink/ink20.xml><?xml version="1.0" encoding="utf-8"?>
-<inkml:ink xmlns:inkml="http://www.w3.org/2003/InkML">
-  <inkml:definitions>
-    <inkml:context xml:id="ctx0">
-      <inkml:inkSource xml:id="inkSrc0">
-        <inkml:traceFormat>
-          <inkml:channel name="X" type="integer" max="32767" units="cm"/>
-          <inkml:channel name="Y" type="integer" max="32767" units="cm"/>
-          <inkml:channel name="F" type="integer" max="1024" units="dev"/>
-          <inkml:channel name="T" type="integer" max="2.14748E9" units="dev"/>
-        </inkml:traceFormat>
-        <inkml:channelProperties>
-          <inkml:channelProperty channel="X" name="resolution" value="325.74808" units="1/cm"/>
-          <inkml:channelProperty channel="Y" name="resolution" value="571.84991" units="1/cm"/>
-          <inkml:channelProperty channel="F" name="resolution" value="4.0315E-5" units="1/dev"/>
-          <inkml:channelProperty channel="T" name="resolution" value="1" units="1/dev"/>
-        </inkml:channelProperties>
-      </inkml:inkSource>
-      <inkml:timestamp xml:id="ts0" timeString="2023-08-10T15:23:57.802"/>
-    </inkml:context>
-    <inkml:brush xml:id="br0">
-      <inkml:brushProperty name="width" value="0.05292" units="cm"/>
-      <inkml:brushProperty name="height" value="0.05292" units="cm"/>
-      <inkml:brushProperty name="color" value="#FF0000"/>
-    </inkml:brush>
-  </inkml:definitions>
-  <inkml:trace contextRef="#ctx0" brushRef="#br0">470 18000 200 0,'0'0'0'0,"0"0"0"15,0 0 0 1,0 0 0-16,0 0 0 15,0 0 0-15,0 0 0 16,0 0 0 0,0 0 0-16,14-3 0 15,4 0 0 1,9-2 0-16,2-1 0 16,2-3 0-1,1-5 0-15,8-3 0 16,1-2 0-1,6-3 0-15,3-1 0 16,5-2 0 0,4-6 0-16,5-5 0 15,6-6 0 1,8-4 0 0,4-1 0-16,5 2 0 15,5 2 0-15,2 3 0 16,4 4 0-1,0 3 0-15,1 3 0 16,5 4 0-16,6-1 0 16,9 0 0-1,4-2 0 1,3-3 0-16,4 1 0 16,0 2 0-16,3 3 0 31,2 1 0-31,-1 0 0 0,5 2 0 31,0 2 0-31,1 3 0 16,2 4 0-16,4 2 0 15,0 1 0-15,-1 4 0 32,1-2 0-32,2 0 0 15,0-2 0 1,1-1 0-16,-2-1 0 15,-1-2 0-15,0-6 0 16,1-1 0 0,0-2 0-1,1-1 0 1,-1 0 0-16,-2 2 0 16,7-2 0-16,-4-1 0 15,2 0 0 1,2-3 0-16,6-4 0 15,1 1 0 1,0 3 0-16,-1-1 0 16,-6 0 0-1,-5 6 0-15,-2 1 0 16,-1 1 0 0,-4 2 0-16,-1 0 0 15,0-3 0 1,-3-1 0-16,2-3 0 15,3-1 0 1,-2-1 0-16,0 2 0 16,-4 3 0-1,0 3 0-15,-2-1 0 16,-2 2 0 0,3 1 0-16,2-2 0 15,-1-3 0 1,0 0 0-16,-3 5 0 15,4-1 0 1,-1 0 0-16,-2 1 0 16,4 2 0-1,2 0 0-15,2-2 0 16,2-1 0 0,3 1 0-16,0-4 0 15,6-2 0-15,-1 2 0 16,3-3 0-1,0 2 0-15,-3 3 0 16,7-1 0 0,2 0 0-16,-4-2 0 15,5-2 0 1,-3 2 0-16,-2-1 0 16,0 6 0-1,-5 2 0-15,1 0 0 16,1 1 0-1,3 1 0-15,2 2 0 16,4-5 0 0,5 1 0-16,1 5 0 15,-2-9 0 1,4 5 0-16,5 3 0 16,3-3 0-1,2 1 0-15,6 4 0 16,5 4 0-1,8 1 0 1,2 2 0-16,4 3 0 16,-4-1 0-16,0 5 0 15,-3-1 0 1,-11 0 0-16,-7 4 0 16,-5 2 0-1,1 1 0 1,8-1 0-1,5 0 0-15,4 1 0 0,1-1 0 32,-3 0 0-32,-1 3 0 0,-1 1 0 15,-3 4 0 1,-7 1 0-16,-7 4 0 16,-2 3 0-1,-8 2 0-15,-7 4 0 16,-7 3 0-1,0 4 0 1,0 2 0-16,4 3 0 16,0 2 0-16,2 3 0 31,0 1 0-15,-6 2 0-16,-9 3 0 15,-8-3 0 1,-8 2 0-16,-3 1 0 15,-2 3 0 1,-2 0 0-16,-4 4 0 16,-2 1 0-1,-5 1 0-15,-6-1 0 0,-4 1 0 32,-3 2 0-32,-5-2 0 15,-8-1 0 1,-5 1 0-16,-5 1 0 15,-4-3 0 1,-3 2 0-16,-3 1 0 16,-3 0 0-1,-5 1 0-15,-6 0 0 16,0-2 0 0,-8-2 0-16,-4 3 0 15,-1-1 0 1,-3 0 0-16,-1-1 0 15,-4 0 0 1,-2-2 0-16,-2-3 0 16,-2-3 0-1,-1 3 0-15,0-2 0 16,-2-2 0 0,-1-2 0-16,-3 0 0 15,-2-1 0-15,-3-2 0 16,-3 0 0-1,-3 1 0-15,-3-7 0 16,-2-3 0 0,0-1 0-16,-3-2 0 15,0 0 0-15,-2-6 0 16,0 2 0 0,-2-4 0-16,-3 1 0 15,-1-3 0 1,0-3 0-1,0-1 0-15,-1-2 0 16,-2-3 0-16,-1 0 0 16,-5 0 0-1,-1-3 0-15,0 0 0 16,-2 2 0 0,0-3 0-16,-3 0 0 15,-2 0 0-15,0-2 0 16,-1 0 0-1,1-3 0 1,-2-2 0-16,-2 2 0 16,-1 1 0-16,-2-2 0 15,1 0 0 1,-1-4 0-16,-2 2 0 16,0 2 0-1,0 1 0-15,-2-4 0 16,0-2 0-1,-3 2 0 1,-2-3 0-16,-1-3 0 0,-1-1 0 16,-1 3 0-1,-1-3 0-15,-1 1 0 16,1 1 0-16,-2 1 0 16,-3 0 0-1,-3 1 0 1,-1 0 0-16,-1 0 0 15,-1 0 0-15,0 2 0 16,-2 0 0 0,0-1 0-16,-2-1 0 15,-1 0 0 1,-3 2 0 0,-2 2 0-16,-1 0 0 15,-2 1 0 1,0 0 0-1,-1-2 0-15,1-1 0 16,-4-2 0 0,-2 0 0-16,0 0 0 0,-4 0 0 31,-3 0 0-31,2 0 0 16,-4 0 0-1,1 0 0-15,-2-1 0 16,-2-2 0-1,0-3 0-15,-2 1 0 16,-2-3 0-16,-2 2 0 16,0-2 0-1,3-3 0-15,-2 1 0 16,1 1 0 0,-1 3 0-16,-1 1 0 15,-3-1 0 1,0-3 0-16,0-1 0 15,-1 2 0 1,-2 0 0-16,-1 1 0 16,4 0 0-1,0-3 0-15,-1 0 0 16,-1 1 0-16,-3 0 0 16,2 0 0-1,0-1 0-15,3 1 0 16,0 4 0-1,3 1 0-15,1 0 0 16,0 1 0 0,3 1 0-16,2 1 0 15,3 4 0-15,4-3 0 16,3-2 0 0,-1 6 0-16,0-2 0 15,-1 1 0 1,1 1 0-1,-3-1 0-15,0 6 0 16,1-1 0-16,3 1 0 16,5-1 0-16,-2-2 0 15,4 3 0 1,4-3 0-16,0-1 0 16,-3-1 0-1,2-2 0-15,-1 2 0 16,1 1 0-1,-4 0 0 1,1 2 0-16,-2 2 0 16,1 0 0-16,-2-4 0 15,0-3 0 1,0-2 0-16,0-1 0 16,-2 3 0-16,0 0 0 15,2-1 0 1,-3 1 0-16,0 3 0 15,-3 0 0 1,1-2 0-16,1-1 0 16,-1-2 0-1,5 0 0-15,-1 0 0 16,0 2 0-16,4 1 0 31,0-1 0-31,1-1 0 16,1-4 0-16,4 0 0 15,-2 0 0-15,0-1 0 16,2 3 0 0,-3 0 0-16,1 1 0 15,-1-1 0 1,1-1 0 0,2-2 0-1,0-1 0-15,-1 1 0 16,1-1 0-16,1 1 0 15,-1-1 0 1,1-2 0-16,0-3 0 0,-2 1 0 16,2-1 0 15,0-1 0-31,-2 0 0 0,-1 1 0 16,0-3 0-1,0 0 0-15,-1 1 0 0,-1-2 0 16,-2 1 0-1,-3 0 0 1,-1-1 0 0,1 0 0-1,-2 5 0-15,0 3 0 16,2 1 0 0,-3 1 0-16,-1-2 0 15,2-1 0 1,-1 0 0-16,-1 5 0 15,0 2 0-15,-3 3 0 16,-1 3 0 0,1 0 0-16,0 2 0 15,-1 1 0 1,4-1 0-16,-2 0 0 16,0 2 0-1,-1 3 0-15,0 0 0 16,2 0 0-1,0 2 0-15,2-1 0 16,0-1 0 0,0 0 0-16,0-2 0 15,2 5 0 1,0-2 0-16,1-1 0 16,3 2 0-1,-1-2 0-15,-5 2 0 16,3-1 0-1,0-1 0-15,0 0 0 16,3-5 0 0,3-1 0-16,0 2 0 15,2-1 0 1,-2-1 0-16,1-2 0 16,0 1 0-16,-5 1 0 15,1-4 0 1,3-2 0-16,3-1 0 15,-1-1 0 1,1-1 0-16,0 1 0 16,-1 2 0-1,-3 2 0-15,1 3 0 16,1-1 0 0,2-3 0-16,-2-4 0 15,3 1 0-15,2 0 0 16,-2 0 0-1,1 1 0-15,-1 1 0 16,-2-4 0 0,3-3 0-1,-2 2 0-15,-1-1 0 16,0 1 0-16,0 1 0 16,2-2 0-1,3-1 0-15,-1 0 0 16,1 3 0-1,-2 0 0-15,0 3 0 16,1-2 0-16,0 0 0 16,-2 1 0-1,2-5 0-15,3-1 0 16,-3-2 0 0,3 1 0-16,-1 2 0 15,2 1 0 1,-2 2 0-1,0 0 0-15,-3 0 0 16,3 1 0-16,0 1 0 16,0-2 0-1,3 0 0-15,-4 1 0 16,0-1 0 0,2 2 0-16,-2 1 0 15,-1 0 0-15,3 0 0 16,-2 0 0-1,3 0 0 1,-2-1 0-16,2-1 0 16,1 1 0-16,0 0 0 15,0 2 0 1,1 1 0 0,-3-1 0-1,3-1 0-15,2 2 0 0,1 3 0 16,-3 2 0-16,3-2 0 15,0 0 0 1,0 3 0-16,0 2 0 16,-2 0 0-1,2-3 0-15,1 0 0 32,0-2 0-32,3-2 0 15,-1 3 0-15,1 2 0 16,-2-2 0-16,1 0 0 15,0 0 0 1,2 1 0-16,3-2 0 16,-3-3 0-1,1 1 0 1,-1 1 0 0,2-1 0-1,-1 2 0-15,1 3 0 16,-4-1 0-16,6 0 0 15,-3 0 0 1,0-1 0-16,3-5 0 16,1-1 0-1,0 0 0-15,2 0 0 16,-3 0 0 0,4 0 0-16,-2 0 0 15,-1 0 0 1,0 0 0-16,1 0 0 15,4 0 0 1,-1 0 0-16,9 0 0 16,-6 0 0-16,-2 0 0 15,3 0 0 1,5 0 0 0,-6 0 0-16,0 0 0 15,-4 0 0-15,4 0 0 16,3 0 0-1,2 0 0-15,-3 0 0 16,5 0 0 0,1 0 0-16,0 0 0 15,1 0 0-15,-1 0 0 16,2 0 0 0,-1 0 0-16,1 0 0 15,1 0 0 1,4-1 0-16,-2-9 0 15,0-1 0 1,1 0 0-16,2 0 0 16,-1-2 0-1,2 0 0 1,-1-3 0 0,2 1 0-16,1-5 0 15,1 2 0-15,4-1 0 16,-1 0 0-1,2 1 0-15,2 1 0 16,0-2 0-16,-2-2 0 16,3 1 0-1,4-2 0-15,8-1 0 16,3 1 0 0,0-1 0-16,0 0 0 15,0-3 0 1,0-1 0-16,0 0 0 15,0 1 0 1,0-8 0-16,0 3 0 16,0 4 0-16,0 5 0 15,0 1 0 1,0-3 0-16,0 1 0 16,0-1 0-1,0 2 0 1,0 0 0-16,0-1 0 15,0 4 0-15,9-3 0 16,2-2 0 0,0 2 0-16,1 0 0 15,4 0 0 1,-2 2 0-16,1 1 0 16,-2 2 0-1,4 1 0-15,1-2 0 16,-1 1 0-1,1 1 0-15,-2 0 0 16,2 3 0 0,-2 1 0-16,1-1 0 15,-1 2 0 1,1 1 0-16,1 3 0 16,-1 1 0-1,-1-1 0-15,1 3 0 16,0 0 0-1,1 0 0-15,3-1 0 16,-3 1 0 0,2 0 0-16,1-2 0 15,-2 1 0-15,0 1 0 16,2-2 0-16,-1-1 0 31,0 0 0-31,3 1 0 0,-4 2 0 16,2 0 0-1,-1 1 0 1,-3 0 0 0,0 2 0-16,-1 0 0 0,5-6 0 15,-9-4 0-15</inkml:trace>
-  <inkml:trace contextRef="#ctx0" brushRef="#br0" timeOffset="147598.28">4214 10127 200 0,'0'0'0'0,"1"23"0"16,4 20 0-16,6 17 0 15,6 9 0 1,5 13 0-16,3 20 0 16,-3 14 0-1,-10 10 0-15,1 2 0 16,-3 3 0-1,2-4 0-15,-5-10 0 16,0-10 0 0,-4-13 0-16,-4-21 0 15</inkml:trace>
-  <inkml:trace contextRef="#ctx0" brushRef="#br0" timeOffset="148209.68">4037 10178 200 0,'-10'-14'0'16,"0"-7"0"-16,8-4 0 0,14-3 0 15,17-2 0 1,23-3 0-16,25-5 0 15,18 1 0 1,20 2 0-16,15 3 0 16,5 10 0-1,1 9 0 1,-6 11 0-16,-15 8 0 16,-14 10 0-1,-19 6 0-15,-21 3 0 16,-20 3 0-1,-21 6 0-15,-20 9 0 16,-21 13 0 0,-24 9 0-16,-22 11 0 15,-21 5 0 1,-11 7 0-16,-6-1 0 16,-1 4 0-1,8-3 0-15,7-8 0 16,11-8 0-1,10-7 0 1,19-8 0 0,10-13 0-16</inkml:trace>
-  <inkml:trace contextRef="#ctx0" brushRef="#br0" timeOffset="148958.73">5046 10885 200 0,'0'0'0'15,"0"0"0"1,0 0 0-16,0 0 0 16,23-2 0-16,17-3 0 15,13-11 0 1,7-11 0-1,-1-7 0-15,2-5 0 16,-4-4 0 0,-5-2 0-16,-9 2 0 15,-5 2 0 1,-13 5 0 0,-5 3 0-16,-16 5 0 15,-13 9 0-15,-16 13 0 16,-14 14 0-1,-9 11 0-15,-2 15 0 16,-1 11 0-16,7 14 0 16,16 10 0-1,15 6 0 1,20 3 0-16,16-12 0 16,20-19 0-16,17-16 0 15,10-20 0 1,13-18 0-1,1-16 0 1,-3-6 0 0,-12-9 0-16</inkml:trace>
-  <inkml:trace contextRef="#ctx0" brushRef="#br0" timeOffset="149387.5">5879 10612 200 0,'9'40'0'0,"6"11"0"16,-1-6 0-1,-4-13 0 1,0-9 0-16,-4-9 0 16,-2-3 0-16,-4-11 0 15,0 0 0 1,0-4 0-16,-7-12 0 16,-1-16 0-1,1-15 0-15,7-10 0 16,9-7 0-1,10-4 0-15,13 3 0 16,12 2 0 0,14 6 0-16,12 9 0 15,3 11 0 1,1 10 0-16,-7 12 0 16,-7 9 0-1</inkml:trace>
-  <inkml:trace contextRef="#ctx0" brushRef="#br0" timeOffset="149913.51">6779 10331 200 0,'-44'0'0'0,"-28"9"0"15,-7 15 0 1,-4 9 0 0,9 10 0-1,9 2 0-15,9-4 0 16,11 0 0-16,15-7 0 15,15-10 0 1,21-10 0-16,24-8 0 16,27-13 0-1,21-4 0-15,15-1 0 16,8 0 0 0,-2 4 0-16,-6 8 0 15,-8 9 0 1,-12 5 0-16,-12 7 0 15,-18 7 0 1,-17 3 0-16,-20 1 0 16,-18-1 0-16,-16-1 0 15,-20-2 0 1,-12-3 0 0,-6-2 0-1,-3-5 0-15,6-10 0 16,7-12 0-1</inkml:trace>
-  <inkml:trace contextRef="#ctx0" brushRef="#br0" timeOffset="150572.72">7655 10630 200 0,'0'-35'0'0,"-13"-13"0"16,-13 1 0 0,-17 8 0-16,-13 11 0 15,-7 9 0 1,-6 9 0-1,-1 13 0-15,1 12 0 16,8 15 0-16,11 13 0 16,9 11 0-1,17 6 0-15,19 1 0 0,21-5 0 32,20-11 0-17,17-12 0-15,18-13 0 0,9-13 0 16,3-8 0-16,3-7 0 31,-4-9 0-15,-10-5 0-16,-11-5 0 15,-15-2 0 1,-14-4 0-16,-16-3 0 16,-18-3 0-1,-14-2 0-15,-15 5 0 16,-10 5 0-1,-4 3 0-15,0 5 0 16,5 5 0 0</inkml:trace>
-  <inkml:trace contextRef="#ctx0" brushRef="#br0" timeOffset="151199.44">7771 10468 200 0,'0'0'0'0,"6"19"0"16,1 12 0-16,2 2 0 16,-2 1 0-1,-3-4 0 1,2-8 0-16,-2-6 0 15,-1-6 0-15,-3-10 0 0,0 0 0 16,0 0 0 0,0-5 0-16,0-10 0 15,3-11 0 1,3-6 0-16,8-7 0 16,4-3 0-1,10 3 0-15,10 3 0 16,10 4 0-16,8 9 0 15,3 9 0 1,2 11 0 0,0 11 0-16,-8 16 0 15,-9 13 0-15,-12 12 0 16,-8 8 0 0,-6 0 0-1,-8-6 0 1,0-7 0-16,-1-7 0 15,1-7 0-15,1-5 0 16,5-11 0 0</inkml:trace>
-  <inkml:trace contextRef="#ctx0" brushRef="#br0" timeOffset="151701.22">8832 10868 200 0,'0'0'0'15,"0"0"0"-15,-8-13 0 16,-3-2 0-16,0 3 0 16,-3 6 0-1,-1 8 0-15,-2 3 0 16,4 2 0-16,4 0 0 16,9-7 0-1,0 0 0 1,0 0 0-16,0 6 0 15,4-1 0-15,5-4 0 16,1-3 0-16</inkml:trace>
-  <inkml:trace contextRef="#ctx0" brushRef="#br0" timeOffset="153952.15">9740 10169 200 0,'-17'-3'0'0,"-1"-1"0"16</inkml:trace>
-  <inkml:trace contextRef="#ctx0" brushRef="#br0" timeOffset="154420.88">9749 10178 200 0,'5'-17'0'0,"4"-14"0"16,0-8 0 15,0-9 0-31,-1-7 0 0,-4-2 0 16,-3-2 0-1,-7 1 0 1,-13 4 0-16,-9 2 0 16,-4 5 0-16,-5 10 0 15,0 6 0 1,-3 9 0-16,-1 11 0 15,8 11 0-15,4 11 0 16,4 15 0 0,4 18 0-16,2 19 0 31,6 19 0-15,2 15 0-16,6 7 0 15,8 5 0 1,7-4 0-1,4-5 0-15,3-11 0 16,4-8 0 0,2-7 0-16,3-6 0 15,-1-7 0 1,-4-8 0-16,-3-10 0 16,-5-8 0-1,-3-10 0-15,-4-6 0 16,-6-19 0-16,0 0 0 15</inkml:trace>
-  <inkml:trace contextRef="#ctx0" brushRef="#br0" timeOffset="154738.17">9252 10672 200 0,'0'0'0'16,"0"0"0"-16,22-3 0 15,16-4 0 1,14-4 0-16,8-2 0 15,6 4 0 1,0-3 0-16,-2 3 0 16,-4 0 0-1,-5 5 0-15,-7 0 0 16</inkml:trace>
-  <inkml:trace contextRef="#ctx0" brushRef="#br0" timeOffset="155001">9917 10604 200 0,'4'25'0'16,"6"9"0"-16,4 4 0 15,-2-5 0-15,0-6 0 16,-3-19 0 0</inkml:trace>
-  <inkml:trace contextRef="#ctx0" brushRef="#br0" timeOffset="155193.19">10027 10229 200 0,'0'0'0'16,"0"0"0"-16</inkml:trace>
-  <inkml:trace contextRef="#ctx0" brushRef="#br0" timeOffset="155620.91">10187 10681 200 0,'4'17'0'0,"2"4"0"16,-3-6 0-1,-3-15 0-15,0 0 0 16,-4 0 0-16,-2-15 0 16,-1-15 0-1,2-10 0-15,10-8 0 16,4-2 0-1,6-1 0-15,5 3 0 16,10 5 0 0,9 1 0-1,5 7 0-15,7 8 0 16,1 9 0 0</inkml:trace>
-  <inkml:trace contextRef="#ctx0" brushRef="#br0" timeOffset="156147.26">10843 10392 200 0,'0'0'0'15,"-13"-6"0"-15,-13 2 0 0,-8 5 0 32,-8 9 0-32,-6 7 0 15,-1 4 0-15,5 2 0 16,8-1 0-16,7-1 0 31,12-5 0-31,12-5 0 16,14-5 0-16,17-8 0 15,12-5 0-15,19-5 0 16,10 0 0 0,8 3 0-16,0 9 0 15,-2 9 0 1,-10 9 0-16,-15 11 0 16,-13 4 0-1,-15 2 0 1,-18 0 0-16,-15 0 0 15,-12-3 0 1,-5-3 0-16,-5-7 0 16,-4-7 0-16,2-8 0 15,3-10 0 1,8-13 0-16,11-10 0 16,12-13 0-1</inkml:trace>
-  <inkml:trace contextRef="#ctx0" brushRef="#br0" timeOffset="156438.91">11272 9999 200 0,'4'24'0'16,"5"25"0"-16,-1 20 0 15,-5 15 0 1,-4 6 0-16,-1 2 0 16,-2-8 0-1,-2-9 0 1,1-12 0-16,0-9 0 15,-1-8 0 1,-1-13 0-16</inkml:trace>
-  <inkml:trace contextRef="#ctx0" brushRef="#br0" timeOffset="156714.6">11053 10570 200 0,'30'6'0'16,"22"4"0"-16,9-3 0 15,5-1 0 1,-1 3 0-16,0-5 0 16,-3-6 0-1</inkml:trace>
-  <inkml:trace contextRef="#ctx0" brushRef="#br0" timeOffset="157156.13">11634 9871 200 0,'0'0'0'16,"0"0"0"-16,0 0 0 15,4 16 0-15,2 18 0 16,3 13 0-1,-2 17 0-15,-4 12 0 16,-2 5 0 0,-2 4 0-16,-1-2 0 15,0-5 0 1,3-9 0-16,2-10 0 16,3-7 0-1,-3-13 0-15,-5-18 0 16</inkml:trace>
-  <inkml:trace contextRef="#ctx0" brushRef="#br0" timeOffset="157776.22">11659 9888 200 0,'1'16'0'16,"4"15"0"-16,7 13 0 16,7 16 0-1,5 15 0-15,6 5 0 16,6 0 0 0,6-10 0-1,4-11 0-15,2-14 0 16,7-13 0-16,2-11 0 15,1-9 0 1,0-12 0-16,-4-12 0 16,-2-10 0-1,-3-13 0-15,-7-9 0 16,-13-6 0 0,-16-7 0-1,-22-4 0-15,-16-3 0 16,-15 0 0-1,-9 2 0-15,-4 6 0 16,-4 7 0 0,3 5 0-16,1 9 0 15,6 5 0 1,8 10 0-16,12 6 0 16,8 7 0-1,19 7 0 1</inkml:trace>
-  <inkml:trace contextRef="#ctx0" brushRef="#br0" timeOffset="158386.62">12837 10458 200 0,'-2'-45'0'16,"-3"-18"0"-1,-7 4 0 1,-9 8 0-16,-7 12 0 16,-11 20 0-16,-3 16 0 15,1 21 0 1,-1 20 0-16,7 19 0 16,5 9 0-1,12 1 0 1,10-9 0-1,12-13 0-15,10-13 0 0,8-16 0 16,8-12 0 0,2-10 0-16,3-11 0 31,1-6 0-15,-3-7 0-16,-1-3 0 15,-6-2 0 1,-3 8 0-16,-4 4 0 15,-2 11 0-15,-1 14 0 16,5 17 0 0,3 10 0-16,2 4 0 15,3 0 0 1,5-9 0 0,3-8 0-16,4-15 0 15</inkml:trace>
-  <inkml:trace contextRef="#ctx0" brushRef="#br0" timeOffset="159068.34">13089 10322 200 0,'9'39'0'0,"5"7"0"15,-2-6 0 1,-3-13 0-1,-3-10 0-15,-3-8 0 0,-3-9 0 16,4-1 0 0,-3-16 0-16,1-15 0 15,-1-14 0 1,4-5 0-16,5 1 0 31,0 5 0-31,3 11 0 16,1 11 0-16,2 14 0 15,4 10 0 1,-3 17 0-16,-1 11 0 16,-2 10 0-16,-4 4 0 15,-3-4 0 1,-2-7 0 0,0-8 0-16,2-8 0 0,3-6 0 15,4-10 0 1,10-16 0-1,4-12 0-15,5-11 0 16,5-11 0 0,4-2 0-1,2 8 0-15,0 12 0 16,0 16 0-16,-3 22 0 16,1 22 0-1,-4 26 0 1,-6 18 0-16,-7 11 0 15,-2-2 0-15,-3-6 0 16</inkml:trace>
-  <inkml:trace contextRef="#ctx0" brushRef="#br0" timeOffset="160054.07">13981 10417 200 0,'4'13'0'16,"10"7"0"-16,7 1 0 16,7-1 0-16,6-4 0 15,8-8 0 1,4-12 0-16,8-13 0 15,6-11 0 1,-1-8 0-16,-5-5 0 16,-3-4 0-1,-12 1 0-15,-10-3 0 16,-12-1 0 0,-15 4 0-16,-13 9 0 15,-12 13 0-15,-9 12 0 16,-9 22 0-1,-8 26 0-15,-6 28 0 16,-3 25 0 0,9 12 0-1,16-3 0-15,20-16 0 16,28-18 0 0,26-15 0-1,32-18 0-15,32-11 0 16,14-16 0-16,8-7 0 15</inkml:trace>
-  <inkml:trace contextRef="#ctx0" brushRef="#br0" timeOffset="167980.03">18803 9880 200 0,'0'0'0'15,"0"0"0"-15,0 0 0 16,3 30 0 15,0 30 0-31,4 21 0 16,1 22 0-16,-1 14 0 15,0 5 0-15,1-4 0 47,5-9 0-47,1-8 0 0,1-16 0 0,1-12 0 16</inkml:trace>
-  <inkml:trace contextRef="#ctx0" brushRef="#br0" timeOffset="168506.1">18685 9897 200 0,'45'-41'0'15,"38"-25"0"-15,23-1 0 16,18 6 0-1,18 7 0 1,0 14 0-16,-5 18 0 16,-8 16 0-1,-20 15 0-15,-23 9 0 32,-28 12 0-32,-28 9 0 15,-37 11 0 1,-36 10 0-16,-34 7 0 0,-25 9 0 15,-21 7 0 1,-7 2 0 0,1-3 0-1,10-10 0-15,18-12 0 0,20-13 0 16,21-11 0 0,20-11 0-1</inkml:trace>
-  <inkml:trace contextRef="#ctx0" brushRef="#br0" timeOffset="169142.84">19644 10254 200 0,'0'0'0'0,"0"0"0"16,0 0 0-1,15 9 0-15,14-7 0 16,11-11 0 0,1-11 0-16,2-6 0 31,0-6 0-31,-4-6 0 0,-6 0 0 15,-6 3 0 1,-8 4 0-16,-8 2 0 16,-13 6 0-1,-11 7 0-15,-11 13 0 16,-18 18 0 0,-4 14 0-16,-4 18 0 15,9 12 0 1,10 13 0-1,15 4 0-15,20-8 0 16,19-14 0 0,16-21 0-16,16-16 0 15,12-19 0 1,10-14 0 0,6-13 0-16,-3-10 0 15,-7-10 0-15</inkml:trace>
-  <inkml:trace contextRef="#ctx0" brushRef="#br0" timeOffset="169519.94">20350 10340 200 0,'10'15'0'15,"3"4"0"-15,-3-7 0 16,-10-12 0 0,1-1 0-16,-7-19 0 15,-5-15 0 1,0-15 0-16,1-6 0 15,4-6 0 1,9 3 0-16,9-1 0 16,11 0 0-1,16 2 0-15,13 7 0 16,9 5 0 0,6 8 0-16,-3 9 0 15</inkml:trace>
-  <inkml:trace contextRef="#ctx0" brushRef="#br0" timeOffset="170075.87">21083 9863 200 0,'-13'-9'0'16,"-8"-1"0"-16,-6 3 0 15,-11 5 0-15,-5 9 0 16,-7 12 0 0,-2 9 0-1,-4 7 0 1,5 2 0-16,11-2 0 15,15-7 0-15,14-6 0 16,14-8 0 0,15-10 0-16,17-7 0 15,15-8 0 1,17-8 0-16,17-2 0 16,9 7 0-1,6 6 0-15,-7 8 0 16,-10 12 0-1,-12 6 0-15,-15 3 0 16,-16 1 0 0,-16-1 0-16,-17 0 0 15,-17 3 0 1,-20 2 0-16,-15 0 0 16,-10-1 0-1,-4-3 0-15,-3-4 0 16,6-8 0-1,11-7 0-15,13-9 0 16,15-9 0 0,10-9 0-1</inkml:trace>
-  <inkml:trace contextRef="#ctx0" brushRef="#br0" timeOffset="170645.34">21990 9999 200 0,'0'-17'0'0,"-8"-9"0"16,-12-5 0-16,-12 6 0 15,-11 5 0 1,-10 7 0-16,-2 9 0 31,2 10 0-31,5 13 0 16,1 14 0-1,8 11 0-15,15 7 0 0,19 2 0 16,20-7 0 0,21-13 0-1,13-15 0-15,16-16 0 16,6-12 0 0,0-6 0-16,-2-7 0 15,-9-2 0 1,-10-2 0-16,-13-3 0 15,-12-2 0 1,-17 0 0-16,-19-4 0 16,-19 0 0-1,-10 4 0 1,-8 10 0 0,2 8 0-16,2 10 0 15,7 3 0-15</inkml:trace>
-  <inkml:trace contextRef="#ctx0" brushRef="#br0" timeOffset="171166.36">22235 9897 200 0,'21'31'0'16,"7"11"0"-16,-6-3 0 15,-6-8 0 1,-6-11 0-16,-7-6 0 15,-3-3 0 1,0-11 0-16,0 0 0 16,-7 0 0-1,2-13 0-15,3-15 0 16,12-10 0 0,15-8 0-16,16-5 0 15,14 4 0 1,10 5 0-16,9 9 0 15,0 13 0 1,-4 17 0-16,-5 13 0 16,-8 17 0-1,-12 13 0-15,-13 7 0 16,-10 1 0 0,-2-4 0-16,-2-7 0 15,-2-10 0 1,0-9 0-16</inkml:trace>
-  <inkml:trace contextRef="#ctx0" brushRef="#br0" timeOffset="171734.13">23438 9240 200 0,'0'28'0'0,"-2"21"0"16,-9 23 0-16,-3 18 0 15,-2 14 0 1,-3 3 0-1,0-4 0-15,0-9 0 16,7-11 0-16,7-12 0 16,8-13 0-1,12-12 0 1,20-12 0-16,17-12 0 16,11-8 0-16,10-10 0 15,7-6 0 1,4-6 0-1,-2-2 0-15,-5-3 0 16,-7 3 0-16,-13-1 0 16,-14 0 0-1,-13-6 0-15</inkml:trace>
-  <inkml:trace contextRef="#ctx0" brushRef="#br0" timeOffset="172202.51">23497 9232 200 0,'0'0'0'16,"0"0"0"-16,11-3 0 15,19-3 0 1,14-3 0-16,10-1 0 16,13-3 0-1,8-6 0-15,7-4 0 16,10-1 0-16,7-1 0 15,2 1 0 1,-4 2 0 0</inkml:trace>
-  <inkml:trace contextRef="#ctx0" brushRef="#br0" timeOffset="172718.33">24161 9275 200 0,'0'0'0'15,"0"0"0"-15,-3 18 0 0,2 14 0 16,6 15 0-1,1 6 0-15,0-2 0 32,0-6 0-32,0-15 0 0</inkml:trace>
-  <inkml:trace contextRef="#ctx0" brushRef="#br0" timeOffset="172969.65">24322 9223 200 0,'-4'53'0'0,"1"21"0"16,4-2 0-16,4-13 0 15</inkml:trace>
-  <inkml:trace contextRef="#ctx0" brushRef="#br0" timeOffset="173481.74">24859 9506 200 0,'6'-35'0'0,"1"-17"0"16,-4-6 0-16,-10 3 0 16,-8 4 0-1,-13 7 0-15,-5 8 0 16,-9 14 0-1,-5 15 0-15,2 18 0 16,5 16 0 0,7 23 0-1,5 21 0-15,7 22 0 16,3 12 0-16,6-2 0 16,10-12 0-1,9-12 0 1,5-14 0-16,2-13 0 15,0-8 0 1,-1-11 0-16,-4-5 0 16,-1-9 0-16,-8-19 0 15,0 0 0 1</inkml:trace>
-  <inkml:trace contextRef="#ctx0" brushRef="#br0" timeOffset="173736.06">24322 9982 200 0,'29'-1'0'16,"22"-4"0"-16,12-9 0 15,5-3 0 1,1-3 0-16,-3 2 0 16,-10 4 0-1,-12 2 0-15</inkml:trace>
-  <inkml:trace contextRef="#ctx0" brushRef="#br0" timeOffset="173926.24">24902 9871 200 0,'0'0'0'0,"5"14"0"16,2 8 0 0,3 3 0-1,1 3 0-15,-3-4 0 16,-2-6 0-16,-6-18 0 15</inkml:trace>
-  <inkml:trace contextRef="#ctx0" brushRef="#br0" timeOffset="174120.87">24919 9657 200 0,'0'0'0'15,"0"0"0"1,6 12 0 0</inkml:trace>
-  <inkml:trace contextRef="#ctx0" brushRef="#br0" timeOffset="174463.83">25121 9880 200 0,'8'16'0'0,"2"1"0"15,0-2 0 1,-5-5 0-16,-5-10 0 16,0 0 0-16,-2-2 0 15,-6-9 0 1,-4-11 0-16,0-10 0 16,4-6 0-1,7-5 0-15,11-4 0 16,8 0 0-1,13 4 0-15,11 5 0 16,2 10 0 0,5 8 0-16,-1 7 0 15</inkml:trace>
-  <inkml:trace contextRef="#ctx0" brushRef="#br0" timeOffset="174938.89">25684 9607 200 0,'-28'4'0'16,"-16"7"0"-16,-9 4 0 15,1 8 0-15,8 3 0 16,5 2 0 0,9-2 0-16,8-5 0 15,9-7 0 1,12-2 0-16,14-9 0 16,16-9 0-1,15-10 0-15,15 1 0 16,8-2 0-1,0 6 0-15,2 4 0 16,-5 11 0 0,-7 3 0-16,-13 7 0 15,-14 0 0 1,-11 3 0-16,-16 3 0 16,-12 1 0-1,-11 1 0-15,-8-3 0 16,-6-5 0-16,-2-7 0 15,5-10 0 1</inkml:trace>
-  <inkml:trace contextRef="#ctx0" brushRef="#br0" timeOffset="175224.69">26062 9292 200 0,'0'0'0'0,"9"13"0"16,-1 16 0-16,-4 20 0 16,-4 18 0-1,-2 14 0-15,-3 3 0 16,0-7 0-1,2-13 0-15,7-12 0 16,0-11 0 15,-2-7 0-31,-3-14 0 16</inkml:trace>
-  <inkml:trace contextRef="#ctx0" brushRef="#br0" timeOffset="175461.16">25895 9812 200 0,'50'-5'0'15,"23"-2"0"-15,5-1 0 16,-4 3 0-16,-5 2 0 16,-9 3 0-1,-7-1 0-15</inkml:trace>
-  <inkml:trace contextRef="#ctx0" brushRef="#br0" timeOffset="175859.43">26399 9292 200 0,'-3'24'0'16,"-3"28"0"-16,0 16 0 15,-1 14 0 1,2 0 0-16,0-7 0 16,0-11 0-16,4-14 0 15,3-11 0 1,1-15 0-16</inkml:trace>
-  <inkml:trace contextRef="#ctx0" brushRef="#br0" timeOffset="176383.33">26466 9300 200 0,'0'0'0'16,"0"0"0"-16,0 0 0 16,6 14 0-1,3 14 0-15,1 20 0 16,7 15 0-16,0 15 0 31,5 5 0-31,1-3 0 16,6-8 0-16,5-12 0 0,5-17 0 15,8-14 0 1,3-18 0-16,5-14 0 31,-1-12 0-15,-1-8 0-16,-2-8 0 16,-7-12 0-1,-11-8 0-15,-8-12 0 16,-11-6 0-1,-14-2 0-15,-16 2 0 16,-18 2 0 0,-9 12 0-16,-9 9 0 15,-3 12 0 1,0 9 0-16,-1 13 0 16,8 11 0-1</inkml:trace>
-  <inkml:trace contextRef="#ctx0" brushRef="#br0" timeOffset="176991.43">27509 9735 200 0,'-2'-17'0'16,"-2"-13"0"-16,-3-5 0 15,-9-3 0 1,-11 4 0-16,-13 7 0 15,-8 12 0 1,-3 16 0 0,-3 23 0-16,2 22 0 15,10 15 0 1,13 6 0 0,17-4 0-16,11-10 0 15,11-17 0 1,10-15 0-16,6-13 0 0,7-13 0 15,5-11 0 1,3-11 0 0,1-6 0-16,-4-7 0 15,-7 1 0 1,-6 6 0-16,-8 10 0 16,-1 9 0-16,-1 15 0 15,2 15 0 1,0 9 0-16,0 10 0 15,3 2 0-15,2-3 0 16,3-8 0 15,6-8 0-31,3-12 0 16,2-13 0 0</inkml:trace>
-  <inkml:trace contextRef="#ctx0" brushRef="#br0" timeOffset="177688.28">27712 9599 200 0,'0'58'0'0,"4"21"0"16,4-5 0 0,2-15 0-16,-1-16 0 15,0-13 0 1,-3-11 0-16,-2-9 0 16,-4-10 0-1,4-9 0-15,-1-16 0 16,1-18 0-1,0-11 0-15,4-11 0 16,1-2 0 0,4 8 0-16,2 9 0 15,3 13 0 1,2 15 0-16,-4 13 0 16,0 11 0-1,0 15 0-15,-2 12 0 16,-7 9 0-1,-3 2 0-15,0-1 0 16,-1-8 0-16,0-9 0 16,1-6 0-1,0-7 0 1,2-7 0-16,7-8 0 0,7-13 0 16,6-14 0-1,4-9 0-15,6-2 0 16,-2 2 0-1,-2 6 0 1,-5 13 0-16,-6 11 0 16,-2 15 0-1,-7 16 0-15,-4 15 0 16,-3 8 0 0,-2 3 0-16,-1-1 0 15,-1-7 0-15,1-4 0 16,4-5 0-1,4-13 0-15</inkml:trace>
-  <inkml:trace contextRef="#ctx0" brushRef="#br0" timeOffset="178122.36">28326 9760 200 0,'15'6'0'0,"13"-4"0"0,10-10 0 16,-1-9 0-1,-6-11 0-15,-1-6 0 16,-8-7 0-1,-3-5 0-15,-9 1 0 16,-5 3 0-16,-9 9 0 31,-8 14 0-31,-8 18 0 0,-6 19 0 32,-5 24 0-17,-3 20 0-15,4 9 0 16,10-3 0-1,12-8 0-15,16-11 0 16,11-16 0-16,16-11 0 16,16-15 0-1,12-15 0 1,7-18 0-16,-2-14 0 16</inkml:trace>
-  <inkml:trace contextRef="#ctx0" brushRef="#br0" timeOffset="178485.83">28873 9037 200 0,'-3'19'0'0,"-2"13"0"0,1 7 0 16,2 1 0 0,0-5 0-1,3-1 0-15,0-8 0 16</inkml:trace>
-  <inkml:trace contextRef="#ctx0" brushRef="#br0" timeOffset="178716.45">29015 8976 200 0,'-2'27'0'0,"-4"23"0"16,-7 13 0 0,-2 9 0-16,3 1 0 15</inkml:trace>
-  <inkml:trace contextRef="#ctx0" brushRef="#br0" timeOffset="179634.54">28831 8849 200 0,'12'10'0'15,"13"3"0"-15,13-2 0 16,13-2 0-16,15-8 0 15,15-6 0 1,7-4 0-16,7-3 0 16,-1 1 0-1,-3-2 0 1,-9 2 0-16,-15 3 0 16,-16 1 0-16,-13 7 0 15,-16 5 0 1,-10 9 0-16,-11 11 0 15,-7 13 0 1,-7 10 0-16,-5 18 0 16,-5 16 0-1,-4 17 0-15,-1 8 0 16,9-2 0 0,10-8 0-1,9-10 0 1,12-15 0-16,7-9 0 31,8-12 0-31,1-8 0 0,-1-10 0 0,-3-8 0 16,-6-9 0-1,-4-6 0 1,-7-4 0 0,-7-6 0-16,0 0 0 15,-4 5 0-15,-15-2 0 16,-13-3 0-1,-17 2 0-15,-15 1 0 16,-13 5 0 0,-16 4 0-16,-15-2 0 15,-15 6 0 1,-14 8 0 0,-8 13 0-16,-5 6 0 15</inkml:trace>
-  <inkml:trace contextRef="#ctx0" brushRef="#br0" timeOffset="184954.75">32457 13834 200 0,'-19'4'0'0,"-1"2"0"16,-5-3 0-16,1 0 0 15,-1-2 0 1,-1-1 0-16,-2 0 0 16,-4 0 0-1,-4 0 0-15,-5 0 0 16,-6 0 0-16,-7 0 0 16,-11 1 0-1,-9 5 0-15,-8-2 0 16,-9 3 0-1,-10-1 0-15,-3 1 0 16,-5-2 0 0,0-1 0-16,-1 2 0 15,1-1 0 1,-3 0 0-16,-1 0 0 16,0 0 0-1,0 0 0-15,2 0 0 16,2-2 0-1,9 1 0-15,8-2 0 16,6 0 0 0,7 1 0-16,5-1 0 15,8-1 0 1,8-1 0-16,8-1 0 16,10 1 0-1,12 1 0-15,7-2 0 16,6 1 0-16,15 0 0 15,0 0 0 1,0 0 0-16,-1 1 0 16,8 2 0-1,13 2 0 1,8-1 0-16,11-1 0 16,9-1 0-16,12-2 0 15,11 0 0 1,11-2 0-16,11-1 0 15,8-2 0 1,5-2 0-16,3 2 0 16,1 0 0-1,4 1 0-15,6 0 0 16,8 0 0 0,10 4 0-16,13 3 0 15,5-2 0 1,8-5 0-1,6 4 0-15,2-1 0 16,-6 2 0 0,-11 6 0-16</inkml:trace>
-</inkml:ink>
-</file>
-
-<file path=ppt/ink/ink21.xml><?xml version="1.0" encoding="utf-8"?>
-<inkml:ink xmlns:inkml="http://www.w3.org/2003/InkML">
-  <inkml:definitions>
-    <inkml:context xml:id="ctx0">
-      <inkml:inkSource xml:id="inkSrc0">
-        <inkml:traceFormat>
-          <inkml:channel name="X" type="integer" max="32767" units="cm"/>
-          <inkml:channel name="Y" type="integer" max="32767" units="cm"/>
-          <inkml:channel name="F" type="integer" max="1024" units="dev"/>
-          <inkml:channel name="T" type="integer" max="2.14748E9" units="dev"/>
-        </inkml:traceFormat>
-        <inkml:channelProperties>
-          <inkml:channelProperty channel="X" name="resolution" value="325.74808" units="1/cm"/>
-          <inkml:channelProperty channel="Y" name="resolution" value="571.84991" units="1/cm"/>
-          <inkml:channelProperty channel="F" name="resolution" value="4.0315E-5" units="1/dev"/>
-          <inkml:channelProperty channel="T" name="resolution" value="1" units="1/dev"/>
-        </inkml:channelProperties>
-      </inkml:inkSource>
-      <inkml:timestamp xml:id="ts0" timeString="2023-08-10T15:26:03.568"/>
-    </inkml:context>
-    <inkml:brush xml:id="br0">
-      <inkml:brushProperty name="width" value="0.05292" units="cm"/>
-      <inkml:brushProperty name="height" value="0.05292" units="cm"/>
-      <inkml:brushProperty name="color" value="#FF0000"/>
-    </inkml:brush>
-  </inkml:definitions>
-  <inkml:trace contextRef="#ctx0" brushRef="#br0">7090 14958 200 0,'-6'19'0'0,"-1"19"0"15,0 16 0-15,2 11 0 16,3 16 0-1,0 16 0-15,0 18 0 16,2 24 0 0,1 15 0-16,3 18 0 15,7 1 0 1,0 5 0-16,1 0 0 16,-3-26 0-1</inkml:trace>
-  <inkml:trace contextRef="#ctx0" brushRef="#br0" timeOffset="1809.74">22403 15275 200 0,'102'-37'0'0,"67"-12"0"15,37 4 0 1,21 11 0-16,13 18 0 31,-1 16 0-15,-20 13 0-16,-33 8 0 0,-33 7 0 31,-39 0 0-31,-37 3 0 16,-31 0 0-1,-35 2 0-15,-45 1 0 16,-56 2 0-1,-55 8 0-15,-38 3 0 16,-21 7 0 0,-7 9 0-16,6 6 0 15,23 6 0 1,32 6 0-16,39 4 0 16,40 9 0-1,45 11 0-15,49 8 0 16,61 5 0-1,67-4 0-15,69-12 0 16,64-18 0 0</inkml:trace>
-</inkml:ink>
-</file>
-
-<file path=ppt/ink/ink22.xml><?xml version="1.0" encoding="utf-8"?>
-<inkml:ink xmlns:inkml="http://www.w3.org/2003/InkML">
-  <inkml:definitions>
-    <inkml:context xml:id="ctx0">
-      <inkml:inkSource xml:id="inkSrc0">
-        <inkml:traceFormat>
-          <inkml:channel name="X" type="integer" max="32767" units="cm"/>
-          <inkml:channel name="Y" type="integer" max="32767" units="cm"/>
-          <inkml:channel name="F" type="integer" max="1024" units="dev"/>
-          <inkml:channel name="T" type="integer" max="2.14748E9" units="dev"/>
-        </inkml:traceFormat>
-        <inkml:channelProperties>
-          <inkml:channelProperty channel="X" name="resolution" value="325.74808" units="1/cm"/>
-          <inkml:channelProperty channel="Y" name="resolution" value="571.84991" units="1/cm"/>
-          <inkml:channelProperty channel="F" name="resolution" value="4.0315E-5" units="1/dev"/>
-          <inkml:channelProperty channel="T" name="resolution" value="1" units="1/dev"/>
-        </inkml:channelProperties>
-      </inkml:inkSource>
-      <inkml:timestamp xml:id="ts0" timeString="2023-08-10T15:28:53.271"/>
-    </inkml:context>
-    <inkml:brush xml:id="br0">
-      <inkml:brushProperty name="width" value="0.05292" units="cm"/>
-      <inkml:brushProperty name="height" value="0.05292" units="cm"/>
-      <inkml:brushProperty name="color" value="#FF0000"/>
-    </inkml:brush>
-  </inkml:definitions>
-  <inkml:trace contextRef="#ctx0" brushRef="#br0">12702 18376 200 0,'0'0'0'0,"0"0"0"16,0 0 0-1,0 0 0-15,0 0 0 16,0 0 0 0,0 0 0-16,0 0 0 15,5-13 0 1,-1-5 0-16,-3-4 0 15,-2 0 0 1,2 1 0-16,2-1 0 16,1-2 0-1,2-2 0-15,1-2 0 16,3-2 0 0,1-3 0-16,2-1 0 15,-1-3 0 1,2 1 0-16,3 0 0 15,2 2 0 1,1 2 0-16,4-2 0 16,0 1 0-1,1 2 0-15,0 1 0 16,1 1 0 0,3 1 0-16,0 3 0 15,3-1 0-15,2 1 0 16,6 2 0-1,2 4 0-15,1 1 0 16,6 3 0 0,2 1 0-16,2 2 0 15,2 2 0-15,5 0 0 16,4 0 0 0,1 2 0-16,1 2 0 15,2 2 0 1,1 1 0-16,2-1 0 15,0 1 0 1,3 1 0-16,1 1 0 16,4 0 0-1,0 1 0-15,1 0 0 16,2 2 0 0,-1 1 0-16,3 0 0 15,2 3 0 1,1 0 0-1,-2 2 0-15,1 2 0 16,-1-1 0-16,0 1 0 16,-3-3 0-1,4 0 0-15,-1 0 0 16,3 1 0-16,0-1 0 16,-2-3 0-1,3 1 0-15,4-1 0 16,-3-3 0-1,2-1 0-15,0 0 0 16,1 0 0-16,-3-1 0 16,3 1 0-1,1-2 0 1,4-1 0-16,0-1 0 31,-3 0 0-31,1 1 0 16,-1 1 0-16,1-2 0 0,0 1 0 31,-1-1 0-31,2 1 0 16,-2-1 0-16,4-1 0 15,-1 1 0 1,2 0 0-16,4 3 0 16,2 2 0-16,-2-1 0 15,0 1 0-15,1 3 0 16,3-2 0 15,-1-1 0-31,-1-2 0 16,5-2 0-16,3-1 0 15,-3 0 0-15,2 0 0 16,-1-3 0 0,4 1 0-1,2-2 0-15,1-2 0 16,-1-1 0-1,3-3 0-15,2-3 0 16,1-1 0 0,2-1 0-16,1-1 0 15,-1 3 0 1,1-3 0-16,3 0 0 16,4 1 0-1,-1 0 0-15,3 2 0 16,-3-1 0-1,-3-1 0-15,-4 4 0 16,0 1 0 0,2 2 0-16,2 0 0 15,-1 2 0 1,0 2 0-16,-1 0 0 16,4 2 0-1,-2 2 0-15,0 1 0 16,-1 3 0-1,1 2 0-15,-1 1 0 16,1-2 0 0,2 1 0-16,-1 3 0 15,2 4 0-15,0-3 0 16,1-1 0 0,2 1 0-16,-2-1 0 15,0 0 0 1,0 2 0-16,-3-1 0 15,1-1 0 1,-1 0 0-16,1-1 0 16,0-1 0-1,0 0 0-15,2 0 0 16,-4-1 0 0,0-1 0-1,1 1 0-15,-1-1 0 16,-1-1 0-1,-1 0 0-15,1 0 0 16,3 0 0-16,-2-2 0 16,-1-2 0-1,3 0 0-15,-8 1 0 16,0-1 0 0,0 2 0-16,5 0 0 15,-1 2 0 1,1-1 0-16,-1 1 0 15,-2 2 0-15,3 1 0 16,1 0 0 0,-3 1 0-1,1 3 0-15,-2-1 0 16,3-1 0-16,-2 2 0 31,2 0 0-31,-1-1 0 16,-2 0 0-16,-3-3 0 15,-2-1 0 1,-2-1 0-16,0-1 0 16,1 0 0-1,1 3 0-15,1-2 0 16,-1-1 0-16,-2 2 0 16,0 0 0-1,-2-1 0-15,0 1 0 16,1 1 0-1,0 3 0 1,2 2 0-16,0 0 0 16,-1 1 0-1,-4-1 0 1,-3-2 0-16,2 3 0 16,-4-2 0-16,-1-1 0 0,-6 3 0 31,2 0 0-31,-4 0 0 0,-2 0 0 15,2 1 0 1,-1-1 0 0,-5 1 0-1,-3-3 0-15,-9-1 0 16,-2-2 0-16,-6 0 0 16,-1 1 0-16,-2 0 0 15,-2 2 0 1,1 2 0-16,-5 3 0 15,0 2 0 17,-4-1 0-32,-4 0 0 0,0-3 0 31,-4 0 0-31,-5-1 0 16,1 1 0-16,-3 3 0 0,-2 2 0 31,-4 0 0-16,-5 1 0-15,-1-4 0 16,-3 1 0-16,1 0 0 16,-6 0 0-1,-1 2 0-15,-1-1 0 16,-1 1 0 0,-1 3 0-16,-3 1 0 15,-3 0 0 1,-3 1 0-16,-2 0 0 15,-3-1 0 1,-2 2 0-16,-1 0 0 16,1 0 0-1,-2 3 0-15,0 1 0 16,-1 0 0 0,0-1 0-16,0 2 0 15,0 3 0-15,1 1 0 16,-2 3 0-1,-2 1 0-15,2-1 0 16,0 1 0 0,-3-2 0-16,-2-1 0 15,0-3 0 1,-3 0 0-16,0 1 0 16,2-1 0-1,0 3 0-15,-4-1 0 16,1-1 0-16,0-1 0 15,-5 0 0 1,2 3 0-16,0 0 0 16,-3-5 0-1,-3-3 0-15,-1-1 0 16,0 0 0 0,-2-2 0-16,-3-3 0 15,-3-1 0 1,0-2 0-1,-2 0 0-15,-1-2 0 16,-2-3 0-16,-2 0 0 16,0-1 0-16,1 1 0 15,-2-3 0 1,0-2 0-16,-3-2 0 16,0 2 0-1,1-3 0-15,-3-1 0 16,3 0 0-1,-3 0 0 1,3-2 0-16,-3-2 0 16,-2 3 0-16,2 0 0 31,-4 0 0-31,1 1 0 16,3 0 0-16,-4 0 0 15,3 0 0 1,1 0 0-16,-3 0 0 15,-1 0 0 1,-1 0 0-16,-1 0 0 16,-2 0 0-16,2-2 0 15,0-1 0 1,-1 2 0-16,-3 0 0 16,1 0 0-1,0-2 0-15,-1 3 0 16,-3 0 0-16,1 0 0 31,1 2 0-31,-2 1 0 16,0-1 0-1,-1-1 0-15,1 1 0 16,-1 1 0 0,-2-3 0-16,0 0 0 15,-1 1 0 1,1-1 0-16,0-1 0 15,1 2 0 1,0 1 0-16,1-2 0 16,-4-1 0-16,2 0 0 15,0 0 0 1,-1 1 0-16,0 2 0 16,-2-1 0-1,-1-1 0-15,-1-1 0 16,-1 1 0-1,-1 1 0-15,-1 2 0 16,-1 0 0 0,0 1 0-16,-1-1 0 15,-2 0 0 1,2-2 0-16,1 1 0 16,-1 2 0-16,1-2 0 15,-2 1 0 1,1 2 0-16,0-1 0 15,2 0 0 1,1 1 0-16,1 0 0 16,0 1 0-1,0 2 0-15,-1-2 0 16,1-1 0 0,0 2 0-1,-1-2 0-15,1-2 0 16,-1 1 0-16,-2-1 0 15,0 4 0 1,0-1 0-16,0-2 0 16,-1-1 0-1,-2 1 0-15,-1-1 0 16,0-1 0 0,-2-2 0-16,-2-4 0 15,-1 0 0-15,0 1 0 16,2 2 0-1,-4 0 0-15,-1 3 0 16,-4 0 0-16,3 2 0 16,-3-1 0-1,1 3 0-15,-3 0 0 16,4 3 0 0,0-1 0-16,0 2 0 15,2-2 0 1,2 4 0-16,0-2 0 31,1-3 0-31,-1-3 0 16,3-4 0-16,0 0 0 15,-3 0 0 1,1 0 0-16,1 0 0 16,4 0 0-1,1 0 0-15,2 0 0 16,-2 0 0-16,0 0 0 15,3 0 0 1,-2 0 0-16,-1 0 0 16,-2 0 0-1,0 0 0-15,0 0 0 16,1 0 0-16,1 0 0 31,-1 0 0-31,2 0 0 16,-1 0 0-16,2 0 0 15,-2 0 0-15,0 0 0 16,-1-4 0 15,-1-4 0-31,-1-2 0 0,-1 3 0 16,1 3 0-16,-1 1 0 16,1 0 0-16,2 3 0 31,-1 0 0-31,-2 2 0 0,-5 0 0 31,1-1 0-15,-3-2 0-16,0 1 0 15,2 3 0 1,4 0 0-16,1 0 0 16,2 0 0-16,4-1 0 15,3 3 0 1,6 0 0-16,2 1 0 15,2-3 0 1,1-2 0-16,4-1 0 16,-2 1 0-1,2-1 0-15,0 0 0 16,0-2 0-16,-1-4 0 16,0 0 0-1,0 2 0-15,-1 1 0 16,-3 2 0-1,-1 2 0-15,1 2 0 16,-1 0 0 0,1-3 0-16,-3 0 0 15,0 0 0-15,-1 0 0 16,1 0 0 0,-1 0 0-16,1-1 0 15,3-2 0 1,-1 1 0-16,-2 1 0 15,-1 1 0 1,-2 0 0-16,0 0 0 16,0-3 0-1,-1 0 0-15,1 0 0 16,0 0 0 0,0 2 0-16,0 2 0 15,0-2 0 1,-1 0 0-16,-2-2 0 15,-1 2 0 1,-2 0 0-16,-2-2 0 16,-1-3 0-1,1-1 0-15,1 2 0 16,0 1 0-16,1-3 0 16,-1 3 0-16,0-2 0 15,0-2 0 1,0 1 0-16,-3-2 0 15,0 2 0 1,1 0 0-16,0 3 0 16,-3-1 0-1,-2 3 0-15,-2 1 0 16,0 1 0 0,0 0 0-1,-1 2 0-15,5 1 0 16,-1 0 0-16,0 1 0 15,3-2 0 1,-2 0 0-16,6 1 0 16,2-3 0-1,5 0 0-15,3-1 0 16,0 0 0 0,2-1 0-16,-3-1 0 15,-1 2 0 1,0 0 0-16,1 2 0 15,-1 0 0 1,1 3 0 0,-3-1 0-16,4-1 0 0,-2-1 0 15,1-1 0 1,-1 0 0 0,1 0 0-16,-1 0 0 0,2 0 0 31,3 0 0-31,-2 0 0 15,-2 0 0 1,0 0 0 0,-2 2 0-16,1 2 0 15,0-3 0 1,3 1 0-16,-2-2 0 16,-2 0 0-1,0 0 0-15,0 0 0 16,1 0 0-16,-2 0 0 15,0 0 0 1,-2 0 0-16,-1 4 0 16,0 1 0-1,3-2 0-15,0 4 0 16,-1-1 0 0,1-2 0-16,0-1 0 15,-1 1 0 1,0-2 0-16,0 5 0 15,2-1 0 1,-2-2 0-16,1-1 0 16,-2-2 0-16,2-1 0 15,-1-1 0 1,1-2 0-16,0-1 0 16,1 0 0-1,-1 0 0-15,0 1 0 16,1 0 0-1,1 3 0-15,-1 0 0 16,0 0 0 0,-3 0 0-16,0 0 0 15,0 0 0 1,1 0 0-16,1-3 0 16,-1 0 0-16,0 3 0 15,0 2 0 1,1-2 0-16,-1 0 0 15,1 0 0-15,0-1 0 16,0 0 0 0,-2 0 0-1,1-2 0-15,3 2 0 16,-1 1 0-16,3 0 0 16,-2-1 0-1,0-1 0-15,0 1 0 31,2-1 0-31,-2 2 0 16,0 0 0-16,1 0 0 0,2 0 0 31,1 0 0-31,0 2 0 16,-1 0 0-16,-2-1 0 16,2 1 0-1,0 1 0 1,0-1 0-16,4 2 0 15,-3-2 0-15,-1 1 0 16,2 1 0-16,-1-1 0 16,2-1 0-16,-2 1 0 31,2 2 0-31,2 0 0 0,-1-2 0 31,3-1 0-31,0 2 0 0,-3 0 0 16,3-3 0-16,0 2 0 31,-2 0 0-31,1-2 0 16,1 2 0-1,0-2 0-15,-1 1 0 16,0-4 0-16,1 1 0 16,1-2 0-1,-2 3 0 1,1 0 0-16,-1 0 0 15,2 0 0 1,-1 3 0-16,0-2 0 16,-1 1 0-1,-2 1 0-15,4 1 0 16,-1-1 0-16,2-2 0 16,-2-1 0-1,1 0 0 1,0 0 0-16,-1 1 0 15,2-1 0-15,-2 0 0 16,3 0 0 0,0 0 0-16,0 0 0 15,4-2 0-15,-1-3 0 16,-1 1 0 0,1 0 0-16,1 1 0 15,1 0 0 1,2 2 0-16,0-3 0 15,3-3 0-15,-1-3 0 16,2 0 0 0,-1-1 0-16,4 4 0 15,-2-5 0 1,4-1 0-16,-1 0 0 16,3 1 0-1,0 0 0-15,0-2 0 16,1-1 0-1,3-1 0-15,-1-3 0 16,5-1 0 0,-1-1 0-16,2 1 0 0,-1 1 0 31,1 3 0-31,1 0 0 16,0-2 0-16,-3-1 0 15,4 1 0-15,2 2 0 16,0-1 0-1,1 0 0-15,-1-2 0 16,0 1 0-16,1-1 0 31,1 2 0-31,0 0 0 0,-1 2 0 16,3-2 0 0,0 5 0-16,0-4 0 15,3 3 0 1,-2 0 0-1,0 1 0-15,0 1 0 16,5 11 0-16,-3-13 0 16,3 3 0-1,-1 1 0-15,0-1 0 16,1 3 0 0,0-3 0-16,0 2 0 15,1 1 0-15,0 1 0 31,-1 6 0-31,1-7 0 16,-1 7 0 0,1-7 0-16,2 2 0 15,0-2 0-15,0 3 0 16,3-2 0 0,-6 6 0-16,0 0 0 15,4-6 0 1,-4 6 0-16,7-6 0 15,-1 0 0-15,0 2 0 16,2-2 0 0,-1-6 0-16,-1-1 0 15,-3 1 0 1</inkml:trace>
-</inkml:ink>
-</file>
-
-<file path=ppt/ink/ink23.xml><?xml version="1.0" encoding="utf-8"?>
-<inkml:ink xmlns:inkml="http://www.w3.org/2003/InkML">
-  <inkml:definitions>
-    <inkml:context xml:id="ctx0">
-      <inkml:inkSource xml:id="inkSrc0">
-        <inkml:traceFormat>
-          <inkml:channel name="X" type="integer" max="32767" units="cm"/>
-          <inkml:channel name="Y" type="integer" max="32767" units="cm"/>
-          <inkml:channel name="F" type="integer" max="1024" units="dev"/>
-          <inkml:channel name="T" type="integer" max="2.14748E9" units="dev"/>
-        </inkml:traceFormat>
-        <inkml:channelProperties>
-          <inkml:channelProperty channel="X" name="resolution" value="325.74808" units="1/cm"/>
-          <inkml:channelProperty channel="Y" name="resolution" value="571.84991" units="1/cm"/>
-          <inkml:channelProperty channel="F" name="resolution" value="4.0315E-5" units="1/dev"/>
-          <inkml:channelProperty channel="T" name="resolution" value="1" units="1/dev"/>
-        </inkml:channelProperties>
-      </inkml:inkSource>
-      <inkml:timestamp xml:id="ts0" timeString="2023-08-10T15:30:30.297"/>
-    </inkml:context>
-    <inkml:brush xml:id="br0">
-      <inkml:brushProperty name="width" value="0.05292" units="cm"/>
-      <inkml:brushProperty name="height" value="0.05292" units="cm"/>
-      <inkml:brushProperty name="color" value="#FF0000"/>
-    </inkml:brush>
-  </inkml:definitions>
-  <inkml:trace contextRef="#ctx0" brushRef="#br0">17035 11362 200 0,'-8'-23'0'0,"-2"-6"0"15,0 4 0-15,2 7 0 16,8 18 0-16,-7 7 0 16,1 21 0-1,1 22 0 1,4 17 0-16,5 18 0 16,1 15 0-16,2 12 0 15,1 5 0 1,-1-2 0-1,3-10 0-15,-3-12 0 16,2-12 0 0,-2-13 0-1,0-15 0-15,-2-11 0 16,-2-21 0-16,-5-28 0 16</inkml:trace>
-  <inkml:trace contextRef="#ctx0" brushRef="#br0" timeOffset="496.55">16834 11226 200 0,'9'-23'0'15,"22"-12"0"-15,25-4 0 16,24 2 0-16,20 5 0 16,17 2 0-1,16 11 0 1,1 8 0-16,-4 11 0 15,-12 8 0-15,-14 8 0 16,-19 7 0 0,-23 8 0-16,-24 8 0 15,-33 8 0 1,-44 7 0 0,-30 11 0-1,-35 11 0 1,-25 8 0-16,-10-2 0 15,10-3 0-15,15-8 0 0,16-7 0 32,20-7 0-32,21-12 0 15,21-15 0 1,36-30 0 0,-2 1 0-16</inkml:trace>
-  <inkml:trace contextRef="#ctx0" brushRef="#br0" timeOffset="962.76">17531 11890 200 0,'0'0'0'16,"22"-3"0"-16,16-6 0 16,13-6 0-1,9-11 0-15,4-6 0 16,3-6 0 0,0-4 0-16,-9-1 0 15,-9 1 0 1,-11 3 0-16,-14 1 0 15,-14 10 0 1,-18 9 0-16,-19 18 0 16,-21 17 0-1,-13 18 0-15,-3 20 0 16,-8 20 0 0,18 11 0-16,22 0 0 15,23-10 0 1,23-15 0-1,20-18 0-15,20-20 0 16,22-16 0-16,16-16 0 16,6-15 0-1,0-7 0-15</inkml:trace>
-  <inkml:trace contextRef="#ctx0" brushRef="#br0" timeOffset="1373.67">18423 11567 200 0,'-6'19'0'0,"4"18"0"16,9 16 0-16,5 7 0 15,4 2 0 1,2-7 0-16,-2-11 0 15,1-13 0 1,-5-9 0-16,-5-10 0 16,-7-12 0-1,1 0 0-15,-7-12 0 16,-9-16 0 0,-5-18 0-16,2-14 0 15,7-9 0 1,9-5 0-16,14 1 0 15,11 6 0-15,13 7 0 16,13 7 0 0,12 12 0-16,8 13 0 15,7 14 0 1,-2 11 0-16</inkml:trace>
-  <inkml:trace contextRef="#ctx0" brushRef="#br0" timeOffset="1943.48">19358 11567 200 0,'0'0'0'0,"-25"-5"0"15,-20 2 0 1,-16 6 0-16,-10 10 0 16,-4 7 0-1,2 6 0 1,5 6 0 0,6 2 0-1,12 1 0-15,19-4 0 0,19-5 0 16,19-7 0-16,25-6 0 15,23-9 0 1,21 0 0-16,14 0 0 31,3 8 0-31,-1 4 0 0,-10 5 0 32,-12 1 0-17,-13 3 0-15,-15-2 0 0,-17-4 0 16,-15 2 0-1,-24 2 0 1,-16 3 0 0,-16 2 0-16,-14-4 0 15,-6-6 0 1,-3-5 0-16,1-8 0 16,9-9 0-1,12-7 0-15,13-6 0 16,21-5 0-1,21-7 0-15,18-4 0 16</inkml:trace>
-  <inkml:trace contextRef="#ctx0" brushRef="#br0" timeOffset="2516.84">19980 12002 200 0,'6'-35'0'16,"-5"-18"0"-16,-8-7 0 15,-13 3 0 1,-13 3 0-16,-9 5 0 15,-9 12 0 1,-2 10 0 0,5 14 0-16,1 11 0 15,6 15 0-15,4 12 0 16,10 18 0 0,10 14 0-16,16 6 0 15,19 1 0 1,13-7 0-16,16-14 0 15,13-13 0 1,11-12 0 0,2-7 0-16,2-8 0 15,-5-7 0-15,-9-6 0 16,-11-4 0 0,-11-9 0-16,-12-8 0 15,-16-12 0 1,-20-8 0-1,-15-4 0-15,-12 2 0 16,-11 7 0-16,0 7 0 16,6 9 0-1,7 7 0-15,0 11 0 16,0 8 0 0,2 11 0-16,5 2 0 15</inkml:trace>
-  <inkml:trace contextRef="#ctx0" brushRef="#br0" timeOffset="3150.79">20350 11737 200 0,'7'25'0'16,"3"20"0"-16,1 6 0 0,-3-1 0 31,-1-10 0-31,-2-9 0 16,-1-10 0-1,-1-7 0-15,-3-14 0 16,0 0 0-16,-3-6 0 15,-5-13 0 1,1-16 0 0,8-15 0-16,13-11 0 15,15-2 0 1,12 12 0-16,5 15 0 16,3 18 0-1,-1 20 0-15,-1 19 0 16,-10 17 0-1,-7 13 0-15,-8 4 0 16,-10-1 0 0,-5-6 0-16,-2-6 0 15,-4-5 0 1,-2-7 0-16,-3-4 0 16,3-5 0-1,1-6 0-15,0-15 0 16</inkml:trace>
-  <inkml:trace contextRef="#ctx0" brushRef="#br0" timeOffset="3669.71">21083 12232 200 0,'0'0'0'0,"0"0"0"15,0 0 0 1,0 0 0-16,-7-12 0 15,-3-5 0-15,3 3 0 16,0 4 0-16,0 4 0 31,7 6 0-31,0 0 0 0,0 0 0 16,-3 6 0 0,4 5 0-16,2-1 0 15,3-3 0 1,1-5 0-16,0-7 0 15</inkml:trace>
-  <inkml:trace contextRef="#ctx0" brushRef="#br0" timeOffset="7850.61">21965 11260 200 0,'-2'-25'0'16,"-1"-11"0"-16,-1-2 0 0,-1-1 0 46,-4 2 0-46,-3-5 0 0,-3-1 0 0,-8-2 0 32,-6 2 0-1,-4 2 0-31,-3 5 0 0,-5 8 0 0,-2 8 0 0,-2 9 0 31,2 15 0-31,0 11 0 16,4 14 0-1,12 17 0-15,1 24 0 16,10 20 0 0,12 17 0-16,14 10 0 15,8 4 0 1,1-5 0 0,2-9 0-16,2-11 0 15,-4-10 0 1,-1-12 0-16,2-13 0 15,-4-13 0 1,-2-14 0-16,-4-11 0 16,-4-8 0-16,-6-15 0 15,0 0 0 1</inkml:trace>
-  <inkml:trace contextRef="#ctx0" brushRef="#br0" timeOffset="8171.85">21385 12053 200 0,'52'-22'0'16,"24"-11"0"-16,3-1 0 15,-3 5 0 1,-5 4 0-16,-9 5 0 15,-7 6 0-15</inkml:trace>
-  <inkml:trace contextRef="#ctx0" brushRef="#br0" timeOffset="8866.77">22083 11780 200 0,'0'0'0'0,"0"0"0"16,0 0 0 0,-11 16 0-16,-5 17 0 15,4 14 0 1,5 16 0-16,9 1 0 15,5-6 0 1,5-11 0-16,7-10 0 16,4-13 0-1,0-11 0-15,2-11 0 16,4-11 0 0,0-11 0-16,-1-12 0 15,-3-11 0 1,-1-6 0-16,-4-4 0 15,-4 3 0 1,-3 8 0-16,-6 10 0 16,-1 13 0-1,-3 6 0-15,-3 13 0 16,0 0 0-16,3 4 0 16,0 13 0-1,1 13 0-15,1 14 0 16,3 5 0-1,3-1 0 1,2-7 0-16,1-9 0 16,3-7 0-16,4-7 0 15,2-6 0 1,-2-9 0-16,0-9 0 16</inkml:trace>
-  <inkml:trace contextRef="#ctx0" brushRef="#br0" timeOffset="9318.89">22537 11039 200 0,'0'0'0'15,"0"0"0"-15,5 25 0 16,8 26 0 0,5 28 0-16,2 24 0 15,1 18 0 1,5 8 0-16,-3-7 0 16,-1-15 0-1,-1-16 0-15,-1-12 0 16,-4-13 0-1,-1-7 0-15,-6-8 0 16,-6-21 0 0</inkml:trace>
-  <inkml:trace contextRef="#ctx0" brushRef="#br0" timeOffset="9727.51">22950 10987 200 0,'8'52'0'0,"6"37"0"16,2 23 0 0,1 15 0-16,1 2 0 15,-1-8 0 1,0-16 0-16,-5-16 0 15,-2-11 0 1,3-8 0-16,-4-15 0 16,-2-1 0-1,-1-6 0-15,-6-12 0 16</inkml:trace>
-  <inkml:trace contextRef="#ctx0" brushRef="#br0" timeOffset="10332.17">23186 11022 200 0,'0'0'0'0,"0"0"0"0,0 0 0 15,0 0 0-15,4 18 0 16,5 28 0-1,5 26 0-15,-4 25 0 16,3 18 0 0,4 8 0-1,2-11 0 1,-2-18 0-16,-1-20 0 16,-3-11 0-16,-3-10 0 15,-5-9 0 1,-3-6 0-1,-3-9 0-15,-6-11 0 16,-4-17 0 0,-4-18 0-16</inkml:trace>
-  <inkml:trace contextRef="#ctx0" brushRef="#br0" timeOffset="10902.2">23177 10979 200 0,'0'0'0'15,"6"14"0"-15,9 17 0 16,8 23 0 0,7 24 0-1,8 20 0-15,6 11 0 16,6 1 0-16,5-12 0 16,2-15 0-1,3-17 0-15,1-11 0 16,0-15 0-1,1-12 0 1,-2-12 0-16,-5-11 0 16,-5-11 0-16,-4-6 0 31,-11-5 0-31,-9-2 0 16,-11-15 0-16,-14-21 0 15,-15-23 0-15,-15-14 0 16,-8-4 0-1,-7 4 0 1,0 10 0-16,0 9 0 16,7 17 0-1,6 12 0-15,8 14 0 16,6 9 0 0,3 7 0-16,5 7 0 15,9 7 0 1</inkml:trace>
-  <inkml:trace contextRef="#ctx0" brushRef="#br0" timeOffset="11567.32">24498 11772 200 0,'4'-17'0'15,"-3"-10"0"-15,-6-14 0 16,-8-3 0-1,-12-7 0-15,-10 2 0 16,-5 8 0 0,-3 11 0-16,2 13 0 15,2 14 0 1,4 23 0-16,5 26 0 16,6 23 0-1,12 16 0-15,12 1 0 16,10-14 0-1,9-17 0 1,6-17 0-16,3-16 0 16,4-17 0-1,2-17 0-15,-2-16 0 32,-2-13 0-32,-2-6 0 15,-2-6 0 1,-2 2 0-16,-7 6 0 0,-1 13 0 31,-2 12 0-31,2 16 0 16,1 16 0-1,7 19 0-15,2 13 0 16,4 3 0 0,1-8 0-16,1-8 0 15,0-10 0 1,3-9 0-16,-3-6 0 15,-3-11 0 1,-7-7 0-16</inkml:trace>
-  <inkml:trace contextRef="#ctx0" brushRef="#br0" timeOffset="12202.41">24750 11558 200 0,'15'40'0'0,"11"18"0"16,-3-2 0-1,-4-9 0-15,-2-10 0 16,-7-13 0-1,-4-9 0-15,-6-15 0 16,0 0 0-16,0 0 0 16,4-3 0-1,-2-19 0-15,1-17 0 16,1-12 0 0,3 0 0-16,4 2 0 15,3 10 0 1,-2 11 0-16,1 8 0 15,-1 7 0 1,2 11 0-16,2 10 0 16,2 14 0-1,-2 5 0 1,-3 2 0-16,-3-1 0 16,-2-4 0-16,0-7 0 15,3-7 0 1,-1-7 0-1,7-14 0-15,3-14 0 16,6-17 0-16,6-5 0 16,1 4 0-1,2 11 0-15,1 13 0 16,-5 16 0 0,-3 19 0-16,-3 18 0 15,0 10 0 1,-3 9 0-16,-4-3 0 15,-1-4 0 1,1-10 0 0,-3-10 0-16</inkml:trace>
-  <inkml:trace contextRef="#ctx0" brushRef="#br0" timeOffset="12680.15">25617 11720 200 0,'25'9'0'16,"11"-2"0"-16,4-6 0 0,5-13 0 15,3-16 0 1,-1-14 0 0,-5-9 0-16,-5-5 0 15,-9-1 0 1,-11 3 0-16,-12 7 0 16,-14 9 0-1,-12 12 0-15,-7 20 0 31,-7 25 0-31,-8 28 0 16,5 31 0-16,1 33 0 16,8 18 0-1,14-11 0-15,24-26 0 16,21-28 0 0,25-21 0-16,19-18 0 15,19-23 0 1,14-20 0-1,4-13 0-15,-8-8 0 16</inkml:trace>
-  <inkml:trace contextRef="#ctx0" brushRef="#br0" timeOffset="70289.5">26592 12027 200 0,'0'0'0'15,"0"0"0"-15,0 0 0 16,0 0 0 47,0 0 0-63,0 0 0 0,-2-13 0 0,-3-7 0 0,-3 1 0 0,0-2 0 15,-4 0 0 32,0-1 0-47,-3 0 0 0,-3-4 0 0,-2-2 0 0,-1-4 0 16,-4-7 0-16,3-6 0 15,3-7 0 1,5-13 0-16,9-15 0 16,13-21 0-1,19-14 0-15,8-9 0 16,6-6 0-1</inkml:trace>
-  <inkml:trace contextRef="#ctx0" brushRef="#br0" timeOffset="70891.09">27122 11975 200 0,'0'0'0'0,"0"0"0"15,2-16 0 1,1-14 0-16,6-6 0 16,2-3 0-1,6-7 0-15,3-12 0 16,-1-14 0-1,3-9 0-15,-2-7 0 16,-11-5 0 0,-9 1 0-1,-12 6 0-15,-11 4 0 16,-12 6 0 0,-13 13 0-1,-12 11 0-15</inkml:trace>
-  <inkml:trace contextRef="#ctx0" brushRef="#br0" timeOffset="133408.59">13847 17200 200 0,'-47'0'0'0,"-18"2"0"0,-1 3 0 16,4-1 0-16,1-1 0 15,2 0 0 1,0-3 0 0,0-2 0-16,-2 1 0 15,-3-4 0 1,1-2 0 0,-2-2 0-1,0-1 0-15,0-1 0 16,-5 3 0-16,1 0 0 15,0 2 0 1,1 2 0-16,-1 2 0 16,2 1 0-1,-3 3 0 1,3 0 0-16,2 1 0 16,2 1 0-16,4-3 0 15,6 3 0 1,7 1 0-16,-3 1 0 15</inkml:trace>
-  <inkml:trace contextRef="#ctx0" brushRef="#br0" timeOffset="134759.54">5971 17046 200 0,'-18'0'0'32,"-6"0"0"-32,-2 0 0 0,0 2 0 31,-2 1 0-31,1 1 0 15,-2 2 0 1,-1 1 0-16,-4 1 0 16,-2 1 0-16,-2 1 0 15,-7 0 0 1,-1 0 0-16,-5-3 0 16,-2-1 0-1,-3-1 0-15,-1-2 0 16,-3-3 0-1,-2-2 0-15,0 0 0 16,-5-1 0 0,1 0 0-16,-3 0 0 15,-3-4 0 1,-2 2 0-16,0 0 0 16,1-1 0-1,4-1 0-15,-1 1 0 16,4-1 0-1,3-1 0-15,3 1 0 16,4-2 0 0,3 3 0-16,6 2 0 15,3 1 0 1,3 3 0-16,8 3 0 16,0 2 0-16,3 7 0 15</inkml:trace>
-</inkml:ink>
-</file>
-
-<file path=ppt/ink/ink24.xml><?xml version="1.0" encoding="utf-8"?>
-<inkml:ink xmlns:inkml="http://www.w3.org/2003/InkML">
-  <inkml:definitions>
-    <inkml:context xml:id="ctx0">
-      <inkml:inkSource xml:id="inkSrc0">
-        <inkml:traceFormat>
-          <inkml:channel name="X" type="integer" max="32767" units="cm"/>
-          <inkml:channel name="Y" type="integer" max="32767" units="cm"/>
-          <inkml:channel name="F" type="integer" max="1024" units="dev"/>
-          <inkml:channel name="T" type="integer" max="2.14748E9" units="dev"/>
-        </inkml:traceFormat>
-        <inkml:channelProperties>
-          <inkml:channelProperty channel="X" name="resolution" value="325.74808" units="1/cm"/>
-          <inkml:channelProperty channel="Y" name="resolution" value="571.84991" units="1/cm"/>
-          <inkml:channelProperty channel="F" name="resolution" value="4.0315E-5" units="1/dev"/>
-          <inkml:channelProperty channel="T" name="resolution" value="1" units="1/dev"/>
-        </inkml:channelProperties>
-      </inkml:inkSource>
-      <inkml:timestamp xml:id="ts0" timeString="2023-08-10T15:34:22.205"/>
-    </inkml:context>
-    <inkml:brush xml:id="br0">
-      <inkml:brushProperty name="width" value="0.05292" units="cm"/>
-      <inkml:brushProperty name="height" value="0.05292" units="cm"/>
-      <inkml:brushProperty name="color" value="#FF0000"/>
-    </inkml:brush>
-  </inkml:definitions>
-  <inkml:trace contextRef="#ctx0" brushRef="#br0">14739 18647 200 0,'0'0'0'0,"0"0"0"0,0 0 0 16,0 0 0 0,0 0 0-16,0 0 0 15,0 0 0 1,6 12 0-16,12 4 0 15,19-2 0 1,16-5 0-16,18-7 0 16,15-3 0-1,18-3 0-15,14 0 0 16,17-1 0 0,23 1 0-16,23 3 0 15,34 2 0-15,37 8 0 16,26 11 0-1</inkml:trace>
-  <inkml:trace contextRef="#ctx0" brushRef="#br0" timeOffset="2500.73">31371 18640 200 0,'0'0'0'15,"0"0"0"-15,0 0 0 16,0 0 0-1,0 0 0 1,0 0 0-16,0 0 0 16,0 0 0-16,19 0 0 15,13 0 0-15,10-1 0 32,5-5 0-32,7-4 0 15,12 0 0 1,16 1 0-16,20 3 0 15,19 3 0 1,26 3 0-16,29 6 0 16,26-6 0-1,17-7 0-15,2-10 0 16,-10 2 0 0,-19 1 0-16,-31 6 0 15,-31 0 0-15,-29-10 0 16</inkml:trace>
-</inkml:ink>
-</file>
-
-<file path=ppt/ink/ink25.xml><?xml version="1.0" encoding="utf-8"?>
-<inkml:ink xmlns:inkml="http://www.w3.org/2003/InkML">
-  <inkml:definitions>
-    <inkml:context xml:id="ctx0">
-      <inkml:inkSource xml:id="inkSrc0">
-        <inkml:traceFormat>
-          <inkml:channel name="X" type="integer" max="32767" units="cm"/>
-          <inkml:channel name="Y" type="integer" max="32767" units="cm"/>
-          <inkml:channel name="F" type="integer" max="1024" units="dev"/>
-          <inkml:channel name="T" type="integer" max="2.14748E9" units="dev"/>
-        </inkml:traceFormat>
-        <inkml:channelProperties>
-          <inkml:channelProperty channel="X" name="resolution" value="325.74808" units="1/cm"/>
-          <inkml:channelProperty channel="Y" name="resolution" value="571.84991" units="1/cm"/>
-          <inkml:channelProperty channel="F" name="resolution" value="4.0315E-5" units="1/dev"/>
-          <inkml:channelProperty channel="T" name="resolution" value="1" units="1/dev"/>
-        </inkml:channelProperties>
-      </inkml:inkSource>
-      <inkml:timestamp xml:id="ts0" timeString="2023-08-10T15:36:47.572"/>
-    </inkml:context>
-    <inkml:brush xml:id="br0">
-      <inkml:brushProperty name="width" value="0.05292" units="cm"/>
-      <inkml:brushProperty name="height" value="0.05292" units="cm"/>
-      <inkml:brushProperty name="color" value="#FF0000"/>
-    </inkml:brush>
-  </inkml:definitions>
-  <inkml:trace contextRef="#ctx0" brushRef="#br0">4466 14021 200 0,'-10'-78'0'16,"-10"-30"0"0,-9 4 0-16,-9 16 0 15,-11 19 0-15,-10 17 0 16,-10 19 0-1,-13 13 0 1,-12 16 0-16,-9 23 0 16,0 24 0-16,3 20 0 15,13 24 0 1,17 32 0-16,22 15 0 16,18 5 0-1,23-11 0-15,22-19 0 16,23-16 0-1,23-19 0-15,25-22 0 16,21-25 0 0,13-23 0-16,3-18 0 15,-2-12 0 1,-8-13 0-16,-9-10 0 16,-8-5 0-1,-16-11 0-15,-16-7 0 16,-17-5 0-1,-25-6 0-15,-20-5 0 16,-22-1 0 0,-13 5 0-16,-10 9 0 15,-1 11 0 1,0 17 0-16,2 17 0 16,3 17 0-1,10 9 0-15,9 4 0 31</inkml:trace>
-  <inkml:trace contextRef="#ctx0" brushRef="#br0" timeOffset="675.95">4785 13578 200 0,'5'54'0'15,"8"41"0"-15,7 30 0 0,-1 9 0 31,0-11 0-31,-5-23 0 0,-1-27 0 16,-4-22 0 0,-2-17 0-1,-1-13 0 1,-6-21 0 0,1 0 0-16,1-20 0 15,1-22 0 1,2-21 0-16,3-20 0 15,8-8 0 1,9-1 0-16,12 10 0 16,8 17 0-1,7 14 0-15,4 17 0 16,2 18 0 0,3 24 0-16,-6 30 0 15,-4 28 0 1,-11 20 0-16,-4 10 0 15,-7-12 0 1,-4-14 0-16,-2-12 0 16,6-18 0-1,6-26 0-15</inkml:trace>
-  <inkml:trace contextRef="#ctx0" brushRef="#br0" timeOffset="1101.83">6392 13774 200 0,'-14'-13'0'0,"-17"-5"0"15,-20 4 0-15,-17 12 0 16,-21 18 0 0,-6 18 0-16,0 18 0 15,8 20 0 1,16 20 0-16,22 16 0 16,26 9 0-1,29-9 0-15,27-19 0 16,26-24 0-1,27-27 0-15,24-24 0 16,20-27 0 0,20-19 0-16,11-13 0 15,-5-9 0 1,-19-4 0 0,-21-5 0-16,-20-6 0 15,-24-7 0-15</inkml:trace>
-  <inkml:trace contextRef="#ctx0" brushRef="#br0" timeOffset="1386.28">6964 13314 200 0,'0'0'0'0,"1"26"0"16,4 31 0-16,-1 30 0 16,1 37 0-1,-4 27 0-15,3 6 0 16,0-18 0 0,0-26 0-1,4-25 0-15,2-21 0 16,1-20 0-1,-1-25 0-15</inkml:trace>
-  <inkml:trace contextRef="#ctx0" brushRef="#br0" timeOffset="1590.61">7283 13936 200 0,'7'53'0'0,"4"37"0"16,-4 10 0-1,0-18 0 1,2-22 0 0,1-29 0-16,3-35 0 15</inkml:trace>
-  <inkml:trace contextRef="#ctx0" brushRef="#br0" timeOffset="1767.46">7570 13663 200 0,'0'0'0'0,"0"0"0"16,0 0 0-16,3 16 0 15,4 12 0-15</inkml:trace>
-  <inkml:trace contextRef="#ctx0" brushRef="#br0" timeOffset="2176.4">8260 13986 200 0,'0'-25'0'0,"-14"-18"0"32,-17 1 0-32,-22 5 0 0,-13 15 0 15,-10 18 0 1,-2 18 0-1,8 21 0 1,11 21 0 0,16 21 0-16,19 12 0 15,21 2 0 1,25-9 0-16,25-16 0 16,16-19 0-1,22-18 0-15,16-14 0 16,9-16 0-1,-2-12 0-15,-10-9 0 16,-12-10 0 0,-14-14 0-16,-12-16 0 15</inkml:trace>
-  <inkml:trace contextRef="#ctx0" brushRef="#br0" timeOffset="2879.11">8638 13347 200 0,'0'0'0'0,"16"19"0"15,9 29 0 1,2 28 0-16,3 34 0 15,-9 23 0 1,-4 6 0-16,-1-11 0 16,3-23 0-1,1-26 0-15,-1-23 0 16,-2-20 0 0,-7-15 0-16,-4-10 0 15,-6-11 0 1,-3-12 0-16,-9-21 0 15,-7-15 0 1,-2-12 0-16,2-5 0 16,7 0 0-1,5 1 0-15,18 7 0 16,14 3 0 0,16 5 0-16,13 7 0 15,10 8 0-15,0 7 0 16,-1 13 0-1,-6 11 0-15,-15 15 0 16,-15 12 0 0,-18 17 0-16,-16 8 0 15,-16 8 0 1,-13 4 0-16,-9 7 0 16,-5 1 0-1,3-1 0-15,9-9 0 31,14-11 0-31,16-10 0 16,25-8 0 0,23-9 0-16,27-5 0 15,23-8 0 1,21-2 0-16,13 0 0 16,1 5 0-16,-13 0 0 15,-21 5 0 1,-18 1 0-16</inkml:trace>
-  <inkml:trace contextRef="#ctx0" brushRef="#br0" timeOffset="4084.17">4483 15580 200 0,'-1'-32'0'0,"-8"-16"0"16,-3-7 0 0,-9-2 0-16,-12 6 0 15,-18 6 0 1,-6 7 0-16,-11 11 0 16,-11 12 0-1,-7 18 0 1,-6 15 0-1,2 19 0-15,3 23 0 16,9 25 0 0,11 27 0-16,16 27 0 15,20 7 0-15,23-13 0 16,18-23 0-16,21-25 0 16,20-20 0-1,15-19 0 1,15-19 0-16,9-17 0 15,1-14 0-15,-1-11 0 16,-6-11 0 0,-11-6 0-16,-9-9 0 15,-9-9 0 1,-15-12 0 0,-10-12 0-1,-8-12 0-15,-10-7 0 16,-7 0 0-16,-4 9 0 31,-5 11 0-31,-5 12 0 16,-6 14 0-16,-7 12 0 15,-7 11 0 1,-3 8 0-16</inkml:trace>
-  <inkml:trace contextRef="#ctx0" brushRef="#br0" timeOffset="4748.05">4525 15479 200 0,'0'0'0'16,"0"0"0"-16,1 21 0 15,1 22 0 1,9 18 0-16,-1 13 0 16,0 1 0-1,0-12 0 1,-5-13 0-16,-4-12 0 16,-4-10 0-1,2-9 0-15,1-19 0 16,-9 3 0-16,-4-20 0 15,-1-23 0 1,9-21 0 0,9-15 0-16,11 0 0 15,10 6 0-15,8 9 0 16,6 12 0 0,5 14 0-16,5 15 0 15,2 16 0 1,1 20 0-16,2 21 0 15,-2 28 0 1,-4 21 0-16,-4 11 0 16,-9 0 0-1,-12-12 0-15,-10-17 0 16,-4-19 0 0,-3-14 0-16,0-15 0 15,-8-19 0-15</inkml:trace>
-  <inkml:trace contextRef="#ctx0" brushRef="#br0" timeOffset="5553.79">5357 15529 200 0,'4'25'0'0,"4"25"0"15,3 18 0-15,-3 3 0 32,-2-5 0-32,-1-16 0 15,-5-12 0-15,0-12 0 16,0-11 0 0,0-15 0-16,0 0 0 15,0 0 0-15,-6-2 0 16,-1-21 0-1,5-22 0 1,2-18 0-16,8-8 0 16,8 4 0-16,4 9 0 31,1 11 0-31,3 15 0 0,1 12 0 31,1 17 0-31,2 19 0 16,-1 20 0-1,-2 18 0-15,-6 6 0 16,-7-8 0 0,-4-16 0-16,-1-12 0 15,-3-12 0 1,-4-12 0-16,0 0 0 16,0-5 0-1,3-23 0-15,7-16 0 16,11-7 0-1,7 0 0-15,8 2 0 16,7 12 0 0,6 10 0-16,0 16 0 15,2 17 0 1,-2 17 0-16,-5 20 0 16,-7 16 0-1,-7 9 0-15,-9-3 0 16,-7-7 0-1,-6-10 0-15,-4-13 0 16,-1-8 0 0,-3-27 0-16,3 1 0 15</inkml:trace>
-  <inkml:trace contextRef="#ctx0" brushRef="#br0" timeOffset="6074.73">6619 15768 200 0,'0'0'0'15,"0"0"0"-15,0 0 0 16,0 0 0-16,-4-19 0 15,-4-16 0 1,-10-8 0-16,-7-5 0 16,-5 0 0-1,-7 5 0-15,-7 11 0 16,-4 11 0 0,-7 14 0-16,1 23 0 15,6 21 0 1,10 25 0-16,13 16 0 15,16 2 0 1,17-9 0-16,19-16 0 16,20-18 0-1,13-18 0-15,8-18 0 16,6-12 0 0,-5-9 0-1,-8-7 0-15,-6-9 0 16,-11-9 0-1,-11-11 0-15,-13-6 0 16,-12 1 0-16,-9 8 0 16,-7 12 0-1,-3 15 0-15,-3 11 0 16</inkml:trace>
-  <inkml:trace contextRef="#ctx0" brushRef="#br0" timeOffset="6599.83">6897 15427 200 0,'0'0'0'0,"1"18"0"16,-1 23 0-16,-3 17 0 15,0 12 0 1,3-2 0 0,4-12 0-16,3-13 0 15,2-14 0 1,3-12 0-16,2-11 0 15,3-12 0 1,6-15 0-16,3-15 0 16,2-13 0-1,-2-9 0-15,-5 4 0 16,-7 11 0 0,-4 13 0-16,-5 12 0 15,-5 18 0-15,4 7 0 16,3 23 0-1,-4 24 0-15,1 6 0 16,7-3 0 0,9-13 0-16,10-13 0 15,9-15 0 1,11-16 0-16,8-17 0 16,0-22 0-1,-1-24 0-15</inkml:trace>
-  <inkml:trace contextRef="#ctx0" brushRef="#br0" timeOffset="7133.51">7781 15436 200 0,'-27'0'0'16,"-19"2"0"-16,-6 7 0 16,-6 6 0-1,0 2 0-15,2 1 0 16,8 1 0-16,13-3 0 16,13-5 0-1,8-3 0 1,14-2 0-16,16-6 0 0,16-6 0 15,19-2 0 1,16 1 0 0,13 4 0-1,6 10 0-15,5 6 0 16,-3 9 0-16,-13 3 0 16,-16 3 0-1,-18 2 0 1,-19 2 0-16,-21-2 0 15,-21 2 0-15,-18 4 0 16,-18-1 0-16,-10-4 0 16,-3-5 0-1,6-10 0-15,9-10 0 16,12-13 0 0,19-18 0-1,23-14 0 1,24-8 0-16,20-4 0 0</inkml:trace>
-  <inkml:trace contextRef="#ctx0" brushRef="#br0" timeOffset="7570.58">8226 15605 200 0,'3'17'0'16,"-2"5"0"-16,-1 1 0 15,-2-4 0 1,0-4 0-16,3-3 0 16,5-4 0-1,10-3 0-15,7-8 0 16,7-6 0-16,6-10 0 16,3-9 0-1,-1-4 0-15,-2-3 0 16,-8-4 0-1,-9 1 0-15,-13 4 0 16,-10 3 0 0,-12 7 0-16,-7 8 0 15,-9 13 0 1,-1 15 0-16,0 18 0 16,3 18 0-1,6 19 0-15,14 4 0 16,18-3 0-1,19-9 0-15,18-16 0 16,20-15 0 0,19-13 0-16,16-15 0 15,8-13 0 1</inkml:trace>
-  <inkml:trace contextRef="#ctx0" brushRef="#br0" timeOffset="8113.04">9463 15623 200 0,'-41'-41'0'0,"-22"-14"0"15,-15 8 0-15,-8 15 0 0,-1 17 0 16,2 18 0 0,10 19 0-16,9 18 0 15,15 20 0 1,20 9 0-1,19-1 0-15,22-6 0 16,19-6 0 0,21-11 0-1,23-15 0-15,15-16 0 0,12-11 0 32,-1-14 0-32,-11-9 0 15,-14-10 0-15,-17-12 0 16,-18-5 0-1,-16-6 0-15,-18-2 0 16,-15-1 0 0,-18 5 0-1,-9 4 0-15,-7 8 0 0,-5 8 0 16,1 6 0 15,7 6 0-31,10 1 0 16</inkml:trace>
-  <inkml:trace contextRef="#ctx0" brushRef="#br0" timeOffset="8611.84">9657 15479 200 0,'0'0'0'16,"0"0"0"-16,0 0 0 15,4 14 0 1,9 20 0-16,4 15 0 15,-2 10 0 1,4-2 0-16,0-6 0 16,4-14 0-1,2-10 0-15,2-11 0 16,1-8 0-16,1-11 0 16,2-16 0-1,4-16 0-15,2-16 0 16,1-13 0-1,-2-7 0-15,0-2 0 16,-6 9 0 0,-8 14 0-16,-7 14 0 15,-6 12 0 1,-6 11 0-16,-3 13 0 16,-5 3 0-1,-5 13 0-15</inkml:trace>
-  <inkml:trace contextRef="#ctx0" brushRef="#br0" timeOffset="9047.15">10153 15751 200 0,'38'-13'0'0,"22"-10"0"15,4-10 0-15,-4-2 0 16,-9-1 0 0,-12 0 0-1,-7-2 0-15,-13 3 0 16,-8 4 0-16,-13 5 0 16,-11 7 0-1,-10 9 0 1,-9 13 0-16,-2 16 0 15,1 20 0 1,5 17 0-16,1 11 0 16,11-1 0-1,8-7 0-15,11-11 0 16,12-10 0 0,15-10 0-16,14-10 0 0,13-12 0 31,6-13 0-31,1-9 0 15,1-9 0-15,-3-9 0 16,-4-10 0-16,-6-7 0 16</inkml:trace>
-  <inkml:trace contextRef="#ctx0" brushRef="#br0" timeOffset="9410.36">10986 15580 200 0,'6'36'0'0,"4"16"0"16,4 0 0-1,-2-6 0 1,-2-10 0 0,-1-8 0-16,-4-9 0 15,-2-8 0 1,-3-11 0-16,0 0 0 15,0-5 0 1,1-16 0-16,0-16 0 16,0-17 0-1,3-11 0-15,4-8 0 16,8 1 0 0,13 0 0-16,19 4 0 15,26 11 0 1,23 11 0-16,24 17 0 15,15 16 0 1,7 19 0 0,-7 12 0-16,-11 4 0 15</inkml:trace>
-  <inkml:trace contextRef="#ctx0" brushRef="#br0" timeOffset="11533.7">14519 14072 200 0,'0'0'0'15,"0"0"0"-15,0 0 0 16,0 0 0 31,0 0 0-47,10-10 0 0,2-5 0 0,2-5 0 0,-5-2 0 16,-4-4 0-16,-2-2 0 46,-1 3 0-30,-4-1 0-16,-6-3 0 0,-7-2 0 0,-10 2 0 0,-13 2 0 16,-13 4 0-1,-13 10 0-15,-11 12 0 16,-5 12 0 0,-5 19 0-16,1 19 0 15,12 25 0 1,10 26 0-16,16 18 0 15,21 6 0 1,23-13 0-16,24-23 0 16,23-24 0-1,16-22 0-15,16-23 0 16,14-20 0 0,12-18 0-16,9-14 0 15,-5-6 0 1,-8-9 0-1,-19-4 0-15,-15-8 0 16,-17-7 0 0,-17-9 0-16,-20-2 0 15,-20 1 0 1,-21 7 0-16,-16 13 0 16,-12 12 0-16,-11 16 0 15,-3 12 0 1,3 13 0-1,6 7 0-15,9 3 0 16,14-3 0 0</inkml:trace>
-  <inkml:trace contextRef="#ctx0" brushRef="#br0" timeOffset="12277.13">14957 13944 200 0,'1'24'0'0,"0"16"0"16,5 9 0-1,1 6 0-15,1-1 0 16,1-5 0 0,-3-9 0-16,0-11 0 15,-1-10 0-15,-2-7 0 16,-3-12 0-1,0 0 0-15,0 0 0 16,0-2 0-16,-1-14 0 16,0-12 0-16,4-11 0 15,5-13 0 1,7-10 0-16,11-7 0 16,16 0 0-1,13 3 0-15,9 9 0 16,6 16 0-1,5 16 0-15,-2 17 0 16,2 23 0 0,-8 22 0-16,-7 21 0 15,-13 17 0-15,-11 6 0 16,-10-9 0 0,-11-9 0-16,-9-7 0 15,-3-8 0 1,1-10 0-16,1-15 0 15,2-23 0 1</inkml:trace>
-  <inkml:trace contextRef="#ctx0" brushRef="#br0" timeOffset="12793.25">16472 14004 200 0,'15'-28'0'0,"4"-14"0"0,-8-2 0 16,-16 2 0 0,-16 3 0-1,-16 10 0 1,-12 15 0 0,-14 17 0-16,-8 15 0 15,0 22 0 1,4 24 0-16,4 25 0 15,9 17 0 1,21 2 0-16,22-14 0 16,24-15 0-1,21-20 0-15,20-18 0 16,17-15 0 0,21-17 0-16,14-12 0 15,5-16 0 1,1-11 0-16,-10-12 0 15,-9-10 0 1,-14-11 0-16,-19-10 0 16</inkml:trace>
-  <inkml:trace contextRef="#ctx0" brushRef="#br0" timeOffset="13339.74">16783 13425 200 0,'4'21'0'0,"2"24"0"16,4 24 0-1,-3 25 0 1,-2 12 0-16,1 5 0 16,-2-10 0-16,0-18 0 15,4-20 0 1,-1-17 0 0,0-12 0-16,-2-13 0 15,2-8 0-15,-7-13 0 16,6 3 0-16,2-20 0 15,10-25 0 1,4-18 0-16,5-10 0 16,2 1 0-1,6 7 0-15,2 11 0 16,3 10 0 0,5 16 0-16,1 18 0 15,-2 20 0 1,-8 21 0-16,-8 25 0 15,-8 19 0 1,-6 5 0-16,-1-8 0 16,-1-11 0-1,6-18 0-15,7-15 0 16,8-21 0 0,4-17 0-16</inkml:trace>
-  <inkml:trace contextRef="#ctx0" brushRef="#br0" timeOffset="13878.13">17876 14029 200 0,'19'4'0'0,"7"-3"0"15,-6-6 0-15,-10-10 0 31,-11-10 0-31,-15-7 0 0,-12-3 0 16,-13 4 0 0,-7 10 0-16,-3 10 0 31,0 17 0-31,2 18 0 0,-1 20 0 16,9 14 0-1,10 3 0 1,13-6 0-16,14-12 0 0,12-9 0 15,15-11 0 1,9-12 0 0,10-14 0-1,6-12 0-15,-1-5 0 16,-2-6 0-16,-4-7 0 16,-6-2 0-1,-8 6 0-15,-8 8 0 16,-6 10 0-1,-2 11 0 1,0 14 0 0,2 9 0-16,8 8 0 15,8-1 0 1,10-6 0-16,11-6 0 16,13-11 0-1,0-14 0-15,-2-14 0 16</inkml:trace>
-  <inkml:trace contextRef="#ctx0" brushRef="#br0" timeOffset="14370.14">18196 13927 200 0,'0'0'0'0,"7"19"0"16,3 8 0 0,-1 1 0-16,0-4 0 15,-1-5 0-15,-2-6 0 16,-6-13 0-1,0 0 0-15,0 0 0 16,0 0 0 0,0 0 0-16,6-9 0 15,1-20 0-15,3-15 0 16,7-9 0 0,8 2 0-16,8 0 0 15,11 6 0 1,9 7 0-16,4 12 0 15,0 13 0 1,1 16 0-16,-6 19 0 16,-12 14 0-1,-12 10 0 1,-8 7 0-16,-10-2 0 16,-2-5 0-1,2-4 0-15,7-10 0 16,8-18 0-16</inkml:trace>
-  <inkml:trace contextRef="#ctx0" brushRef="#br0" timeOffset="15021.95">19408 13927 200 0,'6'-18'0'0,"1"-14"0"0,-12-5 0 16,-13-1 0-1,-16 2 0 1,-16 8 0 0,-12 13 0-16,-9 15 0 15,-3 22 0 1,6 17 0-16,7 11 0 15,18 2 0 1,17-6 0-16,21-6 0 16,18-10 0-16,15-11 0 31,18-8 0-31,9-9 0 16,5-7 0-16,3-8 0 0,-1-6 0 15,-6-2 0 16,-7-3 0-31,-9-1 0 16,-10 5 0-16,-11 4 0 0,-9 8 0 16,-2 8 0-1,-5 15 0-15,-3 17 0 32,1 21 0-17,-2 19 0-15,1 8 0 16,3 2 0-1,5-6 0-15,4-9 0 16,1-10 0 0,-2-4 0-16,-2-5 0 15,-9-7 0 1,-8-6 0-16,-11-9 0 16,-17-8 0-1,-13-9 0-15,-10-9 0 16,-6-13 0-1,-5-16 0-15,3-17 0 16,10-18 0 0</inkml:trace>
-  <inkml:trace contextRef="#ctx0" brushRef="#br0" timeOffset="15580.8">19888 14115 200 0,'0'0'0'0,"0"0"0"16,16 2 0 0,15-1 0-16,11-8 0 15,10-7 0 1,11-7 0-16,4-5 0 16,1-9 0-1,-3-5 0-15,-7-5 0 16,-11 1 0-16,-18-1 0 15,-20 6 0-15,-19 8 0 16,-22 8 0 0,-20 14 0-1,-15 16 0-15,-11 19 0 16,-10 25 0 0,2 22 0-16,4 21 0 15,15 10 0 1,28-2 0-1,31-11 0-15,34-9 0 16,37-11 0 0,35-8 0-1,31-7 0-15,23-8 0 16,8-8 0 0</inkml:trace>
-</inkml:ink>
-</file>
-
-<file path=ppt/ink/ink26.xml><?xml version="1.0" encoding="utf-8"?>
-<inkml:ink xmlns:inkml="http://www.w3.org/2003/InkML">
-  <inkml:definitions>
-    <inkml:context xml:id="ctx0">
-      <inkml:inkSource xml:id="inkSrc0">
-        <inkml:traceFormat>
-          <inkml:channel name="X" type="integer" max="32767" units="cm"/>
-          <inkml:channel name="Y" type="integer" max="32767" units="cm"/>
-          <inkml:channel name="F" type="integer" max="1024" units="dev"/>
-          <inkml:channel name="T" type="integer" max="2.14748E9" units="dev"/>
-        </inkml:traceFormat>
-        <inkml:channelProperties>
-          <inkml:channelProperty channel="X" name="resolution" value="325.74808" units="1/cm"/>
-          <inkml:channelProperty channel="Y" name="resolution" value="571.84991" units="1/cm"/>
-          <inkml:channelProperty channel="F" name="resolution" value="4.0315E-5" units="1/dev"/>
-          <inkml:channelProperty channel="T" name="resolution" value="1" units="1/dev"/>
-        </inkml:channelProperties>
-      </inkml:inkSource>
-      <inkml:timestamp xml:id="ts0" timeString="2023-08-10T15:38:22.643"/>
-    </inkml:context>
-    <inkml:brush xml:id="br0">
-      <inkml:brushProperty name="width" value="0.05292" units="cm"/>
-      <inkml:brushProperty name="height" value="0.05292" units="cm"/>
-      <inkml:brushProperty name="color" value="#FF0000"/>
-    </inkml:brush>
-  </inkml:definitions>
-  <inkml:trace contextRef="#ctx0" brushRef="#br0">3262 17805 200 0,'24'-13'0'0,"10"-6"0"15,2 0 0 1,-5-1 0-16,-1 1 0 16,-3 2 0-1,-1 2 0-15,1 1 0 16,1-1 0-16,0-2 0 15,5 0 0 1,4-1 0-16,2 0 0 16,3-1 0-1,4 2 0-15,3 0 0 16,4 3 0 0,7 1 0-16,5-3 0 15,0 2 0 1,6 3 0-16,0 0 0 15,1 1 0-15,7 3 0 16,0 1 0 0,4 3 0-16,-1 2 0 15,4 2 0 1,0 2 0-16,5 4 0 16,0 1 0-16,-1 4 0 15,-4 1 0 1,-1 6 0-16,1 3 0 15,-5 2 0 1,2 1 0 0,-7 4 0-16,-1 3 0 15,-3-1 0 1,0 2 0 0,-3 2 0-16,-4 0 0 15,-4 0 0-15,-3 2 0 16,-3 1 0-1,-5 4 0-15,-8 3 0 16,-8 2 0 0,-7 3 0-16,-7-1 0 15,-10 5 0 1,-7 5 0-16,-8 4 0 16,-10 2 0-1,-6 1 0-15,-5-1 0 16,-7 0 0-16,-6 0 0 15,-5-4 0 1,-6-5 0-16,-6-5 0 31,-6-1 0-31,-4-6 0 16,-4-4 0 0,-6-7 0-16,-1-6 0 0,-6-4 0 31,-6-8 0-31,-5-6 0 15,-3-4 0-15,-3-5 0 16,-2-3 0 0,-4-2 0-1,-2-3 0-15,-3-4 0 16,-8-1 0 0,-6-3 0-16,1-1 0 15,1 0 0 1,8-3 0-16,2-3 0 15,5-2 0 1,7-1 0-16,2-4 0 16,8-4 0-1,4-2 0-15,7-6 0 16,9-3 0 0,12-3 0-16,11-5 0 15,10-3 0-15,11-4 0 16,8 1 0-1,13-5 0-15,9-4 0 16,12-3 0 0,11-4 0-16,9-1 0 15,7-1 0 1,8 5 0-16,8-1 0 16,7 3 0-1,3 5 0-15,9 1 0 16,3 4 0-1,4 3 0 1,9 6 0-16,3 6 0 16,1 10 0-1,0 8 0-15,-2 2 0 16,-5 3 0-16</inkml:trace>
-</inkml:ink>
-</file>
-
-<file path=ppt/ink/ink3.xml><?xml version="1.0" encoding="utf-8"?>
-<inkml:ink xmlns:inkml="http://www.w3.org/2003/InkML">
-  <inkml:definitions>
-    <inkml:context xml:id="ctx0">
-      <inkml:inkSource xml:id="inkSrc0">
-        <inkml:traceFormat>
-          <inkml:channel name="X" type="integer" max="32767" units="cm"/>
-          <inkml:channel name="Y" type="integer" max="32767" units="cm"/>
-          <inkml:channel name="F" type="integer" max="1024" units="dev"/>
-          <inkml:channel name="T" type="integer" max="2.14748E9" units="dev"/>
-        </inkml:traceFormat>
-        <inkml:channelProperties>
-          <inkml:channelProperty channel="X" name="resolution" value="325.74808" units="1/cm"/>
-          <inkml:channelProperty channel="Y" name="resolution" value="571.84991" units="1/cm"/>
-          <inkml:channelProperty channel="F" name="resolution" value="4.0315E-5" units="1/dev"/>
-          <inkml:channelProperty channel="T" name="resolution" value="1" units="1/dev"/>
-        </inkml:channelProperties>
-      </inkml:inkSource>
-      <inkml:timestamp xml:id="ts0" timeString="2023-08-10T13:25:35.636"/>
-    </inkml:context>
-    <inkml:brush xml:id="br0">
-      <inkml:brushProperty name="width" value="0.05292" units="cm"/>
-      <inkml:brushProperty name="height" value="0.05292" units="cm"/>
-      <inkml:brushProperty name="color" value="#FF0000"/>
-    </inkml:brush>
-  </inkml:definitions>
-  <inkml:trace contextRef="#ctx0" brushRef="#br0">1983 8942 200 0,'0'0'0'0,"0"0"0"15,0 0 0-15,0 0 0 16,1 19 0-1,3 12 0-15,2 15 0 16,1 15 0 0,3 14 0-16,1 8 0 15,-4 9 0 1,1 5 0-16,1 1 0 16,5 0 0-1</inkml:trace>
-  <inkml:trace contextRef="#ctx0" brushRef="#br0" timeOffset="4007.92">2564 10204 200 0,'0'0'0'0,"0"0"0"15,12-8 0 1,13-6 0-16,11-2 0 16,12 0 0-1,12-1 0-15,17-2 0 16,6-6 0-16,14-2 0 15,6-1 0 1,-2-3 0-16,3-1 0 16,-2 3 0-1,-5 4 0-15,-5 2 0 16,-9 6 0 0,-14 3 0-1,-8 1 0-15</inkml:trace>
-  <inkml:trace contextRef="#ctx0" brushRef="#br0" timeOffset="4843.45">3222 10050 200 0,'0'0'0'0,"0"0"0"16,3 17 0-16,4 13 0 16,2 16 0-1,-2 14 0-15,-2 12 0 16,-4 10 0 0,-4 4 0-16,-2 0 0 15,2 0 0 1,0-7 0-16,0-6 0 15,0-7 0 1,3-9 0-16,0-6 0 16,-2-7 0-1,-3-11 0-15</inkml:trace>
-  <inkml:trace contextRef="#ctx0" brushRef="#br0" timeOffset="5223.39">2792 11234 200 0,'35'9'0'0,"28"3"0"16,17-4 0 0,12-4 0-16,9-4 0 15,2 0 0 1,4 1 0-1,2 2 0-15,1 3 0 16,-6 3 0-16,-4 2 0 16,-7 1 0-1,-15-2 0-15,-14-1 0 16</inkml:trace>
-  <inkml:trace contextRef="#ctx0" brushRef="#br0" timeOffset="5840.91">4230 10153 200 0,'-9'-14'0'0,"0"-3"0"16,2 4 0-16,7 13 0 15,-9 12 0-15,2 21 0 16,2 28 0 0,-5 28 0-16,1 18 0 15,2 13 0 1,6-3 0-1,0-10 0-15,0-10 0 16,1-12 0 0,-3-7 0-16,-3-6 0 15,-7-5 0 1</inkml:trace>
-  <inkml:trace contextRef="#ctx0" brushRef="#br0" timeOffset="6159.78">3817 10911 200 0,'14'0'0'0,"17"0"0"0,21-1 0 16,14-4 0 0,15-3 0-16,12-2 0 15,6 1 0 1,3-4 0-16</inkml:trace>
-  <inkml:trace contextRef="#ctx0" brushRef="#br0" timeOffset="6743.04">5223 10766 200 0,'0'0'0'0,"0"0"0"0,-19-4 0 15,-15 4 0 1,-12 8 0 0,-7 6 0-16,-6 6 0 15,3 4 0-15,10-1 0 16,7-1 0 0,14-2 0-16,12-1 0 15,16-1 0 1,17-2 0-16,19-4 0 15,18 1 0 1,19 2 0-16,10 2 0 31,9 1 0-31,0 4 0 0,0 3 0 16,-10 6 0 0,-12 3 0-16,-19-2 0 15,-13-3 0 1,-18-4 0-16,-12-6 0 15,-18-3 0 17,-20-8 0-32,-21 1 0 0,-16-1 0 15,-13 1 0-15,-4-1 0 16,0 0 0 0,10-2 0-16</inkml:trace>
-  <inkml:trace contextRef="#ctx0" brushRef="#br0" timeOffset="9189.79">7368 10733 200 0,'-11'-11'0'0,"-4"0"0"0,4 8 0 15,8 14 0-15,7 17 0 31,8 22 0-31,9 17 0 16,1 13 0-16,6 8 0 16,-1-1 0-1,-9-5 0 1,0-10 0-16,-4-13 0 16,-3-16 0-16,-5-14 0 15,-2-12 0 1,-4-17 0-16,0-1 0 15,-3-22 0-15,-3-22 0 16,3-26 0 0,4-18 0-1,10-11 0 1,17-6 0 0,18 0 0-16,17 9 0 0,11 9 0 15,1 15 0 1,2 15 0-16,-2 22 0 15,-8 23 0 1,-10 19 0 0</inkml:trace>
-  <inkml:trace contextRef="#ctx0" brushRef="#br0" timeOffset="9742.65">8478 10936 200 0,'-18'-35'0'0,"-14"-13"0"15,-9 10 0-15,-9 27 0 16,-8 29 0 0,-7 28 0-16,4 28 0 15,10 23 0 1,13 8 0-16,14-5 0 16,18-16 0-1,14-24 0-15,15-24 0 16,12-23 0-1,8-21 0-15,7-17 0 16,3-17 0 0,-3-9 0-16,-5-8 0 15,-6-2 0 1,-7 3 0 0,-5 12 0-16,-8 14 0 15,-4 14 0 1,-1 14 0-16,-2 14 0 15,0 16 0-15,3 17 0 16,4 13 0 0,5-1 0-16,5-6 0 15,9-11 0 1,7-12 0-16,4-10 0 16</inkml:trace>
-  <inkml:trace contextRef="#ctx0" brushRef="#br0" timeOffset="9944.92">8950 11057 200 0,'4'37'0'0,"5"20"0"16,8 2 0-16,-2-11 0 16,-4-16 0-1</inkml:trace>
-  <inkml:trace contextRef="#ctx0" brushRef="#br0" timeOffset="10136.19">8958 10638 200 0,'0'0'0'0,"0"0"0"15,4 19 0 1</inkml:trace>
-  <inkml:trace contextRef="#ctx0" brushRef="#br0" timeOffset="10613.02">9219 10954 200 0,'0'31'0'0,"4"23"0"15,3 11 0 1,2-1 0-16,0-7 0 16,1-14 0-1,-1-12 0-15,-2-13 0 16,-3-7 0-16,0-13 0 15,3-17 0 1,-1-25 0-16,1-22 0 16,5-10 0-1,8-2 0-15,5 6 0 16,7 11 0 0,5 15 0-16,6 17 0 15,-1 22 0 1,1 19 0-16,-2 27 0 15,-10 24 0 1,-6 12 0-16,-2-3 0 16,-2-10 0-1,-5-14 0-15,1-12 0 16,-1-13 0 0,5-21 0-16</inkml:trace>
-  <inkml:trace contextRef="#ctx0" brushRef="#br0" timeOffset="10837.4">10002 10868 200 0,'9'76'0'0,"4"30"0"15,3-9 0 1,2-26 0-16,-2-25 0 16,0-24 0-1</inkml:trace>
-  <inkml:trace contextRef="#ctx0" brushRef="#br0" timeOffset="11027.64">10077 10535 200 0,'0'0'0'0,"0"0"0"16,3 19 0-1</inkml:trace>
-  <inkml:trace contextRef="#ctx0" brushRef="#br0" timeOffset="11504.05">10321 10878 200 0,'3'61'0'16,"0"26"0"0,3-1 0-16,0-14 0 15,-2-20 0 1,0-14 0-16,-1-14 0 15,0-9 0-15,2-14 0 16,7-20 0 0,6-32 0-16,13-29 0 15,8-18 0 1,8-1 0 0,4 15 0-16,-3 25 0 15,-1 21 0 1,-4 24 0-16,-2 25 0 15,-9 30 0 1,-12 27 0-16,-9 18 0 16,-5-2 0-16,0-10 0 15,6-16 0 1,11-17 0 0,8-20 0-16</inkml:trace>
-  <inkml:trace contextRef="#ctx0" brushRef="#br0" timeOffset="12120">11532 10936 200 0,'9'-15'0'15,"0"-12"0"-15,-10-6 0 16,-11-2 0 0,-14 6 0-16,-19 14 0 15,-16 18 0 1,-10 21 0-16,-4 25 0 16,4 17 0-1,19 6 0-15,20-9 0 16,18-14 0-1,16-15 0 1,15-19 0-16,16-15 0 16,14-17 0-16,12-15 0 31,2-11 0-31,-4-8 0 16,-1 1 0-1,-8 3 0-15,-10 10 0 16,-15 15 0-16,-5 13 0 15,-6 12 0 1,-1 18 0 0,-4 18 0-16,-1 18 0 15,2 9 0 1,5 3 0-16,3 2 0 16,3-4 0-1,8-3 0-15,2-2 0 16,0-6 0-1,-4-2 0-15,-14-4 0 16,-16-6 0 0,-22-2 0-1,-24-5 0-15,-18-2 0 16,-10-9 0 0,3-18 0-16,2-21 0 15</inkml:trace>
-  <inkml:trace contextRef="#ctx0" brushRef="#br0" timeOffset="12580.57">12097 9625 200 0,'-10'32'0'16,"3"35"0"-16,7 26 0 16,0 18 0-1,1 3 0-15</inkml:trace>
-  <inkml:trace contextRef="#ctx0" brushRef="#br0" timeOffset="20906.14">4877 10007 200 0,'0'0'0'0,"0"0"0"15,0 0 0-15,0 0 0 16,1 21 0 31,-1 18 0-47,-5 9 0 0,-5 5 0 0,-3 4 0 16,-6 2 0-16</inkml:trace>
-  <inkml:trace contextRef="#ctx0" brushRef="#br0" timeOffset="29281.03">5155 11686 200 0,'0'0'0'0,"0"0"0"15,0 0 0 1,-6 18 0 31,-1 14 0-47,1 8 0 0,4 9 0 0,1 8 0 0,3 4 0 15,3 6 0 17,3 1 0-32,7 0 0 0,2 2 0 0,7-4 0 15,1-1 0 1,1-4 0-16,6-4 0 16,5-4 0-1,0-6 0 1,5-9 0-1,5-8 0-15,7-8 0 16,4-8 0 0,2-9 0-16,4-6 0 15,5-6 0 1,0-5 0 0,6-3 0-16,3-8 0 15,4-3 0-15,6-6 0 16,8-7 0-1,8-2 0-15,6-4 0 16,4-1 0 0,8 2 0-16,5 2 0 15,4 1 0 1,1 3 0-16,-2 5 0 16,-2 8 0-1,-3 7 0-15,-3 11 0 16,-4 9 0-1,-6 8 0-15,-9 8 0 16,-5 11 0 0,-8 5 0-1,-4 6 0-15,-8 6 0 16,-8 7 0 0,-9 4 0-16,-6 4 0 15,-5 0 0 1,-5 0 0-16,-7-1 0 15,-4-3 0-15,-6-6 0 16,-5-5 0 0,-5-6 0-16,-2-6 0 15,-4-6 0 1,-1-6 0-16,-6-6 0 16,0-4 0-1,-5-12 0-15,0 0 0 16,0 0 0-1,0 0 0-15,0 0 0 16,0 0 0-16,-1-5 0 16,-4-12 0-1,-5-7 0 1,2-6 0 0,0-8 0-16,3-9 0 15,2-5 0 1,3-2 0-16,4-2 0 0,5-1 0 15,9 0 0 1,8 0 0 0,11-1 0-16,6 1 0 15,5 7 0 1,6 1 0 0,9 4 0-16,5 4 0 15,5 5 0-15,3 6 0 16,2 8 0-1,2 6 0-15,2 5 0 16,1 8 0 0,-1 8 0-16,0 7 0 15,-3 7 0 1,-3 5 0-16,1 9 0 16,-4 7 0-1,1 6 0-15,-1 5 0 16,0 4 0-1,-2 0 0-15,0 1 0 32,-1 1 0-17,4 0 0-15,2-7 0 0,1-3 0 16,4-4 0-16,4-6 0 16,0-10 0 15,2-9 0-31,-2-6 0 15,-1-10 0 1,2-6 0-16,-5-9 0 16,0-9 0-1,-9-7 0 1,-7-7 0-16,-9-8 0 16,-7-5 0-1,-5-5 0-15,1-3 0 16,-1-1 0-1,-5 3 0-15,-9 4 0 16,-6 2 0 0,-3 2 0-16,-6 7 0 15,-4 5 0 1,-2 4 0-16,-3 4 0 16,-2 4 0-1,-1 4 0-15,1 2 0 16,2 4 0-16,4-3 0 15</inkml:trace>
-  <inkml:trace contextRef="#ctx0" brushRef="#br0" timeOffset="47797.3">1664 8900 200 0,'0'0'0'0,"0"0"0"16,0 0 0-16,0 0 0 16,-5 19 0-1,5 17 0-15,8 17 0 16,0 15 0-16,3 9 0 78,-5 3 0-78,3 5 0 0,-6 9 0 0,-2 5 0 0,-3-2 0 0</inkml:trace>
-  <inkml:trace contextRef="#ctx0" brushRef="#br0" timeOffset="49004.68">12366 9572 200 0,'0'0'0'15,"0"0"0"-15,0 0 0 31,13 13 0-31,5 8 0 0,-3 12 0 16,-6 8 0 0,-4 6 0-16,-10 10 0 31,-4 6 0-31,-3 7 0 16,-8 4 0-1,-5 11 0-15</inkml:trace>
-  <inkml:trace contextRef="#ctx0" brushRef="#br0" timeOffset="55908.63">4954 11789 200 0,'0'0'0'15,"0"0"0"-15,-9 31 0 0,-6 29 0 16,-4 19 0-1,-3 11 0 1,0 3 0-16,5-3 0 16,-1-7 0-1,9-11 0 32,8-14 0-47,6-16 0 0,12-17 0 0,15-19 0 16,19-26 0-16,21-27 0 0,19-25 0 15,17-14 0 1,9-4 0-16,6 4 0 16,-8 18 0-1,-16 25 0 1,-25 25 0-16,-20 30 0 16,-24 29 0-16,-22 32 0 15,-19 28 0 1,-11 20 0-16,-2 4 0 15,6-8 0 1,9-16 0 0,18-26 0-16,17-25 0 15,15-29 0-15,18-35 0 16,19-36 0 0,20-33 0-1,17-24 0-15,14-18 0 16,14 1 0-16,2 19 0 31,-13 27 0-31,-23 33 0 0,-23 33 0 16,-20 36 0-1,-23 36 0 1,-10 25 0-16,-9 11 0 16,-6 5 0-1,3-5 0 1,5-13 0-1,8-22 0-15,16-23 0 0,17-32 0 32,13-32 0-32,17-40 0 15,20-33 0-15,16-18 0 16,10-7 0 0,4 10 0-1,-7 26 0-15,-16 33 0 16,-17 36 0-1,-18 38 0-15,-16 35 0 16,-12 28 0 0,-8 8 0-16,-11 2 0 15,-6-7 0 1,0-10 0-16,1-17 0 16,5-19 0-1,13-27 0-15,10-32 0 16,23-43 0-1,18-34 0-15,18-24 0 16,15-4 0 0,6 10 0-1,-3 22 0-15,-13 32 0 16,-18 36 0-16,-22 37 0 16,-23 34 0-1,-15 33 0-15,-18 25 0 16,-17 13 0-1,-6 2 0 1,-5-5 0-16,1-17 0 16,4-19 0-1,11-25 0-15,11-29 0 16,16-30 0 0,15-32 0-16,17-22 0 15,15-24 0 1,11-17 0-16,11-9 0 15,9 2 0 1,3 16 0-16,0 22 0 16,-2 28 0-1,-4 28 0 1,-8 26 0-16,-9 13 0 16,-1 5 0-1,8-2 0-15,14-7 0 16,13-8 0-16,0-14 0 15</inkml:trace>
-</inkml:ink>
-</file>
-
-<file path=ppt/ink/ink4.xml><?xml version="1.0" encoding="utf-8"?>
-<inkml:ink xmlns:inkml="http://www.w3.org/2003/InkML">
-  <inkml:definitions>
-    <inkml:context xml:id="ctx0">
-      <inkml:inkSource xml:id="inkSrc0">
-        <inkml:traceFormat>
-          <inkml:channel name="X" type="integer" max="32767" units="cm"/>
-          <inkml:channel name="Y" type="integer" max="32767" units="cm"/>
-          <inkml:channel name="F" type="integer" max="1024" units="dev"/>
-          <inkml:channel name="T" type="integer" max="2.14748E9" units="dev"/>
-        </inkml:traceFormat>
-        <inkml:channelProperties>
-          <inkml:channelProperty channel="X" name="resolution" value="325.74808" units="1/cm"/>
-          <inkml:channelProperty channel="Y" name="resolution" value="571.84991" units="1/cm"/>
-          <inkml:channelProperty channel="F" name="resolution" value="4.0315E-5" units="1/dev"/>
-          <inkml:channelProperty channel="T" name="resolution" value="1" units="1/dev"/>
-        </inkml:channelProperties>
-      </inkml:inkSource>
-      <inkml:timestamp xml:id="ts0" timeString="2023-08-10T13:28:38.981"/>
-    </inkml:context>
-    <inkml:brush xml:id="br0">
-      <inkml:brushProperty name="width" value="0.05292" units="cm"/>
-      <inkml:brushProperty name="height" value="0.05292" units="cm"/>
-      <inkml:brushProperty name="color" value="#FF0000"/>
-    </inkml:brush>
-  </inkml:definitions>
-  <inkml:trace contextRef="#ctx0" brushRef="#br0">7503 16876 200 0,'8'14'0'47,"4"0"0"-47,3-6 0 15,0-8 0-15,-1-8 0 63,-2-5 0-63,-2-5 0 0,0 1 0 0,-5-1 0 0,-2 3 0 0,-3 0 0 15,-5-2 0 1,-2-1 0-16,-6-1 0 16,-3 0 0-1,-6 2 0 1,-4 0 0-16,2 4 0 15,2 5 0-15,-3 8 0 16,0 10 0-16,0 11 0 16,0 8 0-1,3 5 0 1,1 10 0-16,5 4 0 16,8 6 0-1,6 0 0-15,5-4 0 16,8-9 0-1,3-11 0-15,6-10 0 16,3-8 0-16,3-9 0 31,4-7 0-31,1-7 0 0,-1-9 0 16,1-3 0 0,-1-6 0-16,-4-3 0 15,-3-10 0 1,-9 0 0-16,-4 2 0 15,-9 1 0 1,-7-3 0 0,-5 2 0-16,-8-3 0 15,2-1 0-15,-5 3 0 16,-3 13 0 0</inkml:trace>
-  <inkml:trace contextRef="#ctx0" brushRef="#br0" timeOffset="2079.5">16993 16919 200 0,'0'-15'0'0,"-2"-12"0"16,-5 4 0 0,-3 0 0-16,-2 5 0 15,-5 0 0-15,-1 1 0 16,-2 1 0-16,-3 1 0 16,-5 2 0-1,-1 1 0-15,-5 5 0 16,4 3 0-1,-3 6 0-15,1 5 0 16,3 8 0 0,1 9 0-16,3 8 0 15,5 8 0 1,9 6 0-16,3 6 0 16,8-2 0-16,9-3 0 15,5-7 0 1,9-8 0-16,9-10 0 15,6-10 0 1,6-8 0-16,2-8 0 16,-2-5 0-1,-3-3 0-15,-6-5 0 16,-6-5 0-16,-8-6 0 16,-8-4 0-1,-7-3 0 1,-9-2 0-16,-6-2 0 15,-7 0 0 1,-2 1 0-16,-1 9 0 0</inkml:trace>
-  <inkml:trace contextRef="#ctx0" brushRef="#br0" timeOffset="24687.82">10835 16936 200 0,'0'0'0'0,"0"0"0"16,0 0 0 0,0 0 0-16,0 0 0 15,-2-17 0 1,-4-11 0-16,-1-3 0 16,0 0 0-1,-1 1 0-15,-1 4 0 16,-3 1 0-1,-3 1 0-15,-5 4 0 16,-2 1 0-16,-4 0 0 16,-1 4 0-1,-2 1 0-15,-2 5 0 16,-5 4 0 0,0 7 0-16,-1 6 0 15,-2 8 0 1,2 3 0-16,3 3 0 15,6 3 0 1,4 7 0-16,5 5 0 16,5 6 0-1,2 4 0-15,6-2 0 16,2-1 0-16,7-3 0 16,6-4 0-1,6-6 0-15,6-6 0 16,3-9 0-1,6-7 0-15,4-6 0 16,3-7 0 0,2-6 0-16,1-7 0 15,1-1 0 1,-1-9 0-16,-2-2 0 16,-6-5 0-1,-3-1 0-15,-2 0 0 16,-7-4 0-1,-7-2 0-15,-11-5 0 16</inkml:trace>
-  <inkml:trace contextRef="#ctx0" brushRef="#br0" timeOffset="26376.99">16001 17089 200 0,'0'0'0'0,"0"0"0"0,0 0 0 16,0 0 0 0,0 0 0-16,0 0 0 15,4 14 0 1,5 2 0-16,2-4 0 15,5-5 0 1,-1-5 0-16,2-5 0 16,1-7 0-16,4-5 0 15,1-6 0 1,2-5 0-16,-3-6 0 16,-2 2 0-1,2 0 0-15,-4-2 0 31,-4 0 0-31,-4 0 0 0,-5 0 0 16,0-2 0-16,-5 3 0 16,-7 3 0-1,-5 2 0-15,-6 1 0 16,-4 5 0 0,-4 4 0-1,-5 4 0 1,-1 4 0-16,-2 8 0 15,-3 7 0-15,0 7 0 16,0 14 0 0,-3 11 0-16,1 8 0 15,6 3 0 1,7-3 0 0,8-4 0-16,8-5 0 0,8-5 0 15,3-3 0 1,6-5 0-16,4-6 0 15,7-5 0 1,6-5 0-16,3-4 0 16,2-3 0-1,-1-6 0-15,1-7 0 32,-1-8 0-32,0-8 0 15</inkml:trace>
-  <inkml:trace contextRef="#ctx0" brushRef="#br0" timeOffset="33691.97">24296 17131 200 0,'0'0'0'0,"0"0"0"16,0 0 0-16,0 0 0 31,0 0 0-15,12 5 0-16,8-4 0 0,-2-8 0 16,0-8 0-16,-2-10 0 46,-3-7 0-46,-4-4 0 0,-2-3 0 0,-3-1 0 16,-1-1 0-16,-5-1 0 16,-4 2 0-16,-6 1 0 15,0 5 0 1,-6 2 0 0,-1 5 0-16,-5 4 0 0,-3 9 0 15,-2 4 0-15,-3 9 0 16,-3 10 0-1,-6 10 0 1,0 9 0-16,-1 15 0 31,-1 11 0-31,4 5 0 0,11 9 0 16,9 6 0-16,11 0 0 16,8-4 0-1,11-10 0-15,8-13 0 31,10-15 0-15,9-17 0-16,7-17 0 16,2-13 0-1,0-12 0-15,-3-6 0 16,-4-3 0 0,-11-5 0-16,-9-7 0 15,-9-5 0 1,-8-4 0-16,-6 0 0 15,-4 7 0 1,-2 10 0-16,-2 10 0 16,-2 11 0-1</inkml:trace>
-  <inkml:trace contextRef="#ctx0" brushRef="#br0" timeOffset="35423.25">33676 16995 200 0,'0'0'0'0,"0"0"0"15,-4-18 0-15,-1-11 0 16,-2-3 0-1,1-7 0-15,-4-4 0 16,1-3 0 0,2 1 0-16,-1 3 0 15,-5 3 0 1,-5 7 0-16,-3 4 0 16,-5 5 0-16,-6 4 0 15,-4 8 0 1,-2 4 0-1,-5 7 0-15,-2 9 0 0,-2 10 0 16,-9 17 0 0,4 15 0-1,10 10 0 1,12 5 0-16,14 2 0 16,26 10 0 30,22-10 0-46,19-19 0 16,9-22 0 0,1-17 0-16,1-11 0 15,-4-10 0 1,-6-7 0-16,-4-9 0 0,-9-5 0 16,-7-2 0-1,-10-1 0 1,-12 3 0-16,-11-4 0 15</inkml:trace>
-  <inkml:trace contextRef="#ctx0" brushRef="#br0" timeOffset="41499.18">27427 16876 200 0,'0'0'0'16,"0"0"0"-16,0 0 0 16,0 0 0-1,0 0 0-15,-8 14 0 16,1 1 0 0,1-2 0-16,6-13 0 15,-5 1 0-15,1-11 0 16,-3-4 0-1,1-4 0 1,-3-3 0-16,-2-1 0 16,-3 0 0-16,-1 1 0 15,-3 2 0 1,-3 1 0-16,-1 5 0 16,-3 8 0-16,0 7 0 15,-2 9 0 1,-1 12 0-16,3 14 0 15,3 15 0 1,7 14 0-16,6 4 0 16,7-7 0-1,7-11 0-15,7-13 0 16,8-14 0 0,4-13 0-16,5-12 0 15,3-8 0 1,3-9 0-16,-5-7 0 15,-1-2 0 1,-6-2 0-16,-8-3 0 16,-5-2 0-1,-4-2 0-15,-7 0 0 16,-7 4 0 0,-7-1 0-16</inkml:trace>
-  <inkml:trace contextRef="#ctx0" brushRef="#br0" timeOffset="42886.83">32785 16952 200 0,'0'0'0'16,"-9"-9"0"-16,0-10 0 15,0-3 0 1,-1-1 0-16,2 2 0 15,0-1 0 1,-5 3 0-16,-1 4 0 16,-5 3 0-1,0 2 0-15,-5 4 0 16,-1 6 0-16,0 2 0 16,-3 6 0-1,4 10 0 1,-1 13 0-16,2 12 0 15,5 8 0-15,8 3 0 16,5-6 0 0,5-7 0-16,7-7 0 15,7-9 0 1,1-8 0-16,6-11 0 16,4-10 0-1,3-8 0-15,5-9 0 16,0-7 0-1,-7-5 0-15,-5-5 0 16,-1 3 0 0,-8-2 0-16,-4-1 0 15,-7-2 0 1,-7 3 0-16,-2 3 0 16,-6 3 0-1</inkml:trace>
-  <inkml:trace contextRef="#ctx0" brushRef="#br0" timeOffset="69315.57">1420 7843 200 0,'0'0'0'0,"0"0"0"16,3 14 0 0,8 11 0 46,1 8 0-62,3 9 0 0,-1 1 0 0,-1 2 0 0,-2 2 0 0,-4 0 0 0,-4 0 0 16,-1-3 0 31,1-12 0-47</inkml:trace>
-  <inkml:trace contextRef="#ctx0" brushRef="#br0" timeOffset="69558.2">1554 7802 200 0,'24'71'0'0,"9"35"0"16,-4 8 0-1,-1-4 0 1,-8-13 0-16</inkml:trace>
-  <inkml:trace contextRef="#ctx0" brushRef="#br0" timeOffset="73500.7">2379 8542 200 0,'1'15'0'16,"2"18"0"0,2 21 0-16,-4 23 0 15,0 27 0-15,-1 18 0 31,-7 17 0-31,-7 12 0 16,-3 9 0-16,-6 0 0 16,-1-2 0-1,-1-8 0-15,5-13 0 16,8-16 0 0,9-20 0-16,12-20 0 15,15-17 0-15,8-21 0 16,16-19 0-1,16-18 0 1,14-18 0 0,18-11 0-16,13-10 0 15,3-5 0 1,0 1 0-16,-10 2 0 16</inkml:trace>
-  <inkml:trace contextRef="#ctx0" brushRef="#br0" timeOffset="74008.78">3750 9973 200 0,'-11'-31'0'0,"-8"-21"0"16,-10-3 0-1,-5 6 0 1,-10 13 0-16,-9 15 0 15,-8 17 0-15,-6 24 0 16,1 19 0 0,-2 24 0-16,10 26 0 15,17 21 0 1,17 1 0-16,17-8 0 16,17-16 0-1,15-24 0-15,16-25 0 16,14-24 0-1,8-21 0 1,7-16 0-16,1-9 0 16,-9-7 0-1,-10-4 0-15,-12-4 0 16,-13-5 0 0,-14-5 0-16,-7 1 0 15</inkml:trace>
-  <inkml:trace contextRef="#ctx0" brushRef="#br0" timeOffset="74488.02">3926 9854 200 0,'10'36'0'0,"6"23"0"0,4 8 0 47,2-4 0-47,-5-13 0 0,-4-12 0 0,-5-13 0 16,-2-11 0-16,-6-14 0 62,3-6 0-62,3-26 0 0,2-26 0 0,5-23 0 0,3-11 0 0,16-3 0 16,15 6 0 0,15 11 0-16,8 22 0 15,2 22 0 1,-11 23 0-16</inkml:trace>
-  <inkml:trace contextRef="#ctx0" brushRef="#br0" timeOffset="74894.32">4373 10161 200 0,'8'-11'0'15,"15"-16"0"1,12-13 0-16,6-13 0 15,-4-11 0 1,0-8 0-16,-9 2 0 16,-7 12 0-1,-9 15 0-15,-10 16 0 16,-7 23 0 0,-7 27 0-16,-9 36 0 15,-1 32 0 1,-3 20 0-16,10-4 0 15,11-15 0 1,17-23 0-16,17-22 0 16,14-30 0-1,17-26 0-15,16-24 0 16,7-18 0 0,-6-19 0-16,-11-11 0 15,-10-4 0 1</inkml:trace>
-  <inkml:trace contextRef="#ctx0" brushRef="#br0" timeOffset="75512.64">5121 9657 200 0,'-15'10'0'0,"-3"7"0"15,5 17 0 1,9 16 0-16,4 13 0 15,7 4 0 1,-1 0 0-16,0-11 0 16,-2-13 0-1,1-14 0-15,-2-13 0 16,-3-16 0 0,2 0 0-16,4-20 0 15,7-28 0 1,10-28 0-1,8-15 0-15,7 2 0 16,8 14 0-16,-2 15 0 16,2 21 0-1,-4 25 0-15,-5 32 0 16,-10 30 0 0,-9 20 0-16,-9 7 0 15,-3-2 0 1,-2-8 0-1,2-15 0-15,-2-13 0 16,-1-12 0-16,4-14 0 16,5-21 0-1,10-27 0-15,10-26 0 16,8-17 0 0,10-5 0-16,12 5 0 15,7 17 0 1,4 22 0-16,-4 30 0 15,-3 31 0 1,-5 30 0-16,-6 21 0 16,-17 10 0-1,-7 4 0-15,-1 3 0 32,1-1 0-32,4-2 0 15,2-60 0 1</inkml:trace>
-  <inkml:trace contextRef="#ctx0" brushRef="#br0" timeOffset="76214.7">8302 9607 200 0,'3'42'0'0,"-2"26"0"16,3 15 0-1,5 0 0-15,2-10 0 16,0-14 0 0,-4-11 0-16,-2-8 0 15</inkml:trace>
-  <inkml:trace contextRef="#ctx0" brushRef="#br0" timeOffset="76420.1">8201 9232 200 0,'0'0'0'16,"0"0"0"-16,0 0 0 15,9 13 0-15</inkml:trace>
-  <inkml:trace contextRef="#ctx0" brushRef="#br0" timeOffset="76773.8">8622 9667 200 0,'1'25'0'16,"7"33"0"0,11 30 0-16,7 30 0 15,1 8 0 1,0-7 0-16,0-20 0 16,-8-27 0-1,-7-19 0-15,-3-25 0 0</inkml:trace>
-  <inkml:trace contextRef="#ctx0" brushRef="#br0" timeOffset="77124.73">8369 9803 200 0,'9'-36'0'0,"26"-35"0"16,36-19 0-1,34-2 0-15,18 7 0 16,3 18 0 0,-5 17 0-16,-9 18 0 15,-18 20 0 1,-21 16 0-16,-23 16 0 15,-31 16 0 1,-36 19 0-16,-33 13 0 16,-27 21 0-1,-27 10 0-15,-9 0 0 16,11-9 0 0,18-12 0-16</inkml:trace>
-  <inkml:trace contextRef="#ctx0" brushRef="#br0" timeOffset="77642.28">9758 9471 200 0,'-31'-2'0'0,"-21"12"0"16,-16 17 0-1,-6 17 0-15,-4 12 0 16,5 5 0-1,16-5 0-15,16-8 0 16,20-13 0-16,25-14 0 16,30-19 0-1,32-18 0-15,29-10 0 16,29-4 0 0,22 4 0-16,7 13 0 15,-14 15 0 1,-21 14 0-16,-26 9 0 15,-32 3 0 1,-29 1 0 0,-30-2 0-1,-33-2 0-15,-32-1 0 16,-27 1 0 0,-9-6 0-16,7-13 0 15</inkml:trace>
-  <inkml:trace contextRef="#ctx0" brushRef="#br0" timeOffset="78226.64">10431 9496 200 0,'4'50'0'16,"2"32"0"-16,-3 2 0 15,2-11 0 1,4-20 0-16,6-17 0 15,7-16 0 1,4-14 0-16,6-15 0 16,3-13 0-1,3-12 0 1,0-5 0-16,-5 3 0 16,-8 9 0-1,-9 12 0-15,-6 12 0 16,0 17 0-1,5 18 0-15,1 14 0 16,4 1 0-16,8-7 0 16,6-11 0-1,7-13 0-15,4-16 0 16,1-17 0 0,0-14 0-1,-6-12 0-15,-9-11 0 16,-10-4 0-1,-9-7 0-15,-8 4 0 16,-8 12 0 0,-1 16 0-16,-3 16 0 15,-6 20 0-15</inkml:trace>
-  <inkml:trace contextRef="#ctx0" brushRef="#br0" timeOffset="79543.32">10523 9471 200 0,'0'0'0'0,"0"0"0"15,-16 8 0-15,1 20 0 16,2 19 0 0,7 23 0-16,6 12 0 15,1-3 0 1,6-10 0-16,10-13 0 16,7-17 0-1,9-19 0-15,8-17 0 16,7-16 0-1,6-16 0-15,6-10 0 16,0-11 0 0,1-9 0-1,-3-5 0-15,-5 0 0 16,-12 11 0-16,-13 10 0 16,-8 17 0-1,-10 10 0 1,-6 7 0-16,-4 9 0 15,0 10 0-15,-2 17 0 16,0 14 0 0,2 13 0-16,4 8 0 15,10 2 0 1,10-1 0-16,10-9 0 16,7-12 0-1,2-9 0-15,2-11 0 16,2-10 0-1</inkml:trace>
-  <inkml:trace contextRef="#ctx0" brushRef="#br0" timeOffset="80212.3">11390 9547 200 0,'6'32'0'0,"6"21"0"15,1 7 0 1,1 1 0-1,-3-6 0-15,-2-9 0 16,-2-11 0-16,-3-11 0 0,-1-7 0 31,-3-17 0-31,0 0 0 0,1-4 0 16,2-29 0 0,4-23 0-1,11-15 0 1,7 1 0-16,11 3 0 0,8 13 0 31,5 15 0-31,1 22 0 16,-5 22 0-1,-4 20 0 1,-7 13 0-16,-8 11 0 16,-9-1 0-1,-7-7 0-15,-4-9 0 16,2-8 0-1,2-12 0-15,10-15 0 16,10-23 0 0,14-23 0-16,11-22 0 15,12-9 0 1,13 6 0-16,6 15 0 16,0 27 0-1,0 34 0-15,-6 33 0 16,-11 33 0-1,-14 25 0-15,-15 11 0 16,-11 2 0 0,0 0 0-16,1-3 0 15</inkml:trace>
-  <inkml:trace contextRef="#ctx0" brushRef="#br0" timeOffset="81263.32">14907 9599 200 0,'-16'-23'0'0,"-3"-9"0"16,-2 0 0 0,3 8 0-16,-1 7 0 15,-2 4 0 1,3 4 0-16,2 1 0 16,-1 2 0-1,0 0 0-15,2 6 0 16,3 0 0-16,2 2 0 15,-1 4 0 1,-2 7 0 0,0 8 0-16,3 10 0 15,2 17 0 1,8 16 0-16,4 11 0 16,10 7 0-16,13-1 0 15,6-5 0 16,10-13 0-31,11-8 0 0,6-13 0 16,6-9 0 0,5-9 0-1,2-7 0 1,0-5 0-16,-5-6 0 16,-7-4 0-1,-6-8 0-15</inkml:trace>
-  <inkml:trace contextRef="#ctx0" brushRef="#br0" timeOffset="81584.7">15605 9394 200 0,'-4'16'0'0,"-5"24"0"16,-11 28 0-16,-16 25 0 16,-6 19 0-1,0 10 0 1,-1-2 0-16,5-7 0 15,2-6 0 1,7-10 0-16,7-5 0 16,6-11 0-1,7-18 0-15</inkml:trace>
-  <inkml:trace contextRef="#ctx0" brushRef="#br0" timeOffset="82120.48">16295 9769 200 0,'-11'-47'0'0,"-11"-13"0"16,-15 9 0-16,-16 23 0 15,-14 31 0 1,-11 25 0-16,0 27 0 16,7 19 0-1,17 0 0-15,19-5 0 16,23-9 0-1,22-12 0-15,19-18 0 16,11-18 0 0,15-19 0-16,11-15 0 15,4-10 0 1,-7-4 0-16,-11 3 0 16,-16 9 0-1,-10 12 0-15,-8 16 0 16,-1 13 0-1,-1 18 0-15,4 11 0 16,6 2 0 0,12-8 0-16,19-13 0 15,21-17 0 1,20-21 0-16,41-26 0 16</inkml:trace>
-  <inkml:trace contextRef="#ctx0" brushRef="#br0" timeOffset="82466.9">17582 9854 200 0,'-48'-52'0'0,"-30"-19"0"16,-17 7 0-16,-8 21 0 0,2 23 0 16,8 27 0-1,10 24 0 1,17 26 0-16,13 20 0 16,19 8 0-1,24-9 0-15,28-19 0 16,27-17 0-1,22-24 0-15,18-20 0 32,10-18 0-32,5-21 0 0,-8-22 0 15</inkml:trace>
-  <inkml:trace contextRef="#ctx0" brushRef="#br0" timeOffset="82695.12">17439 9121 200 0,'6'28'0'0,"8"30"0"0,2 24 0 16,1 19 0-16,-2 12 0 31,3 1 0-31,2-5 0 0,-4-4 0 15,1-8 0 17</inkml:trace>
-  <inkml:trace contextRef="#ctx0" brushRef="#br0" timeOffset="83341.78">18600 9845 200 0,'-6'-17'0'0,"-5"-10"0"15,-2-5 0-15,-5 1 0 16,-3-1 0 0,-6 2 0-16,-8-1 0 15,-9 5 0 1,-7 11 0-16,-7 11 0 16,-13 15 0-1,0 17 0-15,2 15 0 16,13 18 0-1,14 18 0-15,16 10 0 16,20 2 0 0,18-13 0-16,20-21 0 15,16-21 0 1,16-22 0 0,12-23 0-16,8-17 0 15,-2-14 0 1,-8-4 0-16,-13-4 0 15,-16-2 0 1,-14 6 0-16,-13 9 0 16,-9 12 0-16,-9 23 0 15,5 6 0 1,-9 28 0-16,-1 28 0 16,3 16 0-1,5-1 0 1,12-5 0-16,14-15 0 15,22-18 0 1,23-20 0-16,22-21 0 16,12-21 0-1,7-17 0-15</inkml:trace>
-  <inkml:trace contextRef="#ctx0" brushRef="#br0" timeOffset="83763.98">20014 9657 200 0,'57'44'0'16,"32"34"0"-16,11 12 0 16,-1 1 0-1,-5-12 0-15,-2-16 0 16,-4-19 0 0,-2-21 0-16</inkml:trace>
-  <inkml:trace contextRef="#ctx0" brushRef="#br0" timeOffset="83989.93">21133 9547 200 0,'-12'31'0'0,"-7"30"0"0,-12 29 0 15,1 29 0 1,-2 20 0 0,-1 9 0-1,-4-9 0-15,6-20 0 16,6-22 0 0,14-21 0-1</inkml:trace>
-  <inkml:trace contextRef="#ctx0" brushRef="#br0" timeOffset="84563.46">21990 10007 200 0,'-11'-38'0'0,"-11"-19"0"16,-6-1 0 0,-9 14 0-1,-11 14 0-15,-9 22 0 16,-11 30 0-1,-7 28 0-15,0 23 0 16,7 16 0 0,19 2 0-1,23-15 0-15,49-23 0 47,37-31 0-47,13-23 0 16,-3-19 0-1,-7-10 0-15,-9 1 0 16,-12 6 0 0,-11 14 0-16,-2 18 0 15,-5 18 0 1,-2 16 0-16,-1 10 0 16,8-3 0-1,14-10 0-15,15-12 0 16,17-21 0-1,11-21 0-15,3-12 0 16</inkml:trace>
-  <inkml:trace contextRef="#ctx0" brushRef="#br0" timeOffset="84938.52">23159 9905 200 0,'-12'-31'0'0,"-15"-15"0"16,-12-1 0 0,-14 9 0-16,-15 13 0 15,-12 21 0 1,-8 21 0-16,0 27 0 15,3 28 0 1,10 27 0 0,16 15 0-16,21-10 0 15,25-18 0-15,27-21 0 16,26-20 0 0,17-20 0-16,16-22 0 15,15-15 0 1,8-17 0-16,6-15 0 15,-13-15 0 17</inkml:trace>
-  <inkml:trace contextRef="#ctx0" brushRef="#br0" timeOffset="85188.28">23202 9334 200 0,'-4'-19'0'0,"-1"6"0"0,-2 28 0 16,-1 37 0-16,0 35 0 31,-3 31 0-15,2 16 0-16,4-2 0 15,5-13 0 1,6-11 0-16</inkml:trace>
-  <inkml:trace contextRef="#ctx0" brushRef="#br0" timeOffset="86048.02">24060 9931 200 0,'-36'-25'0'0,"-21"-3"0"0,-13 11 0 16,-7 20 0 0,-5 21 0-1,-6 24 0-15,-1 19 0 16,12 24 0-1,11 7 0-15,23-8 0 16,22-19 0 0,24-21 0-16,16-22 0 0,15-24 0 31,15-24 0-31,11-21 0 16,4-11 0-16,-2-5 0 15,-5 2 0 1,-12 5 0-16,-11 15 0 31,-9 17 0-31,-4 21 0 16,-1 22 0-16,2 16 0 15,4 15 0 1,6 4 0-16,16-5 0 16,19-13 0-1,23-20 0-15,20-22 0 16,19-14 0-16,6-15 0 31</inkml:trace>
-  <inkml:trace contextRef="#ctx0" brushRef="#br0" timeOffset="86495.7">25549 9897 200 0,'106'85'0'0,"42"31"0"16,-1-13 0-16,-17-20 0 15,-19-18 0 1,-11-15 0-16,-12-14 0 16</inkml:trace>
-  <inkml:trace contextRef="#ctx0" brushRef="#br0" timeOffset="86795.98">26913 9769 200 0,'0'0'0'0,"-18"21"0"16,-10 27 0-16,-3 30 0 0,-6 34 0 31,-7 35 0-31,-2 20 0 16,3 4 0-16,9-18 0 16,12-27 0-1,15-29 0-15,13-31 0 16,12-29 0-1</inkml:trace>
-  <inkml:trace contextRef="#ctx0" brushRef="#br0" timeOffset="87337.24">27745 10221 200 0,'-4'-39'0'0,"-9"-17"0"15,-15 2 0 1,-15 19 0-16,-13 18 0 15,-11 20 0 1,-10 20 0-16,-4 21 0 16,2 28 0-1,10 23 0 1,11 17 0-16,21-6 0 16,22-18 0-1,19-27 0-15,20-31 0 16,19-33 0-1,17-29 0-15,7-18 0 16,2-11 0 0,-2-3 0-16,-6 8 0 15,-6 7 0 1,-7 18 0-16,-7 21 0 16,-1 22 0-16,-1 22 0 15,-1 21 0 1,2 6 0-1,3-6 0-15,5-13 0 16,13-20 0 0,18-26 0-16,10-25 0 15</inkml:trace>
-  <inkml:trace contextRef="#ctx0" brushRef="#br0" timeOffset="87752.05">29091 10093 200 0,'-16'-17'0'16,"-5"-9"0"-16,-6-5 0 15,-7-1 0-15,-8 4 0 16,-9 9 0 0,-11 11 0-16,-9 18 0 15,0 16 0 1,-1 23 0 0,13 21 0-16,14 21 0 15,17 13 0-15,22-7 0 16,21-16 0-1,21-23 0 1,15-26 0-16,14-25 0 16,11-19 0-1,10-20 0 1,3-17 0-16,-2-12 0 16,-15-12 0-1</inkml:trace>
-  <inkml:trace contextRef="#ctx0" brushRef="#br0" timeOffset="88017.19">29200 9454 200 0,'3'82'0'16,"-2"50"0"0,-1 24 0-1,-3-2 0-15,4-13 0 16,6-23 0-16,13-20 0 16,8-21 0-1</inkml:trace>
-  <inkml:trace contextRef="#ctx0" brushRef="#br0" timeOffset="88587.18">30193 10169 200 0,'-4'-16'0'0,"-9"-14"0"15,-8-4 0-15,-10 0 0 16,-13 6 0 0,-10 16 0-16,-8 12 0 15,-5 22 0 1,-5 22 0-16,0 22 0 15,10 18 0 1,19 4 0-16,20-7 0 16,23-19 0-1,21-24 0-15,13-18 0 16,15-25 0 0,11-20 0-16,3-16 0 15,2-8 0 1,-3-7 0-1,-7-1 0-15,-7 6 0 16,-10 14 0-16,-8 19 0 16,-5 20 0-1,-6 22 0-15,-3 18 0 16,-1 19 0 0,4 4 0-16,3-5 0 15,11-10 0 1,9-17 0-1,15-18 0-15,13-17 0 16,9-18 0 0,-3-17 0-16</inkml:trace>
-  <inkml:trace contextRef="#ctx0" brushRef="#br0" timeOffset="89238.09">30757 9174 200 0,'9'-37'0'16,"23"-37"0"-16,20-18 0 15,20-18 0 1,16-9 0-16,16-1 0 16,7 9 0-1,-6 15 0 1,-18 17 0-16</inkml:trace>
-  <inkml:trace contextRef="#ctx0" brushRef="#br0" timeOffset="91018.74">31110 9139 200 0,'0'0'0'0,"14"-10"0"31,15-13 0-31,11-20 0 16,15-22 0-16,11-18 0 15,8-15 0-15,3-4 0 16,0 1 0 0,-2 1 0-1,-8 7 0 1</inkml:trace>
-  <inkml:trace contextRef="#ctx0" brushRef="#br0" timeOffset="106779.29">2270 7707 200 0,'0'0'0'0,"0"0"0"16,0 0 0 0,-4 19 0 46,-3 13 0-62,-2 9 0 0,4 6 0 0,-2 6 0 0,1 5 0 0,1 3 0 0,3-4 0 16</inkml:trace>
-  <inkml:trace contextRef="#ctx0" brushRef="#br0" timeOffset="108295.16">13056 8065 200 0,'0'0'0'0,"0"0"0"16,0 0 0-1,4 16 0-15,3 7 0 16,1 8 0 0,-1 8 0-16,-4 7 0 15,-2 8 0 1,0 8 0-16,-1 8 0 15</inkml:trace>
-  <inkml:trace contextRef="#ctx0" brushRef="#br0" timeOffset="116021.22">19669 8346 200 0,'4'25'0'0,"2"15"0"15,3 7 0 1,3 5 0-16,-1 3 0 16,1 4 0-16,-1 6 0 15,-4 7 0 1</inkml:trace>
-  <inkml:trace contextRef="#ctx0" brushRef="#br0" timeOffset="116847.46">24515 8695 200 0,'0'0'0'0,"0"0"0"16,0 0 0-16,0 0 0 15,3 18 0 1,-2 17 0-1,2 11 0-15,-2 7 0 16,0 3 0-16,-1 4 0 16,-2 5 0-1,-4 0 0 1</inkml:trace>
-</inkml:ink>
-</file>
-
-<file path=ppt/ink/ink5.xml><?xml version="1.0" encoding="utf-8"?>
-<inkml:ink xmlns:inkml="http://www.w3.org/2003/InkML">
-  <inkml:definitions>
-    <inkml:context xml:id="ctx0">
-      <inkml:inkSource xml:id="inkSrc0">
-        <inkml:traceFormat>
-          <inkml:channel name="X" type="integer" max="32767" units="cm"/>
-          <inkml:channel name="Y" type="integer" max="32767" units="cm"/>
-          <inkml:channel name="F" type="integer" max="1024" units="dev"/>
-          <inkml:channel name="T" type="integer" max="2.14748E9" units="dev"/>
-        </inkml:traceFormat>
-        <inkml:channelProperties>
-          <inkml:channelProperty channel="X" name="resolution" value="325.74808" units="1/cm"/>
-          <inkml:channelProperty channel="Y" name="resolution" value="571.84991" units="1/cm"/>
-          <inkml:channelProperty channel="F" name="resolution" value="4.0315E-5" units="1/dev"/>
-          <inkml:channelProperty channel="T" name="resolution" value="1" units="1/dev"/>
-        </inkml:channelProperties>
-      </inkml:inkSource>
-      <inkml:timestamp xml:id="ts0" timeString="2023-08-10T13:41:33.739"/>
-    </inkml:context>
-    <inkml:brush xml:id="br0">
-      <inkml:brushProperty name="width" value="0.05292" units="cm"/>
-      <inkml:brushProperty name="height" value="0.05292" units="cm"/>
-      <inkml:brushProperty name="color" value="#FF0000"/>
-    </inkml:brush>
-  </inkml:definitions>
-  <inkml:trace contextRef="#ctx0" brushRef="#br0">4390 18034 200 0,'0'0'0'16,"0"0"0"-16,0 0 0 15,0 0 0-15,0 0 0 16,0 16 0-16,0 6 0 31,0 2 0-31,0 1 0 16,0-2 0-16,-3 2 0 0,0 0 0 31,-1 1 0-31,3 2 0 16,-2 0 0-16,-2 2 0 15,0 2 0-15,-1 2 0 32,-3 0 0-32,1 2 0 15,0-2 0 1,-3 0 0-16,0 0 0 16,-5-1 0-1,-1-2 0-15,-1-2 0 16,2-3 0-1,-5-4 0-15,1-3 0 16,0-2 0-16,-3-4 0 16,0-2 0-1,-3-1 0-15,0-2 0 16,-1 1 0 0,0-3 0-16,3-3 0 15,-5-1 0-15,2-1 0 16,-2-1 0-1,-1 0 0-15,0 0 0 16,1 0 0 0,0 0 0-16,1-3 0 15,-1 0 0 1,1-2 0-16,-1-3 0 16,5-1 0-1,-1-3 0-15,4-1 0 16,0-2 0-1,2-1 0-15,2-1 0 16,1-2 0-16,4-1 0 16,4-1 0-1,2 3 0-15,3 1 0 16,2 3 0 0,1 1 0-16,3 0 0 15,0 0 0-15,-1 0 0 16,-1 0 0-1,0 0 0-15,-1 4 0 16,0 9 0 0,0 0 0-16,0 0 0 15,0 0 0-15,0 0 0 16,0 0 0 0,-2-8 0-1,2 8 0-15,0 0 0 31,0 0 0-15,0 0 0 0,0 0 0-16,0 0 0 15,0 0 0 1,0 0 0-16,-4 2 0 16,1 7 0-1,0 3 0-15,3 6 0 16,1 4 0-16,0 3 0 15,0 5 0 1,1 1 0-16,1-2 0 16,-5 1 0-16,-1 3 0 15,-2-3 0 1,-2-1 0 0,-2 2 0-1,-4-2 0-15,1-1 0 0,-8-3 0 16,1-1 0-1,1-23 0-15,-2 16 0 16,0 8 0-16,-2 0 0 16,-3-1 0-1,-2-5 0-15,0-7 0 32,4-3 0-32,-5-8 0 0,0-1 0 15,1 0 0 1,-1 0 0-16,-2 0 0 15,0 0 0-15,0 0 0 32,-1-1 0-32,-1-37 0 15,-1 16 0 1,4-10 0-16,-2 13 0 16,1 3 0-16,1-7 0 0,0-6 0 31,1-5 0-16,5-3 0-15,2-1 0 16,3 3 0 0,3-4 0-16,1-2 0 15,-1 4 0 1,3 4 0-16,5 0 0 16,1 3 0-1,3 1 0-15,-1 8 0 16,1 3 0-16,0 5 0 15,1 5 0 1,2 8 0-16,0 0 0 16,0 0 0-16,-7-6 0 15,7 6 0 1,0 0 0-16,0 0 0 16,0 0 0-16,0 0 0 15,0 0 0-15,0 0 0 16,0 0 0-1,-3 6 0-15,3 2 0 16,1 5 0 0,0-1 0-16,3 5 0 15,1 4 0-15,1 1 0 16,2 4 0-16,4 9 0 16,2 1 0-1,2-1 0-15,-2 2 0 16,-3 2 0-16,0-2 0 15,-2-2 0 1,-7-4 0 0,-2-4 0-16,-3-2 0 15,-7-3 0-15,-1 1 0 16,0-2 0 0,-7 1 0-16,-2-2 0 15,-1-2 0 1,-5 0 0-16,-2-3 0 15,3-26 0-15,4-7 0 16,-8 29 0 0,-5 11 0-1,-7-15 0-15,2-7 0 16,3 0 0-16,-3 0 0 16,-3 0 0-1,0 0 0-15,-3-2 0 16,0-6 0 15,-2-5 0-31,3-8 0 0,-1-7 0 16,6-5 0-16,-2-12 0 31,1-5 0-31,1-5 0 16,1-3 0-16,5-3 0 15,0-3 0-15,0 1 0 16,2 9 0-1,1 8 0-15,2 7 0 16,4 7 0-16,0 9 0 16,6 7 0-1,1 9 0 1,5 6 0-16,-1 8 0 16,0 15 0-16</inkml:trace>
-</inkml:ink>
-</file>
-
-<file path=ppt/ink/ink6.xml><?xml version="1.0" encoding="utf-8"?>
-<inkml:ink xmlns:inkml="http://www.w3.org/2003/InkML">
-  <inkml:definitions>
-    <inkml:context xml:id="ctx0">
-      <inkml:inkSource xml:id="inkSrc0">
-        <inkml:traceFormat>
-          <inkml:channel name="X" type="integer" max="32767" units="cm"/>
-          <inkml:channel name="Y" type="integer" max="32767" units="cm"/>
-          <inkml:channel name="F" type="integer" max="1024" units="dev"/>
-          <inkml:channel name="T" type="integer" max="2.14748E9" units="dev"/>
-        </inkml:traceFormat>
-        <inkml:channelProperties>
-          <inkml:channelProperty channel="X" name="resolution" value="325.74808" units="1/cm"/>
-          <inkml:channelProperty channel="Y" name="resolution" value="571.84991" units="1/cm"/>
-          <inkml:channelProperty channel="F" name="resolution" value="4.0315E-5" units="1/dev"/>
-          <inkml:channelProperty channel="T" name="resolution" value="1" units="1/dev"/>
-        </inkml:channelProperties>
-      </inkml:inkSource>
-      <inkml:timestamp xml:id="ts0" timeString="2023-08-10T13:52:07.139"/>
-    </inkml:context>
-    <inkml:brush xml:id="br0">
-      <inkml:brushProperty name="width" value="0.05292" units="cm"/>
-      <inkml:brushProperty name="height" value="0.05292" units="cm"/>
-      <inkml:brushProperty name="color" value="#FF0000"/>
-    </inkml:brush>
-  </inkml:definitions>
-  <inkml:trace contextRef="#ctx0" brushRef="#br0">4979 8295 200 0,'0'15'0'16,"-2"18"0"-16,1 18 0 16,-9 24 0-1,2 26 0-15,-2 25 0 16,-4 23 0-1,-3 22 0-15,-8 17 0 16,-11 14 0 0,-5 6 0-16,0 7 0 15,2 0 0 1,2-5 0-16,4-8 0 16,4-13 0-1,11-22 0-15,7-19 0 16,14-22 0-1,19-25 0-15,26-25 0 16,25-26 0 0,27-32 0-16,25-28 0 15,19-18 0 1,20-14 0-16,10-5 0 16,8 1 0-1,-3 1 0-15,-15 7 0 16,-22 7 0-1,-29 2 0-15</inkml:trace>
-  <inkml:trace contextRef="#ctx0" brushRef="#br0" timeOffset="584.66">4895 8320 200 0,'40'-12'0'0,"36"-11"0"0,26-7 0 31,26-14 0-31,21-4 0 16,18-9 0-16,17-3 0 15,16-3 0-15,11 4 0 32,4 1 0-32,-11 7 0 0</inkml:trace>
-  <inkml:trace contextRef="#ctx0" brushRef="#br0">6047 8431 200 0</inkml:trace>
-  <inkml:trace contextRef="#ctx0" brushRef="#br0" timeOffset="1469.32">6283 8483 200 0,'1'52'0'16,"5"30"0"-16,0 11 0 15,0-4 0 1</inkml:trace>
-  <inkml:trace contextRef="#ctx0" brushRef="#br0" timeOffset="7269.52">5862 8517 200 0,'0'0'0'0,"3"17"0"16,1 21 0-1,-3 22 0 1,-2 16 0-1,-6 8 0-15,3-1 0 16,-2-9 0-16,8-6 0 16</inkml:trace>
-  <inkml:trace contextRef="#ctx0" brushRef="#br0" timeOffset="7904.15">6661 9258 200 0,'0'0'0'0,"3"14"0"16,7 22 0-16,-1 32 0 15,5 31 0 1,0 27 0 0,-1 13 0-16,-2 12 0 15,-6 1 0 1,-3-5 0-16,-1-11 0 15,-3-18 0 1,2-17 0-16,3-23 0 16,0-25 0-1</inkml:trace>
-  <inkml:trace contextRef="#ctx0" brushRef="#br0" timeOffset="8267.51">6367 9174 200 0,'51'-21'0'15,"49"-16"0"-15,30-4 0 16,15 1 0-16,10 0 0 16,0 2 0-1,1 0 0 1,-4 4 0-16,-3 6 0 15,-13 6 0 1,-20 8 0 0,-22 4 0-16</inkml:trace>
-  <inkml:trace contextRef="#ctx0" brushRef="#br0" timeOffset="8553.65">6611 10050 200 0,'29'-3'0'15,"34"-19"0"-15,39-23 0 16,31-14 0 0,16-6 0-1,6 5 0-15,-5 9 0 16,-11 9 0-16</inkml:trace>
-  <inkml:trace contextRef="#ctx0" brushRef="#br0" timeOffset="8952.93">8058 10144 200 0,'-2'-21'0'0,"-5"-16"0"16,-1-6 0 0,-7-2 0-16,-14 4 0 15,-15 12 0 1,-8 12 0-16,-12 20 0 16,-3 21 0-1,7 25 0-15,14 25 0 31,6 17 0-15,13 1 0-16,19-10 0 16,26-25 0-1,18-25 0-15,21-29 0 16,11-24 0 0,9-22 0-16,-5-14 0 15</inkml:trace>
-  <inkml:trace contextRef="#ctx0" brushRef="#br0" timeOffset="9359.42">8175 10280 200 0,'30'53'0'16,"16"14"0"-16,-1-7 0 15,-3-14 0 1,-11-17 0-16,-11-11 0 16,-9-11 0-16,-10-13 0 15,-7-21 0 1,-12-22 0-1,-5-16 0-15,4-8 0 16,4-2 0 0,13 3 0-16,17 3 0 15,20 5 0 1,18 0 0-16,19 8 0 16,9 5 0-1,5 12 0-15,3 13 0 16,-8 14 0-1</inkml:trace>
-  <inkml:trace contextRef="#ctx0" brushRef="#br0" timeOffset="9769.06">9598 10025 200 0,'-24'-23'0'16,"-14"-11"0"-16,-15 2 0 15,-9 8 0-15,-10 23 0 16,-13 26 0-1,-2 24 0-15,3 24 0 16,3 19 0 0,11 14 0-16,23 0 0 15,23-12 0 1,22-18 0-16,22-23 0 16,21-28 0-1,21-29 0 1,17-31 0-1,14-29 0-15,10-22 0 16,-6-20 0-16,-9 6 0 16</inkml:trace>
-  <inkml:trace contextRef="#ctx0" brushRef="#br0" timeOffset="10059.77">9598 9146 200 0,'3'53'0'0,"0"41"0"15,4 38 0 1,1 33 0-16,0 19 0 15,1 3 0 1,-2-15 0 0,1-21 0-16,3-26 0 0,0-27 0 15,4-28 0 1,-1-29 0 0</inkml:trace>
-  <inkml:trace contextRef="#ctx0" brushRef="#br0" timeOffset="10480.7">10346 8217 200 0,'0'0'0'0,"1"25"0"16,3 23 0-16,-8 21 0 16,5 16 0-1,1 2 0 1,3-4 0-16</inkml:trace>
-  <inkml:trace contextRef="#ctx0" brushRef="#br0" timeOffset="10718.52">10658 8090 200 0,'0'16'0'15,"0"17"0"-15,-2 23 0 16,-4 23 0 0,7 22 0-16,-15 17 0 15,-1 4 0 1</inkml:trace>
-  <inkml:trace contextRef="#ctx0" brushRef="#br0" timeOffset="11096.91">10935 10365 200 0,'8'65'0'0,"6"50"0"15,-2 23 0-15,-7 3 0 16,-1-17 0 0,-1-20 0-16,2-19 0 15,2-19 0-15</inkml:trace>
-  <inkml:trace contextRef="#ctx0" brushRef="#br0" timeOffset="11714.75">11642 8031 200 0,'3'46'0'16,"-2"28"0"-16,-3 9 0 16,0-7 0-1,1-14 0-15</inkml:trace>
-  <inkml:trace contextRef="#ctx0" brushRef="#br0" timeOffset="11953.84">11768 7903 200 0,'3'18'0'16,"-3"17"0"-16,0 17 0 15,-1 21 0 1,1 16 0 0,4 10 0-16,3 5 0 15,-7-2 0 1</inkml:trace>
-  <inkml:trace contextRef="#ctx0" brushRef="#br0" timeOffset="12766.79">12181 8635 200 0,'4'26'0'15,"7"23"0"1,-1 30 0-16,6 28 0 15,1 32 0 1,2 31 0-16,2 19 0 16,2 17 0-16,5 4 0 15,-4 0 0 1,1-12 0 0,3-21 0-16,-6-30 0 31,-1-33 0-31,-5-35 0 15,-4-29 0 1,2-26 0-16,0-25 0 16,0-38 0-1,-1-47 0-15,2-47 0 16,13-41 0 0,16-37 0-16,19-21 0 15,17 0 0 1,6 11 0-16,4 19 0 15,-3 25 0 1,-4 27 0-16,-9 27 0 16</inkml:trace>
-  <inkml:trace contextRef="#ctx0" brushRef="#br0" timeOffset="13272.59">13611 10067 200 0,'-21'-91'0'16,"-14"-26"0"0,-9 15 0-16,-9 31 0 15,-6 36 0 1,-4 35 0-16,0 34 0 15,6 30 0 1,9 29 0-16,7 26 0 16,17 13 0-1,19-14 0-15,17-24 0 16,15-31 0 0,13-32 0-16,12-31 0 15,11-25 0 1,4-20 0-16,0-14 0 15,-4-11 0 1,-4-7 0-16,-11-3 0 16</inkml:trace>
-  <inkml:trace contextRef="#ctx0" brushRef="#br0" timeOffset="13667.17">14007 8908 200 0,'3'63'0'0,"4"50"0"15,-2 33 0-15,-2 21 0 16,2 10 0-16,0-6 0 31,-4-19 0-31,-3-24 0 16,6-21 0-16,5-22 0 15</inkml:trace>
-  <inkml:trace contextRef="#ctx0" brushRef="#br0" timeOffset="14518.73">14436 9069 200 0,'4'68'0'0,"7"49"0"16,5 23 0-1,2 1 0-15,-4-13 0 16,-2-20 0 0,-3-19 0-16,-4-21 0 15,-5-17 0 1,-7-14 0-16,-2-13 0 16,-5-15 0-1,-4-15 0-15,3-20 0 16,6-26 0-1,18-29 0-15,20-23 0 16,21-9 0 0,21 0 0-16,13 9 0 15,5 14 0 1,-10 22 0-16,-16 22 0 16,-19 24 0-1,-24 25 0-15,-22 23 0 16,-26 26 0-1,-19 25 0-15,-16 21 0 16,-12 21 0 0,-4 9 0-16,4-5 0 15,10-15 0 1,15-24 0-16,19-24 0 16,22-23 0-1,21-24 0 1,26-32 0-16,24-27 0 15,20-20 0-15,7-12 0 16,-1-2 0 0</inkml:trace>
-  <inkml:trace contextRef="#ctx0" brushRef="#br0" timeOffset="14957.46">15251 9599 200 0,'-9'-13'0'16,"-8"-4"0"0,-3 5 0-16,-8 11 0 15,-10 14 0-15,-6 20 0 16,-2 14 0-1,1 8 0-15,8 2 0 16,9-8 0 0,16-11 0-16,16-16 0 15,19-17 0-15,19-15 0 16,20-15 0 0,20-7 0-1,13 2 0-15,4 3 0 31,-7 12 0-31,-11 10 0 16,-21 15 0-16,-23 12 0 16,-25 14 0-1,-26 10 0-15,-25 7 0 16,-22 5 0-16,-9-4 0 16,-2-10 0-1</inkml:trace>
-  <inkml:trace contextRef="#ctx0" brushRef="#br0" timeOffset="15614.06">15798 9556 200 0,'-18'-3'0'16,"-1"3"0"-16,5 7 0 15,8 11 0 1,2 12 0-16,4 15 0 15,6 13 0 1,-2 5 0-16,4-2 0 16,1-9 0-1,3-11 0-15,1-12 0 16,2-8 0 0,0-10 0-16,0-6 0 15,-1-10 0 1,2-11 0-16,0-10 0 15,5-7 0 1,9 1 0-16,2 8 0 16,2 10 0-1,5 14 0-15,3 13 0 16,4 9 0 0,3 3 0-16,0-4 0 15,-2-8 0 1,2-9 0-16,-5-10 0 15,-5-8 0 1,-11-8 0-16,-8-7 0 16,-9-7 0-1,-14-7 0-15,-11-4 0 16,-14-2 0 0,-7 4 0-16,-3 8 0 31,4 8 0-31,10 11 0 0,10 9 0 15,14 9 0 1</inkml:trace>
-  <inkml:trace contextRef="#ctx0" brushRef="#br0" timeOffset="16169.16">17043 9718 200 0,'-8'-26'0'16,"-9"-12"0"-1,-11 3 0-15,-7 9 0 31,-9 13 0-31,-3 18 0 16,-5 17 0-16,3 15 0 16,9 15 0-1,9 9 0-15,11 2 0 16,12-9 0 0,12-15 0-1,12-10 0-15,12-20 0 16,6-11 0-16,8-17 0 0,3-8 0 15,-3-6 0 1,-4 0 0-16,-8 4 0 16,-8 13 0 15,-4 9 0-31,-2 14 0 0,-1 13 0 31,4 11 0-31,7 4 0 0,-1-4 0 31,4-7 0-31,6-8 0 16,11-14 0 0,12-11 0-1,9-14 0-15</inkml:trace>
-  <inkml:trace contextRef="#ctx0" brushRef="#br0" timeOffset="16711.54">17767 9726 200 0,'0'0'0'15,"3"-16"0"-15,-5-10 0 16,-10-5 0 0,-13-1 0-16,-14 4 0 15,-8 4 0 1,-7 9 0 0,-6 11 0-16,-2 14 0 15,4 16 0 1,7 16 0-16,10 9 0 15,19 5 0 1,19-5 0-16,16-11 0 16,18-12 0-1,17-16 0-15,7-14 0 16,8-12 0 0,1-9 0-16,-4-5 0 15,-6-5 0 1,-8 0 0-16,-12 6 0 15,-8 6 0 1,-11 7 0-16,-6 7 0 16,-2 10 0-1,-3 12 0-15,0 13 0 16,3 15 0 0,5 14 0-16,4 7 0 15,6-1 0 1,0-4 0-16,-1-9 0 15,-1-3 0 1,-5-8 0-16,-5-7 0 16,-6-4 0-1,-13-3 0-15,-13 0 0 16,-15-4 0 0,-13-5 0-16,-9-16 0 15,2-21 0 1</inkml:trace>
-  <inkml:trace contextRef="#ctx0" brushRef="#br0" timeOffset="17058.62">18482 9743 200 0,'-11'-35'0'0,"-12"-20"0"15,-10 4 0 1,-15 7 0-1,-6 12 0-15,-4 17 0 16,3 16 0 0,5 22 0-16,6 18 0 15,10 18 0 1,13 16 0-16,20-1 0 16</inkml:trace>
-  <inkml:trace contextRef="#ctx0" brushRef="#br0" timeOffset="17217.4">18474 9888 200 0,'30'-25'0'0,"11"-16"0"15,-5-7 0 1,-14-3 0-16,-19 6 0 16,-13 9 0-1,-11 13 0-15,-6 14 0 16</inkml:trace>
-  <inkml:trace contextRef="#ctx0" brushRef="#br0">18793 9531 200 0</inkml:trace>
-  <inkml:trace contextRef="#ctx0" brushRef="#br0" timeOffset="18552.93">19854 8397 200 0,'0'0'0'16,"0"24"0"-16,0 21 0 15,0 11 0-15,-2-3 0 32,-2-2 0-32,4-8 0 0,-1-8 0 31,1-8 0-31</inkml:trace>
-  <inkml:trace contextRef="#ctx0" brushRef="#br0" timeOffset="18761.97">20165 8304 200 0,'4'31'0'0,"-5"28"0"15,-12 17 0 1,-10 16 0-16,-7 6 0 16</inkml:trace>
-  <inkml:trace contextRef="#ctx0" brushRef="#br0" timeOffset="20140.04">18734 9506 200 0,'13'20'0'0,"3"16"0"0,-2 10 0 31,-7 8 0-31,-3-1 0 0,-2 0 0 16,-1-8 0-16,-3-8 0 16,2-8 0-1,1-7 0 1,-1-2 0-1,2-9 0 1,-2-11 0-16,7 6 0 16,4-16 0-1,2-13 0-15,6-15 0 16,5-12 0 0,3-8 0-16,7 1 0 15,0 4 0 1,5 4 0-16,11 7 0 15,3 9 0 1,2 15 0-16,-2 11 0 16,-2 17 0-1,-7 13 0-15,-11 15 0 16,-13 8 0 0,-15 2 0-16,-6-1 0 15,-1-2 0 1,-2 0 0-16,1-5 0 15,6-3 0 1,4-9 0-16</inkml:trace>
-  <inkml:trace contextRef="#ctx0" brushRef="#br0" timeOffset="20903.02">20770 10178 200 0,'0'0'0'16,"0"0"0"-16,10 23 0 15,-5 16 0 1,-12 15 0-16,-15 12 0 15,-19 9 0 1,-16 7 0-16,-16 7 0 16,-5-2 0-1,-1-18 0-15</inkml:trace>
-  <inkml:trace contextRef="#ctx0" brushRef="#br0" timeOffset="21610.31">21511 8363 200 0,'-4'40'0'0,"11"29"0"16,3 14 0-16,-2-2 0 16,1-9 0-16,3-16 0 15,0-12 0 1,1-19 0-16</inkml:trace>
-  <inkml:trace contextRef="#ctx0" brushRef="#br0" timeOffset="21853.78">21739 8304 200 0,'6'72'0'0,"4"44"0"16,4 14 0-1,0-2 0-15,3-15 0 16,-1-19 0-16</inkml:trace>
-  <inkml:trace contextRef="#ctx0" brushRef="#br0" timeOffset="22423.79">22252 8764 200 0,'3'39'0'16,"-2"36"0"-16,3 32 0 16,-1 29 0-1,-3 21 0-15,-1 12 0 16,-4-3 0-1,2-14 0-15,1-13 0 16,0-19 0 0,4-17 0-16,0-16 0 15,-2-22 0 1</inkml:trace>
-  <inkml:trace contextRef="#ctx0" brushRef="#br0" timeOffset="22772.52">22664 8695 200 0,'15'60'0'15,"8"49"0"1,-7 31 0-16,-7 21 0 16,-6 7 0-1,1-7 0-15,0-12 0 16,0-17 0-1,3-13 0 1,-3-16 0-16,-1-18 0 16,0-19 0-16</inkml:trace>
-  <inkml:trace contextRef="#ctx0" brushRef="#br0" timeOffset="23101.17">22176 9828 200 0,'33'7'0'0,"29"-4"0"0,17-6 0 16,11-6 0 0,4-5 0-1,-1-4 0 1,-5 2 0-16</inkml:trace>
-  <inkml:trace contextRef="#ctx0" brushRef="#br0" timeOffset="23563.3">23430 9922 200 0,'0'0'0'0,"0"0"0"16,0 0 0-1,-6-21 0-15,-7-11 0 16,-10 0 0-16,-7 2 0 15,-14 10 0 1,-8 13 0-16,-1 12 0 16,-1 15 0-1,4 15 0-15,9 17 0 16,12 18 0 0,17 5 0-16,13-5 0 15,16-13 0 1,21-20 0-1,14-15 0-15,13-19 0 16,8-17 0-16,1-11 0 16,-7-8 0-1,-16-3 0 1,-13-2 0-16,-16-2 0 16</inkml:trace>
-  <inkml:trace contextRef="#ctx0" brushRef="#br0" timeOffset="24208.89">23665 9957 200 0,'0'0'0'0,"12"21"0"16,2 19 0 0,2 11 0-16,-3 3 0 15,-3-10 0-15,-1-10 0 16,-3-10 0-1,-2-12 0-15,2-9 0 16,4-12 0 0,4-17 0-16,5-15 0 15,7-14 0 1,8-6 0-16,7 0 0 16,3 10 0-1,5 12 0 1,3 16 0-16,-4 19 0 15,-1 19 0-15,-11 19 0 16,-5 13 0 0,-3 4 0-16,-3-1 0 15,-4-6 0 1,0-8 0 0,6-12 0-16,4-17 0 15</inkml:trace>
-  <inkml:trace contextRef="#ctx0" brushRef="#br0" timeOffset="24592.32">25002 9880 200 0,'-21'-21'0'15,"-14"-7"0"-15,-12 4 0 0,-4 13 0 32,-8 17 0-32,-6 19 0 15,5 19 0-15,7 18 0 0,12 12 0 31,14-1 0-15,19-9 0-16,21-15 0 16,18-18 0-16,18-19 0 15,15-24 0 1,9-12 0-16,9-10 0 16,-4-5 0-1,-7-6 0 1</inkml:trace>
-  <inkml:trace contextRef="#ctx0" brushRef="#br0" timeOffset="24924.83">25062 9206 200 0,'4'169'0'0,"3"49"0"15,2-24 0-15,2-46 0 16,1-42 0 0,5-37 0-16,2-25 0 15,4-26 0 1</inkml:trace>
-  <inkml:trace contextRef="#ctx0" brushRef="#br0" timeOffset="25462.52">25794 9965 200 0,'0'0'0'15,"0"0"0"-15,0-16 0 16,-5-10 0-16,-5-6 0 15,-9-1 0 1,-13 4 0-16,-9 10 0 16,-10 8 0-1,-4 11 0 1,-3 13 0-16,1 18 0 16,7 22 0-16,12 16 0 15,15 3 0 1,12-6 0-16,12-19 0 15,14-15 0 1,18-17 0-16,6-19 0 16,6-16 0-1,2-11 0 1,-2-7 0-16,-5-4 0 16,-8 1 0-16,-10 9 0 15,-7 9 0 1,0 13 0-16,-2 11 0 15,-2 15 0 1,1 14 0-16,6 4 0 31,3 3 0-31,3-4 0 16,10-7 0-16,8-11 0 16,11-13 0-1,8-15 0-15</inkml:trace>
-  <inkml:trace contextRef="#ctx0" brushRef="#br0" timeOffset="25884.38">26214 8840 200 0,'-3'-16'0'0,"0"-7"0"15,1 7 0 1,2 16 0-16,4 0 0 16,0 21 0-16,0 19 0 15,-4 17 0 1,-2 10 0-1,0 0 0-15,2-7 0 16,-3-11 0 0</inkml:trace>
-  <inkml:trace contextRef="#ctx0" brushRef="#br0" timeOffset="26163.45">26390 8704 200 0,'-4'31'0'16,"-7"28"0"-16,0 23 0 15,-8 13 0 1,-4 2 0-16,0-3 0 16,2-17 0-16</inkml:trace>
-  <inkml:trace contextRef="#ctx0" brushRef="#br0" timeOffset="29652.2">26390 8499 200 0,'0'0'0'0,"0"0"0"16,0 0 0-16,20-3 0 16,17 0 0-1,16 2 0-15,11 5 0 16,9 0 0 0,8 4 0-16,6-2 0 15,8-1 0-15,1 1 0 16,3-2 0-1,3-1 0-15,-3-2 0 16,-4-2 0 0,-10 1 0-16,-14 1 0 15,-18-1 0 1,-17 0 0-16,-14 0 0 16,-8 0 0-1,-14 0 0-15,0 0 0 16,0 0 0-1,-6 5 0-15,-9 1 0 16,-6 3 0 0,0 4 0-16,1 3 0 15,-1 8 0-15,0 7 0 16,5 10 0 0,4 16 0-1,3 15 0-15,4 15 0 16,-1 13 0-16,4 7 0 15,5 12 0 1,6 4 0-16,-4 8 0 16,3 1 0-1,0 0 0-15,2-1 0 16,-3-2 0 0,-2-8 0-16,-7-7 0 15,-4-7 0 1,-2-14 0-1,-1-11 0-15,0-11 0 32,-1-18 0-32,4-14 0 15,1-12 0 1,3-10 0-16,2-17 0 0,0 0 0 16,-3 9 0-16,-5-7 0 15,-1-5 0 1,-3-3 0-16,-4-7 0 15,-3-1 0 1,-8-4 0 0,-6-2 0-1,-17-1 0-15,-18 1 0 0,-18 5 0 16,-20 5 0 0,-17 8 0-16,-13 7 0 15,-5 8 0-15,0 5 0 31,13 4 0-15,12 0 0-16,15 2 0 16,12 2 0-1</inkml:trace>
-  <inkml:trace contextRef="#ctx0" brushRef="#br0" timeOffset="30111.12">28249 8849 200 0,'0'0'0'0,"0"0"0"0,0 0 0 16,11 10 0-1</inkml:trace>
-  <inkml:trace contextRef="#ctx0" brushRef="#br0" timeOffset="30510.01">28460 10093 200 0,'76'17'0'0,"30"26"0"16,-6 25 0-1,-26 26 0 1,-34 20 0-16,-37 27 0 15,-43 22 0-15,-32-1 0 16</inkml:trace>
-  <inkml:trace contextRef="#ctx0" brushRef="#br0" timeOffset="50623.36">8789 12624 200 0,'22'-41'0'16,"7"-19"0"-16,-3-5 0 15,-13 3 0-15,-13-1 0 16,-14 3 0 0,-20 0 0-16,-22 5 0 15,-20 9 0 1,-19 15 0-1,-42 25 0 1,-24 22 0-16,-15 31 0 16,-3 28 0-1,1 35 0-15,12 35 0 16,23 24 0 0,38 16 0-1,41 0 0-15,40-6 0 16,43-12 0-1,38-7 0-15,36-13 0 16,30-15 0-16,22-19 0 16,17-18 0-1,14-25 0-15,7-22 0 16,-1-28 0 0,-4-26 0-16,-14-27 0 15,-17-32 0 1,-19-25 0-16,-19-29 0 15,-24-27 0 1,-32-18 0-16,-29-8 0 16,-27-1 0-1,-32 3 0-15,-22 5 0 16,-20 13 0 15,-17 9 0-31,-13 11 0 0,-14 14 0 16,-4 9 0-16,4 13 0 15</inkml:trace>
-  <inkml:trace contextRef="#ctx0" brushRef="#br0" timeOffset="53082.95">16716 12223 200 0,'0'0'0'0,"0"0"0"16,0 0 0-16,-4 18 0 15,-2 12 0-15,1 6 0 16,-1 4 0 0,3 4 0-1,0 10 0-15,1 11 0 16,0 8 0-16,-1 13 0 16,1 9 0-1,-3 8 0 1,1 9 0-16,1 7 0 15,2 14 0 1,-3 6 0 0,-3 5 0-16,1 2 0 15,-3 3 0-15,-1 1 0 16,-1-2 0-16,-5-5 0 16,-5-5 0-1,0-15 0-15</inkml:trace>
-  <inkml:trace contextRef="#ctx0" brushRef="#br0" timeOffset="56380.59">23084 12061 200 0,'82'-60'0'0,"52"-23"0"16,21 6 0-16,16 17 0 15,12 27 0 1,-3 18 0 0,-10 18 0-16,-24 11 0 15,-34 8 0-15,-38 9 0 16,-37 8 0-1,-39 15 0 1,-41 11 0-16,-36 17 0 16,-34 17 0-1,-29 14 0-15,-18 15 0 16,-9 14 0 0,4 12 0-16,6 5 0 15,20-5 0 1,27-12 0-16,30-19 0 15,34-27 0 1,32-20 0 0,41-17 0-16,44-16 0 15,45-17 0 1,38-12 0-16,32-12 0 16,21-8 0-1,13 2 0-15,5 3 0 16,-18 7 0-16,-33 0 0 15,-39-4 0 1</inkml:trace>
-  <inkml:trace contextRef="#ctx0" brushRef="#br0" timeOffset="100867.3">5113 15368 200 0,'-43'-67'0'0,"-20"-18"0"16,-10 13 0-16,-3 30 0 31,-4 30 0-16,-6 31 0-15,-1 35 0 0,-18 42 0 16,-12 29 0-16,-3 29 0 31,-9 54 0-31,20 15 0 16,34-13 0-16,35-25 0 16,36-27 0-1,31-27 0-15,26-27 0 16,29-27 0-1,19-24 0 1,13-28 0-16,13-24 0 16,11-19 0-16,1-12 0 15,-4-9 0 1,-10-6 0-16,-14 0 0 16,-20 1 0-1,-22 3 0 1,-19 2 0-16,-26 1 0 15</inkml:trace>
-  <inkml:trace contextRef="#ctx0" brushRef="#br0" timeOffset="101674.93">6072 16126 200 0,'0'-43'0'0,"-6"-21"0"15,-4-2 0-15,-6 3 0 16,-6 2 0 0,-2 1 0-16,-7 4 0 15,-3 4 0 1,-7 7 0-1,-3 5 0-15,-7 11 0 16,-2 14 0 0,-7 15 0-16,-6 18 0 15,0 26 0 1,-1 29 0-16,4 28 0 16,7 25 0-1,16 9 0-15,18-9 0 16,22-18 0-1,18-20 0-15,15-24 0 16,15-24 0 0,10-21 0-16,7-19 0 15,6-15 0-15,2-17 0 16,-2-12 0 0,-2-13 0-1,-10-8 0-15,-11-5 0 16,-11 2 0-1,-10 7 0-15,-12 13 0 16,-6 14 0 0,-4 12 0-16,-5 22 0 15,-3 7 0-15,-3 23 0 16,1 18 0 0,8 13 0-16,9 3 0 15,8-2 0 1,10-6 0-16,8-9 0 15,8-10 0 1,7-6 0-16,5-8 0 16,0-6 0-1,-4-5 0-15,-6-9 0 16</inkml:trace>
-  <inkml:trace contextRef="#ctx0" brushRef="#br0" timeOffset="102180.27">6409 15768 200 0,'11'52'0'0,"11"30"0"15,7 6 0-15,-3-6 0 16,-2-13 0 0,-7-13 0-1,-4-15 0-15,-3-13 0 16,-3-10 0-1,-5-7 0 1,-2-11 0-16,-7-4 0 16,-8-18 0-16,-3-24 0 15,0-19 0-15,8-13 0 32,6-9 0-32,12-4 0 15,15-4 0-15,11 0 0 16,13 2 0-16,12 7 0 31,9 8 0-31,7 11 0 16,0 20 0-16,-6 17 0 15,-5 19 0 1,-12 8 0 0</inkml:trace>
-  <inkml:trace contextRef="#ctx0" brushRef="#br0" timeOffset="102800.66">7755 15495 200 0,'-44'-4'0'0,"-30"7"0"16,-16 16 0 0,-6 12 0-16,0 14 0 15,10 5 0 1,9 0 0-16,16-4 0 15,16-8 0 1,20-7 0 0,22-6 0-16,28-7 0 15,29-7 0 1,29-2 0-16,26 2 0 16,18 10 0-16,12 13 0 15,0 11 0 1,-3 12 0-16,-12 5 0 15,-21 7 0 1,-22 3 0-16,-25 4 0 16,-23 2 0-1,-24-4 0-15,-25-4 0 16,-22-4 0 0,-21-5 0-16,-12-6 0 15,-11-11 0 1,1-15 0-16,8-15 0 15,10-10 0 1,13-13 0 0,12-13 0-16,14-11 0 15,14-11 0-15,16-8 0 16</inkml:trace>
-  <inkml:trace contextRef="#ctx0" brushRef="#br0" timeOffset="103542.85">8604 15146 200 0,'0'38'0'16,"-2"30"0"-16,-6 28 0 0,1 19 0 31,-2 16 0-31,-6 16 0 0,-3 1 0 16,3-2 0 0,4-7 0-1,1-5 0-15,4-7 0 16,4-15 0-1,5-15 0-15,11-14 0 16,10-17 0 0,18-15 0-16,16-16 0 15,18-13 0 1,15-12 0-16,7-9 0 31,7-5 0-31,2-3 0 0,-3 1 0 31,-5 5 0-31,-9 2 0 16,-12 5 0 0,-12 5 0-16,-11 0 0 15,-14-5 0 1</inkml:trace>
-  <inkml:trace contextRef="#ctx0" brushRef="#br0" timeOffset="104111.32">8588 15078 200 0,'52'-11'0'0,"28"-3"0"16,16-1 0-1,8-1 0-15,-1 3 0 16,3 4 0 0,0 4 0-16,-7 7 0 15,-9 8 0 1,-9 3 0-16</inkml:trace>
-  <inkml:trace contextRef="#ctx0" brushRef="#br0" timeOffset="104839.98">10329 16041 200 0,'0'0'0'15,"14"-12"0"-15,7-12 0 16,-2-12 0-16,-5-11 0 16,-10-10 0-1,-10-11 0-15,-12-4 0 31,-11-1 0-31,-9 3 0 0,-13 6 0 16,-12 11 0 0,-13 11 0-16,-11 17 0 15,-9 20 0 1,-9 25 0-16,-1 25 0 16,-1 41 0-1,9 32 0-15,18 10 0 16,26-8 0-1,31-15 0 1,32-14 0-16,31-16 0 16,29-15 0-1,26-15 0-15,16-14 0 16,9-10 0-16,3-9 0 16,-3-12 0-1,-10-12 0 1,-10-12 0-16,-17-13 0 15,-20-9 0 1,-19-11 0 0,-20-12 0-1,-20-9 0-15,-17-4 0 16,-11 1 0 0,-14 6 0-16,-11 6 0 15,-3 8 0 1</inkml:trace>
-  <inkml:trace contextRef="#ctx0" brushRef="#br0" timeOffset="106208.93">10599 15316 200 0,'0'0'0'16,"0"0"0"-1,17-3 0-15,19 0 0 0,15 0 0 32,12-2 0-32,11 1 0 0,7-3 0 15,9 0 0 1,3-1 0-16,2-1 0 15,-4 3 0 1,-11 2 0-16,-16 1 0 31,-16 3 0-31,-14 5 0 16,-12 6 0 0,-11 11 0-1,-8 9 0-15,-10 9 0 16,-6 10 0-1,-3 12 0-15,-2 14 0 16,0 16 0 0,3 14 0-16,1 13 0 15,5 9 0 1,4 5 0-16,10 4 0 16,5-1 0-1,6-3 0-15,5-9 0 16,-1-10 0-1,-2-11 0-15,0-14 0 16,-2-14 0 0,-2-20 0-16,-5-11 0 15,-3-13 0 1,-3-9 0-16,0-7 0 16,-3-15 0-1,0 0 0-15,0 0 0 16,-3 10 0-16,-3-5 0 15,6-5 0 1,-7 2 0-16,-4-2 0 16,-4-3 0-16,-7-1 0 15,-9-1 0 1,-16-1 0 0,-12 0 0-16,-15 0 0 15,-12 0 0-15,-11 0 0 16,-8 3 0-1,-6 0 0-15,-5 2 0 16,4 4 0 0,10 5 0-16,8 1 0 15,12 4 0 1,13 3 0 0,10 0 0-16,16-7 0 15</inkml:trace>
-  <inkml:trace contextRef="#ctx0" brushRef="#br0" timeOffset="107254.99">12256 15759 200 0,'0'0'0'0,"0"0"0"15,0 0 0-15,0 0 0 16,0 0 0 0</inkml:trace>
-  <inkml:trace contextRef="#ctx0" brushRef="#br0" timeOffset="107702.3">12374 16500 200 0,'30'21'0'0,"21"16"0"16,9 10 0-16,1 12 0 15,-7 10 0 1,-16 11 0-16,-17 11 0 31,-27 7 0-31,-20 4 0 16,-19 5 0-16,-15-1 0 15,-12-7 0-15,-6-5 0 32,-8-3 0-32,7-18 0 15</inkml:trace>
-  <inkml:trace contextRef="#ctx0" brushRef="#br0" timeOffset="109019.75">14814 15563 200 0,'-26'16'0'16,"-23"17"0"-16,-17 16 0 15,-16 22 0 1,-21 24 0-16,-15 21 0 16,-12 18 0-1,-10 24 0-15,-12 15 0 16,-2 6 0-16,2 7 0 15,8-4 0 1,6-1 0-16,7-37 0 16</inkml:trace>
-  <inkml:trace contextRef="#ctx0" brushRef="#br0" timeOffset="109412.83">15572 15520 200 0,'1'16'0'15,"-13"17"0"-15,-24 20 0 16,-30 25 0 0,-34 26 0-16,-32 25 0 15,-28 32 0 1,-19 27 0-16,-7 16 0 15,0 14 0-15,11 5 0 16,13-2 0 0,22-7 0-16,20-34 0 15</inkml:trace>
-  <inkml:trace contextRef="#ctx0" brushRef="#br0" timeOffset="110209.19">16354 15998 200 0,'-6'76'0'16,"-1"50"0"-16,-6 18 0 15,2 10 0 1,-1-7 0-16,3-10 0 16,0-11 0-1,-1-9 0-15,3-13 0 16,1-9 0-16,1-12 0 16,0-11 0-1,1-13 0-15,1-29 0 16</inkml:trace>
-  <inkml:trace contextRef="#ctx0" brushRef="#br0" timeOffset="110650.78">16328 15930 200 0,'36'15'0'0,"24"3"0"0,17-3 0 16,18-9 0 0,13-4 0-16,17-4 0 31,13 1 0-31,6-2 0 15,-4 3 0-15,-10 3 0 0,-16 2 0 16,-19-1 0 15</inkml:trace>
-  <inkml:trace contextRef="#ctx0" brushRef="#br0" timeOffset="111067.87">15866 15445 200 0,'3'21'0'0,"0"17"0"16,0 15 0 0,0 9 0-16,-2-3 0 15,2-9 0 1,1-16 0-16,0-12 0 16</inkml:trace>
-  <inkml:trace contextRef="#ctx0" brushRef="#br0" timeOffset="111290.11">16009 15427 200 0,'0'18'0'0,"-2"19"0"0,-4 15 0 16,-5 14 0 0,-2 6 0-1,1 4 0-15,7-17 0 16</inkml:trace>
-  <inkml:trace contextRef="#ctx0" brushRef="#br0" timeOffset="111950.92">16303 16646 200 0,'0'0'0'0,"0"0"0"15,16 12 0-15,19 2 0 16,20-7 0-1,17-6 0-15,10-4 0 16,10-1 0 0,0-1 0-16,3 2 0 15,-4 4 0 1,-4 6 0-16,-13-1 0 16,-14 8 0-1</inkml:trace>
-  <inkml:trace contextRef="#ctx0" brushRef="#br0" timeOffset="112514.54">17708 17029 200 0,'0'0'0'16,"4"-21"0"-16,3-15 0 15,-6-9 0 1,-10-1 0-16,-12-1 0 31,-17 4 0-31,-15 11 0 0,-14 13 0 16,-6 18 0-1,-4 22 0-15,2 24 0 16,8 20 0 0,12 19 0-16,18 0 0 15,26-6 0 1,25-12 0-16,25-16 0 15,22-14 0 1,19-15 0 0,9-14 0-16,1-15 0 15,-4-12 0-15,-9-11 0 16,-13-11 0 0,-12-8 0-16,-18-8 0 15,-16-3 0 1,-15-2 0-16,-13 4 0 15,-6 9 0-15,-2 12 0 32</inkml:trace>
-  <inkml:trace contextRef="#ctx0" brushRef="#br0" timeOffset="112967.18">18129 16901 200 0,'16'46'0'0,"8"19"0"16,-1-7 0-1,-5-13 0 1,-4-14 0-16,-5-13 0 16,-4-9 0-16,-5-9 0 15,0 0 0 1,0 0 0-16,3-12 0 16,0-26 0-1,3-20 0-15,8-13 0 31,7-3 0-31,10 6 0 16,14 9 0 0,9 10 0-16,10 17 0 15,10 15 0 1,9 15 0-16,0 12 0 16,-4 14 0-1,-10 8 0-15,-12 2 0 16</inkml:trace>
-  <inkml:trace contextRef="#ctx0" brushRef="#br0" timeOffset="113393.93">19441 17140 200 0,'26'-7'0'0,"5"-5"0"16,-8-10 0-16,-16-8 0 16,-15-8 0-16,-19-3 0 15,-20-2 0 1,-15 4 0 0,-14 8 0-16,-9 10 0 15,-4 17 0-15,0 18 0 16,5 22 0-1,7 23 0-15,16 13 0 16,19 2 0 0,20-9 0-1,24-7 0-15,23-8 0 16,27-12 0-16,24-13 0 16,18-12 0-1,9-11 0-15,-6-10 0 16,-7-7 0-1,-11-8 0 1,-13-5 0-16,-11-11 0 16</inkml:trace>
-  <inkml:trace contextRef="#ctx0" brushRef="#br0" timeOffset="113707.48">19677 16304 200 0,'0'0'0'0,"-2"31"0"0,-1 30 0 78,-7 24 0-78,-6 21 0 0,-9 18 0 16,-1 6 0-16,0-6 0 0,6-15 0 0,6-18 0 0,6-17 0 16,1-15 0-16,4-19 0 15</inkml:trace>
-  <inkml:trace contextRef="#ctx0" brushRef="#br0" timeOffset="114169.47">20485 15776 200 0,'0'0'0'0,"-14"28"0"15,-11 18 0-15,-13 15 0 16,-12 11 0-1,-6-1 0-15,5-7 0 16,6-17 0 0,11-16 0-16,14-15 0 15,20-16 0 1</inkml:trace>
-  <inkml:trace contextRef="#ctx0" brushRef="#br0" timeOffset="114410.48">20703 15726 200 0,'-18'33'0'0,"-20"26"0"15,-9 14 0-15,-10 10 0 16,-6 2 0 0,1-3 0-16,2-5 0 15,7-15 0 1</inkml:trace>
-</inkml:ink>
-</file>
-
-<file path=ppt/ink/ink7.xml><?xml version="1.0" encoding="utf-8"?>
-<inkml:ink xmlns:inkml="http://www.w3.org/2003/InkML">
-  <inkml:definitions>
-    <inkml:context xml:id="ctx0">
-      <inkml:inkSource xml:id="inkSrc0">
-        <inkml:traceFormat>
-          <inkml:channel name="X" type="integer" max="32767" units="cm"/>
-          <inkml:channel name="Y" type="integer" max="32767" units="cm"/>
-          <inkml:channel name="F" type="integer" max="1024" units="dev"/>
-          <inkml:channel name="T" type="integer" max="2.14748E9" units="dev"/>
-        </inkml:traceFormat>
-        <inkml:channelProperties>
-          <inkml:channelProperty channel="X" name="resolution" value="325.74808" units="1/cm"/>
-          <inkml:channelProperty channel="Y" name="resolution" value="571.84991" units="1/cm"/>
-          <inkml:channelProperty channel="F" name="resolution" value="4.0315E-5" units="1/dev"/>
-          <inkml:channelProperty channel="T" name="resolution" value="1" units="1/dev"/>
-        </inkml:channelProperties>
-      </inkml:inkSource>
-      <inkml:timestamp xml:id="ts0" timeString="2023-08-10T13:57:36.787"/>
-    </inkml:context>
-    <inkml:brush xml:id="br0">
-      <inkml:brushProperty name="width" value="0.05292" units="cm"/>
-      <inkml:brushProperty name="height" value="0.05292" units="cm"/>
-      <inkml:brushProperty name="color" value="#FF0000"/>
-    </inkml:brush>
-  </inkml:definitions>
-  <inkml:trace contextRef="#ctx0" brushRef="#br0">17321 11583 200 0,'14'-1'0'0,"13"-2"0"16,6-2 0-1,8-1 0-15,8-2 0 16,6 2 0-16,5 3 0 16,8 0 0-1,11 3 0-15,14-4 0 16,17-1 0-1,15-3 0-15,11-2 0 16,9 3 0 0,5 2 0-16,4-1 0 15,16 2 0 1,5 1 0-16,13 3 0 16,17 1 0-1,7-3 0-15,14-3 0 16,8-5 0-1,10 1 0 1,8-2 0-16,9 4 0 16,11-1 0-16,7 5 0 15,10 2 0 1,8 7 0 0,8 8 0-16,2 2 0 15,-1 4 0-15,-4 5 0 31,-11 4 0-31,-16 1 0 16,-25 1 0 0,-34-6 0-16,-38-11 0 0</inkml:trace>
-</inkml:ink>
-</file>
-
-<file path=ppt/ink/ink8.xml><?xml version="1.0" encoding="utf-8"?>
-<inkml:ink xmlns:inkml="http://www.w3.org/2003/InkML">
-  <inkml:definitions>
-    <inkml:context xml:id="ctx0">
-      <inkml:inkSource xml:id="inkSrc0">
-        <inkml:traceFormat>
-          <inkml:channel name="X" type="integer" max="32767" units="cm"/>
-          <inkml:channel name="Y" type="integer" max="32767" units="cm"/>
-          <inkml:channel name="F" type="integer" max="1024" units="dev"/>
-          <inkml:channel name="T" type="integer" max="2.14748E9" units="dev"/>
-        </inkml:traceFormat>
-        <inkml:channelProperties>
-          <inkml:channelProperty channel="X" name="resolution" value="325.74808" units="1/cm"/>
-          <inkml:channelProperty channel="Y" name="resolution" value="571.84991" units="1/cm"/>
-          <inkml:channelProperty channel="F" name="resolution" value="4.0315E-5" units="1/dev"/>
-          <inkml:channelProperty channel="T" name="resolution" value="1" units="1/dev"/>
-        </inkml:channelProperties>
-      </inkml:inkSource>
-      <inkml:timestamp xml:id="ts0" timeString="2023-08-10T14:04:51.941"/>
-    </inkml:context>
-    <inkml:brush xml:id="br0">
-      <inkml:brushProperty name="width" value="0.05292" units="cm"/>
-      <inkml:brushProperty name="height" value="0.05292" units="cm"/>
-      <inkml:brushProperty name="color" value="#FF0000"/>
-    </inkml:brush>
-  </inkml:definitions>
-  <inkml:trace contextRef="#ctx0" brushRef="#br0">25584 6608 200 0,'0'0'0'15,"0"0"0"1,0 0 0-16,9 24 0 0,7 22 0 16,-2 23 0-1,-5 21 0-15,-9 21 0 31,-2 17 0-31,-2 7 0 16,-6 0 0-16,3-6 0 16,5-8 0-16,6-15 0 31,6-12 0-31,6-17 0 16</inkml:trace>
-  <inkml:trace contextRef="#ctx0" brushRef="#br0" timeOffset="554.03">25860 7699 200 0,'17'-13'0'0,"20"-19"0"15,17-14 0-15,12-14 0 16,11-8 0 0,2-7 0-1,-1-1 0-15,-9 5 0 16,-15 8 0 0,-22 10 0-16,-21 14 0 15,-19 19 0-15,-23 24 0 16,-14 26 0-1,-13 30 0 1,3 35 0-16,10 25 0 16,14 5 0-1,20-11 0-15,19-26 0 16,21-26 0-16,17-24 0 16,18-29 0-1,12-26 0-15,9-24 0 16,2-25 0-1,-7-23 0-15</inkml:trace>
-  <inkml:trace contextRef="#ctx0" brushRef="#br0" timeOffset="794.26">26996 6753 200 0,'9'56'0'0,"4"39"0"16,6 21 0-16,-4 6 0 16,4-1 0-1,0-12 0-15,-3-11 0 16,2-16 0-1,-8-8 0 1,-8-10 0-16</inkml:trace>
-  <inkml:trace contextRef="#ctx0" brushRef="#br0" timeOffset="1111.83">26719 7485 200 0,'130'-28'0'16,"64"-16"0"-16,10 0 0 16,-15 4 0-1,-24 4 0-15,-16-1 0 16,-20-3 0 0</inkml:trace>
-  <inkml:trace contextRef="#ctx0" brushRef="#br0" timeOffset="1488.51">28199 7025 200 0,'36'62'0'0,"20"29"0"16,3 6 0-1,-5-8 0-15,-2-9 0 16,-7-14 0 0</inkml:trace>
-  <inkml:trace contextRef="#ctx0" brushRef="#br0" timeOffset="1761.47">28175 7784 200 0,'46'-63'0'15,"37"-39"0"1,20-9 0-16,8 5 0 16,-2 8 0-16,-10 12 0 15,-13 11 0 1</inkml:trace>
-  <inkml:trace contextRef="#ctx0" brushRef="#br0" timeOffset="2144.48">29252 7307 200 0,'23'-10'0'15,"26"-5"0"-15,22-4 0 16,14-4 0 0,2 6 0-16,-4 7 0 15,-9 1 0 1</inkml:trace>
-  <inkml:trace contextRef="#ctx0" brushRef="#br0" timeOffset="2376.71">29286 7518 200 0,'76'-9'0'16,"44"-10"0"0,9 0 0-16,-7-2 0 15</inkml:trace>
-  <inkml:trace contextRef="#ctx0" brushRef="#br0" timeOffset="2742.57">30084 6905 200 0,'8'14'0'16,"2"23"0"-16,3 22 0 15,-5 21 0 1,-4 10 0 0,0 0 0-16,3-7 0 15,-1-10 0-15,0-12 0 16,0-18 0 0</inkml:trace>
-  <inkml:trace contextRef="#ctx0" brushRef="#br0" timeOffset="3287.43">30403 7016 200 0,'6'-23'0'0,"4"-6"0"0,-5 7 0 16,-5 22 0-16,-2 2 0 31,-4 21 0-31,0 23 0 16,-1 19 0 0,-1 7 0-16,-1-1 0 15,2-7 0 1,2-9 0-16,4-11 0 15,1-13 0 1,1-10 0-16,0-9 0 16,-1-12 0-1,0 0 0-15,2-10 0 16,9-15 0 0,14-13 0-16,20-9 0 15,20-1 0 1,16 7 0-16,8 8 0 15,3 15 0-15,-11 14 0 16,-14 18 0 0,-16 15 0-1,-25 11 0-15,-18 3 0 16,-18-1 0 0,-15-8 0-16,-9-7 0 15,-8-9 0-15,-12-9 0 16,-5-6 0-1</inkml:trace>
-  <inkml:trace contextRef="#ctx0" brushRef="#br0" timeOffset="3622.35">30429 7016 200 0,'0'0'0'16,"0"0"0"-16,0 0 0 16,0 0 0-1,0 0 0 1,19-12 0-16,23-10 0 15,22-7 0-15,27-9 0 16,29-7 0 0,16 0 0-1,5 4 0 1,-8 2 0-16,-19 9 0 0</inkml:trace>
-  <inkml:trace contextRef="#ctx0" brushRef="#br0" timeOffset="3954.54">31447 7008 200 0,'0'0'0'16,"0"0"0"-16,0 0 0 15,-4 16 0 1</inkml:trace>
-  <inkml:trace contextRef="#ctx0" brushRef="#br0" timeOffset="4308.1">31380 7383 200 0,'25'12'0'0,"19"8"0"16,7 11 0-1,-9 12 0-15,-15 15 0 16,-26 19 0-1,-26 4 0-15</inkml:trace>
-  <inkml:trace contextRef="#ctx0" brushRef="#br0" timeOffset="15663.06">24666 8568 200 0,'0'0'0'0,"16"11"0"16,13 18 0-1,10 16 0 32,17 43 0-47,15 22 0 0,3 7 0 0,7-3 0 16,0-8 0-16,2-7 0 47,-1-12 0-47,-5-11 0 0,-4-11 0 0,-13-8 0 15</inkml:trace>
-  <inkml:trace contextRef="#ctx0" brushRef="#br0" timeOffset="16088.9">24826 9710 200 0,'6'-31'0'16,"12"-23"0"-16,14-20 0 15,17-15 0-15,15-24 0 16,20-18 0-16,21-11 0 15,13 1 0 1,9 5 0-16,-2 15 0 16,-12 19 0-1</inkml:trace>
-  <inkml:trace contextRef="#ctx0" brushRef="#br0" timeOffset="16583.71">26122 9223 200 0,'26'-8'0'16,"35"-8"0"-16,26-2 0 15,10 0 0-15,1 4 0 16,-3 1 0 0,-9 0 0-16</inkml:trace>
-  <inkml:trace contextRef="#ctx0" brushRef="#br0" timeOffset="16812.21">26222 9454 200 0,'66'-13'0'16,"37"-6"0"-16,10 1 0 15,-2 2 0-15,-3 2 0 32</inkml:trace>
-  <inkml:trace contextRef="#ctx0" brushRef="#br0" timeOffset="17515.12">27258 8976 200 0,'0'0'0'0,"0"0"0"16,4 18 0-1,0 25 0-15,-1 22 0 16,-2 17 0-16,1 6 0 16,4-9 0-1,5-10 0-15,7-13 0 16,4-18 0-1,4-16 0-15,6-14 0 16,4-15 0 0,2-13 0-1,6-16 0-15,1-12 0 16,-5-6 0-16,0-4 0 16,-7 6 0-1,-8 9 0 1,-12 15 0-16,-5 11 0 15,-8 17 0-15,4 2 0 16,-2 21 0 0,-1 22 0-16,3 4 0 15,3-2 0 1,3-4 0-16,0-12 0 16,3-6 0-1,3-12 0-15</inkml:trace>
-  <inkml:trace contextRef="#ctx0" brushRef="#br0" timeOffset="17955.3">27864 9096 200 0,'13'71'0'0,"7"19"0"0,-3-12 0 16,-4-23 0 0,-6-22 0-1,-4-12 0-15,-3-21 0 16,1-7 0-16,6-30 0 31,7-23 0-31,5-11 0 16,4 0 0-16,4 14 0 15,5 15 0 1,2 19 0 0,0 21 0-16,-5 22 0 15,-5 23 0 1,-7 16 0-16,-7 6 0 15,-8-3 0-15,1-9 0 16,2-13 0 0,8-15 0-16</inkml:trace>
-  <inkml:trace contextRef="#ctx0" brushRef="#br0" timeOffset="18320.45">28663 9223 200 0,'0'0'0'0,"0"0"0"16,-7-16 0-1,-5-10 0-15,-9-6 0 16,-13 2 0-1,-5 8 0-15,-3 14 0 16,-3 20 0-16,-1 19 0 16,1 18 0-1,9 13 0-15,11 7 0 16,15-6 0 0,12-12 0-16,10-12 0 15,14-15 0 1,6-17 0-16,10-14 0 15,6-15 0 1,5-13 0-16,-1-15 0 16</inkml:trace>
-  <inkml:trace contextRef="#ctx0" brushRef="#br0" timeOffset="18584.29">28637 8755 200 0,'8'19'0'16,"8"21"0"-16,0 22 0 15,0 23 0 1,-4 10 0-16,-1-2 0 15,-1-13 0-15,0-17 0 16,4-16 0 0,0-19 0-16</inkml:trace>
-  <inkml:trace contextRef="#ctx0" brushRef="#br0" timeOffset="19304.08">28805 9146 200 0,'9'32'0'0,"6"10"0"31,5-5 0-31,4-13 0 0,1-11 0 16,4-11 0-1,0-9 0-15,-2-14 0 16,-1-11 0 0,-4-6 0-1,-8-4 0-15,-5 0 0 0,-5 5 0 32,-7 9 0-17,-1 12 0-15,-2 18 0 16,-2 21 0-16,-4 27 0 15,4 20 0 1,6-2 0-16,9-11 0 16,14-16 0-1,17-14 0-15,17-19 0 16,13-17 0 0,13-20 0-16,1-16 0 15,-7-15 0 1,-3-9 0-16,-9-3 0 15,-8 2 0 1,-10 3 0-16,-11 2 0 16,-13 1 0-1,-9 7 0-15,-12 5 0 16,-12 8 0 0,-11 8 0-1,-9 11 0-15,-10 13 0 16,1 12 0-16,0 15 0 15,0 17 0 1,8 22 0 0,3 20 0-16,4 16 0 15,8 12 0 1,5-5 0-16,11-15 0 16,9-13 0-1,6-15 0-15,2-11 0 16,1-9 0-16,-3-7 0 15,-8-12 0 1</inkml:trace>
-  <inkml:trace contextRef="#ctx0" brushRef="#br0" timeOffset="19505.06">29302 9351 200 0,'26'7'0'15,"21"-2"0"-15,13-5 0 16,10-6 0 0,7-4 0-16,-1-6 0 15</inkml:trace>
-  <inkml:trace contextRef="#ctx0" brushRef="#br0" timeOffset="19727.68">29856 9266 200 0,'5'14'0'0,"3"10"0"16,2 7 0 0,-3 1 0-16,0-2 0 15,-2-2 0-15,-1-14 0 16</inkml:trace>
-  <inkml:trace contextRef="#ctx0" brushRef="#br0" timeOffset="19908.37">29908 9037 200 0,'0'0'0'16,"0"0"0"-16,0 0 0 15</inkml:trace>
-  <inkml:trace contextRef="#ctx0" brushRef="#br0" timeOffset="20353.09">30067 9174 200 0,'10'20'0'0,"4"12"0"15,-2 2 0-15,-1-1 0 16,-3-5 0 0,-5-6 0-16,-2-5 0 15,-1-5 0 1,0-12 0-16,0 0 0 15,0 0 0-15,-2 0 0 16,1-11 0 0,3-11 0-16,10-13 0 15,9-10 0 1,9 1 0-16,8 7 0 16,8 12 0-1,-2 9 0-15,-5 16 0 16,-4 12 0-1,-8 13 0-15,-5 3 0 16,-8 5 0 0,-5-2 0-16,-5 0 0 15,0-5 0-15,1-7 0 16</inkml:trace>
-  <inkml:trace contextRef="#ctx0" brushRef="#br0" timeOffset="20823.8">30580 9163 200 0,'3'20'0'0,"2"7"0"0,2-3 0 16,4-6 0-1,4-6 0-15,9-11 0 32,8-7 0-32,4-10 0 0,6-5 0 31,-2-6 0-31,-5-6 0 16,-6 3 0-1,-9-4 0-15,-11 1 0 16,-9 7 0-1,-11 8 0-15,-9 12 0 16,-11 14 0-16,-2 15 0 16,-1 19 0-1,4 9 0-15,7 4 0 16,9-3 0 0,9-8 0-1,14-11 0-15,13-9 0 16,15-12 0-1,11-11 0-15,14-10 0 16,12-11 0 0,2-12 0-16</inkml:trace>
-  <inkml:trace contextRef="#ctx0" brushRef="#br0" timeOffset="21198.17">31499 9198 200 0,'-15'-35'0'0,"-13"-6"0"16,-13 7 0-1,-9 18 0-15,-2 17 0 16,-3 17 0 0,2 16 0-16,9 15 0 15,12 10 0 1,13 2 0-16,13-4 0 16,13-14 0-1,13-11 0-15,16-16 0 16,16-14 0-1,11-13 0-15,6-10 0 16,-1-11 0 0,-13-12 0-16</inkml:trace>
-  <inkml:trace contextRef="#ctx0" brushRef="#br0" timeOffset="21511.32">31488 8688 200 0,'-2'30'0'0,"-3"30"0"15,1 16 0-15,-1 10 0 16,3-3 0 0,5-9 0-16,6-8 0 15,8-9 0 1,0-6 0-16,0-4 0 16,-4-2 0-1</inkml:trace>
-  <inkml:trace contextRef="#ctx0" brushRef="#br0" timeOffset="21838.35">31868 8874 200 0,'0'0'0'0,"0"0"0"16,0 0 0 0,-4 15 0-16,-2 11 0 15</inkml:trace>
-  <inkml:trace contextRef="#ctx0" brushRef="#br0" timeOffset="22175.8">32027 9283 200 0,'0'0'0'0,"22"9"0"16,12 11 0-16,1 13 0 16,-8 15 0-1,-11 13 0-15,-16 14 0 16,-18 10 0-1,-11-11 0-15</inkml:trace>
-</inkml:ink>
-</file>
-
-<file path=ppt/ink/ink9.xml><?xml version="1.0" encoding="utf-8"?>
-<inkml:ink xmlns:inkml="http://www.w3.org/2003/InkML">
-  <inkml:definitions>
-    <inkml:context xml:id="ctx0">
-      <inkml:inkSource xml:id="inkSrc0">
-        <inkml:traceFormat>
-          <inkml:channel name="X" type="integer" max="32767" units="cm"/>
-          <inkml:channel name="Y" type="integer" max="32767" units="cm"/>
-          <inkml:channel name="F" type="integer" max="1024" units="dev"/>
-          <inkml:channel name="T" type="integer" max="2.14748E9" units="dev"/>
-        </inkml:traceFormat>
-        <inkml:channelProperties>
-          <inkml:channelProperty channel="X" name="resolution" value="325.74808" units="1/cm"/>
-          <inkml:channelProperty channel="Y" name="resolution" value="571.84991" units="1/cm"/>
-          <inkml:channelProperty channel="F" name="resolution" value="4.0315E-5" units="1/dev"/>
-          <inkml:channelProperty channel="T" name="resolution" value="1" units="1/dev"/>
-        </inkml:channelProperties>
-      </inkml:inkSource>
-      <inkml:timestamp xml:id="ts0" timeString="2023-08-10T14:08:14.345"/>
-    </inkml:context>
-    <inkml:brush xml:id="br0">
-      <inkml:brushProperty name="width" value="0.05292" units="cm"/>
-      <inkml:brushProperty name="height" value="0.05292" units="cm"/>
-      <inkml:brushProperty name="color" value="#FF0000"/>
-    </inkml:brush>
-  </inkml:definitions>
-  <inkml:trace contextRef="#ctx0" brushRef="#br0">30269 8116 200 0,'108'-37'0'16,"58"-9"0"-1,14-4 0-15,3 6 0 16,0 6 0 0,5 12 0-1,-2 7 0-15,-1 9 0 0,-6 8 0 32,-16 11 0-32,-27 3 0 15,-27 7 0 1,-30 3 0-16</inkml:trace>
-</inkml:ink>
-</file>
-
 <file path=ppt/notesMasters/notesMaster1.xml><?xml version="1.0" encoding="utf-8"?>
 <p:notesMaster xmlns:a="http://schemas.openxmlformats.org/drawingml/2006/main" xmlns:r="http://schemas.openxmlformats.org/officeDocument/2006/relationships" xmlns:p="http://schemas.openxmlformats.org/presentationml/2006/main">
   <p:cSld>
@@ -1567,7 +250,7 @@
           <a:p>
             <a:fld id="{1AEF8326-81B7-488D-BDE2-286B430D7654}" type="datetimeFigureOut">
               <a:rPr lang="en-US" smtClean="0"/>
-              <a:t>10/9/2023</a:t>
+              <a:t>1/4/2024</a:t>
             </a:fld>
             <a:endParaRPr lang="en-US"/>
           </a:p>
@@ -1907,7 +590,7 @@
           <a:p>
             <a:fld id="{F88FC734-EE4E-47A5-8A08-E093C6F4D491}" type="slidenum">
               <a:rPr lang="en-US" smtClean="0"/>
-              <a:t>21</a:t>
+              <a:t>23</a:t>
             </a:fld>
             <a:endParaRPr lang="en-US"/>
           </a:p>
@@ -2073,7 +756,7 @@
           <a:p>
             <a:fld id="{AF2413EA-2554-46AF-9B5C-11AB545AD812}" type="datetimeFigureOut">
               <a:rPr lang="en-US" smtClean="0"/>
-              <a:t>10/9/2023</a:t>
+              <a:t>1/4/2024</a:t>
             </a:fld>
             <a:endParaRPr lang="en-US"/>
           </a:p>
@@ -2271,7 +954,7 @@
           <a:p>
             <a:fld id="{AF2413EA-2554-46AF-9B5C-11AB545AD812}" type="datetimeFigureOut">
               <a:rPr lang="en-US" smtClean="0"/>
-              <a:t>10/9/2023</a:t>
+              <a:t>1/4/2024</a:t>
             </a:fld>
             <a:endParaRPr lang="en-US"/>
           </a:p>
@@ -2479,7 +1162,7 @@
           <a:p>
             <a:fld id="{AF2413EA-2554-46AF-9B5C-11AB545AD812}" type="datetimeFigureOut">
               <a:rPr lang="en-US" smtClean="0"/>
-              <a:t>10/9/2023</a:t>
+              <a:t>1/4/2024</a:t>
             </a:fld>
             <a:endParaRPr lang="en-US"/>
           </a:p>
@@ -2677,7 +1360,7 @@
           <a:p>
             <a:fld id="{AF2413EA-2554-46AF-9B5C-11AB545AD812}" type="datetimeFigureOut">
               <a:rPr lang="en-US" smtClean="0"/>
-              <a:t>10/9/2023</a:t>
+              <a:t>1/4/2024</a:t>
             </a:fld>
             <a:endParaRPr lang="en-US"/>
           </a:p>
@@ -2952,7 +1635,7 @@
           <a:p>
             <a:fld id="{AF2413EA-2554-46AF-9B5C-11AB545AD812}" type="datetimeFigureOut">
               <a:rPr lang="en-US" smtClean="0"/>
-              <a:t>10/9/2023</a:t>
+              <a:t>1/4/2024</a:t>
             </a:fld>
             <a:endParaRPr lang="en-US"/>
           </a:p>
@@ -3217,7 +1900,7 @@
           <a:p>
             <a:fld id="{AF2413EA-2554-46AF-9B5C-11AB545AD812}" type="datetimeFigureOut">
               <a:rPr lang="en-US" smtClean="0"/>
-              <a:t>10/9/2023</a:t>
+              <a:t>1/4/2024</a:t>
             </a:fld>
             <a:endParaRPr lang="en-US"/>
           </a:p>
@@ -3629,7 +2312,7 @@
           <a:p>
             <a:fld id="{AF2413EA-2554-46AF-9B5C-11AB545AD812}" type="datetimeFigureOut">
               <a:rPr lang="en-US" smtClean="0"/>
-              <a:t>10/9/2023</a:t>
+              <a:t>1/4/2024</a:t>
             </a:fld>
             <a:endParaRPr lang="en-US"/>
           </a:p>
@@ -3770,7 +2453,7 @@
           <a:p>
             <a:fld id="{AF2413EA-2554-46AF-9B5C-11AB545AD812}" type="datetimeFigureOut">
               <a:rPr lang="en-US" smtClean="0"/>
-              <a:t>10/9/2023</a:t>
+              <a:t>1/4/2024</a:t>
             </a:fld>
             <a:endParaRPr lang="en-US"/>
           </a:p>
@@ -3883,7 +2566,7 @@
           <a:p>
             <a:fld id="{AF2413EA-2554-46AF-9B5C-11AB545AD812}" type="datetimeFigureOut">
               <a:rPr lang="en-US" smtClean="0"/>
-              <a:t>10/9/2023</a:t>
+              <a:t>1/4/2024</a:t>
             </a:fld>
             <a:endParaRPr lang="en-US"/>
           </a:p>
@@ -4194,7 +2877,7 @@
           <a:p>
             <a:fld id="{AF2413EA-2554-46AF-9B5C-11AB545AD812}" type="datetimeFigureOut">
               <a:rPr lang="en-US" smtClean="0"/>
-              <a:t>10/9/2023</a:t>
+              <a:t>1/4/2024</a:t>
             </a:fld>
             <a:endParaRPr lang="en-US"/>
           </a:p>
@@ -4482,7 +3165,7 @@
           <a:p>
             <a:fld id="{AF2413EA-2554-46AF-9B5C-11AB545AD812}" type="datetimeFigureOut">
               <a:rPr lang="en-US" smtClean="0"/>
-              <a:t>10/9/2023</a:t>
+              <a:t>1/4/2024</a:t>
             </a:fld>
             <a:endParaRPr lang="en-US"/>
           </a:p>
@@ -4723,7 +3406,7 @@
           <a:p>
             <a:fld id="{AF2413EA-2554-46AF-9B5C-11AB545AD812}" type="datetimeFigureOut">
               <a:rPr lang="en-US" smtClean="0"/>
-              <a:t>10/9/2023</a:t>
+              <a:t>1/4/2024</a:t>
             </a:fld>
             <a:endParaRPr lang="en-US"/>
           </a:p>
@@ -5231,7 +3914,7 @@
           <p:cNvPr id="2" name="Title 1">
             <a:extLst>
               <a:ext uri="{FF2B5EF4-FFF2-40B4-BE49-F238E27FC236}">
-                <a16:creationId xmlns:a16="http://schemas.microsoft.com/office/drawing/2014/main" id="{ABDCA732-A6EE-44C2-9C5F-D197F58E1442}"/>
+                <a16:creationId xmlns:a16="http://schemas.microsoft.com/office/drawing/2014/main" id="{AAADBF19-2DD2-4767-A0ED-1C2B9BB73212}"/>
               </a:ext>
             </a:extLst>
           </p:cNvPr>
@@ -5259,7 +3942,7 @@
           <p:cNvPr id="3" name="Content Placeholder 2">
             <a:extLst>
               <a:ext uri="{FF2B5EF4-FFF2-40B4-BE49-F238E27FC236}">
-                <a16:creationId xmlns:a16="http://schemas.microsoft.com/office/drawing/2014/main" id="{6117B8D8-3548-4B76-B727-85D10A41732F}"/>
+                <a16:creationId xmlns:a16="http://schemas.microsoft.com/office/drawing/2014/main" id="{05352592-7CE0-4D91-9D4E-A9A0ADF93974}"/>
               </a:ext>
             </a:extLst>
           </p:cNvPr>
@@ -5277,7 +3960,21 @@
           <a:p>
             <a:r>
               <a:rPr lang="en-US" dirty="0"/>
-              <a:t>Abnormally large or small numbers can be written with scientific (exponential) notation</a:t>
+              <a:t>JavaScript only has one type of number, as opposed to other languages like Java or C++ that have both Integers (whole numbers) and Floats (decimals)</a:t>
+            </a:r>
+          </a:p>
+          <a:p>
+            <a:r>
+              <a:rPr lang="en-US" dirty="0"/>
+              <a:t>Any </a:t>
+            </a:r>
+            <a:r>
+              <a:rPr lang="en-US" b="1" i="1" dirty="0"/>
+              <a:t>number</a:t>
+            </a:r>
+            <a:r>
+              <a:rPr lang="en-US" dirty="0"/>
+              <a:t> can be written with or without decimals</a:t>
             </a:r>
           </a:p>
         </p:txBody>
@@ -5287,7 +3984,7 @@
           <p:cNvPr id="5" name="Picture 4">
             <a:extLst>
               <a:ext uri="{FF2B5EF4-FFF2-40B4-BE49-F238E27FC236}">
-                <a16:creationId xmlns:a16="http://schemas.microsoft.com/office/drawing/2014/main" id="{ED19C1F3-63E0-4C78-AD07-74EE8F42C04D}"/>
+                <a16:creationId xmlns:a16="http://schemas.microsoft.com/office/drawing/2014/main" id="{0F67258B-E37F-4F62-A485-31E6946B1E12}"/>
               </a:ext>
             </a:extLst>
           </p:cNvPr>
@@ -5310,105 +4007,18 @@
         </p:blipFill>
         <p:spPr>
           <a:xfrm>
-            <a:off x="6400800" y="3379749"/>
-            <a:ext cx="5791201" cy="3478251"/>
+            <a:off x="6992471" y="3565510"/>
+            <a:ext cx="5199529" cy="3292490"/>
           </a:xfrm>
           <a:prstGeom prst="rect">
             <a:avLst/>
           </a:prstGeom>
         </p:spPr>
       </p:pic>
-      <p:pic>
-        <p:nvPicPr>
-          <p:cNvPr id="7" name="Picture 6">
-            <a:extLst>
-              <a:ext uri="{FF2B5EF4-FFF2-40B4-BE49-F238E27FC236}">
-                <a16:creationId xmlns:a16="http://schemas.microsoft.com/office/drawing/2014/main" id="{34DAEAD3-490E-43B3-8D00-97629B5DF822}"/>
-              </a:ext>
-            </a:extLst>
-          </p:cNvPr>
-          <p:cNvPicPr>
-            <a:picLocks noChangeAspect="1"/>
-          </p:cNvPicPr>
-          <p:nvPr/>
-        </p:nvPicPr>
-        <p:blipFill>
-          <a:blip r:embed="rId3">
-            <a:extLst>
-              <a:ext uri="{28A0092B-C50C-407E-A947-70E740481C1C}">
-                <a14:useLocalDpi xmlns:a14="http://schemas.microsoft.com/office/drawing/2010/main" val="0"/>
-              </a:ext>
-            </a:extLst>
-          </a:blip>
-          <a:stretch>
-            <a:fillRect/>
-          </a:stretch>
-        </p:blipFill>
-        <p:spPr>
-          <a:xfrm>
-            <a:off x="0" y="3379749"/>
-            <a:ext cx="6487932" cy="3478252"/>
-          </a:xfrm>
-          <a:prstGeom prst="rect">
-            <a:avLst/>
-          </a:prstGeom>
-        </p:spPr>
-      </p:pic>
-      <mc:AlternateContent xmlns:mc="http://schemas.openxmlformats.org/markup-compatibility/2006" xmlns:p14="http://schemas.microsoft.com/office/powerpoint/2010/main">
-        <mc:Choice Requires="p14">
-          <p:contentPart p14:bwMode="auto" r:id="rId4">
-            <p14:nvContentPartPr>
-              <p14:cNvPr id="4" name="Ink 3">
-                <a:extLst>
-                  <a:ext uri="{FF2B5EF4-FFF2-40B4-BE49-F238E27FC236}">
-                    <a16:creationId xmlns:a16="http://schemas.microsoft.com/office/drawing/2014/main" id="{0A6D64D5-C66C-42C3-ADD7-8DDD842F38D7}"/>
-                  </a:ext>
-                </a:extLst>
-              </p14:cNvPr>
-              <p14:cNvContentPartPr/>
-              <p14:nvPr/>
-            </p14:nvContentPartPr>
-            <p14:xfrm>
-              <a:off x="543600" y="6492240"/>
-              <a:ext cx="1037160" cy="365760"/>
-            </p14:xfrm>
-          </p:contentPart>
-        </mc:Choice>
-        <mc:Fallback xmlns="">
-          <p:pic>
-            <p:nvPicPr>
-              <p:cNvPr id="4" name="Ink 3">
-                <a:extLst>
-                  <a:ext uri="{FF2B5EF4-FFF2-40B4-BE49-F238E27FC236}">
-                    <a16:creationId xmlns:a16="http://schemas.microsoft.com/office/drawing/2014/main" id="{0A6D64D5-C66C-42C3-ADD7-8DDD842F38D7}"/>
-                  </a:ext>
-                </a:extLst>
-              </p:cNvPr>
-              <p:cNvPicPr/>
-              <p:nvPr/>
-            </p:nvPicPr>
-            <p:blipFill>
-              <a:blip r:embed="rId5"/>
-              <a:stretch>
-                <a:fillRect/>
-              </a:stretch>
-            </p:blipFill>
-            <p:spPr>
-              <a:xfrm>
-                <a:off x="534240" y="6482880"/>
-                <a:ext cx="1055880" cy="384480"/>
-              </a:xfrm>
-              <a:prstGeom prst="rect">
-                <a:avLst/>
-              </a:prstGeom>
-            </p:spPr>
-          </p:pic>
-        </mc:Fallback>
-      </mc:AlternateContent>
     </p:spTree>
     <p:extLst>
       <p:ext uri="{BB962C8B-B14F-4D97-AF65-F5344CB8AC3E}">
-        <p14:creationId xmlns:p14="http://schemas.microsoft.com/office/powerpoint/2010/main" val="304802283"/>
+        <p14:creationId xmlns:p14="http://schemas.microsoft.com/office/powerpoint/2010/main" val="1807136680"/>
       </p:ext>
     </p:extLst>
   </p:cSld>
@@ -5440,7 +4050,7 @@
           <p:cNvPr id="2" name="Title 1">
             <a:extLst>
               <a:ext uri="{FF2B5EF4-FFF2-40B4-BE49-F238E27FC236}">
-                <a16:creationId xmlns:a16="http://schemas.microsoft.com/office/drawing/2014/main" id="{C454CDAB-B36B-40B8-A14D-0CE269DAAA1A}"/>
+                <a16:creationId xmlns:a16="http://schemas.microsoft.com/office/drawing/2014/main" id="{ABDCA732-A6EE-44C2-9C5F-D197F58E1442}"/>
               </a:ext>
             </a:extLst>
           </p:cNvPr>
@@ -5458,7 +4068,7 @@
           <a:p>
             <a:r>
               <a:rPr lang="en-US" dirty="0"/>
-              <a:t>JavaScript Booleans</a:t>
+              <a:t>JavaScript Numbers</a:t>
             </a:r>
           </a:p>
         </p:txBody>
@@ -5468,7 +4078,7 @@
           <p:cNvPr id="3" name="Content Placeholder 2">
             <a:extLst>
               <a:ext uri="{FF2B5EF4-FFF2-40B4-BE49-F238E27FC236}">
-                <a16:creationId xmlns:a16="http://schemas.microsoft.com/office/drawing/2014/main" id="{39E11EEB-B215-4761-9BD1-9B870B7E781D}"/>
+                <a16:creationId xmlns:a16="http://schemas.microsoft.com/office/drawing/2014/main" id="{6117B8D8-3548-4B76-B727-85D10A41732F}"/>
               </a:ext>
             </a:extLst>
           </p:cNvPr>
@@ -5486,164 +4096,8 @@
           <a:p>
             <a:r>
               <a:rPr lang="en-US" dirty="0"/>
-              <a:t>A </a:t>
-            </a:r>
-            <a:r>
-              <a:rPr lang="en-US" b="1" i="1" dirty="0"/>
-              <a:t>Boolean</a:t>
-            </a:r>
-            <a:r>
-              <a:rPr lang="en-US" dirty="0"/>
-              <a:t> is a data type that can have only 2 possible values: </a:t>
-            </a:r>
-            <a:r>
-              <a:rPr lang="en-US" i="1" dirty="0"/>
-              <a:t>True</a:t>
-            </a:r>
-            <a:r>
-              <a:rPr lang="en-US" dirty="0"/>
-              <a:t> or </a:t>
-            </a:r>
-            <a:r>
-              <a:rPr lang="en-US" i="1" dirty="0"/>
-              <a:t>False</a:t>
-            </a:r>
-            <a:endParaRPr lang="en-US" dirty="0"/>
-          </a:p>
-          <a:p>
-            <a:r>
-              <a:rPr lang="en-US" dirty="0"/>
-              <a:t>We’ll talk about </a:t>
-            </a:r>
-            <a:r>
-              <a:rPr lang="en-US" i="1" dirty="0"/>
-              <a:t>Booleans</a:t>
-            </a:r>
-            <a:r>
-              <a:rPr lang="en-US" dirty="0"/>
-              <a:t> a ton when we work with </a:t>
-            </a:r>
-            <a:r>
-              <a:rPr lang="en-US" i="1" dirty="0"/>
-              <a:t>conditionals</a:t>
-            </a:r>
-          </a:p>
-          <a:p>
-            <a:endParaRPr lang="en-US" i="1" dirty="0"/>
-          </a:p>
-          <a:p>
-            <a:endParaRPr lang="en-US" i="1" dirty="0"/>
-          </a:p>
-          <a:p>
-            <a:endParaRPr lang="en-US" i="1" dirty="0"/>
-          </a:p>
-          <a:p>
-            <a:endParaRPr lang="en-US" i="1" dirty="0"/>
-          </a:p>
-          <a:p>
-            <a:endParaRPr lang="en-US" i="1" dirty="0"/>
-          </a:p>
-          <a:p>
-            <a:endParaRPr lang="en-US" i="1" dirty="0"/>
-          </a:p>
-          <a:p>
-            <a:endParaRPr lang="en-US" i="1" dirty="0"/>
-          </a:p>
-          <a:p>
-            <a:endParaRPr lang="en-US" i="1" dirty="0"/>
-          </a:p>
-          <a:p>
-            <a:endParaRPr lang="en-US" i="1" dirty="0"/>
-          </a:p>
-          <a:p>
-            <a:endParaRPr lang="en-US" i="1" dirty="0"/>
-          </a:p>
-          <a:p>
-            <a:endParaRPr lang="en-US" i="1" dirty="0"/>
-          </a:p>
-          <a:p>
-            <a:endParaRPr lang="en-US" i="1" dirty="0"/>
-          </a:p>
-          <a:p>
-            <a:endParaRPr lang="en-US" i="1" dirty="0"/>
-          </a:p>
-          <a:p>
-            <a:endParaRPr lang="en-US" i="1" dirty="0"/>
-          </a:p>
-          <a:p>
-            <a:endParaRPr lang="en-US" i="1" dirty="0"/>
-          </a:p>
-          <a:p>
-            <a:endParaRPr lang="en-US" i="1" dirty="0"/>
-          </a:p>
-          <a:p>
-            <a:endParaRPr lang="en-US" i="1" dirty="0"/>
-          </a:p>
-          <a:p>
-            <a:endParaRPr lang="en-US" i="1" dirty="0"/>
-          </a:p>
-          <a:p>
-            <a:endParaRPr lang="en-US" i="1" dirty="0"/>
-          </a:p>
-          <a:p>
-            <a:endParaRPr lang="en-US" i="1" dirty="0"/>
-          </a:p>
-          <a:p>
-            <a:endParaRPr lang="en-US" i="1" dirty="0"/>
-          </a:p>
-          <a:p>
-            <a:endParaRPr lang="en-US" i="1" dirty="0"/>
-          </a:p>
-          <a:p>
-            <a:endParaRPr lang="en-US" i="1" dirty="0"/>
-          </a:p>
-          <a:p>
-            <a:endParaRPr lang="en-US" i="1" dirty="0"/>
-          </a:p>
-          <a:p>
-            <a:endParaRPr lang="en-US" i="1" dirty="0"/>
-          </a:p>
-          <a:p>
-            <a:endParaRPr lang="en-US" i="1" dirty="0"/>
-          </a:p>
-          <a:p>
-            <a:endParaRPr lang="en-US" i="1" dirty="0"/>
-          </a:p>
-          <a:p>
-            <a:endParaRPr lang="en-US" i="1" dirty="0"/>
-          </a:p>
-          <a:p>
-            <a:endParaRPr lang="en-US" i="1" dirty="0"/>
-          </a:p>
-          <a:p>
-            <a:endParaRPr lang="en-US" i="1" dirty="0"/>
-          </a:p>
-          <a:p>
-            <a:endParaRPr lang="en-US" i="1" dirty="0"/>
-          </a:p>
-          <a:p>
-            <a:endParaRPr lang="en-US" i="1" dirty="0"/>
-          </a:p>
-          <a:p>
-            <a:endParaRPr lang="en-US" i="1" dirty="0"/>
-          </a:p>
-          <a:p>
-            <a:endParaRPr lang="en-US" i="1" dirty="0"/>
-          </a:p>
-          <a:p>
-            <a:endParaRPr lang="en-US" i="1" dirty="0"/>
-          </a:p>
-          <a:p>
-            <a:endParaRPr lang="en-US" i="1" dirty="0"/>
-          </a:p>
-          <a:p>
-            <a:endParaRPr lang="en-US" i="1" dirty="0"/>
-          </a:p>
-          <a:p>
-            <a:pPr marL="0" indent="0">
-              <a:buNone/>
-            </a:pPr>
-            <a:endParaRPr lang="en-US" dirty="0"/>
+              <a:t>Abnormally large or small numbers can be written with scientific (exponential) notation</a:t>
+            </a:r>
           </a:p>
         </p:txBody>
       </p:sp>
@@ -5652,7 +4106,7 @@
           <p:cNvPr id="5" name="Picture 4">
             <a:extLst>
               <a:ext uri="{FF2B5EF4-FFF2-40B4-BE49-F238E27FC236}">
-                <a16:creationId xmlns:a16="http://schemas.microsoft.com/office/drawing/2014/main" id="{9BC326D0-4156-4EAD-BC9C-A05F5E2F731A}"/>
+                <a16:creationId xmlns:a16="http://schemas.microsoft.com/office/drawing/2014/main" id="{ED19C1F3-63E0-4C78-AD07-74EE8F42C04D}"/>
               </a:ext>
             </a:extLst>
           </p:cNvPr>
@@ -5675,8 +4129,8 @@
         </p:blipFill>
         <p:spPr>
           <a:xfrm>
-            <a:off x="0" y="5058951"/>
-            <a:ext cx="5755341" cy="1799715"/>
+            <a:off x="6400800" y="3379749"/>
+            <a:ext cx="5791201" cy="3478251"/>
           </a:xfrm>
           <a:prstGeom prst="rect">
             <a:avLst/>
@@ -5688,7 +4142,7 @@
           <p:cNvPr id="7" name="Picture 6">
             <a:extLst>
               <a:ext uri="{FF2B5EF4-FFF2-40B4-BE49-F238E27FC236}">
-                <a16:creationId xmlns:a16="http://schemas.microsoft.com/office/drawing/2014/main" id="{78CD640F-BB0E-4372-8CBE-08ADBAA0DB71}"/>
+                <a16:creationId xmlns:a16="http://schemas.microsoft.com/office/drawing/2014/main" id="{34DAEAD3-490E-43B3-8D00-97629B5DF822}"/>
               </a:ext>
             </a:extLst>
           </p:cNvPr>
@@ -5711,8 +4165,8 @@
         </p:blipFill>
         <p:spPr>
           <a:xfrm>
-            <a:off x="5755341" y="5068959"/>
-            <a:ext cx="6436660" cy="1789042"/>
+            <a:off x="0" y="3379749"/>
+            <a:ext cx="6487932" cy="3478252"/>
           </a:xfrm>
           <a:prstGeom prst="rect">
             <a:avLst/>
@@ -5722,7 +4176,7 @@
     </p:spTree>
     <p:extLst>
       <p:ext uri="{BB962C8B-B14F-4D97-AF65-F5344CB8AC3E}">
-        <p14:creationId xmlns:p14="http://schemas.microsoft.com/office/powerpoint/2010/main" val="3506689929"/>
+        <p14:creationId xmlns:p14="http://schemas.microsoft.com/office/powerpoint/2010/main" val="304802283"/>
       </p:ext>
     </p:extLst>
   </p:cSld>
@@ -5733,6 +4187,312 @@
 </file>
 
 <file path=ppt/slides/slide12.xml><?xml version="1.0" encoding="utf-8"?>
+<p:sld xmlns:a="http://schemas.openxmlformats.org/drawingml/2006/main" xmlns:r="http://schemas.openxmlformats.org/officeDocument/2006/relationships" xmlns:p="http://schemas.openxmlformats.org/presentationml/2006/main">
+  <p:cSld>
+    <p:spTree>
+      <p:nvGrpSpPr>
+        <p:cNvPr id="1" name=""/>
+        <p:cNvGrpSpPr/>
+        <p:nvPr/>
+      </p:nvGrpSpPr>
+      <p:grpSpPr>
+        <a:xfrm>
+          <a:off x="0" y="0"/>
+          <a:ext cx="0" cy="0"/>
+          <a:chOff x="0" y="0"/>
+          <a:chExt cx="0" cy="0"/>
+        </a:xfrm>
+      </p:grpSpPr>
+      <p:sp>
+        <p:nvSpPr>
+          <p:cNvPr id="2" name="Title 1">
+            <a:extLst>
+              <a:ext uri="{FF2B5EF4-FFF2-40B4-BE49-F238E27FC236}">
+                <a16:creationId xmlns:a16="http://schemas.microsoft.com/office/drawing/2014/main" id="{3E6FB487-ACE4-4E8E-95FD-2CBAA103B7CB}"/>
+              </a:ext>
+            </a:extLst>
+          </p:cNvPr>
+          <p:cNvSpPr>
+            <a:spLocks noGrp="1"/>
+          </p:cNvSpPr>
+          <p:nvPr>
+            <p:ph type="title"/>
+          </p:nvPr>
+        </p:nvSpPr>
+        <p:spPr/>
+        <p:txBody>
+          <a:bodyPr/>
+          <a:lstStyle/>
+          <a:p>
+            <a:r>
+              <a:rPr lang="en-US" dirty="0" err="1"/>
+              <a:t>Bigint</a:t>
+            </a:r>
+            <a:endParaRPr lang="en-US" dirty="0"/>
+          </a:p>
+        </p:txBody>
+      </p:sp>
+      <p:sp>
+        <p:nvSpPr>
+          <p:cNvPr id="3" name="Content Placeholder 2">
+            <a:extLst>
+              <a:ext uri="{FF2B5EF4-FFF2-40B4-BE49-F238E27FC236}">
+                <a16:creationId xmlns:a16="http://schemas.microsoft.com/office/drawing/2014/main" id="{4B1037BF-5482-4345-8F58-95E2CCC19CED}"/>
+              </a:ext>
+            </a:extLst>
+          </p:cNvPr>
+          <p:cNvSpPr>
+            <a:spLocks noGrp="1"/>
+          </p:cNvSpPr>
+          <p:nvPr>
+            <p:ph idx="1"/>
+          </p:nvPr>
+        </p:nvSpPr>
+        <p:spPr/>
+        <p:txBody>
+          <a:bodyPr/>
+          <a:lstStyle/>
+          <a:p>
+            <a:r>
+              <a:rPr lang="en-US" dirty="0"/>
+              <a:t>JavaScript’s Number data type is not accurate past a certain value (15 digits)</a:t>
+            </a:r>
+          </a:p>
+          <a:p>
+            <a:r>
+              <a:rPr lang="en-US" b="1" i="1" dirty="0" err="1"/>
+              <a:t>Bigint</a:t>
+            </a:r>
+            <a:r>
+              <a:rPr lang="en-US" dirty="0"/>
+              <a:t> is another data type designed to track numbers at extreme sizes and have no size limits</a:t>
+            </a:r>
+          </a:p>
+          <a:p>
+            <a:r>
+              <a:rPr lang="en-US" dirty="0"/>
+              <a:t>To create a </a:t>
+            </a:r>
+            <a:r>
+              <a:rPr lang="en-US" dirty="0" err="1"/>
+              <a:t>bigint</a:t>
+            </a:r>
+            <a:r>
+              <a:rPr lang="en-US" dirty="0"/>
+              <a:t>, you type an </a:t>
+            </a:r>
+            <a:r>
+              <a:rPr lang="en-US" b="1" i="1" dirty="0"/>
+              <a:t>n</a:t>
+            </a:r>
+            <a:r>
+              <a:rPr lang="en-US" dirty="0"/>
+              <a:t> after the end of your number</a:t>
+            </a:r>
+          </a:p>
+        </p:txBody>
+      </p:sp>
+      <p:pic>
+        <p:nvPicPr>
+          <p:cNvPr id="5" name="Picture 4">
+            <a:extLst>
+              <a:ext uri="{FF2B5EF4-FFF2-40B4-BE49-F238E27FC236}">
+                <a16:creationId xmlns:a16="http://schemas.microsoft.com/office/drawing/2014/main" id="{2095053D-E33C-4319-9B66-B5CC3BAA3E7A}"/>
+              </a:ext>
+            </a:extLst>
+          </p:cNvPr>
+          <p:cNvPicPr>
+            <a:picLocks noChangeAspect="1"/>
+          </p:cNvPicPr>
+          <p:nvPr/>
+        </p:nvPicPr>
+        <p:blipFill>
+          <a:blip r:embed="rId2">
+            <a:extLst>
+              <a:ext uri="{28A0092B-C50C-407E-A947-70E740481C1C}">
+                <a14:useLocalDpi xmlns:a14="http://schemas.microsoft.com/office/drawing/2010/main" val="0"/>
+              </a:ext>
+            </a:extLst>
+          </a:blip>
+          <a:stretch>
+            <a:fillRect/>
+          </a:stretch>
+        </p:blipFill>
+        <p:spPr>
+          <a:xfrm>
+            <a:off x="6096000" y="4985133"/>
+            <a:ext cx="6096000" cy="1872868"/>
+          </a:xfrm>
+          <a:prstGeom prst="rect">
+            <a:avLst/>
+          </a:prstGeom>
+        </p:spPr>
+      </p:pic>
+    </p:spTree>
+    <p:extLst>
+      <p:ext uri="{BB962C8B-B14F-4D97-AF65-F5344CB8AC3E}">
+        <p14:creationId xmlns:p14="http://schemas.microsoft.com/office/powerpoint/2010/main" val="4264294105"/>
+      </p:ext>
+    </p:extLst>
+  </p:cSld>
+  <p:clrMapOvr>
+    <a:masterClrMapping/>
+  </p:clrMapOvr>
+</p:sld>
+</file>
+
+<file path=ppt/slides/slide13.xml><?xml version="1.0" encoding="utf-8"?>
+<p:sld xmlns:a="http://schemas.openxmlformats.org/drawingml/2006/main" xmlns:r="http://schemas.openxmlformats.org/officeDocument/2006/relationships" xmlns:p="http://schemas.openxmlformats.org/presentationml/2006/main">
+  <p:cSld>
+    <p:spTree>
+      <p:nvGrpSpPr>
+        <p:cNvPr id="1" name=""/>
+        <p:cNvGrpSpPr/>
+        <p:nvPr/>
+      </p:nvGrpSpPr>
+      <p:grpSpPr>
+        <a:xfrm>
+          <a:off x="0" y="0"/>
+          <a:ext cx="0" cy="0"/>
+          <a:chOff x="0" y="0"/>
+          <a:chExt cx="0" cy="0"/>
+        </a:xfrm>
+      </p:grpSpPr>
+      <p:sp>
+        <p:nvSpPr>
+          <p:cNvPr id="2" name="Title 1">
+            <a:extLst>
+              <a:ext uri="{FF2B5EF4-FFF2-40B4-BE49-F238E27FC236}">
+                <a16:creationId xmlns:a16="http://schemas.microsoft.com/office/drawing/2014/main" id="{DEDE4E49-B39E-440A-8810-75F9F06C8386}"/>
+              </a:ext>
+            </a:extLst>
+          </p:cNvPr>
+          <p:cNvSpPr>
+            <a:spLocks noGrp="1"/>
+          </p:cNvSpPr>
+          <p:nvPr>
+            <p:ph type="title"/>
+          </p:nvPr>
+        </p:nvSpPr>
+        <p:spPr/>
+        <p:txBody>
+          <a:bodyPr/>
+          <a:lstStyle/>
+          <a:p>
+            <a:r>
+              <a:rPr lang="en-US" dirty="0" err="1"/>
+              <a:t>Bigint</a:t>
+            </a:r>
+            <a:endParaRPr lang="en-US" dirty="0"/>
+          </a:p>
+        </p:txBody>
+      </p:sp>
+      <p:sp>
+        <p:nvSpPr>
+          <p:cNvPr id="3" name="Content Placeholder 2">
+            <a:extLst>
+              <a:ext uri="{FF2B5EF4-FFF2-40B4-BE49-F238E27FC236}">
+                <a16:creationId xmlns:a16="http://schemas.microsoft.com/office/drawing/2014/main" id="{76153B11-77CD-4FD3-9783-5F486ACBF60E}"/>
+              </a:ext>
+            </a:extLst>
+          </p:cNvPr>
+          <p:cNvSpPr>
+            <a:spLocks noGrp="1"/>
+          </p:cNvSpPr>
+          <p:nvPr>
+            <p:ph idx="1"/>
+          </p:nvPr>
+        </p:nvSpPr>
+        <p:spPr/>
+        <p:txBody>
+          <a:bodyPr/>
+          <a:lstStyle/>
+          <a:p>
+            <a:r>
+              <a:rPr lang="en-US" dirty="0" err="1"/>
+              <a:t>Bigints</a:t>
+            </a:r>
+            <a:r>
+              <a:rPr lang="en-US" dirty="0"/>
+              <a:t> are helpful for situations that require exact mathematical precision with large integers, like cryptography and complex computations</a:t>
+            </a:r>
+          </a:p>
+          <a:p>
+            <a:r>
+              <a:rPr lang="en-US" dirty="0" err="1"/>
+              <a:t>Bigints</a:t>
+            </a:r>
+            <a:r>
+              <a:rPr lang="en-US" dirty="0"/>
+              <a:t> are a relatively new data type that were introduced in 2020</a:t>
+            </a:r>
+          </a:p>
+          <a:p>
+            <a:r>
+              <a:rPr lang="en-US" dirty="0"/>
+              <a:t>Although </a:t>
+            </a:r>
+            <a:r>
+              <a:rPr lang="en-US" dirty="0" err="1"/>
+              <a:t>bigints</a:t>
+            </a:r>
+            <a:r>
+              <a:rPr lang="en-US" dirty="0"/>
+              <a:t> are numbers both represent numbers, you cannot operate on both at the same time</a:t>
+            </a:r>
+          </a:p>
+        </p:txBody>
+      </p:sp>
+      <p:pic>
+        <p:nvPicPr>
+          <p:cNvPr id="5" name="Picture 4">
+            <a:extLst>
+              <a:ext uri="{FF2B5EF4-FFF2-40B4-BE49-F238E27FC236}">
+                <a16:creationId xmlns:a16="http://schemas.microsoft.com/office/drawing/2014/main" id="{CE01BE7A-5747-490F-B92E-0841EB2DCF1A}"/>
+              </a:ext>
+            </a:extLst>
+          </p:cNvPr>
+          <p:cNvPicPr>
+            <a:picLocks noChangeAspect="1"/>
+          </p:cNvPicPr>
+          <p:nvPr/>
+        </p:nvPicPr>
+        <p:blipFill>
+          <a:blip r:embed="rId2">
+            <a:extLst>
+              <a:ext uri="{28A0092B-C50C-407E-A947-70E740481C1C}">
+                <a14:useLocalDpi xmlns:a14="http://schemas.microsoft.com/office/drawing/2010/main" val="0"/>
+              </a:ext>
+            </a:extLst>
+          </a:blip>
+          <a:stretch>
+            <a:fillRect/>
+          </a:stretch>
+        </p:blipFill>
+        <p:spPr>
+          <a:xfrm>
+            <a:off x="1" y="4803338"/>
+            <a:ext cx="12192000" cy="2054662"/>
+          </a:xfrm>
+          <a:prstGeom prst="rect">
+            <a:avLst/>
+          </a:prstGeom>
+        </p:spPr>
+      </p:pic>
+    </p:spTree>
+    <p:extLst>
+      <p:ext uri="{BB962C8B-B14F-4D97-AF65-F5344CB8AC3E}">
+        <p14:creationId xmlns:p14="http://schemas.microsoft.com/office/powerpoint/2010/main" val="2470950947"/>
+      </p:ext>
+    </p:extLst>
+  </p:cSld>
+  <p:clrMapOvr>
+    <a:masterClrMapping/>
+  </p:clrMapOvr>
+</p:sld>
+</file>
+
+<file path=ppt/slides/slide14.xml><?xml version="1.0" encoding="utf-8"?>
 <p:sld xmlns:a="http://schemas.openxmlformats.org/drawingml/2006/main" xmlns:r="http://schemas.openxmlformats.org/officeDocument/2006/relationships" xmlns:p="http://schemas.openxmlformats.org/presentationml/2006/main">
   <p:cSld>
     <p:spTree>
@@ -5866,7 +4626,7 @@
 </p:sld>
 </file>
 
-<file path=ppt/slides/slide13.xml><?xml version="1.0" encoding="utf-8"?>
+<file path=ppt/slides/slide15.xml><?xml version="1.0" encoding="utf-8"?>
 <p:sld xmlns:a="http://schemas.openxmlformats.org/drawingml/2006/main" xmlns:r="http://schemas.openxmlformats.org/officeDocument/2006/relationships" xmlns:p="http://schemas.openxmlformats.org/presentationml/2006/main">
   <p:cSld>
     <p:spTree>
@@ -5947,57 +4707,6 @@
           </a:p>
         </p:txBody>
       </p:sp>
-      <mc:AlternateContent xmlns:mc="http://schemas.openxmlformats.org/markup-compatibility/2006" xmlns:p14="http://schemas.microsoft.com/office/powerpoint/2010/main">
-        <mc:Choice Requires="p14">
-          <p:contentPart p14:bwMode="auto" r:id="rId2">
-            <p14:nvContentPartPr>
-              <p14:cNvPr id="4" name="Ink 3">
-                <a:extLst>
-                  <a:ext uri="{FF2B5EF4-FFF2-40B4-BE49-F238E27FC236}">
-                    <a16:creationId xmlns:a16="http://schemas.microsoft.com/office/drawing/2014/main" id="{EBAE21EA-11FD-4064-8192-747A99848429}"/>
-                  </a:ext>
-                </a:extLst>
-              </p14:cNvPr>
-              <p14:cNvContentPartPr/>
-              <p14:nvPr/>
-            </p14:nvContentPartPr>
-            <p14:xfrm>
-              <a:off x="1406160" y="2813400"/>
-              <a:ext cx="8983440" cy="3549600"/>
-            </p14:xfrm>
-          </p:contentPart>
-        </mc:Choice>
-        <mc:Fallback xmlns="">
-          <p:pic>
-            <p:nvPicPr>
-              <p:cNvPr id="4" name="Ink 3">
-                <a:extLst>
-                  <a:ext uri="{FF2B5EF4-FFF2-40B4-BE49-F238E27FC236}">
-                    <a16:creationId xmlns:a16="http://schemas.microsoft.com/office/drawing/2014/main" id="{EBAE21EA-11FD-4064-8192-747A99848429}"/>
-                  </a:ext>
-                </a:extLst>
-              </p:cNvPr>
-              <p:cNvPicPr/>
-              <p:nvPr/>
-            </p:nvPicPr>
-            <p:blipFill>
-              <a:blip r:embed="rId3"/>
-              <a:stretch>
-                <a:fillRect/>
-              </a:stretch>
-            </p:blipFill>
-            <p:spPr>
-              <a:xfrm>
-                <a:off x="1396800" y="2804040"/>
-                <a:ext cx="9002160" cy="3568320"/>
-              </a:xfrm>
-              <a:prstGeom prst="rect">
-                <a:avLst/>
-              </a:prstGeom>
-            </p:spPr>
-          </p:pic>
-        </mc:Fallback>
-      </mc:AlternateContent>
     </p:spTree>
     <p:extLst>
       <p:ext uri="{BB962C8B-B14F-4D97-AF65-F5344CB8AC3E}">
@@ -6011,7 +4720,7 @@
 </p:sld>
 </file>
 
-<file path=ppt/slides/slide14.xml><?xml version="1.0" encoding="utf-8"?>
+<file path=ppt/slides/slide16.xml><?xml version="1.0" encoding="utf-8"?>
 <p:sld xmlns:a="http://schemas.openxmlformats.org/drawingml/2006/main" xmlns:r="http://schemas.openxmlformats.org/officeDocument/2006/relationships" xmlns:p="http://schemas.openxmlformats.org/presentationml/2006/main">
   <p:cSld>
     <p:spTree>
@@ -6142,57 +4851,6 @@
           </a:prstGeom>
         </p:spPr>
       </p:pic>
-      <mc:AlternateContent xmlns:mc="http://schemas.openxmlformats.org/markup-compatibility/2006" xmlns:p14="http://schemas.microsoft.com/office/powerpoint/2010/main">
-        <mc:Choice Requires="p14">
-          <p:contentPart p14:bwMode="auto" r:id="rId3">
-            <p14:nvContentPartPr>
-              <p14:cNvPr id="4" name="Ink 3">
-                <a:extLst>
-                  <a:ext uri="{FF2B5EF4-FFF2-40B4-BE49-F238E27FC236}">
-                    <a16:creationId xmlns:a16="http://schemas.microsoft.com/office/drawing/2014/main" id="{22FCFA2A-C767-45E1-B4E4-A4E78ADF0A2B}"/>
-                  </a:ext>
-                </a:extLst>
-              </p14:cNvPr>
-              <p14:cNvContentPartPr/>
-              <p14:nvPr/>
-            </p14:nvContentPartPr>
-            <p14:xfrm>
-              <a:off x="6235560" y="4118760"/>
-              <a:ext cx="2546640" cy="75960"/>
-            </p14:xfrm>
-          </p:contentPart>
-        </mc:Choice>
-        <mc:Fallback xmlns="">
-          <p:pic>
-            <p:nvPicPr>
-              <p:cNvPr id="4" name="Ink 3">
-                <a:extLst>
-                  <a:ext uri="{FF2B5EF4-FFF2-40B4-BE49-F238E27FC236}">
-                    <a16:creationId xmlns:a16="http://schemas.microsoft.com/office/drawing/2014/main" id="{22FCFA2A-C767-45E1-B4E4-A4E78ADF0A2B}"/>
-                  </a:ext>
-                </a:extLst>
-              </p:cNvPr>
-              <p:cNvPicPr/>
-              <p:nvPr/>
-            </p:nvPicPr>
-            <p:blipFill>
-              <a:blip r:embed="rId4"/>
-              <a:stretch>
-                <a:fillRect/>
-              </a:stretch>
-            </p:blipFill>
-            <p:spPr>
-              <a:xfrm>
-                <a:off x="6226200" y="4109400"/>
-                <a:ext cx="2565360" cy="94680"/>
-              </a:xfrm>
-              <a:prstGeom prst="rect">
-                <a:avLst/>
-              </a:prstGeom>
-            </p:spPr>
-          </p:pic>
-        </mc:Fallback>
-      </mc:AlternateContent>
     </p:spTree>
     <p:extLst>
       <p:ext uri="{BB962C8B-B14F-4D97-AF65-F5344CB8AC3E}">
@@ -6206,7 +4864,7 @@
 </p:sld>
 </file>
 
-<file path=ppt/slides/slide15.xml><?xml version="1.0" encoding="utf-8"?>
+<file path=ppt/slides/slide17.xml><?xml version="1.0" encoding="utf-8"?>
 <p:sld xmlns:a="http://schemas.openxmlformats.org/drawingml/2006/main" xmlns:r="http://schemas.openxmlformats.org/officeDocument/2006/relationships" xmlns:p="http://schemas.openxmlformats.org/presentationml/2006/main">
   <p:cSld>
     <p:spTree>
@@ -6394,7 +5052,7 @@
 </p:sld>
 </file>
 
-<file path=ppt/slides/slide16.xml><?xml version="1.0" encoding="utf-8"?>
+<file path=ppt/slides/slide18.xml><?xml version="1.0" encoding="utf-8"?>
 <p:sld xmlns:a="http://schemas.openxmlformats.org/drawingml/2006/main" xmlns:r="http://schemas.openxmlformats.org/officeDocument/2006/relationships" xmlns:p="http://schemas.openxmlformats.org/presentationml/2006/main">
   <p:cSld>
     <p:spTree>
@@ -6560,423 +5218,10 @@
           </a:prstGeom>
         </p:spPr>
       </p:pic>
-      <mc:AlternateContent xmlns:mc="http://schemas.openxmlformats.org/markup-compatibility/2006" xmlns:p14="http://schemas.microsoft.com/office/powerpoint/2010/main">
-        <mc:Choice Requires="p14">
-          <p:contentPart p14:bwMode="auto" r:id="rId4">
-            <p14:nvContentPartPr>
-              <p14:cNvPr id="4" name="Ink 3">
-                <a:extLst>
-                  <a:ext uri="{FF2B5EF4-FFF2-40B4-BE49-F238E27FC236}">
-                    <a16:creationId xmlns:a16="http://schemas.microsoft.com/office/drawing/2014/main" id="{24C37983-D8B3-40D3-A23A-BFC948739D05}"/>
-                  </a:ext>
-                </a:extLst>
-              </p14:cNvPr>
-              <p14:cNvContentPartPr/>
-              <p14:nvPr/>
-            </p14:nvContentPartPr>
-            <p14:xfrm>
-              <a:off x="8879760" y="2378880"/>
-              <a:ext cx="2698560" cy="1117080"/>
-            </p14:xfrm>
-          </p:contentPart>
-        </mc:Choice>
-        <mc:Fallback xmlns="">
-          <p:pic>
-            <p:nvPicPr>
-              <p:cNvPr id="4" name="Ink 3">
-                <a:extLst>
-                  <a:ext uri="{FF2B5EF4-FFF2-40B4-BE49-F238E27FC236}">
-                    <a16:creationId xmlns:a16="http://schemas.microsoft.com/office/drawing/2014/main" id="{24C37983-D8B3-40D3-A23A-BFC948739D05}"/>
-                  </a:ext>
-                </a:extLst>
-              </p:cNvPr>
-              <p:cNvPicPr/>
-              <p:nvPr/>
-            </p:nvPicPr>
-            <p:blipFill>
-              <a:blip r:embed="rId5"/>
-              <a:stretch>
-                <a:fillRect/>
-              </a:stretch>
-            </p:blipFill>
-            <p:spPr>
-              <a:xfrm>
-                <a:off x="8870400" y="2369520"/>
-                <a:ext cx="2717280" cy="1135800"/>
-              </a:xfrm>
-              <a:prstGeom prst="rect">
-                <a:avLst/>
-              </a:prstGeom>
-            </p:spPr>
-          </p:pic>
-        </mc:Fallback>
-      </mc:AlternateContent>
     </p:spTree>
     <p:extLst>
       <p:ext uri="{BB962C8B-B14F-4D97-AF65-F5344CB8AC3E}">
         <p14:creationId xmlns:p14="http://schemas.microsoft.com/office/powerpoint/2010/main" val="2063225902"/>
-      </p:ext>
-    </p:extLst>
-  </p:cSld>
-  <p:clrMapOvr>
-    <a:masterClrMapping/>
-  </p:clrMapOvr>
-</p:sld>
-</file>
-
-<file path=ppt/slides/slide17.xml><?xml version="1.0" encoding="utf-8"?>
-<p:sld xmlns:a="http://schemas.openxmlformats.org/drawingml/2006/main" xmlns:r="http://schemas.openxmlformats.org/officeDocument/2006/relationships" xmlns:p="http://schemas.openxmlformats.org/presentationml/2006/main">
-  <p:cSld>
-    <p:spTree>
-      <p:nvGrpSpPr>
-        <p:cNvPr id="1" name=""/>
-        <p:cNvGrpSpPr/>
-        <p:nvPr/>
-      </p:nvGrpSpPr>
-      <p:grpSpPr>
-        <a:xfrm>
-          <a:off x="0" y="0"/>
-          <a:ext cx="0" cy="0"/>
-          <a:chOff x="0" y="0"/>
-          <a:chExt cx="0" cy="0"/>
-        </a:xfrm>
-      </p:grpSpPr>
-      <p:sp>
-        <p:nvSpPr>
-          <p:cNvPr id="2" name="Title 1">
-            <a:extLst>
-              <a:ext uri="{FF2B5EF4-FFF2-40B4-BE49-F238E27FC236}">
-                <a16:creationId xmlns:a16="http://schemas.microsoft.com/office/drawing/2014/main" id="{768D8866-655C-43D7-A76C-2AE985C59AC9}"/>
-              </a:ext>
-            </a:extLst>
-          </p:cNvPr>
-          <p:cNvSpPr>
-            <a:spLocks noGrp="1"/>
-          </p:cNvSpPr>
-          <p:nvPr>
-            <p:ph type="title"/>
-          </p:nvPr>
-        </p:nvSpPr>
-        <p:spPr/>
-        <p:txBody>
-          <a:bodyPr/>
-          <a:lstStyle/>
-          <a:p>
-            <a:r>
-              <a:rPr lang="en-US" dirty="0"/>
-              <a:t>Empty Values</a:t>
-            </a:r>
-          </a:p>
-        </p:txBody>
-      </p:sp>
-      <p:sp>
-        <p:nvSpPr>
-          <p:cNvPr id="3" name="Content Placeholder 2">
-            <a:extLst>
-              <a:ext uri="{FF2B5EF4-FFF2-40B4-BE49-F238E27FC236}">
-                <a16:creationId xmlns:a16="http://schemas.microsoft.com/office/drawing/2014/main" id="{2AB7D4ED-B005-4CC8-B302-5FC52EE1E869}"/>
-              </a:ext>
-            </a:extLst>
-          </p:cNvPr>
-          <p:cNvSpPr>
-            <a:spLocks noGrp="1"/>
-          </p:cNvSpPr>
-          <p:nvPr>
-            <p:ph idx="1"/>
-          </p:nvPr>
-        </p:nvSpPr>
-        <p:spPr/>
-        <p:txBody>
-          <a:bodyPr/>
-          <a:lstStyle/>
-          <a:p>
-            <a:r>
-              <a:rPr lang="en-US" dirty="0"/>
-              <a:t>An empty value is not </a:t>
-            </a:r>
-            <a:r>
-              <a:rPr lang="en-US" i="1" dirty="0"/>
-              <a:t>undefined</a:t>
-            </a:r>
-            <a:endParaRPr lang="en-US" dirty="0"/>
-          </a:p>
-          <a:p>
-            <a:r>
-              <a:rPr lang="en-US" dirty="0"/>
-              <a:t>An empty string has both a value and a type</a:t>
-            </a:r>
-          </a:p>
-        </p:txBody>
-      </p:sp>
-      <p:pic>
-        <p:nvPicPr>
-          <p:cNvPr id="5" name="Picture 4">
-            <a:extLst>
-              <a:ext uri="{FF2B5EF4-FFF2-40B4-BE49-F238E27FC236}">
-                <a16:creationId xmlns:a16="http://schemas.microsoft.com/office/drawing/2014/main" id="{F5EC3A77-43FB-450D-BEE1-BF70E28EDA36}"/>
-              </a:ext>
-            </a:extLst>
-          </p:cNvPr>
-          <p:cNvPicPr>
-            <a:picLocks noChangeAspect="1"/>
-          </p:cNvPicPr>
-          <p:nvPr/>
-        </p:nvPicPr>
-        <p:blipFill>
-          <a:blip r:embed="rId2">
-            <a:extLst>
-              <a:ext uri="{28A0092B-C50C-407E-A947-70E740481C1C}">
-                <a14:useLocalDpi xmlns:a14="http://schemas.microsoft.com/office/drawing/2010/main" val="0"/>
-              </a:ext>
-            </a:extLst>
-          </a:blip>
-          <a:stretch>
-            <a:fillRect/>
-          </a:stretch>
-        </p:blipFill>
-        <p:spPr>
-          <a:xfrm>
-            <a:off x="8157883" y="2207987"/>
-            <a:ext cx="4034118" cy="4650013"/>
-          </a:xfrm>
-          <a:prstGeom prst="rect">
-            <a:avLst/>
-          </a:prstGeom>
-        </p:spPr>
-      </p:pic>
-      <mc:AlternateContent xmlns:mc="http://schemas.openxmlformats.org/markup-compatibility/2006" xmlns:p14="http://schemas.microsoft.com/office/powerpoint/2010/main">
-        <mc:Choice Requires="p14">
-          <p:contentPart p14:bwMode="auto" r:id="rId3">
-            <p14:nvContentPartPr>
-              <p14:cNvPr id="4" name="Ink 3">
-                <a:extLst>
-                  <a:ext uri="{FF2B5EF4-FFF2-40B4-BE49-F238E27FC236}">
-                    <a16:creationId xmlns:a16="http://schemas.microsoft.com/office/drawing/2014/main" id="{63BF5847-6368-4D0E-BA63-0B77573DE82F}"/>
-                  </a:ext>
-                </a:extLst>
-              </p14:cNvPr>
-              <p14:cNvContentPartPr/>
-              <p14:nvPr/>
-            </p14:nvContentPartPr>
-            <p14:xfrm>
-              <a:off x="10896840" y="2823840"/>
-              <a:ext cx="736560" cy="98280"/>
-            </p14:xfrm>
-          </p:contentPart>
-        </mc:Choice>
-        <mc:Fallback xmlns="">
-          <p:pic>
-            <p:nvPicPr>
-              <p:cNvPr id="4" name="Ink 3">
-                <a:extLst>
-                  <a:ext uri="{FF2B5EF4-FFF2-40B4-BE49-F238E27FC236}">
-                    <a16:creationId xmlns:a16="http://schemas.microsoft.com/office/drawing/2014/main" id="{63BF5847-6368-4D0E-BA63-0B77573DE82F}"/>
-                  </a:ext>
-                </a:extLst>
-              </p:cNvPr>
-              <p:cNvPicPr/>
-              <p:nvPr/>
-            </p:nvPicPr>
-            <p:blipFill>
-              <a:blip r:embed="rId4"/>
-              <a:stretch>
-                <a:fillRect/>
-              </a:stretch>
-            </p:blipFill>
-            <p:spPr>
-              <a:xfrm>
-                <a:off x="10887480" y="2814480"/>
-                <a:ext cx="755280" cy="117000"/>
-              </a:xfrm>
-              <a:prstGeom prst="rect">
-                <a:avLst/>
-              </a:prstGeom>
-            </p:spPr>
-          </p:pic>
-        </mc:Fallback>
-      </mc:AlternateContent>
-    </p:spTree>
-    <p:extLst>
-      <p:ext uri="{BB962C8B-B14F-4D97-AF65-F5344CB8AC3E}">
-        <p14:creationId xmlns:p14="http://schemas.microsoft.com/office/powerpoint/2010/main" val="2630551287"/>
-      </p:ext>
-    </p:extLst>
-  </p:cSld>
-  <p:clrMapOvr>
-    <a:masterClrMapping/>
-  </p:clrMapOvr>
-</p:sld>
-</file>
-
-<file path=ppt/slides/slide18.xml><?xml version="1.0" encoding="utf-8"?>
-<p:sld xmlns:a="http://schemas.openxmlformats.org/drawingml/2006/main" xmlns:r="http://schemas.openxmlformats.org/officeDocument/2006/relationships" xmlns:p="http://schemas.openxmlformats.org/presentationml/2006/main">
-  <p:cSld>
-    <p:spTree>
-      <p:nvGrpSpPr>
-        <p:cNvPr id="1" name=""/>
-        <p:cNvGrpSpPr/>
-        <p:nvPr/>
-      </p:nvGrpSpPr>
-      <p:grpSpPr>
-        <a:xfrm>
-          <a:off x="0" y="0"/>
-          <a:ext cx="0" cy="0"/>
-          <a:chOff x="0" y="0"/>
-          <a:chExt cx="0" cy="0"/>
-        </a:xfrm>
-      </p:grpSpPr>
-      <p:sp>
-        <p:nvSpPr>
-          <p:cNvPr id="2" name="Title 1">
-            <a:extLst>
-              <a:ext uri="{FF2B5EF4-FFF2-40B4-BE49-F238E27FC236}">
-                <a16:creationId xmlns:a16="http://schemas.microsoft.com/office/drawing/2014/main" id="{F43918CC-37AB-4B6F-8685-19FF34288D3E}"/>
-              </a:ext>
-            </a:extLst>
-          </p:cNvPr>
-          <p:cNvSpPr>
-            <a:spLocks noGrp="1"/>
-          </p:cNvSpPr>
-          <p:nvPr>
-            <p:ph type="title"/>
-          </p:nvPr>
-        </p:nvSpPr>
-        <p:spPr/>
-        <p:txBody>
-          <a:bodyPr/>
-          <a:lstStyle/>
-          <a:p>
-            <a:r>
-              <a:rPr lang="en-US" dirty="0"/>
-              <a:t>Null </a:t>
-            </a:r>
-          </a:p>
-        </p:txBody>
-      </p:sp>
-      <p:sp>
-        <p:nvSpPr>
-          <p:cNvPr id="3" name="Content Placeholder 2">
-            <a:extLst>
-              <a:ext uri="{FF2B5EF4-FFF2-40B4-BE49-F238E27FC236}">
-                <a16:creationId xmlns:a16="http://schemas.microsoft.com/office/drawing/2014/main" id="{9903784A-3441-473D-9D39-6FB7361F9255}"/>
-              </a:ext>
-            </a:extLst>
-          </p:cNvPr>
-          <p:cNvSpPr>
-            <a:spLocks noGrp="1"/>
-          </p:cNvSpPr>
-          <p:nvPr>
-            <p:ph idx="1"/>
-          </p:nvPr>
-        </p:nvSpPr>
-        <p:spPr/>
-        <p:txBody>
-          <a:bodyPr/>
-          <a:lstStyle/>
-          <a:p>
-            <a:r>
-              <a:rPr lang="en-US" dirty="0"/>
-              <a:t>In JavaScript, </a:t>
-            </a:r>
-            <a:r>
-              <a:rPr lang="en-US" b="1" i="1" dirty="0"/>
-              <a:t>null</a:t>
-            </a:r>
-            <a:r>
-              <a:rPr lang="en-US" dirty="0"/>
-              <a:t> is “nothing”</a:t>
-            </a:r>
-          </a:p>
-          <a:p>
-            <a:r>
-              <a:rPr lang="en-US" dirty="0"/>
-              <a:t>It is the deliberate absence of value</a:t>
-            </a:r>
-          </a:p>
-          <a:p>
-            <a:r>
-              <a:rPr lang="en-US" dirty="0"/>
-              <a:t>Another way to empty an object is to set it to null</a:t>
-            </a:r>
-          </a:p>
-        </p:txBody>
-      </p:sp>
-      <p:pic>
-        <p:nvPicPr>
-          <p:cNvPr id="5" name="Picture 4">
-            <a:extLst>
-              <a:ext uri="{FF2B5EF4-FFF2-40B4-BE49-F238E27FC236}">
-                <a16:creationId xmlns:a16="http://schemas.microsoft.com/office/drawing/2014/main" id="{7D0C3BB5-0EAD-412A-B8E4-0CD8C8609DDE}"/>
-              </a:ext>
-            </a:extLst>
-          </p:cNvPr>
-          <p:cNvPicPr>
-            <a:picLocks noChangeAspect="1"/>
-          </p:cNvPicPr>
-          <p:nvPr/>
-        </p:nvPicPr>
-        <p:blipFill>
-          <a:blip r:embed="rId2">
-            <a:extLst>
-              <a:ext uri="{28A0092B-C50C-407E-A947-70E740481C1C}">
-                <a14:useLocalDpi xmlns:a14="http://schemas.microsoft.com/office/drawing/2010/main" val="0"/>
-              </a:ext>
-            </a:extLst>
-          </a:blip>
-          <a:stretch>
-            <a:fillRect/>
-          </a:stretch>
-        </p:blipFill>
-        <p:spPr>
-          <a:xfrm>
-            <a:off x="-1" y="3870357"/>
-            <a:ext cx="7137149" cy="2987644"/>
-          </a:xfrm>
-          <a:prstGeom prst="rect">
-            <a:avLst/>
-          </a:prstGeom>
-        </p:spPr>
-      </p:pic>
-      <p:pic>
-        <p:nvPicPr>
-          <p:cNvPr id="9" name="Picture 8">
-            <a:extLst>
-              <a:ext uri="{FF2B5EF4-FFF2-40B4-BE49-F238E27FC236}">
-                <a16:creationId xmlns:a16="http://schemas.microsoft.com/office/drawing/2014/main" id="{05760057-BDA2-423F-B8FC-5CD95D1EDD09}"/>
-              </a:ext>
-            </a:extLst>
-          </p:cNvPr>
-          <p:cNvPicPr>
-            <a:picLocks noChangeAspect="1"/>
-          </p:cNvPicPr>
-          <p:nvPr/>
-        </p:nvPicPr>
-        <p:blipFill>
-          <a:blip r:embed="rId3">
-            <a:extLst>
-              <a:ext uri="{28A0092B-C50C-407E-A947-70E740481C1C}">
-                <a14:useLocalDpi xmlns:a14="http://schemas.microsoft.com/office/drawing/2010/main" val="0"/>
-              </a:ext>
-            </a:extLst>
-          </a:blip>
-          <a:stretch>
-            <a:fillRect/>
-          </a:stretch>
-        </p:blipFill>
-        <p:spPr>
-          <a:xfrm>
-            <a:off x="7019363" y="3870357"/>
-            <a:ext cx="5172637" cy="2987644"/>
-          </a:xfrm>
-          <a:prstGeom prst="rect">
-            <a:avLst/>
-          </a:prstGeom>
-        </p:spPr>
-      </p:pic>
-    </p:spTree>
-    <p:extLst>
-      <p:ext uri="{BB962C8B-B14F-4D97-AF65-F5344CB8AC3E}">
-        <p14:creationId xmlns:p14="http://schemas.microsoft.com/office/powerpoint/2010/main" val="3043654737"/>
       </p:ext>
     </p:extLst>
   </p:cSld>
@@ -7008,7 +5253,7 @@
           <p:cNvPr id="2" name="Title 1">
             <a:extLst>
               <a:ext uri="{FF2B5EF4-FFF2-40B4-BE49-F238E27FC236}">
-                <a16:creationId xmlns:a16="http://schemas.microsoft.com/office/drawing/2014/main" id="{E5F179B4-ADB5-48C3-A44A-35962A5483C5}"/>
+                <a16:creationId xmlns:a16="http://schemas.microsoft.com/office/drawing/2014/main" id="{768D8866-655C-43D7-A76C-2AE985C59AC9}"/>
               </a:ext>
             </a:extLst>
           </p:cNvPr>
@@ -7026,7 +5271,7 @@
           <a:p>
             <a:r>
               <a:rPr lang="en-US" dirty="0"/>
-              <a:t>Undefined vs Null</a:t>
+              <a:t>Empty Values</a:t>
             </a:r>
           </a:p>
         </p:txBody>
@@ -7036,7 +5281,7 @@
           <p:cNvPr id="3" name="Content Placeholder 2">
             <a:extLst>
               <a:ext uri="{FF2B5EF4-FFF2-40B4-BE49-F238E27FC236}">
-                <a16:creationId xmlns:a16="http://schemas.microsoft.com/office/drawing/2014/main" id="{7D2B13E8-773A-49A8-A086-5170DD88F0ED}"/>
+                <a16:creationId xmlns:a16="http://schemas.microsoft.com/office/drawing/2014/main" id="{2AB7D4ED-B005-4CC8-B302-5FC52EE1E869}"/>
               </a:ext>
             </a:extLst>
           </p:cNvPr>
@@ -7054,27 +5299,62 @@
           <a:p>
             <a:r>
               <a:rPr lang="en-US" dirty="0"/>
-              <a:t>Undefined is and Null both represent the absence of value</a:t>
-            </a:r>
-          </a:p>
-          <a:p>
-            <a:r>
-              <a:rPr lang="en-US" dirty="0"/>
-              <a:t>Undefined is also the value of any variable that has not been assigned a value yet</a:t>
-            </a:r>
-          </a:p>
-          <a:p>
-            <a:r>
-              <a:rPr lang="en-US" dirty="0"/>
-              <a:t>Null is only set intentionally</a:t>
-            </a:r>
-          </a:p>
-        </p:txBody>
-      </p:sp>
+              <a:t>An empty value is not </a:t>
+            </a:r>
+            <a:r>
+              <a:rPr lang="en-US" i="1" dirty="0"/>
+              <a:t>undefined</a:t>
+            </a:r>
+            <a:endParaRPr lang="en-US" dirty="0"/>
+          </a:p>
+          <a:p>
+            <a:r>
+              <a:rPr lang="en-US" dirty="0"/>
+              <a:t>An empty string has both a value and a type</a:t>
+            </a:r>
+          </a:p>
+        </p:txBody>
+      </p:sp>
+      <p:pic>
+        <p:nvPicPr>
+          <p:cNvPr id="5" name="Picture 4">
+            <a:extLst>
+              <a:ext uri="{FF2B5EF4-FFF2-40B4-BE49-F238E27FC236}">
+                <a16:creationId xmlns:a16="http://schemas.microsoft.com/office/drawing/2014/main" id="{F5EC3A77-43FB-450D-BEE1-BF70E28EDA36}"/>
+              </a:ext>
+            </a:extLst>
+          </p:cNvPr>
+          <p:cNvPicPr>
+            <a:picLocks noChangeAspect="1"/>
+          </p:cNvPicPr>
+          <p:nvPr/>
+        </p:nvPicPr>
+        <p:blipFill>
+          <a:blip r:embed="rId2">
+            <a:extLst>
+              <a:ext uri="{28A0092B-C50C-407E-A947-70E740481C1C}">
+                <a14:useLocalDpi xmlns:a14="http://schemas.microsoft.com/office/drawing/2010/main" val="0"/>
+              </a:ext>
+            </a:extLst>
+          </a:blip>
+          <a:stretch>
+            <a:fillRect/>
+          </a:stretch>
+        </p:blipFill>
+        <p:spPr>
+          <a:xfrm>
+            <a:off x="8157883" y="2207987"/>
+            <a:ext cx="4034118" cy="4650013"/>
+          </a:xfrm>
+          <a:prstGeom prst="rect">
+            <a:avLst/>
+          </a:prstGeom>
+        </p:spPr>
+      </p:pic>
     </p:spTree>
     <p:extLst>
       <p:ext uri="{BB962C8B-B14F-4D97-AF65-F5344CB8AC3E}">
-        <p14:creationId xmlns:p14="http://schemas.microsoft.com/office/powerpoint/2010/main" val="3572394911"/>
+        <p14:creationId xmlns:p14="http://schemas.microsoft.com/office/powerpoint/2010/main" val="2630551287"/>
       </p:ext>
     </p:extLst>
   </p:cSld>
@@ -7189,6 +5469,282 @@
           <p:cNvPr id="2" name="Title 1">
             <a:extLst>
               <a:ext uri="{FF2B5EF4-FFF2-40B4-BE49-F238E27FC236}">
+                <a16:creationId xmlns:a16="http://schemas.microsoft.com/office/drawing/2014/main" id="{F43918CC-37AB-4B6F-8685-19FF34288D3E}"/>
+              </a:ext>
+            </a:extLst>
+          </p:cNvPr>
+          <p:cNvSpPr>
+            <a:spLocks noGrp="1"/>
+          </p:cNvSpPr>
+          <p:nvPr>
+            <p:ph type="title"/>
+          </p:nvPr>
+        </p:nvSpPr>
+        <p:spPr/>
+        <p:txBody>
+          <a:bodyPr/>
+          <a:lstStyle/>
+          <a:p>
+            <a:r>
+              <a:rPr lang="en-US" dirty="0"/>
+              <a:t>Null </a:t>
+            </a:r>
+          </a:p>
+        </p:txBody>
+      </p:sp>
+      <p:sp>
+        <p:nvSpPr>
+          <p:cNvPr id="3" name="Content Placeholder 2">
+            <a:extLst>
+              <a:ext uri="{FF2B5EF4-FFF2-40B4-BE49-F238E27FC236}">
+                <a16:creationId xmlns:a16="http://schemas.microsoft.com/office/drawing/2014/main" id="{9903784A-3441-473D-9D39-6FB7361F9255}"/>
+              </a:ext>
+            </a:extLst>
+          </p:cNvPr>
+          <p:cNvSpPr>
+            <a:spLocks noGrp="1"/>
+          </p:cNvSpPr>
+          <p:nvPr>
+            <p:ph idx="1"/>
+          </p:nvPr>
+        </p:nvSpPr>
+        <p:spPr/>
+        <p:txBody>
+          <a:bodyPr/>
+          <a:lstStyle/>
+          <a:p>
+            <a:r>
+              <a:rPr lang="en-US" dirty="0"/>
+              <a:t>In JavaScript, </a:t>
+            </a:r>
+            <a:r>
+              <a:rPr lang="en-US" b="1" i="1" dirty="0"/>
+              <a:t>null</a:t>
+            </a:r>
+            <a:r>
+              <a:rPr lang="en-US" dirty="0"/>
+              <a:t> is “nothing”</a:t>
+            </a:r>
+          </a:p>
+          <a:p>
+            <a:r>
+              <a:rPr lang="en-US" dirty="0"/>
+              <a:t>It is the deliberate absence of value</a:t>
+            </a:r>
+          </a:p>
+          <a:p>
+            <a:r>
+              <a:rPr lang="en-US" dirty="0"/>
+              <a:t>Another way to empty an object is to set it to null</a:t>
+            </a:r>
+          </a:p>
+        </p:txBody>
+      </p:sp>
+      <p:pic>
+        <p:nvPicPr>
+          <p:cNvPr id="5" name="Picture 4">
+            <a:extLst>
+              <a:ext uri="{FF2B5EF4-FFF2-40B4-BE49-F238E27FC236}">
+                <a16:creationId xmlns:a16="http://schemas.microsoft.com/office/drawing/2014/main" id="{7D0C3BB5-0EAD-412A-B8E4-0CD8C8609DDE}"/>
+              </a:ext>
+            </a:extLst>
+          </p:cNvPr>
+          <p:cNvPicPr>
+            <a:picLocks noChangeAspect="1"/>
+          </p:cNvPicPr>
+          <p:nvPr/>
+        </p:nvPicPr>
+        <p:blipFill>
+          <a:blip r:embed="rId2">
+            <a:extLst>
+              <a:ext uri="{28A0092B-C50C-407E-A947-70E740481C1C}">
+                <a14:useLocalDpi xmlns:a14="http://schemas.microsoft.com/office/drawing/2010/main" val="0"/>
+              </a:ext>
+            </a:extLst>
+          </a:blip>
+          <a:stretch>
+            <a:fillRect/>
+          </a:stretch>
+        </p:blipFill>
+        <p:spPr>
+          <a:xfrm>
+            <a:off x="-1" y="3870357"/>
+            <a:ext cx="7137149" cy="2987644"/>
+          </a:xfrm>
+          <a:prstGeom prst="rect">
+            <a:avLst/>
+          </a:prstGeom>
+        </p:spPr>
+      </p:pic>
+      <p:pic>
+        <p:nvPicPr>
+          <p:cNvPr id="9" name="Picture 8">
+            <a:extLst>
+              <a:ext uri="{FF2B5EF4-FFF2-40B4-BE49-F238E27FC236}">
+                <a16:creationId xmlns:a16="http://schemas.microsoft.com/office/drawing/2014/main" id="{05760057-BDA2-423F-B8FC-5CD95D1EDD09}"/>
+              </a:ext>
+            </a:extLst>
+          </p:cNvPr>
+          <p:cNvPicPr>
+            <a:picLocks noChangeAspect="1"/>
+          </p:cNvPicPr>
+          <p:nvPr/>
+        </p:nvPicPr>
+        <p:blipFill>
+          <a:blip r:embed="rId3">
+            <a:extLst>
+              <a:ext uri="{28A0092B-C50C-407E-A947-70E740481C1C}">
+                <a14:useLocalDpi xmlns:a14="http://schemas.microsoft.com/office/drawing/2010/main" val="0"/>
+              </a:ext>
+            </a:extLst>
+          </a:blip>
+          <a:stretch>
+            <a:fillRect/>
+          </a:stretch>
+        </p:blipFill>
+        <p:spPr>
+          <a:xfrm>
+            <a:off x="7019363" y="3870357"/>
+            <a:ext cx="5172637" cy="2987644"/>
+          </a:xfrm>
+          <a:prstGeom prst="rect">
+            <a:avLst/>
+          </a:prstGeom>
+        </p:spPr>
+      </p:pic>
+    </p:spTree>
+    <p:extLst>
+      <p:ext uri="{BB962C8B-B14F-4D97-AF65-F5344CB8AC3E}">
+        <p14:creationId xmlns:p14="http://schemas.microsoft.com/office/powerpoint/2010/main" val="3043654737"/>
+      </p:ext>
+    </p:extLst>
+  </p:cSld>
+  <p:clrMapOvr>
+    <a:masterClrMapping/>
+  </p:clrMapOvr>
+</p:sld>
+</file>
+
+<file path=ppt/slides/slide21.xml><?xml version="1.0" encoding="utf-8"?>
+<p:sld xmlns:a="http://schemas.openxmlformats.org/drawingml/2006/main" xmlns:r="http://schemas.openxmlformats.org/officeDocument/2006/relationships" xmlns:p="http://schemas.openxmlformats.org/presentationml/2006/main">
+  <p:cSld>
+    <p:spTree>
+      <p:nvGrpSpPr>
+        <p:cNvPr id="1" name=""/>
+        <p:cNvGrpSpPr/>
+        <p:nvPr/>
+      </p:nvGrpSpPr>
+      <p:grpSpPr>
+        <a:xfrm>
+          <a:off x="0" y="0"/>
+          <a:ext cx="0" cy="0"/>
+          <a:chOff x="0" y="0"/>
+          <a:chExt cx="0" cy="0"/>
+        </a:xfrm>
+      </p:grpSpPr>
+      <p:sp>
+        <p:nvSpPr>
+          <p:cNvPr id="2" name="Title 1">
+            <a:extLst>
+              <a:ext uri="{FF2B5EF4-FFF2-40B4-BE49-F238E27FC236}">
+                <a16:creationId xmlns:a16="http://schemas.microsoft.com/office/drawing/2014/main" id="{E5F179B4-ADB5-48C3-A44A-35962A5483C5}"/>
+              </a:ext>
+            </a:extLst>
+          </p:cNvPr>
+          <p:cNvSpPr>
+            <a:spLocks noGrp="1"/>
+          </p:cNvSpPr>
+          <p:nvPr>
+            <p:ph type="title"/>
+          </p:nvPr>
+        </p:nvSpPr>
+        <p:spPr/>
+        <p:txBody>
+          <a:bodyPr/>
+          <a:lstStyle/>
+          <a:p>
+            <a:r>
+              <a:rPr lang="en-US" dirty="0"/>
+              <a:t>Undefined vs Null</a:t>
+            </a:r>
+          </a:p>
+        </p:txBody>
+      </p:sp>
+      <p:sp>
+        <p:nvSpPr>
+          <p:cNvPr id="3" name="Content Placeholder 2">
+            <a:extLst>
+              <a:ext uri="{FF2B5EF4-FFF2-40B4-BE49-F238E27FC236}">
+                <a16:creationId xmlns:a16="http://schemas.microsoft.com/office/drawing/2014/main" id="{7D2B13E8-773A-49A8-A086-5170DD88F0ED}"/>
+              </a:ext>
+            </a:extLst>
+          </p:cNvPr>
+          <p:cNvSpPr>
+            <a:spLocks noGrp="1"/>
+          </p:cNvSpPr>
+          <p:nvPr>
+            <p:ph idx="1"/>
+          </p:nvPr>
+        </p:nvSpPr>
+        <p:spPr/>
+        <p:txBody>
+          <a:bodyPr/>
+          <a:lstStyle/>
+          <a:p>
+            <a:r>
+              <a:rPr lang="en-US" dirty="0"/>
+              <a:t>Undefined is and Null both represent the absence of value</a:t>
+            </a:r>
+          </a:p>
+          <a:p>
+            <a:r>
+              <a:rPr lang="en-US" dirty="0"/>
+              <a:t>Undefined is also the value of any variable that has not been assigned a value yet</a:t>
+            </a:r>
+          </a:p>
+          <a:p>
+            <a:r>
+              <a:rPr lang="en-US" dirty="0"/>
+              <a:t>Null is only set intentionally</a:t>
+            </a:r>
+          </a:p>
+        </p:txBody>
+      </p:sp>
+    </p:spTree>
+    <p:extLst>
+      <p:ext uri="{BB962C8B-B14F-4D97-AF65-F5344CB8AC3E}">
+        <p14:creationId xmlns:p14="http://schemas.microsoft.com/office/powerpoint/2010/main" val="3572394911"/>
+      </p:ext>
+    </p:extLst>
+  </p:cSld>
+  <p:clrMapOvr>
+    <a:masterClrMapping/>
+  </p:clrMapOvr>
+</p:sld>
+</file>
+
+<file path=ppt/slides/slide22.xml><?xml version="1.0" encoding="utf-8"?>
+<p:sld xmlns:a="http://schemas.openxmlformats.org/drawingml/2006/main" xmlns:r="http://schemas.openxmlformats.org/officeDocument/2006/relationships" xmlns:p="http://schemas.openxmlformats.org/presentationml/2006/main">
+  <p:cSld>
+    <p:spTree>
+      <p:nvGrpSpPr>
+        <p:cNvPr id="1" name=""/>
+        <p:cNvGrpSpPr/>
+        <p:nvPr/>
+      </p:nvGrpSpPr>
+      <p:grpSpPr>
+        <a:xfrm>
+          <a:off x="0" y="0"/>
+          <a:ext cx="0" cy="0"/>
+          <a:chOff x="0" y="0"/>
+          <a:chExt cx="0" cy="0"/>
+        </a:xfrm>
+      </p:grpSpPr>
+      <p:sp>
+        <p:nvSpPr>
+          <p:cNvPr id="2" name="Title 1">
+            <a:extLst>
+              <a:ext uri="{FF2B5EF4-FFF2-40B4-BE49-F238E27FC236}">
                 <a16:creationId xmlns:a16="http://schemas.microsoft.com/office/drawing/2014/main" id="{2A2F2CEC-9FEA-4762-BA9F-000AEA026960}"/>
               </a:ext>
             </a:extLst>
@@ -7328,7 +5884,7 @@
 </p:sld>
 </file>
 
-<file path=ppt/slides/slide21.xml><?xml version="1.0" encoding="utf-8"?>
+<file path=ppt/slides/slide23.xml><?xml version="1.0" encoding="utf-8"?>
 <p:sld xmlns:a="http://schemas.openxmlformats.org/drawingml/2006/main" xmlns:r="http://schemas.openxmlformats.org/officeDocument/2006/relationships" xmlns:p="http://schemas.openxmlformats.org/presentationml/2006/main">
   <p:cSld>
     <p:spTree>
@@ -7486,57 +6042,6 @@
           </a:prstGeom>
         </p:spPr>
       </p:pic>
-      <mc:AlternateContent xmlns:mc="http://schemas.openxmlformats.org/markup-compatibility/2006" xmlns:p14="http://schemas.microsoft.com/office/powerpoint/2010/main">
-        <mc:Choice Requires="p14">
-          <p:contentPart p14:bwMode="auto" r:id="rId4">
-            <p14:nvContentPartPr>
-              <p14:cNvPr id="4" name="Ink 3">
-                <a:extLst>
-                  <a:ext uri="{FF2B5EF4-FFF2-40B4-BE49-F238E27FC236}">
-                    <a16:creationId xmlns:a16="http://schemas.microsoft.com/office/drawing/2014/main" id="{281049E5-B155-4F62-9FFF-E72AE082660F}"/>
-                  </a:ext>
-                </a:extLst>
-              </p14:cNvPr>
-              <p14:cNvContentPartPr/>
-              <p14:nvPr/>
-            </p14:nvContentPartPr>
-            <p14:xfrm>
-              <a:off x="1086480" y="5499720"/>
-              <a:ext cx="3351960" cy="42480"/>
-            </p14:xfrm>
-          </p:contentPart>
-        </mc:Choice>
-        <mc:Fallback xmlns="">
-          <p:pic>
-            <p:nvPicPr>
-              <p:cNvPr id="4" name="Ink 3">
-                <a:extLst>
-                  <a:ext uri="{FF2B5EF4-FFF2-40B4-BE49-F238E27FC236}">
-                    <a16:creationId xmlns:a16="http://schemas.microsoft.com/office/drawing/2014/main" id="{281049E5-B155-4F62-9FFF-E72AE082660F}"/>
-                  </a:ext>
-                </a:extLst>
-              </p:cNvPr>
-              <p:cNvPicPr/>
-              <p:nvPr/>
-            </p:nvPicPr>
-            <p:blipFill>
-              <a:blip r:embed="rId5"/>
-              <a:stretch>
-                <a:fillRect/>
-              </a:stretch>
-            </p:blipFill>
-            <p:spPr>
-              <a:xfrm>
-                <a:off x="1077120" y="5490360"/>
-                <a:ext cx="3370680" cy="61200"/>
-              </a:xfrm>
-              <a:prstGeom prst="rect">
-                <a:avLst/>
-              </a:prstGeom>
-            </p:spPr>
-          </p:pic>
-        </mc:Fallback>
-      </mc:AlternateContent>
     </p:spTree>
     <p:extLst>
       <p:ext uri="{BB962C8B-B14F-4D97-AF65-F5344CB8AC3E}">
@@ -7550,7 +6055,7 @@
 </p:sld>
 </file>
 
-<file path=ppt/slides/slide22.xml><?xml version="1.0" encoding="utf-8"?>
+<file path=ppt/slides/slide24.xml><?xml version="1.0" encoding="utf-8"?>
 <p:sld xmlns:a="http://schemas.openxmlformats.org/drawingml/2006/main" xmlns:r="http://schemas.openxmlformats.org/officeDocument/2006/relationships" xmlns:p="http://schemas.openxmlformats.org/presentationml/2006/main">
   <p:cSld>
     <p:spTree>
@@ -7633,7 +6138,7 @@
 </p:sld>
 </file>
 
-<file path=ppt/slides/slide23.xml><?xml version="1.0" encoding="utf-8"?>
+<file path=ppt/slides/slide25.xml><?xml version="1.0" encoding="utf-8"?>
 <p:sld xmlns:a="http://schemas.openxmlformats.org/drawingml/2006/main" xmlns:r="http://schemas.openxmlformats.org/officeDocument/2006/relationships" xmlns:p="http://schemas.openxmlformats.org/presentationml/2006/main">
   <p:cSld>
     <p:spTree>
@@ -7777,7 +6282,7 @@
 </p:sld>
 </file>
 
-<file path=ppt/slides/slide24.xml><?xml version="1.0" encoding="utf-8"?>
+<file path=ppt/slides/slide26.xml><?xml version="1.0" encoding="utf-8"?>
 <p:sld xmlns:a="http://schemas.openxmlformats.org/drawingml/2006/main" xmlns:r="http://schemas.openxmlformats.org/officeDocument/2006/relationships" xmlns:p="http://schemas.openxmlformats.org/presentationml/2006/main">
   <p:cSld>
     <p:spTree>
@@ -7963,385 +6468,10 @@
           </a:prstGeom>
         </p:spPr>
       </p:pic>
-      <mc:AlternateContent xmlns:mc="http://schemas.openxmlformats.org/markup-compatibility/2006" xmlns:p14="http://schemas.microsoft.com/office/powerpoint/2010/main">
-        <mc:Choice Requires="p14">
-          <p:contentPart p14:bwMode="auto" r:id="rId3">
-            <p14:nvContentPartPr>
-              <p14:cNvPr id="4" name="Ink 3">
-                <a:extLst>
-                  <a:ext uri="{FF2B5EF4-FFF2-40B4-BE49-F238E27FC236}">
-                    <a16:creationId xmlns:a16="http://schemas.microsoft.com/office/drawing/2014/main" id="{849AE5ED-2D45-484F-A7CF-0EA35607CF8B}"/>
-                  </a:ext>
-                </a:extLst>
-              </p14:cNvPr>
-              <p14:cNvContentPartPr/>
-              <p14:nvPr/>
-            </p14:nvContentPartPr>
-            <p14:xfrm>
-              <a:off x="166680" y="5387400"/>
-              <a:ext cx="2897640" cy="218880"/>
-            </p14:xfrm>
-          </p:contentPart>
-        </mc:Choice>
-        <mc:Fallback xmlns="">
-          <p:pic>
-            <p:nvPicPr>
-              <p:cNvPr id="4" name="Ink 3">
-                <a:extLst>
-                  <a:ext uri="{FF2B5EF4-FFF2-40B4-BE49-F238E27FC236}">
-                    <a16:creationId xmlns:a16="http://schemas.microsoft.com/office/drawing/2014/main" id="{849AE5ED-2D45-484F-A7CF-0EA35607CF8B}"/>
-                  </a:ext>
-                </a:extLst>
-              </p:cNvPr>
-              <p:cNvPicPr/>
-              <p:nvPr/>
-            </p:nvPicPr>
-            <p:blipFill>
-              <a:blip r:embed="rId4"/>
-              <a:stretch>
-                <a:fillRect/>
-              </a:stretch>
-            </p:blipFill>
-            <p:spPr>
-              <a:xfrm>
-                <a:off x="157320" y="5378040"/>
-                <a:ext cx="2916360" cy="237600"/>
-              </a:xfrm>
-              <a:prstGeom prst="rect">
-                <a:avLst/>
-              </a:prstGeom>
-            </p:spPr>
-          </p:pic>
-        </mc:Fallback>
-      </mc:AlternateContent>
     </p:spTree>
     <p:extLst>
       <p:ext uri="{BB962C8B-B14F-4D97-AF65-F5344CB8AC3E}">
         <p14:creationId xmlns:p14="http://schemas.microsoft.com/office/powerpoint/2010/main" val="1165845620"/>
-      </p:ext>
-    </p:extLst>
-  </p:cSld>
-  <p:clrMapOvr>
-    <a:masterClrMapping/>
-  </p:clrMapOvr>
-</p:sld>
-</file>
-
-<file path=ppt/slides/slide25.xml><?xml version="1.0" encoding="utf-8"?>
-<p:sld xmlns:a="http://schemas.openxmlformats.org/drawingml/2006/main" xmlns:r="http://schemas.openxmlformats.org/officeDocument/2006/relationships" xmlns:p="http://schemas.openxmlformats.org/presentationml/2006/main">
-  <p:cSld>
-    <p:spTree>
-      <p:nvGrpSpPr>
-        <p:cNvPr id="1" name=""/>
-        <p:cNvGrpSpPr/>
-        <p:nvPr/>
-      </p:nvGrpSpPr>
-      <p:grpSpPr>
-        <a:xfrm>
-          <a:off x="0" y="0"/>
-          <a:ext cx="0" cy="0"/>
-          <a:chOff x="0" y="0"/>
-          <a:chExt cx="0" cy="0"/>
-        </a:xfrm>
-      </p:grpSpPr>
-      <p:sp>
-        <p:nvSpPr>
-          <p:cNvPr id="2" name="Title 1">
-            <a:extLst>
-              <a:ext uri="{FF2B5EF4-FFF2-40B4-BE49-F238E27FC236}">
-                <a16:creationId xmlns:a16="http://schemas.microsoft.com/office/drawing/2014/main" id="{3CF81426-169C-4BD7-A632-4F0E4FA26212}"/>
-              </a:ext>
-            </a:extLst>
-          </p:cNvPr>
-          <p:cNvSpPr>
-            <a:spLocks noGrp="1"/>
-          </p:cNvSpPr>
-          <p:nvPr>
-            <p:ph type="title"/>
-          </p:nvPr>
-        </p:nvSpPr>
-        <p:spPr/>
-        <p:txBody>
-          <a:bodyPr/>
-          <a:lstStyle/>
-          <a:p>
-            <a:r>
-              <a:rPr lang="en-US" dirty="0"/>
-              <a:t>Function Syntax</a:t>
-            </a:r>
-          </a:p>
-        </p:txBody>
-      </p:sp>
-      <p:sp>
-        <p:nvSpPr>
-          <p:cNvPr id="3" name="Content Placeholder 2">
-            <a:extLst>
-              <a:ext uri="{FF2B5EF4-FFF2-40B4-BE49-F238E27FC236}">
-                <a16:creationId xmlns:a16="http://schemas.microsoft.com/office/drawing/2014/main" id="{7BBE49F7-AF10-49F9-9A00-AA3C431C3508}"/>
-              </a:ext>
-            </a:extLst>
-          </p:cNvPr>
-          <p:cNvSpPr>
-            <a:spLocks noGrp="1"/>
-          </p:cNvSpPr>
-          <p:nvPr>
-            <p:ph idx="1"/>
-          </p:nvPr>
-        </p:nvSpPr>
-        <p:spPr/>
-        <p:txBody>
-          <a:bodyPr/>
-          <a:lstStyle/>
-          <a:p>
-            <a:r>
-              <a:rPr lang="en-US" dirty="0"/>
-              <a:t>The code to be executed is placed inside a set of curly brackets </a:t>
-            </a:r>
-            <a:r>
-              <a:rPr lang="en-US" b="1" i="1" dirty="0"/>
-              <a:t>{}</a:t>
-            </a:r>
-            <a:endParaRPr lang="en-US" dirty="0"/>
-          </a:p>
-          <a:p>
-            <a:r>
-              <a:rPr lang="en-US" dirty="0"/>
-              <a:t>Function </a:t>
-            </a:r>
-            <a:r>
-              <a:rPr lang="en-US" b="1" i="1" dirty="0"/>
-              <a:t>parameters</a:t>
-            </a:r>
-            <a:r>
-              <a:rPr lang="en-US" dirty="0"/>
-              <a:t> are listed inside the parentheses </a:t>
-            </a:r>
-            <a:r>
-              <a:rPr lang="en-US" b="1" i="1" dirty="0"/>
-              <a:t>()</a:t>
-            </a:r>
-            <a:r>
-              <a:rPr lang="en-US" dirty="0"/>
-              <a:t> in the function definition</a:t>
-            </a:r>
-          </a:p>
-          <a:p>
-            <a:r>
-              <a:rPr lang="en-US" dirty="0"/>
-              <a:t>Function </a:t>
-            </a:r>
-            <a:r>
-              <a:rPr lang="en-US" b="1" i="1" dirty="0"/>
-              <a:t>arguments</a:t>
-            </a:r>
-            <a:r>
-              <a:rPr lang="en-US" dirty="0"/>
-              <a:t> are the values received by the function when it is invoked</a:t>
-            </a:r>
-          </a:p>
-        </p:txBody>
-      </p:sp>
-      <p:pic>
-        <p:nvPicPr>
-          <p:cNvPr id="4" name="Picture 3">
-            <a:extLst>
-              <a:ext uri="{FF2B5EF4-FFF2-40B4-BE49-F238E27FC236}">
-                <a16:creationId xmlns:a16="http://schemas.microsoft.com/office/drawing/2014/main" id="{C627E5E9-EF93-4D65-9068-D8D4374EE6A1}"/>
-              </a:ext>
-            </a:extLst>
-          </p:cNvPr>
-          <p:cNvPicPr>
-            <a:picLocks noChangeAspect="1"/>
-          </p:cNvPicPr>
-          <p:nvPr/>
-        </p:nvPicPr>
-        <p:blipFill>
-          <a:blip r:embed="rId2">
-            <a:extLst>
-              <a:ext uri="{28A0092B-C50C-407E-A947-70E740481C1C}">
-                <a14:useLocalDpi xmlns:a14="http://schemas.microsoft.com/office/drawing/2010/main" val="0"/>
-              </a:ext>
-            </a:extLst>
-          </a:blip>
-          <a:stretch>
-            <a:fillRect/>
-          </a:stretch>
-        </p:blipFill>
-        <p:spPr>
-          <a:xfrm>
-            <a:off x="1" y="4827043"/>
-            <a:ext cx="12192000" cy="2054830"/>
-          </a:xfrm>
-          <a:prstGeom prst="rect">
-            <a:avLst/>
-          </a:prstGeom>
-        </p:spPr>
-      </p:pic>
-      <mc:AlternateContent xmlns:mc="http://schemas.openxmlformats.org/markup-compatibility/2006" xmlns:p14="http://schemas.microsoft.com/office/powerpoint/2010/main">
-        <mc:Choice Requires="p14">
-          <p:contentPart p14:bwMode="auto" r:id="rId3">
-            <p14:nvContentPartPr>
-              <p14:cNvPr id="5" name="Ink 4">
-                <a:extLst>
-                  <a:ext uri="{FF2B5EF4-FFF2-40B4-BE49-F238E27FC236}">
-                    <a16:creationId xmlns:a16="http://schemas.microsoft.com/office/drawing/2014/main" id="{A86F5900-6137-4B27-88EE-555897E3C8B6}"/>
-                  </a:ext>
-                </a:extLst>
-              </p14:cNvPr>
-              <p14:cNvContentPartPr/>
-              <p14:nvPr/>
-            </p14:nvContentPartPr>
-            <p14:xfrm>
-              <a:off x="131760" y="3309840"/>
-              <a:ext cx="11493720" cy="2172240"/>
-            </p14:xfrm>
-          </p:contentPart>
-        </mc:Choice>
-        <mc:Fallback xmlns="">
-          <p:pic>
-            <p:nvPicPr>
-              <p:cNvPr id="5" name="Ink 4">
-                <a:extLst>
-                  <a:ext uri="{FF2B5EF4-FFF2-40B4-BE49-F238E27FC236}">
-                    <a16:creationId xmlns:a16="http://schemas.microsoft.com/office/drawing/2014/main" id="{A86F5900-6137-4B27-88EE-555897E3C8B6}"/>
-                  </a:ext>
-                </a:extLst>
-              </p:cNvPr>
-              <p:cNvPicPr/>
-              <p:nvPr/>
-            </p:nvPicPr>
-            <p:blipFill>
-              <a:blip r:embed="rId4"/>
-              <a:stretch>
-                <a:fillRect/>
-              </a:stretch>
-            </p:blipFill>
-            <p:spPr>
-              <a:xfrm>
-                <a:off x="122400" y="3300480"/>
-                <a:ext cx="11512440" cy="2190960"/>
-              </a:xfrm>
-              <a:prstGeom prst="rect">
-                <a:avLst/>
-              </a:prstGeom>
-            </p:spPr>
-          </p:pic>
-        </mc:Fallback>
-      </mc:AlternateContent>
-    </p:spTree>
-    <p:extLst>
-      <p:ext uri="{BB962C8B-B14F-4D97-AF65-F5344CB8AC3E}">
-        <p14:creationId xmlns:p14="http://schemas.microsoft.com/office/powerpoint/2010/main" val="1975147752"/>
-      </p:ext>
-    </p:extLst>
-  </p:cSld>
-  <p:clrMapOvr>
-    <a:masterClrMapping/>
-  </p:clrMapOvr>
-</p:sld>
-</file>
-
-<file path=ppt/slides/slide26.xml><?xml version="1.0" encoding="utf-8"?>
-<p:sld xmlns:a="http://schemas.openxmlformats.org/drawingml/2006/main" xmlns:r="http://schemas.openxmlformats.org/officeDocument/2006/relationships" xmlns:p="http://schemas.openxmlformats.org/presentationml/2006/main">
-  <p:cSld>
-    <p:spTree>
-      <p:nvGrpSpPr>
-        <p:cNvPr id="1" name=""/>
-        <p:cNvGrpSpPr/>
-        <p:nvPr/>
-      </p:nvGrpSpPr>
-      <p:grpSpPr>
-        <a:xfrm>
-          <a:off x="0" y="0"/>
-          <a:ext cx="0" cy="0"/>
-          <a:chOff x="0" y="0"/>
-          <a:chExt cx="0" cy="0"/>
-        </a:xfrm>
-      </p:grpSpPr>
-      <p:sp>
-        <p:nvSpPr>
-          <p:cNvPr id="2" name="Title 1">
-            <a:extLst>
-              <a:ext uri="{FF2B5EF4-FFF2-40B4-BE49-F238E27FC236}">
-                <a16:creationId xmlns:a16="http://schemas.microsoft.com/office/drawing/2014/main" id="{F233BF82-FA85-4959-9B11-AF8B26DA4513}"/>
-              </a:ext>
-            </a:extLst>
-          </p:cNvPr>
-          <p:cNvSpPr>
-            <a:spLocks noGrp="1"/>
-          </p:cNvSpPr>
-          <p:nvPr>
-            <p:ph type="title"/>
-          </p:nvPr>
-        </p:nvSpPr>
-        <p:spPr/>
-        <p:txBody>
-          <a:bodyPr/>
-          <a:lstStyle/>
-          <a:p>
-            <a:r>
-              <a:rPr lang="en-US" dirty="0"/>
-              <a:t>Function Syntax</a:t>
-            </a:r>
-          </a:p>
-        </p:txBody>
-      </p:sp>
-      <p:sp>
-        <p:nvSpPr>
-          <p:cNvPr id="3" name="Content Placeholder 2">
-            <a:extLst>
-              <a:ext uri="{FF2B5EF4-FFF2-40B4-BE49-F238E27FC236}">
-                <a16:creationId xmlns:a16="http://schemas.microsoft.com/office/drawing/2014/main" id="{ACBC87D0-3EA1-4232-8892-15EE32FBAD7A}"/>
-              </a:ext>
-            </a:extLst>
-          </p:cNvPr>
-          <p:cNvSpPr>
-            <a:spLocks noGrp="1"/>
-          </p:cNvSpPr>
-          <p:nvPr>
-            <p:ph idx="1"/>
-          </p:nvPr>
-        </p:nvSpPr>
-        <p:spPr>
-          <a:xfrm>
-            <a:off x="838200" y="1844675"/>
-            <a:ext cx="10515600" cy="4351338"/>
-          </a:xfrm>
-        </p:spPr>
-        <p:txBody>
-          <a:bodyPr/>
-          <a:lstStyle/>
-          <a:p>
-            <a:r>
-              <a:rPr lang="en-US" dirty="0"/>
-              <a:t>Inside the function, the arguments (parameters) behave as local variables</a:t>
-            </a:r>
-          </a:p>
-          <a:p>
-            <a:r>
-              <a:rPr lang="en-US" dirty="0"/>
-              <a:t>If you are familiar with any other languages, a function is the same thing as a </a:t>
-            </a:r>
-            <a:r>
-              <a:rPr lang="en-US" b="1" i="1" dirty="0"/>
-              <a:t>procedure</a:t>
-            </a:r>
-            <a:r>
-              <a:rPr lang="en-US" dirty="0"/>
-              <a:t> or </a:t>
-            </a:r>
-            <a:r>
-              <a:rPr lang="en-US" b="1" i="1" dirty="0"/>
-              <a:t>subroutine</a:t>
-            </a:r>
-            <a:endParaRPr lang="en-US" dirty="0"/>
-          </a:p>
-        </p:txBody>
-      </p:sp>
-    </p:spTree>
-    <p:extLst>
-      <p:ext uri="{BB962C8B-B14F-4D97-AF65-F5344CB8AC3E}">
-        <p14:creationId xmlns:p14="http://schemas.microsoft.com/office/powerpoint/2010/main" val="3880176174"/>
       </p:ext>
     </p:extLst>
   </p:cSld>
@@ -8373,7 +6503,7 @@
           <p:cNvPr id="2" name="Title 1">
             <a:extLst>
               <a:ext uri="{FF2B5EF4-FFF2-40B4-BE49-F238E27FC236}">
-                <a16:creationId xmlns:a16="http://schemas.microsoft.com/office/drawing/2014/main" id="{41DC54BE-3CE2-48AF-82E9-6B2B914BEC27}"/>
+                <a16:creationId xmlns:a16="http://schemas.microsoft.com/office/drawing/2014/main" id="{3CF81426-169C-4BD7-A632-4F0E4FA26212}"/>
               </a:ext>
             </a:extLst>
           </p:cNvPr>
@@ -8391,7 +6521,7 @@
           <a:p>
             <a:r>
               <a:rPr lang="en-US" dirty="0"/>
-              <a:t>Function Invocation</a:t>
+              <a:t>Function Syntax</a:t>
             </a:r>
           </a:p>
         </p:txBody>
@@ -8401,7 +6531,7 @@
           <p:cNvPr id="3" name="Content Placeholder 2">
             <a:extLst>
               <a:ext uri="{FF2B5EF4-FFF2-40B4-BE49-F238E27FC236}">
-                <a16:creationId xmlns:a16="http://schemas.microsoft.com/office/drawing/2014/main" id="{1E8961F0-57A7-47CD-B5B0-8E3D7999733E}"/>
+                <a16:creationId xmlns:a16="http://schemas.microsoft.com/office/drawing/2014/main" id="{7BBE49F7-AF10-49F9-9A00-AA3C431C3508}"/>
               </a:ext>
             </a:extLst>
           </p:cNvPr>
@@ -8419,29 +6549,92 @@
           <a:p>
             <a:r>
               <a:rPr lang="en-US" dirty="0"/>
-              <a:t>The code inside of a function will execute whenever something calls the function</a:t>
-            </a:r>
-          </a:p>
-          <a:p>
-            <a:r>
-              <a:rPr lang="en-US" dirty="0"/>
-              <a:t>Functions can be called by: an </a:t>
+              <a:t>The code to be executed is placed inside a set of curly brackets </a:t>
             </a:r>
             <a:r>
               <a:rPr lang="en-US" b="1" i="1" dirty="0"/>
-              <a:t>event</a:t>
-            </a:r>
-            <a:r>
-              <a:rPr lang="en-US" dirty="0"/>
-              <a:t>, manually in JavaScript code, or automatically</a:t>
-            </a:r>
-          </a:p>
-        </p:txBody>
-      </p:sp>
+              <a:t>{}</a:t>
+            </a:r>
+            <a:endParaRPr lang="en-US" dirty="0"/>
+          </a:p>
+          <a:p>
+            <a:r>
+              <a:rPr lang="en-US" dirty="0"/>
+              <a:t>Function </a:t>
+            </a:r>
+            <a:r>
+              <a:rPr lang="en-US" b="1" i="1" dirty="0"/>
+              <a:t>parameters</a:t>
+            </a:r>
+            <a:r>
+              <a:rPr lang="en-US" dirty="0"/>
+              <a:t> are listed inside the parentheses </a:t>
+            </a:r>
+            <a:r>
+              <a:rPr lang="en-US" b="1" i="1" dirty="0"/>
+              <a:t>()</a:t>
+            </a:r>
+            <a:r>
+              <a:rPr lang="en-US" dirty="0"/>
+              <a:t> in the function definition</a:t>
+            </a:r>
+          </a:p>
+          <a:p>
+            <a:r>
+              <a:rPr lang="en-US" dirty="0"/>
+              <a:t>Function </a:t>
+            </a:r>
+            <a:r>
+              <a:rPr lang="en-US" b="1" i="1" dirty="0"/>
+              <a:t>arguments</a:t>
+            </a:r>
+            <a:r>
+              <a:rPr lang="en-US" dirty="0"/>
+              <a:t> are the values received by the function when it is invoked</a:t>
+            </a:r>
+          </a:p>
+        </p:txBody>
+      </p:sp>
+      <p:pic>
+        <p:nvPicPr>
+          <p:cNvPr id="4" name="Picture 3">
+            <a:extLst>
+              <a:ext uri="{FF2B5EF4-FFF2-40B4-BE49-F238E27FC236}">
+                <a16:creationId xmlns:a16="http://schemas.microsoft.com/office/drawing/2014/main" id="{C627E5E9-EF93-4D65-9068-D8D4374EE6A1}"/>
+              </a:ext>
+            </a:extLst>
+          </p:cNvPr>
+          <p:cNvPicPr>
+            <a:picLocks noChangeAspect="1"/>
+          </p:cNvPicPr>
+          <p:nvPr/>
+        </p:nvPicPr>
+        <p:blipFill>
+          <a:blip r:embed="rId2">
+            <a:extLst>
+              <a:ext uri="{28A0092B-C50C-407E-A947-70E740481C1C}">
+                <a14:useLocalDpi xmlns:a14="http://schemas.microsoft.com/office/drawing/2010/main" val="0"/>
+              </a:ext>
+            </a:extLst>
+          </a:blip>
+          <a:stretch>
+            <a:fillRect/>
+          </a:stretch>
+        </p:blipFill>
+        <p:spPr>
+          <a:xfrm>
+            <a:off x="1" y="4827043"/>
+            <a:ext cx="12192000" cy="2054830"/>
+          </a:xfrm>
+          <a:prstGeom prst="rect">
+            <a:avLst/>
+          </a:prstGeom>
+        </p:spPr>
+      </p:pic>
     </p:spTree>
     <p:extLst>
       <p:ext uri="{BB962C8B-B14F-4D97-AF65-F5344CB8AC3E}">
-        <p14:creationId xmlns:p14="http://schemas.microsoft.com/office/powerpoint/2010/main" val="953546918"/>
+        <p14:creationId xmlns:p14="http://schemas.microsoft.com/office/powerpoint/2010/main" val="1975147752"/>
       </p:ext>
     </p:extLst>
   </p:cSld>
@@ -8473,7 +6666,7 @@
           <p:cNvPr id="2" name="Title 1">
             <a:extLst>
               <a:ext uri="{FF2B5EF4-FFF2-40B4-BE49-F238E27FC236}">
-                <a16:creationId xmlns:a16="http://schemas.microsoft.com/office/drawing/2014/main" id="{BF0D39F7-0AA1-4205-85B0-847CA5768CD8}"/>
+                <a16:creationId xmlns:a16="http://schemas.microsoft.com/office/drawing/2014/main" id="{F233BF82-FA85-4959-9B11-AF8B26DA4513}"/>
               </a:ext>
             </a:extLst>
           </p:cNvPr>
@@ -8491,7 +6684,7 @@
           <a:p>
             <a:r>
               <a:rPr lang="en-US" dirty="0"/>
-              <a:t>Function Return</a:t>
+              <a:t>Function Syntax</a:t>
             </a:r>
           </a:p>
         </p:txBody>
@@ -8501,7 +6694,7 @@
           <p:cNvPr id="3" name="Content Placeholder 2">
             <a:extLst>
               <a:ext uri="{FF2B5EF4-FFF2-40B4-BE49-F238E27FC236}">
-                <a16:creationId xmlns:a16="http://schemas.microsoft.com/office/drawing/2014/main" id="{CACA5D5A-5261-4BCE-B1B4-96A4619E1F29}"/>
+                <a16:creationId xmlns:a16="http://schemas.microsoft.com/office/drawing/2014/main" id="{ACBC87D0-3EA1-4232-8892-15EE32FBAD7A}"/>
               </a:ext>
             </a:extLst>
           </p:cNvPr>
@@ -8512,42 +6705,46 @@
             <p:ph idx="1"/>
           </p:nvPr>
         </p:nvSpPr>
-        <p:spPr/>
-        <p:txBody>
-          <a:bodyPr/>
-          <a:lstStyle/>
-          <a:p>
-            <a:r>
-              <a:rPr lang="en-US" dirty="0"/>
-              <a:t>When JavaScript reaches a return statement, the function stops executing</a:t>
-            </a:r>
-          </a:p>
-          <a:p>
-            <a:r>
-              <a:rPr lang="en-US" dirty="0"/>
-              <a:t>If the function was invoked from a statement, JavaScript will “return” to execute code after the invoking statement</a:t>
-            </a:r>
-          </a:p>
-          <a:p>
-            <a:r>
-              <a:rPr lang="en-US" dirty="0"/>
-              <a:t>Functions often compute a </a:t>
+        <p:spPr>
+          <a:xfrm>
+            <a:off x="838200" y="1844675"/>
+            <a:ext cx="10515600" cy="4351338"/>
+          </a:xfrm>
+        </p:spPr>
+        <p:txBody>
+          <a:bodyPr/>
+          <a:lstStyle/>
+          <a:p>
+            <a:r>
+              <a:rPr lang="en-US" dirty="0"/>
+              <a:t>Inside the function, the arguments (parameters) behave as local variables</a:t>
+            </a:r>
+          </a:p>
+          <a:p>
+            <a:r>
+              <a:rPr lang="en-US" dirty="0"/>
+              <a:t>If you are familiar with any other languages, a function is the same thing as a </a:t>
             </a:r>
             <a:r>
               <a:rPr lang="en-US" b="1" i="1" dirty="0"/>
-              <a:t>return value</a:t>
-            </a:r>
-            <a:r>
-              <a:rPr lang="en-US" dirty="0"/>
-              <a:t>, which gets “returned” back to the caller</a:t>
-            </a:r>
+              <a:t>procedure</a:t>
+            </a:r>
+            <a:r>
+              <a:rPr lang="en-US" dirty="0"/>
+              <a:t> or </a:t>
+            </a:r>
+            <a:r>
+              <a:rPr lang="en-US" b="1" i="1" dirty="0"/>
+              <a:t>subroutine</a:t>
+            </a:r>
+            <a:endParaRPr lang="en-US" dirty="0"/>
           </a:p>
         </p:txBody>
       </p:sp>
     </p:spTree>
     <p:extLst>
       <p:ext uri="{BB962C8B-B14F-4D97-AF65-F5344CB8AC3E}">
-        <p14:creationId xmlns:p14="http://schemas.microsoft.com/office/powerpoint/2010/main" val="578022952"/>
+        <p14:creationId xmlns:p14="http://schemas.microsoft.com/office/powerpoint/2010/main" val="3880176174"/>
       </p:ext>
     </p:extLst>
   </p:cSld>
@@ -8579,7 +6776,7 @@
           <p:cNvPr id="2" name="Title 1">
             <a:extLst>
               <a:ext uri="{FF2B5EF4-FFF2-40B4-BE49-F238E27FC236}">
-                <a16:creationId xmlns:a16="http://schemas.microsoft.com/office/drawing/2014/main" id="{21D391BB-F86B-4F0E-BBFE-D590FBAE737C}"/>
+                <a16:creationId xmlns:a16="http://schemas.microsoft.com/office/drawing/2014/main" id="{41DC54BE-3CE2-48AF-82E9-6B2B914BEC27}"/>
               </a:ext>
             </a:extLst>
           </p:cNvPr>
@@ -8597,101 +6794,57 @@
           <a:p>
             <a:r>
               <a:rPr lang="en-US" dirty="0"/>
-              <a:t>Function Return</a:t>
-            </a:r>
-          </a:p>
-        </p:txBody>
-      </p:sp>
-      <p:pic>
-        <p:nvPicPr>
-          <p:cNvPr id="9" name="Content Placeholder 8">
-            <a:extLst>
-              <a:ext uri="{FF2B5EF4-FFF2-40B4-BE49-F238E27FC236}">
-                <a16:creationId xmlns:a16="http://schemas.microsoft.com/office/drawing/2014/main" id="{4D4DD82A-5C2B-4597-B10F-783ABEF5A011}"/>
-              </a:ext>
-            </a:extLst>
-          </p:cNvPr>
-          <p:cNvPicPr>
-            <a:picLocks noGrp="1" noChangeAspect="1"/>
-          </p:cNvPicPr>
+              <a:t>Function Invocation</a:t>
+            </a:r>
+          </a:p>
+        </p:txBody>
+      </p:sp>
+      <p:sp>
+        <p:nvSpPr>
+          <p:cNvPr id="3" name="Content Placeholder 2">
+            <a:extLst>
+              <a:ext uri="{FF2B5EF4-FFF2-40B4-BE49-F238E27FC236}">
+                <a16:creationId xmlns:a16="http://schemas.microsoft.com/office/drawing/2014/main" id="{1E8961F0-57A7-47CD-B5B0-8E3D7999733E}"/>
+              </a:ext>
+            </a:extLst>
+          </p:cNvPr>
+          <p:cNvSpPr>
+            <a:spLocks noGrp="1"/>
+          </p:cNvSpPr>
           <p:nvPr>
             <p:ph idx="1"/>
           </p:nvPr>
-        </p:nvPicPr>
-        <p:blipFill>
-          <a:blip r:embed="rId2">
-            <a:extLst>
-              <a:ext uri="{28A0092B-C50C-407E-A947-70E740481C1C}">
-                <a14:useLocalDpi xmlns:a14="http://schemas.microsoft.com/office/drawing/2010/main" val="0"/>
-              </a:ext>
-            </a:extLst>
-          </a:blip>
-          <a:stretch>
-            <a:fillRect/>
-          </a:stretch>
-        </p:blipFill>
-        <p:spPr>
-          <a:xfrm>
-            <a:off x="0" y="2880845"/>
-            <a:ext cx="12192000" cy="2240898"/>
-          </a:xfrm>
-        </p:spPr>
-      </p:pic>
-      <mc:AlternateContent xmlns:mc="http://schemas.openxmlformats.org/markup-compatibility/2006" xmlns:p14="http://schemas.microsoft.com/office/powerpoint/2010/main">
-        <mc:Choice Requires="p14">
-          <p:contentPart p14:bwMode="auto" r:id="rId3">
-            <p14:nvContentPartPr>
-              <p14:cNvPr id="3" name="Ink 2">
-                <a:extLst>
-                  <a:ext uri="{FF2B5EF4-FFF2-40B4-BE49-F238E27FC236}">
-                    <a16:creationId xmlns:a16="http://schemas.microsoft.com/office/drawing/2014/main" id="{FD6788E2-E961-40E7-BF62-D9D1E49ED84A}"/>
-                  </a:ext>
-                </a:extLst>
-              </p14:cNvPr>
-              <p14:cNvContentPartPr/>
-              <p14:nvPr/>
-            </p14:nvContentPartPr>
-            <p14:xfrm>
-              <a:off x="0" y="2347920"/>
-              <a:ext cx="6497640" cy="3708000"/>
-            </p14:xfrm>
-          </p:contentPart>
-        </mc:Choice>
-        <mc:Fallback xmlns="">
-          <p:pic>
-            <p:nvPicPr>
-              <p:cNvPr id="3" name="Ink 2">
-                <a:extLst>
-                  <a:ext uri="{FF2B5EF4-FFF2-40B4-BE49-F238E27FC236}">
-                    <a16:creationId xmlns:a16="http://schemas.microsoft.com/office/drawing/2014/main" id="{FD6788E2-E961-40E7-BF62-D9D1E49ED84A}"/>
-                  </a:ext>
-                </a:extLst>
-              </p:cNvPr>
-              <p:cNvPicPr/>
-              <p:nvPr/>
-            </p:nvPicPr>
-            <p:blipFill>
-              <a:blip r:embed="rId4"/>
-              <a:stretch>
-                <a:fillRect/>
-              </a:stretch>
-            </p:blipFill>
-            <p:spPr>
-              <a:xfrm>
-                <a:off x="-9360" y="2338560"/>
-                <a:ext cx="6516360" cy="3726720"/>
-              </a:xfrm>
-              <a:prstGeom prst="rect">
-                <a:avLst/>
-              </a:prstGeom>
-            </p:spPr>
-          </p:pic>
-        </mc:Fallback>
-      </mc:AlternateContent>
+        </p:nvSpPr>
+        <p:spPr/>
+        <p:txBody>
+          <a:bodyPr/>
+          <a:lstStyle/>
+          <a:p>
+            <a:r>
+              <a:rPr lang="en-US" dirty="0"/>
+              <a:t>The code inside of a function will execute whenever something calls the function</a:t>
+            </a:r>
+          </a:p>
+          <a:p>
+            <a:r>
+              <a:rPr lang="en-US" dirty="0"/>
+              <a:t>Functions can be called by: an </a:t>
+            </a:r>
+            <a:r>
+              <a:rPr lang="en-US" b="1" i="1" dirty="0"/>
+              <a:t>event</a:t>
+            </a:r>
+            <a:r>
+              <a:rPr lang="en-US" dirty="0"/>
+              <a:t>, manually in JavaScript code, or automatically</a:t>
+            </a:r>
+          </a:p>
+        </p:txBody>
+      </p:sp>
     </p:spTree>
     <p:extLst>
       <p:ext uri="{BB962C8B-B14F-4D97-AF65-F5344CB8AC3E}">
-        <p14:creationId xmlns:p14="http://schemas.microsoft.com/office/powerpoint/2010/main" val="1122429443"/>
+        <p14:creationId xmlns:p14="http://schemas.microsoft.com/office/powerpoint/2010/main" val="953546918"/>
       </p:ext>
     </p:extLst>
   </p:cSld>
@@ -8822,57 +6975,6 @@
           </a:prstGeom>
         </p:spPr>
       </p:pic>
-      <mc:AlternateContent xmlns:mc="http://schemas.openxmlformats.org/markup-compatibility/2006" xmlns:p14="http://schemas.microsoft.com/office/powerpoint/2010/main">
-        <mc:Choice Requires="p14">
-          <p:contentPart p14:bwMode="auto" r:id="rId3">
-            <p14:nvContentPartPr>
-              <p14:cNvPr id="4" name="Ink 3">
-                <a:extLst>
-                  <a:ext uri="{FF2B5EF4-FFF2-40B4-BE49-F238E27FC236}">
-                    <a16:creationId xmlns:a16="http://schemas.microsoft.com/office/drawing/2014/main" id="{773EF373-21ED-453A-82D0-0D2E13B381D4}"/>
-                  </a:ext>
-                </a:extLst>
-              </p14:cNvPr>
-              <p14:cNvContentPartPr/>
-              <p14:nvPr/>
-            </p14:nvContentPartPr>
-            <p14:xfrm>
-              <a:off x="97560" y="3639240"/>
-              <a:ext cx="5862600" cy="2624400"/>
-            </p14:xfrm>
-          </p:contentPart>
-        </mc:Choice>
-        <mc:Fallback xmlns="">
-          <p:pic>
-            <p:nvPicPr>
-              <p:cNvPr id="4" name="Ink 3">
-                <a:extLst>
-                  <a:ext uri="{FF2B5EF4-FFF2-40B4-BE49-F238E27FC236}">
-                    <a16:creationId xmlns:a16="http://schemas.microsoft.com/office/drawing/2014/main" id="{773EF373-21ED-453A-82D0-0D2E13B381D4}"/>
-                  </a:ext>
-                </a:extLst>
-              </p:cNvPr>
-              <p:cNvPicPr/>
-              <p:nvPr/>
-            </p:nvPicPr>
-            <p:blipFill>
-              <a:blip r:embed="rId4"/>
-              <a:stretch>
-                <a:fillRect/>
-              </a:stretch>
-            </p:blipFill>
-            <p:spPr>
-              <a:xfrm>
-                <a:off x="88200" y="3629880"/>
-                <a:ext cx="5881320" cy="2643120"/>
-              </a:xfrm>
-              <a:prstGeom prst="rect">
-                <a:avLst/>
-              </a:prstGeom>
-            </p:spPr>
-          </p:pic>
-        </mc:Fallback>
-      </mc:AlternateContent>
     </p:spTree>
     <p:extLst>
       <p:ext uri="{BB962C8B-B14F-4D97-AF65-F5344CB8AC3E}">
@@ -8908,6 +7010,205 @@
           <p:cNvPr id="2" name="Title 1">
             <a:extLst>
               <a:ext uri="{FF2B5EF4-FFF2-40B4-BE49-F238E27FC236}">
+                <a16:creationId xmlns:a16="http://schemas.microsoft.com/office/drawing/2014/main" id="{BF0D39F7-0AA1-4205-85B0-847CA5768CD8}"/>
+              </a:ext>
+            </a:extLst>
+          </p:cNvPr>
+          <p:cNvSpPr>
+            <a:spLocks noGrp="1"/>
+          </p:cNvSpPr>
+          <p:nvPr>
+            <p:ph type="title"/>
+          </p:nvPr>
+        </p:nvSpPr>
+        <p:spPr/>
+        <p:txBody>
+          <a:bodyPr/>
+          <a:lstStyle/>
+          <a:p>
+            <a:r>
+              <a:rPr lang="en-US" dirty="0"/>
+              <a:t>Function Return</a:t>
+            </a:r>
+          </a:p>
+        </p:txBody>
+      </p:sp>
+      <p:sp>
+        <p:nvSpPr>
+          <p:cNvPr id="3" name="Content Placeholder 2">
+            <a:extLst>
+              <a:ext uri="{FF2B5EF4-FFF2-40B4-BE49-F238E27FC236}">
+                <a16:creationId xmlns:a16="http://schemas.microsoft.com/office/drawing/2014/main" id="{CACA5D5A-5261-4BCE-B1B4-96A4619E1F29}"/>
+              </a:ext>
+            </a:extLst>
+          </p:cNvPr>
+          <p:cNvSpPr>
+            <a:spLocks noGrp="1"/>
+          </p:cNvSpPr>
+          <p:nvPr>
+            <p:ph idx="1"/>
+          </p:nvPr>
+        </p:nvSpPr>
+        <p:spPr/>
+        <p:txBody>
+          <a:bodyPr/>
+          <a:lstStyle/>
+          <a:p>
+            <a:r>
+              <a:rPr lang="en-US" dirty="0"/>
+              <a:t>When JavaScript reaches a return statement, the function stops executing</a:t>
+            </a:r>
+          </a:p>
+          <a:p>
+            <a:r>
+              <a:rPr lang="en-US" dirty="0"/>
+              <a:t>If the function was invoked from a statement, JavaScript will “return” to execute code after the invoking statement</a:t>
+            </a:r>
+          </a:p>
+          <a:p>
+            <a:r>
+              <a:rPr lang="en-US" dirty="0"/>
+              <a:t>Functions often compute a </a:t>
+            </a:r>
+            <a:r>
+              <a:rPr lang="en-US" b="1" i="1" dirty="0"/>
+              <a:t>return value</a:t>
+            </a:r>
+            <a:r>
+              <a:rPr lang="en-US" dirty="0"/>
+              <a:t>, which gets “returned” back to the caller</a:t>
+            </a:r>
+          </a:p>
+        </p:txBody>
+      </p:sp>
+    </p:spTree>
+    <p:extLst>
+      <p:ext uri="{BB962C8B-B14F-4D97-AF65-F5344CB8AC3E}">
+        <p14:creationId xmlns:p14="http://schemas.microsoft.com/office/powerpoint/2010/main" val="578022952"/>
+      </p:ext>
+    </p:extLst>
+  </p:cSld>
+  <p:clrMapOvr>
+    <a:masterClrMapping/>
+  </p:clrMapOvr>
+</p:sld>
+</file>
+
+<file path=ppt/slides/slide31.xml><?xml version="1.0" encoding="utf-8"?>
+<p:sld xmlns:a="http://schemas.openxmlformats.org/drawingml/2006/main" xmlns:r="http://schemas.openxmlformats.org/officeDocument/2006/relationships" xmlns:p="http://schemas.openxmlformats.org/presentationml/2006/main">
+  <p:cSld>
+    <p:spTree>
+      <p:nvGrpSpPr>
+        <p:cNvPr id="1" name=""/>
+        <p:cNvGrpSpPr/>
+        <p:nvPr/>
+      </p:nvGrpSpPr>
+      <p:grpSpPr>
+        <a:xfrm>
+          <a:off x="0" y="0"/>
+          <a:ext cx="0" cy="0"/>
+          <a:chOff x="0" y="0"/>
+          <a:chExt cx="0" cy="0"/>
+        </a:xfrm>
+      </p:grpSpPr>
+      <p:sp>
+        <p:nvSpPr>
+          <p:cNvPr id="2" name="Title 1">
+            <a:extLst>
+              <a:ext uri="{FF2B5EF4-FFF2-40B4-BE49-F238E27FC236}">
+                <a16:creationId xmlns:a16="http://schemas.microsoft.com/office/drawing/2014/main" id="{21D391BB-F86B-4F0E-BBFE-D590FBAE737C}"/>
+              </a:ext>
+            </a:extLst>
+          </p:cNvPr>
+          <p:cNvSpPr>
+            <a:spLocks noGrp="1"/>
+          </p:cNvSpPr>
+          <p:nvPr>
+            <p:ph type="title"/>
+          </p:nvPr>
+        </p:nvSpPr>
+        <p:spPr/>
+        <p:txBody>
+          <a:bodyPr/>
+          <a:lstStyle/>
+          <a:p>
+            <a:r>
+              <a:rPr lang="en-US" dirty="0"/>
+              <a:t>Function Return</a:t>
+            </a:r>
+          </a:p>
+        </p:txBody>
+      </p:sp>
+      <p:pic>
+        <p:nvPicPr>
+          <p:cNvPr id="9" name="Content Placeholder 8">
+            <a:extLst>
+              <a:ext uri="{FF2B5EF4-FFF2-40B4-BE49-F238E27FC236}">
+                <a16:creationId xmlns:a16="http://schemas.microsoft.com/office/drawing/2014/main" id="{4D4DD82A-5C2B-4597-B10F-783ABEF5A011}"/>
+              </a:ext>
+            </a:extLst>
+          </p:cNvPr>
+          <p:cNvPicPr>
+            <a:picLocks noGrp="1" noChangeAspect="1"/>
+          </p:cNvPicPr>
+          <p:nvPr>
+            <p:ph idx="1"/>
+          </p:nvPr>
+        </p:nvPicPr>
+        <p:blipFill>
+          <a:blip r:embed="rId2">
+            <a:extLst>
+              <a:ext uri="{28A0092B-C50C-407E-A947-70E740481C1C}">
+                <a14:useLocalDpi xmlns:a14="http://schemas.microsoft.com/office/drawing/2010/main" val="0"/>
+              </a:ext>
+            </a:extLst>
+          </a:blip>
+          <a:stretch>
+            <a:fillRect/>
+          </a:stretch>
+        </p:blipFill>
+        <p:spPr>
+          <a:xfrm>
+            <a:off x="0" y="2880845"/>
+            <a:ext cx="12192000" cy="2240898"/>
+          </a:xfrm>
+        </p:spPr>
+      </p:pic>
+    </p:spTree>
+    <p:extLst>
+      <p:ext uri="{BB962C8B-B14F-4D97-AF65-F5344CB8AC3E}">
+        <p14:creationId xmlns:p14="http://schemas.microsoft.com/office/powerpoint/2010/main" val="1122429443"/>
+      </p:ext>
+    </p:extLst>
+  </p:cSld>
+  <p:clrMapOvr>
+    <a:masterClrMapping/>
+  </p:clrMapOvr>
+</p:sld>
+</file>
+
+<file path=ppt/slides/slide32.xml><?xml version="1.0" encoding="utf-8"?>
+<p:sld xmlns:a="http://schemas.openxmlformats.org/drawingml/2006/main" xmlns:r="http://schemas.openxmlformats.org/officeDocument/2006/relationships" xmlns:p="http://schemas.openxmlformats.org/presentationml/2006/main">
+  <p:cSld>
+    <p:spTree>
+      <p:nvGrpSpPr>
+        <p:cNvPr id="1" name=""/>
+        <p:cNvGrpSpPr/>
+        <p:nvPr/>
+      </p:nvGrpSpPr>
+      <p:grpSpPr>
+        <a:xfrm>
+          <a:off x="0" y="0"/>
+          <a:ext cx="0" cy="0"/>
+          <a:chOff x="0" y="0"/>
+          <a:chExt cx="0" cy="0"/>
+        </a:xfrm>
+      </p:grpSpPr>
+      <p:sp>
+        <p:nvSpPr>
+          <p:cNvPr id="2" name="Title 1">
+            <a:extLst>
+              <a:ext uri="{FF2B5EF4-FFF2-40B4-BE49-F238E27FC236}">
                 <a16:creationId xmlns:a16="http://schemas.microsoft.com/office/drawing/2014/main" id="{F75F2E41-F251-4F0D-8428-DF475E000015}"/>
               </a:ext>
             </a:extLst>
@@ -9022,7 +7323,7 @@
 </p:sld>
 </file>
 
-<file path=ppt/slides/slide31.xml><?xml version="1.0" encoding="utf-8"?>
+<file path=ppt/slides/slide33.xml><?xml version="1.0" encoding="utf-8"?>
 <p:sld xmlns:a="http://schemas.openxmlformats.org/drawingml/2006/main" xmlns:r="http://schemas.openxmlformats.org/officeDocument/2006/relationships" xmlns:p="http://schemas.openxmlformats.org/presentationml/2006/main">
   <p:cSld>
     <p:spTree>
@@ -9193,431 +7494,10 @@
           </a:prstGeom>
         </p:spPr>
       </p:pic>
-      <mc:AlternateContent xmlns:mc="http://schemas.openxmlformats.org/markup-compatibility/2006" xmlns:p14="http://schemas.microsoft.com/office/powerpoint/2010/main">
-        <mc:Choice Requires="p14">
-          <p:contentPart p14:bwMode="auto" r:id="rId4">
-            <p14:nvContentPartPr>
-              <p14:cNvPr id="4" name="Ink 3">
-                <a:extLst>
-                  <a:ext uri="{FF2B5EF4-FFF2-40B4-BE49-F238E27FC236}">
-                    <a16:creationId xmlns:a16="http://schemas.microsoft.com/office/drawing/2014/main" id="{A436981A-7D1A-4614-8581-001CE21103E2}"/>
-                  </a:ext>
-                </a:extLst>
-              </p14:cNvPr>
-              <p14:cNvContentPartPr/>
-              <p14:nvPr/>
-            </p14:nvContentPartPr>
-            <p14:xfrm>
-              <a:off x="0" y="4622760"/>
-              <a:ext cx="12103920" cy="2235240"/>
-            </p14:xfrm>
-          </p:contentPart>
-        </mc:Choice>
-        <mc:Fallback xmlns="">
-          <p:pic>
-            <p:nvPicPr>
-              <p:cNvPr id="4" name="Ink 3">
-                <a:extLst>
-                  <a:ext uri="{FF2B5EF4-FFF2-40B4-BE49-F238E27FC236}">
-                    <a16:creationId xmlns:a16="http://schemas.microsoft.com/office/drawing/2014/main" id="{A436981A-7D1A-4614-8581-001CE21103E2}"/>
-                  </a:ext>
-                </a:extLst>
-              </p:cNvPr>
-              <p:cNvPicPr/>
-              <p:nvPr/>
-            </p:nvPicPr>
-            <p:blipFill>
-              <a:blip r:embed="rId5"/>
-              <a:stretch>
-                <a:fillRect/>
-              </a:stretch>
-            </p:blipFill>
-            <p:spPr>
-              <a:xfrm>
-                <a:off x="-9360" y="4613400"/>
-                <a:ext cx="12122640" cy="2253960"/>
-              </a:xfrm>
-              <a:prstGeom prst="rect">
-                <a:avLst/>
-              </a:prstGeom>
-            </p:spPr>
-          </p:pic>
-        </mc:Fallback>
-      </mc:AlternateContent>
     </p:spTree>
     <p:extLst>
       <p:ext uri="{BB962C8B-B14F-4D97-AF65-F5344CB8AC3E}">
         <p14:creationId xmlns:p14="http://schemas.microsoft.com/office/powerpoint/2010/main" val="3621117923"/>
-      </p:ext>
-    </p:extLst>
-  </p:cSld>
-  <p:clrMapOvr>
-    <a:masterClrMapping/>
-  </p:clrMapOvr>
-</p:sld>
-</file>
-
-<file path=ppt/slides/slide32.xml><?xml version="1.0" encoding="utf-8"?>
-<p:sld xmlns:a="http://schemas.openxmlformats.org/drawingml/2006/main" xmlns:r="http://schemas.openxmlformats.org/officeDocument/2006/relationships" xmlns:p="http://schemas.openxmlformats.org/presentationml/2006/main">
-  <p:cSld>
-    <p:spTree>
-      <p:nvGrpSpPr>
-        <p:cNvPr id="1" name=""/>
-        <p:cNvGrpSpPr/>
-        <p:nvPr/>
-      </p:nvGrpSpPr>
-      <p:grpSpPr>
-        <a:xfrm>
-          <a:off x="0" y="0"/>
-          <a:ext cx="0" cy="0"/>
-          <a:chOff x="0" y="0"/>
-          <a:chExt cx="0" cy="0"/>
-        </a:xfrm>
-      </p:grpSpPr>
-      <p:sp>
-        <p:nvSpPr>
-          <p:cNvPr id="2" name="Title 1">
-            <a:extLst>
-              <a:ext uri="{FF2B5EF4-FFF2-40B4-BE49-F238E27FC236}">
-                <a16:creationId xmlns:a16="http://schemas.microsoft.com/office/drawing/2014/main" id="{97D0F0FA-F624-4991-97B0-66477C95E2F4}"/>
-              </a:ext>
-            </a:extLst>
-          </p:cNvPr>
-          <p:cNvSpPr>
-            <a:spLocks noGrp="1"/>
-          </p:cNvSpPr>
-          <p:nvPr>
-            <p:ph type="title"/>
-          </p:nvPr>
-        </p:nvSpPr>
-        <p:spPr/>
-        <p:txBody>
-          <a:bodyPr/>
-          <a:lstStyle/>
-          <a:p>
-            <a:r>
-              <a:rPr lang="en-US" dirty="0"/>
-              <a:t>Functions Used as Variable Values</a:t>
-            </a:r>
-          </a:p>
-        </p:txBody>
-      </p:sp>
-      <p:sp>
-        <p:nvSpPr>
-          <p:cNvPr id="3" name="Content Placeholder 2">
-            <a:extLst>
-              <a:ext uri="{FF2B5EF4-FFF2-40B4-BE49-F238E27FC236}">
-                <a16:creationId xmlns:a16="http://schemas.microsoft.com/office/drawing/2014/main" id="{9204797E-4742-4447-B3F8-5BE5527E97F8}"/>
-              </a:ext>
-            </a:extLst>
-          </p:cNvPr>
-          <p:cNvSpPr>
-            <a:spLocks noGrp="1"/>
-          </p:cNvSpPr>
-          <p:nvPr>
-            <p:ph idx="1"/>
-          </p:nvPr>
-        </p:nvSpPr>
-        <p:spPr/>
-        <p:txBody>
-          <a:bodyPr/>
-          <a:lstStyle/>
-          <a:p>
-            <a:r>
-              <a:rPr lang="en-US" dirty="0"/>
-              <a:t>Functions can be used the same way you use variables, in all types of formulas, assignments, and calculations</a:t>
-            </a:r>
-          </a:p>
-          <a:p>
-            <a:endParaRPr lang="en-US" dirty="0"/>
-          </a:p>
-        </p:txBody>
-      </p:sp>
-      <p:pic>
-        <p:nvPicPr>
-          <p:cNvPr id="5" name="Picture 4">
-            <a:extLst>
-              <a:ext uri="{FF2B5EF4-FFF2-40B4-BE49-F238E27FC236}">
-                <a16:creationId xmlns:a16="http://schemas.microsoft.com/office/drawing/2014/main" id="{287F2706-1628-4858-920E-FD724C12FAC6}"/>
-              </a:ext>
-            </a:extLst>
-          </p:cNvPr>
-          <p:cNvPicPr>
-            <a:picLocks noChangeAspect="1"/>
-          </p:cNvPicPr>
-          <p:nvPr/>
-        </p:nvPicPr>
-        <p:blipFill>
-          <a:blip r:embed="rId2">
-            <a:extLst>
-              <a:ext uri="{28A0092B-C50C-407E-A947-70E740481C1C}">
-                <a14:useLocalDpi xmlns:a14="http://schemas.microsoft.com/office/drawing/2010/main" val="0"/>
-              </a:ext>
-            </a:extLst>
-          </a:blip>
-          <a:stretch>
-            <a:fillRect/>
-          </a:stretch>
-        </p:blipFill>
-        <p:spPr>
-          <a:xfrm>
-            <a:off x="0" y="5376907"/>
-            <a:ext cx="6096000" cy="1481093"/>
-          </a:xfrm>
-          <a:prstGeom prst="rect">
-            <a:avLst/>
-          </a:prstGeom>
-        </p:spPr>
-      </p:pic>
-      <p:pic>
-        <p:nvPicPr>
-          <p:cNvPr id="7" name="Picture 6">
-            <a:extLst>
-              <a:ext uri="{FF2B5EF4-FFF2-40B4-BE49-F238E27FC236}">
-                <a16:creationId xmlns:a16="http://schemas.microsoft.com/office/drawing/2014/main" id="{5BF35D4E-4B7A-4D79-9BEF-6B8FF6B4E116}"/>
-              </a:ext>
-            </a:extLst>
-          </p:cNvPr>
-          <p:cNvPicPr>
-            <a:picLocks noChangeAspect="1"/>
-          </p:cNvPicPr>
-          <p:nvPr/>
-        </p:nvPicPr>
-        <p:blipFill>
-          <a:blip r:embed="rId3">
-            <a:extLst>
-              <a:ext uri="{28A0092B-C50C-407E-A947-70E740481C1C}">
-                <a14:useLocalDpi xmlns:a14="http://schemas.microsoft.com/office/drawing/2010/main" val="0"/>
-              </a:ext>
-            </a:extLst>
-          </a:blip>
-          <a:stretch>
-            <a:fillRect/>
-          </a:stretch>
-        </p:blipFill>
-        <p:spPr>
-          <a:xfrm>
-            <a:off x="6096001" y="4586271"/>
-            <a:ext cx="6096000" cy="2271730"/>
-          </a:xfrm>
-          <a:prstGeom prst="rect">
-            <a:avLst/>
-          </a:prstGeom>
-        </p:spPr>
-      </p:pic>
-      <mc:AlternateContent xmlns:mc="http://schemas.openxmlformats.org/markup-compatibility/2006" xmlns:p14="http://schemas.microsoft.com/office/powerpoint/2010/main">
-        <mc:Choice Requires="p14">
-          <p:contentPart p14:bwMode="auto" r:id="rId4">
-            <p14:nvContentPartPr>
-              <p14:cNvPr id="4" name="Ink 3">
-                <a:extLst>
-                  <a:ext uri="{FF2B5EF4-FFF2-40B4-BE49-F238E27FC236}">
-                    <a16:creationId xmlns:a16="http://schemas.microsoft.com/office/drawing/2014/main" id="{92B11778-1F1B-4BF5-9B4E-444594641DEF}"/>
-                  </a:ext>
-                </a:extLst>
-              </p14:cNvPr>
-              <p14:cNvContentPartPr/>
-              <p14:nvPr/>
-            </p14:nvContentPartPr>
-            <p14:xfrm>
-              <a:off x="557640" y="5587200"/>
-              <a:ext cx="4416480" cy="1085760"/>
-            </p14:xfrm>
-          </p:contentPart>
-        </mc:Choice>
-        <mc:Fallback xmlns="">
-          <p:pic>
-            <p:nvPicPr>
-              <p:cNvPr id="4" name="Ink 3">
-                <a:extLst>
-                  <a:ext uri="{FF2B5EF4-FFF2-40B4-BE49-F238E27FC236}">
-                    <a16:creationId xmlns:a16="http://schemas.microsoft.com/office/drawing/2014/main" id="{92B11778-1F1B-4BF5-9B4E-444594641DEF}"/>
-                  </a:ext>
-                </a:extLst>
-              </p:cNvPr>
-              <p:cNvPicPr/>
-              <p:nvPr/>
-            </p:nvPicPr>
-            <p:blipFill>
-              <a:blip r:embed="rId5"/>
-              <a:stretch>
-                <a:fillRect/>
-              </a:stretch>
-            </p:blipFill>
-            <p:spPr>
-              <a:xfrm>
-                <a:off x="548280" y="5577840"/>
-                <a:ext cx="4435200" cy="1104480"/>
-              </a:xfrm>
-              <a:prstGeom prst="rect">
-                <a:avLst/>
-              </a:prstGeom>
-            </p:spPr>
-          </p:pic>
-        </mc:Fallback>
-      </mc:AlternateContent>
-    </p:spTree>
-    <p:extLst>
-      <p:ext uri="{BB962C8B-B14F-4D97-AF65-F5344CB8AC3E}">
-        <p14:creationId xmlns:p14="http://schemas.microsoft.com/office/powerpoint/2010/main" val="2768814233"/>
-      </p:ext>
-    </p:extLst>
-  </p:cSld>
-  <p:clrMapOvr>
-    <a:masterClrMapping/>
-  </p:clrMapOvr>
-</p:sld>
-</file>
-
-<file path=ppt/slides/slide33.xml><?xml version="1.0" encoding="utf-8"?>
-<p:sld xmlns:a="http://schemas.openxmlformats.org/drawingml/2006/main" xmlns:r="http://schemas.openxmlformats.org/officeDocument/2006/relationships" xmlns:p="http://schemas.openxmlformats.org/presentationml/2006/main">
-  <p:cSld>
-    <p:spTree>
-      <p:nvGrpSpPr>
-        <p:cNvPr id="1" name=""/>
-        <p:cNvGrpSpPr/>
-        <p:nvPr/>
-      </p:nvGrpSpPr>
-      <p:grpSpPr>
-        <a:xfrm>
-          <a:off x="0" y="0"/>
-          <a:ext cx="0" cy="0"/>
-          <a:chOff x="0" y="0"/>
-          <a:chExt cx="0" cy="0"/>
-        </a:xfrm>
-      </p:grpSpPr>
-      <p:sp>
-        <p:nvSpPr>
-          <p:cNvPr id="2" name="Title 1">
-            <a:extLst>
-              <a:ext uri="{FF2B5EF4-FFF2-40B4-BE49-F238E27FC236}">
-                <a16:creationId xmlns:a16="http://schemas.microsoft.com/office/drawing/2014/main" id="{1078237E-9685-4CFD-9120-8923233A8EE8}"/>
-              </a:ext>
-            </a:extLst>
-          </p:cNvPr>
-          <p:cNvSpPr>
-            <a:spLocks noGrp="1"/>
-          </p:cNvSpPr>
-          <p:nvPr>
-            <p:ph type="title"/>
-          </p:nvPr>
-        </p:nvSpPr>
-        <p:spPr/>
-        <p:txBody>
-          <a:bodyPr/>
-          <a:lstStyle/>
-          <a:p>
-            <a:r>
-              <a:rPr lang="en-US" dirty="0"/>
-              <a:t>Local Variables</a:t>
-            </a:r>
-          </a:p>
-        </p:txBody>
-      </p:sp>
-      <p:sp>
-        <p:nvSpPr>
-          <p:cNvPr id="3" name="Content Placeholder 2">
-            <a:extLst>
-              <a:ext uri="{FF2B5EF4-FFF2-40B4-BE49-F238E27FC236}">
-                <a16:creationId xmlns:a16="http://schemas.microsoft.com/office/drawing/2014/main" id="{A6247D70-C4CF-4A3B-A55B-219895FDCD15}"/>
-              </a:ext>
-            </a:extLst>
-          </p:cNvPr>
-          <p:cNvSpPr>
-            <a:spLocks noGrp="1"/>
-          </p:cNvSpPr>
-          <p:nvPr>
-            <p:ph idx="1"/>
-          </p:nvPr>
-        </p:nvSpPr>
-        <p:spPr/>
-        <p:txBody>
-          <a:bodyPr/>
-          <a:lstStyle/>
-          <a:p>
-            <a:r>
-              <a:rPr lang="en-US" dirty="0"/>
-              <a:t>Variables declared inside of a function become </a:t>
-            </a:r>
-            <a:r>
-              <a:rPr lang="en-US" b="1" i="1" dirty="0"/>
-              <a:t>local</a:t>
-            </a:r>
-            <a:r>
-              <a:rPr lang="en-US" dirty="0"/>
-              <a:t> to the function</a:t>
-            </a:r>
-          </a:p>
-          <a:p>
-            <a:r>
-              <a:rPr lang="en-US" b="1" i="1" dirty="0"/>
-              <a:t>Local variables</a:t>
-            </a:r>
-            <a:r>
-              <a:rPr lang="en-US" dirty="0"/>
-              <a:t> can only be accessed from within the function</a:t>
-            </a:r>
-          </a:p>
-          <a:p>
-            <a:endParaRPr lang="en-US" b="1" i="1" dirty="0"/>
-          </a:p>
-        </p:txBody>
-      </p:sp>
-      <mc:AlternateContent xmlns:mc="http://schemas.openxmlformats.org/markup-compatibility/2006" xmlns:p14="http://schemas.microsoft.com/office/powerpoint/2010/main">
-        <mc:Choice Requires="p14">
-          <p:contentPart p14:bwMode="auto" r:id="rId2">
-            <p14:nvContentPartPr>
-              <p14:cNvPr id="4" name="Ink 3">
-                <a:extLst>
-                  <a:ext uri="{FF2B5EF4-FFF2-40B4-BE49-F238E27FC236}">
-                    <a16:creationId xmlns:a16="http://schemas.microsoft.com/office/drawing/2014/main" id="{E3D949DB-5AFD-4832-8CA5-547366A1A5DF}"/>
-                  </a:ext>
-                </a:extLst>
-              </p14:cNvPr>
-              <p14:cNvContentPartPr/>
-              <p14:nvPr/>
-            </p14:nvContentPartPr>
-            <p14:xfrm>
-              <a:off x="1601280" y="2856960"/>
-              <a:ext cx="5682600" cy="3783240"/>
-            </p14:xfrm>
-          </p:contentPart>
-        </mc:Choice>
-        <mc:Fallback xmlns="">
-          <p:pic>
-            <p:nvPicPr>
-              <p:cNvPr id="4" name="Ink 3">
-                <a:extLst>
-                  <a:ext uri="{FF2B5EF4-FFF2-40B4-BE49-F238E27FC236}">
-                    <a16:creationId xmlns:a16="http://schemas.microsoft.com/office/drawing/2014/main" id="{E3D949DB-5AFD-4832-8CA5-547366A1A5DF}"/>
-                  </a:ext>
-                </a:extLst>
-              </p:cNvPr>
-              <p:cNvPicPr/>
-              <p:nvPr/>
-            </p:nvPicPr>
-            <p:blipFill>
-              <a:blip r:embed="rId3"/>
-              <a:stretch>
-                <a:fillRect/>
-              </a:stretch>
-            </p:blipFill>
-            <p:spPr>
-              <a:xfrm>
-                <a:off x="1591920" y="2847600"/>
-                <a:ext cx="5701320" cy="3801960"/>
-              </a:xfrm>
-              <a:prstGeom prst="rect">
-                <a:avLst/>
-              </a:prstGeom>
-            </p:spPr>
-          </p:pic>
-        </mc:Fallback>
-      </mc:AlternateContent>
-    </p:spTree>
-    <p:extLst>
-      <p:ext uri="{BB962C8B-B14F-4D97-AF65-F5344CB8AC3E}">
-        <p14:creationId xmlns:p14="http://schemas.microsoft.com/office/powerpoint/2010/main" val="1466164045"/>
       </p:ext>
     </p:extLst>
   </p:cSld>
@@ -9649,7 +7529,7 @@
           <p:cNvPr id="2" name="Title 1">
             <a:extLst>
               <a:ext uri="{FF2B5EF4-FFF2-40B4-BE49-F238E27FC236}">
-                <a16:creationId xmlns:a16="http://schemas.microsoft.com/office/drawing/2014/main" id="{DA0226E6-57E5-4EC0-A481-3886AA9A71EE}"/>
+                <a16:creationId xmlns:a16="http://schemas.microsoft.com/office/drawing/2014/main" id="{97D0F0FA-F624-4991-97B0-66477C95E2F4}"/>
               </a:ext>
             </a:extLst>
           </p:cNvPr>
@@ -9667,7 +7547,7 @@
           <a:p>
             <a:r>
               <a:rPr lang="en-US" dirty="0"/>
-              <a:t>Local Variables</a:t>
+              <a:t>Functions Used as Variable Values</a:t>
             </a:r>
           </a:p>
         </p:txBody>
@@ -9677,7 +7557,7 @@
           <p:cNvPr id="3" name="Content Placeholder 2">
             <a:extLst>
               <a:ext uri="{FF2B5EF4-FFF2-40B4-BE49-F238E27FC236}">
-                <a16:creationId xmlns:a16="http://schemas.microsoft.com/office/drawing/2014/main" id="{6788F9B6-1E72-46F8-9109-C1C364A84472}"/>
+                <a16:creationId xmlns:a16="http://schemas.microsoft.com/office/drawing/2014/main" id="{9204797E-4742-4447-B3F8-5BE5527E97F8}"/>
               </a:ext>
             </a:extLst>
           </p:cNvPr>
@@ -9695,17 +7575,20 @@
           <a:p>
             <a:r>
               <a:rPr lang="en-US" dirty="0"/>
-              <a:t>Since local variables are only recognized within their functions, variables with the same name can be used in different functions</a:t>
-            </a:r>
+              <a:t>Functions can be used the same way you use variables, in all types of formulas, assignments, and calculations</a:t>
+            </a:r>
+          </a:p>
+          <a:p>
+            <a:endParaRPr lang="en-US" dirty="0"/>
           </a:p>
         </p:txBody>
       </p:sp>
       <p:pic>
         <p:nvPicPr>
-          <p:cNvPr id="4" name="Picture 3">
-            <a:extLst>
-              <a:ext uri="{FF2B5EF4-FFF2-40B4-BE49-F238E27FC236}">
-                <a16:creationId xmlns:a16="http://schemas.microsoft.com/office/drawing/2014/main" id="{5B1D5F35-8015-4FA3-82CA-41006439D8A9}"/>
+          <p:cNvPr id="5" name="Picture 4">
+            <a:extLst>
+              <a:ext uri="{FF2B5EF4-FFF2-40B4-BE49-F238E27FC236}">
+                <a16:creationId xmlns:a16="http://schemas.microsoft.com/office/drawing/2014/main" id="{287F2706-1628-4858-920E-FD724C12FAC6}"/>
               </a:ext>
             </a:extLst>
           </p:cNvPr>
@@ -9728,69 +7611,54 @@
         </p:blipFill>
         <p:spPr>
           <a:xfrm>
-            <a:off x="6096001" y="4102385"/>
-            <a:ext cx="6096000" cy="2755616"/>
+            <a:off x="0" y="5376907"/>
+            <a:ext cx="6096000" cy="1481093"/>
           </a:xfrm>
           <a:prstGeom prst="rect">
             <a:avLst/>
           </a:prstGeom>
         </p:spPr>
       </p:pic>
-      <mc:AlternateContent xmlns:mc="http://schemas.openxmlformats.org/markup-compatibility/2006" xmlns:p14="http://schemas.microsoft.com/office/powerpoint/2010/main">
-        <mc:Choice Requires="p14">
-          <p:contentPart p14:bwMode="auto" r:id="rId3">
-            <p14:nvContentPartPr>
-              <p14:cNvPr id="5" name="Ink 4">
-                <a:extLst>
-                  <a:ext uri="{FF2B5EF4-FFF2-40B4-BE49-F238E27FC236}">
-                    <a16:creationId xmlns:a16="http://schemas.microsoft.com/office/drawing/2014/main" id="{BD325A71-95AE-4150-B127-74B0C363D7AE}"/>
-                  </a:ext>
-                </a:extLst>
-              </p14:cNvPr>
-              <p14:cNvContentPartPr/>
-              <p14:nvPr/>
-            </p14:nvContentPartPr>
-            <p14:xfrm>
-              <a:off x="6168960" y="2645640"/>
-              <a:ext cx="4839120" cy="3246480"/>
-            </p14:xfrm>
-          </p:contentPart>
-        </mc:Choice>
-        <mc:Fallback xmlns="">
-          <p:pic>
-            <p:nvPicPr>
-              <p:cNvPr id="5" name="Ink 4">
-                <a:extLst>
-                  <a:ext uri="{FF2B5EF4-FFF2-40B4-BE49-F238E27FC236}">
-                    <a16:creationId xmlns:a16="http://schemas.microsoft.com/office/drawing/2014/main" id="{BD325A71-95AE-4150-B127-74B0C363D7AE}"/>
-                  </a:ext>
-                </a:extLst>
-              </p:cNvPr>
-              <p:cNvPicPr/>
-              <p:nvPr/>
-            </p:nvPicPr>
-            <p:blipFill>
-              <a:blip r:embed="rId4"/>
-              <a:stretch>
-                <a:fillRect/>
-              </a:stretch>
-            </p:blipFill>
-            <p:spPr>
-              <a:xfrm>
-                <a:off x="6159600" y="2636280"/>
-                <a:ext cx="4857840" cy="3265200"/>
-              </a:xfrm>
-              <a:prstGeom prst="rect">
-                <a:avLst/>
-              </a:prstGeom>
-            </p:spPr>
-          </p:pic>
-        </mc:Fallback>
-      </mc:AlternateContent>
+      <p:pic>
+        <p:nvPicPr>
+          <p:cNvPr id="7" name="Picture 6">
+            <a:extLst>
+              <a:ext uri="{FF2B5EF4-FFF2-40B4-BE49-F238E27FC236}">
+                <a16:creationId xmlns:a16="http://schemas.microsoft.com/office/drawing/2014/main" id="{5BF35D4E-4B7A-4D79-9BEF-6B8FF6B4E116}"/>
+              </a:ext>
+            </a:extLst>
+          </p:cNvPr>
+          <p:cNvPicPr>
+            <a:picLocks noChangeAspect="1"/>
+          </p:cNvPicPr>
+          <p:nvPr/>
+        </p:nvPicPr>
+        <p:blipFill>
+          <a:blip r:embed="rId3">
+            <a:extLst>
+              <a:ext uri="{28A0092B-C50C-407E-A947-70E740481C1C}">
+                <a14:useLocalDpi xmlns:a14="http://schemas.microsoft.com/office/drawing/2010/main" val="0"/>
+              </a:ext>
+            </a:extLst>
+          </a:blip>
+          <a:stretch>
+            <a:fillRect/>
+          </a:stretch>
+        </p:blipFill>
+        <p:spPr>
+          <a:xfrm>
+            <a:off x="6096001" y="4586271"/>
+            <a:ext cx="6096000" cy="2271730"/>
+          </a:xfrm>
+          <a:prstGeom prst="rect">
+            <a:avLst/>
+          </a:prstGeom>
+        </p:spPr>
+      </p:pic>
     </p:spTree>
     <p:extLst>
       <p:ext uri="{BB962C8B-B14F-4D97-AF65-F5344CB8AC3E}">
-        <p14:creationId xmlns:p14="http://schemas.microsoft.com/office/powerpoint/2010/main" val="3048157046"/>
+        <p14:creationId xmlns:p14="http://schemas.microsoft.com/office/powerpoint/2010/main" val="2768814233"/>
       </p:ext>
     </p:extLst>
   </p:cSld>
@@ -9822,7 +7690,7 @@
           <p:cNvPr id="2" name="Title 1">
             <a:extLst>
               <a:ext uri="{FF2B5EF4-FFF2-40B4-BE49-F238E27FC236}">
-                <a16:creationId xmlns:a16="http://schemas.microsoft.com/office/drawing/2014/main" id="{F5BDD087-C405-4CDE-87B8-6083A2BBFC51}"/>
+                <a16:creationId xmlns:a16="http://schemas.microsoft.com/office/drawing/2014/main" id="{1078237E-9685-4CFD-9120-8923233A8EE8}"/>
               </a:ext>
             </a:extLst>
           </p:cNvPr>
@@ -9840,40 +7708,64 @@
           <a:p>
             <a:r>
               <a:rPr lang="en-US" dirty="0"/>
-              <a:t>Objects</a:t>
-            </a:r>
-          </a:p>
-        </p:txBody>
-      </p:sp>
-      <p:sp>
-        <p:nvSpPr>
-          <p:cNvPr id="3" name="Text Placeholder 2">
-            <a:extLst>
-              <a:ext uri="{FF2B5EF4-FFF2-40B4-BE49-F238E27FC236}">
-                <a16:creationId xmlns:a16="http://schemas.microsoft.com/office/drawing/2014/main" id="{0BA633CA-C877-4A57-86D8-642F8229CC88}"/>
-              </a:ext>
-            </a:extLst>
-          </p:cNvPr>
-          <p:cNvSpPr>
-            <a:spLocks noGrp="1"/>
-          </p:cNvSpPr>
-          <p:nvPr>
-            <p:ph type="body" idx="1"/>
-          </p:nvPr>
-        </p:nvSpPr>
-        <p:spPr/>
-        <p:txBody>
-          <a:bodyPr/>
-          <a:lstStyle/>
-          <a:p>
-            <a:endParaRPr lang="en-US"/>
+              <a:t>Local Variables</a:t>
+            </a:r>
+          </a:p>
+        </p:txBody>
+      </p:sp>
+      <p:sp>
+        <p:nvSpPr>
+          <p:cNvPr id="3" name="Content Placeholder 2">
+            <a:extLst>
+              <a:ext uri="{FF2B5EF4-FFF2-40B4-BE49-F238E27FC236}">
+                <a16:creationId xmlns:a16="http://schemas.microsoft.com/office/drawing/2014/main" id="{A6247D70-C4CF-4A3B-A55B-219895FDCD15}"/>
+              </a:ext>
+            </a:extLst>
+          </p:cNvPr>
+          <p:cNvSpPr>
+            <a:spLocks noGrp="1"/>
+          </p:cNvSpPr>
+          <p:nvPr>
+            <p:ph idx="1"/>
+          </p:nvPr>
+        </p:nvSpPr>
+        <p:spPr/>
+        <p:txBody>
+          <a:bodyPr/>
+          <a:lstStyle/>
+          <a:p>
+            <a:r>
+              <a:rPr lang="en-US" dirty="0"/>
+              <a:t>Variables declared inside of a function become </a:t>
+            </a:r>
+            <a:r>
+              <a:rPr lang="en-US" b="1" i="1" dirty="0"/>
+              <a:t>local</a:t>
+            </a:r>
+            <a:r>
+              <a:rPr lang="en-US" dirty="0"/>
+              <a:t> to the function</a:t>
+            </a:r>
+          </a:p>
+          <a:p>
+            <a:r>
+              <a:rPr lang="en-US" b="1" i="1" dirty="0"/>
+              <a:t>Local variables</a:t>
+            </a:r>
+            <a:r>
+              <a:rPr lang="en-US" dirty="0"/>
+              <a:t> can only be accessed from within the function</a:t>
+            </a:r>
+          </a:p>
+          <a:p>
+            <a:endParaRPr lang="en-US" b="1" i="1" dirty="0"/>
           </a:p>
         </p:txBody>
       </p:sp>
     </p:spTree>
     <p:extLst>
       <p:ext uri="{BB962C8B-B14F-4D97-AF65-F5344CB8AC3E}">
-        <p14:creationId xmlns:p14="http://schemas.microsoft.com/office/powerpoint/2010/main" val="2496790363"/>
+        <p14:creationId xmlns:p14="http://schemas.microsoft.com/office/powerpoint/2010/main" val="1466164045"/>
       </p:ext>
     </p:extLst>
   </p:cSld>
@@ -9905,7 +7797,7 @@
           <p:cNvPr id="2" name="Title 1">
             <a:extLst>
               <a:ext uri="{FF2B5EF4-FFF2-40B4-BE49-F238E27FC236}">
-                <a16:creationId xmlns:a16="http://schemas.microsoft.com/office/drawing/2014/main" id="{6BD9E51B-9144-4C62-BF64-7893F2C9D2A8}"/>
+                <a16:creationId xmlns:a16="http://schemas.microsoft.com/office/drawing/2014/main" id="{DA0226E6-57E5-4EC0-A481-3886AA9A71EE}"/>
               </a:ext>
             </a:extLst>
           </p:cNvPr>
@@ -9923,7 +7815,7 @@
           <a:p>
             <a:r>
               <a:rPr lang="en-US" dirty="0"/>
-              <a:t>Real Life Objects, Properties, and Methods</a:t>
+              <a:t>Local Variables</a:t>
             </a:r>
           </a:p>
         </p:txBody>
@@ -9933,7 +7825,7 @@
           <p:cNvPr id="3" name="Content Placeholder 2">
             <a:extLst>
               <a:ext uri="{FF2B5EF4-FFF2-40B4-BE49-F238E27FC236}">
-                <a16:creationId xmlns:a16="http://schemas.microsoft.com/office/drawing/2014/main" id="{1287086C-91EF-4274-BA4B-BF374B1C4FBB}"/>
+                <a16:creationId xmlns:a16="http://schemas.microsoft.com/office/drawing/2014/main" id="{6788F9B6-1E72-46F8-9109-C1C364A84472}"/>
               </a:ext>
             </a:extLst>
           </p:cNvPr>
@@ -9951,44 +7843,17 @@
           <a:p>
             <a:r>
               <a:rPr lang="en-US" dirty="0"/>
-              <a:t>In real life, a car is an </a:t>
-            </a:r>
-            <a:r>
-              <a:rPr lang="en-US" b="1" i="1" dirty="0"/>
-              <a:t>object</a:t>
-            </a:r>
-            <a:endParaRPr lang="en-US" dirty="0"/>
-          </a:p>
-          <a:p>
-            <a:r>
-              <a:rPr lang="en-US" dirty="0"/>
-              <a:t>Cars have </a:t>
-            </a:r>
-            <a:r>
-              <a:rPr lang="en-US" b="1" i="1" dirty="0"/>
-              <a:t>properties</a:t>
-            </a:r>
-            <a:r>
-              <a:rPr lang="en-US" dirty="0"/>
-              <a:t> like weight and color, and </a:t>
-            </a:r>
-            <a:r>
-              <a:rPr lang="en-US" b="1" i="1" dirty="0"/>
-              <a:t>methods</a:t>
-            </a:r>
-            <a:r>
-              <a:rPr lang="en-US" dirty="0"/>
-              <a:t> like start and stop</a:t>
+              <a:t>Since local variables are only recognized within their functions, variables with the same name can be used in different functions</a:t>
             </a:r>
           </a:p>
         </p:txBody>
       </p:sp>
       <p:pic>
         <p:nvPicPr>
-          <p:cNvPr id="5" name="Picture 4">
-            <a:extLst>
-              <a:ext uri="{FF2B5EF4-FFF2-40B4-BE49-F238E27FC236}">
-                <a16:creationId xmlns:a16="http://schemas.microsoft.com/office/drawing/2014/main" id="{1E6770B1-BBCC-46EA-8019-CF7F7B2DD77C}"/>
+          <p:cNvPr id="4" name="Picture 3">
+            <a:extLst>
+              <a:ext uri="{FF2B5EF4-FFF2-40B4-BE49-F238E27FC236}">
+                <a16:creationId xmlns:a16="http://schemas.microsoft.com/office/drawing/2014/main" id="{5B1D5F35-8015-4FA3-82CA-41006439D8A9}"/>
               </a:ext>
             </a:extLst>
           </p:cNvPr>
@@ -10011,69 +7876,18 @@
         </p:blipFill>
         <p:spPr>
           <a:xfrm>
-            <a:off x="1" y="3996875"/>
-            <a:ext cx="12192000" cy="2861125"/>
+            <a:off x="6096001" y="4102385"/>
+            <a:ext cx="6096000" cy="2755616"/>
           </a:xfrm>
           <a:prstGeom prst="rect">
             <a:avLst/>
           </a:prstGeom>
         </p:spPr>
       </p:pic>
-      <mc:AlternateContent xmlns:mc="http://schemas.openxmlformats.org/markup-compatibility/2006" xmlns:p14="http://schemas.microsoft.com/office/powerpoint/2010/main">
-        <mc:Choice Requires="p14">
-          <p:contentPart p14:bwMode="auto" r:id="rId3">
-            <p14:nvContentPartPr>
-              <p14:cNvPr id="4" name="Ink 3">
-                <a:extLst>
-                  <a:ext uri="{FF2B5EF4-FFF2-40B4-BE49-F238E27FC236}">
-                    <a16:creationId xmlns:a16="http://schemas.microsoft.com/office/drawing/2014/main" id="{1157522C-0F2B-49F0-A2F2-025BD25A3E0F}"/>
-                  </a:ext>
-                </a:extLst>
-              </p14:cNvPr>
-              <p14:cNvContentPartPr/>
-              <p14:nvPr/>
-            </p14:nvContentPartPr>
-            <p14:xfrm>
-              <a:off x="9185760" y="4913640"/>
-              <a:ext cx="703800" cy="1502640"/>
-            </p14:xfrm>
-          </p:contentPart>
-        </mc:Choice>
-        <mc:Fallback xmlns="">
-          <p:pic>
-            <p:nvPicPr>
-              <p:cNvPr id="4" name="Ink 3">
-                <a:extLst>
-                  <a:ext uri="{FF2B5EF4-FFF2-40B4-BE49-F238E27FC236}">
-                    <a16:creationId xmlns:a16="http://schemas.microsoft.com/office/drawing/2014/main" id="{1157522C-0F2B-49F0-A2F2-025BD25A3E0F}"/>
-                  </a:ext>
-                </a:extLst>
-              </p:cNvPr>
-              <p:cNvPicPr/>
-              <p:nvPr/>
-            </p:nvPicPr>
-            <p:blipFill>
-              <a:blip r:embed="rId4"/>
-              <a:stretch>
-                <a:fillRect/>
-              </a:stretch>
-            </p:blipFill>
-            <p:spPr>
-              <a:xfrm>
-                <a:off x="9176400" y="4904280"/>
-                <a:ext cx="722520" cy="1521360"/>
-              </a:xfrm>
-              <a:prstGeom prst="rect">
-                <a:avLst/>
-              </a:prstGeom>
-            </p:spPr>
-          </p:pic>
-        </mc:Fallback>
-      </mc:AlternateContent>
     </p:spTree>
     <p:extLst>
       <p:ext uri="{BB962C8B-B14F-4D97-AF65-F5344CB8AC3E}">
-        <p14:creationId xmlns:p14="http://schemas.microsoft.com/office/powerpoint/2010/main" val="2357654239"/>
+        <p14:creationId xmlns:p14="http://schemas.microsoft.com/office/powerpoint/2010/main" val="3048157046"/>
       </p:ext>
     </p:extLst>
   </p:cSld>
@@ -10105,7 +7919,7 @@
           <p:cNvPr id="2" name="Title 1">
             <a:extLst>
               <a:ext uri="{FF2B5EF4-FFF2-40B4-BE49-F238E27FC236}">
-                <a16:creationId xmlns:a16="http://schemas.microsoft.com/office/drawing/2014/main" id="{52206A90-08A5-47E0-BEDD-F0BBFEDCCDCC}"/>
+                <a16:creationId xmlns:a16="http://schemas.microsoft.com/office/drawing/2014/main" id="{F5BDD087-C405-4CDE-87B8-6083A2BBFC51}"/>
               </a:ext>
             </a:extLst>
           </p:cNvPr>
@@ -10123,78 +7937,40 @@
           <a:p>
             <a:r>
               <a:rPr lang="en-US" dirty="0"/>
-              <a:t>Real Life Objects, Properties, and Methods</a:t>
-            </a:r>
-          </a:p>
-        </p:txBody>
-      </p:sp>
-      <p:sp>
-        <p:nvSpPr>
-          <p:cNvPr id="3" name="Content Placeholder 2">
-            <a:extLst>
-              <a:ext uri="{FF2B5EF4-FFF2-40B4-BE49-F238E27FC236}">
-                <a16:creationId xmlns:a16="http://schemas.microsoft.com/office/drawing/2014/main" id="{41962D6B-EDA1-4525-8C14-79A646A91A80}"/>
-              </a:ext>
-            </a:extLst>
-          </p:cNvPr>
-          <p:cNvSpPr>
-            <a:spLocks noGrp="1"/>
-          </p:cNvSpPr>
-          <p:nvPr>
-            <p:ph idx="1"/>
-          </p:nvPr>
-        </p:nvSpPr>
-        <p:spPr/>
-        <p:txBody>
-          <a:bodyPr/>
-          <a:lstStyle/>
-          <a:p>
-            <a:r>
-              <a:rPr lang="en-US" dirty="0"/>
-              <a:t>All cars have the same set of </a:t>
-            </a:r>
-            <a:r>
-              <a:rPr lang="en-US" b="1" i="1" dirty="0"/>
-              <a:t>properties</a:t>
-            </a:r>
-            <a:r>
-              <a:rPr lang="en-US" dirty="0"/>
-              <a:t>, but the property </a:t>
-            </a:r>
-            <a:r>
-              <a:rPr lang="en-US" b="1" i="1" dirty="0"/>
-              <a:t>values</a:t>
-            </a:r>
-            <a:r>
-              <a:rPr lang="en-US" dirty="0"/>
-              <a:t> differ from car to car</a:t>
-            </a:r>
-          </a:p>
-          <a:p>
-            <a:r>
-              <a:rPr lang="en-US" dirty="0"/>
-              <a:t>All cars have the same set of </a:t>
-            </a:r>
-            <a:r>
-              <a:rPr lang="en-US" b="1" i="1" dirty="0"/>
-              <a:t>methods</a:t>
-            </a:r>
-            <a:r>
-              <a:rPr lang="en-US" dirty="0"/>
-              <a:t>, but the methods are performed </a:t>
-            </a:r>
-            <a:r>
-              <a:rPr lang="en-US" b="1" i="1" dirty="0"/>
-              <a:t>at different times</a:t>
-            </a:r>
-            <a:endParaRPr lang="en-US" dirty="0"/>
+              <a:t>Objects</a:t>
+            </a:r>
+          </a:p>
+        </p:txBody>
+      </p:sp>
+      <p:sp>
+        <p:nvSpPr>
+          <p:cNvPr id="3" name="Text Placeholder 2">
+            <a:extLst>
+              <a:ext uri="{FF2B5EF4-FFF2-40B4-BE49-F238E27FC236}">
+                <a16:creationId xmlns:a16="http://schemas.microsoft.com/office/drawing/2014/main" id="{0BA633CA-C877-4A57-86D8-642F8229CC88}"/>
+              </a:ext>
+            </a:extLst>
+          </p:cNvPr>
+          <p:cNvSpPr>
+            <a:spLocks noGrp="1"/>
+          </p:cNvSpPr>
+          <p:nvPr>
+            <p:ph type="body" idx="1"/>
+          </p:nvPr>
+        </p:nvSpPr>
+        <p:spPr/>
+        <p:txBody>
+          <a:bodyPr/>
+          <a:lstStyle/>
+          <a:p>
+            <a:endParaRPr lang="en-US"/>
           </a:p>
         </p:txBody>
       </p:sp>
     </p:spTree>
     <p:extLst>
       <p:ext uri="{BB962C8B-B14F-4D97-AF65-F5344CB8AC3E}">
-        <p14:creationId xmlns:p14="http://schemas.microsoft.com/office/powerpoint/2010/main" val="187762126"/>
+        <p14:creationId xmlns:p14="http://schemas.microsoft.com/office/powerpoint/2010/main" val="2496790363"/>
       </p:ext>
     </p:extLst>
   </p:cSld>
@@ -10226,7 +8002,7 @@
           <p:cNvPr id="2" name="Title 1">
             <a:extLst>
               <a:ext uri="{FF2B5EF4-FFF2-40B4-BE49-F238E27FC236}">
-                <a16:creationId xmlns:a16="http://schemas.microsoft.com/office/drawing/2014/main" id="{5F14043C-B83E-400E-9EF6-8C1AABBEC98A}"/>
+                <a16:creationId xmlns:a16="http://schemas.microsoft.com/office/drawing/2014/main" id="{6BD9E51B-9144-4C62-BF64-7893F2C9D2A8}"/>
               </a:ext>
             </a:extLst>
           </p:cNvPr>
@@ -10244,7 +8020,7 @@
           <a:p>
             <a:r>
               <a:rPr lang="en-US" dirty="0"/>
-              <a:t>JavaScript Objects</a:t>
+              <a:t>Real Life Objects, Properties, and Methods</a:t>
             </a:r>
           </a:p>
         </p:txBody>
@@ -10254,7 +8030,7 @@
           <p:cNvPr id="3" name="Content Placeholder 2">
             <a:extLst>
               <a:ext uri="{FF2B5EF4-FFF2-40B4-BE49-F238E27FC236}">
-                <a16:creationId xmlns:a16="http://schemas.microsoft.com/office/drawing/2014/main" id="{6D972A2A-6197-4F5A-91BB-4CB0E7F22735}"/>
+                <a16:creationId xmlns:a16="http://schemas.microsoft.com/office/drawing/2014/main" id="{1287086C-91EF-4274-BA4B-BF374B1C4FBB}"/>
               </a:ext>
             </a:extLst>
           </p:cNvPr>
@@ -10272,43 +8048,34 @@
           <a:p>
             <a:r>
               <a:rPr lang="en-US" dirty="0"/>
-              <a:t>You have already learned that JavaScript variables are containers for data values</a:t>
-            </a:r>
-          </a:p>
-          <a:p>
-            <a:r>
-              <a:rPr lang="en-US" dirty="0"/>
-              <a:t>Objects are variables too, but objects can contain </a:t>
-            </a:r>
-            <a:r>
-              <a:rPr lang="en-US" i="1" dirty="0"/>
-              <a:t>many</a:t>
-            </a:r>
-            <a:r>
-              <a:rPr lang="en-US" dirty="0"/>
-              <a:t> values</a:t>
-            </a:r>
-          </a:p>
-          <a:p>
-            <a:r>
-              <a:rPr lang="en-US" dirty="0"/>
-              <a:t>This code assigns </a:t>
-            </a:r>
-            <a:r>
-              <a:rPr lang="en-US" i="1" dirty="0"/>
-              <a:t>many values</a:t>
-            </a:r>
-            <a:r>
-              <a:rPr lang="en-US" dirty="0"/>
-              <a:t> (Fiat, 500, white) to a </a:t>
+              <a:t>In real life, a car is an </a:t>
             </a:r>
             <a:r>
               <a:rPr lang="en-US" b="1" i="1" dirty="0"/>
-              <a:t>variable</a:t>
-            </a:r>
-            <a:r>
-              <a:rPr lang="en-US" dirty="0"/>
-              <a:t> named car</a:t>
+              <a:t>object</a:t>
+            </a:r>
+            <a:endParaRPr lang="en-US" dirty="0"/>
+          </a:p>
+          <a:p>
+            <a:r>
+              <a:rPr lang="en-US" dirty="0"/>
+              <a:t>Cars have </a:t>
+            </a:r>
+            <a:r>
+              <a:rPr lang="en-US" b="1" i="1" dirty="0"/>
+              <a:t>properties</a:t>
+            </a:r>
+            <a:r>
+              <a:rPr lang="en-US" dirty="0"/>
+              <a:t> like weight and color, and </a:t>
+            </a:r>
+            <a:r>
+              <a:rPr lang="en-US" b="1" i="1" dirty="0"/>
+              <a:t>methods</a:t>
+            </a:r>
+            <a:r>
+              <a:rPr lang="en-US" dirty="0"/>
+              <a:t> like start and stop</a:t>
             </a:r>
           </a:p>
         </p:txBody>
@@ -10318,7 +8085,7 @@
           <p:cNvPr id="5" name="Picture 4">
             <a:extLst>
               <a:ext uri="{FF2B5EF4-FFF2-40B4-BE49-F238E27FC236}">
-                <a16:creationId xmlns:a16="http://schemas.microsoft.com/office/drawing/2014/main" id="{C6555AAD-1514-48B8-A139-81CEC474CEC5}"/>
+                <a16:creationId xmlns:a16="http://schemas.microsoft.com/office/drawing/2014/main" id="{1E6770B1-BBCC-46EA-8019-CF7F7B2DD77C}"/>
               </a:ext>
             </a:extLst>
           </p:cNvPr>
@@ -10341,69 +8108,18 @@
         </p:blipFill>
         <p:spPr>
           <a:xfrm>
-            <a:off x="1" y="5908535"/>
-            <a:ext cx="12192000" cy="949465"/>
+            <a:off x="1" y="3996875"/>
+            <a:ext cx="12192000" cy="2861125"/>
           </a:xfrm>
           <a:prstGeom prst="rect">
             <a:avLst/>
           </a:prstGeom>
         </p:spPr>
       </p:pic>
-      <mc:AlternateContent xmlns:mc="http://schemas.openxmlformats.org/markup-compatibility/2006" xmlns:p14="http://schemas.microsoft.com/office/powerpoint/2010/main">
-        <mc:Choice Requires="p14">
-          <p:contentPart p14:bwMode="auto" r:id="rId3">
-            <p14:nvContentPartPr>
-              <p14:cNvPr id="4" name="Ink 3">
-                <a:extLst>
-                  <a:ext uri="{FF2B5EF4-FFF2-40B4-BE49-F238E27FC236}">
-                    <a16:creationId xmlns:a16="http://schemas.microsoft.com/office/drawing/2014/main" id="{9F80AA1B-374A-434A-9264-01322F240A9D}"/>
-                  </a:ext>
-                </a:extLst>
-              </p14:cNvPr>
-              <p14:cNvContentPartPr/>
-              <p14:nvPr/>
-            </p14:nvContentPartPr>
-            <p14:xfrm>
-              <a:off x="3073320" y="6496920"/>
-              <a:ext cx="6994440" cy="155880"/>
-            </p14:xfrm>
-          </p:contentPart>
-        </mc:Choice>
-        <mc:Fallback xmlns="">
-          <p:pic>
-            <p:nvPicPr>
-              <p:cNvPr id="4" name="Ink 3">
-                <a:extLst>
-                  <a:ext uri="{FF2B5EF4-FFF2-40B4-BE49-F238E27FC236}">
-                    <a16:creationId xmlns:a16="http://schemas.microsoft.com/office/drawing/2014/main" id="{9F80AA1B-374A-434A-9264-01322F240A9D}"/>
-                  </a:ext>
-                </a:extLst>
-              </p:cNvPr>
-              <p:cNvPicPr/>
-              <p:nvPr/>
-            </p:nvPicPr>
-            <p:blipFill>
-              <a:blip r:embed="rId4"/>
-              <a:stretch>
-                <a:fillRect/>
-              </a:stretch>
-            </p:blipFill>
-            <p:spPr>
-              <a:xfrm>
-                <a:off x="3063960" y="6487560"/>
-                <a:ext cx="7013160" cy="174600"/>
-              </a:xfrm>
-              <a:prstGeom prst="rect">
-                <a:avLst/>
-              </a:prstGeom>
-            </p:spPr>
-          </p:pic>
-        </mc:Fallback>
-      </mc:AlternateContent>
     </p:spTree>
     <p:extLst>
       <p:ext uri="{BB962C8B-B14F-4D97-AF65-F5344CB8AC3E}">
-        <p14:creationId xmlns:p14="http://schemas.microsoft.com/office/powerpoint/2010/main" val="2604216701"/>
+        <p14:creationId xmlns:p14="http://schemas.microsoft.com/office/powerpoint/2010/main" val="2357654239"/>
       </p:ext>
     </p:extLst>
   </p:cSld>
@@ -10435,7 +8151,7 @@
           <p:cNvPr id="2" name="Title 1">
             <a:extLst>
               <a:ext uri="{FF2B5EF4-FFF2-40B4-BE49-F238E27FC236}">
-                <a16:creationId xmlns:a16="http://schemas.microsoft.com/office/drawing/2014/main" id="{E06EC259-FBB7-4C63-8CC3-085FA94E9906}"/>
+                <a16:creationId xmlns:a16="http://schemas.microsoft.com/office/drawing/2014/main" id="{52206A90-08A5-47E0-BEDD-F0BBFEDCCDCC}"/>
               </a:ext>
             </a:extLst>
           </p:cNvPr>
@@ -10453,7 +8169,7 @@
           <a:p>
             <a:r>
               <a:rPr lang="en-US" dirty="0"/>
-              <a:t>JavaScript Objects</a:t>
+              <a:t>Real Life Objects, Properties, and Methods</a:t>
             </a:r>
           </a:p>
         </p:txBody>
@@ -10463,7 +8179,7 @@
           <p:cNvPr id="3" name="Content Placeholder 2">
             <a:extLst>
               <a:ext uri="{FF2B5EF4-FFF2-40B4-BE49-F238E27FC236}">
-                <a16:creationId xmlns:a16="http://schemas.microsoft.com/office/drawing/2014/main" id="{5D667215-1A34-46A5-ADB7-DAE92D5622C9}"/>
+                <a16:creationId xmlns:a16="http://schemas.microsoft.com/office/drawing/2014/main" id="{41962D6B-EDA1-4525-8C14-79A646A91A80}"/>
               </a:ext>
             </a:extLst>
           </p:cNvPr>
@@ -10481,37 +8197,50 @@
           <a:p>
             <a:r>
               <a:rPr lang="en-US" dirty="0"/>
-              <a:t>The values are written as </a:t>
-            </a:r>
-            <a:r>
-              <a:rPr lang="en-US" b="1" i="1" dirty="0" err="1"/>
-              <a:t>name:value</a:t>
-            </a:r>
-            <a:r>
-              <a:rPr lang="en-US" dirty="0"/>
-              <a:t> pairs (a name and a value separated by a colon)</a:t>
-            </a:r>
-          </a:p>
-          <a:p>
-            <a:r>
-              <a:rPr lang="en-US" dirty="0"/>
-              <a:t>It is generally a good practice to declare objects with the </a:t>
+              <a:t>All cars have the same set of </a:t>
             </a:r>
             <a:r>
               <a:rPr lang="en-US" b="1" i="1" dirty="0"/>
-              <a:t>const </a:t>
-            </a:r>
-            <a:r>
-              <a:rPr lang="en-US" dirty="0"/>
-              <a:t>keyword</a:t>
-            </a:r>
+              <a:t>properties</a:t>
+            </a:r>
+            <a:r>
+              <a:rPr lang="en-US" dirty="0"/>
+              <a:t>, but the property </a:t>
+            </a:r>
+            <a:r>
+              <a:rPr lang="en-US" b="1" i="1" dirty="0"/>
+              <a:t>values</a:t>
+            </a:r>
+            <a:r>
+              <a:rPr lang="en-US" dirty="0"/>
+              <a:t> differ from car to car</a:t>
+            </a:r>
+          </a:p>
+          <a:p>
+            <a:r>
+              <a:rPr lang="en-US" dirty="0"/>
+              <a:t>All cars have the same set of </a:t>
+            </a:r>
+            <a:r>
+              <a:rPr lang="en-US" b="1" i="1" dirty="0"/>
+              <a:t>methods</a:t>
+            </a:r>
+            <a:r>
+              <a:rPr lang="en-US" dirty="0"/>
+              <a:t>, but the methods are performed </a:t>
+            </a:r>
+            <a:r>
+              <a:rPr lang="en-US" b="1" i="1" dirty="0"/>
+              <a:t>at different times</a:t>
+            </a:r>
+            <a:endParaRPr lang="en-US" dirty="0"/>
           </a:p>
         </p:txBody>
       </p:sp>
     </p:spTree>
     <p:extLst>
       <p:ext uri="{BB962C8B-B14F-4D97-AF65-F5344CB8AC3E}">
-        <p14:creationId xmlns:p14="http://schemas.microsoft.com/office/powerpoint/2010/main" val="1621292281"/>
+        <p14:creationId xmlns:p14="http://schemas.microsoft.com/office/powerpoint/2010/main" val="187762126"/>
       </p:ext>
     </p:extLst>
   </p:cSld>
@@ -10675,57 +8404,6 @@
           </a:prstGeom>
         </p:spPr>
       </p:pic>
-      <mc:AlternateContent xmlns:mc="http://schemas.openxmlformats.org/markup-compatibility/2006" xmlns:p14="http://schemas.microsoft.com/office/powerpoint/2010/main">
-        <mc:Choice Requires="p14">
-          <p:contentPart p14:bwMode="auto" r:id="rId4">
-            <p14:nvContentPartPr>
-              <p14:cNvPr id="4" name="Ink 3">
-                <a:extLst>
-                  <a:ext uri="{FF2B5EF4-FFF2-40B4-BE49-F238E27FC236}">
-                    <a16:creationId xmlns:a16="http://schemas.microsoft.com/office/drawing/2014/main" id="{79BAF07B-9E85-47AC-8F0F-0B202D9BA4AC}"/>
-                  </a:ext>
-                </a:extLst>
-              </p14:cNvPr>
-              <p14:cNvContentPartPr/>
-              <p14:nvPr/>
-            </p14:nvContentPartPr>
-            <p14:xfrm>
-              <a:off x="2104200" y="399960"/>
-              <a:ext cx="7760520" cy="2224440"/>
-            </p14:xfrm>
-          </p:contentPart>
-        </mc:Choice>
-        <mc:Fallback xmlns="">
-          <p:pic>
-            <p:nvPicPr>
-              <p:cNvPr id="4" name="Ink 3">
-                <a:extLst>
-                  <a:ext uri="{FF2B5EF4-FFF2-40B4-BE49-F238E27FC236}">
-                    <a16:creationId xmlns:a16="http://schemas.microsoft.com/office/drawing/2014/main" id="{79BAF07B-9E85-47AC-8F0F-0B202D9BA4AC}"/>
-                  </a:ext>
-                </a:extLst>
-              </p:cNvPr>
-              <p:cNvPicPr/>
-              <p:nvPr/>
-            </p:nvPicPr>
-            <p:blipFill>
-              <a:blip r:embed="rId5"/>
-              <a:stretch>
-                <a:fillRect/>
-              </a:stretch>
-            </p:blipFill>
-            <p:spPr>
-              <a:xfrm>
-                <a:off x="2094840" y="390600"/>
-                <a:ext cx="7779240" cy="2243160"/>
-              </a:xfrm>
-              <a:prstGeom prst="rect">
-                <a:avLst/>
-              </a:prstGeom>
-            </p:spPr>
-          </p:pic>
-        </mc:Fallback>
-      </mc:AlternateContent>
     </p:spTree>
     <p:extLst>
       <p:ext uri="{BB962C8B-B14F-4D97-AF65-F5344CB8AC3E}">
@@ -10761,6 +8439,272 @@
           <p:cNvPr id="2" name="Title 1">
             <a:extLst>
               <a:ext uri="{FF2B5EF4-FFF2-40B4-BE49-F238E27FC236}">
+                <a16:creationId xmlns:a16="http://schemas.microsoft.com/office/drawing/2014/main" id="{5F14043C-B83E-400E-9EF6-8C1AABBEC98A}"/>
+              </a:ext>
+            </a:extLst>
+          </p:cNvPr>
+          <p:cNvSpPr>
+            <a:spLocks noGrp="1"/>
+          </p:cNvSpPr>
+          <p:nvPr>
+            <p:ph type="title"/>
+          </p:nvPr>
+        </p:nvSpPr>
+        <p:spPr/>
+        <p:txBody>
+          <a:bodyPr/>
+          <a:lstStyle/>
+          <a:p>
+            <a:r>
+              <a:rPr lang="en-US" dirty="0"/>
+              <a:t>JavaScript Objects</a:t>
+            </a:r>
+          </a:p>
+        </p:txBody>
+      </p:sp>
+      <p:sp>
+        <p:nvSpPr>
+          <p:cNvPr id="3" name="Content Placeholder 2">
+            <a:extLst>
+              <a:ext uri="{FF2B5EF4-FFF2-40B4-BE49-F238E27FC236}">
+                <a16:creationId xmlns:a16="http://schemas.microsoft.com/office/drawing/2014/main" id="{6D972A2A-6197-4F5A-91BB-4CB0E7F22735}"/>
+              </a:ext>
+            </a:extLst>
+          </p:cNvPr>
+          <p:cNvSpPr>
+            <a:spLocks noGrp="1"/>
+          </p:cNvSpPr>
+          <p:nvPr>
+            <p:ph idx="1"/>
+          </p:nvPr>
+        </p:nvSpPr>
+        <p:spPr/>
+        <p:txBody>
+          <a:bodyPr/>
+          <a:lstStyle/>
+          <a:p>
+            <a:r>
+              <a:rPr lang="en-US" dirty="0"/>
+              <a:t>You have already learned that JavaScript variables are containers for data values</a:t>
+            </a:r>
+          </a:p>
+          <a:p>
+            <a:r>
+              <a:rPr lang="en-US" dirty="0"/>
+              <a:t>Objects are variables too, but objects can contain </a:t>
+            </a:r>
+            <a:r>
+              <a:rPr lang="en-US" i="1" dirty="0"/>
+              <a:t>many</a:t>
+            </a:r>
+            <a:r>
+              <a:rPr lang="en-US" dirty="0"/>
+              <a:t> values</a:t>
+            </a:r>
+          </a:p>
+          <a:p>
+            <a:r>
+              <a:rPr lang="en-US" dirty="0"/>
+              <a:t>This code assigns </a:t>
+            </a:r>
+            <a:r>
+              <a:rPr lang="en-US" i="1" dirty="0"/>
+              <a:t>many values</a:t>
+            </a:r>
+            <a:r>
+              <a:rPr lang="en-US" dirty="0"/>
+              <a:t> (Fiat, 500, white) to a </a:t>
+            </a:r>
+            <a:r>
+              <a:rPr lang="en-US" b="1" i="1" dirty="0"/>
+              <a:t>variable</a:t>
+            </a:r>
+            <a:r>
+              <a:rPr lang="en-US" dirty="0"/>
+              <a:t> named car</a:t>
+            </a:r>
+          </a:p>
+        </p:txBody>
+      </p:sp>
+      <p:pic>
+        <p:nvPicPr>
+          <p:cNvPr id="5" name="Picture 4">
+            <a:extLst>
+              <a:ext uri="{FF2B5EF4-FFF2-40B4-BE49-F238E27FC236}">
+                <a16:creationId xmlns:a16="http://schemas.microsoft.com/office/drawing/2014/main" id="{C6555AAD-1514-48B8-A139-81CEC474CEC5}"/>
+              </a:ext>
+            </a:extLst>
+          </p:cNvPr>
+          <p:cNvPicPr>
+            <a:picLocks noChangeAspect="1"/>
+          </p:cNvPicPr>
+          <p:nvPr/>
+        </p:nvPicPr>
+        <p:blipFill>
+          <a:blip r:embed="rId2">
+            <a:extLst>
+              <a:ext uri="{28A0092B-C50C-407E-A947-70E740481C1C}">
+                <a14:useLocalDpi xmlns:a14="http://schemas.microsoft.com/office/drawing/2010/main" val="0"/>
+              </a:ext>
+            </a:extLst>
+          </a:blip>
+          <a:stretch>
+            <a:fillRect/>
+          </a:stretch>
+        </p:blipFill>
+        <p:spPr>
+          <a:xfrm>
+            <a:off x="1" y="5908535"/>
+            <a:ext cx="12192000" cy="949465"/>
+          </a:xfrm>
+          <a:prstGeom prst="rect">
+            <a:avLst/>
+          </a:prstGeom>
+        </p:spPr>
+      </p:pic>
+    </p:spTree>
+    <p:extLst>
+      <p:ext uri="{BB962C8B-B14F-4D97-AF65-F5344CB8AC3E}">
+        <p14:creationId xmlns:p14="http://schemas.microsoft.com/office/powerpoint/2010/main" val="2604216701"/>
+      </p:ext>
+    </p:extLst>
+  </p:cSld>
+  <p:clrMapOvr>
+    <a:masterClrMapping/>
+  </p:clrMapOvr>
+</p:sld>
+</file>
+
+<file path=ppt/slides/slide41.xml><?xml version="1.0" encoding="utf-8"?>
+<p:sld xmlns:a="http://schemas.openxmlformats.org/drawingml/2006/main" xmlns:r="http://schemas.openxmlformats.org/officeDocument/2006/relationships" xmlns:p="http://schemas.openxmlformats.org/presentationml/2006/main">
+  <p:cSld>
+    <p:spTree>
+      <p:nvGrpSpPr>
+        <p:cNvPr id="1" name=""/>
+        <p:cNvGrpSpPr/>
+        <p:nvPr/>
+      </p:nvGrpSpPr>
+      <p:grpSpPr>
+        <a:xfrm>
+          <a:off x="0" y="0"/>
+          <a:ext cx="0" cy="0"/>
+          <a:chOff x="0" y="0"/>
+          <a:chExt cx="0" cy="0"/>
+        </a:xfrm>
+      </p:grpSpPr>
+      <p:sp>
+        <p:nvSpPr>
+          <p:cNvPr id="2" name="Title 1">
+            <a:extLst>
+              <a:ext uri="{FF2B5EF4-FFF2-40B4-BE49-F238E27FC236}">
+                <a16:creationId xmlns:a16="http://schemas.microsoft.com/office/drawing/2014/main" id="{E06EC259-FBB7-4C63-8CC3-085FA94E9906}"/>
+              </a:ext>
+            </a:extLst>
+          </p:cNvPr>
+          <p:cNvSpPr>
+            <a:spLocks noGrp="1"/>
+          </p:cNvSpPr>
+          <p:nvPr>
+            <p:ph type="title"/>
+          </p:nvPr>
+        </p:nvSpPr>
+        <p:spPr/>
+        <p:txBody>
+          <a:bodyPr/>
+          <a:lstStyle/>
+          <a:p>
+            <a:r>
+              <a:rPr lang="en-US" dirty="0"/>
+              <a:t>JavaScript Objects</a:t>
+            </a:r>
+          </a:p>
+        </p:txBody>
+      </p:sp>
+      <p:sp>
+        <p:nvSpPr>
+          <p:cNvPr id="3" name="Content Placeholder 2">
+            <a:extLst>
+              <a:ext uri="{FF2B5EF4-FFF2-40B4-BE49-F238E27FC236}">
+                <a16:creationId xmlns:a16="http://schemas.microsoft.com/office/drawing/2014/main" id="{5D667215-1A34-46A5-ADB7-DAE92D5622C9}"/>
+              </a:ext>
+            </a:extLst>
+          </p:cNvPr>
+          <p:cNvSpPr>
+            <a:spLocks noGrp="1"/>
+          </p:cNvSpPr>
+          <p:nvPr>
+            <p:ph idx="1"/>
+          </p:nvPr>
+        </p:nvSpPr>
+        <p:spPr/>
+        <p:txBody>
+          <a:bodyPr/>
+          <a:lstStyle/>
+          <a:p>
+            <a:r>
+              <a:rPr lang="en-US" dirty="0"/>
+              <a:t>The values are written as </a:t>
+            </a:r>
+            <a:r>
+              <a:rPr lang="en-US" b="1" i="1" dirty="0" err="1"/>
+              <a:t>name:value</a:t>
+            </a:r>
+            <a:r>
+              <a:rPr lang="en-US" dirty="0"/>
+              <a:t> pairs (a name and a value separated by a colon)</a:t>
+            </a:r>
+          </a:p>
+          <a:p>
+            <a:r>
+              <a:rPr lang="en-US" dirty="0"/>
+              <a:t>It is generally a good practice to declare objects with the </a:t>
+            </a:r>
+            <a:r>
+              <a:rPr lang="en-US" b="1" i="1" dirty="0"/>
+              <a:t>const </a:t>
+            </a:r>
+            <a:r>
+              <a:rPr lang="en-US" dirty="0"/>
+              <a:t>keyword</a:t>
+            </a:r>
+          </a:p>
+        </p:txBody>
+      </p:sp>
+    </p:spTree>
+    <p:extLst>
+      <p:ext uri="{BB962C8B-B14F-4D97-AF65-F5344CB8AC3E}">
+        <p14:creationId xmlns:p14="http://schemas.microsoft.com/office/powerpoint/2010/main" val="1621292281"/>
+      </p:ext>
+    </p:extLst>
+  </p:cSld>
+  <p:clrMapOvr>
+    <a:masterClrMapping/>
+  </p:clrMapOvr>
+</p:sld>
+</file>
+
+<file path=ppt/slides/slide42.xml><?xml version="1.0" encoding="utf-8"?>
+<p:sld xmlns:a="http://schemas.openxmlformats.org/drawingml/2006/main" xmlns:r="http://schemas.openxmlformats.org/officeDocument/2006/relationships" xmlns:p="http://schemas.openxmlformats.org/presentationml/2006/main">
+  <p:cSld>
+    <p:spTree>
+      <p:nvGrpSpPr>
+        <p:cNvPr id="1" name=""/>
+        <p:cNvGrpSpPr/>
+        <p:nvPr/>
+      </p:nvGrpSpPr>
+      <p:grpSpPr>
+        <a:xfrm>
+          <a:off x="0" y="0"/>
+          <a:ext cx="0" cy="0"/>
+          <a:chOff x="0" y="0"/>
+          <a:chExt cx="0" cy="0"/>
+        </a:xfrm>
+      </p:grpSpPr>
+      <p:sp>
+        <p:nvSpPr>
+          <p:cNvPr id="2" name="Title 1">
+            <a:extLst>
+              <a:ext uri="{FF2B5EF4-FFF2-40B4-BE49-F238E27FC236}">
                 <a16:creationId xmlns:a16="http://schemas.microsoft.com/office/drawing/2014/main" id="{4558D966-8E1B-4F4E-8363-9F339340ABAD}"/>
               </a:ext>
             </a:extLst>
@@ -10897,57 +8841,6 @@
           </a:prstGeom>
         </p:spPr>
       </p:pic>
-      <mc:AlternateContent xmlns:mc="http://schemas.openxmlformats.org/markup-compatibility/2006" xmlns:p14="http://schemas.microsoft.com/office/powerpoint/2010/main">
-        <mc:Choice Requires="p14">
-          <p:contentPart p14:bwMode="auto" r:id="rId4">
-            <p14:nvContentPartPr>
-              <p14:cNvPr id="4" name="Ink 3">
-                <a:extLst>
-                  <a:ext uri="{FF2B5EF4-FFF2-40B4-BE49-F238E27FC236}">
-                    <a16:creationId xmlns:a16="http://schemas.microsoft.com/office/drawing/2014/main" id="{369487D3-D94F-42E3-8FAA-E972CA65D7CC}"/>
-                  </a:ext>
-                </a:extLst>
-              </p14:cNvPr>
-              <p14:cNvContentPartPr/>
-              <p14:nvPr/>
-            </p14:nvContentPartPr>
-            <p14:xfrm>
-              <a:off x="0" y="3174120"/>
-              <a:ext cx="11684880" cy="3683880"/>
-            </p14:xfrm>
-          </p:contentPart>
-        </mc:Choice>
-        <mc:Fallback xmlns="">
-          <p:pic>
-            <p:nvPicPr>
-              <p:cNvPr id="4" name="Ink 3">
-                <a:extLst>
-                  <a:ext uri="{FF2B5EF4-FFF2-40B4-BE49-F238E27FC236}">
-                    <a16:creationId xmlns:a16="http://schemas.microsoft.com/office/drawing/2014/main" id="{369487D3-D94F-42E3-8FAA-E972CA65D7CC}"/>
-                  </a:ext>
-                </a:extLst>
-              </p:cNvPr>
-              <p:cNvPicPr/>
-              <p:nvPr/>
-            </p:nvPicPr>
-            <p:blipFill>
-              <a:blip r:embed="rId5"/>
-              <a:stretch>
-                <a:fillRect/>
-              </a:stretch>
-            </p:blipFill>
-            <p:spPr>
-              <a:xfrm>
-                <a:off x="-9360" y="3164760"/>
-                <a:ext cx="11703600" cy="3702600"/>
-              </a:xfrm>
-              <a:prstGeom prst="rect">
-                <a:avLst/>
-              </a:prstGeom>
-            </p:spPr>
-          </p:pic>
-        </mc:Fallback>
-      </mc:AlternateContent>
     </p:spTree>
     <p:extLst>
       <p:ext uri="{BB962C8B-B14F-4D97-AF65-F5344CB8AC3E}">
@@ -10961,7 +8854,7 @@
 </p:sld>
 </file>
 
-<file path=ppt/slides/slide41.xml><?xml version="1.0" encoding="utf-8"?>
+<file path=ppt/slides/slide43.xml><?xml version="1.0" encoding="utf-8"?>
 <p:sld xmlns:a="http://schemas.openxmlformats.org/drawingml/2006/main" xmlns:r="http://schemas.openxmlformats.org/officeDocument/2006/relationships" xmlns:p="http://schemas.openxmlformats.org/presentationml/2006/main">
   <p:cSld>
     <p:spTree>
@@ -11098,7 +8991,7 @@
 </p:sld>
 </file>
 
-<file path=ppt/slides/slide42.xml><?xml version="1.0" encoding="utf-8"?>
+<file path=ppt/slides/slide44.xml><?xml version="1.0" encoding="utf-8"?>
 <p:sld xmlns:a="http://schemas.openxmlformats.org/drawingml/2006/main" xmlns:r="http://schemas.openxmlformats.org/officeDocument/2006/relationships" xmlns:p="http://schemas.openxmlformats.org/presentationml/2006/main">
   <p:cSld>
     <p:spTree>
@@ -11243,57 +9136,6 @@
           </a:prstGeom>
         </p:spPr>
       </p:pic>
-      <mc:AlternateContent xmlns:mc="http://schemas.openxmlformats.org/markup-compatibility/2006" xmlns:p14="http://schemas.microsoft.com/office/powerpoint/2010/main">
-        <mc:Choice Requires="p14">
-          <p:contentPart p14:bwMode="auto" r:id="rId4">
-            <p14:nvContentPartPr>
-              <p14:cNvPr id="4" name="Ink 3">
-                <a:extLst>
-                  <a:ext uri="{FF2B5EF4-FFF2-40B4-BE49-F238E27FC236}">
-                    <a16:creationId xmlns:a16="http://schemas.microsoft.com/office/drawing/2014/main" id="{61FFD1C5-C547-4B59-985B-778DFA5AB664}"/>
-                  </a:ext>
-                </a:extLst>
-              </p14:cNvPr>
-              <p14:cNvContentPartPr/>
-              <p14:nvPr/>
-            </p14:nvContentPartPr>
-            <p14:xfrm>
-              <a:off x="2541240" y="5384880"/>
-              <a:ext cx="6240240" cy="590400"/>
-            </p14:xfrm>
-          </p:contentPart>
-        </mc:Choice>
-        <mc:Fallback xmlns="">
-          <p:pic>
-            <p:nvPicPr>
-              <p:cNvPr id="4" name="Ink 3">
-                <a:extLst>
-                  <a:ext uri="{FF2B5EF4-FFF2-40B4-BE49-F238E27FC236}">
-                    <a16:creationId xmlns:a16="http://schemas.microsoft.com/office/drawing/2014/main" id="{61FFD1C5-C547-4B59-985B-778DFA5AB664}"/>
-                  </a:ext>
-                </a:extLst>
-              </p:cNvPr>
-              <p:cNvPicPr/>
-              <p:nvPr/>
-            </p:nvPicPr>
-            <p:blipFill>
-              <a:blip r:embed="rId5"/>
-              <a:stretch>
-                <a:fillRect/>
-              </a:stretch>
-            </p:blipFill>
-            <p:spPr>
-              <a:xfrm>
-                <a:off x="2531880" y="5375520"/>
-                <a:ext cx="6258960" cy="609120"/>
-              </a:xfrm>
-              <a:prstGeom prst="rect">
-                <a:avLst/>
-              </a:prstGeom>
-            </p:spPr>
-          </p:pic>
-        </mc:Fallback>
-      </mc:AlternateContent>
     </p:spTree>
     <p:extLst>
       <p:ext uri="{BB962C8B-B14F-4D97-AF65-F5344CB8AC3E}">
@@ -11307,7 +9149,7 @@
 </p:sld>
 </file>
 
-<file path=ppt/slides/slide43.xml><?xml version="1.0" encoding="utf-8"?>
+<file path=ppt/slides/slide45.xml><?xml version="1.0" encoding="utf-8"?>
 <p:sld xmlns:a="http://schemas.openxmlformats.org/drawingml/2006/main" xmlns:r="http://schemas.openxmlformats.org/officeDocument/2006/relationships" xmlns:p="http://schemas.openxmlformats.org/presentationml/2006/main">
   <p:cSld>
     <p:spTree>
@@ -11445,57 +9287,6 @@
           </a:prstGeom>
         </p:spPr>
       </p:pic>
-      <mc:AlternateContent xmlns:mc="http://schemas.openxmlformats.org/markup-compatibility/2006" xmlns:p14="http://schemas.microsoft.com/office/powerpoint/2010/main">
-        <mc:Choice Requires="p14">
-          <p:contentPart p14:bwMode="auto" r:id="rId3">
-            <p14:nvContentPartPr>
-              <p14:cNvPr id="4" name="Ink 3">
-                <a:extLst>
-                  <a:ext uri="{FF2B5EF4-FFF2-40B4-BE49-F238E27FC236}">
-                    <a16:creationId xmlns:a16="http://schemas.microsoft.com/office/drawing/2014/main" id="{5EDF64D8-2742-4D99-B7A6-CADB6BC0A352}"/>
-                  </a:ext>
-                </a:extLst>
-              </p14:cNvPr>
-              <p14:cNvContentPartPr/>
-              <p14:nvPr/>
-            </p14:nvContentPartPr>
-            <p14:xfrm>
-              <a:off x="4572720" y="6178320"/>
-              <a:ext cx="7600320" cy="679680"/>
-            </p14:xfrm>
-          </p:contentPart>
-        </mc:Choice>
-        <mc:Fallback xmlns="">
-          <p:pic>
-            <p:nvPicPr>
-              <p:cNvPr id="4" name="Ink 3">
-                <a:extLst>
-                  <a:ext uri="{FF2B5EF4-FFF2-40B4-BE49-F238E27FC236}">
-                    <a16:creationId xmlns:a16="http://schemas.microsoft.com/office/drawing/2014/main" id="{5EDF64D8-2742-4D99-B7A6-CADB6BC0A352}"/>
-                  </a:ext>
-                </a:extLst>
-              </p:cNvPr>
-              <p:cNvPicPr/>
-              <p:nvPr/>
-            </p:nvPicPr>
-            <p:blipFill>
-              <a:blip r:embed="rId4"/>
-              <a:stretch>
-                <a:fillRect/>
-              </a:stretch>
-            </p:blipFill>
-            <p:spPr>
-              <a:xfrm>
-                <a:off x="4563360" y="6168960"/>
-                <a:ext cx="7619040" cy="698400"/>
-              </a:xfrm>
-              <a:prstGeom prst="rect">
-                <a:avLst/>
-              </a:prstGeom>
-            </p:spPr>
-          </p:pic>
-        </mc:Fallback>
-      </mc:AlternateContent>
     </p:spTree>
     <p:extLst>
       <p:ext uri="{BB962C8B-B14F-4D97-AF65-F5344CB8AC3E}">
@@ -11509,7 +9300,7 @@
 </p:sld>
 </file>
 
-<file path=ppt/slides/slide44.xml><?xml version="1.0" encoding="utf-8"?>
+<file path=ppt/slides/slide46.xml><?xml version="1.0" encoding="utf-8"?>
 <p:sld xmlns:a="http://schemas.openxmlformats.org/drawingml/2006/main" xmlns:r="http://schemas.openxmlformats.org/officeDocument/2006/relationships" xmlns:p="http://schemas.openxmlformats.org/presentationml/2006/main">
   <p:cSld>
     <p:spTree>
@@ -11684,57 +9475,6 @@
           </a:prstGeom>
         </p:spPr>
       </p:pic>
-      <mc:AlternateContent xmlns:mc="http://schemas.openxmlformats.org/markup-compatibility/2006" xmlns:p14="http://schemas.microsoft.com/office/powerpoint/2010/main">
-        <mc:Choice Requires="p14">
-          <p:contentPart p14:bwMode="auto" r:id="rId3">
-            <p14:nvContentPartPr>
-              <p14:cNvPr id="4" name="Ink 3">
-                <a:extLst>
-                  <a:ext uri="{FF2B5EF4-FFF2-40B4-BE49-F238E27FC236}">
-                    <a16:creationId xmlns:a16="http://schemas.microsoft.com/office/drawing/2014/main" id="{0CB65EC3-86C0-4FF2-AACB-6A8E305C05D5}"/>
-                  </a:ext>
-                </a:extLst>
-              </p14:cNvPr>
-              <p14:cNvContentPartPr/>
-              <p14:nvPr/>
-            </p14:nvContentPartPr>
-            <p14:xfrm>
-              <a:off x="1441080" y="3879360"/>
-              <a:ext cx="8370720" cy="2319120"/>
-            </p14:xfrm>
-          </p:contentPart>
-        </mc:Choice>
-        <mc:Fallback xmlns="">
-          <p:pic>
-            <p:nvPicPr>
-              <p:cNvPr id="4" name="Ink 3">
-                <a:extLst>
-                  <a:ext uri="{FF2B5EF4-FFF2-40B4-BE49-F238E27FC236}">
-                    <a16:creationId xmlns:a16="http://schemas.microsoft.com/office/drawing/2014/main" id="{0CB65EC3-86C0-4FF2-AACB-6A8E305C05D5}"/>
-                  </a:ext>
-                </a:extLst>
-              </p:cNvPr>
-              <p:cNvPicPr/>
-              <p:nvPr/>
-            </p:nvPicPr>
-            <p:blipFill>
-              <a:blip r:embed="rId4"/>
-              <a:stretch>
-                <a:fillRect/>
-              </a:stretch>
-            </p:blipFill>
-            <p:spPr>
-              <a:xfrm>
-                <a:off x="1431720" y="3870000"/>
-                <a:ext cx="8389440" cy="2337840"/>
-              </a:xfrm>
-              <a:prstGeom prst="rect">
-                <a:avLst/>
-              </a:prstGeom>
-            </p:spPr>
-          </p:pic>
-        </mc:Fallback>
-      </mc:AlternateContent>
     </p:spTree>
     <p:extLst>
       <p:ext uri="{BB962C8B-B14F-4D97-AF65-F5344CB8AC3E}">
@@ -11748,7 +9488,7 @@
 </p:sld>
 </file>
 
-<file path=ppt/slides/slide45.xml><?xml version="1.0" encoding="utf-8"?>
+<file path=ppt/slides/slide47.xml><?xml version="1.0" encoding="utf-8"?>
 <p:sld xmlns:a="http://schemas.openxmlformats.org/drawingml/2006/main" xmlns:r="http://schemas.openxmlformats.org/officeDocument/2006/relationships" xmlns:p="http://schemas.openxmlformats.org/presentationml/2006/main">
   <p:cSld>
     <p:spTree>
@@ -11918,385 +9658,6 @@
 </p:sld>
 </file>
 
-<file path=ppt/slides/slide46.xml><?xml version="1.0" encoding="utf-8"?>
-<p:sld xmlns:a="http://schemas.openxmlformats.org/drawingml/2006/main" xmlns:r="http://schemas.openxmlformats.org/officeDocument/2006/relationships" xmlns:p="http://schemas.openxmlformats.org/presentationml/2006/main">
-  <p:cSld>
-    <p:spTree>
-      <p:nvGrpSpPr>
-        <p:cNvPr id="1" name=""/>
-        <p:cNvGrpSpPr/>
-        <p:nvPr/>
-      </p:nvGrpSpPr>
-      <p:grpSpPr>
-        <a:xfrm>
-          <a:off x="0" y="0"/>
-          <a:ext cx="0" cy="0"/>
-          <a:chOff x="0" y="0"/>
-          <a:chExt cx="0" cy="0"/>
-        </a:xfrm>
-      </p:grpSpPr>
-      <p:sp>
-        <p:nvSpPr>
-          <p:cNvPr id="2" name="Title 1">
-            <a:extLst>
-              <a:ext uri="{FF2B5EF4-FFF2-40B4-BE49-F238E27FC236}">
-                <a16:creationId xmlns:a16="http://schemas.microsoft.com/office/drawing/2014/main" id="{5CC514A4-9DBB-4BEF-A565-5C12BFAD4C00}"/>
-              </a:ext>
-            </a:extLst>
-          </p:cNvPr>
-          <p:cNvSpPr>
-            <a:spLocks noGrp="1"/>
-          </p:cNvSpPr>
-          <p:nvPr>
-            <p:ph type="title"/>
-          </p:nvPr>
-        </p:nvSpPr>
-        <p:spPr/>
-        <p:txBody>
-          <a:bodyPr/>
-          <a:lstStyle/>
-          <a:p>
-            <a:r>
-              <a:rPr lang="en-US" dirty="0"/>
-              <a:t>The </a:t>
-            </a:r>
-            <a:r>
-              <a:rPr lang="en-US" b="1" i="1" dirty="0"/>
-              <a:t>this</a:t>
-            </a:r>
-            <a:r>
-              <a:rPr lang="en-US" dirty="0"/>
-              <a:t> Keyword</a:t>
-            </a:r>
-          </a:p>
-        </p:txBody>
-      </p:sp>
-      <p:sp>
-        <p:nvSpPr>
-          <p:cNvPr id="3" name="Content Placeholder 2">
-            <a:extLst>
-              <a:ext uri="{FF2B5EF4-FFF2-40B4-BE49-F238E27FC236}">
-                <a16:creationId xmlns:a16="http://schemas.microsoft.com/office/drawing/2014/main" id="{0CD35502-F357-4528-9C06-FAF303E25F00}"/>
-              </a:ext>
-            </a:extLst>
-          </p:cNvPr>
-          <p:cNvSpPr>
-            <a:spLocks noGrp="1"/>
-          </p:cNvSpPr>
-          <p:nvPr>
-            <p:ph idx="1"/>
-          </p:nvPr>
-        </p:nvSpPr>
-        <p:spPr/>
-        <p:txBody>
-          <a:bodyPr/>
-          <a:lstStyle/>
-          <a:p>
-            <a:r>
-              <a:rPr lang="en-US" dirty="0"/>
-              <a:t>In a function definition, </a:t>
-            </a:r>
-            <a:r>
-              <a:rPr lang="en-US" b="1" i="1" dirty="0"/>
-              <a:t>this</a:t>
-            </a:r>
-            <a:r>
-              <a:rPr lang="en-US" dirty="0"/>
-              <a:t> refers to the “owner” of the function</a:t>
-            </a:r>
-          </a:p>
-          <a:p>
-            <a:r>
-              <a:rPr lang="en-US" dirty="0"/>
-              <a:t>In the example earlier, </a:t>
-            </a:r>
-            <a:r>
-              <a:rPr lang="en-US" b="1" i="1" dirty="0"/>
-              <a:t>this</a:t>
-            </a:r>
-            <a:r>
-              <a:rPr lang="en-US" dirty="0"/>
-              <a:t> is the </a:t>
-            </a:r>
-            <a:r>
-              <a:rPr lang="en-US" b="1" i="1" dirty="0"/>
-              <a:t>person object</a:t>
-            </a:r>
-            <a:r>
-              <a:rPr lang="en-US" dirty="0"/>
-              <a:t> that “owns” the </a:t>
-            </a:r>
-            <a:r>
-              <a:rPr lang="en-US" b="1" i="1" dirty="0" err="1"/>
-              <a:t>fullName</a:t>
-            </a:r>
-            <a:r>
-              <a:rPr lang="en-US" dirty="0"/>
-              <a:t> function</a:t>
-            </a:r>
-          </a:p>
-          <a:p>
-            <a:r>
-              <a:rPr lang="en-US" dirty="0"/>
-              <a:t>In other words, </a:t>
-            </a:r>
-            <a:r>
-              <a:rPr lang="en-US" b="1" i="1" dirty="0" err="1"/>
-              <a:t>this.firstName</a:t>
-            </a:r>
-            <a:r>
-              <a:rPr lang="en-US" dirty="0"/>
-              <a:t> means the </a:t>
-            </a:r>
-            <a:r>
-              <a:rPr lang="en-US" b="1" i="1" dirty="0" err="1"/>
-              <a:t>firstName</a:t>
-            </a:r>
-            <a:r>
-              <a:rPr lang="en-US" dirty="0"/>
-              <a:t> property of </a:t>
-            </a:r>
-            <a:r>
-              <a:rPr lang="en-US" b="1" i="1" dirty="0"/>
-              <a:t>this object</a:t>
-            </a:r>
-            <a:endParaRPr lang="en-US" dirty="0"/>
-          </a:p>
-        </p:txBody>
-      </p:sp>
-    </p:spTree>
-    <p:extLst>
-      <p:ext uri="{BB962C8B-B14F-4D97-AF65-F5344CB8AC3E}">
-        <p14:creationId xmlns:p14="http://schemas.microsoft.com/office/powerpoint/2010/main" val="1001808533"/>
-      </p:ext>
-    </p:extLst>
-  </p:cSld>
-  <p:clrMapOvr>
-    <a:masterClrMapping/>
-  </p:clrMapOvr>
-</p:sld>
-</file>
-
-<file path=ppt/slides/slide47.xml><?xml version="1.0" encoding="utf-8"?>
-<p:sld xmlns:a="http://schemas.openxmlformats.org/drawingml/2006/main" xmlns:r="http://schemas.openxmlformats.org/officeDocument/2006/relationships" xmlns:p="http://schemas.openxmlformats.org/presentationml/2006/main">
-  <p:cSld>
-    <p:spTree>
-      <p:nvGrpSpPr>
-        <p:cNvPr id="1" name=""/>
-        <p:cNvGrpSpPr/>
-        <p:nvPr/>
-      </p:nvGrpSpPr>
-      <p:grpSpPr>
-        <a:xfrm>
-          <a:off x="0" y="0"/>
-          <a:ext cx="0" cy="0"/>
-          <a:chOff x="0" y="0"/>
-          <a:chExt cx="0" cy="0"/>
-        </a:xfrm>
-      </p:grpSpPr>
-      <p:sp>
-        <p:nvSpPr>
-          <p:cNvPr id="2" name="Title 1">
-            <a:extLst>
-              <a:ext uri="{FF2B5EF4-FFF2-40B4-BE49-F238E27FC236}">
-                <a16:creationId xmlns:a16="http://schemas.microsoft.com/office/drawing/2014/main" id="{AF1FB109-CBB0-44ED-AC6A-D70A3A862C23}"/>
-              </a:ext>
-            </a:extLst>
-          </p:cNvPr>
-          <p:cNvSpPr>
-            <a:spLocks noGrp="1"/>
-          </p:cNvSpPr>
-          <p:nvPr>
-            <p:ph type="title"/>
-          </p:nvPr>
-        </p:nvSpPr>
-        <p:spPr/>
-        <p:txBody>
-          <a:bodyPr/>
-          <a:lstStyle/>
-          <a:p>
-            <a:r>
-              <a:rPr lang="en-US" dirty="0"/>
-              <a:t>Accessing Object Methods</a:t>
-            </a:r>
-          </a:p>
-        </p:txBody>
-      </p:sp>
-      <p:sp>
-        <p:nvSpPr>
-          <p:cNvPr id="3" name="Content Placeholder 2">
-            <a:extLst>
-              <a:ext uri="{FF2B5EF4-FFF2-40B4-BE49-F238E27FC236}">
-                <a16:creationId xmlns:a16="http://schemas.microsoft.com/office/drawing/2014/main" id="{A0402F82-C889-48E5-A6B6-7AD9DD7A44BE}"/>
-              </a:ext>
-            </a:extLst>
-          </p:cNvPr>
-          <p:cNvSpPr>
-            <a:spLocks noGrp="1"/>
-          </p:cNvSpPr>
-          <p:nvPr>
-            <p:ph idx="1"/>
-          </p:nvPr>
-        </p:nvSpPr>
-        <p:spPr/>
-        <p:txBody>
-          <a:bodyPr/>
-          <a:lstStyle/>
-          <a:p>
-            <a:r>
-              <a:rPr lang="en-US" dirty="0"/>
-              <a:t>You can access an object method with the following syntax</a:t>
-            </a:r>
-          </a:p>
-          <a:p>
-            <a:r>
-              <a:rPr lang="en-US" dirty="0"/>
-              <a:t>If you access a method without the parentheses, it will return the </a:t>
-            </a:r>
-            <a:r>
-              <a:rPr lang="en-US" b="1" i="1" dirty="0"/>
-              <a:t>function definition</a:t>
-            </a:r>
-            <a:endParaRPr lang="en-US" dirty="0"/>
-          </a:p>
-        </p:txBody>
-      </p:sp>
-      <p:pic>
-        <p:nvPicPr>
-          <p:cNvPr id="5" name="Picture 4">
-            <a:extLst>
-              <a:ext uri="{FF2B5EF4-FFF2-40B4-BE49-F238E27FC236}">
-                <a16:creationId xmlns:a16="http://schemas.microsoft.com/office/drawing/2014/main" id="{C44202EC-2FF9-4216-8F47-8DABD3752981}"/>
-              </a:ext>
-            </a:extLst>
-          </p:cNvPr>
-          <p:cNvPicPr>
-            <a:picLocks noChangeAspect="1"/>
-          </p:cNvPicPr>
-          <p:nvPr/>
-        </p:nvPicPr>
-        <p:blipFill>
-          <a:blip r:embed="rId2">
-            <a:extLst>
-              <a:ext uri="{28A0092B-C50C-407E-A947-70E740481C1C}">
-                <a14:useLocalDpi xmlns:a14="http://schemas.microsoft.com/office/drawing/2010/main" val="0"/>
-              </a:ext>
-            </a:extLst>
-          </a:blip>
-          <a:stretch>
-            <a:fillRect/>
-          </a:stretch>
-        </p:blipFill>
-        <p:spPr>
-          <a:xfrm>
-            <a:off x="0" y="5808688"/>
-            <a:ext cx="6096000" cy="1049312"/>
-          </a:xfrm>
-          <a:prstGeom prst="rect">
-            <a:avLst/>
-          </a:prstGeom>
-        </p:spPr>
-      </p:pic>
-      <p:pic>
-        <p:nvPicPr>
-          <p:cNvPr id="7" name="Picture 6">
-            <a:extLst>
-              <a:ext uri="{FF2B5EF4-FFF2-40B4-BE49-F238E27FC236}">
-                <a16:creationId xmlns:a16="http://schemas.microsoft.com/office/drawing/2014/main" id="{01DB302B-E4B4-4FAC-911D-83E26DFB7C70}"/>
-              </a:ext>
-            </a:extLst>
-          </p:cNvPr>
-          <p:cNvPicPr>
-            <a:picLocks noChangeAspect="1"/>
-          </p:cNvPicPr>
-          <p:nvPr/>
-        </p:nvPicPr>
-        <p:blipFill>
-          <a:blip r:embed="rId3">
-            <a:extLst>
-              <a:ext uri="{28A0092B-C50C-407E-A947-70E740481C1C}">
-                <a14:useLocalDpi xmlns:a14="http://schemas.microsoft.com/office/drawing/2010/main" val="0"/>
-              </a:ext>
-            </a:extLst>
-          </a:blip>
-          <a:stretch>
-            <a:fillRect/>
-          </a:stretch>
-        </p:blipFill>
-        <p:spPr>
-          <a:xfrm>
-            <a:off x="6096001" y="5868839"/>
-            <a:ext cx="6096000" cy="989161"/>
-          </a:xfrm>
-          <a:prstGeom prst="rect">
-            <a:avLst/>
-          </a:prstGeom>
-        </p:spPr>
-      </p:pic>
-      <mc:AlternateContent xmlns:mc="http://schemas.openxmlformats.org/markup-compatibility/2006" xmlns:p14="http://schemas.microsoft.com/office/powerpoint/2010/main">
-        <mc:Choice Requires="p14">
-          <p:contentPart p14:bwMode="auto" r:id="rId4">
-            <p14:nvContentPartPr>
-              <p14:cNvPr id="4" name="Ink 3">
-                <a:extLst>
-                  <a:ext uri="{FF2B5EF4-FFF2-40B4-BE49-F238E27FC236}">
-                    <a16:creationId xmlns:a16="http://schemas.microsoft.com/office/drawing/2014/main" id="{3ADD1D1B-B2A5-475C-A172-CD28587113E1}"/>
-                  </a:ext>
-                </a:extLst>
-              </p14:cNvPr>
-              <p14:cNvContentPartPr/>
-              <p14:nvPr/>
-            </p14:nvContentPartPr>
-            <p14:xfrm>
-              <a:off x="5306040" y="6665040"/>
-              <a:ext cx="6824880" cy="71280"/>
-            </p14:xfrm>
-          </p:contentPart>
-        </mc:Choice>
-        <mc:Fallback xmlns="">
-          <p:pic>
-            <p:nvPicPr>
-              <p:cNvPr id="4" name="Ink 3">
-                <a:extLst>
-                  <a:ext uri="{FF2B5EF4-FFF2-40B4-BE49-F238E27FC236}">
-                    <a16:creationId xmlns:a16="http://schemas.microsoft.com/office/drawing/2014/main" id="{3ADD1D1B-B2A5-475C-A172-CD28587113E1}"/>
-                  </a:ext>
-                </a:extLst>
-              </p:cNvPr>
-              <p:cNvPicPr/>
-              <p:nvPr/>
-            </p:nvPicPr>
-            <p:blipFill>
-              <a:blip r:embed="rId5"/>
-              <a:stretch>
-                <a:fillRect/>
-              </a:stretch>
-            </p:blipFill>
-            <p:spPr>
-              <a:xfrm>
-                <a:off x="5296680" y="6655680"/>
-                <a:ext cx="6843600" cy="90000"/>
-              </a:xfrm>
-              <a:prstGeom prst="rect">
-                <a:avLst/>
-              </a:prstGeom>
-            </p:spPr>
-          </p:pic>
-        </mc:Fallback>
-      </mc:AlternateContent>
-    </p:spTree>
-    <p:extLst>
-      <p:ext uri="{BB962C8B-B14F-4D97-AF65-F5344CB8AC3E}">
-        <p14:creationId xmlns:p14="http://schemas.microsoft.com/office/powerpoint/2010/main" val="551805323"/>
-      </p:ext>
-    </p:extLst>
-  </p:cSld>
-  <p:clrMapOvr>
-    <a:masterClrMapping/>
-  </p:clrMapOvr>
-</p:sld>
-</file>
-
 <file path=ppt/slides/slide48.xml><?xml version="1.0" encoding="utf-8"?>
 <p:sld xmlns:a="http://schemas.openxmlformats.org/drawingml/2006/main" xmlns:r="http://schemas.openxmlformats.org/officeDocument/2006/relationships" xmlns:p="http://schemas.openxmlformats.org/presentationml/2006/main">
   <p:cSld>
@@ -12319,7 +9680,7 @@
           <p:cNvPr id="2" name="Title 1">
             <a:extLst>
               <a:ext uri="{FF2B5EF4-FFF2-40B4-BE49-F238E27FC236}">
-                <a16:creationId xmlns:a16="http://schemas.microsoft.com/office/drawing/2014/main" id="{52C57CB4-E751-45A3-8711-C19CAFC27930}"/>
+                <a16:creationId xmlns:a16="http://schemas.microsoft.com/office/drawing/2014/main" id="{5CC514A4-9DBB-4BEF-A565-5C12BFAD4C00}"/>
               </a:ext>
             </a:extLst>
           </p:cNvPr>
@@ -12337,40 +9698,116 @@
           <a:p>
             <a:r>
               <a:rPr lang="en-US" dirty="0"/>
-              <a:t>Events</a:t>
-            </a:r>
-          </a:p>
-        </p:txBody>
-      </p:sp>
-      <p:sp>
-        <p:nvSpPr>
-          <p:cNvPr id="3" name="Text Placeholder 2">
-            <a:extLst>
-              <a:ext uri="{FF2B5EF4-FFF2-40B4-BE49-F238E27FC236}">
-                <a16:creationId xmlns:a16="http://schemas.microsoft.com/office/drawing/2014/main" id="{D4B1EADB-475E-4794-8B20-488CCB668209}"/>
-              </a:ext>
-            </a:extLst>
-          </p:cNvPr>
-          <p:cNvSpPr>
-            <a:spLocks noGrp="1"/>
-          </p:cNvSpPr>
-          <p:nvPr>
-            <p:ph type="body" idx="1"/>
-          </p:nvPr>
-        </p:nvSpPr>
-        <p:spPr/>
-        <p:txBody>
-          <a:bodyPr/>
-          <a:lstStyle/>
-          <a:p>
-            <a:endParaRPr lang="en-US"/>
+              <a:t>The </a:t>
+            </a:r>
+            <a:r>
+              <a:rPr lang="en-US" b="1" i="1" dirty="0"/>
+              <a:t>this</a:t>
+            </a:r>
+            <a:r>
+              <a:rPr lang="en-US" dirty="0"/>
+              <a:t> Keyword</a:t>
+            </a:r>
+          </a:p>
+        </p:txBody>
+      </p:sp>
+      <p:sp>
+        <p:nvSpPr>
+          <p:cNvPr id="3" name="Content Placeholder 2">
+            <a:extLst>
+              <a:ext uri="{FF2B5EF4-FFF2-40B4-BE49-F238E27FC236}">
+                <a16:creationId xmlns:a16="http://schemas.microsoft.com/office/drawing/2014/main" id="{0CD35502-F357-4528-9C06-FAF303E25F00}"/>
+              </a:ext>
+            </a:extLst>
+          </p:cNvPr>
+          <p:cNvSpPr>
+            <a:spLocks noGrp="1"/>
+          </p:cNvSpPr>
+          <p:nvPr>
+            <p:ph idx="1"/>
+          </p:nvPr>
+        </p:nvSpPr>
+        <p:spPr/>
+        <p:txBody>
+          <a:bodyPr/>
+          <a:lstStyle/>
+          <a:p>
+            <a:r>
+              <a:rPr lang="en-US" dirty="0"/>
+              <a:t>In a function definition, </a:t>
+            </a:r>
+            <a:r>
+              <a:rPr lang="en-US" b="1" i="1" dirty="0"/>
+              <a:t>this</a:t>
+            </a:r>
+            <a:r>
+              <a:rPr lang="en-US" dirty="0"/>
+              <a:t> refers to the “owner” of the function</a:t>
+            </a:r>
+          </a:p>
+          <a:p>
+            <a:r>
+              <a:rPr lang="en-US" dirty="0"/>
+              <a:t>In the example earlier, </a:t>
+            </a:r>
+            <a:r>
+              <a:rPr lang="en-US" b="1" i="1" dirty="0"/>
+              <a:t>this</a:t>
+            </a:r>
+            <a:r>
+              <a:rPr lang="en-US" dirty="0"/>
+              <a:t> is the </a:t>
+            </a:r>
+            <a:r>
+              <a:rPr lang="en-US" b="1" i="1" dirty="0"/>
+              <a:t>person object</a:t>
+            </a:r>
+            <a:r>
+              <a:rPr lang="en-US" dirty="0"/>
+              <a:t> that “owns” the </a:t>
+            </a:r>
+            <a:r>
+              <a:rPr lang="en-US" b="1" i="1" dirty="0" err="1"/>
+              <a:t>fullName</a:t>
+            </a:r>
+            <a:r>
+              <a:rPr lang="en-US" dirty="0"/>
+              <a:t> function</a:t>
+            </a:r>
+          </a:p>
+          <a:p>
+            <a:r>
+              <a:rPr lang="en-US" dirty="0"/>
+              <a:t>In other words, </a:t>
+            </a:r>
+            <a:r>
+              <a:rPr lang="en-US" b="1" i="1" dirty="0" err="1"/>
+              <a:t>this.firstName</a:t>
+            </a:r>
+            <a:r>
+              <a:rPr lang="en-US" dirty="0"/>
+              <a:t> means the </a:t>
+            </a:r>
+            <a:r>
+              <a:rPr lang="en-US" b="1" i="1" dirty="0" err="1"/>
+              <a:t>firstName</a:t>
+            </a:r>
+            <a:r>
+              <a:rPr lang="en-US" dirty="0"/>
+              <a:t> property of </a:t>
+            </a:r>
+            <a:r>
+              <a:rPr lang="en-US" b="1" i="1" dirty="0"/>
+              <a:t>this object</a:t>
+            </a:r>
+            <a:endParaRPr lang="en-US" dirty="0"/>
           </a:p>
         </p:txBody>
       </p:sp>
     </p:spTree>
     <p:extLst>
       <p:ext uri="{BB962C8B-B14F-4D97-AF65-F5344CB8AC3E}">
-        <p14:creationId xmlns:p14="http://schemas.microsoft.com/office/powerpoint/2010/main" val="3481970053"/>
+        <p14:creationId xmlns:p14="http://schemas.microsoft.com/office/powerpoint/2010/main" val="1001808533"/>
       </p:ext>
     </p:extLst>
   </p:cSld>
@@ -12402,7 +9839,7 @@
           <p:cNvPr id="2" name="Title 1">
             <a:extLst>
               <a:ext uri="{FF2B5EF4-FFF2-40B4-BE49-F238E27FC236}">
-                <a16:creationId xmlns:a16="http://schemas.microsoft.com/office/drawing/2014/main" id="{87A653BB-574D-4FF0-A29B-55E9B8DB259B}"/>
+                <a16:creationId xmlns:a16="http://schemas.microsoft.com/office/drawing/2014/main" id="{AF1FB109-CBB0-44ED-AC6A-D70A3A862C23}"/>
               </a:ext>
             </a:extLst>
           </p:cNvPr>
@@ -12420,7 +9857,7 @@
           <a:p>
             <a:r>
               <a:rPr lang="en-US" dirty="0"/>
-              <a:t>JavaScript Events</a:t>
+              <a:t>Accessing Object Methods</a:t>
             </a:r>
           </a:p>
         </p:txBody>
@@ -12430,7 +9867,7 @@
           <p:cNvPr id="3" name="Content Placeholder 2">
             <a:extLst>
               <a:ext uri="{FF2B5EF4-FFF2-40B4-BE49-F238E27FC236}">
-                <a16:creationId xmlns:a16="http://schemas.microsoft.com/office/drawing/2014/main" id="{C50E5BBA-750F-4F41-83BA-A31CFEFE6E69}"/>
+                <a16:creationId xmlns:a16="http://schemas.microsoft.com/office/drawing/2014/main" id="{A0402F82-C889-48E5-A6B6-7AD9DD7A44BE}"/>
               </a:ext>
             </a:extLst>
           </p:cNvPr>
@@ -12448,21 +9885,98 @@
           <a:p>
             <a:r>
               <a:rPr lang="en-US" dirty="0"/>
-              <a:t>HTML events are “things” that happen to HTML elements</a:t>
-            </a:r>
-          </a:p>
-          <a:p>
-            <a:r>
-              <a:rPr lang="en-US" dirty="0"/>
-              <a:t>When JavaScript is used with HTML pages, JavaScript can “react” to these events</a:t>
-            </a:r>
-          </a:p>
-        </p:txBody>
-      </p:sp>
+              <a:t>You can access an object method with the following syntax</a:t>
+            </a:r>
+          </a:p>
+          <a:p>
+            <a:r>
+              <a:rPr lang="en-US" dirty="0"/>
+              <a:t>If you access a method without the parentheses, it will return the </a:t>
+            </a:r>
+            <a:r>
+              <a:rPr lang="en-US" b="1" i="1" dirty="0"/>
+              <a:t>function definition</a:t>
+            </a:r>
+            <a:endParaRPr lang="en-US" dirty="0"/>
+          </a:p>
+        </p:txBody>
+      </p:sp>
+      <p:pic>
+        <p:nvPicPr>
+          <p:cNvPr id="5" name="Picture 4">
+            <a:extLst>
+              <a:ext uri="{FF2B5EF4-FFF2-40B4-BE49-F238E27FC236}">
+                <a16:creationId xmlns:a16="http://schemas.microsoft.com/office/drawing/2014/main" id="{C44202EC-2FF9-4216-8F47-8DABD3752981}"/>
+              </a:ext>
+            </a:extLst>
+          </p:cNvPr>
+          <p:cNvPicPr>
+            <a:picLocks noChangeAspect="1"/>
+          </p:cNvPicPr>
+          <p:nvPr/>
+        </p:nvPicPr>
+        <p:blipFill>
+          <a:blip r:embed="rId2">
+            <a:extLst>
+              <a:ext uri="{28A0092B-C50C-407E-A947-70E740481C1C}">
+                <a14:useLocalDpi xmlns:a14="http://schemas.microsoft.com/office/drawing/2010/main" val="0"/>
+              </a:ext>
+            </a:extLst>
+          </a:blip>
+          <a:stretch>
+            <a:fillRect/>
+          </a:stretch>
+        </p:blipFill>
+        <p:spPr>
+          <a:xfrm>
+            <a:off x="0" y="5808688"/>
+            <a:ext cx="6096000" cy="1049312"/>
+          </a:xfrm>
+          <a:prstGeom prst="rect">
+            <a:avLst/>
+          </a:prstGeom>
+        </p:spPr>
+      </p:pic>
+      <p:pic>
+        <p:nvPicPr>
+          <p:cNvPr id="7" name="Picture 6">
+            <a:extLst>
+              <a:ext uri="{FF2B5EF4-FFF2-40B4-BE49-F238E27FC236}">
+                <a16:creationId xmlns:a16="http://schemas.microsoft.com/office/drawing/2014/main" id="{01DB302B-E4B4-4FAC-911D-83E26DFB7C70}"/>
+              </a:ext>
+            </a:extLst>
+          </p:cNvPr>
+          <p:cNvPicPr>
+            <a:picLocks noChangeAspect="1"/>
+          </p:cNvPicPr>
+          <p:nvPr/>
+        </p:nvPicPr>
+        <p:blipFill>
+          <a:blip r:embed="rId3">
+            <a:extLst>
+              <a:ext uri="{28A0092B-C50C-407E-A947-70E740481C1C}">
+                <a14:useLocalDpi xmlns:a14="http://schemas.microsoft.com/office/drawing/2010/main" val="0"/>
+              </a:ext>
+            </a:extLst>
+          </a:blip>
+          <a:stretch>
+            <a:fillRect/>
+          </a:stretch>
+        </p:blipFill>
+        <p:spPr>
+          <a:xfrm>
+            <a:off x="6096001" y="5868839"/>
+            <a:ext cx="6096000" cy="989161"/>
+          </a:xfrm>
+          <a:prstGeom prst="rect">
+            <a:avLst/>
+          </a:prstGeom>
+        </p:spPr>
+      </p:pic>
     </p:spTree>
     <p:extLst>
       <p:ext uri="{BB962C8B-B14F-4D97-AF65-F5344CB8AC3E}">
-        <p14:creationId xmlns:p14="http://schemas.microsoft.com/office/powerpoint/2010/main" val="2313333279"/>
+        <p14:creationId xmlns:p14="http://schemas.microsoft.com/office/powerpoint/2010/main" val="551805323"/>
       </p:ext>
     </p:extLst>
   </p:cSld>
@@ -12622,7 +10136,7 @@
           <p:cNvPr id="2" name="Title 1">
             <a:extLst>
               <a:ext uri="{FF2B5EF4-FFF2-40B4-BE49-F238E27FC236}">
-                <a16:creationId xmlns:a16="http://schemas.microsoft.com/office/drawing/2014/main" id="{56B7E4AF-EC67-433C-892A-AB97812CF12C}"/>
+                <a16:creationId xmlns:a16="http://schemas.microsoft.com/office/drawing/2014/main" id="{52C57CB4-E751-45A3-8711-C19CAFC27930}"/>
               </a:ext>
             </a:extLst>
           </p:cNvPr>
@@ -12640,106 +10154,40 @@
           <a:p>
             <a:r>
               <a:rPr lang="en-US" dirty="0"/>
-              <a:t>HTML Events</a:t>
-            </a:r>
-          </a:p>
-        </p:txBody>
-      </p:sp>
-      <p:sp>
-        <p:nvSpPr>
-          <p:cNvPr id="3" name="Content Placeholder 2">
-            <a:extLst>
-              <a:ext uri="{FF2B5EF4-FFF2-40B4-BE49-F238E27FC236}">
-                <a16:creationId xmlns:a16="http://schemas.microsoft.com/office/drawing/2014/main" id="{1B19ACE7-43FB-4C6B-95E8-8D55643756E3}"/>
-              </a:ext>
-            </a:extLst>
-          </p:cNvPr>
-          <p:cNvSpPr>
-            <a:spLocks noGrp="1"/>
-          </p:cNvSpPr>
-          <p:nvPr>
-            <p:ph idx="1"/>
-          </p:nvPr>
-        </p:nvSpPr>
-        <p:spPr/>
-        <p:txBody>
-          <a:bodyPr/>
-          <a:lstStyle/>
-          <a:p>
-            <a:r>
-              <a:rPr lang="en-US" dirty="0"/>
-              <a:t>An HTML event can be something the browser does, or something a user does</a:t>
-            </a:r>
-          </a:p>
-          <a:p>
-            <a:r>
-              <a:rPr lang="en-US" dirty="0"/>
-              <a:t>Here are some examples of HTML events: a webpage finished loading, an input field was changed, an HTML button was clicked</a:t>
-            </a:r>
-          </a:p>
-          <a:p>
-            <a:r>
-              <a:rPr lang="en-US" dirty="0"/>
-              <a:t>Often, when events happen you want to do something</a:t>
-            </a:r>
-          </a:p>
-        </p:txBody>
-      </p:sp>
-      <mc:AlternateContent xmlns:mc="http://schemas.openxmlformats.org/markup-compatibility/2006" xmlns:p14="http://schemas.microsoft.com/office/powerpoint/2010/main">
-        <mc:Choice Requires="p14">
-          <p:contentPart p14:bwMode="auto" r:id="rId2">
-            <p14:nvContentPartPr>
-              <p14:cNvPr id="4" name="Ink 3">
-                <a:extLst>
-                  <a:ext uri="{FF2B5EF4-FFF2-40B4-BE49-F238E27FC236}">
-                    <a16:creationId xmlns:a16="http://schemas.microsoft.com/office/drawing/2014/main" id="{0A48D308-B8D3-4C5D-A161-67A9590FF2DF}"/>
-                  </a:ext>
-                </a:extLst>
-              </p14:cNvPr>
-              <p14:cNvContentPartPr/>
-              <p14:nvPr/>
-            </p14:nvContentPartPr>
-            <p14:xfrm>
-              <a:off x="1248480" y="4793040"/>
-              <a:ext cx="6115320" cy="1071000"/>
-            </p14:xfrm>
-          </p:contentPart>
-        </mc:Choice>
-        <mc:Fallback xmlns="">
-          <p:pic>
-            <p:nvPicPr>
-              <p:cNvPr id="4" name="Ink 3">
-                <a:extLst>
-                  <a:ext uri="{FF2B5EF4-FFF2-40B4-BE49-F238E27FC236}">
-                    <a16:creationId xmlns:a16="http://schemas.microsoft.com/office/drawing/2014/main" id="{0A48D308-B8D3-4C5D-A161-67A9590FF2DF}"/>
-                  </a:ext>
-                </a:extLst>
-              </p:cNvPr>
-              <p:cNvPicPr/>
-              <p:nvPr/>
-            </p:nvPicPr>
-            <p:blipFill>
-              <a:blip r:embed="rId3"/>
-              <a:stretch>
-                <a:fillRect/>
-              </a:stretch>
-            </p:blipFill>
-            <p:spPr>
-              <a:xfrm>
-                <a:off x="1239120" y="4783680"/>
-                <a:ext cx="6134040" cy="1089720"/>
-              </a:xfrm>
-              <a:prstGeom prst="rect">
-                <a:avLst/>
-              </a:prstGeom>
-            </p:spPr>
-          </p:pic>
-        </mc:Fallback>
-      </mc:AlternateContent>
+              <a:t>Events</a:t>
+            </a:r>
+          </a:p>
+        </p:txBody>
+      </p:sp>
+      <p:sp>
+        <p:nvSpPr>
+          <p:cNvPr id="3" name="Text Placeholder 2">
+            <a:extLst>
+              <a:ext uri="{FF2B5EF4-FFF2-40B4-BE49-F238E27FC236}">
+                <a16:creationId xmlns:a16="http://schemas.microsoft.com/office/drawing/2014/main" id="{D4B1EADB-475E-4794-8B20-488CCB668209}"/>
+              </a:ext>
+            </a:extLst>
+          </p:cNvPr>
+          <p:cNvSpPr>
+            <a:spLocks noGrp="1"/>
+          </p:cNvSpPr>
+          <p:nvPr>
+            <p:ph type="body" idx="1"/>
+          </p:nvPr>
+        </p:nvSpPr>
+        <p:spPr/>
+        <p:txBody>
+          <a:bodyPr/>
+          <a:lstStyle/>
+          <a:p>
+            <a:endParaRPr lang="en-US"/>
+          </a:p>
+        </p:txBody>
+      </p:sp>
     </p:spTree>
     <p:extLst>
       <p:ext uri="{BB962C8B-B14F-4D97-AF65-F5344CB8AC3E}">
-        <p14:creationId xmlns:p14="http://schemas.microsoft.com/office/powerpoint/2010/main" val="344417517"/>
+        <p14:creationId xmlns:p14="http://schemas.microsoft.com/office/powerpoint/2010/main" val="3481970053"/>
       </p:ext>
     </p:extLst>
   </p:cSld>
@@ -12771,7 +10219,7 @@
           <p:cNvPr id="2" name="Title 1">
             <a:extLst>
               <a:ext uri="{FF2B5EF4-FFF2-40B4-BE49-F238E27FC236}">
-                <a16:creationId xmlns:a16="http://schemas.microsoft.com/office/drawing/2014/main" id="{3E421944-911D-4EF9-8442-664898E1F90F}"/>
+                <a16:creationId xmlns:a16="http://schemas.microsoft.com/office/drawing/2014/main" id="{87A653BB-574D-4FF0-A29B-55E9B8DB259B}"/>
               </a:ext>
             </a:extLst>
           </p:cNvPr>
@@ -12789,7 +10237,7 @@
           <a:p>
             <a:r>
               <a:rPr lang="en-US" dirty="0"/>
-              <a:t>HTML Events</a:t>
+              <a:t>JavaScript Events</a:t>
             </a:r>
           </a:p>
         </p:txBody>
@@ -12799,7 +10247,7 @@
           <p:cNvPr id="3" name="Content Placeholder 2">
             <a:extLst>
               <a:ext uri="{FF2B5EF4-FFF2-40B4-BE49-F238E27FC236}">
-                <a16:creationId xmlns:a16="http://schemas.microsoft.com/office/drawing/2014/main" id="{A4C3341D-3412-4F92-9596-98A1B4E2FF00}"/>
+                <a16:creationId xmlns:a16="http://schemas.microsoft.com/office/drawing/2014/main" id="{C50E5BBA-750F-4F41-83BA-A31CFEFE6E69}"/>
               </a:ext>
             </a:extLst>
           </p:cNvPr>
@@ -12817,124 +10265,21 @@
           <a:p>
             <a:r>
               <a:rPr lang="en-US" dirty="0"/>
-              <a:t>JavaScript lets you execute code when events are detected</a:t>
-            </a:r>
-          </a:p>
-          <a:p>
-            <a:r>
-              <a:rPr lang="en-US" dirty="0"/>
-              <a:t>HTML allows event handler attributes, </a:t>
-            </a:r>
-            <a:r>
-              <a:rPr lang="en-US" b="1" i="1" dirty="0"/>
-              <a:t>with JavaScript</a:t>
-            </a:r>
-            <a:r>
-              <a:rPr lang="en-US" dirty="0"/>
-              <a:t> </a:t>
-            </a:r>
-            <a:r>
-              <a:rPr lang="en-US" b="1" i="1" dirty="0"/>
-              <a:t>code</a:t>
-            </a:r>
-            <a:r>
-              <a:rPr lang="en-US" dirty="0"/>
-              <a:t>, to be added to HTML elements</a:t>
-            </a:r>
-          </a:p>
-        </p:txBody>
-      </p:sp>
-      <p:pic>
-        <p:nvPicPr>
-          <p:cNvPr id="5" name="Picture 4">
-            <a:extLst>
-              <a:ext uri="{FF2B5EF4-FFF2-40B4-BE49-F238E27FC236}">
-                <a16:creationId xmlns:a16="http://schemas.microsoft.com/office/drawing/2014/main" id="{2AD71BAD-A9E4-4067-8846-AA69BC5F89F3}"/>
-              </a:ext>
-            </a:extLst>
-          </p:cNvPr>
-          <p:cNvPicPr>
-            <a:picLocks noChangeAspect="1"/>
-          </p:cNvPicPr>
-          <p:nvPr/>
-        </p:nvPicPr>
-        <p:blipFill>
-          <a:blip r:embed="rId2">
-            <a:extLst>
-              <a:ext uri="{28A0092B-C50C-407E-A947-70E740481C1C}">
-                <a14:useLocalDpi xmlns:a14="http://schemas.microsoft.com/office/drawing/2010/main" val="0"/>
-              </a:ext>
-            </a:extLst>
-          </a:blip>
-          <a:stretch>
-            <a:fillRect/>
-          </a:stretch>
-        </p:blipFill>
-        <p:spPr>
-          <a:xfrm>
-            <a:off x="0" y="6303232"/>
-            <a:ext cx="12192000" cy="554768"/>
-          </a:xfrm>
-          <a:prstGeom prst="rect">
-            <a:avLst/>
-          </a:prstGeom>
-        </p:spPr>
-      </p:pic>
-      <mc:AlternateContent xmlns:mc="http://schemas.openxmlformats.org/markup-compatibility/2006" xmlns:p14="http://schemas.microsoft.com/office/powerpoint/2010/main">
-        <mc:Choice Requires="p14">
-          <p:contentPart p14:bwMode="auto" r:id="rId3">
-            <p14:nvContentPartPr>
-              <p14:cNvPr id="4" name="Ink 3">
-                <a:extLst>
-                  <a:ext uri="{FF2B5EF4-FFF2-40B4-BE49-F238E27FC236}">
-                    <a16:creationId xmlns:a16="http://schemas.microsoft.com/office/drawing/2014/main" id="{B6A73943-A7CA-4C4F-9EB3-AC1A357B98C1}"/>
-                  </a:ext>
-                </a:extLst>
-              </p14:cNvPr>
-              <p14:cNvContentPartPr/>
-              <p14:nvPr/>
-            </p14:nvContentPartPr>
-            <p14:xfrm>
-              <a:off x="1134000" y="6216480"/>
-              <a:ext cx="1110240" cy="628560"/>
-            </p14:xfrm>
-          </p:contentPart>
-        </mc:Choice>
-        <mc:Fallback xmlns="">
-          <p:pic>
-            <p:nvPicPr>
-              <p:cNvPr id="4" name="Ink 3">
-                <a:extLst>
-                  <a:ext uri="{FF2B5EF4-FFF2-40B4-BE49-F238E27FC236}">
-                    <a16:creationId xmlns:a16="http://schemas.microsoft.com/office/drawing/2014/main" id="{B6A73943-A7CA-4C4F-9EB3-AC1A357B98C1}"/>
-                  </a:ext>
-                </a:extLst>
-              </p:cNvPr>
-              <p:cNvPicPr/>
-              <p:nvPr/>
-            </p:nvPicPr>
-            <p:blipFill>
-              <a:blip r:embed="rId4"/>
-              <a:stretch>
-                <a:fillRect/>
-              </a:stretch>
-            </p:blipFill>
-            <p:spPr>
-              <a:xfrm>
-                <a:off x="1124640" y="6207120"/>
-                <a:ext cx="1128960" cy="647280"/>
-              </a:xfrm>
-              <a:prstGeom prst="rect">
-                <a:avLst/>
-              </a:prstGeom>
-            </p:spPr>
-          </p:pic>
-        </mc:Fallback>
-      </mc:AlternateContent>
+              <a:t>HTML events are “things” that happen to HTML elements</a:t>
+            </a:r>
+          </a:p>
+          <a:p>
+            <a:r>
+              <a:rPr lang="en-US" dirty="0"/>
+              <a:t>When JavaScript is used with HTML pages, JavaScript can “react” to these events</a:t>
+            </a:r>
+          </a:p>
+        </p:txBody>
+      </p:sp>
     </p:spTree>
     <p:extLst>
       <p:ext uri="{BB962C8B-B14F-4D97-AF65-F5344CB8AC3E}">
-        <p14:creationId xmlns:p14="http://schemas.microsoft.com/office/powerpoint/2010/main" val="3830088643"/>
+        <p14:creationId xmlns:p14="http://schemas.microsoft.com/office/powerpoint/2010/main" val="2313333279"/>
       </p:ext>
     </p:extLst>
   </p:cSld>
@@ -12966,7 +10311,7 @@
           <p:cNvPr id="2" name="Title 1">
             <a:extLst>
               <a:ext uri="{FF2B5EF4-FFF2-40B4-BE49-F238E27FC236}">
-                <a16:creationId xmlns:a16="http://schemas.microsoft.com/office/drawing/2014/main" id="{D5AEFC79-C96D-1837-93A8-297D73E7E2D2}"/>
+                <a16:creationId xmlns:a16="http://schemas.microsoft.com/office/drawing/2014/main" id="{56B7E4AF-EC67-433C-892A-AB97812CF12C}"/>
               </a:ext>
             </a:extLst>
           </p:cNvPr>
@@ -12984,50 +10329,55 @@
           <a:p>
             <a:r>
               <a:rPr lang="en-US" dirty="0"/>
-              <a:t>Common HTML Events</a:t>
-            </a:r>
-          </a:p>
-        </p:txBody>
-      </p:sp>
-      <p:pic>
-        <p:nvPicPr>
-          <p:cNvPr id="5" name="Content Placeholder 4" descr="A screenshot of a computer&#10;&#10;Description automatically generated">
-            <a:extLst>
-              <a:ext uri="{FF2B5EF4-FFF2-40B4-BE49-F238E27FC236}">
-                <a16:creationId xmlns:a16="http://schemas.microsoft.com/office/drawing/2014/main" id="{AD4F0FB3-9C5F-042A-CA74-6BDE238FF812}"/>
-              </a:ext>
-            </a:extLst>
-          </p:cNvPr>
-          <p:cNvPicPr>
-            <a:picLocks noGrp="1" noChangeAspect="1"/>
-          </p:cNvPicPr>
+              <a:t>HTML Events</a:t>
+            </a:r>
+          </a:p>
+        </p:txBody>
+      </p:sp>
+      <p:sp>
+        <p:nvSpPr>
+          <p:cNvPr id="3" name="Content Placeholder 2">
+            <a:extLst>
+              <a:ext uri="{FF2B5EF4-FFF2-40B4-BE49-F238E27FC236}">
+                <a16:creationId xmlns:a16="http://schemas.microsoft.com/office/drawing/2014/main" id="{1B19ACE7-43FB-4C6B-95E8-8D55643756E3}"/>
+              </a:ext>
+            </a:extLst>
+          </p:cNvPr>
+          <p:cNvSpPr>
+            <a:spLocks noGrp="1"/>
+          </p:cNvSpPr>
           <p:nvPr>
             <p:ph idx="1"/>
           </p:nvPr>
-        </p:nvPicPr>
-        <p:blipFill>
-          <a:blip r:embed="rId2">
-            <a:extLst>
-              <a:ext uri="{28A0092B-C50C-407E-A947-70E740481C1C}">
-                <a14:useLocalDpi xmlns:a14="http://schemas.microsoft.com/office/drawing/2010/main" val="0"/>
-              </a:ext>
-            </a:extLst>
-          </a:blip>
-          <a:stretch>
-            <a:fillRect/>
-          </a:stretch>
-        </p:blipFill>
-        <p:spPr>
-          <a:xfrm>
-            <a:off x="0" y="2045399"/>
-            <a:ext cx="12191999" cy="3911790"/>
-          </a:xfrm>
-        </p:spPr>
-      </p:pic>
+        </p:nvSpPr>
+        <p:spPr/>
+        <p:txBody>
+          <a:bodyPr/>
+          <a:lstStyle/>
+          <a:p>
+            <a:r>
+              <a:rPr lang="en-US" dirty="0"/>
+              <a:t>An HTML event can be something the browser does, or something a user does</a:t>
+            </a:r>
+          </a:p>
+          <a:p>
+            <a:r>
+              <a:rPr lang="en-US" dirty="0"/>
+              <a:t>Here are some examples of HTML events: a webpage finished loading, an input field was changed, an HTML button was clicked</a:t>
+            </a:r>
+          </a:p>
+          <a:p>
+            <a:r>
+              <a:rPr lang="en-US" dirty="0"/>
+              <a:t>Often, when events happen you want to do something</a:t>
+            </a:r>
+          </a:p>
+        </p:txBody>
+      </p:sp>
     </p:spTree>
     <p:extLst>
       <p:ext uri="{BB962C8B-B14F-4D97-AF65-F5344CB8AC3E}">
-        <p14:creationId xmlns:p14="http://schemas.microsoft.com/office/powerpoint/2010/main" val="1498019074"/>
+        <p14:creationId xmlns:p14="http://schemas.microsoft.com/office/powerpoint/2010/main" val="344417517"/>
       </p:ext>
     </p:extLst>
   </p:cSld>
@@ -13059,7 +10409,7 @@
           <p:cNvPr id="2" name="Title 1">
             <a:extLst>
               <a:ext uri="{FF2B5EF4-FFF2-40B4-BE49-F238E27FC236}">
-                <a16:creationId xmlns:a16="http://schemas.microsoft.com/office/drawing/2014/main" id="{23F7FD03-4A5C-D09F-1793-08F007DAFCDA}"/>
+                <a16:creationId xmlns:a16="http://schemas.microsoft.com/office/drawing/2014/main" id="{3E421944-911D-4EF9-8442-664898E1F90F}"/>
               </a:ext>
             </a:extLst>
           </p:cNvPr>
@@ -13077,7 +10427,7 @@
           <a:p>
             <a:r>
               <a:rPr lang="en-US" dirty="0"/>
-              <a:t>For Today:</a:t>
+              <a:t>HTML Events</a:t>
             </a:r>
           </a:p>
         </p:txBody>
@@ -13087,7 +10437,7 @@
           <p:cNvPr id="3" name="Content Placeholder 2">
             <a:extLst>
               <a:ext uri="{FF2B5EF4-FFF2-40B4-BE49-F238E27FC236}">
-                <a16:creationId xmlns:a16="http://schemas.microsoft.com/office/drawing/2014/main" id="{6DE95802-CC64-CDC7-3A16-97C4C3B744F1}"/>
+                <a16:creationId xmlns:a16="http://schemas.microsoft.com/office/drawing/2014/main" id="{A4C3341D-3412-4F92-9596-98A1B4E2FF00}"/>
               </a:ext>
             </a:extLst>
           </p:cNvPr>
@@ -13103,62 +10453,168 @@
           <a:bodyPr/>
           <a:lstStyle/>
           <a:p>
-            <a:pPr marL="514350" indent="-514350">
-              <a:buFont typeface="+mj-lt"/>
-              <a:buAutoNum type="arabicPeriod"/>
-            </a:pPr>
-            <a:r>
-              <a:rPr lang="en-US" dirty="0"/>
-              <a:t>Module 3 Exercises</a:t>
-            </a:r>
-          </a:p>
-          <a:p>
-            <a:pPr marL="514350" indent="-514350">
-              <a:buFont typeface="+mj-lt"/>
-              <a:buAutoNum type="arabicPeriod"/>
-            </a:pPr>
-            <a:r>
-              <a:rPr lang="en-US" dirty="0" err="1"/>
-              <a:t>Atometric</a:t>
-            </a:r>
-            <a:endParaRPr lang="en-US" dirty="0"/>
-          </a:p>
-          <a:p>
-            <a:pPr marL="514350" indent="-514350">
-              <a:buFont typeface="+mj-lt"/>
-              <a:buAutoNum type="arabicPeriod"/>
-            </a:pPr>
-            <a:r>
-              <a:rPr lang="en-US" dirty="0"/>
-              <a:t>Portfolio</a:t>
-            </a:r>
-          </a:p>
-          <a:p>
-            <a:pPr marL="514350" indent="-514350">
-              <a:buFont typeface="+mj-lt"/>
-              <a:buAutoNum type="arabicPeriod"/>
-            </a:pPr>
-            <a:r>
-              <a:rPr lang="en-US" dirty="0"/>
-              <a:t>Calculator</a:t>
-            </a:r>
-          </a:p>
-          <a:p>
-            <a:pPr marL="514350" indent="-514350">
-              <a:buFont typeface="+mj-lt"/>
-              <a:buAutoNum type="arabicPeriod"/>
-            </a:pPr>
-            <a:r>
-              <a:rPr lang="en-US" dirty="0"/>
-              <a:t>To Do List</a:t>
-            </a:r>
-          </a:p>
-        </p:txBody>
-      </p:sp>
+            <a:r>
+              <a:rPr lang="en-US" dirty="0"/>
+              <a:t>JavaScript lets you execute code when events are detected</a:t>
+            </a:r>
+          </a:p>
+          <a:p>
+            <a:r>
+              <a:rPr lang="en-US" dirty="0"/>
+              <a:t>HTML allows event handler attributes, </a:t>
+            </a:r>
+            <a:r>
+              <a:rPr lang="en-US" b="1" i="1" dirty="0"/>
+              <a:t>with JavaScript</a:t>
+            </a:r>
+            <a:r>
+              <a:rPr lang="en-US" dirty="0"/>
+              <a:t> </a:t>
+            </a:r>
+            <a:r>
+              <a:rPr lang="en-US" b="1" i="1" dirty="0"/>
+              <a:t>code</a:t>
+            </a:r>
+            <a:r>
+              <a:rPr lang="en-US" dirty="0"/>
+              <a:t>, to be added to HTML elements</a:t>
+            </a:r>
+          </a:p>
+        </p:txBody>
+      </p:sp>
+      <p:pic>
+        <p:nvPicPr>
+          <p:cNvPr id="5" name="Picture 4">
+            <a:extLst>
+              <a:ext uri="{FF2B5EF4-FFF2-40B4-BE49-F238E27FC236}">
+                <a16:creationId xmlns:a16="http://schemas.microsoft.com/office/drawing/2014/main" id="{2AD71BAD-A9E4-4067-8846-AA69BC5F89F3}"/>
+              </a:ext>
+            </a:extLst>
+          </p:cNvPr>
+          <p:cNvPicPr>
+            <a:picLocks noChangeAspect="1"/>
+          </p:cNvPicPr>
+          <p:nvPr/>
+        </p:nvPicPr>
+        <p:blipFill>
+          <a:blip r:embed="rId2">
+            <a:extLst>
+              <a:ext uri="{28A0092B-C50C-407E-A947-70E740481C1C}">
+                <a14:useLocalDpi xmlns:a14="http://schemas.microsoft.com/office/drawing/2010/main" val="0"/>
+              </a:ext>
+            </a:extLst>
+          </a:blip>
+          <a:stretch>
+            <a:fillRect/>
+          </a:stretch>
+        </p:blipFill>
+        <p:spPr>
+          <a:xfrm>
+            <a:off x="0" y="6303232"/>
+            <a:ext cx="12192000" cy="554768"/>
+          </a:xfrm>
+          <a:prstGeom prst="rect">
+            <a:avLst/>
+          </a:prstGeom>
+        </p:spPr>
+      </p:pic>
     </p:spTree>
     <p:extLst>
       <p:ext uri="{BB962C8B-B14F-4D97-AF65-F5344CB8AC3E}">
-        <p14:creationId xmlns:p14="http://schemas.microsoft.com/office/powerpoint/2010/main" val="2836499598"/>
+        <p14:creationId xmlns:p14="http://schemas.microsoft.com/office/powerpoint/2010/main" val="3830088643"/>
+      </p:ext>
+    </p:extLst>
+  </p:cSld>
+  <p:clrMapOvr>
+    <a:masterClrMapping/>
+  </p:clrMapOvr>
+</p:sld>
+</file>
+
+<file path=ppt/slides/slide54.xml><?xml version="1.0" encoding="utf-8"?>
+<p:sld xmlns:a="http://schemas.openxmlformats.org/drawingml/2006/main" xmlns:r="http://schemas.openxmlformats.org/officeDocument/2006/relationships" xmlns:p="http://schemas.openxmlformats.org/presentationml/2006/main">
+  <p:cSld>
+    <p:spTree>
+      <p:nvGrpSpPr>
+        <p:cNvPr id="1" name=""/>
+        <p:cNvGrpSpPr/>
+        <p:nvPr/>
+      </p:nvGrpSpPr>
+      <p:grpSpPr>
+        <a:xfrm>
+          <a:off x="0" y="0"/>
+          <a:ext cx="0" cy="0"/>
+          <a:chOff x="0" y="0"/>
+          <a:chExt cx="0" cy="0"/>
+        </a:xfrm>
+      </p:grpSpPr>
+      <p:sp>
+        <p:nvSpPr>
+          <p:cNvPr id="2" name="Title 1">
+            <a:extLst>
+              <a:ext uri="{FF2B5EF4-FFF2-40B4-BE49-F238E27FC236}">
+                <a16:creationId xmlns:a16="http://schemas.microsoft.com/office/drawing/2014/main" id="{D5AEFC79-C96D-1837-93A8-297D73E7E2D2}"/>
+              </a:ext>
+            </a:extLst>
+          </p:cNvPr>
+          <p:cNvSpPr>
+            <a:spLocks noGrp="1"/>
+          </p:cNvSpPr>
+          <p:nvPr>
+            <p:ph type="title"/>
+          </p:nvPr>
+        </p:nvSpPr>
+        <p:spPr/>
+        <p:txBody>
+          <a:bodyPr/>
+          <a:lstStyle/>
+          <a:p>
+            <a:r>
+              <a:rPr lang="en-US" dirty="0"/>
+              <a:t>Common HTML Events</a:t>
+            </a:r>
+          </a:p>
+        </p:txBody>
+      </p:sp>
+      <p:pic>
+        <p:nvPicPr>
+          <p:cNvPr id="5" name="Content Placeholder 4" descr="A screenshot of a computer&#10;&#10;Description automatically generated">
+            <a:extLst>
+              <a:ext uri="{FF2B5EF4-FFF2-40B4-BE49-F238E27FC236}">
+                <a16:creationId xmlns:a16="http://schemas.microsoft.com/office/drawing/2014/main" id="{AD4F0FB3-9C5F-042A-CA74-6BDE238FF812}"/>
+              </a:ext>
+            </a:extLst>
+          </p:cNvPr>
+          <p:cNvPicPr>
+            <a:picLocks noGrp="1" noChangeAspect="1"/>
+          </p:cNvPicPr>
+          <p:nvPr>
+            <p:ph idx="1"/>
+          </p:nvPr>
+        </p:nvPicPr>
+        <p:blipFill>
+          <a:blip r:embed="rId2">
+            <a:extLst>
+              <a:ext uri="{28A0092B-C50C-407E-A947-70E740481C1C}">
+                <a14:useLocalDpi xmlns:a14="http://schemas.microsoft.com/office/drawing/2010/main" val="0"/>
+              </a:ext>
+            </a:extLst>
+          </a:blip>
+          <a:stretch>
+            <a:fillRect/>
+          </a:stretch>
+        </p:blipFill>
+        <p:spPr>
+          <a:xfrm>
+            <a:off x="0" y="2045399"/>
+            <a:ext cx="12191999" cy="3911790"/>
+          </a:xfrm>
+        </p:spPr>
+      </p:pic>
+    </p:spTree>
+    <p:extLst>
+      <p:ext uri="{BB962C8B-B14F-4D97-AF65-F5344CB8AC3E}">
+        <p14:creationId xmlns:p14="http://schemas.microsoft.com/office/powerpoint/2010/main" val="1498019074"/>
       </p:ext>
     </p:extLst>
   </p:cSld>
@@ -13296,57 +10752,6 @@
           </a:prstGeom>
         </p:spPr>
       </p:pic>
-      <mc:AlternateContent xmlns:mc="http://schemas.openxmlformats.org/markup-compatibility/2006" xmlns:p14="http://schemas.microsoft.com/office/powerpoint/2010/main">
-        <mc:Choice Requires="p14">
-          <p:contentPart p14:bwMode="auto" r:id="rId3">
-            <p14:nvContentPartPr>
-              <p14:cNvPr id="4" name="Ink 3">
-                <a:extLst>
-                  <a:ext uri="{FF2B5EF4-FFF2-40B4-BE49-F238E27FC236}">
-                    <a16:creationId xmlns:a16="http://schemas.microsoft.com/office/drawing/2014/main" id="{522E28AB-601D-49C2-9289-F1A6705758B5}"/>
-                  </a:ext>
-                </a:extLst>
-              </p14:cNvPr>
-              <p14:cNvContentPartPr/>
-              <p14:nvPr/>
-            </p14:nvContentPartPr>
-            <p14:xfrm>
-              <a:off x="597240" y="3204000"/>
-              <a:ext cx="3876480" cy="1468080"/>
-            </p14:xfrm>
-          </p:contentPart>
-        </mc:Choice>
-        <mc:Fallback xmlns="">
-          <p:pic>
-            <p:nvPicPr>
-              <p:cNvPr id="4" name="Ink 3">
-                <a:extLst>
-                  <a:ext uri="{FF2B5EF4-FFF2-40B4-BE49-F238E27FC236}">
-                    <a16:creationId xmlns:a16="http://schemas.microsoft.com/office/drawing/2014/main" id="{522E28AB-601D-49C2-9289-F1A6705758B5}"/>
-                  </a:ext>
-                </a:extLst>
-              </p:cNvPr>
-              <p:cNvPicPr/>
-              <p:nvPr/>
-            </p:nvPicPr>
-            <p:blipFill>
-              <a:blip r:embed="rId4"/>
-              <a:stretch>
-                <a:fillRect/>
-              </a:stretch>
-            </p:blipFill>
-            <p:spPr>
-              <a:xfrm>
-                <a:off x="587880" y="3194640"/>
-                <a:ext cx="3895200" cy="1486800"/>
-              </a:xfrm>
-              <a:prstGeom prst="rect">
-                <a:avLst/>
-              </a:prstGeom>
-            </p:spPr>
-          </p:pic>
-        </mc:Fallback>
-      </mc:AlternateContent>
     </p:spTree>
     <p:extLst>
       <p:ext uri="{BB962C8B-B14F-4D97-AF65-F5344CB8AC3E}">
@@ -13505,57 +10910,6 @@
           </a:prstGeom>
         </p:spPr>
       </p:pic>
-      <mc:AlternateContent xmlns:mc="http://schemas.openxmlformats.org/markup-compatibility/2006" xmlns:p14="http://schemas.microsoft.com/office/powerpoint/2010/main">
-        <mc:Choice Requires="p14">
-          <p:contentPart p14:bwMode="auto" r:id="rId4">
-            <p14:nvContentPartPr>
-              <p14:cNvPr id="4" name="Ink 3">
-                <a:extLst>
-                  <a:ext uri="{FF2B5EF4-FFF2-40B4-BE49-F238E27FC236}">
-                    <a16:creationId xmlns:a16="http://schemas.microsoft.com/office/drawing/2014/main" id="{DFC78D17-CDB4-4D29-AD63-3176CE9E233D}"/>
-                  </a:ext>
-                </a:extLst>
-              </p14:cNvPr>
-              <p14:cNvContentPartPr/>
-              <p14:nvPr/>
-            </p14:nvContentPartPr>
-            <p14:xfrm>
-              <a:off x="511200" y="2774520"/>
-              <a:ext cx="11612520" cy="3450960"/>
-            </p14:xfrm>
-          </p:contentPart>
-        </mc:Choice>
-        <mc:Fallback xmlns="">
-          <p:pic>
-            <p:nvPicPr>
-              <p:cNvPr id="4" name="Ink 3">
-                <a:extLst>
-                  <a:ext uri="{FF2B5EF4-FFF2-40B4-BE49-F238E27FC236}">
-                    <a16:creationId xmlns:a16="http://schemas.microsoft.com/office/drawing/2014/main" id="{DFC78D17-CDB4-4D29-AD63-3176CE9E233D}"/>
-                  </a:ext>
-                </a:extLst>
-              </p:cNvPr>
-              <p:cNvPicPr/>
-              <p:nvPr/>
-            </p:nvPicPr>
-            <p:blipFill>
-              <a:blip r:embed="rId5"/>
-              <a:stretch>
-                <a:fillRect/>
-              </a:stretch>
-            </p:blipFill>
-            <p:spPr>
-              <a:xfrm>
-                <a:off x="501840" y="2765160"/>
-                <a:ext cx="11631240" cy="3469680"/>
-              </a:xfrm>
-              <a:prstGeom prst="rect">
-                <a:avLst/>
-              </a:prstGeom>
-            </p:spPr>
-          </p:pic>
-        </mc:Fallback>
-      </mc:AlternateContent>
     </p:spTree>
     <p:extLst>
       <p:ext uri="{BB962C8B-B14F-4D97-AF65-F5344CB8AC3E}">
@@ -13737,7 +11091,7 @@
           <p:cNvPr id="2" name="Title 1">
             <a:extLst>
               <a:ext uri="{FF2B5EF4-FFF2-40B4-BE49-F238E27FC236}">
-                <a16:creationId xmlns:a16="http://schemas.microsoft.com/office/drawing/2014/main" id="{AAADBF19-2DD2-4767-A0ED-1C2B9BB73212}"/>
+                <a16:creationId xmlns:a16="http://schemas.microsoft.com/office/drawing/2014/main" id="{C454CDAB-B36B-40B8-A14D-0CE269DAAA1A}"/>
               </a:ext>
             </a:extLst>
           </p:cNvPr>
@@ -13755,7 +11109,7 @@
           <a:p>
             <a:r>
               <a:rPr lang="en-US" dirty="0"/>
-              <a:t>JavaScript Numbers</a:t>
+              <a:t>JavaScript Booleans</a:t>
             </a:r>
           </a:p>
         </p:txBody>
@@ -13765,7 +11119,7 @@
           <p:cNvPr id="3" name="Content Placeholder 2">
             <a:extLst>
               <a:ext uri="{FF2B5EF4-FFF2-40B4-BE49-F238E27FC236}">
-                <a16:creationId xmlns:a16="http://schemas.microsoft.com/office/drawing/2014/main" id="{05352592-7CE0-4D91-9D4E-A9A0ADF93974}"/>
+                <a16:creationId xmlns:a16="http://schemas.microsoft.com/office/drawing/2014/main" id="{39E11EEB-B215-4761-9BD1-9B870B7E781D}"/>
               </a:ext>
             </a:extLst>
           </p:cNvPr>
@@ -13783,22 +11137,164 @@
           <a:p>
             <a:r>
               <a:rPr lang="en-US" dirty="0"/>
-              <a:t>JavaScript only has one type of number, as opposed to other languages like Java or C++ that have both Integers (whole numbers) and Floats (decimals)</a:t>
-            </a:r>
-          </a:p>
-          <a:p>
-            <a:r>
-              <a:rPr lang="en-US" dirty="0"/>
-              <a:t>Any </a:t>
+              <a:t>A </a:t>
             </a:r>
             <a:r>
               <a:rPr lang="en-US" b="1" i="1" dirty="0"/>
-              <a:t>number</a:t>
-            </a:r>
-            <a:r>
-              <a:rPr lang="en-US" dirty="0"/>
-              <a:t> can be written with or without decimals</a:t>
-            </a:r>
+              <a:t>Boolean</a:t>
+            </a:r>
+            <a:r>
+              <a:rPr lang="en-US" dirty="0"/>
+              <a:t> is a data type that can have only 2 possible values: </a:t>
+            </a:r>
+            <a:r>
+              <a:rPr lang="en-US" i="1" dirty="0"/>
+              <a:t>True</a:t>
+            </a:r>
+            <a:r>
+              <a:rPr lang="en-US" dirty="0"/>
+              <a:t> or </a:t>
+            </a:r>
+            <a:r>
+              <a:rPr lang="en-US" i="1" dirty="0"/>
+              <a:t>False</a:t>
+            </a:r>
+            <a:endParaRPr lang="en-US" dirty="0"/>
+          </a:p>
+          <a:p>
+            <a:r>
+              <a:rPr lang="en-US" dirty="0"/>
+              <a:t>We’ll talk about </a:t>
+            </a:r>
+            <a:r>
+              <a:rPr lang="en-US" i="1" dirty="0"/>
+              <a:t>Booleans</a:t>
+            </a:r>
+            <a:r>
+              <a:rPr lang="en-US" dirty="0"/>
+              <a:t> a ton when we work with </a:t>
+            </a:r>
+            <a:r>
+              <a:rPr lang="en-US" i="1" dirty="0"/>
+              <a:t>conditionals</a:t>
+            </a:r>
+          </a:p>
+          <a:p>
+            <a:endParaRPr lang="en-US" i="1" dirty="0"/>
+          </a:p>
+          <a:p>
+            <a:endParaRPr lang="en-US" i="1" dirty="0"/>
+          </a:p>
+          <a:p>
+            <a:endParaRPr lang="en-US" i="1" dirty="0"/>
+          </a:p>
+          <a:p>
+            <a:endParaRPr lang="en-US" i="1" dirty="0"/>
+          </a:p>
+          <a:p>
+            <a:endParaRPr lang="en-US" i="1" dirty="0"/>
+          </a:p>
+          <a:p>
+            <a:endParaRPr lang="en-US" i="1" dirty="0"/>
+          </a:p>
+          <a:p>
+            <a:endParaRPr lang="en-US" i="1" dirty="0"/>
+          </a:p>
+          <a:p>
+            <a:endParaRPr lang="en-US" i="1" dirty="0"/>
+          </a:p>
+          <a:p>
+            <a:endParaRPr lang="en-US" i="1" dirty="0"/>
+          </a:p>
+          <a:p>
+            <a:endParaRPr lang="en-US" i="1" dirty="0"/>
+          </a:p>
+          <a:p>
+            <a:endParaRPr lang="en-US" i="1" dirty="0"/>
+          </a:p>
+          <a:p>
+            <a:endParaRPr lang="en-US" i="1" dirty="0"/>
+          </a:p>
+          <a:p>
+            <a:endParaRPr lang="en-US" i="1" dirty="0"/>
+          </a:p>
+          <a:p>
+            <a:endParaRPr lang="en-US" i="1" dirty="0"/>
+          </a:p>
+          <a:p>
+            <a:endParaRPr lang="en-US" i="1" dirty="0"/>
+          </a:p>
+          <a:p>
+            <a:endParaRPr lang="en-US" i="1" dirty="0"/>
+          </a:p>
+          <a:p>
+            <a:endParaRPr lang="en-US" i="1" dirty="0"/>
+          </a:p>
+          <a:p>
+            <a:endParaRPr lang="en-US" i="1" dirty="0"/>
+          </a:p>
+          <a:p>
+            <a:endParaRPr lang="en-US" i="1" dirty="0"/>
+          </a:p>
+          <a:p>
+            <a:endParaRPr lang="en-US" i="1" dirty="0"/>
+          </a:p>
+          <a:p>
+            <a:endParaRPr lang="en-US" i="1" dirty="0"/>
+          </a:p>
+          <a:p>
+            <a:endParaRPr lang="en-US" i="1" dirty="0"/>
+          </a:p>
+          <a:p>
+            <a:endParaRPr lang="en-US" i="1" dirty="0"/>
+          </a:p>
+          <a:p>
+            <a:endParaRPr lang="en-US" i="1" dirty="0"/>
+          </a:p>
+          <a:p>
+            <a:endParaRPr lang="en-US" i="1" dirty="0"/>
+          </a:p>
+          <a:p>
+            <a:endParaRPr lang="en-US" i="1" dirty="0"/>
+          </a:p>
+          <a:p>
+            <a:endParaRPr lang="en-US" i="1" dirty="0"/>
+          </a:p>
+          <a:p>
+            <a:endParaRPr lang="en-US" i="1" dirty="0"/>
+          </a:p>
+          <a:p>
+            <a:endParaRPr lang="en-US" i="1" dirty="0"/>
+          </a:p>
+          <a:p>
+            <a:endParaRPr lang="en-US" i="1" dirty="0"/>
+          </a:p>
+          <a:p>
+            <a:endParaRPr lang="en-US" i="1" dirty="0"/>
+          </a:p>
+          <a:p>
+            <a:endParaRPr lang="en-US" i="1" dirty="0"/>
+          </a:p>
+          <a:p>
+            <a:endParaRPr lang="en-US" i="1" dirty="0"/>
+          </a:p>
+          <a:p>
+            <a:endParaRPr lang="en-US" i="1" dirty="0"/>
+          </a:p>
+          <a:p>
+            <a:endParaRPr lang="en-US" i="1" dirty="0"/>
+          </a:p>
+          <a:p>
+            <a:endParaRPr lang="en-US" i="1" dirty="0"/>
+          </a:p>
+          <a:p>
+            <a:endParaRPr lang="en-US" i="1" dirty="0"/>
+          </a:p>
+          <a:p>
+            <a:pPr marL="0" indent="0">
+              <a:buNone/>
+            </a:pPr>
+            <a:endParaRPr lang="en-US" dirty="0"/>
           </a:p>
         </p:txBody>
       </p:sp>
@@ -13807,7 +11303,7 @@
           <p:cNvPr id="5" name="Picture 4">
             <a:extLst>
               <a:ext uri="{FF2B5EF4-FFF2-40B4-BE49-F238E27FC236}">
-                <a16:creationId xmlns:a16="http://schemas.microsoft.com/office/drawing/2014/main" id="{0F67258B-E37F-4F62-A485-31E6946B1E12}"/>
+                <a16:creationId xmlns:a16="http://schemas.microsoft.com/office/drawing/2014/main" id="{9BC326D0-4156-4EAD-BC9C-A05F5E2F731A}"/>
               </a:ext>
             </a:extLst>
           </p:cNvPr>
@@ -13830,8 +11326,44 @@
         </p:blipFill>
         <p:spPr>
           <a:xfrm>
-            <a:off x="6992471" y="3565510"/>
-            <a:ext cx="5199529" cy="3292490"/>
+            <a:off x="0" y="5058951"/>
+            <a:ext cx="5755341" cy="1799715"/>
+          </a:xfrm>
+          <a:prstGeom prst="rect">
+            <a:avLst/>
+          </a:prstGeom>
+        </p:spPr>
+      </p:pic>
+      <p:pic>
+        <p:nvPicPr>
+          <p:cNvPr id="7" name="Picture 6">
+            <a:extLst>
+              <a:ext uri="{FF2B5EF4-FFF2-40B4-BE49-F238E27FC236}">
+                <a16:creationId xmlns:a16="http://schemas.microsoft.com/office/drawing/2014/main" id="{78CD640F-BB0E-4372-8CBE-08ADBAA0DB71}"/>
+              </a:ext>
+            </a:extLst>
+          </p:cNvPr>
+          <p:cNvPicPr>
+            <a:picLocks noChangeAspect="1"/>
+          </p:cNvPicPr>
+          <p:nvPr/>
+        </p:nvPicPr>
+        <p:blipFill>
+          <a:blip r:embed="rId3">
+            <a:extLst>
+              <a:ext uri="{28A0092B-C50C-407E-A947-70E740481C1C}">
+                <a14:useLocalDpi xmlns:a14="http://schemas.microsoft.com/office/drawing/2010/main" val="0"/>
+              </a:ext>
+            </a:extLst>
+          </a:blip>
+          <a:stretch>
+            <a:fillRect/>
+          </a:stretch>
+        </p:blipFill>
+        <p:spPr>
+          <a:xfrm>
+            <a:off x="5755341" y="5068959"/>
+            <a:ext cx="6436660" cy="1789042"/>
           </a:xfrm>
           <a:prstGeom prst="rect">
             <a:avLst/>
@@ -13841,7 +11373,7 @@
     </p:spTree>
     <p:extLst>
       <p:ext uri="{BB962C8B-B14F-4D97-AF65-F5344CB8AC3E}">
-        <p14:creationId xmlns:p14="http://schemas.microsoft.com/office/powerpoint/2010/main" val="1807136680"/>
+        <p14:creationId xmlns:p14="http://schemas.microsoft.com/office/powerpoint/2010/main" val="3506689929"/>
       </p:ext>
     </p:extLst>
   </p:cSld>
